--- a/AngularJS.pptx
+++ b/AngularJS.pptx
@@ -6,17 +6,21 @@
   </p:sldMasterIdLst>
   <p:sldIdLst>
     <p:sldId id="256" r:id="rId2"/>
-    <p:sldId id="264" r:id="rId3"/>
-    <p:sldId id="257" r:id="rId4"/>
-    <p:sldId id="262" r:id="rId5"/>
-    <p:sldId id="258" r:id="rId6"/>
-    <p:sldId id="259" r:id="rId7"/>
-    <p:sldId id="260" r:id="rId8"/>
-    <p:sldId id="263" r:id="rId9"/>
-    <p:sldId id="266" r:id="rId10"/>
-    <p:sldId id="268" r:id="rId11"/>
-    <p:sldId id="269" r:id="rId12"/>
-    <p:sldId id="265" r:id="rId13"/>
+    <p:sldId id="270" r:id="rId3"/>
+    <p:sldId id="271" r:id="rId4"/>
+    <p:sldId id="272" r:id="rId5"/>
+    <p:sldId id="264" r:id="rId6"/>
+    <p:sldId id="257" r:id="rId7"/>
+    <p:sldId id="262" r:id="rId8"/>
+    <p:sldId id="258" r:id="rId9"/>
+    <p:sldId id="259" r:id="rId10"/>
+    <p:sldId id="260" r:id="rId11"/>
+    <p:sldId id="263" r:id="rId12"/>
+    <p:sldId id="266" r:id="rId13"/>
+    <p:sldId id="268" r:id="rId14"/>
+    <p:sldId id="269" r:id="rId15"/>
+    <p:sldId id="265" r:id="rId16"/>
+    <p:sldId id="273" r:id="rId17"/>
   </p:sldIdLst>
   <p:sldSz cx="12192000" cy="6858000"/>
   <p:notesSz cx="6858000" cy="9144000"/>
@@ -126,8 +130,8 @@
 <file path=ppt/revisionInfo.xml><?xml version="1.0" encoding="utf-8"?>
 <p1510:revInfo xmlns:a="http://schemas.openxmlformats.org/drawingml/2006/main" xmlns:r="http://schemas.openxmlformats.org/officeDocument/2006/relationships" xmlns:p1510="http://schemas.microsoft.com/office/powerpoint/2015/10/main">
   <p1510:revLst>
+    <p1510:client id="{1320082C-A7C4-4F39-B207-5B44D2E8DB51}" v="45" dt="2019-01-21T15:48:04.955"/>
     <p1510:client id="{84984AE3-2FB9-472B-BE8B-CCC860EA6735}" v="656" dt="2019-01-20T21:09:15.280"/>
-    <p1510:client id="{1320082C-A7C4-4F39-B207-5B44D2E8DB51}" v="45" dt="2019-01-21T15:48:04.955"/>
   </p1510:revLst>
 </p1510:revInfo>
 </file>
@@ -1660,7 +1664,7 @@
           <a:p>
             <a:fld id="{6A752055-4DA1-4D46-98DA-CEE3E0EB5BBD}" type="datetimeFigureOut">
               <a:rPr lang="en-GB" smtClean="0"/>
-              <a:t>21/01/2019</a:t>
+              <a:t>24/01/2019</a:t>
             </a:fld>
             <a:endParaRPr lang="en-GB"/>
           </a:p>
@@ -1860,7 +1864,7 @@
           <a:p>
             <a:fld id="{6A752055-4DA1-4D46-98DA-CEE3E0EB5BBD}" type="datetimeFigureOut">
               <a:rPr lang="en-GB" smtClean="0"/>
-              <a:t>21/01/2019</a:t>
+              <a:t>24/01/2019</a:t>
             </a:fld>
             <a:endParaRPr lang="en-GB"/>
           </a:p>
@@ -2070,7 +2074,7 @@
           <a:p>
             <a:fld id="{6A752055-4DA1-4D46-98DA-CEE3E0EB5BBD}" type="datetimeFigureOut">
               <a:rPr lang="en-GB" smtClean="0"/>
-              <a:t>21/01/2019</a:t>
+              <a:t>24/01/2019</a:t>
             </a:fld>
             <a:endParaRPr lang="en-GB"/>
           </a:p>
@@ -2270,7 +2274,7 @@
           <a:p>
             <a:fld id="{6A752055-4DA1-4D46-98DA-CEE3E0EB5BBD}" type="datetimeFigureOut">
               <a:rPr lang="en-GB" smtClean="0"/>
-              <a:t>21/01/2019</a:t>
+              <a:t>24/01/2019</a:t>
             </a:fld>
             <a:endParaRPr lang="en-GB"/>
           </a:p>
@@ -2546,7 +2550,7 @@
           <a:p>
             <a:fld id="{6A752055-4DA1-4D46-98DA-CEE3E0EB5BBD}" type="datetimeFigureOut">
               <a:rPr lang="en-GB" smtClean="0"/>
-              <a:t>21/01/2019</a:t>
+              <a:t>24/01/2019</a:t>
             </a:fld>
             <a:endParaRPr lang="en-GB"/>
           </a:p>
@@ -2814,7 +2818,7 @@
           <a:p>
             <a:fld id="{6A752055-4DA1-4D46-98DA-CEE3E0EB5BBD}" type="datetimeFigureOut">
               <a:rPr lang="en-GB" smtClean="0"/>
-              <a:t>21/01/2019</a:t>
+              <a:t>24/01/2019</a:t>
             </a:fld>
             <a:endParaRPr lang="en-GB"/>
           </a:p>
@@ -3229,7 +3233,7 @@
           <a:p>
             <a:fld id="{6A752055-4DA1-4D46-98DA-CEE3E0EB5BBD}" type="datetimeFigureOut">
               <a:rPr lang="en-GB" smtClean="0"/>
-              <a:t>21/01/2019</a:t>
+              <a:t>24/01/2019</a:t>
             </a:fld>
             <a:endParaRPr lang="en-GB"/>
           </a:p>
@@ -3371,7 +3375,7 @@
           <a:p>
             <a:fld id="{6A752055-4DA1-4D46-98DA-CEE3E0EB5BBD}" type="datetimeFigureOut">
               <a:rPr lang="en-GB" smtClean="0"/>
-              <a:t>21/01/2019</a:t>
+              <a:t>24/01/2019</a:t>
             </a:fld>
             <a:endParaRPr lang="en-GB"/>
           </a:p>
@@ -3484,7 +3488,7 @@
           <a:p>
             <a:fld id="{6A752055-4DA1-4D46-98DA-CEE3E0EB5BBD}" type="datetimeFigureOut">
               <a:rPr lang="en-GB" smtClean="0"/>
-              <a:t>21/01/2019</a:t>
+              <a:t>24/01/2019</a:t>
             </a:fld>
             <a:endParaRPr lang="en-GB"/>
           </a:p>
@@ -3797,7 +3801,7 @@
           <a:p>
             <a:fld id="{6A752055-4DA1-4D46-98DA-CEE3E0EB5BBD}" type="datetimeFigureOut">
               <a:rPr lang="en-GB" smtClean="0"/>
-              <a:t>21/01/2019</a:t>
+              <a:t>24/01/2019</a:t>
             </a:fld>
             <a:endParaRPr lang="en-GB"/>
           </a:p>
@@ -4086,7 +4090,7 @@
           <a:p>
             <a:fld id="{6A752055-4DA1-4D46-98DA-CEE3E0EB5BBD}" type="datetimeFigureOut">
               <a:rPr lang="en-GB" smtClean="0"/>
-              <a:t>21/01/2019</a:t>
+              <a:t>24/01/2019</a:t>
             </a:fld>
             <a:endParaRPr lang="en-GB"/>
           </a:p>
@@ -4329,7 +4333,7 @@
           <a:p>
             <a:fld id="{6A752055-4DA1-4D46-98DA-CEE3E0EB5BBD}" type="datetimeFigureOut">
               <a:rPr lang="en-GB" smtClean="0"/>
-              <a:t>21/01/2019</a:t>
+              <a:t>24/01/2019</a:t>
             </a:fld>
             <a:endParaRPr lang="en-GB"/>
           </a:p>
@@ -4840,10 +4844,10 @@
       </p:grpSpPr>
       <p:pic>
         <p:nvPicPr>
-          <p:cNvPr id="5" name="Picture 4">
+          <p:cNvPr id="3" name="Picture 2">
             <a:extLst>
               <a:ext uri="{FF2B5EF4-FFF2-40B4-BE49-F238E27FC236}">
-                <a16:creationId xmlns:a16="http://schemas.microsoft.com/office/drawing/2014/main" id="{21A6958E-148C-4C17-847C-5906A3C877E7}"/>
+                <a16:creationId xmlns:a16="http://schemas.microsoft.com/office/drawing/2014/main" id="{14F683D5-4491-484B-81F2-BAA67CB73913}"/>
               </a:ext>
             </a:extLst>
           </p:cNvPr>
@@ -4866,8 +4870,8 @@
         </p:blipFill>
         <p:spPr>
           <a:xfrm>
-            <a:off x="261774" y="1035368"/>
-            <a:ext cx="4505325" cy="2200275"/>
+            <a:off x="194622" y="201943"/>
+            <a:ext cx="6112329" cy="4543425"/>
           </a:xfrm>
           <a:prstGeom prst="rect">
             <a:avLst/>
@@ -4876,10 +4880,10 @@
       </p:pic>
       <p:sp>
         <p:nvSpPr>
-          <p:cNvPr id="9" name="TextBox 8">
+          <p:cNvPr id="4" name="TextBox 3">
             <a:extLst>
               <a:ext uri="{FF2B5EF4-FFF2-40B4-BE49-F238E27FC236}">
-                <a16:creationId xmlns:a16="http://schemas.microsoft.com/office/drawing/2014/main" id="{621CD686-7C5C-4285-863B-8986B754AADE}"/>
+                <a16:creationId xmlns:a16="http://schemas.microsoft.com/office/drawing/2014/main" id="{6F8D341E-FEAB-402F-B126-9E8B85326AFD}"/>
               </a:ext>
             </a:extLst>
           </p:cNvPr>
@@ -4888,8 +4892,8 @@
         </p:nvSpPr>
         <p:spPr>
           <a:xfrm>
-            <a:off x="4897949" y="1035368"/>
-            <a:ext cx="6986721" cy="4801314"/>
+            <a:off x="6306951" y="201943"/>
+            <a:ext cx="5152564" cy="646331"/>
           </a:xfrm>
           <a:prstGeom prst="rect">
             <a:avLst/>
@@ -4903,118 +4907,8 @@
           <a:lstStyle/>
           <a:p>
             <a:r>
-              <a:rPr lang="en-GB" dirty="0">
-                <a:solidFill>
-                  <a:srgbClr val="EBDBB2"/>
-                </a:solidFill>
-                <a:latin typeface="Consolas" panose="020B0609020204030204" pitchFamily="49" charset="0"/>
-              </a:rPr>
-              <a:t>&lt;</a:t>
-            </a:r>
-            <a:r>
-              <a:rPr lang="en-GB" dirty="0">
-                <a:solidFill>
-                  <a:srgbClr val="FABD2F"/>
-                </a:solidFill>
-                <a:latin typeface="Consolas" panose="020B0609020204030204" pitchFamily="49" charset="0"/>
-              </a:rPr>
-              <a:t>input</a:t>
-            </a:r>
-            <a:r>
-              <a:rPr lang="en-GB" dirty="0">
-                <a:solidFill>
-                  <a:srgbClr val="F2E5BC"/>
-                </a:solidFill>
-                <a:latin typeface="Consolas" panose="020B0609020204030204" pitchFamily="49" charset="0"/>
-              </a:rPr>
-              <a:t> </a:t>
-            </a:r>
-            <a:r>
-              <a:rPr lang="en-GB" dirty="0">
-                <a:solidFill>
-                  <a:srgbClr val="7EC16E"/>
-                </a:solidFill>
-                <a:latin typeface="Consolas" panose="020B0609020204030204" pitchFamily="49" charset="0"/>
-              </a:rPr>
-              <a:t>type</a:t>
-            </a:r>
-            <a:r>
-              <a:rPr lang="en-GB" dirty="0">
-                <a:solidFill>
-                  <a:srgbClr val="EBDBB2"/>
-                </a:solidFill>
-                <a:latin typeface="Consolas" panose="020B0609020204030204" pitchFamily="49" charset="0"/>
-              </a:rPr>
-              <a:t>="</a:t>
-            </a:r>
-            <a:r>
-              <a:rPr lang="en-GB" dirty="0">
-                <a:solidFill>
-                  <a:srgbClr val="B8BB26"/>
-                </a:solidFill>
-                <a:latin typeface="Consolas" panose="020B0609020204030204" pitchFamily="49" charset="0"/>
-              </a:rPr>
-              <a:t>text</a:t>
-            </a:r>
-            <a:r>
-              <a:rPr lang="en-GB" dirty="0">
-                <a:solidFill>
-                  <a:srgbClr val="EBDBB2"/>
-                </a:solidFill>
-                <a:latin typeface="Consolas" panose="020B0609020204030204" pitchFamily="49" charset="0"/>
-              </a:rPr>
-              <a:t>"</a:t>
-            </a:r>
-            <a:r>
-              <a:rPr lang="en-GB" dirty="0">
-                <a:solidFill>
-                  <a:srgbClr val="F2E5BC"/>
-                </a:solidFill>
-                <a:latin typeface="Consolas" panose="020B0609020204030204" pitchFamily="49" charset="0"/>
-              </a:rPr>
-              <a:t> </a:t>
-            </a:r>
-            <a:r>
-              <a:rPr lang="en-GB" dirty="0">
-                <a:solidFill>
-                  <a:srgbClr val="7EC16E"/>
-                </a:solidFill>
-                <a:latin typeface="Consolas" panose="020B0609020204030204" pitchFamily="49" charset="0"/>
-              </a:rPr>
-              <a:t>ng-model</a:t>
-            </a:r>
-            <a:r>
-              <a:rPr lang="en-GB" dirty="0">
-                <a:solidFill>
-                  <a:srgbClr val="EBDBB2"/>
-                </a:solidFill>
-                <a:latin typeface="Consolas" panose="020B0609020204030204" pitchFamily="49" charset="0"/>
-              </a:rPr>
-              <a:t>="</a:t>
-            </a:r>
-            <a:r>
-              <a:rPr lang="en-GB" dirty="0">
-                <a:solidFill>
-                  <a:srgbClr val="B8BB26"/>
-                </a:solidFill>
-                <a:latin typeface="Consolas" panose="020B0609020204030204" pitchFamily="49" charset="0"/>
-              </a:rPr>
-              <a:t>input</a:t>
-            </a:r>
-            <a:r>
-              <a:rPr lang="en-GB" dirty="0">
-                <a:solidFill>
-                  <a:srgbClr val="EBDBB2"/>
-                </a:solidFill>
-                <a:latin typeface="Consolas" panose="020B0609020204030204" pitchFamily="49" charset="0"/>
-              </a:rPr>
-              <a:t>"&gt;</a:t>
-            </a:r>
-          </a:p>
-          <a:p>
-            <a:r>
               <a:rPr lang="en-US" dirty="0" err="1"/>
-              <a:t>ngModel</a:t>
+              <a:t>Ovde</a:t>
             </a:r>
             <a:r>
               <a:rPr lang="en-US" dirty="0"/>
@@ -5022,7 +4916,15 @@
             </a:r>
             <a:r>
               <a:rPr lang="en-US" dirty="0" err="1"/>
-              <a:t>direktiva</a:t>
+              <a:t>vidimo</a:t>
+            </a:r>
+            <a:r>
+              <a:rPr lang="en-US" dirty="0"/>
+              <a:t> AngularJS </a:t>
+            </a:r>
+            <a:r>
+              <a:rPr lang="en-US" dirty="0" err="1"/>
+              <a:t>kontroler</a:t>
             </a:r>
             <a:r>
               <a:rPr lang="en-US" dirty="0"/>
@@ -5030,285 +4932,134 @@
             </a:r>
             <a:r>
               <a:rPr lang="en-US" dirty="0" err="1"/>
-              <a:t>vezuje</a:t>
-            </a:r>
-            <a:r>
-              <a:rPr lang="en-US" dirty="0"/>
-              <a:t> input, select, </a:t>
-            </a:r>
-            <a:r>
-              <a:rPr lang="en-US" dirty="0" err="1"/>
-              <a:t>textarea</a:t>
-            </a:r>
-            <a:r>
-              <a:rPr lang="en-US" dirty="0"/>
-              <a:t>, </a:t>
-            </a:r>
-            <a:r>
-              <a:rPr lang="en-US" dirty="0" err="1"/>
-              <a:t>ili</a:t>
-            </a:r>
-            <a:r>
-              <a:rPr lang="en-US" dirty="0"/>
-              <a:t> custom form </a:t>
-            </a:r>
-            <a:r>
-              <a:rPr lang="en-US" dirty="0" err="1"/>
-              <a:t>kontrolu</a:t>
-            </a:r>
-            <a:endParaRPr lang="en-US" dirty="0"/>
-          </a:p>
-          <a:p>
-            <a:r>
-              <a:rPr lang="en-US" dirty="0"/>
-              <a:t>za </a:t>
-            </a:r>
-            <a:r>
-              <a:rPr lang="en-US" dirty="0" err="1"/>
-              <a:t>variablu</a:t>
-            </a:r>
-            <a:r>
-              <a:rPr lang="en-US" dirty="0"/>
-              <a:t> u </a:t>
-            </a:r>
-            <a:r>
-              <a:rPr lang="en-US" dirty="0" err="1"/>
-              <a:t>datom</a:t>
-            </a:r>
-            <a:r>
-              <a:rPr lang="en-US" dirty="0"/>
-              <a:t> scope-u.</a:t>
-            </a:r>
-            <a:endParaRPr lang="en-US" dirty="0">
-              <a:solidFill>
-                <a:srgbClr val="EBDBB2"/>
-              </a:solidFill>
-              <a:latin typeface="Consolas" panose="020B0609020204030204" pitchFamily="49" charset="0"/>
-            </a:endParaRPr>
-          </a:p>
-          <a:p>
-            <a:r>
-              <a:rPr lang="en-GB" dirty="0">
-                <a:solidFill>
-                  <a:srgbClr val="EBDBB2"/>
-                </a:solidFill>
-                <a:latin typeface="Consolas" panose="020B0609020204030204" pitchFamily="49" charset="0"/>
-              </a:rPr>
-              <a:t>&lt;</a:t>
-            </a:r>
-            <a:r>
-              <a:rPr lang="en-GB" dirty="0">
-                <a:solidFill>
-                  <a:srgbClr val="FABD2F"/>
-                </a:solidFill>
-                <a:latin typeface="Consolas" panose="020B0609020204030204" pitchFamily="49" charset="0"/>
-              </a:rPr>
-              <a:t>input</a:t>
-            </a:r>
-            <a:r>
-              <a:rPr lang="en-GB" dirty="0">
-                <a:solidFill>
-                  <a:srgbClr val="F2E5BC"/>
-                </a:solidFill>
-                <a:latin typeface="Consolas" panose="020B0609020204030204" pitchFamily="49" charset="0"/>
-              </a:rPr>
-              <a:t> </a:t>
-            </a:r>
-            <a:r>
-              <a:rPr lang="en-GB" dirty="0">
-                <a:solidFill>
-                  <a:srgbClr val="7EC16E"/>
-                </a:solidFill>
-                <a:latin typeface="Consolas" panose="020B0609020204030204" pitchFamily="49" charset="0"/>
-              </a:rPr>
-              <a:t>type</a:t>
-            </a:r>
-            <a:r>
-              <a:rPr lang="en-GB" dirty="0">
-                <a:solidFill>
-                  <a:srgbClr val="EBDBB2"/>
-                </a:solidFill>
-                <a:latin typeface="Consolas" panose="020B0609020204030204" pitchFamily="49" charset="0"/>
-              </a:rPr>
-              <a:t>="</a:t>
-            </a:r>
-            <a:r>
-              <a:rPr lang="en-GB" dirty="0">
-                <a:solidFill>
-                  <a:srgbClr val="B8BB26"/>
-                </a:solidFill>
-                <a:latin typeface="Consolas" panose="020B0609020204030204" pitchFamily="49" charset="0"/>
-              </a:rPr>
-              <a:t>text</a:t>
-            </a:r>
-            <a:r>
-              <a:rPr lang="en-GB" dirty="0">
-                <a:solidFill>
-                  <a:srgbClr val="EBDBB2"/>
-                </a:solidFill>
-                <a:latin typeface="Consolas" panose="020B0609020204030204" pitchFamily="49" charset="0"/>
-              </a:rPr>
-              <a:t>"</a:t>
-            </a:r>
-            <a:r>
-              <a:rPr lang="en-GB" dirty="0">
-                <a:solidFill>
-                  <a:srgbClr val="F2E5BC"/>
-                </a:solidFill>
-                <a:latin typeface="Consolas" panose="020B0609020204030204" pitchFamily="49" charset="0"/>
-              </a:rPr>
-              <a:t> </a:t>
-            </a:r>
-            <a:r>
-              <a:rPr lang="en-GB" dirty="0">
-                <a:solidFill>
-                  <a:srgbClr val="7EC16E"/>
-                </a:solidFill>
-                <a:latin typeface="Consolas" panose="020B0609020204030204" pitchFamily="49" charset="0"/>
-              </a:rPr>
-              <a:t>ng-value</a:t>
-            </a:r>
-            <a:r>
-              <a:rPr lang="en-GB" dirty="0">
-                <a:solidFill>
-                  <a:srgbClr val="EBDBB2"/>
-                </a:solidFill>
-                <a:latin typeface="Consolas" panose="020B0609020204030204" pitchFamily="49" charset="0"/>
-              </a:rPr>
-              <a:t>="</a:t>
-            </a:r>
-            <a:r>
-              <a:rPr lang="en-GB" dirty="0">
-                <a:solidFill>
-                  <a:srgbClr val="B8BB26"/>
-                </a:solidFill>
-                <a:latin typeface="Consolas" panose="020B0609020204030204" pitchFamily="49" charset="0"/>
-              </a:rPr>
-              <a:t>input</a:t>
-            </a:r>
-            <a:r>
-              <a:rPr lang="en-GB" dirty="0">
-                <a:solidFill>
-                  <a:srgbClr val="EBDBB2"/>
-                </a:solidFill>
-                <a:latin typeface="Consolas" panose="020B0609020204030204" pitchFamily="49" charset="0"/>
-              </a:rPr>
-              <a:t>"&gt;</a:t>
-            </a:r>
-          </a:p>
-          <a:p>
-            <a:r>
-              <a:rPr lang="en-US" dirty="0" err="1"/>
-              <a:t>ngValue</a:t>
+              <a:t>koji</a:t>
             </a:r>
             <a:r>
               <a:rPr lang="en-US" dirty="0"/>
               <a:t> </a:t>
             </a:r>
             <a:r>
-              <a:rPr lang="en-US" dirty="0" err="1"/>
-              <a:t>direktiva</a:t>
-            </a:r>
-            <a:r>
-              <a:rPr lang="en-US" dirty="0"/>
+              <a:rPr lang="sr-Latn-RS" dirty="0"/>
+              <a:t>za sada samo</a:t>
+            </a:r>
+          </a:p>
+          <a:p>
+            <a:r>
+              <a:rPr lang="sr-Latn-RS" dirty="0"/>
+              <a:t>inicijalizuje objekat </a:t>
+            </a:r>
+            <a:r>
+              <a:rPr lang="sr-Latn-RS" b="1" dirty="0"/>
+              <a:t>phones</a:t>
+            </a:r>
+            <a:r>
+              <a:rPr lang="sr-Latn-RS" dirty="0"/>
+              <a:t> koji prikazujemo u html-u</a:t>
+            </a:r>
+            <a:endParaRPr lang="en-GB" dirty="0"/>
+          </a:p>
+        </p:txBody>
+      </p:sp>
+      <p:sp>
+        <p:nvSpPr>
+          <p:cNvPr id="5" name="Rectangle 4">
+            <a:extLst>
+              <a:ext uri="{FF2B5EF4-FFF2-40B4-BE49-F238E27FC236}">
+                <a16:creationId xmlns:a16="http://schemas.microsoft.com/office/drawing/2014/main" id="{49B8DDE5-0F00-4158-9BAA-0CE42ECA5329}"/>
+              </a:ext>
+            </a:extLst>
+          </p:cNvPr>
+          <p:cNvSpPr/>
+          <p:nvPr/>
+        </p:nvSpPr>
+        <p:spPr>
+          <a:xfrm>
+            <a:off x="6306951" y="848274"/>
+            <a:ext cx="6112329" cy="3970318"/>
+          </a:xfrm>
+          <a:prstGeom prst="rect">
+            <a:avLst/>
+          </a:prstGeom>
+        </p:spPr>
+        <p:txBody>
+          <a:bodyPr wrap="square">
+            <a:spAutoFit/>
+          </a:bodyPr>
+          <a:lstStyle/>
+          <a:p>
+            <a:r>
+              <a:rPr lang="en-GB" dirty="0">
+                <a:solidFill>
+                  <a:srgbClr val="99C6CA"/>
+                </a:solidFill>
+                <a:latin typeface="Consolas" panose="020B0609020204030204" pitchFamily="49" charset="0"/>
+              </a:rPr>
+              <a:t>$</a:t>
+            </a:r>
+            <a:r>
+              <a:rPr lang="en-GB" dirty="0" err="1">
+                <a:solidFill>
+                  <a:srgbClr val="99C6CA"/>
+                </a:solidFill>
+                <a:latin typeface="Consolas" panose="020B0609020204030204" pitchFamily="49" charset="0"/>
+              </a:rPr>
+              <a:t>scope</a:t>
+            </a:r>
+            <a:r>
+              <a:rPr lang="en-GB" dirty="0" err="1">
+                <a:solidFill>
+                  <a:srgbClr val="EBDBB2"/>
+                </a:solidFill>
+                <a:latin typeface="Consolas" panose="020B0609020204030204" pitchFamily="49" charset="0"/>
+              </a:rPr>
+              <a:t>.</a:t>
+            </a:r>
+            <a:r>
+              <a:rPr lang="en-GB" dirty="0" err="1">
+                <a:solidFill>
+                  <a:srgbClr val="99C6CA"/>
+                </a:solidFill>
+                <a:latin typeface="Consolas" panose="020B0609020204030204" pitchFamily="49" charset="0"/>
+              </a:rPr>
+              <a:t>phones</a:t>
+            </a:r>
+            <a:r>
+              <a:rPr lang="en-GB" dirty="0">
+                <a:solidFill>
+                  <a:srgbClr val="F2E5BC"/>
+                </a:solidFill>
+                <a:latin typeface="Consolas" panose="020B0609020204030204" pitchFamily="49" charset="0"/>
+              </a:rPr>
               <a:t> </a:t>
             </a:r>
             <a:r>
-              <a:rPr lang="en-US" dirty="0" err="1"/>
-              <a:t>vezuje</a:t>
-            </a:r>
-            <a:r>
-              <a:rPr lang="en-US" dirty="0"/>
-              <a:t> </a:t>
-            </a:r>
-            <a:r>
-              <a:rPr lang="en-US" dirty="0" err="1"/>
-              <a:t>izraz</a:t>
-            </a:r>
-            <a:r>
-              <a:rPr lang="en-US" dirty="0"/>
-              <a:t> za </a:t>
-            </a:r>
-            <a:r>
-              <a:rPr lang="en-US" dirty="0" err="1"/>
-              <a:t>vrednost</a:t>
-            </a:r>
-            <a:r>
-              <a:rPr lang="en-US" dirty="0"/>
-              <a:t> </a:t>
-            </a:r>
-            <a:r>
-              <a:rPr lang="en-US" dirty="0" err="1"/>
-              <a:t>elementa</a:t>
-            </a:r>
-            <a:endParaRPr lang="en-GB" dirty="0"/>
-          </a:p>
-          <a:p>
-            <a:r>
               <a:rPr lang="en-GB" dirty="0">
                 <a:solidFill>
+                  <a:srgbClr val="7EC16E"/>
+                </a:solidFill>
+                <a:latin typeface="Consolas" panose="020B0609020204030204" pitchFamily="49" charset="0"/>
+              </a:rPr>
+              <a:t>=</a:t>
+            </a:r>
+            <a:r>
+              <a:rPr lang="en-GB" dirty="0">
+                <a:solidFill>
                   <a:srgbClr val="F2E5BC"/>
                 </a:solidFill>
                 <a:latin typeface="Consolas" panose="020B0609020204030204" pitchFamily="49" charset="0"/>
               </a:rPr>
-              <a:t>{{input}}</a:t>
-            </a:r>
-          </a:p>
-          <a:p>
-            <a:r>
-              <a:rPr lang="en-US" dirty="0" err="1"/>
-              <a:t>Sli</a:t>
-            </a:r>
-            <a:r>
-              <a:rPr lang="sr-Latn-RS" dirty="0"/>
-              <a:t>čno kao </a:t>
-            </a:r>
-            <a:r>
-              <a:rPr lang="en-US" dirty="0" err="1"/>
-              <a:t>ngValue</a:t>
-            </a:r>
-            <a:r>
-              <a:rPr lang="en-US" dirty="0"/>
-              <a:t> </a:t>
-            </a:r>
-            <a:r>
-              <a:rPr lang="en-US" dirty="0" err="1"/>
-              <a:t>direktiva</a:t>
-            </a:r>
-            <a:r>
-              <a:rPr lang="sr-Latn-RS" dirty="0"/>
-              <a:t>, interpolacija </a:t>
-            </a:r>
-            <a:r>
-              <a:rPr lang="en-US" dirty="0" err="1"/>
-              <a:t>vezuje</a:t>
-            </a:r>
-            <a:r>
-              <a:rPr lang="en-US" dirty="0"/>
-              <a:t> </a:t>
-            </a:r>
-            <a:r>
-              <a:rPr lang="en-US" dirty="0" err="1"/>
-              <a:t>izraz</a:t>
-            </a:r>
-            <a:r>
-              <a:rPr lang="en-US" dirty="0"/>
-              <a:t> za</a:t>
-            </a:r>
-            <a:endParaRPr lang="sr-Latn-RS" dirty="0"/>
-          </a:p>
-          <a:p>
-            <a:r>
-              <a:rPr lang="en-US" dirty="0" err="1"/>
-              <a:t>vrednost</a:t>
-            </a:r>
-            <a:r>
-              <a:rPr lang="en-US" dirty="0"/>
-              <a:t> </a:t>
-            </a:r>
-            <a:r>
-              <a:rPr lang="en-US" dirty="0" err="1"/>
-              <a:t>elementa</a:t>
+              <a:t> [</a:t>
+            </a:r>
+          </a:p>
+          <a:p>
+            <a:r>
+              <a:rPr lang="en-GB" dirty="0">
+                <a:solidFill>
+                  <a:srgbClr val="EBDBB2"/>
+                </a:solidFill>
+                <a:latin typeface="Consolas" panose="020B0609020204030204" pitchFamily="49" charset="0"/>
+              </a:rPr>
+              <a:t>{</a:t>
             </a:r>
             <a:endParaRPr lang="en-GB" dirty="0">
               <a:solidFill>
@@ -5321,20 +5072,20 @@
             <a:r>
               <a:rPr lang="en-GB" dirty="0">
                 <a:solidFill>
+                  <a:srgbClr val="F2E5BC"/>
+                </a:solidFill>
+                <a:latin typeface="Consolas" panose="020B0609020204030204" pitchFamily="49" charset="0"/>
+              </a:rPr>
+              <a:t>name</a:t>
+            </a:r>
+            <a:r>
+              <a:rPr lang="en-GB" dirty="0">
+                <a:solidFill>
                   <a:srgbClr val="EBDBB2"/>
                 </a:solidFill>
                 <a:latin typeface="Consolas" panose="020B0609020204030204" pitchFamily="49" charset="0"/>
               </a:rPr>
-              <a:t>&lt;</a:t>
-            </a:r>
-            <a:r>
-              <a:rPr lang="en-GB" dirty="0" err="1">
-                <a:solidFill>
-                  <a:srgbClr val="FABD2F"/>
-                </a:solidFill>
-                <a:latin typeface="Consolas" panose="020B0609020204030204" pitchFamily="49" charset="0"/>
-              </a:rPr>
-              <a:t>img</a:t>
+              <a:t>:</a:t>
             </a:r>
             <a:r>
               <a:rPr lang="en-GB" dirty="0">
@@ -5348,350 +5099,29 @@
             <a:r>
               <a:rPr lang="en-GB" dirty="0">
                 <a:solidFill>
-                  <a:srgbClr val="7EC16E"/>
-                </a:solidFill>
-                <a:latin typeface="Consolas" panose="020B0609020204030204" pitchFamily="49" charset="0"/>
-              </a:rPr>
-              <a:t>ng-</a:t>
-            </a:r>
-            <a:r>
-              <a:rPr lang="en-GB" dirty="0" err="1">
-                <a:solidFill>
-                  <a:srgbClr val="7EC16E"/>
-                </a:solidFill>
-                <a:latin typeface="Consolas" panose="020B0609020204030204" pitchFamily="49" charset="0"/>
-              </a:rPr>
-              <a:t>src</a:t>
+                  <a:srgbClr val="EBDBB2"/>
+                </a:solidFill>
+                <a:latin typeface="Consolas" panose="020B0609020204030204" pitchFamily="49" charset="0"/>
+              </a:rPr>
+              <a:t>'</a:t>
             </a:r>
             <a:r>
               <a:rPr lang="en-GB" dirty="0">
                 <a:solidFill>
+                  <a:srgbClr val="B8BB26"/>
+                </a:solidFill>
+                <a:latin typeface="Consolas" panose="020B0609020204030204" pitchFamily="49" charset="0"/>
+              </a:rPr>
+              <a:t>Nexus S</a:t>
+            </a:r>
+            <a:r>
+              <a:rPr lang="en-GB" dirty="0">
+                <a:solidFill>
                   <a:srgbClr val="EBDBB2"/>
                 </a:solidFill>
                 <a:latin typeface="Consolas" panose="020B0609020204030204" pitchFamily="49" charset="0"/>
               </a:rPr>
-              <a:t>="</a:t>
-            </a:r>
-            <a:r>
-              <a:rPr lang="en-GB" dirty="0">
-                <a:solidFill>
-                  <a:srgbClr val="B8BB26"/>
-                </a:solidFill>
-                <a:latin typeface="Consolas" panose="020B0609020204030204" pitchFamily="49" charset="0"/>
-              </a:rPr>
-              <a:t>{{</a:t>
-            </a:r>
-            <a:r>
-              <a:rPr lang="en-GB" dirty="0" err="1">
-                <a:solidFill>
-                  <a:srgbClr val="B8BB26"/>
-                </a:solidFill>
-                <a:latin typeface="Consolas" panose="020B0609020204030204" pitchFamily="49" charset="0"/>
-              </a:rPr>
-              <a:t>c.img</a:t>
-            </a:r>
-            <a:r>
-              <a:rPr lang="en-GB" dirty="0">
-                <a:solidFill>
-                  <a:srgbClr val="B8BB26"/>
-                </a:solidFill>
-                <a:latin typeface="Consolas" panose="020B0609020204030204" pitchFamily="49" charset="0"/>
-              </a:rPr>
-              <a:t>}}</a:t>
-            </a:r>
-            <a:r>
-              <a:rPr lang="en-GB" dirty="0">
-                <a:solidFill>
-                  <a:srgbClr val="EBDBB2"/>
-                </a:solidFill>
-                <a:latin typeface="Consolas" panose="020B0609020204030204" pitchFamily="49" charset="0"/>
-              </a:rPr>
-              <a:t>"</a:t>
-            </a:r>
-            <a:r>
-              <a:rPr lang="en-GB" dirty="0">
-                <a:solidFill>
-                  <a:srgbClr val="F2E5BC"/>
-                </a:solidFill>
-                <a:latin typeface="Consolas" panose="020B0609020204030204" pitchFamily="49" charset="0"/>
-              </a:rPr>
-              <a:t> </a:t>
-            </a:r>
-            <a:r>
-              <a:rPr lang="en-GB" dirty="0">
-                <a:solidFill>
-                  <a:srgbClr val="7EC16E"/>
-                </a:solidFill>
-                <a:latin typeface="Consolas" panose="020B0609020204030204" pitchFamily="49" charset="0"/>
-              </a:rPr>
-              <a:t>alt</a:t>
-            </a:r>
-            <a:r>
-              <a:rPr lang="en-GB" dirty="0">
-                <a:solidFill>
-                  <a:srgbClr val="EBDBB2"/>
-                </a:solidFill>
-                <a:latin typeface="Consolas" panose="020B0609020204030204" pitchFamily="49" charset="0"/>
-              </a:rPr>
-              <a:t>="</a:t>
-            </a:r>
-            <a:r>
-              <a:rPr lang="en-GB" dirty="0">
-                <a:solidFill>
-                  <a:srgbClr val="B8BB26"/>
-                </a:solidFill>
-                <a:latin typeface="Consolas" panose="020B0609020204030204" pitchFamily="49" charset="0"/>
-              </a:rPr>
-              <a:t>Cat image</a:t>
-            </a:r>
-            <a:r>
-              <a:rPr lang="en-GB" dirty="0">
-                <a:solidFill>
-                  <a:srgbClr val="EBDBB2"/>
-                </a:solidFill>
-                <a:latin typeface="Consolas" panose="020B0609020204030204" pitchFamily="49" charset="0"/>
-              </a:rPr>
-              <a:t>"&gt;</a:t>
-            </a:r>
-          </a:p>
-          <a:p>
-            <a:r>
-              <a:rPr lang="sr-Latn-RS" dirty="0"/>
-              <a:t>Interpolacija, umesto putanje do slike stoji angular varijabla</a:t>
-            </a:r>
-            <a:endParaRPr lang="en-GB" dirty="0"/>
-          </a:p>
-          <a:p>
-            <a:r>
-              <a:rPr lang="en-GB" dirty="0">
-                <a:solidFill>
-                  <a:srgbClr val="EBDBB2"/>
-                </a:solidFill>
-                <a:latin typeface="Consolas" panose="020B0609020204030204" pitchFamily="49" charset="0"/>
-              </a:rPr>
-              <a:t>&lt;</a:t>
-            </a:r>
-            <a:r>
-              <a:rPr lang="en-GB" dirty="0">
-                <a:solidFill>
-                  <a:srgbClr val="FABD2F"/>
-                </a:solidFill>
-                <a:latin typeface="Consolas" panose="020B0609020204030204" pitchFamily="49" charset="0"/>
-              </a:rPr>
-              <a:t>p</a:t>
-            </a:r>
-            <a:r>
-              <a:rPr lang="en-GB" dirty="0">
-                <a:solidFill>
-                  <a:srgbClr val="F2E5BC"/>
-                </a:solidFill>
-                <a:latin typeface="Consolas" panose="020B0609020204030204" pitchFamily="49" charset="0"/>
-              </a:rPr>
-              <a:t> </a:t>
-            </a:r>
-            <a:r>
-              <a:rPr lang="en-GB" dirty="0">
-                <a:solidFill>
-                  <a:srgbClr val="7EC16E"/>
-                </a:solidFill>
-                <a:latin typeface="Consolas" panose="020B0609020204030204" pitchFamily="49" charset="0"/>
-              </a:rPr>
-              <a:t>ng-click</a:t>
-            </a:r>
-            <a:r>
-              <a:rPr lang="en-GB" dirty="0">
-                <a:solidFill>
-                  <a:srgbClr val="EBDBB2"/>
-                </a:solidFill>
-                <a:latin typeface="Consolas" panose="020B0609020204030204" pitchFamily="49" charset="0"/>
-              </a:rPr>
-              <a:t>="</a:t>
-            </a:r>
-            <a:r>
-              <a:rPr lang="en-GB" dirty="0">
-                <a:solidFill>
-                  <a:srgbClr val="B8BB26"/>
-                </a:solidFill>
-                <a:latin typeface="Consolas" panose="020B0609020204030204" pitchFamily="49" charset="0"/>
-              </a:rPr>
-              <a:t>count = count + 1</a:t>
-            </a:r>
-            <a:r>
-              <a:rPr lang="en-GB" dirty="0">
-                <a:solidFill>
-                  <a:srgbClr val="EBDBB2"/>
-                </a:solidFill>
-                <a:latin typeface="Consolas" panose="020B0609020204030204" pitchFamily="49" charset="0"/>
-              </a:rPr>
-              <a:t>"&gt;</a:t>
-            </a:r>
-            <a:r>
-              <a:rPr lang="en-GB" dirty="0">
-                <a:solidFill>
-                  <a:srgbClr val="F2E5BC"/>
-                </a:solidFill>
-                <a:latin typeface="Consolas" panose="020B0609020204030204" pitchFamily="49" charset="0"/>
-              </a:rPr>
-              <a:t>{{ count }}</a:t>
-            </a:r>
-            <a:r>
-              <a:rPr lang="en-GB" dirty="0">
-                <a:solidFill>
-                  <a:srgbClr val="EBDBB2"/>
-                </a:solidFill>
-                <a:latin typeface="Consolas" panose="020B0609020204030204" pitchFamily="49" charset="0"/>
-              </a:rPr>
-              <a:t>&lt;/</a:t>
-            </a:r>
-            <a:r>
-              <a:rPr lang="en-GB" dirty="0">
-                <a:solidFill>
-                  <a:srgbClr val="FABD2F"/>
-                </a:solidFill>
-                <a:latin typeface="Consolas" panose="020B0609020204030204" pitchFamily="49" charset="0"/>
-              </a:rPr>
-              <a:t>p</a:t>
-            </a:r>
-            <a:r>
-              <a:rPr lang="en-GB" dirty="0">
-                <a:solidFill>
-                  <a:srgbClr val="EBDBB2"/>
-                </a:solidFill>
-                <a:latin typeface="Consolas" panose="020B0609020204030204" pitchFamily="49" charset="0"/>
-              </a:rPr>
-              <a:t>&gt;</a:t>
-            </a:r>
-          </a:p>
-          <a:p>
-            <a:r>
-              <a:rPr lang="sr-Latn-RS" dirty="0"/>
-              <a:t>ngClick direktiva omogućava da se odredi ponašanje elementa kada se</a:t>
-            </a:r>
-          </a:p>
-          <a:p>
-            <a:r>
-              <a:rPr lang="sr-Latn-RS" dirty="0"/>
-              <a:t>Klikne na njega.</a:t>
-            </a:r>
-            <a:endParaRPr lang="en-GB" dirty="0"/>
-          </a:p>
-          <a:p>
-            <a:r>
-              <a:rPr lang="en-GB" dirty="0">
-                <a:solidFill>
-                  <a:srgbClr val="EBDBB2"/>
-                </a:solidFill>
-                <a:latin typeface="Consolas" panose="020B0609020204030204" pitchFamily="49" charset="0"/>
-              </a:rPr>
-              <a:t>&lt;</a:t>
-            </a:r>
-            <a:r>
-              <a:rPr lang="en-GB" dirty="0">
-                <a:solidFill>
-                  <a:srgbClr val="FABD2F"/>
-                </a:solidFill>
-                <a:latin typeface="Consolas" panose="020B0609020204030204" pitchFamily="49" charset="0"/>
-              </a:rPr>
-              <a:t>p</a:t>
-            </a:r>
-            <a:r>
-              <a:rPr lang="en-GB" dirty="0">
-                <a:solidFill>
-                  <a:srgbClr val="F2E5BC"/>
-                </a:solidFill>
-                <a:latin typeface="Consolas" panose="020B0609020204030204" pitchFamily="49" charset="0"/>
-              </a:rPr>
-              <a:t> </a:t>
-            </a:r>
-            <a:r>
-              <a:rPr lang="en-GB" dirty="0">
-                <a:solidFill>
-                  <a:srgbClr val="7EC16E"/>
-                </a:solidFill>
-                <a:latin typeface="Consolas" panose="020B0609020204030204" pitchFamily="49" charset="0"/>
-              </a:rPr>
-              <a:t>ng-click</a:t>
-            </a:r>
-            <a:r>
-              <a:rPr lang="en-GB" dirty="0">
-                <a:solidFill>
-                  <a:srgbClr val="EBDBB2"/>
-                </a:solidFill>
-                <a:latin typeface="Consolas" panose="020B0609020204030204" pitchFamily="49" charset="0"/>
-              </a:rPr>
-              <a:t>="</a:t>
-            </a:r>
-            <a:r>
-              <a:rPr lang="en-GB" dirty="0">
-                <a:solidFill>
-                  <a:srgbClr val="B8BB26"/>
-                </a:solidFill>
-                <a:latin typeface="Consolas" panose="020B0609020204030204" pitchFamily="49" charset="0"/>
-              </a:rPr>
-              <a:t>increment();</a:t>
-            </a:r>
-            <a:r>
-              <a:rPr lang="en-GB" dirty="0">
-                <a:solidFill>
-                  <a:srgbClr val="EBDBB2"/>
-                </a:solidFill>
-                <a:latin typeface="Consolas" panose="020B0609020204030204" pitchFamily="49" charset="0"/>
-              </a:rPr>
-              <a:t>"&gt;</a:t>
-            </a:r>
-            <a:r>
-              <a:rPr lang="en-GB" dirty="0">
-                <a:solidFill>
-                  <a:srgbClr val="F2E5BC"/>
-                </a:solidFill>
-                <a:latin typeface="Consolas" panose="020B0609020204030204" pitchFamily="49" charset="0"/>
-              </a:rPr>
-              <a:t>{{ </a:t>
-            </a:r>
-            <a:r>
-              <a:rPr lang="en-GB" dirty="0" err="1">
-                <a:solidFill>
-                  <a:srgbClr val="F2E5BC"/>
-                </a:solidFill>
-                <a:latin typeface="Consolas" panose="020B0609020204030204" pitchFamily="49" charset="0"/>
-              </a:rPr>
-              <a:t>countFunc</a:t>
-            </a:r>
-            <a:r>
-              <a:rPr lang="en-GB" dirty="0">
-                <a:solidFill>
-                  <a:srgbClr val="F2E5BC"/>
-                </a:solidFill>
-                <a:latin typeface="Consolas" panose="020B0609020204030204" pitchFamily="49" charset="0"/>
-              </a:rPr>
-              <a:t> }}</a:t>
-            </a:r>
-            <a:r>
-              <a:rPr lang="en-GB" dirty="0">
-                <a:solidFill>
-                  <a:srgbClr val="EBDBB2"/>
-                </a:solidFill>
-                <a:latin typeface="Consolas" panose="020B0609020204030204" pitchFamily="49" charset="0"/>
-              </a:rPr>
-              <a:t>&lt;/</a:t>
-            </a:r>
-            <a:r>
-              <a:rPr lang="en-GB" dirty="0">
-                <a:solidFill>
-                  <a:srgbClr val="FABD2F"/>
-                </a:solidFill>
-                <a:latin typeface="Consolas" panose="020B0609020204030204" pitchFamily="49" charset="0"/>
-              </a:rPr>
-              <a:t>p</a:t>
-            </a:r>
-            <a:r>
-              <a:rPr lang="en-GB" dirty="0">
-                <a:solidFill>
-                  <a:srgbClr val="EBDBB2"/>
-                </a:solidFill>
-                <a:latin typeface="Consolas" panose="020B0609020204030204" pitchFamily="49" charset="0"/>
-              </a:rPr>
-              <a:t>&gt;</a:t>
+              <a:t>',</a:t>
             </a:r>
             <a:endParaRPr lang="en-GB" dirty="0">
               <a:solidFill>
@@ -5702,30 +5132,434 @@
           </a:p>
           <a:p>
             <a:r>
-              <a:rPr lang="sr-Latn-RS" dirty="0"/>
-              <a:t>Isto kao prethodna ngClick direktiva samo sto se u prethodnom primeru</a:t>
-            </a:r>
-          </a:p>
-          <a:p>
-            <a:r>
-              <a:rPr lang="sr-Latn-RS" dirty="0"/>
-              <a:t>direktno na HTML-u izvršava a u drugom primeru se poziva funkcija iz</a:t>
-            </a:r>
-          </a:p>
-          <a:p>
-            <a:r>
-              <a:rPr lang="sr-Latn-RS" dirty="0"/>
-              <a:t>kontrolera</a:t>
-            </a:r>
+              <a:rPr lang="en-GB" dirty="0">
+                <a:solidFill>
+                  <a:srgbClr val="F2E5BC"/>
+                </a:solidFill>
+                <a:latin typeface="Consolas" panose="020B0609020204030204" pitchFamily="49" charset="0"/>
+              </a:rPr>
+              <a:t>snippet</a:t>
+            </a:r>
+            <a:r>
+              <a:rPr lang="en-GB" dirty="0">
+                <a:solidFill>
+                  <a:srgbClr val="EBDBB2"/>
+                </a:solidFill>
+                <a:latin typeface="Consolas" panose="020B0609020204030204" pitchFamily="49" charset="0"/>
+              </a:rPr>
+              <a:t>:</a:t>
+            </a:r>
+            <a:r>
+              <a:rPr lang="en-GB" dirty="0">
+                <a:solidFill>
+                  <a:srgbClr val="F2E5BC"/>
+                </a:solidFill>
+                <a:latin typeface="Consolas" panose="020B0609020204030204" pitchFamily="49" charset="0"/>
+              </a:rPr>
+              <a:t> </a:t>
+            </a:r>
+            <a:r>
+              <a:rPr lang="en-GB" dirty="0">
+                <a:solidFill>
+                  <a:srgbClr val="EBDBB2"/>
+                </a:solidFill>
+                <a:latin typeface="Consolas" panose="020B0609020204030204" pitchFamily="49" charset="0"/>
+              </a:rPr>
+              <a:t>'</a:t>
+            </a:r>
+            <a:r>
+              <a:rPr lang="en-GB" dirty="0">
+                <a:solidFill>
+                  <a:srgbClr val="B8BB26"/>
+                </a:solidFill>
+                <a:latin typeface="Consolas" panose="020B0609020204030204" pitchFamily="49" charset="0"/>
+              </a:rPr>
+              <a:t>Fast just got faster with Nexus S.</a:t>
+            </a:r>
+            <a:r>
+              <a:rPr lang="en-GB" dirty="0">
+                <a:solidFill>
+                  <a:srgbClr val="EBDBB2"/>
+                </a:solidFill>
+                <a:latin typeface="Consolas" panose="020B0609020204030204" pitchFamily="49" charset="0"/>
+              </a:rPr>
+              <a:t>'</a:t>
+            </a:r>
+            <a:endParaRPr lang="en-GB" dirty="0">
+              <a:solidFill>
+                <a:srgbClr val="F2E5BC"/>
+              </a:solidFill>
+              <a:latin typeface="Consolas" panose="020B0609020204030204" pitchFamily="49" charset="0"/>
+            </a:endParaRPr>
+          </a:p>
+          <a:p>
+            <a:r>
+              <a:rPr lang="en-GB" dirty="0">
+                <a:solidFill>
+                  <a:srgbClr val="EBDBB2"/>
+                </a:solidFill>
+                <a:latin typeface="Consolas" panose="020B0609020204030204" pitchFamily="49" charset="0"/>
+              </a:rPr>
+              <a:t>},</a:t>
+            </a:r>
+            <a:endParaRPr lang="en-GB" dirty="0">
+              <a:solidFill>
+                <a:srgbClr val="F2E5BC"/>
+              </a:solidFill>
+              <a:latin typeface="Consolas" panose="020B0609020204030204" pitchFamily="49" charset="0"/>
+            </a:endParaRPr>
+          </a:p>
+          <a:p>
+            <a:r>
+              <a:rPr lang="en-GB" dirty="0">
+                <a:solidFill>
+                  <a:srgbClr val="EBDBB2"/>
+                </a:solidFill>
+                <a:latin typeface="Consolas" panose="020B0609020204030204" pitchFamily="49" charset="0"/>
+              </a:rPr>
+              <a:t>{</a:t>
+            </a:r>
+            <a:endParaRPr lang="en-GB" dirty="0">
+              <a:solidFill>
+                <a:srgbClr val="F2E5BC"/>
+              </a:solidFill>
+              <a:latin typeface="Consolas" panose="020B0609020204030204" pitchFamily="49" charset="0"/>
+            </a:endParaRPr>
+          </a:p>
+          <a:p>
+            <a:r>
+              <a:rPr lang="en-GB" dirty="0">
+                <a:solidFill>
+                  <a:srgbClr val="F2E5BC"/>
+                </a:solidFill>
+                <a:latin typeface="Consolas" panose="020B0609020204030204" pitchFamily="49" charset="0"/>
+              </a:rPr>
+              <a:t>name</a:t>
+            </a:r>
+            <a:r>
+              <a:rPr lang="en-GB" dirty="0">
+                <a:solidFill>
+                  <a:srgbClr val="EBDBB2"/>
+                </a:solidFill>
+                <a:latin typeface="Consolas" panose="020B0609020204030204" pitchFamily="49" charset="0"/>
+              </a:rPr>
+              <a:t>:</a:t>
+            </a:r>
+            <a:r>
+              <a:rPr lang="en-GB" dirty="0">
+                <a:solidFill>
+                  <a:srgbClr val="F2E5BC"/>
+                </a:solidFill>
+                <a:latin typeface="Consolas" panose="020B0609020204030204" pitchFamily="49" charset="0"/>
+              </a:rPr>
+              <a:t> </a:t>
+            </a:r>
+            <a:r>
+              <a:rPr lang="en-GB" dirty="0">
+                <a:solidFill>
+                  <a:srgbClr val="EBDBB2"/>
+                </a:solidFill>
+                <a:latin typeface="Consolas" panose="020B0609020204030204" pitchFamily="49" charset="0"/>
+              </a:rPr>
+              <a:t>'</a:t>
+            </a:r>
+            <a:r>
+              <a:rPr lang="en-GB" dirty="0">
+                <a:solidFill>
+                  <a:srgbClr val="B8BB26"/>
+                </a:solidFill>
+                <a:latin typeface="Consolas" panose="020B0609020204030204" pitchFamily="49" charset="0"/>
+              </a:rPr>
+              <a:t>Motorola XOOM™ with Wi-Fi</a:t>
+            </a:r>
+            <a:r>
+              <a:rPr lang="en-GB" dirty="0">
+                <a:solidFill>
+                  <a:srgbClr val="EBDBB2"/>
+                </a:solidFill>
+                <a:latin typeface="Consolas" panose="020B0609020204030204" pitchFamily="49" charset="0"/>
+              </a:rPr>
+              <a:t>',</a:t>
+            </a:r>
+            <a:endParaRPr lang="en-GB" dirty="0">
+              <a:solidFill>
+                <a:srgbClr val="F2E5BC"/>
+              </a:solidFill>
+              <a:latin typeface="Consolas" panose="020B0609020204030204" pitchFamily="49" charset="0"/>
+            </a:endParaRPr>
+          </a:p>
+          <a:p>
+            <a:r>
+              <a:rPr lang="en-GB" dirty="0">
+                <a:solidFill>
+                  <a:srgbClr val="F2E5BC"/>
+                </a:solidFill>
+                <a:latin typeface="Consolas" panose="020B0609020204030204" pitchFamily="49" charset="0"/>
+              </a:rPr>
+              <a:t>snippet</a:t>
+            </a:r>
+            <a:r>
+              <a:rPr lang="en-GB" dirty="0">
+                <a:solidFill>
+                  <a:srgbClr val="EBDBB2"/>
+                </a:solidFill>
+                <a:latin typeface="Consolas" panose="020B0609020204030204" pitchFamily="49" charset="0"/>
+              </a:rPr>
+              <a:t>:</a:t>
+            </a:r>
+            <a:r>
+              <a:rPr lang="en-GB" dirty="0">
+                <a:solidFill>
+                  <a:srgbClr val="F2E5BC"/>
+                </a:solidFill>
+                <a:latin typeface="Consolas" panose="020B0609020204030204" pitchFamily="49" charset="0"/>
+              </a:rPr>
+              <a:t> </a:t>
+            </a:r>
+            <a:r>
+              <a:rPr lang="en-GB" dirty="0">
+                <a:solidFill>
+                  <a:srgbClr val="EBDBB2"/>
+                </a:solidFill>
+                <a:latin typeface="Consolas" panose="020B0609020204030204" pitchFamily="49" charset="0"/>
+              </a:rPr>
+              <a:t>'</a:t>
+            </a:r>
+            <a:r>
+              <a:rPr lang="en-GB" dirty="0">
+                <a:solidFill>
+                  <a:srgbClr val="B8BB26"/>
+                </a:solidFill>
+                <a:latin typeface="Consolas" panose="020B0609020204030204" pitchFamily="49" charset="0"/>
+              </a:rPr>
+              <a:t>The Next, Next Generation tablet.</a:t>
+            </a:r>
+            <a:r>
+              <a:rPr lang="en-GB" dirty="0">
+                <a:solidFill>
+                  <a:srgbClr val="EBDBB2"/>
+                </a:solidFill>
+                <a:latin typeface="Consolas" panose="020B0609020204030204" pitchFamily="49" charset="0"/>
+              </a:rPr>
+              <a:t>'</a:t>
+            </a:r>
+            <a:endParaRPr lang="en-GB" dirty="0">
+              <a:solidFill>
+                <a:srgbClr val="F2E5BC"/>
+              </a:solidFill>
+              <a:latin typeface="Consolas" panose="020B0609020204030204" pitchFamily="49" charset="0"/>
+            </a:endParaRPr>
+          </a:p>
+          <a:p>
+            <a:r>
+              <a:rPr lang="en-GB" dirty="0">
+                <a:solidFill>
+                  <a:srgbClr val="EBDBB2"/>
+                </a:solidFill>
+                <a:latin typeface="Consolas" panose="020B0609020204030204" pitchFamily="49" charset="0"/>
+              </a:rPr>
+              <a:t>},</a:t>
+            </a:r>
+            <a:endParaRPr lang="en-GB" dirty="0">
+              <a:solidFill>
+                <a:srgbClr val="F2E5BC"/>
+              </a:solidFill>
+              <a:latin typeface="Consolas" panose="020B0609020204030204" pitchFamily="49" charset="0"/>
+            </a:endParaRPr>
+          </a:p>
+          <a:p>
+            <a:r>
+              <a:rPr lang="en-GB" dirty="0">
+                <a:solidFill>
+                  <a:srgbClr val="EBDBB2"/>
+                </a:solidFill>
+                <a:latin typeface="Consolas" panose="020B0609020204030204" pitchFamily="49" charset="0"/>
+              </a:rPr>
+              <a:t>{</a:t>
+            </a:r>
+            <a:endParaRPr lang="en-GB" dirty="0">
+              <a:solidFill>
+                <a:srgbClr val="F2E5BC"/>
+              </a:solidFill>
+              <a:latin typeface="Consolas" panose="020B0609020204030204" pitchFamily="49" charset="0"/>
+            </a:endParaRPr>
+          </a:p>
+          <a:p>
+            <a:r>
+              <a:rPr lang="en-GB" dirty="0">
+                <a:solidFill>
+                  <a:srgbClr val="F2E5BC"/>
+                </a:solidFill>
+                <a:latin typeface="Consolas" panose="020B0609020204030204" pitchFamily="49" charset="0"/>
+              </a:rPr>
+              <a:t>name</a:t>
+            </a:r>
+            <a:r>
+              <a:rPr lang="en-GB" dirty="0">
+                <a:solidFill>
+                  <a:srgbClr val="EBDBB2"/>
+                </a:solidFill>
+                <a:latin typeface="Consolas" panose="020B0609020204030204" pitchFamily="49" charset="0"/>
+              </a:rPr>
+              <a:t>:</a:t>
+            </a:r>
+            <a:r>
+              <a:rPr lang="en-GB" dirty="0">
+                <a:solidFill>
+                  <a:srgbClr val="F2E5BC"/>
+                </a:solidFill>
+                <a:latin typeface="Consolas" panose="020B0609020204030204" pitchFamily="49" charset="0"/>
+              </a:rPr>
+              <a:t> </a:t>
+            </a:r>
+            <a:r>
+              <a:rPr lang="en-GB" dirty="0">
+                <a:solidFill>
+                  <a:srgbClr val="EBDBB2"/>
+                </a:solidFill>
+                <a:latin typeface="Consolas" panose="020B0609020204030204" pitchFamily="49" charset="0"/>
+              </a:rPr>
+              <a:t>'</a:t>
+            </a:r>
+            <a:r>
+              <a:rPr lang="en-GB" dirty="0">
+                <a:solidFill>
+                  <a:srgbClr val="B8BB26"/>
+                </a:solidFill>
+                <a:latin typeface="Consolas" panose="020B0609020204030204" pitchFamily="49" charset="0"/>
+              </a:rPr>
+              <a:t>MOTOROLA XOOM™</a:t>
+            </a:r>
+            <a:r>
+              <a:rPr lang="en-GB" dirty="0">
+                <a:solidFill>
+                  <a:srgbClr val="EBDBB2"/>
+                </a:solidFill>
+                <a:latin typeface="Consolas" panose="020B0609020204030204" pitchFamily="49" charset="0"/>
+              </a:rPr>
+              <a:t>',</a:t>
+            </a:r>
+            <a:endParaRPr lang="en-GB" dirty="0">
+              <a:solidFill>
+                <a:srgbClr val="F2E5BC"/>
+              </a:solidFill>
+              <a:latin typeface="Consolas" panose="020B0609020204030204" pitchFamily="49" charset="0"/>
+            </a:endParaRPr>
+          </a:p>
+          <a:p>
+            <a:r>
+              <a:rPr lang="en-GB" dirty="0">
+                <a:solidFill>
+                  <a:srgbClr val="F2E5BC"/>
+                </a:solidFill>
+                <a:latin typeface="Consolas" panose="020B0609020204030204" pitchFamily="49" charset="0"/>
+              </a:rPr>
+              <a:t>snippet</a:t>
+            </a:r>
+            <a:r>
+              <a:rPr lang="en-GB" dirty="0">
+                <a:solidFill>
+                  <a:srgbClr val="EBDBB2"/>
+                </a:solidFill>
+                <a:latin typeface="Consolas" panose="020B0609020204030204" pitchFamily="49" charset="0"/>
+              </a:rPr>
+              <a:t>:</a:t>
+            </a:r>
+            <a:r>
+              <a:rPr lang="en-GB" dirty="0">
+                <a:solidFill>
+                  <a:srgbClr val="F2E5BC"/>
+                </a:solidFill>
+                <a:latin typeface="Consolas" panose="020B0609020204030204" pitchFamily="49" charset="0"/>
+              </a:rPr>
+              <a:t> </a:t>
+            </a:r>
+            <a:r>
+              <a:rPr lang="en-GB" dirty="0">
+                <a:solidFill>
+                  <a:srgbClr val="EBDBB2"/>
+                </a:solidFill>
+                <a:latin typeface="Consolas" panose="020B0609020204030204" pitchFamily="49" charset="0"/>
+              </a:rPr>
+              <a:t>'</a:t>
+            </a:r>
+            <a:r>
+              <a:rPr lang="en-GB" dirty="0">
+                <a:solidFill>
+                  <a:srgbClr val="B8BB26"/>
+                </a:solidFill>
+                <a:latin typeface="Consolas" panose="020B0609020204030204" pitchFamily="49" charset="0"/>
+              </a:rPr>
+              <a:t>The Next, Next Generation tablet.</a:t>
+            </a:r>
+            <a:r>
+              <a:rPr lang="en-GB" dirty="0">
+                <a:solidFill>
+                  <a:srgbClr val="EBDBB2"/>
+                </a:solidFill>
+                <a:latin typeface="Consolas" panose="020B0609020204030204" pitchFamily="49" charset="0"/>
+              </a:rPr>
+              <a:t>'</a:t>
+            </a:r>
+            <a:endParaRPr lang="en-GB" dirty="0">
+              <a:solidFill>
+                <a:srgbClr val="F2E5BC"/>
+              </a:solidFill>
+              <a:latin typeface="Consolas" panose="020B0609020204030204" pitchFamily="49" charset="0"/>
+            </a:endParaRPr>
+          </a:p>
+          <a:p>
+            <a:r>
+              <a:rPr lang="en-GB" dirty="0">
+                <a:solidFill>
+                  <a:srgbClr val="EBDBB2"/>
+                </a:solidFill>
+                <a:latin typeface="Consolas" panose="020B0609020204030204" pitchFamily="49" charset="0"/>
+              </a:rPr>
+              <a:t>}</a:t>
+            </a:r>
+            <a:endParaRPr lang="en-GB" dirty="0">
+              <a:solidFill>
+                <a:srgbClr val="F2E5BC"/>
+              </a:solidFill>
+              <a:latin typeface="Consolas" panose="020B0609020204030204" pitchFamily="49" charset="0"/>
+            </a:endParaRPr>
+          </a:p>
+          <a:p>
+            <a:r>
+              <a:rPr lang="en-GB" dirty="0">
+                <a:solidFill>
+                  <a:srgbClr val="F2E5BC"/>
+                </a:solidFill>
+                <a:latin typeface="Consolas" panose="020B0609020204030204" pitchFamily="49" charset="0"/>
+              </a:rPr>
+              <a:t>]</a:t>
+            </a:r>
+            <a:r>
+              <a:rPr lang="en-GB" dirty="0">
+                <a:solidFill>
+                  <a:srgbClr val="EBDBB2"/>
+                </a:solidFill>
+                <a:latin typeface="Consolas" panose="020B0609020204030204" pitchFamily="49" charset="0"/>
+              </a:rPr>
+              <a:t>;</a:t>
+            </a:r>
+            <a:endParaRPr lang="en-GB" b="0" dirty="0">
+              <a:solidFill>
+                <a:srgbClr val="F2E5BC"/>
+              </a:solidFill>
+              <a:effectLst/>
+              <a:latin typeface="Consolas" panose="020B0609020204030204" pitchFamily="49" charset="0"/>
+            </a:endParaRPr>
           </a:p>
         </p:txBody>
       </p:sp>
       <p:sp>
         <p:nvSpPr>
-          <p:cNvPr id="11" name="TextBox 10">
+          <p:cNvPr id="7" name="TextBox 6">
             <a:extLst>
               <a:ext uri="{FF2B5EF4-FFF2-40B4-BE49-F238E27FC236}">
-                <a16:creationId xmlns:a16="http://schemas.microsoft.com/office/drawing/2014/main" id="{F7B50E1C-2DF9-4EF4-B2C5-082F41ABEE9B}"/>
+                <a16:creationId xmlns:a16="http://schemas.microsoft.com/office/drawing/2014/main" id="{A0E2D986-781B-4EA5-B8B8-F351175616E4}"/>
               </a:ext>
             </a:extLst>
           </p:cNvPr>
@@ -5734,8 +5568,8 @@
         </p:nvSpPr>
         <p:spPr>
           <a:xfrm>
-            <a:off x="4128615" y="106520"/>
-            <a:ext cx="2861874" cy="707886"/>
+            <a:off x="194622" y="4818592"/>
+            <a:ext cx="11718464" cy="923330"/>
           </a:xfrm>
           <a:prstGeom prst="rect">
             <a:avLst/>
@@ -5749,23 +5583,294 @@
           <a:lstStyle/>
           <a:p>
             <a:r>
-              <a:rPr lang="en-US" sz="4000"/>
-              <a:t>Data-binding</a:t>
-            </a:r>
-            <a:endParaRPr lang="en-GB" sz="4000" dirty="0"/>
+              <a:rPr lang="sr-Latn-RS" dirty="0"/>
+              <a:t>Pričao sam o </a:t>
+            </a:r>
+            <a:r>
+              <a:rPr lang="sr-Latn-RS" b="1" dirty="0"/>
+              <a:t>root scope </a:t>
+            </a:r>
+            <a:r>
+              <a:rPr lang="sr-Latn-RS" dirty="0"/>
+              <a:t>i ngApp direktivi, ali u angularu svaki kontroler </a:t>
+            </a:r>
+            <a:r>
+              <a:rPr lang="sr-Latn-RS" b="1" dirty="0"/>
+              <a:t>ngController </a:t>
+            </a:r>
+            <a:r>
+              <a:rPr lang="sr-Latn-RS" dirty="0"/>
+              <a:t>kontroliše svoj </a:t>
+            </a:r>
+            <a:r>
+              <a:rPr lang="sr-Latn-RS" b="1" dirty="0"/>
+              <a:t>scope. </a:t>
+            </a:r>
+            <a:r>
+              <a:rPr lang="sr-Latn-RS" dirty="0"/>
+              <a:t>U primeru iznad</a:t>
+            </a:r>
+          </a:p>
+          <a:p>
+            <a:r>
+              <a:rPr lang="sr-Latn-RS" dirty="0"/>
+              <a:t>vidimo kontroler AngularJSKursController</a:t>
+            </a:r>
+            <a:r>
+              <a:rPr lang="sr-Latn-RS" b="1" dirty="0"/>
+              <a:t> </a:t>
+            </a:r>
+            <a:r>
+              <a:rPr lang="en-US" dirty="0" err="1"/>
+              <a:t>koji</a:t>
+            </a:r>
+            <a:r>
+              <a:rPr lang="en-US" dirty="0"/>
+              <a:t> u </a:t>
+            </a:r>
+            <a:r>
+              <a:rPr lang="en-US" dirty="0" err="1"/>
+              <a:t>sebi</a:t>
+            </a:r>
+            <a:r>
+              <a:rPr lang="en-US" dirty="0"/>
+              <a:t> </a:t>
+            </a:r>
+            <a:r>
+              <a:rPr lang="en-US" dirty="0" err="1"/>
+              <a:t>inicijalizuje</a:t>
+            </a:r>
+            <a:r>
+              <a:rPr lang="sr-Latn-RS" dirty="0"/>
+              <a:t> objekat $scope.phones </a:t>
+            </a:r>
+            <a:r>
+              <a:rPr lang="en-US" dirty="0"/>
+              <a:t>= [{…}] </a:t>
+            </a:r>
+            <a:r>
+              <a:rPr lang="en-US" dirty="0" err="1"/>
+              <a:t>koji</a:t>
+            </a:r>
+            <a:r>
+              <a:rPr lang="en-US" dirty="0"/>
+              <a:t> </a:t>
+            </a:r>
+            <a:r>
+              <a:rPr lang="en-US" dirty="0" err="1"/>
+              <a:t>koristimo</a:t>
+            </a:r>
+            <a:r>
+              <a:rPr lang="en-US" dirty="0"/>
+              <a:t> u HTML-u </a:t>
+            </a:r>
+            <a:r>
+              <a:rPr lang="en-US" dirty="0" err="1"/>
+              <a:t>kroz</a:t>
+            </a:r>
+            <a:endParaRPr lang="en-US" dirty="0"/>
+          </a:p>
+          <a:p>
+            <a:r>
+              <a:rPr lang="en-US" b="1" dirty="0" err="1"/>
+              <a:t>ngRepeat</a:t>
+            </a:r>
+            <a:r>
+              <a:rPr lang="en-US" dirty="0"/>
+              <a:t> </a:t>
+            </a:r>
+            <a:r>
+              <a:rPr lang="en-US" dirty="0" err="1"/>
+              <a:t>direktivu</a:t>
+            </a:r>
+            <a:r>
+              <a:rPr lang="en-US" dirty="0"/>
+              <a:t>.</a:t>
+            </a:r>
+            <a:endParaRPr lang="sr-Latn-RS" dirty="0"/>
           </a:p>
         </p:txBody>
       </p:sp>
     </p:spTree>
     <p:extLst>
       <p:ext uri="{BB962C8B-B14F-4D97-AF65-F5344CB8AC3E}">
-        <p14:creationId xmlns:p14="http://schemas.microsoft.com/office/powerpoint/2010/main" val="3746618843"/>
+        <p14:creationId xmlns:p14="http://schemas.microsoft.com/office/powerpoint/2010/main" val="212826260"/>
       </p:ext>
     </p:extLst>
   </p:cSld>
   <p:clrMapOvr>
     <a:masterClrMapping/>
   </p:clrMapOvr>
+  <p:timing>
+    <p:tnLst>
+      <p:par>
+        <p:cTn id="1" dur="indefinite" restart="never" nodeType="tmRoot">
+          <p:childTnLst>
+            <p:seq concurrent="1" nextAc="seek">
+              <p:cTn id="2" dur="indefinite" nodeType="mainSeq">
+                <p:childTnLst>
+                  <p:par>
+                    <p:cTn id="3" fill="hold">
+                      <p:stCondLst>
+                        <p:cond delay="indefinite"/>
+                      </p:stCondLst>
+                      <p:childTnLst>
+                        <p:par>
+                          <p:cTn id="4" fill="hold">
+                            <p:stCondLst>
+                              <p:cond delay="0"/>
+                            </p:stCondLst>
+                            <p:childTnLst>
+                              <p:par>
+                                <p:cTn id="5" presetID="1" presetClass="entr" presetSubtype="0" fill="hold" grpId="0" nodeType="clickEffect">
+                                  <p:stCondLst>
+                                    <p:cond delay="0"/>
+                                  </p:stCondLst>
+                                  <p:childTnLst>
+                                    <p:set>
+                                      <p:cBhvr>
+                                        <p:cTn id="6" dur="1" fill="hold">
+                                          <p:stCondLst>
+                                            <p:cond delay="0"/>
+                                          </p:stCondLst>
+                                        </p:cTn>
+                                        <p:tgtEl>
+                                          <p:spTgt spid="4"/>
+                                        </p:tgtEl>
+                                        <p:attrNameLst>
+                                          <p:attrName>style.visibility</p:attrName>
+                                        </p:attrNameLst>
+                                      </p:cBhvr>
+                                      <p:to>
+                                        <p:strVal val="visible"/>
+                                      </p:to>
+                                    </p:set>
+                                  </p:childTnLst>
+                                </p:cTn>
+                              </p:par>
+                            </p:childTnLst>
+                          </p:cTn>
+                        </p:par>
+                      </p:childTnLst>
+                    </p:cTn>
+                  </p:par>
+                  <p:par>
+                    <p:cTn id="7" fill="hold">
+                      <p:stCondLst>
+                        <p:cond delay="indefinite"/>
+                      </p:stCondLst>
+                      <p:childTnLst>
+                        <p:par>
+                          <p:cTn id="8" fill="hold">
+                            <p:stCondLst>
+                              <p:cond delay="0"/>
+                            </p:stCondLst>
+                            <p:childTnLst>
+                              <p:par>
+                                <p:cTn id="9" presetID="1" presetClass="entr" presetSubtype="0" fill="hold" grpId="0" nodeType="clickEffect">
+                                  <p:stCondLst>
+                                    <p:cond delay="0"/>
+                                  </p:stCondLst>
+                                  <p:childTnLst>
+                                    <p:set>
+                                      <p:cBhvr>
+                                        <p:cTn id="10" dur="1" fill="hold">
+                                          <p:stCondLst>
+                                            <p:cond delay="0"/>
+                                          </p:stCondLst>
+                                        </p:cTn>
+                                        <p:tgtEl>
+                                          <p:spTgt spid="5"/>
+                                        </p:tgtEl>
+                                        <p:attrNameLst>
+                                          <p:attrName>style.visibility</p:attrName>
+                                        </p:attrNameLst>
+                                      </p:cBhvr>
+                                      <p:to>
+                                        <p:strVal val="visible"/>
+                                      </p:to>
+                                    </p:set>
+                                  </p:childTnLst>
+                                </p:cTn>
+                              </p:par>
+                            </p:childTnLst>
+                          </p:cTn>
+                        </p:par>
+                      </p:childTnLst>
+                    </p:cTn>
+                  </p:par>
+                  <p:par>
+                    <p:cTn id="11" fill="hold">
+                      <p:stCondLst>
+                        <p:cond delay="indefinite"/>
+                      </p:stCondLst>
+                      <p:childTnLst>
+                        <p:par>
+                          <p:cTn id="12" fill="hold">
+                            <p:stCondLst>
+                              <p:cond delay="0"/>
+                            </p:stCondLst>
+                            <p:childTnLst>
+                              <p:par>
+                                <p:cTn id="13" presetID="1" presetClass="entr" presetSubtype="0" fill="hold" grpId="0" nodeType="clickEffect">
+                                  <p:stCondLst>
+                                    <p:cond delay="0"/>
+                                  </p:stCondLst>
+                                  <p:childTnLst>
+                                    <p:set>
+                                      <p:cBhvr>
+                                        <p:cTn id="14" dur="1" fill="hold">
+                                          <p:stCondLst>
+                                            <p:cond delay="0"/>
+                                          </p:stCondLst>
+                                        </p:cTn>
+                                        <p:tgtEl>
+                                          <p:spTgt spid="7"/>
+                                        </p:tgtEl>
+                                        <p:attrNameLst>
+                                          <p:attrName>style.visibility</p:attrName>
+                                        </p:attrNameLst>
+                                      </p:cBhvr>
+                                      <p:to>
+                                        <p:strVal val="visible"/>
+                                      </p:to>
+                                    </p:set>
+                                  </p:childTnLst>
+                                </p:cTn>
+                              </p:par>
+                            </p:childTnLst>
+                          </p:cTn>
+                        </p:par>
+                      </p:childTnLst>
+                    </p:cTn>
+                  </p:par>
+                </p:childTnLst>
+              </p:cTn>
+              <p:prevCondLst>
+                <p:cond evt="onPrev" delay="0">
+                  <p:tgtEl>
+                    <p:sldTgt/>
+                  </p:tgtEl>
+                </p:cond>
+              </p:prevCondLst>
+              <p:nextCondLst>
+                <p:cond evt="onNext" delay="0">
+                  <p:tgtEl>
+                    <p:sldTgt/>
+                  </p:tgtEl>
+                </p:cond>
+              </p:nextCondLst>
+            </p:seq>
+          </p:childTnLst>
+        </p:cTn>
+      </p:par>
+    </p:tnLst>
+    <p:bldLst>
+      <p:bldP spid="4" grpId="0"/>
+      <p:bldP spid="5" grpId="0"/>
+      <p:bldP spid="7" grpId="0"/>
+    </p:bldLst>
+  </p:timing>
 </p:sld>
 </file>
 
@@ -5796,6 +5901,2129 @@
       </p:grpSpPr>
       <p:sp>
         <p:nvSpPr>
+          <p:cNvPr id="8" name="TextBox 7">
+            <a:extLst>
+              <a:ext uri="{FF2B5EF4-FFF2-40B4-BE49-F238E27FC236}">
+                <a16:creationId xmlns:a16="http://schemas.microsoft.com/office/drawing/2014/main" id="{AFAA642C-E4AF-4D17-8B46-1908085740A0}"/>
+              </a:ext>
+            </a:extLst>
+          </p:cNvPr>
+          <p:cNvSpPr txBox="1"/>
+          <p:nvPr/>
+        </p:nvSpPr>
+        <p:spPr>
+          <a:xfrm>
+            <a:off x="642996" y="4571216"/>
+            <a:ext cx="10906008" cy="1115415"/>
+          </a:xfrm>
+          <a:prstGeom prst="rect">
+            <a:avLst/>
+          </a:prstGeom>
+        </p:spPr>
+        <p:txBody>
+          <a:bodyPr vert="horz" lIns="91440" tIns="45720" rIns="91440" bIns="45720" rtlCol="0" anchor="b">
+            <a:normAutofit fontScale="32500" lnSpcReduction="20000"/>
+          </a:bodyPr>
+          <a:lstStyle/>
+          <a:p>
+            <a:pPr>
+              <a:lnSpc>
+                <a:spcPct val="90000"/>
+              </a:lnSpc>
+              <a:spcBef>
+                <a:spcPct val="0"/>
+              </a:spcBef>
+              <a:spcAft>
+                <a:spcPts val="600"/>
+              </a:spcAft>
+            </a:pPr>
+            <a:r>
+              <a:rPr lang="en-US" sz="6000" dirty="0"/>
+              <a:t>U </a:t>
+            </a:r>
+            <a:r>
+              <a:rPr lang="en-US" sz="6000" dirty="0" err="1"/>
+              <a:t>ovom</a:t>
+            </a:r>
+            <a:r>
+              <a:rPr lang="en-US" sz="6000" dirty="0"/>
+              <a:t> </a:t>
+            </a:r>
+            <a:r>
+              <a:rPr lang="en-US" sz="6000" dirty="0" err="1"/>
+              <a:t>primeru</a:t>
+            </a:r>
+            <a:r>
+              <a:rPr lang="en-US" sz="6000" dirty="0"/>
+              <a:t> </a:t>
+            </a:r>
+            <a:r>
+              <a:rPr lang="en-US" sz="6000" dirty="0" err="1"/>
+              <a:t>vidimo</a:t>
+            </a:r>
+            <a:r>
+              <a:rPr lang="en-US" sz="6000" dirty="0"/>
+              <a:t> </a:t>
+            </a:r>
+            <a:r>
+              <a:rPr lang="en-US" sz="6000" dirty="0" err="1"/>
+              <a:t>dva</a:t>
+            </a:r>
+            <a:r>
+              <a:rPr lang="en-US" sz="6000" dirty="0"/>
+              <a:t> </a:t>
+            </a:r>
+            <a:r>
+              <a:rPr lang="en-US" sz="6000" dirty="0" err="1"/>
+              <a:t>kontrolera</a:t>
+            </a:r>
+            <a:r>
+              <a:rPr lang="en-US" sz="6000" dirty="0"/>
+              <a:t> </a:t>
+            </a:r>
+            <a:r>
+              <a:rPr lang="en-US" sz="6000" dirty="0" err="1"/>
+              <a:t>koji</a:t>
+            </a:r>
+            <a:r>
+              <a:rPr lang="en-US" sz="6000" dirty="0"/>
+              <a:t> </a:t>
+            </a:r>
+            <a:r>
+              <a:rPr lang="en-US" sz="6000" dirty="0" err="1"/>
+              <a:t>kontrolišu</a:t>
+            </a:r>
+            <a:r>
+              <a:rPr lang="en-US" sz="6000" dirty="0"/>
+              <a:t> </a:t>
+            </a:r>
+            <a:r>
+              <a:rPr lang="en-US" sz="6000" dirty="0" err="1"/>
+              <a:t>različite</a:t>
+            </a:r>
+            <a:r>
+              <a:rPr lang="en-US" sz="6000" dirty="0"/>
+              <a:t> </a:t>
+            </a:r>
+            <a:r>
+              <a:rPr lang="en-US" sz="6000" dirty="0" err="1"/>
+              <a:t>delove</a:t>
+            </a:r>
+            <a:r>
+              <a:rPr lang="en-US" sz="6000" dirty="0"/>
+              <a:t> HTML </a:t>
+            </a:r>
+            <a:r>
+              <a:rPr lang="en-US" sz="6000" dirty="0" err="1"/>
+              <a:t>dokumenta</a:t>
+            </a:r>
+            <a:r>
+              <a:rPr lang="en-US" sz="6000" dirty="0"/>
+              <a:t>. </a:t>
+            </a:r>
+          </a:p>
+          <a:p>
+            <a:pPr>
+              <a:lnSpc>
+                <a:spcPct val="90000"/>
+              </a:lnSpc>
+              <a:spcBef>
+                <a:spcPct val="0"/>
+              </a:spcBef>
+              <a:spcAft>
+                <a:spcPts val="600"/>
+              </a:spcAft>
+            </a:pPr>
+            <a:r>
+              <a:rPr lang="en-US" sz="6000" dirty="0" err="1"/>
+              <a:t>Dodati</a:t>
+            </a:r>
+            <a:r>
+              <a:rPr lang="en-US" sz="6000" dirty="0"/>
+              <a:t> </a:t>
+            </a:r>
+            <a:r>
+              <a:rPr lang="en-US" sz="6000" dirty="0" err="1"/>
+              <a:t>su</a:t>
+            </a:r>
+            <a:r>
+              <a:rPr lang="en-US" sz="6000" dirty="0"/>
+              <a:t> </a:t>
+            </a:r>
+            <a:r>
+              <a:rPr lang="en-US" sz="6000" dirty="0" err="1"/>
+              <a:t>tako</a:t>
+            </a:r>
+            <a:r>
+              <a:rPr lang="en-US" sz="6000" dirty="0"/>
+              <a:t> da </a:t>
+            </a:r>
+            <a:r>
+              <a:rPr lang="en-US" sz="6000" dirty="0" err="1"/>
+              <a:t>jedan</a:t>
+            </a:r>
+            <a:r>
+              <a:rPr lang="en-US" sz="6000" dirty="0"/>
+              <a:t> </a:t>
+            </a:r>
+            <a:r>
+              <a:rPr lang="en-US" sz="6000" dirty="0" err="1"/>
+              <a:t>kontroler</a:t>
+            </a:r>
+            <a:r>
+              <a:rPr lang="en-US" sz="6000" dirty="0"/>
+              <a:t> </a:t>
+            </a:r>
+            <a:r>
+              <a:rPr lang="en-US" sz="6000" dirty="0" err="1"/>
+              <a:t>AngularJSKursController</a:t>
+            </a:r>
+            <a:r>
+              <a:rPr lang="en-US" sz="6000" dirty="0"/>
+              <a:t> </a:t>
+            </a:r>
+            <a:r>
+              <a:rPr lang="en-US" sz="6000" dirty="0" err="1"/>
+              <a:t>kontrol</a:t>
+            </a:r>
+            <a:r>
+              <a:rPr lang="sr-Latn-RS" sz="6000" dirty="0"/>
+              <a:t>iše gornji</a:t>
+            </a:r>
+            <a:r>
+              <a:rPr lang="en-US" sz="6000" dirty="0"/>
+              <a:t> </a:t>
+            </a:r>
+            <a:r>
+              <a:rPr lang="en-US" sz="6000" b="1" dirty="0"/>
+              <a:t>&lt;div&gt; </a:t>
+            </a:r>
+            <a:r>
+              <a:rPr lang="en-US" sz="6000" dirty="0"/>
+              <a:t>element</a:t>
+            </a:r>
+            <a:r>
+              <a:rPr lang="sr-Latn-RS" sz="6000" dirty="0"/>
+              <a:t>, a AngularJSKursControllerNoviScope kontroliše donji </a:t>
+            </a:r>
+            <a:r>
+              <a:rPr lang="en-US" sz="6000" b="1" dirty="0"/>
+              <a:t>&lt;</a:t>
+            </a:r>
+            <a:r>
+              <a:rPr lang="sr-Latn-RS" sz="6000" b="1" dirty="0"/>
+              <a:t>div</a:t>
+            </a:r>
+            <a:r>
+              <a:rPr lang="en-US" sz="6000" b="1" dirty="0"/>
+              <a:t>&gt;</a:t>
+            </a:r>
+            <a:r>
+              <a:rPr lang="sr-Latn-RS" sz="6000" b="1" dirty="0"/>
+              <a:t> </a:t>
+            </a:r>
+            <a:r>
+              <a:rPr lang="sr-Latn-RS" sz="6000" dirty="0"/>
+              <a:t>element</a:t>
+            </a:r>
+            <a:r>
+              <a:rPr lang="en-US" sz="6000" dirty="0"/>
+              <a:t> </a:t>
+            </a:r>
+          </a:p>
+        </p:txBody>
+      </p:sp>
+      <p:pic>
+        <p:nvPicPr>
+          <p:cNvPr id="5" name="Picture 4">
+            <a:extLst>
+              <a:ext uri="{FF2B5EF4-FFF2-40B4-BE49-F238E27FC236}">
+                <a16:creationId xmlns:a16="http://schemas.microsoft.com/office/drawing/2014/main" id="{83DACD50-AE9A-4A94-A105-83DA825F0ACA}"/>
+              </a:ext>
+            </a:extLst>
+          </p:cNvPr>
+          <p:cNvPicPr>
+            <a:picLocks noChangeAspect="1"/>
+          </p:cNvPicPr>
+          <p:nvPr/>
+        </p:nvPicPr>
+        <p:blipFill rotWithShape="1">
+          <a:blip r:embed="rId2">
+            <a:extLst>
+              <a:ext uri="{28A0092B-C50C-407E-A947-70E740481C1C}">
+                <a14:useLocalDpi xmlns:a14="http://schemas.microsoft.com/office/drawing/2010/main" val="0"/>
+              </a:ext>
+            </a:extLst>
+          </a:blip>
+          <a:srcRect l="13759" r="5878" b="2"/>
+          <a:stretch/>
+        </p:blipFill>
+        <p:spPr>
+          <a:xfrm>
+            <a:off x="4198620" y="320511"/>
+            <a:ext cx="3794760" cy="3930978"/>
+          </a:xfrm>
+          <a:prstGeom prst="rect">
+            <a:avLst/>
+          </a:prstGeom>
+        </p:spPr>
+      </p:pic>
+      <p:pic>
+        <p:nvPicPr>
+          <p:cNvPr id="7" name="Picture 6">
+            <a:extLst>
+              <a:ext uri="{FF2B5EF4-FFF2-40B4-BE49-F238E27FC236}">
+                <a16:creationId xmlns:a16="http://schemas.microsoft.com/office/drawing/2014/main" id="{1A3EDC2D-061E-4BBD-BF15-BA3251DDE3E6}"/>
+              </a:ext>
+            </a:extLst>
+          </p:cNvPr>
+          <p:cNvPicPr>
+            <a:picLocks noChangeAspect="1"/>
+          </p:cNvPicPr>
+          <p:nvPr/>
+        </p:nvPicPr>
+        <p:blipFill rotWithShape="1">
+          <a:blip r:embed="rId3">
+            <a:extLst>
+              <a:ext uri="{28A0092B-C50C-407E-A947-70E740481C1C}">
+                <a14:useLocalDpi xmlns:a14="http://schemas.microsoft.com/office/drawing/2010/main" val="0"/>
+              </a:ext>
+            </a:extLst>
+          </a:blip>
+          <a:srcRect l="13864" r="6735" b="-2"/>
+          <a:stretch/>
+        </p:blipFill>
+        <p:spPr>
+          <a:xfrm>
+            <a:off x="8183209" y="320511"/>
+            <a:ext cx="3794760" cy="3930978"/>
+          </a:xfrm>
+          <a:prstGeom prst="rect">
+            <a:avLst/>
+          </a:prstGeom>
+        </p:spPr>
+      </p:pic>
+      <p:pic>
+        <p:nvPicPr>
+          <p:cNvPr id="3" name="Picture 2">
+            <a:extLst>
+              <a:ext uri="{FF2B5EF4-FFF2-40B4-BE49-F238E27FC236}">
+                <a16:creationId xmlns:a16="http://schemas.microsoft.com/office/drawing/2014/main" id="{8F5D97EE-6BA7-49AB-8894-46F58F7D0FAE}"/>
+              </a:ext>
+            </a:extLst>
+          </p:cNvPr>
+          <p:cNvPicPr>
+            <a:picLocks noChangeAspect="1"/>
+          </p:cNvPicPr>
+          <p:nvPr/>
+        </p:nvPicPr>
+        <p:blipFill rotWithShape="1">
+          <a:blip r:embed="rId4">
+            <a:extLst>
+              <a:ext uri="{28A0092B-C50C-407E-A947-70E740481C1C}">
+                <a14:useLocalDpi xmlns:a14="http://schemas.microsoft.com/office/drawing/2010/main" val="0"/>
+              </a:ext>
+            </a:extLst>
+          </a:blip>
+          <a:srcRect l="5942" r="9346" b="-3"/>
+          <a:stretch/>
+        </p:blipFill>
+        <p:spPr>
+          <a:xfrm>
+            <a:off x="214031" y="320511"/>
+            <a:ext cx="3794760" cy="3930978"/>
+          </a:xfrm>
+          <a:prstGeom prst="rect">
+            <a:avLst/>
+          </a:prstGeom>
+        </p:spPr>
+      </p:pic>
+      <p:cxnSp>
+        <p:nvCxnSpPr>
+          <p:cNvPr id="13" name="Straight Connector 12">
+            <a:extLst>
+              <a:ext uri="{FF2B5EF4-FFF2-40B4-BE49-F238E27FC236}">
+                <a16:creationId xmlns:a16="http://schemas.microsoft.com/office/drawing/2014/main" id="{60188E89-AF78-40F6-B787-E9BD9C625686}"/>
+              </a:ext>
+              <a:ext uri="{C183D7F6-B498-43B3-948B-1728B52AA6E4}">
+                <adec:decorative xmlns:adec="http://schemas.microsoft.com/office/drawing/2017/decorative" val="1"/>
+              </a:ext>
+            </a:extLst>
+          </p:cNvPr>
+          <p:cNvCxnSpPr>
+            <a:cxnSpLocks noGrp="1" noRot="1" noChangeAspect="1" noMove="1" noResize="1" noEditPoints="1" noAdjustHandles="1" noChangeArrowheads="1" noChangeShapeType="1"/>
+          </p:cNvCxnSpPr>
+          <p:nvPr>
+            <p:extLst>
+              <p:ext uri="{386F3935-93C4-4BCD-93E2-E3B085C9AB24}">
+                <p16:designElem xmlns:p16="http://schemas.microsoft.com/office/powerpoint/2015/main" val="1"/>
+              </p:ext>
+            </p:extLst>
+          </p:nvPr>
+        </p:nvCxnSpPr>
+        <p:spPr>
+          <a:xfrm>
+            <a:off x="1524000" y="5778706"/>
+            <a:ext cx="9144000" cy="0"/>
+          </a:xfrm>
+          <a:prstGeom prst="line">
+            <a:avLst/>
+          </a:prstGeom>
+          <a:ln w="19050">
+            <a:solidFill>
+              <a:srgbClr val="997B4B"/>
+            </a:solidFill>
+          </a:ln>
+        </p:spPr>
+        <p:style>
+          <a:lnRef idx="1">
+            <a:schemeClr val="accent1"/>
+          </a:lnRef>
+          <a:fillRef idx="0">
+            <a:schemeClr val="accent1"/>
+          </a:fillRef>
+          <a:effectRef idx="0">
+            <a:schemeClr val="accent1"/>
+          </a:effectRef>
+          <a:fontRef idx="minor">
+            <a:schemeClr val="tx1"/>
+          </a:fontRef>
+        </p:style>
+      </p:cxnSp>
+    </p:spTree>
+    <p:extLst>
+      <p:ext uri="{BB962C8B-B14F-4D97-AF65-F5344CB8AC3E}">
+        <p14:creationId xmlns:p14="http://schemas.microsoft.com/office/powerpoint/2010/main" val="2767260137"/>
+      </p:ext>
+    </p:extLst>
+  </p:cSld>
+  <p:clrMapOvr>
+    <a:masterClrMapping/>
+  </p:clrMapOvr>
+  <p:timing>
+    <p:tnLst>
+      <p:par>
+        <p:cTn id="1" dur="indefinite" restart="never" nodeType="tmRoot">
+          <p:childTnLst>
+            <p:seq concurrent="1" nextAc="seek">
+              <p:cTn id="2" dur="indefinite" nodeType="mainSeq">
+                <p:childTnLst>
+                  <p:par>
+                    <p:cTn id="3" fill="hold">
+                      <p:stCondLst>
+                        <p:cond delay="indefinite"/>
+                      </p:stCondLst>
+                      <p:childTnLst>
+                        <p:par>
+                          <p:cTn id="4" fill="hold">
+                            <p:stCondLst>
+                              <p:cond delay="0"/>
+                            </p:stCondLst>
+                            <p:childTnLst>
+                              <p:par>
+                                <p:cTn id="5" presetID="1" presetClass="entr" presetSubtype="0" fill="hold" grpId="0" nodeType="clickEffect">
+                                  <p:stCondLst>
+                                    <p:cond delay="0"/>
+                                  </p:stCondLst>
+                                  <p:childTnLst>
+                                    <p:set>
+                                      <p:cBhvr>
+                                        <p:cTn id="6" dur="1" fill="hold">
+                                          <p:stCondLst>
+                                            <p:cond delay="0"/>
+                                          </p:stCondLst>
+                                        </p:cTn>
+                                        <p:tgtEl>
+                                          <p:spTgt spid="8"/>
+                                        </p:tgtEl>
+                                        <p:attrNameLst>
+                                          <p:attrName>style.visibility</p:attrName>
+                                        </p:attrNameLst>
+                                      </p:cBhvr>
+                                      <p:to>
+                                        <p:strVal val="visible"/>
+                                      </p:to>
+                                    </p:set>
+                                  </p:childTnLst>
+                                </p:cTn>
+                              </p:par>
+                            </p:childTnLst>
+                          </p:cTn>
+                        </p:par>
+                      </p:childTnLst>
+                    </p:cTn>
+                  </p:par>
+                  <p:par>
+                    <p:cTn id="7" fill="hold">
+                      <p:stCondLst>
+                        <p:cond delay="indefinite"/>
+                      </p:stCondLst>
+                      <p:childTnLst>
+                        <p:par>
+                          <p:cTn id="8" fill="hold">
+                            <p:stCondLst>
+                              <p:cond delay="0"/>
+                            </p:stCondLst>
+                            <p:childTnLst>
+                              <p:par>
+                                <p:cTn id="9" presetID="1" presetClass="entr" presetSubtype="0" fill="hold" nodeType="clickEffect">
+                                  <p:stCondLst>
+                                    <p:cond delay="0"/>
+                                  </p:stCondLst>
+                                  <p:childTnLst>
+                                    <p:set>
+                                      <p:cBhvr>
+                                        <p:cTn id="10" dur="1" fill="hold">
+                                          <p:stCondLst>
+                                            <p:cond delay="0"/>
+                                          </p:stCondLst>
+                                        </p:cTn>
+                                        <p:tgtEl>
+                                          <p:spTgt spid="5"/>
+                                        </p:tgtEl>
+                                        <p:attrNameLst>
+                                          <p:attrName>style.visibility</p:attrName>
+                                        </p:attrNameLst>
+                                      </p:cBhvr>
+                                      <p:to>
+                                        <p:strVal val="visible"/>
+                                      </p:to>
+                                    </p:set>
+                                  </p:childTnLst>
+                                </p:cTn>
+                              </p:par>
+                            </p:childTnLst>
+                          </p:cTn>
+                        </p:par>
+                      </p:childTnLst>
+                    </p:cTn>
+                  </p:par>
+                  <p:par>
+                    <p:cTn id="11" fill="hold">
+                      <p:stCondLst>
+                        <p:cond delay="indefinite"/>
+                      </p:stCondLst>
+                      <p:childTnLst>
+                        <p:par>
+                          <p:cTn id="12" fill="hold">
+                            <p:stCondLst>
+                              <p:cond delay="0"/>
+                            </p:stCondLst>
+                            <p:childTnLst>
+                              <p:par>
+                                <p:cTn id="13" presetID="1" presetClass="entr" presetSubtype="0" fill="hold" nodeType="clickEffect">
+                                  <p:stCondLst>
+                                    <p:cond delay="0"/>
+                                  </p:stCondLst>
+                                  <p:childTnLst>
+                                    <p:set>
+                                      <p:cBhvr>
+                                        <p:cTn id="14" dur="1" fill="hold">
+                                          <p:stCondLst>
+                                            <p:cond delay="0"/>
+                                          </p:stCondLst>
+                                        </p:cTn>
+                                        <p:tgtEl>
+                                          <p:spTgt spid="7"/>
+                                        </p:tgtEl>
+                                        <p:attrNameLst>
+                                          <p:attrName>style.visibility</p:attrName>
+                                        </p:attrNameLst>
+                                      </p:cBhvr>
+                                      <p:to>
+                                        <p:strVal val="visible"/>
+                                      </p:to>
+                                    </p:set>
+                                  </p:childTnLst>
+                                </p:cTn>
+                              </p:par>
+                            </p:childTnLst>
+                          </p:cTn>
+                        </p:par>
+                      </p:childTnLst>
+                    </p:cTn>
+                  </p:par>
+                </p:childTnLst>
+              </p:cTn>
+              <p:prevCondLst>
+                <p:cond evt="onPrev" delay="0">
+                  <p:tgtEl>
+                    <p:sldTgt/>
+                  </p:tgtEl>
+                </p:cond>
+              </p:prevCondLst>
+              <p:nextCondLst>
+                <p:cond evt="onNext" delay="0">
+                  <p:tgtEl>
+                    <p:sldTgt/>
+                  </p:tgtEl>
+                </p:cond>
+              </p:nextCondLst>
+            </p:seq>
+          </p:childTnLst>
+        </p:cTn>
+      </p:par>
+    </p:tnLst>
+    <p:bldLst>
+      <p:bldP spid="8" grpId="0"/>
+    </p:bldLst>
+  </p:timing>
+</p:sld>
+</file>
+
+<file path=ppt/slides/slide12.xml><?xml version="1.0" encoding="utf-8"?>
+<p:sld xmlns:a="http://schemas.openxmlformats.org/drawingml/2006/main" xmlns:r="http://schemas.openxmlformats.org/officeDocument/2006/relationships" xmlns:p="http://schemas.openxmlformats.org/presentationml/2006/main">
+  <p:cSld>
+    <p:bg>
+      <p:bgPr>
+        <a:solidFill>
+          <a:schemeClr val="bg1"/>
+        </a:solidFill>
+        <a:effectLst/>
+      </p:bgPr>
+    </p:bg>
+    <p:spTree>
+      <p:nvGrpSpPr>
+        <p:cNvPr id="1" name=""/>
+        <p:cNvGrpSpPr/>
+        <p:nvPr/>
+      </p:nvGrpSpPr>
+      <p:grpSpPr>
+        <a:xfrm>
+          <a:off x="0" y="0"/>
+          <a:ext cx="0" cy="0"/>
+          <a:chOff x="0" y="0"/>
+          <a:chExt cx="0" cy="0"/>
+        </a:xfrm>
+      </p:grpSpPr>
+      <p:pic>
+        <p:nvPicPr>
+          <p:cNvPr id="3" name="Picture 2">
+            <a:extLst>
+              <a:ext uri="{FF2B5EF4-FFF2-40B4-BE49-F238E27FC236}">
+                <a16:creationId xmlns:a16="http://schemas.microsoft.com/office/drawing/2014/main" id="{61B5AA47-A372-46B1-9FF0-93AB5B62960B}"/>
+              </a:ext>
+            </a:extLst>
+          </p:cNvPr>
+          <p:cNvPicPr>
+            <a:picLocks noChangeAspect="1"/>
+          </p:cNvPicPr>
+          <p:nvPr/>
+        </p:nvPicPr>
+        <p:blipFill>
+          <a:blip r:embed="rId2">
+            <a:extLst>
+              <a:ext uri="{28A0092B-C50C-407E-A947-70E740481C1C}">
+                <a14:useLocalDpi xmlns:a14="http://schemas.microsoft.com/office/drawing/2010/main" val="0"/>
+              </a:ext>
+            </a:extLst>
+          </a:blip>
+          <a:stretch>
+            <a:fillRect/>
+          </a:stretch>
+        </p:blipFill>
+        <p:spPr>
+          <a:xfrm>
+            <a:off x="1115615" y="1920027"/>
+            <a:ext cx="4742993" cy="3011800"/>
+          </a:xfrm>
+          <a:prstGeom prst="rect">
+            <a:avLst/>
+          </a:prstGeom>
+        </p:spPr>
+      </p:pic>
+      <p:cxnSp>
+        <p:nvCxnSpPr>
+          <p:cNvPr id="10" name="Straight Connector 9">
+            <a:extLst>
+              <a:ext uri="{FF2B5EF4-FFF2-40B4-BE49-F238E27FC236}">
+                <a16:creationId xmlns:a16="http://schemas.microsoft.com/office/drawing/2014/main" id="{4D56677B-C0B7-4DAC-ACAD-8054FF1B599A}"/>
+              </a:ext>
+              <a:ext uri="{C183D7F6-B498-43B3-948B-1728B52AA6E4}">
+                <adec:decorative xmlns:adec="http://schemas.microsoft.com/office/drawing/2017/decorative" val="1"/>
+              </a:ext>
+            </a:extLst>
+          </p:cNvPr>
+          <p:cNvCxnSpPr>
+            <a:cxnSpLocks noGrp="1" noRot="1" noChangeAspect="1" noMove="1" noResize="1" noEditPoints="1" noAdjustHandles="1" noChangeArrowheads="1" noChangeShapeType="1"/>
+          </p:cNvCxnSpPr>
+          <p:nvPr>
+            <p:extLst>
+              <p:ext uri="{386F3935-93C4-4BCD-93E2-E3B085C9AB24}">
+                <p16:designElem xmlns:p16="http://schemas.microsoft.com/office/powerpoint/2015/main" val="1"/>
+              </p:ext>
+            </p:extLst>
+          </p:nvPr>
+        </p:nvCxnSpPr>
+        <p:spPr>
+          <a:xfrm>
+            <a:off x="6096000" y="1573887"/>
+            <a:ext cx="0" cy="3710227"/>
+          </a:xfrm>
+          <a:prstGeom prst="line">
+            <a:avLst/>
+          </a:prstGeom>
+          <a:ln w="19050">
+            <a:solidFill>
+              <a:srgbClr val="CB3222"/>
+            </a:solidFill>
+          </a:ln>
+        </p:spPr>
+        <p:style>
+          <a:lnRef idx="1">
+            <a:schemeClr val="accent1"/>
+          </a:lnRef>
+          <a:fillRef idx="0">
+            <a:schemeClr val="accent1"/>
+          </a:fillRef>
+          <a:effectRef idx="0">
+            <a:schemeClr val="accent1"/>
+          </a:effectRef>
+          <a:fontRef idx="minor">
+            <a:schemeClr val="tx1"/>
+          </a:fontRef>
+        </p:style>
+      </p:cxnSp>
+      <p:pic>
+        <p:nvPicPr>
+          <p:cNvPr id="5" name="Picture 4">
+            <a:extLst>
+              <a:ext uri="{FF2B5EF4-FFF2-40B4-BE49-F238E27FC236}">
+                <a16:creationId xmlns:a16="http://schemas.microsoft.com/office/drawing/2014/main" id="{270018F4-0041-4003-B8B2-930D543FDC7C}"/>
+              </a:ext>
+            </a:extLst>
+          </p:cNvPr>
+          <p:cNvPicPr>
+            <a:picLocks noChangeAspect="1"/>
+          </p:cNvPicPr>
+          <p:nvPr/>
+        </p:nvPicPr>
+        <p:blipFill>
+          <a:blip r:embed="rId3">
+            <a:extLst>
+              <a:ext uri="{28A0092B-C50C-407E-A947-70E740481C1C}">
+                <a14:useLocalDpi xmlns:a14="http://schemas.microsoft.com/office/drawing/2010/main" val="0"/>
+              </a:ext>
+            </a:extLst>
+          </a:blip>
+          <a:stretch>
+            <a:fillRect/>
+          </a:stretch>
+        </p:blipFill>
+        <p:spPr>
+          <a:xfrm>
+            <a:off x="6343240" y="1717932"/>
+            <a:ext cx="4728015" cy="3415990"/>
+          </a:xfrm>
+          <a:prstGeom prst="rect">
+            <a:avLst/>
+          </a:prstGeom>
+        </p:spPr>
+      </p:pic>
+      <p:sp>
+        <p:nvSpPr>
+          <p:cNvPr id="7" name="TextBox 6">
+            <a:extLst>
+              <a:ext uri="{FF2B5EF4-FFF2-40B4-BE49-F238E27FC236}">
+                <a16:creationId xmlns:a16="http://schemas.microsoft.com/office/drawing/2014/main" id="{BBE5365F-56A3-44C8-8665-074FB71BD0C3}"/>
+              </a:ext>
+            </a:extLst>
+          </p:cNvPr>
+          <p:cNvSpPr txBox="1"/>
+          <p:nvPr/>
+        </p:nvSpPr>
+        <p:spPr>
+          <a:xfrm>
+            <a:off x="1115615" y="394103"/>
+            <a:ext cx="7371954" cy="369332"/>
+          </a:xfrm>
+          <a:prstGeom prst="rect">
+            <a:avLst/>
+          </a:prstGeom>
+          <a:noFill/>
+        </p:spPr>
+        <p:txBody>
+          <a:bodyPr wrap="none" rtlCol="0">
+            <a:spAutoFit/>
+          </a:bodyPr>
+          <a:lstStyle/>
+          <a:p>
+            <a:r>
+              <a:rPr lang="en-US" dirty="0"/>
+              <a:t>Data-binding – </a:t>
+            </a:r>
+            <a:r>
+              <a:rPr lang="en-US" dirty="0" err="1"/>
+              <a:t>povezivanje</a:t>
+            </a:r>
+            <a:r>
+              <a:rPr lang="en-US" dirty="0"/>
+              <a:t> </a:t>
+            </a:r>
+            <a:r>
+              <a:rPr lang="en-US" dirty="0" err="1"/>
+              <a:t>modela</a:t>
+            </a:r>
+            <a:r>
+              <a:rPr lang="en-US" dirty="0"/>
+              <a:t> </a:t>
+            </a:r>
+            <a:r>
+              <a:rPr lang="sr-Latn-RS" dirty="0"/>
+              <a:t>i</a:t>
+            </a:r>
+            <a:r>
+              <a:rPr lang="en-US" dirty="0"/>
+              <a:t> view </a:t>
+            </a:r>
+            <a:r>
+              <a:rPr lang="en-US" dirty="0" err="1"/>
+              <a:t>komponenti</a:t>
+            </a:r>
+            <a:r>
+              <a:rPr lang="en-US" dirty="0"/>
+              <a:t> (ono </a:t>
+            </a:r>
+            <a:r>
+              <a:rPr lang="sr-Latn-RS" dirty="0"/>
+              <a:t>što korisnik vidi</a:t>
+            </a:r>
+            <a:r>
+              <a:rPr lang="en-US" dirty="0"/>
+              <a:t>) </a:t>
+            </a:r>
+            <a:endParaRPr lang="en-GB" dirty="0"/>
+          </a:p>
+        </p:txBody>
+      </p:sp>
+      <p:sp>
+        <p:nvSpPr>
+          <p:cNvPr id="8" name="TextBox 7">
+            <a:extLst>
+              <a:ext uri="{FF2B5EF4-FFF2-40B4-BE49-F238E27FC236}">
+                <a16:creationId xmlns:a16="http://schemas.microsoft.com/office/drawing/2014/main" id="{A6E47350-EE08-4D9D-A05A-53A48F72B23C}"/>
+              </a:ext>
+            </a:extLst>
+          </p:cNvPr>
+          <p:cNvSpPr txBox="1"/>
+          <p:nvPr/>
+        </p:nvSpPr>
+        <p:spPr>
+          <a:xfrm>
+            <a:off x="1115615" y="763435"/>
+            <a:ext cx="11143948" cy="369332"/>
+          </a:xfrm>
+          <a:prstGeom prst="rect">
+            <a:avLst/>
+          </a:prstGeom>
+          <a:noFill/>
+        </p:spPr>
+        <p:txBody>
+          <a:bodyPr wrap="none" rtlCol="0">
+            <a:spAutoFit/>
+          </a:bodyPr>
+          <a:lstStyle/>
+          <a:p>
+            <a:r>
+              <a:rPr lang="sr-Latn-RS" dirty="0"/>
+              <a:t>Klasični sajtovi koriste One-Way Data Binding. Template i model se spoje prilikom kompajliranja i prikaže se korisniku. </a:t>
+            </a:r>
+            <a:endParaRPr lang="en-GB" dirty="0"/>
+          </a:p>
+        </p:txBody>
+      </p:sp>
+      <p:sp>
+        <p:nvSpPr>
+          <p:cNvPr id="9" name="TextBox 8">
+            <a:extLst>
+              <a:ext uri="{FF2B5EF4-FFF2-40B4-BE49-F238E27FC236}">
+                <a16:creationId xmlns:a16="http://schemas.microsoft.com/office/drawing/2014/main" id="{C7F8E1CE-AF1A-4330-A5A4-A4353085506E}"/>
+              </a:ext>
+            </a:extLst>
+          </p:cNvPr>
+          <p:cNvSpPr txBox="1"/>
+          <p:nvPr/>
+        </p:nvSpPr>
+        <p:spPr>
+          <a:xfrm>
+            <a:off x="1115615" y="1132767"/>
+            <a:ext cx="9522350" cy="369332"/>
+          </a:xfrm>
+          <a:prstGeom prst="rect">
+            <a:avLst/>
+          </a:prstGeom>
+          <a:noFill/>
+        </p:spPr>
+        <p:txBody>
+          <a:bodyPr wrap="none" rtlCol="0">
+            <a:spAutoFit/>
+          </a:bodyPr>
+          <a:lstStyle/>
+          <a:p>
+            <a:r>
+              <a:rPr lang="sr-Latn-RS" dirty="0"/>
+              <a:t>Angular koristi Two-Way Data Binding što znači da promene na </a:t>
+            </a:r>
+            <a:r>
+              <a:rPr lang="sr-Latn-RS" b="1" dirty="0"/>
+              <a:t>view </a:t>
+            </a:r>
+            <a:r>
+              <a:rPr lang="sr-Latn-RS" dirty="0"/>
+              <a:t>update-uju model i obrnuto.</a:t>
+            </a:r>
+            <a:endParaRPr lang="en-GB" dirty="0"/>
+          </a:p>
+        </p:txBody>
+      </p:sp>
+    </p:spTree>
+    <p:extLst>
+      <p:ext uri="{BB962C8B-B14F-4D97-AF65-F5344CB8AC3E}">
+        <p14:creationId xmlns:p14="http://schemas.microsoft.com/office/powerpoint/2010/main" val="273023023"/>
+      </p:ext>
+    </p:extLst>
+  </p:cSld>
+  <p:clrMapOvr>
+    <a:masterClrMapping/>
+  </p:clrMapOvr>
+  <p:timing>
+    <p:tnLst>
+      <p:par>
+        <p:cTn id="1" dur="indefinite" restart="never" nodeType="tmRoot">
+          <p:childTnLst>
+            <p:seq concurrent="1" nextAc="seek">
+              <p:cTn id="2" dur="indefinite" nodeType="mainSeq">
+                <p:childTnLst>
+                  <p:par>
+                    <p:cTn id="3" fill="hold">
+                      <p:stCondLst>
+                        <p:cond delay="indefinite"/>
+                      </p:stCondLst>
+                      <p:childTnLst>
+                        <p:par>
+                          <p:cTn id="4" fill="hold">
+                            <p:stCondLst>
+                              <p:cond delay="0"/>
+                            </p:stCondLst>
+                            <p:childTnLst>
+                              <p:par>
+                                <p:cTn id="5" presetID="1" presetClass="entr" presetSubtype="0" fill="hold" grpId="0" nodeType="clickEffect">
+                                  <p:stCondLst>
+                                    <p:cond delay="0"/>
+                                  </p:stCondLst>
+                                  <p:childTnLst>
+                                    <p:set>
+                                      <p:cBhvr>
+                                        <p:cTn id="6" dur="1" fill="hold">
+                                          <p:stCondLst>
+                                            <p:cond delay="0"/>
+                                          </p:stCondLst>
+                                        </p:cTn>
+                                        <p:tgtEl>
+                                          <p:spTgt spid="7"/>
+                                        </p:tgtEl>
+                                        <p:attrNameLst>
+                                          <p:attrName>style.visibility</p:attrName>
+                                        </p:attrNameLst>
+                                      </p:cBhvr>
+                                      <p:to>
+                                        <p:strVal val="visible"/>
+                                      </p:to>
+                                    </p:set>
+                                  </p:childTnLst>
+                                </p:cTn>
+                              </p:par>
+                            </p:childTnLst>
+                          </p:cTn>
+                        </p:par>
+                      </p:childTnLst>
+                    </p:cTn>
+                  </p:par>
+                  <p:par>
+                    <p:cTn id="7" fill="hold">
+                      <p:stCondLst>
+                        <p:cond delay="indefinite"/>
+                      </p:stCondLst>
+                      <p:childTnLst>
+                        <p:par>
+                          <p:cTn id="8" fill="hold">
+                            <p:stCondLst>
+                              <p:cond delay="0"/>
+                            </p:stCondLst>
+                            <p:childTnLst>
+                              <p:par>
+                                <p:cTn id="9" presetID="1" presetClass="entr" presetSubtype="0" fill="hold" grpId="0" nodeType="clickEffect">
+                                  <p:stCondLst>
+                                    <p:cond delay="0"/>
+                                  </p:stCondLst>
+                                  <p:childTnLst>
+                                    <p:set>
+                                      <p:cBhvr>
+                                        <p:cTn id="10" dur="1" fill="hold">
+                                          <p:stCondLst>
+                                            <p:cond delay="0"/>
+                                          </p:stCondLst>
+                                        </p:cTn>
+                                        <p:tgtEl>
+                                          <p:spTgt spid="8"/>
+                                        </p:tgtEl>
+                                        <p:attrNameLst>
+                                          <p:attrName>style.visibility</p:attrName>
+                                        </p:attrNameLst>
+                                      </p:cBhvr>
+                                      <p:to>
+                                        <p:strVal val="visible"/>
+                                      </p:to>
+                                    </p:set>
+                                  </p:childTnLst>
+                                </p:cTn>
+                              </p:par>
+                            </p:childTnLst>
+                          </p:cTn>
+                        </p:par>
+                      </p:childTnLst>
+                    </p:cTn>
+                  </p:par>
+                  <p:par>
+                    <p:cTn id="11" fill="hold">
+                      <p:stCondLst>
+                        <p:cond delay="indefinite"/>
+                      </p:stCondLst>
+                      <p:childTnLst>
+                        <p:par>
+                          <p:cTn id="12" fill="hold">
+                            <p:stCondLst>
+                              <p:cond delay="0"/>
+                            </p:stCondLst>
+                            <p:childTnLst>
+                              <p:par>
+                                <p:cTn id="13" presetID="1" presetClass="entr" presetSubtype="0" fill="hold" nodeType="clickEffect">
+                                  <p:stCondLst>
+                                    <p:cond delay="0"/>
+                                  </p:stCondLst>
+                                  <p:childTnLst>
+                                    <p:set>
+                                      <p:cBhvr>
+                                        <p:cTn id="14" dur="1" fill="hold">
+                                          <p:stCondLst>
+                                            <p:cond delay="0"/>
+                                          </p:stCondLst>
+                                        </p:cTn>
+                                        <p:tgtEl>
+                                          <p:spTgt spid="3"/>
+                                        </p:tgtEl>
+                                        <p:attrNameLst>
+                                          <p:attrName>style.visibility</p:attrName>
+                                        </p:attrNameLst>
+                                      </p:cBhvr>
+                                      <p:to>
+                                        <p:strVal val="visible"/>
+                                      </p:to>
+                                    </p:set>
+                                  </p:childTnLst>
+                                </p:cTn>
+                              </p:par>
+                            </p:childTnLst>
+                          </p:cTn>
+                        </p:par>
+                      </p:childTnLst>
+                    </p:cTn>
+                  </p:par>
+                  <p:par>
+                    <p:cTn id="15" fill="hold">
+                      <p:stCondLst>
+                        <p:cond delay="indefinite"/>
+                      </p:stCondLst>
+                      <p:childTnLst>
+                        <p:par>
+                          <p:cTn id="16" fill="hold">
+                            <p:stCondLst>
+                              <p:cond delay="0"/>
+                            </p:stCondLst>
+                            <p:childTnLst>
+                              <p:par>
+                                <p:cTn id="17" presetID="1" presetClass="entr" presetSubtype="0" fill="hold" grpId="0" nodeType="clickEffect">
+                                  <p:stCondLst>
+                                    <p:cond delay="0"/>
+                                  </p:stCondLst>
+                                  <p:childTnLst>
+                                    <p:set>
+                                      <p:cBhvr>
+                                        <p:cTn id="18" dur="1" fill="hold">
+                                          <p:stCondLst>
+                                            <p:cond delay="0"/>
+                                          </p:stCondLst>
+                                        </p:cTn>
+                                        <p:tgtEl>
+                                          <p:spTgt spid="9"/>
+                                        </p:tgtEl>
+                                        <p:attrNameLst>
+                                          <p:attrName>style.visibility</p:attrName>
+                                        </p:attrNameLst>
+                                      </p:cBhvr>
+                                      <p:to>
+                                        <p:strVal val="visible"/>
+                                      </p:to>
+                                    </p:set>
+                                  </p:childTnLst>
+                                </p:cTn>
+                              </p:par>
+                            </p:childTnLst>
+                          </p:cTn>
+                        </p:par>
+                      </p:childTnLst>
+                    </p:cTn>
+                  </p:par>
+                  <p:par>
+                    <p:cTn id="19" fill="hold">
+                      <p:stCondLst>
+                        <p:cond delay="indefinite"/>
+                      </p:stCondLst>
+                      <p:childTnLst>
+                        <p:par>
+                          <p:cTn id="20" fill="hold">
+                            <p:stCondLst>
+                              <p:cond delay="0"/>
+                            </p:stCondLst>
+                            <p:childTnLst>
+                              <p:par>
+                                <p:cTn id="21" presetID="1" presetClass="entr" presetSubtype="0" fill="hold" nodeType="clickEffect">
+                                  <p:stCondLst>
+                                    <p:cond delay="0"/>
+                                  </p:stCondLst>
+                                  <p:childTnLst>
+                                    <p:set>
+                                      <p:cBhvr>
+                                        <p:cTn id="22" dur="1" fill="hold">
+                                          <p:stCondLst>
+                                            <p:cond delay="0"/>
+                                          </p:stCondLst>
+                                        </p:cTn>
+                                        <p:tgtEl>
+                                          <p:spTgt spid="5"/>
+                                        </p:tgtEl>
+                                        <p:attrNameLst>
+                                          <p:attrName>style.visibility</p:attrName>
+                                        </p:attrNameLst>
+                                      </p:cBhvr>
+                                      <p:to>
+                                        <p:strVal val="visible"/>
+                                      </p:to>
+                                    </p:set>
+                                  </p:childTnLst>
+                                </p:cTn>
+                              </p:par>
+                            </p:childTnLst>
+                          </p:cTn>
+                        </p:par>
+                      </p:childTnLst>
+                    </p:cTn>
+                  </p:par>
+                </p:childTnLst>
+              </p:cTn>
+              <p:prevCondLst>
+                <p:cond evt="onPrev" delay="0">
+                  <p:tgtEl>
+                    <p:sldTgt/>
+                  </p:tgtEl>
+                </p:cond>
+              </p:prevCondLst>
+              <p:nextCondLst>
+                <p:cond evt="onNext" delay="0">
+                  <p:tgtEl>
+                    <p:sldTgt/>
+                  </p:tgtEl>
+                </p:cond>
+              </p:nextCondLst>
+            </p:seq>
+          </p:childTnLst>
+        </p:cTn>
+      </p:par>
+    </p:tnLst>
+    <p:bldLst>
+      <p:bldP spid="7" grpId="0"/>
+      <p:bldP spid="8" grpId="0"/>
+      <p:bldP spid="9" grpId="0"/>
+    </p:bldLst>
+  </p:timing>
+</p:sld>
+</file>
+
+<file path=ppt/slides/slide13.xml><?xml version="1.0" encoding="utf-8"?>
+<p:sld xmlns:a="http://schemas.openxmlformats.org/drawingml/2006/main" xmlns:r="http://schemas.openxmlformats.org/officeDocument/2006/relationships" xmlns:p="http://schemas.openxmlformats.org/presentationml/2006/main">
+  <p:cSld>
+    <p:spTree>
+      <p:nvGrpSpPr>
+        <p:cNvPr id="1" name=""/>
+        <p:cNvGrpSpPr/>
+        <p:nvPr/>
+      </p:nvGrpSpPr>
+      <p:grpSpPr>
+        <a:xfrm>
+          <a:off x="0" y="0"/>
+          <a:ext cx="0" cy="0"/>
+          <a:chOff x="0" y="0"/>
+          <a:chExt cx="0" cy="0"/>
+        </a:xfrm>
+      </p:grpSpPr>
+      <p:pic>
+        <p:nvPicPr>
+          <p:cNvPr id="5" name="Picture 4">
+            <a:extLst>
+              <a:ext uri="{FF2B5EF4-FFF2-40B4-BE49-F238E27FC236}">
+                <a16:creationId xmlns:a16="http://schemas.microsoft.com/office/drawing/2014/main" id="{21A6958E-148C-4C17-847C-5906A3C877E7}"/>
+              </a:ext>
+            </a:extLst>
+          </p:cNvPr>
+          <p:cNvPicPr>
+            <a:picLocks noChangeAspect="1"/>
+          </p:cNvPicPr>
+          <p:nvPr/>
+        </p:nvPicPr>
+        <p:blipFill>
+          <a:blip r:embed="rId2">
+            <a:extLst>
+              <a:ext uri="{28A0092B-C50C-407E-A947-70E740481C1C}">
+                <a14:useLocalDpi xmlns:a14="http://schemas.microsoft.com/office/drawing/2010/main" val="0"/>
+              </a:ext>
+            </a:extLst>
+          </a:blip>
+          <a:stretch>
+            <a:fillRect/>
+          </a:stretch>
+        </p:blipFill>
+        <p:spPr>
+          <a:xfrm>
+            <a:off x="261774" y="1035368"/>
+            <a:ext cx="4505325" cy="2200275"/>
+          </a:xfrm>
+          <a:prstGeom prst="rect">
+            <a:avLst/>
+          </a:prstGeom>
+        </p:spPr>
+      </p:pic>
+      <p:sp>
+        <p:nvSpPr>
+          <p:cNvPr id="9" name="TextBox 8">
+            <a:extLst>
+              <a:ext uri="{FF2B5EF4-FFF2-40B4-BE49-F238E27FC236}">
+                <a16:creationId xmlns:a16="http://schemas.microsoft.com/office/drawing/2014/main" id="{621CD686-7C5C-4285-863B-8986B754AADE}"/>
+              </a:ext>
+            </a:extLst>
+          </p:cNvPr>
+          <p:cNvSpPr txBox="1"/>
+          <p:nvPr/>
+        </p:nvSpPr>
+        <p:spPr>
+          <a:xfrm>
+            <a:off x="4897949" y="1035368"/>
+            <a:ext cx="6986721" cy="4801314"/>
+          </a:xfrm>
+          <a:prstGeom prst="rect">
+            <a:avLst/>
+          </a:prstGeom>
+          <a:noFill/>
+        </p:spPr>
+        <p:txBody>
+          <a:bodyPr wrap="none" rtlCol="0">
+            <a:spAutoFit/>
+          </a:bodyPr>
+          <a:lstStyle/>
+          <a:p>
+            <a:r>
+              <a:rPr lang="en-GB" dirty="0">
+                <a:solidFill>
+                  <a:srgbClr val="EBDBB2"/>
+                </a:solidFill>
+                <a:latin typeface="Consolas" panose="020B0609020204030204" pitchFamily="49" charset="0"/>
+              </a:rPr>
+              <a:t>&lt;</a:t>
+            </a:r>
+            <a:r>
+              <a:rPr lang="en-GB" dirty="0">
+                <a:solidFill>
+                  <a:srgbClr val="FABD2F"/>
+                </a:solidFill>
+                <a:latin typeface="Consolas" panose="020B0609020204030204" pitchFamily="49" charset="0"/>
+              </a:rPr>
+              <a:t>input</a:t>
+            </a:r>
+            <a:r>
+              <a:rPr lang="en-GB" dirty="0">
+                <a:solidFill>
+                  <a:srgbClr val="F2E5BC"/>
+                </a:solidFill>
+                <a:latin typeface="Consolas" panose="020B0609020204030204" pitchFamily="49" charset="0"/>
+              </a:rPr>
+              <a:t> </a:t>
+            </a:r>
+            <a:r>
+              <a:rPr lang="en-GB" dirty="0">
+                <a:solidFill>
+                  <a:srgbClr val="7EC16E"/>
+                </a:solidFill>
+                <a:latin typeface="Consolas" panose="020B0609020204030204" pitchFamily="49" charset="0"/>
+              </a:rPr>
+              <a:t>type</a:t>
+            </a:r>
+            <a:r>
+              <a:rPr lang="en-GB" dirty="0">
+                <a:solidFill>
+                  <a:srgbClr val="EBDBB2"/>
+                </a:solidFill>
+                <a:latin typeface="Consolas" panose="020B0609020204030204" pitchFamily="49" charset="0"/>
+              </a:rPr>
+              <a:t>="</a:t>
+            </a:r>
+            <a:r>
+              <a:rPr lang="en-GB" dirty="0">
+                <a:solidFill>
+                  <a:srgbClr val="B8BB26"/>
+                </a:solidFill>
+                <a:latin typeface="Consolas" panose="020B0609020204030204" pitchFamily="49" charset="0"/>
+              </a:rPr>
+              <a:t>text</a:t>
+            </a:r>
+            <a:r>
+              <a:rPr lang="en-GB" dirty="0">
+                <a:solidFill>
+                  <a:srgbClr val="EBDBB2"/>
+                </a:solidFill>
+                <a:latin typeface="Consolas" panose="020B0609020204030204" pitchFamily="49" charset="0"/>
+              </a:rPr>
+              <a:t>"</a:t>
+            </a:r>
+            <a:r>
+              <a:rPr lang="en-GB" dirty="0">
+                <a:solidFill>
+                  <a:srgbClr val="F2E5BC"/>
+                </a:solidFill>
+                <a:latin typeface="Consolas" panose="020B0609020204030204" pitchFamily="49" charset="0"/>
+              </a:rPr>
+              <a:t> </a:t>
+            </a:r>
+            <a:r>
+              <a:rPr lang="en-GB" dirty="0">
+                <a:solidFill>
+                  <a:srgbClr val="7EC16E"/>
+                </a:solidFill>
+                <a:latin typeface="Consolas" panose="020B0609020204030204" pitchFamily="49" charset="0"/>
+              </a:rPr>
+              <a:t>ng-model</a:t>
+            </a:r>
+            <a:r>
+              <a:rPr lang="en-GB" dirty="0">
+                <a:solidFill>
+                  <a:srgbClr val="EBDBB2"/>
+                </a:solidFill>
+                <a:latin typeface="Consolas" panose="020B0609020204030204" pitchFamily="49" charset="0"/>
+              </a:rPr>
+              <a:t>="</a:t>
+            </a:r>
+            <a:r>
+              <a:rPr lang="en-GB" dirty="0">
+                <a:solidFill>
+                  <a:srgbClr val="B8BB26"/>
+                </a:solidFill>
+                <a:latin typeface="Consolas" panose="020B0609020204030204" pitchFamily="49" charset="0"/>
+              </a:rPr>
+              <a:t>input</a:t>
+            </a:r>
+            <a:r>
+              <a:rPr lang="en-GB" dirty="0">
+                <a:solidFill>
+                  <a:srgbClr val="EBDBB2"/>
+                </a:solidFill>
+                <a:latin typeface="Consolas" panose="020B0609020204030204" pitchFamily="49" charset="0"/>
+              </a:rPr>
+              <a:t>"&gt;</a:t>
+            </a:r>
+          </a:p>
+          <a:p>
+            <a:r>
+              <a:rPr lang="en-US" dirty="0" err="1"/>
+              <a:t>ngModel</a:t>
+            </a:r>
+            <a:r>
+              <a:rPr lang="en-US" dirty="0"/>
+              <a:t> </a:t>
+            </a:r>
+            <a:r>
+              <a:rPr lang="en-US" dirty="0" err="1"/>
+              <a:t>direktiva</a:t>
+            </a:r>
+            <a:r>
+              <a:rPr lang="en-US" dirty="0"/>
+              <a:t> </a:t>
+            </a:r>
+            <a:r>
+              <a:rPr lang="en-US" dirty="0" err="1"/>
+              <a:t>vezuje</a:t>
+            </a:r>
+            <a:r>
+              <a:rPr lang="en-US" dirty="0"/>
+              <a:t> input, select, </a:t>
+            </a:r>
+            <a:r>
+              <a:rPr lang="en-US" dirty="0" err="1"/>
+              <a:t>textarea</a:t>
+            </a:r>
+            <a:r>
+              <a:rPr lang="en-US" dirty="0"/>
+              <a:t>, </a:t>
+            </a:r>
+            <a:r>
+              <a:rPr lang="en-US" dirty="0" err="1"/>
+              <a:t>ili</a:t>
+            </a:r>
+            <a:r>
+              <a:rPr lang="en-US" dirty="0"/>
+              <a:t> custom form </a:t>
+            </a:r>
+            <a:r>
+              <a:rPr lang="en-US" dirty="0" err="1"/>
+              <a:t>kontrolu</a:t>
+            </a:r>
+            <a:endParaRPr lang="en-US" dirty="0"/>
+          </a:p>
+          <a:p>
+            <a:r>
+              <a:rPr lang="en-US" dirty="0"/>
+              <a:t>za </a:t>
+            </a:r>
+            <a:r>
+              <a:rPr lang="en-US" dirty="0" err="1"/>
+              <a:t>variablu</a:t>
+            </a:r>
+            <a:r>
+              <a:rPr lang="en-US" dirty="0"/>
+              <a:t> u </a:t>
+            </a:r>
+            <a:r>
+              <a:rPr lang="en-US" dirty="0" err="1"/>
+              <a:t>datom</a:t>
+            </a:r>
+            <a:r>
+              <a:rPr lang="en-US" dirty="0"/>
+              <a:t> scope-u.</a:t>
+            </a:r>
+            <a:endParaRPr lang="en-US" dirty="0">
+              <a:solidFill>
+                <a:srgbClr val="EBDBB2"/>
+              </a:solidFill>
+              <a:latin typeface="Consolas" panose="020B0609020204030204" pitchFamily="49" charset="0"/>
+            </a:endParaRPr>
+          </a:p>
+          <a:p>
+            <a:r>
+              <a:rPr lang="en-GB" dirty="0">
+                <a:solidFill>
+                  <a:srgbClr val="EBDBB2"/>
+                </a:solidFill>
+                <a:latin typeface="Consolas" panose="020B0609020204030204" pitchFamily="49" charset="0"/>
+              </a:rPr>
+              <a:t>&lt;</a:t>
+            </a:r>
+            <a:r>
+              <a:rPr lang="en-GB" dirty="0">
+                <a:solidFill>
+                  <a:srgbClr val="FABD2F"/>
+                </a:solidFill>
+                <a:latin typeface="Consolas" panose="020B0609020204030204" pitchFamily="49" charset="0"/>
+              </a:rPr>
+              <a:t>input</a:t>
+            </a:r>
+            <a:r>
+              <a:rPr lang="en-GB" dirty="0">
+                <a:solidFill>
+                  <a:srgbClr val="F2E5BC"/>
+                </a:solidFill>
+                <a:latin typeface="Consolas" panose="020B0609020204030204" pitchFamily="49" charset="0"/>
+              </a:rPr>
+              <a:t> </a:t>
+            </a:r>
+            <a:r>
+              <a:rPr lang="en-GB" dirty="0">
+                <a:solidFill>
+                  <a:srgbClr val="7EC16E"/>
+                </a:solidFill>
+                <a:latin typeface="Consolas" panose="020B0609020204030204" pitchFamily="49" charset="0"/>
+              </a:rPr>
+              <a:t>type</a:t>
+            </a:r>
+            <a:r>
+              <a:rPr lang="en-GB" dirty="0">
+                <a:solidFill>
+                  <a:srgbClr val="EBDBB2"/>
+                </a:solidFill>
+                <a:latin typeface="Consolas" panose="020B0609020204030204" pitchFamily="49" charset="0"/>
+              </a:rPr>
+              <a:t>="</a:t>
+            </a:r>
+            <a:r>
+              <a:rPr lang="en-GB" dirty="0">
+                <a:solidFill>
+                  <a:srgbClr val="B8BB26"/>
+                </a:solidFill>
+                <a:latin typeface="Consolas" panose="020B0609020204030204" pitchFamily="49" charset="0"/>
+              </a:rPr>
+              <a:t>text</a:t>
+            </a:r>
+            <a:r>
+              <a:rPr lang="en-GB" dirty="0">
+                <a:solidFill>
+                  <a:srgbClr val="EBDBB2"/>
+                </a:solidFill>
+                <a:latin typeface="Consolas" panose="020B0609020204030204" pitchFamily="49" charset="0"/>
+              </a:rPr>
+              <a:t>"</a:t>
+            </a:r>
+            <a:r>
+              <a:rPr lang="en-GB" dirty="0">
+                <a:solidFill>
+                  <a:srgbClr val="F2E5BC"/>
+                </a:solidFill>
+                <a:latin typeface="Consolas" panose="020B0609020204030204" pitchFamily="49" charset="0"/>
+              </a:rPr>
+              <a:t> </a:t>
+            </a:r>
+            <a:r>
+              <a:rPr lang="en-GB" dirty="0">
+                <a:solidFill>
+                  <a:srgbClr val="7EC16E"/>
+                </a:solidFill>
+                <a:latin typeface="Consolas" panose="020B0609020204030204" pitchFamily="49" charset="0"/>
+              </a:rPr>
+              <a:t>ng-value</a:t>
+            </a:r>
+            <a:r>
+              <a:rPr lang="en-GB" dirty="0">
+                <a:solidFill>
+                  <a:srgbClr val="EBDBB2"/>
+                </a:solidFill>
+                <a:latin typeface="Consolas" panose="020B0609020204030204" pitchFamily="49" charset="0"/>
+              </a:rPr>
+              <a:t>="</a:t>
+            </a:r>
+            <a:r>
+              <a:rPr lang="en-GB" dirty="0">
+                <a:solidFill>
+                  <a:srgbClr val="B8BB26"/>
+                </a:solidFill>
+                <a:latin typeface="Consolas" panose="020B0609020204030204" pitchFamily="49" charset="0"/>
+              </a:rPr>
+              <a:t>input</a:t>
+            </a:r>
+            <a:r>
+              <a:rPr lang="en-GB" dirty="0">
+                <a:solidFill>
+                  <a:srgbClr val="EBDBB2"/>
+                </a:solidFill>
+                <a:latin typeface="Consolas" panose="020B0609020204030204" pitchFamily="49" charset="0"/>
+              </a:rPr>
+              <a:t>"&gt;</a:t>
+            </a:r>
+          </a:p>
+          <a:p>
+            <a:r>
+              <a:rPr lang="en-US" dirty="0" err="1"/>
+              <a:t>ngValue</a:t>
+            </a:r>
+            <a:r>
+              <a:rPr lang="en-US" dirty="0"/>
+              <a:t> </a:t>
+            </a:r>
+            <a:r>
+              <a:rPr lang="en-US" dirty="0" err="1"/>
+              <a:t>direktiva</a:t>
+            </a:r>
+            <a:r>
+              <a:rPr lang="en-US" dirty="0"/>
+              <a:t> </a:t>
+            </a:r>
+            <a:r>
+              <a:rPr lang="en-US" dirty="0" err="1"/>
+              <a:t>vezuje</a:t>
+            </a:r>
+            <a:r>
+              <a:rPr lang="en-US" dirty="0"/>
+              <a:t> </a:t>
+            </a:r>
+            <a:r>
+              <a:rPr lang="en-US" dirty="0" err="1"/>
+              <a:t>izraz</a:t>
+            </a:r>
+            <a:r>
+              <a:rPr lang="en-US" dirty="0"/>
+              <a:t> za </a:t>
+            </a:r>
+            <a:r>
+              <a:rPr lang="en-US" dirty="0" err="1"/>
+              <a:t>vrednost</a:t>
+            </a:r>
+            <a:r>
+              <a:rPr lang="en-US" dirty="0"/>
+              <a:t> </a:t>
+            </a:r>
+            <a:r>
+              <a:rPr lang="en-US" dirty="0" err="1"/>
+              <a:t>elementa</a:t>
+            </a:r>
+            <a:endParaRPr lang="en-GB" dirty="0"/>
+          </a:p>
+          <a:p>
+            <a:r>
+              <a:rPr lang="en-GB" dirty="0">
+                <a:solidFill>
+                  <a:srgbClr val="F2E5BC"/>
+                </a:solidFill>
+                <a:latin typeface="Consolas" panose="020B0609020204030204" pitchFamily="49" charset="0"/>
+              </a:rPr>
+              <a:t>{{input}}</a:t>
+            </a:r>
+          </a:p>
+          <a:p>
+            <a:r>
+              <a:rPr lang="en-US" dirty="0" err="1"/>
+              <a:t>Sli</a:t>
+            </a:r>
+            <a:r>
+              <a:rPr lang="sr-Latn-RS" dirty="0"/>
+              <a:t>čno kao </a:t>
+            </a:r>
+            <a:r>
+              <a:rPr lang="en-US" dirty="0" err="1"/>
+              <a:t>ngValue</a:t>
+            </a:r>
+            <a:r>
+              <a:rPr lang="en-US" dirty="0"/>
+              <a:t> </a:t>
+            </a:r>
+            <a:r>
+              <a:rPr lang="en-US" dirty="0" err="1"/>
+              <a:t>direktiva</a:t>
+            </a:r>
+            <a:r>
+              <a:rPr lang="sr-Latn-RS" dirty="0"/>
+              <a:t>, interpolacija </a:t>
+            </a:r>
+            <a:r>
+              <a:rPr lang="en-US" dirty="0" err="1"/>
+              <a:t>vezuje</a:t>
+            </a:r>
+            <a:r>
+              <a:rPr lang="en-US" dirty="0"/>
+              <a:t> </a:t>
+            </a:r>
+            <a:r>
+              <a:rPr lang="en-US" dirty="0" err="1"/>
+              <a:t>izraz</a:t>
+            </a:r>
+            <a:r>
+              <a:rPr lang="en-US" dirty="0"/>
+              <a:t> za</a:t>
+            </a:r>
+            <a:endParaRPr lang="sr-Latn-RS" dirty="0"/>
+          </a:p>
+          <a:p>
+            <a:r>
+              <a:rPr lang="en-US" dirty="0" err="1"/>
+              <a:t>vrednost</a:t>
+            </a:r>
+            <a:r>
+              <a:rPr lang="en-US" dirty="0"/>
+              <a:t> </a:t>
+            </a:r>
+            <a:r>
+              <a:rPr lang="en-US" dirty="0" err="1"/>
+              <a:t>elementa</a:t>
+            </a:r>
+            <a:endParaRPr lang="en-GB" dirty="0">
+              <a:solidFill>
+                <a:srgbClr val="F2E5BC"/>
+              </a:solidFill>
+              <a:latin typeface="Consolas" panose="020B0609020204030204" pitchFamily="49" charset="0"/>
+            </a:endParaRPr>
+          </a:p>
+          <a:p>
+            <a:r>
+              <a:rPr lang="en-GB" dirty="0">
+                <a:solidFill>
+                  <a:srgbClr val="EBDBB2"/>
+                </a:solidFill>
+                <a:latin typeface="Consolas" panose="020B0609020204030204" pitchFamily="49" charset="0"/>
+              </a:rPr>
+              <a:t>&lt;</a:t>
+            </a:r>
+            <a:r>
+              <a:rPr lang="en-GB" dirty="0" err="1">
+                <a:solidFill>
+                  <a:srgbClr val="FABD2F"/>
+                </a:solidFill>
+                <a:latin typeface="Consolas" panose="020B0609020204030204" pitchFamily="49" charset="0"/>
+              </a:rPr>
+              <a:t>img</a:t>
+            </a:r>
+            <a:r>
+              <a:rPr lang="en-GB" dirty="0">
+                <a:solidFill>
+                  <a:srgbClr val="F2E5BC"/>
+                </a:solidFill>
+                <a:latin typeface="Consolas" panose="020B0609020204030204" pitchFamily="49" charset="0"/>
+              </a:rPr>
+              <a:t> </a:t>
+            </a:r>
+            <a:r>
+              <a:rPr lang="en-GB" dirty="0">
+                <a:solidFill>
+                  <a:srgbClr val="7EC16E"/>
+                </a:solidFill>
+                <a:latin typeface="Consolas" panose="020B0609020204030204" pitchFamily="49" charset="0"/>
+              </a:rPr>
+              <a:t>ng-</a:t>
+            </a:r>
+            <a:r>
+              <a:rPr lang="en-GB" dirty="0" err="1">
+                <a:solidFill>
+                  <a:srgbClr val="7EC16E"/>
+                </a:solidFill>
+                <a:latin typeface="Consolas" panose="020B0609020204030204" pitchFamily="49" charset="0"/>
+              </a:rPr>
+              <a:t>src</a:t>
+            </a:r>
+            <a:r>
+              <a:rPr lang="en-GB" dirty="0">
+                <a:solidFill>
+                  <a:srgbClr val="EBDBB2"/>
+                </a:solidFill>
+                <a:latin typeface="Consolas" panose="020B0609020204030204" pitchFamily="49" charset="0"/>
+              </a:rPr>
+              <a:t>="</a:t>
+            </a:r>
+            <a:r>
+              <a:rPr lang="en-GB" dirty="0">
+                <a:solidFill>
+                  <a:srgbClr val="B8BB26"/>
+                </a:solidFill>
+                <a:latin typeface="Consolas" panose="020B0609020204030204" pitchFamily="49" charset="0"/>
+              </a:rPr>
+              <a:t>{{</a:t>
+            </a:r>
+            <a:r>
+              <a:rPr lang="en-GB" dirty="0" err="1">
+                <a:solidFill>
+                  <a:srgbClr val="B8BB26"/>
+                </a:solidFill>
+                <a:latin typeface="Consolas" panose="020B0609020204030204" pitchFamily="49" charset="0"/>
+              </a:rPr>
+              <a:t>c.img</a:t>
+            </a:r>
+            <a:r>
+              <a:rPr lang="en-GB" dirty="0">
+                <a:solidFill>
+                  <a:srgbClr val="B8BB26"/>
+                </a:solidFill>
+                <a:latin typeface="Consolas" panose="020B0609020204030204" pitchFamily="49" charset="0"/>
+              </a:rPr>
+              <a:t>}}</a:t>
+            </a:r>
+            <a:r>
+              <a:rPr lang="en-GB" dirty="0">
+                <a:solidFill>
+                  <a:srgbClr val="EBDBB2"/>
+                </a:solidFill>
+                <a:latin typeface="Consolas" panose="020B0609020204030204" pitchFamily="49" charset="0"/>
+              </a:rPr>
+              <a:t>"</a:t>
+            </a:r>
+            <a:r>
+              <a:rPr lang="en-GB" dirty="0">
+                <a:solidFill>
+                  <a:srgbClr val="F2E5BC"/>
+                </a:solidFill>
+                <a:latin typeface="Consolas" panose="020B0609020204030204" pitchFamily="49" charset="0"/>
+              </a:rPr>
+              <a:t> </a:t>
+            </a:r>
+            <a:r>
+              <a:rPr lang="en-GB" dirty="0">
+                <a:solidFill>
+                  <a:srgbClr val="7EC16E"/>
+                </a:solidFill>
+                <a:latin typeface="Consolas" panose="020B0609020204030204" pitchFamily="49" charset="0"/>
+              </a:rPr>
+              <a:t>alt</a:t>
+            </a:r>
+            <a:r>
+              <a:rPr lang="en-GB" dirty="0">
+                <a:solidFill>
+                  <a:srgbClr val="EBDBB2"/>
+                </a:solidFill>
+                <a:latin typeface="Consolas" panose="020B0609020204030204" pitchFamily="49" charset="0"/>
+              </a:rPr>
+              <a:t>="</a:t>
+            </a:r>
+            <a:r>
+              <a:rPr lang="en-GB" dirty="0">
+                <a:solidFill>
+                  <a:srgbClr val="B8BB26"/>
+                </a:solidFill>
+                <a:latin typeface="Consolas" panose="020B0609020204030204" pitchFamily="49" charset="0"/>
+              </a:rPr>
+              <a:t>Cat image</a:t>
+            </a:r>
+            <a:r>
+              <a:rPr lang="en-GB" dirty="0">
+                <a:solidFill>
+                  <a:srgbClr val="EBDBB2"/>
+                </a:solidFill>
+                <a:latin typeface="Consolas" panose="020B0609020204030204" pitchFamily="49" charset="0"/>
+              </a:rPr>
+              <a:t>"&gt;</a:t>
+            </a:r>
+          </a:p>
+          <a:p>
+            <a:r>
+              <a:rPr lang="sr-Latn-RS" dirty="0"/>
+              <a:t>Interpolacija, umesto putanje do slike stoji angular varijabla</a:t>
+            </a:r>
+            <a:endParaRPr lang="en-GB" dirty="0"/>
+          </a:p>
+          <a:p>
+            <a:r>
+              <a:rPr lang="en-GB" dirty="0">
+                <a:solidFill>
+                  <a:srgbClr val="EBDBB2"/>
+                </a:solidFill>
+                <a:latin typeface="Consolas" panose="020B0609020204030204" pitchFamily="49" charset="0"/>
+              </a:rPr>
+              <a:t>&lt;</a:t>
+            </a:r>
+            <a:r>
+              <a:rPr lang="en-GB" dirty="0">
+                <a:solidFill>
+                  <a:srgbClr val="FABD2F"/>
+                </a:solidFill>
+                <a:latin typeface="Consolas" panose="020B0609020204030204" pitchFamily="49" charset="0"/>
+              </a:rPr>
+              <a:t>p</a:t>
+            </a:r>
+            <a:r>
+              <a:rPr lang="en-GB" dirty="0">
+                <a:solidFill>
+                  <a:srgbClr val="F2E5BC"/>
+                </a:solidFill>
+                <a:latin typeface="Consolas" panose="020B0609020204030204" pitchFamily="49" charset="0"/>
+              </a:rPr>
+              <a:t> </a:t>
+            </a:r>
+            <a:r>
+              <a:rPr lang="en-GB" dirty="0">
+                <a:solidFill>
+                  <a:srgbClr val="7EC16E"/>
+                </a:solidFill>
+                <a:latin typeface="Consolas" panose="020B0609020204030204" pitchFamily="49" charset="0"/>
+              </a:rPr>
+              <a:t>ng-click</a:t>
+            </a:r>
+            <a:r>
+              <a:rPr lang="en-GB" dirty="0">
+                <a:solidFill>
+                  <a:srgbClr val="EBDBB2"/>
+                </a:solidFill>
+                <a:latin typeface="Consolas" panose="020B0609020204030204" pitchFamily="49" charset="0"/>
+              </a:rPr>
+              <a:t>="</a:t>
+            </a:r>
+            <a:r>
+              <a:rPr lang="en-GB" dirty="0">
+                <a:solidFill>
+                  <a:srgbClr val="B8BB26"/>
+                </a:solidFill>
+                <a:latin typeface="Consolas" panose="020B0609020204030204" pitchFamily="49" charset="0"/>
+              </a:rPr>
+              <a:t>count = count + 1</a:t>
+            </a:r>
+            <a:r>
+              <a:rPr lang="en-GB" dirty="0">
+                <a:solidFill>
+                  <a:srgbClr val="EBDBB2"/>
+                </a:solidFill>
+                <a:latin typeface="Consolas" panose="020B0609020204030204" pitchFamily="49" charset="0"/>
+              </a:rPr>
+              <a:t>"&gt;</a:t>
+            </a:r>
+            <a:r>
+              <a:rPr lang="en-GB" dirty="0">
+                <a:solidFill>
+                  <a:srgbClr val="F2E5BC"/>
+                </a:solidFill>
+                <a:latin typeface="Consolas" panose="020B0609020204030204" pitchFamily="49" charset="0"/>
+              </a:rPr>
+              <a:t>{{ count }}</a:t>
+            </a:r>
+            <a:r>
+              <a:rPr lang="en-GB" dirty="0">
+                <a:solidFill>
+                  <a:srgbClr val="EBDBB2"/>
+                </a:solidFill>
+                <a:latin typeface="Consolas" panose="020B0609020204030204" pitchFamily="49" charset="0"/>
+              </a:rPr>
+              <a:t>&lt;/</a:t>
+            </a:r>
+            <a:r>
+              <a:rPr lang="en-GB" dirty="0">
+                <a:solidFill>
+                  <a:srgbClr val="FABD2F"/>
+                </a:solidFill>
+                <a:latin typeface="Consolas" panose="020B0609020204030204" pitchFamily="49" charset="0"/>
+              </a:rPr>
+              <a:t>p</a:t>
+            </a:r>
+            <a:r>
+              <a:rPr lang="en-GB" dirty="0">
+                <a:solidFill>
+                  <a:srgbClr val="EBDBB2"/>
+                </a:solidFill>
+                <a:latin typeface="Consolas" panose="020B0609020204030204" pitchFamily="49" charset="0"/>
+              </a:rPr>
+              <a:t>&gt;</a:t>
+            </a:r>
+          </a:p>
+          <a:p>
+            <a:r>
+              <a:rPr lang="sr-Latn-RS" dirty="0"/>
+              <a:t>ngClick direktiva omogućava da se odredi ponašanje elementa kada se</a:t>
+            </a:r>
+          </a:p>
+          <a:p>
+            <a:r>
+              <a:rPr lang="sr-Latn-RS" dirty="0"/>
+              <a:t>Klikne na njega.</a:t>
+            </a:r>
+            <a:endParaRPr lang="en-GB" dirty="0"/>
+          </a:p>
+          <a:p>
+            <a:r>
+              <a:rPr lang="en-GB" dirty="0">
+                <a:solidFill>
+                  <a:srgbClr val="EBDBB2"/>
+                </a:solidFill>
+                <a:latin typeface="Consolas" panose="020B0609020204030204" pitchFamily="49" charset="0"/>
+              </a:rPr>
+              <a:t>&lt;</a:t>
+            </a:r>
+            <a:r>
+              <a:rPr lang="en-GB" dirty="0">
+                <a:solidFill>
+                  <a:srgbClr val="FABD2F"/>
+                </a:solidFill>
+                <a:latin typeface="Consolas" panose="020B0609020204030204" pitchFamily="49" charset="0"/>
+              </a:rPr>
+              <a:t>p</a:t>
+            </a:r>
+            <a:r>
+              <a:rPr lang="en-GB" dirty="0">
+                <a:solidFill>
+                  <a:srgbClr val="F2E5BC"/>
+                </a:solidFill>
+                <a:latin typeface="Consolas" panose="020B0609020204030204" pitchFamily="49" charset="0"/>
+              </a:rPr>
+              <a:t> </a:t>
+            </a:r>
+            <a:r>
+              <a:rPr lang="en-GB" dirty="0">
+                <a:solidFill>
+                  <a:srgbClr val="7EC16E"/>
+                </a:solidFill>
+                <a:latin typeface="Consolas" panose="020B0609020204030204" pitchFamily="49" charset="0"/>
+              </a:rPr>
+              <a:t>ng-click</a:t>
+            </a:r>
+            <a:r>
+              <a:rPr lang="en-GB" dirty="0">
+                <a:solidFill>
+                  <a:srgbClr val="EBDBB2"/>
+                </a:solidFill>
+                <a:latin typeface="Consolas" panose="020B0609020204030204" pitchFamily="49" charset="0"/>
+              </a:rPr>
+              <a:t>="</a:t>
+            </a:r>
+            <a:r>
+              <a:rPr lang="en-GB" dirty="0">
+                <a:solidFill>
+                  <a:srgbClr val="B8BB26"/>
+                </a:solidFill>
+                <a:latin typeface="Consolas" panose="020B0609020204030204" pitchFamily="49" charset="0"/>
+              </a:rPr>
+              <a:t>increment();</a:t>
+            </a:r>
+            <a:r>
+              <a:rPr lang="en-GB" dirty="0">
+                <a:solidFill>
+                  <a:srgbClr val="EBDBB2"/>
+                </a:solidFill>
+                <a:latin typeface="Consolas" panose="020B0609020204030204" pitchFamily="49" charset="0"/>
+              </a:rPr>
+              <a:t>"&gt;</a:t>
+            </a:r>
+            <a:r>
+              <a:rPr lang="en-GB" dirty="0">
+                <a:solidFill>
+                  <a:srgbClr val="F2E5BC"/>
+                </a:solidFill>
+                <a:latin typeface="Consolas" panose="020B0609020204030204" pitchFamily="49" charset="0"/>
+              </a:rPr>
+              <a:t>{{ </a:t>
+            </a:r>
+            <a:r>
+              <a:rPr lang="en-GB" dirty="0" err="1">
+                <a:solidFill>
+                  <a:srgbClr val="F2E5BC"/>
+                </a:solidFill>
+                <a:latin typeface="Consolas" panose="020B0609020204030204" pitchFamily="49" charset="0"/>
+              </a:rPr>
+              <a:t>countFunc</a:t>
+            </a:r>
+            <a:r>
+              <a:rPr lang="en-GB" dirty="0">
+                <a:solidFill>
+                  <a:srgbClr val="F2E5BC"/>
+                </a:solidFill>
+                <a:latin typeface="Consolas" panose="020B0609020204030204" pitchFamily="49" charset="0"/>
+              </a:rPr>
+              <a:t> }}</a:t>
+            </a:r>
+            <a:r>
+              <a:rPr lang="en-GB" dirty="0">
+                <a:solidFill>
+                  <a:srgbClr val="EBDBB2"/>
+                </a:solidFill>
+                <a:latin typeface="Consolas" panose="020B0609020204030204" pitchFamily="49" charset="0"/>
+              </a:rPr>
+              <a:t>&lt;/</a:t>
+            </a:r>
+            <a:r>
+              <a:rPr lang="en-GB" dirty="0">
+                <a:solidFill>
+                  <a:srgbClr val="FABD2F"/>
+                </a:solidFill>
+                <a:latin typeface="Consolas" panose="020B0609020204030204" pitchFamily="49" charset="0"/>
+              </a:rPr>
+              <a:t>p</a:t>
+            </a:r>
+            <a:r>
+              <a:rPr lang="en-GB" dirty="0">
+                <a:solidFill>
+                  <a:srgbClr val="EBDBB2"/>
+                </a:solidFill>
+                <a:latin typeface="Consolas" panose="020B0609020204030204" pitchFamily="49" charset="0"/>
+              </a:rPr>
+              <a:t>&gt;</a:t>
+            </a:r>
+            <a:endParaRPr lang="en-GB" dirty="0">
+              <a:solidFill>
+                <a:srgbClr val="F2E5BC"/>
+              </a:solidFill>
+              <a:latin typeface="Consolas" panose="020B0609020204030204" pitchFamily="49" charset="0"/>
+            </a:endParaRPr>
+          </a:p>
+          <a:p>
+            <a:r>
+              <a:rPr lang="sr-Latn-RS" dirty="0"/>
+              <a:t>Isto kao prethodna ngClick direktiva samo sto se u prethodnom primeru</a:t>
+            </a:r>
+          </a:p>
+          <a:p>
+            <a:r>
+              <a:rPr lang="sr-Latn-RS" dirty="0"/>
+              <a:t>direktno na HTML-u izvršava a u drugom primeru se poziva funkcija iz</a:t>
+            </a:r>
+          </a:p>
+          <a:p>
+            <a:r>
+              <a:rPr lang="sr-Latn-RS" dirty="0"/>
+              <a:t>kontrolera</a:t>
+            </a:r>
+          </a:p>
+        </p:txBody>
+      </p:sp>
+      <p:sp>
+        <p:nvSpPr>
+          <p:cNvPr id="11" name="TextBox 10">
+            <a:extLst>
+              <a:ext uri="{FF2B5EF4-FFF2-40B4-BE49-F238E27FC236}">
+                <a16:creationId xmlns:a16="http://schemas.microsoft.com/office/drawing/2014/main" id="{F7B50E1C-2DF9-4EF4-B2C5-082F41ABEE9B}"/>
+              </a:ext>
+            </a:extLst>
+          </p:cNvPr>
+          <p:cNvSpPr txBox="1"/>
+          <p:nvPr/>
+        </p:nvSpPr>
+        <p:spPr>
+          <a:xfrm>
+            <a:off x="4128615" y="106520"/>
+            <a:ext cx="2861874" cy="707886"/>
+          </a:xfrm>
+          <a:prstGeom prst="rect">
+            <a:avLst/>
+          </a:prstGeom>
+          <a:noFill/>
+        </p:spPr>
+        <p:txBody>
+          <a:bodyPr wrap="none" rtlCol="0">
+            <a:spAutoFit/>
+          </a:bodyPr>
+          <a:lstStyle/>
+          <a:p>
+            <a:r>
+              <a:rPr lang="en-US" sz="4000"/>
+              <a:t>Data-binding</a:t>
+            </a:r>
+            <a:endParaRPr lang="en-GB" sz="4000" dirty="0"/>
+          </a:p>
+        </p:txBody>
+      </p:sp>
+    </p:spTree>
+    <p:extLst>
+      <p:ext uri="{BB962C8B-B14F-4D97-AF65-F5344CB8AC3E}">
+        <p14:creationId xmlns:p14="http://schemas.microsoft.com/office/powerpoint/2010/main" val="3746618843"/>
+      </p:ext>
+    </p:extLst>
+  </p:cSld>
+  <p:clrMapOvr>
+    <a:masterClrMapping/>
+  </p:clrMapOvr>
+</p:sld>
+</file>
+
+<file path=ppt/slides/slide14.xml><?xml version="1.0" encoding="utf-8"?>
+<p:sld xmlns:a="http://schemas.openxmlformats.org/drawingml/2006/main" xmlns:r="http://schemas.openxmlformats.org/officeDocument/2006/relationships" xmlns:p="http://schemas.openxmlformats.org/presentationml/2006/main">
+  <p:cSld>
+    <p:bg>
+      <p:bgPr>
+        <a:solidFill>
+          <a:schemeClr val="bg1"/>
+        </a:solidFill>
+        <a:effectLst/>
+      </p:bgPr>
+    </p:bg>
+    <p:spTree>
+      <p:nvGrpSpPr>
+        <p:cNvPr id="1" name=""/>
+        <p:cNvGrpSpPr/>
+        <p:nvPr/>
+      </p:nvGrpSpPr>
+      <p:grpSpPr>
+        <a:xfrm>
+          <a:off x="0" y="0"/>
+          <a:ext cx="0" cy="0"/>
+          <a:chOff x="0" y="0"/>
+          <a:chExt cx="0" cy="0"/>
+        </a:xfrm>
+      </p:grpSpPr>
+      <p:sp>
+        <p:nvSpPr>
           <p:cNvPr id="4" name="TextBox 3">
             <a:extLst>
               <a:ext uri="{FF2B5EF4-FFF2-40B4-BE49-F238E27FC236}">
@@ -6291,7 +8519,7 @@
 </p:sld>
 </file>
 
-<file path=ppt/slides/slide12.xml><?xml version="1.0" encoding="utf-8"?>
+<file path=ppt/slides/slide15.xml><?xml version="1.0" encoding="utf-8"?>
 <p:sld xmlns:a="http://schemas.openxmlformats.org/drawingml/2006/main" xmlns:r="http://schemas.openxmlformats.org/officeDocument/2006/relationships" xmlns:p="http://schemas.openxmlformats.org/presentationml/2006/main">
   <p:cSld>
     <p:bg>
@@ -8900,6 +11128,101 @@
 </p:sld>
 </file>
 
+<file path=ppt/slides/slide16.xml><?xml version="1.0" encoding="utf-8"?>
+<p:sld xmlns:a="http://schemas.openxmlformats.org/drawingml/2006/main" xmlns:r="http://schemas.openxmlformats.org/officeDocument/2006/relationships" xmlns:p="http://schemas.openxmlformats.org/presentationml/2006/main">
+  <p:cSld>
+    <p:spTree>
+      <p:nvGrpSpPr>
+        <p:cNvPr id="1" name=""/>
+        <p:cNvGrpSpPr/>
+        <p:nvPr/>
+      </p:nvGrpSpPr>
+      <p:grpSpPr>
+        <a:xfrm>
+          <a:off x="0" y="0"/>
+          <a:ext cx="0" cy="0"/>
+          <a:chOff x="0" y="0"/>
+          <a:chExt cx="0" cy="0"/>
+        </a:xfrm>
+      </p:grpSpPr>
+      <p:sp>
+        <p:nvSpPr>
+          <p:cNvPr id="2" name="Title 1">
+            <a:extLst>
+              <a:ext uri="{FF2B5EF4-FFF2-40B4-BE49-F238E27FC236}">
+                <a16:creationId xmlns:a16="http://schemas.microsoft.com/office/drawing/2014/main" id="{A7F4B528-4836-4B17-932F-458E9DC8DAD9}"/>
+              </a:ext>
+            </a:extLst>
+          </p:cNvPr>
+          <p:cNvSpPr>
+            <a:spLocks noGrp="1"/>
+          </p:cNvSpPr>
+          <p:nvPr>
+            <p:ph type="title"/>
+          </p:nvPr>
+        </p:nvSpPr>
+        <p:spPr>
+          <a:xfrm>
+            <a:off x="838200" y="365125"/>
+            <a:ext cx="10515600" cy="732155"/>
+          </a:xfrm>
+        </p:spPr>
+        <p:txBody>
+          <a:bodyPr/>
+          <a:lstStyle/>
+          <a:p>
+            <a:pPr algn="ctr"/>
+            <a:r>
+              <a:rPr lang="sr-Latn-RS" dirty="0"/>
+              <a:t>Komponente</a:t>
+            </a:r>
+            <a:endParaRPr lang="en-GB" dirty="0"/>
+          </a:p>
+        </p:txBody>
+      </p:sp>
+      <p:sp>
+        <p:nvSpPr>
+          <p:cNvPr id="3" name="Content Placeholder 2">
+            <a:extLst>
+              <a:ext uri="{FF2B5EF4-FFF2-40B4-BE49-F238E27FC236}">
+                <a16:creationId xmlns:a16="http://schemas.microsoft.com/office/drawing/2014/main" id="{CCCF051F-99B1-4A64-A213-F47E411139FB}"/>
+              </a:ext>
+            </a:extLst>
+          </p:cNvPr>
+          <p:cNvSpPr>
+            <a:spLocks noGrp="1"/>
+          </p:cNvSpPr>
+          <p:nvPr>
+            <p:ph idx="1"/>
+          </p:nvPr>
+        </p:nvSpPr>
+        <p:spPr>
+          <a:xfrm>
+            <a:off x="838200" y="1097280"/>
+            <a:ext cx="10515600" cy="5079683"/>
+          </a:xfrm>
+        </p:spPr>
+        <p:txBody>
+          <a:bodyPr/>
+          <a:lstStyle/>
+          <a:p>
+            <a:endParaRPr lang="en-GB" dirty="0"/>
+          </a:p>
+        </p:txBody>
+      </p:sp>
+    </p:spTree>
+    <p:extLst>
+      <p:ext uri="{BB962C8B-B14F-4D97-AF65-F5344CB8AC3E}">
+        <p14:creationId xmlns:p14="http://schemas.microsoft.com/office/powerpoint/2010/main" val="3116259503"/>
+      </p:ext>
+    </p:extLst>
+  </p:cSld>
+  <p:clrMapOvr>
+    <a:masterClrMapping/>
+  </p:clrMapOvr>
+</p:sld>
+</file>
+
 <file path=ppt/slides/slide2.xml><?xml version="1.0" encoding="utf-8"?>
 <p:sld xmlns:a="http://schemas.openxmlformats.org/drawingml/2006/main" xmlns:r="http://schemas.openxmlformats.org/officeDocument/2006/relationships" xmlns:p="http://schemas.openxmlformats.org/presentationml/2006/main">
   <p:cSld>
@@ -8922,6 +11245,762 @@
           <p:cNvPr id="2" name="Title 1">
             <a:extLst>
               <a:ext uri="{FF2B5EF4-FFF2-40B4-BE49-F238E27FC236}">
+                <a16:creationId xmlns:a16="http://schemas.microsoft.com/office/drawing/2014/main" id="{18C5795D-87E1-4C09-99DC-2CE75E0F63F8}"/>
+              </a:ext>
+            </a:extLst>
+          </p:cNvPr>
+          <p:cNvSpPr>
+            <a:spLocks noGrp="1"/>
+          </p:cNvSpPr>
+          <p:nvPr>
+            <p:ph type="title"/>
+          </p:nvPr>
+        </p:nvSpPr>
+        <p:spPr>
+          <a:xfrm>
+            <a:off x="838200" y="295836"/>
+            <a:ext cx="10515600" cy="806824"/>
+          </a:xfrm>
+        </p:spPr>
+        <p:txBody>
+          <a:bodyPr/>
+          <a:lstStyle/>
+          <a:p>
+            <a:pPr algn="ctr"/>
+            <a:r>
+              <a:rPr lang="en-US" dirty="0"/>
+              <a:t>Git</a:t>
+            </a:r>
+            <a:endParaRPr lang="en-GB" dirty="0"/>
+          </a:p>
+        </p:txBody>
+      </p:sp>
+      <p:sp>
+        <p:nvSpPr>
+          <p:cNvPr id="3" name="Content Placeholder 2">
+            <a:extLst>
+              <a:ext uri="{FF2B5EF4-FFF2-40B4-BE49-F238E27FC236}">
+                <a16:creationId xmlns:a16="http://schemas.microsoft.com/office/drawing/2014/main" id="{26B2D9EA-1942-4854-900A-8380364B5535}"/>
+              </a:ext>
+            </a:extLst>
+          </p:cNvPr>
+          <p:cNvSpPr>
+            <a:spLocks noGrp="1"/>
+          </p:cNvSpPr>
+          <p:nvPr>
+            <p:ph idx="1"/>
+          </p:nvPr>
+        </p:nvSpPr>
+        <p:spPr>
+          <a:xfrm>
+            <a:off x="838200" y="1102660"/>
+            <a:ext cx="10515600" cy="5074303"/>
+          </a:xfrm>
+        </p:spPr>
+        <p:txBody>
+          <a:bodyPr>
+            <a:normAutofit lnSpcReduction="10000"/>
+          </a:bodyPr>
+          <a:lstStyle/>
+          <a:p>
+            <a:r>
+              <a:rPr lang="sr-Latn-RS" dirty="0"/>
+              <a:t>Git je razvio </a:t>
+            </a:r>
+            <a:r>
+              <a:rPr lang="en-GB" i="1" dirty="0"/>
+              <a:t>Linus Benedict Torvalds</a:t>
+            </a:r>
+            <a:r>
+              <a:rPr lang="sr-Latn-RS" i="1" dirty="0"/>
+              <a:t> </a:t>
+            </a:r>
+            <a:r>
+              <a:rPr lang="sr-Latn-RS" dirty="0"/>
+              <a:t>2005. godine, za sopstvene potrebe.</a:t>
+            </a:r>
+            <a:endParaRPr lang="en-US" dirty="0"/>
+          </a:p>
+          <a:p>
+            <a:r>
+              <a:rPr lang="en-US" dirty="0" err="1"/>
+              <a:t>Distribuiran</a:t>
+            </a:r>
+            <a:r>
+              <a:rPr lang="sr-Latn-RS" dirty="0"/>
+              <a:t> (Git radni direktorijum se nalazi na svakom računaru)</a:t>
+            </a:r>
+            <a:r>
+              <a:rPr lang="en-US" dirty="0"/>
+              <a:t> </a:t>
+            </a:r>
+            <a:r>
+              <a:rPr lang="en-US" dirty="0" err="1"/>
+              <a:t>sistem</a:t>
+            </a:r>
+            <a:r>
+              <a:rPr lang="en-US" dirty="0"/>
+              <a:t> </a:t>
+            </a:r>
+            <a:r>
+              <a:rPr lang="en-US" dirty="0" err="1"/>
+              <a:t>kontrole</a:t>
+            </a:r>
+            <a:r>
+              <a:rPr lang="en-US" dirty="0"/>
+              <a:t> </a:t>
+            </a:r>
+            <a:r>
+              <a:rPr lang="en-US" dirty="0" err="1"/>
+              <a:t>verzija</a:t>
+            </a:r>
+            <a:r>
+              <a:rPr lang="en-US" dirty="0"/>
+              <a:t>.</a:t>
+            </a:r>
+          </a:p>
+          <a:p>
+            <a:r>
+              <a:rPr lang="en-US" dirty="0" err="1"/>
+              <a:t>Koristi</a:t>
+            </a:r>
+            <a:r>
+              <a:rPr lang="en-US" dirty="0"/>
+              <a:t> se za </a:t>
+            </a:r>
+            <a:r>
+              <a:rPr lang="en-US" dirty="0" err="1"/>
+              <a:t>pra</a:t>
+            </a:r>
+            <a:r>
+              <a:rPr lang="sr-Latn-RS" dirty="0"/>
+              <a:t>ćenje promena tokom razvijanja software-a.</a:t>
+            </a:r>
+          </a:p>
+          <a:p>
+            <a:r>
+              <a:rPr lang="sr-Latn-RS" dirty="0"/>
+              <a:t>Olakšava timski rad.</a:t>
+            </a:r>
+          </a:p>
+          <a:p>
+            <a:r>
+              <a:rPr lang="sr-Latn-RS" dirty="0"/>
+              <a:t>Osnovne komande</a:t>
+            </a:r>
+            <a:r>
+              <a:rPr lang="en-US" dirty="0"/>
+              <a:t> za rad </a:t>
+            </a:r>
+            <a:r>
+              <a:rPr lang="en-US" dirty="0" err="1"/>
+              <a:t>sa</a:t>
+            </a:r>
+            <a:r>
+              <a:rPr lang="en-US" dirty="0"/>
+              <a:t> </a:t>
+            </a:r>
+            <a:r>
+              <a:rPr lang="sr-Latn-RS" dirty="0"/>
+              <a:t>G</a:t>
+            </a:r>
+            <a:r>
+              <a:rPr lang="en-US" dirty="0"/>
+              <a:t>it-om </a:t>
+            </a:r>
+            <a:r>
+              <a:rPr lang="en-US" dirty="0" err="1"/>
+              <a:t>mo</a:t>
+            </a:r>
+            <a:r>
+              <a:rPr lang="sr-Latn-RS" dirty="0"/>
+              <a:t>žete naći na </a:t>
+            </a:r>
+            <a:r>
+              <a:rPr lang="sr-Latn-RS" dirty="0">
+                <a:hlinkClick r:id="rId2"/>
+              </a:rPr>
+              <a:t>ovom</a:t>
+            </a:r>
+            <a:r>
+              <a:rPr lang="sr-Latn-RS" dirty="0"/>
+              <a:t> linku.</a:t>
+            </a:r>
+          </a:p>
+          <a:p>
+            <a:r>
+              <a:rPr lang="sr-Latn-RS" dirty="0"/>
+              <a:t>Kratak video na youtube-u o osnovama git-a, možete naći na </a:t>
+            </a:r>
+            <a:r>
+              <a:rPr lang="sr-Latn-RS" dirty="0">
+                <a:hlinkClick r:id="rId3"/>
+              </a:rPr>
+              <a:t>ovom</a:t>
+            </a:r>
+            <a:r>
+              <a:rPr lang="sr-Latn-RS" dirty="0"/>
+              <a:t> linku.</a:t>
+            </a:r>
+            <a:endParaRPr lang="en-US" dirty="0"/>
+          </a:p>
+          <a:p>
+            <a:r>
+              <a:rPr lang="en-US" dirty="0" err="1"/>
+              <a:t>Kratak</a:t>
+            </a:r>
+            <a:r>
+              <a:rPr lang="en-US" dirty="0"/>
+              <a:t> video </a:t>
+            </a:r>
+            <a:r>
+              <a:rPr lang="en-US" dirty="0" err="1"/>
+              <a:t>na</a:t>
+            </a:r>
+            <a:r>
+              <a:rPr lang="en-US" dirty="0"/>
+              <a:t> </a:t>
+            </a:r>
+            <a:r>
+              <a:rPr lang="en-US" dirty="0" err="1"/>
+              <a:t>youtube</a:t>
+            </a:r>
+            <a:r>
+              <a:rPr lang="en-US" dirty="0"/>
+              <a:t>-u o </a:t>
+            </a:r>
+            <a:r>
+              <a:rPr lang="en-US" dirty="0" err="1"/>
+              <a:t>osnovama</a:t>
+            </a:r>
+            <a:r>
+              <a:rPr lang="en-US" dirty="0"/>
+              <a:t> Git-a </a:t>
+            </a:r>
+            <a:r>
+              <a:rPr lang="en-US" dirty="0" err="1"/>
+              <a:t>i</a:t>
+            </a:r>
+            <a:r>
+              <a:rPr lang="en-US" dirty="0"/>
+              <a:t> </a:t>
+            </a:r>
+            <a:r>
+              <a:rPr lang="en-US" dirty="0" err="1"/>
+              <a:t>VisualStudioCode</a:t>
+            </a:r>
+            <a:r>
+              <a:rPr lang="en-US" dirty="0"/>
+              <a:t>-a </a:t>
+            </a:r>
+            <a:r>
+              <a:rPr lang="en-US" dirty="0" err="1"/>
+              <a:t>mo</a:t>
+            </a:r>
+            <a:r>
+              <a:rPr lang="sr-Latn-RS" dirty="0"/>
+              <a:t>žete naći na </a:t>
+            </a:r>
+            <a:r>
+              <a:rPr lang="sr-Latn-RS" dirty="0">
+                <a:hlinkClick r:id="rId4"/>
+              </a:rPr>
+              <a:t>ovom</a:t>
+            </a:r>
+            <a:r>
+              <a:rPr lang="sr-Latn-RS" dirty="0"/>
+              <a:t> linku.</a:t>
+            </a:r>
+            <a:endParaRPr lang="en-GB" dirty="0"/>
+          </a:p>
+        </p:txBody>
+      </p:sp>
+    </p:spTree>
+    <p:extLst>
+      <p:ext uri="{BB962C8B-B14F-4D97-AF65-F5344CB8AC3E}">
+        <p14:creationId xmlns:p14="http://schemas.microsoft.com/office/powerpoint/2010/main" val="2709754091"/>
+      </p:ext>
+    </p:extLst>
+  </p:cSld>
+  <p:clrMapOvr>
+    <a:masterClrMapping/>
+  </p:clrMapOvr>
+</p:sld>
+</file>
+
+<file path=ppt/slides/slide3.xml><?xml version="1.0" encoding="utf-8"?>
+<p:sld xmlns:a="http://schemas.openxmlformats.org/drawingml/2006/main" xmlns:r="http://schemas.openxmlformats.org/officeDocument/2006/relationships" xmlns:p="http://schemas.openxmlformats.org/presentationml/2006/main">
+  <p:cSld>
+    <p:spTree>
+      <p:nvGrpSpPr>
+        <p:cNvPr id="1" name=""/>
+        <p:cNvGrpSpPr/>
+        <p:nvPr/>
+      </p:nvGrpSpPr>
+      <p:grpSpPr>
+        <a:xfrm>
+          <a:off x="0" y="0"/>
+          <a:ext cx="0" cy="0"/>
+          <a:chOff x="0" y="0"/>
+          <a:chExt cx="0" cy="0"/>
+        </a:xfrm>
+      </p:grpSpPr>
+      <p:sp>
+        <p:nvSpPr>
+          <p:cNvPr id="2" name="Title 1">
+            <a:extLst>
+              <a:ext uri="{FF2B5EF4-FFF2-40B4-BE49-F238E27FC236}">
+                <a16:creationId xmlns:a16="http://schemas.microsoft.com/office/drawing/2014/main" id="{BAA8B7E2-3BE1-4513-A536-872D4EFDD4B1}"/>
+              </a:ext>
+            </a:extLst>
+          </p:cNvPr>
+          <p:cNvSpPr>
+            <a:spLocks noGrp="1"/>
+          </p:cNvSpPr>
+          <p:nvPr>
+            <p:ph type="title"/>
+          </p:nvPr>
+        </p:nvSpPr>
+        <p:spPr>
+          <a:xfrm>
+            <a:off x="838200" y="365125"/>
+            <a:ext cx="10515600" cy="823595"/>
+          </a:xfrm>
+        </p:spPr>
+        <p:txBody>
+          <a:bodyPr/>
+          <a:lstStyle/>
+          <a:p>
+            <a:pPr algn="ctr"/>
+            <a:r>
+              <a:rPr lang="sr-Latn-RS" dirty="0"/>
+              <a:t>Visual Studio Code</a:t>
+            </a:r>
+            <a:endParaRPr lang="en-GB" dirty="0"/>
+          </a:p>
+        </p:txBody>
+      </p:sp>
+      <p:sp>
+        <p:nvSpPr>
+          <p:cNvPr id="3" name="Content Placeholder 2">
+            <a:extLst>
+              <a:ext uri="{FF2B5EF4-FFF2-40B4-BE49-F238E27FC236}">
+                <a16:creationId xmlns:a16="http://schemas.microsoft.com/office/drawing/2014/main" id="{29865C70-F982-4910-B009-A5C4198BC835}"/>
+              </a:ext>
+            </a:extLst>
+          </p:cNvPr>
+          <p:cNvSpPr>
+            <a:spLocks noGrp="1"/>
+          </p:cNvSpPr>
+          <p:nvPr>
+            <p:ph idx="1"/>
+          </p:nvPr>
+        </p:nvSpPr>
+        <p:spPr>
+          <a:xfrm>
+            <a:off x="838200" y="1188720"/>
+            <a:ext cx="10515600" cy="4988243"/>
+          </a:xfrm>
+        </p:spPr>
+        <p:txBody>
+          <a:bodyPr>
+            <a:normAutofit lnSpcReduction="10000"/>
+          </a:bodyPr>
+          <a:lstStyle/>
+          <a:p>
+            <a:r>
+              <a:rPr lang="sr-Latn-RS" dirty="0"/>
+              <a:t>VS code je razvio </a:t>
+            </a:r>
+            <a:r>
+              <a:rPr lang="sr-Latn-RS" i="1" dirty="0"/>
+              <a:t>Microsoft </a:t>
+            </a:r>
+            <a:r>
+              <a:rPr lang="sr-Latn-RS" dirty="0"/>
+              <a:t>2015. godine.</a:t>
+            </a:r>
+          </a:p>
+          <a:p>
+            <a:r>
+              <a:rPr lang="sr-Latn-RS" dirty="0"/>
+              <a:t>Za razvoj su korišćeni</a:t>
+            </a:r>
+            <a:r>
+              <a:rPr lang="en-US" dirty="0"/>
+              <a:t>:</a:t>
+            </a:r>
+            <a:r>
+              <a:rPr lang="sr-Latn-RS" dirty="0"/>
+              <a:t> </a:t>
+            </a:r>
+            <a:endParaRPr lang="en-US" dirty="0"/>
+          </a:p>
+          <a:p>
+            <a:pPr lvl="1"/>
+            <a:r>
+              <a:rPr lang="sr-Latn-RS" dirty="0"/>
+              <a:t>TypeScript, </a:t>
+            </a:r>
+            <a:endParaRPr lang="en-US" dirty="0"/>
+          </a:p>
+          <a:p>
+            <a:pPr lvl="1"/>
+            <a:r>
+              <a:rPr lang="sr-Latn-RS" dirty="0"/>
+              <a:t>JavaScript</a:t>
+            </a:r>
+            <a:r>
+              <a:rPr lang="en-US" dirty="0"/>
+              <a:t>,</a:t>
+            </a:r>
+          </a:p>
+          <a:p>
+            <a:pPr lvl="1"/>
+            <a:r>
+              <a:rPr lang="en-US" dirty="0"/>
+              <a:t>CSS,</a:t>
+            </a:r>
+          </a:p>
+          <a:p>
+            <a:pPr lvl="1"/>
+            <a:r>
+              <a:rPr lang="en-US" dirty="0"/>
+              <a:t>HTML</a:t>
+            </a:r>
+          </a:p>
+          <a:p>
+            <a:pPr lvl="1"/>
+            <a:r>
+              <a:rPr lang="en-US" dirty="0">
+                <a:hlinkClick r:id="rId2"/>
+              </a:rPr>
+              <a:t>Electron</a:t>
+            </a:r>
+            <a:endParaRPr lang="sr-Latn-RS" dirty="0"/>
+          </a:p>
+          <a:p>
+            <a:r>
+              <a:rPr lang="sr-Latn-RS" dirty="0"/>
+              <a:t>Koristi se kao razvojno okruženje, umesto VisualStudio IDE, sa svim potrebnim alatima</a:t>
+            </a:r>
+            <a:r>
+              <a:rPr lang="en-US" dirty="0"/>
+              <a:t>: </a:t>
+            </a:r>
+          </a:p>
+          <a:p>
+            <a:pPr lvl="1"/>
+            <a:r>
+              <a:rPr lang="en-US" dirty="0"/>
+              <a:t>debugging, </a:t>
+            </a:r>
+          </a:p>
+          <a:p>
+            <a:pPr lvl="1"/>
+            <a:r>
+              <a:rPr lang="en-US" dirty="0"/>
+              <a:t>git </a:t>
+            </a:r>
+            <a:r>
+              <a:rPr lang="en-US" dirty="0" err="1"/>
+              <a:t>kontrola</a:t>
+            </a:r>
+            <a:r>
+              <a:rPr lang="en-US" dirty="0"/>
+              <a:t>,</a:t>
+            </a:r>
+          </a:p>
+          <a:p>
+            <a:pPr lvl="1"/>
+            <a:r>
+              <a:rPr lang="en-US" dirty="0" err="1"/>
+              <a:t>Inteligentno</a:t>
+            </a:r>
+            <a:r>
+              <a:rPr lang="en-US" dirty="0"/>
+              <a:t> </a:t>
+            </a:r>
+            <a:r>
+              <a:rPr lang="en-US" dirty="0" err="1"/>
+              <a:t>zavr</a:t>
+            </a:r>
+            <a:r>
+              <a:rPr lang="sr-Latn-RS" dirty="0"/>
+              <a:t>šavanje koda,</a:t>
+            </a:r>
+          </a:p>
+          <a:p>
+            <a:pPr lvl="1"/>
+            <a:r>
+              <a:rPr lang="sr-Latn-RS" dirty="0"/>
+              <a:t>Plugins (teme, razni dodatni alati)...</a:t>
+            </a:r>
+          </a:p>
+          <a:p>
+            <a:endParaRPr lang="sr-Latn-RS" dirty="0"/>
+          </a:p>
+          <a:p>
+            <a:endParaRPr lang="sr-Latn-RS" i="1" dirty="0"/>
+          </a:p>
+        </p:txBody>
+      </p:sp>
+    </p:spTree>
+    <p:extLst>
+      <p:ext uri="{BB962C8B-B14F-4D97-AF65-F5344CB8AC3E}">
+        <p14:creationId xmlns:p14="http://schemas.microsoft.com/office/powerpoint/2010/main" val="3803586600"/>
+      </p:ext>
+    </p:extLst>
+  </p:cSld>
+  <p:clrMapOvr>
+    <a:masterClrMapping/>
+  </p:clrMapOvr>
+</p:sld>
+</file>
+
+<file path=ppt/slides/slide4.xml><?xml version="1.0" encoding="utf-8"?>
+<p:sld xmlns:a="http://schemas.openxmlformats.org/drawingml/2006/main" xmlns:r="http://schemas.openxmlformats.org/officeDocument/2006/relationships" xmlns:p="http://schemas.openxmlformats.org/presentationml/2006/main">
+  <p:cSld>
+    <p:spTree>
+      <p:nvGrpSpPr>
+        <p:cNvPr id="1" name=""/>
+        <p:cNvGrpSpPr/>
+        <p:nvPr/>
+      </p:nvGrpSpPr>
+      <p:grpSpPr>
+        <a:xfrm>
+          <a:off x="0" y="0"/>
+          <a:ext cx="0" cy="0"/>
+          <a:chOff x="0" y="0"/>
+          <a:chExt cx="0" cy="0"/>
+        </a:xfrm>
+      </p:grpSpPr>
+      <p:sp>
+        <p:nvSpPr>
+          <p:cNvPr id="2" name="Title 1">
+            <a:extLst>
+              <a:ext uri="{FF2B5EF4-FFF2-40B4-BE49-F238E27FC236}">
+                <a16:creationId xmlns:a16="http://schemas.microsoft.com/office/drawing/2014/main" id="{347C0AED-5999-4F2C-AC4B-E8CB97356C1F}"/>
+              </a:ext>
+            </a:extLst>
+          </p:cNvPr>
+          <p:cNvSpPr>
+            <a:spLocks noGrp="1"/>
+          </p:cNvSpPr>
+          <p:nvPr>
+            <p:ph type="title"/>
+          </p:nvPr>
+        </p:nvSpPr>
+        <p:spPr>
+          <a:xfrm>
+            <a:off x="838200" y="365125"/>
+            <a:ext cx="10515600" cy="750443"/>
+          </a:xfrm>
+        </p:spPr>
+        <p:txBody>
+          <a:bodyPr/>
+          <a:lstStyle/>
+          <a:p>
+            <a:pPr algn="ctr"/>
+            <a:r>
+              <a:rPr lang="sr-Latn-RS" dirty="0"/>
+              <a:t>Visual Studio Code</a:t>
+            </a:r>
+            <a:endParaRPr lang="en-GB" dirty="0"/>
+          </a:p>
+        </p:txBody>
+      </p:sp>
+      <p:sp>
+        <p:nvSpPr>
+          <p:cNvPr id="3" name="Content Placeholder 2">
+            <a:extLst>
+              <a:ext uri="{FF2B5EF4-FFF2-40B4-BE49-F238E27FC236}">
+                <a16:creationId xmlns:a16="http://schemas.microsoft.com/office/drawing/2014/main" id="{681D5EED-DEE3-489E-8B03-C08382D65CDD}"/>
+              </a:ext>
+            </a:extLst>
+          </p:cNvPr>
+          <p:cNvSpPr>
+            <a:spLocks noGrp="1"/>
+          </p:cNvSpPr>
+          <p:nvPr>
+            <p:ph idx="1"/>
+          </p:nvPr>
+        </p:nvSpPr>
+        <p:spPr>
+          <a:xfrm>
+            <a:off x="838200" y="1115568"/>
+            <a:ext cx="10515600" cy="5061395"/>
+          </a:xfrm>
+        </p:spPr>
+        <p:txBody>
+          <a:bodyPr/>
+          <a:lstStyle/>
+          <a:p>
+            <a:r>
+              <a:rPr lang="sr-Latn-RS" dirty="0"/>
+              <a:t>Pokazao sam vam nekoliko korisnik prečica na tastaturi</a:t>
+            </a:r>
+            <a:r>
+              <a:rPr lang="en-US" dirty="0"/>
+              <a:t>:</a:t>
+            </a:r>
+          </a:p>
+          <a:p>
+            <a:pPr lvl="1"/>
+            <a:r>
+              <a:rPr lang="en-US" dirty="0"/>
+              <a:t>Ctrl + D – </a:t>
+            </a:r>
+            <a:r>
+              <a:rPr lang="en-US" dirty="0" err="1"/>
+              <a:t>selektuje</a:t>
+            </a:r>
+            <a:r>
+              <a:rPr lang="en-US" dirty="0"/>
+              <a:t> </a:t>
+            </a:r>
+            <a:r>
+              <a:rPr lang="en-US" dirty="0" err="1"/>
+              <a:t>sledecu</a:t>
+            </a:r>
+            <a:r>
+              <a:rPr lang="en-US" dirty="0"/>
+              <a:t> </a:t>
+            </a:r>
+            <a:r>
+              <a:rPr lang="en-US" dirty="0" err="1"/>
+              <a:t>istu</a:t>
+            </a:r>
+            <a:r>
+              <a:rPr lang="en-US" dirty="0"/>
+              <a:t> re</a:t>
+            </a:r>
+            <a:r>
+              <a:rPr lang="sr-Latn-RS" dirty="0"/>
+              <a:t>č / slovo</a:t>
+            </a:r>
+          </a:p>
+          <a:p>
+            <a:pPr lvl="1"/>
+            <a:r>
+              <a:rPr lang="sr-Latn-RS" dirty="0"/>
+              <a:t>Ctrl + K – ako želite da preskočite selektovanu reč</a:t>
+            </a:r>
+          </a:p>
+          <a:p>
+            <a:pPr lvl="1"/>
+            <a:r>
+              <a:rPr lang="sr-Latn-RS" dirty="0"/>
+              <a:t>Shift + Ctrl + P – otvara prostor u kojem možete da pretražujete opcije od samog editora</a:t>
+            </a:r>
+          </a:p>
+          <a:p>
+            <a:pPr lvl="1"/>
+            <a:r>
+              <a:rPr lang="sr-Latn-RS" dirty="0"/>
+              <a:t>Shift + P </a:t>
+            </a:r>
+            <a:r>
+              <a:rPr lang="en-US" dirty="0"/>
+              <a:t>– </a:t>
+            </a:r>
+            <a:r>
+              <a:rPr lang="sr-Latn-RS" dirty="0"/>
+              <a:t>otvara prostor u kojem možete da pretražujete folder i sve podfoldere iz kojeg je </a:t>
+            </a:r>
+            <a:r>
+              <a:rPr lang="sr-Latn-RS" i="1" dirty="0"/>
+              <a:t>VSCode</a:t>
+            </a:r>
+            <a:r>
+              <a:rPr lang="sr-Latn-RS" dirty="0"/>
+              <a:t> otvoren.</a:t>
+            </a:r>
+          </a:p>
+          <a:p>
+            <a:pPr lvl="1"/>
+            <a:r>
+              <a:rPr lang="sr-Latn-RS" dirty="0"/>
+              <a:t>Alt + levi klik miša – omogućava selektovanje sa mišem više odvojenih redova</a:t>
+            </a:r>
+          </a:p>
+          <a:p>
+            <a:pPr lvl="1"/>
+            <a:r>
+              <a:rPr lang="sr-Latn-RS" dirty="0"/>
+              <a:t>Ostale prečice možete naći ako otvorite editor</a:t>
+            </a:r>
+            <a:r>
+              <a:rPr lang="en-US" dirty="0"/>
+              <a:t>:</a:t>
+            </a:r>
+            <a:endParaRPr lang="sr-Latn-RS" dirty="0"/>
+          </a:p>
+          <a:p>
+            <a:pPr lvl="2"/>
+            <a:r>
+              <a:rPr lang="sr-Latn-RS" dirty="0"/>
+              <a:t>File</a:t>
+            </a:r>
+          </a:p>
+          <a:p>
+            <a:pPr lvl="2"/>
+            <a:r>
+              <a:rPr lang="sr-Latn-RS" dirty="0"/>
+              <a:t>Preferences</a:t>
+            </a:r>
+          </a:p>
+          <a:p>
+            <a:pPr lvl="2"/>
+            <a:r>
+              <a:rPr lang="sr-Latn-RS" dirty="0"/>
+              <a:t>Keyboard shortcuts</a:t>
+            </a:r>
+          </a:p>
+          <a:p>
+            <a:pPr lvl="2"/>
+            <a:r>
+              <a:rPr lang="sr-Latn-RS" dirty="0"/>
+              <a:t>Ili Ctrl + K Ctrl + S</a:t>
+            </a:r>
+          </a:p>
+        </p:txBody>
+      </p:sp>
+    </p:spTree>
+    <p:extLst>
+      <p:ext uri="{BB962C8B-B14F-4D97-AF65-F5344CB8AC3E}">
+        <p14:creationId xmlns:p14="http://schemas.microsoft.com/office/powerpoint/2010/main" val="3641884816"/>
+      </p:ext>
+    </p:extLst>
+  </p:cSld>
+  <p:clrMapOvr>
+    <a:masterClrMapping/>
+  </p:clrMapOvr>
+</p:sld>
+</file>
+
+<file path=ppt/slides/slide5.xml><?xml version="1.0" encoding="utf-8"?>
+<p:sld xmlns:a="http://schemas.openxmlformats.org/drawingml/2006/main" xmlns:r="http://schemas.openxmlformats.org/officeDocument/2006/relationships" xmlns:p="http://schemas.openxmlformats.org/presentationml/2006/main">
+  <p:cSld>
+    <p:spTree>
+      <p:nvGrpSpPr>
+        <p:cNvPr id="1" name=""/>
+        <p:cNvGrpSpPr/>
+        <p:nvPr/>
+      </p:nvGrpSpPr>
+      <p:grpSpPr>
+        <a:xfrm>
+          <a:off x="0" y="0"/>
+          <a:ext cx="0" cy="0"/>
+          <a:chOff x="0" y="0"/>
+          <a:chExt cx="0" cy="0"/>
+        </a:xfrm>
+      </p:grpSpPr>
+      <p:sp>
+        <p:nvSpPr>
+          <p:cNvPr id="2" name="Title 1">
+            <a:extLst>
+              <a:ext uri="{FF2B5EF4-FFF2-40B4-BE49-F238E27FC236}">
                 <a16:creationId xmlns:a16="http://schemas.microsoft.com/office/drawing/2014/main" id="{ADD53684-6E7D-4917-BA86-C4AA0611E7CB}"/>
               </a:ext>
             </a:extLst>
@@ -9100,7 +12179,7 @@
 </p:sld>
 </file>
 
-<file path=ppt/slides/slide3.xml><?xml version="1.0" encoding="utf-8"?>
+<file path=ppt/slides/slide6.xml><?xml version="1.0" encoding="utf-8"?>
 <p:sld xmlns:a="http://schemas.openxmlformats.org/drawingml/2006/main" xmlns:r="http://schemas.openxmlformats.org/officeDocument/2006/relationships" xmlns:p="http://schemas.openxmlformats.org/presentationml/2006/main">
   <p:cSld>
     <p:spTree>
@@ -11193,7 +14272,7 @@
 </p:sld>
 </file>
 
-<file path=ppt/slides/slide4.xml><?xml version="1.0" encoding="utf-8"?>
+<file path=ppt/slides/slide7.xml><?xml version="1.0" encoding="utf-8"?>
 <p:sld xmlns:a="http://schemas.openxmlformats.org/drawingml/2006/main" xmlns:r="http://schemas.openxmlformats.org/officeDocument/2006/relationships" xmlns:p="http://schemas.openxmlformats.org/presentationml/2006/main">
   <p:cSld>
     <p:spTree>
@@ -12011,7 +15090,7 @@
 </p:sld>
 </file>
 
-<file path=ppt/slides/slide5.xml><?xml version="1.0" encoding="utf-8"?>
+<file path=ppt/slides/slide8.xml><?xml version="1.0" encoding="utf-8"?>
 <p:sld xmlns:a="http://schemas.openxmlformats.org/drawingml/2006/main" xmlns:r="http://schemas.openxmlformats.org/officeDocument/2006/relationships" xmlns:p="http://schemas.openxmlformats.org/presentationml/2006/main">
   <p:cSld>
     <p:spTree>
@@ -13128,7 +16207,7 @@
 </p:sld>
 </file>
 
-<file path=ppt/slides/slide6.xml><?xml version="1.0" encoding="utf-8"?>
+<file path=ppt/slides/slide9.xml><?xml version="1.0" encoding="utf-8"?>
 <p:sld xmlns:a="http://schemas.openxmlformats.org/drawingml/2006/main" xmlns:r="http://schemas.openxmlformats.org/officeDocument/2006/relationships" xmlns:p="http://schemas.openxmlformats.org/presentationml/2006/main">
   <p:cSld>
     <p:spTree>
@@ -14640,2230 +17719,6 @@
 </p:sld>
 </file>
 
-<file path=ppt/slides/slide7.xml><?xml version="1.0" encoding="utf-8"?>
-<p:sld xmlns:a="http://schemas.openxmlformats.org/drawingml/2006/main" xmlns:r="http://schemas.openxmlformats.org/officeDocument/2006/relationships" xmlns:p="http://schemas.openxmlformats.org/presentationml/2006/main">
-  <p:cSld>
-    <p:spTree>
-      <p:nvGrpSpPr>
-        <p:cNvPr id="1" name=""/>
-        <p:cNvGrpSpPr/>
-        <p:nvPr/>
-      </p:nvGrpSpPr>
-      <p:grpSpPr>
-        <a:xfrm>
-          <a:off x="0" y="0"/>
-          <a:ext cx="0" cy="0"/>
-          <a:chOff x="0" y="0"/>
-          <a:chExt cx="0" cy="0"/>
-        </a:xfrm>
-      </p:grpSpPr>
-      <p:pic>
-        <p:nvPicPr>
-          <p:cNvPr id="3" name="Picture 2">
-            <a:extLst>
-              <a:ext uri="{FF2B5EF4-FFF2-40B4-BE49-F238E27FC236}">
-                <a16:creationId xmlns:a16="http://schemas.microsoft.com/office/drawing/2014/main" id="{14F683D5-4491-484B-81F2-BAA67CB73913}"/>
-              </a:ext>
-            </a:extLst>
-          </p:cNvPr>
-          <p:cNvPicPr>
-            <a:picLocks noChangeAspect="1"/>
-          </p:cNvPicPr>
-          <p:nvPr/>
-        </p:nvPicPr>
-        <p:blipFill>
-          <a:blip r:embed="rId2">
-            <a:extLst>
-              <a:ext uri="{28A0092B-C50C-407E-A947-70E740481C1C}">
-                <a14:useLocalDpi xmlns:a14="http://schemas.microsoft.com/office/drawing/2010/main" val="0"/>
-              </a:ext>
-            </a:extLst>
-          </a:blip>
-          <a:stretch>
-            <a:fillRect/>
-          </a:stretch>
-        </p:blipFill>
-        <p:spPr>
-          <a:xfrm>
-            <a:off x="194622" y="201943"/>
-            <a:ext cx="6112329" cy="4543425"/>
-          </a:xfrm>
-          <a:prstGeom prst="rect">
-            <a:avLst/>
-          </a:prstGeom>
-        </p:spPr>
-      </p:pic>
-      <p:sp>
-        <p:nvSpPr>
-          <p:cNvPr id="4" name="TextBox 3">
-            <a:extLst>
-              <a:ext uri="{FF2B5EF4-FFF2-40B4-BE49-F238E27FC236}">
-                <a16:creationId xmlns:a16="http://schemas.microsoft.com/office/drawing/2014/main" id="{6F8D341E-FEAB-402F-B126-9E8B85326AFD}"/>
-              </a:ext>
-            </a:extLst>
-          </p:cNvPr>
-          <p:cNvSpPr txBox="1"/>
-          <p:nvPr/>
-        </p:nvSpPr>
-        <p:spPr>
-          <a:xfrm>
-            <a:off x="6306951" y="201943"/>
-            <a:ext cx="5152564" cy="646331"/>
-          </a:xfrm>
-          <a:prstGeom prst="rect">
-            <a:avLst/>
-          </a:prstGeom>
-          <a:noFill/>
-        </p:spPr>
-        <p:txBody>
-          <a:bodyPr wrap="none" rtlCol="0">
-            <a:spAutoFit/>
-          </a:bodyPr>
-          <a:lstStyle/>
-          <a:p>
-            <a:r>
-              <a:rPr lang="en-US" dirty="0" err="1"/>
-              <a:t>Ovde</a:t>
-            </a:r>
-            <a:r>
-              <a:rPr lang="en-US" dirty="0"/>
-              <a:t> </a:t>
-            </a:r>
-            <a:r>
-              <a:rPr lang="en-US" dirty="0" err="1"/>
-              <a:t>vidimo</a:t>
-            </a:r>
-            <a:r>
-              <a:rPr lang="en-US" dirty="0"/>
-              <a:t> AngularJS </a:t>
-            </a:r>
-            <a:r>
-              <a:rPr lang="en-US" dirty="0" err="1"/>
-              <a:t>kontroler</a:t>
-            </a:r>
-            <a:r>
-              <a:rPr lang="en-US" dirty="0"/>
-              <a:t> </a:t>
-            </a:r>
-            <a:r>
-              <a:rPr lang="en-US" dirty="0" err="1"/>
-              <a:t>koji</a:t>
-            </a:r>
-            <a:r>
-              <a:rPr lang="en-US" dirty="0"/>
-              <a:t> </a:t>
-            </a:r>
-            <a:r>
-              <a:rPr lang="sr-Latn-RS" dirty="0"/>
-              <a:t>za sada samo</a:t>
-            </a:r>
-          </a:p>
-          <a:p>
-            <a:r>
-              <a:rPr lang="sr-Latn-RS" dirty="0"/>
-              <a:t>inicijalizuje objekat </a:t>
-            </a:r>
-            <a:r>
-              <a:rPr lang="sr-Latn-RS" b="1" dirty="0"/>
-              <a:t>phones</a:t>
-            </a:r>
-            <a:r>
-              <a:rPr lang="sr-Latn-RS" dirty="0"/>
-              <a:t> koji prikazujemo u html-u</a:t>
-            </a:r>
-            <a:endParaRPr lang="en-GB" dirty="0"/>
-          </a:p>
-        </p:txBody>
-      </p:sp>
-      <p:sp>
-        <p:nvSpPr>
-          <p:cNvPr id="5" name="Rectangle 4">
-            <a:extLst>
-              <a:ext uri="{FF2B5EF4-FFF2-40B4-BE49-F238E27FC236}">
-                <a16:creationId xmlns:a16="http://schemas.microsoft.com/office/drawing/2014/main" id="{49B8DDE5-0F00-4158-9BAA-0CE42ECA5329}"/>
-              </a:ext>
-            </a:extLst>
-          </p:cNvPr>
-          <p:cNvSpPr/>
-          <p:nvPr/>
-        </p:nvSpPr>
-        <p:spPr>
-          <a:xfrm>
-            <a:off x="6306951" y="848274"/>
-            <a:ext cx="6112329" cy="3970318"/>
-          </a:xfrm>
-          <a:prstGeom prst="rect">
-            <a:avLst/>
-          </a:prstGeom>
-        </p:spPr>
-        <p:txBody>
-          <a:bodyPr wrap="square">
-            <a:spAutoFit/>
-          </a:bodyPr>
-          <a:lstStyle/>
-          <a:p>
-            <a:r>
-              <a:rPr lang="en-GB" dirty="0">
-                <a:solidFill>
-                  <a:srgbClr val="99C6CA"/>
-                </a:solidFill>
-                <a:latin typeface="Consolas" panose="020B0609020204030204" pitchFamily="49" charset="0"/>
-              </a:rPr>
-              <a:t>$</a:t>
-            </a:r>
-            <a:r>
-              <a:rPr lang="en-GB" dirty="0" err="1">
-                <a:solidFill>
-                  <a:srgbClr val="99C6CA"/>
-                </a:solidFill>
-                <a:latin typeface="Consolas" panose="020B0609020204030204" pitchFamily="49" charset="0"/>
-              </a:rPr>
-              <a:t>scope</a:t>
-            </a:r>
-            <a:r>
-              <a:rPr lang="en-GB" dirty="0" err="1">
-                <a:solidFill>
-                  <a:srgbClr val="EBDBB2"/>
-                </a:solidFill>
-                <a:latin typeface="Consolas" panose="020B0609020204030204" pitchFamily="49" charset="0"/>
-              </a:rPr>
-              <a:t>.</a:t>
-            </a:r>
-            <a:r>
-              <a:rPr lang="en-GB" dirty="0" err="1">
-                <a:solidFill>
-                  <a:srgbClr val="99C6CA"/>
-                </a:solidFill>
-                <a:latin typeface="Consolas" panose="020B0609020204030204" pitchFamily="49" charset="0"/>
-              </a:rPr>
-              <a:t>phones</a:t>
-            </a:r>
-            <a:r>
-              <a:rPr lang="en-GB" dirty="0">
-                <a:solidFill>
-                  <a:srgbClr val="F2E5BC"/>
-                </a:solidFill>
-                <a:latin typeface="Consolas" panose="020B0609020204030204" pitchFamily="49" charset="0"/>
-              </a:rPr>
-              <a:t> </a:t>
-            </a:r>
-            <a:r>
-              <a:rPr lang="en-GB" dirty="0">
-                <a:solidFill>
-                  <a:srgbClr val="7EC16E"/>
-                </a:solidFill>
-                <a:latin typeface="Consolas" panose="020B0609020204030204" pitchFamily="49" charset="0"/>
-              </a:rPr>
-              <a:t>=</a:t>
-            </a:r>
-            <a:r>
-              <a:rPr lang="en-GB" dirty="0">
-                <a:solidFill>
-                  <a:srgbClr val="F2E5BC"/>
-                </a:solidFill>
-                <a:latin typeface="Consolas" panose="020B0609020204030204" pitchFamily="49" charset="0"/>
-              </a:rPr>
-              <a:t> [</a:t>
-            </a:r>
-          </a:p>
-          <a:p>
-            <a:r>
-              <a:rPr lang="en-GB" dirty="0">
-                <a:solidFill>
-                  <a:srgbClr val="EBDBB2"/>
-                </a:solidFill>
-                <a:latin typeface="Consolas" panose="020B0609020204030204" pitchFamily="49" charset="0"/>
-              </a:rPr>
-              <a:t>{</a:t>
-            </a:r>
-            <a:endParaRPr lang="en-GB" dirty="0">
-              <a:solidFill>
-                <a:srgbClr val="F2E5BC"/>
-              </a:solidFill>
-              <a:latin typeface="Consolas" panose="020B0609020204030204" pitchFamily="49" charset="0"/>
-            </a:endParaRPr>
-          </a:p>
-          <a:p>
-            <a:r>
-              <a:rPr lang="en-GB" dirty="0">
-                <a:solidFill>
-                  <a:srgbClr val="F2E5BC"/>
-                </a:solidFill>
-                <a:latin typeface="Consolas" panose="020B0609020204030204" pitchFamily="49" charset="0"/>
-              </a:rPr>
-              <a:t>name</a:t>
-            </a:r>
-            <a:r>
-              <a:rPr lang="en-GB" dirty="0">
-                <a:solidFill>
-                  <a:srgbClr val="EBDBB2"/>
-                </a:solidFill>
-                <a:latin typeface="Consolas" panose="020B0609020204030204" pitchFamily="49" charset="0"/>
-              </a:rPr>
-              <a:t>:</a:t>
-            </a:r>
-            <a:r>
-              <a:rPr lang="en-GB" dirty="0">
-                <a:solidFill>
-                  <a:srgbClr val="F2E5BC"/>
-                </a:solidFill>
-                <a:latin typeface="Consolas" panose="020B0609020204030204" pitchFamily="49" charset="0"/>
-              </a:rPr>
-              <a:t> </a:t>
-            </a:r>
-            <a:r>
-              <a:rPr lang="en-GB" dirty="0">
-                <a:solidFill>
-                  <a:srgbClr val="EBDBB2"/>
-                </a:solidFill>
-                <a:latin typeface="Consolas" panose="020B0609020204030204" pitchFamily="49" charset="0"/>
-              </a:rPr>
-              <a:t>'</a:t>
-            </a:r>
-            <a:r>
-              <a:rPr lang="en-GB" dirty="0">
-                <a:solidFill>
-                  <a:srgbClr val="B8BB26"/>
-                </a:solidFill>
-                <a:latin typeface="Consolas" panose="020B0609020204030204" pitchFamily="49" charset="0"/>
-              </a:rPr>
-              <a:t>Nexus S</a:t>
-            </a:r>
-            <a:r>
-              <a:rPr lang="en-GB" dirty="0">
-                <a:solidFill>
-                  <a:srgbClr val="EBDBB2"/>
-                </a:solidFill>
-                <a:latin typeface="Consolas" panose="020B0609020204030204" pitchFamily="49" charset="0"/>
-              </a:rPr>
-              <a:t>',</a:t>
-            </a:r>
-            <a:endParaRPr lang="en-GB" dirty="0">
-              <a:solidFill>
-                <a:srgbClr val="F2E5BC"/>
-              </a:solidFill>
-              <a:latin typeface="Consolas" panose="020B0609020204030204" pitchFamily="49" charset="0"/>
-            </a:endParaRPr>
-          </a:p>
-          <a:p>
-            <a:r>
-              <a:rPr lang="en-GB" dirty="0">
-                <a:solidFill>
-                  <a:srgbClr val="F2E5BC"/>
-                </a:solidFill>
-                <a:latin typeface="Consolas" panose="020B0609020204030204" pitchFamily="49" charset="0"/>
-              </a:rPr>
-              <a:t>snippet</a:t>
-            </a:r>
-            <a:r>
-              <a:rPr lang="en-GB" dirty="0">
-                <a:solidFill>
-                  <a:srgbClr val="EBDBB2"/>
-                </a:solidFill>
-                <a:latin typeface="Consolas" panose="020B0609020204030204" pitchFamily="49" charset="0"/>
-              </a:rPr>
-              <a:t>:</a:t>
-            </a:r>
-            <a:r>
-              <a:rPr lang="en-GB" dirty="0">
-                <a:solidFill>
-                  <a:srgbClr val="F2E5BC"/>
-                </a:solidFill>
-                <a:latin typeface="Consolas" panose="020B0609020204030204" pitchFamily="49" charset="0"/>
-              </a:rPr>
-              <a:t> </a:t>
-            </a:r>
-            <a:r>
-              <a:rPr lang="en-GB" dirty="0">
-                <a:solidFill>
-                  <a:srgbClr val="EBDBB2"/>
-                </a:solidFill>
-                <a:latin typeface="Consolas" panose="020B0609020204030204" pitchFamily="49" charset="0"/>
-              </a:rPr>
-              <a:t>'</a:t>
-            </a:r>
-            <a:r>
-              <a:rPr lang="en-GB" dirty="0">
-                <a:solidFill>
-                  <a:srgbClr val="B8BB26"/>
-                </a:solidFill>
-                <a:latin typeface="Consolas" panose="020B0609020204030204" pitchFamily="49" charset="0"/>
-              </a:rPr>
-              <a:t>Fast just got faster with Nexus S.</a:t>
-            </a:r>
-            <a:r>
-              <a:rPr lang="en-GB" dirty="0">
-                <a:solidFill>
-                  <a:srgbClr val="EBDBB2"/>
-                </a:solidFill>
-                <a:latin typeface="Consolas" panose="020B0609020204030204" pitchFamily="49" charset="0"/>
-              </a:rPr>
-              <a:t>'</a:t>
-            </a:r>
-            <a:endParaRPr lang="en-GB" dirty="0">
-              <a:solidFill>
-                <a:srgbClr val="F2E5BC"/>
-              </a:solidFill>
-              <a:latin typeface="Consolas" panose="020B0609020204030204" pitchFamily="49" charset="0"/>
-            </a:endParaRPr>
-          </a:p>
-          <a:p>
-            <a:r>
-              <a:rPr lang="en-GB" dirty="0">
-                <a:solidFill>
-                  <a:srgbClr val="EBDBB2"/>
-                </a:solidFill>
-                <a:latin typeface="Consolas" panose="020B0609020204030204" pitchFamily="49" charset="0"/>
-              </a:rPr>
-              <a:t>},</a:t>
-            </a:r>
-            <a:endParaRPr lang="en-GB" dirty="0">
-              <a:solidFill>
-                <a:srgbClr val="F2E5BC"/>
-              </a:solidFill>
-              <a:latin typeface="Consolas" panose="020B0609020204030204" pitchFamily="49" charset="0"/>
-            </a:endParaRPr>
-          </a:p>
-          <a:p>
-            <a:r>
-              <a:rPr lang="en-GB" dirty="0">
-                <a:solidFill>
-                  <a:srgbClr val="EBDBB2"/>
-                </a:solidFill>
-                <a:latin typeface="Consolas" panose="020B0609020204030204" pitchFamily="49" charset="0"/>
-              </a:rPr>
-              <a:t>{</a:t>
-            </a:r>
-            <a:endParaRPr lang="en-GB" dirty="0">
-              <a:solidFill>
-                <a:srgbClr val="F2E5BC"/>
-              </a:solidFill>
-              <a:latin typeface="Consolas" panose="020B0609020204030204" pitchFamily="49" charset="0"/>
-            </a:endParaRPr>
-          </a:p>
-          <a:p>
-            <a:r>
-              <a:rPr lang="en-GB" dirty="0">
-                <a:solidFill>
-                  <a:srgbClr val="F2E5BC"/>
-                </a:solidFill>
-                <a:latin typeface="Consolas" panose="020B0609020204030204" pitchFamily="49" charset="0"/>
-              </a:rPr>
-              <a:t>name</a:t>
-            </a:r>
-            <a:r>
-              <a:rPr lang="en-GB" dirty="0">
-                <a:solidFill>
-                  <a:srgbClr val="EBDBB2"/>
-                </a:solidFill>
-                <a:latin typeface="Consolas" panose="020B0609020204030204" pitchFamily="49" charset="0"/>
-              </a:rPr>
-              <a:t>:</a:t>
-            </a:r>
-            <a:r>
-              <a:rPr lang="en-GB" dirty="0">
-                <a:solidFill>
-                  <a:srgbClr val="F2E5BC"/>
-                </a:solidFill>
-                <a:latin typeface="Consolas" panose="020B0609020204030204" pitchFamily="49" charset="0"/>
-              </a:rPr>
-              <a:t> </a:t>
-            </a:r>
-            <a:r>
-              <a:rPr lang="en-GB" dirty="0">
-                <a:solidFill>
-                  <a:srgbClr val="EBDBB2"/>
-                </a:solidFill>
-                <a:latin typeface="Consolas" panose="020B0609020204030204" pitchFamily="49" charset="0"/>
-              </a:rPr>
-              <a:t>'</a:t>
-            </a:r>
-            <a:r>
-              <a:rPr lang="en-GB" dirty="0">
-                <a:solidFill>
-                  <a:srgbClr val="B8BB26"/>
-                </a:solidFill>
-                <a:latin typeface="Consolas" panose="020B0609020204030204" pitchFamily="49" charset="0"/>
-              </a:rPr>
-              <a:t>Motorola XOOM™ with Wi-Fi</a:t>
-            </a:r>
-            <a:r>
-              <a:rPr lang="en-GB" dirty="0">
-                <a:solidFill>
-                  <a:srgbClr val="EBDBB2"/>
-                </a:solidFill>
-                <a:latin typeface="Consolas" panose="020B0609020204030204" pitchFamily="49" charset="0"/>
-              </a:rPr>
-              <a:t>',</a:t>
-            </a:r>
-            <a:endParaRPr lang="en-GB" dirty="0">
-              <a:solidFill>
-                <a:srgbClr val="F2E5BC"/>
-              </a:solidFill>
-              <a:latin typeface="Consolas" panose="020B0609020204030204" pitchFamily="49" charset="0"/>
-            </a:endParaRPr>
-          </a:p>
-          <a:p>
-            <a:r>
-              <a:rPr lang="en-GB" dirty="0">
-                <a:solidFill>
-                  <a:srgbClr val="F2E5BC"/>
-                </a:solidFill>
-                <a:latin typeface="Consolas" panose="020B0609020204030204" pitchFamily="49" charset="0"/>
-              </a:rPr>
-              <a:t>snippet</a:t>
-            </a:r>
-            <a:r>
-              <a:rPr lang="en-GB" dirty="0">
-                <a:solidFill>
-                  <a:srgbClr val="EBDBB2"/>
-                </a:solidFill>
-                <a:latin typeface="Consolas" panose="020B0609020204030204" pitchFamily="49" charset="0"/>
-              </a:rPr>
-              <a:t>:</a:t>
-            </a:r>
-            <a:r>
-              <a:rPr lang="en-GB" dirty="0">
-                <a:solidFill>
-                  <a:srgbClr val="F2E5BC"/>
-                </a:solidFill>
-                <a:latin typeface="Consolas" panose="020B0609020204030204" pitchFamily="49" charset="0"/>
-              </a:rPr>
-              <a:t> </a:t>
-            </a:r>
-            <a:r>
-              <a:rPr lang="en-GB" dirty="0">
-                <a:solidFill>
-                  <a:srgbClr val="EBDBB2"/>
-                </a:solidFill>
-                <a:latin typeface="Consolas" panose="020B0609020204030204" pitchFamily="49" charset="0"/>
-              </a:rPr>
-              <a:t>'</a:t>
-            </a:r>
-            <a:r>
-              <a:rPr lang="en-GB" dirty="0">
-                <a:solidFill>
-                  <a:srgbClr val="B8BB26"/>
-                </a:solidFill>
-                <a:latin typeface="Consolas" panose="020B0609020204030204" pitchFamily="49" charset="0"/>
-              </a:rPr>
-              <a:t>The Next, Next Generation tablet.</a:t>
-            </a:r>
-            <a:r>
-              <a:rPr lang="en-GB" dirty="0">
-                <a:solidFill>
-                  <a:srgbClr val="EBDBB2"/>
-                </a:solidFill>
-                <a:latin typeface="Consolas" panose="020B0609020204030204" pitchFamily="49" charset="0"/>
-              </a:rPr>
-              <a:t>'</a:t>
-            </a:r>
-            <a:endParaRPr lang="en-GB" dirty="0">
-              <a:solidFill>
-                <a:srgbClr val="F2E5BC"/>
-              </a:solidFill>
-              <a:latin typeface="Consolas" panose="020B0609020204030204" pitchFamily="49" charset="0"/>
-            </a:endParaRPr>
-          </a:p>
-          <a:p>
-            <a:r>
-              <a:rPr lang="en-GB" dirty="0">
-                <a:solidFill>
-                  <a:srgbClr val="EBDBB2"/>
-                </a:solidFill>
-                <a:latin typeface="Consolas" panose="020B0609020204030204" pitchFamily="49" charset="0"/>
-              </a:rPr>
-              <a:t>},</a:t>
-            </a:r>
-            <a:endParaRPr lang="en-GB" dirty="0">
-              <a:solidFill>
-                <a:srgbClr val="F2E5BC"/>
-              </a:solidFill>
-              <a:latin typeface="Consolas" panose="020B0609020204030204" pitchFamily="49" charset="0"/>
-            </a:endParaRPr>
-          </a:p>
-          <a:p>
-            <a:r>
-              <a:rPr lang="en-GB" dirty="0">
-                <a:solidFill>
-                  <a:srgbClr val="EBDBB2"/>
-                </a:solidFill>
-                <a:latin typeface="Consolas" panose="020B0609020204030204" pitchFamily="49" charset="0"/>
-              </a:rPr>
-              <a:t>{</a:t>
-            </a:r>
-            <a:endParaRPr lang="en-GB" dirty="0">
-              <a:solidFill>
-                <a:srgbClr val="F2E5BC"/>
-              </a:solidFill>
-              <a:latin typeface="Consolas" panose="020B0609020204030204" pitchFamily="49" charset="0"/>
-            </a:endParaRPr>
-          </a:p>
-          <a:p>
-            <a:r>
-              <a:rPr lang="en-GB" dirty="0">
-                <a:solidFill>
-                  <a:srgbClr val="F2E5BC"/>
-                </a:solidFill>
-                <a:latin typeface="Consolas" panose="020B0609020204030204" pitchFamily="49" charset="0"/>
-              </a:rPr>
-              <a:t>name</a:t>
-            </a:r>
-            <a:r>
-              <a:rPr lang="en-GB" dirty="0">
-                <a:solidFill>
-                  <a:srgbClr val="EBDBB2"/>
-                </a:solidFill>
-                <a:latin typeface="Consolas" panose="020B0609020204030204" pitchFamily="49" charset="0"/>
-              </a:rPr>
-              <a:t>:</a:t>
-            </a:r>
-            <a:r>
-              <a:rPr lang="en-GB" dirty="0">
-                <a:solidFill>
-                  <a:srgbClr val="F2E5BC"/>
-                </a:solidFill>
-                <a:latin typeface="Consolas" panose="020B0609020204030204" pitchFamily="49" charset="0"/>
-              </a:rPr>
-              <a:t> </a:t>
-            </a:r>
-            <a:r>
-              <a:rPr lang="en-GB" dirty="0">
-                <a:solidFill>
-                  <a:srgbClr val="EBDBB2"/>
-                </a:solidFill>
-                <a:latin typeface="Consolas" panose="020B0609020204030204" pitchFamily="49" charset="0"/>
-              </a:rPr>
-              <a:t>'</a:t>
-            </a:r>
-            <a:r>
-              <a:rPr lang="en-GB" dirty="0">
-                <a:solidFill>
-                  <a:srgbClr val="B8BB26"/>
-                </a:solidFill>
-                <a:latin typeface="Consolas" panose="020B0609020204030204" pitchFamily="49" charset="0"/>
-              </a:rPr>
-              <a:t>MOTOROLA XOOM™</a:t>
-            </a:r>
-            <a:r>
-              <a:rPr lang="en-GB" dirty="0">
-                <a:solidFill>
-                  <a:srgbClr val="EBDBB2"/>
-                </a:solidFill>
-                <a:latin typeface="Consolas" panose="020B0609020204030204" pitchFamily="49" charset="0"/>
-              </a:rPr>
-              <a:t>',</a:t>
-            </a:r>
-            <a:endParaRPr lang="en-GB" dirty="0">
-              <a:solidFill>
-                <a:srgbClr val="F2E5BC"/>
-              </a:solidFill>
-              <a:latin typeface="Consolas" panose="020B0609020204030204" pitchFamily="49" charset="0"/>
-            </a:endParaRPr>
-          </a:p>
-          <a:p>
-            <a:r>
-              <a:rPr lang="en-GB" dirty="0">
-                <a:solidFill>
-                  <a:srgbClr val="F2E5BC"/>
-                </a:solidFill>
-                <a:latin typeface="Consolas" panose="020B0609020204030204" pitchFamily="49" charset="0"/>
-              </a:rPr>
-              <a:t>snippet</a:t>
-            </a:r>
-            <a:r>
-              <a:rPr lang="en-GB" dirty="0">
-                <a:solidFill>
-                  <a:srgbClr val="EBDBB2"/>
-                </a:solidFill>
-                <a:latin typeface="Consolas" panose="020B0609020204030204" pitchFamily="49" charset="0"/>
-              </a:rPr>
-              <a:t>:</a:t>
-            </a:r>
-            <a:r>
-              <a:rPr lang="en-GB" dirty="0">
-                <a:solidFill>
-                  <a:srgbClr val="F2E5BC"/>
-                </a:solidFill>
-                <a:latin typeface="Consolas" panose="020B0609020204030204" pitchFamily="49" charset="0"/>
-              </a:rPr>
-              <a:t> </a:t>
-            </a:r>
-            <a:r>
-              <a:rPr lang="en-GB" dirty="0">
-                <a:solidFill>
-                  <a:srgbClr val="EBDBB2"/>
-                </a:solidFill>
-                <a:latin typeface="Consolas" panose="020B0609020204030204" pitchFamily="49" charset="0"/>
-              </a:rPr>
-              <a:t>'</a:t>
-            </a:r>
-            <a:r>
-              <a:rPr lang="en-GB" dirty="0">
-                <a:solidFill>
-                  <a:srgbClr val="B8BB26"/>
-                </a:solidFill>
-                <a:latin typeface="Consolas" panose="020B0609020204030204" pitchFamily="49" charset="0"/>
-              </a:rPr>
-              <a:t>The Next, Next Generation tablet.</a:t>
-            </a:r>
-            <a:r>
-              <a:rPr lang="en-GB" dirty="0">
-                <a:solidFill>
-                  <a:srgbClr val="EBDBB2"/>
-                </a:solidFill>
-                <a:latin typeface="Consolas" panose="020B0609020204030204" pitchFamily="49" charset="0"/>
-              </a:rPr>
-              <a:t>'</a:t>
-            </a:r>
-            <a:endParaRPr lang="en-GB" dirty="0">
-              <a:solidFill>
-                <a:srgbClr val="F2E5BC"/>
-              </a:solidFill>
-              <a:latin typeface="Consolas" panose="020B0609020204030204" pitchFamily="49" charset="0"/>
-            </a:endParaRPr>
-          </a:p>
-          <a:p>
-            <a:r>
-              <a:rPr lang="en-GB" dirty="0">
-                <a:solidFill>
-                  <a:srgbClr val="EBDBB2"/>
-                </a:solidFill>
-                <a:latin typeface="Consolas" panose="020B0609020204030204" pitchFamily="49" charset="0"/>
-              </a:rPr>
-              <a:t>}</a:t>
-            </a:r>
-            <a:endParaRPr lang="en-GB" dirty="0">
-              <a:solidFill>
-                <a:srgbClr val="F2E5BC"/>
-              </a:solidFill>
-              <a:latin typeface="Consolas" panose="020B0609020204030204" pitchFamily="49" charset="0"/>
-            </a:endParaRPr>
-          </a:p>
-          <a:p>
-            <a:r>
-              <a:rPr lang="en-GB" dirty="0">
-                <a:solidFill>
-                  <a:srgbClr val="F2E5BC"/>
-                </a:solidFill>
-                <a:latin typeface="Consolas" panose="020B0609020204030204" pitchFamily="49" charset="0"/>
-              </a:rPr>
-              <a:t>]</a:t>
-            </a:r>
-            <a:r>
-              <a:rPr lang="en-GB" dirty="0">
-                <a:solidFill>
-                  <a:srgbClr val="EBDBB2"/>
-                </a:solidFill>
-                <a:latin typeface="Consolas" panose="020B0609020204030204" pitchFamily="49" charset="0"/>
-              </a:rPr>
-              <a:t>;</a:t>
-            </a:r>
-            <a:endParaRPr lang="en-GB" b="0" dirty="0">
-              <a:solidFill>
-                <a:srgbClr val="F2E5BC"/>
-              </a:solidFill>
-              <a:effectLst/>
-              <a:latin typeface="Consolas" panose="020B0609020204030204" pitchFamily="49" charset="0"/>
-            </a:endParaRPr>
-          </a:p>
-        </p:txBody>
-      </p:sp>
-      <p:sp>
-        <p:nvSpPr>
-          <p:cNvPr id="7" name="TextBox 6">
-            <a:extLst>
-              <a:ext uri="{FF2B5EF4-FFF2-40B4-BE49-F238E27FC236}">
-                <a16:creationId xmlns:a16="http://schemas.microsoft.com/office/drawing/2014/main" id="{A0E2D986-781B-4EA5-B8B8-F351175616E4}"/>
-              </a:ext>
-            </a:extLst>
-          </p:cNvPr>
-          <p:cNvSpPr txBox="1"/>
-          <p:nvPr/>
-        </p:nvSpPr>
-        <p:spPr>
-          <a:xfrm>
-            <a:off x="194622" y="4818592"/>
-            <a:ext cx="11718464" cy="923330"/>
-          </a:xfrm>
-          <a:prstGeom prst="rect">
-            <a:avLst/>
-          </a:prstGeom>
-          <a:noFill/>
-        </p:spPr>
-        <p:txBody>
-          <a:bodyPr wrap="none" rtlCol="0">
-            <a:spAutoFit/>
-          </a:bodyPr>
-          <a:lstStyle/>
-          <a:p>
-            <a:r>
-              <a:rPr lang="sr-Latn-RS" dirty="0"/>
-              <a:t>Pričao sam o </a:t>
-            </a:r>
-            <a:r>
-              <a:rPr lang="sr-Latn-RS" b="1" dirty="0"/>
-              <a:t>root scope </a:t>
-            </a:r>
-            <a:r>
-              <a:rPr lang="sr-Latn-RS" dirty="0"/>
-              <a:t>i ngApp direktivi, ali u angularu svaki kontroler </a:t>
-            </a:r>
-            <a:r>
-              <a:rPr lang="sr-Latn-RS" b="1" dirty="0"/>
-              <a:t>ngController </a:t>
-            </a:r>
-            <a:r>
-              <a:rPr lang="sr-Latn-RS" dirty="0"/>
-              <a:t>kontroliše svoj </a:t>
-            </a:r>
-            <a:r>
-              <a:rPr lang="sr-Latn-RS" b="1" dirty="0"/>
-              <a:t>scope. </a:t>
-            </a:r>
-            <a:r>
-              <a:rPr lang="sr-Latn-RS" dirty="0"/>
-              <a:t>U primeru iznad</a:t>
-            </a:r>
-          </a:p>
-          <a:p>
-            <a:r>
-              <a:rPr lang="sr-Latn-RS" dirty="0"/>
-              <a:t>vidimo kontroler AngularJSKursController</a:t>
-            </a:r>
-            <a:r>
-              <a:rPr lang="sr-Latn-RS" b="1" dirty="0"/>
-              <a:t> </a:t>
-            </a:r>
-            <a:r>
-              <a:rPr lang="en-US" dirty="0" err="1"/>
-              <a:t>koji</a:t>
-            </a:r>
-            <a:r>
-              <a:rPr lang="en-US" dirty="0"/>
-              <a:t> u </a:t>
-            </a:r>
-            <a:r>
-              <a:rPr lang="en-US" dirty="0" err="1"/>
-              <a:t>sebi</a:t>
-            </a:r>
-            <a:r>
-              <a:rPr lang="en-US" dirty="0"/>
-              <a:t> </a:t>
-            </a:r>
-            <a:r>
-              <a:rPr lang="en-US" dirty="0" err="1"/>
-              <a:t>inicijalizuje</a:t>
-            </a:r>
-            <a:r>
-              <a:rPr lang="sr-Latn-RS" dirty="0"/>
-              <a:t> objekat $scope.phones </a:t>
-            </a:r>
-            <a:r>
-              <a:rPr lang="en-US" dirty="0"/>
-              <a:t>= [{…}] </a:t>
-            </a:r>
-            <a:r>
-              <a:rPr lang="en-US" dirty="0" err="1"/>
-              <a:t>koji</a:t>
-            </a:r>
-            <a:r>
-              <a:rPr lang="en-US" dirty="0"/>
-              <a:t> </a:t>
-            </a:r>
-            <a:r>
-              <a:rPr lang="en-US" dirty="0" err="1"/>
-              <a:t>koristimo</a:t>
-            </a:r>
-            <a:r>
-              <a:rPr lang="en-US" dirty="0"/>
-              <a:t> u HTML-u </a:t>
-            </a:r>
-            <a:r>
-              <a:rPr lang="en-US" dirty="0" err="1"/>
-              <a:t>kroz</a:t>
-            </a:r>
-            <a:endParaRPr lang="en-US" dirty="0"/>
-          </a:p>
-          <a:p>
-            <a:r>
-              <a:rPr lang="en-US" b="1" dirty="0" err="1"/>
-              <a:t>ngRepeat</a:t>
-            </a:r>
-            <a:r>
-              <a:rPr lang="en-US" dirty="0"/>
-              <a:t> </a:t>
-            </a:r>
-            <a:r>
-              <a:rPr lang="en-US" dirty="0" err="1"/>
-              <a:t>direktivu</a:t>
-            </a:r>
-            <a:r>
-              <a:rPr lang="en-US" dirty="0"/>
-              <a:t>.</a:t>
-            </a:r>
-            <a:endParaRPr lang="sr-Latn-RS" dirty="0"/>
-          </a:p>
-        </p:txBody>
-      </p:sp>
-    </p:spTree>
-    <p:extLst>
-      <p:ext uri="{BB962C8B-B14F-4D97-AF65-F5344CB8AC3E}">
-        <p14:creationId xmlns:p14="http://schemas.microsoft.com/office/powerpoint/2010/main" val="212826260"/>
-      </p:ext>
-    </p:extLst>
-  </p:cSld>
-  <p:clrMapOvr>
-    <a:masterClrMapping/>
-  </p:clrMapOvr>
-  <p:timing>
-    <p:tnLst>
-      <p:par>
-        <p:cTn id="1" dur="indefinite" restart="never" nodeType="tmRoot">
-          <p:childTnLst>
-            <p:seq concurrent="1" nextAc="seek">
-              <p:cTn id="2" dur="indefinite" nodeType="mainSeq">
-                <p:childTnLst>
-                  <p:par>
-                    <p:cTn id="3" fill="hold">
-                      <p:stCondLst>
-                        <p:cond delay="indefinite"/>
-                      </p:stCondLst>
-                      <p:childTnLst>
-                        <p:par>
-                          <p:cTn id="4" fill="hold">
-                            <p:stCondLst>
-                              <p:cond delay="0"/>
-                            </p:stCondLst>
-                            <p:childTnLst>
-                              <p:par>
-                                <p:cTn id="5" presetID="1" presetClass="entr" presetSubtype="0" fill="hold" grpId="0" nodeType="clickEffect">
-                                  <p:stCondLst>
-                                    <p:cond delay="0"/>
-                                  </p:stCondLst>
-                                  <p:childTnLst>
-                                    <p:set>
-                                      <p:cBhvr>
-                                        <p:cTn id="6" dur="1" fill="hold">
-                                          <p:stCondLst>
-                                            <p:cond delay="0"/>
-                                          </p:stCondLst>
-                                        </p:cTn>
-                                        <p:tgtEl>
-                                          <p:spTgt spid="4"/>
-                                        </p:tgtEl>
-                                        <p:attrNameLst>
-                                          <p:attrName>style.visibility</p:attrName>
-                                        </p:attrNameLst>
-                                      </p:cBhvr>
-                                      <p:to>
-                                        <p:strVal val="visible"/>
-                                      </p:to>
-                                    </p:set>
-                                  </p:childTnLst>
-                                </p:cTn>
-                              </p:par>
-                            </p:childTnLst>
-                          </p:cTn>
-                        </p:par>
-                      </p:childTnLst>
-                    </p:cTn>
-                  </p:par>
-                  <p:par>
-                    <p:cTn id="7" fill="hold">
-                      <p:stCondLst>
-                        <p:cond delay="indefinite"/>
-                      </p:stCondLst>
-                      <p:childTnLst>
-                        <p:par>
-                          <p:cTn id="8" fill="hold">
-                            <p:stCondLst>
-                              <p:cond delay="0"/>
-                            </p:stCondLst>
-                            <p:childTnLst>
-                              <p:par>
-                                <p:cTn id="9" presetID="1" presetClass="entr" presetSubtype="0" fill="hold" grpId="0" nodeType="clickEffect">
-                                  <p:stCondLst>
-                                    <p:cond delay="0"/>
-                                  </p:stCondLst>
-                                  <p:childTnLst>
-                                    <p:set>
-                                      <p:cBhvr>
-                                        <p:cTn id="10" dur="1" fill="hold">
-                                          <p:stCondLst>
-                                            <p:cond delay="0"/>
-                                          </p:stCondLst>
-                                        </p:cTn>
-                                        <p:tgtEl>
-                                          <p:spTgt spid="5"/>
-                                        </p:tgtEl>
-                                        <p:attrNameLst>
-                                          <p:attrName>style.visibility</p:attrName>
-                                        </p:attrNameLst>
-                                      </p:cBhvr>
-                                      <p:to>
-                                        <p:strVal val="visible"/>
-                                      </p:to>
-                                    </p:set>
-                                  </p:childTnLst>
-                                </p:cTn>
-                              </p:par>
-                            </p:childTnLst>
-                          </p:cTn>
-                        </p:par>
-                      </p:childTnLst>
-                    </p:cTn>
-                  </p:par>
-                  <p:par>
-                    <p:cTn id="11" fill="hold">
-                      <p:stCondLst>
-                        <p:cond delay="indefinite"/>
-                      </p:stCondLst>
-                      <p:childTnLst>
-                        <p:par>
-                          <p:cTn id="12" fill="hold">
-                            <p:stCondLst>
-                              <p:cond delay="0"/>
-                            </p:stCondLst>
-                            <p:childTnLst>
-                              <p:par>
-                                <p:cTn id="13" presetID="1" presetClass="entr" presetSubtype="0" fill="hold" grpId="0" nodeType="clickEffect">
-                                  <p:stCondLst>
-                                    <p:cond delay="0"/>
-                                  </p:stCondLst>
-                                  <p:childTnLst>
-                                    <p:set>
-                                      <p:cBhvr>
-                                        <p:cTn id="14" dur="1" fill="hold">
-                                          <p:stCondLst>
-                                            <p:cond delay="0"/>
-                                          </p:stCondLst>
-                                        </p:cTn>
-                                        <p:tgtEl>
-                                          <p:spTgt spid="7"/>
-                                        </p:tgtEl>
-                                        <p:attrNameLst>
-                                          <p:attrName>style.visibility</p:attrName>
-                                        </p:attrNameLst>
-                                      </p:cBhvr>
-                                      <p:to>
-                                        <p:strVal val="visible"/>
-                                      </p:to>
-                                    </p:set>
-                                  </p:childTnLst>
-                                </p:cTn>
-                              </p:par>
-                            </p:childTnLst>
-                          </p:cTn>
-                        </p:par>
-                      </p:childTnLst>
-                    </p:cTn>
-                  </p:par>
-                </p:childTnLst>
-              </p:cTn>
-              <p:prevCondLst>
-                <p:cond evt="onPrev" delay="0">
-                  <p:tgtEl>
-                    <p:sldTgt/>
-                  </p:tgtEl>
-                </p:cond>
-              </p:prevCondLst>
-              <p:nextCondLst>
-                <p:cond evt="onNext" delay="0">
-                  <p:tgtEl>
-                    <p:sldTgt/>
-                  </p:tgtEl>
-                </p:cond>
-              </p:nextCondLst>
-            </p:seq>
-          </p:childTnLst>
-        </p:cTn>
-      </p:par>
-    </p:tnLst>
-    <p:bldLst>
-      <p:bldP spid="4" grpId="0"/>
-      <p:bldP spid="5" grpId="0"/>
-      <p:bldP spid="7" grpId="0"/>
-    </p:bldLst>
-  </p:timing>
-</p:sld>
-</file>
-
-<file path=ppt/slides/slide8.xml><?xml version="1.0" encoding="utf-8"?>
-<p:sld xmlns:a="http://schemas.openxmlformats.org/drawingml/2006/main" xmlns:r="http://schemas.openxmlformats.org/officeDocument/2006/relationships" xmlns:p="http://schemas.openxmlformats.org/presentationml/2006/main">
-  <p:cSld>
-    <p:bg>
-      <p:bgPr>
-        <a:solidFill>
-          <a:schemeClr val="bg1"/>
-        </a:solidFill>
-        <a:effectLst/>
-      </p:bgPr>
-    </p:bg>
-    <p:spTree>
-      <p:nvGrpSpPr>
-        <p:cNvPr id="1" name=""/>
-        <p:cNvGrpSpPr/>
-        <p:nvPr/>
-      </p:nvGrpSpPr>
-      <p:grpSpPr>
-        <a:xfrm>
-          <a:off x="0" y="0"/>
-          <a:ext cx="0" cy="0"/>
-          <a:chOff x="0" y="0"/>
-          <a:chExt cx="0" cy="0"/>
-        </a:xfrm>
-      </p:grpSpPr>
-      <p:sp>
-        <p:nvSpPr>
-          <p:cNvPr id="8" name="TextBox 7">
-            <a:extLst>
-              <a:ext uri="{FF2B5EF4-FFF2-40B4-BE49-F238E27FC236}">
-                <a16:creationId xmlns:a16="http://schemas.microsoft.com/office/drawing/2014/main" id="{AFAA642C-E4AF-4D17-8B46-1908085740A0}"/>
-              </a:ext>
-            </a:extLst>
-          </p:cNvPr>
-          <p:cNvSpPr txBox="1"/>
-          <p:nvPr/>
-        </p:nvSpPr>
-        <p:spPr>
-          <a:xfrm>
-            <a:off x="642996" y="4571216"/>
-            <a:ext cx="10906008" cy="1115415"/>
-          </a:xfrm>
-          <a:prstGeom prst="rect">
-            <a:avLst/>
-          </a:prstGeom>
-        </p:spPr>
-        <p:txBody>
-          <a:bodyPr vert="horz" lIns="91440" tIns="45720" rIns="91440" bIns="45720" rtlCol="0" anchor="b">
-            <a:normAutofit fontScale="32500" lnSpcReduction="20000"/>
-          </a:bodyPr>
-          <a:lstStyle/>
-          <a:p>
-            <a:pPr>
-              <a:lnSpc>
-                <a:spcPct val="90000"/>
-              </a:lnSpc>
-              <a:spcBef>
-                <a:spcPct val="0"/>
-              </a:spcBef>
-              <a:spcAft>
-                <a:spcPts val="600"/>
-              </a:spcAft>
-            </a:pPr>
-            <a:r>
-              <a:rPr lang="en-US" sz="6000" dirty="0"/>
-              <a:t>U </a:t>
-            </a:r>
-            <a:r>
-              <a:rPr lang="en-US" sz="6000" dirty="0" err="1"/>
-              <a:t>ovom</a:t>
-            </a:r>
-            <a:r>
-              <a:rPr lang="en-US" sz="6000" dirty="0"/>
-              <a:t> </a:t>
-            </a:r>
-            <a:r>
-              <a:rPr lang="en-US" sz="6000" dirty="0" err="1"/>
-              <a:t>primeru</a:t>
-            </a:r>
-            <a:r>
-              <a:rPr lang="en-US" sz="6000" dirty="0"/>
-              <a:t> </a:t>
-            </a:r>
-            <a:r>
-              <a:rPr lang="en-US" sz="6000" dirty="0" err="1"/>
-              <a:t>vidimo</a:t>
-            </a:r>
-            <a:r>
-              <a:rPr lang="en-US" sz="6000" dirty="0"/>
-              <a:t> </a:t>
-            </a:r>
-            <a:r>
-              <a:rPr lang="en-US" sz="6000" dirty="0" err="1"/>
-              <a:t>dva</a:t>
-            </a:r>
-            <a:r>
-              <a:rPr lang="en-US" sz="6000" dirty="0"/>
-              <a:t> </a:t>
-            </a:r>
-            <a:r>
-              <a:rPr lang="en-US" sz="6000" dirty="0" err="1"/>
-              <a:t>kontrolera</a:t>
-            </a:r>
-            <a:r>
-              <a:rPr lang="en-US" sz="6000" dirty="0"/>
-              <a:t> </a:t>
-            </a:r>
-            <a:r>
-              <a:rPr lang="en-US" sz="6000" dirty="0" err="1"/>
-              <a:t>koji</a:t>
-            </a:r>
-            <a:r>
-              <a:rPr lang="en-US" sz="6000" dirty="0"/>
-              <a:t> </a:t>
-            </a:r>
-            <a:r>
-              <a:rPr lang="en-US" sz="6000" dirty="0" err="1"/>
-              <a:t>kontrolišu</a:t>
-            </a:r>
-            <a:r>
-              <a:rPr lang="en-US" sz="6000" dirty="0"/>
-              <a:t> </a:t>
-            </a:r>
-            <a:r>
-              <a:rPr lang="en-US" sz="6000" dirty="0" err="1"/>
-              <a:t>različite</a:t>
-            </a:r>
-            <a:r>
-              <a:rPr lang="en-US" sz="6000" dirty="0"/>
-              <a:t> </a:t>
-            </a:r>
-            <a:r>
-              <a:rPr lang="en-US" sz="6000" dirty="0" err="1"/>
-              <a:t>delove</a:t>
-            </a:r>
-            <a:r>
-              <a:rPr lang="en-US" sz="6000" dirty="0"/>
-              <a:t> HTML </a:t>
-            </a:r>
-            <a:r>
-              <a:rPr lang="en-US" sz="6000" dirty="0" err="1"/>
-              <a:t>dokumenta</a:t>
-            </a:r>
-            <a:r>
-              <a:rPr lang="en-US" sz="6000" dirty="0"/>
-              <a:t>. </a:t>
-            </a:r>
-          </a:p>
-          <a:p>
-            <a:pPr>
-              <a:lnSpc>
-                <a:spcPct val="90000"/>
-              </a:lnSpc>
-              <a:spcBef>
-                <a:spcPct val="0"/>
-              </a:spcBef>
-              <a:spcAft>
-                <a:spcPts val="600"/>
-              </a:spcAft>
-            </a:pPr>
-            <a:r>
-              <a:rPr lang="en-US" sz="6000" dirty="0" err="1"/>
-              <a:t>Dodati</a:t>
-            </a:r>
-            <a:r>
-              <a:rPr lang="en-US" sz="6000" dirty="0"/>
-              <a:t> </a:t>
-            </a:r>
-            <a:r>
-              <a:rPr lang="en-US" sz="6000" dirty="0" err="1"/>
-              <a:t>su</a:t>
-            </a:r>
-            <a:r>
-              <a:rPr lang="en-US" sz="6000" dirty="0"/>
-              <a:t> </a:t>
-            </a:r>
-            <a:r>
-              <a:rPr lang="en-US" sz="6000" dirty="0" err="1"/>
-              <a:t>tako</a:t>
-            </a:r>
-            <a:r>
-              <a:rPr lang="en-US" sz="6000" dirty="0"/>
-              <a:t> da </a:t>
-            </a:r>
-            <a:r>
-              <a:rPr lang="en-US" sz="6000" dirty="0" err="1"/>
-              <a:t>jedan</a:t>
-            </a:r>
-            <a:r>
-              <a:rPr lang="en-US" sz="6000" dirty="0"/>
-              <a:t> </a:t>
-            </a:r>
-            <a:r>
-              <a:rPr lang="en-US" sz="6000" dirty="0" err="1"/>
-              <a:t>kontroler</a:t>
-            </a:r>
-            <a:r>
-              <a:rPr lang="en-US" sz="6000" dirty="0"/>
-              <a:t> </a:t>
-            </a:r>
-            <a:r>
-              <a:rPr lang="en-US" sz="6000" dirty="0" err="1"/>
-              <a:t>AngularJSKursController</a:t>
-            </a:r>
-            <a:r>
-              <a:rPr lang="en-US" sz="6000" dirty="0"/>
-              <a:t> </a:t>
-            </a:r>
-            <a:r>
-              <a:rPr lang="en-US" sz="6000" dirty="0" err="1"/>
-              <a:t>kontrol</a:t>
-            </a:r>
-            <a:r>
-              <a:rPr lang="sr-Latn-RS" sz="6000" dirty="0"/>
-              <a:t>iše gornji</a:t>
-            </a:r>
-            <a:r>
-              <a:rPr lang="en-US" sz="6000" dirty="0"/>
-              <a:t> </a:t>
-            </a:r>
-            <a:r>
-              <a:rPr lang="en-US" sz="6000" b="1" dirty="0"/>
-              <a:t>&lt;div&gt; </a:t>
-            </a:r>
-            <a:r>
-              <a:rPr lang="en-US" sz="6000" dirty="0"/>
-              <a:t>element</a:t>
-            </a:r>
-            <a:r>
-              <a:rPr lang="sr-Latn-RS" sz="6000" dirty="0"/>
-              <a:t>, a AngularJSKursControllerNoviScope kontroliše donji </a:t>
-            </a:r>
-            <a:r>
-              <a:rPr lang="en-US" sz="6000" b="1" dirty="0"/>
-              <a:t>&lt;</a:t>
-            </a:r>
-            <a:r>
-              <a:rPr lang="sr-Latn-RS" sz="6000" b="1" dirty="0"/>
-              <a:t>div</a:t>
-            </a:r>
-            <a:r>
-              <a:rPr lang="en-US" sz="6000" b="1" dirty="0"/>
-              <a:t>&gt;</a:t>
-            </a:r>
-            <a:r>
-              <a:rPr lang="sr-Latn-RS" sz="6000" b="1" dirty="0"/>
-              <a:t> </a:t>
-            </a:r>
-            <a:r>
-              <a:rPr lang="sr-Latn-RS" sz="6000" dirty="0"/>
-              <a:t>element</a:t>
-            </a:r>
-            <a:r>
-              <a:rPr lang="en-US" sz="6000" dirty="0"/>
-              <a:t> </a:t>
-            </a:r>
-          </a:p>
-        </p:txBody>
-      </p:sp>
-      <p:pic>
-        <p:nvPicPr>
-          <p:cNvPr id="5" name="Picture 4">
-            <a:extLst>
-              <a:ext uri="{FF2B5EF4-FFF2-40B4-BE49-F238E27FC236}">
-                <a16:creationId xmlns:a16="http://schemas.microsoft.com/office/drawing/2014/main" id="{83DACD50-AE9A-4A94-A105-83DA825F0ACA}"/>
-              </a:ext>
-            </a:extLst>
-          </p:cNvPr>
-          <p:cNvPicPr>
-            <a:picLocks noChangeAspect="1"/>
-          </p:cNvPicPr>
-          <p:nvPr/>
-        </p:nvPicPr>
-        <p:blipFill rotWithShape="1">
-          <a:blip r:embed="rId2">
-            <a:extLst>
-              <a:ext uri="{28A0092B-C50C-407E-A947-70E740481C1C}">
-                <a14:useLocalDpi xmlns:a14="http://schemas.microsoft.com/office/drawing/2010/main" val="0"/>
-              </a:ext>
-            </a:extLst>
-          </a:blip>
-          <a:srcRect l="13759" r="5878" b="2"/>
-          <a:stretch/>
-        </p:blipFill>
-        <p:spPr>
-          <a:xfrm>
-            <a:off x="4198620" y="320511"/>
-            <a:ext cx="3794760" cy="3930978"/>
-          </a:xfrm>
-          <a:prstGeom prst="rect">
-            <a:avLst/>
-          </a:prstGeom>
-        </p:spPr>
-      </p:pic>
-      <p:pic>
-        <p:nvPicPr>
-          <p:cNvPr id="7" name="Picture 6">
-            <a:extLst>
-              <a:ext uri="{FF2B5EF4-FFF2-40B4-BE49-F238E27FC236}">
-                <a16:creationId xmlns:a16="http://schemas.microsoft.com/office/drawing/2014/main" id="{1A3EDC2D-061E-4BBD-BF15-BA3251DDE3E6}"/>
-              </a:ext>
-            </a:extLst>
-          </p:cNvPr>
-          <p:cNvPicPr>
-            <a:picLocks noChangeAspect="1"/>
-          </p:cNvPicPr>
-          <p:nvPr/>
-        </p:nvPicPr>
-        <p:blipFill rotWithShape="1">
-          <a:blip r:embed="rId3">
-            <a:extLst>
-              <a:ext uri="{28A0092B-C50C-407E-A947-70E740481C1C}">
-                <a14:useLocalDpi xmlns:a14="http://schemas.microsoft.com/office/drawing/2010/main" val="0"/>
-              </a:ext>
-            </a:extLst>
-          </a:blip>
-          <a:srcRect l="13864" r="6735" b="-2"/>
-          <a:stretch/>
-        </p:blipFill>
-        <p:spPr>
-          <a:xfrm>
-            <a:off x="8183209" y="320511"/>
-            <a:ext cx="3794760" cy="3930978"/>
-          </a:xfrm>
-          <a:prstGeom prst="rect">
-            <a:avLst/>
-          </a:prstGeom>
-        </p:spPr>
-      </p:pic>
-      <p:pic>
-        <p:nvPicPr>
-          <p:cNvPr id="3" name="Picture 2">
-            <a:extLst>
-              <a:ext uri="{FF2B5EF4-FFF2-40B4-BE49-F238E27FC236}">
-                <a16:creationId xmlns:a16="http://schemas.microsoft.com/office/drawing/2014/main" id="{8F5D97EE-6BA7-49AB-8894-46F58F7D0FAE}"/>
-              </a:ext>
-            </a:extLst>
-          </p:cNvPr>
-          <p:cNvPicPr>
-            <a:picLocks noChangeAspect="1"/>
-          </p:cNvPicPr>
-          <p:nvPr/>
-        </p:nvPicPr>
-        <p:blipFill rotWithShape="1">
-          <a:blip r:embed="rId4">
-            <a:extLst>
-              <a:ext uri="{28A0092B-C50C-407E-A947-70E740481C1C}">
-                <a14:useLocalDpi xmlns:a14="http://schemas.microsoft.com/office/drawing/2010/main" val="0"/>
-              </a:ext>
-            </a:extLst>
-          </a:blip>
-          <a:srcRect l="5942" r="9346" b="-3"/>
-          <a:stretch/>
-        </p:blipFill>
-        <p:spPr>
-          <a:xfrm>
-            <a:off x="214031" y="320511"/>
-            <a:ext cx="3794760" cy="3930978"/>
-          </a:xfrm>
-          <a:prstGeom prst="rect">
-            <a:avLst/>
-          </a:prstGeom>
-        </p:spPr>
-      </p:pic>
-      <p:cxnSp>
-        <p:nvCxnSpPr>
-          <p:cNvPr id="13" name="Straight Connector 12">
-            <a:extLst>
-              <a:ext uri="{FF2B5EF4-FFF2-40B4-BE49-F238E27FC236}">
-                <a16:creationId xmlns:a16="http://schemas.microsoft.com/office/drawing/2014/main" id="{60188E89-AF78-40F6-B787-E9BD9C625686}"/>
-              </a:ext>
-              <a:ext uri="{C183D7F6-B498-43B3-948B-1728B52AA6E4}">
-                <adec:decorative xmlns:adec="http://schemas.microsoft.com/office/drawing/2017/decorative" val="1"/>
-              </a:ext>
-            </a:extLst>
-          </p:cNvPr>
-          <p:cNvCxnSpPr>
-            <a:cxnSpLocks noGrp="1" noRot="1" noChangeAspect="1" noMove="1" noResize="1" noEditPoints="1" noAdjustHandles="1" noChangeArrowheads="1" noChangeShapeType="1"/>
-          </p:cNvCxnSpPr>
-          <p:nvPr>
-            <p:extLst>
-              <p:ext uri="{386F3935-93C4-4BCD-93E2-E3B085C9AB24}">
-                <p16:designElem xmlns:p16="http://schemas.microsoft.com/office/powerpoint/2015/main" val="1"/>
-              </p:ext>
-            </p:extLst>
-          </p:nvPr>
-        </p:nvCxnSpPr>
-        <p:spPr>
-          <a:xfrm>
-            <a:off x="1524000" y="5778706"/>
-            <a:ext cx="9144000" cy="0"/>
-          </a:xfrm>
-          <a:prstGeom prst="line">
-            <a:avLst/>
-          </a:prstGeom>
-          <a:ln w="19050">
-            <a:solidFill>
-              <a:srgbClr val="997B4B"/>
-            </a:solidFill>
-          </a:ln>
-        </p:spPr>
-        <p:style>
-          <a:lnRef idx="1">
-            <a:schemeClr val="accent1"/>
-          </a:lnRef>
-          <a:fillRef idx="0">
-            <a:schemeClr val="accent1"/>
-          </a:fillRef>
-          <a:effectRef idx="0">
-            <a:schemeClr val="accent1"/>
-          </a:effectRef>
-          <a:fontRef idx="minor">
-            <a:schemeClr val="tx1"/>
-          </a:fontRef>
-        </p:style>
-      </p:cxnSp>
-    </p:spTree>
-    <p:extLst>
-      <p:ext uri="{BB962C8B-B14F-4D97-AF65-F5344CB8AC3E}">
-        <p14:creationId xmlns:p14="http://schemas.microsoft.com/office/powerpoint/2010/main" val="2767260137"/>
-      </p:ext>
-    </p:extLst>
-  </p:cSld>
-  <p:clrMapOvr>
-    <a:masterClrMapping/>
-  </p:clrMapOvr>
-  <p:timing>
-    <p:tnLst>
-      <p:par>
-        <p:cTn id="1" dur="indefinite" restart="never" nodeType="tmRoot">
-          <p:childTnLst>
-            <p:seq concurrent="1" nextAc="seek">
-              <p:cTn id="2" dur="indefinite" nodeType="mainSeq">
-                <p:childTnLst>
-                  <p:par>
-                    <p:cTn id="3" fill="hold">
-                      <p:stCondLst>
-                        <p:cond delay="indefinite"/>
-                      </p:stCondLst>
-                      <p:childTnLst>
-                        <p:par>
-                          <p:cTn id="4" fill="hold">
-                            <p:stCondLst>
-                              <p:cond delay="0"/>
-                            </p:stCondLst>
-                            <p:childTnLst>
-                              <p:par>
-                                <p:cTn id="5" presetID="1" presetClass="entr" presetSubtype="0" fill="hold" grpId="0" nodeType="clickEffect">
-                                  <p:stCondLst>
-                                    <p:cond delay="0"/>
-                                  </p:stCondLst>
-                                  <p:childTnLst>
-                                    <p:set>
-                                      <p:cBhvr>
-                                        <p:cTn id="6" dur="1" fill="hold">
-                                          <p:stCondLst>
-                                            <p:cond delay="0"/>
-                                          </p:stCondLst>
-                                        </p:cTn>
-                                        <p:tgtEl>
-                                          <p:spTgt spid="8"/>
-                                        </p:tgtEl>
-                                        <p:attrNameLst>
-                                          <p:attrName>style.visibility</p:attrName>
-                                        </p:attrNameLst>
-                                      </p:cBhvr>
-                                      <p:to>
-                                        <p:strVal val="visible"/>
-                                      </p:to>
-                                    </p:set>
-                                  </p:childTnLst>
-                                </p:cTn>
-                              </p:par>
-                            </p:childTnLst>
-                          </p:cTn>
-                        </p:par>
-                      </p:childTnLst>
-                    </p:cTn>
-                  </p:par>
-                  <p:par>
-                    <p:cTn id="7" fill="hold">
-                      <p:stCondLst>
-                        <p:cond delay="indefinite"/>
-                      </p:stCondLst>
-                      <p:childTnLst>
-                        <p:par>
-                          <p:cTn id="8" fill="hold">
-                            <p:stCondLst>
-                              <p:cond delay="0"/>
-                            </p:stCondLst>
-                            <p:childTnLst>
-                              <p:par>
-                                <p:cTn id="9" presetID="1" presetClass="entr" presetSubtype="0" fill="hold" nodeType="clickEffect">
-                                  <p:stCondLst>
-                                    <p:cond delay="0"/>
-                                  </p:stCondLst>
-                                  <p:childTnLst>
-                                    <p:set>
-                                      <p:cBhvr>
-                                        <p:cTn id="10" dur="1" fill="hold">
-                                          <p:stCondLst>
-                                            <p:cond delay="0"/>
-                                          </p:stCondLst>
-                                        </p:cTn>
-                                        <p:tgtEl>
-                                          <p:spTgt spid="5"/>
-                                        </p:tgtEl>
-                                        <p:attrNameLst>
-                                          <p:attrName>style.visibility</p:attrName>
-                                        </p:attrNameLst>
-                                      </p:cBhvr>
-                                      <p:to>
-                                        <p:strVal val="visible"/>
-                                      </p:to>
-                                    </p:set>
-                                  </p:childTnLst>
-                                </p:cTn>
-                              </p:par>
-                            </p:childTnLst>
-                          </p:cTn>
-                        </p:par>
-                      </p:childTnLst>
-                    </p:cTn>
-                  </p:par>
-                  <p:par>
-                    <p:cTn id="11" fill="hold">
-                      <p:stCondLst>
-                        <p:cond delay="indefinite"/>
-                      </p:stCondLst>
-                      <p:childTnLst>
-                        <p:par>
-                          <p:cTn id="12" fill="hold">
-                            <p:stCondLst>
-                              <p:cond delay="0"/>
-                            </p:stCondLst>
-                            <p:childTnLst>
-                              <p:par>
-                                <p:cTn id="13" presetID="1" presetClass="entr" presetSubtype="0" fill="hold" nodeType="clickEffect">
-                                  <p:stCondLst>
-                                    <p:cond delay="0"/>
-                                  </p:stCondLst>
-                                  <p:childTnLst>
-                                    <p:set>
-                                      <p:cBhvr>
-                                        <p:cTn id="14" dur="1" fill="hold">
-                                          <p:stCondLst>
-                                            <p:cond delay="0"/>
-                                          </p:stCondLst>
-                                        </p:cTn>
-                                        <p:tgtEl>
-                                          <p:spTgt spid="7"/>
-                                        </p:tgtEl>
-                                        <p:attrNameLst>
-                                          <p:attrName>style.visibility</p:attrName>
-                                        </p:attrNameLst>
-                                      </p:cBhvr>
-                                      <p:to>
-                                        <p:strVal val="visible"/>
-                                      </p:to>
-                                    </p:set>
-                                  </p:childTnLst>
-                                </p:cTn>
-                              </p:par>
-                            </p:childTnLst>
-                          </p:cTn>
-                        </p:par>
-                      </p:childTnLst>
-                    </p:cTn>
-                  </p:par>
-                </p:childTnLst>
-              </p:cTn>
-              <p:prevCondLst>
-                <p:cond evt="onPrev" delay="0">
-                  <p:tgtEl>
-                    <p:sldTgt/>
-                  </p:tgtEl>
-                </p:cond>
-              </p:prevCondLst>
-              <p:nextCondLst>
-                <p:cond evt="onNext" delay="0">
-                  <p:tgtEl>
-                    <p:sldTgt/>
-                  </p:tgtEl>
-                </p:cond>
-              </p:nextCondLst>
-            </p:seq>
-          </p:childTnLst>
-        </p:cTn>
-      </p:par>
-    </p:tnLst>
-    <p:bldLst>
-      <p:bldP spid="8" grpId="0"/>
-    </p:bldLst>
-  </p:timing>
-</p:sld>
-</file>
-
-<file path=ppt/slides/slide9.xml><?xml version="1.0" encoding="utf-8"?>
-<p:sld xmlns:a="http://schemas.openxmlformats.org/drawingml/2006/main" xmlns:r="http://schemas.openxmlformats.org/officeDocument/2006/relationships" xmlns:p="http://schemas.openxmlformats.org/presentationml/2006/main">
-  <p:cSld>
-    <p:bg>
-      <p:bgPr>
-        <a:solidFill>
-          <a:schemeClr val="bg1"/>
-        </a:solidFill>
-        <a:effectLst/>
-      </p:bgPr>
-    </p:bg>
-    <p:spTree>
-      <p:nvGrpSpPr>
-        <p:cNvPr id="1" name=""/>
-        <p:cNvGrpSpPr/>
-        <p:nvPr/>
-      </p:nvGrpSpPr>
-      <p:grpSpPr>
-        <a:xfrm>
-          <a:off x="0" y="0"/>
-          <a:ext cx="0" cy="0"/>
-          <a:chOff x="0" y="0"/>
-          <a:chExt cx="0" cy="0"/>
-        </a:xfrm>
-      </p:grpSpPr>
-      <p:pic>
-        <p:nvPicPr>
-          <p:cNvPr id="3" name="Picture 2">
-            <a:extLst>
-              <a:ext uri="{FF2B5EF4-FFF2-40B4-BE49-F238E27FC236}">
-                <a16:creationId xmlns:a16="http://schemas.microsoft.com/office/drawing/2014/main" id="{61B5AA47-A372-46B1-9FF0-93AB5B62960B}"/>
-              </a:ext>
-            </a:extLst>
-          </p:cNvPr>
-          <p:cNvPicPr>
-            <a:picLocks noChangeAspect="1"/>
-          </p:cNvPicPr>
-          <p:nvPr/>
-        </p:nvPicPr>
-        <p:blipFill>
-          <a:blip r:embed="rId2">
-            <a:extLst>
-              <a:ext uri="{28A0092B-C50C-407E-A947-70E740481C1C}">
-                <a14:useLocalDpi xmlns:a14="http://schemas.microsoft.com/office/drawing/2010/main" val="0"/>
-              </a:ext>
-            </a:extLst>
-          </a:blip>
-          <a:stretch>
-            <a:fillRect/>
-          </a:stretch>
-        </p:blipFill>
-        <p:spPr>
-          <a:xfrm>
-            <a:off x="1115615" y="1920027"/>
-            <a:ext cx="4742993" cy="3011800"/>
-          </a:xfrm>
-          <a:prstGeom prst="rect">
-            <a:avLst/>
-          </a:prstGeom>
-        </p:spPr>
-      </p:pic>
-      <p:cxnSp>
-        <p:nvCxnSpPr>
-          <p:cNvPr id="10" name="Straight Connector 9">
-            <a:extLst>
-              <a:ext uri="{FF2B5EF4-FFF2-40B4-BE49-F238E27FC236}">
-                <a16:creationId xmlns:a16="http://schemas.microsoft.com/office/drawing/2014/main" id="{4D56677B-C0B7-4DAC-ACAD-8054FF1B599A}"/>
-              </a:ext>
-              <a:ext uri="{C183D7F6-B498-43B3-948B-1728B52AA6E4}">
-                <adec:decorative xmlns:adec="http://schemas.microsoft.com/office/drawing/2017/decorative" val="1"/>
-              </a:ext>
-            </a:extLst>
-          </p:cNvPr>
-          <p:cNvCxnSpPr>
-            <a:cxnSpLocks noGrp="1" noRot="1" noChangeAspect="1" noMove="1" noResize="1" noEditPoints="1" noAdjustHandles="1" noChangeArrowheads="1" noChangeShapeType="1"/>
-          </p:cNvCxnSpPr>
-          <p:nvPr>
-            <p:extLst>
-              <p:ext uri="{386F3935-93C4-4BCD-93E2-E3B085C9AB24}">
-                <p16:designElem xmlns:p16="http://schemas.microsoft.com/office/powerpoint/2015/main" val="1"/>
-              </p:ext>
-            </p:extLst>
-          </p:nvPr>
-        </p:nvCxnSpPr>
-        <p:spPr>
-          <a:xfrm>
-            <a:off x="6096000" y="1573887"/>
-            <a:ext cx="0" cy="3710227"/>
-          </a:xfrm>
-          <a:prstGeom prst="line">
-            <a:avLst/>
-          </a:prstGeom>
-          <a:ln w="19050">
-            <a:solidFill>
-              <a:srgbClr val="CB3222"/>
-            </a:solidFill>
-          </a:ln>
-        </p:spPr>
-        <p:style>
-          <a:lnRef idx="1">
-            <a:schemeClr val="accent1"/>
-          </a:lnRef>
-          <a:fillRef idx="0">
-            <a:schemeClr val="accent1"/>
-          </a:fillRef>
-          <a:effectRef idx="0">
-            <a:schemeClr val="accent1"/>
-          </a:effectRef>
-          <a:fontRef idx="minor">
-            <a:schemeClr val="tx1"/>
-          </a:fontRef>
-        </p:style>
-      </p:cxnSp>
-      <p:pic>
-        <p:nvPicPr>
-          <p:cNvPr id="5" name="Picture 4">
-            <a:extLst>
-              <a:ext uri="{FF2B5EF4-FFF2-40B4-BE49-F238E27FC236}">
-                <a16:creationId xmlns:a16="http://schemas.microsoft.com/office/drawing/2014/main" id="{270018F4-0041-4003-B8B2-930D543FDC7C}"/>
-              </a:ext>
-            </a:extLst>
-          </p:cNvPr>
-          <p:cNvPicPr>
-            <a:picLocks noChangeAspect="1"/>
-          </p:cNvPicPr>
-          <p:nvPr/>
-        </p:nvPicPr>
-        <p:blipFill>
-          <a:blip r:embed="rId3">
-            <a:extLst>
-              <a:ext uri="{28A0092B-C50C-407E-A947-70E740481C1C}">
-                <a14:useLocalDpi xmlns:a14="http://schemas.microsoft.com/office/drawing/2010/main" val="0"/>
-              </a:ext>
-            </a:extLst>
-          </a:blip>
-          <a:stretch>
-            <a:fillRect/>
-          </a:stretch>
-        </p:blipFill>
-        <p:spPr>
-          <a:xfrm>
-            <a:off x="6343240" y="1717932"/>
-            <a:ext cx="4728015" cy="3415990"/>
-          </a:xfrm>
-          <a:prstGeom prst="rect">
-            <a:avLst/>
-          </a:prstGeom>
-        </p:spPr>
-      </p:pic>
-      <p:sp>
-        <p:nvSpPr>
-          <p:cNvPr id="7" name="TextBox 6">
-            <a:extLst>
-              <a:ext uri="{FF2B5EF4-FFF2-40B4-BE49-F238E27FC236}">
-                <a16:creationId xmlns:a16="http://schemas.microsoft.com/office/drawing/2014/main" id="{BBE5365F-56A3-44C8-8665-074FB71BD0C3}"/>
-              </a:ext>
-            </a:extLst>
-          </p:cNvPr>
-          <p:cNvSpPr txBox="1"/>
-          <p:nvPr/>
-        </p:nvSpPr>
-        <p:spPr>
-          <a:xfrm>
-            <a:off x="1115615" y="394103"/>
-            <a:ext cx="7371954" cy="369332"/>
-          </a:xfrm>
-          <a:prstGeom prst="rect">
-            <a:avLst/>
-          </a:prstGeom>
-          <a:noFill/>
-        </p:spPr>
-        <p:txBody>
-          <a:bodyPr wrap="none" rtlCol="0">
-            <a:spAutoFit/>
-          </a:bodyPr>
-          <a:lstStyle/>
-          <a:p>
-            <a:r>
-              <a:rPr lang="en-US" dirty="0"/>
-              <a:t>Data-binding – </a:t>
-            </a:r>
-            <a:r>
-              <a:rPr lang="en-US" dirty="0" err="1"/>
-              <a:t>povezivanje</a:t>
-            </a:r>
-            <a:r>
-              <a:rPr lang="en-US" dirty="0"/>
-              <a:t> </a:t>
-            </a:r>
-            <a:r>
-              <a:rPr lang="en-US" dirty="0" err="1"/>
-              <a:t>modela</a:t>
-            </a:r>
-            <a:r>
-              <a:rPr lang="en-US" dirty="0"/>
-              <a:t> </a:t>
-            </a:r>
-            <a:r>
-              <a:rPr lang="sr-Latn-RS" dirty="0"/>
-              <a:t>i</a:t>
-            </a:r>
-            <a:r>
-              <a:rPr lang="en-US" dirty="0"/>
-              <a:t> view </a:t>
-            </a:r>
-            <a:r>
-              <a:rPr lang="en-US" dirty="0" err="1"/>
-              <a:t>komponenti</a:t>
-            </a:r>
-            <a:r>
-              <a:rPr lang="en-US" dirty="0"/>
-              <a:t> (ono </a:t>
-            </a:r>
-            <a:r>
-              <a:rPr lang="sr-Latn-RS" dirty="0"/>
-              <a:t>što korisnik vidi</a:t>
-            </a:r>
-            <a:r>
-              <a:rPr lang="en-US" dirty="0"/>
-              <a:t>) </a:t>
-            </a:r>
-            <a:endParaRPr lang="en-GB" dirty="0"/>
-          </a:p>
-        </p:txBody>
-      </p:sp>
-      <p:sp>
-        <p:nvSpPr>
-          <p:cNvPr id="8" name="TextBox 7">
-            <a:extLst>
-              <a:ext uri="{FF2B5EF4-FFF2-40B4-BE49-F238E27FC236}">
-                <a16:creationId xmlns:a16="http://schemas.microsoft.com/office/drawing/2014/main" id="{A6E47350-EE08-4D9D-A05A-53A48F72B23C}"/>
-              </a:ext>
-            </a:extLst>
-          </p:cNvPr>
-          <p:cNvSpPr txBox="1"/>
-          <p:nvPr/>
-        </p:nvSpPr>
-        <p:spPr>
-          <a:xfrm>
-            <a:off x="1115615" y="763435"/>
-            <a:ext cx="11143948" cy="369332"/>
-          </a:xfrm>
-          <a:prstGeom prst="rect">
-            <a:avLst/>
-          </a:prstGeom>
-          <a:noFill/>
-        </p:spPr>
-        <p:txBody>
-          <a:bodyPr wrap="none" rtlCol="0">
-            <a:spAutoFit/>
-          </a:bodyPr>
-          <a:lstStyle/>
-          <a:p>
-            <a:r>
-              <a:rPr lang="sr-Latn-RS" dirty="0"/>
-              <a:t>Klasični sajtovi koriste One-Way Data Binding. Template i model se spoje prilikom kompajliranja i prikaže se korisniku. </a:t>
-            </a:r>
-            <a:endParaRPr lang="en-GB" dirty="0"/>
-          </a:p>
-        </p:txBody>
-      </p:sp>
-      <p:sp>
-        <p:nvSpPr>
-          <p:cNvPr id="9" name="TextBox 8">
-            <a:extLst>
-              <a:ext uri="{FF2B5EF4-FFF2-40B4-BE49-F238E27FC236}">
-                <a16:creationId xmlns:a16="http://schemas.microsoft.com/office/drawing/2014/main" id="{C7F8E1CE-AF1A-4330-A5A4-A4353085506E}"/>
-              </a:ext>
-            </a:extLst>
-          </p:cNvPr>
-          <p:cNvSpPr txBox="1"/>
-          <p:nvPr/>
-        </p:nvSpPr>
-        <p:spPr>
-          <a:xfrm>
-            <a:off x="1115615" y="1132767"/>
-            <a:ext cx="9522350" cy="369332"/>
-          </a:xfrm>
-          <a:prstGeom prst="rect">
-            <a:avLst/>
-          </a:prstGeom>
-          <a:noFill/>
-        </p:spPr>
-        <p:txBody>
-          <a:bodyPr wrap="none" rtlCol="0">
-            <a:spAutoFit/>
-          </a:bodyPr>
-          <a:lstStyle/>
-          <a:p>
-            <a:r>
-              <a:rPr lang="sr-Latn-RS" dirty="0"/>
-              <a:t>Angular koristi Two-Way Data Binding što znači da promene na </a:t>
-            </a:r>
-            <a:r>
-              <a:rPr lang="sr-Latn-RS" b="1" dirty="0"/>
-              <a:t>view </a:t>
-            </a:r>
-            <a:r>
-              <a:rPr lang="sr-Latn-RS" dirty="0"/>
-              <a:t>update-uju model i obrnuto.</a:t>
-            </a:r>
-            <a:endParaRPr lang="en-GB" dirty="0"/>
-          </a:p>
-        </p:txBody>
-      </p:sp>
-    </p:spTree>
-    <p:extLst>
-      <p:ext uri="{BB962C8B-B14F-4D97-AF65-F5344CB8AC3E}">
-        <p14:creationId xmlns:p14="http://schemas.microsoft.com/office/powerpoint/2010/main" val="273023023"/>
-      </p:ext>
-    </p:extLst>
-  </p:cSld>
-  <p:clrMapOvr>
-    <a:masterClrMapping/>
-  </p:clrMapOvr>
-  <p:timing>
-    <p:tnLst>
-      <p:par>
-        <p:cTn id="1" dur="indefinite" restart="never" nodeType="tmRoot">
-          <p:childTnLst>
-            <p:seq concurrent="1" nextAc="seek">
-              <p:cTn id="2" dur="indefinite" nodeType="mainSeq">
-                <p:childTnLst>
-                  <p:par>
-                    <p:cTn id="3" fill="hold">
-                      <p:stCondLst>
-                        <p:cond delay="indefinite"/>
-                      </p:stCondLst>
-                      <p:childTnLst>
-                        <p:par>
-                          <p:cTn id="4" fill="hold">
-                            <p:stCondLst>
-                              <p:cond delay="0"/>
-                            </p:stCondLst>
-                            <p:childTnLst>
-                              <p:par>
-                                <p:cTn id="5" presetID="1" presetClass="entr" presetSubtype="0" fill="hold" grpId="0" nodeType="clickEffect">
-                                  <p:stCondLst>
-                                    <p:cond delay="0"/>
-                                  </p:stCondLst>
-                                  <p:childTnLst>
-                                    <p:set>
-                                      <p:cBhvr>
-                                        <p:cTn id="6" dur="1" fill="hold">
-                                          <p:stCondLst>
-                                            <p:cond delay="0"/>
-                                          </p:stCondLst>
-                                        </p:cTn>
-                                        <p:tgtEl>
-                                          <p:spTgt spid="7"/>
-                                        </p:tgtEl>
-                                        <p:attrNameLst>
-                                          <p:attrName>style.visibility</p:attrName>
-                                        </p:attrNameLst>
-                                      </p:cBhvr>
-                                      <p:to>
-                                        <p:strVal val="visible"/>
-                                      </p:to>
-                                    </p:set>
-                                  </p:childTnLst>
-                                </p:cTn>
-                              </p:par>
-                            </p:childTnLst>
-                          </p:cTn>
-                        </p:par>
-                      </p:childTnLst>
-                    </p:cTn>
-                  </p:par>
-                  <p:par>
-                    <p:cTn id="7" fill="hold">
-                      <p:stCondLst>
-                        <p:cond delay="indefinite"/>
-                      </p:stCondLst>
-                      <p:childTnLst>
-                        <p:par>
-                          <p:cTn id="8" fill="hold">
-                            <p:stCondLst>
-                              <p:cond delay="0"/>
-                            </p:stCondLst>
-                            <p:childTnLst>
-                              <p:par>
-                                <p:cTn id="9" presetID="1" presetClass="entr" presetSubtype="0" fill="hold" grpId="0" nodeType="clickEffect">
-                                  <p:stCondLst>
-                                    <p:cond delay="0"/>
-                                  </p:stCondLst>
-                                  <p:childTnLst>
-                                    <p:set>
-                                      <p:cBhvr>
-                                        <p:cTn id="10" dur="1" fill="hold">
-                                          <p:stCondLst>
-                                            <p:cond delay="0"/>
-                                          </p:stCondLst>
-                                        </p:cTn>
-                                        <p:tgtEl>
-                                          <p:spTgt spid="8"/>
-                                        </p:tgtEl>
-                                        <p:attrNameLst>
-                                          <p:attrName>style.visibility</p:attrName>
-                                        </p:attrNameLst>
-                                      </p:cBhvr>
-                                      <p:to>
-                                        <p:strVal val="visible"/>
-                                      </p:to>
-                                    </p:set>
-                                  </p:childTnLst>
-                                </p:cTn>
-                              </p:par>
-                            </p:childTnLst>
-                          </p:cTn>
-                        </p:par>
-                      </p:childTnLst>
-                    </p:cTn>
-                  </p:par>
-                  <p:par>
-                    <p:cTn id="11" fill="hold">
-                      <p:stCondLst>
-                        <p:cond delay="indefinite"/>
-                      </p:stCondLst>
-                      <p:childTnLst>
-                        <p:par>
-                          <p:cTn id="12" fill="hold">
-                            <p:stCondLst>
-                              <p:cond delay="0"/>
-                            </p:stCondLst>
-                            <p:childTnLst>
-                              <p:par>
-                                <p:cTn id="13" presetID="1" presetClass="entr" presetSubtype="0" fill="hold" nodeType="clickEffect">
-                                  <p:stCondLst>
-                                    <p:cond delay="0"/>
-                                  </p:stCondLst>
-                                  <p:childTnLst>
-                                    <p:set>
-                                      <p:cBhvr>
-                                        <p:cTn id="14" dur="1" fill="hold">
-                                          <p:stCondLst>
-                                            <p:cond delay="0"/>
-                                          </p:stCondLst>
-                                        </p:cTn>
-                                        <p:tgtEl>
-                                          <p:spTgt spid="3"/>
-                                        </p:tgtEl>
-                                        <p:attrNameLst>
-                                          <p:attrName>style.visibility</p:attrName>
-                                        </p:attrNameLst>
-                                      </p:cBhvr>
-                                      <p:to>
-                                        <p:strVal val="visible"/>
-                                      </p:to>
-                                    </p:set>
-                                  </p:childTnLst>
-                                </p:cTn>
-                              </p:par>
-                            </p:childTnLst>
-                          </p:cTn>
-                        </p:par>
-                      </p:childTnLst>
-                    </p:cTn>
-                  </p:par>
-                  <p:par>
-                    <p:cTn id="15" fill="hold">
-                      <p:stCondLst>
-                        <p:cond delay="indefinite"/>
-                      </p:stCondLst>
-                      <p:childTnLst>
-                        <p:par>
-                          <p:cTn id="16" fill="hold">
-                            <p:stCondLst>
-                              <p:cond delay="0"/>
-                            </p:stCondLst>
-                            <p:childTnLst>
-                              <p:par>
-                                <p:cTn id="17" presetID="1" presetClass="entr" presetSubtype="0" fill="hold" grpId="0" nodeType="clickEffect">
-                                  <p:stCondLst>
-                                    <p:cond delay="0"/>
-                                  </p:stCondLst>
-                                  <p:childTnLst>
-                                    <p:set>
-                                      <p:cBhvr>
-                                        <p:cTn id="18" dur="1" fill="hold">
-                                          <p:stCondLst>
-                                            <p:cond delay="0"/>
-                                          </p:stCondLst>
-                                        </p:cTn>
-                                        <p:tgtEl>
-                                          <p:spTgt spid="9"/>
-                                        </p:tgtEl>
-                                        <p:attrNameLst>
-                                          <p:attrName>style.visibility</p:attrName>
-                                        </p:attrNameLst>
-                                      </p:cBhvr>
-                                      <p:to>
-                                        <p:strVal val="visible"/>
-                                      </p:to>
-                                    </p:set>
-                                  </p:childTnLst>
-                                </p:cTn>
-                              </p:par>
-                            </p:childTnLst>
-                          </p:cTn>
-                        </p:par>
-                      </p:childTnLst>
-                    </p:cTn>
-                  </p:par>
-                  <p:par>
-                    <p:cTn id="19" fill="hold">
-                      <p:stCondLst>
-                        <p:cond delay="indefinite"/>
-                      </p:stCondLst>
-                      <p:childTnLst>
-                        <p:par>
-                          <p:cTn id="20" fill="hold">
-                            <p:stCondLst>
-                              <p:cond delay="0"/>
-                            </p:stCondLst>
-                            <p:childTnLst>
-                              <p:par>
-                                <p:cTn id="21" presetID="1" presetClass="entr" presetSubtype="0" fill="hold" nodeType="clickEffect">
-                                  <p:stCondLst>
-                                    <p:cond delay="0"/>
-                                  </p:stCondLst>
-                                  <p:childTnLst>
-                                    <p:set>
-                                      <p:cBhvr>
-                                        <p:cTn id="22" dur="1" fill="hold">
-                                          <p:stCondLst>
-                                            <p:cond delay="0"/>
-                                          </p:stCondLst>
-                                        </p:cTn>
-                                        <p:tgtEl>
-                                          <p:spTgt spid="5"/>
-                                        </p:tgtEl>
-                                        <p:attrNameLst>
-                                          <p:attrName>style.visibility</p:attrName>
-                                        </p:attrNameLst>
-                                      </p:cBhvr>
-                                      <p:to>
-                                        <p:strVal val="visible"/>
-                                      </p:to>
-                                    </p:set>
-                                  </p:childTnLst>
-                                </p:cTn>
-                              </p:par>
-                            </p:childTnLst>
-                          </p:cTn>
-                        </p:par>
-                      </p:childTnLst>
-                    </p:cTn>
-                  </p:par>
-                </p:childTnLst>
-              </p:cTn>
-              <p:prevCondLst>
-                <p:cond evt="onPrev" delay="0">
-                  <p:tgtEl>
-                    <p:sldTgt/>
-                  </p:tgtEl>
-                </p:cond>
-              </p:prevCondLst>
-              <p:nextCondLst>
-                <p:cond evt="onNext" delay="0">
-                  <p:tgtEl>
-                    <p:sldTgt/>
-                  </p:tgtEl>
-                </p:cond>
-              </p:nextCondLst>
-            </p:seq>
-          </p:childTnLst>
-        </p:cTn>
-      </p:par>
-    </p:tnLst>
-    <p:bldLst>
-      <p:bldP spid="7" grpId="0"/>
-      <p:bldP spid="8" grpId="0"/>
-      <p:bldP spid="9" grpId="0"/>
-    </p:bldLst>
-  </p:timing>
-</p:sld>
-</file>
-
 <file path=ppt/theme/theme1.xml><?xml version="1.0" encoding="utf-8"?>
 <a:theme xmlns:a="http://schemas.openxmlformats.org/drawingml/2006/main" name="Office Theme">
   <a:themeElements>

--- a/AngularJS.pptx
+++ b/AngularJS.pptx
@@ -17,6 +17,7 @@
     <p:sldId id="268" r:id="rId11"/>
     <p:sldId id="269" r:id="rId12"/>
     <p:sldId id="265" r:id="rId13"/>
+    <p:sldId id="270" r:id="rId14"/>
   </p:sldIdLst>
   <p:sldSz cx="12192000" cy="6858000"/>
   <p:notesSz cx="6858000" cy="9144000"/>
@@ -126,8 +127,8 @@
 <file path=ppt/revisionInfo.xml><?xml version="1.0" encoding="utf-8"?>
 <p1510:revInfo xmlns:a="http://schemas.openxmlformats.org/drawingml/2006/main" xmlns:r="http://schemas.openxmlformats.org/officeDocument/2006/relationships" xmlns:p1510="http://schemas.microsoft.com/office/powerpoint/2015/10/main">
   <p1510:revLst>
+    <p1510:client id="{1320082C-A7C4-4F39-B207-5B44D2E8DB51}" v="45" dt="2019-01-21T15:48:04.955"/>
     <p1510:client id="{84984AE3-2FB9-472B-BE8B-CCC860EA6735}" v="656" dt="2019-01-20T21:09:15.280"/>
-    <p1510:client id="{1320082C-A7C4-4F39-B207-5B44D2E8DB51}" v="45" dt="2019-01-21T15:48:04.955"/>
   </p1510:revLst>
 </p1510:revInfo>
 </file>
@@ -1660,7 +1661,7 @@
           <a:p>
             <a:fld id="{6A752055-4DA1-4D46-98DA-CEE3E0EB5BBD}" type="datetimeFigureOut">
               <a:rPr lang="en-GB" smtClean="0"/>
-              <a:t>21/01/2019</a:t>
+              <a:t>24/01/2019</a:t>
             </a:fld>
             <a:endParaRPr lang="en-GB"/>
           </a:p>
@@ -1860,7 +1861,7 @@
           <a:p>
             <a:fld id="{6A752055-4DA1-4D46-98DA-CEE3E0EB5BBD}" type="datetimeFigureOut">
               <a:rPr lang="en-GB" smtClean="0"/>
-              <a:t>21/01/2019</a:t>
+              <a:t>24/01/2019</a:t>
             </a:fld>
             <a:endParaRPr lang="en-GB"/>
           </a:p>
@@ -2070,7 +2071,7 @@
           <a:p>
             <a:fld id="{6A752055-4DA1-4D46-98DA-CEE3E0EB5BBD}" type="datetimeFigureOut">
               <a:rPr lang="en-GB" smtClean="0"/>
-              <a:t>21/01/2019</a:t>
+              <a:t>24/01/2019</a:t>
             </a:fld>
             <a:endParaRPr lang="en-GB"/>
           </a:p>
@@ -2270,7 +2271,7 @@
           <a:p>
             <a:fld id="{6A752055-4DA1-4D46-98DA-CEE3E0EB5BBD}" type="datetimeFigureOut">
               <a:rPr lang="en-GB" smtClean="0"/>
-              <a:t>21/01/2019</a:t>
+              <a:t>24/01/2019</a:t>
             </a:fld>
             <a:endParaRPr lang="en-GB"/>
           </a:p>
@@ -2546,7 +2547,7 @@
           <a:p>
             <a:fld id="{6A752055-4DA1-4D46-98DA-CEE3E0EB5BBD}" type="datetimeFigureOut">
               <a:rPr lang="en-GB" smtClean="0"/>
-              <a:t>21/01/2019</a:t>
+              <a:t>24/01/2019</a:t>
             </a:fld>
             <a:endParaRPr lang="en-GB"/>
           </a:p>
@@ -2814,7 +2815,7 @@
           <a:p>
             <a:fld id="{6A752055-4DA1-4D46-98DA-CEE3E0EB5BBD}" type="datetimeFigureOut">
               <a:rPr lang="en-GB" smtClean="0"/>
-              <a:t>21/01/2019</a:t>
+              <a:t>24/01/2019</a:t>
             </a:fld>
             <a:endParaRPr lang="en-GB"/>
           </a:p>
@@ -3229,7 +3230,7 @@
           <a:p>
             <a:fld id="{6A752055-4DA1-4D46-98DA-CEE3E0EB5BBD}" type="datetimeFigureOut">
               <a:rPr lang="en-GB" smtClean="0"/>
-              <a:t>21/01/2019</a:t>
+              <a:t>24/01/2019</a:t>
             </a:fld>
             <a:endParaRPr lang="en-GB"/>
           </a:p>
@@ -3371,7 +3372,7 @@
           <a:p>
             <a:fld id="{6A752055-4DA1-4D46-98DA-CEE3E0EB5BBD}" type="datetimeFigureOut">
               <a:rPr lang="en-GB" smtClean="0"/>
-              <a:t>21/01/2019</a:t>
+              <a:t>24/01/2019</a:t>
             </a:fld>
             <a:endParaRPr lang="en-GB"/>
           </a:p>
@@ -3484,7 +3485,7 @@
           <a:p>
             <a:fld id="{6A752055-4DA1-4D46-98DA-CEE3E0EB5BBD}" type="datetimeFigureOut">
               <a:rPr lang="en-GB" smtClean="0"/>
-              <a:t>21/01/2019</a:t>
+              <a:t>24/01/2019</a:t>
             </a:fld>
             <a:endParaRPr lang="en-GB"/>
           </a:p>
@@ -3797,7 +3798,7 @@
           <a:p>
             <a:fld id="{6A752055-4DA1-4D46-98DA-CEE3E0EB5BBD}" type="datetimeFigureOut">
               <a:rPr lang="en-GB" smtClean="0"/>
-              <a:t>21/01/2019</a:t>
+              <a:t>24/01/2019</a:t>
             </a:fld>
             <a:endParaRPr lang="en-GB"/>
           </a:p>
@@ -4086,7 +4087,7 @@
           <a:p>
             <a:fld id="{6A752055-4DA1-4D46-98DA-CEE3E0EB5BBD}" type="datetimeFigureOut">
               <a:rPr lang="en-GB" smtClean="0"/>
-              <a:t>21/01/2019</a:t>
+              <a:t>24/01/2019</a:t>
             </a:fld>
             <a:endParaRPr lang="en-GB"/>
           </a:p>
@@ -4329,7 +4330,7 @@
           <a:p>
             <a:fld id="{6A752055-4DA1-4D46-98DA-CEE3E0EB5BBD}" type="datetimeFigureOut">
               <a:rPr lang="en-GB" smtClean="0"/>
-              <a:t>21/01/2019</a:t>
+              <a:t>24/01/2019</a:t>
             </a:fld>
             <a:endParaRPr lang="en-GB"/>
           </a:p>
@@ -8891,6 +8892,265 @@
     <p:extLst>
       <p:ext uri="{BB962C8B-B14F-4D97-AF65-F5344CB8AC3E}">
         <p14:creationId xmlns:p14="http://schemas.microsoft.com/office/powerpoint/2010/main" val="6166409"/>
+      </p:ext>
+    </p:extLst>
+  </p:cSld>
+  <p:clrMapOvr>
+    <a:masterClrMapping/>
+  </p:clrMapOvr>
+</p:sld>
+</file>
+
+<file path=ppt/slides/slide13.xml><?xml version="1.0" encoding="utf-8"?>
+<p:sld xmlns:a="http://schemas.openxmlformats.org/drawingml/2006/main" xmlns:r="http://schemas.openxmlformats.org/officeDocument/2006/relationships" xmlns:p="http://schemas.openxmlformats.org/presentationml/2006/main">
+  <p:cSld>
+    <p:spTree>
+      <p:nvGrpSpPr>
+        <p:cNvPr id="1" name=""/>
+        <p:cNvGrpSpPr/>
+        <p:nvPr/>
+      </p:nvGrpSpPr>
+      <p:grpSpPr>
+        <a:xfrm>
+          <a:off x="0" y="0"/>
+          <a:ext cx="0" cy="0"/>
+          <a:chOff x="0" y="0"/>
+          <a:chExt cx="0" cy="0"/>
+        </a:xfrm>
+      </p:grpSpPr>
+      <p:sp>
+        <p:nvSpPr>
+          <p:cNvPr id="2" name="Title 1">
+            <a:extLst>
+              <a:ext uri="{FF2B5EF4-FFF2-40B4-BE49-F238E27FC236}">
+                <a16:creationId xmlns:a16="http://schemas.microsoft.com/office/drawing/2014/main" id="{9872EBAA-5AA1-4BB2-A3B5-9542F6ABD5D7}"/>
+              </a:ext>
+            </a:extLst>
+          </p:cNvPr>
+          <p:cNvSpPr>
+            <a:spLocks noGrp="1"/>
+          </p:cNvSpPr>
+          <p:nvPr>
+            <p:ph type="title"/>
+          </p:nvPr>
+        </p:nvSpPr>
+        <p:spPr>
+          <a:xfrm>
+            <a:off x="838200" y="365125"/>
+            <a:ext cx="10515600" cy="695579"/>
+          </a:xfrm>
+        </p:spPr>
+        <p:txBody>
+          <a:bodyPr/>
+          <a:lstStyle/>
+          <a:p>
+            <a:pPr algn="ctr"/>
+            <a:r>
+              <a:rPr lang="en-US" dirty="0" err="1"/>
+              <a:t>Komponente</a:t>
+            </a:r>
+            <a:endParaRPr lang="en-GB" dirty="0"/>
+          </a:p>
+        </p:txBody>
+      </p:sp>
+      <p:sp>
+        <p:nvSpPr>
+          <p:cNvPr id="3" name="Content Placeholder 2">
+            <a:extLst>
+              <a:ext uri="{FF2B5EF4-FFF2-40B4-BE49-F238E27FC236}">
+                <a16:creationId xmlns:a16="http://schemas.microsoft.com/office/drawing/2014/main" id="{B7432635-2176-45EA-93FB-1C9617297CBB}"/>
+              </a:ext>
+            </a:extLst>
+          </p:cNvPr>
+          <p:cNvSpPr>
+            <a:spLocks noGrp="1"/>
+          </p:cNvSpPr>
+          <p:nvPr>
+            <p:ph idx="1"/>
+          </p:nvPr>
+        </p:nvSpPr>
+        <p:spPr>
+          <a:xfrm>
+            <a:off x="838200" y="1207008"/>
+            <a:ext cx="10515600" cy="4969955"/>
+          </a:xfrm>
+        </p:spPr>
+        <p:txBody>
+          <a:bodyPr>
+            <a:normAutofit fontScale="92500" lnSpcReduction="20000"/>
+          </a:bodyPr>
+          <a:lstStyle/>
+          <a:p>
+            <a:r>
+              <a:rPr lang="en-US" dirty="0"/>
+              <a:t>Na </a:t>
+            </a:r>
+            <a:r>
+              <a:rPr lang="en-US" dirty="0" err="1"/>
+              <a:t>prethodnom</a:t>
+            </a:r>
+            <a:r>
+              <a:rPr lang="en-US" dirty="0"/>
+              <a:t> </a:t>
+            </a:r>
+            <a:r>
+              <a:rPr lang="sr-Latn-RS" dirty="0"/>
+              <a:t>času</a:t>
+            </a:r>
+            <a:r>
+              <a:rPr lang="en-US" dirty="0"/>
+              <a:t> s</a:t>
+            </a:r>
+            <a:r>
+              <a:rPr lang="sr-Latn-RS" dirty="0"/>
+              <a:t>te</a:t>
+            </a:r>
+            <a:r>
+              <a:rPr lang="en-US" dirty="0"/>
+              <a:t> </a:t>
+            </a:r>
+            <a:r>
+              <a:rPr lang="en-US" dirty="0" err="1"/>
+              <a:t>videli</a:t>
+            </a:r>
+            <a:r>
+              <a:rPr lang="sr-Latn-RS" dirty="0"/>
+              <a:t> kako kontroler i template rade zajedno da konvertuju statičnu HTML stranicu u dinamični view.</a:t>
+            </a:r>
+          </a:p>
+          <a:p>
+            <a:r>
+              <a:rPr lang="sr-Latn-RS" dirty="0"/>
+              <a:t>Ovo je uobičajen patern u </a:t>
+            </a:r>
+            <a:r>
+              <a:rPr lang="sr-Latn-RS" i="1" dirty="0"/>
+              <a:t>Single-Page Applications.</a:t>
+            </a:r>
+          </a:p>
+          <a:p>
+            <a:r>
+              <a:rPr lang="sr-Latn-RS" b="1" dirty="0"/>
+              <a:t>Template</a:t>
+            </a:r>
+            <a:r>
+              <a:rPr lang="sr-Latn-RS" dirty="0"/>
+              <a:t> (deo view-a koji sadrži bindigs (vezivanje podataka) i prezentacionu logiku) se ponaša kao kostur za aplikaciju, na njemu organizujemo podatke u obliku kako hoćemo da prezentujemo krajnjem korisniku.</a:t>
+            </a:r>
+          </a:p>
+          <a:p>
+            <a:r>
+              <a:rPr lang="sr-Latn-RS" b="1" dirty="0"/>
+              <a:t>Kontroler</a:t>
+            </a:r>
+            <a:r>
+              <a:rPr lang="en-US" dirty="0"/>
+              <a:t> </a:t>
+            </a:r>
+            <a:r>
+              <a:rPr lang="en-US" dirty="0" err="1"/>
+              <a:t>odre</a:t>
+            </a:r>
+            <a:r>
+              <a:rPr lang="sr-Latn-RS" dirty="0"/>
+              <a:t>đuje </a:t>
+            </a:r>
+            <a:r>
+              <a:rPr lang="sr-Latn-RS" b="1" dirty="0"/>
+              <a:t>scope</a:t>
+            </a:r>
+            <a:r>
+              <a:rPr lang="sr-Latn-RS" dirty="0"/>
+              <a:t> u kome važe promenljive</a:t>
+            </a:r>
+            <a:r>
+              <a:rPr lang="en-US" dirty="0"/>
+              <a:t> </a:t>
+            </a:r>
+            <a:r>
+              <a:rPr lang="en-US" dirty="0" err="1"/>
+              <a:t>i</a:t>
+            </a:r>
+            <a:r>
+              <a:rPr lang="en-US" dirty="0"/>
+              <a:t> </a:t>
+            </a:r>
+            <a:r>
+              <a:rPr lang="en-US" dirty="0" err="1"/>
+              <a:t>funkcije</a:t>
+            </a:r>
+            <a:r>
+              <a:rPr lang="sr-Latn-RS" dirty="0"/>
+              <a:t> koje se nalaze u template-u</a:t>
+            </a:r>
+            <a:r>
+              <a:rPr lang="en-US" dirty="0"/>
+              <a:t>.</a:t>
+            </a:r>
+          </a:p>
+          <a:p>
+            <a:r>
+              <a:rPr lang="en-US" dirty="0"/>
+              <a:t>Sa </a:t>
+            </a:r>
+            <a:r>
+              <a:rPr lang="en-US" dirty="0" err="1"/>
+              <a:t>obzirom</a:t>
+            </a:r>
+            <a:r>
+              <a:rPr lang="en-US" dirty="0"/>
+              <a:t> da je </a:t>
+            </a:r>
+            <a:r>
+              <a:rPr lang="en-US" dirty="0" err="1"/>
+              <a:t>kombinacija</a:t>
+            </a:r>
+            <a:r>
+              <a:rPr lang="en-US" dirty="0"/>
+              <a:t> template + </a:t>
+            </a:r>
+            <a:r>
+              <a:rPr lang="en-US" dirty="0" err="1"/>
+              <a:t>kontroler</a:t>
+            </a:r>
+            <a:r>
+              <a:rPr lang="en-US" dirty="0"/>
+              <a:t> </a:t>
+            </a:r>
+            <a:r>
+              <a:rPr lang="en-US" dirty="0" err="1"/>
+              <a:t>jako</a:t>
+            </a:r>
+            <a:r>
+              <a:rPr lang="en-US" dirty="0"/>
+              <a:t> </a:t>
+            </a:r>
+            <a:r>
+              <a:rPr lang="sr-Latn-RS" dirty="0"/>
+              <a:t>čest patern, AngularJS nam pruža mogućnost da ih ukombinuju u izolovane entitete – komponente.</a:t>
+            </a:r>
+          </a:p>
+          <a:p>
+            <a:r>
+              <a:rPr lang="sr-Latn-RS" dirty="0"/>
+              <a:t>Komponente kreiraju </a:t>
+            </a:r>
+            <a:r>
+              <a:rPr lang="sr-Latn-RS" b="1" dirty="0"/>
+              <a:t>izolovani scope </a:t>
+            </a:r>
+            <a:r>
+              <a:rPr lang="sr-Latn-RS" dirty="0"/>
+              <a:t>za svaku instancu komponente na template-u, što otklanja mogućnost da jedan deo aplikacije utiče na neki drugi deo i stvara bagove teške za pronalaženje i rešavanje.</a:t>
+            </a:r>
+            <a:endParaRPr lang="en-GB" b="1" dirty="0"/>
+          </a:p>
+        </p:txBody>
+      </p:sp>
+    </p:spTree>
+    <p:extLst>
+      <p:ext uri="{BB962C8B-B14F-4D97-AF65-F5344CB8AC3E}">
+        <p14:creationId xmlns:p14="http://schemas.microsoft.com/office/powerpoint/2010/main" val="1746060597"/>
       </p:ext>
     </p:extLst>
   </p:cSld>

--- a/AngularJS.pptx
+++ b/AngularJS.pptx
@@ -18,6 +18,7 @@
     <p:sldId id="269" r:id="rId12"/>
     <p:sldId id="265" r:id="rId13"/>
     <p:sldId id="270" r:id="rId14"/>
+    <p:sldId id="271" r:id="rId15"/>
   </p:sldIdLst>
   <p:sldSz cx="12192000" cy="6858000"/>
   <p:notesSz cx="6858000" cy="9144000"/>
@@ -127,8 +128,8 @@
 <file path=ppt/revisionInfo.xml><?xml version="1.0" encoding="utf-8"?>
 <p1510:revInfo xmlns:a="http://schemas.openxmlformats.org/drawingml/2006/main" xmlns:r="http://schemas.openxmlformats.org/officeDocument/2006/relationships" xmlns:p1510="http://schemas.microsoft.com/office/powerpoint/2015/10/main">
   <p1510:revLst>
+    <p1510:client id="{84984AE3-2FB9-472B-BE8B-CCC860EA6735}" v="656" dt="2019-01-20T21:09:15.280"/>
     <p1510:client id="{1320082C-A7C4-4F39-B207-5B44D2E8DB51}" v="45" dt="2019-01-21T15:48:04.955"/>
-    <p1510:client id="{84984AE3-2FB9-472B-BE8B-CCC860EA6735}" v="656" dt="2019-01-20T21:09:15.280"/>
   </p1510:revLst>
 </p1510:revInfo>
 </file>
@@ -9160,6 +9161,103 @@
 </p:sld>
 </file>
 
+<file path=ppt/slides/slide14.xml><?xml version="1.0" encoding="utf-8"?>
+<p:sld xmlns:a="http://schemas.openxmlformats.org/drawingml/2006/main" xmlns:r="http://schemas.openxmlformats.org/officeDocument/2006/relationships" xmlns:p="http://schemas.openxmlformats.org/presentationml/2006/main">
+  <p:cSld>
+    <p:spTree>
+      <p:nvGrpSpPr>
+        <p:cNvPr id="1" name=""/>
+        <p:cNvGrpSpPr/>
+        <p:nvPr/>
+      </p:nvGrpSpPr>
+      <p:grpSpPr>
+        <a:xfrm>
+          <a:off x="0" y="0"/>
+          <a:ext cx="0" cy="0"/>
+          <a:chOff x="0" y="0"/>
+          <a:chExt cx="0" cy="0"/>
+        </a:xfrm>
+      </p:grpSpPr>
+      <p:sp>
+        <p:nvSpPr>
+          <p:cNvPr id="2" name="Title 1">
+            <a:extLst>
+              <a:ext uri="{FF2B5EF4-FFF2-40B4-BE49-F238E27FC236}">
+                <a16:creationId xmlns:a16="http://schemas.microsoft.com/office/drawing/2014/main" id="{30DCC00C-A3B1-4AE6-B803-54BDBDC497F7}"/>
+              </a:ext>
+            </a:extLst>
+          </p:cNvPr>
+          <p:cNvSpPr>
+            <a:spLocks noGrp="1"/>
+          </p:cNvSpPr>
+          <p:nvPr>
+            <p:ph type="title"/>
+          </p:nvPr>
+        </p:nvSpPr>
+        <p:spPr>
+          <a:xfrm>
+            <a:off x="838200" y="365125"/>
+            <a:ext cx="10515600" cy="650875"/>
+          </a:xfrm>
+        </p:spPr>
+        <p:txBody>
+          <a:bodyPr>
+            <a:normAutofit fontScale="90000"/>
+          </a:bodyPr>
+          <a:lstStyle/>
+          <a:p>
+            <a:pPr algn="ctr"/>
+            <a:r>
+              <a:rPr lang="en-US" dirty="0" err="1"/>
+              <a:t>Filteri</a:t>
+            </a:r>
+            <a:endParaRPr lang="en-GB" dirty="0"/>
+          </a:p>
+        </p:txBody>
+      </p:sp>
+      <p:sp>
+        <p:nvSpPr>
+          <p:cNvPr id="3" name="Content Placeholder 2">
+            <a:extLst>
+              <a:ext uri="{FF2B5EF4-FFF2-40B4-BE49-F238E27FC236}">
+                <a16:creationId xmlns:a16="http://schemas.microsoft.com/office/drawing/2014/main" id="{FE788697-4C80-4D41-90DF-2117DC17616F}"/>
+              </a:ext>
+            </a:extLst>
+          </p:cNvPr>
+          <p:cNvSpPr>
+            <a:spLocks noGrp="1"/>
+          </p:cNvSpPr>
+          <p:nvPr>
+            <p:ph idx="1"/>
+          </p:nvPr>
+        </p:nvSpPr>
+        <p:spPr>
+          <a:xfrm>
+            <a:off x="838200" y="1146629"/>
+            <a:ext cx="10515600" cy="5030334"/>
+          </a:xfrm>
+        </p:spPr>
+        <p:txBody>
+          <a:bodyPr/>
+          <a:lstStyle/>
+          <a:p>
+            <a:endParaRPr lang="en-GB" dirty="0"/>
+          </a:p>
+        </p:txBody>
+      </p:sp>
+    </p:spTree>
+    <p:extLst>
+      <p:ext uri="{BB962C8B-B14F-4D97-AF65-F5344CB8AC3E}">
+        <p14:creationId xmlns:p14="http://schemas.microsoft.com/office/powerpoint/2010/main" val="2246360732"/>
+      </p:ext>
+    </p:extLst>
+  </p:cSld>
+  <p:clrMapOvr>
+    <a:masterClrMapping/>
+  </p:clrMapOvr>
+</p:sld>
+</file>
+
 <file path=ppt/slides/slide2.xml><?xml version="1.0" encoding="utf-8"?>
 <p:sld xmlns:a="http://schemas.openxmlformats.org/drawingml/2006/main" xmlns:r="http://schemas.openxmlformats.org/officeDocument/2006/relationships" xmlns:p="http://schemas.openxmlformats.org/presentationml/2006/main">
   <p:cSld>

--- a/AngularJS.pptx
+++ b/AngularJS.pptx
@@ -6,21 +6,19 @@
   </p:sldMasterIdLst>
   <p:sldIdLst>
     <p:sldId id="256" r:id="rId2"/>
-    <p:sldId id="270" r:id="rId3"/>
-    <p:sldId id="271" r:id="rId4"/>
-    <p:sldId id="272" r:id="rId5"/>
-    <p:sldId id="264" r:id="rId6"/>
-    <p:sldId id="257" r:id="rId7"/>
-    <p:sldId id="262" r:id="rId8"/>
-    <p:sldId id="258" r:id="rId9"/>
-    <p:sldId id="259" r:id="rId10"/>
-    <p:sldId id="260" r:id="rId11"/>
-    <p:sldId id="263" r:id="rId12"/>
-    <p:sldId id="266" r:id="rId13"/>
-    <p:sldId id="268" r:id="rId14"/>
-    <p:sldId id="269" r:id="rId15"/>
-    <p:sldId id="265" r:id="rId16"/>
-    <p:sldId id="273" r:id="rId17"/>
+    <p:sldId id="264" r:id="rId3"/>
+    <p:sldId id="257" r:id="rId4"/>
+    <p:sldId id="262" r:id="rId5"/>
+    <p:sldId id="258" r:id="rId6"/>
+    <p:sldId id="259" r:id="rId7"/>
+    <p:sldId id="260" r:id="rId8"/>
+    <p:sldId id="263" r:id="rId9"/>
+    <p:sldId id="266" r:id="rId10"/>
+    <p:sldId id="268" r:id="rId11"/>
+    <p:sldId id="269" r:id="rId12"/>
+    <p:sldId id="265" r:id="rId13"/>
+    <p:sldId id="270" r:id="rId14"/>
+    <p:sldId id="271" r:id="rId15"/>
   </p:sldIdLst>
   <p:sldSz cx="12192000" cy="6858000"/>
   <p:notesSz cx="6858000" cy="9144000"/>
@@ -130,8 +128,8 @@
 <file path=ppt/revisionInfo.xml><?xml version="1.0" encoding="utf-8"?>
 <p1510:revInfo xmlns:a="http://schemas.openxmlformats.org/drawingml/2006/main" xmlns:r="http://schemas.openxmlformats.org/officeDocument/2006/relationships" xmlns:p1510="http://schemas.microsoft.com/office/powerpoint/2015/10/main">
   <p1510:revLst>
+    <p1510:client id="{84984AE3-2FB9-472B-BE8B-CCC860EA6735}" v="656" dt="2019-01-20T21:09:15.280"/>
     <p1510:client id="{1320082C-A7C4-4F39-B207-5B44D2E8DB51}" v="45" dt="2019-01-21T15:48:04.955"/>
-    <p1510:client id="{84984AE3-2FB9-472B-BE8B-CCC860EA6735}" v="656" dt="2019-01-20T21:09:15.280"/>
   </p1510:revLst>
 </p1510:revInfo>
 </file>
@@ -4844,10 +4842,10 @@
       </p:grpSpPr>
       <p:pic>
         <p:nvPicPr>
-          <p:cNvPr id="3" name="Picture 2">
+          <p:cNvPr id="5" name="Picture 4">
             <a:extLst>
               <a:ext uri="{FF2B5EF4-FFF2-40B4-BE49-F238E27FC236}">
-                <a16:creationId xmlns:a16="http://schemas.microsoft.com/office/drawing/2014/main" id="{14F683D5-4491-484B-81F2-BAA67CB73913}"/>
+                <a16:creationId xmlns:a16="http://schemas.microsoft.com/office/drawing/2014/main" id="{21A6958E-148C-4C17-847C-5906A3C877E7}"/>
               </a:ext>
             </a:extLst>
           </p:cNvPr>
@@ -4870,8 +4868,8 @@
         </p:blipFill>
         <p:spPr>
           <a:xfrm>
-            <a:off x="194622" y="201943"/>
-            <a:ext cx="6112329" cy="4543425"/>
+            <a:off x="261774" y="1035368"/>
+            <a:ext cx="4505325" cy="2200275"/>
           </a:xfrm>
           <a:prstGeom prst="rect">
             <a:avLst/>
@@ -4880,10 +4878,10 @@
       </p:pic>
       <p:sp>
         <p:nvSpPr>
-          <p:cNvPr id="4" name="TextBox 3">
+          <p:cNvPr id="9" name="TextBox 8">
             <a:extLst>
               <a:ext uri="{FF2B5EF4-FFF2-40B4-BE49-F238E27FC236}">
-                <a16:creationId xmlns:a16="http://schemas.microsoft.com/office/drawing/2014/main" id="{6F8D341E-FEAB-402F-B126-9E8B85326AFD}"/>
+                <a16:creationId xmlns:a16="http://schemas.microsoft.com/office/drawing/2014/main" id="{621CD686-7C5C-4285-863B-8986B754AADE}"/>
               </a:ext>
             </a:extLst>
           </p:cNvPr>
@@ -4892,8 +4890,8 @@
         </p:nvSpPr>
         <p:spPr>
           <a:xfrm>
-            <a:off x="6306951" y="201943"/>
-            <a:ext cx="5152564" cy="646331"/>
+            <a:off x="4897949" y="1035368"/>
+            <a:ext cx="6986721" cy="4801314"/>
           </a:xfrm>
           <a:prstGeom prst="rect">
             <a:avLst/>
@@ -4907,8 +4905,118 @@
           <a:lstStyle/>
           <a:p>
             <a:r>
+              <a:rPr lang="en-GB" dirty="0">
+                <a:solidFill>
+                  <a:srgbClr val="EBDBB2"/>
+                </a:solidFill>
+                <a:latin typeface="Consolas" panose="020B0609020204030204" pitchFamily="49" charset="0"/>
+              </a:rPr>
+              <a:t>&lt;</a:t>
+            </a:r>
+            <a:r>
+              <a:rPr lang="en-GB" dirty="0">
+                <a:solidFill>
+                  <a:srgbClr val="FABD2F"/>
+                </a:solidFill>
+                <a:latin typeface="Consolas" panose="020B0609020204030204" pitchFamily="49" charset="0"/>
+              </a:rPr>
+              <a:t>input</a:t>
+            </a:r>
+            <a:r>
+              <a:rPr lang="en-GB" dirty="0">
+                <a:solidFill>
+                  <a:srgbClr val="F2E5BC"/>
+                </a:solidFill>
+                <a:latin typeface="Consolas" panose="020B0609020204030204" pitchFamily="49" charset="0"/>
+              </a:rPr>
+              <a:t> </a:t>
+            </a:r>
+            <a:r>
+              <a:rPr lang="en-GB" dirty="0">
+                <a:solidFill>
+                  <a:srgbClr val="7EC16E"/>
+                </a:solidFill>
+                <a:latin typeface="Consolas" panose="020B0609020204030204" pitchFamily="49" charset="0"/>
+              </a:rPr>
+              <a:t>type</a:t>
+            </a:r>
+            <a:r>
+              <a:rPr lang="en-GB" dirty="0">
+                <a:solidFill>
+                  <a:srgbClr val="EBDBB2"/>
+                </a:solidFill>
+                <a:latin typeface="Consolas" panose="020B0609020204030204" pitchFamily="49" charset="0"/>
+              </a:rPr>
+              <a:t>="</a:t>
+            </a:r>
+            <a:r>
+              <a:rPr lang="en-GB" dirty="0">
+                <a:solidFill>
+                  <a:srgbClr val="B8BB26"/>
+                </a:solidFill>
+                <a:latin typeface="Consolas" panose="020B0609020204030204" pitchFamily="49" charset="0"/>
+              </a:rPr>
+              <a:t>text</a:t>
+            </a:r>
+            <a:r>
+              <a:rPr lang="en-GB" dirty="0">
+                <a:solidFill>
+                  <a:srgbClr val="EBDBB2"/>
+                </a:solidFill>
+                <a:latin typeface="Consolas" panose="020B0609020204030204" pitchFamily="49" charset="0"/>
+              </a:rPr>
+              <a:t>"</a:t>
+            </a:r>
+            <a:r>
+              <a:rPr lang="en-GB" dirty="0">
+                <a:solidFill>
+                  <a:srgbClr val="F2E5BC"/>
+                </a:solidFill>
+                <a:latin typeface="Consolas" panose="020B0609020204030204" pitchFamily="49" charset="0"/>
+              </a:rPr>
+              <a:t> </a:t>
+            </a:r>
+            <a:r>
+              <a:rPr lang="en-GB" dirty="0">
+                <a:solidFill>
+                  <a:srgbClr val="7EC16E"/>
+                </a:solidFill>
+                <a:latin typeface="Consolas" panose="020B0609020204030204" pitchFamily="49" charset="0"/>
+              </a:rPr>
+              <a:t>ng-model</a:t>
+            </a:r>
+            <a:r>
+              <a:rPr lang="en-GB" dirty="0">
+                <a:solidFill>
+                  <a:srgbClr val="EBDBB2"/>
+                </a:solidFill>
+                <a:latin typeface="Consolas" panose="020B0609020204030204" pitchFamily="49" charset="0"/>
+              </a:rPr>
+              <a:t>="</a:t>
+            </a:r>
+            <a:r>
+              <a:rPr lang="en-GB" dirty="0">
+                <a:solidFill>
+                  <a:srgbClr val="B8BB26"/>
+                </a:solidFill>
+                <a:latin typeface="Consolas" panose="020B0609020204030204" pitchFamily="49" charset="0"/>
+              </a:rPr>
+              <a:t>input</a:t>
+            </a:r>
+            <a:r>
+              <a:rPr lang="en-GB" dirty="0">
+                <a:solidFill>
+                  <a:srgbClr val="EBDBB2"/>
+                </a:solidFill>
+                <a:latin typeface="Consolas" panose="020B0609020204030204" pitchFamily="49" charset="0"/>
+              </a:rPr>
+              <a:t>"&gt;</a:t>
+            </a:r>
+          </a:p>
+          <a:p>
+            <a:r>
               <a:rPr lang="en-US" dirty="0" err="1"/>
-              <a:t>Ovde</a:t>
+              <a:t>ngModel</a:t>
             </a:r>
             <a:r>
               <a:rPr lang="en-US" dirty="0"/>
@@ -4916,15 +5024,7 @@
             </a:r>
             <a:r>
               <a:rPr lang="en-US" dirty="0" err="1"/>
-              <a:t>vidimo</a:t>
-            </a:r>
-            <a:r>
-              <a:rPr lang="en-US" dirty="0"/>
-              <a:t> AngularJS </a:t>
-            </a:r>
-            <a:r>
-              <a:rPr lang="en-US" dirty="0" err="1"/>
-              <a:t>kontroler</a:t>
+              <a:t>direktiva</a:t>
             </a:r>
             <a:r>
               <a:rPr lang="en-US" dirty="0"/>
@@ -4932,134 +5032,285 @@
             </a:r>
             <a:r>
               <a:rPr lang="en-US" dirty="0" err="1"/>
-              <a:t>koji</a:t>
+              <a:t>vezuje</a:t>
+            </a:r>
+            <a:r>
+              <a:rPr lang="en-US" dirty="0"/>
+              <a:t> input, select, </a:t>
+            </a:r>
+            <a:r>
+              <a:rPr lang="en-US" dirty="0" err="1"/>
+              <a:t>textarea</a:t>
+            </a:r>
+            <a:r>
+              <a:rPr lang="en-US" dirty="0"/>
+              <a:t>, </a:t>
+            </a:r>
+            <a:r>
+              <a:rPr lang="en-US" dirty="0" err="1"/>
+              <a:t>ili</a:t>
+            </a:r>
+            <a:r>
+              <a:rPr lang="en-US" dirty="0"/>
+              <a:t> custom form </a:t>
+            </a:r>
+            <a:r>
+              <a:rPr lang="en-US" dirty="0" err="1"/>
+              <a:t>kontrolu</a:t>
+            </a:r>
+            <a:endParaRPr lang="en-US" dirty="0"/>
+          </a:p>
+          <a:p>
+            <a:r>
+              <a:rPr lang="en-US" dirty="0"/>
+              <a:t>za </a:t>
+            </a:r>
+            <a:r>
+              <a:rPr lang="en-US" dirty="0" err="1"/>
+              <a:t>variablu</a:t>
+            </a:r>
+            <a:r>
+              <a:rPr lang="en-US" dirty="0"/>
+              <a:t> u </a:t>
+            </a:r>
+            <a:r>
+              <a:rPr lang="en-US" dirty="0" err="1"/>
+              <a:t>datom</a:t>
+            </a:r>
+            <a:r>
+              <a:rPr lang="en-US" dirty="0"/>
+              <a:t> scope-u.</a:t>
+            </a:r>
+            <a:endParaRPr lang="en-US" dirty="0">
+              <a:solidFill>
+                <a:srgbClr val="EBDBB2"/>
+              </a:solidFill>
+              <a:latin typeface="Consolas" panose="020B0609020204030204" pitchFamily="49" charset="0"/>
+            </a:endParaRPr>
+          </a:p>
+          <a:p>
+            <a:r>
+              <a:rPr lang="en-GB" dirty="0">
+                <a:solidFill>
+                  <a:srgbClr val="EBDBB2"/>
+                </a:solidFill>
+                <a:latin typeface="Consolas" panose="020B0609020204030204" pitchFamily="49" charset="0"/>
+              </a:rPr>
+              <a:t>&lt;</a:t>
+            </a:r>
+            <a:r>
+              <a:rPr lang="en-GB" dirty="0">
+                <a:solidFill>
+                  <a:srgbClr val="FABD2F"/>
+                </a:solidFill>
+                <a:latin typeface="Consolas" panose="020B0609020204030204" pitchFamily="49" charset="0"/>
+              </a:rPr>
+              <a:t>input</a:t>
+            </a:r>
+            <a:r>
+              <a:rPr lang="en-GB" dirty="0">
+                <a:solidFill>
+                  <a:srgbClr val="F2E5BC"/>
+                </a:solidFill>
+                <a:latin typeface="Consolas" panose="020B0609020204030204" pitchFamily="49" charset="0"/>
+              </a:rPr>
+              <a:t> </a:t>
+            </a:r>
+            <a:r>
+              <a:rPr lang="en-GB" dirty="0">
+                <a:solidFill>
+                  <a:srgbClr val="7EC16E"/>
+                </a:solidFill>
+                <a:latin typeface="Consolas" panose="020B0609020204030204" pitchFamily="49" charset="0"/>
+              </a:rPr>
+              <a:t>type</a:t>
+            </a:r>
+            <a:r>
+              <a:rPr lang="en-GB" dirty="0">
+                <a:solidFill>
+                  <a:srgbClr val="EBDBB2"/>
+                </a:solidFill>
+                <a:latin typeface="Consolas" panose="020B0609020204030204" pitchFamily="49" charset="0"/>
+              </a:rPr>
+              <a:t>="</a:t>
+            </a:r>
+            <a:r>
+              <a:rPr lang="en-GB" dirty="0">
+                <a:solidFill>
+                  <a:srgbClr val="B8BB26"/>
+                </a:solidFill>
+                <a:latin typeface="Consolas" panose="020B0609020204030204" pitchFamily="49" charset="0"/>
+              </a:rPr>
+              <a:t>text</a:t>
+            </a:r>
+            <a:r>
+              <a:rPr lang="en-GB" dirty="0">
+                <a:solidFill>
+                  <a:srgbClr val="EBDBB2"/>
+                </a:solidFill>
+                <a:latin typeface="Consolas" panose="020B0609020204030204" pitchFamily="49" charset="0"/>
+              </a:rPr>
+              <a:t>"</a:t>
+            </a:r>
+            <a:r>
+              <a:rPr lang="en-GB" dirty="0">
+                <a:solidFill>
+                  <a:srgbClr val="F2E5BC"/>
+                </a:solidFill>
+                <a:latin typeface="Consolas" panose="020B0609020204030204" pitchFamily="49" charset="0"/>
+              </a:rPr>
+              <a:t> </a:t>
+            </a:r>
+            <a:r>
+              <a:rPr lang="en-GB" dirty="0">
+                <a:solidFill>
+                  <a:srgbClr val="7EC16E"/>
+                </a:solidFill>
+                <a:latin typeface="Consolas" panose="020B0609020204030204" pitchFamily="49" charset="0"/>
+              </a:rPr>
+              <a:t>ng-value</a:t>
+            </a:r>
+            <a:r>
+              <a:rPr lang="en-GB" dirty="0">
+                <a:solidFill>
+                  <a:srgbClr val="EBDBB2"/>
+                </a:solidFill>
+                <a:latin typeface="Consolas" panose="020B0609020204030204" pitchFamily="49" charset="0"/>
+              </a:rPr>
+              <a:t>="</a:t>
+            </a:r>
+            <a:r>
+              <a:rPr lang="en-GB" dirty="0">
+                <a:solidFill>
+                  <a:srgbClr val="B8BB26"/>
+                </a:solidFill>
+                <a:latin typeface="Consolas" panose="020B0609020204030204" pitchFamily="49" charset="0"/>
+              </a:rPr>
+              <a:t>input</a:t>
+            </a:r>
+            <a:r>
+              <a:rPr lang="en-GB" dirty="0">
+                <a:solidFill>
+                  <a:srgbClr val="EBDBB2"/>
+                </a:solidFill>
+                <a:latin typeface="Consolas" panose="020B0609020204030204" pitchFamily="49" charset="0"/>
+              </a:rPr>
+              <a:t>"&gt;</a:t>
+            </a:r>
+          </a:p>
+          <a:p>
+            <a:r>
+              <a:rPr lang="en-US" dirty="0" err="1"/>
+              <a:t>ngValue</a:t>
             </a:r>
             <a:r>
               <a:rPr lang="en-US" dirty="0"/>
               <a:t> </a:t>
             </a:r>
             <a:r>
+              <a:rPr lang="en-US" dirty="0" err="1"/>
+              <a:t>direktiva</a:t>
+            </a:r>
+            <a:r>
+              <a:rPr lang="en-US" dirty="0"/>
+              <a:t> </a:t>
+            </a:r>
+            <a:r>
+              <a:rPr lang="en-US" dirty="0" err="1"/>
+              <a:t>vezuje</a:t>
+            </a:r>
+            <a:r>
+              <a:rPr lang="en-US" dirty="0"/>
+              <a:t> </a:t>
+            </a:r>
+            <a:r>
+              <a:rPr lang="en-US" dirty="0" err="1"/>
+              <a:t>izraz</a:t>
+            </a:r>
+            <a:r>
+              <a:rPr lang="en-US" dirty="0"/>
+              <a:t> za </a:t>
+            </a:r>
+            <a:r>
+              <a:rPr lang="en-US" dirty="0" err="1"/>
+              <a:t>vrednost</a:t>
+            </a:r>
+            <a:r>
+              <a:rPr lang="en-US" dirty="0"/>
+              <a:t> </a:t>
+            </a:r>
+            <a:r>
+              <a:rPr lang="en-US" dirty="0" err="1"/>
+              <a:t>elementa</a:t>
+            </a:r>
+            <a:endParaRPr lang="en-GB" dirty="0"/>
+          </a:p>
+          <a:p>
+            <a:r>
+              <a:rPr lang="en-GB" dirty="0">
+                <a:solidFill>
+                  <a:srgbClr val="F2E5BC"/>
+                </a:solidFill>
+                <a:latin typeface="Consolas" panose="020B0609020204030204" pitchFamily="49" charset="0"/>
+              </a:rPr>
+              <a:t>{{input}}</a:t>
+            </a:r>
+          </a:p>
+          <a:p>
+            <a:r>
+              <a:rPr lang="en-US" dirty="0" err="1"/>
+              <a:t>Sli</a:t>
+            </a:r>
+            <a:r>
               <a:rPr lang="sr-Latn-RS" dirty="0"/>
-              <a:t>za sada samo</a:t>
-            </a:r>
-          </a:p>
-          <a:p>
+              <a:t>čno kao </a:t>
+            </a:r>
+            <a:r>
+              <a:rPr lang="en-US" dirty="0" err="1"/>
+              <a:t>ngValue</a:t>
+            </a:r>
+            <a:r>
+              <a:rPr lang="en-US" dirty="0"/>
+              <a:t> </a:t>
+            </a:r>
+            <a:r>
+              <a:rPr lang="en-US" dirty="0" err="1"/>
+              <a:t>direktiva</a:t>
+            </a:r>
             <a:r>
               <a:rPr lang="sr-Latn-RS" dirty="0"/>
-              <a:t>inicijalizuje objekat </a:t>
-            </a:r>
-            <a:r>
-              <a:rPr lang="sr-Latn-RS" b="1" dirty="0"/>
-              <a:t>phones</a:t>
-            </a:r>
-            <a:r>
-              <a:rPr lang="sr-Latn-RS" dirty="0"/>
-              <a:t> koji prikazujemo u html-u</a:t>
-            </a:r>
-            <a:endParaRPr lang="en-GB" dirty="0"/>
-          </a:p>
-        </p:txBody>
-      </p:sp>
-      <p:sp>
-        <p:nvSpPr>
-          <p:cNvPr id="5" name="Rectangle 4">
-            <a:extLst>
-              <a:ext uri="{FF2B5EF4-FFF2-40B4-BE49-F238E27FC236}">
-                <a16:creationId xmlns:a16="http://schemas.microsoft.com/office/drawing/2014/main" id="{49B8DDE5-0F00-4158-9BAA-0CE42ECA5329}"/>
-              </a:ext>
-            </a:extLst>
-          </p:cNvPr>
-          <p:cNvSpPr/>
-          <p:nvPr/>
-        </p:nvSpPr>
-        <p:spPr>
-          <a:xfrm>
-            <a:off x="6306951" y="848274"/>
-            <a:ext cx="6112329" cy="3970318"/>
-          </a:xfrm>
-          <a:prstGeom prst="rect">
-            <a:avLst/>
-          </a:prstGeom>
-        </p:spPr>
-        <p:txBody>
-          <a:bodyPr wrap="square">
-            <a:spAutoFit/>
-          </a:bodyPr>
-          <a:lstStyle/>
-          <a:p>
-            <a:r>
-              <a:rPr lang="en-GB" dirty="0">
-                <a:solidFill>
-                  <a:srgbClr val="99C6CA"/>
-                </a:solidFill>
-                <a:latin typeface="Consolas" panose="020B0609020204030204" pitchFamily="49" charset="0"/>
-              </a:rPr>
-              <a:t>$</a:t>
-            </a:r>
-            <a:r>
-              <a:rPr lang="en-GB" dirty="0" err="1">
-                <a:solidFill>
-                  <a:srgbClr val="99C6CA"/>
-                </a:solidFill>
-                <a:latin typeface="Consolas" panose="020B0609020204030204" pitchFamily="49" charset="0"/>
-              </a:rPr>
-              <a:t>scope</a:t>
-            </a:r>
-            <a:r>
-              <a:rPr lang="en-GB" dirty="0" err="1">
-                <a:solidFill>
-                  <a:srgbClr val="EBDBB2"/>
-                </a:solidFill>
-                <a:latin typeface="Consolas" panose="020B0609020204030204" pitchFamily="49" charset="0"/>
-              </a:rPr>
-              <a:t>.</a:t>
-            </a:r>
-            <a:r>
-              <a:rPr lang="en-GB" dirty="0" err="1">
-                <a:solidFill>
-                  <a:srgbClr val="99C6CA"/>
-                </a:solidFill>
-                <a:latin typeface="Consolas" panose="020B0609020204030204" pitchFamily="49" charset="0"/>
-              </a:rPr>
-              <a:t>phones</a:t>
-            </a:r>
-            <a:r>
-              <a:rPr lang="en-GB" dirty="0">
-                <a:solidFill>
-                  <a:srgbClr val="F2E5BC"/>
-                </a:solidFill>
-                <a:latin typeface="Consolas" panose="020B0609020204030204" pitchFamily="49" charset="0"/>
-              </a:rPr>
+              <a:t>, interpolacija </a:t>
+            </a:r>
+            <a:r>
+              <a:rPr lang="en-US" dirty="0" err="1"/>
+              <a:t>vezuje</a:t>
+            </a:r>
+            <a:r>
+              <a:rPr lang="en-US" dirty="0"/>
               <a:t> </a:t>
             </a:r>
             <a:r>
-              <a:rPr lang="en-GB" dirty="0">
-                <a:solidFill>
-                  <a:srgbClr val="7EC16E"/>
-                </a:solidFill>
-                <a:latin typeface="Consolas" panose="020B0609020204030204" pitchFamily="49" charset="0"/>
-              </a:rPr>
-              <a:t>=</a:t>
-            </a:r>
-            <a:r>
-              <a:rPr lang="en-GB" dirty="0">
-                <a:solidFill>
-                  <a:srgbClr val="F2E5BC"/>
-                </a:solidFill>
-                <a:latin typeface="Consolas" panose="020B0609020204030204" pitchFamily="49" charset="0"/>
-              </a:rPr>
-              <a:t> [</a:t>
-            </a:r>
-          </a:p>
-          <a:p>
-            <a:r>
-              <a:rPr lang="en-GB" dirty="0">
-                <a:solidFill>
-                  <a:srgbClr val="EBDBB2"/>
-                </a:solidFill>
-                <a:latin typeface="Consolas" panose="020B0609020204030204" pitchFamily="49" charset="0"/>
-              </a:rPr>
-              <a:t>{</a:t>
+              <a:rPr lang="en-US" dirty="0" err="1"/>
+              <a:t>izraz</a:t>
+            </a:r>
+            <a:r>
+              <a:rPr lang="en-US" dirty="0"/>
+              <a:t> za</a:t>
+            </a:r>
+            <a:endParaRPr lang="sr-Latn-RS" dirty="0"/>
+          </a:p>
+          <a:p>
+            <a:r>
+              <a:rPr lang="en-US" dirty="0" err="1"/>
+              <a:t>vrednost</a:t>
+            </a:r>
+            <a:r>
+              <a:rPr lang="en-US" dirty="0"/>
+              <a:t> </a:t>
+            </a:r>
+            <a:r>
+              <a:rPr lang="en-US" dirty="0" err="1"/>
+              <a:t>elementa</a:t>
             </a:r>
             <a:endParaRPr lang="en-GB" dirty="0">
               <a:solidFill>
@@ -5072,24 +5323,96 @@
             <a:r>
               <a:rPr lang="en-GB" dirty="0">
                 <a:solidFill>
+                  <a:srgbClr val="EBDBB2"/>
+                </a:solidFill>
+                <a:latin typeface="Consolas" panose="020B0609020204030204" pitchFamily="49" charset="0"/>
+              </a:rPr>
+              <a:t>&lt;</a:t>
+            </a:r>
+            <a:r>
+              <a:rPr lang="en-GB" dirty="0" err="1">
+                <a:solidFill>
+                  <a:srgbClr val="FABD2F"/>
+                </a:solidFill>
+                <a:latin typeface="Consolas" panose="020B0609020204030204" pitchFamily="49" charset="0"/>
+              </a:rPr>
+              <a:t>img</a:t>
+            </a:r>
+            <a:r>
+              <a:rPr lang="en-GB" dirty="0">
+                <a:solidFill>
                   <a:srgbClr val="F2E5BC"/>
                 </a:solidFill>
                 <a:latin typeface="Consolas" panose="020B0609020204030204" pitchFamily="49" charset="0"/>
               </a:rPr>
-              <a:t>name</a:t>
+              <a:t> </a:t>
             </a:r>
             <a:r>
               <a:rPr lang="en-GB" dirty="0">
                 <a:solidFill>
+                  <a:srgbClr val="7EC16E"/>
+                </a:solidFill>
+                <a:latin typeface="Consolas" panose="020B0609020204030204" pitchFamily="49" charset="0"/>
+              </a:rPr>
+              <a:t>ng-</a:t>
+            </a:r>
+            <a:r>
+              <a:rPr lang="en-GB" dirty="0" err="1">
+                <a:solidFill>
+                  <a:srgbClr val="7EC16E"/>
+                </a:solidFill>
+                <a:latin typeface="Consolas" panose="020B0609020204030204" pitchFamily="49" charset="0"/>
+              </a:rPr>
+              <a:t>src</a:t>
+            </a:r>
+            <a:r>
+              <a:rPr lang="en-GB" dirty="0">
+                <a:solidFill>
                   <a:srgbClr val="EBDBB2"/>
                 </a:solidFill>
                 <a:latin typeface="Consolas" panose="020B0609020204030204" pitchFamily="49" charset="0"/>
               </a:rPr>
-              <a:t>:</a:t>
+              <a:t>="</a:t>
             </a:r>
             <a:r>
               <a:rPr lang="en-GB" dirty="0">
                 <a:solidFill>
+                  <a:srgbClr val="B8BB26"/>
+                </a:solidFill>
+                <a:latin typeface="Consolas" panose="020B0609020204030204" pitchFamily="49" charset="0"/>
+              </a:rPr>
+              <a:t>{{</a:t>
+            </a:r>
+            <a:r>
+              <a:rPr lang="en-GB" dirty="0" err="1">
+                <a:solidFill>
+                  <a:srgbClr val="B8BB26"/>
+                </a:solidFill>
+                <a:latin typeface="Consolas" panose="020B0609020204030204" pitchFamily="49" charset="0"/>
+              </a:rPr>
+              <a:t>c.img</a:t>
+            </a:r>
+            <a:r>
+              <a:rPr lang="en-GB" dirty="0">
+                <a:solidFill>
+                  <a:srgbClr val="B8BB26"/>
+                </a:solidFill>
+                <a:latin typeface="Consolas" panose="020B0609020204030204" pitchFamily="49" charset="0"/>
+              </a:rPr>
+              <a:t>}}</a:t>
+            </a:r>
+            <a:r>
+              <a:rPr lang="en-GB" dirty="0">
+                <a:solidFill>
+                  <a:srgbClr val="EBDBB2"/>
+                </a:solidFill>
+                <a:latin typeface="Consolas" panose="020B0609020204030204" pitchFamily="49" charset="0"/>
+              </a:rPr>
+              <a:t>"</a:t>
+            </a:r>
+            <a:r>
+              <a:rPr lang="en-GB" dirty="0">
+                <a:solidFill>
                   <a:srgbClr val="F2E5BC"/>
                 </a:solidFill>
                 <a:latin typeface="Consolas" panose="020B0609020204030204" pitchFamily="49" charset="0"/>
@@ -5099,11 +5422,20 @@
             <a:r>
               <a:rPr lang="en-GB" dirty="0">
                 <a:solidFill>
+                  <a:srgbClr val="7EC16E"/>
+                </a:solidFill>
+                <a:latin typeface="Consolas" panose="020B0609020204030204" pitchFamily="49" charset="0"/>
+              </a:rPr>
+              <a:t>alt</a:t>
+            </a:r>
+            <a:r>
+              <a:rPr lang="en-GB" dirty="0">
+                <a:solidFill>
                   <a:srgbClr val="EBDBB2"/>
                 </a:solidFill>
                 <a:latin typeface="Consolas" panose="020B0609020204030204" pitchFamily="49" charset="0"/>
               </a:rPr>
-              <a:t>'</a:t>
+              <a:t>="</a:t>
             </a:r>
             <a:r>
               <a:rPr lang="en-GB" dirty="0">
@@ -5112,7 +5444,7 @@
                 </a:solidFill>
                 <a:latin typeface="Consolas" panose="020B0609020204030204" pitchFamily="49" charset="0"/>
               </a:rPr>
-              <a:t>Nexus S</a:t>
+              <a:t>Cat image</a:t>
             </a:r>
             <a:r>
               <a:rPr lang="en-GB" dirty="0">
@@ -5121,7 +5453,247 @@
                 </a:solidFill>
                 <a:latin typeface="Consolas" panose="020B0609020204030204" pitchFamily="49" charset="0"/>
               </a:rPr>
-              <a:t>',</a:t>
+              <a:t>"&gt;</a:t>
+            </a:r>
+          </a:p>
+          <a:p>
+            <a:r>
+              <a:rPr lang="sr-Latn-RS" dirty="0"/>
+              <a:t>Interpolacija, umesto putanje do slike stoji angular varijabla</a:t>
+            </a:r>
+            <a:endParaRPr lang="en-GB" dirty="0"/>
+          </a:p>
+          <a:p>
+            <a:r>
+              <a:rPr lang="en-GB" dirty="0">
+                <a:solidFill>
+                  <a:srgbClr val="EBDBB2"/>
+                </a:solidFill>
+                <a:latin typeface="Consolas" panose="020B0609020204030204" pitchFamily="49" charset="0"/>
+              </a:rPr>
+              <a:t>&lt;</a:t>
+            </a:r>
+            <a:r>
+              <a:rPr lang="en-GB" dirty="0">
+                <a:solidFill>
+                  <a:srgbClr val="FABD2F"/>
+                </a:solidFill>
+                <a:latin typeface="Consolas" panose="020B0609020204030204" pitchFamily="49" charset="0"/>
+              </a:rPr>
+              <a:t>p</a:t>
+            </a:r>
+            <a:r>
+              <a:rPr lang="en-GB" dirty="0">
+                <a:solidFill>
+                  <a:srgbClr val="F2E5BC"/>
+                </a:solidFill>
+                <a:latin typeface="Consolas" panose="020B0609020204030204" pitchFamily="49" charset="0"/>
+              </a:rPr>
+              <a:t> </a:t>
+            </a:r>
+            <a:r>
+              <a:rPr lang="en-GB" dirty="0">
+                <a:solidFill>
+                  <a:srgbClr val="7EC16E"/>
+                </a:solidFill>
+                <a:latin typeface="Consolas" panose="020B0609020204030204" pitchFamily="49" charset="0"/>
+              </a:rPr>
+              <a:t>ng-click</a:t>
+            </a:r>
+            <a:r>
+              <a:rPr lang="en-GB" dirty="0">
+                <a:solidFill>
+                  <a:srgbClr val="EBDBB2"/>
+                </a:solidFill>
+                <a:latin typeface="Consolas" panose="020B0609020204030204" pitchFamily="49" charset="0"/>
+              </a:rPr>
+              <a:t>="</a:t>
+            </a:r>
+            <a:r>
+              <a:rPr lang="en-GB" dirty="0">
+                <a:solidFill>
+                  <a:srgbClr val="B8BB26"/>
+                </a:solidFill>
+                <a:latin typeface="Consolas" panose="020B0609020204030204" pitchFamily="49" charset="0"/>
+              </a:rPr>
+              <a:t>count = count + 1</a:t>
+            </a:r>
+            <a:r>
+              <a:rPr lang="en-GB" dirty="0">
+                <a:solidFill>
+                  <a:srgbClr val="EBDBB2"/>
+                </a:solidFill>
+                <a:latin typeface="Consolas" panose="020B0609020204030204" pitchFamily="49" charset="0"/>
+              </a:rPr>
+              <a:t>"&gt;</a:t>
+            </a:r>
+            <a:r>
+              <a:rPr lang="en-GB" dirty="0">
+                <a:solidFill>
+                  <a:srgbClr val="F2E5BC"/>
+                </a:solidFill>
+                <a:latin typeface="Consolas" panose="020B0609020204030204" pitchFamily="49" charset="0"/>
+              </a:rPr>
+              <a:t>{{ count }}</a:t>
+            </a:r>
+            <a:r>
+              <a:rPr lang="en-GB" dirty="0">
+                <a:solidFill>
+                  <a:srgbClr val="EBDBB2"/>
+                </a:solidFill>
+                <a:latin typeface="Consolas" panose="020B0609020204030204" pitchFamily="49" charset="0"/>
+              </a:rPr>
+              <a:t>&lt;/</a:t>
+            </a:r>
+            <a:r>
+              <a:rPr lang="en-GB" dirty="0">
+                <a:solidFill>
+                  <a:srgbClr val="FABD2F"/>
+                </a:solidFill>
+                <a:latin typeface="Consolas" panose="020B0609020204030204" pitchFamily="49" charset="0"/>
+              </a:rPr>
+              <a:t>p</a:t>
+            </a:r>
+            <a:r>
+              <a:rPr lang="en-GB" dirty="0">
+                <a:solidFill>
+                  <a:srgbClr val="EBDBB2"/>
+                </a:solidFill>
+                <a:latin typeface="Consolas" panose="020B0609020204030204" pitchFamily="49" charset="0"/>
+              </a:rPr>
+              <a:t>&gt;</a:t>
+            </a:r>
+          </a:p>
+          <a:p>
+            <a:r>
+              <a:rPr lang="sr-Latn-RS" dirty="0"/>
+              <a:t>ngClick direktiva omogućava da se odredi ponašanje elementa kada se</a:t>
+            </a:r>
+          </a:p>
+          <a:p>
+            <a:r>
+              <a:rPr lang="sr-Latn-RS" dirty="0"/>
+              <a:t>Klikne na njega.</a:t>
+            </a:r>
+            <a:endParaRPr lang="en-GB" dirty="0"/>
+          </a:p>
+          <a:p>
+            <a:r>
+              <a:rPr lang="en-GB" dirty="0">
+                <a:solidFill>
+                  <a:srgbClr val="EBDBB2"/>
+                </a:solidFill>
+                <a:latin typeface="Consolas" panose="020B0609020204030204" pitchFamily="49" charset="0"/>
+              </a:rPr>
+              <a:t>&lt;</a:t>
+            </a:r>
+            <a:r>
+              <a:rPr lang="en-GB" dirty="0">
+                <a:solidFill>
+                  <a:srgbClr val="FABD2F"/>
+                </a:solidFill>
+                <a:latin typeface="Consolas" panose="020B0609020204030204" pitchFamily="49" charset="0"/>
+              </a:rPr>
+              <a:t>p</a:t>
+            </a:r>
+            <a:r>
+              <a:rPr lang="en-GB" dirty="0">
+                <a:solidFill>
+                  <a:srgbClr val="F2E5BC"/>
+                </a:solidFill>
+                <a:latin typeface="Consolas" panose="020B0609020204030204" pitchFamily="49" charset="0"/>
+              </a:rPr>
+              <a:t> </a:t>
+            </a:r>
+            <a:r>
+              <a:rPr lang="en-GB" dirty="0">
+                <a:solidFill>
+                  <a:srgbClr val="7EC16E"/>
+                </a:solidFill>
+                <a:latin typeface="Consolas" panose="020B0609020204030204" pitchFamily="49" charset="0"/>
+              </a:rPr>
+              <a:t>ng-click</a:t>
+            </a:r>
+            <a:r>
+              <a:rPr lang="en-GB" dirty="0">
+                <a:solidFill>
+                  <a:srgbClr val="EBDBB2"/>
+                </a:solidFill>
+                <a:latin typeface="Consolas" panose="020B0609020204030204" pitchFamily="49" charset="0"/>
+              </a:rPr>
+              <a:t>="</a:t>
+            </a:r>
+            <a:r>
+              <a:rPr lang="en-GB" dirty="0">
+                <a:solidFill>
+                  <a:srgbClr val="B8BB26"/>
+                </a:solidFill>
+                <a:latin typeface="Consolas" panose="020B0609020204030204" pitchFamily="49" charset="0"/>
+              </a:rPr>
+              <a:t>increment();</a:t>
+            </a:r>
+            <a:r>
+              <a:rPr lang="en-GB" dirty="0">
+                <a:solidFill>
+                  <a:srgbClr val="EBDBB2"/>
+                </a:solidFill>
+                <a:latin typeface="Consolas" panose="020B0609020204030204" pitchFamily="49" charset="0"/>
+              </a:rPr>
+              <a:t>"&gt;</a:t>
+            </a:r>
+            <a:r>
+              <a:rPr lang="en-GB" dirty="0">
+                <a:solidFill>
+                  <a:srgbClr val="F2E5BC"/>
+                </a:solidFill>
+                <a:latin typeface="Consolas" panose="020B0609020204030204" pitchFamily="49" charset="0"/>
+              </a:rPr>
+              <a:t>{{ </a:t>
+            </a:r>
+            <a:r>
+              <a:rPr lang="en-GB" dirty="0" err="1">
+                <a:solidFill>
+                  <a:srgbClr val="F2E5BC"/>
+                </a:solidFill>
+                <a:latin typeface="Consolas" panose="020B0609020204030204" pitchFamily="49" charset="0"/>
+              </a:rPr>
+              <a:t>countFunc</a:t>
+            </a:r>
+            <a:r>
+              <a:rPr lang="en-GB" dirty="0">
+                <a:solidFill>
+                  <a:srgbClr val="F2E5BC"/>
+                </a:solidFill>
+                <a:latin typeface="Consolas" panose="020B0609020204030204" pitchFamily="49" charset="0"/>
+              </a:rPr>
+              <a:t> }}</a:t>
+            </a:r>
+            <a:r>
+              <a:rPr lang="en-GB" dirty="0">
+                <a:solidFill>
+                  <a:srgbClr val="EBDBB2"/>
+                </a:solidFill>
+                <a:latin typeface="Consolas" panose="020B0609020204030204" pitchFamily="49" charset="0"/>
+              </a:rPr>
+              <a:t>&lt;/</a:t>
+            </a:r>
+            <a:r>
+              <a:rPr lang="en-GB" dirty="0">
+                <a:solidFill>
+                  <a:srgbClr val="FABD2F"/>
+                </a:solidFill>
+                <a:latin typeface="Consolas" panose="020B0609020204030204" pitchFamily="49" charset="0"/>
+              </a:rPr>
+              <a:t>p</a:t>
+            </a:r>
+            <a:r>
+              <a:rPr lang="en-GB" dirty="0">
+                <a:solidFill>
+                  <a:srgbClr val="EBDBB2"/>
+                </a:solidFill>
+                <a:latin typeface="Consolas" panose="020B0609020204030204" pitchFamily="49" charset="0"/>
+              </a:rPr>
+              <a:t>&gt;</a:t>
             </a:r>
             <a:endParaRPr lang="en-GB" dirty="0">
               <a:solidFill>
@@ -5132,434 +5704,30 @@
           </a:p>
           <a:p>
             <a:r>
-              <a:rPr lang="en-GB" dirty="0">
-                <a:solidFill>
-                  <a:srgbClr val="F2E5BC"/>
-                </a:solidFill>
-                <a:latin typeface="Consolas" panose="020B0609020204030204" pitchFamily="49" charset="0"/>
-              </a:rPr>
-              <a:t>snippet</a:t>
-            </a:r>
-            <a:r>
-              <a:rPr lang="en-GB" dirty="0">
-                <a:solidFill>
-                  <a:srgbClr val="EBDBB2"/>
-                </a:solidFill>
-                <a:latin typeface="Consolas" panose="020B0609020204030204" pitchFamily="49" charset="0"/>
-              </a:rPr>
-              <a:t>:</a:t>
-            </a:r>
-            <a:r>
-              <a:rPr lang="en-GB" dirty="0">
-                <a:solidFill>
-                  <a:srgbClr val="F2E5BC"/>
-                </a:solidFill>
-                <a:latin typeface="Consolas" panose="020B0609020204030204" pitchFamily="49" charset="0"/>
-              </a:rPr>
-              <a:t> </a:t>
-            </a:r>
-            <a:r>
-              <a:rPr lang="en-GB" dirty="0">
-                <a:solidFill>
-                  <a:srgbClr val="EBDBB2"/>
-                </a:solidFill>
-                <a:latin typeface="Consolas" panose="020B0609020204030204" pitchFamily="49" charset="0"/>
-              </a:rPr>
-              <a:t>'</a:t>
-            </a:r>
-            <a:r>
-              <a:rPr lang="en-GB" dirty="0">
-                <a:solidFill>
-                  <a:srgbClr val="B8BB26"/>
-                </a:solidFill>
-                <a:latin typeface="Consolas" panose="020B0609020204030204" pitchFamily="49" charset="0"/>
-              </a:rPr>
-              <a:t>Fast just got faster with Nexus S.</a:t>
-            </a:r>
-            <a:r>
-              <a:rPr lang="en-GB" dirty="0">
-                <a:solidFill>
-                  <a:srgbClr val="EBDBB2"/>
-                </a:solidFill>
-                <a:latin typeface="Consolas" panose="020B0609020204030204" pitchFamily="49" charset="0"/>
-              </a:rPr>
-              <a:t>'</a:t>
-            </a:r>
-            <a:endParaRPr lang="en-GB" dirty="0">
-              <a:solidFill>
-                <a:srgbClr val="F2E5BC"/>
-              </a:solidFill>
-              <a:latin typeface="Consolas" panose="020B0609020204030204" pitchFamily="49" charset="0"/>
-            </a:endParaRPr>
-          </a:p>
-          <a:p>
-            <a:r>
-              <a:rPr lang="en-GB" dirty="0">
-                <a:solidFill>
-                  <a:srgbClr val="EBDBB2"/>
-                </a:solidFill>
-                <a:latin typeface="Consolas" panose="020B0609020204030204" pitchFamily="49" charset="0"/>
-              </a:rPr>
-              <a:t>},</a:t>
-            </a:r>
-            <a:endParaRPr lang="en-GB" dirty="0">
-              <a:solidFill>
-                <a:srgbClr val="F2E5BC"/>
-              </a:solidFill>
-              <a:latin typeface="Consolas" panose="020B0609020204030204" pitchFamily="49" charset="0"/>
-            </a:endParaRPr>
-          </a:p>
-          <a:p>
-            <a:r>
-              <a:rPr lang="en-GB" dirty="0">
-                <a:solidFill>
-                  <a:srgbClr val="EBDBB2"/>
-                </a:solidFill>
-                <a:latin typeface="Consolas" panose="020B0609020204030204" pitchFamily="49" charset="0"/>
-              </a:rPr>
-              <a:t>{</a:t>
-            </a:r>
-            <a:endParaRPr lang="en-GB" dirty="0">
-              <a:solidFill>
-                <a:srgbClr val="F2E5BC"/>
-              </a:solidFill>
-              <a:latin typeface="Consolas" panose="020B0609020204030204" pitchFamily="49" charset="0"/>
-            </a:endParaRPr>
-          </a:p>
-          <a:p>
-            <a:r>
-              <a:rPr lang="en-GB" dirty="0">
-                <a:solidFill>
-                  <a:srgbClr val="F2E5BC"/>
-                </a:solidFill>
-                <a:latin typeface="Consolas" panose="020B0609020204030204" pitchFamily="49" charset="0"/>
-              </a:rPr>
-              <a:t>name</a:t>
-            </a:r>
-            <a:r>
-              <a:rPr lang="en-GB" dirty="0">
-                <a:solidFill>
-                  <a:srgbClr val="EBDBB2"/>
-                </a:solidFill>
-                <a:latin typeface="Consolas" panose="020B0609020204030204" pitchFamily="49" charset="0"/>
-              </a:rPr>
-              <a:t>:</a:t>
-            </a:r>
-            <a:r>
-              <a:rPr lang="en-GB" dirty="0">
-                <a:solidFill>
-                  <a:srgbClr val="F2E5BC"/>
-                </a:solidFill>
-                <a:latin typeface="Consolas" panose="020B0609020204030204" pitchFamily="49" charset="0"/>
-              </a:rPr>
-              <a:t> </a:t>
-            </a:r>
-            <a:r>
-              <a:rPr lang="en-GB" dirty="0">
-                <a:solidFill>
-                  <a:srgbClr val="EBDBB2"/>
-                </a:solidFill>
-                <a:latin typeface="Consolas" panose="020B0609020204030204" pitchFamily="49" charset="0"/>
-              </a:rPr>
-              <a:t>'</a:t>
-            </a:r>
-            <a:r>
-              <a:rPr lang="en-GB" dirty="0">
-                <a:solidFill>
-                  <a:srgbClr val="B8BB26"/>
-                </a:solidFill>
-                <a:latin typeface="Consolas" panose="020B0609020204030204" pitchFamily="49" charset="0"/>
-              </a:rPr>
-              <a:t>Motorola XOOM™ with Wi-Fi</a:t>
-            </a:r>
-            <a:r>
-              <a:rPr lang="en-GB" dirty="0">
-                <a:solidFill>
-                  <a:srgbClr val="EBDBB2"/>
-                </a:solidFill>
-                <a:latin typeface="Consolas" panose="020B0609020204030204" pitchFamily="49" charset="0"/>
-              </a:rPr>
-              <a:t>',</a:t>
-            </a:r>
-            <a:endParaRPr lang="en-GB" dirty="0">
-              <a:solidFill>
-                <a:srgbClr val="F2E5BC"/>
-              </a:solidFill>
-              <a:latin typeface="Consolas" panose="020B0609020204030204" pitchFamily="49" charset="0"/>
-            </a:endParaRPr>
-          </a:p>
-          <a:p>
-            <a:r>
-              <a:rPr lang="en-GB" dirty="0">
-                <a:solidFill>
-                  <a:srgbClr val="F2E5BC"/>
-                </a:solidFill>
-                <a:latin typeface="Consolas" panose="020B0609020204030204" pitchFamily="49" charset="0"/>
-              </a:rPr>
-              <a:t>snippet</a:t>
-            </a:r>
-            <a:r>
-              <a:rPr lang="en-GB" dirty="0">
-                <a:solidFill>
-                  <a:srgbClr val="EBDBB2"/>
-                </a:solidFill>
-                <a:latin typeface="Consolas" panose="020B0609020204030204" pitchFamily="49" charset="0"/>
-              </a:rPr>
-              <a:t>:</a:t>
-            </a:r>
-            <a:r>
-              <a:rPr lang="en-GB" dirty="0">
-                <a:solidFill>
-                  <a:srgbClr val="F2E5BC"/>
-                </a:solidFill>
-                <a:latin typeface="Consolas" panose="020B0609020204030204" pitchFamily="49" charset="0"/>
-              </a:rPr>
-              <a:t> </a:t>
-            </a:r>
-            <a:r>
-              <a:rPr lang="en-GB" dirty="0">
-                <a:solidFill>
-                  <a:srgbClr val="EBDBB2"/>
-                </a:solidFill>
-                <a:latin typeface="Consolas" panose="020B0609020204030204" pitchFamily="49" charset="0"/>
-              </a:rPr>
-              <a:t>'</a:t>
-            </a:r>
-            <a:r>
-              <a:rPr lang="en-GB" dirty="0">
-                <a:solidFill>
-                  <a:srgbClr val="B8BB26"/>
-                </a:solidFill>
-                <a:latin typeface="Consolas" panose="020B0609020204030204" pitchFamily="49" charset="0"/>
-              </a:rPr>
-              <a:t>The Next, Next Generation tablet.</a:t>
-            </a:r>
-            <a:r>
-              <a:rPr lang="en-GB" dirty="0">
-                <a:solidFill>
-                  <a:srgbClr val="EBDBB2"/>
-                </a:solidFill>
-                <a:latin typeface="Consolas" panose="020B0609020204030204" pitchFamily="49" charset="0"/>
-              </a:rPr>
-              <a:t>'</a:t>
-            </a:r>
-            <a:endParaRPr lang="en-GB" dirty="0">
-              <a:solidFill>
-                <a:srgbClr val="F2E5BC"/>
-              </a:solidFill>
-              <a:latin typeface="Consolas" panose="020B0609020204030204" pitchFamily="49" charset="0"/>
-            </a:endParaRPr>
-          </a:p>
-          <a:p>
-            <a:r>
-              <a:rPr lang="en-GB" dirty="0">
-                <a:solidFill>
-                  <a:srgbClr val="EBDBB2"/>
-                </a:solidFill>
-                <a:latin typeface="Consolas" panose="020B0609020204030204" pitchFamily="49" charset="0"/>
-              </a:rPr>
-              <a:t>},</a:t>
-            </a:r>
-            <a:endParaRPr lang="en-GB" dirty="0">
-              <a:solidFill>
-                <a:srgbClr val="F2E5BC"/>
-              </a:solidFill>
-              <a:latin typeface="Consolas" panose="020B0609020204030204" pitchFamily="49" charset="0"/>
-            </a:endParaRPr>
-          </a:p>
-          <a:p>
-            <a:r>
-              <a:rPr lang="en-GB" dirty="0">
-                <a:solidFill>
-                  <a:srgbClr val="EBDBB2"/>
-                </a:solidFill>
-                <a:latin typeface="Consolas" panose="020B0609020204030204" pitchFamily="49" charset="0"/>
-              </a:rPr>
-              <a:t>{</a:t>
-            </a:r>
-            <a:endParaRPr lang="en-GB" dirty="0">
-              <a:solidFill>
-                <a:srgbClr val="F2E5BC"/>
-              </a:solidFill>
-              <a:latin typeface="Consolas" panose="020B0609020204030204" pitchFamily="49" charset="0"/>
-            </a:endParaRPr>
-          </a:p>
-          <a:p>
-            <a:r>
-              <a:rPr lang="en-GB" dirty="0">
-                <a:solidFill>
-                  <a:srgbClr val="F2E5BC"/>
-                </a:solidFill>
-                <a:latin typeface="Consolas" panose="020B0609020204030204" pitchFamily="49" charset="0"/>
-              </a:rPr>
-              <a:t>name</a:t>
-            </a:r>
-            <a:r>
-              <a:rPr lang="en-GB" dirty="0">
-                <a:solidFill>
-                  <a:srgbClr val="EBDBB2"/>
-                </a:solidFill>
-                <a:latin typeface="Consolas" panose="020B0609020204030204" pitchFamily="49" charset="0"/>
-              </a:rPr>
-              <a:t>:</a:t>
-            </a:r>
-            <a:r>
-              <a:rPr lang="en-GB" dirty="0">
-                <a:solidFill>
-                  <a:srgbClr val="F2E5BC"/>
-                </a:solidFill>
-                <a:latin typeface="Consolas" panose="020B0609020204030204" pitchFamily="49" charset="0"/>
-              </a:rPr>
-              <a:t> </a:t>
-            </a:r>
-            <a:r>
-              <a:rPr lang="en-GB" dirty="0">
-                <a:solidFill>
-                  <a:srgbClr val="EBDBB2"/>
-                </a:solidFill>
-                <a:latin typeface="Consolas" panose="020B0609020204030204" pitchFamily="49" charset="0"/>
-              </a:rPr>
-              <a:t>'</a:t>
-            </a:r>
-            <a:r>
-              <a:rPr lang="en-GB" dirty="0">
-                <a:solidFill>
-                  <a:srgbClr val="B8BB26"/>
-                </a:solidFill>
-                <a:latin typeface="Consolas" panose="020B0609020204030204" pitchFamily="49" charset="0"/>
-              </a:rPr>
-              <a:t>MOTOROLA XOOM™</a:t>
-            </a:r>
-            <a:r>
-              <a:rPr lang="en-GB" dirty="0">
-                <a:solidFill>
-                  <a:srgbClr val="EBDBB2"/>
-                </a:solidFill>
-                <a:latin typeface="Consolas" panose="020B0609020204030204" pitchFamily="49" charset="0"/>
-              </a:rPr>
-              <a:t>',</a:t>
-            </a:r>
-            <a:endParaRPr lang="en-GB" dirty="0">
-              <a:solidFill>
-                <a:srgbClr val="F2E5BC"/>
-              </a:solidFill>
-              <a:latin typeface="Consolas" panose="020B0609020204030204" pitchFamily="49" charset="0"/>
-            </a:endParaRPr>
-          </a:p>
-          <a:p>
-            <a:r>
-              <a:rPr lang="en-GB" dirty="0">
-                <a:solidFill>
-                  <a:srgbClr val="F2E5BC"/>
-                </a:solidFill>
-                <a:latin typeface="Consolas" panose="020B0609020204030204" pitchFamily="49" charset="0"/>
-              </a:rPr>
-              <a:t>snippet</a:t>
-            </a:r>
-            <a:r>
-              <a:rPr lang="en-GB" dirty="0">
-                <a:solidFill>
-                  <a:srgbClr val="EBDBB2"/>
-                </a:solidFill>
-                <a:latin typeface="Consolas" panose="020B0609020204030204" pitchFamily="49" charset="0"/>
-              </a:rPr>
-              <a:t>:</a:t>
-            </a:r>
-            <a:r>
-              <a:rPr lang="en-GB" dirty="0">
-                <a:solidFill>
-                  <a:srgbClr val="F2E5BC"/>
-                </a:solidFill>
-                <a:latin typeface="Consolas" panose="020B0609020204030204" pitchFamily="49" charset="0"/>
-              </a:rPr>
-              <a:t> </a:t>
-            </a:r>
-            <a:r>
-              <a:rPr lang="en-GB" dirty="0">
-                <a:solidFill>
-                  <a:srgbClr val="EBDBB2"/>
-                </a:solidFill>
-                <a:latin typeface="Consolas" panose="020B0609020204030204" pitchFamily="49" charset="0"/>
-              </a:rPr>
-              <a:t>'</a:t>
-            </a:r>
-            <a:r>
-              <a:rPr lang="en-GB" dirty="0">
-                <a:solidFill>
-                  <a:srgbClr val="B8BB26"/>
-                </a:solidFill>
-                <a:latin typeface="Consolas" panose="020B0609020204030204" pitchFamily="49" charset="0"/>
-              </a:rPr>
-              <a:t>The Next, Next Generation tablet.</a:t>
-            </a:r>
-            <a:r>
-              <a:rPr lang="en-GB" dirty="0">
-                <a:solidFill>
-                  <a:srgbClr val="EBDBB2"/>
-                </a:solidFill>
-                <a:latin typeface="Consolas" panose="020B0609020204030204" pitchFamily="49" charset="0"/>
-              </a:rPr>
-              <a:t>'</a:t>
-            </a:r>
-            <a:endParaRPr lang="en-GB" dirty="0">
-              <a:solidFill>
-                <a:srgbClr val="F2E5BC"/>
-              </a:solidFill>
-              <a:latin typeface="Consolas" panose="020B0609020204030204" pitchFamily="49" charset="0"/>
-            </a:endParaRPr>
-          </a:p>
-          <a:p>
-            <a:r>
-              <a:rPr lang="en-GB" dirty="0">
-                <a:solidFill>
-                  <a:srgbClr val="EBDBB2"/>
-                </a:solidFill>
-                <a:latin typeface="Consolas" panose="020B0609020204030204" pitchFamily="49" charset="0"/>
-              </a:rPr>
-              <a:t>}</a:t>
-            </a:r>
-            <a:endParaRPr lang="en-GB" dirty="0">
-              <a:solidFill>
-                <a:srgbClr val="F2E5BC"/>
-              </a:solidFill>
-              <a:latin typeface="Consolas" panose="020B0609020204030204" pitchFamily="49" charset="0"/>
-            </a:endParaRPr>
-          </a:p>
-          <a:p>
-            <a:r>
-              <a:rPr lang="en-GB" dirty="0">
-                <a:solidFill>
-                  <a:srgbClr val="F2E5BC"/>
-                </a:solidFill>
-                <a:latin typeface="Consolas" panose="020B0609020204030204" pitchFamily="49" charset="0"/>
-              </a:rPr>
-              <a:t>]</a:t>
-            </a:r>
-            <a:r>
-              <a:rPr lang="en-GB" dirty="0">
-                <a:solidFill>
-                  <a:srgbClr val="EBDBB2"/>
-                </a:solidFill>
-                <a:latin typeface="Consolas" panose="020B0609020204030204" pitchFamily="49" charset="0"/>
-              </a:rPr>
-              <a:t>;</a:t>
-            </a:r>
-            <a:endParaRPr lang="en-GB" b="0" dirty="0">
-              <a:solidFill>
-                <a:srgbClr val="F2E5BC"/>
-              </a:solidFill>
-              <a:effectLst/>
-              <a:latin typeface="Consolas" panose="020B0609020204030204" pitchFamily="49" charset="0"/>
-            </a:endParaRPr>
+              <a:rPr lang="sr-Latn-RS" dirty="0"/>
+              <a:t>Isto kao prethodna ngClick direktiva samo sto se u prethodnom primeru</a:t>
+            </a:r>
+          </a:p>
+          <a:p>
+            <a:r>
+              <a:rPr lang="sr-Latn-RS" dirty="0"/>
+              <a:t>direktno na HTML-u izvršava a u drugom primeru se poziva funkcija iz</a:t>
+            </a:r>
+          </a:p>
+          <a:p>
+            <a:r>
+              <a:rPr lang="sr-Latn-RS" dirty="0"/>
+              <a:t>kontrolera</a:t>
+            </a:r>
           </a:p>
         </p:txBody>
       </p:sp>
       <p:sp>
         <p:nvSpPr>
-          <p:cNvPr id="7" name="TextBox 6">
+          <p:cNvPr id="11" name="TextBox 10">
             <a:extLst>
               <a:ext uri="{FF2B5EF4-FFF2-40B4-BE49-F238E27FC236}">
-                <a16:creationId xmlns:a16="http://schemas.microsoft.com/office/drawing/2014/main" id="{A0E2D986-781B-4EA5-B8B8-F351175616E4}"/>
+                <a16:creationId xmlns:a16="http://schemas.microsoft.com/office/drawing/2014/main" id="{F7B50E1C-2DF9-4EF4-B2C5-082F41ABEE9B}"/>
               </a:ext>
             </a:extLst>
           </p:cNvPr>
@@ -5568,8 +5736,8 @@
         </p:nvSpPr>
         <p:spPr>
           <a:xfrm>
-            <a:off x="194622" y="4818592"/>
-            <a:ext cx="11718464" cy="923330"/>
+            <a:off x="4128615" y="106520"/>
+            <a:ext cx="2861874" cy="707886"/>
           </a:xfrm>
           <a:prstGeom prst="rect">
             <a:avLst/>
@@ -5583,294 +5751,23 @@
           <a:lstStyle/>
           <a:p>
             <a:r>
-              <a:rPr lang="sr-Latn-RS" dirty="0"/>
-              <a:t>Pričao sam o </a:t>
-            </a:r>
-            <a:r>
-              <a:rPr lang="sr-Latn-RS" b="1" dirty="0"/>
-              <a:t>root scope </a:t>
-            </a:r>
-            <a:r>
-              <a:rPr lang="sr-Latn-RS" dirty="0"/>
-              <a:t>i ngApp direktivi, ali u angularu svaki kontroler </a:t>
-            </a:r>
-            <a:r>
-              <a:rPr lang="sr-Latn-RS" b="1" dirty="0"/>
-              <a:t>ngController </a:t>
-            </a:r>
-            <a:r>
-              <a:rPr lang="sr-Latn-RS" dirty="0"/>
-              <a:t>kontroliše svoj </a:t>
-            </a:r>
-            <a:r>
-              <a:rPr lang="sr-Latn-RS" b="1" dirty="0"/>
-              <a:t>scope. </a:t>
-            </a:r>
-            <a:r>
-              <a:rPr lang="sr-Latn-RS" dirty="0"/>
-              <a:t>U primeru iznad</a:t>
-            </a:r>
-          </a:p>
-          <a:p>
-            <a:r>
-              <a:rPr lang="sr-Latn-RS" dirty="0"/>
-              <a:t>vidimo kontroler AngularJSKursController</a:t>
-            </a:r>
-            <a:r>
-              <a:rPr lang="sr-Latn-RS" b="1" dirty="0"/>
-              <a:t> </a:t>
-            </a:r>
-            <a:r>
-              <a:rPr lang="en-US" dirty="0" err="1"/>
-              <a:t>koji</a:t>
-            </a:r>
-            <a:r>
-              <a:rPr lang="en-US" dirty="0"/>
-              <a:t> u </a:t>
-            </a:r>
-            <a:r>
-              <a:rPr lang="en-US" dirty="0" err="1"/>
-              <a:t>sebi</a:t>
-            </a:r>
-            <a:r>
-              <a:rPr lang="en-US" dirty="0"/>
-              <a:t> </a:t>
-            </a:r>
-            <a:r>
-              <a:rPr lang="en-US" dirty="0" err="1"/>
-              <a:t>inicijalizuje</a:t>
-            </a:r>
-            <a:r>
-              <a:rPr lang="sr-Latn-RS" dirty="0"/>
-              <a:t> objekat $scope.phones </a:t>
-            </a:r>
-            <a:r>
-              <a:rPr lang="en-US" dirty="0"/>
-              <a:t>= [{…}] </a:t>
-            </a:r>
-            <a:r>
-              <a:rPr lang="en-US" dirty="0" err="1"/>
-              <a:t>koji</a:t>
-            </a:r>
-            <a:r>
-              <a:rPr lang="en-US" dirty="0"/>
-              <a:t> </a:t>
-            </a:r>
-            <a:r>
-              <a:rPr lang="en-US" dirty="0" err="1"/>
-              <a:t>koristimo</a:t>
-            </a:r>
-            <a:r>
-              <a:rPr lang="en-US" dirty="0"/>
-              <a:t> u HTML-u </a:t>
-            </a:r>
-            <a:r>
-              <a:rPr lang="en-US" dirty="0" err="1"/>
-              <a:t>kroz</a:t>
-            </a:r>
-            <a:endParaRPr lang="en-US" dirty="0"/>
-          </a:p>
-          <a:p>
-            <a:r>
-              <a:rPr lang="en-US" b="1" dirty="0" err="1"/>
-              <a:t>ngRepeat</a:t>
-            </a:r>
-            <a:r>
-              <a:rPr lang="en-US" dirty="0"/>
-              <a:t> </a:t>
-            </a:r>
-            <a:r>
-              <a:rPr lang="en-US" dirty="0" err="1"/>
-              <a:t>direktivu</a:t>
-            </a:r>
-            <a:r>
-              <a:rPr lang="en-US" dirty="0"/>
-              <a:t>.</a:t>
-            </a:r>
-            <a:endParaRPr lang="sr-Latn-RS" dirty="0"/>
+              <a:rPr lang="en-US" sz="4000"/>
+              <a:t>Data-binding</a:t>
+            </a:r>
+            <a:endParaRPr lang="en-GB" sz="4000" dirty="0"/>
           </a:p>
         </p:txBody>
       </p:sp>
     </p:spTree>
     <p:extLst>
       <p:ext uri="{BB962C8B-B14F-4D97-AF65-F5344CB8AC3E}">
-        <p14:creationId xmlns:p14="http://schemas.microsoft.com/office/powerpoint/2010/main" val="212826260"/>
+        <p14:creationId xmlns:p14="http://schemas.microsoft.com/office/powerpoint/2010/main" val="3746618843"/>
       </p:ext>
     </p:extLst>
   </p:cSld>
   <p:clrMapOvr>
     <a:masterClrMapping/>
   </p:clrMapOvr>
-  <p:timing>
-    <p:tnLst>
-      <p:par>
-        <p:cTn id="1" dur="indefinite" restart="never" nodeType="tmRoot">
-          <p:childTnLst>
-            <p:seq concurrent="1" nextAc="seek">
-              <p:cTn id="2" dur="indefinite" nodeType="mainSeq">
-                <p:childTnLst>
-                  <p:par>
-                    <p:cTn id="3" fill="hold">
-                      <p:stCondLst>
-                        <p:cond delay="indefinite"/>
-                      </p:stCondLst>
-                      <p:childTnLst>
-                        <p:par>
-                          <p:cTn id="4" fill="hold">
-                            <p:stCondLst>
-                              <p:cond delay="0"/>
-                            </p:stCondLst>
-                            <p:childTnLst>
-                              <p:par>
-                                <p:cTn id="5" presetID="1" presetClass="entr" presetSubtype="0" fill="hold" grpId="0" nodeType="clickEffect">
-                                  <p:stCondLst>
-                                    <p:cond delay="0"/>
-                                  </p:stCondLst>
-                                  <p:childTnLst>
-                                    <p:set>
-                                      <p:cBhvr>
-                                        <p:cTn id="6" dur="1" fill="hold">
-                                          <p:stCondLst>
-                                            <p:cond delay="0"/>
-                                          </p:stCondLst>
-                                        </p:cTn>
-                                        <p:tgtEl>
-                                          <p:spTgt spid="4"/>
-                                        </p:tgtEl>
-                                        <p:attrNameLst>
-                                          <p:attrName>style.visibility</p:attrName>
-                                        </p:attrNameLst>
-                                      </p:cBhvr>
-                                      <p:to>
-                                        <p:strVal val="visible"/>
-                                      </p:to>
-                                    </p:set>
-                                  </p:childTnLst>
-                                </p:cTn>
-                              </p:par>
-                            </p:childTnLst>
-                          </p:cTn>
-                        </p:par>
-                      </p:childTnLst>
-                    </p:cTn>
-                  </p:par>
-                  <p:par>
-                    <p:cTn id="7" fill="hold">
-                      <p:stCondLst>
-                        <p:cond delay="indefinite"/>
-                      </p:stCondLst>
-                      <p:childTnLst>
-                        <p:par>
-                          <p:cTn id="8" fill="hold">
-                            <p:stCondLst>
-                              <p:cond delay="0"/>
-                            </p:stCondLst>
-                            <p:childTnLst>
-                              <p:par>
-                                <p:cTn id="9" presetID="1" presetClass="entr" presetSubtype="0" fill="hold" grpId="0" nodeType="clickEffect">
-                                  <p:stCondLst>
-                                    <p:cond delay="0"/>
-                                  </p:stCondLst>
-                                  <p:childTnLst>
-                                    <p:set>
-                                      <p:cBhvr>
-                                        <p:cTn id="10" dur="1" fill="hold">
-                                          <p:stCondLst>
-                                            <p:cond delay="0"/>
-                                          </p:stCondLst>
-                                        </p:cTn>
-                                        <p:tgtEl>
-                                          <p:spTgt spid="5"/>
-                                        </p:tgtEl>
-                                        <p:attrNameLst>
-                                          <p:attrName>style.visibility</p:attrName>
-                                        </p:attrNameLst>
-                                      </p:cBhvr>
-                                      <p:to>
-                                        <p:strVal val="visible"/>
-                                      </p:to>
-                                    </p:set>
-                                  </p:childTnLst>
-                                </p:cTn>
-                              </p:par>
-                            </p:childTnLst>
-                          </p:cTn>
-                        </p:par>
-                      </p:childTnLst>
-                    </p:cTn>
-                  </p:par>
-                  <p:par>
-                    <p:cTn id="11" fill="hold">
-                      <p:stCondLst>
-                        <p:cond delay="indefinite"/>
-                      </p:stCondLst>
-                      <p:childTnLst>
-                        <p:par>
-                          <p:cTn id="12" fill="hold">
-                            <p:stCondLst>
-                              <p:cond delay="0"/>
-                            </p:stCondLst>
-                            <p:childTnLst>
-                              <p:par>
-                                <p:cTn id="13" presetID="1" presetClass="entr" presetSubtype="0" fill="hold" grpId="0" nodeType="clickEffect">
-                                  <p:stCondLst>
-                                    <p:cond delay="0"/>
-                                  </p:stCondLst>
-                                  <p:childTnLst>
-                                    <p:set>
-                                      <p:cBhvr>
-                                        <p:cTn id="14" dur="1" fill="hold">
-                                          <p:stCondLst>
-                                            <p:cond delay="0"/>
-                                          </p:stCondLst>
-                                        </p:cTn>
-                                        <p:tgtEl>
-                                          <p:spTgt spid="7"/>
-                                        </p:tgtEl>
-                                        <p:attrNameLst>
-                                          <p:attrName>style.visibility</p:attrName>
-                                        </p:attrNameLst>
-                                      </p:cBhvr>
-                                      <p:to>
-                                        <p:strVal val="visible"/>
-                                      </p:to>
-                                    </p:set>
-                                  </p:childTnLst>
-                                </p:cTn>
-                              </p:par>
-                            </p:childTnLst>
-                          </p:cTn>
-                        </p:par>
-                      </p:childTnLst>
-                    </p:cTn>
-                  </p:par>
-                </p:childTnLst>
-              </p:cTn>
-              <p:prevCondLst>
-                <p:cond evt="onPrev" delay="0">
-                  <p:tgtEl>
-                    <p:sldTgt/>
-                  </p:tgtEl>
-                </p:cond>
-              </p:prevCondLst>
-              <p:nextCondLst>
-                <p:cond evt="onNext" delay="0">
-                  <p:tgtEl>
-                    <p:sldTgt/>
-                  </p:tgtEl>
-                </p:cond>
-              </p:nextCondLst>
-            </p:seq>
-          </p:childTnLst>
-        </p:cTn>
-      </p:par>
-    </p:tnLst>
-    <p:bldLst>
-      <p:bldP spid="4" grpId="0"/>
-      <p:bldP spid="5" grpId="0"/>
-      <p:bldP spid="7" grpId="0"/>
-    </p:bldLst>
-  </p:timing>
 </p:sld>
 </file>
 
@@ -5901,2129 +5798,6 @@
       </p:grpSpPr>
       <p:sp>
         <p:nvSpPr>
-          <p:cNvPr id="8" name="TextBox 7">
-            <a:extLst>
-              <a:ext uri="{FF2B5EF4-FFF2-40B4-BE49-F238E27FC236}">
-                <a16:creationId xmlns:a16="http://schemas.microsoft.com/office/drawing/2014/main" id="{AFAA642C-E4AF-4D17-8B46-1908085740A0}"/>
-              </a:ext>
-            </a:extLst>
-          </p:cNvPr>
-          <p:cNvSpPr txBox="1"/>
-          <p:nvPr/>
-        </p:nvSpPr>
-        <p:spPr>
-          <a:xfrm>
-            <a:off x="642996" y="4571216"/>
-            <a:ext cx="10906008" cy="1115415"/>
-          </a:xfrm>
-          <a:prstGeom prst="rect">
-            <a:avLst/>
-          </a:prstGeom>
-        </p:spPr>
-        <p:txBody>
-          <a:bodyPr vert="horz" lIns="91440" tIns="45720" rIns="91440" bIns="45720" rtlCol="0" anchor="b">
-            <a:normAutofit fontScale="32500" lnSpcReduction="20000"/>
-          </a:bodyPr>
-          <a:lstStyle/>
-          <a:p>
-            <a:pPr>
-              <a:lnSpc>
-                <a:spcPct val="90000"/>
-              </a:lnSpc>
-              <a:spcBef>
-                <a:spcPct val="0"/>
-              </a:spcBef>
-              <a:spcAft>
-                <a:spcPts val="600"/>
-              </a:spcAft>
-            </a:pPr>
-            <a:r>
-              <a:rPr lang="en-US" sz="6000" dirty="0"/>
-              <a:t>U </a:t>
-            </a:r>
-            <a:r>
-              <a:rPr lang="en-US" sz="6000" dirty="0" err="1"/>
-              <a:t>ovom</a:t>
-            </a:r>
-            <a:r>
-              <a:rPr lang="en-US" sz="6000" dirty="0"/>
-              <a:t> </a:t>
-            </a:r>
-            <a:r>
-              <a:rPr lang="en-US" sz="6000" dirty="0" err="1"/>
-              <a:t>primeru</a:t>
-            </a:r>
-            <a:r>
-              <a:rPr lang="en-US" sz="6000" dirty="0"/>
-              <a:t> </a:t>
-            </a:r>
-            <a:r>
-              <a:rPr lang="en-US" sz="6000" dirty="0" err="1"/>
-              <a:t>vidimo</a:t>
-            </a:r>
-            <a:r>
-              <a:rPr lang="en-US" sz="6000" dirty="0"/>
-              <a:t> </a:t>
-            </a:r>
-            <a:r>
-              <a:rPr lang="en-US" sz="6000" dirty="0" err="1"/>
-              <a:t>dva</a:t>
-            </a:r>
-            <a:r>
-              <a:rPr lang="en-US" sz="6000" dirty="0"/>
-              <a:t> </a:t>
-            </a:r>
-            <a:r>
-              <a:rPr lang="en-US" sz="6000" dirty="0" err="1"/>
-              <a:t>kontrolera</a:t>
-            </a:r>
-            <a:r>
-              <a:rPr lang="en-US" sz="6000" dirty="0"/>
-              <a:t> </a:t>
-            </a:r>
-            <a:r>
-              <a:rPr lang="en-US" sz="6000" dirty="0" err="1"/>
-              <a:t>koji</a:t>
-            </a:r>
-            <a:r>
-              <a:rPr lang="en-US" sz="6000" dirty="0"/>
-              <a:t> </a:t>
-            </a:r>
-            <a:r>
-              <a:rPr lang="en-US" sz="6000" dirty="0" err="1"/>
-              <a:t>kontrolišu</a:t>
-            </a:r>
-            <a:r>
-              <a:rPr lang="en-US" sz="6000" dirty="0"/>
-              <a:t> </a:t>
-            </a:r>
-            <a:r>
-              <a:rPr lang="en-US" sz="6000" dirty="0" err="1"/>
-              <a:t>različite</a:t>
-            </a:r>
-            <a:r>
-              <a:rPr lang="en-US" sz="6000" dirty="0"/>
-              <a:t> </a:t>
-            </a:r>
-            <a:r>
-              <a:rPr lang="en-US" sz="6000" dirty="0" err="1"/>
-              <a:t>delove</a:t>
-            </a:r>
-            <a:r>
-              <a:rPr lang="en-US" sz="6000" dirty="0"/>
-              <a:t> HTML </a:t>
-            </a:r>
-            <a:r>
-              <a:rPr lang="en-US" sz="6000" dirty="0" err="1"/>
-              <a:t>dokumenta</a:t>
-            </a:r>
-            <a:r>
-              <a:rPr lang="en-US" sz="6000" dirty="0"/>
-              <a:t>. </a:t>
-            </a:r>
-          </a:p>
-          <a:p>
-            <a:pPr>
-              <a:lnSpc>
-                <a:spcPct val="90000"/>
-              </a:lnSpc>
-              <a:spcBef>
-                <a:spcPct val="0"/>
-              </a:spcBef>
-              <a:spcAft>
-                <a:spcPts val="600"/>
-              </a:spcAft>
-            </a:pPr>
-            <a:r>
-              <a:rPr lang="en-US" sz="6000" dirty="0" err="1"/>
-              <a:t>Dodati</a:t>
-            </a:r>
-            <a:r>
-              <a:rPr lang="en-US" sz="6000" dirty="0"/>
-              <a:t> </a:t>
-            </a:r>
-            <a:r>
-              <a:rPr lang="en-US" sz="6000" dirty="0" err="1"/>
-              <a:t>su</a:t>
-            </a:r>
-            <a:r>
-              <a:rPr lang="en-US" sz="6000" dirty="0"/>
-              <a:t> </a:t>
-            </a:r>
-            <a:r>
-              <a:rPr lang="en-US" sz="6000" dirty="0" err="1"/>
-              <a:t>tako</a:t>
-            </a:r>
-            <a:r>
-              <a:rPr lang="en-US" sz="6000" dirty="0"/>
-              <a:t> da </a:t>
-            </a:r>
-            <a:r>
-              <a:rPr lang="en-US" sz="6000" dirty="0" err="1"/>
-              <a:t>jedan</a:t>
-            </a:r>
-            <a:r>
-              <a:rPr lang="en-US" sz="6000" dirty="0"/>
-              <a:t> </a:t>
-            </a:r>
-            <a:r>
-              <a:rPr lang="en-US" sz="6000" dirty="0" err="1"/>
-              <a:t>kontroler</a:t>
-            </a:r>
-            <a:r>
-              <a:rPr lang="en-US" sz="6000" dirty="0"/>
-              <a:t> </a:t>
-            </a:r>
-            <a:r>
-              <a:rPr lang="en-US" sz="6000" dirty="0" err="1"/>
-              <a:t>AngularJSKursController</a:t>
-            </a:r>
-            <a:r>
-              <a:rPr lang="en-US" sz="6000" dirty="0"/>
-              <a:t> </a:t>
-            </a:r>
-            <a:r>
-              <a:rPr lang="en-US" sz="6000" dirty="0" err="1"/>
-              <a:t>kontrol</a:t>
-            </a:r>
-            <a:r>
-              <a:rPr lang="sr-Latn-RS" sz="6000" dirty="0"/>
-              <a:t>iše gornji</a:t>
-            </a:r>
-            <a:r>
-              <a:rPr lang="en-US" sz="6000" dirty="0"/>
-              <a:t> </a:t>
-            </a:r>
-            <a:r>
-              <a:rPr lang="en-US" sz="6000" b="1" dirty="0"/>
-              <a:t>&lt;div&gt; </a:t>
-            </a:r>
-            <a:r>
-              <a:rPr lang="en-US" sz="6000" dirty="0"/>
-              <a:t>element</a:t>
-            </a:r>
-            <a:r>
-              <a:rPr lang="sr-Latn-RS" sz="6000" dirty="0"/>
-              <a:t>, a AngularJSKursControllerNoviScope kontroliše donji </a:t>
-            </a:r>
-            <a:r>
-              <a:rPr lang="en-US" sz="6000" b="1" dirty="0"/>
-              <a:t>&lt;</a:t>
-            </a:r>
-            <a:r>
-              <a:rPr lang="sr-Latn-RS" sz="6000" b="1" dirty="0"/>
-              <a:t>div</a:t>
-            </a:r>
-            <a:r>
-              <a:rPr lang="en-US" sz="6000" b="1" dirty="0"/>
-              <a:t>&gt;</a:t>
-            </a:r>
-            <a:r>
-              <a:rPr lang="sr-Latn-RS" sz="6000" b="1" dirty="0"/>
-              <a:t> </a:t>
-            </a:r>
-            <a:r>
-              <a:rPr lang="sr-Latn-RS" sz="6000" dirty="0"/>
-              <a:t>element</a:t>
-            </a:r>
-            <a:r>
-              <a:rPr lang="en-US" sz="6000" dirty="0"/>
-              <a:t> </a:t>
-            </a:r>
-          </a:p>
-        </p:txBody>
-      </p:sp>
-      <p:pic>
-        <p:nvPicPr>
-          <p:cNvPr id="5" name="Picture 4">
-            <a:extLst>
-              <a:ext uri="{FF2B5EF4-FFF2-40B4-BE49-F238E27FC236}">
-                <a16:creationId xmlns:a16="http://schemas.microsoft.com/office/drawing/2014/main" id="{83DACD50-AE9A-4A94-A105-83DA825F0ACA}"/>
-              </a:ext>
-            </a:extLst>
-          </p:cNvPr>
-          <p:cNvPicPr>
-            <a:picLocks noChangeAspect="1"/>
-          </p:cNvPicPr>
-          <p:nvPr/>
-        </p:nvPicPr>
-        <p:blipFill rotWithShape="1">
-          <a:blip r:embed="rId2">
-            <a:extLst>
-              <a:ext uri="{28A0092B-C50C-407E-A947-70E740481C1C}">
-                <a14:useLocalDpi xmlns:a14="http://schemas.microsoft.com/office/drawing/2010/main" val="0"/>
-              </a:ext>
-            </a:extLst>
-          </a:blip>
-          <a:srcRect l="13759" r="5878" b="2"/>
-          <a:stretch/>
-        </p:blipFill>
-        <p:spPr>
-          <a:xfrm>
-            <a:off x="4198620" y="320511"/>
-            <a:ext cx="3794760" cy="3930978"/>
-          </a:xfrm>
-          <a:prstGeom prst="rect">
-            <a:avLst/>
-          </a:prstGeom>
-        </p:spPr>
-      </p:pic>
-      <p:pic>
-        <p:nvPicPr>
-          <p:cNvPr id="7" name="Picture 6">
-            <a:extLst>
-              <a:ext uri="{FF2B5EF4-FFF2-40B4-BE49-F238E27FC236}">
-                <a16:creationId xmlns:a16="http://schemas.microsoft.com/office/drawing/2014/main" id="{1A3EDC2D-061E-4BBD-BF15-BA3251DDE3E6}"/>
-              </a:ext>
-            </a:extLst>
-          </p:cNvPr>
-          <p:cNvPicPr>
-            <a:picLocks noChangeAspect="1"/>
-          </p:cNvPicPr>
-          <p:nvPr/>
-        </p:nvPicPr>
-        <p:blipFill rotWithShape="1">
-          <a:blip r:embed="rId3">
-            <a:extLst>
-              <a:ext uri="{28A0092B-C50C-407E-A947-70E740481C1C}">
-                <a14:useLocalDpi xmlns:a14="http://schemas.microsoft.com/office/drawing/2010/main" val="0"/>
-              </a:ext>
-            </a:extLst>
-          </a:blip>
-          <a:srcRect l="13864" r="6735" b="-2"/>
-          <a:stretch/>
-        </p:blipFill>
-        <p:spPr>
-          <a:xfrm>
-            <a:off x="8183209" y="320511"/>
-            <a:ext cx="3794760" cy="3930978"/>
-          </a:xfrm>
-          <a:prstGeom prst="rect">
-            <a:avLst/>
-          </a:prstGeom>
-        </p:spPr>
-      </p:pic>
-      <p:pic>
-        <p:nvPicPr>
-          <p:cNvPr id="3" name="Picture 2">
-            <a:extLst>
-              <a:ext uri="{FF2B5EF4-FFF2-40B4-BE49-F238E27FC236}">
-                <a16:creationId xmlns:a16="http://schemas.microsoft.com/office/drawing/2014/main" id="{8F5D97EE-6BA7-49AB-8894-46F58F7D0FAE}"/>
-              </a:ext>
-            </a:extLst>
-          </p:cNvPr>
-          <p:cNvPicPr>
-            <a:picLocks noChangeAspect="1"/>
-          </p:cNvPicPr>
-          <p:nvPr/>
-        </p:nvPicPr>
-        <p:blipFill rotWithShape="1">
-          <a:blip r:embed="rId4">
-            <a:extLst>
-              <a:ext uri="{28A0092B-C50C-407E-A947-70E740481C1C}">
-                <a14:useLocalDpi xmlns:a14="http://schemas.microsoft.com/office/drawing/2010/main" val="0"/>
-              </a:ext>
-            </a:extLst>
-          </a:blip>
-          <a:srcRect l="5942" r="9346" b="-3"/>
-          <a:stretch/>
-        </p:blipFill>
-        <p:spPr>
-          <a:xfrm>
-            <a:off x="214031" y="320511"/>
-            <a:ext cx="3794760" cy="3930978"/>
-          </a:xfrm>
-          <a:prstGeom prst="rect">
-            <a:avLst/>
-          </a:prstGeom>
-        </p:spPr>
-      </p:pic>
-      <p:cxnSp>
-        <p:nvCxnSpPr>
-          <p:cNvPr id="13" name="Straight Connector 12">
-            <a:extLst>
-              <a:ext uri="{FF2B5EF4-FFF2-40B4-BE49-F238E27FC236}">
-                <a16:creationId xmlns:a16="http://schemas.microsoft.com/office/drawing/2014/main" id="{60188E89-AF78-40F6-B787-E9BD9C625686}"/>
-              </a:ext>
-              <a:ext uri="{C183D7F6-B498-43B3-948B-1728B52AA6E4}">
-                <adec:decorative xmlns:adec="http://schemas.microsoft.com/office/drawing/2017/decorative" val="1"/>
-              </a:ext>
-            </a:extLst>
-          </p:cNvPr>
-          <p:cNvCxnSpPr>
-            <a:cxnSpLocks noGrp="1" noRot="1" noChangeAspect="1" noMove="1" noResize="1" noEditPoints="1" noAdjustHandles="1" noChangeArrowheads="1" noChangeShapeType="1"/>
-          </p:cNvCxnSpPr>
-          <p:nvPr>
-            <p:extLst>
-              <p:ext uri="{386F3935-93C4-4BCD-93E2-E3B085C9AB24}">
-                <p16:designElem xmlns:p16="http://schemas.microsoft.com/office/powerpoint/2015/main" val="1"/>
-              </p:ext>
-            </p:extLst>
-          </p:nvPr>
-        </p:nvCxnSpPr>
-        <p:spPr>
-          <a:xfrm>
-            <a:off x="1524000" y="5778706"/>
-            <a:ext cx="9144000" cy="0"/>
-          </a:xfrm>
-          <a:prstGeom prst="line">
-            <a:avLst/>
-          </a:prstGeom>
-          <a:ln w="19050">
-            <a:solidFill>
-              <a:srgbClr val="997B4B"/>
-            </a:solidFill>
-          </a:ln>
-        </p:spPr>
-        <p:style>
-          <a:lnRef idx="1">
-            <a:schemeClr val="accent1"/>
-          </a:lnRef>
-          <a:fillRef idx="0">
-            <a:schemeClr val="accent1"/>
-          </a:fillRef>
-          <a:effectRef idx="0">
-            <a:schemeClr val="accent1"/>
-          </a:effectRef>
-          <a:fontRef idx="minor">
-            <a:schemeClr val="tx1"/>
-          </a:fontRef>
-        </p:style>
-      </p:cxnSp>
-    </p:spTree>
-    <p:extLst>
-      <p:ext uri="{BB962C8B-B14F-4D97-AF65-F5344CB8AC3E}">
-        <p14:creationId xmlns:p14="http://schemas.microsoft.com/office/powerpoint/2010/main" val="2767260137"/>
-      </p:ext>
-    </p:extLst>
-  </p:cSld>
-  <p:clrMapOvr>
-    <a:masterClrMapping/>
-  </p:clrMapOvr>
-  <p:timing>
-    <p:tnLst>
-      <p:par>
-        <p:cTn id="1" dur="indefinite" restart="never" nodeType="tmRoot">
-          <p:childTnLst>
-            <p:seq concurrent="1" nextAc="seek">
-              <p:cTn id="2" dur="indefinite" nodeType="mainSeq">
-                <p:childTnLst>
-                  <p:par>
-                    <p:cTn id="3" fill="hold">
-                      <p:stCondLst>
-                        <p:cond delay="indefinite"/>
-                      </p:stCondLst>
-                      <p:childTnLst>
-                        <p:par>
-                          <p:cTn id="4" fill="hold">
-                            <p:stCondLst>
-                              <p:cond delay="0"/>
-                            </p:stCondLst>
-                            <p:childTnLst>
-                              <p:par>
-                                <p:cTn id="5" presetID="1" presetClass="entr" presetSubtype="0" fill="hold" grpId="0" nodeType="clickEffect">
-                                  <p:stCondLst>
-                                    <p:cond delay="0"/>
-                                  </p:stCondLst>
-                                  <p:childTnLst>
-                                    <p:set>
-                                      <p:cBhvr>
-                                        <p:cTn id="6" dur="1" fill="hold">
-                                          <p:stCondLst>
-                                            <p:cond delay="0"/>
-                                          </p:stCondLst>
-                                        </p:cTn>
-                                        <p:tgtEl>
-                                          <p:spTgt spid="8"/>
-                                        </p:tgtEl>
-                                        <p:attrNameLst>
-                                          <p:attrName>style.visibility</p:attrName>
-                                        </p:attrNameLst>
-                                      </p:cBhvr>
-                                      <p:to>
-                                        <p:strVal val="visible"/>
-                                      </p:to>
-                                    </p:set>
-                                  </p:childTnLst>
-                                </p:cTn>
-                              </p:par>
-                            </p:childTnLst>
-                          </p:cTn>
-                        </p:par>
-                      </p:childTnLst>
-                    </p:cTn>
-                  </p:par>
-                  <p:par>
-                    <p:cTn id="7" fill="hold">
-                      <p:stCondLst>
-                        <p:cond delay="indefinite"/>
-                      </p:stCondLst>
-                      <p:childTnLst>
-                        <p:par>
-                          <p:cTn id="8" fill="hold">
-                            <p:stCondLst>
-                              <p:cond delay="0"/>
-                            </p:stCondLst>
-                            <p:childTnLst>
-                              <p:par>
-                                <p:cTn id="9" presetID="1" presetClass="entr" presetSubtype="0" fill="hold" nodeType="clickEffect">
-                                  <p:stCondLst>
-                                    <p:cond delay="0"/>
-                                  </p:stCondLst>
-                                  <p:childTnLst>
-                                    <p:set>
-                                      <p:cBhvr>
-                                        <p:cTn id="10" dur="1" fill="hold">
-                                          <p:stCondLst>
-                                            <p:cond delay="0"/>
-                                          </p:stCondLst>
-                                        </p:cTn>
-                                        <p:tgtEl>
-                                          <p:spTgt spid="5"/>
-                                        </p:tgtEl>
-                                        <p:attrNameLst>
-                                          <p:attrName>style.visibility</p:attrName>
-                                        </p:attrNameLst>
-                                      </p:cBhvr>
-                                      <p:to>
-                                        <p:strVal val="visible"/>
-                                      </p:to>
-                                    </p:set>
-                                  </p:childTnLst>
-                                </p:cTn>
-                              </p:par>
-                            </p:childTnLst>
-                          </p:cTn>
-                        </p:par>
-                      </p:childTnLst>
-                    </p:cTn>
-                  </p:par>
-                  <p:par>
-                    <p:cTn id="11" fill="hold">
-                      <p:stCondLst>
-                        <p:cond delay="indefinite"/>
-                      </p:stCondLst>
-                      <p:childTnLst>
-                        <p:par>
-                          <p:cTn id="12" fill="hold">
-                            <p:stCondLst>
-                              <p:cond delay="0"/>
-                            </p:stCondLst>
-                            <p:childTnLst>
-                              <p:par>
-                                <p:cTn id="13" presetID="1" presetClass="entr" presetSubtype="0" fill="hold" nodeType="clickEffect">
-                                  <p:stCondLst>
-                                    <p:cond delay="0"/>
-                                  </p:stCondLst>
-                                  <p:childTnLst>
-                                    <p:set>
-                                      <p:cBhvr>
-                                        <p:cTn id="14" dur="1" fill="hold">
-                                          <p:stCondLst>
-                                            <p:cond delay="0"/>
-                                          </p:stCondLst>
-                                        </p:cTn>
-                                        <p:tgtEl>
-                                          <p:spTgt spid="7"/>
-                                        </p:tgtEl>
-                                        <p:attrNameLst>
-                                          <p:attrName>style.visibility</p:attrName>
-                                        </p:attrNameLst>
-                                      </p:cBhvr>
-                                      <p:to>
-                                        <p:strVal val="visible"/>
-                                      </p:to>
-                                    </p:set>
-                                  </p:childTnLst>
-                                </p:cTn>
-                              </p:par>
-                            </p:childTnLst>
-                          </p:cTn>
-                        </p:par>
-                      </p:childTnLst>
-                    </p:cTn>
-                  </p:par>
-                </p:childTnLst>
-              </p:cTn>
-              <p:prevCondLst>
-                <p:cond evt="onPrev" delay="0">
-                  <p:tgtEl>
-                    <p:sldTgt/>
-                  </p:tgtEl>
-                </p:cond>
-              </p:prevCondLst>
-              <p:nextCondLst>
-                <p:cond evt="onNext" delay="0">
-                  <p:tgtEl>
-                    <p:sldTgt/>
-                  </p:tgtEl>
-                </p:cond>
-              </p:nextCondLst>
-            </p:seq>
-          </p:childTnLst>
-        </p:cTn>
-      </p:par>
-    </p:tnLst>
-    <p:bldLst>
-      <p:bldP spid="8" grpId="0"/>
-    </p:bldLst>
-  </p:timing>
-</p:sld>
-</file>
-
-<file path=ppt/slides/slide12.xml><?xml version="1.0" encoding="utf-8"?>
-<p:sld xmlns:a="http://schemas.openxmlformats.org/drawingml/2006/main" xmlns:r="http://schemas.openxmlformats.org/officeDocument/2006/relationships" xmlns:p="http://schemas.openxmlformats.org/presentationml/2006/main">
-  <p:cSld>
-    <p:bg>
-      <p:bgPr>
-        <a:solidFill>
-          <a:schemeClr val="bg1"/>
-        </a:solidFill>
-        <a:effectLst/>
-      </p:bgPr>
-    </p:bg>
-    <p:spTree>
-      <p:nvGrpSpPr>
-        <p:cNvPr id="1" name=""/>
-        <p:cNvGrpSpPr/>
-        <p:nvPr/>
-      </p:nvGrpSpPr>
-      <p:grpSpPr>
-        <a:xfrm>
-          <a:off x="0" y="0"/>
-          <a:ext cx="0" cy="0"/>
-          <a:chOff x="0" y="0"/>
-          <a:chExt cx="0" cy="0"/>
-        </a:xfrm>
-      </p:grpSpPr>
-      <p:pic>
-        <p:nvPicPr>
-          <p:cNvPr id="3" name="Picture 2">
-            <a:extLst>
-              <a:ext uri="{FF2B5EF4-FFF2-40B4-BE49-F238E27FC236}">
-                <a16:creationId xmlns:a16="http://schemas.microsoft.com/office/drawing/2014/main" id="{61B5AA47-A372-46B1-9FF0-93AB5B62960B}"/>
-              </a:ext>
-            </a:extLst>
-          </p:cNvPr>
-          <p:cNvPicPr>
-            <a:picLocks noChangeAspect="1"/>
-          </p:cNvPicPr>
-          <p:nvPr/>
-        </p:nvPicPr>
-        <p:blipFill>
-          <a:blip r:embed="rId2">
-            <a:extLst>
-              <a:ext uri="{28A0092B-C50C-407E-A947-70E740481C1C}">
-                <a14:useLocalDpi xmlns:a14="http://schemas.microsoft.com/office/drawing/2010/main" val="0"/>
-              </a:ext>
-            </a:extLst>
-          </a:blip>
-          <a:stretch>
-            <a:fillRect/>
-          </a:stretch>
-        </p:blipFill>
-        <p:spPr>
-          <a:xfrm>
-            <a:off x="1115615" y="1920027"/>
-            <a:ext cx="4742993" cy="3011800"/>
-          </a:xfrm>
-          <a:prstGeom prst="rect">
-            <a:avLst/>
-          </a:prstGeom>
-        </p:spPr>
-      </p:pic>
-      <p:cxnSp>
-        <p:nvCxnSpPr>
-          <p:cNvPr id="10" name="Straight Connector 9">
-            <a:extLst>
-              <a:ext uri="{FF2B5EF4-FFF2-40B4-BE49-F238E27FC236}">
-                <a16:creationId xmlns:a16="http://schemas.microsoft.com/office/drawing/2014/main" id="{4D56677B-C0B7-4DAC-ACAD-8054FF1B599A}"/>
-              </a:ext>
-              <a:ext uri="{C183D7F6-B498-43B3-948B-1728B52AA6E4}">
-                <adec:decorative xmlns:adec="http://schemas.microsoft.com/office/drawing/2017/decorative" val="1"/>
-              </a:ext>
-            </a:extLst>
-          </p:cNvPr>
-          <p:cNvCxnSpPr>
-            <a:cxnSpLocks noGrp="1" noRot="1" noChangeAspect="1" noMove="1" noResize="1" noEditPoints="1" noAdjustHandles="1" noChangeArrowheads="1" noChangeShapeType="1"/>
-          </p:cNvCxnSpPr>
-          <p:nvPr>
-            <p:extLst>
-              <p:ext uri="{386F3935-93C4-4BCD-93E2-E3B085C9AB24}">
-                <p16:designElem xmlns:p16="http://schemas.microsoft.com/office/powerpoint/2015/main" val="1"/>
-              </p:ext>
-            </p:extLst>
-          </p:nvPr>
-        </p:nvCxnSpPr>
-        <p:spPr>
-          <a:xfrm>
-            <a:off x="6096000" y="1573887"/>
-            <a:ext cx="0" cy="3710227"/>
-          </a:xfrm>
-          <a:prstGeom prst="line">
-            <a:avLst/>
-          </a:prstGeom>
-          <a:ln w="19050">
-            <a:solidFill>
-              <a:srgbClr val="CB3222"/>
-            </a:solidFill>
-          </a:ln>
-        </p:spPr>
-        <p:style>
-          <a:lnRef idx="1">
-            <a:schemeClr val="accent1"/>
-          </a:lnRef>
-          <a:fillRef idx="0">
-            <a:schemeClr val="accent1"/>
-          </a:fillRef>
-          <a:effectRef idx="0">
-            <a:schemeClr val="accent1"/>
-          </a:effectRef>
-          <a:fontRef idx="minor">
-            <a:schemeClr val="tx1"/>
-          </a:fontRef>
-        </p:style>
-      </p:cxnSp>
-      <p:pic>
-        <p:nvPicPr>
-          <p:cNvPr id="5" name="Picture 4">
-            <a:extLst>
-              <a:ext uri="{FF2B5EF4-FFF2-40B4-BE49-F238E27FC236}">
-                <a16:creationId xmlns:a16="http://schemas.microsoft.com/office/drawing/2014/main" id="{270018F4-0041-4003-B8B2-930D543FDC7C}"/>
-              </a:ext>
-            </a:extLst>
-          </p:cNvPr>
-          <p:cNvPicPr>
-            <a:picLocks noChangeAspect="1"/>
-          </p:cNvPicPr>
-          <p:nvPr/>
-        </p:nvPicPr>
-        <p:blipFill>
-          <a:blip r:embed="rId3">
-            <a:extLst>
-              <a:ext uri="{28A0092B-C50C-407E-A947-70E740481C1C}">
-                <a14:useLocalDpi xmlns:a14="http://schemas.microsoft.com/office/drawing/2010/main" val="0"/>
-              </a:ext>
-            </a:extLst>
-          </a:blip>
-          <a:stretch>
-            <a:fillRect/>
-          </a:stretch>
-        </p:blipFill>
-        <p:spPr>
-          <a:xfrm>
-            <a:off x="6343240" y="1717932"/>
-            <a:ext cx="4728015" cy="3415990"/>
-          </a:xfrm>
-          <a:prstGeom prst="rect">
-            <a:avLst/>
-          </a:prstGeom>
-        </p:spPr>
-      </p:pic>
-      <p:sp>
-        <p:nvSpPr>
-          <p:cNvPr id="7" name="TextBox 6">
-            <a:extLst>
-              <a:ext uri="{FF2B5EF4-FFF2-40B4-BE49-F238E27FC236}">
-                <a16:creationId xmlns:a16="http://schemas.microsoft.com/office/drawing/2014/main" id="{BBE5365F-56A3-44C8-8665-074FB71BD0C3}"/>
-              </a:ext>
-            </a:extLst>
-          </p:cNvPr>
-          <p:cNvSpPr txBox="1"/>
-          <p:nvPr/>
-        </p:nvSpPr>
-        <p:spPr>
-          <a:xfrm>
-            <a:off x="1115615" y="394103"/>
-            <a:ext cx="7371954" cy="369332"/>
-          </a:xfrm>
-          <a:prstGeom prst="rect">
-            <a:avLst/>
-          </a:prstGeom>
-          <a:noFill/>
-        </p:spPr>
-        <p:txBody>
-          <a:bodyPr wrap="none" rtlCol="0">
-            <a:spAutoFit/>
-          </a:bodyPr>
-          <a:lstStyle/>
-          <a:p>
-            <a:r>
-              <a:rPr lang="en-US" dirty="0"/>
-              <a:t>Data-binding – </a:t>
-            </a:r>
-            <a:r>
-              <a:rPr lang="en-US" dirty="0" err="1"/>
-              <a:t>povezivanje</a:t>
-            </a:r>
-            <a:r>
-              <a:rPr lang="en-US" dirty="0"/>
-              <a:t> </a:t>
-            </a:r>
-            <a:r>
-              <a:rPr lang="en-US" dirty="0" err="1"/>
-              <a:t>modela</a:t>
-            </a:r>
-            <a:r>
-              <a:rPr lang="en-US" dirty="0"/>
-              <a:t> </a:t>
-            </a:r>
-            <a:r>
-              <a:rPr lang="sr-Latn-RS" dirty="0"/>
-              <a:t>i</a:t>
-            </a:r>
-            <a:r>
-              <a:rPr lang="en-US" dirty="0"/>
-              <a:t> view </a:t>
-            </a:r>
-            <a:r>
-              <a:rPr lang="en-US" dirty="0" err="1"/>
-              <a:t>komponenti</a:t>
-            </a:r>
-            <a:r>
-              <a:rPr lang="en-US" dirty="0"/>
-              <a:t> (ono </a:t>
-            </a:r>
-            <a:r>
-              <a:rPr lang="sr-Latn-RS" dirty="0"/>
-              <a:t>što korisnik vidi</a:t>
-            </a:r>
-            <a:r>
-              <a:rPr lang="en-US" dirty="0"/>
-              <a:t>) </a:t>
-            </a:r>
-            <a:endParaRPr lang="en-GB" dirty="0"/>
-          </a:p>
-        </p:txBody>
-      </p:sp>
-      <p:sp>
-        <p:nvSpPr>
-          <p:cNvPr id="8" name="TextBox 7">
-            <a:extLst>
-              <a:ext uri="{FF2B5EF4-FFF2-40B4-BE49-F238E27FC236}">
-                <a16:creationId xmlns:a16="http://schemas.microsoft.com/office/drawing/2014/main" id="{A6E47350-EE08-4D9D-A05A-53A48F72B23C}"/>
-              </a:ext>
-            </a:extLst>
-          </p:cNvPr>
-          <p:cNvSpPr txBox="1"/>
-          <p:nvPr/>
-        </p:nvSpPr>
-        <p:spPr>
-          <a:xfrm>
-            <a:off x="1115615" y="763435"/>
-            <a:ext cx="11143948" cy="369332"/>
-          </a:xfrm>
-          <a:prstGeom prst="rect">
-            <a:avLst/>
-          </a:prstGeom>
-          <a:noFill/>
-        </p:spPr>
-        <p:txBody>
-          <a:bodyPr wrap="none" rtlCol="0">
-            <a:spAutoFit/>
-          </a:bodyPr>
-          <a:lstStyle/>
-          <a:p>
-            <a:r>
-              <a:rPr lang="sr-Latn-RS" dirty="0"/>
-              <a:t>Klasični sajtovi koriste One-Way Data Binding. Template i model se spoje prilikom kompajliranja i prikaže se korisniku. </a:t>
-            </a:r>
-            <a:endParaRPr lang="en-GB" dirty="0"/>
-          </a:p>
-        </p:txBody>
-      </p:sp>
-      <p:sp>
-        <p:nvSpPr>
-          <p:cNvPr id="9" name="TextBox 8">
-            <a:extLst>
-              <a:ext uri="{FF2B5EF4-FFF2-40B4-BE49-F238E27FC236}">
-                <a16:creationId xmlns:a16="http://schemas.microsoft.com/office/drawing/2014/main" id="{C7F8E1CE-AF1A-4330-A5A4-A4353085506E}"/>
-              </a:ext>
-            </a:extLst>
-          </p:cNvPr>
-          <p:cNvSpPr txBox="1"/>
-          <p:nvPr/>
-        </p:nvSpPr>
-        <p:spPr>
-          <a:xfrm>
-            <a:off x="1115615" y="1132767"/>
-            <a:ext cx="9522350" cy="369332"/>
-          </a:xfrm>
-          <a:prstGeom prst="rect">
-            <a:avLst/>
-          </a:prstGeom>
-          <a:noFill/>
-        </p:spPr>
-        <p:txBody>
-          <a:bodyPr wrap="none" rtlCol="0">
-            <a:spAutoFit/>
-          </a:bodyPr>
-          <a:lstStyle/>
-          <a:p>
-            <a:r>
-              <a:rPr lang="sr-Latn-RS" dirty="0"/>
-              <a:t>Angular koristi Two-Way Data Binding što znači da promene na </a:t>
-            </a:r>
-            <a:r>
-              <a:rPr lang="sr-Latn-RS" b="1" dirty="0"/>
-              <a:t>view </a:t>
-            </a:r>
-            <a:r>
-              <a:rPr lang="sr-Latn-RS" dirty="0"/>
-              <a:t>update-uju model i obrnuto.</a:t>
-            </a:r>
-            <a:endParaRPr lang="en-GB" dirty="0"/>
-          </a:p>
-        </p:txBody>
-      </p:sp>
-    </p:spTree>
-    <p:extLst>
-      <p:ext uri="{BB962C8B-B14F-4D97-AF65-F5344CB8AC3E}">
-        <p14:creationId xmlns:p14="http://schemas.microsoft.com/office/powerpoint/2010/main" val="273023023"/>
-      </p:ext>
-    </p:extLst>
-  </p:cSld>
-  <p:clrMapOvr>
-    <a:masterClrMapping/>
-  </p:clrMapOvr>
-  <p:timing>
-    <p:tnLst>
-      <p:par>
-        <p:cTn id="1" dur="indefinite" restart="never" nodeType="tmRoot">
-          <p:childTnLst>
-            <p:seq concurrent="1" nextAc="seek">
-              <p:cTn id="2" dur="indefinite" nodeType="mainSeq">
-                <p:childTnLst>
-                  <p:par>
-                    <p:cTn id="3" fill="hold">
-                      <p:stCondLst>
-                        <p:cond delay="indefinite"/>
-                      </p:stCondLst>
-                      <p:childTnLst>
-                        <p:par>
-                          <p:cTn id="4" fill="hold">
-                            <p:stCondLst>
-                              <p:cond delay="0"/>
-                            </p:stCondLst>
-                            <p:childTnLst>
-                              <p:par>
-                                <p:cTn id="5" presetID="1" presetClass="entr" presetSubtype="0" fill="hold" grpId="0" nodeType="clickEffect">
-                                  <p:stCondLst>
-                                    <p:cond delay="0"/>
-                                  </p:stCondLst>
-                                  <p:childTnLst>
-                                    <p:set>
-                                      <p:cBhvr>
-                                        <p:cTn id="6" dur="1" fill="hold">
-                                          <p:stCondLst>
-                                            <p:cond delay="0"/>
-                                          </p:stCondLst>
-                                        </p:cTn>
-                                        <p:tgtEl>
-                                          <p:spTgt spid="7"/>
-                                        </p:tgtEl>
-                                        <p:attrNameLst>
-                                          <p:attrName>style.visibility</p:attrName>
-                                        </p:attrNameLst>
-                                      </p:cBhvr>
-                                      <p:to>
-                                        <p:strVal val="visible"/>
-                                      </p:to>
-                                    </p:set>
-                                  </p:childTnLst>
-                                </p:cTn>
-                              </p:par>
-                            </p:childTnLst>
-                          </p:cTn>
-                        </p:par>
-                      </p:childTnLst>
-                    </p:cTn>
-                  </p:par>
-                  <p:par>
-                    <p:cTn id="7" fill="hold">
-                      <p:stCondLst>
-                        <p:cond delay="indefinite"/>
-                      </p:stCondLst>
-                      <p:childTnLst>
-                        <p:par>
-                          <p:cTn id="8" fill="hold">
-                            <p:stCondLst>
-                              <p:cond delay="0"/>
-                            </p:stCondLst>
-                            <p:childTnLst>
-                              <p:par>
-                                <p:cTn id="9" presetID="1" presetClass="entr" presetSubtype="0" fill="hold" grpId="0" nodeType="clickEffect">
-                                  <p:stCondLst>
-                                    <p:cond delay="0"/>
-                                  </p:stCondLst>
-                                  <p:childTnLst>
-                                    <p:set>
-                                      <p:cBhvr>
-                                        <p:cTn id="10" dur="1" fill="hold">
-                                          <p:stCondLst>
-                                            <p:cond delay="0"/>
-                                          </p:stCondLst>
-                                        </p:cTn>
-                                        <p:tgtEl>
-                                          <p:spTgt spid="8"/>
-                                        </p:tgtEl>
-                                        <p:attrNameLst>
-                                          <p:attrName>style.visibility</p:attrName>
-                                        </p:attrNameLst>
-                                      </p:cBhvr>
-                                      <p:to>
-                                        <p:strVal val="visible"/>
-                                      </p:to>
-                                    </p:set>
-                                  </p:childTnLst>
-                                </p:cTn>
-                              </p:par>
-                            </p:childTnLst>
-                          </p:cTn>
-                        </p:par>
-                      </p:childTnLst>
-                    </p:cTn>
-                  </p:par>
-                  <p:par>
-                    <p:cTn id="11" fill="hold">
-                      <p:stCondLst>
-                        <p:cond delay="indefinite"/>
-                      </p:stCondLst>
-                      <p:childTnLst>
-                        <p:par>
-                          <p:cTn id="12" fill="hold">
-                            <p:stCondLst>
-                              <p:cond delay="0"/>
-                            </p:stCondLst>
-                            <p:childTnLst>
-                              <p:par>
-                                <p:cTn id="13" presetID="1" presetClass="entr" presetSubtype="0" fill="hold" nodeType="clickEffect">
-                                  <p:stCondLst>
-                                    <p:cond delay="0"/>
-                                  </p:stCondLst>
-                                  <p:childTnLst>
-                                    <p:set>
-                                      <p:cBhvr>
-                                        <p:cTn id="14" dur="1" fill="hold">
-                                          <p:stCondLst>
-                                            <p:cond delay="0"/>
-                                          </p:stCondLst>
-                                        </p:cTn>
-                                        <p:tgtEl>
-                                          <p:spTgt spid="3"/>
-                                        </p:tgtEl>
-                                        <p:attrNameLst>
-                                          <p:attrName>style.visibility</p:attrName>
-                                        </p:attrNameLst>
-                                      </p:cBhvr>
-                                      <p:to>
-                                        <p:strVal val="visible"/>
-                                      </p:to>
-                                    </p:set>
-                                  </p:childTnLst>
-                                </p:cTn>
-                              </p:par>
-                            </p:childTnLst>
-                          </p:cTn>
-                        </p:par>
-                      </p:childTnLst>
-                    </p:cTn>
-                  </p:par>
-                  <p:par>
-                    <p:cTn id="15" fill="hold">
-                      <p:stCondLst>
-                        <p:cond delay="indefinite"/>
-                      </p:stCondLst>
-                      <p:childTnLst>
-                        <p:par>
-                          <p:cTn id="16" fill="hold">
-                            <p:stCondLst>
-                              <p:cond delay="0"/>
-                            </p:stCondLst>
-                            <p:childTnLst>
-                              <p:par>
-                                <p:cTn id="17" presetID="1" presetClass="entr" presetSubtype="0" fill="hold" grpId="0" nodeType="clickEffect">
-                                  <p:stCondLst>
-                                    <p:cond delay="0"/>
-                                  </p:stCondLst>
-                                  <p:childTnLst>
-                                    <p:set>
-                                      <p:cBhvr>
-                                        <p:cTn id="18" dur="1" fill="hold">
-                                          <p:stCondLst>
-                                            <p:cond delay="0"/>
-                                          </p:stCondLst>
-                                        </p:cTn>
-                                        <p:tgtEl>
-                                          <p:spTgt spid="9"/>
-                                        </p:tgtEl>
-                                        <p:attrNameLst>
-                                          <p:attrName>style.visibility</p:attrName>
-                                        </p:attrNameLst>
-                                      </p:cBhvr>
-                                      <p:to>
-                                        <p:strVal val="visible"/>
-                                      </p:to>
-                                    </p:set>
-                                  </p:childTnLst>
-                                </p:cTn>
-                              </p:par>
-                            </p:childTnLst>
-                          </p:cTn>
-                        </p:par>
-                      </p:childTnLst>
-                    </p:cTn>
-                  </p:par>
-                  <p:par>
-                    <p:cTn id="19" fill="hold">
-                      <p:stCondLst>
-                        <p:cond delay="indefinite"/>
-                      </p:stCondLst>
-                      <p:childTnLst>
-                        <p:par>
-                          <p:cTn id="20" fill="hold">
-                            <p:stCondLst>
-                              <p:cond delay="0"/>
-                            </p:stCondLst>
-                            <p:childTnLst>
-                              <p:par>
-                                <p:cTn id="21" presetID="1" presetClass="entr" presetSubtype="0" fill="hold" nodeType="clickEffect">
-                                  <p:stCondLst>
-                                    <p:cond delay="0"/>
-                                  </p:stCondLst>
-                                  <p:childTnLst>
-                                    <p:set>
-                                      <p:cBhvr>
-                                        <p:cTn id="22" dur="1" fill="hold">
-                                          <p:stCondLst>
-                                            <p:cond delay="0"/>
-                                          </p:stCondLst>
-                                        </p:cTn>
-                                        <p:tgtEl>
-                                          <p:spTgt spid="5"/>
-                                        </p:tgtEl>
-                                        <p:attrNameLst>
-                                          <p:attrName>style.visibility</p:attrName>
-                                        </p:attrNameLst>
-                                      </p:cBhvr>
-                                      <p:to>
-                                        <p:strVal val="visible"/>
-                                      </p:to>
-                                    </p:set>
-                                  </p:childTnLst>
-                                </p:cTn>
-                              </p:par>
-                            </p:childTnLst>
-                          </p:cTn>
-                        </p:par>
-                      </p:childTnLst>
-                    </p:cTn>
-                  </p:par>
-                </p:childTnLst>
-              </p:cTn>
-              <p:prevCondLst>
-                <p:cond evt="onPrev" delay="0">
-                  <p:tgtEl>
-                    <p:sldTgt/>
-                  </p:tgtEl>
-                </p:cond>
-              </p:prevCondLst>
-              <p:nextCondLst>
-                <p:cond evt="onNext" delay="0">
-                  <p:tgtEl>
-                    <p:sldTgt/>
-                  </p:tgtEl>
-                </p:cond>
-              </p:nextCondLst>
-            </p:seq>
-          </p:childTnLst>
-        </p:cTn>
-      </p:par>
-    </p:tnLst>
-    <p:bldLst>
-      <p:bldP spid="7" grpId="0"/>
-      <p:bldP spid="8" grpId="0"/>
-      <p:bldP spid="9" grpId="0"/>
-    </p:bldLst>
-  </p:timing>
-</p:sld>
-</file>
-
-<file path=ppt/slides/slide13.xml><?xml version="1.0" encoding="utf-8"?>
-<p:sld xmlns:a="http://schemas.openxmlformats.org/drawingml/2006/main" xmlns:r="http://schemas.openxmlformats.org/officeDocument/2006/relationships" xmlns:p="http://schemas.openxmlformats.org/presentationml/2006/main">
-  <p:cSld>
-    <p:spTree>
-      <p:nvGrpSpPr>
-        <p:cNvPr id="1" name=""/>
-        <p:cNvGrpSpPr/>
-        <p:nvPr/>
-      </p:nvGrpSpPr>
-      <p:grpSpPr>
-        <a:xfrm>
-          <a:off x="0" y="0"/>
-          <a:ext cx="0" cy="0"/>
-          <a:chOff x="0" y="0"/>
-          <a:chExt cx="0" cy="0"/>
-        </a:xfrm>
-      </p:grpSpPr>
-      <p:pic>
-        <p:nvPicPr>
-          <p:cNvPr id="5" name="Picture 4">
-            <a:extLst>
-              <a:ext uri="{FF2B5EF4-FFF2-40B4-BE49-F238E27FC236}">
-                <a16:creationId xmlns:a16="http://schemas.microsoft.com/office/drawing/2014/main" id="{21A6958E-148C-4C17-847C-5906A3C877E7}"/>
-              </a:ext>
-            </a:extLst>
-          </p:cNvPr>
-          <p:cNvPicPr>
-            <a:picLocks noChangeAspect="1"/>
-          </p:cNvPicPr>
-          <p:nvPr/>
-        </p:nvPicPr>
-        <p:blipFill>
-          <a:blip r:embed="rId2">
-            <a:extLst>
-              <a:ext uri="{28A0092B-C50C-407E-A947-70E740481C1C}">
-                <a14:useLocalDpi xmlns:a14="http://schemas.microsoft.com/office/drawing/2010/main" val="0"/>
-              </a:ext>
-            </a:extLst>
-          </a:blip>
-          <a:stretch>
-            <a:fillRect/>
-          </a:stretch>
-        </p:blipFill>
-        <p:spPr>
-          <a:xfrm>
-            <a:off x="261774" y="1035368"/>
-            <a:ext cx="4505325" cy="2200275"/>
-          </a:xfrm>
-          <a:prstGeom prst="rect">
-            <a:avLst/>
-          </a:prstGeom>
-        </p:spPr>
-      </p:pic>
-      <p:sp>
-        <p:nvSpPr>
-          <p:cNvPr id="9" name="TextBox 8">
-            <a:extLst>
-              <a:ext uri="{FF2B5EF4-FFF2-40B4-BE49-F238E27FC236}">
-                <a16:creationId xmlns:a16="http://schemas.microsoft.com/office/drawing/2014/main" id="{621CD686-7C5C-4285-863B-8986B754AADE}"/>
-              </a:ext>
-            </a:extLst>
-          </p:cNvPr>
-          <p:cNvSpPr txBox="1"/>
-          <p:nvPr/>
-        </p:nvSpPr>
-        <p:spPr>
-          <a:xfrm>
-            <a:off x="4897949" y="1035368"/>
-            <a:ext cx="6986721" cy="4801314"/>
-          </a:xfrm>
-          <a:prstGeom prst="rect">
-            <a:avLst/>
-          </a:prstGeom>
-          <a:noFill/>
-        </p:spPr>
-        <p:txBody>
-          <a:bodyPr wrap="none" rtlCol="0">
-            <a:spAutoFit/>
-          </a:bodyPr>
-          <a:lstStyle/>
-          <a:p>
-            <a:r>
-              <a:rPr lang="en-GB" dirty="0">
-                <a:solidFill>
-                  <a:srgbClr val="EBDBB2"/>
-                </a:solidFill>
-                <a:latin typeface="Consolas" panose="020B0609020204030204" pitchFamily="49" charset="0"/>
-              </a:rPr>
-              <a:t>&lt;</a:t>
-            </a:r>
-            <a:r>
-              <a:rPr lang="en-GB" dirty="0">
-                <a:solidFill>
-                  <a:srgbClr val="FABD2F"/>
-                </a:solidFill>
-                <a:latin typeface="Consolas" panose="020B0609020204030204" pitchFamily="49" charset="0"/>
-              </a:rPr>
-              <a:t>input</a:t>
-            </a:r>
-            <a:r>
-              <a:rPr lang="en-GB" dirty="0">
-                <a:solidFill>
-                  <a:srgbClr val="F2E5BC"/>
-                </a:solidFill>
-                <a:latin typeface="Consolas" panose="020B0609020204030204" pitchFamily="49" charset="0"/>
-              </a:rPr>
-              <a:t> </a:t>
-            </a:r>
-            <a:r>
-              <a:rPr lang="en-GB" dirty="0">
-                <a:solidFill>
-                  <a:srgbClr val="7EC16E"/>
-                </a:solidFill>
-                <a:latin typeface="Consolas" panose="020B0609020204030204" pitchFamily="49" charset="0"/>
-              </a:rPr>
-              <a:t>type</a:t>
-            </a:r>
-            <a:r>
-              <a:rPr lang="en-GB" dirty="0">
-                <a:solidFill>
-                  <a:srgbClr val="EBDBB2"/>
-                </a:solidFill>
-                <a:latin typeface="Consolas" panose="020B0609020204030204" pitchFamily="49" charset="0"/>
-              </a:rPr>
-              <a:t>="</a:t>
-            </a:r>
-            <a:r>
-              <a:rPr lang="en-GB" dirty="0">
-                <a:solidFill>
-                  <a:srgbClr val="B8BB26"/>
-                </a:solidFill>
-                <a:latin typeface="Consolas" panose="020B0609020204030204" pitchFamily="49" charset="0"/>
-              </a:rPr>
-              <a:t>text</a:t>
-            </a:r>
-            <a:r>
-              <a:rPr lang="en-GB" dirty="0">
-                <a:solidFill>
-                  <a:srgbClr val="EBDBB2"/>
-                </a:solidFill>
-                <a:latin typeface="Consolas" panose="020B0609020204030204" pitchFamily="49" charset="0"/>
-              </a:rPr>
-              <a:t>"</a:t>
-            </a:r>
-            <a:r>
-              <a:rPr lang="en-GB" dirty="0">
-                <a:solidFill>
-                  <a:srgbClr val="F2E5BC"/>
-                </a:solidFill>
-                <a:latin typeface="Consolas" panose="020B0609020204030204" pitchFamily="49" charset="0"/>
-              </a:rPr>
-              <a:t> </a:t>
-            </a:r>
-            <a:r>
-              <a:rPr lang="en-GB" dirty="0">
-                <a:solidFill>
-                  <a:srgbClr val="7EC16E"/>
-                </a:solidFill>
-                <a:latin typeface="Consolas" panose="020B0609020204030204" pitchFamily="49" charset="0"/>
-              </a:rPr>
-              <a:t>ng-model</a:t>
-            </a:r>
-            <a:r>
-              <a:rPr lang="en-GB" dirty="0">
-                <a:solidFill>
-                  <a:srgbClr val="EBDBB2"/>
-                </a:solidFill>
-                <a:latin typeface="Consolas" panose="020B0609020204030204" pitchFamily="49" charset="0"/>
-              </a:rPr>
-              <a:t>="</a:t>
-            </a:r>
-            <a:r>
-              <a:rPr lang="en-GB" dirty="0">
-                <a:solidFill>
-                  <a:srgbClr val="B8BB26"/>
-                </a:solidFill>
-                <a:latin typeface="Consolas" panose="020B0609020204030204" pitchFamily="49" charset="0"/>
-              </a:rPr>
-              <a:t>input</a:t>
-            </a:r>
-            <a:r>
-              <a:rPr lang="en-GB" dirty="0">
-                <a:solidFill>
-                  <a:srgbClr val="EBDBB2"/>
-                </a:solidFill>
-                <a:latin typeface="Consolas" panose="020B0609020204030204" pitchFamily="49" charset="0"/>
-              </a:rPr>
-              <a:t>"&gt;</a:t>
-            </a:r>
-          </a:p>
-          <a:p>
-            <a:r>
-              <a:rPr lang="en-US" dirty="0" err="1"/>
-              <a:t>ngModel</a:t>
-            </a:r>
-            <a:r>
-              <a:rPr lang="en-US" dirty="0"/>
-              <a:t> </a:t>
-            </a:r>
-            <a:r>
-              <a:rPr lang="en-US" dirty="0" err="1"/>
-              <a:t>direktiva</a:t>
-            </a:r>
-            <a:r>
-              <a:rPr lang="en-US" dirty="0"/>
-              <a:t> </a:t>
-            </a:r>
-            <a:r>
-              <a:rPr lang="en-US" dirty="0" err="1"/>
-              <a:t>vezuje</a:t>
-            </a:r>
-            <a:r>
-              <a:rPr lang="en-US" dirty="0"/>
-              <a:t> input, select, </a:t>
-            </a:r>
-            <a:r>
-              <a:rPr lang="en-US" dirty="0" err="1"/>
-              <a:t>textarea</a:t>
-            </a:r>
-            <a:r>
-              <a:rPr lang="en-US" dirty="0"/>
-              <a:t>, </a:t>
-            </a:r>
-            <a:r>
-              <a:rPr lang="en-US" dirty="0" err="1"/>
-              <a:t>ili</a:t>
-            </a:r>
-            <a:r>
-              <a:rPr lang="en-US" dirty="0"/>
-              <a:t> custom form </a:t>
-            </a:r>
-            <a:r>
-              <a:rPr lang="en-US" dirty="0" err="1"/>
-              <a:t>kontrolu</a:t>
-            </a:r>
-            <a:endParaRPr lang="en-US" dirty="0"/>
-          </a:p>
-          <a:p>
-            <a:r>
-              <a:rPr lang="en-US" dirty="0"/>
-              <a:t>za </a:t>
-            </a:r>
-            <a:r>
-              <a:rPr lang="en-US" dirty="0" err="1"/>
-              <a:t>variablu</a:t>
-            </a:r>
-            <a:r>
-              <a:rPr lang="en-US" dirty="0"/>
-              <a:t> u </a:t>
-            </a:r>
-            <a:r>
-              <a:rPr lang="en-US" dirty="0" err="1"/>
-              <a:t>datom</a:t>
-            </a:r>
-            <a:r>
-              <a:rPr lang="en-US" dirty="0"/>
-              <a:t> scope-u.</a:t>
-            </a:r>
-            <a:endParaRPr lang="en-US" dirty="0">
-              <a:solidFill>
-                <a:srgbClr val="EBDBB2"/>
-              </a:solidFill>
-              <a:latin typeface="Consolas" panose="020B0609020204030204" pitchFamily="49" charset="0"/>
-            </a:endParaRPr>
-          </a:p>
-          <a:p>
-            <a:r>
-              <a:rPr lang="en-GB" dirty="0">
-                <a:solidFill>
-                  <a:srgbClr val="EBDBB2"/>
-                </a:solidFill>
-                <a:latin typeface="Consolas" panose="020B0609020204030204" pitchFamily="49" charset="0"/>
-              </a:rPr>
-              <a:t>&lt;</a:t>
-            </a:r>
-            <a:r>
-              <a:rPr lang="en-GB" dirty="0">
-                <a:solidFill>
-                  <a:srgbClr val="FABD2F"/>
-                </a:solidFill>
-                <a:latin typeface="Consolas" panose="020B0609020204030204" pitchFamily="49" charset="0"/>
-              </a:rPr>
-              <a:t>input</a:t>
-            </a:r>
-            <a:r>
-              <a:rPr lang="en-GB" dirty="0">
-                <a:solidFill>
-                  <a:srgbClr val="F2E5BC"/>
-                </a:solidFill>
-                <a:latin typeface="Consolas" panose="020B0609020204030204" pitchFamily="49" charset="0"/>
-              </a:rPr>
-              <a:t> </a:t>
-            </a:r>
-            <a:r>
-              <a:rPr lang="en-GB" dirty="0">
-                <a:solidFill>
-                  <a:srgbClr val="7EC16E"/>
-                </a:solidFill>
-                <a:latin typeface="Consolas" panose="020B0609020204030204" pitchFamily="49" charset="0"/>
-              </a:rPr>
-              <a:t>type</a:t>
-            </a:r>
-            <a:r>
-              <a:rPr lang="en-GB" dirty="0">
-                <a:solidFill>
-                  <a:srgbClr val="EBDBB2"/>
-                </a:solidFill>
-                <a:latin typeface="Consolas" panose="020B0609020204030204" pitchFamily="49" charset="0"/>
-              </a:rPr>
-              <a:t>="</a:t>
-            </a:r>
-            <a:r>
-              <a:rPr lang="en-GB" dirty="0">
-                <a:solidFill>
-                  <a:srgbClr val="B8BB26"/>
-                </a:solidFill>
-                <a:latin typeface="Consolas" panose="020B0609020204030204" pitchFamily="49" charset="0"/>
-              </a:rPr>
-              <a:t>text</a:t>
-            </a:r>
-            <a:r>
-              <a:rPr lang="en-GB" dirty="0">
-                <a:solidFill>
-                  <a:srgbClr val="EBDBB2"/>
-                </a:solidFill>
-                <a:latin typeface="Consolas" panose="020B0609020204030204" pitchFamily="49" charset="0"/>
-              </a:rPr>
-              <a:t>"</a:t>
-            </a:r>
-            <a:r>
-              <a:rPr lang="en-GB" dirty="0">
-                <a:solidFill>
-                  <a:srgbClr val="F2E5BC"/>
-                </a:solidFill>
-                <a:latin typeface="Consolas" panose="020B0609020204030204" pitchFamily="49" charset="0"/>
-              </a:rPr>
-              <a:t> </a:t>
-            </a:r>
-            <a:r>
-              <a:rPr lang="en-GB" dirty="0">
-                <a:solidFill>
-                  <a:srgbClr val="7EC16E"/>
-                </a:solidFill>
-                <a:latin typeface="Consolas" panose="020B0609020204030204" pitchFamily="49" charset="0"/>
-              </a:rPr>
-              <a:t>ng-value</a:t>
-            </a:r>
-            <a:r>
-              <a:rPr lang="en-GB" dirty="0">
-                <a:solidFill>
-                  <a:srgbClr val="EBDBB2"/>
-                </a:solidFill>
-                <a:latin typeface="Consolas" panose="020B0609020204030204" pitchFamily="49" charset="0"/>
-              </a:rPr>
-              <a:t>="</a:t>
-            </a:r>
-            <a:r>
-              <a:rPr lang="en-GB" dirty="0">
-                <a:solidFill>
-                  <a:srgbClr val="B8BB26"/>
-                </a:solidFill>
-                <a:latin typeface="Consolas" panose="020B0609020204030204" pitchFamily="49" charset="0"/>
-              </a:rPr>
-              <a:t>input</a:t>
-            </a:r>
-            <a:r>
-              <a:rPr lang="en-GB" dirty="0">
-                <a:solidFill>
-                  <a:srgbClr val="EBDBB2"/>
-                </a:solidFill>
-                <a:latin typeface="Consolas" panose="020B0609020204030204" pitchFamily="49" charset="0"/>
-              </a:rPr>
-              <a:t>"&gt;</a:t>
-            </a:r>
-          </a:p>
-          <a:p>
-            <a:r>
-              <a:rPr lang="en-US" dirty="0" err="1"/>
-              <a:t>ngValue</a:t>
-            </a:r>
-            <a:r>
-              <a:rPr lang="en-US" dirty="0"/>
-              <a:t> </a:t>
-            </a:r>
-            <a:r>
-              <a:rPr lang="en-US" dirty="0" err="1"/>
-              <a:t>direktiva</a:t>
-            </a:r>
-            <a:r>
-              <a:rPr lang="en-US" dirty="0"/>
-              <a:t> </a:t>
-            </a:r>
-            <a:r>
-              <a:rPr lang="en-US" dirty="0" err="1"/>
-              <a:t>vezuje</a:t>
-            </a:r>
-            <a:r>
-              <a:rPr lang="en-US" dirty="0"/>
-              <a:t> </a:t>
-            </a:r>
-            <a:r>
-              <a:rPr lang="en-US" dirty="0" err="1"/>
-              <a:t>izraz</a:t>
-            </a:r>
-            <a:r>
-              <a:rPr lang="en-US" dirty="0"/>
-              <a:t> za </a:t>
-            </a:r>
-            <a:r>
-              <a:rPr lang="en-US" dirty="0" err="1"/>
-              <a:t>vrednost</a:t>
-            </a:r>
-            <a:r>
-              <a:rPr lang="en-US" dirty="0"/>
-              <a:t> </a:t>
-            </a:r>
-            <a:r>
-              <a:rPr lang="en-US" dirty="0" err="1"/>
-              <a:t>elementa</a:t>
-            </a:r>
-            <a:endParaRPr lang="en-GB" dirty="0"/>
-          </a:p>
-          <a:p>
-            <a:r>
-              <a:rPr lang="en-GB" dirty="0">
-                <a:solidFill>
-                  <a:srgbClr val="F2E5BC"/>
-                </a:solidFill>
-                <a:latin typeface="Consolas" panose="020B0609020204030204" pitchFamily="49" charset="0"/>
-              </a:rPr>
-              <a:t>{{input}}</a:t>
-            </a:r>
-          </a:p>
-          <a:p>
-            <a:r>
-              <a:rPr lang="en-US" dirty="0" err="1"/>
-              <a:t>Sli</a:t>
-            </a:r>
-            <a:r>
-              <a:rPr lang="sr-Latn-RS" dirty="0"/>
-              <a:t>čno kao </a:t>
-            </a:r>
-            <a:r>
-              <a:rPr lang="en-US" dirty="0" err="1"/>
-              <a:t>ngValue</a:t>
-            </a:r>
-            <a:r>
-              <a:rPr lang="en-US" dirty="0"/>
-              <a:t> </a:t>
-            </a:r>
-            <a:r>
-              <a:rPr lang="en-US" dirty="0" err="1"/>
-              <a:t>direktiva</a:t>
-            </a:r>
-            <a:r>
-              <a:rPr lang="sr-Latn-RS" dirty="0"/>
-              <a:t>, interpolacija </a:t>
-            </a:r>
-            <a:r>
-              <a:rPr lang="en-US" dirty="0" err="1"/>
-              <a:t>vezuje</a:t>
-            </a:r>
-            <a:r>
-              <a:rPr lang="en-US" dirty="0"/>
-              <a:t> </a:t>
-            </a:r>
-            <a:r>
-              <a:rPr lang="en-US" dirty="0" err="1"/>
-              <a:t>izraz</a:t>
-            </a:r>
-            <a:r>
-              <a:rPr lang="en-US" dirty="0"/>
-              <a:t> za</a:t>
-            </a:r>
-            <a:endParaRPr lang="sr-Latn-RS" dirty="0"/>
-          </a:p>
-          <a:p>
-            <a:r>
-              <a:rPr lang="en-US" dirty="0" err="1"/>
-              <a:t>vrednost</a:t>
-            </a:r>
-            <a:r>
-              <a:rPr lang="en-US" dirty="0"/>
-              <a:t> </a:t>
-            </a:r>
-            <a:r>
-              <a:rPr lang="en-US" dirty="0" err="1"/>
-              <a:t>elementa</a:t>
-            </a:r>
-            <a:endParaRPr lang="en-GB" dirty="0">
-              <a:solidFill>
-                <a:srgbClr val="F2E5BC"/>
-              </a:solidFill>
-              <a:latin typeface="Consolas" panose="020B0609020204030204" pitchFamily="49" charset="0"/>
-            </a:endParaRPr>
-          </a:p>
-          <a:p>
-            <a:r>
-              <a:rPr lang="en-GB" dirty="0">
-                <a:solidFill>
-                  <a:srgbClr val="EBDBB2"/>
-                </a:solidFill>
-                <a:latin typeface="Consolas" panose="020B0609020204030204" pitchFamily="49" charset="0"/>
-              </a:rPr>
-              <a:t>&lt;</a:t>
-            </a:r>
-            <a:r>
-              <a:rPr lang="en-GB" dirty="0" err="1">
-                <a:solidFill>
-                  <a:srgbClr val="FABD2F"/>
-                </a:solidFill>
-                <a:latin typeface="Consolas" panose="020B0609020204030204" pitchFamily="49" charset="0"/>
-              </a:rPr>
-              <a:t>img</a:t>
-            </a:r>
-            <a:r>
-              <a:rPr lang="en-GB" dirty="0">
-                <a:solidFill>
-                  <a:srgbClr val="F2E5BC"/>
-                </a:solidFill>
-                <a:latin typeface="Consolas" panose="020B0609020204030204" pitchFamily="49" charset="0"/>
-              </a:rPr>
-              <a:t> </a:t>
-            </a:r>
-            <a:r>
-              <a:rPr lang="en-GB" dirty="0">
-                <a:solidFill>
-                  <a:srgbClr val="7EC16E"/>
-                </a:solidFill>
-                <a:latin typeface="Consolas" panose="020B0609020204030204" pitchFamily="49" charset="0"/>
-              </a:rPr>
-              <a:t>ng-</a:t>
-            </a:r>
-            <a:r>
-              <a:rPr lang="en-GB" dirty="0" err="1">
-                <a:solidFill>
-                  <a:srgbClr val="7EC16E"/>
-                </a:solidFill>
-                <a:latin typeface="Consolas" panose="020B0609020204030204" pitchFamily="49" charset="0"/>
-              </a:rPr>
-              <a:t>src</a:t>
-            </a:r>
-            <a:r>
-              <a:rPr lang="en-GB" dirty="0">
-                <a:solidFill>
-                  <a:srgbClr val="EBDBB2"/>
-                </a:solidFill>
-                <a:latin typeface="Consolas" panose="020B0609020204030204" pitchFamily="49" charset="0"/>
-              </a:rPr>
-              <a:t>="</a:t>
-            </a:r>
-            <a:r>
-              <a:rPr lang="en-GB" dirty="0">
-                <a:solidFill>
-                  <a:srgbClr val="B8BB26"/>
-                </a:solidFill>
-                <a:latin typeface="Consolas" panose="020B0609020204030204" pitchFamily="49" charset="0"/>
-              </a:rPr>
-              <a:t>{{</a:t>
-            </a:r>
-            <a:r>
-              <a:rPr lang="en-GB" dirty="0" err="1">
-                <a:solidFill>
-                  <a:srgbClr val="B8BB26"/>
-                </a:solidFill>
-                <a:latin typeface="Consolas" panose="020B0609020204030204" pitchFamily="49" charset="0"/>
-              </a:rPr>
-              <a:t>c.img</a:t>
-            </a:r>
-            <a:r>
-              <a:rPr lang="en-GB" dirty="0">
-                <a:solidFill>
-                  <a:srgbClr val="B8BB26"/>
-                </a:solidFill>
-                <a:latin typeface="Consolas" panose="020B0609020204030204" pitchFamily="49" charset="0"/>
-              </a:rPr>
-              <a:t>}}</a:t>
-            </a:r>
-            <a:r>
-              <a:rPr lang="en-GB" dirty="0">
-                <a:solidFill>
-                  <a:srgbClr val="EBDBB2"/>
-                </a:solidFill>
-                <a:latin typeface="Consolas" panose="020B0609020204030204" pitchFamily="49" charset="0"/>
-              </a:rPr>
-              <a:t>"</a:t>
-            </a:r>
-            <a:r>
-              <a:rPr lang="en-GB" dirty="0">
-                <a:solidFill>
-                  <a:srgbClr val="F2E5BC"/>
-                </a:solidFill>
-                <a:latin typeface="Consolas" panose="020B0609020204030204" pitchFamily="49" charset="0"/>
-              </a:rPr>
-              <a:t> </a:t>
-            </a:r>
-            <a:r>
-              <a:rPr lang="en-GB" dirty="0">
-                <a:solidFill>
-                  <a:srgbClr val="7EC16E"/>
-                </a:solidFill>
-                <a:latin typeface="Consolas" panose="020B0609020204030204" pitchFamily="49" charset="0"/>
-              </a:rPr>
-              <a:t>alt</a:t>
-            </a:r>
-            <a:r>
-              <a:rPr lang="en-GB" dirty="0">
-                <a:solidFill>
-                  <a:srgbClr val="EBDBB2"/>
-                </a:solidFill>
-                <a:latin typeface="Consolas" panose="020B0609020204030204" pitchFamily="49" charset="0"/>
-              </a:rPr>
-              <a:t>="</a:t>
-            </a:r>
-            <a:r>
-              <a:rPr lang="en-GB" dirty="0">
-                <a:solidFill>
-                  <a:srgbClr val="B8BB26"/>
-                </a:solidFill>
-                <a:latin typeface="Consolas" panose="020B0609020204030204" pitchFamily="49" charset="0"/>
-              </a:rPr>
-              <a:t>Cat image</a:t>
-            </a:r>
-            <a:r>
-              <a:rPr lang="en-GB" dirty="0">
-                <a:solidFill>
-                  <a:srgbClr val="EBDBB2"/>
-                </a:solidFill>
-                <a:latin typeface="Consolas" panose="020B0609020204030204" pitchFamily="49" charset="0"/>
-              </a:rPr>
-              <a:t>"&gt;</a:t>
-            </a:r>
-          </a:p>
-          <a:p>
-            <a:r>
-              <a:rPr lang="sr-Latn-RS" dirty="0"/>
-              <a:t>Interpolacija, umesto putanje do slike stoji angular varijabla</a:t>
-            </a:r>
-            <a:endParaRPr lang="en-GB" dirty="0"/>
-          </a:p>
-          <a:p>
-            <a:r>
-              <a:rPr lang="en-GB" dirty="0">
-                <a:solidFill>
-                  <a:srgbClr val="EBDBB2"/>
-                </a:solidFill>
-                <a:latin typeface="Consolas" panose="020B0609020204030204" pitchFamily="49" charset="0"/>
-              </a:rPr>
-              <a:t>&lt;</a:t>
-            </a:r>
-            <a:r>
-              <a:rPr lang="en-GB" dirty="0">
-                <a:solidFill>
-                  <a:srgbClr val="FABD2F"/>
-                </a:solidFill>
-                <a:latin typeface="Consolas" panose="020B0609020204030204" pitchFamily="49" charset="0"/>
-              </a:rPr>
-              <a:t>p</a:t>
-            </a:r>
-            <a:r>
-              <a:rPr lang="en-GB" dirty="0">
-                <a:solidFill>
-                  <a:srgbClr val="F2E5BC"/>
-                </a:solidFill>
-                <a:latin typeface="Consolas" panose="020B0609020204030204" pitchFamily="49" charset="0"/>
-              </a:rPr>
-              <a:t> </a:t>
-            </a:r>
-            <a:r>
-              <a:rPr lang="en-GB" dirty="0">
-                <a:solidFill>
-                  <a:srgbClr val="7EC16E"/>
-                </a:solidFill>
-                <a:latin typeface="Consolas" panose="020B0609020204030204" pitchFamily="49" charset="0"/>
-              </a:rPr>
-              <a:t>ng-click</a:t>
-            </a:r>
-            <a:r>
-              <a:rPr lang="en-GB" dirty="0">
-                <a:solidFill>
-                  <a:srgbClr val="EBDBB2"/>
-                </a:solidFill>
-                <a:latin typeface="Consolas" panose="020B0609020204030204" pitchFamily="49" charset="0"/>
-              </a:rPr>
-              <a:t>="</a:t>
-            </a:r>
-            <a:r>
-              <a:rPr lang="en-GB" dirty="0">
-                <a:solidFill>
-                  <a:srgbClr val="B8BB26"/>
-                </a:solidFill>
-                <a:latin typeface="Consolas" panose="020B0609020204030204" pitchFamily="49" charset="0"/>
-              </a:rPr>
-              <a:t>count = count + 1</a:t>
-            </a:r>
-            <a:r>
-              <a:rPr lang="en-GB" dirty="0">
-                <a:solidFill>
-                  <a:srgbClr val="EBDBB2"/>
-                </a:solidFill>
-                <a:latin typeface="Consolas" panose="020B0609020204030204" pitchFamily="49" charset="0"/>
-              </a:rPr>
-              <a:t>"&gt;</a:t>
-            </a:r>
-            <a:r>
-              <a:rPr lang="en-GB" dirty="0">
-                <a:solidFill>
-                  <a:srgbClr val="F2E5BC"/>
-                </a:solidFill>
-                <a:latin typeface="Consolas" panose="020B0609020204030204" pitchFamily="49" charset="0"/>
-              </a:rPr>
-              <a:t>{{ count }}</a:t>
-            </a:r>
-            <a:r>
-              <a:rPr lang="en-GB" dirty="0">
-                <a:solidFill>
-                  <a:srgbClr val="EBDBB2"/>
-                </a:solidFill>
-                <a:latin typeface="Consolas" panose="020B0609020204030204" pitchFamily="49" charset="0"/>
-              </a:rPr>
-              <a:t>&lt;/</a:t>
-            </a:r>
-            <a:r>
-              <a:rPr lang="en-GB" dirty="0">
-                <a:solidFill>
-                  <a:srgbClr val="FABD2F"/>
-                </a:solidFill>
-                <a:latin typeface="Consolas" panose="020B0609020204030204" pitchFamily="49" charset="0"/>
-              </a:rPr>
-              <a:t>p</a:t>
-            </a:r>
-            <a:r>
-              <a:rPr lang="en-GB" dirty="0">
-                <a:solidFill>
-                  <a:srgbClr val="EBDBB2"/>
-                </a:solidFill>
-                <a:latin typeface="Consolas" panose="020B0609020204030204" pitchFamily="49" charset="0"/>
-              </a:rPr>
-              <a:t>&gt;</a:t>
-            </a:r>
-          </a:p>
-          <a:p>
-            <a:r>
-              <a:rPr lang="sr-Latn-RS" dirty="0"/>
-              <a:t>ngClick direktiva omogućava da se odredi ponašanje elementa kada se</a:t>
-            </a:r>
-          </a:p>
-          <a:p>
-            <a:r>
-              <a:rPr lang="sr-Latn-RS" dirty="0"/>
-              <a:t>Klikne na njega.</a:t>
-            </a:r>
-            <a:endParaRPr lang="en-GB" dirty="0"/>
-          </a:p>
-          <a:p>
-            <a:r>
-              <a:rPr lang="en-GB" dirty="0">
-                <a:solidFill>
-                  <a:srgbClr val="EBDBB2"/>
-                </a:solidFill>
-                <a:latin typeface="Consolas" panose="020B0609020204030204" pitchFamily="49" charset="0"/>
-              </a:rPr>
-              <a:t>&lt;</a:t>
-            </a:r>
-            <a:r>
-              <a:rPr lang="en-GB" dirty="0">
-                <a:solidFill>
-                  <a:srgbClr val="FABD2F"/>
-                </a:solidFill>
-                <a:latin typeface="Consolas" panose="020B0609020204030204" pitchFamily="49" charset="0"/>
-              </a:rPr>
-              <a:t>p</a:t>
-            </a:r>
-            <a:r>
-              <a:rPr lang="en-GB" dirty="0">
-                <a:solidFill>
-                  <a:srgbClr val="F2E5BC"/>
-                </a:solidFill>
-                <a:latin typeface="Consolas" panose="020B0609020204030204" pitchFamily="49" charset="0"/>
-              </a:rPr>
-              <a:t> </a:t>
-            </a:r>
-            <a:r>
-              <a:rPr lang="en-GB" dirty="0">
-                <a:solidFill>
-                  <a:srgbClr val="7EC16E"/>
-                </a:solidFill>
-                <a:latin typeface="Consolas" panose="020B0609020204030204" pitchFamily="49" charset="0"/>
-              </a:rPr>
-              <a:t>ng-click</a:t>
-            </a:r>
-            <a:r>
-              <a:rPr lang="en-GB" dirty="0">
-                <a:solidFill>
-                  <a:srgbClr val="EBDBB2"/>
-                </a:solidFill>
-                <a:latin typeface="Consolas" panose="020B0609020204030204" pitchFamily="49" charset="0"/>
-              </a:rPr>
-              <a:t>="</a:t>
-            </a:r>
-            <a:r>
-              <a:rPr lang="en-GB" dirty="0">
-                <a:solidFill>
-                  <a:srgbClr val="B8BB26"/>
-                </a:solidFill>
-                <a:latin typeface="Consolas" panose="020B0609020204030204" pitchFamily="49" charset="0"/>
-              </a:rPr>
-              <a:t>increment();</a:t>
-            </a:r>
-            <a:r>
-              <a:rPr lang="en-GB" dirty="0">
-                <a:solidFill>
-                  <a:srgbClr val="EBDBB2"/>
-                </a:solidFill>
-                <a:latin typeface="Consolas" panose="020B0609020204030204" pitchFamily="49" charset="0"/>
-              </a:rPr>
-              <a:t>"&gt;</a:t>
-            </a:r>
-            <a:r>
-              <a:rPr lang="en-GB" dirty="0">
-                <a:solidFill>
-                  <a:srgbClr val="F2E5BC"/>
-                </a:solidFill>
-                <a:latin typeface="Consolas" panose="020B0609020204030204" pitchFamily="49" charset="0"/>
-              </a:rPr>
-              <a:t>{{ </a:t>
-            </a:r>
-            <a:r>
-              <a:rPr lang="en-GB" dirty="0" err="1">
-                <a:solidFill>
-                  <a:srgbClr val="F2E5BC"/>
-                </a:solidFill>
-                <a:latin typeface="Consolas" panose="020B0609020204030204" pitchFamily="49" charset="0"/>
-              </a:rPr>
-              <a:t>countFunc</a:t>
-            </a:r>
-            <a:r>
-              <a:rPr lang="en-GB" dirty="0">
-                <a:solidFill>
-                  <a:srgbClr val="F2E5BC"/>
-                </a:solidFill>
-                <a:latin typeface="Consolas" panose="020B0609020204030204" pitchFamily="49" charset="0"/>
-              </a:rPr>
-              <a:t> }}</a:t>
-            </a:r>
-            <a:r>
-              <a:rPr lang="en-GB" dirty="0">
-                <a:solidFill>
-                  <a:srgbClr val="EBDBB2"/>
-                </a:solidFill>
-                <a:latin typeface="Consolas" panose="020B0609020204030204" pitchFamily="49" charset="0"/>
-              </a:rPr>
-              <a:t>&lt;/</a:t>
-            </a:r>
-            <a:r>
-              <a:rPr lang="en-GB" dirty="0">
-                <a:solidFill>
-                  <a:srgbClr val="FABD2F"/>
-                </a:solidFill>
-                <a:latin typeface="Consolas" panose="020B0609020204030204" pitchFamily="49" charset="0"/>
-              </a:rPr>
-              <a:t>p</a:t>
-            </a:r>
-            <a:r>
-              <a:rPr lang="en-GB" dirty="0">
-                <a:solidFill>
-                  <a:srgbClr val="EBDBB2"/>
-                </a:solidFill>
-                <a:latin typeface="Consolas" panose="020B0609020204030204" pitchFamily="49" charset="0"/>
-              </a:rPr>
-              <a:t>&gt;</a:t>
-            </a:r>
-            <a:endParaRPr lang="en-GB" dirty="0">
-              <a:solidFill>
-                <a:srgbClr val="F2E5BC"/>
-              </a:solidFill>
-              <a:latin typeface="Consolas" panose="020B0609020204030204" pitchFamily="49" charset="0"/>
-            </a:endParaRPr>
-          </a:p>
-          <a:p>
-            <a:r>
-              <a:rPr lang="sr-Latn-RS" dirty="0"/>
-              <a:t>Isto kao prethodna ngClick direktiva samo sto se u prethodnom primeru</a:t>
-            </a:r>
-          </a:p>
-          <a:p>
-            <a:r>
-              <a:rPr lang="sr-Latn-RS" dirty="0"/>
-              <a:t>direktno na HTML-u izvršava a u drugom primeru se poziva funkcija iz</a:t>
-            </a:r>
-          </a:p>
-          <a:p>
-            <a:r>
-              <a:rPr lang="sr-Latn-RS" dirty="0"/>
-              <a:t>kontrolera</a:t>
-            </a:r>
-          </a:p>
-        </p:txBody>
-      </p:sp>
-      <p:sp>
-        <p:nvSpPr>
-          <p:cNvPr id="11" name="TextBox 10">
-            <a:extLst>
-              <a:ext uri="{FF2B5EF4-FFF2-40B4-BE49-F238E27FC236}">
-                <a16:creationId xmlns:a16="http://schemas.microsoft.com/office/drawing/2014/main" id="{F7B50E1C-2DF9-4EF4-B2C5-082F41ABEE9B}"/>
-              </a:ext>
-            </a:extLst>
-          </p:cNvPr>
-          <p:cNvSpPr txBox="1"/>
-          <p:nvPr/>
-        </p:nvSpPr>
-        <p:spPr>
-          <a:xfrm>
-            <a:off x="4128615" y="106520"/>
-            <a:ext cx="2861874" cy="707886"/>
-          </a:xfrm>
-          <a:prstGeom prst="rect">
-            <a:avLst/>
-          </a:prstGeom>
-          <a:noFill/>
-        </p:spPr>
-        <p:txBody>
-          <a:bodyPr wrap="none" rtlCol="0">
-            <a:spAutoFit/>
-          </a:bodyPr>
-          <a:lstStyle/>
-          <a:p>
-            <a:r>
-              <a:rPr lang="en-US" sz="4000"/>
-              <a:t>Data-binding</a:t>
-            </a:r>
-            <a:endParaRPr lang="en-GB" sz="4000" dirty="0"/>
-          </a:p>
-        </p:txBody>
-      </p:sp>
-    </p:spTree>
-    <p:extLst>
-      <p:ext uri="{BB962C8B-B14F-4D97-AF65-F5344CB8AC3E}">
-        <p14:creationId xmlns:p14="http://schemas.microsoft.com/office/powerpoint/2010/main" val="3746618843"/>
-      </p:ext>
-    </p:extLst>
-  </p:cSld>
-  <p:clrMapOvr>
-    <a:masterClrMapping/>
-  </p:clrMapOvr>
-</p:sld>
-</file>
-
-<file path=ppt/slides/slide14.xml><?xml version="1.0" encoding="utf-8"?>
-<p:sld xmlns:a="http://schemas.openxmlformats.org/drawingml/2006/main" xmlns:r="http://schemas.openxmlformats.org/officeDocument/2006/relationships" xmlns:p="http://schemas.openxmlformats.org/presentationml/2006/main">
-  <p:cSld>
-    <p:bg>
-      <p:bgPr>
-        <a:solidFill>
-          <a:schemeClr val="bg1"/>
-        </a:solidFill>
-        <a:effectLst/>
-      </p:bgPr>
-    </p:bg>
-    <p:spTree>
-      <p:nvGrpSpPr>
-        <p:cNvPr id="1" name=""/>
-        <p:cNvGrpSpPr/>
-        <p:nvPr/>
-      </p:nvGrpSpPr>
-      <p:grpSpPr>
-        <a:xfrm>
-          <a:off x="0" y="0"/>
-          <a:ext cx="0" cy="0"/>
-          <a:chOff x="0" y="0"/>
-          <a:chExt cx="0" cy="0"/>
-        </a:xfrm>
-      </p:grpSpPr>
-      <p:sp>
-        <p:nvSpPr>
           <p:cNvPr id="4" name="TextBox 3">
             <a:extLst>
               <a:ext uri="{FF2B5EF4-FFF2-40B4-BE49-F238E27FC236}">
@@ -8519,7 +6293,7 @@
 </p:sld>
 </file>
 
-<file path=ppt/slides/slide15.xml><?xml version="1.0" encoding="utf-8"?>
+<file path=ppt/slides/slide12.xml><?xml version="1.0" encoding="utf-8"?>
 <p:sld xmlns:a="http://schemas.openxmlformats.org/drawingml/2006/main" xmlns:r="http://schemas.openxmlformats.org/officeDocument/2006/relationships" xmlns:p="http://schemas.openxmlformats.org/presentationml/2006/main">
   <p:cSld>
     <p:bg>
@@ -11128,7 +8902,7 @@
 </p:sld>
 </file>
 
-<file path=ppt/slides/slide16.xml><?xml version="1.0" encoding="utf-8"?>
+<file path=ppt/slides/slide13.xml><?xml version="1.0" encoding="utf-8"?>
 <p:sld xmlns:a="http://schemas.openxmlformats.org/drawingml/2006/main" xmlns:r="http://schemas.openxmlformats.org/officeDocument/2006/relationships" xmlns:p="http://schemas.openxmlformats.org/presentationml/2006/main">
   <p:cSld>
     <p:spTree>
@@ -11150,7 +8924,7 @@
           <p:cNvPr id="2" name="Title 1">
             <a:extLst>
               <a:ext uri="{FF2B5EF4-FFF2-40B4-BE49-F238E27FC236}">
-                <a16:creationId xmlns:a16="http://schemas.microsoft.com/office/drawing/2014/main" id="{A7F4B528-4836-4B17-932F-458E9DC8DAD9}"/>
+                <a16:creationId xmlns:a16="http://schemas.microsoft.com/office/drawing/2014/main" id="{9872EBAA-5AA1-4BB2-A3B5-9542F6ABD5D7}"/>
               </a:ext>
             </a:extLst>
           </p:cNvPr>
@@ -11164,7 +8938,7 @@
         <p:spPr>
           <a:xfrm>
             <a:off x="838200" y="365125"/>
-            <a:ext cx="10515600" cy="732155"/>
+            <a:ext cx="10515600" cy="695579"/>
           </a:xfrm>
         </p:spPr>
         <p:txBody>
@@ -11173,7 +8947,7 @@
           <a:p>
             <a:pPr algn="ctr"/>
             <a:r>
-              <a:rPr lang="sr-Latn-RS" dirty="0"/>
+              <a:rPr lang="en-US" dirty="0" err="1"/>
               <a:t>Komponente</a:t>
             </a:r>
             <a:endParaRPr lang="en-GB" dirty="0"/>
@@ -11185,7 +8959,7 @@
           <p:cNvPr id="3" name="Content Placeholder 2">
             <a:extLst>
               <a:ext uri="{FF2B5EF4-FFF2-40B4-BE49-F238E27FC236}">
-                <a16:creationId xmlns:a16="http://schemas.microsoft.com/office/drawing/2014/main" id="{CCCF051F-99B1-4A64-A213-F47E411139FB}"/>
+                <a16:creationId xmlns:a16="http://schemas.microsoft.com/office/drawing/2014/main" id="{B7432635-2176-45EA-93FB-1C9617297CBB}"/>
               </a:ext>
             </a:extLst>
           </p:cNvPr>
@@ -11198,8 +8972,269 @@
         </p:nvSpPr>
         <p:spPr>
           <a:xfrm>
-            <a:off x="838200" y="1097280"/>
-            <a:ext cx="10515600" cy="5079683"/>
+            <a:off x="838200" y="1207008"/>
+            <a:ext cx="10515600" cy="4969955"/>
+          </a:xfrm>
+        </p:spPr>
+        <p:txBody>
+          <a:bodyPr>
+            <a:normAutofit fontScale="92500" lnSpcReduction="20000"/>
+          </a:bodyPr>
+          <a:lstStyle/>
+          <a:p>
+            <a:r>
+              <a:rPr lang="en-US" dirty="0"/>
+              <a:t>Na </a:t>
+            </a:r>
+            <a:r>
+              <a:rPr lang="en-US" dirty="0" err="1"/>
+              <a:t>prethodnom</a:t>
+            </a:r>
+            <a:r>
+              <a:rPr lang="en-US" dirty="0"/>
+              <a:t> </a:t>
+            </a:r>
+            <a:r>
+              <a:rPr lang="sr-Latn-RS" dirty="0"/>
+              <a:t>času</a:t>
+            </a:r>
+            <a:r>
+              <a:rPr lang="en-US" dirty="0"/>
+              <a:t> s</a:t>
+            </a:r>
+            <a:r>
+              <a:rPr lang="sr-Latn-RS" dirty="0"/>
+              <a:t>te</a:t>
+            </a:r>
+            <a:r>
+              <a:rPr lang="en-US" dirty="0"/>
+              <a:t> </a:t>
+            </a:r>
+            <a:r>
+              <a:rPr lang="en-US" dirty="0" err="1"/>
+              <a:t>videli</a:t>
+            </a:r>
+            <a:r>
+              <a:rPr lang="sr-Latn-RS" dirty="0"/>
+              <a:t> kako kontroler i template rade zajedno da konvertuju statičnu HTML stranicu u dinamični view.</a:t>
+            </a:r>
+          </a:p>
+          <a:p>
+            <a:r>
+              <a:rPr lang="sr-Latn-RS" dirty="0"/>
+              <a:t>Ovo je uobičajen patern u </a:t>
+            </a:r>
+            <a:r>
+              <a:rPr lang="sr-Latn-RS" i="1" dirty="0"/>
+              <a:t>Single-Page Applications.</a:t>
+            </a:r>
+          </a:p>
+          <a:p>
+            <a:r>
+              <a:rPr lang="sr-Latn-RS" b="1" dirty="0"/>
+              <a:t>Template</a:t>
+            </a:r>
+            <a:r>
+              <a:rPr lang="sr-Latn-RS" dirty="0"/>
+              <a:t> (deo view-a koji sadrži bindigs (vezivanje podataka) i prezentacionu logiku) se ponaša kao kostur za aplikaciju, na njemu organizujemo podatke u obliku kako hoćemo da prezentujemo krajnjem korisniku.</a:t>
+            </a:r>
+          </a:p>
+          <a:p>
+            <a:r>
+              <a:rPr lang="sr-Latn-RS" b="1" dirty="0"/>
+              <a:t>Kontroler</a:t>
+            </a:r>
+            <a:r>
+              <a:rPr lang="en-US" dirty="0"/>
+              <a:t> </a:t>
+            </a:r>
+            <a:r>
+              <a:rPr lang="en-US" dirty="0" err="1"/>
+              <a:t>odre</a:t>
+            </a:r>
+            <a:r>
+              <a:rPr lang="sr-Latn-RS" dirty="0"/>
+              <a:t>đuje </a:t>
+            </a:r>
+            <a:r>
+              <a:rPr lang="sr-Latn-RS" b="1" dirty="0"/>
+              <a:t>scope</a:t>
+            </a:r>
+            <a:r>
+              <a:rPr lang="sr-Latn-RS" dirty="0"/>
+              <a:t> u kome važe promenljive</a:t>
+            </a:r>
+            <a:r>
+              <a:rPr lang="en-US" dirty="0"/>
+              <a:t> </a:t>
+            </a:r>
+            <a:r>
+              <a:rPr lang="en-US" dirty="0" err="1"/>
+              <a:t>i</a:t>
+            </a:r>
+            <a:r>
+              <a:rPr lang="en-US" dirty="0"/>
+              <a:t> </a:t>
+            </a:r>
+            <a:r>
+              <a:rPr lang="en-US" dirty="0" err="1"/>
+              <a:t>funkcije</a:t>
+            </a:r>
+            <a:r>
+              <a:rPr lang="sr-Latn-RS" dirty="0"/>
+              <a:t> koje se nalaze u template-u</a:t>
+            </a:r>
+            <a:r>
+              <a:rPr lang="en-US" dirty="0"/>
+              <a:t>.</a:t>
+            </a:r>
+          </a:p>
+          <a:p>
+            <a:r>
+              <a:rPr lang="en-US" dirty="0"/>
+              <a:t>Sa </a:t>
+            </a:r>
+            <a:r>
+              <a:rPr lang="en-US" dirty="0" err="1"/>
+              <a:t>obzirom</a:t>
+            </a:r>
+            <a:r>
+              <a:rPr lang="en-US" dirty="0"/>
+              <a:t> da je </a:t>
+            </a:r>
+            <a:r>
+              <a:rPr lang="en-US" dirty="0" err="1"/>
+              <a:t>kombinacija</a:t>
+            </a:r>
+            <a:r>
+              <a:rPr lang="en-US" dirty="0"/>
+              <a:t> template + </a:t>
+            </a:r>
+            <a:r>
+              <a:rPr lang="en-US" dirty="0" err="1"/>
+              <a:t>kontroler</a:t>
+            </a:r>
+            <a:r>
+              <a:rPr lang="en-US" dirty="0"/>
+              <a:t> </a:t>
+            </a:r>
+            <a:r>
+              <a:rPr lang="en-US" dirty="0" err="1"/>
+              <a:t>jako</a:t>
+            </a:r>
+            <a:r>
+              <a:rPr lang="en-US" dirty="0"/>
+              <a:t> </a:t>
+            </a:r>
+            <a:r>
+              <a:rPr lang="sr-Latn-RS" dirty="0"/>
+              <a:t>čest patern, AngularJS nam pruža mogućnost da ih ukombinuju u izolovane entitete – komponente.</a:t>
+            </a:r>
+          </a:p>
+          <a:p>
+            <a:r>
+              <a:rPr lang="sr-Latn-RS" dirty="0"/>
+              <a:t>Komponente kreiraju </a:t>
+            </a:r>
+            <a:r>
+              <a:rPr lang="sr-Latn-RS" b="1" dirty="0"/>
+              <a:t>izolovani scope </a:t>
+            </a:r>
+            <a:r>
+              <a:rPr lang="sr-Latn-RS" dirty="0"/>
+              <a:t>za svaku instancu komponente na template-u, što otklanja mogućnost da jedan deo aplikacije utiče na neki drugi deo i stvara bagove teške za pronalaženje i rešavanje.</a:t>
+            </a:r>
+            <a:endParaRPr lang="en-GB" b="1" dirty="0"/>
+          </a:p>
+        </p:txBody>
+      </p:sp>
+    </p:spTree>
+    <p:extLst>
+      <p:ext uri="{BB962C8B-B14F-4D97-AF65-F5344CB8AC3E}">
+        <p14:creationId xmlns:p14="http://schemas.microsoft.com/office/powerpoint/2010/main" val="1746060597"/>
+      </p:ext>
+    </p:extLst>
+  </p:cSld>
+  <p:clrMapOvr>
+    <a:masterClrMapping/>
+  </p:clrMapOvr>
+</p:sld>
+</file>
+
+<file path=ppt/slides/slide14.xml><?xml version="1.0" encoding="utf-8"?>
+<p:sld xmlns:a="http://schemas.openxmlformats.org/drawingml/2006/main" xmlns:r="http://schemas.openxmlformats.org/officeDocument/2006/relationships" xmlns:p="http://schemas.openxmlformats.org/presentationml/2006/main">
+  <p:cSld>
+    <p:spTree>
+      <p:nvGrpSpPr>
+        <p:cNvPr id="1" name=""/>
+        <p:cNvGrpSpPr/>
+        <p:nvPr/>
+      </p:nvGrpSpPr>
+      <p:grpSpPr>
+        <a:xfrm>
+          <a:off x="0" y="0"/>
+          <a:ext cx="0" cy="0"/>
+          <a:chOff x="0" y="0"/>
+          <a:chExt cx="0" cy="0"/>
+        </a:xfrm>
+      </p:grpSpPr>
+      <p:sp>
+        <p:nvSpPr>
+          <p:cNvPr id="2" name="Title 1">
+            <a:extLst>
+              <a:ext uri="{FF2B5EF4-FFF2-40B4-BE49-F238E27FC236}">
+                <a16:creationId xmlns:a16="http://schemas.microsoft.com/office/drawing/2014/main" id="{30DCC00C-A3B1-4AE6-B803-54BDBDC497F7}"/>
+              </a:ext>
+            </a:extLst>
+          </p:cNvPr>
+          <p:cNvSpPr>
+            <a:spLocks noGrp="1"/>
+          </p:cNvSpPr>
+          <p:nvPr>
+            <p:ph type="title"/>
+          </p:nvPr>
+        </p:nvSpPr>
+        <p:spPr>
+          <a:xfrm>
+            <a:off x="838200" y="365125"/>
+            <a:ext cx="10515600" cy="650875"/>
+          </a:xfrm>
+        </p:spPr>
+        <p:txBody>
+          <a:bodyPr>
+            <a:normAutofit fontScale="90000"/>
+          </a:bodyPr>
+          <a:lstStyle/>
+          <a:p>
+            <a:pPr algn="ctr"/>
+            <a:r>
+              <a:rPr lang="en-US" dirty="0" err="1"/>
+              <a:t>Filteri</a:t>
+            </a:r>
+            <a:endParaRPr lang="en-GB" dirty="0"/>
+          </a:p>
+        </p:txBody>
+      </p:sp>
+      <p:sp>
+        <p:nvSpPr>
+          <p:cNvPr id="3" name="Content Placeholder 2">
+            <a:extLst>
+              <a:ext uri="{FF2B5EF4-FFF2-40B4-BE49-F238E27FC236}">
+                <a16:creationId xmlns:a16="http://schemas.microsoft.com/office/drawing/2014/main" id="{FE788697-4C80-4D41-90DF-2117DC17616F}"/>
+              </a:ext>
+            </a:extLst>
+          </p:cNvPr>
+          <p:cNvSpPr>
+            <a:spLocks noGrp="1"/>
+          </p:cNvSpPr>
+          <p:nvPr>
+            <p:ph idx="1"/>
+          </p:nvPr>
+        </p:nvSpPr>
+        <p:spPr>
+          <a:xfrm>
+            <a:off x="838200" y="1146629"/>
+            <a:ext cx="10515600" cy="5030334"/>
           </a:xfrm>
         </p:spPr>
         <p:txBody>
@@ -11213,7 +9248,7 @@
     </p:spTree>
     <p:extLst>
       <p:ext uri="{BB962C8B-B14F-4D97-AF65-F5344CB8AC3E}">
-        <p14:creationId xmlns:p14="http://schemas.microsoft.com/office/powerpoint/2010/main" val="3116259503"/>
+        <p14:creationId xmlns:p14="http://schemas.microsoft.com/office/powerpoint/2010/main" val="2246360732"/>
       </p:ext>
     </p:extLst>
   </p:cSld>
@@ -11245,762 +9280,6 @@
           <p:cNvPr id="2" name="Title 1">
             <a:extLst>
               <a:ext uri="{FF2B5EF4-FFF2-40B4-BE49-F238E27FC236}">
-                <a16:creationId xmlns:a16="http://schemas.microsoft.com/office/drawing/2014/main" id="{18C5795D-87E1-4C09-99DC-2CE75E0F63F8}"/>
-              </a:ext>
-            </a:extLst>
-          </p:cNvPr>
-          <p:cNvSpPr>
-            <a:spLocks noGrp="1"/>
-          </p:cNvSpPr>
-          <p:nvPr>
-            <p:ph type="title"/>
-          </p:nvPr>
-        </p:nvSpPr>
-        <p:spPr>
-          <a:xfrm>
-            <a:off x="838200" y="295836"/>
-            <a:ext cx="10515600" cy="806824"/>
-          </a:xfrm>
-        </p:spPr>
-        <p:txBody>
-          <a:bodyPr/>
-          <a:lstStyle/>
-          <a:p>
-            <a:pPr algn="ctr"/>
-            <a:r>
-              <a:rPr lang="en-US" dirty="0"/>
-              <a:t>Git</a:t>
-            </a:r>
-            <a:endParaRPr lang="en-GB" dirty="0"/>
-          </a:p>
-        </p:txBody>
-      </p:sp>
-      <p:sp>
-        <p:nvSpPr>
-          <p:cNvPr id="3" name="Content Placeholder 2">
-            <a:extLst>
-              <a:ext uri="{FF2B5EF4-FFF2-40B4-BE49-F238E27FC236}">
-                <a16:creationId xmlns:a16="http://schemas.microsoft.com/office/drawing/2014/main" id="{26B2D9EA-1942-4854-900A-8380364B5535}"/>
-              </a:ext>
-            </a:extLst>
-          </p:cNvPr>
-          <p:cNvSpPr>
-            <a:spLocks noGrp="1"/>
-          </p:cNvSpPr>
-          <p:nvPr>
-            <p:ph idx="1"/>
-          </p:nvPr>
-        </p:nvSpPr>
-        <p:spPr>
-          <a:xfrm>
-            <a:off x="838200" y="1102660"/>
-            <a:ext cx="10515600" cy="5074303"/>
-          </a:xfrm>
-        </p:spPr>
-        <p:txBody>
-          <a:bodyPr>
-            <a:normAutofit lnSpcReduction="10000"/>
-          </a:bodyPr>
-          <a:lstStyle/>
-          <a:p>
-            <a:r>
-              <a:rPr lang="sr-Latn-RS" dirty="0"/>
-              <a:t>Git je razvio </a:t>
-            </a:r>
-            <a:r>
-              <a:rPr lang="en-GB" i="1" dirty="0"/>
-              <a:t>Linus Benedict Torvalds</a:t>
-            </a:r>
-            <a:r>
-              <a:rPr lang="sr-Latn-RS" i="1" dirty="0"/>
-              <a:t> </a:t>
-            </a:r>
-            <a:r>
-              <a:rPr lang="sr-Latn-RS" dirty="0"/>
-              <a:t>2005. godine, za sopstvene potrebe.</a:t>
-            </a:r>
-            <a:endParaRPr lang="en-US" dirty="0"/>
-          </a:p>
-          <a:p>
-            <a:r>
-              <a:rPr lang="en-US" dirty="0" err="1"/>
-              <a:t>Distribuiran</a:t>
-            </a:r>
-            <a:r>
-              <a:rPr lang="sr-Latn-RS" dirty="0"/>
-              <a:t> (Git radni direktorijum se nalazi na svakom računaru)</a:t>
-            </a:r>
-            <a:r>
-              <a:rPr lang="en-US" dirty="0"/>
-              <a:t> </a:t>
-            </a:r>
-            <a:r>
-              <a:rPr lang="en-US" dirty="0" err="1"/>
-              <a:t>sistem</a:t>
-            </a:r>
-            <a:r>
-              <a:rPr lang="en-US" dirty="0"/>
-              <a:t> </a:t>
-            </a:r>
-            <a:r>
-              <a:rPr lang="en-US" dirty="0" err="1"/>
-              <a:t>kontrole</a:t>
-            </a:r>
-            <a:r>
-              <a:rPr lang="en-US" dirty="0"/>
-              <a:t> </a:t>
-            </a:r>
-            <a:r>
-              <a:rPr lang="en-US" dirty="0" err="1"/>
-              <a:t>verzija</a:t>
-            </a:r>
-            <a:r>
-              <a:rPr lang="en-US" dirty="0"/>
-              <a:t>.</a:t>
-            </a:r>
-          </a:p>
-          <a:p>
-            <a:r>
-              <a:rPr lang="en-US" dirty="0" err="1"/>
-              <a:t>Koristi</a:t>
-            </a:r>
-            <a:r>
-              <a:rPr lang="en-US" dirty="0"/>
-              <a:t> se za </a:t>
-            </a:r>
-            <a:r>
-              <a:rPr lang="en-US" dirty="0" err="1"/>
-              <a:t>pra</a:t>
-            </a:r>
-            <a:r>
-              <a:rPr lang="sr-Latn-RS" dirty="0"/>
-              <a:t>ćenje promena tokom razvijanja software-a.</a:t>
-            </a:r>
-          </a:p>
-          <a:p>
-            <a:r>
-              <a:rPr lang="sr-Latn-RS" dirty="0"/>
-              <a:t>Olakšava timski rad.</a:t>
-            </a:r>
-          </a:p>
-          <a:p>
-            <a:r>
-              <a:rPr lang="sr-Latn-RS" dirty="0"/>
-              <a:t>Osnovne komande</a:t>
-            </a:r>
-            <a:r>
-              <a:rPr lang="en-US" dirty="0"/>
-              <a:t> za rad </a:t>
-            </a:r>
-            <a:r>
-              <a:rPr lang="en-US" dirty="0" err="1"/>
-              <a:t>sa</a:t>
-            </a:r>
-            <a:r>
-              <a:rPr lang="en-US" dirty="0"/>
-              <a:t> </a:t>
-            </a:r>
-            <a:r>
-              <a:rPr lang="sr-Latn-RS" dirty="0"/>
-              <a:t>G</a:t>
-            </a:r>
-            <a:r>
-              <a:rPr lang="en-US" dirty="0"/>
-              <a:t>it-om </a:t>
-            </a:r>
-            <a:r>
-              <a:rPr lang="en-US" dirty="0" err="1"/>
-              <a:t>mo</a:t>
-            </a:r>
-            <a:r>
-              <a:rPr lang="sr-Latn-RS" dirty="0"/>
-              <a:t>žete naći na </a:t>
-            </a:r>
-            <a:r>
-              <a:rPr lang="sr-Latn-RS" dirty="0">
-                <a:hlinkClick r:id="rId2"/>
-              </a:rPr>
-              <a:t>ovom</a:t>
-            </a:r>
-            <a:r>
-              <a:rPr lang="sr-Latn-RS" dirty="0"/>
-              <a:t> linku.</a:t>
-            </a:r>
-          </a:p>
-          <a:p>
-            <a:r>
-              <a:rPr lang="sr-Latn-RS" dirty="0"/>
-              <a:t>Kratak video na youtube-u o osnovama git-a, možete naći na </a:t>
-            </a:r>
-            <a:r>
-              <a:rPr lang="sr-Latn-RS" dirty="0">
-                <a:hlinkClick r:id="rId3"/>
-              </a:rPr>
-              <a:t>ovom</a:t>
-            </a:r>
-            <a:r>
-              <a:rPr lang="sr-Latn-RS" dirty="0"/>
-              <a:t> linku.</a:t>
-            </a:r>
-            <a:endParaRPr lang="en-US" dirty="0"/>
-          </a:p>
-          <a:p>
-            <a:r>
-              <a:rPr lang="en-US" dirty="0" err="1"/>
-              <a:t>Kratak</a:t>
-            </a:r>
-            <a:r>
-              <a:rPr lang="en-US" dirty="0"/>
-              <a:t> video </a:t>
-            </a:r>
-            <a:r>
-              <a:rPr lang="en-US" dirty="0" err="1"/>
-              <a:t>na</a:t>
-            </a:r>
-            <a:r>
-              <a:rPr lang="en-US" dirty="0"/>
-              <a:t> </a:t>
-            </a:r>
-            <a:r>
-              <a:rPr lang="en-US" dirty="0" err="1"/>
-              <a:t>youtube</a:t>
-            </a:r>
-            <a:r>
-              <a:rPr lang="en-US" dirty="0"/>
-              <a:t>-u o </a:t>
-            </a:r>
-            <a:r>
-              <a:rPr lang="en-US" dirty="0" err="1"/>
-              <a:t>osnovama</a:t>
-            </a:r>
-            <a:r>
-              <a:rPr lang="en-US" dirty="0"/>
-              <a:t> Git-a </a:t>
-            </a:r>
-            <a:r>
-              <a:rPr lang="en-US" dirty="0" err="1"/>
-              <a:t>i</a:t>
-            </a:r>
-            <a:r>
-              <a:rPr lang="en-US" dirty="0"/>
-              <a:t> </a:t>
-            </a:r>
-            <a:r>
-              <a:rPr lang="en-US" dirty="0" err="1"/>
-              <a:t>VisualStudioCode</a:t>
-            </a:r>
-            <a:r>
-              <a:rPr lang="en-US" dirty="0"/>
-              <a:t>-a </a:t>
-            </a:r>
-            <a:r>
-              <a:rPr lang="en-US" dirty="0" err="1"/>
-              <a:t>mo</a:t>
-            </a:r>
-            <a:r>
-              <a:rPr lang="sr-Latn-RS" dirty="0"/>
-              <a:t>žete naći na </a:t>
-            </a:r>
-            <a:r>
-              <a:rPr lang="sr-Latn-RS" dirty="0">
-                <a:hlinkClick r:id="rId4"/>
-              </a:rPr>
-              <a:t>ovom</a:t>
-            </a:r>
-            <a:r>
-              <a:rPr lang="sr-Latn-RS" dirty="0"/>
-              <a:t> linku.</a:t>
-            </a:r>
-            <a:endParaRPr lang="en-GB" dirty="0"/>
-          </a:p>
-        </p:txBody>
-      </p:sp>
-    </p:spTree>
-    <p:extLst>
-      <p:ext uri="{BB962C8B-B14F-4D97-AF65-F5344CB8AC3E}">
-        <p14:creationId xmlns:p14="http://schemas.microsoft.com/office/powerpoint/2010/main" val="2709754091"/>
-      </p:ext>
-    </p:extLst>
-  </p:cSld>
-  <p:clrMapOvr>
-    <a:masterClrMapping/>
-  </p:clrMapOvr>
-</p:sld>
-</file>
-
-<file path=ppt/slides/slide3.xml><?xml version="1.0" encoding="utf-8"?>
-<p:sld xmlns:a="http://schemas.openxmlformats.org/drawingml/2006/main" xmlns:r="http://schemas.openxmlformats.org/officeDocument/2006/relationships" xmlns:p="http://schemas.openxmlformats.org/presentationml/2006/main">
-  <p:cSld>
-    <p:spTree>
-      <p:nvGrpSpPr>
-        <p:cNvPr id="1" name=""/>
-        <p:cNvGrpSpPr/>
-        <p:nvPr/>
-      </p:nvGrpSpPr>
-      <p:grpSpPr>
-        <a:xfrm>
-          <a:off x="0" y="0"/>
-          <a:ext cx="0" cy="0"/>
-          <a:chOff x="0" y="0"/>
-          <a:chExt cx="0" cy="0"/>
-        </a:xfrm>
-      </p:grpSpPr>
-      <p:sp>
-        <p:nvSpPr>
-          <p:cNvPr id="2" name="Title 1">
-            <a:extLst>
-              <a:ext uri="{FF2B5EF4-FFF2-40B4-BE49-F238E27FC236}">
-                <a16:creationId xmlns:a16="http://schemas.microsoft.com/office/drawing/2014/main" id="{BAA8B7E2-3BE1-4513-A536-872D4EFDD4B1}"/>
-              </a:ext>
-            </a:extLst>
-          </p:cNvPr>
-          <p:cNvSpPr>
-            <a:spLocks noGrp="1"/>
-          </p:cNvSpPr>
-          <p:nvPr>
-            <p:ph type="title"/>
-          </p:nvPr>
-        </p:nvSpPr>
-        <p:spPr>
-          <a:xfrm>
-            <a:off x="838200" y="365125"/>
-            <a:ext cx="10515600" cy="823595"/>
-          </a:xfrm>
-        </p:spPr>
-        <p:txBody>
-          <a:bodyPr/>
-          <a:lstStyle/>
-          <a:p>
-            <a:pPr algn="ctr"/>
-            <a:r>
-              <a:rPr lang="sr-Latn-RS" dirty="0"/>
-              <a:t>Visual Studio Code</a:t>
-            </a:r>
-            <a:endParaRPr lang="en-GB" dirty="0"/>
-          </a:p>
-        </p:txBody>
-      </p:sp>
-      <p:sp>
-        <p:nvSpPr>
-          <p:cNvPr id="3" name="Content Placeholder 2">
-            <a:extLst>
-              <a:ext uri="{FF2B5EF4-FFF2-40B4-BE49-F238E27FC236}">
-                <a16:creationId xmlns:a16="http://schemas.microsoft.com/office/drawing/2014/main" id="{29865C70-F982-4910-B009-A5C4198BC835}"/>
-              </a:ext>
-            </a:extLst>
-          </p:cNvPr>
-          <p:cNvSpPr>
-            <a:spLocks noGrp="1"/>
-          </p:cNvSpPr>
-          <p:nvPr>
-            <p:ph idx="1"/>
-          </p:nvPr>
-        </p:nvSpPr>
-        <p:spPr>
-          <a:xfrm>
-            <a:off x="838200" y="1188720"/>
-            <a:ext cx="10515600" cy="4988243"/>
-          </a:xfrm>
-        </p:spPr>
-        <p:txBody>
-          <a:bodyPr>
-            <a:normAutofit lnSpcReduction="10000"/>
-          </a:bodyPr>
-          <a:lstStyle/>
-          <a:p>
-            <a:r>
-              <a:rPr lang="sr-Latn-RS" dirty="0"/>
-              <a:t>VS code je razvio </a:t>
-            </a:r>
-            <a:r>
-              <a:rPr lang="sr-Latn-RS" i="1" dirty="0"/>
-              <a:t>Microsoft </a:t>
-            </a:r>
-            <a:r>
-              <a:rPr lang="sr-Latn-RS" dirty="0"/>
-              <a:t>2015. godine.</a:t>
-            </a:r>
-          </a:p>
-          <a:p>
-            <a:r>
-              <a:rPr lang="sr-Latn-RS" dirty="0"/>
-              <a:t>Za razvoj su korišćeni</a:t>
-            </a:r>
-            <a:r>
-              <a:rPr lang="en-US" dirty="0"/>
-              <a:t>:</a:t>
-            </a:r>
-            <a:r>
-              <a:rPr lang="sr-Latn-RS" dirty="0"/>
-              <a:t> </a:t>
-            </a:r>
-            <a:endParaRPr lang="en-US" dirty="0"/>
-          </a:p>
-          <a:p>
-            <a:pPr lvl="1"/>
-            <a:r>
-              <a:rPr lang="sr-Latn-RS" dirty="0"/>
-              <a:t>TypeScript, </a:t>
-            </a:r>
-            <a:endParaRPr lang="en-US" dirty="0"/>
-          </a:p>
-          <a:p>
-            <a:pPr lvl="1"/>
-            <a:r>
-              <a:rPr lang="sr-Latn-RS" dirty="0"/>
-              <a:t>JavaScript</a:t>
-            </a:r>
-            <a:r>
-              <a:rPr lang="en-US" dirty="0"/>
-              <a:t>,</a:t>
-            </a:r>
-          </a:p>
-          <a:p>
-            <a:pPr lvl="1"/>
-            <a:r>
-              <a:rPr lang="en-US" dirty="0"/>
-              <a:t>CSS,</a:t>
-            </a:r>
-          </a:p>
-          <a:p>
-            <a:pPr lvl="1"/>
-            <a:r>
-              <a:rPr lang="en-US" dirty="0"/>
-              <a:t>HTML</a:t>
-            </a:r>
-          </a:p>
-          <a:p>
-            <a:pPr lvl="1"/>
-            <a:r>
-              <a:rPr lang="en-US" dirty="0">
-                <a:hlinkClick r:id="rId2"/>
-              </a:rPr>
-              <a:t>Electron</a:t>
-            </a:r>
-            <a:endParaRPr lang="sr-Latn-RS" dirty="0"/>
-          </a:p>
-          <a:p>
-            <a:r>
-              <a:rPr lang="sr-Latn-RS" dirty="0"/>
-              <a:t>Koristi se kao razvojno okruženje, umesto VisualStudio IDE, sa svim potrebnim alatima</a:t>
-            </a:r>
-            <a:r>
-              <a:rPr lang="en-US" dirty="0"/>
-              <a:t>: </a:t>
-            </a:r>
-          </a:p>
-          <a:p>
-            <a:pPr lvl="1"/>
-            <a:r>
-              <a:rPr lang="en-US" dirty="0"/>
-              <a:t>debugging, </a:t>
-            </a:r>
-          </a:p>
-          <a:p>
-            <a:pPr lvl="1"/>
-            <a:r>
-              <a:rPr lang="en-US" dirty="0"/>
-              <a:t>git </a:t>
-            </a:r>
-            <a:r>
-              <a:rPr lang="en-US" dirty="0" err="1"/>
-              <a:t>kontrola</a:t>
-            </a:r>
-            <a:r>
-              <a:rPr lang="en-US" dirty="0"/>
-              <a:t>,</a:t>
-            </a:r>
-          </a:p>
-          <a:p>
-            <a:pPr lvl="1"/>
-            <a:r>
-              <a:rPr lang="en-US" dirty="0" err="1"/>
-              <a:t>Inteligentno</a:t>
-            </a:r>
-            <a:r>
-              <a:rPr lang="en-US" dirty="0"/>
-              <a:t> </a:t>
-            </a:r>
-            <a:r>
-              <a:rPr lang="en-US" dirty="0" err="1"/>
-              <a:t>zavr</a:t>
-            </a:r>
-            <a:r>
-              <a:rPr lang="sr-Latn-RS" dirty="0"/>
-              <a:t>šavanje koda,</a:t>
-            </a:r>
-          </a:p>
-          <a:p>
-            <a:pPr lvl="1"/>
-            <a:r>
-              <a:rPr lang="sr-Latn-RS" dirty="0"/>
-              <a:t>Plugins (teme, razni dodatni alati)...</a:t>
-            </a:r>
-          </a:p>
-          <a:p>
-            <a:endParaRPr lang="sr-Latn-RS" dirty="0"/>
-          </a:p>
-          <a:p>
-            <a:endParaRPr lang="sr-Latn-RS" i="1" dirty="0"/>
-          </a:p>
-        </p:txBody>
-      </p:sp>
-    </p:spTree>
-    <p:extLst>
-      <p:ext uri="{BB962C8B-B14F-4D97-AF65-F5344CB8AC3E}">
-        <p14:creationId xmlns:p14="http://schemas.microsoft.com/office/powerpoint/2010/main" val="3803586600"/>
-      </p:ext>
-    </p:extLst>
-  </p:cSld>
-  <p:clrMapOvr>
-    <a:masterClrMapping/>
-  </p:clrMapOvr>
-</p:sld>
-</file>
-
-<file path=ppt/slides/slide4.xml><?xml version="1.0" encoding="utf-8"?>
-<p:sld xmlns:a="http://schemas.openxmlformats.org/drawingml/2006/main" xmlns:r="http://schemas.openxmlformats.org/officeDocument/2006/relationships" xmlns:p="http://schemas.openxmlformats.org/presentationml/2006/main">
-  <p:cSld>
-    <p:spTree>
-      <p:nvGrpSpPr>
-        <p:cNvPr id="1" name=""/>
-        <p:cNvGrpSpPr/>
-        <p:nvPr/>
-      </p:nvGrpSpPr>
-      <p:grpSpPr>
-        <a:xfrm>
-          <a:off x="0" y="0"/>
-          <a:ext cx="0" cy="0"/>
-          <a:chOff x="0" y="0"/>
-          <a:chExt cx="0" cy="0"/>
-        </a:xfrm>
-      </p:grpSpPr>
-      <p:sp>
-        <p:nvSpPr>
-          <p:cNvPr id="2" name="Title 1">
-            <a:extLst>
-              <a:ext uri="{FF2B5EF4-FFF2-40B4-BE49-F238E27FC236}">
-                <a16:creationId xmlns:a16="http://schemas.microsoft.com/office/drawing/2014/main" id="{347C0AED-5999-4F2C-AC4B-E8CB97356C1F}"/>
-              </a:ext>
-            </a:extLst>
-          </p:cNvPr>
-          <p:cNvSpPr>
-            <a:spLocks noGrp="1"/>
-          </p:cNvSpPr>
-          <p:nvPr>
-            <p:ph type="title"/>
-          </p:nvPr>
-        </p:nvSpPr>
-        <p:spPr>
-          <a:xfrm>
-            <a:off x="838200" y="365125"/>
-            <a:ext cx="10515600" cy="750443"/>
-          </a:xfrm>
-        </p:spPr>
-        <p:txBody>
-          <a:bodyPr/>
-          <a:lstStyle/>
-          <a:p>
-            <a:pPr algn="ctr"/>
-            <a:r>
-              <a:rPr lang="sr-Latn-RS" dirty="0"/>
-              <a:t>Visual Studio Code</a:t>
-            </a:r>
-            <a:endParaRPr lang="en-GB" dirty="0"/>
-          </a:p>
-        </p:txBody>
-      </p:sp>
-      <p:sp>
-        <p:nvSpPr>
-          <p:cNvPr id="3" name="Content Placeholder 2">
-            <a:extLst>
-              <a:ext uri="{FF2B5EF4-FFF2-40B4-BE49-F238E27FC236}">
-                <a16:creationId xmlns:a16="http://schemas.microsoft.com/office/drawing/2014/main" id="{681D5EED-DEE3-489E-8B03-C08382D65CDD}"/>
-              </a:ext>
-            </a:extLst>
-          </p:cNvPr>
-          <p:cNvSpPr>
-            <a:spLocks noGrp="1"/>
-          </p:cNvSpPr>
-          <p:nvPr>
-            <p:ph idx="1"/>
-          </p:nvPr>
-        </p:nvSpPr>
-        <p:spPr>
-          <a:xfrm>
-            <a:off x="838200" y="1115568"/>
-            <a:ext cx="10515600" cy="5061395"/>
-          </a:xfrm>
-        </p:spPr>
-        <p:txBody>
-          <a:bodyPr/>
-          <a:lstStyle/>
-          <a:p>
-            <a:r>
-              <a:rPr lang="sr-Latn-RS" dirty="0"/>
-              <a:t>Pokazao sam vam nekoliko korisnik prečica na tastaturi</a:t>
-            </a:r>
-            <a:r>
-              <a:rPr lang="en-US" dirty="0"/>
-              <a:t>:</a:t>
-            </a:r>
-          </a:p>
-          <a:p>
-            <a:pPr lvl="1"/>
-            <a:r>
-              <a:rPr lang="en-US" dirty="0"/>
-              <a:t>Ctrl + D – </a:t>
-            </a:r>
-            <a:r>
-              <a:rPr lang="en-US" dirty="0" err="1"/>
-              <a:t>selektuje</a:t>
-            </a:r>
-            <a:r>
-              <a:rPr lang="en-US" dirty="0"/>
-              <a:t> </a:t>
-            </a:r>
-            <a:r>
-              <a:rPr lang="en-US" dirty="0" err="1"/>
-              <a:t>sledecu</a:t>
-            </a:r>
-            <a:r>
-              <a:rPr lang="en-US" dirty="0"/>
-              <a:t> </a:t>
-            </a:r>
-            <a:r>
-              <a:rPr lang="en-US" dirty="0" err="1"/>
-              <a:t>istu</a:t>
-            </a:r>
-            <a:r>
-              <a:rPr lang="en-US" dirty="0"/>
-              <a:t> re</a:t>
-            </a:r>
-            <a:r>
-              <a:rPr lang="sr-Latn-RS" dirty="0"/>
-              <a:t>č / slovo</a:t>
-            </a:r>
-          </a:p>
-          <a:p>
-            <a:pPr lvl="1"/>
-            <a:r>
-              <a:rPr lang="sr-Latn-RS" dirty="0"/>
-              <a:t>Ctrl + K – ako želite da preskočite selektovanu reč</a:t>
-            </a:r>
-          </a:p>
-          <a:p>
-            <a:pPr lvl="1"/>
-            <a:r>
-              <a:rPr lang="sr-Latn-RS" dirty="0"/>
-              <a:t>Shift + Ctrl + P – otvara prostor u kojem možete da pretražujete opcije od samog editora</a:t>
-            </a:r>
-          </a:p>
-          <a:p>
-            <a:pPr lvl="1"/>
-            <a:r>
-              <a:rPr lang="sr-Latn-RS" dirty="0"/>
-              <a:t>Shift + P </a:t>
-            </a:r>
-            <a:r>
-              <a:rPr lang="en-US" dirty="0"/>
-              <a:t>– </a:t>
-            </a:r>
-            <a:r>
-              <a:rPr lang="sr-Latn-RS" dirty="0"/>
-              <a:t>otvara prostor u kojem možete da pretražujete folder i sve podfoldere iz kojeg je </a:t>
-            </a:r>
-            <a:r>
-              <a:rPr lang="sr-Latn-RS" i="1" dirty="0"/>
-              <a:t>VSCode</a:t>
-            </a:r>
-            <a:r>
-              <a:rPr lang="sr-Latn-RS" dirty="0"/>
-              <a:t> otvoren.</a:t>
-            </a:r>
-          </a:p>
-          <a:p>
-            <a:pPr lvl="1"/>
-            <a:r>
-              <a:rPr lang="sr-Latn-RS" dirty="0"/>
-              <a:t>Alt + levi klik miša – omogućava selektovanje sa mišem više odvojenih redova</a:t>
-            </a:r>
-          </a:p>
-          <a:p>
-            <a:pPr lvl="1"/>
-            <a:r>
-              <a:rPr lang="sr-Latn-RS" dirty="0"/>
-              <a:t>Ostale prečice možete naći ako otvorite editor</a:t>
-            </a:r>
-            <a:r>
-              <a:rPr lang="en-US" dirty="0"/>
-              <a:t>:</a:t>
-            </a:r>
-            <a:endParaRPr lang="sr-Latn-RS" dirty="0"/>
-          </a:p>
-          <a:p>
-            <a:pPr lvl="2"/>
-            <a:r>
-              <a:rPr lang="sr-Latn-RS" dirty="0"/>
-              <a:t>File</a:t>
-            </a:r>
-          </a:p>
-          <a:p>
-            <a:pPr lvl="2"/>
-            <a:r>
-              <a:rPr lang="sr-Latn-RS" dirty="0"/>
-              <a:t>Preferences</a:t>
-            </a:r>
-          </a:p>
-          <a:p>
-            <a:pPr lvl="2"/>
-            <a:r>
-              <a:rPr lang="sr-Latn-RS" dirty="0"/>
-              <a:t>Keyboard shortcuts</a:t>
-            </a:r>
-          </a:p>
-          <a:p>
-            <a:pPr lvl="2"/>
-            <a:r>
-              <a:rPr lang="sr-Latn-RS" dirty="0"/>
-              <a:t>Ili Ctrl + K Ctrl + S</a:t>
-            </a:r>
-          </a:p>
-        </p:txBody>
-      </p:sp>
-    </p:spTree>
-    <p:extLst>
-      <p:ext uri="{BB962C8B-B14F-4D97-AF65-F5344CB8AC3E}">
-        <p14:creationId xmlns:p14="http://schemas.microsoft.com/office/powerpoint/2010/main" val="3641884816"/>
-      </p:ext>
-    </p:extLst>
-  </p:cSld>
-  <p:clrMapOvr>
-    <a:masterClrMapping/>
-  </p:clrMapOvr>
-</p:sld>
-</file>
-
-<file path=ppt/slides/slide5.xml><?xml version="1.0" encoding="utf-8"?>
-<p:sld xmlns:a="http://schemas.openxmlformats.org/drawingml/2006/main" xmlns:r="http://schemas.openxmlformats.org/officeDocument/2006/relationships" xmlns:p="http://schemas.openxmlformats.org/presentationml/2006/main">
-  <p:cSld>
-    <p:spTree>
-      <p:nvGrpSpPr>
-        <p:cNvPr id="1" name=""/>
-        <p:cNvGrpSpPr/>
-        <p:nvPr/>
-      </p:nvGrpSpPr>
-      <p:grpSpPr>
-        <a:xfrm>
-          <a:off x="0" y="0"/>
-          <a:ext cx="0" cy="0"/>
-          <a:chOff x="0" y="0"/>
-          <a:chExt cx="0" cy="0"/>
-        </a:xfrm>
-      </p:grpSpPr>
-      <p:sp>
-        <p:nvSpPr>
-          <p:cNvPr id="2" name="Title 1">
-            <a:extLst>
-              <a:ext uri="{FF2B5EF4-FFF2-40B4-BE49-F238E27FC236}">
                 <a16:creationId xmlns:a16="http://schemas.microsoft.com/office/drawing/2014/main" id="{ADD53684-6E7D-4917-BA86-C4AA0611E7CB}"/>
               </a:ext>
             </a:extLst>
@@ -12179,7 +9458,7 @@
 </p:sld>
 </file>
 
-<file path=ppt/slides/slide6.xml><?xml version="1.0" encoding="utf-8"?>
+<file path=ppt/slides/slide3.xml><?xml version="1.0" encoding="utf-8"?>
 <p:sld xmlns:a="http://schemas.openxmlformats.org/drawingml/2006/main" xmlns:r="http://schemas.openxmlformats.org/officeDocument/2006/relationships" xmlns:p="http://schemas.openxmlformats.org/presentationml/2006/main">
   <p:cSld>
     <p:spTree>
@@ -14272,7 +11551,7 @@
 </p:sld>
 </file>
 
-<file path=ppt/slides/slide7.xml><?xml version="1.0" encoding="utf-8"?>
+<file path=ppt/slides/slide4.xml><?xml version="1.0" encoding="utf-8"?>
 <p:sld xmlns:a="http://schemas.openxmlformats.org/drawingml/2006/main" xmlns:r="http://schemas.openxmlformats.org/officeDocument/2006/relationships" xmlns:p="http://schemas.openxmlformats.org/presentationml/2006/main">
   <p:cSld>
     <p:spTree>
@@ -15090,7 +12369,7 @@
 </p:sld>
 </file>
 
-<file path=ppt/slides/slide8.xml><?xml version="1.0" encoding="utf-8"?>
+<file path=ppt/slides/slide5.xml><?xml version="1.0" encoding="utf-8"?>
 <p:sld xmlns:a="http://schemas.openxmlformats.org/drawingml/2006/main" xmlns:r="http://schemas.openxmlformats.org/officeDocument/2006/relationships" xmlns:p="http://schemas.openxmlformats.org/presentationml/2006/main">
   <p:cSld>
     <p:spTree>
@@ -16207,7 +13486,7 @@
 </p:sld>
 </file>
 
-<file path=ppt/slides/slide9.xml><?xml version="1.0" encoding="utf-8"?>
+<file path=ppt/slides/slide6.xml><?xml version="1.0" encoding="utf-8"?>
 <p:sld xmlns:a="http://schemas.openxmlformats.org/drawingml/2006/main" xmlns:r="http://schemas.openxmlformats.org/officeDocument/2006/relationships" xmlns:p="http://schemas.openxmlformats.org/presentationml/2006/main">
   <p:cSld>
     <p:spTree>
@@ -17719,6 +14998,2230 @@
 </p:sld>
 </file>
 
+<file path=ppt/slides/slide7.xml><?xml version="1.0" encoding="utf-8"?>
+<p:sld xmlns:a="http://schemas.openxmlformats.org/drawingml/2006/main" xmlns:r="http://schemas.openxmlformats.org/officeDocument/2006/relationships" xmlns:p="http://schemas.openxmlformats.org/presentationml/2006/main">
+  <p:cSld>
+    <p:spTree>
+      <p:nvGrpSpPr>
+        <p:cNvPr id="1" name=""/>
+        <p:cNvGrpSpPr/>
+        <p:nvPr/>
+      </p:nvGrpSpPr>
+      <p:grpSpPr>
+        <a:xfrm>
+          <a:off x="0" y="0"/>
+          <a:ext cx="0" cy="0"/>
+          <a:chOff x="0" y="0"/>
+          <a:chExt cx="0" cy="0"/>
+        </a:xfrm>
+      </p:grpSpPr>
+      <p:pic>
+        <p:nvPicPr>
+          <p:cNvPr id="3" name="Picture 2">
+            <a:extLst>
+              <a:ext uri="{FF2B5EF4-FFF2-40B4-BE49-F238E27FC236}">
+                <a16:creationId xmlns:a16="http://schemas.microsoft.com/office/drawing/2014/main" id="{14F683D5-4491-484B-81F2-BAA67CB73913}"/>
+              </a:ext>
+            </a:extLst>
+          </p:cNvPr>
+          <p:cNvPicPr>
+            <a:picLocks noChangeAspect="1"/>
+          </p:cNvPicPr>
+          <p:nvPr/>
+        </p:nvPicPr>
+        <p:blipFill>
+          <a:blip r:embed="rId2">
+            <a:extLst>
+              <a:ext uri="{28A0092B-C50C-407E-A947-70E740481C1C}">
+                <a14:useLocalDpi xmlns:a14="http://schemas.microsoft.com/office/drawing/2010/main" val="0"/>
+              </a:ext>
+            </a:extLst>
+          </a:blip>
+          <a:stretch>
+            <a:fillRect/>
+          </a:stretch>
+        </p:blipFill>
+        <p:spPr>
+          <a:xfrm>
+            <a:off x="194622" y="201943"/>
+            <a:ext cx="6112329" cy="4543425"/>
+          </a:xfrm>
+          <a:prstGeom prst="rect">
+            <a:avLst/>
+          </a:prstGeom>
+        </p:spPr>
+      </p:pic>
+      <p:sp>
+        <p:nvSpPr>
+          <p:cNvPr id="4" name="TextBox 3">
+            <a:extLst>
+              <a:ext uri="{FF2B5EF4-FFF2-40B4-BE49-F238E27FC236}">
+                <a16:creationId xmlns:a16="http://schemas.microsoft.com/office/drawing/2014/main" id="{6F8D341E-FEAB-402F-B126-9E8B85326AFD}"/>
+              </a:ext>
+            </a:extLst>
+          </p:cNvPr>
+          <p:cNvSpPr txBox="1"/>
+          <p:nvPr/>
+        </p:nvSpPr>
+        <p:spPr>
+          <a:xfrm>
+            <a:off x="6306951" y="201943"/>
+            <a:ext cx="5152564" cy="646331"/>
+          </a:xfrm>
+          <a:prstGeom prst="rect">
+            <a:avLst/>
+          </a:prstGeom>
+          <a:noFill/>
+        </p:spPr>
+        <p:txBody>
+          <a:bodyPr wrap="none" rtlCol="0">
+            <a:spAutoFit/>
+          </a:bodyPr>
+          <a:lstStyle/>
+          <a:p>
+            <a:r>
+              <a:rPr lang="en-US" dirty="0" err="1"/>
+              <a:t>Ovde</a:t>
+            </a:r>
+            <a:r>
+              <a:rPr lang="en-US" dirty="0"/>
+              <a:t> </a:t>
+            </a:r>
+            <a:r>
+              <a:rPr lang="en-US" dirty="0" err="1"/>
+              <a:t>vidimo</a:t>
+            </a:r>
+            <a:r>
+              <a:rPr lang="en-US" dirty="0"/>
+              <a:t> AngularJS </a:t>
+            </a:r>
+            <a:r>
+              <a:rPr lang="en-US" dirty="0" err="1"/>
+              <a:t>kontroler</a:t>
+            </a:r>
+            <a:r>
+              <a:rPr lang="en-US" dirty="0"/>
+              <a:t> </a:t>
+            </a:r>
+            <a:r>
+              <a:rPr lang="en-US" dirty="0" err="1"/>
+              <a:t>koji</a:t>
+            </a:r>
+            <a:r>
+              <a:rPr lang="en-US" dirty="0"/>
+              <a:t> </a:t>
+            </a:r>
+            <a:r>
+              <a:rPr lang="sr-Latn-RS" dirty="0"/>
+              <a:t>za sada samo</a:t>
+            </a:r>
+          </a:p>
+          <a:p>
+            <a:r>
+              <a:rPr lang="sr-Latn-RS" dirty="0"/>
+              <a:t>inicijalizuje objekat </a:t>
+            </a:r>
+            <a:r>
+              <a:rPr lang="sr-Latn-RS" b="1" dirty="0"/>
+              <a:t>phones</a:t>
+            </a:r>
+            <a:r>
+              <a:rPr lang="sr-Latn-RS" dirty="0"/>
+              <a:t> koji prikazujemo u html-u</a:t>
+            </a:r>
+            <a:endParaRPr lang="en-GB" dirty="0"/>
+          </a:p>
+        </p:txBody>
+      </p:sp>
+      <p:sp>
+        <p:nvSpPr>
+          <p:cNvPr id="5" name="Rectangle 4">
+            <a:extLst>
+              <a:ext uri="{FF2B5EF4-FFF2-40B4-BE49-F238E27FC236}">
+                <a16:creationId xmlns:a16="http://schemas.microsoft.com/office/drawing/2014/main" id="{49B8DDE5-0F00-4158-9BAA-0CE42ECA5329}"/>
+              </a:ext>
+            </a:extLst>
+          </p:cNvPr>
+          <p:cNvSpPr/>
+          <p:nvPr/>
+        </p:nvSpPr>
+        <p:spPr>
+          <a:xfrm>
+            <a:off x="6306951" y="848274"/>
+            <a:ext cx="6112329" cy="3970318"/>
+          </a:xfrm>
+          <a:prstGeom prst="rect">
+            <a:avLst/>
+          </a:prstGeom>
+        </p:spPr>
+        <p:txBody>
+          <a:bodyPr wrap="square">
+            <a:spAutoFit/>
+          </a:bodyPr>
+          <a:lstStyle/>
+          <a:p>
+            <a:r>
+              <a:rPr lang="en-GB" dirty="0">
+                <a:solidFill>
+                  <a:srgbClr val="99C6CA"/>
+                </a:solidFill>
+                <a:latin typeface="Consolas" panose="020B0609020204030204" pitchFamily="49" charset="0"/>
+              </a:rPr>
+              <a:t>$</a:t>
+            </a:r>
+            <a:r>
+              <a:rPr lang="en-GB" dirty="0" err="1">
+                <a:solidFill>
+                  <a:srgbClr val="99C6CA"/>
+                </a:solidFill>
+                <a:latin typeface="Consolas" panose="020B0609020204030204" pitchFamily="49" charset="0"/>
+              </a:rPr>
+              <a:t>scope</a:t>
+            </a:r>
+            <a:r>
+              <a:rPr lang="en-GB" dirty="0" err="1">
+                <a:solidFill>
+                  <a:srgbClr val="EBDBB2"/>
+                </a:solidFill>
+                <a:latin typeface="Consolas" panose="020B0609020204030204" pitchFamily="49" charset="0"/>
+              </a:rPr>
+              <a:t>.</a:t>
+            </a:r>
+            <a:r>
+              <a:rPr lang="en-GB" dirty="0" err="1">
+                <a:solidFill>
+                  <a:srgbClr val="99C6CA"/>
+                </a:solidFill>
+                <a:latin typeface="Consolas" panose="020B0609020204030204" pitchFamily="49" charset="0"/>
+              </a:rPr>
+              <a:t>phones</a:t>
+            </a:r>
+            <a:r>
+              <a:rPr lang="en-GB" dirty="0">
+                <a:solidFill>
+                  <a:srgbClr val="F2E5BC"/>
+                </a:solidFill>
+                <a:latin typeface="Consolas" panose="020B0609020204030204" pitchFamily="49" charset="0"/>
+              </a:rPr>
+              <a:t> </a:t>
+            </a:r>
+            <a:r>
+              <a:rPr lang="en-GB" dirty="0">
+                <a:solidFill>
+                  <a:srgbClr val="7EC16E"/>
+                </a:solidFill>
+                <a:latin typeface="Consolas" panose="020B0609020204030204" pitchFamily="49" charset="0"/>
+              </a:rPr>
+              <a:t>=</a:t>
+            </a:r>
+            <a:r>
+              <a:rPr lang="en-GB" dirty="0">
+                <a:solidFill>
+                  <a:srgbClr val="F2E5BC"/>
+                </a:solidFill>
+                <a:latin typeface="Consolas" panose="020B0609020204030204" pitchFamily="49" charset="0"/>
+              </a:rPr>
+              <a:t> [</a:t>
+            </a:r>
+          </a:p>
+          <a:p>
+            <a:r>
+              <a:rPr lang="en-GB" dirty="0">
+                <a:solidFill>
+                  <a:srgbClr val="EBDBB2"/>
+                </a:solidFill>
+                <a:latin typeface="Consolas" panose="020B0609020204030204" pitchFamily="49" charset="0"/>
+              </a:rPr>
+              <a:t>{</a:t>
+            </a:r>
+            <a:endParaRPr lang="en-GB" dirty="0">
+              <a:solidFill>
+                <a:srgbClr val="F2E5BC"/>
+              </a:solidFill>
+              <a:latin typeface="Consolas" panose="020B0609020204030204" pitchFamily="49" charset="0"/>
+            </a:endParaRPr>
+          </a:p>
+          <a:p>
+            <a:r>
+              <a:rPr lang="en-GB" dirty="0">
+                <a:solidFill>
+                  <a:srgbClr val="F2E5BC"/>
+                </a:solidFill>
+                <a:latin typeface="Consolas" panose="020B0609020204030204" pitchFamily="49" charset="0"/>
+              </a:rPr>
+              <a:t>name</a:t>
+            </a:r>
+            <a:r>
+              <a:rPr lang="en-GB" dirty="0">
+                <a:solidFill>
+                  <a:srgbClr val="EBDBB2"/>
+                </a:solidFill>
+                <a:latin typeface="Consolas" panose="020B0609020204030204" pitchFamily="49" charset="0"/>
+              </a:rPr>
+              <a:t>:</a:t>
+            </a:r>
+            <a:r>
+              <a:rPr lang="en-GB" dirty="0">
+                <a:solidFill>
+                  <a:srgbClr val="F2E5BC"/>
+                </a:solidFill>
+                <a:latin typeface="Consolas" panose="020B0609020204030204" pitchFamily="49" charset="0"/>
+              </a:rPr>
+              <a:t> </a:t>
+            </a:r>
+            <a:r>
+              <a:rPr lang="en-GB" dirty="0">
+                <a:solidFill>
+                  <a:srgbClr val="EBDBB2"/>
+                </a:solidFill>
+                <a:latin typeface="Consolas" panose="020B0609020204030204" pitchFamily="49" charset="0"/>
+              </a:rPr>
+              <a:t>'</a:t>
+            </a:r>
+            <a:r>
+              <a:rPr lang="en-GB" dirty="0">
+                <a:solidFill>
+                  <a:srgbClr val="B8BB26"/>
+                </a:solidFill>
+                <a:latin typeface="Consolas" panose="020B0609020204030204" pitchFamily="49" charset="0"/>
+              </a:rPr>
+              <a:t>Nexus S</a:t>
+            </a:r>
+            <a:r>
+              <a:rPr lang="en-GB" dirty="0">
+                <a:solidFill>
+                  <a:srgbClr val="EBDBB2"/>
+                </a:solidFill>
+                <a:latin typeface="Consolas" panose="020B0609020204030204" pitchFamily="49" charset="0"/>
+              </a:rPr>
+              <a:t>',</a:t>
+            </a:r>
+            <a:endParaRPr lang="en-GB" dirty="0">
+              <a:solidFill>
+                <a:srgbClr val="F2E5BC"/>
+              </a:solidFill>
+              <a:latin typeface="Consolas" panose="020B0609020204030204" pitchFamily="49" charset="0"/>
+            </a:endParaRPr>
+          </a:p>
+          <a:p>
+            <a:r>
+              <a:rPr lang="en-GB" dirty="0">
+                <a:solidFill>
+                  <a:srgbClr val="F2E5BC"/>
+                </a:solidFill>
+                <a:latin typeface="Consolas" panose="020B0609020204030204" pitchFamily="49" charset="0"/>
+              </a:rPr>
+              <a:t>snippet</a:t>
+            </a:r>
+            <a:r>
+              <a:rPr lang="en-GB" dirty="0">
+                <a:solidFill>
+                  <a:srgbClr val="EBDBB2"/>
+                </a:solidFill>
+                <a:latin typeface="Consolas" panose="020B0609020204030204" pitchFamily="49" charset="0"/>
+              </a:rPr>
+              <a:t>:</a:t>
+            </a:r>
+            <a:r>
+              <a:rPr lang="en-GB" dirty="0">
+                <a:solidFill>
+                  <a:srgbClr val="F2E5BC"/>
+                </a:solidFill>
+                <a:latin typeface="Consolas" panose="020B0609020204030204" pitchFamily="49" charset="0"/>
+              </a:rPr>
+              <a:t> </a:t>
+            </a:r>
+            <a:r>
+              <a:rPr lang="en-GB" dirty="0">
+                <a:solidFill>
+                  <a:srgbClr val="EBDBB2"/>
+                </a:solidFill>
+                <a:latin typeface="Consolas" panose="020B0609020204030204" pitchFamily="49" charset="0"/>
+              </a:rPr>
+              <a:t>'</a:t>
+            </a:r>
+            <a:r>
+              <a:rPr lang="en-GB" dirty="0">
+                <a:solidFill>
+                  <a:srgbClr val="B8BB26"/>
+                </a:solidFill>
+                <a:latin typeface="Consolas" panose="020B0609020204030204" pitchFamily="49" charset="0"/>
+              </a:rPr>
+              <a:t>Fast just got faster with Nexus S.</a:t>
+            </a:r>
+            <a:r>
+              <a:rPr lang="en-GB" dirty="0">
+                <a:solidFill>
+                  <a:srgbClr val="EBDBB2"/>
+                </a:solidFill>
+                <a:latin typeface="Consolas" panose="020B0609020204030204" pitchFamily="49" charset="0"/>
+              </a:rPr>
+              <a:t>'</a:t>
+            </a:r>
+            <a:endParaRPr lang="en-GB" dirty="0">
+              <a:solidFill>
+                <a:srgbClr val="F2E5BC"/>
+              </a:solidFill>
+              <a:latin typeface="Consolas" panose="020B0609020204030204" pitchFamily="49" charset="0"/>
+            </a:endParaRPr>
+          </a:p>
+          <a:p>
+            <a:r>
+              <a:rPr lang="en-GB" dirty="0">
+                <a:solidFill>
+                  <a:srgbClr val="EBDBB2"/>
+                </a:solidFill>
+                <a:latin typeface="Consolas" panose="020B0609020204030204" pitchFamily="49" charset="0"/>
+              </a:rPr>
+              <a:t>},</a:t>
+            </a:r>
+            <a:endParaRPr lang="en-GB" dirty="0">
+              <a:solidFill>
+                <a:srgbClr val="F2E5BC"/>
+              </a:solidFill>
+              <a:latin typeface="Consolas" panose="020B0609020204030204" pitchFamily="49" charset="0"/>
+            </a:endParaRPr>
+          </a:p>
+          <a:p>
+            <a:r>
+              <a:rPr lang="en-GB" dirty="0">
+                <a:solidFill>
+                  <a:srgbClr val="EBDBB2"/>
+                </a:solidFill>
+                <a:latin typeface="Consolas" panose="020B0609020204030204" pitchFamily="49" charset="0"/>
+              </a:rPr>
+              <a:t>{</a:t>
+            </a:r>
+            <a:endParaRPr lang="en-GB" dirty="0">
+              <a:solidFill>
+                <a:srgbClr val="F2E5BC"/>
+              </a:solidFill>
+              <a:latin typeface="Consolas" panose="020B0609020204030204" pitchFamily="49" charset="0"/>
+            </a:endParaRPr>
+          </a:p>
+          <a:p>
+            <a:r>
+              <a:rPr lang="en-GB" dirty="0">
+                <a:solidFill>
+                  <a:srgbClr val="F2E5BC"/>
+                </a:solidFill>
+                <a:latin typeface="Consolas" panose="020B0609020204030204" pitchFamily="49" charset="0"/>
+              </a:rPr>
+              <a:t>name</a:t>
+            </a:r>
+            <a:r>
+              <a:rPr lang="en-GB" dirty="0">
+                <a:solidFill>
+                  <a:srgbClr val="EBDBB2"/>
+                </a:solidFill>
+                <a:latin typeface="Consolas" panose="020B0609020204030204" pitchFamily="49" charset="0"/>
+              </a:rPr>
+              <a:t>:</a:t>
+            </a:r>
+            <a:r>
+              <a:rPr lang="en-GB" dirty="0">
+                <a:solidFill>
+                  <a:srgbClr val="F2E5BC"/>
+                </a:solidFill>
+                <a:latin typeface="Consolas" panose="020B0609020204030204" pitchFamily="49" charset="0"/>
+              </a:rPr>
+              <a:t> </a:t>
+            </a:r>
+            <a:r>
+              <a:rPr lang="en-GB" dirty="0">
+                <a:solidFill>
+                  <a:srgbClr val="EBDBB2"/>
+                </a:solidFill>
+                <a:latin typeface="Consolas" panose="020B0609020204030204" pitchFamily="49" charset="0"/>
+              </a:rPr>
+              <a:t>'</a:t>
+            </a:r>
+            <a:r>
+              <a:rPr lang="en-GB" dirty="0">
+                <a:solidFill>
+                  <a:srgbClr val="B8BB26"/>
+                </a:solidFill>
+                <a:latin typeface="Consolas" panose="020B0609020204030204" pitchFamily="49" charset="0"/>
+              </a:rPr>
+              <a:t>Motorola XOOM™ with Wi-Fi</a:t>
+            </a:r>
+            <a:r>
+              <a:rPr lang="en-GB" dirty="0">
+                <a:solidFill>
+                  <a:srgbClr val="EBDBB2"/>
+                </a:solidFill>
+                <a:latin typeface="Consolas" panose="020B0609020204030204" pitchFamily="49" charset="0"/>
+              </a:rPr>
+              <a:t>',</a:t>
+            </a:r>
+            <a:endParaRPr lang="en-GB" dirty="0">
+              <a:solidFill>
+                <a:srgbClr val="F2E5BC"/>
+              </a:solidFill>
+              <a:latin typeface="Consolas" panose="020B0609020204030204" pitchFamily="49" charset="0"/>
+            </a:endParaRPr>
+          </a:p>
+          <a:p>
+            <a:r>
+              <a:rPr lang="en-GB" dirty="0">
+                <a:solidFill>
+                  <a:srgbClr val="F2E5BC"/>
+                </a:solidFill>
+                <a:latin typeface="Consolas" panose="020B0609020204030204" pitchFamily="49" charset="0"/>
+              </a:rPr>
+              <a:t>snippet</a:t>
+            </a:r>
+            <a:r>
+              <a:rPr lang="en-GB" dirty="0">
+                <a:solidFill>
+                  <a:srgbClr val="EBDBB2"/>
+                </a:solidFill>
+                <a:latin typeface="Consolas" panose="020B0609020204030204" pitchFamily="49" charset="0"/>
+              </a:rPr>
+              <a:t>:</a:t>
+            </a:r>
+            <a:r>
+              <a:rPr lang="en-GB" dirty="0">
+                <a:solidFill>
+                  <a:srgbClr val="F2E5BC"/>
+                </a:solidFill>
+                <a:latin typeface="Consolas" panose="020B0609020204030204" pitchFamily="49" charset="0"/>
+              </a:rPr>
+              <a:t> </a:t>
+            </a:r>
+            <a:r>
+              <a:rPr lang="en-GB" dirty="0">
+                <a:solidFill>
+                  <a:srgbClr val="EBDBB2"/>
+                </a:solidFill>
+                <a:latin typeface="Consolas" panose="020B0609020204030204" pitchFamily="49" charset="0"/>
+              </a:rPr>
+              <a:t>'</a:t>
+            </a:r>
+            <a:r>
+              <a:rPr lang="en-GB" dirty="0">
+                <a:solidFill>
+                  <a:srgbClr val="B8BB26"/>
+                </a:solidFill>
+                <a:latin typeface="Consolas" panose="020B0609020204030204" pitchFamily="49" charset="0"/>
+              </a:rPr>
+              <a:t>The Next, Next Generation tablet.</a:t>
+            </a:r>
+            <a:r>
+              <a:rPr lang="en-GB" dirty="0">
+                <a:solidFill>
+                  <a:srgbClr val="EBDBB2"/>
+                </a:solidFill>
+                <a:latin typeface="Consolas" panose="020B0609020204030204" pitchFamily="49" charset="0"/>
+              </a:rPr>
+              <a:t>'</a:t>
+            </a:r>
+            <a:endParaRPr lang="en-GB" dirty="0">
+              <a:solidFill>
+                <a:srgbClr val="F2E5BC"/>
+              </a:solidFill>
+              <a:latin typeface="Consolas" panose="020B0609020204030204" pitchFamily="49" charset="0"/>
+            </a:endParaRPr>
+          </a:p>
+          <a:p>
+            <a:r>
+              <a:rPr lang="en-GB" dirty="0">
+                <a:solidFill>
+                  <a:srgbClr val="EBDBB2"/>
+                </a:solidFill>
+                <a:latin typeface="Consolas" panose="020B0609020204030204" pitchFamily="49" charset="0"/>
+              </a:rPr>
+              <a:t>},</a:t>
+            </a:r>
+            <a:endParaRPr lang="en-GB" dirty="0">
+              <a:solidFill>
+                <a:srgbClr val="F2E5BC"/>
+              </a:solidFill>
+              <a:latin typeface="Consolas" panose="020B0609020204030204" pitchFamily="49" charset="0"/>
+            </a:endParaRPr>
+          </a:p>
+          <a:p>
+            <a:r>
+              <a:rPr lang="en-GB" dirty="0">
+                <a:solidFill>
+                  <a:srgbClr val="EBDBB2"/>
+                </a:solidFill>
+                <a:latin typeface="Consolas" panose="020B0609020204030204" pitchFamily="49" charset="0"/>
+              </a:rPr>
+              <a:t>{</a:t>
+            </a:r>
+            <a:endParaRPr lang="en-GB" dirty="0">
+              <a:solidFill>
+                <a:srgbClr val="F2E5BC"/>
+              </a:solidFill>
+              <a:latin typeface="Consolas" panose="020B0609020204030204" pitchFamily="49" charset="0"/>
+            </a:endParaRPr>
+          </a:p>
+          <a:p>
+            <a:r>
+              <a:rPr lang="en-GB" dirty="0">
+                <a:solidFill>
+                  <a:srgbClr val="F2E5BC"/>
+                </a:solidFill>
+                <a:latin typeface="Consolas" panose="020B0609020204030204" pitchFamily="49" charset="0"/>
+              </a:rPr>
+              <a:t>name</a:t>
+            </a:r>
+            <a:r>
+              <a:rPr lang="en-GB" dirty="0">
+                <a:solidFill>
+                  <a:srgbClr val="EBDBB2"/>
+                </a:solidFill>
+                <a:latin typeface="Consolas" panose="020B0609020204030204" pitchFamily="49" charset="0"/>
+              </a:rPr>
+              <a:t>:</a:t>
+            </a:r>
+            <a:r>
+              <a:rPr lang="en-GB" dirty="0">
+                <a:solidFill>
+                  <a:srgbClr val="F2E5BC"/>
+                </a:solidFill>
+                <a:latin typeface="Consolas" panose="020B0609020204030204" pitchFamily="49" charset="0"/>
+              </a:rPr>
+              <a:t> </a:t>
+            </a:r>
+            <a:r>
+              <a:rPr lang="en-GB" dirty="0">
+                <a:solidFill>
+                  <a:srgbClr val="EBDBB2"/>
+                </a:solidFill>
+                <a:latin typeface="Consolas" panose="020B0609020204030204" pitchFamily="49" charset="0"/>
+              </a:rPr>
+              <a:t>'</a:t>
+            </a:r>
+            <a:r>
+              <a:rPr lang="en-GB" dirty="0">
+                <a:solidFill>
+                  <a:srgbClr val="B8BB26"/>
+                </a:solidFill>
+                <a:latin typeface="Consolas" panose="020B0609020204030204" pitchFamily="49" charset="0"/>
+              </a:rPr>
+              <a:t>MOTOROLA XOOM™</a:t>
+            </a:r>
+            <a:r>
+              <a:rPr lang="en-GB" dirty="0">
+                <a:solidFill>
+                  <a:srgbClr val="EBDBB2"/>
+                </a:solidFill>
+                <a:latin typeface="Consolas" panose="020B0609020204030204" pitchFamily="49" charset="0"/>
+              </a:rPr>
+              <a:t>',</a:t>
+            </a:r>
+            <a:endParaRPr lang="en-GB" dirty="0">
+              <a:solidFill>
+                <a:srgbClr val="F2E5BC"/>
+              </a:solidFill>
+              <a:latin typeface="Consolas" panose="020B0609020204030204" pitchFamily="49" charset="0"/>
+            </a:endParaRPr>
+          </a:p>
+          <a:p>
+            <a:r>
+              <a:rPr lang="en-GB" dirty="0">
+                <a:solidFill>
+                  <a:srgbClr val="F2E5BC"/>
+                </a:solidFill>
+                <a:latin typeface="Consolas" panose="020B0609020204030204" pitchFamily="49" charset="0"/>
+              </a:rPr>
+              <a:t>snippet</a:t>
+            </a:r>
+            <a:r>
+              <a:rPr lang="en-GB" dirty="0">
+                <a:solidFill>
+                  <a:srgbClr val="EBDBB2"/>
+                </a:solidFill>
+                <a:latin typeface="Consolas" panose="020B0609020204030204" pitchFamily="49" charset="0"/>
+              </a:rPr>
+              <a:t>:</a:t>
+            </a:r>
+            <a:r>
+              <a:rPr lang="en-GB" dirty="0">
+                <a:solidFill>
+                  <a:srgbClr val="F2E5BC"/>
+                </a:solidFill>
+                <a:latin typeface="Consolas" panose="020B0609020204030204" pitchFamily="49" charset="0"/>
+              </a:rPr>
+              <a:t> </a:t>
+            </a:r>
+            <a:r>
+              <a:rPr lang="en-GB" dirty="0">
+                <a:solidFill>
+                  <a:srgbClr val="EBDBB2"/>
+                </a:solidFill>
+                <a:latin typeface="Consolas" panose="020B0609020204030204" pitchFamily="49" charset="0"/>
+              </a:rPr>
+              <a:t>'</a:t>
+            </a:r>
+            <a:r>
+              <a:rPr lang="en-GB" dirty="0">
+                <a:solidFill>
+                  <a:srgbClr val="B8BB26"/>
+                </a:solidFill>
+                <a:latin typeface="Consolas" panose="020B0609020204030204" pitchFamily="49" charset="0"/>
+              </a:rPr>
+              <a:t>The Next, Next Generation tablet.</a:t>
+            </a:r>
+            <a:r>
+              <a:rPr lang="en-GB" dirty="0">
+                <a:solidFill>
+                  <a:srgbClr val="EBDBB2"/>
+                </a:solidFill>
+                <a:latin typeface="Consolas" panose="020B0609020204030204" pitchFamily="49" charset="0"/>
+              </a:rPr>
+              <a:t>'</a:t>
+            </a:r>
+            <a:endParaRPr lang="en-GB" dirty="0">
+              <a:solidFill>
+                <a:srgbClr val="F2E5BC"/>
+              </a:solidFill>
+              <a:latin typeface="Consolas" panose="020B0609020204030204" pitchFamily="49" charset="0"/>
+            </a:endParaRPr>
+          </a:p>
+          <a:p>
+            <a:r>
+              <a:rPr lang="en-GB" dirty="0">
+                <a:solidFill>
+                  <a:srgbClr val="EBDBB2"/>
+                </a:solidFill>
+                <a:latin typeface="Consolas" panose="020B0609020204030204" pitchFamily="49" charset="0"/>
+              </a:rPr>
+              <a:t>}</a:t>
+            </a:r>
+            <a:endParaRPr lang="en-GB" dirty="0">
+              <a:solidFill>
+                <a:srgbClr val="F2E5BC"/>
+              </a:solidFill>
+              <a:latin typeface="Consolas" panose="020B0609020204030204" pitchFamily="49" charset="0"/>
+            </a:endParaRPr>
+          </a:p>
+          <a:p>
+            <a:r>
+              <a:rPr lang="en-GB" dirty="0">
+                <a:solidFill>
+                  <a:srgbClr val="F2E5BC"/>
+                </a:solidFill>
+                <a:latin typeface="Consolas" panose="020B0609020204030204" pitchFamily="49" charset="0"/>
+              </a:rPr>
+              <a:t>]</a:t>
+            </a:r>
+            <a:r>
+              <a:rPr lang="en-GB" dirty="0">
+                <a:solidFill>
+                  <a:srgbClr val="EBDBB2"/>
+                </a:solidFill>
+                <a:latin typeface="Consolas" panose="020B0609020204030204" pitchFamily="49" charset="0"/>
+              </a:rPr>
+              <a:t>;</a:t>
+            </a:r>
+            <a:endParaRPr lang="en-GB" b="0" dirty="0">
+              <a:solidFill>
+                <a:srgbClr val="F2E5BC"/>
+              </a:solidFill>
+              <a:effectLst/>
+              <a:latin typeface="Consolas" panose="020B0609020204030204" pitchFamily="49" charset="0"/>
+            </a:endParaRPr>
+          </a:p>
+        </p:txBody>
+      </p:sp>
+      <p:sp>
+        <p:nvSpPr>
+          <p:cNvPr id="7" name="TextBox 6">
+            <a:extLst>
+              <a:ext uri="{FF2B5EF4-FFF2-40B4-BE49-F238E27FC236}">
+                <a16:creationId xmlns:a16="http://schemas.microsoft.com/office/drawing/2014/main" id="{A0E2D986-781B-4EA5-B8B8-F351175616E4}"/>
+              </a:ext>
+            </a:extLst>
+          </p:cNvPr>
+          <p:cNvSpPr txBox="1"/>
+          <p:nvPr/>
+        </p:nvSpPr>
+        <p:spPr>
+          <a:xfrm>
+            <a:off x="194622" y="4818592"/>
+            <a:ext cx="11718464" cy="923330"/>
+          </a:xfrm>
+          <a:prstGeom prst="rect">
+            <a:avLst/>
+          </a:prstGeom>
+          <a:noFill/>
+        </p:spPr>
+        <p:txBody>
+          <a:bodyPr wrap="none" rtlCol="0">
+            <a:spAutoFit/>
+          </a:bodyPr>
+          <a:lstStyle/>
+          <a:p>
+            <a:r>
+              <a:rPr lang="sr-Latn-RS" dirty="0"/>
+              <a:t>Pričao sam o </a:t>
+            </a:r>
+            <a:r>
+              <a:rPr lang="sr-Latn-RS" b="1" dirty="0"/>
+              <a:t>root scope </a:t>
+            </a:r>
+            <a:r>
+              <a:rPr lang="sr-Latn-RS" dirty="0"/>
+              <a:t>i ngApp direktivi, ali u angularu svaki kontroler </a:t>
+            </a:r>
+            <a:r>
+              <a:rPr lang="sr-Latn-RS" b="1" dirty="0"/>
+              <a:t>ngController </a:t>
+            </a:r>
+            <a:r>
+              <a:rPr lang="sr-Latn-RS" dirty="0"/>
+              <a:t>kontroliše svoj </a:t>
+            </a:r>
+            <a:r>
+              <a:rPr lang="sr-Latn-RS" b="1" dirty="0"/>
+              <a:t>scope. </a:t>
+            </a:r>
+            <a:r>
+              <a:rPr lang="sr-Latn-RS" dirty="0"/>
+              <a:t>U primeru iznad</a:t>
+            </a:r>
+          </a:p>
+          <a:p>
+            <a:r>
+              <a:rPr lang="sr-Latn-RS" dirty="0"/>
+              <a:t>vidimo kontroler AngularJSKursController</a:t>
+            </a:r>
+            <a:r>
+              <a:rPr lang="sr-Latn-RS" b="1" dirty="0"/>
+              <a:t> </a:t>
+            </a:r>
+            <a:r>
+              <a:rPr lang="en-US" dirty="0" err="1"/>
+              <a:t>koji</a:t>
+            </a:r>
+            <a:r>
+              <a:rPr lang="en-US" dirty="0"/>
+              <a:t> u </a:t>
+            </a:r>
+            <a:r>
+              <a:rPr lang="en-US" dirty="0" err="1"/>
+              <a:t>sebi</a:t>
+            </a:r>
+            <a:r>
+              <a:rPr lang="en-US" dirty="0"/>
+              <a:t> </a:t>
+            </a:r>
+            <a:r>
+              <a:rPr lang="en-US" dirty="0" err="1"/>
+              <a:t>inicijalizuje</a:t>
+            </a:r>
+            <a:r>
+              <a:rPr lang="sr-Latn-RS" dirty="0"/>
+              <a:t> objekat $scope.phones </a:t>
+            </a:r>
+            <a:r>
+              <a:rPr lang="en-US" dirty="0"/>
+              <a:t>= [{…}] </a:t>
+            </a:r>
+            <a:r>
+              <a:rPr lang="en-US" dirty="0" err="1"/>
+              <a:t>koji</a:t>
+            </a:r>
+            <a:r>
+              <a:rPr lang="en-US" dirty="0"/>
+              <a:t> </a:t>
+            </a:r>
+            <a:r>
+              <a:rPr lang="en-US" dirty="0" err="1"/>
+              <a:t>koristimo</a:t>
+            </a:r>
+            <a:r>
+              <a:rPr lang="en-US" dirty="0"/>
+              <a:t> u HTML-u </a:t>
+            </a:r>
+            <a:r>
+              <a:rPr lang="en-US" dirty="0" err="1"/>
+              <a:t>kroz</a:t>
+            </a:r>
+            <a:endParaRPr lang="en-US" dirty="0"/>
+          </a:p>
+          <a:p>
+            <a:r>
+              <a:rPr lang="en-US" b="1" dirty="0" err="1"/>
+              <a:t>ngRepeat</a:t>
+            </a:r>
+            <a:r>
+              <a:rPr lang="en-US" dirty="0"/>
+              <a:t> </a:t>
+            </a:r>
+            <a:r>
+              <a:rPr lang="en-US" dirty="0" err="1"/>
+              <a:t>direktivu</a:t>
+            </a:r>
+            <a:r>
+              <a:rPr lang="en-US" dirty="0"/>
+              <a:t>.</a:t>
+            </a:r>
+            <a:endParaRPr lang="sr-Latn-RS" dirty="0"/>
+          </a:p>
+        </p:txBody>
+      </p:sp>
+    </p:spTree>
+    <p:extLst>
+      <p:ext uri="{BB962C8B-B14F-4D97-AF65-F5344CB8AC3E}">
+        <p14:creationId xmlns:p14="http://schemas.microsoft.com/office/powerpoint/2010/main" val="212826260"/>
+      </p:ext>
+    </p:extLst>
+  </p:cSld>
+  <p:clrMapOvr>
+    <a:masterClrMapping/>
+  </p:clrMapOvr>
+  <p:timing>
+    <p:tnLst>
+      <p:par>
+        <p:cTn id="1" dur="indefinite" restart="never" nodeType="tmRoot">
+          <p:childTnLst>
+            <p:seq concurrent="1" nextAc="seek">
+              <p:cTn id="2" dur="indefinite" nodeType="mainSeq">
+                <p:childTnLst>
+                  <p:par>
+                    <p:cTn id="3" fill="hold">
+                      <p:stCondLst>
+                        <p:cond delay="indefinite"/>
+                      </p:stCondLst>
+                      <p:childTnLst>
+                        <p:par>
+                          <p:cTn id="4" fill="hold">
+                            <p:stCondLst>
+                              <p:cond delay="0"/>
+                            </p:stCondLst>
+                            <p:childTnLst>
+                              <p:par>
+                                <p:cTn id="5" presetID="1" presetClass="entr" presetSubtype="0" fill="hold" grpId="0" nodeType="clickEffect">
+                                  <p:stCondLst>
+                                    <p:cond delay="0"/>
+                                  </p:stCondLst>
+                                  <p:childTnLst>
+                                    <p:set>
+                                      <p:cBhvr>
+                                        <p:cTn id="6" dur="1" fill="hold">
+                                          <p:stCondLst>
+                                            <p:cond delay="0"/>
+                                          </p:stCondLst>
+                                        </p:cTn>
+                                        <p:tgtEl>
+                                          <p:spTgt spid="4"/>
+                                        </p:tgtEl>
+                                        <p:attrNameLst>
+                                          <p:attrName>style.visibility</p:attrName>
+                                        </p:attrNameLst>
+                                      </p:cBhvr>
+                                      <p:to>
+                                        <p:strVal val="visible"/>
+                                      </p:to>
+                                    </p:set>
+                                  </p:childTnLst>
+                                </p:cTn>
+                              </p:par>
+                            </p:childTnLst>
+                          </p:cTn>
+                        </p:par>
+                      </p:childTnLst>
+                    </p:cTn>
+                  </p:par>
+                  <p:par>
+                    <p:cTn id="7" fill="hold">
+                      <p:stCondLst>
+                        <p:cond delay="indefinite"/>
+                      </p:stCondLst>
+                      <p:childTnLst>
+                        <p:par>
+                          <p:cTn id="8" fill="hold">
+                            <p:stCondLst>
+                              <p:cond delay="0"/>
+                            </p:stCondLst>
+                            <p:childTnLst>
+                              <p:par>
+                                <p:cTn id="9" presetID="1" presetClass="entr" presetSubtype="0" fill="hold" grpId="0" nodeType="clickEffect">
+                                  <p:stCondLst>
+                                    <p:cond delay="0"/>
+                                  </p:stCondLst>
+                                  <p:childTnLst>
+                                    <p:set>
+                                      <p:cBhvr>
+                                        <p:cTn id="10" dur="1" fill="hold">
+                                          <p:stCondLst>
+                                            <p:cond delay="0"/>
+                                          </p:stCondLst>
+                                        </p:cTn>
+                                        <p:tgtEl>
+                                          <p:spTgt spid="5"/>
+                                        </p:tgtEl>
+                                        <p:attrNameLst>
+                                          <p:attrName>style.visibility</p:attrName>
+                                        </p:attrNameLst>
+                                      </p:cBhvr>
+                                      <p:to>
+                                        <p:strVal val="visible"/>
+                                      </p:to>
+                                    </p:set>
+                                  </p:childTnLst>
+                                </p:cTn>
+                              </p:par>
+                            </p:childTnLst>
+                          </p:cTn>
+                        </p:par>
+                      </p:childTnLst>
+                    </p:cTn>
+                  </p:par>
+                  <p:par>
+                    <p:cTn id="11" fill="hold">
+                      <p:stCondLst>
+                        <p:cond delay="indefinite"/>
+                      </p:stCondLst>
+                      <p:childTnLst>
+                        <p:par>
+                          <p:cTn id="12" fill="hold">
+                            <p:stCondLst>
+                              <p:cond delay="0"/>
+                            </p:stCondLst>
+                            <p:childTnLst>
+                              <p:par>
+                                <p:cTn id="13" presetID="1" presetClass="entr" presetSubtype="0" fill="hold" grpId="0" nodeType="clickEffect">
+                                  <p:stCondLst>
+                                    <p:cond delay="0"/>
+                                  </p:stCondLst>
+                                  <p:childTnLst>
+                                    <p:set>
+                                      <p:cBhvr>
+                                        <p:cTn id="14" dur="1" fill="hold">
+                                          <p:stCondLst>
+                                            <p:cond delay="0"/>
+                                          </p:stCondLst>
+                                        </p:cTn>
+                                        <p:tgtEl>
+                                          <p:spTgt spid="7"/>
+                                        </p:tgtEl>
+                                        <p:attrNameLst>
+                                          <p:attrName>style.visibility</p:attrName>
+                                        </p:attrNameLst>
+                                      </p:cBhvr>
+                                      <p:to>
+                                        <p:strVal val="visible"/>
+                                      </p:to>
+                                    </p:set>
+                                  </p:childTnLst>
+                                </p:cTn>
+                              </p:par>
+                            </p:childTnLst>
+                          </p:cTn>
+                        </p:par>
+                      </p:childTnLst>
+                    </p:cTn>
+                  </p:par>
+                </p:childTnLst>
+              </p:cTn>
+              <p:prevCondLst>
+                <p:cond evt="onPrev" delay="0">
+                  <p:tgtEl>
+                    <p:sldTgt/>
+                  </p:tgtEl>
+                </p:cond>
+              </p:prevCondLst>
+              <p:nextCondLst>
+                <p:cond evt="onNext" delay="0">
+                  <p:tgtEl>
+                    <p:sldTgt/>
+                  </p:tgtEl>
+                </p:cond>
+              </p:nextCondLst>
+            </p:seq>
+          </p:childTnLst>
+        </p:cTn>
+      </p:par>
+    </p:tnLst>
+    <p:bldLst>
+      <p:bldP spid="4" grpId="0"/>
+      <p:bldP spid="5" grpId="0"/>
+      <p:bldP spid="7" grpId="0"/>
+    </p:bldLst>
+  </p:timing>
+</p:sld>
+</file>
+
+<file path=ppt/slides/slide8.xml><?xml version="1.0" encoding="utf-8"?>
+<p:sld xmlns:a="http://schemas.openxmlformats.org/drawingml/2006/main" xmlns:r="http://schemas.openxmlformats.org/officeDocument/2006/relationships" xmlns:p="http://schemas.openxmlformats.org/presentationml/2006/main">
+  <p:cSld>
+    <p:bg>
+      <p:bgPr>
+        <a:solidFill>
+          <a:schemeClr val="bg1"/>
+        </a:solidFill>
+        <a:effectLst/>
+      </p:bgPr>
+    </p:bg>
+    <p:spTree>
+      <p:nvGrpSpPr>
+        <p:cNvPr id="1" name=""/>
+        <p:cNvGrpSpPr/>
+        <p:nvPr/>
+      </p:nvGrpSpPr>
+      <p:grpSpPr>
+        <a:xfrm>
+          <a:off x="0" y="0"/>
+          <a:ext cx="0" cy="0"/>
+          <a:chOff x="0" y="0"/>
+          <a:chExt cx="0" cy="0"/>
+        </a:xfrm>
+      </p:grpSpPr>
+      <p:sp>
+        <p:nvSpPr>
+          <p:cNvPr id="8" name="TextBox 7">
+            <a:extLst>
+              <a:ext uri="{FF2B5EF4-FFF2-40B4-BE49-F238E27FC236}">
+                <a16:creationId xmlns:a16="http://schemas.microsoft.com/office/drawing/2014/main" id="{AFAA642C-E4AF-4D17-8B46-1908085740A0}"/>
+              </a:ext>
+            </a:extLst>
+          </p:cNvPr>
+          <p:cNvSpPr txBox="1"/>
+          <p:nvPr/>
+        </p:nvSpPr>
+        <p:spPr>
+          <a:xfrm>
+            <a:off x="642996" y="4571216"/>
+            <a:ext cx="10906008" cy="1115415"/>
+          </a:xfrm>
+          <a:prstGeom prst="rect">
+            <a:avLst/>
+          </a:prstGeom>
+        </p:spPr>
+        <p:txBody>
+          <a:bodyPr vert="horz" lIns="91440" tIns="45720" rIns="91440" bIns="45720" rtlCol="0" anchor="b">
+            <a:normAutofit fontScale="32500" lnSpcReduction="20000"/>
+          </a:bodyPr>
+          <a:lstStyle/>
+          <a:p>
+            <a:pPr>
+              <a:lnSpc>
+                <a:spcPct val="90000"/>
+              </a:lnSpc>
+              <a:spcBef>
+                <a:spcPct val="0"/>
+              </a:spcBef>
+              <a:spcAft>
+                <a:spcPts val="600"/>
+              </a:spcAft>
+            </a:pPr>
+            <a:r>
+              <a:rPr lang="en-US" sz="6000" dirty="0"/>
+              <a:t>U </a:t>
+            </a:r>
+            <a:r>
+              <a:rPr lang="en-US" sz="6000" dirty="0" err="1"/>
+              <a:t>ovom</a:t>
+            </a:r>
+            <a:r>
+              <a:rPr lang="en-US" sz="6000" dirty="0"/>
+              <a:t> </a:t>
+            </a:r>
+            <a:r>
+              <a:rPr lang="en-US" sz="6000" dirty="0" err="1"/>
+              <a:t>primeru</a:t>
+            </a:r>
+            <a:r>
+              <a:rPr lang="en-US" sz="6000" dirty="0"/>
+              <a:t> </a:t>
+            </a:r>
+            <a:r>
+              <a:rPr lang="en-US" sz="6000" dirty="0" err="1"/>
+              <a:t>vidimo</a:t>
+            </a:r>
+            <a:r>
+              <a:rPr lang="en-US" sz="6000" dirty="0"/>
+              <a:t> </a:t>
+            </a:r>
+            <a:r>
+              <a:rPr lang="en-US" sz="6000" dirty="0" err="1"/>
+              <a:t>dva</a:t>
+            </a:r>
+            <a:r>
+              <a:rPr lang="en-US" sz="6000" dirty="0"/>
+              <a:t> </a:t>
+            </a:r>
+            <a:r>
+              <a:rPr lang="en-US" sz="6000" dirty="0" err="1"/>
+              <a:t>kontrolera</a:t>
+            </a:r>
+            <a:r>
+              <a:rPr lang="en-US" sz="6000" dirty="0"/>
+              <a:t> </a:t>
+            </a:r>
+            <a:r>
+              <a:rPr lang="en-US" sz="6000" dirty="0" err="1"/>
+              <a:t>koji</a:t>
+            </a:r>
+            <a:r>
+              <a:rPr lang="en-US" sz="6000" dirty="0"/>
+              <a:t> </a:t>
+            </a:r>
+            <a:r>
+              <a:rPr lang="en-US" sz="6000" dirty="0" err="1"/>
+              <a:t>kontrolišu</a:t>
+            </a:r>
+            <a:r>
+              <a:rPr lang="en-US" sz="6000" dirty="0"/>
+              <a:t> </a:t>
+            </a:r>
+            <a:r>
+              <a:rPr lang="en-US" sz="6000" dirty="0" err="1"/>
+              <a:t>različite</a:t>
+            </a:r>
+            <a:r>
+              <a:rPr lang="en-US" sz="6000" dirty="0"/>
+              <a:t> </a:t>
+            </a:r>
+            <a:r>
+              <a:rPr lang="en-US" sz="6000" dirty="0" err="1"/>
+              <a:t>delove</a:t>
+            </a:r>
+            <a:r>
+              <a:rPr lang="en-US" sz="6000" dirty="0"/>
+              <a:t> HTML </a:t>
+            </a:r>
+            <a:r>
+              <a:rPr lang="en-US" sz="6000" dirty="0" err="1"/>
+              <a:t>dokumenta</a:t>
+            </a:r>
+            <a:r>
+              <a:rPr lang="en-US" sz="6000" dirty="0"/>
+              <a:t>. </a:t>
+            </a:r>
+          </a:p>
+          <a:p>
+            <a:pPr>
+              <a:lnSpc>
+                <a:spcPct val="90000"/>
+              </a:lnSpc>
+              <a:spcBef>
+                <a:spcPct val="0"/>
+              </a:spcBef>
+              <a:spcAft>
+                <a:spcPts val="600"/>
+              </a:spcAft>
+            </a:pPr>
+            <a:r>
+              <a:rPr lang="en-US" sz="6000" dirty="0" err="1"/>
+              <a:t>Dodati</a:t>
+            </a:r>
+            <a:r>
+              <a:rPr lang="en-US" sz="6000" dirty="0"/>
+              <a:t> </a:t>
+            </a:r>
+            <a:r>
+              <a:rPr lang="en-US" sz="6000" dirty="0" err="1"/>
+              <a:t>su</a:t>
+            </a:r>
+            <a:r>
+              <a:rPr lang="en-US" sz="6000" dirty="0"/>
+              <a:t> </a:t>
+            </a:r>
+            <a:r>
+              <a:rPr lang="en-US" sz="6000" dirty="0" err="1"/>
+              <a:t>tako</a:t>
+            </a:r>
+            <a:r>
+              <a:rPr lang="en-US" sz="6000" dirty="0"/>
+              <a:t> da </a:t>
+            </a:r>
+            <a:r>
+              <a:rPr lang="en-US" sz="6000" dirty="0" err="1"/>
+              <a:t>jedan</a:t>
+            </a:r>
+            <a:r>
+              <a:rPr lang="en-US" sz="6000" dirty="0"/>
+              <a:t> </a:t>
+            </a:r>
+            <a:r>
+              <a:rPr lang="en-US" sz="6000" dirty="0" err="1"/>
+              <a:t>kontroler</a:t>
+            </a:r>
+            <a:r>
+              <a:rPr lang="en-US" sz="6000" dirty="0"/>
+              <a:t> </a:t>
+            </a:r>
+            <a:r>
+              <a:rPr lang="en-US" sz="6000" dirty="0" err="1"/>
+              <a:t>AngularJSKursController</a:t>
+            </a:r>
+            <a:r>
+              <a:rPr lang="en-US" sz="6000" dirty="0"/>
+              <a:t> </a:t>
+            </a:r>
+            <a:r>
+              <a:rPr lang="en-US" sz="6000" dirty="0" err="1"/>
+              <a:t>kontrol</a:t>
+            </a:r>
+            <a:r>
+              <a:rPr lang="sr-Latn-RS" sz="6000" dirty="0"/>
+              <a:t>iše gornji</a:t>
+            </a:r>
+            <a:r>
+              <a:rPr lang="en-US" sz="6000" dirty="0"/>
+              <a:t> </a:t>
+            </a:r>
+            <a:r>
+              <a:rPr lang="en-US" sz="6000" b="1" dirty="0"/>
+              <a:t>&lt;div&gt; </a:t>
+            </a:r>
+            <a:r>
+              <a:rPr lang="en-US" sz="6000" dirty="0"/>
+              <a:t>element</a:t>
+            </a:r>
+            <a:r>
+              <a:rPr lang="sr-Latn-RS" sz="6000" dirty="0"/>
+              <a:t>, a AngularJSKursControllerNoviScope kontroliše donji </a:t>
+            </a:r>
+            <a:r>
+              <a:rPr lang="en-US" sz="6000" b="1" dirty="0"/>
+              <a:t>&lt;</a:t>
+            </a:r>
+            <a:r>
+              <a:rPr lang="sr-Latn-RS" sz="6000" b="1" dirty="0"/>
+              <a:t>div</a:t>
+            </a:r>
+            <a:r>
+              <a:rPr lang="en-US" sz="6000" b="1" dirty="0"/>
+              <a:t>&gt;</a:t>
+            </a:r>
+            <a:r>
+              <a:rPr lang="sr-Latn-RS" sz="6000" b="1" dirty="0"/>
+              <a:t> </a:t>
+            </a:r>
+            <a:r>
+              <a:rPr lang="sr-Latn-RS" sz="6000" dirty="0"/>
+              <a:t>element</a:t>
+            </a:r>
+            <a:r>
+              <a:rPr lang="en-US" sz="6000" dirty="0"/>
+              <a:t> </a:t>
+            </a:r>
+          </a:p>
+        </p:txBody>
+      </p:sp>
+      <p:pic>
+        <p:nvPicPr>
+          <p:cNvPr id="5" name="Picture 4">
+            <a:extLst>
+              <a:ext uri="{FF2B5EF4-FFF2-40B4-BE49-F238E27FC236}">
+                <a16:creationId xmlns:a16="http://schemas.microsoft.com/office/drawing/2014/main" id="{83DACD50-AE9A-4A94-A105-83DA825F0ACA}"/>
+              </a:ext>
+            </a:extLst>
+          </p:cNvPr>
+          <p:cNvPicPr>
+            <a:picLocks noChangeAspect="1"/>
+          </p:cNvPicPr>
+          <p:nvPr/>
+        </p:nvPicPr>
+        <p:blipFill rotWithShape="1">
+          <a:blip r:embed="rId2">
+            <a:extLst>
+              <a:ext uri="{28A0092B-C50C-407E-A947-70E740481C1C}">
+                <a14:useLocalDpi xmlns:a14="http://schemas.microsoft.com/office/drawing/2010/main" val="0"/>
+              </a:ext>
+            </a:extLst>
+          </a:blip>
+          <a:srcRect l="13759" r="5878" b="2"/>
+          <a:stretch/>
+        </p:blipFill>
+        <p:spPr>
+          <a:xfrm>
+            <a:off x="4198620" y="320511"/>
+            <a:ext cx="3794760" cy="3930978"/>
+          </a:xfrm>
+          <a:prstGeom prst="rect">
+            <a:avLst/>
+          </a:prstGeom>
+        </p:spPr>
+      </p:pic>
+      <p:pic>
+        <p:nvPicPr>
+          <p:cNvPr id="7" name="Picture 6">
+            <a:extLst>
+              <a:ext uri="{FF2B5EF4-FFF2-40B4-BE49-F238E27FC236}">
+                <a16:creationId xmlns:a16="http://schemas.microsoft.com/office/drawing/2014/main" id="{1A3EDC2D-061E-4BBD-BF15-BA3251DDE3E6}"/>
+              </a:ext>
+            </a:extLst>
+          </p:cNvPr>
+          <p:cNvPicPr>
+            <a:picLocks noChangeAspect="1"/>
+          </p:cNvPicPr>
+          <p:nvPr/>
+        </p:nvPicPr>
+        <p:blipFill rotWithShape="1">
+          <a:blip r:embed="rId3">
+            <a:extLst>
+              <a:ext uri="{28A0092B-C50C-407E-A947-70E740481C1C}">
+                <a14:useLocalDpi xmlns:a14="http://schemas.microsoft.com/office/drawing/2010/main" val="0"/>
+              </a:ext>
+            </a:extLst>
+          </a:blip>
+          <a:srcRect l="13864" r="6735" b="-2"/>
+          <a:stretch/>
+        </p:blipFill>
+        <p:spPr>
+          <a:xfrm>
+            <a:off x="8183209" y="320511"/>
+            <a:ext cx="3794760" cy="3930978"/>
+          </a:xfrm>
+          <a:prstGeom prst="rect">
+            <a:avLst/>
+          </a:prstGeom>
+        </p:spPr>
+      </p:pic>
+      <p:pic>
+        <p:nvPicPr>
+          <p:cNvPr id="3" name="Picture 2">
+            <a:extLst>
+              <a:ext uri="{FF2B5EF4-FFF2-40B4-BE49-F238E27FC236}">
+                <a16:creationId xmlns:a16="http://schemas.microsoft.com/office/drawing/2014/main" id="{8F5D97EE-6BA7-49AB-8894-46F58F7D0FAE}"/>
+              </a:ext>
+            </a:extLst>
+          </p:cNvPr>
+          <p:cNvPicPr>
+            <a:picLocks noChangeAspect="1"/>
+          </p:cNvPicPr>
+          <p:nvPr/>
+        </p:nvPicPr>
+        <p:blipFill rotWithShape="1">
+          <a:blip r:embed="rId4">
+            <a:extLst>
+              <a:ext uri="{28A0092B-C50C-407E-A947-70E740481C1C}">
+                <a14:useLocalDpi xmlns:a14="http://schemas.microsoft.com/office/drawing/2010/main" val="0"/>
+              </a:ext>
+            </a:extLst>
+          </a:blip>
+          <a:srcRect l="5942" r="9346" b="-3"/>
+          <a:stretch/>
+        </p:blipFill>
+        <p:spPr>
+          <a:xfrm>
+            <a:off x="214031" y="320511"/>
+            <a:ext cx="3794760" cy="3930978"/>
+          </a:xfrm>
+          <a:prstGeom prst="rect">
+            <a:avLst/>
+          </a:prstGeom>
+        </p:spPr>
+      </p:pic>
+      <p:cxnSp>
+        <p:nvCxnSpPr>
+          <p:cNvPr id="13" name="Straight Connector 12">
+            <a:extLst>
+              <a:ext uri="{FF2B5EF4-FFF2-40B4-BE49-F238E27FC236}">
+                <a16:creationId xmlns:a16="http://schemas.microsoft.com/office/drawing/2014/main" id="{60188E89-AF78-40F6-B787-E9BD9C625686}"/>
+              </a:ext>
+              <a:ext uri="{C183D7F6-B498-43B3-948B-1728B52AA6E4}">
+                <adec:decorative xmlns:adec="http://schemas.microsoft.com/office/drawing/2017/decorative" val="1"/>
+              </a:ext>
+            </a:extLst>
+          </p:cNvPr>
+          <p:cNvCxnSpPr>
+            <a:cxnSpLocks noGrp="1" noRot="1" noChangeAspect="1" noMove="1" noResize="1" noEditPoints="1" noAdjustHandles="1" noChangeArrowheads="1" noChangeShapeType="1"/>
+          </p:cNvCxnSpPr>
+          <p:nvPr>
+            <p:extLst>
+              <p:ext uri="{386F3935-93C4-4BCD-93E2-E3B085C9AB24}">
+                <p16:designElem xmlns:p16="http://schemas.microsoft.com/office/powerpoint/2015/main" val="1"/>
+              </p:ext>
+            </p:extLst>
+          </p:nvPr>
+        </p:nvCxnSpPr>
+        <p:spPr>
+          <a:xfrm>
+            <a:off x="1524000" y="5778706"/>
+            <a:ext cx="9144000" cy="0"/>
+          </a:xfrm>
+          <a:prstGeom prst="line">
+            <a:avLst/>
+          </a:prstGeom>
+          <a:ln w="19050">
+            <a:solidFill>
+              <a:srgbClr val="997B4B"/>
+            </a:solidFill>
+          </a:ln>
+        </p:spPr>
+        <p:style>
+          <a:lnRef idx="1">
+            <a:schemeClr val="accent1"/>
+          </a:lnRef>
+          <a:fillRef idx="0">
+            <a:schemeClr val="accent1"/>
+          </a:fillRef>
+          <a:effectRef idx="0">
+            <a:schemeClr val="accent1"/>
+          </a:effectRef>
+          <a:fontRef idx="minor">
+            <a:schemeClr val="tx1"/>
+          </a:fontRef>
+        </p:style>
+      </p:cxnSp>
+    </p:spTree>
+    <p:extLst>
+      <p:ext uri="{BB962C8B-B14F-4D97-AF65-F5344CB8AC3E}">
+        <p14:creationId xmlns:p14="http://schemas.microsoft.com/office/powerpoint/2010/main" val="2767260137"/>
+      </p:ext>
+    </p:extLst>
+  </p:cSld>
+  <p:clrMapOvr>
+    <a:masterClrMapping/>
+  </p:clrMapOvr>
+  <p:timing>
+    <p:tnLst>
+      <p:par>
+        <p:cTn id="1" dur="indefinite" restart="never" nodeType="tmRoot">
+          <p:childTnLst>
+            <p:seq concurrent="1" nextAc="seek">
+              <p:cTn id="2" dur="indefinite" nodeType="mainSeq">
+                <p:childTnLst>
+                  <p:par>
+                    <p:cTn id="3" fill="hold">
+                      <p:stCondLst>
+                        <p:cond delay="indefinite"/>
+                      </p:stCondLst>
+                      <p:childTnLst>
+                        <p:par>
+                          <p:cTn id="4" fill="hold">
+                            <p:stCondLst>
+                              <p:cond delay="0"/>
+                            </p:stCondLst>
+                            <p:childTnLst>
+                              <p:par>
+                                <p:cTn id="5" presetID="1" presetClass="entr" presetSubtype="0" fill="hold" grpId="0" nodeType="clickEffect">
+                                  <p:stCondLst>
+                                    <p:cond delay="0"/>
+                                  </p:stCondLst>
+                                  <p:childTnLst>
+                                    <p:set>
+                                      <p:cBhvr>
+                                        <p:cTn id="6" dur="1" fill="hold">
+                                          <p:stCondLst>
+                                            <p:cond delay="0"/>
+                                          </p:stCondLst>
+                                        </p:cTn>
+                                        <p:tgtEl>
+                                          <p:spTgt spid="8"/>
+                                        </p:tgtEl>
+                                        <p:attrNameLst>
+                                          <p:attrName>style.visibility</p:attrName>
+                                        </p:attrNameLst>
+                                      </p:cBhvr>
+                                      <p:to>
+                                        <p:strVal val="visible"/>
+                                      </p:to>
+                                    </p:set>
+                                  </p:childTnLst>
+                                </p:cTn>
+                              </p:par>
+                            </p:childTnLst>
+                          </p:cTn>
+                        </p:par>
+                      </p:childTnLst>
+                    </p:cTn>
+                  </p:par>
+                  <p:par>
+                    <p:cTn id="7" fill="hold">
+                      <p:stCondLst>
+                        <p:cond delay="indefinite"/>
+                      </p:stCondLst>
+                      <p:childTnLst>
+                        <p:par>
+                          <p:cTn id="8" fill="hold">
+                            <p:stCondLst>
+                              <p:cond delay="0"/>
+                            </p:stCondLst>
+                            <p:childTnLst>
+                              <p:par>
+                                <p:cTn id="9" presetID="1" presetClass="entr" presetSubtype="0" fill="hold" nodeType="clickEffect">
+                                  <p:stCondLst>
+                                    <p:cond delay="0"/>
+                                  </p:stCondLst>
+                                  <p:childTnLst>
+                                    <p:set>
+                                      <p:cBhvr>
+                                        <p:cTn id="10" dur="1" fill="hold">
+                                          <p:stCondLst>
+                                            <p:cond delay="0"/>
+                                          </p:stCondLst>
+                                        </p:cTn>
+                                        <p:tgtEl>
+                                          <p:spTgt spid="5"/>
+                                        </p:tgtEl>
+                                        <p:attrNameLst>
+                                          <p:attrName>style.visibility</p:attrName>
+                                        </p:attrNameLst>
+                                      </p:cBhvr>
+                                      <p:to>
+                                        <p:strVal val="visible"/>
+                                      </p:to>
+                                    </p:set>
+                                  </p:childTnLst>
+                                </p:cTn>
+                              </p:par>
+                            </p:childTnLst>
+                          </p:cTn>
+                        </p:par>
+                      </p:childTnLst>
+                    </p:cTn>
+                  </p:par>
+                  <p:par>
+                    <p:cTn id="11" fill="hold">
+                      <p:stCondLst>
+                        <p:cond delay="indefinite"/>
+                      </p:stCondLst>
+                      <p:childTnLst>
+                        <p:par>
+                          <p:cTn id="12" fill="hold">
+                            <p:stCondLst>
+                              <p:cond delay="0"/>
+                            </p:stCondLst>
+                            <p:childTnLst>
+                              <p:par>
+                                <p:cTn id="13" presetID="1" presetClass="entr" presetSubtype="0" fill="hold" nodeType="clickEffect">
+                                  <p:stCondLst>
+                                    <p:cond delay="0"/>
+                                  </p:stCondLst>
+                                  <p:childTnLst>
+                                    <p:set>
+                                      <p:cBhvr>
+                                        <p:cTn id="14" dur="1" fill="hold">
+                                          <p:stCondLst>
+                                            <p:cond delay="0"/>
+                                          </p:stCondLst>
+                                        </p:cTn>
+                                        <p:tgtEl>
+                                          <p:spTgt spid="7"/>
+                                        </p:tgtEl>
+                                        <p:attrNameLst>
+                                          <p:attrName>style.visibility</p:attrName>
+                                        </p:attrNameLst>
+                                      </p:cBhvr>
+                                      <p:to>
+                                        <p:strVal val="visible"/>
+                                      </p:to>
+                                    </p:set>
+                                  </p:childTnLst>
+                                </p:cTn>
+                              </p:par>
+                            </p:childTnLst>
+                          </p:cTn>
+                        </p:par>
+                      </p:childTnLst>
+                    </p:cTn>
+                  </p:par>
+                </p:childTnLst>
+              </p:cTn>
+              <p:prevCondLst>
+                <p:cond evt="onPrev" delay="0">
+                  <p:tgtEl>
+                    <p:sldTgt/>
+                  </p:tgtEl>
+                </p:cond>
+              </p:prevCondLst>
+              <p:nextCondLst>
+                <p:cond evt="onNext" delay="0">
+                  <p:tgtEl>
+                    <p:sldTgt/>
+                  </p:tgtEl>
+                </p:cond>
+              </p:nextCondLst>
+            </p:seq>
+          </p:childTnLst>
+        </p:cTn>
+      </p:par>
+    </p:tnLst>
+    <p:bldLst>
+      <p:bldP spid="8" grpId="0"/>
+    </p:bldLst>
+  </p:timing>
+</p:sld>
+</file>
+
+<file path=ppt/slides/slide9.xml><?xml version="1.0" encoding="utf-8"?>
+<p:sld xmlns:a="http://schemas.openxmlformats.org/drawingml/2006/main" xmlns:r="http://schemas.openxmlformats.org/officeDocument/2006/relationships" xmlns:p="http://schemas.openxmlformats.org/presentationml/2006/main">
+  <p:cSld>
+    <p:bg>
+      <p:bgPr>
+        <a:solidFill>
+          <a:schemeClr val="bg1"/>
+        </a:solidFill>
+        <a:effectLst/>
+      </p:bgPr>
+    </p:bg>
+    <p:spTree>
+      <p:nvGrpSpPr>
+        <p:cNvPr id="1" name=""/>
+        <p:cNvGrpSpPr/>
+        <p:nvPr/>
+      </p:nvGrpSpPr>
+      <p:grpSpPr>
+        <a:xfrm>
+          <a:off x="0" y="0"/>
+          <a:ext cx="0" cy="0"/>
+          <a:chOff x="0" y="0"/>
+          <a:chExt cx="0" cy="0"/>
+        </a:xfrm>
+      </p:grpSpPr>
+      <p:pic>
+        <p:nvPicPr>
+          <p:cNvPr id="3" name="Picture 2">
+            <a:extLst>
+              <a:ext uri="{FF2B5EF4-FFF2-40B4-BE49-F238E27FC236}">
+                <a16:creationId xmlns:a16="http://schemas.microsoft.com/office/drawing/2014/main" id="{61B5AA47-A372-46B1-9FF0-93AB5B62960B}"/>
+              </a:ext>
+            </a:extLst>
+          </p:cNvPr>
+          <p:cNvPicPr>
+            <a:picLocks noChangeAspect="1"/>
+          </p:cNvPicPr>
+          <p:nvPr/>
+        </p:nvPicPr>
+        <p:blipFill>
+          <a:blip r:embed="rId2">
+            <a:extLst>
+              <a:ext uri="{28A0092B-C50C-407E-A947-70E740481C1C}">
+                <a14:useLocalDpi xmlns:a14="http://schemas.microsoft.com/office/drawing/2010/main" val="0"/>
+              </a:ext>
+            </a:extLst>
+          </a:blip>
+          <a:stretch>
+            <a:fillRect/>
+          </a:stretch>
+        </p:blipFill>
+        <p:spPr>
+          <a:xfrm>
+            <a:off x="1115615" y="1920027"/>
+            <a:ext cx="4742993" cy="3011800"/>
+          </a:xfrm>
+          <a:prstGeom prst="rect">
+            <a:avLst/>
+          </a:prstGeom>
+        </p:spPr>
+      </p:pic>
+      <p:cxnSp>
+        <p:nvCxnSpPr>
+          <p:cNvPr id="10" name="Straight Connector 9">
+            <a:extLst>
+              <a:ext uri="{FF2B5EF4-FFF2-40B4-BE49-F238E27FC236}">
+                <a16:creationId xmlns:a16="http://schemas.microsoft.com/office/drawing/2014/main" id="{4D56677B-C0B7-4DAC-ACAD-8054FF1B599A}"/>
+              </a:ext>
+              <a:ext uri="{C183D7F6-B498-43B3-948B-1728B52AA6E4}">
+                <adec:decorative xmlns:adec="http://schemas.microsoft.com/office/drawing/2017/decorative" val="1"/>
+              </a:ext>
+            </a:extLst>
+          </p:cNvPr>
+          <p:cNvCxnSpPr>
+            <a:cxnSpLocks noGrp="1" noRot="1" noChangeAspect="1" noMove="1" noResize="1" noEditPoints="1" noAdjustHandles="1" noChangeArrowheads="1" noChangeShapeType="1"/>
+          </p:cNvCxnSpPr>
+          <p:nvPr>
+            <p:extLst>
+              <p:ext uri="{386F3935-93C4-4BCD-93E2-E3B085C9AB24}">
+                <p16:designElem xmlns:p16="http://schemas.microsoft.com/office/powerpoint/2015/main" val="1"/>
+              </p:ext>
+            </p:extLst>
+          </p:nvPr>
+        </p:nvCxnSpPr>
+        <p:spPr>
+          <a:xfrm>
+            <a:off x="6096000" y="1573887"/>
+            <a:ext cx="0" cy="3710227"/>
+          </a:xfrm>
+          <a:prstGeom prst="line">
+            <a:avLst/>
+          </a:prstGeom>
+          <a:ln w="19050">
+            <a:solidFill>
+              <a:srgbClr val="CB3222"/>
+            </a:solidFill>
+          </a:ln>
+        </p:spPr>
+        <p:style>
+          <a:lnRef idx="1">
+            <a:schemeClr val="accent1"/>
+          </a:lnRef>
+          <a:fillRef idx="0">
+            <a:schemeClr val="accent1"/>
+          </a:fillRef>
+          <a:effectRef idx="0">
+            <a:schemeClr val="accent1"/>
+          </a:effectRef>
+          <a:fontRef idx="minor">
+            <a:schemeClr val="tx1"/>
+          </a:fontRef>
+        </p:style>
+      </p:cxnSp>
+      <p:pic>
+        <p:nvPicPr>
+          <p:cNvPr id="5" name="Picture 4">
+            <a:extLst>
+              <a:ext uri="{FF2B5EF4-FFF2-40B4-BE49-F238E27FC236}">
+                <a16:creationId xmlns:a16="http://schemas.microsoft.com/office/drawing/2014/main" id="{270018F4-0041-4003-B8B2-930D543FDC7C}"/>
+              </a:ext>
+            </a:extLst>
+          </p:cNvPr>
+          <p:cNvPicPr>
+            <a:picLocks noChangeAspect="1"/>
+          </p:cNvPicPr>
+          <p:nvPr/>
+        </p:nvPicPr>
+        <p:blipFill>
+          <a:blip r:embed="rId3">
+            <a:extLst>
+              <a:ext uri="{28A0092B-C50C-407E-A947-70E740481C1C}">
+                <a14:useLocalDpi xmlns:a14="http://schemas.microsoft.com/office/drawing/2010/main" val="0"/>
+              </a:ext>
+            </a:extLst>
+          </a:blip>
+          <a:stretch>
+            <a:fillRect/>
+          </a:stretch>
+        </p:blipFill>
+        <p:spPr>
+          <a:xfrm>
+            <a:off x="6343240" y="1717932"/>
+            <a:ext cx="4728015" cy="3415990"/>
+          </a:xfrm>
+          <a:prstGeom prst="rect">
+            <a:avLst/>
+          </a:prstGeom>
+        </p:spPr>
+      </p:pic>
+      <p:sp>
+        <p:nvSpPr>
+          <p:cNvPr id="7" name="TextBox 6">
+            <a:extLst>
+              <a:ext uri="{FF2B5EF4-FFF2-40B4-BE49-F238E27FC236}">
+                <a16:creationId xmlns:a16="http://schemas.microsoft.com/office/drawing/2014/main" id="{BBE5365F-56A3-44C8-8665-074FB71BD0C3}"/>
+              </a:ext>
+            </a:extLst>
+          </p:cNvPr>
+          <p:cNvSpPr txBox="1"/>
+          <p:nvPr/>
+        </p:nvSpPr>
+        <p:spPr>
+          <a:xfrm>
+            <a:off x="1115615" y="394103"/>
+            <a:ext cx="7371954" cy="369332"/>
+          </a:xfrm>
+          <a:prstGeom prst="rect">
+            <a:avLst/>
+          </a:prstGeom>
+          <a:noFill/>
+        </p:spPr>
+        <p:txBody>
+          <a:bodyPr wrap="none" rtlCol="0">
+            <a:spAutoFit/>
+          </a:bodyPr>
+          <a:lstStyle/>
+          <a:p>
+            <a:r>
+              <a:rPr lang="en-US" dirty="0"/>
+              <a:t>Data-binding – </a:t>
+            </a:r>
+            <a:r>
+              <a:rPr lang="en-US" dirty="0" err="1"/>
+              <a:t>povezivanje</a:t>
+            </a:r>
+            <a:r>
+              <a:rPr lang="en-US" dirty="0"/>
+              <a:t> </a:t>
+            </a:r>
+            <a:r>
+              <a:rPr lang="en-US" dirty="0" err="1"/>
+              <a:t>modela</a:t>
+            </a:r>
+            <a:r>
+              <a:rPr lang="en-US" dirty="0"/>
+              <a:t> </a:t>
+            </a:r>
+            <a:r>
+              <a:rPr lang="sr-Latn-RS" dirty="0"/>
+              <a:t>i</a:t>
+            </a:r>
+            <a:r>
+              <a:rPr lang="en-US" dirty="0"/>
+              <a:t> view </a:t>
+            </a:r>
+            <a:r>
+              <a:rPr lang="en-US" dirty="0" err="1"/>
+              <a:t>komponenti</a:t>
+            </a:r>
+            <a:r>
+              <a:rPr lang="en-US" dirty="0"/>
+              <a:t> (ono </a:t>
+            </a:r>
+            <a:r>
+              <a:rPr lang="sr-Latn-RS" dirty="0"/>
+              <a:t>što korisnik vidi</a:t>
+            </a:r>
+            <a:r>
+              <a:rPr lang="en-US" dirty="0"/>
+              <a:t>) </a:t>
+            </a:r>
+            <a:endParaRPr lang="en-GB" dirty="0"/>
+          </a:p>
+        </p:txBody>
+      </p:sp>
+      <p:sp>
+        <p:nvSpPr>
+          <p:cNvPr id="8" name="TextBox 7">
+            <a:extLst>
+              <a:ext uri="{FF2B5EF4-FFF2-40B4-BE49-F238E27FC236}">
+                <a16:creationId xmlns:a16="http://schemas.microsoft.com/office/drawing/2014/main" id="{A6E47350-EE08-4D9D-A05A-53A48F72B23C}"/>
+              </a:ext>
+            </a:extLst>
+          </p:cNvPr>
+          <p:cNvSpPr txBox="1"/>
+          <p:nvPr/>
+        </p:nvSpPr>
+        <p:spPr>
+          <a:xfrm>
+            <a:off x="1115615" y="763435"/>
+            <a:ext cx="11143948" cy="369332"/>
+          </a:xfrm>
+          <a:prstGeom prst="rect">
+            <a:avLst/>
+          </a:prstGeom>
+          <a:noFill/>
+        </p:spPr>
+        <p:txBody>
+          <a:bodyPr wrap="none" rtlCol="0">
+            <a:spAutoFit/>
+          </a:bodyPr>
+          <a:lstStyle/>
+          <a:p>
+            <a:r>
+              <a:rPr lang="sr-Latn-RS" dirty="0"/>
+              <a:t>Klasični sajtovi koriste One-Way Data Binding. Template i model se spoje prilikom kompajliranja i prikaže se korisniku. </a:t>
+            </a:r>
+            <a:endParaRPr lang="en-GB" dirty="0"/>
+          </a:p>
+        </p:txBody>
+      </p:sp>
+      <p:sp>
+        <p:nvSpPr>
+          <p:cNvPr id="9" name="TextBox 8">
+            <a:extLst>
+              <a:ext uri="{FF2B5EF4-FFF2-40B4-BE49-F238E27FC236}">
+                <a16:creationId xmlns:a16="http://schemas.microsoft.com/office/drawing/2014/main" id="{C7F8E1CE-AF1A-4330-A5A4-A4353085506E}"/>
+              </a:ext>
+            </a:extLst>
+          </p:cNvPr>
+          <p:cNvSpPr txBox="1"/>
+          <p:nvPr/>
+        </p:nvSpPr>
+        <p:spPr>
+          <a:xfrm>
+            <a:off x="1115615" y="1132767"/>
+            <a:ext cx="9522350" cy="369332"/>
+          </a:xfrm>
+          <a:prstGeom prst="rect">
+            <a:avLst/>
+          </a:prstGeom>
+          <a:noFill/>
+        </p:spPr>
+        <p:txBody>
+          <a:bodyPr wrap="none" rtlCol="0">
+            <a:spAutoFit/>
+          </a:bodyPr>
+          <a:lstStyle/>
+          <a:p>
+            <a:r>
+              <a:rPr lang="sr-Latn-RS" dirty="0"/>
+              <a:t>Angular koristi Two-Way Data Binding što znači da promene na </a:t>
+            </a:r>
+            <a:r>
+              <a:rPr lang="sr-Latn-RS" b="1" dirty="0"/>
+              <a:t>view </a:t>
+            </a:r>
+            <a:r>
+              <a:rPr lang="sr-Latn-RS" dirty="0"/>
+              <a:t>update-uju model i obrnuto.</a:t>
+            </a:r>
+            <a:endParaRPr lang="en-GB" dirty="0"/>
+          </a:p>
+        </p:txBody>
+      </p:sp>
+    </p:spTree>
+    <p:extLst>
+      <p:ext uri="{BB962C8B-B14F-4D97-AF65-F5344CB8AC3E}">
+        <p14:creationId xmlns:p14="http://schemas.microsoft.com/office/powerpoint/2010/main" val="273023023"/>
+      </p:ext>
+    </p:extLst>
+  </p:cSld>
+  <p:clrMapOvr>
+    <a:masterClrMapping/>
+  </p:clrMapOvr>
+  <p:timing>
+    <p:tnLst>
+      <p:par>
+        <p:cTn id="1" dur="indefinite" restart="never" nodeType="tmRoot">
+          <p:childTnLst>
+            <p:seq concurrent="1" nextAc="seek">
+              <p:cTn id="2" dur="indefinite" nodeType="mainSeq">
+                <p:childTnLst>
+                  <p:par>
+                    <p:cTn id="3" fill="hold">
+                      <p:stCondLst>
+                        <p:cond delay="indefinite"/>
+                      </p:stCondLst>
+                      <p:childTnLst>
+                        <p:par>
+                          <p:cTn id="4" fill="hold">
+                            <p:stCondLst>
+                              <p:cond delay="0"/>
+                            </p:stCondLst>
+                            <p:childTnLst>
+                              <p:par>
+                                <p:cTn id="5" presetID="1" presetClass="entr" presetSubtype="0" fill="hold" grpId="0" nodeType="clickEffect">
+                                  <p:stCondLst>
+                                    <p:cond delay="0"/>
+                                  </p:stCondLst>
+                                  <p:childTnLst>
+                                    <p:set>
+                                      <p:cBhvr>
+                                        <p:cTn id="6" dur="1" fill="hold">
+                                          <p:stCondLst>
+                                            <p:cond delay="0"/>
+                                          </p:stCondLst>
+                                        </p:cTn>
+                                        <p:tgtEl>
+                                          <p:spTgt spid="7"/>
+                                        </p:tgtEl>
+                                        <p:attrNameLst>
+                                          <p:attrName>style.visibility</p:attrName>
+                                        </p:attrNameLst>
+                                      </p:cBhvr>
+                                      <p:to>
+                                        <p:strVal val="visible"/>
+                                      </p:to>
+                                    </p:set>
+                                  </p:childTnLst>
+                                </p:cTn>
+                              </p:par>
+                            </p:childTnLst>
+                          </p:cTn>
+                        </p:par>
+                      </p:childTnLst>
+                    </p:cTn>
+                  </p:par>
+                  <p:par>
+                    <p:cTn id="7" fill="hold">
+                      <p:stCondLst>
+                        <p:cond delay="indefinite"/>
+                      </p:stCondLst>
+                      <p:childTnLst>
+                        <p:par>
+                          <p:cTn id="8" fill="hold">
+                            <p:stCondLst>
+                              <p:cond delay="0"/>
+                            </p:stCondLst>
+                            <p:childTnLst>
+                              <p:par>
+                                <p:cTn id="9" presetID="1" presetClass="entr" presetSubtype="0" fill="hold" grpId="0" nodeType="clickEffect">
+                                  <p:stCondLst>
+                                    <p:cond delay="0"/>
+                                  </p:stCondLst>
+                                  <p:childTnLst>
+                                    <p:set>
+                                      <p:cBhvr>
+                                        <p:cTn id="10" dur="1" fill="hold">
+                                          <p:stCondLst>
+                                            <p:cond delay="0"/>
+                                          </p:stCondLst>
+                                        </p:cTn>
+                                        <p:tgtEl>
+                                          <p:spTgt spid="8"/>
+                                        </p:tgtEl>
+                                        <p:attrNameLst>
+                                          <p:attrName>style.visibility</p:attrName>
+                                        </p:attrNameLst>
+                                      </p:cBhvr>
+                                      <p:to>
+                                        <p:strVal val="visible"/>
+                                      </p:to>
+                                    </p:set>
+                                  </p:childTnLst>
+                                </p:cTn>
+                              </p:par>
+                            </p:childTnLst>
+                          </p:cTn>
+                        </p:par>
+                      </p:childTnLst>
+                    </p:cTn>
+                  </p:par>
+                  <p:par>
+                    <p:cTn id="11" fill="hold">
+                      <p:stCondLst>
+                        <p:cond delay="indefinite"/>
+                      </p:stCondLst>
+                      <p:childTnLst>
+                        <p:par>
+                          <p:cTn id="12" fill="hold">
+                            <p:stCondLst>
+                              <p:cond delay="0"/>
+                            </p:stCondLst>
+                            <p:childTnLst>
+                              <p:par>
+                                <p:cTn id="13" presetID="1" presetClass="entr" presetSubtype="0" fill="hold" nodeType="clickEffect">
+                                  <p:stCondLst>
+                                    <p:cond delay="0"/>
+                                  </p:stCondLst>
+                                  <p:childTnLst>
+                                    <p:set>
+                                      <p:cBhvr>
+                                        <p:cTn id="14" dur="1" fill="hold">
+                                          <p:stCondLst>
+                                            <p:cond delay="0"/>
+                                          </p:stCondLst>
+                                        </p:cTn>
+                                        <p:tgtEl>
+                                          <p:spTgt spid="3"/>
+                                        </p:tgtEl>
+                                        <p:attrNameLst>
+                                          <p:attrName>style.visibility</p:attrName>
+                                        </p:attrNameLst>
+                                      </p:cBhvr>
+                                      <p:to>
+                                        <p:strVal val="visible"/>
+                                      </p:to>
+                                    </p:set>
+                                  </p:childTnLst>
+                                </p:cTn>
+                              </p:par>
+                            </p:childTnLst>
+                          </p:cTn>
+                        </p:par>
+                      </p:childTnLst>
+                    </p:cTn>
+                  </p:par>
+                  <p:par>
+                    <p:cTn id="15" fill="hold">
+                      <p:stCondLst>
+                        <p:cond delay="indefinite"/>
+                      </p:stCondLst>
+                      <p:childTnLst>
+                        <p:par>
+                          <p:cTn id="16" fill="hold">
+                            <p:stCondLst>
+                              <p:cond delay="0"/>
+                            </p:stCondLst>
+                            <p:childTnLst>
+                              <p:par>
+                                <p:cTn id="17" presetID="1" presetClass="entr" presetSubtype="0" fill="hold" grpId="0" nodeType="clickEffect">
+                                  <p:stCondLst>
+                                    <p:cond delay="0"/>
+                                  </p:stCondLst>
+                                  <p:childTnLst>
+                                    <p:set>
+                                      <p:cBhvr>
+                                        <p:cTn id="18" dur="1" fill="hold">
+                                          <p:stCondLst>
+                                            <p:cond delay="0"/>
+                                          </p:stCondLst>
+                                        </p:cTn>
+                                        <p:tgtEl>
+                                          <p:spTgt spid="9"/>
+                                        </p:tgtEl>
+                                        <p:attrNameLst>
+                                          <p:attrName>style.visibility</p:attrName>
+                                        </p:attrNameLst>
+                                      </p:cBhvr>
+                                      <p:to>
+                                        <p:strVal val="visible"/>
+                                      </p:to>
+                                    </p:set>
+                                  </p:childTnLst>
+                                </p:cTn>
+                              </p:par>
+                            </p:childTnLst>
+                          </p:cTn>
+                        </p:par>
+                      </p:childTnLst>
+                    </p:cTn>
+                  </p:par>
+                  <p:par>
+                    <p:cTn id="19" fill="hold">
+                      <p:stCondLst>
+                        <p:cond delay="indefinite"/>
+                      </p:stCondLst>
+                      <p:childTnLst>
+                        <p:par>
+                          <p:cTn id="20" fill="hold">
+                            <p:stCondLst>
+                              <p:cond delay="0"/>
+                            </p:stCondLst>
+                            <p:childTnLst>
+                              <p:par>
+                                <p:cTn id="21" presetID="1" presetClass="entr" presetSubtype="0" fill="hold" nodeType="clickEffect">
+                                  <p:stCondLst>
+                                    <p:cond delay="0"/>
+                                  </p:stCondLst>
+                                  <p:childTnLst>
+                                    <p:set>
+                                      <p:cBhvr>
+                                        <p:cTn id="22" dur="1" fill="hold">
+                                          <p:stCondLst>
+                                            <p:cond delay="0"/>
+                                          </p:stCondLst>
+                                        </p:cTn>
+                                        <p:tgtEl>
+                                          <p:spTgt spid="5"/>
+                                        </p:tgtEl>
+                                        <p:attrNameLst>
+                                          <p:attrName>style.visibility</p:attrName>
+                                        </p:attrNameLst>
+                                      </p:cBhvr>
+                                      <p:to>
+                                        <p:strVal val="visible"/>
+                                      </p:to>
+                                    </p:set>
+                                  </p:childTnLst>
+                                </p:cTn>
+                              </p:par>
+                            </p:childTnLst>
+                          </p:cTn>
+                        </p:par>
+                      </p:childTnLst>
+                    </p:cTn>
+                  </p:par>
+                </p:childTnLst>
+              </p:cTn>
+              <p:prevCondLst>
+                <p:cond evt="onPrev" delay="0">
+                  <p:tgtEl>
+                    <p:sldTgt/>
+                  </p:tgtEl>
+                </p:cond>
+              </p:prevCondLst>
+              <p:nextCondLst>
+                <p:cond evt="onNext" delay="0">
+                  <p:tgtEl>
+                    <p:sldTgt/>
+                  </p:tgtEl>
+                </p:cond>
+              </p:nextCondLst>
+            </p:seq>
+          </p:childTnLst>
+        </p:cTn>
+      </p:par>
+    </p:tnLst>
+    <p:bldLst>
+      <p:bldP spid="7" grpId="0"/>
+      <p:bldP spid="8" grpId="0"/>
+      <p:bldP spid="9" grpId="0"/>
+    </p:bldLst>
+  </p:timing>
+</p:sld>
+</file>
+
 <file path=ppt/theme/theme1.xml><?xml version="1.0" encoding="utf-8"?>
 <a:theme xmlns:a="http://schemas.openxmlformats.org/drawingml/2006/main" name="Office Theme">
   <a:themeElements>

--- a/AngularJS.pptx
+++ b/AngularJS.pptx
@@ -18,7 +18,8 @@
     <p:sldId id="269" r:id="rId12"/>
     <p:sldId id="265" r:id="rId13"/>
     <p:sldId id="270" r:id="rId14"/>
-    <p:sldId id="271" r:id="rId15"/>
+    <p:sldId id="272" r:id="rId15"/>
+    <p:sldId id="271" r:id="rId16"/>
   </p:sldIdLst>
   <p:sldSz cx="12192000" cy="6858000"/>
   <p:notesSz cx="6858000" cy="9144000"/>
@@ -128,8 +129,8 @@
 <file path=ppt/revisionInfo.xml><?xml version="1.0" encoding="utf-8"?>
 <p1510:revInfo xmlns:a="http://schemas.openxmlformats.org/drawingml/2006/main" xmlns:r="http://schemas.openxmlformats.org/officeDocument/2006/relationships" xmlns:p1510="http://schemas.microsoft.com/office/powerpoint/2015/10/main">
   <p1510:revLst>
+    <p1510:client id="{1320082C-A7C4-4F39-B207-5B44D2E8DB51}" v="45" dt="2019-01-21T15:48:04.955"/>
     <p1510:client id="{84984AE3-2FB9-472B-BE8B-CCC860EA6735}" v="656" dt="2019-01-20T21:09:15.280"/>
-    <p1510:client id="{1320082C-A7C4-4F39-B207-5B44D2E8DB51}" v="45" dt="2019-01-21T15:48:04.955"/>
   </p1510:revLst>
 </p1510:revInfo>
 </file>
@@ -1662,7 +1663,7 @@
           <a:p>
             <a:fld id="{6A752055-4DA1-4D46-98DA-CEE3E0EB5BBD}" type="datetimeFigureOut">
               <a:rPr lang="en-GB" smtClean="0"/>
-              <a:t>24/01/2019</a:t>
+              <a:t>25/01/2019</a:t>
             </a:fld>
             <a:endParaRPr lang="en-GB"/>
           </a:p>
@@ -1862,7 +1863,7 @@
           <a:p>
             <a:fld id="{6A752055-4DA1-4D46-98DA-CEE3E0EB5BBD}" type="datetimeFigureOut">
               <a:rPr lang="en-GB" smtClean="0"/>
-              <a:t>24/01/2019</a:t>
+              <a:t>25/01/2019</a:t>
             </a:fld>
             <a:endParaRPr lang="en-GB"/>
           </a:p>
@@ -2072,7 +2073,7 @@
           <a:p>
             <a:fld id="{6A752055-4DA1-4D46-98DA-CEE3E0EB5BBD}" type="datetimeFigureOut">
               <a:rPr lang="en-GB" smtClean="0"/>
-              <a:t>24/01/2019</a:t>
+              <a:t>25/01/2019</a:t>
             </a:fld>
             <a:endParaRPr lang="en-GB"/>
           </a:p>
@@ -2272,7 +2273,7 @@
           <a:p>
             <a:fld id="{6A752055-4DA1-4D46-98DA-CEE3E0EB5BBD}" type="datetimeFigureOut">
               <a:rPr lang="en-GB" smtClean="0"/>
-              <a:t>24/01/2019</a:t>
+              <a:t>25/01/2019</a:t>
             </a:fld>
             <a:endParaRPr lang="en-GB"/>
           </a:p>
@@ -2548,7 +2549,7 @@
           <a:p>
             <a:fld id="{6A752055-4DA1-4D46-98DA-CEE3E0EB5BBD}" type="datetimeFigureOut">
               <a:rPr lang="en-GB" smtClean="0"/>
-              <a:t>24/01/2019</a:t>
+              <a:t>25/01/2019</a:t>
             </a:fld>
             <a:endParaRPr lang="en-GB"/>
           </a:p>
@@ -2816,7 +2817,7 @@
           <a:p>
             <a:fld id="{6A752055-4DA1-4D46-98DA-CEE3E0EB5BBD}" type="datetimeFigureOut">
               <a:rPr lang="en-GB" smtClean="0"/>
-              <a:t>24/01/2019</a:t>
+              <a:t>25/01/2019</a:t>
             </a:fld>
             <a:endParaRPr lang="en-GB"/>
           </a:p>
@@ -3231,7 +3232,7 @@
           <a:p>
             <a:fld id="{6A752055-4DA1-4D46-98DA-CEE3E0EB5BBD}" type="datetimeFigureOut">
               <a:rPr lang="en-GB" smtClean="0"/>
-              <a:t>24/01/2019</a:t>
+              <a:t>25/01/2019</a:t>
             </a:fld>
             <a:endParaRPr lang="en-GB"/>
           </a:p>
@@ -3373,7 +3374,7 @@
           <a:p>
             <a:fld id="{6A752055-4DA1-4D46-98DA-CEE3E0EB5BBD}" type="datetimeFigureOut">
               <a:rPr lang="en-GB" smtClean="0"/>
-              <a:t>24/01/2019</a:t>
+              <a:t>25/01/2019</a:t>
             </a:fld>
             <a:endParaRPr lang="en-GB"/>
           </a:p>
@@ -3486,7 +3487,7 @@
           <a:p>
             <a:fld id="{6A752055-4DA1-4D46-98DA-CEE3E0EB5BBD}" type="datetimeFigureOut">
               <a:rPr lang="en-GB" smtClean="0"/>
-              <a:t>24/01/2019</a:t>
+              <a:t>25/01/2019</a:t>
             </a:fld>
             <a:endParaRPr lang="en-GB"/>
           </a:p>
@@ -3799,7 +3800,7 @@
           <a:p>
             <a:fld id="{6A752055-4DA1-4D46-98DA-CEE3E0EB5BBD}" type="datetimeFigureOut">
               <a:rPr lang="en-GB" smtClean="0"/>
-              <a:t>24/01/2019</a:t>
+              <a:t>25/01/2019</a:t>
             </a:fld>
             <a:endParaRPr lang="en-GB"/>
           </a:p>
@@ -4088,7 +4089,7 @@
           <a:p>
             <a:fld id="{6A752055-4DA1-4D46-98DA-CEE3E0EB5BBD}" type="datetimeFigureOut">
               <a:rPr lang="en-GB" smtClean="0"/>
-              <a:t>24/01/2019</a:t>
+              <a:t>25/01/2019</a:t>
             </a:fld>
             <a:endParaRPr lang="en-GB"/>
           </a:p>
@@ -4331,7 +4332,7 @@
           <a:p>
             <a:fld id="{6A752055-4DA1-4D46-98DA-CEE3E0EB5BBD}" type="datetimeFigureOut">
               <a:rPr lang="en-GB" smtClean="0"/>
-              <a:t>24/01/2019</a:t>
+              <a:t>25/01/2019</a:t>
             </a:fld>
             <a:endParaRPr lang="en-GB"/>
           </a:p>
@@ -9162,6 +9163,108 @@
 </file>
 
 <file path=ppt/slides/slide14.xml><?xml version="1.0" encoding="utf-8"?>
+<p:sld xmlns:a="http://schemas.openxmlformats.org/drawingml/2006/main" xmlns:r="http://schemas.openxmlformats.org/officeDocument/2006/relationships" xmlns:p="http://schemas.openxmlformats.org/presentationml/2006/main">
+  <p:cSld>
+    <p:spTree>
+      <p:nvGrpSpPr>
+        <p:cNvPr id="1" name=""/>
+        <p:cNvGrpSpPr/>
+        <p:nvPr/>
+      </p:nvGrpSpPr>
+      <p:grpSpPr>
+        <a:xfrm>
+          <a:off x="0" y="0"/>
+          <a:ext cx="0" cy="0"/>
+          <a:chOff x="0" y="0"/>
+          <a:chExt cx="0" cy="0"/>
+        </a:xfrm>
+      </p:grpSpPr>
+      <p:pic>
+        <p:nvPicPr>
+          <p:cNvPr id="3" name="Picture 2">
+            <a:extLst>
+              <a:ext uri="{FF2B5EF4-FFF2-40B4-BE49-F238E27FC236}">
+                <a16:creationId xmlns:a16="http://schemas.microsoft.com/office/drawing/2014/main" id="{2F9C813C-786F-4367-AC7D-91F235F27B77}"/>
+              </a:ext>
+            </a:extLst>
+          </p:cNvPr>
+          <p:cNvPicPr>
+            <a:picLocks noChangeAspect="1"/>
+          </p:cNvPicPr>
+          <p:nvPr/>
+        </p:nvPicPr>
+        <p:blipFill>
+          <a:blip r:embed="rId2">
+            <a:extLst>
+              <a:ext uri="{28A0092B-C50C-407E-A947-70E740481C1C}">
+                <a14:useLocalDpi xmlns:a14="http://schemas.microsoft.com/office/drawing/2010/main" val="0"/>
+              </a:ext>
+            </a:extLst>
+          </a:blip>
+          <a:stretch>
+            <a:fillRect/>
+          </a:stretch>
+        </p:blipFill>
+        <p:spPr>
+          <a:xfrm>
+            <a:off x="747957" y="658482"/>
+            <a:ext cx="5981700" cy="3324225"/>
+          </a:xfrm>
+          <a:prstGeom prst="rect">
+            <a:avLst/>
+          </a:prstGeom>
+        </p:spPr>
+      </p:pic>
+      <p:pic>
+        <p:nvPicPr>
+          <p:cNvPr id="5" name="Picture 4">
+            <a:extLst>
+              <a:ext uri="{FF2B5EF4-FFF2-40B4-BE49-F238E27FC236}">
+                <a16:creationId xmlns:a16="http://schemas.microsoft.com/office/drawing/2014/main" id="{931A4397-44A9-4809-84B1-3FDB0CFE37CB}"/>
+              </a:ext>
+            </a:extLst>
+          </p:cNvPr>
+          <p:cNvPicPr>
+            <a:picLocks noChangeAspect="1"/>
+          </p:cNvPicPr>
+          <p:nvPr/>
+        </p:nvPicPr>
+        <p:blipFill>
+          <a:blip r:embed="rId3">
+            <a:extLst>
+              <a:ext uri="{28A0092B-C50C-407E-A947-70E740481C1C}">
+                <a14:useLocalDpi xmlns:a14="http://schemas.microsoft.com/office/drawing/2010/main" val="0"/>
+              </a:ext>
+            </a:extLst>
+          </a:blip>
+          <a:stretch>
+            <a:fillRect/>
+          </a:stretch>
+        </p:blipFill>
+        <p:spPr>
+          <a:xfrm>
+            <a:off x="747957" y="4349612"/>
+            <a:ext cx="4333875" cy="1657350"/>
+          </a:xfrm>
+          <a:prstGeom prst="rect">
+            <a:avLst/>
+          </a:prstGeom>
+        </p:spPr>
+      </p:pic>
+    </p:spTree>
+    <p:extLst>
+      <p:ext uri="{BB962C8B-B14F-4D97-AF65-F5344CB8AC3E}">
+        <p14:creationId xmlns:p14="http://schemas.microsoft.com/office/powerpoint/2010/main" val="1522272949"/>
+      </p:ext>
+    </p:extLst>
+  </p:cSld>
+  <p:clrMapOvr>
+    <a:masterClrMapping/>
+  </p:clrMapOvr>
+</p:sld>
+</file>
+
+<file path=ppt/slides/slide15.xml><?xml version="1.0" encoding="utf-8"?>
 <p:sld xmlns:a="http://schemas.openxmlformats.org/drawingml/2006/main" xmlns:r="http://schemas.openxmlformats.org/officeDocument/2006/relationships" xmlns:p="http://schemas.openxmlformats.org/presentationml/2006/main">
   <p:cSld>
     <p:spTree>

--- a/AngularJS.pptx
+++ b/AngularJS.pptx
@@ -19,7 +19,9 @@
     <p:sldId id="265" r:id="rId13"/>
     <p:sldId id="270" r:id="rId14"/>
     <p:sldId id="272" r:id="rId15"/>
-    <p:sldId id="271" r:id="rId16"/>
+    <p:sldId id="273" r:id="rId16"/>
+    <p:sldId id="271" r:id="rId17"/>
+    <p:sldId id="274" r:id="rId18"/>
   </p:sldIdLst>
   <p:sldSz cx="12192000" cy="6858000"/>
   <p:notesSz cx="6858000" cy="9144000"/>
@@ -129,8 +131,8 @@
 <file path=ppt/revisionInfo.xml><?xml version="1.0" encoding="utf-8"?>
 <p1510:revInfo xmlns:a="http://schemas.openxmlformats.org/drawingml/2006/main" xmlns:r="http://schemas.openxmlformats.org/officeDocument/2006/relationships" xmlns:p1510="http://schemas.microsoft.com/office/powerpoint/2015/10/main">
   <p1510:revLst>
+    <p1510:client id="{84984AE3-2FB9-472B-BE8B-CCC860EA6735}" v="656" dt="2019-01-20T21:09:15.280"/>
     <p1510:client id="{1320082C-A7C4-4F39-B207-5B44D2E8DB51}" v="45" dt="2019-01-21T15:48:04.955"/>
-    <p1510:client id="{84984AE3-2FB9-472B-BE8B-CCC860EA6735}" v="656" dt="2019-01-20T21:09:15.280"/>
   </p1510:revLst>
 </p1510:revInfo>
 </file>
@@ -8948,7 +8950,7 @@
           <a:p>
             <a:pPr algn="ctr"/>
             <a:r>
-              <a:rPr lang="en-US" dirty="0" err="1"/>
+              <a:rPr lang="en-US"/>
               <a:t>Komponente</a:t>
             </a:r>
             <a:endParaRPr lang="en-GB" dirty="0"/>
@@ -9017,7 +9019,27 @@
             </a:r>
             <a:r>
               <a:rPr lang="sr-Latn-RS" dirty="0"/>
-              <a:t> kako kontroler i template rade zajedno da konvertuju statičnu HTML stranicu u dinamični view.</a:t>
+              <a:t> kako kontroler</a:t>
+            </a:r>
+            <a:r>
+              <a:rPr lang="en-US" dirty="0" err="1"/>
+              <a:t>i</a:t>
+            </a:r>
+            <a:r>
+              <a:rPr lang="sr-Latn-RS" dirty="0"/>
+              <a:t> i template</a:t>
+            </a:r>
+            <a:r>
+              <a:rPr lang="en-US" dirty="0"/>
+              <a:t>-</a:t>
+            </a:r>
+            <a:r>
+              <a:rPr lang="en-US" dirty="0" err="1"/>
+              <a:t>i</a:t>
+            </a:r>
+            <a:r>
+              <a:rPr lang="sr-Latn-RS" dirty="0"/>
+              <a:t> rade zajedno da konvertuju statičnu HTML stranicu u dinamični view.</a:t>
             </a:r>
           </a:p>
           <a:p>
@@ -9037,7 +9059,23 @@
             </a:r>
             <a:r>
               <a:rPr lang="sr-Latn-RS" dirty="0"/>
-              <a:t> (deo view-a koji sadrži bindigs (vezivanje podataka) i prezentacionu logiku) se ponaša kao kostur za aplikaciju, na njemu organizujemo podatke u obliku kako hoćemo da prezentujemo krajnjem korisniku.</a:t>
+              <a:t> (deo view-a koji sadrži bindigs (vezivanje podataka) i prezentacionu logiku)</a:t>
+            </a:r>
+            <a:r>
+              <a:rPr lang="en-US" dirty="0"/>
+              <a:t> </a:t>
+            </a:r>
+            <a:r>
+              <a:rPr lang="sr-Latn-RS" dirty="0"/>
+              <a:t>ponaša</a:t>
+            </a:r>
+            <a:r>
+              <a:rPr lang="en-US" dirty="0"/>
+              <a:t> se</a:t>
+            </a:r>
+            <a:r>
+              <a:rPr lang="sr-Latn-RS" dirty="0"/>
+              <a:t> kao kostur za aplikaciju, na njemu organizujemo podatke u obliku kako hoćemo da prezentujemo krajnjem korisniku.</a:t>
             </a:r>
           </a:p>
           <a:p>
@@ -9129,7 +9167,15 @@
             </a:r>
             <a:r>
               <a:rPr lang="sr-Latn-RS" dirty="0"/>
-              <a:t>čest patern, AngularJS nam pruža mogućnost da ih ukombinuju u izolovane entitete – komponente.</a:t>
+              <a:t>čest patern, AngularJS nam pruža mogućnost da ih </a:t>
+            </a:r>
+            <a:r>
+              <a:rPr lang="en-US" dirty="0" err="1"/>
+              <a:t>izdvojimo</a:t>
+            </a:r>
+            <a:r>
+              <a:rPr lang="sr-Latn-RS" dirty="0"/>
+              <a:t> u izolovane entitete – komponente.</a:t>
             </a:r>
           </a:p>
           <a:p>
@@ -9207,7 +9253,7 @@
         </p:blipFill>
         <p:spPr>
           <a:xfrm>
-            <a:off x="747957" y="658482"/>
+            <a:off x="363644" y="473697"/>
             <a:ext cx="5981700" cy="3324225"/>
           </a:xfrm>
           <a:prstGeom prst="rect">
@@ -9215,12 +9261,567 @@
           </a:prstGeom>
         </p:spPr>
       </p:pic>
+      <p:sp>
+        <p:nvSpPr>
+          <p:cNvPr id="6" name="TextBox 5">
+            <a:extLst>
+              <a:ext uri="{FF2B5EF4-FFF2-40B4-BE49-F238E27FC236}">
+                <a16:creationId xmlns:a16="http://schemas.microsoft.com/office/drawing/2014/main" id="{C70A961B-7F45-4E52-A392-F9F3CD27FBF0}"/>
+              </a:ext>
+            </a:extLst>
+          </p:cNvPr>
+          <p:cNvSpPr txBox="1"/>
+          <p:nvPr/>
+        </p:nvSpPr>
+        <p:spPr>
+          <a:xfrm>
+            <a:off x="6433382" y="1278846"/>
+            <a:ext cx="3603872" cy="646331"/>
+          </a:xfrm>
+          <a:prstGeom prst="rect">
+            <a:avLst/>
+          </a:prstGeom>
+          <a:noFill/>
+        </p:spPr>
+        <p:txBody>
+          <a:bodyPr wrap="none" rtlCol="0">
+            <a:spAutoFit/>
+          </a:bodyPr>
+          <a:lstStyle/>
+          <a:p>
+            <a:r>
+              <a:rPr lang="en-GB" dirty="0">
+                <a:solidFill>
+                  <a:srgbClr val="EBDBB2"/>
+                </a:solidFill>
+                <a:latin typeface="Consolas" panose="020B0609020204030204" pitchFamily="49" charset="0"/>
+              </a:rPr>
+              <a:t>&lt;</a:t>
+            </a:r>
+            <a:r>
+              <a:rPr lang="en-GB" dirty="0">
+                <a:solidFill>
+                  <a:srgbClr val="FABD2F"/>
+                </a:solidFill>
+                <a:latin typeface="Consolas" panose="020B0609020204030204" pitchFamily="49" charset="0"/>
+              </a:rPr>
+              <a:t>hello-world</a:t>
+            </a:r>
+            <a:r>
+              <a:rPr lang="en-GB" dirty="0">
+                <a:solidFill>
+                  <a:srgbClr val="EBDBB2"/>
+                </a:solidFill>
+                <a:latin typeface="Consolas" panose="020B0609020204030204" pitchFamily="49" charset="0"/>
+              </a:rPr>
+              <a:t>&gt;&lt;/</a:t>
+            </a:r>
+            <a:r>
+              <a:rPr lang="en-GB" dirty="0">
+                <a:solidFill>
+                  <a:srgbClr val="FABD2F"/>
+                </a:solidFill>
+                <a:latin typeface="Consolas" panose="020B0609020204030204" pitchFamily="49" charset="0"/>
+              </a:rPr>
+              <a:t>hello-world</a:t>
+            </a:r>
+            <a:r>
+              <a:rPr lang="en-GB" dirty="0">
+                <a:solidFill>
+                  <a:srgbClr val="EBDBB2"/>
+                </a:solidFill>
+                <a:latin typeface="Consolas" panose="020B0609020204030204" pitchFamily="49" charset="0"/>
+              </a:rPr>
+              <a:t>&gt;</a:t>
+            </a:r>
+          </a:p>
+          <a:p>
+            <a:r>
+              <a:rPr lang="en-US" dirty="0"/>
+              <a:t>P</a:t>
+            </a:r>
+            <a:r>
+              <a:rPr lang="en-GB" dirty="0" err="1"/>
+              <a:t>oziv</a:t>
+            </a:r>
+            <a:r>
+              <a:rPr lang="en-GB" dirty="0"/>
+              <a:t> </a:t>
+            </a:r>
+            <a:r>
+              <a:rPr lang="en-GB" dirty="0" err="1"/>
+              <a:t>componente</a:t>
+            </a:r>
+            <a:endParaRPr lang="en-GB" dirty="0"/>
+          </a:p>
+        </p:txBody>
+      </p:sp>
+      <p:sp>
+        <p:nvSpPr>
+          <p:cNvPr id="7" name="TextBox 6">
+            <a:extLst>
+              <a:ext uri="{FF2B5EF4-FFF2-40B4-BE49-F238E27FC236}">
+                <a16:creationId xmlns:a16="http://schemas.microsoft.com/office/drawing/2014/main" id="{831CC7B9-605C-4759-A509-471CE1D6C780}"/>
+              </a:ext>
+            </a:extLst>
+          </p:cNvPr>
+          <p:cNvSpPr txBox="1"/>
+          <p:nvPr/>
+        </p:nvSpPr>
+        <p:spPr>
+          <a:xfrm>
+            <a:off x="4427263" y="4296603"/>
+            <a:ext cx="3730508" cy="646331"/>
+          </a:xfrm>
+          <a:prstGeom prst="rect">
+            <a:avLst/>
+          </a:prstGeom>
+          <a:noFill/>
+        </p:spPr>
+        <p:txBody>
+          <a:bodyPr wrap="none" rtlCol="0">
+            <a:spAutoFit/>
+          </a:bodyPr>
+          <a:lstStyle/>
+          <a:p>
+            <a:r>
+              <a:rPr lang="en-GB" dirty="0">
+                <a:solidFill>
+                  <a:srgbClr val="EBDBB2"/>
+                </a:solidFill>
+                <a:latin typeface="Consolas" panose="020B0609020204030204" pitchFamily="49" charset="0"/>
+              </a:rPr>
+              <a:t>.</a:t>
+            </a:r>
+            <a:r>
+              <a:rPr lang="en-GB" dirty="0">
+                <a:solidFill>
+                  <a:srgbClr val="FABD2F"/>
+                </a:solidFill>
+                <a:latin typeface="Consolas" panose="020B0609020204030204" pitchFamily="49" charset="0"/>
+              </a:rPr>
+              <a:t>component</a:t>
+            </a:r>
+            <a:r>
+              <a:rPr lang="en-GB" dirty="0">
+                <a:solidFill>
+                  <a:srgbClr val="F2E5BC"/>
+                </a:solidFill>
+                <a:latin typeface="Consolas" panose="020B0609020204030204" pitchFamily="49" charset="0"/>
+              </a:rPr>
+              <a:t>(</a:t>
+            </a:r>
+            <a:r>
+              <a:rPr lang="en-GB" dirty="0">
+                <a:solidFill>
+                  <a:srgbClr val="EBDBB2"/>
+                </a:solidFill>
+                <a:latin typeface="Consolas" panose="020B0609020204030204" pitchFamily="49" charset="0"/>
+              </a:rPr>
+              <a:t>'</a:t>
+            </a:r>
+            <a:r>
+              <a:rPr lang="en-GB" dirty="0" err="1">
+                <a:solidFill>
+                  <a:srgbClr val="B8BB26"/>
+                </a:solidFill>
+                <a:latin typeface="Consolas" panose="020B0609020204030204" pitchFamily="49" charset="0"/>
+              </a:rPr>
+              <a:t>helloWorld</a:t>
+            </a:r>
+            <a:r>
+              <a:rPr lang="en-GB" dirty="0">
+                <a:solidFill>
+                  <a:srgbClr val="EBDBB2"/>
+                </a:solidFill>
+                <a:latin typeface="Consolas" panose="020B0609020204030204" pitchFamily="49" charset="0"/>
+              </a:rPr>
+              <a:t>’,</a:t>
+            </a:r>
+            <a:r>
+              <a:rPr lang="en-GB" dirty="0">
+                <a:solidFill>
+                  <a:srgbClr val="F2E5BC"/>
+                </a:solidFill>
+                <a:latin typeface="Consolas" panose="020B0609020204030204" pitchFamily="49" charset="0"/>
+              </a:rPr>
+              <a:t> </a:t>
+            </a:r>
+            <a:r>
+              <a:rPr lang="en-GB" dirty="0">
+                <a:solidFill>
+                  <a:srgbClr val="EBDBB2"/>
+                </a:solidFill>
+                <a:latin typeface="Consolas" panose="020B0609020204030204" pitchFamily="49" charset="0"/>
+              </a:rPr>
+              <a:t>{})</a:t>
+            </a:r>
+          </a:p>
+          <a:p>
+            <a:r>
+              <a:rPr lang="en-US" dirty="0" err="1"/>
+              <a:t>Inicijalizacija</a:t>
+            </a:r>
+            <a:r>
+              <a:rPr lang="en-US" dirty="0"/>
+              <a:t> </a:t>
+            </a:r>
+            <a:r>
+              <a:rPr lang="en-US" dirty="0" err="1"/>
+              <a:t>komponente</a:t>
+            </a:r>
+            <a:endParaRPr lang="en-GB" dirty="0"/>
+          </a:p>
+        </p:txBody>
+      </p:sp>
+      <p:sp>
+        <p:nvSpPr>
+          <p:cNvPr id="8" name="TextBox 7">
+            <a:extLst>
+              <a:ext uri="{FF2B5EF4-FFF2-40B4-BE49-F238E27FC236}">
+                <a16:creationId xmlns:a16="http://schemas.microsoft.com/office/drawing/2014/main" id="{C7EA02CF-C033-4D77-9FEC-6ED321564D62}"/>
+              </a:ext>
+            </a:extLst>
+          </p:cNvPr>
+          <p:cNvSpPr txBox="1"/>
+          <p:nvPr/>
+        </p:nvSpPr>
+        <p:spPr>
+          <a:xfrm>
+            <a:off x="4427263" y="5104813"/>
+            <a:ext cx="6896440" cy="1477328"/>
+          </a:xfrm>
+          <a:prstGeom prst="rect">
+            <a:avLst/>
+          </a:prstGeom>
+          <a:noFill/>
+        </p:spPr>
+        <p:txBody>
+          <a:bodyPr wrap="none" rtlCol="0">
+            <a:spAutoFit/>
+          </a:bodyPr>
+          <a:lstStyle/>
+          <a:p>
+            <a:r>
+              <a:rPr lang="en-GB" dirty="0">
+                <a:solidFill>
+                  <a:srgbClr val="F2E5BC"/>
+                </a:solidFill>
+                <a:latin typeface="Consolas" panose="020B0609020204030204" pitchFamily="49" charset="0"/>
+              </a:rPr>
+              <a:t>template</a:t>
+            </a:r>
+            <a:r>
+              <a:rPr lang="en-GB" dirty="0">
+                <a:solidFill>
+                  <a:srgbClr val="EBDBB2"/>
+                </a:solidFill>
+                <a:latin typeface="Consolas" panose="020B0609020204030204" pitchFamily="49" charset="0"/>
+              </a:rPr>
+              <a:t>:</a:t>
+            </a:r>
+            <a:r>
+              <a:rPr lang="en-GB" dirty="0">
+                <a:solidFill>
+                  <a:srgbClr val="F2E5BC"/>
+                </a:solidFill>
+                <a:latin typeface="Consolas" panose="020B0609020204030204" pitchFamily="49" charset="0"/>
+              </a:rPr>
+              <a:t> </a:t>
+            </a:r>
+            <a:r>
+              <a:rPr lang="en-GB" dirty="0">
+                <a:solidFill>
+                  <a:srgbClr val="EBDBB2"/>
+                </a:solidFill>
+                <a:latin typeface="Consolas" panose="020B0609020204030204" pitchFamily="49" charset="0"/>
+              </a:rPr>
+              <a:t>'</a:t>
+            </a:r>
+            <a:r>
+              <a:rPr lang="en-GB" dirty="0">
+                <a:solidFill>
+                  <a:srgbClr val="B8BB26"/>
+                </a:solidFill>
+                <a:latin typeface="Consolas" panose="020B0609020204030204" pitchFamily="49" charset="0"/>
+              </a:rPr>
+              <a:t>Hello, {{user}}!</a:t>
+            </a:r>
+            <a:r>
+              <a:rPr lang="en-GB" dirty="0">
+                <a:solidFill>
+                  <a:srgbClr val="EBDBB2"/>
+                </a:solidFill>
+                <a:latin typeface="Consolas" panose="020B0609020204030204" pitchFamily="49" charset="0"/>
+              </a:rPr>
+              <a:t>’, </a:t>
+            </a:r>
+            <a:r>
+              <a:rPr lang="en-GB" dirty="0"/>
+              <a:t>-&gt; </a:t>
+            </a:r>
+            <a:r>
+              <a:rPr lang="en-GB" dirty="0" err="1"/>
+              <a:t>Dodavanje</a:t>
+            </a:r>
+            <a:r>
+              <a:rPr lang="en-GB" dirty="0"/>
+              <a:t> template-a</a:t>
+            </a:r>
+          </a:p>
+          <a:p>
+            <a:r>
+              <a:rPr lang="en-GB" dirty="0">
+                <a:solidFill>
+                  <a:srgbClr val="FABD2F"/>
+                </a:solidFill>
+                <a:latin typeface="Consolas" panose="020B0609020204030204" pitchFamily="49" charset="0"/>
+              </a:rPr>
+              <a:t>controller</a:t>
+            </a:r>
+            <a:r>
+              <a:rPr lang="en-GB" dirty="0">
+                <a:solidFill>
+                  <a:srgbClr val="EBDBB2"/>
+                </a:solidFill>
+                <a:latin typeface="Consolas" panose="020B0609020204030204" pitchFamily="49" charset="0"/>
+              </a:rPr>
+              <a:t>:</a:t>
+            </a:r>
+            <a:r>
+              <a:rPr lang="en-GB" dirty="0">
+                <a:solidFill>
+                  <a:srgbClr val="F2E5BC"/>
+                </a:solidFill>
+                <a:latin typeface="Consolas" panose="020B0609020204030204" pitchFamily="49" charset="0"/>
+              </a:rPr>
+              <a:t> </a:t>
+            </a:r>
+            <a:r>
+              <a:rPr lang="en-GB" dirty="0">
+                <a:solidFill>
+                  <a:srgbClr val="7EC16E"/>
+                </a:solidFill>
+                <a:latin typeface="Consolas" panose="020B0609020204030204" pitchFamily="49" charset="0"/>
+              </a:rPr>
+              <a:t>function</a:t>
+            </a:r>
+            <a:r>
+              <a:rPr lang="en-GB" dirty="0">
+                <a:solidFill>
+                  <a:srgbClr val="F2E5BC"/>
+                </a:solidFill>
+                <a:latin typeface="Consolas" panose="020B0609020204030204" pitchFamily="49" charset="0"/>
+              </a:rPr>
+              <a:t> </a:t>
+            </a:r>
+            <a:r>
+              <a:rPr lang="en-GB" dirty="0" err="1">
+                <a:solidFill>
+                  <a:srgbClr val="FABD2F"/>
+                </a:solidFill>
+                <a:latin typeface="Consolas" panose="020B0609020204030204" pitchFamily="49" charset="0"/>
+              </a:rPr>
+              <a:t>HelloWorldController</a:t>
+            </a:r>
+            <a:r>
+              <a:rPr lang="en-GB" dirty="0">
+                <a:solidFill>
+                  <a:srgbClr val="EBDBB2"/>
+                </a:solidFill>
+                <a:latin typeface="Consolas" panose="020B0609020204030204" pitchFamily="49" charset="0"/>
+              </a:rPr>
+              <a:t>(</a:t>
+            </a:r>
+            <a:r>
+              <a:rPr lang="en-GB" dirty="0">
+                <a:solidFill>
+                  <a:srgbClr val="99C6CA"/>
+                </a:solidFill>
+                <a:latin typeface="Consolas" panose="020B0609020204030204" pitchFamily="49" charset="0"/>
+              </a:rPr>
+              <a:t>$scope</a:t>
+            </a:r>
+            <a:r>
+              <a:rPr lang="en-GB" dirty="0">
+                <a:solidFill>
+                  <a:srgbClr val="EBDBB2"/>
+                </a:solidFill>
+                <a:latin typeface="Consolas" panose="020B0609020204030204" pitchFamily="49" charset="0"/>
+              </a:rPr>
+              <a:t>)</a:t>
+            </a:r>
+            <a:r>
+              <a:rPr lang="en-GB" dirty="0">
+                <a:solidFill>
+                  <a:srgbClr val="F2E5BC"/>
+                </a:solidFill>
+                <a:latin typeface="Consolas" panose="020B0609020204030204" pitchFamily="49" charset="0"/>
+              </a:rPr>
+              <a:t> </a:t>
+            </a:r>
+            <a:r>
+              <a:rPr lang="en-GB" dirty="0">
+                <a:solidFill>
+                  <a:srgbClr val="EBDBB2"/>
+                </a:solidFill>
+                <a:latin typeface="Consolas" panose="020B0609020204030204" pitchFamily="49" charset="0"/>
+              </a:rPr>
+              <a:t>{</a:t>
+            </a:r>
+            <a:endParaRPr lang="en-GB" dirty="0">
+              <a:solidFill>
+                <a:srgbClr val="F2E5BC"/>
+              </a:solidFill>
+              <a:latin typeface="Consolas" panose="020B0609020204030204" pitchFamily="49" charset="0"/>
+            </a:endParaRPr>
+          </a:p>
+          <a:p>
+            <a:r>
+              <a:rPr lang="en-GB" dirty="0">
+                <a:solidFill>
+                  <a:srgbClr val="99C6CA"/>
+                </a:solidFill>
+                <a:latin typeface="Consolas" panose="020B0609020204030204" pitchFamily="49" charset="0"/>
+              </a:rPr>
+              <a:t>    $</a:t>
+            </a:r>
+            <a:r>
+              <a:rPr lang="en-GB" dirty="0" err="1">
+                <a:solidFill>
+                  <a:srgbClr val="99C6CA"/>
+                </a:solidFill>
+                <a:latin typeface="Consolas" panose="020B0609020204030204" pitchFamily="49" charset="0"/>
+              </a:rPr>
+              <a:t>scope</a:t>
+            </a:r>
+            <a:r>
+              <a:rPr lang="en-GB" dirty="0" err="1">
+                <a:solidFill>
+                  <a:srgbClr val="EBDBB2"/>
+                </a:solidFill>
+                <a:latin typeface="Consolas" panose="020B0609020204030204" pitchFamily="49" charset="0"/>
+              </a:rPr>
+              <a:t>.</a:t>
+            </a:r>
+            <a:r>
+              <a:rPr lang="en-GB" dirty="0" err="1">
+                <a:solidFill>
+                  <a:srgbClr val="99C6CA"/>
+                </a:solidFill>
+                <a:latin typeface="Consolas" panose="020B0609020204030204" pitchFamily="49" charset="0"/>
+              </a:rPr>
+              <a:t>user</a:t>
+            </a:r>
+            <a:r>
+              <a:rPr lang="en-GB" dirty="0">
+                <a:solidFill>
+                  <a:srgbClr val="F2E5BC"/>
+                </a:solidFill>
+                <a:latin typeface="Consolas" panose="020B0609020204030204" pitchFamily="49" charset="0"/>
+              </a:rPr>
+              <a:t> </a:t>
+            </a:r>
+            <a:r>
+              <a:rPr lang="en-GB" dirty="0">
+                <a:solidFill>
+                  <a:srgbClr val="7EC16E"/>
+                </a:solidFill>
+                <a:latin typeface="Consolas" panose="020B0609020204030204" pitchFamily="49" charset="0"/>
+              </a:rPr>
+              <a:t>=</a:t>
+            </a:r>
+            <a:r>
+              <a:rPr lang="en-GB" dirty="0">
+                <a:solidFill>
+                  <a:srgbClr val="F2E5BC"/>
+                </a:solidFill>
+                <a:latin typeface="Consolas" panose="020B0609020204030204" pitchFamily="49" charset="0"/>
+              </a:rPr>
+              <a:t> </a:t>
+            </a:r>
+            <a:r>
+              <a:rPr lang="en-GB" dirty="0">
+                <a:solidFill>
+                  <a:srgbClr val="EBDBB2"/>
+                </a:solidFill>
+                <a:latin typeface="Consolas" panose="020B0609020204030204" pitchFamily="49" charset="0"/>
+              </a:rPr>
+              <a:t>'</a:t>
+            </a:r>
+            <a:r>
+              <a:rPr lang="en-GB" dirty="0">
+                <a:solidFill>
+                  <a:srgbClr val="B8BB26"/>
+                </a:solidFill>
+                <a:latin typeface="Consolas" panose="020B0609020204030204" pitchFamily="49" charset="0"/>
+              </a:rPr>
+              <a:t>world</a:t>
+            </a:r>
+            <a:r>
+              <a:rPr lang="en-GB" dirty="0">
+                <a:solidFill>
+                  <a:srgbClr val="EBDBB2"/>
+                </a:solidFill>
+                <a:latin typeface="Consolas" panose="020B0609020204030204" pitchFamily="49" charset="0"/>
+              </a:rPr>
+              <a:t>';</a:t>
+            </a:r>
+            <a:endParaRPr lang="en-GB" dirty="0">
+              <a:solidFill>
+                <a:srgbClr val="F2E5BC"/>
+              </a:solidFill>
+              <a:latin typeface="Consolas" panose="020B0609020204030204" pitchFamily="49" charset="0"/>
+            </a:endParaRPr>
+          </a:p>
+          <a:p>
+            <a:r>
+              <a:rPr lang="en-GB" dirty="0">
+                <a:solidFill>
+                  <a:srgbClr val="EBDBB2"/>
+                </a:solidFill>
+                <a:latin typeface="Consolas" panose="020B0609020204030204" pitchFamily="49" charset="0"/>
+              </a:rPr>
+              <a:t>}</a:t>
+            </a:r>
+            <a:endParaRPr lang="en-GB" dirty="0">
+              <a:solidFill>
+                <a:srgbClr val="F2E5BC"/>
+              </a:solidFill>
+              <a:latin typeface="Consolas" panose="020B0609020204030204" pitchFamily="49" charset="0"/>
+            </a:endParaRPr>
+          </a:p>
+          <a:p>
+            <a:r>
+              <a:rPr lang="en-US" dirty="0" err="1"/>
+              <a:t>Inicijalizacija</a:t>
+            </a:r>
+            <a:r>
+              <a:rPr lang="en-US" dirty="0"/>
+              <a:t> </a:t>
+            </a:r>
+            <a:r>
+              <a:rPr lang="en-US" dirty="0" err="1"/>
+              <a:t>kontrolerta</a:t>
+            </a:r>
+            <a:r>
+              <a:rPr lang="en-US" dirty="0"/>
+              <a:t> </a:t>
+            </a:r>
+            <a:r>
+              <a:rPr lang="sr-Latn-RS" dirty="0"/>
+              <a:t>što ste već videli na prethodnom predavanju</a:t>
+            </a:r>
+            <a:endParaRPr lang="en-GB" dirty="0"/>
+          </a:p>
+        </p:txBody>
+      </p:sp>
       <p:pic>
         <p:nvPicPr>
-          <p:cNvPr id="5" name="Picture 4">
+          <p:cNvPr id="10" name="Picture 9">
             <a:extLst>
               <a:ext uri="{FF2B5EF4-FFF2-40B4-BE49-F238E27FC236}">
-                <a16:creationId xmlns:a16="http://schemas.microsoft.com/office/drawing/2014/main" id="{931A4397-44A9-4809-84B1-3FDB0CFE37CB}"/>
+                <a16:creationId xmlns:a16="http://schemas.microsoft.com/office/drawing/2014/main" id="{4DF45F9C-7AE2-4EB9-A91D-0933E62DA037}"/>
               </a:ext>
             </a:extLst>
           </p:cNvPr>
@@ -9243,14 +9844,142 @@
         </p:blipFill>
         <p:spPr>
           <a:xfrm>
-            <a:off x="747957" y="4349612"/>
-            <a:ext cx="4333875" cy="1657350"/>
+            <a:off x="363644" y="4296603"/>
+            <a:ext cx="3952875" cy="1238250"/>
           </a:xfrm>
           <a:prstGeom prst="rect">
             <a:avLst/>
           </a:prstGeom>
         </p:spPr>
       </p:pic>
+      <p:sp>
+        <p:nvSpPr>
+          <p:cNvPr id="11" name="Rectangle 10">
+            <a:extLst>
+              <a:ext uri="{FF2B5EF4-FFF2-40B4-BE49-F238E27FC236}">
+                <a16:creationId xmlns:a16="http://schemas.microsoft.com/office/drawing/2014/main" id="{40FCEF23-5F63-44A7-8742-D95C758C1464}"/>
+              </a:ext>
+            </a:extLst>
+          </p:cNvPr>
+          <p:cNvSpPr/>
+          <p:nvPr/>
+        </p:nvSpPr>
+        <p:spPr>
+          <a:xfrm>
+            <a:off x="6433382" y="473697"/>
+            <a:ext cx="5503430" cy="646331"/>
+          </a:xfrm>
+          <a:prstGeom prst="rect">
+            <a:avLst/>
+          </a:prstGeom>
+        </p:spPr>
+        <p:txBody>
+          <a:bodyPr wrap="none">
+            <a:spAutoFit/>
+          </a:bodyPr>
+          <a:lstStyle/>
+          <a:p>
+            <a:r>
+              <a:rPr lang="en-GB" dirty="0">
+                <a:solidFill>
+                  <a:srgbClr val="EBDBB2"/>
+                </a:solidFill>
+                <a:latin typeface="Consolas" panose="020B0609020204030204" pitchFamily="49" charset="0"/>
+              </a:rPr>
+              <a:t>&lt;</a:t>
+            </a:r>
+            <a:r>
+              <a:rPr lang="en-GB" dirty="0">
+                <a:solidFill>
+                  <a:srgbClr val="FABD2F"/>
+                </a:solidFill>
+                <a:latin typeface="Consolas" panose="020B0609020204030204" pitchFamily="49" charset="0"/>
+              </a:rPr>
+              <a:t>script</a:t>
+            </a:r>
+            <a:r>
+              <a:rPr lang="en-GB" dirty="0">
+                <a:solidFill>
+                  <a:srgbClr val="F2E5BC"/>
+                </a:solidFill>
+                <a:latin typeface="Consolas" panose="020B0609020204030204" pitchFamily="49" charset="0"/>
+              </a:rPr>
+              <a:t> </a:t>
+            </a:r>
+            <a:r>
+              <a:rPr lang="en-GB" dirty="0" err="1">
+                <a:solidFill>
+                  <a:srgbClr val="7EC16E"/>
+                </a:solidFill>
+                <a:latin typeface="Consolas" panose="020B0609020204030204" pitchFamily="49" charset="0"/>
+              </a:rPr>
+              <a:t>src</a:t>
+            </a:r>
+            <a:r>
+              <a:rPr lang="en-GB" dirty="0">
+                <a:solidFill>
+                  <a:srgbClr val="EBDBB2"/>
+                </a:solidFill>
+                <a:latin typeface="Consolas" panose="020B0609020204030204" pitchFamily="49" charset="0"/>
+              </a:rPr>
+              <a:t>="</a:t>
+            </a:r>
+            <a:r>
+              <a:rPr lang="en-GB" dirty="0">
+                <a:solidFill>
+                  <a:srgbClr val="B8BB26"/>
+                </a:solidFill>
+                <a:latin typeface="Consolas" panose="020B0609020204030204" pitchFamily="49" charset="0"/>
+              </a:rPr>
+              <a:t>simpleComponent.js</a:t>
+            </a:r>
+            <a:r>
+              <a:rPr lang="en-GB" dirty="0">
+                <a:solidFill>
+                  <a:srgbClr val="EBDBB2"/>
+                </a:solidFill>
+                <a:latin typeface="Consolas" panose="020B0609020204030204" pitchFamily="49" charset="0"/>
+              </a:rPr>
+              <a:t>"&gt;&lt;/</a:t>
+            </a:r>
+            <a:r>
+              <a:rPr lang="en-GB" dirty="0">
+                <a:solidFill>
+                  <a:srgbClr val="FABD2F"/>
+                </a:solidFill>
+                <a:latin typeface="Consolas" panose="020B0609020204030204" pitchFamily="49" charset="0"/>
+              </a:rPr>
+              <a:t>script</a:t>
+            </a:r>
+            <a:r>
+              <a:rPr lang="en-GB" dirty="0">
+                <a:solidFill>
+                  <a:srgbClr val="EBDBB2"/>
+                </a:solidFill>
+                <a:latin typeface="Consolas" panose="020B0609020204030204" pitchFamily="49" charset="0"/>
+              </a:rPr>
+              <a:t>&gt;</a:t>
+            </a:r>
+            <a:endParaRPr lang="sr-Latn-RS" dirty="0">
+              <a:solidFill>
+                <a:srgbClr val="EBDBB2"/>
+              </a:solidFill>
+              <a:latin typeface="Consolas" panose="020B0609020204030204" pitchFamily="49" charset="0"/>
+            </a:endParaRPr>
+          </a:p>
+          <a:p>
+            <a:r>
+              <a:rPr lang="sr-Latn-RS" b="0" dirty="0">
+                <a:effectLst/>
+              </a:rPr>
+              <a:t>Pozivanje skripte u kojoj se nalazi komponenta</a:t>
+            </a:r>
+            <a:endParaRPr lang="en-GB" b="0" dirty="0">
+              <a:effectLst/>
+            </a:endParaRPr>
+          </a:p>
+        </p:txBody>
+      </p:sp>
     </p:spTree>
     <p:extLst>
       <p:ext uri="{BB962C8B-B14F-4D97-AF65-F5344CB8AC3E}">
@@ -9281,6 +10010,300 @@
           <a:chExt cx="0" cy="0"/>
         </a:xfrm>
       </p:grpSpPr>
+      <p:pic>
+        <p:nvPicPr>
+          <p:cNvPr id="3" name="Picture 2">
+            <a:extLst>
+              <a:ext uri="{FF2B5EF4-FFF2-40B4-BE49-F238E27FC236}">
+                <a16:creationId xmlns:a16="http://schemas.microsoft.com/office/drawing/2014/main" id="{42E7AFF1-09D7-4EE1-9C11-06B52C7C01DA}"/>
+              </a:ext>
+            </a:extLst>
+          </p:cNvPr>
+          <p:cNvPicPr>
+            <a:picLocks noChangeAspect="1"/>
+          </p:cNvPicPr>
+          <p:nvPr/>
+        </p:nvPicPr>
+        <p:blipFill>
+          <a:blip r:embed="rId2">
+            <a:extLst>
+              <a:ext uri="{28A0092B-C50C-407E-A947-70E740481C1C}">
+                <a14:useLocalDpi xmlns:a14="http://schemas.microsoft.com/office/drawing/2010/main" val="0"/>
+              </a:ext>
+            </a:extLst>
+          </a:blip>
+          <a:stretch>
+            <a:fillRect/>
+          </a:stretch>
+        </p:blipFill>
+        <p:spPr>
+          <a:xfrm>
+            <a:off x="867946" y="970648"/>
+            <a:ext cx="4848225" cy="2743200"/>
+          </a:xfrm>
+          <a:prstGeom prst="rect">
+            <a:avLst/>
+          </a:prstGeom>
+        </p:spPr>
+      </p:pic>
+      <p:sp>
+        <p:nvSpPr>
+          <p:cNvPr id="8" name="TextBox 7">
+            <a:extLst>
+              <a:ext uri="{FF2B5EF4-FFF2-40B4-BE49-F238E27FC236}">
+                <a16:creationId xmlns:a16="http://schemas.microsoft.com/office/drawing/2014/main" id="{24B27E01-70D6-420C-8770-97845672F20E}"/>
+              </a:ext>
+            </a:extLst>
+          </p:cNvPr>
+          <p:cNvSpPr txBox="1"/>
+          <p:nvPr/>
+        </p:nvSpPr>
+        <p:spPr>
+          <a:xfrm>
+            <a:off x="3292059" y="77075"/>
+            <a:ext cx="5607882" cy="369332"/>
+          </a:xfrm>
+          <a:prstGeom prst="rect">
+            <a:avLst/>
+          </a:prstGeom>
+          <a:noFill/>
+        </p:spPr>
+        <p:txBody>
+          <a:bodyPr wrap="none" rtlCol="0">
+            <a:spAutoFit/>
+          </a:bodyPr>
+          <a:lstStyle/>
+          <a:p>
+            <a:r>
+              <a:rPr lang="en-US" dirty="0" err="1"/>
+              <a:t>Konvertovanje</a:t>
+            </a:r>
+            <a:r>
+              <a:rPr lang="sr-Latn-RS" dirty="0"/>
+              <a:t> template, kontroler zadatka u komponentu</a:t>
+            </a:r>
+            <a:endParaRPr lang="en-GB" dirty="0"/>
+          </a:p>
+        </p:txBody>
+      </p:sp>
+      <p:pic>
+        <p:nvPicPr>
+          <p:cNvPr id="10" name="Picture 9">
+            <a:extLst>
+              <a:ext uri="{FF2B5EF4-FFF2-40B4-BE49-F238E27FC236}">
+                <a16:creationId xmlns:a16="http://schemas.microsoft.com/office/drawing/2014/main" id="{2398CF58-11BA-4EF9-BA8E-16F7290AFEC8}"/>
+              </a:ext>
+            </a:extLst>
+          </p:cNvPr>
+          <p:cNvPicPr>
+            <a:picLocks noChangeAspect="1"/>
+          </p:cNvPicPr>
+          <p:nvPr/>
+        </p:nvPicPr>
+        <p:blipFill>
+          <a:blip r:embed="rId3">
+            <a:extLst>
+              <a:ext uri="{28A0092B-C50C-407E-A947-70E740481C1C}">
+                <a14:useLocalDpi xmlns:a14="http://schemas.microsoft.com/office/drawing/2010/main" val="0"/>
+              </a:ext>
+            </a:extLst>
+          </a:blip>
+          <a:stretch>
+            <a:fillRect/>
+          </a:stretch>
+        </p:blipFill>
+        <p:spPr>
+          <a:xfrm>
+            <a:off x="867946" y="4333183"/>
+            <a:ext cx="2657475" cy="962025"/>
+          </a:xfrm>
+          <a:prstGeom prst="rect">
+            <a:avLst/>
+          </a:prstGeom>
+        </p:spPr>
+      </p:pic>
+      <p:pic>
+        <p:nvPicPr>
+          <p:cNvPr id="13" name="Picture 12">
+            <a:extLst>
+              <a:ext uri="{FF2B5EF4-FFF2-40B4-BE49-F238E27FC236}">
+                <a16:creationId xmlns:a16="http://schemas.microsoft.com/office/drawing/2014/main" id="{7E5FADBD-3E91-4A8E-BC15-12D03CC92B2B}"/>
+              </a:ext>
+            </a:extLst>
+          </p:cNvPr>
+          <p:cNvPicPr>
+            <a:picLocks noChangeAspect="1"/>
+          </p:cNvPicPr>
+          <p:nvPr/>
+        </p:nvPicPr>
+        <p:blipFill>
+          <a:blip r:embed="rId4">
+            <a:extLst>
+              <a:ext uri="{28A0092B-C50C-407E-A947-70E740481C1C}">
+                <a14:useLocalDpi xmlns:a14="http://schemas.microsoft.com/office/drawing/2010/main" val="0"/>
+              </a:ext>
+            </a:extLst>
+          </a:blip>
+          <a:stretch>
+            <a:fillRect/>
+          </a:stretch>
+        </p:blipFill>
+        <p:spPr>
+          <a:xfrm>
+            <a:off x="6475831" y="970648"/>
+            <a:ext cx="4152900" cy="2924175"/>
+          </a:xfrm>
+          <a:prstGeom prst="rect">
+            <a:avLst/>
+          </a:prstGeom>
+        </p:spPr>
+      </p:pic>
+      <p:sp>
+        <p:nvSpPr>
+          <p:cNvPr id="15" name="TextBox 14">
+            <a:extLst>
+              <a:ext uri="{FF2B5EF4-FFF2-40B4-BE49-F238E27FC236}">
+                <a16:creationId xmlns:a16="http://schemas.microsoft.com/office/drawing/2014/main" id="{C3B66634-A1D4-4B73-82DB-2CCC946AD9D2}"/>
+              </a:ext>
+            </a:extLst>
+          </p:cNvPr>
+          <p:cNvSpPr txBox="1"/>
+          <p:nvPr/>
+        </p:nvSpPr>
+        <p:spPr>
+          <a:xfrm>
+            <a:off x="867946" y="601316"/>
+            <a:ext cx="1188980" cy="369332"/>
+          </a:xfrm>
+          <a:prstGeom prst="rect">
+            <a:avLst/>
+          </a:prstGeom>
+          <a:noFill/>
+        </p:spPr>
+        <p:txBody>
+          <a:bodyPr wrap="none" rtlCol="0">
+            <a:spAutoFit/>
+          </a:bodyPr>
+          <a:lstStyle/>
+          <a:p>
+            <a:r>
+              <a:rPr lang="en-US" dirty="0"/>
+              <a:t>Index.html</a:t>
+            </a:r>
+            <a:endParaRPr lang="en-GB" dirty="0"/>
+          </a:p>
+        </p:txBody>
+      </p:sp>
+      <p:sp>
+        <p:nvSpPr>
+          <p:cNvPr id="17" name="TextBox 16">
+            <a:extLst>
+              <a:ext uri="{FF2B5EF4-FFF2-40B4-BE49-F238E27FC236}">
+                <a16:creationId xmlns:a16="http://schemas.microsoft.com/office/drawing/2014/main" id="{1DE5BE72-B230-4189-ADC6-C8FDD657D3B7}"/>
+              </a:ext>
+            </a:extLst>
+          </p:cNvPr>
+          <p:cNvSpPr txBox="1"/>
+          <p:nvPr/>
+        </p:nvSpPr>
+        <p:spPr>
+          <a:xfrm>
+            <a:off x="867946" y="3963851"/>
+            <a:ext cx="1860894" cy="369332"/>
+          </a:xfrm>
+          <a:prstGeom prst="rect">
+            <a:avLst/>
+          </a:prstGeom>
+          <a:noFill/>
+        </p:spPr>
+        <p:txBody>
+          <a:bodyPr wrap="none" rtlCol="0">
+            <a:spAutoFit/>
+          </a:bodyPr>
+          <a:lstStyle/>
+          <a:p>
+            <a:r>
+              <a:rPr lang="en-US" dirty="0"/>
+              <a:t>converComp.html</a:t>
+            </a:r>
+            <a:endParaRPr lang="en-GB" dirty="0"/>
+          </a:p>
+        </p:txBody>
+      </p:sp>
+      <p:sp>
+        <p:nvSpPr>
+          <p:cNvPr id="19" name="TextBox 18">
+            <a:extLst>
+              <a:ext uri="{FF2B5EF4-FFF2-40B4-BE49-F238E27FC236}">
+                <a16:creationId xmlns:a16="http://schemas.microsoft.com/office/drawing/2014/main" id="{1847842E-8AC6-473C-8DE9-3476FBA0A163}"/>
+              </a:ext>
+            </a:extLst>
+          </p:cNvPr>
+          <p:cNvSpPr txBox="1"/>
+          <p:nvPr/>
+        </p:nvSpPr>
+        <p:spPr>
+          <a:xfrm>
+            <a:off x="6475831" y="601316"/>
+            <a:ext cx="1905778" cy="369332"/>
+          </a:xfrm>
+          <a:prstGeom prst="rect">
+            <a:avLst/>
+          </a:prstGeom>
+          <a:noFill/>
+        </p:spPr>
+        <p:txBody>
+          <a:bodyPr wrap="none" rtlCol="0">
+            <a:spAutoFit/>
+          </a:bodyPr>
+          <a:lstStyle/>
+          <a:p>
+            <a:r>
+              <a:rPr lang="en-US" dirty="0" err="1"/>
+              <a:t>appComponent</a:t>
+            </a:r>
+            <a:r>
+              <a:rPr lang="en-US" dirty="0"/>
+              <a:t>..</a:t>
+            </a:r>
+            <a:r>
+              <a:rPr lang="en-US" dirty="0" err="1"/>
+              <a:t>js</a:t>
+            </a:r>
+            <a:endParaRPr lang="en-GB" dirty="0"/>
+          </a:p>
+        </p:txBody>
+      </p:sp>
+    </p:spTree>
+    <p:extLst>
+      <p:ext uri="{BB962C8B-B14F-4D97-AF65-F5344CB8AC3E}">
+        <p14:creationId xmlns:p14="http://schemas.microsoft.com/office/powerpoint/2010/main" val="3390458270"/>
+      </p:ext>
+    </p:extLst>
+  </p:cSld>
+  <p:clrMapOvr>
+    <a:masterClrMapping/>
+  </p:clrMapOvr>
+</p:sld>
+</file>
+
+<file path=ppt/slides/slide16.xml><?xml version="1.0" encoding="utf-8"?>
+<p:sld xmlns:a="http://schemas.openxmlformats.org/drawingml/2006/main" xmlns:r="http://schemas.openxmlformats.org/officeDocument/2006/relationships" xmlns:p="http://schemas.openxmlformats.org/presentationml/2006/main">
+  <p:cSld>
+    <p:spTree>
+      <p:nvGrpSpPr>
+        <p:cNvPr id="1" name=""/>
+        <p:cNvGrpSpPr/>
+        <p:nvPr/>
+      </p:nvGrpSpPr>
+      <p:grpSpPr>
+        <a:xfrm>
+          <a:off x="0" y="0"/>
+          <a:ext cx="0" cy="0"/>
+          <a:chOff x="0" y="0"/>
+          <a:chExt cx="0" cy="0"/>
+        </a:xfrm>
+      </p:grpSpPr>
       <p:sp>
         <p:nvSpPr>
           <p:cNvPr id="2" name="Title 1">
@@ -9299,8 +10322,8 @@
         </p:nvSpPr>
         <p:spPr>
           <a:xfrm>
-            <a:off x="838200" y="365125"/>
-            <a:ext cx="10515600" cy="650875"/>
+            <a:off x="838200" y="190485"/>
+            <a:ext cx="10515600" cy="490552"/>
           </a:xfrm>
         </p:spPr>
         <p:txBody>
@@ -9336,14 +10359,599 @@
         </p:nvSpPr>
         <p:spPr>
           <a:xfrm>
-            <a:off x="838200" y="1146629"/>
-            <a:ext cx="10515600" cy="5030334"/>
+            <a:off x="838200" y="855678"/>
+            <a:ext cx="10515600" cy="5321285"/>
           </a:xfrm>
         </p:spPr>
         <p:txBody>
-          <a:bodyPr/>
+          <a:bodyPr>
+            <a:normAutofit fontScale="85000" lnSpcReduction="20000"/>
+          </a:bodyPr>
           <a:lstStyle/>
           <a:p>
+            <a:r>
+              <a:rPr lang="en-US" dirty="0" err="1"/>
+              <a:t>Filteri</a:t>
+            </a:r>
+            <a:r>
+              <a:rPr lang="en-US" dirty="0"/>
+              <a:t> </a:t>
+            </a:r>
+            <a:r>
+              <a:rPr lang="en-US" dirty="0" err="1"/>
+              <a:t>formatiraju</a:t>
+            </a:r>
+            <a:r>
+              <a:rPr lang="en-US" dirty="0"/>
+              <a:t> </a:t>
+            </a:r>
+            <a:r>
+              <a:rPr lang="en-US" dirty="0" err="1"/>
+              <a:t>vrednost</a:t>
+            </a:r>
+            <a:r>
+              <a:rPr lang="en-US" dirty="0"/>
+              <a:t> </a:t>
+            </a:r>
+            <a:r>
+              <a:rPr lang="en-US" dirty="0" err="1"/>
+              <a:t>izraza</a:t>
+            </a:r>
+            <a:r>
+              <a:rPr lang="en-US" dirty="0"/>
+              <a:t> </a:t>
+            </a:r>
+            <a:r>
+              <a:rPr lang="en-US" dirty="0" err="1"/>
+              <a:t>koji</a:t>
+            </a:r>
+            <a:r>
+              <a:rPr lang="en-US" dirty="0"/>
+              <a:t> se </a:t>
+            </a:r>
+            <a:r>
+              <a:rPr lang="en-US" dirty="0" err="1"/>
+              <a:t>prikazuju</a:t>
+            </a:r>
+            <a:r>
+              <a:rPr lang="en-US" dirty="0"/>
+              <a:t> </a:t>
+            </a:r>
+            <a:r>
+              <a:rPr lang="en-US" dirty="0" err="1"/>
+              <a:t>korisnicima</a:t>
+            </a:r>
+            <a:r>
+              <a:rPr lang="en-US" dirty="0"/>
+              <a:t>.</a:t>
+            </a:r>
+          </a:p>
+          <a:p>
+            <a:r>
+              <a:rPr lang="en-US" dirty="0" err="1"/>
+              <a:t>Mogu</a:t>
+            </a:r>
+            <a:r>
+              <a:rPr lang="en-US" dirty="0"/>
+              <a:t> da se </a:t>
+            </a:r>
+            <a:r>
+              <a:rPr lang="en-US" dirty="0" err="1"/>
+              <a:t>koriste</a:t>
+            </a:r>
+            <a:r>
+              <a:rPr lang="en-US" dirty="0"/>
+              <a:t> u template-</a:t>
+            </a:r>
+            <a:r>
+              <a:rPr lang="en-US" dirty="0" err="1"/>
+              <a:t>ima</a:t>
+            </a:r>
+            <a:r>
+              <a:rPr lang="en-US" dirty="0"/>
+              <a:t>, </a:t>
+            </a:r>
+            <a:r>
+              <a:rPr lang="en-US" dirty="0" err="1"/>
+              <a:t>kontrolerima</a:t>
+            </a:r>
+            <a:r>
+              <a:rPr lang="en-US" dirty="0"/>
+              <a:t> </a:t>
+            </a:r>
+            <a:r>
+              <a:rPr lang="en-US" dirty="0" err="1"/>
+              <a:t>i</a:t>
+            </a:r>
+            <a:r>
+              <a:rPr lang="en-US" dirty="0"/>
+              <a:t> </a:t>
+            </a:r>
+            <a:r>
+              <a:rPr lang="en-US" dirty="0" err="1"/>
+              <a:t>servisima</a:t>
+            </a:r>
+            <a:r>
+              <a:rPr lang="en-US" dirty="0"/>
+              <a:t>.</a:t>
+            </a:r>
+          </a:p>
+          <a:p>
+            <a:r>
+              <a:rPr lang="en-US" dirty="0"/>
+              <a:t>AngularJS </a:t>
+            </a:r>
+            <a:r>
+              <a:rPr lang="en-US" dirty="0" err="1"/>
+              <a:t>ima</a:t>
+            </a:r>
+            <a:r>
+              <a:rPr lang="en-US" dirty="0"/>
+              <a:t> </a:t>
+            </a:r>
+            <a:r>
+              <a:rPr lang="sr-Latn-RS" dirty="0"/>
+              <a:t>predefinisan set filtera koji su spremni za korišćenje, ali mogu da se pišu i </a:t>
+            </a:r>
+            <a:r>
+              <a:rPr lang="sr-Latn-RS" b="1" dirty="0"/>
+              <a:t>custom </a:t>
+            </a:r>
+            <a:r>
+              <a:rPr lang="sr-Latn-RS" dirty="0"/>
+              <a:t>filteri.</a:t>
+            </a:r>
+          </a:p>
+          <a:p>
+            <a:r>
+              <a:rPr lang="sr-Latn-RS" dirty="0"/>
+              <a:t>Neki od ugrađenih filtera</a:t>
+            </a:r>
+            <a:r>
+              <a:rPr lang="en-US" dirty="0"/>
+              <a:t>:</a:t>
+            </a:r>
+          </a:p>
+          <a:p>
+            <a:pPr lvl="1"/>
+            <a:r>
+              <a:rPr lang="en-US" dirty="0"/>
+              <a:t>filter -&gt; </a:t>
+            </a:r>
+            <a:r>
+              <a:rPr lang="en-US" dirty="0" err="1"/>
+              <a:t>selektuje</a:t>
+            </a:r>
+            <a:r>
+              <a:rPr lang="en-US" dirty="0"/>
+              <a:t> pod-set </a:t>
+            </a:r>
+            <a:r>
+              <a:rPr lang="en-US" dirty="0" err="1"/>
+              <a:t>niza</a:t>
+            </a:r>
+            <a:r>
+              <a:rPr lang="en-US" dirty="0"/>
+              <a:t> po </a:t>
+            </a:r>
+            <a:r>
+              <a:rPr lang="en-US" dirty="0" err="1"/>
+              <a:t>nekom</a:t>
+            </a:r>
+            <a:r>
+              <a:rPr lang="en-US" dirty="0"/>
+              <a:t> </a:t>
+            </a:r>
+            <a:r>
+              <a:rPr lang="en-US" dirty="0" err="1"/>
+              <a:t>kriterijumu</a:t>
+            </a:r>
+            <a:r>
+              <a:rPr lang="en-US" dirty="0"/>
+              <a:t> </a:t>
+            </a:r>
+            <a:r>
+              <a:rPr lang="en-US" dirty="0" err="1"/>
+              <a:t>i</a:t>
+            </a:r>
+            <a:r>
+              <a:rPr lang="en-US" dirty="0"/>
+              <a:t> </a:t>
+            </a:r>
+            <a:r>
+              <a:rPr lang="en-US" dirty="0" err="1"/>
+              <a:t>vra</a:t>
+            </a:r>
+            <a:r>
+              <a:rPr lang="sr-Latn-RS" dirty="0"/>
+              <a:t>ća novi niz</a:t>
+            </a:r>
+          </a:p>
+          <a:p>
+            <a:pPr lvl="1"/>
+            <a:r>
+              <a:rPr lang="en-US" dirty="0"/>
+              <a:t>c</a:t>
+            </a:r>
+            <a:r>
+              <a:rPr lang="sr-Latn-RS" dirty="0"/>
+              <a:t>urrency</a:t>
+            </a:r>
+            <a:r>
+              <a:rPr lang="en-US" dirty="0"/>
+              <a:t>:</a:t>
+            </a:r>
+            <a:r>
+              <a:rPr lang="en-US" dirty="0" err="1"/>
+              <a:t>valuta:pokretni</a:t>
+            </a:r>
+            <a:r>
+              <a:rPr lang="en-US" dirty="0"/>
+              <a:t> </a:t>
+            </a:r>
+            <a:r>
+              <a:rPr lang="en-US" dirty="0" err="1"/>
+              <a:t>zarez</a:t>
+            </a:r>
+            <a:r>
+              <a:rPr lang="en-US" dirty="0"/>
+              <a:t> (</a:t>
+            </a:r>
+            <a:r>
+              <a:rPr lang="en-GB" dirty="0"/>
+              <a:t>{{12 | currency:"DIN":2}}</a:t>
+            </a:r>
+            <a:r>
+              <a:rPr lang="en-US" dirty="0"/>
+              <a:t>) -&gt; </a:t>
+            </a:r>
+            <a:r>
+              <a:rPr lang="en-US" dirty="0" err="1"/>
+              <a:t>formatira</a:t>
+            </a:r>
+            <a:r>
+              <a:rPr lang="en-US" dirty="0"/>
+              <a:t> </a:t>
+            </a:r>
+            <a:r>
+              <a:rPr lang="en-US" dirty="0" err="1"/>
+              <a:t>broj</a:t>
+            </a:r>
+            <a:r>
+              <a:rPr lang="en-US" dirty="0"/>
+              <a:t> </a:t>
+            </a:r>
+            <a:r>
+              <a:rPr lang="en-US" dirty="0" err="1"/>
+              <a:t>kao</a:t>
+            </a:r>
+            <a:r>
+              <a:rPr lang="en-US" dirty="0"/>
+              <a:t> </a:t>
+            </a:r>
+            <a:r>
+              <a:rPr lang="en-US" dirty="0" err="1"/>
+              <a:t>valutu</a:t>
+            </a:r>
+            <a:endParaRPr lang="en-US" dirty="0"/>
+          </a:p>
+          <a:p>
+            <a:pPr lvl="1"/>
+            <a:r>
+              <a:rPr lang="en-US" dirty="0" err="1"/>
+              <a:t>number:pokretni</a:t>
+            </a:r>
+            <a:r>
+              <a:rPr lang="en-US" dirty="0"/>
+              <a:t> </a:t>
+            </a:r>
+            <a:r>
+              <a:rPr lang="en-US" dirty="0" err="1"/>
+              <a:t>zarez</a:t>
+            </a:r>
+            <a:r>
+              <a:rPr lang="en-US" dirty="0"/>
+              <a:t> ({{12 | number:2}}) -&gt; </a:t>
+            </a:r>
+            <a:r>
+              <a:rPr lang="en-US" dirty="0" err="1"/>
+              <a:t>formatira</a:t>
+            </a:r>
+            <a:r>
+              <a:rPr lang="en-US" dirty="0"/>
+              <a:t> </a:t>
+            </a:r>
+            <a:r>
+              <a:rPr lang="en-US" dirty="0" err="1"/>
+              <a:t>broj</a:t>
+            </a:r>
+            <a:endParaRPr lang="en-US" dirty="0"/>
+          </a:p>
+          <a:p>
+            <a:pPr lvl="1"/>
+            <a:r>
+              <a:rPr lang="en-US" dirty="0"/>
+              <a:t>date (</a:t>
+            </a:r>
+            <a:r>
+              <a:rPr lang="en-GB" dirty="0"/>
+              <a:t>{{'2019-01-25' | date:'</a:t>
+            </a:r>
+            <a:r>
+              <a:rPr lang="en-GB" dirty="0" err="1"/>
+              <a:t>yyyy</a:t>
+            </a:r>
+            <a:r>
+              <a:rPr lang="en-GB" dirty="0"/>
+              <a:t>-MM-dd </a:t>
+            </a:r>
+            <a:r>
+              <a:rPr lang="en-GB" dirty="0" err="1"/>
+              <a:t>HH:mm:ss</a:t>
+            </a:r>
+            <a:r>
+              <a:rPr lang="en-GB" dirty="0"/>
+              <a:t> Z'}}</a:t>
+            </a:r>
+            <a:r>
+              <a:rPr lang="en-US" dirty="0"/>
+              <a:t>) -&gt; </a:t>
+            </a:r>
+            <a:r>
+              <a:rPr lang="en-US" dirty="0" err="1"/>
+              <a:t>formatira</a:t>
+            </a:r>
+            <a:r>
+              <a:rPr lang="en-US" dirty="0"/>
+              <a:t> string u format za datum. Sam datum mora </a:t>
+            </a:r>
+            <a:r>
+              <a:rPr lang="en-US" dirty="0" err="1"/>
+              <a:t>biti</a:t>
+            </a:r>
+            <a:r>
+              <a:rPr lang="en-US" dirty="0"/>
+              <a:t> u </a:t>
+            </a:r>
+            <a:r>
+              <a:rPr lang="en-US" dirty="0" err="1"/>
+              <a:t>formatu</a:t>
+            </a:r>
+            <a:r>
+              <a:rPr lang="en-US" dirty="0"/>
+              <a:t> </a:t>
+            </a:r>
+            <a:r>
+              <a:rPr lang="en-US" dirty="0" err="1"/>
+              <a:t>milisekunde</a:t>
+            </a:r>
+            <a:r>
+              <a:rPr lang="en-US" dirty="0"/>
+              <a:t>, </a:t>
+            </a:r>
+            <a:r>
+              <a:rPr lang="en-US" dirty="0" err="1"/>
+              <a:t>ili</a:t>
+            </a:r>
+            <a:r>
+              <a:rPr lang="en-US" dirty="0"/>
+              <a:t> </a:t>
+            </a:r>
+            <a:r>
+              <a:rPr lang="en-GB" dirty="0" err="1"/>
+              <a:t>yyyy</a:t>
+            </a:r>
+            <a:r>
+              <a:rPr lang="en-GB" dirty="0"/>
+              <a:t>-MM-dd</a:t>
+            </a:r>
+          </a:p>
+          <a:p>
+            <a:pPr lvl="1"/>
+            <a:r>
+              <a:rPr lang="en-US" dirty="0"/>
+              <a:t>j</a:t>
+            </a:r>
+            <a:r>
+              <a:rPr lang="en-GB" dirty="0"/>
+              <a:t>son ({{ {'</a:t>
+            </a:r>
+            <a:r>
+              <a:rPr lang="en-GB" dirty="0" err="1"/>
+              <a:t>name':'Danilo</a:t>
+            </a:r>
+            <a:r>
+              <a:rPr lang="en-GB" dirty="0"/>
+              <a:t>', '</a:t>
+            </a:r>
+            <a:r>
+              <a:rPr lang="en-GB" dirty="0" err="1"/>
+              <a:t>lastName</a:t>
+            </a:r>
+            <a:r>
+              <a:rPr lang="en-GB" dirty="0"/>
+              <a:t>': 'Mogin'} | json }}) -&gt; </a:t>
+            </a:r>
+            <a:r>
+              <a:rPr lang="en-GB" dirty="0" err="1"/>
+              <a:t>konveruje</a:t>
+            </a:r>
+            <a:r>
+              <a:rPr lang="en-GB" dirty="0"/>
+              <a:t> JavaScript </a:t>
+            </a:r>
+            <a:r>
+              <a:rPr lang="en-GB" dirty="0" err="1"/>
+              <a:t>objekat</a:t>
+            </a:r>
+            <a:r>
+              <a:rPr lang="en-GB" dirty="0"/>
+              <a:t> u JSON string.</a:t>
+            </a:r>
+          </a:p>
+          <a:p>
+            <a:pPr lvl="1"/>
+            <a:r>
+              <a:rPr lang="en-US" dirty="0"/>
+              <a:t>l</a:t>
+            </a:r>
+            <a:r>
+              <a:rPr lang="en-GB" dirty="0" err="1"/>
+              <a:t>owercase</a:t>
+            </a:r>
+            <a:r>
+              <a:rPr lang="en-GB" dirty="0"/>
+              <a:t> ({{name | </a:t>
+            </a:r>
+            <a:r>
+              <a:rPr lang="en-US" dirty="0"/>
+              <a:t>l</a:t>
+            </a:r>
+            <a:r>
+              <a:rPr lang="en-GB" dirty="0" err="1"/>
+              <a:t>owercase</a:t>
+            </a:r>
+            <a:r>
+              <a:rPr lang="en-GB" dirty="0"/>
+              <a:t>}}) – </a:t>
+            </a:r>
+            <a:r>
+              <a:rPr lang="en-GB" dirty="0" err="1"/>
+              <a:t>konvertuje</a:t>
+            </a:r>
+            <a:r>
+              <a:rPr lang="en-GB" dirty="0"/>
+              <a:t> </a:t>
+            </a:r>
+            <a:r>
+              <a:rPr lang="en-GB" dirty="0" err="1"/>
+              <a:t>karaktere</a:t>
+            </a:r>
+            <a:r>
+              <a:rPr lang="en-GB" dirty="0"/>
+              <a:t> </a:t>
+            </a:r>
+            <a:r>
+              <a:rPr lang="en-GB" dirty="0" err="1"/>
+              <a:t>iz</a:t>
+            </a:r>
+            <a:r>
+              <a:rPr lang="en-GB" dirty="0"/>
+              <a:t> string-a u mala </a:t>
+            </a:r>
+            <a:r>
+              <a:rPr lang="en-GB" dirty="0" err="1"/>
+              <a:t>slova</a:t>
+            </a:r>
+            <a:r>
+              <a:rPr lang="en-GB" dirty="0"/>
+              <a:t>.</a:t>
+            </a:r>
+          </a:p>
+          <a:p>
+            <a:pPr lvl="1"/>
+            <a:r>
+              <a:rPr lang="en-GB" dirty="0"/>
+              <a:t>uppercase ({{name | uppercase}}) – </a:t>
+            </a:r>
+            <a:r>
+              <a:rPr lang="en-GB" dirty="0" err="1"/>
+              <a:t>konvertuje</a:t>
+            </a:r>
+            <a:r>
+              <a:rPr lang="en-GB" dirty="0"/>
+              <a:t> </a:t>
+            </a:r>
+            <a:r>
+              <a:rPr lang="en-GB" dirty="0" err="1"/>
+              <a:t>karaktere</a:t>
+            </a:r>
+            <a:r>
+              <a:rPr lang="en-GB" dirty="0"/>
+              <a:t> </a:t>
+            </a:r>
+            <a:r>
+              <a:rPr lang="en-GB" dirty="0" err="1"/>
+              <a:t>iz</a:t>
+            </a:r>
+            <a:r>
+              <a:rPr lang="en-GB" dirty="0"/>
+              <a:t> string-a u </a:t>
+            </a:r>
+            <a:r>
+              <a:rPr lang="en-GB" dirty="0" err="1"/>
+              <a:t>velika</a:t>
+            </a:r>
+            <a:r>
+              <a:rPr lang="en-GB" dirty="0"/>
+              <a:t> </a:t>
+            </a:r>
+            <a:r>
+              <a:rPr lang="en-GB" dirty="0" err="1"/>
+              <a:t>slova</a:t>
+            </a:r>
+            <a:r>
+              <a:rPr lang="en-GB" dirty="0"/>
+              <a:t>.</a:t>
+            </a:r>
+          </a:p>
+          <a:p>
+            <a:pPr lvl="1"/>
+            <a:r>
+              <a:rPr lang="en-US" dirty="0" err="1"/>
+              <a:t>limitTo</a:t>
+            </a:r>
+            <a:r>
+              <a:rPr lang="en-US" dirty="0"/>
+              <a:t> </a:t>
+            </a:r>
+            <a:r>
+              <a:rPr lang="sr-Latn-RS" dirty="0"/>
+              <a:t>({{ [1,2,3,4,5,6,7,8,9] | limitTo:3 }}) </a:t>
+            </a:r>
+            <a:r>
+              <a:rPr lang="en-US" dirty="0"/>
+              <a:t>– </a:t>
+            </a:r>
+            <a:r>
+              <a:rPr lang="en-US" dirty="0" err="1"/>
+              <a:t>prikazuje</a:t>
+            </a:r>
+            <a:r>
+              <a:rPr lang="en-US" dirty="0"/>
+              <a:t> </a:t>
+            </a:r>
+            <a:r>
+              <a:rPr lang="en-US" dirty="0" err="1"/>
+              <a:t>odre</a:t>
+            </a:r>
+            <a:r>
+              <a:rPr lang="sr-Latn-RS" dirty="0"/>
+              <a:t>đen broj elemenata iz niza.</a:t>
+            </a:r>
+          </a:p>
+          <a:p>
+            <a:pPr lvl="1"/>
+            <a:r>
+              <a:rPr lang="sr-Latn-RS" dirty="0"/>
+              <a:t>orderBy (</a:t>
+            </a:r>
+            <a:r>
+              <a:rPr lang="en-GB" dirty="0"/>
+              <a:t>ng-repeat="phone in phones | </a:t>
+            </a:r>
+            <a:r>
+              <a:rPr lang="en-GB" dirty="0" err="1"/>
+              <a:t>orderBy</a:t>
+            </a:r>
+            <a:r>
+              <a:rPr lang="en-GB" dirty="0"/>
+              <a:t>:'-name'"</a:t>
+            </a:r>
+            <a:r>
+              <a:rPr lang="sr-Latn-RS" dirty="0"/>
+              <a:t>) – vraća niz sortiran po nekoj vrednosti</a:t>
+            </a:r>
             <a:endParaRPr lang="en-GB" dirty="0"/>
           </a:p>
         </p:txBody>
@@ -9352,6 +10960,1988 @@
     <p:extLst>
       <p:ext uri="{BB962C8B-B14F-4D97-AF65-F5344CB8AC3E}">
         <p14:creationId xmlns:p14="http://schemas.microsoft.com/office/powerpoint/2010/main" val="2246360732"/>
+      </p:ext>
+    </p:extLst>
+  </p:cSld>
+  <p:clrMapOvr>
+    <a:masterClrMapping/>
+  </p:clrMapOvr>
+</p:sld>
+</file>
+
+<file path=ppt/slides/slide17.xml><?xml version="1.0" encoding="utf-8"?>
+<p:sld xmlns:a="http://schemas.openxmlformats.org/drawingml/2006/main" xmlns:r="http://schemas.openxmlformats.org/officeDocument/2006/relationships" xmlns:p="http://schemas.openxmlformats.org/presentationml/2006/main">
+  <p:cSld>
+    <p:bg>
+      <p:bgPr>
+        <a:solidFill>
+          <a:schemeClr val="bg1"/>
+        </a:solidFill>
+        <a:effectLst/>
+      </p:bgPr>
+    </p:bg>
+    <p:spTree>
+      <p:nvGrpSpPr>
+        <p:cNvPr id="1" name=""/>
+        <p:cNvGrpSpPr/>
+        <p:nvPr/>
+      </p:nvGrpSpPr>
+      <p:grpSpPr>
+        <a:xfrm>
+          <a:off x="0" y="0"/>
+          <a:ext cx="0" cy="0"/>
+          <a:chOff x="0" y="0"/>
+          <a:chExt cx="0" cy="0"/>
+        </a:xfrm>
+      </p:grpSpPr>
+      <p:sp useBgFill="1">
+        <p:nvSpPr>
+          <p:cNvPr id="8" name="Rectangle 7">
+            <a:extLst>
+              <a:ext uri="{FF2B5EF4-FFF2-40B4-BE49-F238E27FC236}">
+                <a16:creationId xmlns:a16="http://schemas.microsoft.com/office/drawing/2014/main" id="{15911E3A-C35B-4EF7-A355-B84E9A14AF4D}"/>
+              </a:ext>
+              <a:ext uri="{C183D7F6-B498-43B3-948B-1728B52AA6E4}">
+                <adec:decorative xmlns:adec="http://schemas.microsoft.com/office/drawing/2017/decorative" val="1"/>
+              </a:ext>
+            </a:extLst>
+          </p:cNvPr>
+          <p:cNvSpPr>
+            <a:spLocks noGrp="1" noRot="1" noChangeAspect="1" noMove="1" noResize="1" noEditPoints="1" noAdjustHandles="1" noChangeArrowheads="1" noChangeShapeType="1" noTextEdit="1"/>
+          </p:cNvSpPr>
+          <p:nvPr>
+            <p:extLst>
+              <p:ext uri="{386F3935-93C4-4BCD-93E2-E3B085C9AB24}">
+                <p16:designElem xmlns:p16="http://schemas.microsoft.com/office/powerpoint/2015/main" val="1"/>
+              </p:ext>
+            </p:extLst>
+          </p:nvPr>
+        </p:nvSpPr>
+        <p:spPr>
+          <a:xfrm>
+            <a:off x="0" y="-1"/>
+            <a:ext cx="12192000" cy="6858001"/>
+          </a:xfrm>
+          <a:prstGeom prst="rect">
+            <a:avLst/>
+          </a:prstGeom>
+          <a:ln>
+            <a:noFill/>
+          </a:ln>
+        </p:spPr>
+        <p:style>
+          <a:lnRef idx="2">
+            <a:schemeClr val="accent1">
+              <a:shade val="50000"/>
+            </a:schemeClr>
+          </a:lnRef>
+          <a:fillRef idx="1">
+            <a:schemeClr val="accent1"/>
+          </a:fillRef>
+          <a:effectRef idx="0">
+            <a:schemeClr val="accent1"/>
+          </a:effectRef>
+          <a:fontRef idx="minor">
+            <a:schemeClr val="lt1"/>
+          </a:fontRef>
+        </p:style>
+        <p:txBody>
+          <a:bodyPr rtlCol="0" anchor="ctr"/>
+          <a:lstStyle/>
+          <a:p>
+            <a:pPr marL="0" marR="0" lvl="0" indent="0" algn="ctr" defTabSz="914400" rtl="0" eaLnBrk="1" fontAlgn="auto" latinLnBrk="0" hangingPunct="1">
+              <a:lnSpc>
+                <a:spcPct val="100000"/>
+              </a:lnSpc>
+              <a:spcBef>
+                <a:spcPts val="0"/>
+              </a:spcBef>
+              <a:spcAft>
+                <a:spcPts val="0"/>
+              </a:spcAft>
+              <a:buClrTx/>
+              <a:buSzTx/>
+              <a:buFontTx/>
+              <a:buNone/>
+              <a:tabLst/>
+              <a:defRPr/>
+            </a:pPr>
+            <a:endParaRPr kumimoji="0" lang="en-US" sz="1800" b="0" i="0" u="none" strike="noStrike" kern="1200" cap="none" spc="0" normalizeH="0" baseline="0" noProof="0">
+              <a:ln>
+                <a:noFill/>
+              </a:ln>
+              <a:solidFill>
+                <a:prstClr val="white"/>
+              </a:solidFill>
+              <a:effectLst/>
+              <a:uLnTx/>
+              <a:uFillTx/>
+              <a:latin typeface="Calibri" panose="020F0502020204030204"/>
+              <a:ea typeface="+mn-ea"/>
+              <a:cs typeface="+mn-cs"/>
+            </a:endParaRPr>
+          </a:p>
+        </p:txBody>
+      </p:sp>
+      <p:grpSp>
+        <p:nvGrpSpPr>
+          <p:cNvPr id="10" name="Group 9">
+            <a:extLst>
+              <a:ext uri="{FF2B5EF4-FFF2-40B4-BE49-F238E27FC236}">
+                <a16:creationId xmlns:a16="http://schemas.microsoft.com/office/drawing/2014/main" id="{E21ADB3D-AD65-44B4-847D-5E90E90A5D16}"/>
+              </a:ext>
+              <a:ext uri="{C183D7F6-B498-43B3-948B-1728B52AA6E4}">
+                <adec:decorative xmlns:adec="http://schemas.microsoft.com/office/drawing/2017/decorative" val="1"/>
+              </a:ext>
+            </a:extLst>
+          </p:cNvPr>
+          <p:cNvGrpSpPr>
+            <a:grpSpLocks noGrp="1" noUngrp="1" noRot="1" noChangeAspect="1" noMove="1" noResize="1"/>
+          </p:cNvGrpSpPr>
+          <p:nvPr>
+            <p:extLst>
+              <p:ext uri="{386F3935-93C4-4BCD-93E2-E3B085C9AB24}">
+                <p16:designElem xmlns:p16="http://schemas.microsoft.com/office/powerpoint/2015/main" val="1"/>
+              </p:ext>
+            </p:extLst>
+          </p:nvPr>
+        </p:nvGrpSpPr>
+        <p:grpSpPr>
+          <a:xfrm>
+            <a:off x="-417513" y="0"/>
+            <a:ext cx="12584114" cy="6853238"/>
+            <a:chOff x="-417513" y="0"/>
+            <a:chExt cx="12584114" cy="6853238"/>
+          </a:xfrm>
+        </p:grpSpPr>
+        <p:sp>
+          <p:nvSpPr>
+            <p:cNvPr id="11" name="Freeform 5">
+              <a:extLst>
+                <a:ext uri="{FF2B5EF4-FFF2-40B4-BE49-F238E27FC236}">
+                  <a16:creationId xmlns:a16="http://schemas.microsoft.com/office/drawing/2014/main" id="{CF580C70-814C-4845-B645-919BFFBD16BA}"/>
+                </a:ext>
+                <a:ext uri="{C183D7F6-B498-43B3-948B-1728B52AA6E4}">
+                  <adec:decorative xmlns:adec="http://schemas.microsoft.com/office/drawing/2017/decorative" val="1"/>
+                </a:ext>
+              </a:extLst>
+            </p:cNvPr>
+            <p:cNvSpPr/>
+            <p:nvPr>
+              <p:extLst>
+                <p:ext uri="{386F3935-93C4-4BCD-93E2-E3B085C9AB24}">
+                  <p16:designElem xmlns:p16="http://schemas.microsoft.com/office/powerpoint/2015/main" val="1"/>
+                </p:ext>
+              </p:extLst>
+            </p:nvPr>
+          </p:nvSpPr>
+          <p:spPr bwMode="auto">
+            <a:xfrm>
+              <a:off x="1306513" y="0"/>
+              <a:ext cx="3862388" cy="6843713"/>
+            </a:xfrm>
+            <a:custGeom>
+              <a:avLst/>
+              <a:gdLst/>
+              <a:ahLst/>
+              <a:cxnLst/>
+              <a:rect l="0" t="0" r="r" b="b"/>
+              <a:pathLst>
+                <a:path w="813" h="1440">
+                  <a:moveTo>
+                    <a:pt x="813" y="0"/>
+                  </a:moveTo>
+                  <a:cubicBezTo>
+                    <a:pt x="331" y="221"/>
+                    <a:pt x="0" y="1039"/>
+                    <a:pt x="435" y="1440"/>
+                  </a:cubicBezTo>
+                </a:path>
+              </a:pathLst>
+            </a:custGeom>
+            <a:noFill/>
+            <a:ln w="9525" cap="flat">
+              <a:solidFill>
+                <a:schemeClr val="tx1">
+                  <a:alpha val="20000"/>
+                </a:schemeClr>
+              </a:solidFill>
+              <a:prstDash val="solid"/>
+              <a:miter lim="800000"/>
+              <a:headEnd/>
+              <a:tailEnd/>
+            </a:ln>
+            <a:extLst>
+              <a:ext uri="{909E8E84-426E-40DD-AFC4-6F175D3DCCD1}">
+                <a14:hiddenFill xmlns:a14="http://schemas.microsoft.com/office/drawing/2010/main">
+                  <a:solidFill>
+                    <a:srgbClr val="FFFFFF"/>
+                  </a:solidFill>
+                </a14:hiddenFill>
+              </a:ext>
+            </a:extLst>
+          </p:spPr>
+        </p:sp>
+        <p:sp>
+          <p:nvSpPr>
+            <p:cNvPr id="12" name="Freeform 6">
+              <a:extLst>
+                <a:ext uri="{FF2B5EF4-FFF2-40B4-BE49-F238E27FC236}">
+                  <a16:creationId xmlns:a16="http://schemas.microsoft.com/office/drawing/2014/main" id="{34D7BF57-4CAA-45B2-9EF0-0AA1FCF70B16}"/>
+                </a:ext>
+                <a:ext uri="{C183D7F6-B498-43B3-948B-1728B52AA6E4}">
+                  <adec:decorative xmlns:adec="http://schemas.microsoft.com/office/drawing/2017/decorative" val="1"/>
+                </a:ext>
+              </a:extLst>
+            </p:cNvPr>
+            <p:cNvSpPr/>
+            <p:nvPr>
+              <p:extLst>
+                <p:ext uri="{386F3935-93C4-4BCD-93E2-E3B085C9AB24}">
+                  <p16:designElem xmlns:p16="http://schemas.microsoft.com/office/powerpoint/2015/main" val="1"/>
+                </p:ext>
+              </p:extLst>
+            </p:nvPr>
+          </p:nvSpPr>
+          <p:spPr bwMode="auto">
+            <a:xfrm>
+              <a:off x="10626725" y="9525"/>
+              <a:ext cx="1539875" cy="555625"/>
+            </a:xfrm>
+            <a:custGeom>
+              <a:avLst/>
+              <a:gdLst/>
+              <a:ahLst/>
+              <a:cxnLst/>
+              <a:rect l="0" t="0" r="r" b="b"/>
+              <a:pathLst>
+                <a:path w="324" h="117">
+                  <a:moveTo>
+                    <a:pt x="324" y="117"/>
+                  </a:moveTo>
+                  <a:cubicBezTo>
+                    <a:pt x="223" y="64"/>
+                    <a:pt x="107" y="28"/>
+                    <a:pt x="0" y="0"/>
+                  </a:cubicBezTo>
+                </a:path>
+              </a:pathLst>
+            </a:custGeom>
+            <a:noFill/>
+            <a:ln w="9525" cap="flat">
+              <a:solidFill>
+                <a:schemeClr val="tx1">
+                  <a:alpha val="20000"/>
+                </a:schemeClr>
+              </a:solidFill>
+              <a:prstDash val="solid"/>
+              <a:miter lim="800000"/>
+              <a:headEnd/>
+              <a:tailEnd/>
+            </a:ln>
+            <a:extLst>
+              <a:ext uri="{909E8E84-426E-40DD-AFC4-6F175D3DCCD1}">
+                <a14:hiddenFill xmlns:a14="http://schemas.microsoft.com/office/drawing/2010/main">
+                  <a:solidFill>
+                    <a:srgbClr val="FFFFFF"/>
+                  </a:solidFill>
+                </a14:hiddenFill>
+              </a:ext>
+            </a:extLst>
+          </p:spPr>
+        </p:sp>
+        <p:sp>
+          <p:nvSpPr>
+            <p:cNvPr id="13" name="Freeform 7">
+              <a:extLst>
+                <a:ext uri="{FF2B5EF4-FFF2-40B4-BE49-F238E27FC236}">
+                  <a16:creationId xmlns:a16="http://schemas.microsoft.com/office/drawing/2014/main" id="{7886F306-C03A-40C6-8FD5-DCE3D4595D6D}"/>
+                </a:ext>
+                <a:ext uri="{C183D7F6-B498-43B3-948B-1728B52AA6E4}">
+                  <adec:decorative xmlns:adec="http://schemas.microsoft.com/office/drawing/2017/decorative" val="1"/>
+                </a:ext>
+              </a:extLst>
+            </p:cNvPr>
+            <p:cNvSpPr/>
+            <p:nvPr>
+              <p:extLst>
+                <p:ext uri="{386F3935-93C4-4BCD-93E2-E3B085C9AB24}">
+                  <p16:designElem xmlns:p16="http://schemas.microsoft.com/office/powerpoint/2015/main" val="1"/>
+                </p:ext>
+              </p:extLst>
+            </p:nvPr>
+          </p:nvSpPr>
+          <p:spPr bwMode="auto">
+            <a:xfrm>
+              <a:off x="10247313" y="5013325"/>
+              <a:ext cx="1919288" cy="1830388"/>
+            </a:xfrm>
+            <a:custGeom>
+              <a:avLst/>
+              <a:gdLst/>
+              <a:ahLst/>
+              <a:cxnLst/>
+              <a:rect l="0" t="0" r="r" b="b"/>
+              <a:pathLst>
+                <a:path w="404" h="385">
+                  <a:moveTo>
+                    <a:pt x="0" y="385"/>
+                  </a:moveTo>
+                  <a:cubicBezTo>
+                    <a:pt x="146" y="272"/>
+                    <a:pt x="285" y="142"/>
+                    <a:pt x="404" y="0"/>
+                  </a:cubicBezTo>
+                </a:path>
+              </a:pathLst>
+            </a:custGeom>
+            <a:noFill/>
+            <a:ln w="9525" cap="flat">
+              <a:solidFill>
+                <a:schemeClr val="tx1">
+                  <a:alpha val="20000"/>
+                </a:schemeClr>
+              </a:solidFill>
+              <a:prstDash val="solid"/>
+              <a:miter lim="800000"/>
+              <a:headEnd/>
+              <a:tailEnd/>
+            </a:ln>
+            <a:extLst>
+              <a:ext uri="{909E8E84-426E-40DD-AFC4-6F175D3DCCD1}">
+                <a14:hiddenFill xmlns:a14="http://schemas.microsoft.com/office/drawing/2010/main">
+                  <a:solidFill>
+                    <a:srgbClr val="FFFFFF"/>
+                  </a:solidFill>
+                </a14:hiddenFill>
+              </a:ext>
+            </a:extLst>
+          </p:spPr>
+        </p:sp>
+        <p:sp>
+          <p:nvSpPr>
+            <p:cNvPr id="14" name="Freeform 8">
+              <a:extLst>
+                <a:ext uri="{FF2B5EF4-FFF2-40B4-BE49-F238E27FC236}">
+                  <a16:creationId xmlns:a16="http://schemas.microsoft.com/office/drawing/2014/main" id="{2FDC9A36-C7C3-47D7-A64E-ED25C47EC704}"/>
+                </a:ext>
+                <a:ext uri="{C183D7F6-B498-43B3-948B-1728B52AA6E4}">
+                  <adec:decorative xmlns:adec="http://schemas.microsoft.com/office/drawing/2017/decorative" val="1"/>
+                </a:ext>
+              </a:extLst>
+            </p:cNvPr>
+            <p:cNvSpPr/>
+            <p:nvPr>
+              <p:extLst>
+                <p:ext uri="{386F3935-93C4-4BCD-93E2-E3B085C9AB24}">
+                  <p16:designElem xmlns:p16="http://schemas.microsoft.com/office/powerpoint/2015/main" val="1"/>
+                </p:ext>
+              </p:extLst>
+            </p:nvPr>
+          </p:nvSpPr>
+          <p:spPr bwMode="auto">
+            <a:xfrm>
+              <a:off x="1120775" y="0"/>
+              <a:ext cx="3676650" cy="6843713"/>
+            </a:xfrm>
+            <a:custGeom>
+              <a:avLst/>
+              <a:gdLst/>
+              <a:ahLst/>
+              <a:cxnLst/>
+              <a:rect l="0" t="0" r="r" b="b"/>
+              <a:pathLst>
+                <a:path w="774" h="1440">
+                  <a:moveTo>
+                    <a:pt x="774" y="0"/>
+                  </a:moveTo>
+                  <a:cubicBezTo>
+                    <a:pt x="312" y="240"/>
+                    <a:pt x="0" y="1034"/>
+                    <a:pt x="411" y="1440"/>
+                  </a:cubicBezTo>
+                </a:path>
+              </a:pathLst>
+            </a:custGeom>
+            <a:noFill/>
+            <a:ln w="9525" cap="flat">
+              <a:solidFill>
+                <a:schemeClr val="tx1">
+                  <a:alpha val="20000"/>
+                </a:schemeClr>
+              </a:solidFill>
+              <a:prstDash val="dash"/>
+              <a:miter lim="800000"/>
+              <a:headEnd/>
+              <a:tailEnd/>
+            </a:ln>
+            <a:extLst>
+              <a:ext uri="{909E8E84-426E-40DD-AFC4-6F175D3DCCD1}">
+                <a14:hiddenFill xmlns:a14="http://schemas.microsoft.com/office/drawing/2010/main">
+                  <a:solidFill>
+                    <a:srgbClr val="FFFFFF"/>
+                  </a:solidFill>
+                </a14:hiddenFill>
+              </a:ext>
+            </a:extLst>
+          </p:spPr>
+        </p:sp>
+        <p:sp>
+          <p:nvSpPr>
+            <p:cNvPr id="15" name="Freeform 9">
+              <a:extLst>
+                <a:ext uri="{FF2B5EF4-FFF2-40B4-BE49-F238E27FC236}">
+                  <a16:creationId xmlns:a16="http://schemas.microsoft.com/office/drawing/2014/main" id="{BB19BC37-158A-43DC-9A9E-E45CC71954DC}"/>
+                </a:ext>
+                <a:ext uri="{C183D7F6-B498-43B3-948B-1728B52AA6E4}">
+                  <adec:decorative xmlns:adec="http://schemas.microsoft.com/office/drawing/2017/decorative" val="1"/>
+                </a:ext>
+              </a:extLst>
+            </p:cNvPr>
+            <p:cNvSpPr/>
+            <p:nvPr>
+              <p:extLst>
+                <p:ext uri="{386F3935-93C4-4BCD-93E2-E3B085C9AB24}">
+                  <p16:designElem xmlns:p16="http://schemas.microsoft.com/office/powerpoint/2015/main" val="1"/>
+                </p:ext>
+              </p:extLst>
+            </p:nvPr>
+          </p:nvSpPr>
+          <p:spPr bwMode="auto">
+            <a:xfrm>
+              <a:off x="11202988" y="9525"/>
+              <a:ext cx="963613" cy="366713"/>
+            </a:xfrm>
+            <a:custGeom>
+              <a:avLst/>
+              <a:gdLst/>
+              <a:ahLst/>
+              <a:cxnLst/>
+              <a:rect l="0" t="0" r="r" b="b"/>
+              <a:pathLst>
+                <a:path w="203" h="77">
+                  <a:moveTo>
+                    <a:pt x="203" y="77"/>
+                  </a:moveTo>
+                  <a:cubicBezTo>
+                    <a:pt x="138" y="46"/>
+                    <a:pt x="68" y="21"/>
+                    <a:pt x="0" y="0"/>
+                  </a:cubicBezTo>
+                </a:path>
+              </a:pathLst>
+            </a:custGeom>
+            <a:noFill/>
+            <a:ln w="9525" cap="flat">
+              <a:solidFill>
+                <a:schemeClr val="tx1">
+                  <a:alpha val="20000"/>
+                </a:schemeClr>
+              </a:solidFill>
+              <a:prstDash val="dash"/>
+              <a:miter lim="800000"/>
+              <a:headEnd/>
+              <a:tailEnd/>
+            </a:ln>
+            <a:extLst>
+              <a:ext uri="{909E8E84-426E-40DD-AFC4-6F175D3DCCD1}">
+                <a14:hiddenFill xmlns:a14="http://schemas.microsoft.com/office/drawing/2010/main">
+                  <a:solidFill>
+                    <a:srgbClr val="FFFFFF"/>
+                  </a:solidFill>
+                </a14:hiddenFill>
+              </a:ext>
+            </a:extLst>
+          </p:spPr>
+        </p:sp>
+        <p:sp>
+          <p:nvSpPr>
+            <p:cNvPr id="16" name="Freeform 10">
+              <a:extLst>
+                <a:ext uri="{FF2B5EF4-FFF2-40B4-BE49-F238E27FC236}">
+                  <a16:creationId xmlns:a16="http://schemas.microsoft.com/office/drawing/2014/main" id="{077654CC-108F-48D5-B5E9-437F164F52A5}"/>
+                </a:ext>
+                <a:ext uri="{C183D7F6-B498-43B3-948B-1728B52AA6E4}">
+                  <adec:decorative xmlns:adec="http://schemas.microsoft.com/office/drawing/2017/decorative" val="1"/>
+                </a:ext>
+              </a:extLst>
+            </p:cNvPr>
+            <p:cNvSpPr/>
+            <p:nvPr>
+              <p:extLst>
+                <p:ext uri="{386F3935-93C4-4BCD-93E2-E3B085C9AB24}">
+                  <p16:designElem xmlns:p16="http://schemas.microsoft.com/office/powerpoint/2015/main" val="1"/>
+                </p:ext>
+              </p:extLst>
+            </p:nvPr>
+          </p:nvSpPr>
+          <p:spPr bwMode="auto">
+            <a:xfrm>
+              <a:off x="10494963" y="5275263"/>
+              <a:ext cx="1666875" cy="1577975"/>
+            </a:xfrm>
+            <a:custGeom>
+              <a:avLst/>
+              <a:gdLst/>
+              <a:ahLst/>
+              <a:cxnLst/>
+              <a:rect l="0" t="0" r="r" b="b"/>
+              <a:pathLst>
+                <a:path w="351" h="332">
+                  <a:moveTo>
+                    <a:pt x="0" y="332"/>
+                  </a:moveTo>
+                  <a:cubicBezTo>
+                    <a:pt x="125" y="232"/>
+                    <a:pt x="245" y="121"/>
+                    <a:pt x="351" y="0"/>
+                  </a:cubicBezTo>
+                </a:path>
+              </a:pathLst>
+            </a:custGeom>
+            <a:noFill/>
+            <a:ln w="9525" cap="flat">
+              <a:solidFill>
+                <a:schemeClr val="tx1">
+                  <a:alpha val="20000"/>
+                </a:schemeClr>
+              </a:solidFill>
+              <a:prstDash val="dash"/>
+              <a:miter lim="800000"/>
+              <a:headEnd/>
+              <a:tailEnd/>
+            </a:ln>
+            <a:extLst>
+              <a:ext uri="{909E8E84-426E-40DD-AFC4-6F175D3DCCD1}">
+                <a14:hiddenFill xmlns:a14="http://schemas.microsoft.com/office/drawing/2010/main">
+                  <a:solidFill>
+                    <a:srgbClr val="FFFFFF"/>
+                  </a:solidFill>
+                </a14:hiddenFill>
+              </a:ext>
+            </a:extLst>
+          </p:spPr>
+        </p:sp>
+        <p:sp>
+          <p:nvSpPr>
+            <p:cNvPr id="17" name="Freeform 11">
+              <a:extLst>
+                <a:ext uri="{FF2B5EF4-FFF2-40B4-BE49-F238E27FC236}">
+                  <a16:creationId xmlns:a16="http://schemas.microsoft.com/office/drawing/2014/main" id="{A3CF3A63-1C1E-4E85-A78A-FDC16431E3A0}"/>
+                </a:ext>
+                <a:ext uri="{C183D7F6-B498-43B3-948B-1728B52AA6E4}">
+                  <adec:decorative xmlns:adec="http://schemas.microsoft.com/office/drawing/2017/decorative" val="1"/>
+                </a:ext>
+              </a:extLst>
+            </p:cNvPr>
+            <p:cNvSpPr/>
+            <p:nvPr>
+              <p:extLst>
+                <p:ext uri="{386F3935-93C4-4BCD-93E2-E3B085C9AB24}">
+                  <p16:designElem xmlns:p16="http://schemas.microsoft.com/office/powerpoint/2015/main" val="1"/>
+                </p:ext>
+              </p:extLst>
+            </p:nvPr>
+          </p:nvSpPr>
+          <p:spPr bwMode="auto">
+            <a:xfrm>
+              <a:off x="1001713" y="0"/>
+              <a:ext cx="3621088" cy="6843713"/>
+            </a:xfrm>
+            <a:custGeom>
+              <a:avLst/>
+              <a:gdLst/>
+              <a:ahLst/>
+              <a:cxnLst/>
+              <a:rect l="0" t="0" r="r" b="b"/>
+              <a:pathLst>
+                <a:path w="762" h="1440">
+                  <a:moveTo>
+                    <a:pt x="762" y="0"/>
+                  </a:moveTo>
+                  <a:cubicBezTo>
+                    <a:pt x="308" y="245"/>
+                    <a:pt x="0" y="1033"/>
+                    <a:pt x="403" y="1440"/>
+                  </a:cubicBezTo>
+                </a:path>
+              </a:pathLst>
+            </a:custGeom>
+            <a:noFill/>
+            <a:ln w="9525" cap="flat">
+              <a:solidFill>
+                <a:schemeClr val="tx1">
+                  <a:alpha val="20000"/>
+                </a:schemeClr>
+              </a:solidFill>
+              <a:prstDash val="solid"/>
+              <a:miter lim="800000"/>
+              <a:headEnd/>
+              <a:tailEnd/>
+            </a:ln>
+            <a:extLst>
+              <a:ext uri="{909E8E84-426E-40DD-AFC4-6F175D3DCCD1}">
+                <a14:hiddenFill xmlns:a14="http://schemas.microsoft.com/office/drawing/2010/main">
+                  <a:solidFill>
+                    <a:srgbClr val="FFFFFF"/>
+                  </a:solidFill>
+                </a14:hiddenFill>
+              </a:ext>
+            </a:extLst>
+          </p:spPr>
+        </p:sp>
+        <p:sp>
+          <p:nvSpPr>
+            <p:cNvPr id="18" name="Freeform 12">
+              <a:extLst>
+                <a:ext uri="{FF2B5EF4-FFF2-40B4-BE49-F238E27FC236}">
+                  <a16:creationId xmlns:a16="http://schemas.microsoft.com/office/drawing/2014/main" id="{8740FC9A-72DD-4D9B-BA25-1CCED1352408}"/>
+                </a:ext>
+                <a:ext uri="{C183D7F6-B498-43B3-948B-1728B52AA6E4}">
+                  <adec:decorative xmlns:adec="http://schemas.microsoft.com/office/drawing/2017/decorative" val="1"/>
+                </a:ext>
+              </a:extLst>
+            </p:cNvPr>
+            <p:cNvSpPr/>
+            <p:nvPr>
+              <p:extLst>
+                <p:ext uri="{386F3935-93C4-4BCD-93E2-E3B085C9AB24}">
+                  <p16:designElem xmlns:p16="http://schemas.microsoft.com/office/powerpoint/2015/main" val="1"/>
+                </p:ext>
+              </p:extLst>
+            </p:nvPr>
+          </p:nvSpPr>
+          <p:spPr bwMode="auto">
+            <a:xfrm>
+              <a:off x="11501438" y="9525"/>
+              <a:ext cx="665163" cy="257175"/>
+            </a:xfrm>
+            <a:custGeom>
+              <a:avLst/>
+              <a:gdLst/>
+              <a:ahLst/>
+              <a:cxnLst/>
+              <a:rect l="0" t="0" r="r" b="b"/>
+              <a:pathLst>
+                <a:path w="140" h="54">
+                  <a:moveTo>
+                    <a:pt x="140" y="54"/>
+                  </a:moveTo>
+                  <a:cubicBezTo>
+                    <a:pt x="95" y="34"/>
+                    <a:pt x="48" y="16"/>
+                    <a:pt x="0" y="0"/>
+                  </a:cubicBezTo>
+                </a:path>
+              </a:pathLst>
+            </a:custGeom>
+            <a:noFill/>
+            <a:ln w="9525" cap="flat">
+              <a:solidFill>
+                <a:schemeClr val="tx1">
+                  <a:alpha val="20000"/>
+                </a:schemeClr>
+              </a:solidFill>
+              <a:prstDash val="solid"/>
+              <a:miter lim="800000"/>
+              <a:headEnd/>
+              <a:tailEnd/>
+            </a:ln>
+            <a:extLst>
+              <a:ext uri="{909E8E84-426E-40DD-AFC4-6F175D3DCCD1}">
+                <a14:hiddenFill xmlns:a14="http://schemas.microsoft.com/office/drawing/2010/main">
+                  <a:solidFill>
+                    <a:srgbClr val="FFFFFF"/>
+                  </a:solidFill>
+                </a14:hiddenFill>
+              </a:ext>
+            </a:extLst>
+          </p:spPr>
+        </p:sp>
+        <p:sp>
+          <p:nvSpPr>
+            <p:cNvPr id="19" name="Freeform 13">
+              <a:extLst>
+                <a:ext uri="{FF2B5EF4-FFF2-40B4-BE49-F238E27FC236}">
+                  <a16:creationId xmlns:a16="http://schemas.microsoft.com/office/drawing/2014/main" id="{7FBF5743-F2AE-4D0D-BCD1-01F7686D012A}"/>
+                </a:ext>
+                <a:ext uri="{C183D7F6-B498-43B3-948B-1728B52AA6E4}">
+                  <adec:decorative xmlns:adec="http://schemas.microsoft.com/office/drawing/2017/decorative" val="1"/>
+                </a:ext>
+              </a:extLst>
+            </p:cNvPr>
+            <p:cNvSpPr/>
+            <p:nvPr>
+              <p:extLst>
+                <p:ext uri="{386F3935-93C4-4BCD-93E2-E3B085C9AB24}">
+                  <p16:designElem xmlns:p16="http://schemas.microsoft.com/office/powerpoint/2015/main" val="1"/>
+                </p:ext>
+              </p:extLst>
+            </p:nvPr>
+          </p:nvSpPr>
+          <p:spPr bwMode="auto">
+            <a:xfrm>
+              <a:off x="10641013" y="5408613"/>
+              <a:ext cx="1525588" cy="1435100"/>
+            </a:xfrm>
+            <a:custGeom>
+              <a:avLst/>
+              <a:gdLst/>
+              <a:ahLst/>
+              <a:cxnLst/>
+              <a:rect l="0" t="0" r="r" b="b"/>
+              <a:pathLst>
+                <a:path w="321" h="302">
+                  <a:moveTo>
+                    <a:pt x="0" y="302"/>
+                  </a:moveTo>
+                  <a:cubicBezTo>
+                    <a:pt x="114" y="210"/>
+                    <a:pt x="223" y="109"/>
+                    <a:pt x="321" y="0"/>
+                  </a:cubicBezTo>
+                </a:path>
+              </a:pathLst>
+            </a:custGeom>
+            <a:noFill/>
+            <a:ln w="9525" cap="flat">
+              <a:solidFill>
+                <a:schemeClr val="tx1">
+                  <a:alpha val="20000"/>
+                </a:schemeClr>
+              </a:solidFill>
+              <a:prstDash val="solid"/>
+              <a:miter lim="800000"/>
+              <a:headEnd/>
+              <a:tailEnd/>
+            </a:ln>
+            <a:extLst>
+              <a:ext uri="{909E8E84-426E-40DD-AFC4-6F175D3DCCD1}">
+                <a14:hiddenFill xmlns:a14="http://schemas.microsoft.com/office/drawing/2010/main">
+                  <a:solidFill>
+                    <a:srgbClr val="FFFFFF"/>
+                  </a:solidFill>
+                </a14:hiddenFill>
+              </a:ext>
+            </a:extLst>
+          </p:spPr>
+        </p:sp>
+        <p:sp>
+          <p:nvSpPr>
+            <p:cNvPr id="20" name="Freeform 14">
+              <a:extLst>
+                <a:ext uri="{FF2B5EF4-FFF2-40B4-BE49-F238E27FC236}">
+                  <a16:creationId xmlns:a16="http://schemas.microsoft.com/office/drawing/2014/main" id="{CED32316-D4F7-4795-BBE0-DEBB60E27CE3}"/>
+                </a:ext>
+                <a:ext uri="{C183D7F6-B498-43B3-948B-1728B52AA6E4}">
+                  <adec:decorative xmlns:adec="http://schemas.microsoft.com/office/drawing/2017/decorative" val="1"/>
+                </a:ext>
+              </a:extLst>
+            </p:cNvPr>
+            <p:cNvSpPr/>
+            <p:nvPr>
+              <p:extLst>
+                <p:ext uri="{386F3935-93C4-4BCD-93E2-E3B085C9AB24}">
+                  <p16:designElem xmlns:p16="http://schemas.microsoft.com/office/powerpoint/2015/main" val="1"/>
+                </p:ext>
+              </p:extLst>
+            </p:nvPr>
+          </p:nvSpPr>
+          <p:spPr bwMode="auto">
+            <a:xfrm>
+              <a:off x="1001713" y="0"/>
+              <a:ext cx="3244850" cy="6843713"/>
+            </a:xfrm>
+            <a:custGeom>
+              <a:avLst/>
+              <a:gdLst/>
+              <a:ahLst/>
+              <a:cxnLst/>
+              <a:rect l="0" t="0" r="r" b="b"/>
+              <a:pathLst>
+                <a:path w="683" h="1440">
+                  <a:moveTo>
+                    <a:pt x="683" y="0"/>
+                  </a:moveTo>
+                  <a:cubicBezTo>
+                    <a:pt x="258" y="256"/>
+                    <a:pt x="0" y="1041"/>
+                    <a:pt x="355" y="1440"/>
+                  </a:cubicBezTo>
+                </a:path>
+              </a:pathLst>
+            </a:custGeom>
+            <a:noFill/>
+            <a:ln w="9525" cap="flat">
+              <a:solidFill>
+                <a:schemeClr val="tx1">
+                  <a:alpha val="20000"/>
+                </a:schemeClr>
+              </a:solidFill>
+              <a:prstDash val="solid"/>
+              <a:miter lim="800000"/>
+              <a:headEnd/>
+              <a:tailEnd/>
+            </a:ln>
+            <a:extLst>
+              <a:ext uri="{909E8E84-426E-40DD-AFC4-6F175D3DCCD1}">
+                <a14:hiddenFill xmlns:a14="http://schemas.microsoft.com/office/drawing/2010/main">
+                  <a:solidFill>
+                    <a:srgbClr val="FFFFFF"/>
+                  </a:solidFill>
+                </a14:hiddenFill>
+              </a:ext>
+            </a:extLst>
+          </p:spPr>
+        </p:sp>
+        <p:sp>
+          <p:nvSpPr>
+            <p:cNvPr id="21" name="Freeform 15">
+              <a:extLst>
+                <a:ext uri="{FF2B5EF4-FFF2-40B4-BE49-F238E27FC236}">
+                  <a16:creationId xmlns:a16="http://schemas.microsoft.com/office/drawing/2014/main" id="{583B23C9-B9B7-4E93-9538-CBE316F83FDD}"/>
+                </a:ext>
+                <a:ext uri="{C183D7F6-B498-43B3-948B-1728B52AA6E4}">
+                  <adec:decorative xmlns:adec="http://schemas.microsoft.com/office/drawing/2017/decorative" val="1"/>
+                </a:ext>
+              </a:extLst>
+            </p:cNvPr>
+            <p:cNvSpPr/>
+            <p:nvPr>
+              <p:extLst>
+                <p:ext uri="{386F3935-93C4-4BCD-93E2-E3B085C9AB24}">
+                  <p16:designElem xmlns:p16="http://schemas.microsoft.com/office/powerpoint/2015/main" val="1"/>
+                </p:ext>
+              </p:extLst>
+            </p:nvPr>
+          </p:nvSpPr>
+          <p:spPr bwMode="auto">
+            <a:xfrm>
+              <a:off x="10802938" y="5518150"/>
+              <a:ext cx="1363663" cy="1325563"/>
+            </a:xfrm>
+            <a:custGeom>
+              <a:avLst/>
+              <a:gdLst/>
+              <a:ahLst/>
+              <a:cxnLst/>
+              <a:rect l="0" t="0" r="r" b="b"/>
+              <a:pathLst>
+                <a:path w="287" h="279">
+                  <a:moveTo>
+                    <a:pt x="0" y="279"/>
+                  </a:moveTo>
+                  <a:cubicBezTo>
+                    <a:pt x="101" y="193"/>
+                    <a:pt x="198" y="100"/>
+                    <a:pt x="287" y="0"/>
+                  </a:cubicBezTo>
+                </a:path>
+              </a:pathLst>
+            </a:custGeom>
+            <a:noFill/>
+            <a:ln w="9525" cap="flat">
+              <a:solidFill>
+                <a:schemeClr val="tx1">
+                  <a:alpha val="20000"/>
+                </a:schemeClr>
+              </a:solidFill>
+              <a:prstDash val="solid"/>
+              <a:miter lim="800000"/>
+              <a:headEnd/>
+              <a:tailEnd/>
+            </a:ln>
+            <a:extLst>
+              <a:ext uri="{909E8E84-426E-40DD-AFC4-6F175D3DCCD1}">
+                <a14:hiddenFill xmlns:a14="http://schemas.microsoft.com/office/drawing/2010/main">
+                  <a:solidFill>
+                    <a:srgbClr val="FFFFFF"/>
+                  </a:solidFill>
+                </a14:hiddenFill>
+              </a:ext>
+            </a:extLst>
+          </p:spPr>
+        </p:sp>
+        <p:sp>
+          <p:nvSpPr>
+            <p:cNvPr id="22" name="Freeform 16">
+              <a:extLst>
+                <a:ext uri="{FF2B5EF4-FFF2-40B4-BE49-F238E27FC236}">
+                  <a16:creationId xmlns:a16="http://schemas.microsoft.com/office/drawing/2014/main" id="{5B144260-9F2C-4ADB-A37C-1CFB4B428B1B}"/>
+                </a:ext>
+                <a:ext uri="{C183D7F6-B498-43B3-948B-1728B52AA6E4}">
+                  <adec:decorative xmlns:adec="http://schemas.microsoft.com/office/drawing/2017/decorative" val="1"/>
+                </a:ext>
+              </a:extLst>
+            </p:cNvPr>
+            <p:cNvSpPr/>
+            <p:nvPr>
+              <p:extLst>
+                <p:ext uri="{386F3935-93C4-4BCD-93E2-E3B085C9AB24}">
+                  <p16:designElem xmlns:p16="http://schemas.microsoft.com/office/powerpoint/2015/main" val="1"/>
+                </p:ext>
+              </p:extLst>
+            </p:nvPr>
+          </p:nvSpPr>
+          <p:spPr bwMode="auto">
+            <a:xfrm>
+              <a:off x="889000" y="0"/>
+              <a:ext cx="3230563" cy="6843713"/>
+            </a:xfrm>
+            <a:custGeom>
+              <a:avLst/>
+              <a:gdLst/>
+              <a:ahLst/>
+              <a:cxnLst/>
+              <a:rect l="0" t="0" r="r" b="b"/>
+              <a:pathLst>
+                <a:path w="680" h="1440">
+                  <a:moveTo>
+                    <a:pt x="680" y="0"/>
+                  </a:moveTo>
+                  <a:cubicBezTo>
+                    <a:pt x="257" y="265"/>
+                    <a:pt x="0" y="1026"/>
+                    <a:pt x="337" y="1440"/>
+                  </a:cubicBezTo>
+                </a:path>
+              </a:pathLst>
+            </a:custGeom>
+            <a:noFill/>
+            <a:ln w="9525" cap="flat">
+              <a:solidFill>
+                <a:schemeClr val="tx1">
+                  <a:alpha val="20000"/>
+                </a:schemeClr>
+              </a:solidFill>
+              <a:prstDash val="solid"/>
+              <a:miter lim="800000"/>
+              <a:headEnd/>
+              <a:tailEnd/>
+            </a:ln>
+            <a:extLst>
+              <a:ext uri="{909E8E84-426E-40DD-AFC4-6F175D3DCCD1}">
+                <a14:hiddenFill xmlns:a14="http://schemas.microsoft.com/office/drawing/2010/main">
+                  <a:solidFill>
+                    <a:srgbClr val="FFFFFF"/>
+                  </a:solidFill>
+                </a14:hiddenFill>
+              </a:ext>
+            </a:extLst>
+          </p:spPr>
+        </p:sp>
+        <p:sp>
+          <p:nvSpPr>
+            <p:cNvPr id="23" name="Freeform 17">
+              <a:extLst>
+                <a:ext uri="{FF2B5EF4-FFF2-40B4-BE49-F238E27FC236}">
+                  <a16:creationId xmlns:a16="http://schemas.microsoft.com/office/drawing/2014/main" id="{53FF918D-79D3-4F55-A68C-0DD5880DABDF}"/>
+                </a:ext>
+                <a:ext uri="{C183D7F6-B498-43B3-948B-1728B52AA6E4}">
+                  <adec:decorative xmlns:adec="http://schemas.microsoft.com/office/drawing/2017/decorative" val="1"/>
+                </a:ext>
+              </a:extLst>
+            </p:cNvPr>
+            <p:cNvSpPr/>
+            <p:nvPr>
+              <p:extLst>
+                <p:ext uri="{386F3935-93C4-4BCD-93E2-E3B085C9AB24}">
+                  <p16:designElem xmlns:p16="http://schemas.microsoft.com/office/powerpoint/2015/main" val="1"/>
+                </p:ext>
+              </p:extLst>
+            </p:nvPr>
+          </p:nvSpPr>
+          <p:spPr bwMode="auto">
+            <a:xfrm>
+              <a:off x="10979150" y="5694363"/>
+              <a:ext cx="1187450" cy="1149350"/>
+            </a:xfrm>
+            <a:custGeom>
+              <a:avLst/>
+              <a:gdLst/>
+              <a:ahLst/>
+              <a:cxnLst/>
+              <a:rect l="0" t="0" r="r" b="b"/>
+              <a:pathLst>
+                <a:path w="250" h="242">
+                  <a:moveTo>
+                    <a:pt x="0" y="242"/>
+                  </a:moveTo>
+                  <a:cubicBezTo>
+                    <a:pt x="88" y="166"/>
+                    <a:pt x="172" y="85"/>
+                    <a:pt x="250" y="0"/>
+                  </a:cubicBezTo>
+                </a:path>
+              </a:pathLst>
+            </a:custGeom>
+            <a:noFill/>
+            <a:ln w="9525" cap="flat">
+              <a:solidFill>
+                <a:schemeClr val="tx1">
+                  <a:alpha val="20000"/>
+                </a:schemeClr>
+              </a:solidFill>
+              <a:prstDash val="solid"/>
+              <a:miter lim="800000"/>
+              <a:headEnd/>
+              <a:tailEnd/>
+            </a:ln>
+            <a:extLst>
+              <a:ext uri="{909E8E84-426E-40DD-AFC4-6F175D3DCCD1}">
+                <a14:hiddenFill xmlns:a14="http://schemas.microsoft.com/office/drawing/2010/main">
+                  <a:solidFill>
+                    <a:srgbClr val="FFFFFF"/>
+                  </a:solidFill>
+                </a14:hiddenFill>
+              </a:ext>
+            </a:extLst>
+          </p:spPr>
+        </p:sp>
+        <p:sp>
+          <p:nvSpPr>
+            <p:cNvPr id="24" name="Freeform 18">
+              <a:extLst>
+                <a:ext uri="{FF2B5EF4-FFF2-40B4-BE49-F238E27FC236}">
+                  <a16:creationId xmlns:a16="http://schemas.microsoft.com/office/drawing/2014/main" id="{B9FC1440-933F-44FE-8D77-4827DD0F99A5}"/>
+                </a:ext>
+                <a:ext uri="{C183D7F6-B498-43B3-948B-1728B52AA6E4}">
+                  <adec:decorative xmlns:adec="http://schemas.microsoft.com/office/drawing/2017/decorative" val="1"/>
+                </a:ext>
+              </a:extLst>
+            </p:cNvPr>
+            <p:cNvSpPr/>
+            <p:nvPr>
+              <p:extLst>
+                <p:ext uri="{386F3935-93C4-4BCD-93E2-E3B085C9AB24}">
+                  <p16:designElem xmlns:p16="http://schemas.microsoft.com/office/powerpoint/2015/main" val="1"/>
+                </p:ext>
+              </p:extLst>
+            </p:nvPr>
+          </p:nvSpPr>
+          <p:spPr bwMode="auto">
+            <a:xfrm>
+              <a:off x="484188" y="0"/>
+              <a:ext cx="3421063" cy="6843713"/>
+            </a:xfrm>
+            <a:custGeom>
+              <a:avLst/>
+              <a:gdLst/>
+              <a:ahLst/>
+              <a:cxnLst/>
+              <a:rect l="0" t="0" r="r" b="b"/>
+              <a:pathLst>
+                <a:path w="720" h="1440">
+                  <a:moveTo>
+                    <a:pt x="720" y="0"/>
+                  </a:moveTo>
+                  <a:cubicBezTo>
+                    <a:pt x="316" y="282"/>
+                    <a:pt x="0" y="1018"/>
+                    <a:pt x="362" y="1440"/>
+                  </a:cubicBezTo>
+                </a:path>
+              </a:pathLst>
+            </a:custGeom>
+            <a:noFill/>
+            <a:ln w="9525" cap="flat">
+              <a:solidFill>
+                <a:schemeClr val="tx1">
+                  <a:alpha val="20000"/>
+                </a:schemeClr>
+              </a:solidFill>
+              <a:prstDash val="solid"/>
+              <a:miter lim="800000"/>
+              <a:headEnd/>
+              <a:tailEnd/>
+            </a:ln>
+            <a:extLst>
+              <a:ext uri="{909E8E84-426E-40DD-AFC4-6F175D3DCCD1}">
+                <a14:hiddenFill xmlns:a14="http://schemas.microsoft.com/office/drawing/2010/main">
+                  <a:solidFill>
+                    <a:srgbClr val="FFFFFF"/>
+                  </a:solidFill>
+                </a14:hiddenFill>
+              </a:ext>
+            </a:extLst>
+          </p:spPr>
+        </p:sp>
+        <p:sp>
+          <p:nvSpPr>
+            <p:cNvPr id="25" name="Freeform 19">
+              <a:extLst>
+                <a:ext uri="{FF2B5EF4-FFF2-40B4-BE49-F238E27FC236}">
+                  <a16:creationId xmlns:a16="http://schemas.microsoft.com/office/drawing/2014/main" id="{0F67F308-A67C-4D2E-B081-59BB31D8EC50}"/>
+                </a:ext>
+                <a:ext uri="{C183D7F6-B498-43B3-948B-1728B52AA6E4}">
+                  <adec:decorative xmlns:adec="http://schemas.microsoft.com/office/drawing/2017/decorative" val="1"/>
+                </a:ext>
+              </a:extLst>
+            </p:cNvPr>
+            <p:cNvSpPr/>
+            <p:nvPr>
+              <p:extLst>
+                <p:ext uri="{386F3935-93C4-4BCD-93E2-E3B085C9AB24}">
+                  <p16:designElem xmlns:p16="http://schemas.microsoft.com/office/powerpoint/2015/main" val="1"/>
+                </p:ext>
+              </p:extLst>
+            </p:nvPr>
+          </p:nvSpPr>
+          <p:spPr bwMode="auto">
+            <a:xfrm>
+              <a:off x="11287125" y="6049963"/>
+              <a:ext cx="879475" cy="793750"/>
+            </a:xfrm>
+            <a:custGeom>
+              <a:avLst/>
+              <a:gdLst/>
+              <a:ahLst/>
+              <a:cxnLst/>
+              <a:rect l="0" t="0" r="r" b="b"/>
+              <a:pathLst>
+                <a:path w="185" h="167">
+                  <a:moveTo>
+                    <a:pt x="0" y="167"/>
+                  </a:moveTo>
+                  <a:cubicBezTo>
+                    <a:pt x="63" y="114"/>
+                    <a:pt x="125" y="58"/>
+                    <a:pt x="185" y="0"/>
+                  </a:cubicBezTo>
+                </a:path>
+              </a:pathLst>
+            </a:custGeom>
+            <a:noFill/>
+            <a:ln w="9525" cap="flat">
+              <a:solidFill>
+                <a:schemeClr val="tx1">
+                  <a:alpha val="20000"/>
+                </a:schemeClr>
+              </a:solidFill>
+              <a:prstDash val="solid"/>
+              <a:miter lim="800000"/>
+              <a:headEnd/>
+              <a:tailEnd/>
+            </a:ln>
+            <a:extLst>
+              <a:ext uri="{909E8E84-426E-40DD-AFC4-6F175D3DCCD1}">
+                <a14:hiddenFill xmlns:a14="http://schemas.microsoft.com/office/drawing/2010/main">
+                  <a:solidFill>
+                    <a:srgbClr val="FFFFFF"/>
+                  </a:solidFill>
+                </a14:hiddenFill>
+              </a:ext>
+            </a:extLst>
+          </p:spPr>
+        </p:sp>
+        <p:sp>
+          <p:nvSpPr>
+            <p:cNvPr id="26" name="Freeform 20">
+              <a:extLst>
+                <a:ext uri="{FF2B5EF4-FFF2-40B4-BE49-F238E27FC236}">
+                  <a16:creationId xmlns:a16="http://schemas.microsoft.com/office/drawing/2014/main" id="{80112F01-90EB-4AEC-A39C-5C6875FFB99B}"/>
+                </a:ext>
+                <a:ext uri="{C183D7F6-B498-43B3-948B-1728B52AA6E4}">
+                  <adec:decorative xmlns:adec="http://schemas.microsoft.com/office/drawing/2017/decorative" val="1"/>
+                </a:ext>
+              </a:extLst>
+            </p:cNvPr>
+            <p:cNvSpPr/>
+            <p:nvPr>
+              <p:extLst>
+                <p:ext uri="{386F3935-93C4-4BCD-93E2-E3B085C9AB24}">
+                  <p16:designElem xmlns:p16="http://schemas.microsoft.com/office/powerpoint/2015/main" val="1"/>
+                </p:ext>
+              </p:extLst>
+            </p:nvPr>
+          </p:nvSpPr>
+          <p:spPr bwMode="auto">
+            <a:xfrm>
+              <a:off x="598488" y="0"/>
+              <a:ext cx="2717800" cy="6843713"/>
+            </a:xfrm>
+            <a:custGeom>
+              <a:avLst/>
+              <a:gdLst/>
+              <a:ahLst/>
+              <a:cxnLst/>
+              <a:rect l="0" t="0" r="r" b="b"/>
+              <a:pathLst>
+                <a:path w="572" h="1440">
+                  <a:moveTo>
+                    <a:pt x="572" y="0"/>
+                  </a:moveTo>
+                  <a:cubicBezTo>
+                    <a:pt x="213" y="320"/>
+                    <a:pt x="0" y="979"/>
+                    <a:pt x="164" y="1440"/>
+                  </a:cubicBezTo>
+                </a:path>
+              </a:pathLst>
+            </a:custGeom>
+            <a:noFill/>
+            <a:ln w="12700" cap="flat">
+              <a:solidFill>
+                <a:schemeClr val="tx1">
+                  <a:alpha val="20000"/>
+                </a:schemeClr>
+              </a:solidFill>
+              <a:prstDash val="dashDot"/>
+              <a:miter lim="800000"/>
+              <a:headEnd/>
+              <a:tailEnd/>
+            </a:ln>
+            <a:extLst>
+              <a:ext uri="{909E8E84-426E-40DD-AFC4-6F175D3DCCD1}">
+                <a14:hiddenFill xmlns:a14="http://schemas.microsoft.com/office/drawing/2010/main">
+                  <a:solidFill>
+                    <a:srgbClr val="FFFFFF"/>
+                  </a:solidFill>
+                </a14:hiddenFill>
+              </a:ext>
+            </a:extLst>
+          </p:spPr>
+        </p:sp>
+        <p:sp>
+          <p:nvSpPr>
+            <p:cNvPr id="27" name="Freeform 21">
+              <a:extLst>
+                <a:ext uri="{FF2B5EF4-FFF2-40B4-BE49-F238E27FC236}">
+                  <a16:creationId xmlns:a16="http://schemas.microsoft.com/office/drawing/2014/main" id="{893F6B05-90EB-4C75-A0F0-C7247553BD81}"/>
+                </a:ext>
+                <a:ext uri="{C183D7F6-B498-43B3-948B-1728B52AA6E4}">
+                  <adec:decorative xmlns:adec="http://schemas.microsoft.com/office/drawing/2017/decorative" val="1"/>
+                </a:ext>
+              </a:extLst>
+            </p:cNvPr>
+            <p:cNvSpPr/>
+            <p:nvPr>
+              <p:extLst>
+                <p:ext uri="{386F3935-93C4-4BCD-93E2-E3B085C9AB24}">
+                  <p16:designElem xmlns:p16="http://schemas.microsoft.com/office/powerpoint/2015/main" val="1"/>
+                </p:ext>
+              </p:extLst>
+            </p:nvPr>
+          </p:nvSpPr>
+          <p:spPr bwMode="auto">
+            <a:xfrm>
+              <a:off x="261938" y="0"/>
+              <a:ext cx="2944813" cy="6843713"/>
+            </a:xfrm>
+            <a:custGeom>
+              <a:avLst/>
+              <a:gdLst/>
+              <a:ahLst/>
+              <a:cxnLst/>
+              <a:rect l="0" t="0" r="r" b="b"/>
+              <a:pathLst>
+                <a:path w="620" h="1440">
+                  <a:moveTo>
+                    <a:pt x="620" y="0"/>
+                  </a:moveTo>
+                  <a:cubicBezTo>
+                    <a:pt x="248" y="325"/>
+                    <a:pt x="0" y="960"/>
+                    <a:pt x="186" y="1440"/>
+                  </a:cubicBezTo>
+                </a:path>
+              </a:pathLst>
+            </a:custGeom>
+            <a:noFill/>
+            <a:ln w="9525" cap="flat">
+              <a:solidFill>
+                <a:schemeClr val="tx1">
+                  <a:alpha val="20000"/>
+                </a:schemeClr>
+              </a:solidFill>
+              <a:prstDash val="lgDash"/>
+              <a:miter lim="800000"/>
+              <a:headEnd/>
+              <a:tailEnd/>
+            </a:ln>
+            <a:extLst>
+              <a:ext uri="{909E8E84-426E-40DD-AFC4-6F175D3DCCD1}">
+                <a14:hiddenFill xmlns:a14="http://schemas.microsoft.com/office/drawing/2010/main">
+                  <a:solidFill>
+                    <a:srgbClr val="FFFFFF"/>
+                  </a:solidFill>
+                </a14:hiddenFill>
+              </a:ext>
+            </a:extLst>
+          </p:spPr>
+        </p:sp>
+        <p:sp>
+          <p:nvSpPr>
+            <p:cNvPr id="28" name="Freeform 22">
+              <a:extLst>
+                <a:ext uri="{FF2B5EF4-FFF2-40B4-BE49-F238E27FC236}">
+                  <a16:creationId xmlns:a16="http://schemas.microsoft.com/office/drawing/2014/main" id="{227B563B-E0C0-4D81-966D-B5E2DBAAE8B5}"/>
+                </a:ext>
+                <a:ext uri="{C183D7F6-B498-43B3-948B-1728B52AA6E4}">
+                  <adec:decorative xmlns:adec="http://schemas.microsoft.com/office/drawing/2017/decorative" val="1"/>
+                </a:ext>
+              </a:extLst>
+            </p:cNvPr>
+            <p:cNvSpPr/>
+            <p:nvPr>
+              <p:extLst>
+                <p:ext uri="{386F3935-93C4-4BCD-93E2-E3B085C9AB24}">
+                  <p16:designElem xmlns:p16="http://schemas.microsoft.com/office/powerpoint/2015/main" val="1"/>
+                </p:ext>
+              </p:extLst>
+            </p:nvPr>
+          </p:nvSpPr>
+          <p:spPr bwMode="auto">
+            <a:xfrm>
+              <a:off x="-417513" y="0"/>
+              <a:ext cx="2403475" cy="6843713"/>
+            </a:xfrm>
+            <a:custGeom>
+              <a:avLst/>
+              <a:gdLst/>
+              <a:ahLst/>
+              <a:cxnLst/>
+              <a:rect l="0" t="0" r="r" b="b"/>
+              <a:pathLst>
+                <a:path w="506" h="1440">
+                  <a:moveTo>
+                    <a:pt x="506" y="0"/>
+                  </a:moveTo>
+                  <a:cubicBezTo>
+                    <a:pt x="109" y="356"/>
+                    <a:pt x="0" y="943"/>
+                    <a:pt x="171" y="1440"/>
+                  </a:cubicBezTo>
+                </a:path>
+              </a:pathLst>
+            </a:custGeom>
+            <a:noFill/>
+            <a:ln w="9525" cap="flat">
+              <a:solidFill>
+                <a:schemeClr val="tx1">
+                  <a:alpha val="20000"/>
+                </a:schemeClr>
+              </a:solidFill>
+              <a:prstDash val="solid"/>
+              <a:miter lim="800000"/>
+              <a:headEnd/>
+              <a:tailEnd/>
+            </a:ln>
+            <a:extLst>
+              <a:ext uri="{909E8E84-426E-40DD-AFC4-6F175D3DCCD1}">
+                <a14:hiddenFill xmlns:a14="http://schemas.microsoft.com/office/drawing/2010/main">
+                  <a:solidFill>
+                    <a:srgbClr val="FFFFFF"/>
+                  </a:solidFill>
+                </a14:hiddenFill>
+              </a:ext>
+            </a:extLst>
+          </p:spPr>
+        </p:sp>
+        <p:sp>
+          <p:nvSpPr>
+            <p:cNvPr id="29" name="Freeform 23">
+              <a:extLst>
+                <a:ext uri="{FF2B5EF4-FFF2-40B4-BE49-F238E27FC236}">
+                  <a16:creationId xmlns:a16="http://schemas.microsoft.com/office/drawing/2014/main" id="{130DF93D-D1FF-477A-BDCE-C8B01C3B476C}"/>
+                </a:ext>
+                <a:ext uri="{C183D7F6-B498-43B3-948B-1728B52AA6E4}">
+                  <adec:decorative xmlns:adec="http://schemas.microsoft.com/office/drawing/2017/decorative" val="1"/>
+                </a:ext>
+              </a:extLst>
+            </p:cNvPr>
+            <p:cNvSpPr/>
+            <p:nvPr>
+              <p:extLst>
+                <p:ext uri="{386F3935-93C4-4BCD-93E2-E3B085C9AB24}">
+                  <p16:designElem xmlns:p16="http://schemas.microsoft.com/office/powerpoint/2015/main" val="1"/>
+                </p:ext>
+              </p:extLst>
+            </p:nvPr>
+          </p:nvSpPr>
+          <p:spPr bwMode="auto">
+            <a:xfrm>
+              <a:off x="14288" y="9525"/>
+              <a:ext cx="1771650" cy="3198813"/>
+            </a:xfrm>
+            <a:custGeom>
+              <a:avLst/>
+              <a:gdLst/>
+              <a:ahLst/>
+              <a:cxnLst/>
+              <a:rect l="0" t="0" r="r" b="b"/>
+              <a:pathLst>
+                <a:path w="373" h="673">
+                  <a:moveTo>
+                    <a:pt x="373" y="0"/>
+                  </a:moveTo>
+                  <a:cubicBezTo>
+                    <a:pt x="175" y="183"/>
+                    <a:pt x="51" y="409"/>
+                    <a:pt x="0" y="673"/>
+                  </a:cubicBezTo>
+                </a:path>
+              </a:pathLst>
+            </a:custGeom>
+            <a:noFill/>
+            <a:ln w="9525" cap="flat">
+              <a:solidFill>
+                <a:schemeClr val="tx1">
+                  <a:alpha val="20000"/>
+                </a:schemeClr>
+              </a:solidFill>
+              <a:prstDash val="solid"/>
+              <a:miter lim="800000"/>
+              <a:headEnd/>
+              <a:tailEnd/>
+            </a:ln>
+            <a:extLst>
+              <a:ext uri="{909E8E84-426E-40DD-AFC4-6F175D3DCCD1}">
+                <a14:hiddenFill xmlns:a14="http://schemas.microsoft.com/office/drawing/2010/main">
+                  <a:solidFill>
+                    <a:srgbClr val="FFFFFF"/>
+                  </a:solidFill>
+                </a14:hiddenFill>
+              </a:ext>
+            </a:extLst>
+          </p:spPr>
+        </p:sp>
+        <p:sp>
+          <p:nvSpPr>
+            <p:cNvPr id="30" name="Freeform 24">
+              <a:extLst>
+                <a:ext uri="{FF2B5EF4-FFF2-40B4-BE49-F238E27FC236}">
+                  <a16:creationId xmlns:a16="http://schemas.microsoft.com/office/drawing/2014/main" id="{44ED67A1-C6FE-4AC8-8473-11DAC03DCD33}"/>
+                </a:ext>
+                <a:ext uri="{C183D7F6-B498-43B3-948B-1728B52AA6E4}">
+                  <adec:decorative xmlns:adec="http://schemas.microsoft.com/office/drawing/2017/decorative" val="1"/>
+                </a:ext>
+              </a:extLst>
+            </p:cNvPr>
+            <p:cNvSpPr/>
+            <p:nvPr>
+              <p:extLst>
+                <p:ext uri="{386F3935-93C4-4BCD-93E2-E3B085C9AB24}">
+                  <p16:designElem xmlns:p16="http://schemas.microsoft.com/office/powerpoint/2015/main" val="1"/>
+                </p:ext>
+              </p:extLst>
+            </p:nvPr>
+          </p:nvSpPr>
+          <p:spPr bwMode="auto">
+            <a:xfrm>
+              <a:off x="4763" y="6016625"/>
+              <a:ext cx="214313" cy="827088"/>
+            </a:xfrm>
+            <a:custGeom>
+              <a:avLst/>
+              <a:gdLst/>
+              <a:ahLst/>
+              <a:cxnLst/>
+              <a:rect l="0" t="0" r="r" b="b"/>
+              <a:pathLst>
+                <a:path w="45" h="174">
+                  <a:moveTo>
+                    <a:pt x="0" y="0"/>
+                  </a:moveTo>
+                  <a:cubicBezTo>
+                    <a:pt x="11" y="59"/>
+                    <a:pt x="26" y="118"/>
+                    <a:pt x="45" y="174"/>
+                  </a:cubicBezTo>
+                </a:path>
+              </a:pathLst>
+            </a:custGeom>
+            <a:noFill/>
+            <a:ln w="9525" cap="flat">
+              <a:solidFill>
+                <a:schemeClr val="tx1">
+                  <a:alpha val="20000"/>
+                </a:schemeClr>
+              </a:solidFill>
+              <a:prstDash val="solid"/>
+              <a:miter lim="800000"/>
+              <a:headEnd/>
+              <a:tailEnd/>
+            </a:ln>
+            <a:extLst>
+              <a:ext uri="{909E8E84-426E-40DD-AFC4-6F175D3DCCD1}">
+                <a14:hiddenFill xmlns:a14="http://schemas.microsoft.com/office/drawing/2010/main">
+                  <a:solidFill>
+                    <a:srgbClr val="FFFFFF"/>
+                  </a:solidFill>
+                </a14:hiddenFill>
+              </a:ext>
+            </a:extLst>
+          </p:spPr>
+        </p:sp>
+        <p:sp>
+          <p:nvSpPr>
+            <p:cNvPr id="31" name="Freeform 25">
+              <a:extLst>
+                <a:ext uri="{FF2B5EF4-FFF2-40B4-BE49-F238E27FC236}">
+                  <a16:creationId xmlns:a16="http://schemas.microsoft.com/office/drawing/2014/main" id="{213A54F3-15FA-4C8F-8ABF-CE77E7219658}"/>
+                </a:ext>
+                <a:ext uri="{C183D7F6-B498-43B3-948B-1728B52AA6E4}">
+                  <adec:decorative xmlns:adec="http://schemas.microsoft.com/office/drawing/2017/decorative" val="1"/>
+                </a:ext>
+              </a:extLst>
+            </p:cNvPr>
+            <p:cNvSpPr/>
+            <p:nvPr>
+              <p:extLst>
+                <p:ext uri="{386F3935-93C4-4BCD-93E2-E3B085C9AB24}">
+                  <p16:designElem xmlns:p16="http://schemas.microsoft.com/office/powerpoint/2015/main" val="1"/>
+                </p:ext>
+              </p:extLst>
+            </p:nvPr>
+          </p:nvSpPr>
+          <p:spPr bwMode="auto">
+            <a:xfrm>
+              <a:off x="14288" y="0"/>
+              <a:ext cx="1562100" cy="2228850"/>
+            </a:xfrm>
+            <a:custGeom>
+              <a:avLst/>
+              <a:gdLst/>
+              <a:ahLst/>
+              <a:cxnLst/>
+              <a:rect l="0" t="0" r="r" b="b"/>
+              <a:pathLst>
+                <a:path w="329" h="469">
+                  <a:moveTo>
+                    <a:pt x="329" y="0"/>
+                  </a:moveTo>
+                  <a:cubicBezTo>
+                    <a:pt x="189" y="133"/>
+                    <a:pt x="69" y="288"/>
+                    <a:pt x="0" y="469"/>
+                  </a:cubicBezTo>
+                </a:path>
+              </a:pathLst>
+            </a:custGeom>
+            <a:noFill/>
+            <a:ln w="9525" cap="flat">
+              <a:solidFill>
+                <a:schemeClr val="tx1">
+                  <a:alpha val="20000"/>
+                </a:schemeClr>
+              </a:solidFill>
+              <a:prstDash val="solid"/>
+              <a:miter lim="800000"/>
+              <a:headEnd/>
+              <a:tailEnd/>
+            </a:ln>
+            <a:extLst>
+              <a:ext uri="{909E8E84-426E-40DD-AFC4-6F175D3DCCD1}">
+                <a14:hiddenFill xmlns:a14="http://schemas.microsoft.com/office/drawing/2010/main">
+                  <a:solidFill>
+                    <a:srgbClr val="FFFFFF"/>
+                  </a:solidFill>
+                </a14:hiddenFill>
+              </a:ext>
+            </a:extLst>
+          </p:spPr>
+        </p:sp>
+      </p:grpSp>
+      <p:grpSp>
+        <p:nvGrpSpPr>
+          <p:cNvPr id="33" name="Group 32">
+            <a:extLst>
+              <a:ext uri="{FF2B5EF4-FFF2-40B4-BE49-F238E27FC236}">
+                <a16:creationId xmlns:a16="http://schemas.microsoft.com/office/drawing/2014/main" id="{5F8A7F7F-DD1A-4F41-98AC-B9CE2A620CDC}"/>
+              </a:ext>
+              <a:ext uri="{C183D7F6-B498-43B3-948B-1728B52AA6E4}">
+                <adec:decorative xmlns:adec="http://schemas.microsoft.com/office/drawing/2017/decorative" val="1"/>
+              </a:ext>
+            </a:extLst>
+          </p:cNvPr>
+          <p:cNvGrpSpPr>
+            <a:grpSpLocks noGrp="1" noUngrp="1" noRot="1" noChangeAspect="1" noMove="1" noResize="1"/>
+          </p:cNvGrpSpPr>
+          <p:nvPr>
+            <p:extLst>
+              <p:ext uri="{386F3935-93C4-4BCD-93E2-E3B085C9AB24}">
+                <p16:designElem xmlns:p16="http://schemas.microsoft.com/office/powerpoint/2015/main" val="1"/>
+              </p:ext>
+            </p:extLst>
+          </p:nvPr>
+        </p:nvGrpSpPr>
+        <p:grpSpPr>
+          <a:xfrm>
+            <a:off x="800144" y="1699589"/>
+            <a:ext cx="3674476" cy="3470421"/>
+            <a:chOff x="697883" y="1816768"/>
+            <a:chExt cx="3674476" cy="3470421"/>
+          </a:xfrm>
+        </p:grpSpPr>
+        <p:sp>
+          <p:nvSpPr>
+            <p:cNvPr id="34" name="Rectangle 33">
+              <a:extLst>
+                <a:ext uri="{FF2B5EF4-FFF2-40B4-BE49-F238E27FC236}">
+                  <a16:creationId xmlns:a16="http://schemas.microsoft.com/office/drawing/2014/main" id="{CEF47228-EB7C-4EBA-BE01-DA6CB2410289}"/>
+                </a:ext>
+                <a:ext uri="{C183D7F6-B498-43B3-948B-1728B52AA6E4}">
+                  <adec:decorative xmlns:adec="http://schemas.microsoft.com/office/drawing/2017/decorative" val="1"/>
+                </a:ext>
+              </a:extLst>
+            </p:cNvPr>
+            <p:cNvSpPr/>
+            <p:nvPr>
+              <p:extLst>
+                <p:ext uri="{386F3935-93C4-4BCD-93E2-E3B085C9AB24}">
+                  <p16:designElem xmlns:p16="http://schemas.microsoft.com/office/powerpoint/2015/main" val="1"/>
+                </p:ext>
+              </p:extLst>
+            </p:nvPr>
+          </p:nvSpPr>
+          <p:spPr>
+            <a:xfrm>
+              <a:off x="697883" y="1816768"/>
+              <a:ext cx="3674476" cy="502920"/>
+            </a:xfrm>
+            <a:prstGeom prst="rect">
+              <a:avLst/>
+            </a:prstGeom>
+            <a:solidFill>
+              <a:schemeClr val="accent1"/>
+            </a:solidFill>
+            <a:ln>
+              <a:noFill/>
+            </a:ln>
+          </p:spPr>
+          <p:style>
+            <a:lnRef idx="2">
+              <a:schemeClr val="accent1">
+                <a:shade val="50000"/>
+              </a:schemeClr>
+            </a:lnRef>
+            <a:fillRef idx="1">
+              <a:schemeClr val="accent1"/>
+            </a:fillRef>
+            <a:effectRef idx="0">
+              <a:schemeClr val="accent1"/>
+            </a:effectRef>
+            <a:fontRef idx="minor">
+              <a:schemeClr val="lt1"/>
+            </a:fontRef>
+          </p:style>
+        </p:sp>
+        <p:sp>
+          <p:nvSpPr>
+            <p:cNvPr id="35" name="Isosceles Triangle 22">
+              <a:extLst>
+                <a:ext uri="{FF2B5EF4-FFF2-40B4-BE49-F238E27FC236}">
+                  <a16:creationId xmlns:a16="http://schemas.microsoft.com/office/drawing/2014/main" id="{3D2FD25A-EFFD-4F5C-9258-981F5907DE21}"/>
+                </a:ext>
+                <a:ext uri="{C183D7F6-B498-43B3-948B-1728B52AA6E4}">
+                  <adec:decorative xmlns:adec="http://schemas.microsoft.com/office/drawing/2017/decorative" val="1"/>
+                </a:ext>
+              </a:extLst>
+            </p:cNvPr>
+            <p:cNvSpPr/>
+            <p:nvPr>
+              <p:extLst>
+                <p:ext uri="{386F3935-93C4-4BCD-93E2-E3B085C9AB24}">
+                  <p16:designElem xmlns:p16="http://schemas.microsoft.com/office/powerpoint/2015/main" val="1"/>
+                </p:ext>
+              </p:extLst>
+            </p:nvPr>
+          </p:nvSpPr>
+          <p:spPr>
+            <a:xfrm rot="10800000">
+              <a:off x="2380224" y="5014786"/>
+              <a:ext cx="315988" cy="272403"/>
+            </a:xfrm>
+            <a:prstGeom prst="triangle">
+              <a:avLst/>
+            </a:prstGeom>
+            <a:solidFill>
+              <a:schemeClr val="accent1"/>
+            </a:solidFill>
+            <a:ln>
+              <a:noFill/>
+            </a:ln>
+          </p:spPr>
+          <p:style>
+            <a:lnRef idx="2">
+              <a:schemeClr val="accent1">
+                <a:shade val="50000"/>
+              </a:schemeClr>
+            </a:lnRef>
+            <a:fillRef idx="1">
+              <a:schemeClr val="accent1"/>
+            </a:fillRef>
+            <a:effectRef idx="0">
+              <a:schemeClr val="accent1"/>
+            </a:effectRef>
+            <a:fontRef idx="minor">
+              <a:schemeClr val="lt1"/>
+            </a:fontRef>
+          </p:style>
+        </p:sp>
+        <p:sp>
+          <p:nvSpPr>
+            <p:cNvPr id="36" name="Rectangle 35">
+              <a:extLst>
+                <a:ext uri="{FF2B5EF4-FFF2-40B4-BE49-F238E27FC236}">
+                  <a16:creationId xmlns:a16="http://schemas.microsoft.com/office/drawing/2014/main" id="{DCF573BC-A06F-4036-A3A8-9D07DDE62253}"/>
+                </a:ext>
+                <a:ext uri="{C183D7F6-B498-43B3-948B-1728B52AA6E4}">
+                  <adec:decorative xmlns:adec="http://schemas.microsoft.com/office/drawing/2017/decorative" val="1"/>
+                </a:ext>
+              </a:extLst>
+            </p:cNvPr>
+            <p:cNvSpPr/>
+            <p:nvPr>
+              <p:extLst>
+                <p:ext uri="{386F3935-93C4-4BCD-93E2-E3B085C9AB24}">
+                  <p16:designElem xmlns:p16="http://schemas.microsoft.com/office/powerpoint/2015/main" val="1"/>
+                </p:ext>
+              </p:extLst>
+            </p:nvPr>
+          </p:nvSpPr>
+          <p:spPr>
+            <a:xfrm>
+              <a:off x="704075" y="2392840"/>
+              <a:ext cx="3668284" cy="2624327"/>
+            </a:xfrm>
+            <a:prstGeom prst="rect">
+              <a:avLst/>
+            </a:prstGeom>
+            <a:solidFill>
+              <a:schemeClr val="accent1"/>
+            </a:solidFill>
+            <a:ln>
+              <a:noFill/>
+            </a:ln>
+          </p:spPr>
+          <p:style>
+            <a:lnRef idx="2">
+              <a:schemeClr val="accent1">
+                <a:shade val="50000"/>
+              </a:schemeClr>
+            </a:lnRef>
+            <a:fillRef idx="1">
+              <a:schemeClr val="accent1"/>
+            </a:fillRef>
+            <a:effectRef idx="0">
+              <a:schemeClr val="accent1"/>
+            </a:effectRef>
+            <a:fontRef idx="minor">
+              <a:schemeClr val="lt1"/>
+            </a:fontRef>
+          </p:style>
+        </p:sp>
+      </p:grpSp>
+      <p:sp>
+        <p:nvSpPr>
+          <p:cNvPr id="2" name="Title 1">
+            <a:extLst>
+              <a:ext uri="{FF2B5EF4-FFF2-40B4-BE49-F238E27FC236}">
+                <a16:creationId xmlns:a16="http://schemas.microsoft.com/office/drawing/2014/main" id="{6F63A5C2-7055-4693-A830-0AD639AC44B5}"/>
+              </a:ext>
+            </a:extLst>
+          </p:cNvPr>
+          <p:cNvSpPr>
+            <a:spLocks noGrp="1"/>
+          </p:cNvSpPr>
+          <p:nvPr>
+            <p:ph type="title"/>
+          </p:nvPr>
+        </p:nvSpPr>
+        <p:spPr>
+          <a:xfrm>
+            <a:off x="904877" y="2415322"/>
+            <a:ext cx="3451730" cy="2399869"/>
+          </a:xfrm>
+        </p:spPr>
+        <p:txBody>
+          <a:bodyPr>
+            <a:normAutofit/>
+          </a:bodyPr>
+          <a:lstStyle/>
+          <a:p>
+            <a:pPr algn="ctr"/>
+            <a:r>
+              <a:rPr lang="en-US" sz="4000">
+                <a:solidFill>
+                  <a:srgbClr val="FFFFFF"/>
+                </a:solidFill>
+              </a:rPr>
+              <a:t>Zadatak</a:t>
+            </a:r>
+            <a:endParaRPr lang="en-GB" sz="4000">
+              <a:solidFill>
+                <a:srgbClr val="FFFFFF"/>
+              </a:solidFill>
+            </a:endParaRPr>
+          </a:p>
+        </p:txBody>
+      </p:sp>
+      <p:sp>
+        <p:nvSpPr>
+          <p:cNvPr id="3" name="Content Placeholder 2">
+            <a:extLst>
+              <a:ext uri="{FF2B5EF4-FFF2-40B4-BE49-F238E27FC236}">
+                <a16:creationId xmlns:a16="http://schemas.microsoft.com/office/drawing/2014/main" id="{EFF698BE-5048-40A4-89BD-A8A6678EB4C4}"/>
+              </a:ext>
+            </a:extLst>
+          </p:cNvPr>
+          <p:cNvSpPr>
+            <a:spLocks noGrp="1"/>
+          </p:cNvSpPr>
+          <p:nvPr>
+            <p:ph idx="1"/>
+          </p:nvPr>
+        </p:nvSpPr>
+        <p:spPr>
+          <a:xfrm>
+            <a:off x="5120640" y="804672"/>
+            <a:ext cx="6281928" cy="5248656"/>
+          </a:xfrm>
+        </p:spPr>
+        <p:txBody>
+          <a:bodyPr anchor="ctr">
+            <a:normAutofit/>
+          </a:bodyPr>
+          <a:lstStyle/>
+          <a:p>
+            <a:pPr marL="457200"/>
+            <a:r>
+              <a:rPr lang="en-US" sz="1400" dirty="0" err="1"/>
+              <a:t>Prepraviti</a:t>
+            </a:r>
+            <a:r>
+              <a:rPr lang="en-US" sz="1400" dirty="0"/>
+              <a:t> </a:t>
+            </a:r>
+            <a:r>
+              <a:rPr lang="en-US" sz="1400" dirty="0" err="1"/>
+              <a:t>prvi</a:t>
+            </a:r>
+            <a:r>
+              <a:rPr lang="en-US" sz="1400" dirty="0"/>
+              <a:t> </a:t>
+            </a:r>
+            <a:r>
+              <a:rPr lang="en-US" sz="1400" dirty="0" err="1"/>
+              <a:t>zadatak</a:t>
+            </a:r>
+            <a:r>
+              <a:rPr lang="en-US" sz="1400" dirty="0"/>
+              <a:t> </a:t>
+            </a:r>
+            <a:r>
+              <a:rPr lang="en-US" sz="1400" dirty="0" err="1"/>
+              <a:t>tako</a:t>
+            </a:r>
+            <a:r>
+              <a:rPr lang="en-US" sz="1400" dirty="0"/>
+              <a:t> da se </a:t>
+            </a:r>
+            <a:r>
+              <a:rPr lang="en-US" sz="1400" dirty="0" err="1"/>
+              <a:t>koristi</a:t>
+            </a:r>
+            <a:r>
+              <a:rPr lang="en-US" sz="1400" dirty="0"/>
+              <a:t> </a:t>
+            </a:r>
+            <a:r>
+              <a:rPr lang="en-US" sz="1400" dirty="0" err="1"/>
+              <a:t>komponenta</a:t>
+            </a:r>
+            <a:r>
+              <a:rPr lang="en-US" sz="1400" dirty="0"/>
+              <a:t> </a:t>
+            </a:r>
+            <a:r>
+              <a:rPr lang="en-US" sz="1400" dirty="0" err="1"/>
+              <a:t>umesto</a:t>
+            </a:r>
+            <a:r>
+              <a:rPr lang="en-US" sz="1400" dirty="0"/>
+              <a:t> template - </a:t>
+            </a:r>
+            <a:r>
+              <a:rPr lang="en-US" sz="1400" dirty="0" err="1"/>
+              <a:t>kontroler</a:t>
+            </a:r>
+            <a:r>
+              <a:rPr lang="en-US" sz="1400" dirty="0"/>
+              <a:t>.</a:t>
+            </a:r>
+          </a:p>
+          <a:p>
+            <a:pPr marL="457200"/>
+            <a:r>
+              <a:rPr lang="en-US" sz="1400" dirty="0" err="1"/>
+              <a:t>Pozvati</a:t>
+            </a:r>
+            <a:r>
+              <a:rPr lang="en-US" sz="1400" dirty="0"/>
+              <a:t> </a:t>
+            </a:r>
+            <a:r>
+              <a:rPr lang="en-US" sz="1400" dirty="0" err="1"/>
+              <a:t>komponentu</a:t>
+            </a:r>
+            <a:r>
+              <a:rPr lang="en-US" sz="1400" dirty="0"/>
+              <a:t> u index.html</a:t>
+            </a:r>
+          </a:p>
+          <a:p>
+            <a:pPr marL="457200"/>
+            <a:r>
+              <a:rPr lang="en-US" sz="1400" dirty="0" err="1"/>
+              <a:t>Dodati</a:t>
+            </a:r>
+            <a:r>
+              <a:rPr lang="en-US" sz="1400" dirty="0"/>
+              <a:t> </a:t>
+            </a:r>
+            <a:r>
+              <a:rPr lang="en-US" sz="1400" dirty="0" err="1"/>
+              <a:t>fiter</a:t>
+            </a:r>
+            <a:r>
+              <a:rPr lang="en-US" sz="1400" dirty="0"/>
+              <a:t> za </a:t>
+            </a:r>
+            <a:r>
+              <a:rPr lang="en-US" sz="1400" dirty="0" err="1"/>
+              <a:t>pretragu</a:t>
+            </a:r>
+            <a:r>
+              <a:rPr lang="en-US" sz="1400" dirty="0"/>
+              <a:t> </a:t>
+            </a:r>
+            <a:r>
+              <a:rPr lang="en-US" sz="1400" dirty="0" err="1"/>
+              <a:t>kroz</a:t>
+            </a:r>
+            <a:r>
+              <a:rPr lang="en-US" sz="1400" dirty="0"/>
+              <a:t> </a:t>
+            </a:r>
+            <a:r>
+              <a:rPr lang="en-US" sz="1400" dirty="0" err="1"/>
+              <a:t>ngRepeate</a:t>
+            </a:r>
+            <a:r>
+              <a:rPr lang="en-US" sz="1400" dirty="0"/>
+              <a:t>.</a:t>
+            </a:r>
+            <a:endParaRPr lang="en-GB" sz="1400" dirty="0"/>
+          </a:p>
+        </p:txBody>
+      </p:sp>
+    </p:spTree>
+    <p:extLst>
+      <p:ext uri="{BB962C8B-B14F-4D97-AF65-F5344CB8AC3E}">
+        <p14:creationId xmlns:p14="http://schemas.microsoft.com/office/powerpoint/2010/main" val="221945275"/>
       </p:ext>
     </p:extLst>
   </p:cSld>

--- a/AngularJS.pptx
+++ b/AngularJS.pptx
@@ -131,8 +131,8 @@
 <file path=ppt/revisionInfo.xml><?xml version="1.0" encoding="utf-8"?>
 <p1510:revInfo xmlns:a="http://schemas.openxmlformats.org/drawingml/2006/main" xmlns:r="http://schemas.openxmlformats.org/officeDocument/2006/relationships" xmlns:p1510="http://schemas.microsoft.com/office/powerpoint/2015/10/main">
   <p1510:revLst>
+    <p1510:client id="{1320082C-A7C4-4F39-B207-5B44D2E8DB51}" v="45" dt="2019-01-21T15:48:04.955"/>
     <p1510:client id="{84984AE3-2FB9-472B-BE8B-CCC860EA6735}" v="656" dt="2019-01-20T21:09:15.280"/>
-    <p1510:client id="{1320082C-A7C4-4F39-B207-5B44D2E8DB51}" v="45" dt="2019-01-21T15:48:04.955"/>
   </p1510:revLst>
 </p1510:revInfo>
 </file>
@@ -1665,7 +1665,7 @@
           <a:p>
             <a:fld id="{6A752055-4DA1-4D46-98DA-CEE3E0EB5BBD}" type="datetimeFigureOut">
               <a:rPr lang="en-GB" smtClean="0"/>
-              <a:t>25/01/2019</a:t>
+              <a:t>28/01/2019</a:t>
             </a:fld>
             <a:endParaRPr lang="en-GB"/>
           </a:p>
@@ -1865,7 +1865,7 @@
           <a:p>
             <a:fld id="{6A752055-4DA1-4D46-98DA-CEE3E0EB5BBD}" type="datetimeFigureOut">
               <a:rPr lang="en-GB" smtClean="0"/>
-              <a:t>25/01/2019</a:t>
+              <a:t>28/01/2019</a:t>
             </a:fld>
             <a:endParaRPr lang="en-GB"/>
           </a:p>
@@ -2075,7 +2075,7 @@
           <a:p>
             <a:fld id="{6A752055-4DA1-4D46-98DA-CEE3E0EB5BBD}" type="datetimeFigureOut">
               <a:rPr lang="en-GB" smtClean="0"/>
-              <a:t>25/01/2019</a:t>
+              <a:t>28/01/2019</a:t>
             </a:fld>
             <a:endParaRPr lang="en-GB"/>
           </a:p>
@@ -2275,7 +2275,7 @@
           <a:p>
             <a:fld id="{6A752055-4DA1-4D46-98DA-CEE3E0EB5BBD}" type="datetimeFigureOut">
               <a:rPr lang="en-GB" smtClean="0"/>
-              <a:t>25/01/2019</a:t>
+              <a:t>28/01/2019</a:t>
             </a:fld>
             <a:endParaRPr lang="en-GB"/>
           </a:p>
@@ -2551,7 +2551,7 @@
           <a:p>
             <a:fld id="{6A752055-4DA1-4D46-98DA-CEE3E0EB5BBD}" type="datetimeFigureOut">
               <a:rPr lang="en-GB" smtClean="0"/>
-              <a:t>25/01/2019</a:t>
+              <a:t>28/01/2019</a:t>
             </a:fld>
             <a:endParaRPr lang="en-GB"/>
           </a:p>
@@ -2819,7 +2819,7 @@
           <a:p>
             <a:fld id="{6A752055-4DA1-4D46-98DA-CEE3E0EB5BBD}" type="datetimeFigureOut">
               <a:rPr lang="en-GB" smtClean="0"/>
-              <a:t>25/01/2019</a:t>
+              <a:t>28/01/2019</a:t>
             </a:fld>
             <a:endParaRPr lang="en-GB"/>
           </a:p>
@@ -3234,7 +3234,7 @@
           <a:p>
             <a:fld id="{6A752055-4DA1-4D46-98DA-CEE3E0EB5BBD}" type="datetimeFigureOut">
               <a:rPr lang="en-GB" smtClean="0"/>
-              <a:t>25/01/2019</a:t>
+              <a:t>28/01/2019</a:t>
             </a:fld>
             <a:endParaRPr lang="en-GB"/>
           </a:p>
@@ -3376,7 +3376,7 @@
           <a:p>
             <a:fld id="{6A752055-4DA1-4D46-98DA-CEE3E0EB5BBD}" type="datetimeFigureOut">
               <a:rPr lang="en-GB" smtClean="0"/>
-              <a:t>25/01/2019</a:t>
+              <a:t>28/01/2019</a:t>
             </a:fld>
             <a:endParaRPr lang="en-GB"/>
           </a:p>
@@ -3489,7 +3489,7 @@
           <a:p>
             <a:fld id="{6A752055-4DA1-4D46-98DA-CEE3E0EB5BBD}" type="datetimeFigureOut">
               <a:rPr lang="en-GB" smtClean="0"/>
-              <a:t>25/01/2019</a:t>
+              <a:t>28/01/2019</a:t>
             </a:fld>
             <a:endParaRPr lang="en-GB"/>
           </a:p>
@@ -3802,7 +3802,7 @@
           <a:p>
             <a:fld id="{6A752055-4DA1-4D46-98DA-CEE3E0EB5BBD}" type="datetimeFigureOut">
               <a:rPr lang="en-GB" smtClean="0"/>
-              <a:t>25/01/2019</a:t>
+              <a:t>28/01/2019</a:t>
             </a:fld>
             <a:endParaRPr lang="en-GB"/>
           </a:p>
@@ -4091,7 +4091,7 @@
           <a:p>
             <a:fld id="{6A752055-4DA1-4D46-98DA-CEE3E0EB5BBD}" type="datetimeFigureOut">
               <a:rPr lang="en-GB" smtClean="0"/>
-              <a:t>25/01/2019</a:t>
+              <a:t>28/01/2019</a:t>
             </a:fld>
             <a:endParaRPr lang="en-GB"/>
           </a:p>
@@ -4334,7 +4334,7 @@
           <a:p>
             <a:fld id="{6A752055-4DA1-4D46-98DA-CEE3E0EB5BBD}" type="datetimeFigureOut">
               <a:rPr lang="en-GB" smtClean="0"/>
-              <a:t>25/01/2019</a:t>
+              <a:t>28/01/2019</a:t>
             </a:fld>
             <a:endParaRPr lang="en-GB"/>
           </a:p>
@@ -12842,7 +12842,7 @@
             </a:r>
             <a:r>
               <a:rPr lang="en-US" sz="1400" dirty="0" err="1"/>
-              <a:t>koristi</a:t>
+              <a:t>koriste</a:t>
             </a:r>
             <a:r>
               <a:rPr lang="en-US" sz="1400" dirty="0"/>
@@ -12850,7 +12850,7 @@
             </a:r>
             <a:r>
               <a:rPr lang="en-US" sz="1400" dirty="0" err="1"/>
-              <a:t>komponenta</a:t>
+              <a:t>komponente</a:t>
             </a:r>
             <a:r>
               <a:rPr lang="en-US" sz="1400" dirty="0"/>

--- a/AngularJS.pptx
+++ b/AngularJS.pptx
@@ -131,8 +131,8 @@
 <file path=ppt/revisionInfo.xml><?xml version="1.0" encoding="utf-8"?>
 <p1510:revInfo xmlns:a="http://schemas.openxmlformats.org/drawingml/2006/main" xmlns:r="http://schemas.openxmlformats.org/officeDocument/2006/relationships" xmlns:p1510="http://schemas.microsoft.com/office/powerpoint/2015/10/main">
   <p1510:revLst>
+    <p1510:client id="{84984AE3-2FB9-472B-BE8B-CCC860EA6735}" v="656" dt="2019-01-20T21:09:15.280"/>
     <p1510:client id="{1320082C-A7C4-4F39-B207-5B44D2E8DB51}" v="45" dt="2019-01-21T15:48:04.955"/>
-    <p1510:client id="{84984AE3-2FB9-472B-BE8B-CCC860EA6735}" v="656" dt="2019-01-20T21:09:15.280"/>
   </p1510:revLst>
 </p1510:revInfo>
 </file>
@@ -10061,7 +10061,7 @@
         <p:spPr>
           <a:xfrm>
             <a:off x="3292059" y="77075"/>
-            <a:ext cx="5607882" cy="369332"/>
+            <a:ext cx="5632311" cy="369332"/>
           </a:xfrm>
           <a:prstGeom prst="rect">
             <a:avLst/>
@@ -10080,7 +10080,15 @@
             </a:r>
             <a:r>
               <a:rPr lang="sr-Latn-RS" dirty="0"/>
-              <a:t> template, kontroler zadatka u komponentu</a:t>
+              <a:t> template, kontroler </a:t>
+            </a:r>
+            <a:r>
+              <a:rPr lang="en-US" dirty="0" err="1"/>
+              <a:t>primera</a:t>
+            </a:r>
+            <a:r>
+              <a:rPr lang="sr-Latn-RS" dirty="0"/>
+              <a:t> u komponentu</a:t>
             </a:r>
             <a:endParaRPr lang="en-GB" dirty="0"/>
           </a:p>
@@ -15645,6 +15653,46 @@
           </a:p>
         </p:txBody>
       </p:sp>
+      <p:sp>
+        <p:nvSpPr>
+          <p:cNvPr id="6" name="TextBox 5">
+            <a:extLst>
+              <a:ext uri="{FF2B5EF4-FFF2-40B4-BE49-F238E27FC236}">
+                <a16:creationId xmlns:a16="http://schemas.microsoft.com/office/drawing/2014/main" id="{D67BE667-DD9A-4F57-A581-14E1832CF803}"/>
+              </a:ext>
+            </a:extLst>
+          </p:cNvPr>
+          <p:cNvSpPr txBox="1"/>
+          <p:nvPr/>
+        </p:nvSpPr>
+        <p:spPr>
+          <a:xfrm>
+            <a:off x="818213" y="5331130"/>
+            <a:ext cx="4932376" cy="461665"/>
+          </a:xfrm>
+          <a:prstGeom prst="rect">
+            <a:avLst/>
+          </a:prstGeom>
+          <a:noFill/>
+        </p:spPr>
+        <p:txBody>
+          <a:bodyPr wrap="none" rtlCol="0">
+            <a:spAutoFit/>
+          </a:bodyPr>
+          <a:lstStyle/>
+          <a:p>
+            <a:pPr marL="342900" indent="-342900">
+              <a:buFont typeface="Arial" panose="020B0604020202020204" pitchFamily="34" charset="0"/>
+              <a:buChar char="•"/>
+            </a:pPr>
+            <a:r>
+              <a:rPr lang="en-US" sz="2400" dirty="0"/>
+              <a:t>Component – template + controller</a:t>
+            </a:r>
+            <a:endParaRPr lang="en-GB" sz="2400" dirty="0"/>
+          </a:p>
+        </p:txBody>
+      </p:sp>
     </p:spTree>
     <p:extLst>
       <p:ext uri="{BB962C8B-B14F-4D97-AF65-F5344CB8AC3E}">

--- a/AngularJS.pptx
+++ b/AngularJS.pptx
@@ -22,6 +22,8 @@
     <p:sldId id="273" r:id="rId16"/>
     <p:sldId id="271" r:id="rId17"/>
     <p:sldId id="274" r:id="rId18"/>
+    <p:sldId id="275" r:id="rId19"/>
+    <p:sldId id="276" r:id="rId20"/>
   </p:sldIdLst>
   <p:sldSz cx="12192000" cy="6858000"/>
   <p:notesSz cx="6858000" cy="9144000"/>
@@ -131,8 +133,8 @@
 <file path=ppt/revisionInfo.xml><?xml version="1.0" encoding="utf-8"?>
 <p1510:revInfo xmlns:a="http://schemas.openxmlformats.org/drawingml/2006/main" xmlns:r="http://schemas.openxmlformats.org/officeDocument/2006/relationships" xmlns:p1510="http://schemas.microsoft.com/office/powerpoint/2015/10/main">
   <p1510:revLst>
+    <p1510:client id="{1320082C-A7C4-4F39-B207-5B44D2E8DB51}" v="45" dt="2019-01-21T15:48:04.955"/>
     <p1510:client id="{84984AE3-2FB9-472B-BE8B-CCC860EA6735}" v="656" dt="2019-01-20T21:09:15.280"/>
-    <p1510:client id="{1320082C-A7C4-4F39-B207-5B44D2E8DB51}" v="45" dt="2019-01-21T15:48:04.955"/>
   </p1510:revLst>
 </p1510:revInfo>
 </file>
@@ -1665,7 +1667,7 @@
           <a:p>
             <a:fld id="{6A752055-4DA1-4D46-98DA-CEE3E0EB5BBD}" type="datetimeFigureOut">
               <a:rPr lang="en-GB" smtClean="0"/>
-              <a:t>28/01/2019</a:t>
+              <a:t>29/01/2019</a:t>
             </a:fld>
             <a:endParaRPr lang="en-GB"/>
           </a:p>
@@ -1865,7 +1867,7 @@
           <a:p>
             <a:fld id="{6A752055-4DA1-4D46-98DA-CEE3E0EB5BBD}" type="datetimeFigureOut">
               <a:rPr lang="en-GB" smtClean="0"/>
-              <a:t>28/01/2019</a:t>
+              <a:t>29/01/2019</a:t>
             </a:fld>
             <a:endParaRPr lang="en-GB"/>
           </a:p>
@@ -2075,7 +2077,7 @@
           <a:p>
             <a:fld id="{6A752055-4DA1-4D46-98DA-CEE3E0EB5BBD}" type="datetimeFigureOut">
               <a:rPr lang="en-GB" smtClean="0"/>
-              <a:t>28/01/2019</a:t>
+              <a:t>29/01/2019</a:t>
             </a:fld>
             <a:endParaRPr lang="en-GB"/>
           </a:p>
@@ -2275,7 +2277,7 @@
           <a:p>
             <a:fld id="{6A752055-4DA1-4D46-98DA-CEE3E0EB5BBD}" type="datetimeFigureOut">
               <a:rPr lang="en-GB" smtClean="0"/>
-              <a:t>28/01/2019</a:t>
+              <a:t>29/01/2019</a:t>
             </a:fld>
             <a:endParaRPr lang="en-GB"/>
           </a:p>
@@ -2551,7 +2553,7 @@
           <a:p>
             <a:fld id="{6A752055-4DA1-4D46-98DA-CEE3E0EB5BBD}" type="datetimeFigureOut">
               <a:rPr lang="en-GB" smtClean="0"/>
-              <a:t>28/01/2019</a:t>
+              <a:t>29/01/2019</a:t>
             </a:fld>
             <a:endParaRPr lang="en-GB"/>
           </a:p>
@@ -2819,7 +2821,7 @@
           <a:p>
             <a:fld id="{6A752055-4DA1-4D46-98DA-CEE3E0EB5BBD}" type="datetimeFigureOut">
               <a:rPr lang="en-GB" smtClean="0"/>
-              <a:t>28/01/2019</a:t>
+              <a:t>29/01/2019</a:t>
             </a:fld>
             <a:endParaRPr lang="en-GB"/>
           </a:p>
@@ -3234,7 +3236,7 @@
           <a:p>
             <a:fld id="{6A752055-4DA1-4D46-98DA-CEE3E0EB5BBD}" type="datetimeFigureOut">
               <a:rPr lang="en-GB" smtClean="0"/>
-              <a:t>28/01/2019</a:t>
+              <a:t>29/01/2019</a:t>
             </a:fld>
             <a:endParaRPr lang="en-GB"/>
           </a:p>
@@ -3376,7 +3378,7 @@
           <a:p>
             <a:fld id="{6A752055-4DA1-4D46-98DA-CEE3E0EB5BBD}" type="datetimeFigureOut">
               <a:rPr lang="en-GB" smtClean="0"/>
-              <a:t>28/01/2019</a:t>
+              <a:t>29/01/2019</a:t>
             </a:fld>
             <a:endParaRPr lang="en-GB"/>
           </a:p>
@@ -3489,7 +3491,7 @@
           <a:p>
             <a:fld id="{6A752055-4DA1-4D46-98DA-CEE3E0EB5BBD}" type="datetimeFigureOut">
               <a:rPr lang="en-GB" smtClean="0"/>
-              <a:t>28/01/2019</a:t>
+              <a:t>29/01/2019</a:t>
             </a:fld>
             <a:endParaRPr lang="en-GB"/>
           </a:p>
@@ -3802,7 +3804,7 @@
           <a:p>
             <a:fld id="{6A752055-4DA1-4D46-98DA-CEE3E0EB5BBD}" type="datetimeFigureOut">
               <a:rPr lang="en-GB" smtClean="0"/>
-              <a:t>28/01/2019</a:t>
+              <a:t>29/01/2019</a:t>
             </a:fld>
             <a:endParaRPr lang="en-GB"/>
           </a:p>
@@ -4091,7 +4093,7 @@
           <a:p>
             <a:fld id="{6A752055-4DA1-4D46-98DA-CEE3E0EB5BBD}" type="datetimeFigureOut">
               <a:rPr lang="en-GB" smtClean="0"/>
-              <a:t>28/01/2019</a:t>
+              <a:t>29/01/2019</a:t>
             </a:fld>
             <a:endParaRPr lang="en-GB"/>
           </a:p>
@@ -4334,7 +4336,7 @@
           <a:p>
             <a:fld id="{6A752055-4DA1-4D46-98DA-CEE3E0EB5BBD}" type="datetimeFigureOut">
               <a:rPr lang="en-GB" smtClean="0"/>
-              <a:t>28/01/2019</a:t>
+              <a:t>29/01/2019</a:t>
             </a:fld>
             <a:endParaRPr lang="en-GB"/>
           </a:p>
@@ -12950,6 +12952,845 @@
     <p:extLst>
       <p:ext uri="{BB962C8B-B14F-4D97-AF65-F5344CB8AC3E}">
         <p14:creationId xmlns:p14="http://schemas.microsoft.com/office/powerpoint/2010/main" val="221945275"/>
+      </p:ext>
+    </p:extLst>
+  </p:cSld>
+  <p:clrMapOvr>
+    <a:masterClrMapping/>
+  </p:clrMapOvr>
+</p:sld>
+</file>
+
+<file path=ppt/slides/slide18.xml><?xml version="1.0" encoding="utf-8"?>
+<p:sld xmlns:a="http://schemas.openxmlformats.org/drawingml/2006/main" xmlns:r="http://schemas.openxmlformats.org/officeDocument/2006/relationships" xmlns:p="http://schemas.openxmlformats.org/presentationml/2006/main">
+  <p:cSld>
+    <p:spTree>
+      <p:nvGrpSpPr>
+        <p:cNvPr id="1" name=""/>
+        <p:cNvGrpSpPr/>
+        <p:nvPr/>
+      </p:nvGrpSpPr>
+      <p:grpSpPr>
+        <a:xfrm>
+          <a:off x="0" y="0"/>
+          <a:ext cx="0" cy="0"/>
+          <a:chOff x="0" y="0"/>
+          <a:chExt cx="0" cy="0"/>
+        </a:xfrm>
+      </p:grpSpPr>
+      <p:sp>
+        <p:nvSpPr>
+          <p:cNvPr id="2" name="Title 1">
+            <a:extLst>
+              <a:ext uri="{FF2B5EF4-FFF2-40B4-BE49-F238E27FC236}">
+                <a16:creationId xmlns:a16="http://schemas.microsoft.com/office/drawing/2014/main" id="{1D465FE3-11B6-4792-91F4-453877D11945}"/>
+              </a:ext>
+            </a:extLst>
+          </p:cNvPr>
+          <p:cNvSpPr>
+            <a:spLocks noGrp="1"/>
+          </p:cNvSpPr>
+          <p:nvPr>
+            <p:ph type="title"/>
+          </p:nvPr>
+        </p:nvSpPr>
+        <p:spPr>
+          <a:xfrm>
+            <a:off x="838200" y="365125"/>
+            <a:ext cx="10515600" cy="561801"/>
+          </a:xfrm>
+        </p:spPr>
+        <p:txBody>
+          <a:bodyPr>
+            <a:normAutofit fontScale="90000"/>
+          </a:bodyPr>
+          <a:lstStyle/>
+          <a:p>
+            <a:pPr algn="ctr"/>
+            <a:r>
+              <a:rPr lang="en-US" dirty="0" err="1"/>
+              <a:t>Komponente</a:t>
+            </a:r>
+            <a:r>
+              <a:rPr lang="en-US" dirty="0"/>
+              <a:t> - </a:t>
+            </a:r>
+            <a:r>
+              <a:rPr lang="en-US" dirty="0" err="1"/>
+              <a:t>nastavak</a:t>
+            </a:r>
+            <a:endParaRPr lang="en-GB" dirty="0"/>
+          </a:p>
+        </p:txBody>
+      </p:sp>
+      <p:sp>
+        <p:nvSpPr>
+          <p:cNvPr id="3" name="Content Placeholder 2">
+            <a:extLst>
+              <a:ext uri="{FF2B5EF4-FFF2-40B4-BE49-F238E27FC236}">
+                <a16:creationId xmlns:a16="http://schemas.microsoft.com/office/drawing/2014/main" id="{62D0D7C2-89BF-4C52-9D8D-F7EA79E08B42}"/>
+              </a:ext>
+            </a:extLst>
+          </p:cNvPr>
+          <p:cNvSpPr>
+            <a:spLocks noGrp="1"/>
+          </p:cNvSpPr>
+          <p:nvPr>
+            <p:ph idx="1"/>
+          </p:nvPr>
+        </p:nvSpPr>
+        <p:spPr>
+          <a:xfrm>
+            <a:off x="838200" y="1052186"/>
+            <a:ext cx="10515600" cy="5124777"/>
+          </a:xfrm>
+        </p:spPr>
+        <p:txBody>
+          <a:bodyPr>
+            <a:normAutofit/>
+          </a:bodyPr>
+          <a:lstStyle/>
+          <a:p>
+            <a:r>
+              <a:rPr lang="en-US" dirty="0" err="1"/>
+              <a:t>Komponente</a:t>
+            </a:r>
+            <a:r>
+              <a:rPr lang="en-US" dirty="0"/>
+              <a:t> </a:t>
+            </a:r>
+            <a:r>
+              <a:rPr lang="en-US" dirty="0" err="1"/>
+              <a:t>imaju</a:t>
+            </a:r>
+            <a:r>
+              <a:rPr lang="en-US" dirty="0"/>
+              <a:t> </a:t>
+            </a:r>
+            <a:r>
+              <a:rPr lang="en-US" dirty="0" err="1"/>
+              <a:t>definisan</a:t>
+            </a:r>
+            <a:r>
+              <a:rPr lang="sr-Latn-RS" dirty="0"/>
+              <a:t>o vreme trajanja</a:t>
+            </a:r>
+            <a:r>
+              <a:rPr lang="en-US" dirty="0"/>
+              <a:t> (</a:t>
+            </a:r>
+            <a:r>
+              <a:rPr lang="en-US" b="1" dirty="0"/>
+              <a:t>lifecycle</a:t>
+            </a:r>
+            <a:r>
+              <a:rPr lang="en-US" dirty="0"/>
+              <a:t>)</a:t>
+            </a:r>
+            <a:r>
+              <a:rPr lang="sr-Latn-RS" b="1" dirty="0"/>
+              <a:t>, </a:t>
+            </a:r>
+            <a:r>
+              <a:rPr lang="sr-Latn-RS" dirty="0"/>
+              <a:t>odnosno mo</a:t>
+            </a:r>
+            <a:r>
+              <a:rPr lang="en-US" dirty="0" err="1"/>
+              <a:t>gu</a:t>
+            </a:r>
+            <a:r>
+              <a:rPr lang="sr-Latn-RS" dirty="0"/>
+              <a:t> da implementiraju </a:t>
+            </a:r>
+            <a:r>
+              <a:rPr lang="sr-Latn-RS" b="1" dirty="0"/>
+              <a:t>lifecycle hooks.</a:t>
+            </a:r>
+          </a:p>
+          <a:p>
+            <a:r>
+              <a:rPr lang="sr-Latn-RS" dirty="0"/>
+              <a:t>Metode koje komponenta može da implementira</a:t>
+            </a:r>
+            <a:r>
+              <a:rPr lang="en-US" dirty="0"/>
+              <a:t>: </a:t>
+            </a:r>
+          </a:p>
+          <a:p>
+            <a:pPr lvl="1"/>
+            <a:r>
+              <a:rPr lang="en-US" dirty="0"/>
+              <a:t>$</a:t>
+            </a:r>
+            <a:r>
+              <a:rPr lang="en-US" dirty="0" err="1"/>
+              <a:t>onInit</a:t>
+            </a:r>
+            <a:r>
+              <a:rPr lang="en-US" dirty="0"/>
+              <a:t>() – </a:t>
+            </a:r>
+            <a:r>
+              <a:rPr lang="en-US" dirty="0" err="1"/>
+              <a:t>poziva</a:t>
+            </a:r>
+            <a:r>
+              <a:rPr lang="en-US" dirty="0"/>
+              <a:t> se </a:t>
+            </a:r>
+            <a:r>
+              <a:rPr lang="en-US" dirty="0" err="1"/>
+              <a:t>kada</a:t>
+            </a:r>
+            <a:r>
+              <a:rPr lang="en-US" dirty="0"/>
+              <a:t> se </a:t>
+            </a:r>
+            <a:r>
+              <a:rPr lang="en-US" dirty="0" err="1"/>
+              <a:t>kontroler</a:t>
+            </a:r>
+            <a:r>
+              <a:rPr lang="en-US" dirty="0"/>
+              <a:t> </a:t>
+            </a:r>
+            <a:r>
+              <a:rPr lang="en-US" dirty="0" err="1"/>
+              <a:t>inicijalizuje</a:t>
+            </a:r>
+            <a:r>
+              <a:rPr lang="en-US" dirty="0"/>
+              <a:t> </a:t>
+            </a:r>
+            <a:r>
+              <a:rPr lang="en-US" dirty="0" err="1"/>
+              <a:t>i</a:t>
+            </a:r>
+            <a:r>
+              <a:rPr lang="en-US" dirty="0"/>
+              <a:t> </a:t>
+            </a:r>
+            <a:r>
+              <a:rPr lang="en-US" dirty="0" err="1"/>
+              <a:t>kada</a:t>
+            </a:r>
+            <a:r>
+              <a:rPr lang="en-US" dirty="0"/>
+              <a:t> se </a:t>
+            </a:r>
+            <a:r>
+              <a:rPr lang="en-US" dirty="0" err="1"/>
+              <a:t>inicijalizuju</a:t>
+            </a:r>
+            <a:r>
+              <a:rPr lang="en-US" dirty="0"/>
+              <a:t> </a:t>
+            </a:r>
+            <a:r>
+              <a:rPr lang="en-US" dirty="0" err="1"/>
+              <a:t>svi</a:t>
+            </a:r>
+            <a:r>
+              <a:rPr lang="en-US" dirty="0"/>
+              <a:t> </a:t>
+            </a:r>
+            <a:r>
+              <a:rPr lang="en-US" b="1" dirty="0"/>
+              <a:t>bindings </a:t>
+            </a:r>
+            <a:r>
+              <a:rPr lang="en-US" dirty="0" err="1"/>
+              <a:t>na</a:t>
+            </a:r>
+            <a:r>
+              <a:rPr lang="en-US" dirty="0"/>
+              <a:t> element </a:t>
+            </a:r>
+            <a:r>
+              <a:rPr lang="en-US" dirty="0" err="1"/>
+              <a:t>na</a:t>
+            </a:r>
+            <a:r>
+              <a:rPr lang="en-US" dirty="0"/>
+              <a:t> </a:t>
+            </a:r>
+            <a:r>
+              <a:rPr lang="en-US" dirty="0" err="1"/>
+              <a:t>kom</a:t>
+            </a:r>
+            <a:r>
+              <a:rPr lang="en-US" dirty="0"/>
+              <a:t> je </a:t>
+            </a:r>
+            <a:r>
+              <a:rPr lang="en-US" dirty="0" err="1"/>
+              <a:t>kontroler</a:t>
+            </a:r>
+            <a:r>
+              <a:rPr lang="en-US" dirty="0"/>
+              <a:t> </a:t>
+            </a:r>
+            <a:r>
+              <a:rPr lang="en-US" dirty="0" err="1"/>
+              <a:t>dodat</a:t>
+            </a:r>
+            <a:r>
+              <a:rPr lang="en-US" dirty="0"/>
+              <a:t>.</a:t>
+            </a:r>
+          </a:p>
+          <a:p>
+            <a:pPr lvl="1"/>
+            <a:r>
+              <a:rPr lang="en-US" dirty="0"/>
+              <a:t>$</a:t>
+            </a:r>
+            <a:r>
+              <a:rPr lang="en-US" dirty="0" err="1"/>
+              <a:t>onChanges</a:t>
+            </a:r>
+            <a:r>
+              <a:rPr lang="en-US" dirty="0"/>
+              <a:t>(object) – </a:t>
+            </a:r>
+            <a:r>
+              <a:rPr lang="en-US" dirty="0" err="1"/>
+              <a:t>poziva</a:t>
+            </a:r>
+            <a:r>
+              <a:rPr lang="en-US" dirty="0"/>
+              <a:t> se </a:t>
+            </a:r>
+            <a:r>
+              <a:rPr lang="en-US" dirty="0" err="1"/>
+              <a:t>kada</a:t>
+            </a:r>
+            <a:r>
+              <a:rPr lang="en-US" dirty="0"/>
+              <a:t> se </a:t>
+            </a:r>
+            <a:r>
+              <a:rPr lang="en-US" b="1" dirty="0"/>
+              <a:t>one-way </a:t>
+            </a:r>
+            <a:r>
+              <a:rPr lang="en-US" b="1" dirty="0" err="1"/>
+              <a:t>bindigs</a:t>
+            </a:r>
+            <a:r>
+              <a:rPr lang="en-US" b="1" dirty="0"/>
+              <a:t> </a:t>
+            </a:r>
+            <a:r>
+              <a:rPr lang="en-US" dirty="0"/>
+              <a:t>update –</a:t>
+            </a:r>
+            <a:r>
+              <a:rPr lang="en-US" dirty="0" err="1"/>
+              <a:t>uju</a:t>
+            </a:r>
+            <a:r>
+              <a:rPr lang="en-US" dirty="0"/>
+              <a:t>.</a:t>
+            </a:r>
+          </a:p>
+          <a:p>
+            <a:pPr lvl="1"/>
+            <a:r>
+              <a:rPr lang="en-US" dirty="0"/>
+              <a:t>$</a:t>
+            </a:r>
+            <a:r>
+              <a:rPr lang="en-US" dirty="0" err="1"/>
+              <a:t>onDestroy</a:t>
+            </a:r>
+            <a:r>
+              <a:rPr lang="en-US" dirty="0"/>
+              <a:t>() – </a:t>
+            </a:r>
+            <a:r>
+              <a:rPr lang="en-US" dirty="0" err="1"/>
+              <a:t>poziva</a:t>
+            </a:r>
+            <a:r>
+              <a:rPr lang="en-US" dirty="0"/>
+              <a:t> se da bi se </a:t>
+            </a:r>
+            <a:r>
+              <a:rPr lang="en-US" dirty="0" err="1"/>
+              <a:t>oslobodili</a:t>
+            </a:r>
+            <a:r>
+              <a:rPr lang="en-US" dirty="0"/>
+              <a:t> </a:t>
+            </a:r>
+            <a:r>
+              <a:rPr lang="en-US" dirty="0" err="1"/>
+              <a:t>resursi</a:t>
+            </a:r>
+            <a:r>
+              <a:rPr lang="en-US" dirty="0"/>
+              <a:t>, </a:t>
+            </a:r>
+            <a:r>
+              <a:rPr lang="en-US" b="1" dirty="0"/>
+              <a:t>event </a:t>
+            </a:r>
+            <a:r>
+              <a:rPr lang="en-US" b="1" dirty="0" err="1"/>
+              <a:t>hendlers</a:t>
+            </a:r>
+            <a:r>
+              <a:rPr lang="en-US" dirty="0"/>
+              <a:t>…</a:t>
+            </a:r>
+          </a:p>
+          <a:p>
+            <a:r>
+              <a:rPr lang="en-US" dirty="0" err="1"/>
+              <a:t>Komponente</a:t>
+            </a:r>
+            <a:r>
+              <a:rPr lang="en-US" dirty="0"/>
+              <a:t> </a:t>
+            </a:r>
+            <a:r>
+              <a:rPr lang="en-US" dirty="0" err="1"/>
+              <a:t>imaju</a:t>
+            </a:r>
+            <a:r>
+              <a:rPr lang="en-US" dirty="0"/>
+              <a:t> </a:t>
+            </a:r>
+            <a:r>
+              <a:rPr lang="en-US" dirty="0" err="1"/>
+              <a:t>definisane</a:t>
+            </a:r>
+            <a:r>
+              <a:rPr lang="en-US" dirty="0"/>
+              <a:t> input</a:t>
+            </a:r>
+            <a:r>
+              <a:rPr lang="sr-Latn-RS" dirty="0"/>
+              <a:t>-</a:t>
+            </a:r>
+            <a:r>
+              <a:rPr lang="en-US" dirty="0"/>
+              <a:t>e </a:t>
+            </a:r>
+            <a:r>
+              <a:rPr lang="en-US" dirty="0" err="1"/>
+              <a:t>i</a:t>
+            </a:r>
+            <a:r>
+              <a:rPr lang="en-US" dirty="0"/>
+              <a:t> output</a:t>
+            </a:r>
+            <a:r>
+              <a:rPr lang="sr-Latn-RS" dirty="0"/>
+              <a:t>-</a:t>
+            </a:r>
+            <a:r>
+              <a:rPr lang="en-US" dirty="0"/>
+              <a:t>e </a:t>
+            </a:r>
+            <a:r>
+              <a:rPr lang="en-US" dirty="0" err="1"/>
+              <a:t>koji</a:t>
+            </a:r>
+            <a:r>
+              <a:rPr lang="en-US" dirty="0"/>
+              <a:t> se </a:t>
+            </a:r>
+            <a:r>
+              <a:rPr lang="en-US" dirty="0" err="1"/>
+              <a:t>dodaju</a:t>
+            </a:r>
+            <a:r>
+              <a:rPr lang="en-US" dirty="0"/>
+              <a:t> </a:t>
+            </a:r>
+            <a:r>
+              <a:rPr lang="en-US" dirty="0" err="1"/>
+              <a:t>na</a:t>
+            </a:r>
+            <a:r>
+              <a:rPr lang="en-US" dirty="0"/>
+              <a:t> </a:t>
+            </a:r>
+            <a:r>
+              <a:rPr lang="en-US" dirty="0" err="1"/>
+              <a:t>komponentu</a:t>
+            </a:r>
+            <a:r>
+              <a:rPr lang="en-US" dirty="0"/>
+              <a:t> </a:t>
+            </a:r>
+            <a:r>
+              <a:rPr lang="en-US" dirty="0" err="1"/>
+              <a:t>kroz</a:t>
+            </a:r>
+            <a:r>
+              <a:rPr lang="en-US" dirty="0"/>
+              <a:t> </a:t>
+            </a:r>
+            <a:r>
+              <a:rPr lang="en-US" b="1" dirty="0"/>
+              <a:t>bindings</a:t>
+            </a:r>
+            <a:r>
+              <a:rPr lang="en-US" dirty="0"/>
+              <a:t> </a:t>
+            </a:r>
+            <a:r>
+              <a:rPr lang="en-US" dirty="0" err="1"/>
+              <a:t>objekat</a:t>
+            </a:r>
+            <a:r>
+              <a:rPr lang="en-US" dirty="0"/>
+              <a:t>.</a:t>
+            </a:r>
+            <a:endParaRPr lang="sr-Latn-RS" dirty="0"/>
+          </a:p>
+          <a:p>
+            <a:r>
+              <a:rPr lang="sr-Latn-RS" dirty="0"/>
+              <a:t>Za ulazne vrednosti (</a:t>
+            </a:r>
+            <a:r>
+              <a:rPr lang="sr-Latn-RS" b="1" dirty="0"/>
+              <a:t>Input</a:t>
+            </a:r>
+            <a:r>
+              <a:rPr lang="sr-Latn-RS" dirty="0"/>
+              <a:t>)</a:t>
+            </a:r>
+            <a:r>
+              <a:rPr lang="sr-Latn-RS" b="1" dirty="0"/>
+              <a:t> </a:t>
+            </a:r>
+            <a:r>
+              <a:rPr lang="sr-Latn-RS" dirty="0"/>
+              <a:t>koristi se </a:t>
+            </a:r>
+            <a:r>
+              <a:rPr lang="en-US" dirty="0"/>
+              <a:t>‘&lt;‘</a:t>
+            </a:r>
+          </a:p>
+          <a:p>
+            <a:r>
+              <a:rPr lang="en-US" dirty="0"/>
+              <a:t>Za </a:t>
+            </a:r>
+            <a:r>
+              <a:rPr lang="en-US" dirty="0" err="1"/>
+              <a:t>izlazne</a:t>
+            </a:r>
+            <a:r>
+              <a:rPr lang="en-US" dirty="0"/>
+              <a:t> </a:t>
+            </a:r>
+            <a:r>
+              <a:rPr lang="en-US" dirty="0" err="1"/>
+              <a:t>vrednosti</a:t>
+            </a:r>
+            <a:r>
+              <a:rPr lang="en-US" dirty="0"/>
+              <a:t> (</a:t>
+            </a:r>
+            <a:r>
+              <a:rPr lang="en-US" b="1" dirty="0"/>
+              <a:t>output</a:t>
+            </a:r>
+            <a:r>
+              <a:rPr lang="en-US" dirty="0"/>
+              <a:t>) </a:t>
+            </a:r>
+            <a:r>
+              <a:rPr lang="en-US" dirty="0" err="1"/>
+              <a:t>koristi</a:t>
+            </a:r>
+            <a:r>
+              <a:rPr lang="en-US" dirty="0"/>
+              <a:t> se ‘&amp;’</a:t>
+            </a:r>
+            <a:r>
+              <a:rPr lang="sr-Latn-RS" dirty="0"/>
+              <a:t> </a:t>
+            </a:r>
+            <a:endParaRPr lang="en-US" dirty="0"/>
+          </a:p>
+        </p:txBody>
+      </p:sp>
+      <p:pic>
+        <p:nvPicPr>
+          <p:cNvPr id="4" name="Picture 3">
+            <a:extLst>
+              <a:ext uri="{FF2B5EF4-FFF2-40B4-BE49-F238E27FC236}">
+                <a16:creationId xmlns:a16="http://schemas.microsoft.com/office/drawing/2014/main" id="{B09FF3EF-FF30-410A-A95F-B3817E250048}"/>
+              </a:ext>
+            </a:extLst>
+          </p:cNvPr>
+          <p:cNvPicPr>
+            <a:picLocks noChangeAspect="1"/>
+          </p:cNvPicPr>
+          <p:nvPr/>
+        </p:nvPicPr>
+        <p:blipFill>
+          <a:blip r:embed="rId2">
+            <a:extLst>
+              <a:ext uri="{28A0092B-C50C-407E-A947-70E740481C1C}">
+                <a14:useLocalDpi xmlns:a14="http://schemas.microsoft.com/office/drawing/2010/main" val="0"/>
+              </a:ext>
+            </a:extLst>
+          </a:blip>
+          <a:stretch>
+            <a:fillRect/>
+          </a:stretch>
+        </p:blipFill>
+        <p:spPr>
+          <a:xfrm>
+            <a:off x="7324725" y="4729163"/>
+            <a:ext cx="4029075" cy="1447800"/>
+          </a:xfrm>
+          <a:prstGeom prst="rect">
+            <a:avLst/>
+          </a:prstGeom>
+        </p:spPr>
+      </p:pic>
+    </p:spTree>
+    <p:extLst>
+      <p:ext uri="{BB962C8B-B14F-4D97-AF65-F5344CB8AC3E}">
+        <p14:creationId xmlns:p14="http://schemas.microsoft.com/office/powerpoint/2010/main" val="657435434"/>
+      </p:ext>
+    </p:extLst>
+  </p:cSld>
+  <p:clrMapOvr>
+    <a:masterClrMapping/>
+  </p:clrMapOvr>
+</p:sld>
+</file>
+
+<file path=ppt/slides/slide19.xml><?xml version="1.0" encoding="utf-8"?>
+<p:sld xmlns:a="http://schemas.openxmlformats.org/drawingml/2006/main" xmlns:r="http://schemas.openxmlformats.org/officeDocument/2006/relationships" xmlns:p="http://schemas.openxmlformats.org/presentationml/2006/main">
+  <p:cSld>
+    <p:spTree>
+      <p:nvGrpSpPr>
+        <p:cNvPr id="1" name=""/>
+        <p:cNvGrpSpPr/>
+        <p:nvPr/>
+      </p:nvGrpSpPr>
+      <p:grpSpPr>
+        <a:xfrm>
+          <a:off x="0" y="0"/>
+          <a:ext cx="0" cy="0"/>
+          <a:chOff x="0" y="0"/>
+          <a:chExt cx="0" cy="0"/>
+        </a:xfrm>
+      </p:grpSpPr>
+      <p:pic>
+        <p:nvPicPr>
+          <p:cNvPr id="7" name="Picture 6">
+            <a:extLst>
+              <a:ext uri="{FF2B5EF4-FFF2-40B4-BE49-F238E27FC236}">
+                <a16:creationId xmlns:a16="http://schemas.microsoft.com/office/drawing/2014/main" id="{48234E1E-B418-4580-A6FC-2088EB9AB5F9}"/>
+              </a:ext>
+            </a:extLst>
+          </p:cNvPr>
+          <p:cNvPicPr>
+            <a:picLocks noChangeAspect="1"/>
+          </p:cNvPicPr>
+          <p:nvPr/>
+        </p:nvPicPr>
+        <p:blipFill>
+          <a:blip r:embed="rId2">
+            <a:extLst>
+              <a:ext uri="{28A0092B-C50C-407E-A947-70E740481C1C}">
+                <a14:useLocalDpi xmlns:a14="http://schemas.microsoft.com/office/drawing/2010/main" val="0"/>
+              </a:ext>
+            </a:extLst>
+          </a:blip>
+          <a:stretch>
+            <a:fillRect/>
+          </a:stretch>
+        </p:blipFill>
+        <p:spPr>
+          <a:xfrm>
+            <a:off x="2237725" y="842414"/>
+            <a:ext cx="6400800" cy="933450"/>
+          </a:xfrm>
+          <a:prstGeom prst="rect">
+            <a:avLst/>
+          </a:prstGeom>
+        </p:spPr>
+      </p:pic>
+      <p:pic>
+        <p:nvPicPr>
+          <p:cNvPr id="9" name="Picture 8">
+            <a:extLst>
+              <a:ext uri="{FF2B5EF4-FFF2-40B4-BE49-F238E27FC236}">
+                <a16:creationId xmlns:a16="http://schemas.microsoft.com/office/drawing/2014/main" id="{E33B43AC-79AE-4EDA-B5B8-6DAE30CEAC8A}"/>
+              </a:ext>
+            </a:extLst>
+          </p:cNvPr>
+          <p:cNvPicPr>
+            <a:picLocks noChangeAspect="1"/>
+          </p:cNvPicPr>
+          <p:nvPr/>
+        </p:nvPicPr>
+        <p:blipFill>
+          <a:blip r:embed="rId3">
+            <a:extLst>
+              <a:ext uri="{28A0092B-C50C-407E-A947-70E740481C1C}">
+                <a14:useLocalDpi xmlns:a14="http://schemas.microsoft.com/office/drawing/2010/main" val="0"/>
+              </a:ext>
+            </a:extLst>
+          </a:blip>
+          <a:stretch>
+            <a:fillRect/>
+          </a:stretch>
+        </p:blipFill>
+        <p:spPr>
+          <a:xfrm>
+            <a:off x="103909" y="2001231"/>
+            <a:ext cx="3439391" cy="4533900"/>
+          </a:xfrm>
+          <a:prstGeom prst="rect">
+            <a:avLst/>
+          </a:prstGeom>
+        </p:spPr>
+      </p:pic>
+      <p:pic>
+        <p:nvPicPr>
+          <p:cNvPr id="11" name="Picture 10">
+            <a:extLst>
+              <a:ext uri="{FF2B5EF4-FFF2-40B4-BE49-F238E27FC236}">
+                <a16:creationId xmlns:a16="http://schemas.microsoft.com/office/drawing/2014/main" id="{63FDD058-9C7C-42C6-9DE6-43FE6C3B8AF3}"/>
+              </a:ext>
+            </a:extLst>
+          </p:cNvPr>
+          <p:cNvPicPr>
+            <a:picLocks noChangeAspect="1"/>
+          </p:cNvPicPr>
+          <p:nvPr/>
+        </p:nvPicPr>
+        <p:blipFill>
+          <a:blip r:embed="rId4">
+            <a:extLst>
+              <a:ext uri="{28A0092B-C50C-407E-A947-70E740481C1C}">
+                <a14:useLocalDpi xmlns:a14="http://schemas.microsoft.com/office/drawing/2010/main" val="0"/>
+              </a:ext>
+            </a:extLst>
+          </a:blip>
+          <a:stretch>
+            <a:fillRect/>
+          </a:stretch>
+        </p:blipFill>
+        <p:spPr>
+          <a:xfrm>
+            <a:off x="3675351" y="2001231"/>
+            <a:ext cx="3525549" cy="3257550"/>
+          </a:xfrm>
+          <a:prstGeom prst="rect">
+            <a:avLst/>
+          </a:prstGeom>
+        </p:spPr>
+      </p:pic>
+      <p:pic>
+        <p:nvPicPr>
+          <p:cNvPr id="13" name="Picture 12">
+            <a:extLst>
+              <a:ext uri="{FF2B5EF4-FFF2-40B4-BE49-F238E27FC236}">
+                <a16:creationId xmlns:a16="http://schemas.microsoft.com/office/drawing/2014/main" id="{2D930B21-130F-4C6C-B38F-2CFB14E93ED7}"/>
+              </a:ext>
+            </a:extLst>
+          </p:cNvPr>
+          <p:cNvPicPr>
+            <a:picLocks noChangeAspect="1"/>
+          </p:cNvPicPr>
+          <p:nvPr/>
+        </p:nvPicPr>
+        <p:blipFill>
+          <a:blip r:embed="rId5">
+            <a:extLst>
+              <a:ext uri="{28A0092B-C50C-407E-A947-70E740481C1C}">
+                <a14:useLocalDpi xmlns:a14="http://schemas.microsoft.com/office/drawing/2010/main" val="0"/>
+              </a:ext>
+            </a:extLst>
+          </a:blip>
+          <a:stretch>
+            <a:fillRect/>
+          </a:stretch>
+        </p:blipFill>
+        <p:spPr>
+          <a:xfrm>
+            <a:off x="7332951" y="2001231"/>
+            <a:ext cx="4400983" cy="1838325"/>
+          </a:xfrm>
+          <a:prstGeom prst="rect">
+            <a:avLst/>
+          </a:prstGeom>
+        </p:spPr>
+      </p:pic>
+      <p:sp>
+        <p:nvSpPr>
+          <p:cNvPr id="16" name="TextBox 15">
+            <a:extLst>
+              <a:ext uri="{FF2B5EF4-FFF2-40B4-BE49-F238E27FC236}">
+                <a16:creationId xmlns:a16="http://schemas.microsoft.com/office/drawing/2014/main" id="{18551C8A-03C3-48F4-92E4-630B8DC704BF}"/>
+              </a:ext>
+            </a:extLst>
+          </p:cNvPr>
+          <p:cNvSpPr txBox="1"/>
+          <p:nvPr/>
+        </p:nvSpPr>
+        <p:spPr>
+          <a:xfrm>
+            <a:off x="3844636" y="311727"/>
+            <a:ext cx="3877215" cy="369332"/>
+          </a:xfrm>
+          <a:prstGeom prst="rect">
+            <a:avLst/>
+          </a:prstGeom>
+          <a:noFill/>
+        </p:spPr>
+        <p:txBody>
+          <a:bodyPr wrap="none" rtlCol="0">
+            <a:spAutoFit/>
+          </a:bodyPr>
+          <a:lstStyle/>
+          <a:p>
+            <a:r>
+              <a:rPr lang="sr-Latn-RS" dirty="0"/>
+              <a:t>Komunikacija </a:t>
+            </a:r>
+            <a:r>
+              <a:rPr lang="en-US" dirty="0"/>
+              <a:t>– </a:t>
+            </a:r>
+            <a:r>
+              <a:rPr lang="en-US" dirty="0" err="1"/>
+              <a:t>kontroler</a:t>
+            </a:r>
+            <a:r>
+              <a:rPr lang="en-US" dirty="0"/>
+              <a:t> - </a:t>
+            </a:r>
+            <a:r>
+              <a:rPr lang="en-US"/>
+              <a:t>komponenta</a:t>
+            </a:r>
+            <a:endParaRPr lang="en-GB"/>
+          </a:p>
+        </p:txBody>
+      </p:sp>
+    </p:spTree>
+    <p:extLst>
+      <p:ext uri="{BB962C8B-B14F-4D97-AF65-F5344CB8AC3E}">
+        <p14:creationId xmlns:p14="http://schemas.microsoft.com/office/powerpoint/2010/main" val="4262877821"/>
       </p:ext>
     </p:extLst>
   </p:cSld>

--- a/AngularJS.pptx
+++ b/AngularJS.pptx
@@ -24,6 +24,7 @@
     <p:sldId id="274" r:id="rId18"/>
     <p:sldId id="275" r:id="rId19"/>
     <p:sldId id="276" r:id="rId20"/>
+    <p:sldId id="277" r:id="rId21"/>
   </p:sldIdLst>
   <p:sldSz cx="12192000" cy="6858000"/>
   <p:notesSz cx="6858000" cy="9144000"/>
@@ -133,8 +134,8 @@
 <file path=ppt/revisionInfo.xml><?xml version="1.0" encoding="utf-8"?>
 <p1510:revInfo xmlns:a="http://schemas.openxmlformats.org/drawingml/2006/main" xmlns:r="http://schemas.openxmlformats.org/officeDocument/2006/relationships" xmlns:p1510="http://schemas.microsoft.com/office/powerpoint/2015/10/main">
   <p1510:revLst>
+    <p1510:client id="{84984AE3-2FB9-472B-BE8B-CCC860EA6735}" v="656" dt="2019-01-20T21:09:15.280"/>
     <p1510:client id="{1320082C-A7C4-4F39-B207-5B44D2E8DB51}" v="45" dt="2019-01-21T15:48:04.955"/>
-    <p1510:client id="{84984AE3-2FB9-472B-BE8B-CCC860EA6735}" v="656" dt="2019-01-20T21:09:15.280"/>
   </p1510:revLst>
 </p1510:revInfo>
 </file>
@@ -1667,7 +1668,7 @@
           <a:p>
             <a:fld id="{6A752055-4DA1-4D46-98DA-CEE3E0EB5BBD}" type="datetimeFigureOut">
               <a:rPr lang="en-GB" smtClean="0"/>
-              <a:t>29/01/2019</a:t>
+              <a:t>30/01/2019</a:t>
             </a:fld>
             <a:endParaRPr lang="en-GB"/>
           </a:p>
@@ -1867,7 +1868,7 @@
           <a:p>
             <a:fld id="{6A752055-4DA1-4D46-98DA-CEE3E0EB5BBD}" type="datetimeFigureOut">
               <a:rPr lang="en-GB" smtClean="0"/>
-              <a:t>29/01/2019</a:t>
+              <a:t>30/01/2019</a:t>
             </a:fld>
             <a:endParaRPr lang="en-GB"/>
           </a:p>
@@ -2077,7 +2078,7 @@
           <a:p>
             <a:fld id="{6A752055-4DA1-4D46-98DA-CEE3E0EB5BBD}" type="datetimeFigureOut">
               <a:rPr lang="en-GB" smtClean="0"/>
-              <a:t>29/01/2019</a:t>
+              <a:t>30/01/2019</a:t>
             </a:fld>
             <a:endParaRPr lang="en-GB"/>
           </a:p>
@@ -2277,7 +2278,7 @@
           <a:p>
             <a:fld id="{6A752055-4DA1-4D46-98DA-CEE3E0EB5BBD}" type="datetimeFigureOut">
               <a:rPr lang="en-GB" smtClean="0"/>
-              <a:t>29/01/2019</a:t>
+              <a:t>30/01/2019</a:t>
             </a:fld>
             <a:endParaRPr lang="en-GB"/>
           </a:p>
@@ -2553,7 +2554,7 @@
           <a:p>
             <a:fld id="{6A752055-4DA1-4D46-98DA-CEE3E0EB5BBD}" type="datetimeFigureOut">
               <a:rPr lang="en-GB" smtClean="0"/>
-              <a:t>29/01/2019</a:t>
+              <a:t>30/01/2019</a:t>
             </a:fld>
             <a:endParaRPr lang="en-GB"/>
           </a:p>
@@ -2821,7 +2822,7 @@
           <a:p>
             <a:fld id="{6A752055-4DA1-4D46-98DA-CEE3E0EB5BBD}" type="datetimeFigureOut">
               <a:rPr lang="en-GB" smtClean="0"/>
-              <a:t>29/01/2019</a:t>
+              <a:t>30/01/2019</a:t>
             </a:fld>
             <a:endParaRPr lang="en-GB"/>
           </a:p>
@@ -3236,7 +3237,7 @@
           <a:p>
             <a:fld id="{6A752055-4DA1-4D46-98DA-CEE3E0EB5BBD}" type="datetimeFigureOut">
               <a:rPr lang="en-GB" smtClean="0"/>
-              <a:t>29/01/2019</a:t>
+              <a:t>30/01/2019</a:t>
             </a:fld>
             <a:endParaRPr lang="en-GB"/>
           </a:p>
@@ -3378,7 +3379,7 @@
           <a:p>
             <a:fld id="{6A752055-4DA1-4D46-98DA-CEE3E0EB5BBD}" type="datetimeFigureOut">
               <a:rPr lang="en-GB" smtClean="0"/>
-              <a:t>29/01/2019</a:t>
+              <a:t>30/01/2019</a:t>
             </a:fld>
             <a:endParaRPr lang="en-GB"/>
           </a:p>
@@ -3491,7 +3492,7 @@
           <a:p>
             <a:fld id="{6A752055-4DA1-4D46-98DA-CEE3E0EB5BBD}" type="datetimeFigureOut">
               <a:rPr lang="en-GB" smtClean="0"/>
-              <a:t>29/01/2019</a:t>
+              <a:t>30/01/2019</a:t>
             </a:fld>
             <a:endParaRPr lang="en-GB"/>
           </a:p>
@@ -3804,7 +3805,7 @@
           <a:p>
             <a:fld id="{6A752055-4DA1-4D46-98DA-CEE3E0EB5BBD}" type="datetimeFigureOut">
               <a:rPr lang="en-GB" smtClean="0"/>
-              <a:t>29/01/2019</a:t>
+              <a:t>30/01/2019</a:t>
             </a:fld>
             <a:endParaRPr lang="en-GB"/>
           </a:p>
@@ -4093,7 +4094,7 @@
           <a:p>
             <a:fld id="{6A752055-4DA1-4D46-98DA-CEE3E0EB5BBD}" type="datetimeFigureOut">
               <a:rPr lang="en-GB" smtClean="0"/>
-              <a:t>29/01/2019</a:t>
+              <a:t>30/01/2019</a:t>
             </a:fld>
             <a:endParaRPr lang="en-GB"/>
           </a:p>
@@ -4336,7 +4337,7 @@
           <a:p>
             <a:fld id="{6A752055-4DA1-4D46-98DA-CEE3E0EB5BBD}" type="datetimeFigureOut">
               <a:rPr lang="en-GB" smtClean="0"/>
-              <a:t>29/01/2019</a:t>
+              <a:t>30/01/2019</a:t>
             </a:fld>
             <a:endParaRPr lang="en-GB"/>
           </a:p>
@@ -13780,10 +13781,10 @@
               <a:t> - </a:t>
             </a:r>
             <a:r>
-              <a:rPr lang="en-US"/>
+              <a:rPr lang="en-US" dirty="0" err="1"/>
               <a:t>komponenta</a:t>
             </a:r>
-            <a:endParaRPr lang="en-GB"/>
+            <a:endParaRPr lang="en-GB" dirty="0"/>
           </a:p>
         </p:txBody>
       </p:sp>
@@ -13991,6 +13992,113 @@
     <p:extLst>
       <p:ext uri="{BB962C8B-B14F-4D97-AF65-F5344CB8AC3E}">
         <p14:creationId xmlns:p14="http://schemas.microsoft.com/office/powerpoint/2010/main" val="1697102865"/>
+      </p:ext>
+    </p:extLst>
+  </p:cSld>
+  <p:clrMapOvr>
+    <a:masterClrMapping/>
+  </p:clrMapOvr>
+</p:sld>
+</file>
+
+<file path=ppt/slides/slide20.xml><?xml version="1.0" encoding="utf-8"?>
+<p:sld xmlns:a="http://schemas.openxmlformats.org/drawingml/2006/main" xmlns:r="http://schemas.openxmlformats.org/officeDocument/2006/relationships" xmlns:p="http://schemas.openxmlformats.org/presentationml/2006/main">
+  <p:cSld>
+    <p:spTree>
+      <p:nvGrpSpPr>
+        <p:cNvPr id="1" name=""/>
+        <p:cNvGrpSpPr/>
+        <p:nvPr/>
+      </p:nvGrpSpPr>
+      <p:grpSpPr>
+        <a:xfrm>
+          <a:off x="0" y="0"/>
+          <a:ext cx="0" cy="0"/>
+          <a:chOff x="0" y="0"/>
+          <a:chExt cx="0" cy="0"/>
+        </a:xfrm>
+      </p:grpSpPr>
+      <p:sp>
+        <p:nvSpPr>
+          <p:cNvPr id="3" name="Content Placeholder 2">
+            <a:extLst>
+              <a:ext uri="{FF2B5EF4-FFF2-40B4-BE49-F238E27FC236}">
+                <a16:creationId xmlns:a16="http://schemas.microsoft.com/office/drawing/2014/main" id="{35728665-591A-4C20-9EDA-416F46A12715}"/>
+              </a:ext>
+            </a:extLst>
+          </p:cNvPr>
+          <p:cNvSpPr>
+            <a:spLocks noGrp="1"/>
+          </p:cNvSpPr>
+          <p:nvPr>
+            <p:ph idx="1"/>
+          </p:nvPr>
+        </p:nvSpPr>
+        <p:spPr/>
+        <p:txBody>
+          <a:bodyPr/>
+          <a:lstStyle/>
+          <a:p>
+            <a:endParaRPr lang="en-GB"/>
+          </a:p>
+        </p:txBody>
+      </p:sp>
+      <p:sp>
+        <p:nvSpPr>
+          <p:cNvPr id="4" name="TextBox 3">
+            <a:extLst>
+              <a:ext uri="{FF2B5EF4-FFF2-40B4-BE49-F238E27FC236}">
+                <a16:creationId xmlns:a16="http://schemas.microsoft.com/office/drawing/2014/main" id="{D1E3EC73-9F53-4B15-8A14-129566299A7D}"/>
+              </a:ext>
+            </a:extLst>
+          </p:cNvPr>
+          <p:cNvSpPr txBox="1"/>
+          <p:nvPr/>
+        </p:nvSpPr>
+        <p:spPr>
+          <a:xfrm>
+            <a:off x="3844636" y="311727"/>
+            <a:ext cx="4203523" cy="369332"/>
+          </a:xfrm>
+          <a:prstGeom prst="rect">
+            <a:avLst/>
+          </a:prstGeom>
+          <a:noFill/>
+        </p:spPr>
+        <p:txBody>
+          <a:bodyPr wrap="none" rtlCol="0">
+            <a:spAutoFit/>
+          </a:bodyPr>
+          <a:lstStyle/>
+          <a:p>
+            <a:r>
+              <a:rPr lang="sr-Latn-RS" dirty="0"/>
+              <a:t>Komunikacija </a:t>
+            </a:r>
+            <a:r>
+              <a:rPr lang="en-US" dirty="0"/>
+              <a:t>– </a:t>
+            </a:r>
+            <a:r>
+              <a:rPr lang="en-US" dirty="0" err="1"/>
+              <a:t>komponenta</a:t>
+            </a:r>
+            <a:r>
+              <a:rPr lang="en-US" dirty="0"/>
+              <a:t> - </a:t>
+            </a:r>
+            <a:r>
+              <a:rPr lang="en-US" dirty="0" err="1"/>
+              <a:t>komponenta</a:t>
+            </a:r>
+            <a:endParaRPr lang="en-GB" dirty="0"/>
+          </a:p>
+        </p:txBody>
+      </p:sp>
+    </p:spTree>
+    <p:extLst>
+      <p:ext uri="{BB962C8B-B14F-4D97-AF65-F5344CB8AC3E}">
+        <p14:creationId xmlns:p14="http://schemas.microsoft.com/office/powerpoint/2010/main" val="4195699915"/>
       </p:ext>
     </p:extLst>
   </p:cSld>

--- a/AngularJS.pptx
+++ b/AngularJS.pptx
@@ -25,6 +25,9 @@
     <p:sldId id="275" r:id="rId19"/>
     <p:sldId id="276" r:id="rId20"/>
     <p:sldId id="277" r:id="rId21"/>
+    <p:sldId id="278" r:id="rId22"/>
+    <p:sldId id="280" r:id="rId23"/>
+    <p:sldId id="281" r:id="rId24"/>
   </p:sldIdLst>
   <p:sldSz cx="12192000" cy="6858000"/>
   <p:notesSz cx="6858000" cy="9144000"/>
@@ -134,8 +137,8 @@
 <file path=ppt/revisionInfo.xml><?xml version="1.0" encoding="utf-8"?>
 <p1510:revInfo xmlns:a="http://schemas.openxmlformats.org/drawingml/2006/main" xmlns:r="http://schemas.openxmlformats.org/officeDocument/2006/relationships" xmlns:p1510="http://schemas.microsoft.com/office/powerpoint/2015/10/main">
   <p1510:revLst>
+    <p1510:client id="{1320082C-A7C4-4F39-B207-5B44D2E8DB51}" v="45" dt="2019-01-21T15:48:04.955"/>
     <p1510:client id="{84984AE3-2FB9-472B-BE8B-CCC860EA6735}" v="656" dt="2019-01-20T21:09:15.280"/>
-    <p1510:client id="{1320082C-A7C4-4F39-B207-5B44D2E8DB51}" v="45" dt="2019-01-21T15:48:04.955"/>
   </p1510:revLst>
 </p1510:revInfo>
 </file>
@@ -13620,7 +13623,7 @@
         </p:blipFill>
         <p:spPr>
           <a:xfrm>
-            <a:off x="2237725" y="842414"/>
+            <a:off x="103909" y="874420"/>
             <a:ext cx="6400800" cy="933450"/>
           </a:xfrm>
           <a:prstGeom prst="rect">
@@ -14034,12 +14037,218 @@
             <p:ph idx="1"/>
           </p:nvPr>
         </p:nvSpPr>
-        <p:spPr/>
+        <p:spPr>
+          <a:xfrm>
+            <a:off x="838200" y="882502"/>
+            <a:ext cx="10515600" cy="5294461"/>
+          </a:xfrm>
+        </p:spPr>
         <p:txBody>
           <a:bodyPr/>
           <a:lstStyle/>
           <a:p>
-            <a:endParaRPr lang="en-GB"/>
+            <a:r>
+              <a:rPr lang="en-US" dirty="0" err="1"/>
+              <a:t>Komponente</a:t>
+            </a:r>
+            <a:r>
+              <a:rPr lang="en-US" dirty="0"/>
+              <a:t> </a:t>
+            </a:r>
+            <a:r>
+              <a:rPr lang="en-US" dirty="0" err="1"/>
+              <a:t>mogu</a:t>
+            </a:r>
+            <a:r>
+              <a:rPr lang="en-US" dirty="0"/>
+              <a:t> da </a:t>
+            </a:r>
+            <a:r>
+              <a:rPr lang="en-US" dirty="0" err="1"/>
+              <a:t>koriste</a:t>
+            </a:r>
+            <a:r>
+              <a:rPr lang="en-US" dirty="0"/>
+              <a:t> </a:t>
+            </a:r>
+            <a:r>
+              <a:rPr lang="en-US" dirty="0" err="1"/>
+              <a:t>kontrolere</a:t>
+            </a:r>
+            <a:r>
+              <a:rPr lang="en-US" dirty="0"/>
+              <a:t> od </a:t>
+            </a:r>
+            <a:r>
+              <a:rPr lang="en-US" dirty="0" err="1"/>
+              <a:t>drugih</a:t>
+            </a:r>
+            <a:r>
+              <a:rPr lang="en-US" dirty="0"/>
+              <a:t> </a:t>
+            </a:r>
+            <a:r>
+              <a:rPr lang="en-US" dirty="0" err="1"/>
+              <a:t>komponenti</a:t>
+            </a:r>
+            <a:r>
+              <a:rPr lang="en-US" dirty="0"/>
+              <a:t> </a:t>
+            </a:r>
+            <a:r>
+              <a:rPr lang="en-US" dirty="0" err="1"/>
+              <a:t>kako</a:t>
+            </a:r>
+            <a:r>
+              <a:rPr lang="en-US" dirty="0"/>
+              <a:t> bi </a:t>
+            </a:r>
+            <a:r>
+              <a:rPr lang="en-US" dirty="0" err="1"/>
+              <a:t>komunicirale</a:t>
+            </a:r>
+            <a:r>
+              <a:rPr lang="en-US" dirty="0"/>
+              <a:t> </a:t>
+            </a:r>
+            <a:r>
+              <a:rPr lang="en-US" dirty="0" err="1"/>
+              <a:t>izme</a:t>
+            </a:r>
+            <a:r>
+              <a:rPr lang="sr-Latn-RS" dirty="0"/>
+              <a:t>đu sebe.</a:t>
+            </a:r>
+            <a:endParaRPr lang="en-US" dirty="0"/>
+          </a:p>
+          <a:p>
+            <a:r>
+              <a:rPr lang="en-US" dirty="0" err="1"/>
+              <a:t>Komunikacija</a:t>
+            </a:r>
+            <a:r>
+              <a:rPr lang="en-US" dirty="0"/>
+              <a:t> </a:t>
+            </a:r>
+            <a:r>
+              <a:rPr lang="en-US" dirty="0" err="1"/>
+              <a:t>izmedju</a:t>
+            </a:r>
+            <a:r>
+              <a:rPr lang="en-US" dirty="0"/>
+              <a:t> </a:t>
+            </a:r>
+            <a:r>
+              <a:rPr lang="en-US" dirty="0" err="1"/>
+              <a:t>komponenti</a:t>
+            </a:r>
+            <a:r>
+              <a:rPr lang="en-US" dirty="0"/>
+              <a:t> se </a:t>
+            </a:r>
+            <a:r>
+              <a:rPr lang="en-US" dirty="0" err="1"/>
+              <a:t>ostvaruje</a:t>
+            </a:r>
+            <a:r>
+              <a:rPr lang="en-US" dirty="0"/>
+              <a:t> </a:t>
+            </a:r>
+            <a:r>
+              <a:rPr lang="en-US" dirty="0" err="1"/>
+              <a:t>sa</a:t>
+            </a:r>
+            <a:r>
+              <a:rPr lang="en-US" dirty="0"/>
+              <a:t> </a:t>
+            </a:r>
+            <a:r>
+              <a:rPr lang="en-US" dirty="0" err="1"/>
+              <a:t>rezervisanom</a:t>
+            </a:r>
+            <a:r>
+              <a:rPr lang="en-US" dirty="0"/>
+              <a:t> re</a:t>
+            </a:r>
+            <a:r>
+              <a:rPr lang="sr-Latn-RS" dirty="0"/>
+              <a:t>či </a:t>
+            </a:r>
+            <a:r>
+              <a:rPr lang="sr-Latn-RS" b="1" dirty="0"/>
+              <a:t>require.</a:t>
+            </a:r>
+            <a:endParaRPr lang="en-US" b="1" dirty="0"/>
+          </a:p>
+          <a:p>
+            <a:endParaRPr lang="en-US" b="1" dirty="0"/>
+          </a:p>
+          <a:p>
+            <a:endParaRPr lang="en-US" b="1" dirty="0"/>
+          </a:p>
+          <a:p>
+            <a:r>
+              <a:rPr lang="en-US" b="1" dirty="0" err="1"/>
+              <a:t>Transclude</a:t>
+            </a:r>
+            <a:r>
+              <a:rPr lang="en-US" b="1" dirty="0"/>
+              <a:t> </a:t>
+            </a:r>
+            <a:r>
+              <a:rPr lang="en-US" dirty="0"/>
+              <a:t>– </a:t>
+            </a:r>
+            <a:r>
+              <a:rPr lang="en-US" dirty="0" err="1"/>
+              <a:t>omogu</a:t>
+            </a:r>
+            <a:r>
+              <a:rPr lang="sr-Latn-RS" dirty="0"/>
+              <a:t>ćava da komponenta ima pristup </a:t>
+            </a:r>
+            <a:r>
+              <a:rPr lang="sr-Latn-RS" b="1" dirty="0"/>
+              <a:t>scope</a:t>
+            </a:r>
+            <a:r>
+              <a:rPr lang="sr-Latn-RS" dirty="0"/>
+              <a:t>-u izvan komponente umesto unutar komponente</a:t>
+            </a:r>
+            <a:endParaRPr lang="sr-Latn-RS" b="1" dirty="0"/>
+          </a:p>
+          <a:p>
+            <a:r>
+              <a:rPr lang="en-US" dirty="0"/>
+              <a:t>^^ - </a:t>
+            </a:r>
+            <a:r>
+              <a:rPr lang="en-US" dirty="0" err="1"/>
+              <a:t>tra</a:t>
+            </a:r>
+            <a:r>
+              <a:rPr lang="sr-Latn-RS" dirty="0"/>
+              <a:t>ži kontroler od </a:t>
+            </a:r>
+            <a:r>
+              <a:rPr lang="sr-Latn-RS" b="1" dirty="0"/>
+              <a:t>parenta</a:t>
+            </a:r>
+          </a:p>
+          <a:p>
+            <a:r>
+              <a:rPr lang="en-US" dirty="0"/>
+              <a:t>^ - </a:t>
+            </a:r>
+            <a:r>
+              <a:rPr lang="sr-Latn-RS" dirty="0"/>
+              <a:t>traži svoj kontroler ili od </a:t>
+            </a:r>
+            <a:r>
+              <a:rPr lang="sr-Latn-RS" b="1" dirty="0"/>
+              <a:t>parenta</a:t>
+            </a:r>
+            <a:endParaRPr lang="en-GB" b="1" dirty="0"/>
           </a:p>
         </p:txBody>
       </p:sp>
@@ -14095,10 +14304,2732 @@
           </a:p>
         </p:txBody>
       </p:sp>
+      <p:pic>
+        <p:nvPicPr>
+          <p:cNvPr id="5" name="Picture 4">
+            <a:extLst>
+              <a:ext uri="{FF2B5EF4-FFF2-40B4-BE49-F238E27FC236}">
+                <a16:creationId xmlns:a16="http://schemas.microsoft.com/office/drawing/2014/main" id="{93C34E55-CFCF-4E55-B952-4AFB479231C0}"/>
+              </a:ext>
+            </a:extLst>
+          </p:cNvPr>
+          <p:cNvPicPr>
+            <a:picLocks noChangeAspect="1"/>
+          </p:cNvPicPr>
+          <p:nvPr/>
+        </p:nvPicPr>
+        <p:blipFill>
+          <a:blip r:embed="rId2">
+            <a:extLst>
+              <a:ext uri="{28A0092B-C50C-407E-A947-70E740481C1C}">
+                <a14:useLocalDpi xmlns:a14="http://schemas.microsoft.com/office/drawing/2010/main" val="0"/>
+              </a:ext>
+            </a:extLst>
+          </a:blip>
+          <a:stretch>
+            <a:fillRect/>
+          </a:stretch>
+        </p:blipFill>
+        <p:spPr>
+          <a:xfrm>
+            <a:off x="1156385" y="2739157"/>
+            <a:ext cx="2343150" cy="790575"/>
+          </a:xfrm>
+          <a:prstGeom prst="rect">
+            <a:avLst/>
+          </a:prstGeom>
+        </p:spPr>
+      </p:pic>
     </p:spTree>
     <p:extLst>
       <p:ext uri="{BB962C8B-B14F-4D97-AF65-F5344CB8AC3E}">
         <p14:creationId xmlns:p14="http://schemas.microsoft.com/office/powerpoint/2010/main" val="4195699915"/>
+      </p:ext>
+    </p:extLst>
+  </p:cSld>
+  <p:clrMapOvr>
+    <a:masterClrMapping/>
+  </p:clrMapOvr>
+</p:sld>
+</file>
+
+<file path=ppt/slides/slide21.xml><?xml version="1.0" encoding="utf-8"?>
+<p:sld xmlns:a="http://schemas.openxmlformats.org/drawingml/2006/main" xmlns:r="http://schemas.openxmlformats.org/officeDocument/2006/relationships" xmlns:p="http://schemas.openxmlformats.org/presentationml/2006/main">
+  <p:cSld>
+    <p:spTree>
+      <p:nvGrpSpPr>
+        <p:cNvPr id="1" name=""/>
+        <p:cNvGrpSpPr/>
+        <p:nvPr/>
+      </p:nvGrpSpPr>
+      <p:grpSpPr>
+        <a:xfrm>
+          <a:off x="0" y="0"/>
+          <a:ext cx="0" cy="0"/>
+          <a:chOff x="0" y="0"/>
+          <a:chExt cx="0" cy="0"/>
+        </a:xfrm>
+      </p:grpSpPr>
+      <p:sp>
+        <p:nvSpPr>
+          <p:cNvPr id="6" name="TextBox 5">
+            <a:extLst>
+              <a:ext uri="{FF2B5EF4-FFF2-40B4-BE49-F238E27FC236}">
+                <a16:creationId xmlns:a16="http://schemas.microsoft.com/office/drawing/2014/main" id="{80606EC5-C764-40EC-AD31-46E11812AB80}"/>
+              </a:ext>
+            </a:extLst>
+          </p:cNvPr>
+          <p:cNvSpPr txBox="1"/>
+          <p:nvPr/>
+        </p:nvSpPr>
+        <p:spPr>
+          <a:xfrm>
+            <a:off x="3844636" y="311727"/>
+            <a:ext cx="4936095" cy="369332"/>
+          </a:xfrm>
+          <a:prstGeom prst="rect">
+            <a:avLst/>
+          </a:prstGeom>
+          <a:noFill/>
+        </p:spPr>
+        <p:txBody>
+          <a:bodyPr wrap="none" rtlCol="0">
+            <a:spAutoFit/>
+          </a:bodyPr>
+          <a:lstStyle/>
+          <a:p>
+            <a:r>
+              <a:rPr lang="sr-Latn-RS" dirty="0"/>
+              <a:t>Komunikacija </a:t>
+            </a:r>
+            <a:r>
+              <a:rPr lang="en-US" dirty="0"/>
+              <a:t>– </a:t>
+            </a:r>
+            <a:r>
+              <a:rPr lang="en-US" dirty="0" err="1"/>
+              <a:t>komponenta</a:t>
+            </a:r>
+            <a:r>
+              <a:rPr lang="en-US" dirty="0"/>
+              <a:t> – </a:t>
+            </a:r>
+            <a:r>
+              <a:rPr lang="en-US" dirty="0" err="1"/>
+              <a:t>komponenta</a:t>
+            </a:r>
+            <a:r>
+              <a:rPr lang="en-US" dirty="0"/>
+              <a:t> primer</a:t>
+            </a:r>
+            <a:endParaRPr lang="en-GB" dirty="0"/>
+          </a:p>
+        </p:txBody>
+      </p:sp>
+      <p:pic>
+        <p:nvPicPr>
+          <p:cNvPr id="8" name="Picture 7">
+            <a:extLst>
+              <a:ext uri="{FF2B5EF4-FFF2-40B4-BE49-F238E27FC236}">
+                <a16:creationId xmlns:a16="http://schemas.microsoft.com/office/drawing/2014/main" id="{4140D913-1C57-4E06-92B2-A0DDAAB1D806}"/>
+              </a:ext>
+            </a:extLst>
+          </p:cNvPr>
+          <p:cNvPicPr>
+            <a:picLocks noChangeAspect="1"/>
+          </p:cNvPicPr>
+          <p:nvPr/>
+        </p:nvPicPr>
+        <p:blipFill>
+          <a:blip r:embed="rId2">
+            <a:extLst>
+              <a:ext uri="{28A0092B-C50C-407E-A947-70E740481C1C}">
+                <a14:useLocalDpi xmlns:a14="http://schemas.microsoft.com/office/drawing/2010/main" val="0"/>
+              </a:ext>
+            </a:extLst>
+          </a:blip>
+          <a:stretch>
+            <a:fillRect/>
+          </a:stretch>
+        </p:blipFill>
+        <p:spPr>
+          <a:xfrm>
+            <a:off x="5666776" y="767727"/>
+            <a:ext cx="3876675" cy="5457825"/>
+          </a:xfrm>
+          <a:prstGeom prst="rect">
+            <a:avLst/>
+          </a:prstGeom>
+        </p:spPr>
+      </p:pic>
+      <p:pic>
+        <p:nvPicPr>
+          <p:cNvPr id="10" name="Picture 9">
+            <a:extLst>
+              <a:ext uri="{FF2B5EF4-FFF2-40B4-BE49-F238E27FC236}">
+                <a16:creationId xmlns:a16="http://schemas.microsoft.com/office/drawing/2014/main" id="{C95DF745-C79E-4660-A020-B70250DF4E34}"/>
+              </a:ext>
+            </a:extLst>
+          </p:cNvPr>
+          <p:cNvPicPr>
+            <a:picLocks noChangeAspect="1"/>
+          </p:cNvPicPr>
+          <p:nvPr/>
+        </p:nvPicPr>
+        <p:blipFill>
+          <a:blip r:embed="rId3">
+            <a:extLst>
+              <a:ext uri="{28A0092B-C50C-407E-A947-70E740481C1C}">
+                <a14:useLocalDpi xmlns:a14="http://schemas.microsoft.com/office/drawing/2010/main" val="0"/>
+              </a:ext>
+            </a:extLst>
+          </a:blip>
+          <a:stretch>
+            <a:fillRect/>
+          </a:stretch>
+        </p:blipFill>
+        <p:spPr>
+          <a:xfrm>
+            <a:off x="311881" y="767727"/>
+            <a:ext cx="4905375" cy="4095750"/>
+          </a:xfrm>
+          <a:prstGeom prst="rect">
+            <a:avLst/>
+          </a:prstGeom>
+        </p:spPr>
+      </p:pic>
+      <p:pic>
+        <p:nvPicPr>
+          <p:cNvPr id="12" name="Picture 11">
+            <a:extLst>
+              <a:ext uri="{FF2B5EF4-FFF2-40B4-BE49-F238E27FC236}">
+                <a16:creationId xmlns:a16="http://schemas.microsoft.com/office/drawing/2014/main" id="{D04F8F63-977C-4256-AF60-F9D17808BBC2}"/>
+              </a:ext>
+            </a:extLst>
+          </p:cNvPr>
+          <p:cNvPicPr>
+            <a:picLocks noChangeAspect="1"/>
+          </p:cNvPicPr>
+          <p:nvPr/>
+        </p:nvPicPr>
+        <p:blipFill>
+          <a:blip r:embed="rId4">
+            <a:extLst>
+              <a:ext uri="{28A0092B-C50C-407E-A947-70E740481C1C}">
+                <a14:useLocalDpi xmlns:a14="http://schemas.microsoft.com/office/drawing/2010/main" val="0"/>
+              </a:ext>
+            </a:extLst>
+          </a:blip>
+          <a:stretch>
+            <a:fillRect/>
+          </a:stretch>
+        </p:blipFill>
+        <p:spPr>
+          <a:xfrm>
+            <a:off x="371550" y="4977777"/>
+            <a:ext cx="5124450" cy="1247775"/>
+          </a:xfrm>
+          <a:prstGeom prst="rect">
+            <a:avLst/>
+          </a:prstGeom>
+        </p:spPr>
+      </p:pic>
+      <p:pic>
+        <p:nvPicPr>
+          <p:cNvPr id="14" name="Picture 13">
+            <a:extLst>
+              <a:ext uri="{FF2B5EF4-FFF2-40B4-BE49-F238E27FC236}">
+                <a16:creationId xmlns:a16="http://schemas.microsoft.com/office/drawing/2014/main" id="{2065ADBD-90C7-45A6-A68C-67E6E2B78E9C}"/>
+              </a:ext>
+            </a:extLst>
+          </p:cNvPr>
+          <p:cNvPicPr>
+            <a:picLocks noChangeAspect="1"/>
+          </p:cNvPicPr>
+          <p:nvPr/>
+        </p:nvPicPr>
+        <p:blipFill>
+          <a:blip r:embed="rId5">
+            <a:extLst>
+              <a:ext uri="{28A0092B-C50C-407E-A947-70E740481C1C}">
+                <a14:useLocalDpi xmlns:a14="http://schemas.microsoft.com/office/drawing/2010/main" val="0"/>
+              </a:ext>
+            </a:extLst>
+          </a:blip>
+          <a:stretch>
+            <a:fillRect/>
+          </a:stretch>
+        </p:blipFill>
+        <p:spPr>
+          <a:xfrm>
+            <a:off x="371550" y="6331352"/>
+            <a:ext cx="4476750" cy="190500"/>
+          </a:xfrm>
+          <a:prstGeom prst="rect">
+            <a:avLst/>
+          </a:prstGeom>
+        </p:spPr>
+      </p:pic>
+    </p:spTree>
+    <p:extLst>
+      <p:ext uri="{BB962C8B-B14F-4D97-AF65-F5344CB8AC3E}">
+        <p14:creationId xmlns:p14="http://schemas.microsoft.com/office/powerpoint/2010/main" val="306803207"/>
+      </p:ext>
+    </p:extLst>
+  </p:cSld>
+  <p:clrMapOvr>
+    <a:masterClrMapping/>
+  </p:clrMapOvr>
+</p:sld>
+</file>
+
+<file path=ppt/slides/slide22.xml><?xml version="1.0" encoding="utf-8"?>
+<p:sld xmlns:a="http://schemas.openxmlformats.org/drawingml/2006/main" xmlns:r="http://schemas.openxmlformats.org/officeDocument/2006/relationships" xmlns:p="http://schemas.openxmlformats.org/presentationml/2006/main">
+  <p:cSld>
+    <p:bg>
+      <p:bgPr>
+        <a:solidFill>
+          <a:schemeClr val="bg1"/>
+        </a:solidFill>
+        <a:effectLst/>
+      </p:bgPr>
+    </p:bg>
+    <p:spTree>
+      <p:nvGrpSpPr>
+        <p:cNvPr id="1" name=""/>
+        <p:cNvGrpSpPr/>
+        <p:nvPr/>
+      </p:nvGrpSpPr>
+      <p:grpSpPr>
+        <a:xfrm>
+          <a:off x="0" y="0"/>
+          <a:ext cx="0" cy="0"/>
+          <a:chOff x="0" y="0"/>
+          <a:chExt cx="0" cy="0"/>
+        </a:xfrm>
+      </p:grpSpPr>
+      <p:sp useBgFill="1">
+        <p:nvSpPr>
+          <p:cNvPr id="8" name="Rectangle 7">
+            <a:extLst>
+              <a:ext uri="{FF2B5EF4-FFF2-40B4-BE49-F238E27FC236}">
+                <a16:creationId xmlns:a16="http://schemas.microsoft.com/office/drawing/2014/main" id="{15911E3A-C35B-4EF7-A355-B84E9A14AF4D}"/>
+              </a:ext>
+              <a:ext uri="{C183D7F6-B498-43B3-948B-1728B52AA6E4}">
+                <adec:decorative xmlns:adec="http://schemas.microsoft.com/office/drawing/2017/decorative" val="1"/>
+              </a:ext>
+            </a:extLst>
+          </p:cNvPr>
+          <p:cNvSpPr>
+            <a:spLocks noGrp="1" noRot="1" noChangeAspect="1" noMove="1" noResize="1" noEditPoints="1" noAdjustHandles="1" noChangeArrowheads="1" noChangeShapeType="1" noTextEdit="1"/>
+          </p:cNvSpPr>
+          <p:nvPr>
+            <p:extLst>
+              <p:ext uri="{386F3935-93C4-4BCD-93E2-E3B085C9AB24}">
+                <p16:designElem xmlns:p16="http://schemas.microsoft.com/office/powerpoint/2015/main" val="1"/>
+              </p:ext>
+            </p:extLst>
+          </p:nvPr>
+        </p:nvSpPr>
+        <p:spPr>
+          <a:xfrm>
+            <a:off x="0" y="-1"/>
+            <a:ext cx="12192000" cy="6858001"/>
+          </a:xfrm>
+          <a:prstGeom prst="rect">
+            <a:avLst/>
+          </a:prstGeom>
+          <a:ln>
+            <a:noFill/>
+          </a:ln>
+        </p:spPr>
+        <p:style>
+          <a:lnRef idx="2">
+            <a:schemeClr val="accent1">
+              <a:shade val="50000"/>
+            </a:schemeClr>
+          </a:lnRef>
+          <a:fillRef idx="1">
+            <a:schemeClr val="accent1"/>
+          </a:fillRef>
+          <a:effectRef idx="0">
+            <a:schemeClr val="accent1"/>
+          </a:effectRef>
+          <a:fontRef idx="minor">
+            <a:schemeClr val="lt1"/>
+          </a:fontRef>
+        </p:style>
+        <p:txBody>
+          <a:bodyPr rtlCol="0" anchor="ctr"/>
+          <a:lstStyle/>
+          <a:p>
+            <a:pPr marL="0" marR="0" lvl="0" indent="0" algn="ctr" defTabSz="914400" rtl="0" eaLnBrk="1" fontAlgn="auto" latinLnBrk="0" hangingPunct="1">
+              <a:lnSpc>
+                <a:spcPct val="100000"/>
+              </a:lnSpc>
+              <a:spcBef>
+                <a:spcPts val="0"/>
+              </a:spcBef>
+              <a:spcAft>
+                <a:spcPts val="0"/>
+              </a:spcAft>
+              <a:buClrTx/>
+              <a:buSzTx/>
+              <a:buFontTx/>
+              <a:buNone/>
+              <a:tabLst/>
+              <a:defRPr/>
+            </a:pPr>
+            <a:endParaRPr kumimoji="0" lang="en-US" sz="1800" b="0" i="0" u="none" strike="noStrike" kern="1200" cap="none" spc="0" normalizeH="0" baseline="0" noProof="0">
+              <a:ln>
+                <a:noFill/>
+              </a:ln>
+              <a:solidFill>
+                <a:prstClr val="white"/>
+              </a:solidFill>
+              <a:effectLst/>
+              <a:uLnTx/>
+              <a:uFillTx/>
+              <a:latin typeface="Calibri" panose="020F0502020204030204"/>
+              <a:ea typeface="+mn-ea"/>
+              <a:cs typeface="+mn-cs"/>
+            </a:endParaRPr>
+          </a:p>
+        </p:txBody>
+      </p:sp>
+      <p:grpSp>
+        <p:nvGrpSpPr>
+          <p:cNvPr id="10" name="Group 9">
+            <a:extLst>
+              <a:ext uri="{FF2B5EF4-FFF2-40B4-BE49-F238E27FC236}">
+                <a16:creationId xmlns:a16="http://schemas.microsoft.com/office/drawing/2014/main" id="{E21ADB3D-AD65-44B4-847D-5E90E90A5D16}"/>
+              </a:ext>
+              <a:ext uri="{C183D7F6-B498-43B3-948B-1728B52AA6E4}">
+                <adec:decorative xmlns:adec="http://schemas.microsoft.com/office/drawing/2017/decorative" val="1"/>
+              </a:ext>
+            </a:extLst>
+          </p:cNvPr>
+          <p:cNvGrpSpPr>
+            <a:grpSpLocks noGrp="1" noUngrp="1" noRot="1" noChangeAspect="1" noMove="1" noResize="1"/>
+          </p:cNvGrpSpPr>
+          <p:nvPr>
+            <p:extLst>
+              <p:ext uri="{386F3935-93C4-4BCD-93E2-E3B085C9AB24}">
+                <p16:designElem xmlns:p16="http://schemas.microsoft.com/office/powerpoint/2015/main" val="1"/>
+              </p:ext>
+            </p:extLst>
+          </p:nvPr>
+        </p:nvGrpSpPr>
+        <p:grpSpPr>
+          <a:xfrm>
+            <a:off x="-417513" y="0"/>
+            <a:ext cx="12584114" cy="6853238"/>
+            <a:chOff x="-417513" y="0"/>
+            <a:chExt cx="12584114" cy="6853238"/>
+          </a:xfrm>
+        </p:grpSpPr>
+        <p:sp>
+          <p:nvSpPr>
+            <p:cNvPr id="11" name="Freeform 5">
+              <a:extLst>
+                <a:ext uri="{FF2B5EF4-FFF2-40B4-BE49-F238E27FC236}">
+                  <a16:creationId xmlns:a16="http://schemas.microsoft.com/office/drawing/2014/main" id="{CF580C70-814C-4845-B645-919BFFBD16BA}"/>
+                </a:ext>
+                <a:ext uri="{C183D7F6-B498-43B3-948B-1728B52AA6E4}">
+                  <adec:decorative xmlns:adec="http://schemas.microsoft.com/office/drawing/2017/decorative" val="1"/>
+                </a:ext>
+              </a:extLst>
+            </p:cNvPr>
+            <p:cNvSpPr/>
+            <p:nvPr>
+              <p:extLst>
+                <p:ext uri="{386F3935-93C4-4BCD-93E2-E3B085C9AB24}">
+                  <p16:designElem xmlns:p16="http://schemas.microsoft.com/office/powerpoint/2015/main" val="1"/>
+                </p:ext>
+              </p:extLst>
+            </p:nvPr>
+          </p:nvSpPr>
+          <p:spPr bwMode="auto">
+            <a:xfrm>
+              <a:off x="1306513" y="0"/>
+              <a:ext cx="3862388" cy="6843713"/>
+            </a:xfrm>
+            <a:custGeom>
+              <a:avLst/>
+              <a:gdLst/>
+              <a:ahLst/>
+              <a:cxnLst/>
+              <a:rect l="0" t="0" r="r" b="b"/>
+              <a:pathLst>
+                <a:path w="813" h="1440">
+                  <a:moveTo>
+                    <a:pt x="813" y="0"/>
+                  </a:moveTo>
+                  <a:cubicBezTo>
+                    <a:pt x="331" y="221"/>
+                    <a:pt x="0" y="1039"/>
+                    <a:pt x="435" y="1440"/>
+                  </a:cubicBezTo>
+                </a:path>
+              </a:pathLst>
+            </a:custGeom>
+            <a:noFill/>
+            <a:ln w="9525" cap="flat">
+              <a:solidFill>
+                <a:schemeClr val="tx1">
+                  <a:alpha val="20000"/>
+                </a:schemeClr>
+              </a:solidFill>
+              <a:prstDash val="solid"/>
+              <a:miter lim="800000"/>
+              <a:headEnd/>
+              <a:tailEnd/>
+            </a:ln>
+            <a:extLst>
+              <a:ext uri="{909E8E84-426E-40DD-AFC4-6F175D3DCCD1}">
+                <a14:hiddenFill xmlns:a14="http://schemas.microsoft.com/office/drawing/2010/main">
+                  <a:solidFill>
+                    <a:srgbClr val="FFFFFF"/>
+                  </a:solidFill>
+                </a14:hiddenFill>
+              </a:ext>
+            </a:extLst>
+          </p:spPr>
+        </p:sp>
+        <p:sp>
+          <p:nvSpPr>
+            <p:cNvPr id="12" name="Freeform 6">
+              <a:extLst>
+                <a:ext uri="{FF2B5EF4-FFF2-40B4-BE49-F238E27FC236}">
+                  <a16:creationId xmlns:a16="http://schemas.microsoft.com/office/drawing/2014/main" id="{34D7BF57-4CAA-45B2-9EF0-0AA1FCF70B16}"/>
+                </a:ext>
+                <a:ext uri="{C183D7F6-B498-43B3-948B-1728B52AA6E4}">
+                  <adec:decorative xmlns:adec="http://schemas.microsoft.com/office/drawing/2017/decorative" val="1"/>
+                </a:ext>
+              </a:extLst>
+            </p:cNvPr>
+            <p:cNvSpPr/>
+            <p:nvPr>
+              <p:extLst>
+                <p:ext uri="{386F3935-93C4-4BCD-93E2-E3B085C9AB24}">
+                  <p16:designElem xmlns:p16="http://schemas.microsoft.com/office/powerpoint/2015/main" val="1"/>
+                </p:ext>
+              </p:extLst>
+            </p:nvPr>
+          </p:nvSpPr>
+          <p:spPr bwMode="auto">
+            <a:xfrm>
+              <a:off x="10626725" y="9525"/>
+              <a:ext cx="1539875" cy="555625"/>
+            </a:xfrm>
+            <a:custGeom>
+              <a:avLst/>
+              <a:gdLst/>
+              <a:ahLst/>
+              <a:cxnLst/>
+              <a:rect l="0" t="0" r="r" b="b"/>
+              <a:pathLst>
+                <a:path w="324" h="117">
+                  <a:moveTo>
+                    <a:pt x="324" y="117"/>
+                  </a:moveTo>
+                  <a:cubicBezTo>
+                    <a:pt x="223" y="64"/>
+                    <a:pt x="107" y="28"/>
+                    <a:pt x="0" y="0"/>
+                  </a:cubicBezTo>
+                </a:path>
+              </a:pathLst>
+            </a:custGeom>
+            <a:noFill/>
+            <a:ln w="9525" cap="flat">
+              <a:solidFill>
+                <a:schemeClr val="tx1">
+                  <a:alpha val="20000"/>
+                </a:schemeClr>
+              </a:solidFill>
+              <a:prstDash val="solid"/>
+              <a:miter lim="800000"/>
+              <a:headEnd/>
+              <a:tailEnd/>
+            </a:ln>
+            <a:extLst>
+              <a:ext uri="{909E8E84-426E-40DD-AFC4-6F175D3DCCD1}">
+                <a14:hiddenFill xmlns:a14="http://schemas.microsoft.com/office/drawing/2010/main">
+                  <a:solidFill>
+                    <a:srgbClr val="FFFFFF"/>
+                  </a:solidFill>
+                </a14:hiddenFill>
+              </a:ext>
+            </a:extLst>
+          </p:spPr>
+        </p:sp>
+        <p:sp>
+          <p:nvSpPr>
+            <p:cNvPr id="13" name="Freeform 7">
+              <a:extLst>
+                <a:ext uri="{FF2B5EF4-FFF2-40B4-BE49-F238E27FC236}">
+                  <a16:creationId xmlns:a16="http://schemas.microsoft.com/office/drawing/2014/main" id="{7886F306-C03A-40C6-8FD5-DCE3D4595D6D}"/>
+                </a:ext>
+                <a:ext uri="{C183D7F6-B498-43B3-948B-1728B52AA6E4}">
+                  <adec:decorative xmlns:adec="http://schemas.microsoft.com/office/drawing/2017/decorative" val="1"/>
+                </a:ext>
+              </a:extLst>
+            </p:cNvPr>
+            <p:cNvSpPr/>
+            <p:nvPr>
+              <p:extLst>
+                <p:ext uri="{386F3935-93C4-4BCD-93E2-E3B085C9AB24}">
+                  <p16:designElem xmlns:p16="http://schemas.microsoft.com/office/powerpoint/2015/main" val="1"/>
+                </p:ext>
+              </p:extLst>
+            </p:nvPr>
+          </p:nvSpPr>
+          <p:spPr bwMode="auto">
+            <a:xfrm>
+              <a:off x="10247313" y="5013325"/>
+              <a:ext cx="1919288" cy="1830388"/>
+            </a:xfrm>
+            <a:custGeom>
+              <a:avLst/>
+              <a:gdLst/>
+              <a:ahLst/>
+              <a:cxnLst/>
+              <a:rect l="0" t="0" r="r" b="b"/>
+              <a:pathLst>
+                <a:path w="404" h="385">
+                  <a:moveTo>
+                    <a:pt x="0" y="385"/>
+                  </a:moveTo>
+                  <a:cubicBezTo>
+                    <a:pt x="146" y="272"/>
+                    <a:pt x="285" y="142"/>
+                    <a:pt x="404" y="0"/>
+                  </a:cubicBezTo>
+                </a:path>
+              </a:pathLst>
+            </a:custGeom>
+            <a:noFill/>
+            <a:ln w="9525" cap="flat">
+              <a:solidFill>
+                <a:schemeClr val="tx1">
+                  <a:alpha val="20000"/>
+                </a:schemeClr>
+              </a:solidFill>
+              <a:prstDash val="solid"/>
+              <a:miter lim="800000"/>
+              <a:headEnd/>
+              <a:tailEnd/>
+            </a:ln>
+            <a:extLst>
+              <a:ext uri="{909E8E84-426E-40DD-AFC4-6F175D3DCCD1}">
+                <a14:hiddenFill xmlns:a14="http://schemas.microsoft.com/office/drawing/2010/main">
+                  <a:solidFill>
+                    <a:srgbClr val="FFFFFF"/>
+                  </a:solidFill>
+                </a14:hiddenFill>
+              </a:ext>
+            </a:extLst>
+          </p:spPr>
+        </p:sp>
+        <p:sp>
+          <p:nvSpPr>
+            <p:cNvPr id="14" name="Freeform 8">
+              <a:extLst>
+                <a:ext uri="{FF2B5EF4-FFF2-40B4-BE49-F238E27FC236}">
+                  <a16:creationId xmlns:a16="http://schemas.microsoft.com/office/drawing/2014/main" id="{2FDC9A36-C7C3-47D7-A64E-ED25C47EC704}"/>
+                </a:ext>
+                <a:ext uri="{C183D7F6-B498-43B3-948B-1728B52AA6E4}">
+                  <adec:decorative xmlns:adec="http://schemas.microsoft.com/office/drawing/2017/decorative" val="1"/>
+                </a:ext>
+              </a:extLst>
+            </p:cNvPr>
+            <p:cNvSpPr/>
+            <p:nvPr>
+              <p:extLst>
+                <p:ext uri="{386F3935-93C4-4BCD-93E2-E3B085C9AB24}">
+                  <p16:designElem xmlns:p16="http://schemas.microsoft.com/office/powerpoint/2015/main" val="1"/>
+                </p:ext>
+              </p:extLst>
+            </p:nvPr>
+          </p:nvSpPr>
+          <p:spPr bwMode="auto">
+            <a:xfrm>
+              <a:off x="1120775" y="0"/>
+              <a:ext cx="3676650" cy="6843713"/>
+            </a:xfrm>
+            <a:custGeom>
+              <a:avLst/>
+              <a:gdLst/>
+              <a:ahLst/>
+              <a:cxnLst/>
+              <a:rect l="0" t="0" r="r" b="b"/>
+              <a:pathLst>
+                <a:path w="774" h="1440">
+                  <a:moveTo>
+                    <a:pt x="774" y="0"/>
+                  </a:moveTo>
+                  <a:cubicBezTo>
+                    <a:pt x="312" y="240"/>
+                    <a:pt x="0" y="1034"/>
+                    <a:pt x="411" y="1440"/>
+                  </a:cubicBezTo>
+                </a:path>
+              </a:pathLst>
+            </a:custGeom>
+            <a:noFill/>
+            <a:ln w="9525" cap="flat">
+              <a:solidFill>
+                <a:schemeClr val="tx1">
+                  <a:alpha val="20000"/>
+                </a:schemeClr>
+              </a:solidFill>
+              <a:prstDash val="dash"/>
+              <a:miter lim="800000"/>
+              <a:headEnd/>
+              <a:tailEnd/>
+            </a:ln>
+            <a:extLst>
+              <a:ext uri="{909E8E84-426E-40DD-AFC4-6F175D3DCCD1}">
+                <a14:hiddenFill xmlns:a14="http://schemas.microsoft.com/office/drawing/2010/main">
+                  <a:solidFill>
+                    <a:srgbClr val="FFFFFF"/>
+                  </a:solidFill>
+                </a14:hiddenFill>
+              </a:ext>
+            </a:extLst>
+          </p:spPr>
+        </p:sp>
+        <p:sp>
+          <p:nvSpPr>
+            <p:cNvPr id="15" name="Freeform 9">
+              <a:extLst>
+                <a:ext uri="{FF2B5EF4-FFF2-40B4-BE49-F238E27FC236}">
+                  <a16:creationId xmlns:a16="http://schemas.microsoft.com/office/drawing/2014/main" id="{BB19BC37-158A-43DC-9A9E-E45CC71954DC}"/>
+                </a:ext>
+                <a:ext uri="{C183D7F6-B498-43B3-948B-1728B52AA6E4}">
+                  <adec:decorative xmlns:adec="http://schemas.microsoft.com/office/drawing/2017/decorative" val="1"/>
+                </a:ext>
+              </a:extLst>
+            </p:cNvPr>
+            <p:cNvSpPr/>
+            <p:nvPr>
+              <p:extLst>
+                <p:ext uri="{386F3935-93C4-4BCD-93E2-E3B085C9AB24}">
+                  <p16:designElem xmlns:p16="http://schemas.microsoft.com/office/powerpoint/2015/main" val="1"/>
+                </p:ext>
+              </p:extLst>
+            </p:nvPr>
+          </p:nvSpPr>
+          <p:spPr bwMode="auto">
+            <a:xfrm>
+              <a:off x="11202988" y="9525"/>
+              <a:ext cx="963613" cy="366713"/>
+            </a:xfrm>
+            <a:custGeom>
+              <a:avLst/>
+              <a:gdLst/>
+              <a:ahLst/>
+              <a:cxnLst/>
+              <a:rect l="0" t="0" r="r" b="b"/>
+              <a:pathLst>
+                <a:path w="203" h="77">
+                  <a:moveTo>
+                    <a:pt x="203" y="77"/>
+                  </a:moveTo>
+                  <a:cubicBezTo>
+                    <a:pt x="138" y="46"/>
+                    <a:pt x="68" y="21"/>
+                    <a:pt x="0" y="0"/>
+                  </a:cubicBezTo>
+                </a:path>
+              </a:pathLst>
+            </a:custGeom>
+            <a:noFill/>
+            <a:ln w="9525" cap="flat">
+              <a:solidFill>
+                <a:schemeClr val="tx1">
+                  <a:alpha val="20000"/>
+                </a:schemeClr>
+              </a:solidFill>
+              <a:prstDash val="dash"/>
+              <a:miter lim="800000"/>
+              <a:headEnd/>
+              <a:tailEnd/>
+            </a:ln>
+            <a:extLst>
+              <a:ext uri="{909E8E84-426E-40DD-AFC4-6F175D3DCCD1}">
+                <a14:hiddenFill xmlns:a14="http://schemas.microsoft.com/office/drawing/2010/main">
+                  <a:solidFill>
+                    <a:srgbClr val="FFFFFF"/>
+                  </a:solidFill>
+                </a14:hiddenFill>
+              </a:ext>
+            </a:extLst>
+          </p:spPr>
+        </p:sp>
+        <p:sp>
+          <p:nvSpPr>
+            <p:cNvPr id="16" name="Freeform 10">
+              <a:extLst>
+                <a:ext uri="{FF2B5EF4-FFF2-40B4-BE49-F238E27FC236}">
+                  <a16:creationId xmlns:a16="http://schemas.microsoft.com/office/drawing/2014/main" id="{077654CC-108F-48D5-B5E9-437F164F52A5}"/>
+                </a:ext>
+                <a:ext uri="{C183D7F6-B498-43B3-948B-1728B52AA6E4}">
+                  <adec:decorative xmlns:adec="http://schemas.microsoft.com/office/drawing/2017/decorative" val="1"/>
+                </a:ext>
+              </a:extLst>
+            </p:cNvPr>
+            <p:cNvSpPr/>
+            <p:nvPr>
+              <p:extLst>
+                <p:ext uri="{386F3935-93C4-4BCD-93E2-E3B085C9AB24}">
+                  <p16:designElem xmlns:p16="http://schemas.microsoft.com/office/powerpoint/2015/main" val="1"/>
+                </p:ext>
+              </p:extLst>
+            </p:nvPr>
+          </p:nvSpPr>
+          <p:spPr bwMode="auto">
+            <a:xfrm>
+              <a:off x="10494963" y="5275263"/>
+              <a:ext cx="1666875" cy="1577975"/>
+            </a:xfrm>
+            <a:custGeom>
+              <a:avLst/>
+              <a:gdLst/>
+              <a:ahLst/>
+              <a:cxnLst/>
+              <a:rect l="0" t="0" r="r" b="b"/>
+              <a:pathLst>
+                <a:path w="351" h="332">
+                  <a:moveTo>
+                    <a:pt x="0" y="332"/>
+                  </a:moveTo>
+                  <a:cubicBezTo>
+                    <a:pt x="125" y="232"/>
+                    <a:pt x="245" y="121"/>
+                    <a:pt x="351" y="0"/>
+                  </a:cubicBezTo>
+                </a:path>
+              </a:pathLst>
+            </a:custGeom>
+            <a:noFill/>
+            <a:ln w="9525" cap="flat">
+              <a:solidFill>
+                <a:schemeClr val="tx1">
+                  <a:alpha val="20000"/>
+                </a:schemeClr>
+              </a:solidFill>
+              <a:prstDash val="dash"/>
+              <a:miter lim="800000"/>
+              <a:headEnd/>
+              <a:tailEnd/>
+            </a:ln>
+            <a:extLst>
+              <a:ext uri="{909E8E84-426E-40DD-AFC4-6F175D3DCCD1}">
+                <a14:hiddenFill xmlns:a14="http://schemas.microsoft.com/office/drawing/2010/main">
+                  <a:solidFill>
+                    <a:srgbClr val="FFFFFF"/>
+                  </a:solidFill>
+                </a14:hiddenFill>
+              </a:ext>
+            </a:extLst>
+          </p:spPr>
+        </p:sp>
+        <p:sp>
+          <p:nvSpPr>
+            <p:cNvPr id="17" name="Freeform 11">
+              <a:extLst>
+                <a:ext uri="{FF2B5EF4-FFF2-40B4-BE49-F238E27FC236}">
+                  <a16:creationId xmlns:a16="http://schemas.microsoft.com/office/drawing/2014/main" id="{A3CF3A63-1C1E-4E85-A78A-FDC16431E3A0}"/>
+                </a:ext>
+                <a:ext uri="{C183D7F6-B498-43B3-948B-1728B52AA6E4}">
+                  <adec:decorative xmlns:adec="http://schemas.microsoft.com/office/drawing/2017/decorative" val="1"/>
+                </a:ext>
+              </a:extLst>
+            </p:cNvPr>
+            <p:cNvSpPr/>
+            <p:nvPr>
+              <p:extLst>
+                <p:ext uri="{386F3935-93C4-4BCD-93E2-E3B085C9AB24}">
+                  <p16:designElem xmlns:p16="http://schemas.microsoft.com/office/powerpoint/2015/main" val="1"/>
+                </p:ext>
+              </p:extLst>
+            </p:nvPr>
+          </p:nvSpPr>
+          <p:spPr bwMode="auto">
+            <a:xfrm>
+              <a:off x="1001713" y="0"/>
+              <a:ext cx="3621088" cy="6843713"/>
+            </a:xfrm>
+            <a:custGeom>
+              <a:avLst/>
+              <a:gdLst/>
+              <a:ahLst/>
+              <a:cxnLst/>
+              <a:rect l="0" t="0" r="r" b="b"/>
+              <a:pathLst>
+                <a:path w="762" h="1440">
+                  <a:moveTo>
+                    <a:pt x="762" y="0"/>
+                  </a:moveTo>
+                  <a:cubicBezTo>
+                    <a:pt x="308" y="245"/>
+                    <a:pt x="0" y="1033"/>
+                    <a:pt x="403" y="1440"/>
+                  </a:cubicBezTo>
+                </a:path>
+              </a:pathLst>
+            </a:custGeom>
+            <a:noFill/>
+            <a:ln w="9525" cap="flat">
+              <a:solidFill>
+                <a:schemeClr val="tx1">
+                  <a:alpha val="20000"/>
+                </a:schemeClr>
+              </a:solidFill>
+              <a:prstDash val="solid"/>
+              <a:miter lim="800000"/>
+              <a:headEnd/>
+              <a:tailEnd/>
+            </a:ln>
+            <a:extLst>
+              <a:ext uri="{909E8E84-426E-40DD-AFC4-6F175D3DCCD1}">
+                <a14:hiddenFill xmlns:a14="http://schemas.microsoft.com/office/drawing/2010/main">
+                  <a:solidFill>
+                    <a:srgbClr val="FFFFFF"/>
+                  </a:solidFill>
+                </a14:hiddenFill>
+              </a:ext>
+            </a:extLst>
+          </p:spPr>
+        </p:sp>
+        <p:sp>
+          <p:nvSpPr>
+            <p:cNvPr id="18" name="Freeform 12">
+              <a:extLst>
+                <a:ext uri="{FF2B5EF4-FFF2-40B4-BE49-F238E27FC236}">
+                  <a16:creationId xmlns:a16="http://schemas.microsoft.com/office/drawing/2014/main" id="{8740FC9A-72DD-4D9B-BA25-1CCED1352408}"/>
+                </a:ext>
+                <a:ext uri="{C183D7F6-B498-43B3-948B-1728B52AA6E4}">
+                  <adec:decorative xmlns:adec="http://schemas.microsoft.com/office/drawing/2017/decorative" val="1"/>
+                </a:ext>
+              </a:extLst>
+            </p:cNvPr>
+            <p:cNvSpPr/>
+            <p:nvPr>
+              <p:extLst>
+                <p:ext uri="{386F3935-93C4-4BCD-93E2-E3B085C9AB24}">
+                  <p16:designElem xmlns:p16="http://schemas.microsoft.com/office/powerpoint/2015/main" val="1"/>
+                </p:ext>
+              </p:extLst>
+            </p:nvPr>
+          </p:nvSpPr>
+          <p:spPr bwMode="auto">
+            <a:xfrm>
+              <a:off x="11501438" y="9525"/>
+              <a:ext cx="665163" cy="257175"/>
+            </a:xfrm>
+            <a:custGeom>
+              <a:avLst/>
+              <a:gdLst/>
+              <a:ahLst/>
+              <a:cxnLst/>
+              <a:rect l="0" t="0" r="r" b="b"/>
+              <a:pathLst>
+                <a:path w="140" h="54">
+                  <a:moveTo>
+                    <a:pt x="140" y="54"/>
+                  </a:moveTo>
+                  <a:cubicBezTo>
+                    <a:pt x="95" y="34"/>
+                    <a:pt x="48" y="16"/>
+                    <a:pt x="0" y="0"/>
+                  </a:cubicBezTo>
+                </a:path>
+              </a:pathLst>
+            </a:custGeom>
+            <a:noFill/>
+            <a:ln w="9525" cap="flat">
+              <a:solidFill>
+                <a:schemeClr val="tx1">
+                  <a:alpha val="20000"/>
+                </a:schemeClr>
+              </a:solidFill>
+              <a:prstDash val="solid"/>
+              <a:miter lim="800000"/>
+              <a:headEnd/>
+              <a:tailEnd/>
+            </a:ln>
+            <a:extLst>
+              <a:ext uri="{909E8E84-426E-40DD-AFC4-6F175D3DCCD1}">
+                <a14:hiddenFill xmlns:a14="http://schemas.microsoft.com/office/drawing/2010/main">
+                  <a:solidFill>
+                    <a:srgbClr val="FFFFFF"/>
+                  </a:solidFill>
+                </a14:hiddenFill>
+              </a:ext>
+            </a:extLst>
+          </p:spPr>
+        </p:sp>
+        <p:sp>
+          <p:nvSpPr>
+            <p:cNvPr id="19" name="Freeform 13">
+              <a:extLst>
+                <a:ext uri="{FF2B5EF4-FFF2-40B4-BE49-F238E27FC236}">
+                  <a16:creationId xmlns:a16="http://schemas.microsoft.com/office/drawing/2014/main" id="{7FBF5743-F2AE-4D0D-BCD1-01F7686D012A}"/>
+                </a:ext>
+                <a:ext uri="{C183D7F6-B498-43B3-948B-1728B52AA6E4}">
+                  <adec:decorative xmlns:adec="http://schemas.microsoft.com/office/drawing/2017/decorative" val="1"/>
+                </a:ext>
+              </a:extLst>
+            </p:cNvPr>
+            <p:cNvSpPr/>
+            <p:nvPr>
+              <p:extLst>
+                <p:ext uri="{386F3935-93C4-4BCD-93E2-E3B085C9AB24}">
+                  <p16:designElem xmlns:p16="http://schemas.microsoft.com/office/powerpoint/2015/main" val="1"/>
+                </p:ext>
+              </p:extLst>
+            </p:nvPr>
+          </p:nvSpPr>
+          <p:spPr bwMode="auto">
+            <a:xfrm>
+              <a:off x="10641013" y="5408613"/>
+              <a:ext cx="1525588" cy="1435100"/>
+            </a:xfrm>
+            <a:custGeom>
+              <a:avLst/>
+              <a:gdLst/>
+              <a:ahLst/>
+              <a:cxnLst/>
+              <a:rect l="0" t="0" r="r" b="b"/>
+              <a:pathLst>
+                <a:path w="321" h="302">
+                  <a:moveTo>
+                    <a:pt x="0" y="302"/>
+                  </a:moveTo>
+                  <a:cubicBezTo>
+                    <a:pt x="114" y="210"/>
+                    <a:pt x="223" y="109"/>
+                    <a:pt x="321" y="0"/>
+                  </a:cubicBezTo>
+                </a:path>
+              </a:pathLst>
+            </a:custGeom>
+            <a:noFill/>
+            <a:ln w="9525" cap="flat">
+              <a:solidFill>
+                <a:schemeClr val="tx1">
+                  <a:alpha val="20000"/>
+                </a:schemeClr>
+              </a:solidFill>
+              <a:prstDash val="solid"/>
+              <a:miter lim="800000"/>
+              <a:headEnd/>
+              <a:tailEnd/>
+            </a:ln>
+            <a:extLst>
+              <a:ext uri="{909E8E84-426E-40DD-AFC4-6F175D3DCCD1}">
+                <a14:hiddenFill xmlns:a14="http://schemas.microsoft.com/office/drawing/2010/main">
+                  <a:solidFill>
+                    <a:srgbClr val="FFFFFF"/>
+                  </a:solidFill>
+                </a14:hiddenFill>
+              </a:ext>
+            </a:extLst>
+          </p:spPr>
+        </p:sp>
+        <p:sp>
+          <p:nvSpPr>
+            <p:cNvPr id="20" name="Freeform 14">
+              <a:extLst>
+                <a:ext uri="{FF2B5EF4-FFF2-40B4-BE49-F238E27FC236}">
+                  <a16:creationId xmlns:a16="http://schemas.microsoft.com/office/drawing/2014/main" id="{CED32316-D4F7-4795-BBE0-DEBB60E27CE3}"/>
+                </a:ext>
+                <a:ext uri="{C183D7F6-B498-43B3-948B-1728B52AA6E4}">
+                  <adec:decorative xmlns:adec="http://schemas.microsoft.com/office/drawing/2017/decorative" val="1"/>
+                </a:ext>
+              </a:extLst>
+            </p:cNvPr>
+            <p:cNvSpPr/>
+            <p:nvPr>
+              <p:extLst>
+                <p:ext uri="{386F3935-93C4-4BCD-93E2-E3B085C9AB24}">
+                  <p16:designElem xmlns:p16="http://schemas.microsoft.com/office/powerpoint/2015/main" val="1"/>
+                </p:ext>
+              </p:extLst>
+            </p:nvPr>
+          </p:nvSpPr>
+          <p:spPr bwMode="auto">
+            <a:xfrm>
+              <a:off x="1001713" y="0"/>
+              <a:ext cx="3244850" cy="6843713"/>
+            </a:xfrm>
+            <a:custGeom>
+              <a:avLst/>
+              <a:gdLst/>
+              <a:ahLst/>
+              <a:cxnLst/>
+              <a:rect l="0" t="0" r="r" b="b"/>
+              <a:pathLst>
+                <a:path w="683" h="1440">
+                  <a:moveTo>
+                    <a:pt x="683" y="0"/>
+                  </a:moveTo>
+                  <a:cubicBezTo>
+                    <a:pt x="258" y="256"/>
+                    <a:pt x="0" y="1041"/>
+                    <a:pt x="355" y="1440"/>
+                  </a:cubicBezTo>
+                </a:path>
+              </a:pathLst>
+            </a:custGeom>
+            <a:noFill/>
+            <a:ln w="9525" cap="flat">
+              <a:solidFill>
+                <a:schemeClr val="tx1">
+                  <a:alpha val="20000"/>
+                </a:schemeClr>
+              </a:solidFill>
+              <a:prstDash val="solid"/>
+              <a:miter lim="800000"/>
+              <a:headEnd/>
+              <a:tailEnd/>
+            </a:ln>
+            <a:extLst>
+              <a:ext uri="{909E8E84-426E-40DD-AFC4-6F175D3DCCD1}">
+                <a14:hiddenFill xmlns:a14="http://schemas.microsoft.com/office/drawing/2010/main">
+                  <a:solidFill>
+                    <a:srgbClr val="FFFFFF"/>
+                  </a:solidFill>
+                </a14:hiddenFill>
+              </a:ext>
+            </a:extLst>
+          </p:spPr>
+        </p:sp>
+        <p:sp>
+          <p:nvSpPr>
+            <p:cNvPr id="21" name="Freeform 15">
+              <a:extLst>
+                <a:ext uri="{FF2B5EF4-FFF2-40B4-BE49-F238E27FC236}">
+                  <a16:creationId xmlns:a16="http://schemas.microsoft.com/office/drawing/2014/main" id="{583B23C9-B9B7-4E93-9538-CBE316F83FDD}"/>
+                </a:ext>
+                <a:ext uri="{C183D7F6-B498-43B3-948B-1728B52AA6E4}">
+                  <adec:decorative xmlns:adec="http://schemas.microsoft.com/office/drawing/2017/decorative" val="1"/>
+                </a:ext>
+              </a:extLst>
+            </p:cNvPr>
+            <p:cNvSpPr/>
+            <p:nvPr>
+              <p:extLst>
+                <p:ext uri="{386F3935-93C4-4BCD-93E2-E3B085C9AB24}">
+                  <p16:designElem xmlns:p16="http://schemas.microsoft.com/office/powerpoint/2015/main" val="1"/>
+                </p:ext>
+              </p:extLst>
+            </p:nvPr>
+          </p:nvSpPr>
+          <p:spPr bwMode="auto">
+            <a:xfrm>
+              <a:off x="10802938" y="5518150"/>
+              <a:ext cx="1363663" cy="1325563"/>
+            </a:xfrm>
+            <a:custGeom>
+              <a:avLst/>
+              <a:gdLst/>
+              <a:ahLst/>
+              <a:cxnLst/>
+              <a:rect l="0" t="0" r="r" b="b"/>
+              <a:pathLst>
+                <a:path w="287" h="279">
+                  <a:moveTo>
+                    <a:pt x="0" y="279"/>
+                  </a:moveTo>
+                  <a:cubicBezTo>
+                    <a:pt x="101" y="193"/>
+                    <a:pt x="198" y="100"/>
+                    <a:pt x="287" y="0"/>
+                  </a:cubicBezTo>
+                </a:path>
+              </a:pathLst>
+            </a:custGeom>
+            <a:noFill/>
+            <a:ln w="9525" cap="flat">
+              <a:solidFill>
+                <a:schemeClr val="tx1">
+                  <a:alpha val="20000"/>
+                </a:schemeClr>
+              </a:solidFill>
+              <a:prstDash val="solid"/>
+              <a:miter lim="800000"/>
+              <a:headEnd/>
+              <a:tailEnd/>
+            </a:ln>
+            <a:extLst>
+              <a:ext uri="{909E8E84-426E-40DD-AFC4-6F175D3DCCD1}">
+                <a14:hiddenFill xmlns:a14="http://schemas.microsoft.com/office/drawing/2010/main">
+                  <a:solidFill>
+                    <a:srgbClr val="FFFFFF"/>
+                  </a:solidFill>
+                </a14:hiddenFill>
+              </a:ext>
+            </a:extLst>
+          </p:spPr>
+        </p:sp>
+        <p:sp>
+          <p:nvSpPr>
+            <p:cNvPr id="22" name="Freeform 16">
+              <a:extLst>
+                <a:ext uri="{FF2B5EF4-FFF2-40B4-BE49-F238E27FC236}">
+                  <a16:creationId xmlns:a16="http://schemas.microsoft.com/office/drawing/2014/main" id="{5B144260-9F2C-4ADB-A37C-1CFB4B428B1B}"/>
+                </a:ext>
+                <a:ext uri="{C183D7F6-B498-43B3-948B-1728B52AA6E4}">
+                  <adec:decorative xmlns:adec="http://schemas.microsoft.com/office/drawing/2017/decorative" val="1"/>
+                </a:ext>
+              </a:extLst>
+            </p:cNvPr>
+            <p:cNvSpPr/>
+            <p:nvPr>
+              <p:extLst>
+                <p:ext uri="{386F3935-93C4-4BCD-93E2-E3B085C9AB24}">
+                  <p16:designElem xmlns:p16="http://schemas.microsoft.com/office/powerpoint/2015/main" val="1"/>
+                </p:ext>
+              </p:extLst>
+            </p:nvPr>
+          </p:nvSpPr>
+          <p:spPr bwMode="auto">
+            <a:xfrm>
+              <a:off x="889000" y="0"/>
+              <a:ext cx="3230563" cy="6843713"/>
+            </a:xfrm>
+            <a:custGeom>
+              <a:avLst/>
+              <a:gdLst/>
+              <a:ahLst/>
+              <a:cxnLst/>
+              <a:rect l="0" t="0" r="r" b="b"/>
+              <a:pathLst>
+                <a:path w="680" h="1440">
+                  <a:moveTo>
+                    <a:pt x="680" y="0"/>
+                  </a:moveTo>
+                  <a:cubicBezTo>
+                    <a:pt x="257" y="265"/>
+                    <a:pt x="0" y="1026"/>
+                    <a:pt x="337" y="1440"/>
+                  </a:cubicBezTo>
+                </a:path>
+              </a:pathLst>
+            </a:custGeom>
+            <a:noFill/>
+            <a:ln w="9525" cap="flat">
+              <a:solidFill>
+                <a:schemeClr val="tx1">
+                  <a:alpha val="20000"/>
+                </a:schemeClr>
+              </a:solidFill>
+              <a:prstDash val="solid"/>
+              <a:miter lim="800000"/>
+              <a:headEnd/>
+              <a:tailEnd/>
+            </a:ln>
+            <a:extLst>
+              <a:ext uri="{909E8E84-426E-40DD-AFC4-6F175D3DCCD1}">
+                <a14:hiddenFill xmlns:a14="http://schemas.microsoft.com/office/drawing/2010/main">
+                  <a:solidFill>
+                    <a:srgbClr val="FFFFFF"/>
+                  </a:solidFill>
+                </a14:hiddenFill>
+              </a:ext>
+            </a:extLst>
+          </p:spPr>
+        </p:sp>
+        <p:sp>
+          <p:nvSpPr>
+            <p:cNvPr id="23" name="Freeform 17">
+              <a:extLst>
+                <a:ext uri="{FF2B5EF4-FFF2-40B4-BE49-F238E27FC236}">
+                  <a16:creationId xmlns:a16="http://schemas.microsoft.com/office/drawing/2014/main" id="{53FF918D-79D3-4F55-A68C-0DD5880DABDF}"/>
+                </a:ext>
+                <a:ext uri="{C183D7F6-B498-43B3-948B-1728B52AA6E4}">
+                  <adec:decorative xmlns:adec="http://schemas.microsoft.com/office/drawing/2017/decorative" val="1"/>
+                </a:ext>
+              </a:extLst>
+            </p:cNvPr>
+            <p:cNvSpPr/>
+            <p:nvPr>
+              <p:extLst>
+                <p:ext uri="{386F3935-93C4-4BCD-93E2-E3B085C9AB24}">
+                  <p16:designElem xmlns:p16="http://schemas.microsoft.com/office/powerpoint/2015/main" val="1"/>
+                </p:ext>
+              </p:extLst>
+            </p:nvPr>
+          </p:nvSpPr>
+          <p:spPr bwMode="auto">
+            <a:xfrm>
+              <a:off x="10979150" y="5694363"/>
+              <a:ext cx="1187450" cy="1149350"/>
+            </a:xfrm>
+            <a:custGeom>
+              <a:avLst/>
+              <a:gdLst/>
+              <a:ahLst/>
+              <a:cxnLst/>
+              <a:rect l="0" t="0" r="r" b="b"/>
+              <a:pathLst>
+                <a:path w="250" h="242">
+                  <a:moveTo>
+                    <a:pt x="0" y="242"/>
+                  </a:moveTo>
+                  <a:cubicBezTo>
+                    <a:pt x="88" y="166"/>
+                    <a:pt x="172" y="85"/>
+                    <a:pt x="250" y="0"/>
+                  </a:cubicBezTo>
+                </a:path>
+              </a:pathLst>
+            </a:custGeom>
+            <a:noFill/>
+            <a:ln w="9525" cap="flat">
+              <a:solidFill>
+                <a:schemeClr val="tx1">
+                  <a:alpha val="20000"/>
+                </a:schemeClr>
+              </a:solidFill>
+              <a:prstDash val="solid"/>
+              <a:miter lim="800000"/>
+              <a:headEnd/>
+              <a:tailEnd/>
+            </a:ln>
+            <a:extLst>
+              <a:ext uri="{909E8E84-426E-40DD-AFC4-6F175D3DCCD1}">
+                <a14:hiddenFill xmlns:a14="http://schemas.microsoft.com/office/drawing/2010/main">
+                  <a:solidFill>
+                    <a:srgbClr val="FFFFFF"/>
+                  </a:solidFill>
+                </a14:hiddenFill>
+              </a:ext>
+            </a:extLst>
+          </p:spPr>
+        </p:sp>
+        <p:sp>
+          <p:nvSpPr>
+            <p:cNvPr id="24" name="Freeform 18">
+              <a:extLst>
+                <a:ext uri="{FF2B5EF4-FFF2-40B4-BE49-F238E27FC236}">
+                  <a16:creationId xmlns:a16="http://schemas.microsoft.com/office/drawing/2014/main" id="{B9FC1440-933F-44FE-8D77-4827DD0F99A5}"/>
+                </a:ext>
+                <a:ext uri="{C183D7F6-B498-43B3-948B-1728B52AA6E4}">
+                  <adec:decorative xmlns:adec="http://schemas.microsoft.com/office/drawing/2017/decorative" val="1"/>
+                </a:ext>
+              </a:extLst>
+            </p:cNvPr>
+            <p:cNvSpPr/>
+            <p:nvPr>
+              <p:extLst>
+                <p:ext uri="{386F3935-93C4-4BCD-93E2-E3B085C9AB24}">
+                  <p16:designElem xmlns:p16="http://schemas.microsoft.com/office/powerpoint/2015/main" val="1"/>
+                </p:ext>
+              </p:extLst>
+            </p:nvPr>
+          </p:nvSpPr>
+          <p:spPr bwMode="auto">
+            <a:xfrm>
+              <a:off x="484188" y="0"/>
+              <a:ext cx="3421063" cy="6843713"/>
+            </a:xfrm>
+            <a:custGeom>
+              <a:avLst/>
+              <a:gdLst/>
+              <a:ahLst/>
+              <a:cxnLst/>
+              <a:rect l="0" t="0" r="r" b="b"/>
+              <a:pathLst>
+                <a:path w="720" h="1440">
+                  <a:moveTo>
+                    <a:pt x="720" y="0"/>
+                  </a:moveTo>
+                  <a:cubicBezTo>
+                    <a:pt x="316" y="282"/>
+                    <a:pt x="0" y="1018"/>
+                    <a:pt x="362" y="1440"/>
+                  </a:cubicBezTo>
+                </a:path>
+              </a:pathLst>
+            </a:custGeom>
+            <a:noFill/>
+            <a:ln w="9525" cap="flat">
+              <a:solidFill>
+                <a:schemeClr val="tx1">
+                  <a:alpha val="20000"/>
+                </a:schemeClr>
+              </a:solidFill>
+              <a:prstDash val="solid"/>
+              <a:miter lim="800000"/>
+              <a:headEnd/>
+              <a:tailEnd/>
+            </a:ln>
+            <a:extLst>
+              <a:ext uri="{909E8E84-426E-40DD-AFC4-6F175D3DCCD1}">
+                <a14:hiddenFill xmlns:a14="http://schemas.microsoft.com/office/drawing/2010/main">
+                  <a:solidFill>
+                    <a:srgbClr val="FFFFFF"/>
+                  </a:solidFill>
+                </a14:hiddenFill>
+              </a:ext>
+            </a:extLst>
+          </p:spPr>
+        </p:sp>
+        <p:sp>
+          <p:nvSpPr>
+            <p:cNvPr id="25" name="Freeform 19">
+              <a:extLst>
+                <a:ext uri="{FF2B5EF4-FFF2-40B4-BE49-F238E27FC236}">
+                  <a16:creationId xmlns:a16="http://schemas.microsoft.com/office/drawing/2014/main" id="{0F67F308-A67C-4D2E-B081-59BB31D8EC50}"/>
+                </a:ext>
+                <a:ext uri="{C183D7F6-B498-43B3-948B-1728B52AA6E4}">
+                  <adec:decorative xmlns:adec="http://schemas.microsoft.com/office/drawing/2017/decorative" val="1"/>
+                </a:ext>
+              </a:extLst>
+            </p:cNvPr>
+            <p:cNvSpPr/>
+            <p:nvPr>
+              <p:extLst>
+                <p:ext uri="{386F3935-93C4-4BCD-93E2-E3B085C9AB24}">
+                  <p16:designElem xmlns:p16="http://schemas.microsoft.com/office/powerpoint/2015/main" val="1"/>
+                </p:ext>
+              </p:extLst>
+            </p:nvPr>
+          </p:nvSpPr>
+          <p:spPr bwMode="auto">
+            <a:xfrm>
+              <a:off x="11287125" y="6049963"/>
+              <a:ext cx="879475" cy="793750"/>
+            </a:xfrm>
+            <a:custGeom>
+              <a:avLst/>
+              <a:gdLst/>
+              <a:ahLst/>
+              <a:cxnLst/>
+              <a:rect l="0" t="0" r="r" b="b"/>
+              <a:pathLst>
+                <a:path w="185" h="167">
+                  <a:moveTo>
+                    <a:pt x="0" y="167"/>
+                  </a:moveTo>
+                  <a:cubicBezTo>
+                    <a:pt x="63" y="114"/>
+                    <a:pt x="125" y="58"/>
+                    <a:pt x="185" y="0"/>
+                  </a:cubicBezTo>
+                </a:path>
+              </a:pathLst>
+            </a:custGeom>
+            <a:noFill/>
+            <a:ln w="9525" cap="flat">
+              <a:solidFill>
+                <a:schemeClr val="tx1">
+                  <a:alpha val="20000"/>
+                </a:schemeClr>
+              </a:solidFill>
+              <a:prstDash val="solid"/>
+              <a:miter lim="800000"/>
+              <a:headEnd/>
+              <a:tailEnd/>
+            </a:ln>
+            <a:extLst>
+              <a:ext uri="{909E8E84-426E-40DD-AFC4-6F175D3DCCD1}">
+                <a14:hiddenFill xmlns:a14="http://schemas.microsoft.com/office/drawing/2010/main">
+                  <a:solidFill>
+                    <a:srgbClr val="FFFFFF"/>
+                  </a:solidFill>
+                </a14:hiddenFill>
+              </a:ext>
+            </a:extLst>
+          </p:spPr>
+        </p:sp>
+        <p:sp>
+          <p:nvSpPr>
+            <p:cNvPr id="26" name="Freeform 20">
+              <a:extLst>
+                <a:ext uri="{FF2B5EF4-FFF2-40B4-BE49-F238E27FC236}">
+                  <a16:creationId xmlns:a16="http://schemas.microsoft.com/office/drawing/2014/main" id="{80112F01-90EB-4AEC-A39C-5C6875FFB99B}"/>
+                </a:ext>
+                <a:ext uri="{C183D7F6-B498-43B3-948B-1728B52AA6E4}">
+                  <adec:decorative xmlns:adec="http://schemas.microsoft.com/office/drawing/2017/decorative" val="1"/>
+                </a:ext>
+              </a:extLst>
+            </p:cNvPr>
+            <p:cNvSpPr/>
+            <p:nvPr>
+              <p:extLst>
+                <p:ext uri="{386F3935-93C4-4BCD-93E2-E3B085C9AB24}">
+                  <p16:designElem xmlns:p16="http://schemas.microsoft.com/office/powerpoint/2015/main" val="1"/>
+                </p:ext>
+              </p:extLst>
+            </p:nvPr>
+          </p:nvSpPr>
+          <p:spPr bwMode="auto">
+            <a:xfrm>
+              <a:off x="598488" y="0"/>
+              <a:ext cx="2717800" cy="6843713"/>
+            </a:xfrm>
+            <a:custGeom>
+              <a:avLst/>
+              <a:gdLst/>
+              <a:ahLst/>
+              <a:cxnLst/>
+              <a:rect l="0" t="0" r="r" b="b"/>
+              <a:pathLst>
+                <a:path w="572" h="1440">
+                  <a:moveTo>
+                    <a:pt x="572" y="0"/>
+                  </a:moveTo>
+                  <a:cubicBezTo>
+                    <a:pt x="213" y="320"/>
+                    <a:pt x="0" y="979"/>
+                    <a:pt x="164" y="1440"/>
+                  </a:cubicBezTo>
+                </a:path>
+              </a:pathLst>
+            </a:custGeom>
+            <a:noFill/>
+            <a:ln w="12700" cap="flat">
+              <a:solidFill>
+                <a:schemeClr val="tx1">
+                  <a:alpha val="20000"/>
+                </a:schemeClr>
+              </a:solidFill>
+              <a:prstDash val="dashDot"/>
+              <a:miter lim="800000"/>
+              <a:headEnd/>
+              <a:tailEnd/>
+            </a:ln>
+            <a:extLst>
+              <a:ext uri="{909E8E84-426E-40DD-AFC4-6F175D3DCCD1}">
+                <a14:hiddenFill xmlns:a14="http://schemas.microsoft.com/office/drawing/2010/main">
+                  <a:solidFill>
+                    <a:srgbClr val="FFFFFF"/>
+                  </a:solidFill>
+                </a14:hiddenFill>
+              </a:ext>
+            </a:extLst>
+          </p:spPr>
+        </p:sp>
+        <p:sp>
+          <p:nvSpPr>
+            <p:cNvPr id="27" name="Freeform 21">
+              <a:extLst>
+                <a:ext uri="{FF2B5EF4-FFF2-40B4-BE49-F238E27FC236}">
+                  <a16:creationId xmlns:a16="http://schemas.microsoft.com/office/drawing/2014/main" id="{893F6B05-90EB-4C75-A0F0-C7247553BD81}"/>
+                </a:ext>
+                <a:ext uri="{C183D7F6-B498-43B3-948B-1728B52AA6E4}">
+                  <adec:decorative xmlns:adec="http://schemas.microsoft.com/office/drawing/2017/decorative" val="1"/>
+                </a:ext>
+              </a:extLst>
+            </p:cNvPr>
+            <p:cNvSpPr/>
+            <p:nvPr>
+              <p:extLst>
+                <p:ext uri="{386F3935-93C4-4BCD-93E2-E3B085C9AB24}">
+                  <p16:designElem xmlns:p16="http://schemas.microsoft.com/office/powerpoint/2015/main" val="1"/>
+                </p:ext>
+              </p:extLst>
+            </p:nvPr>
+          </p:nvSpPr>
+          <p:spPr bwMode="auto">
+            <a:xfrm>
+              <a:off x="261938" y="0"/>
+              <a:ext cx="2944813" cy="6843713"/>
+            </a:xfrm>
+            <a:custGeom>
+              <a:avLst/>
+              <a:gdLst/>
+              <a:ahLst/>
+              <a:cxnLst/>
+              <a:rect l="0" t="0" r="r" b="b"/>
+              <a:pathLst>
+                <a:path w="620" h="1440">
+                  <a:moveTo>
+                    <a:pt x="620" y="0"/>
+                  </a:moveTo>
+                  <a:cubicBezTo>
+                    <a:pt x="248" y="325"/>
+                    <a:pt x="0" y="960"/>
+                    <a:pt x="186" y="1440"/>
+                  </a:cubicBezTo>
+                </a:path>
+              </a:pathLst>
+            </a:custGeom>
+            <a:noFill/>
+            <a:ln w="9525" cap="flat">
+              <a:solidFill>
+                <a:schemeClr val="tx1">
+                  <a:alpha val="20000"/>
+                </a:schemeClr>
+              </a:solidFill>
+              <a:prstDash val="lgDash"/>
+              <a:miter lim="800000"/>
+              <a:headEnd/>
+              <a:tailEnd/>
+            </a:ln>
+            <a:extLst>
+              <a:ext uri="{909E8E84-426E-40DD-AFC4-6F175D3DCCD1}">
+                <a14:hiddenFill xmlns:a14="http://schemas.microsoft.com/office/drawing/2010/main">
+                  <a:solidFill>
+                    <a:srgbClr val="FFFFFF"/>
+                  </a:solidFill>
+                </a14:hiddenFill>
+              </a:ext>
+            </a:extLst>
+          </p:spPr>
+        </p:sp>
+        <p:sp>
+          <p:nvSpPr>
+            <p:cNvPr id="28" name="Freeform 22">
+              <a:extLst>
+                <a:ext uri="{FF2B5EF4-FFF2-40B4-BE49-F238E27FC236}">
+                  <a16:creationId xmlns:a16="http://schemas.microsoft.com/office/drawing/2014/main" id="{227B563B-E0C0-4D81-966D-B5E2DBAAE8B5}"/>
+                </a:ext>
+                <a:ext uri="{C183D7F6-B498-43B3-948B-1728B52AA6E4}">
+                  <adec:decorative xmlns:adec="http://schemas.microsoft.com/office/drawing/2017/decorative" val="1"/>
+                </a:ext>
+              </a:extLst>
+            </p:cNvPr>
+            <p:cNvSpPr/>
+            <p:nvPr>
+              <p:extLst>
+                <p:ext uri="{386F3935-93C4-4BCD-93E2-E3B085C9AB24}">
+                  <p16:designElem xmlns:p16="http://schemas.microsoft.com/office/powerpoint/2015/main" val="1"/>
+                </p:ext>
+              </p:extLst>
+            </p:nvPr>
+          </p:nvSpPr>
+          <p:spPr bwMode="auto">
+            <a:xfrm>
+              <a:off x="-417513" y="0"/>
+              <a:ext cx="2403475" cy="6843713"/>
+            </a:xfrm>
+            <a:custGeom>
+              <a:avLst/>
+              <a:gdLst/>
+              <a:ahLst/>
+              <a:cxnLst/>
+              <a:rect l="0" t="0" r="r" b="b"/>
+              <a:pathLst>
+                <a:path w="506" h="1440">
+                  <a:moveTo>
+                    <a:pt x="506" y="0"/>
+                  </a:moveTo>
+                  <a:cubicBezTo>
+                    <a:pt x="109" y="356"/>
+                    <a:pt x="0" y="943"/>
+                    <a:pt x="171" y="1440"/>
+                  </a:cubicBezTo>
+                </a:path>
+              </a:pathLst>
+            </a:custGeom>
+            <a:noFill/>
+            <a:ln w="9525" cap="flat">
+              <a:solidFill>
+                <a:schemeClr val="tx1">
+                  <a:alpha val="20000"/>
+                </a:schemeClr>
+              </a:solidFill>
+              <a:prstDash val="solid"/>
+              <a:miter lim="800000"/>
+              <a:headEnd/>
+              <a:tailEnd/>
+            </a:ln>
+            <a:extLst>
+              <a:ext uri="{909E8E84-426E-40DD-AFC4-6F175D3DCCD1}">
+                <a14:hiddenFill xmlns:a14="http://schemas.microsoft.com/office/drawing/2010/main">
+                  <a:solidFill>
+                    <a:srgbClr val="FFFFFF"/>
+                  </a:solidFill>
+                </a14:hiddenFill>
+              </a:ext>
+            </a:extLst>
+          </p:spPr>
+        </p:sp>
+        <p:sp>
+          <p:nvSpPr>
+            <p:cNvPr id="29" name="Freeform 23">
+              <a:extLst>
+                <a:ext uri="{FF2B5EF4-FFF2-40B4-BE49-F238E27FC236}">
+                  <a16:creationId xmlns:a16="http://schemas.microsoft.com/office/drawing/2014/main" id="{130DF93D-D1FF-477A-BDCE-C8B01C3B476C}"/>
+                </a:ext>
+                <a:ext uri="{C183D7F6-B498-43B3-948B-1728B52AA6E4}">
+                  <adec:decorative xmlns:adec="http://schemas.microsoft.com/office/drawing/2017/decorative" val="1"/>
+                </a:ext>
+              </a:extLst>
+            </p:cNvPr>
+            <p:cNvSpPr/>
+            <p:nvPr>
+              <p:extLst>
+                <p:ext uri="{386F3935-93C4-4BCD-93E2-E3B085C9AB24}">
+                  <p16:designElem xmlns:p16="http://schemas.microsoft.com/office/powerpoint/2015/main" val="1"/>
+                </p:ext>
+              </p:extLst>
+            </p:nvPr>
+          </p:nvSpPr>
+          <p:spPr bwMode="auto">
+            <a:xfrm>
+              <a:off x="14288" y="9525"/>
+              <a:ext cx="1771650" cy="3198813"/>
+            </a:xfrm>
+            <a:custGeom>
+              <a:avLst/>
+              <a:gdLst/>
+              <a:ahLst/>
+              <a:cxnLst/>
+              <a:rect l="0" t="0" r="r" b="b"/>
+              <a:pathLst>
+                <a:path w="373" h="673">
+                  <a:moveTo>
+                    <a:pt x="373" y="0"/>
+                  </a:moveTo>
+                  <a:cubicBezTo>
+                    <a:pt x="175" y="183"/>
+                    <a:pt x="51" y="409"/>
+                    <a:pt x="0" y="673"/>
+                  </a:cubicBezTo>
+                </a:path>
+              </a:pathLst>
+            </a:custGeom>
+            <a:noFill/>
+            <a:ln w="9525" cap="flat">
+              <a:solidFill>
+                <a:schemeClr val="tx1">
+                  <a:alpha val="20000"/>
+                </a:schemeClr>
+              </a:solidFill>
+              <a:prstDash val="solid"/>
+              <a:miter lim="800000"/>
+              <a:headEnd/>
+              <a:tailEnd/>
+            </a:ln>
+            <a:extLst>
+              <a:ext uri="{909E8E84-426E-40DD-AFC4-6F175D3DCCD1}">
+                <a14:hiddenFill xmlns:a14="http://schemas.microsoft.com/office/drawing/2010/main">
+                  <a:solidFill>
+                    <a:srgbClr val="FFFFFF"/>
+                  </a:solidFill>
+                </a14:hiddenFill>
+              </a:ext>
+            </a:extLst>
+          </p:spPr>
+        </p:sp>
+        <p:sp>
+          <p:nvSpPr>
+            <p:cNvPr id="30" name="Freeform 24">
+              <a:extLst>
+                <a:ext uri="{FF2B5EF4-FFF2-40B4-BE49-F238E27FC236}">
+                  <a16:creationId xmlns:a16="http://schemas.microsoft.com/office/drawing/2014/main" id="{44ED67A1-C6FE-4AC8-8473-11DAC03DCD33}"/>
+                </a:ext>
+                <a:ext uri="{C183D7F6-B498-43B3-948B-1728B52AA6E4}">
+                  <adec:decorative xmlns:adec="http://schemas.microsoft.com/office/drawing/2017/decorative" val="1"/>
+                </a:ext>
+              </a:extLst>
+            </p:cNvPr>
+            <p:cNvSpPr/>
+            <p:nvPr>
+              <p:extLst>
+                <p:ext uri="{386F3935-93C4-4BCD-93E2-E3B085C9AB24}">
+                  <p16:designElem xmlns:p16="http://schemas.microsoft.com/office/powerpoint/2015/main" val="1"/>
+                </p:ext>
+              </p:extLst>
+            </p:nvPr>
+          </p:nvSpPr>
+          <p:spPr bwMode="auto">
+            <a:xfrm>
+              <a:off x="4763" y="6016625"/>
+              <a:ext cx="214313" cy="827088"/>
+            </a:xfrm>
+            <a:custGeom>
+              <a:avLst/>
+              <a:gdLst/>
+              <a:ahLst/>
+              <a:cxnLst/>
+              <a:rect l="0" t="0" r="r" b="b"/>
+              <a:pathLst>
+                <a:path w="45" h="174">
+                  <a:moveTo>
+                    <a:pt x="0" y="0"/>
+                  </a:moveTo>
+                  <a:cubicBezTo>
+                    <a:pt x="11" y="59"/>
+                    <a:pt x="26" y="118"/>
+                    <a:pt x="45" y="174"/>
+                  </a:cubicBezTo>
+                </a:path>
+              </a:pathLst>
+            </a:custGeom>
+            <a:noFill/>
+            <a:ln w="9525" cap="flat">
+              <a:solidFill>
+                <a:schemeClr val="tx1">
+                  <a:alpha val="20000"/>
+                </a:schemeClr>
+              </a:solidFill>
+              <a:prstDash val="solid"/>
+              <a:miter lim="800000"/>
+              <a:headEnd/>
+              <a:tailEnd/>
+            </a:ln>
+            <a:extLst>
+              <a:ext uri="{909E8E84-426E-40DD-AFC4-6F175D3DCCD1}">
+                <a14:hiddenFill xmlns:a14="http://schemas.microsoft.com/office/drawing/2010/main">
+                  <a:solidFill>
+                    <a:srgbClr val="FFFFFF"/>
+                  </a:solidFill>
+                </a14:hiddenFill>
+              </a:ext>
+            </a:extLst>
+          </p:spPr>
+        </p:sp>
+        <p:sp>
+          <p:nvSpPr>
+            <p:cNvPr id="31" name="Freeform 25">
+              <a:extLst>
+                <a:ext uri="{FF2B5EF4-FFF2-40B4-BE49-F238E27FC236}">
+                  <a16:creationId xmlns:a16="http://schemas.microsoft.com/office/drawing/2014/main" id="{213A54F3-15FA-4C8F-8ABF-CE77E7219658}"/>
+                </a:ext>
+                <a:ext uri="{C183D7F6-B498-43B3-948B-1728B52AA6E4}">
+                  <adec:decorative xmlns:adec="http://schemas.microsoft.com/office/drawing/2017/decorative" val="1"/>
+                </a:ext>
+              </a:extLst>
+            </p:cNvPr>
+            <p:cNvSpPr/>
+            <p:nvPr>
+              <p:extLst>
+                <p:ext uri="{386F3935-93C4-4BCD-93E2-E3B085C9AB24}">
+                  <p16:designElem xmlns:p16="http://schemas.microsoft.com/office/powerpoint/2015/main" val="1"/>
+                </p:ext>
+              </p:extLst>
+            </p:nvPr>
+          </p:nvSpPr>
+          <p:spPr bwMode="auto">
+            <a:xfrm>
+              <a:off x="14288" y="0"/>
+              <a:ext cx="1562100" cy="2228850"/>
+            </a:xfrm>
+            <a:custGeom>
+              <a:avLst/>
+              <a:gdLst/>
+              <a:ahLst/>
+              <a:cxnLst/>
+              <a:rect l="0" t="0" r="r" b="b"/>
+              <a:pathLst>
+                <a:path w="329" h="469">
+                  <a:moveTo>
+                    <a:pt x="329" y="0"/>
+                  </a:moveTo>
+                  <a:cubicBezTo>
+                    <a:pt x="189" y="133"/>
+                    <a:pt x="69" y="288"/>
+                    <a:pt x="0" y="469"/>
+                  </a:cubicBezTo>
+                </a:path>
+              </a:pathLst>
+            </a:custGeom>
+            <a:noFill/>
+            <a:ln w="9525" cap="flat">
+              <a:solidFill>
+                <a:schemeClr val="tx1">
+                  <a:alpha val="20000"/>
+                </a:schemeClr>
+              </a:solidFill>
+              <a:prstDash val="solid"/>
+              <a:miter lim="800000"/>
+              <a:headEnd/>
+              <a:tailEnd/>
+            </a:ln>
+            <a:extLst>
+              <a:ext uri="{909E8E84-426E-40DD-AFC4-6F175D3DCCD1}">
+                <a14:hiddenFill xmlns:a14="http://schemas.microsoft.com/office/drawing/2010/main">
+                  <a:solidFill>
+                    <a:srgbClr val="FFFFFF"/>
+                  </a:solidFill>
+                </a14:hiddenFill>
+              </a:ext>
+            </a:extLst>
+          </p:spPr>
+        </p:sp>
+      </p:grpSp>
+      <p:grpSp>
+        <p:nvGrpSpPr>
+          <p:cNvPr id="33" name="Group 32">
+            <a:extLst>
+              <a:ext uri="{FF2B5EF4-FFF2-40B4-BE49-F238E27FC236}">
+                <a16:creationId xmlns:a16="http://schemas.microsoft.com/office/drawing/2014/main" id="{5F8A7F7F-DD1A-4F41-98AC-B9CE2A620CDC}"/>
+              </a:ext>
+              <a:ext uri="{C183D7F6-B498-43B3-948B-1728B52AA6E4}">
+                <adec:decorative xmlns:adec="http://schemas.microsoft.com/office/drawing/2017/decorative" val="1"/>
+              </a:ext>
+            </a:extLst>
+          </p:cNvPr>
+          <p:cNvGrpSpPr>
+            <a:grpSpLocks noGrp="1" noUngrp="1" noRot="1" noChangeAspect="1" noMove="1" noResize="1"/>
+          </p:cNvGrpSpPr>
+          <p:nvPr>
+            <p:extLst>
+              <p:ext uri="{386F3935-93C4-4BCD-93E2-E3B085C9AB24}">
+                <p16:designElem xmlns:p16="http://schemas.microsoft.com/office/powerpoint/2015/main" val="1"/>
+              </p:ext>
+            </p:extLst>
+          </p:nvPr>
+        </p:nvGrpSpPr>
+        <p:grpSpPr>
+          <a:xfrm>
+            <a:off x="800144" y="1699589"/>
+            <a:ext cx="3674476" cy="3470421"/>
+            <a:chOff x="697883" y="1816768"/>
+            <a:chExt cx="3674476" cy="3470421"/>
+          </a:xfrm>
+        </p:grpSpPr>
+        <p:sp>
+          <p:nvSpPr>
+            <p:cNvPr id="34" name="Rectangle 33">
+              <a:extLst>
+                <a:ext uri="{FF2B5EF4-FFF2-40B4-BE49-F238E27FC236}">
+                  <a16:creationId xmlns:a16="http://schemas.microsoft.com/office/drawing/2014/main" id="{CEF47228-EB7C-4EBA-BE01-DA6CB2410289}"/>
+                </a:ext>
+                <a:ext uri="{C183D7F6-B498-43B3-948B-1728B52AA6E4}">
+                  <adec:decorative xmlns:adec="http://schemas.microsoft.com/office/drawing/2017/decorative" val="1"/>
+                </a:ext>
+              </a:extLst>
+            </p:cNvPr>
+            <p:cNvSpPr/>
+            <p:nvPr>
+              <p:extLst>
+                <p:ext uri="{386F3935-93C4-4BCD-93E2-E3B085C9AB24}">
+                  <p16:designElem xmlns:p16="http://schemas.microsoft.com/office/powerpoint/2015/main" val="1"/>
+                </p:ext>
+              </p:extLst>
+            </p:nvPr>
+          </p:nvSpPr>
+          <p:spPr>
+            <a:xfrm>
+              <a:off x="697883" y="1816768"/>
+              <a:ext cx="3674476" cy="502920"/>
+            </a:xfrm>
+            <a:prstGeom prst="rect">
+              <a:avLst/>
+            </a:prstGeom>
+            <a:solidFill>
+              <a:schemeClr val="accent1"/>
+            </a:solidFill>
+            <a:ln>
+              <a:noFill/>
+            </a:ln>
+          </p:spPr>
+          <p:style>
+            <a:lnRef idx="2">
+              <a:schemeClr val="accent1">
+                <a:shade val="50000"/>
+              </a:schemeClr>
+            </a:lnRef>
+            <a:fillRef idx="1">
+              <a:schemeClr val="accent1"/>
+            </a:fillRef>
+            <a:effectRef idx="0">
+              <a:schemeClr val="accent1"/>
+            </a:effectRef>
+            <a:fontRef idx="minor">
+              <a:schemeClr val="lt1"/>
+            </a:fontRef>
+          </p:style>
+        </p:sp>
+        <p:sp>
+          <p:nvSpPr>
+            <p:cNvPr id="35" name="Isosceles Triangle 22">
+              <a:extLst>
+                <a:ext uri="{FF2B5EF4-FFF2-40B4-BE49-F238E27FC236}">
+                  <a16:creationId xmlns:a16="http://schemas.microsoft.com/office/drawing/2014/main" id="{3D2FD25A-EFFD-4F5C-9258-981F5907DE21}"/>
+                </a:ext>
+                <a:ext uri="{C183D7F6-B498-43B3-948B-1728B52AA6E4}">
+                  <adec:decorative xmlns:adec="http://schemas.microsoft.com/office/drawing/2017/decorative" val="1"/>
+                </a:ext>
+              </a:extLst>
+            </p:cNvPr>
+            <p:cNvSpPr/>
+            <p:nvPr>
+              <p:extLst>
+                <p:ext uri="{386F3935-93C4-4BCD-93E2-E3B085C9AB24}">
+                  <p16:designElem xmlns:p16="http://schemas.microsoft.com/office/powerpoint/2015/main" val="1"/>
+                </p:ext>
+              </p:extLst>
+            </p:nvPr>
+          </p:nvSpPr>
+          <p:spPr>
+            <a:xfrm rot="10800000">
+              <a:off x="2380224" y="5014786"/>
+              <a:ext cx="315988" cy="272403"/>
+            </a:xfrm>
+            <a:prstGeom prst="triangle">
+              <a:avLst/>
+            </a:prstGeom>
+            <a:solidFill>
+              <a:schemeClr val="accent1"/>
+            </a:solidFill>
+            <a:ln>
+              <a:noFill/>
+            </a:ln>
+          </p:spPr>
+          <p:style>
+            <a:lnRef idx="2">
+              <a:schemeClr val="accent1">
+                <a:shade val="50000"/>
+              </a:schemeClr>
+            </a:lnRef>
+            <a:fillRef idx="1">
+              <a:schemeClr val="accent1"/>
+            </a:fillRef>
+            <a:effectRef idx="0">
+              <a:schemeClr val="accent1"/>
+            </a:effectRef>
+            <a:fontRef idx="minor">
+              <a:schemeClr val="lt1"/>
+            </a:fontRef>
+          </p:style>
+        </p:sp>
+        <p:sp>
+          <p:nvSpPr>
+            <p:cNvPr id="36" name="Rectangle 35">
+              <a:extLst>
+                <a:ext uri="{FF2B5EF4-FFF2-40B4-BE49-F238E27FC236}">
+                  <a16:creationId xmlns:a16="http://schemas.microsoft.com/office/drawing/2014/main" id="{DCF573BC-A06F-4036-A3A8-9D07DDE62253}"/>
+                </a:ext>
+                <a:ext uri="{C183D7F6-B498-43B3-948B-1728B52AA6E4}">
+                  <adec:decorative xmlns:adec="http://schemas.microsoft.com/office/drawing/2017/decorative" val="1"/>
+                </a:ext>
+              </a:extLst>
+            </p:cNvPr>
+            <p:cNvSpPr/>
+            <p:nvPr>
+              <p:extLst>
+                <p:ext uri="{386F3935-93C4-4BCD-93E2-E3B085C9AB24}">
+                  <p16:designElem xmlns:p16="http://schemas.microsoft.com/office/powerpoint/2015/main" val="1"/>
+                </p:ext>
+              </p:extLst>
+            </p:nvPr>
+          </p:nvSpPr>
+          <p:spPr>
+            <a:xfrm>
+              <a:off x="704075" y="2392840"/>
+              <a:ext cx="3668284" cy="2624327"/>
+            </a:xfrm>
+            <a:prstGeom prst="rect">
+              <a:avLst/>
+            </a:prstGeom>
+            <a:solidFill>
+              <a:schemeClr val="accent1"/>
+            </a:solidFill>
+            <a:ln>
+              <a:noFill/>
+            </a:ln>
+          </p:spPr>
+          <p:style>
+            <a:lnRef idx="2">
+              <a:schemeClr val="accent1">
+                <a:shade val="50000"/>
+              </a:schemeClr>
+            </a:lnRef>
+            <a:fillRef idx="1">
+              <a:schemeClr val="accent1"/>
+            </a:fillRef>
+            <a:effectRef idx="0">
+              <a:schemeClr val="accent1"/>
+            </a:effectRef>
+            <a:fontRef idx="minor">
+              <a:schemeClr val="lt1"/>
+            </a:fontRef>
+          </p:style>
+        </p:sp>
+      </p:grpSp>
+      <p:sp>
+        <p:nvSpPr>
+          <p:cNvPr id="2" name="Title 1">
+            <a:extLst>
+              <a:ext uri="{FF2B5EF4-FFF2-40B4-BE49-F238E27FC236}">
+                <a16:creationId xmlns:a16="http://schemas.microsoft.com/office/drawing/2014/main" id="{6F63A5C2-7055-4693-A830-0AD639AC44B5}"/>
+              </a:ext>
+            </a:extLst>
+          </p:cNvPr>
+          <p:cNvSpPr>
+            <a:spLocks noGrp="1"/>
+          </p:cNvSpPr>
+          <p:nvPr>
+            <p:ph type="title"/>
+          </p:nvPr>
+        </p:nvSpPr>
+        <p:spPr>
+          <a:xfrm>
+            <a:off x="904877" y="2415322"/>
+            <a:ext cx="3451730" cy="2399869"/>
+          </a:xfrm>
+        </p:spPr>
+        <p:txBody>
+          <a:bodyPr>
+            <a:normAutofit/>
+          </a:bodyPr>
+          <a:lstStyle/>
+          <a:p>
+            <a:pPr algn="ctr"/>
+            <a:r>
+              <a:rPr lang="en-US" sz="4000">
+                <a:solidFill>
+                  <a:srgbClr val="FFFFFF"/>
+                </a:solidFill>
+              </a:rPr>
+              <a:t>Zadatak</a:t>
+            </a:r>
+            <a:endParaRPr lang="en-GB" sz="4000">
+              <a:solidFill>
+                <a:srgbClr val="FFFFFF"/>
+              </a:solidFill>
+            </a:endParaRPr>
+          </a:p>
+        </p:txBody>
+      </p:sp>
+      <p:sp>
+        <p:nvSpPr>
+          <p:cNvPr id="3" name="Content Placeholder 2">
+            <a:extLst>
+              <a:ext uri="{FF2B5EF4-FFF2-40B4-BE49-F238E27FC236}">
+                <a16:creationId xmlns:a16="http://schemas.microsoft.com/office/drawing/2014/main" id="{EFF698BE-5048-40A4-89BD-A8A6678EB4C4}"/>
+              </a:ext>
+            </a:extLst>
+          </p:cNvPr>
+          <p:cNvSpPr>
+            <a:spLocks noGrp="1"/>
+          </p:cNvSpPr>
+          <p:nvPr>
+            <p:ph idx="1"/>
+          </p:nvPr>
+        </p:nvSpPr>
+        <p:spPr>
+          <a:xfrm>
+            <a:off x="5120640" y="804672"/>
+            <a:ext cx="6281928" cy="5248656"/>
+          </a:xfrm>
+        </p:spPr>
+        <p:txBody>
+          <a:bodyPr anchor="ctr">
+            <a:normAutofit/>
+          </a:bodyPr>
+          <a:lstStyle/>
+          <a:p>
+            <a:pPr marL="457200"/>
+            <a:r>
+              <a:rPr lang="en-US" sz="1400" dirty="0" err="1"/>
+              <a:t>Prepraviti</a:t>
+            </a:r>
+            <a:r>
+              <a:rPr lang="en-US" sz="1400" dirty="0"/>
+              <a:t> </a:t>
+            </a:r>
+            <a:r>
+              <a:rPr lang="en-US" sz="1400" dirty="0" err="1"/>
+              <a:t>zadatak</a:t>
+            </a:r>
+            <a:r>
+              <a:rPr lang="en-US" sz="1400" dirty="0"/>
+              <a:t> </a:t>
+            </a:r>
+            <a:r>
+              <a:rPr lang="en-US" sz="1400" dirty="0" err="1"/>
+              <a:t>sa</a:t>
+            </a:r>
+            <a:r>
+              <a:rPr lang="en-US" sz="1400" dirty="0"/>
+              <a:t> </a:t>
+            </a:r>
+            <a:r>
+              <a:rPr lang="en-US" sz="1400" dirty="0" err="1"/>
+              <a:t>komponentama</a:t>
+            </a:r>
+            <a:r>
+              <a:rPr lang="en-US" sz="1400" dirty="0"/>
+              <a:t> </a:t>
+            </a:r>
+            <a:r>
+              <a:rPr lang="en-US" sz="1400" dirty="0" err="1"/>
+              <a:t>tako</a:t>
+            </a:r>
+            <a:r>
+              <a:rPr lang="en-US" sz="1400" dirty="0"/>
+              <a:t> da </a:t>
+            </a:r>
+            <a:r>
+              <a:rPr lang="en-US" sz="1400" dirty="0" err="1"/>
+              <a:t>kontroleru</a:t>
+            </a:r>
+            <a:r>
+              <a:rPr lang="en-US" sz="1400" dirty="0"/>
+              <a:t> </a:t>
+            </a:r>
+            <a:r>
+              <a:rPr lang="en-US" sz="1400" dirty="0" err="1"/>
+              <a:t>inicijalizujete</a:t>
+            </a:r>
+            <a:r>
+              <a:rPr lang="en-US" sz="1400" dirty="0"/>
+              <a:t> se </a:t>
+            </a:r>
+            <a:r>
+              <a:rPr lang="en-US" sz="1400" dirty="0" err="1"/>
+              <a:t>promenljive</a:t>
+            </a:r>
+            <a:r>
+              <a:rPr lang="en-US" sz="1400" dirty="0"/>
+              <a:t>.</a:t>
+            </a:r>
+          </a:p>
+          <a:p>
+            <a:pPr marL="457200"/>
+            <a:r>
+              <a:rPr lang="en-US" sz="1400" dirty="0" err="1"/>
+              <a:t>Dodajte</a:t>
+            </a:r>
+            <a:r>
+              <a:rPr lang="en-US" sz="1400" dirty="0"/>
+              <a:t> </a:t>
+            </a:r>
+            <a:r>
+              <a:rPr lang="en-US" sz="1400" dirty="0" err="1"/>
+              <a:t>funkciju</a:t>
+            </a:r>
+            <a:r>
+              <a:rPr lang="en-US" sz="1400" dirty="0"/>
+              <a:t> za </a:t>
+            </a:r>
+            <a:r>
+              <a:rPr lang="en-US" sz="1400" dirty="0" err="1"/>
+              <a:t>sabiranje</a:t>
+            </a:r>
+            <a:r>
+              <a:rPr lang="en-US" sz="1400" dirty="0"/>
+              <a:t> </a:t>
+            </a:r>
+            <a:r>
+              <a:rPr lang="en-US" sz="1400" dirty="0" err="1"/>
+              <a:t>brojeva</a:t>
+            </a:r>
+            <a:r>
+              <a:rPr lang="en-US" sz="1400" dirty="0"/>
+              <a:t>.</a:t>
+            </a:r>
+          </a:p>
+          <a:p>
+            <a:pPr marL="457200"/>
+            <a:r>
+              <a:rPr lang="en-US" sz="1400" dirty="0" err="1"/>
+              <a:t>Prosledite</a:t>
+            </a:r>
+            <a:r>
+              <a:rPr lang="en-US" sz="1400" dirty="0"/>
+              <a:t> </a:t>
+            </a:r>
+            <a:r>
+              <a:rPr lang="en-US" sz="1400" dirty="0" err="1"/>
+              <a:t>promenljive</a:t>
+            </a:r>
+            <a:r>
+              <a:rPr lang="en-US" sz="1400" dirty="0"/>
+              <a:t> I </a:t>
+            </a:r>
+            <a:r>
+              <a:rPr lang="en-US" sz="1400" dirty="0" err="1"/>
+              <a:t>metode</a:t>
+            </a:r>
+            <a:r>
+              <a:rPr lang="en-US" sz="1400" dirty="0"/>
+              <a:t> </a:t>
+            </a:r>
+            <a:r>
+              <a:rPr lang="en-US" sz="1400" dirty="0" err="1"/>
+              <a:t>komponentama</a:t>
+            </a:r>
+            <a:r>
+              <a:rPr lang="en-US" sz="1400" dirty="0"/>
+              <a:t>.</a:t>
+            </a:r>
+          </a:p>
+          <a:p>
+            <a:pPr marL="457200"/>
+            <a:r>
+              <a:rPr lang="en-US" sz="1400" dirty="0"/>
+              <a:t>Prva </a:t>
+            </a:r>
+            <a:r>
+              <a:rPr lang="en-US" sz="1400" dirty="0" err="1"/>
+              <a:t>komponenta</a:t>
+            </a:r>
+            <a:r>
+              <a:rPr lang="en-US" sz="1400" dirty="0"/>
+              <a:t> </a:t>
+            </a:r>
+            <a:r>
+              <a:rPr lang="en-US" sz="1400" dirty="0" err="1"/>
+              <a:t>treba</a:t>
+            </a:r>
+            <a:r>
+              <a:rPr lang="en-US" sz="1400" dirty="0"/>
+              <a:t> da </a:t>
+            </a:r>
+            <a:r>
+              <a:rPr lang="en-US" sz="1400" dirty="0" err="1"/>
+              <a:t>poziva</a:t>
+            </a:r>
+            <a:r>
+              <a:rPr lang="en-US" sz="1400" dirty="0"/>
+              <a:t> </a:t>
+            </a:r>
+            <a:r>
+              <a:rPr lang="en-US" sz="1400" dirty="0" err="1"/>
+              <a:t>metodu</a:t>
+            </a:r>
+            <a:r>
+              <a:rPr lang="en-US" sz="1400" dirty="0"/>
+              <a:t> za </a:t>
+            </a:r>
+            <a:r>
+              <a:rPr lang="en-US" sz="1400" dirty="0" err="1"/>
+              <a:t>ispisivanje</a:t>
+            </a:r>
+            <a:r>
+              <a:rPr lang="en-US" sz="1400" dirty="0"/>
+              <a:t> </a:t>
+            </a:r>
+            <a:r>
+              <a:rPr lang="en-US" sz="1400" dirty="0" err="1"/>
+              <a:t>forme</a:t>
+            </a:r>
+            <a:r>
+              <a:rPr lang="en-US" sz="1400" dirty="0"/>
+              <a:t> u </a:t>
+            </a:r>
+            <a:r>
+              <a:rPr lang="en-US" sz="1400" dirty="0" err="1"/>
+              <a:t>konzoli</a:t>
+            </a:r>
+            <a:endParaRPr lang="en-US" sz="1400" dirty="0"/>
+          </a:p>
+          <a:p>
+            <a:pPr marL="457200"/>
+            <a:r>
+              <a:rPr lang="en-US" sz="1400" dirty="0"/>
+              <a:t>Druga </a:t>
+            </a:r>
+            <a:r>
+              <a:rPr lang="en-US" sz="1400" dirty="0" err="1"/>
+              <a:t>komponenta</a:t>
+            </a:r>
+            <a:r>
+              <a:rPr lang="en-US" sz="1400" dirty="0"/>
+              <a:t> </a:t>
+            </a:r>
+            <a:r>
+              <a:rPr lang="en-US" sz="1400" dirty="0" err="1"/>
+              <a:t>treba</a:t>
+            </a:r>
+            <a:r>
+              <a:rPr lang="en-US" sz="1400" dirty="0"/>
+              <a:t> da </a:t>
+            </a:r>
+            <a:r>
+              <a:rPr lang="en-US" sz="1400" dirty="0" err="1"/>
+              <a:t>poziva</a:t>
+            </a:r>
+            <a:r>
+              <a:rPr lang="en-US" sz="1400" dirty="0"/>
+              <a:t> </a:t>
+            </a:r>
+            <a:r>
+              <a:rPr lang="en-US" sz="1400" dirty="0" err="1"/>
+              <a:t>metodu</a:t>
+            </a:r>
+            <a:r>
+              <a:rPr lang="en-US" sz="1400" dirty="0"/>
+              <a:t> za </a:t>
+            </a:r>
+            <a:r>
+              <a:rPr lang="en-US" sz="1400" dirty="0" err="1"/>
+              <a:t>sabiranje</a:t>
+            </a:r>
+            <a:r>
+              <a:rPr lang="en-US" sz="1400" dirty="0"/>
+              <a:t> </a:t>
+            </a:r>
+            <a:r>
+              <a:rPr lang="en-US" sz="1400" dirty="0" err="1"/>
+              <a:t>brojeva</a:t>
+            </a:r>
+            <a:r>
+              <a:rPr lang="en-US" sz="1400" dirty="0"/>
+              <a:t>.</a:t>
+            </a:r>
+            <a:endParaRPr lang="en-GB" sz="1400" dirty="0"/>
+          </a:p>
+        </p:txBody>
+      </p:sp>
+    </p:spTree>
+    <p:extLst>
+      <p:ext uri="{BB962C8B-B14F-4D97-AF65-F5344CB8AC3E}">
+        <p14:creationId xmlns:p14="http://schemas.microsoft.com/office/powerpoint/2010/main" val="415472401"/>
+      </p:ext>
+    </p:extLst>
+  </p:cSld>
+  <p:clrMapOvr>
+    <a:masterClrMapping/>
+  </p:clrMapOvr>
+</p:sld>
+</file>
+
+<file path=ppt/slides/slide23.xml><?xml version="1.0" encoding="utf-8"?>
+<p:sld xmlns:a="http://schemas.openxmlformats.org/drawingml/2006/main" xmlns:r="http://schemas.openxmlformats.org/officeDocument/2006/relationships" xmlns:p="http://schemas.openxmlformats.org/presentationml/2006/main">
+  <p:cSld>
+    <p:spTree>
+      <p:nvGrpSpPr>
+        <p:cNvPr id="1" name=""/>
+        <p:cNvGrpSpPr/>
+        <p:nvPr/>
+      </p:nvGrpSpPr>
+      <p:grpSpPr>
+        <a:xfrm>
+          <a:off x="0" y="0"/>
+          <a:ext cx="0" cy="0"/>
+          <a:chOff x="0" y="0"/>
+          <a:chExt cx="0" cy="0"/>
+        </a:xfrm>
+      </p:grpSpPr>
+      <p:sp>
+        <p:nvSpPr>
+          <p:cNvPr id="2" name="Title 1">
+            <a:extLst>
+              <a:ext uri="{FF2B5EF4-FFF2-40B4-BE49-F238E27FC236}">
+                <a16:creationId xmlns:a16="http://schemas.microsoft.com/office/drawing/2014/main" id="{10FACB09-4989-48C8-AC1C-8F050F651F3A}"/>
+              </a:ext>
+            </a:extLst>
+          </p:cNvPr>
+          <p:cNvSpPr>
+            <a:spLocks noGrp="1"/>
+          </p:cNvSpPr>
+          <p:nvPr>
+            <p:ph type="title"/>
+          </p:nvPr>
+        </p:nvSpPr>
+        <p:spPr>
+          <a:xfrm>
+            <a:off x="838200" y="365126"/>
+            <a:ext cx="10515600" cy="591220"/>
+          </a:xfrm>
+        </p:spPr>
+        <p:txBody>
+          <a:bodyPr>
+            <a:normAutofit fontScale="90000"/>
+          </a:bodyPr>
+          <a:lstStyle/>
+          <a:p>
+            <a:pPr algn="ctr"/>
+            <a:r>
+              <a:rPr lang="en-US" dirty="0" err="1"/>
+              <a:t>Direktive</a:t>
+            </a:r>
+            <a:endParaRPr lang="en-GB" dirty="0"/>
+          </a:p>
+        </p:txBody>
+      </p:sp>
+      <p:sp>
+        <p:nvSpPr>
+          <p:cNvPr id="3" name="Content Placeholder 2">
+            <a:extLst>
+              <a:ext uri="{FF2B5EF4-FFF2-40B4-BE49-F238E27FC236}">
+                <a16:creationId xmlns:a16="http://schemas.microsoft.com/office/drawing/2014/main" id="{D0CFF521-A6FD-43DB-BD02-D5FA334E3455}"/>
+              </a:ext>
+            </a:extLst>
+          </p:cNvPr>
+          <p:cNvSpPr>
+            <a:spLocks noGrp="1"/>
+          </p:cNvSpPr>
+          <p:nvPr>
+            <p:ph idx="1"/>
+          </p:nvPr>
+        </p:nvSpPr>
+        <p:spPr>
+          <a:xfrm>
+            <a:off x="838200" y="1149292"/>
+            <a:ext cx="10515600" cy="5027671"/>
+          </a:xfrm>
+        </p:spPr>
+        <p:txBody>
+          <a:bodyPr>
+            <a:normAutofit fontScale="92500" lnSpcReduction="10000"/>
+          </a:bodyPr>
+          <a:lstStyle/>
+          <a:p>
+            <a:r>
+              <a:rPr lang="en-US" dirty="0" err="1"/>
+              <a:t>Direktive</a:t>
+            </a:r>
+            <a:r>
+              <a:rPr lang="en-US" dirty="0"/>
+              <a:t> se </a:t>
+            </a:r>
+            <a:r>
+              <a:rPr lang="en-US" dirty="0" err="1"/>
+              <a:t>mogu</a:t>
+            </a:r>
+            <a:r>
+              <a:rPr lang="en-US" dirty="0"/>
+              <a:t> </a:t>
+            </a:r>
+            <a:r>
+              <a:rPr lang="en-US" dirty="0" err="1"/>
+              <a:t>pozivati</a:t>
+            </a:r>
+            <a:r>
+              <a:rPr lang="en-US" dirty="0"/>
+              <a:t> </a:t>
+            </a:r>
+            <a:r>
+              <a:rPr lang="en-US" dirty="0" err="1"/>
+              <a:t>na</a:t>
+            </a:r>
+            <a:r>
+              <a:rPr lang="en-US" dirty="0"/>
+              <a:t> vi</a:t>
+            </a:r>
+            <a:r>
+              <a:rPr lang="sr-Latn-RS" dirty="0"/>
+              <a:t>še načina</a:t>
+            </a:r>
+            <a:r>
+              <a:rPr lang="en-US" dirty="0"/>
+              <a:t>:</a:t>
+            </a:r>
+          </a:p>
+          <a:p>
+            <a:pPr lvl="1"/>
+            <a:r>
+              <a:rPr lang="en-US" dirty="0"/>
+              <a:t>Kao element </a:t>
+            </a:r>
+            <a:r>
+              <a:rPr lang="en-US" b="1" dirty="0"/>
+              <a:t>E</a:t>
+            </a:r>
+          </a:p>
+          <a:p>
+            <a:pPr lvl="1"/>
+            <a:r>
+              <a:rPr lang="en-US" dirty="0"/>
+              <a:t>Kao </a:t>
+            </a:r>
+            <a:r>
+              <a:rPr lang="en-US" dirty="0" err="1"/>
+              <a:t>atribut</a:t>
+            </a:r>
+            <a:r>
+              <a:rPr lang="en-US" dirty="0"/>
+              <a:t> </a:t>
+            </a:r>
+            <a:r>
+              <a:rPr lang="en-US" b="1" dirty="0"/>
+              <a:t>A</a:t>
+            </a:r>
+          </a:p>
+          <a:p>
+            <a:pPr lvl="1"/>
+            <a:r>
+              <a:rPr lang="en-US" dirty="0"/>
+              <a:t>Kao </a:t>
+            </a:r>
+            <a:r>
+              <a:rPr lang="en-US" dirty="0" err="1"/>
+              <a:t>ime</a:t>
+            </a:r>
+            <a:r>
+              <a:rPr lang="en-US" dirty="0"/>
+              <a:t> </a:t>
+            </a:r>
+            <a:r>
+              <a:rPr lang="en-US" dirty="0" err="1"/>
+              <a:t>klase</a:t>
+            </a:r>
+            <a:r>
+              <a:rPr lang="en-US" dirty="0"/>
+              <a:t> </a:t>
+            </a:r>
+            <a:r>
+              <a:rPr lang="en-US" b="1" dirty="0"/>
+              <a:t>C</a:t>
+            </a:r>
+          </a:p>
+          <a:p>
+            <a:pPr lvl="1"/>
+            <a:r>
+              <a:rPr lang="en-US" dirty="0"/>
+              <a:t>Kao </a:t>
+            </a:r>
+            <a:r>
+              <a:rPr lang="en-US" dirty="0" err="1"/>
+              <a:t>komentar</a:t>
+            </a:r>
+            <a:r>
+              <a:rPr lang="en-US" dirty="0"/>
+              <a:t> </a:t>
+            </a:r>
+            <a:r>
+              <a:rPr lang="en-US" b="1" dirty="0"/>
+              <a:t>M</a:t>
+            </a:r>
+          </a:p>
+          <a:p>
+            <a:r>
+              <a:rPr lang="en-US" dirty="0" err="1"/>
+              <a:t>Standardno</a:t>
+            </a:r>
+            <a:r>
+              <a:rPr lang="en-US" dirty="0"/>
+              <a:t> </a:t>
+            </a:r>
+            <a:r>
+              <a:rPr lang="en-US" dirty="0" err="1"/>
+              <a:t>pona</a:t>
+            </a:r>
+            <a:r>
+              <a:rPr lang="sr-Latn-RS" dirty="0"/>
+              <a:t>šanje direktive je </a:t>
+            </a:r>
+            <a:r>
+              <a:rPr lang="sr-Latn-RS" b="1" dirty="0"/>
+              <a:t>EA </a:t>
+            </a:r>
+            <a:r>
+              <a:rPr lang="sr-Latn-RS" dirty="0"/>
+              <a:t>(element, atribut)</a:t>
+            </a:r>
+          </a:p>
+          <a:p>
+            <a:r>
+              <a:rPr lang="sr-Latn-RS" dirty="0"/>
+              <a:t>Da bi bilo jasno koja je </a:t>
+            </a:r>
+            <a:r>
+              <a:rPr lang="sr-Latn-RS" b="1" dirty="0"/>
+              <a:t>custom </a:t>
+            </a:r>
+            <a:r>
+              <a:rPr lang="sr-Latn-RS" dirty="0"/>
+              <a:t>direktiva najbolje bi bilo da se svakoj direktivi da prefiks, ili ime aplikacije, ili deo za šta je zadužena direktiva.</a:t>
+            </a:r>
+          </a:p>
+          <a:p>
+            <a:r>
+              <a:rPr lang="sr-Latn-RS" dirty="0"/>
+              <a:t>Primer</a:t>
+            </a:r>
+            <a:r>
+              <a:rPr lang="en-US" dirty="0"/>
+              <a:t>: </a:t>
+            </a:r>
+            <a:endParaRPr lang="sr-Latn-RS" dirty="0"/>
+          </a:p>
+          <a:p>
+            <a:pPr lvl="1"/>
+            <a:r>
+              <a:rPr lang="sr-Latn-RS" dirty="0"/>
+              <a:t>kursCarusel</a:t>
+            </a:r>
+          </a:p>
+          <a:p>
+            <a:pPr lvl="1"/>
+            <a:r>
+              <a:rPr lang="sr-Latn-RS" dirty="0"/>
+              <a:t>abcCarusel</a:t>
+            </a:r>
+          </a:p>
+          <a:p>
+            <a:pPr lvl="1"/>
+            <a:r>
+              <a:rPr lang="sr-Latn-RS" dirty="0">
+                <a:solidFill>
+                  <a:srgbClr val="FF0000"/>
+                </a:solidFill>
+              </a:rPr>
+              <a:t>ngDirektiva</a:t>
+            </a:r>
+            <a:r>
+              <a:rPr lang="sr-Latn-RS" dirty="0"/>
+              <a:t> – i ako nema trenutno u angularu bas ova direktiva nikad se ne zna hoće je dodati u sledećem </a:t>
+            </a:r>
+            <a:r>
+              <a:rPr lang="sr-Latn-RS" b="1" dirty="0"/>
+              <a:t>release</a:t>
+            </a:r>
+            <a:r>
+              <a:rPr lang="sr-Latn-RS" dirty="0"/>
+              <a:t>-u</a:t>
+            </a:r>
+            <a:r>
+              <a:rPr lang="en-US" dirty="0"/>
+              <a:t>, </a:t>
+            </a:r>
+            <a:r>
+              <a:rPr lang="en-US" dirty="0" err="1"/>
+              <a:t>tako</a:t>
+            </a:r>
+            <a:r>
+              <a:rPr lang="en-US" dirty="0"/>
+              <a:t> da </a:t>
+            </a:r>
+            <a:r>
+              <a:rPr lang="en-US" dirty="0" err="1"/>
+              <a:t>prefiks</a:t>
+            </a:r>
+            <a:r>
+              <a:rPr lang="en-US" dirty="0"/>
+              <a:t> </a:t>
+            </a:r>
+            <a:r>
+              <a:rPr lang="en-US" b="1" dirty="0"/>
+              <a:t>ng </a:t>
+            </a:r>
+            <a:r>
+              <a:rPr lang="en-US" dirty="0" err="1"/>
+              <a:t>nemojte</a:t>
+            </a:r>
+            <a:r>
+              <a:rPr lang="en-US" dirty="0"/>
+              <a:t> </a:t>
+            </a:r>
+            <a:r>
+              <a:rPr lang="en-US" dirty="0" err="1"/>
+              <a:t>korstiti</a:t>
+            </a:r>
+            <a:r>
+              <a:rPr lang="en-US" dirty="0"/>
+              <a:t> za </a:t>
+            </a:r>
+            <a:r>
+              <a:rPr lang="en-US" dirty="0" err="1"/>
+              <a:t>va</a:t>
+            </a:r>
+            <a:r>
+              <a:rPr lang="sr-Latn-RS" dirty="0"/>
+              <a:t>še direktive.</a:t>
+            </a:r>
+            <a:endParaRPr lang="en-GB" b="1" strike="sngStrike" dirty="0"/>
+          </a:p>
+        </p:txBody>
+      </p:sp>
+    </p:spTree>
+    <p:extLst>
+      <p:ext uri="{BB962C8B-B14F-4D97-AF65-F5344CB8AC3E}">
+        <p14:creationId xmlns:p14="http://schemas.microsoft.com/office/powerpoint/2010/main" val="2620108366"/>
       </p:ext>
     </p:extLst>
   </p:cSld>

--- a/AngularJS.pptx
+++ b/AngularJS.pptx
@@ -28,6 +28,13 @@
     <p:sldId id="278" r:id="rId22"/>
     <p:sldId id="280" r:id="rId23"/>
     <p:sldId id="281" r:id="rId24"/>
+    <p:sldId id="282" r:id="rId25"/>
+    <p:sldId id="284" r:id="rId26"/>
+    <p:sldId id="286" r:id="rId27"/>
+    <p:sldId id="287" r:id="rId28"/>
+    <p:sldId id="289" r:id="rId29"/>
+    <p:sldId id="290" r:id="rId30"/>
+    <p:sldId id="283" r:id="rId31"/>
   </p:sldIdLst>
   <p:sldSz cx="12192000" cy="6858000"/>
   <p:notesSz cx="6858000" cy="9144000"/>
@@ -137,8 +144,8 @@
 <file path=ppt/revisionInfo.xml><?xml version="1.0" encoding="utf-8"?>
 <p1510:revInfo xmlns:a="http://schemas.openxmlformats.org/drawingml/2006/main" xmlns:r="http://schemas.openxmlformats.org/officeDocument/2006/relationships" xmlns:p1510="http://schemas.microsoft.com/office/powerpoint/2015/10/main">
   <p1510:revLst>
+    <p1510:client id="{84984AE3-2FB9-472B-BE8B-CCC860EA6735}" v="656" dt="2019-01-20T21:09:15.280"/>
     <p1510:client id="{1320082C-A7C4-4F39-B207-5B44D2E8DB51}" v="45" dt="2019-01-21T15:48:04.955"/>
-    <p1510:client id="{84984AE3-2FB9-472B-BE8B-CCC860EA6735}" v="656" dt="2019-01-20T21:09:15.280"/>
   </p1510:revLst>
 </p1510:revInfo>
 </file>
@@ -1671,7 +1678,7 @@
           <a:p>
             <a:fld id="{6A752055-4DA1-4D46-98DA-CEE3E0EB5BBD}" type="datetimeFigureOut">
               <a:rPr lang="en-GB" smtClean="0"/>
-              <a:t>30/01/2019</a:t>
+              <a:t>01/02/2019</a:t>
             </a:fld>
             <a:endParaRPr lang="en-GB"/>
           </a:p>
@@ -1871,7 +1878,7 @@
           <a:p>
             <a:fld id="{6A752055-4DA1-4D46-98DA-CEE3E0EB5BBD}" type="datetimeFigureOut">
               <a:rPr lang="en-GB" smtClean="0"/>
-              <a:t>30/01/2019</a:t>
+              <a:t>01/02/2019</a:t>
             </a:fld>
             <a:endParaRPr lang="en-GB"/>
           </a:p>
@@ -2081,7 +2088,7 @@
           <a:p>
             <a:fld id="{6A752055-4DA1-4D46-98DA-CEE3E0EB5BBD}" type="datetimeFigureOut">
               <a:rPr lang="en-GB" smtClean="0"/>
-              <a:t>30/01/2019</a:t>
+              <a:t>01/02/2019</a:t>
             </a:fld>
             <a:endParaRPr lang="en-GB"/>
           </a:p>
@@ -2281,7 +2288,7 @@
           <a:p>
             <a:fld id="{6A752055-4DA1-4D46-98DA-CEE3E0EB5BBD}" type="datetimeFigureOut">
               <a:rPr lang="en-GB" smtClean="0"/>
-              <a:t>30/01/2019</a:t>
+              <a:t>01/02/2019</a:t>
             </a:fld>
             <a:endParaRPr lang="en-GB"/>
           </a:p>
@@ -2557,7 +2564,7 @@
           <a:p>
             <a:fld id="{6A752055-4DA1-4D46-98DA-CEE3E0EB5BBD}" type="datetimeFigureOut">
               <a:rPr lang="en-GB" smtClean="0"/>
-              <a:t>30/01/2019</a:t>
+              <a:t>01/02/2019</a:t>
             </a:fld>
             <a:endParaRPr lang="en-GB"/>
           </a:p>
@@ -2825,7 +2832,7 @@
           <a:p>
             <a:fld id="{6A752055-4DA1-4D46-98DA-CEE3E0EB5BBD}" type="datetimeFigureOut">
               <a:rPr lang="en-GB" smtClean="0"/>
-              <a:t>30/01/2019</a:t>
+              <a:t>01/02/2019</a:t>
             </a:fld>
             <a:endParaRPr lang="en-GB"/>
           </a:p>
@@ -3240,7 +3247,7 @@
           <a:p>
             <a:fld id="{6A752055-4DA1-4D46-98DA-CEE3E0EB5BBD}" type="datetimeFigureOut">
               <a:rPr lang="en-GB" smtClean="0"/>
-              <a:t>30/01/2019</a:t>
+              <a:t>01/02/2019</a:t>
             </a:fld>
             <a:endParaRPr lang="en-GB"/>
           </a:p>
@@ -3382,7 +3389,7 @@
           <a:p>
             <a:fld id="{6A752055-4DA1-4D46-98DA-CEE3E0EB5BBD}" type="datetimeFigureOut">
               <a:rPr lang="en-GB" smtClean="0"/>
-              <a:t>30/01/2019</a:t>
+              <a:t>01/02/2019</a:t>
             </a:fld>
             <a:endParaRPr lang="en-GB"/>
           </a:p>
@@ -3495,7 +3502,7 @@
           <a:p>
             <a:fld id="{6A752055-4DA1-4D46-98DA-CEE3E0EB5BBD}" type="datetimeFigureOut">
               <a:rPr lang="en-GB" smtClean="0"/>
-              <a:t>30/01/2019</a:t>
+              <a:t>01/02/2019</a:t>
             </a:fld>
             <a:endParaRPr lang="en-GB"/>
           </a:p>
@@ -3808,7 +3815,7 @@
           <a:p>
             <a:fld id="{6A752055-4DA1-4D46-98DA-CEE3E0EB5BBD}" type="datetimeFigureOut">
               <a:rPr lang="en-GB" smtClean="0"/>
-              <a:t>30/01/2019</a:t>
+              <a:t>01/02/2019</a:t>
             </a:fld>
             <a:endParaRPr lang="en-GB"/>
           </a:p>
@@ -4097,7 +4104,7 @@
           <a:p>
             <a:fld id="{6A752055-4DA1-4D46-98DA-CEE3E0EB5BBD}" type="datetimeFigureOut">
               <a:rPr lang="en-GB" smtClean="0"/>
-              <a:t>30/01/2019</a:t>
+              <a:t>01/02/2019</a:t>
             </a:fld>
             <a:endParaRPr lang="en-GB"/>
           </a:p>
@@ -4340,7 +4347,7 @@
           <a:p>
             <a:fld id="{6A752055-4DA1-4D46-98DA-CEE3E0EB5BBD}" type="datetimeFigureOut">
               <a:rPr lang="en-GB" smtClean="0"/>
-              <a:t>30/01/2019</a:t>
+              <a:t>01/02/2019</a:t>
             </a:fld>
             <a:endParaRPr lang="en-GB"/>
           </a:p>
@@ -16723,7 +16730,7 @@
         </p:nvSpPr>
         <p:spPr>
           <a:xfrm>
-            <a:off x="838200" y="365126"/>
+            <a:off x="838200" y="289420"/>
             <a:ext cx="10515600" cy="591220"/>
           </a:xfrm>
         </p:spPr>
@@ -16760,13 +16767,13 @@
         </p:nvSpPr>
         <p:spPr>
           <a:xfrm>
-            <a:off x="838200" y="1149292"/>
-            <a:ext cx="10515600" cy="5027671"/>
+            <a:off x="838200" y="880641"/>
+            <a:ext cx="10515600" cy="5687940"/>
           </a:xfrm>
         </p:spPr>
         <p:txBody>
           <a:bodyPr>
-            <a:normAutofit fontScale="92500" lnSpcReduction="10000"/>
+            <a:normAutofit fontScale="62500" lnSpcReduction="20000"/>
           </a:bodyPr>
           <a:lstStyle/>
           <a:p>
@@ -16776,6 +16783,179 @@
             </a:r>
             <a:r>
               <a:rPr lang="en-US" dirty="0"/>
+              <a:t> </a:t>
+            </a:r>
+            <a:r>
+              <a:rPr lang="en-US" dirty="0" err="1"/>
+              <a:t>su</a:t>
+            </a:r>
+            <a:r>
+              <a:rPr lang="en-US" dirty="0"/>
+              <a:t> </a:t>
+            </a:r>
+            <a:r>
+              <a:rPr lang="en-US" dirty="0" err="1"/>
+              <a:t>markeri</a:t>
+            </a:r>
+            <a:r>
+              <a:rPr lang="en-US" dirty="0"/>
+              <a:t> </a:t>
+            </a:r>
+            <a:r>
+              <a:rPr lang="en-US" dirty="0" err="1"/>
+              <a:t>na</a:t>
+            </a:r>
+            <a:r>
+              <a:rPr lang="en-US" dirty="0"/>
+              <a:t> </a:t>
+            </a:r>
+            <a:r>
+              <a:rPr lang="en-US" b="1" dirty="0"/>
+              <a:t>DOM </a:t>
+            </a:r>
+            <a:r>
+              <a:rPr lang="en-US" dirty="0" err="1"/>
+              <a:t>elementima</a:t>
+            </a:r>
+            <a:r>
+              <a:rPr lang="en-US" dirty="0"/>
+              <a:t> </a:t>
+            </a:r>
+            <a:r>
+              <a:rPr lang="en-US" dirty="0" err="1"/>
+              <a:t>koj</a:t>
+            </a:r>
+            <a:r>
+              <a:rPr lang="sr-Latn-RS" dirty="0"/>
+              <a:t>i</a:t>
+            </a:r>
+            <a:r>
+              <a:rPr lang="en-US" dirty="0"/>
+              <a:t> </a:t>
+            </a:r>
+            <a:r>
+              <a:rPr lang="en-US" dirty="0" err="1"/>
+              <a:t>govore</a:t>
+            </a:r>
+            <a:r>
+              <a:rPr lang="en-US" dirty="0"/>
+              <a:t> </a:t>
+            </a:r>
+            <a:r>
+              <a:rPr lang="en-US" b="1" dirty="0" err="1"/>
+              <a:t>Angularjs</a:t>
+            </a:r>
+            <a:r>
+              <a:rPr lang="en-US" b="1" dirty="0"/>
+              <a:t> </a:t>
+            </a:r>
+            <a:r>
+              <a:rPr lang="en-US" dirty="0" err="1"/>
+              <a:t>komplajleru</a:t>
+            </a:r>
+            <a:r>
+              <a:rPr lang="en-US" dirty="0"/>
+              <a:t> da </a:t>
+            </a:r>
+            <a:r>
+              <a:rPr lang="en-US" dirty="0" err="1"/>
+              <a:t>doda</a:t>
+            </a:r>
+            <a:r>
+              <a:rPr lang="en-US" dirty="0"/>
+              <a:t> </a:t>
+            </a:r>
+            <a:r>
+              <a:rPr lang="en-US" dirty="0" err="1"/>
+              <a:t>specifi</a:t>
+            </a:r>
+            <a:r>
+              <a:rPr lang="sr-Latn-RS" dirty="0"/>
+              <a:t>čno ponašanje na element, ili da mu izmene ponašanje.</a:t>
+            </a:r>
+          </a:p>
+          <a:p>
+            <a:r>
+              <a:rPr lang="sr-Latn-RS" dirty="0"/>
+              <a:t>Do sada smo videli ugrađene direktive u </a:t>
+            </a:r>
+            <a:r>
+              <a:rPr lang="sr-Latn-RS" b="1" dirty="0"/>
+              <a:t>Angularjs </a:t>
+            </a:r>
+            <a:r>
+              <a:rPr lang="sr-Latn-RS" dirty="0"/>
+              <a:t>(ngModel, ngClick, ngRepeat...)</a:t>
+            </a:r>
+          </a:p>
+          <a:p>
+            <a:r>
+              <a:rPr lang="sr-Latn-RS" dirty="0"/>
+              <a:t>Kao što smo do sada pravili naše kontrolere i komponente tako možemo da </a:t>
+            </a:r>
+            <a:r>
+              <a:rPr lang="en-US" dirty="0" err="1"/>
+              <a:t>pravimo</a:t>
+            </a:r>
+            <a:r>
+              <a:rPr lang="sr-Latn-RS" dirty="0"/>
+              <a:t> i</a:t>
+            </a:r>
+            <a:r>
+              <a:rPr lang="en-US" dirty="0"/>
+              <a:t> </a:t>
+            </a:r>
+            <a:r>
+              <a:rPr lang="sr-Latn-RS" dirty="0"/>
+              <a:t>direktive koje imaju specifično ponašanje.</a:t>
+            </a:r>
+          </a:p>
+          <a:p>
+            <a:r>
+              <a:rPr lang="sr-Latn-RS" dirty="0"/>
+              <a:t>Direktive se kreiraju sa </a:t>
+            </a:r>
+            <a:r>
+              <a:rPr lang="en-US" dirty="0" err="1"/>
+              <a:t>funkcijom</a:t>
+            </a:r>
+            <a:r>
+              <a:rPr lang="en-US" dirty="0"/>
+              <a:t> </a:t>
+            </a:r>
+            <a:r>
+              <a:rPr lang="sr-Latn-RS" dirty="0"/>
+              <a:t> </a:t>
+            </a:r>
+            <a:r>
+              <a:rPr lang="sr-Latn-RS" b="1" dirty="0"/>
+              <a:t>.directive</a:t>
+            </a:r>
+            <a:r>
+              <a:rPr lang="en-US" b="1" dirty="0"/>
+              <a:t>(‘</a:t>
+            </a:r>
+            <a:r>
+              <a:rPr lang="en-US" b="1" dirty="0" err="1"/>
+              <a:t>naziv</a:t>
+            </a:r>
+            <a:r>
+              <a:rPr lang="en-US" b="1" dirty="0"/>
+              <a:t>’, function…)</a:t>
+            </a:r>
+            <a:r>
+              <a:rPr lang="sr-Latn-RS" dirty="0"/>
+              <a:t>.</a:t>
+            </a:r>
+            <a:endParaRPr lang="en-US" dirty="0"/>
+          </a:p>
+          <a:p>
+            <a:r>
+              <a:rPr lang="en-US" dirty="0" err="1"/>
+              <a:t>Direktive</a:t>
+            </a:r>
+            <a:r>
+              <a:rPr lang="en-US" dirty="0"/>
               <a:t> se </a:t>
             </a:r>
             <a:r>
@@ -16819,7 +16999,23 @@
             </a:r>
             <a:r>
               <a:rPr lang="en-US" b="1" dirty="0"/>
-              <a:t>E</a:t>
+              <a:t>E &lt;my-</a:t>
+            </a:r>
+            <a:r>
+              <a:rPr lang="en-US" b="1" dirty="0" err="1"/>
+              <a:t>dir</a:t>
+            </a:r>
+            <a:r>
+              <a:rPr lang="en-US" b="1" dirty="0"/>
+              <a:t>&gt;&lt;/my-</a:t>
+            </a:r>
+            <a:r>
+              <a:rPr lang="en-US" b="1" dirty="0" err="1"/>
+              <a:t>dir</a:t>
+            </a:r>
+            <a:r>
+              <a:rPr lang="en-US" b="1" dirty="0"/>
+              <a:t>&gt;</a:t>
             </a:r>
           </a:p>
           <a:p>
@@ -16838,7 +17034,15 @@
             </a:r>
             <a:r>
               <a:rPr lang="en-US" b="1" dirty="0"/>
-              <a:t>A</a:t>
+              <a:t>A &lt;span my-</a:t>
+            </a:r>
+            <a:r>
+              <a:rPr lang="en-US" b="1" dirty="0" err="1"/>
+              <a:t>dir</a:t>
+            </a:r>
+            <a:r>
+              <a:rPr lang="en-US" b="1" dirty="0"/>
+              <a:t>="exp"&gt;&lt;/span</a:t>
             </a:r>
           </a:p>
           <a:p>
@@ -16865,8 +17069,21 @@
             </a:r>
             <a:r>
               <a:rPr lang="en-US" b="1" dirty="0"/>
-              <a:t>C</a:t>
-            </a:r>
+              <a:t>C </a:t>
+            </a:r>
+            <a:r>
+              <a:rPr lang="en-GB" b="1" dirty="0"/>
+              <a:t>&lt;span class="my-</a:t>
+            </a:r>
+            <a:r>
+              <a:rPr lang="en-GB" b="1" dirty="0" err="1"/>
+              <a:t>dir</a:t>
+            </a:r>
+            <a:r>
+              <a:rPr lang="en-GB" b="1" dirty="0"/>
+              <a:t>: exp;"&gt;&lt;/span&gt;</a:t>
+            </a:r>
+            <a:endParaRPr lang="en-US" b="1" dirty="0"/>
           </a:p>
           <a:p>
             <a:pPr lvl="1"/>
@@ -16884,7 +17101,15 @@
             </a:r>
             <a:r>
               <a:rPr lang="en-US" b="1" dirty="0"/>
-              <a:t>M</a:t>
+              <a:t>M &lt;!-- directive: my-</a:t>
+            </a:r>
+            <a:r>
+              <a:rPr lang="en-US" b="1" dirty="0" err="1"/>
+              <a:t>dir</a:t>
+            </a:r>
+            <a:r>
+              <a:rPr lang="en-US" b="1" dirty="0"/>
+              <a:t> exp --&gt;</a:t>
             </a:r>
           </a:p>
           <a:p>
@@ -16912,6 +17137,200 @@
               <a:rPr lang="sr-Latn-RS" dirty="0"/>
               <a:t>(element, atribut)</a:t>
             </a:r>
+            <a:endParaRPr lang="en-US" dirty="0"/>
+          </a:p>
+          <a:p>
+            <a:r>
+              <a:rPr lang="en-US" dirty="0" err="1"/>
+              <a:t>Dodavanje</a:t>
+            </a:r>
+            <a:r>
+              <a:rPr lang="en-US" dirty="0"/>
+              <a:t> </a:t>
+            </a:r>
+            <a:r>
+              <a:rPr lang="sr-Latn-RS" dirty="0"/>
+              <a:t>različitih načina</a:t>
+            </a:r>
+            <a:r>
+              <a:rPr lang="en-US" dirty="0"/>
+              <a:t> za </a:t>
+            </a:r>
+            <a:r>
+              <a:rPr lang="en-US" dirty="0" err="1"/>
+              <a:t>poziv</a:t>
+            </a:r>
+            <a:r>
+              <a:rPr lang="sr-Latn-RS" dirty="0"/>
+              <a:t>anje</a:t>
+            </a:r>
+            <a:r>
+              <a:rPr lang="en-US" dirty="0"/>
+              <a:t> </a:t>
+            </a:r>
+            <a:r>
+              <a:rPr lang="en-US" dirty="0" err="1"/>
+              <a:t>direktive</a:t>
+            </a:r>
+            <a:r>
+              <a:rPr lang="en-US" dirty="0"/>
+              <a:t> se </a:t>
+            </a:r>
+            <a:r>
+              <a:rPr lang="en-US" dirty="0" err="1"/>
+              <a:t>radi</a:t>
+            </a:r>
+            <a:r>
+              <a:rPr lang="en-US" dirty="0"/>
+              <a:t> </a:t>
+            </a:r>
+            <a:r>
+              <a:rPr lang="en-US" dirty="0" err="1"/>
+              <a:t>kroz</a:t>
+            </a:r>
+            <a:r>
+              <a:rPr lang="en-US" dirty="0"/>
+              <a:t> </a:t>
+            </a:r>
+            <a:r>
+              <a:rPr lang="en-US" b="1" dirty="0"/>
+              <a:t>restrict</a:t>
+            </a:r>
+            <a:r>
+              <a:rPr lang="en-US" dirty="0"/>
+              <a:t> </a:t>
+            </a:r>
+            <a:r>
+              <a:rPr lang="en-US" dirty="0" err="1"/>
+              <a:t>opciju</a:t>
+            </a:r>
+            <a:r>
+              <a:rPr lang="en-US" dirty="0"/>
+              <a:t>.</a:t>
+            </a:r>
+          </a:p>
+          <a:p>
+            <a:r>
+              <a:rPr lang="en-US" dirty="0" err="1"/>
+              <a:t>Direktivu</a:t>
+            </a:r>
+            <a:r>
+              <a:rPr lang="en-US" dirty="0"/>
+              <a:t> </a:t>
+            </a:r>
+            <a:r>
+              <a:rPr lang="en-US" dirty="0" err="1"/>
+              <a:t>treba</a:t>
+            </a:r>
+            <a:r>
+              <a:rPr lang="en-US" dirty="0"/>
+              <a:t> </a:t>
+            </a:r>
+            <a:r>
+              <a:rPr lang="en-US" dirty="0" err="1"/>
+              <a:t>koristiti</a:t>
+            </a:r>
+            <a:r>
+              <a:rPr lang="en-US" dirty="0"/>
+              <a:t> </a:t>
+            </a:r>
+            <a:r>
+              <a:rPr lang="en-US" dirty="0" err="1"/>
+              <a:t>kao</a:t>
+            </a:r>
+            <a:r>
+              <a:rPr lang="en-US" dirty="0"/>
+              <a:t> element </a:t>
+            </a:r>
+            <a:r>
+              <a:rPr lang="en-US" dirty="0" err="1"/>
+              <a:t>kada</a:t>
+            </a:r>
+            <a:r>
+              <a:rPr lang="en-US" dirty="0"/>
+              <a:t> se </a:t>
+            </a:r>
+            <a:r>
+              <a:rPr lang="en-US" dirty="0" err="1"/>
+              <a:t>kreira</a:t>
+            </a:r>
+            <a:r>
+              <a:rPr lang="en-US" dirty="0"/>
+              <a:t> </a:t>
+            </a:r>
+            <a:r>
+              <a:rPr lang="en-US" dirty="0" err="1"/>
+              <a:t>direktiva</a:t>
+            </a:r>
+            <a:r>
+              <a:rPr lang="en-US" dirty="0"/>
+              <a:t> </a:t>
+            </a:r>
+            <a:r>
+              <a:rPr lang="en-US" dirty="0" err="1"/>
+              <a:t>koja</a:t>
+            </a:r>
+            <a:r>
+              <a:rPr lang="en-US" dirty="0"/>
+              <a:t> </a:t>
+            </a:r>
+            <a:r>
+              <a:rPr lang="en-US" dirty="0" err="1"/>
+              <a:t>kontrolise</a:t>
+            </a:r>
+            <a:r>
+              <a:rPr lang="en-US" dirty="0"/>
+              <a:t> template, a </a:t>
+            </a:r>
+            <a:r>
+              <a:rPr lang="en-US" dirty="0" err="1"/>
+              <a:t>kao</a:t>
+            </a:r>
+            <a:r>
+              <a:rPr lang="en-US" dirty="0"/>
+              <a:t> </a:t>
+            </a:r>
+            <a:r>
+              <a:rPr lang="en-US" dirty="0" err="1"/>
+              <a:t>atribut</a:t>
+            </a:r>
+            <a:r>
+              <a:rPr lang="en-US" dirty="0"/>
+              <a:t> </a:t>
+            </a:r>
+            <a:r>
+              <a:rPr lang="en-US" dirty="0" err="1"/>
+              <a:t>kada</a:t>
+            </a:r>
+            <a:r>
+              <a:rPr lang="en-US" dirty="0"/>
+              <a:t> se </a:t>
+            </a:r>
+            <a:r>
+              <a:rPr lang="en-US" dirty="0" err="1"/>
+              <a:t>dodaje</a:t>
+            </a:r>
+            <a:r>
+              <a:rPr lang="en-US" dirty="0"/>
+              <a:t> </a:t>
+            </a:r>
+            <a:r>
+              <a:rPr lang="en-US" dirty="0" err="1"/>
+              <a:t>funkcionalnost</a:t>
+            </a:r>
+            <a:r>
+              <a:rPr lang="en-US" dirty="0"/>
+              <a:t> </a:t>
+            </a:r>
+            <a:r>
+              <a:rPr lang="en-US" dirty="0" err="1"/>
+              <a:t>na</a:t>
+            </a:r>
+            <a:r>
+              <a:rPr lang="en-US" dirty="0"/>
+              <a:t> element.</a:t>
+            </a:r>
+            <a:endParaRPr lang="sr-Latn-RS" dirty="0"/>
           </a:p>
           <a:p>
             <a:r>
@@ -16924,13 +17343,13 @@
             </a:r>
             <a:r>
               <a:rPr lang="sr-Latn-RS" dirty="0"/>
-              <a:t>direktiva najbolje bi bilo da se svakoj direktivi da prefiks, ili ime aplikacije, ili deo za šta je zadužena direktiva.</a:t>
+              <a:t>direktiva treba da se da prefiks koji označava aplikaciju, ili deo aplikacije za šta je sama direktiva zadužena.</a:t>
             </a:r>
           </a:p>
           <a:p>
             <a:r>
               <a:rPr lang="sr-Latn-RS" dirty="0"/>
-              <a:t>Primer</a:t>
+              <a:t>Primer imenovanja direktiva</a:t>
             </a:r>
             <a:r>
               <a:rPr lang="en-US" dirty="0"/>
@@ -16942,15 +17361,32 @@
             <a:pPr lvl="1"/>
             <a:r>
               <a:rPr lang="sr-Latn-RS" dirty="0"/>
-              <a:t>kursCarusel</a:t>
+              <a:t>kursCarusel -</a:t>
+            </a:r>
+            <a:r>
+              <a:rPr lang="en-US" dirty="0"/>
+              <a:t>&gt; </a:t>
+            </a:r>
+            <a:r>
+              <a:rPr lang="sr-Latn-RS" dirty="0"/>
+              <a:t>kurs-carusel</a:t>
             </a:r>
           </a:p>
           <a:p>
             <a:pPr lvl="1"/>
             <a:r>
               <a:rPr lang="sr-Latn-RS" dirty="0"/>
-              <a:t>abcCarusel</a:t>
-            </a:r>
+              <a:t>abcCarusel -</a:t>
+            </a:r>
+            <a:r>
+              <a:rPr lang="en-US" dirty="0"/>
+              <a:t>&gt; </a:t>
+            </a:r>
+            <a:r>
+              <a:rPr lang="en-US" dirty="0" err="1"/>
+              <a:t>abc-direktiva</a:t>
+            </a:r>
+            <a:endParaRPr lang="sr-Latn-RS" dirty="0"/>
           </a:p>
           <a:p>
             <a:pPr lvl="1"/>
@@ -16995,8 +17431,16 @@
               <a:t> </a:t>
             </a:r>
             <a:r>
+              <a:rPr lang="en-US" b="1" dirty="0">
+                <a:solidFill>
+                  <a:srgbClr val="FF0000"/>
+                </a:solidFill>
+              </a:rPr>
+              <a:t>ng</a:t>
+            </a:r>
+            <a:r>
               <a:rPr lang="en-US" b="1" dirty="0"/>
-              <a:t>ng </a:t>
+              <a:t> </a:t>
             </a:r>
             <a:r>
               <a:rPr lang="en-US" dirty="0" err="1"/>
@@ -17012,15 +17456,31 @@
             </a:r>
             <a:r>
               <a:rPr lang="en-US" dirty="0"/>
-              <a:t> za </a:t>
+              <a:t> za</a:t>
+            </a:r>
+            <a:r>
+              <a:rPr lang="sr-Latn-RS" dirty="0"/>
+              <a:t> directive</a:t>
+            </a:r>
+            <a:r>
+              <a:rPr lang="en-US" dirty="0"/>
+              <a:t> </a:t>
             </a:r>
             <a:r>
               <a:rPr lang="en-US" dirty="0" err="1"/>
-              <a:t>va</a:t>
+              <a:t>koje</a:t>
+            </a:r>
+            <a:r>
+              <a:rPr lang="en-US" dirty="0"/>
+              <a:t> </a:t>
+            </a:r>
+            <a:r>
+              <a:rPr lang="en-US" dirty="0" err="1"/>
+              <a:t>pravite</a:t>
             </a:r>
             <a:r>
               <a:rPr lang="sr-Latn-RS" dirty="0"/>
-              <a:t>še direktive.</a:t>
+              <a:t>.</a:t>
             </a:r>
             <a:endParaRPr lang="en-GB" b="1" strike="sngStrike" dirty="0"/>
           </a:p>
@@ -17030,6 +17490,3848 @@
     <p:extLst>
       <p:ext uri="{BB962C8B-B14F-4D97-AF65-F5344CB8AC3E}">
         <p14:creationId xmlns:p14="http://schemas.microsoft.com/office/powerpoint/2010/main" val="2620108366"/>
+      </p:ext>
+    </p:extLst>
+  </p:cSld>
+  <p:clrMapOvr>
+    <a:masterClrMapping/>
+  </p:clrMapOvr>
+</p:sld>
+</file>
+
+<file path=ppt/slides/slide24.xml><?xml version="1.0" encoding="utf-8"?>
+<p:sld xmlns:a="http://schemas.openxmlformats.org/drawingml/2006/main" xmlns:r="http://schemas.openxmlformats.org/officeDocument/2006/relationships" xmlns:p="http://schemas.openxmlformats.org/presentationml/2006/main">
+  <p:cSld>
+    <p:spTree>
+      <p:nvGrpSpPr>
+        <p:cNvPr id="1" name=""/>
+        <p:cNvGrpSpPr/>
+        <p:nvPr/>
+      </p:nvGrpSpPr>
+      <p:grpSpPr>
+        <a:xfrm>
+          <a:off x="0" y="0"/>
+          <a:ext cx="0" cy="0"/>
+          <a:chOff x="0" y="0"/>
+          <a:chExt cx="0" cy="0"/>
+        </a:xfrm>
+      </p:grpSpPr>
+      <p:pic>
+        <p:nvPicPr>
+          <p:cNvPr id="3" name="Picture 2">
+            <a:extLst>
+              <a:ext uri="{FF2B5EF4-FFF2-40B4-BE49-F238E27FC236}">
+                <a16:creationId xmlns:a16="http://schemas.microsoft.com/office/drawing/2014/main" id="{7BF07AF8-51C3-4975-98FD-31F62F90ADBF}"/>
+              </a:ext>
+            </a:extLst>
+          </p:cNvPr>
+          <p:cNvPicPr>
+            <a:picLocks noChangeAspect="1"/>
+          </p:cNvPicPr>
+          <p:nvPr/>
+        </p:nvPicPr>
+        <p:blipFill>
+          <a:blip r:embed="rId2">
+            <a:extLst>
+              <a:ext uri="{28A0092B-C50C-407E-A947-70E740481C1C}">
+                <a14:useLocalDpi xmlns:a14="http://schemas.microsoft.com/office/drawing/2010/main" val="0"/>
+              </a:ext>
+            </a:extLst>
+          </a:blip>
+          <a:stretch>
+            <a:fillRect/>
+          </a:stretch>
+        </p:blipFill>
+        <p:spPr>
+          <a:xfrm>
+            <a:off x="6777973" y="1189037"/>
+            <a:ext cx="2989611" cy="2830053"/>
+          </a:xfrm>
+          <a:prstGeom prst="rect">
+            <a:avLst/>
+          </a:prstGeom>
+        </p:spPr>
+      </p:pic>
+      <p:pic>
+        <p:nvPicPr>
+          <p:cNvPr id="5" name="Picture 4">
+            <a:extLst>
+              <a:ext uri="{FF2B5EF4-FFF2-40B4-BE49-F238E27FC236}">
+                <a16:creationId xmlns:a16="http://schemas.microsoft.com/office/drawing/2014/main" id="{D8243823-AB4F-482C-8373-7ABA0B44D17F}"/>
+              </a:ext>
+            </a:extLst>
+          </p:cNvPr>
+          <p:cNvPicPr>
+            <a:picLocks noChangeAspect="1"/>
+          </p:cNvPicPr>
+          <p:nvPr/>
+        </p:nvPicPr>
+        <p:blipFill>
+          <a:blip r:embed="rId3">
+            <a:extLst>
+              <a:ext uri="{28A0092B-C50C-407E-A947-70E740481C1C}">
+                <a14:useLocalDpi xmlns:a14="http://schemas.microsoft.com/office/drawing/2010/main" val="0"/>
+              </a:ext>
+            </a:extLst>
+          </a:blip>
+          <a:stretch>
+            <a:fillRect/>
+          </a:stretch>
+        </p:blipFill>
+        <p:spPr>
+          <a:xfrm>
+            <a:off x="2470802" y="1189037"/>
+            <a:ext cx="4114556" cy="3892576"/>
+          </a:xfrm>
+          <a:prstGeom prst="rect">
+            <a:avLst/>
+          </a:prstGeom>
+        </p:spPr>
+      </p:pic>
+      <p:sp>
+        <p:nvSpPr>
+          <p:cNvPr id="6" name="TextBox 5">
+            <a:extLst>
+              <a:ext uri="{FF2B5EF4-FFF2-40B4-BE49-F238E27FC236}">
+                <a16:creationId xmlns:a16="http://schemas.microsoft.com/office/drawing/2014/main" id="{118F501A-6A0C-4412-9FCA-262E0BD51021}"/>
+              </a:ext>
+            </a:extLst>
+          </p:cNvPr>
+          <p:cNvSpPr txBox="1"/>
+          <p:nvPr/>
+        </p:nvSpPr>
+        <p:spPr>
+          <a:xfrm>
+            <a:off x="390332" y="265707"/>
+            <a:ext cx="11488479" cy="923330"/>
+          </a:xfrm>
+          <a:prstGeom prst="rect">
+            <a:avLst/>
+          </a:prstGeom>
+          <a:noFill/>
+        </p:spPr>
+        <p:txBody>
+          <a:bodyPr wrap="square" rtlCol="0">
+            <a:spAutoFit/>
+          </a:bodyPr>
+          <a:lstStyle/>
+          <a:p>
+            <a:pPr marL="285750" indent="-285750">
+              <a:buFont typeface="Arial" panose="020B0604020202020204" pitchFamily="34" charset="0"/>
+              <a:buChar char="•"/>
+            </a:pPr>
+            <a:r>
+              <a:rPr lang="en-US" dirty="0"/>
+              <a:t>Kao </a:t>
+            </a:r>
+            <a:r>
+              <a:rPr lang="en-US" dirty="0" err="1"/>
+              <a:t>i</a:t>
+            </a:r>
+            <a:r>
+              <a:rPr lang="en-US" dirty="0"/>
+              <a:t> do </a:t>
+            </a:r>
+            <a:r>
+              <a:rPr lang="en-US" dirty="0" err="1"/>
+              <a:t>sada</a:t>
+            </a:r>
+            <a:r>
+              <a:rPr lang="en-US" dirty="0"/>
+              <a:t> </a:t>
+            </a:r>
+            <a:r>
+              <a:rPr lang="en-US" b="1" dirty="0"/>
+              <a:t>template </a:t>
+            </a:r>
+            <a:r>
+              <a:rPr lang="en-US" dirty="0" err="1"/>
+              <a:t>direktive</a:t>
+            </a:r>
+            <a:r>
+              <a:rPr lang="en-US" dirty="0"/>
+              <a:t> </a:t>
+            </a:r>
+            <a:r>
+              <a:rPr lang="en-US" dirty="0" err="1"/>
+              <a:t>mo</a:t>
+            </a:r>
+            <a:r>
+              <a:rPr lang="sr-Latn-RS" dirty="0"/>
+              <a:t>ž</a:t>
+            </a:r>
+            <a:r>
+              <a:rPr lang="en-US" dirty="0"/>
+              <a:t>e </a:t>
+            </a:r>
+            <a:r>
+              <a:rPr lang="en-US" dirty="0" err="1"/>
+              <a:t>biti</a:t>
+            </a:r>
+            <a:r>
+              <a:rPr lang="en-US" dirty="0"/>
+              <a:t> </a:t>
+            </a:r>
+            <a:r>
+              <a:rPr lang="en-US" dirty="0" err="1"/>
+              <a:t>direktno</a:t>
+            </a:r>
+            <a:r>
+              <a:rPr lang="en-US" dirty="0"/>
+              <a:t> </a:t>
+            </a:r>
+            <a:r>
+              <a:rPr lang="en-US" dirty="0" err="1"/>
+              <a:t>pisan</a:t>
+            </a:r>
+            <a:r>
+              <a:rPr lang="en-US" dirty="0"/>
+              <a:t> u </a:t>
+            </a:r>
+            <a:r>
+              <a:rPr lang="en-US" dirty="0" err="1"/>
+              <a:t>direktivi</a:t>
+            </a:r>
+            <a:r>
+              <a:rPr lang="en-US" dirty="0"/>
+              <a:t>, </a:t>
+            </a:r>
+            <a:r>
+              <a:rPr lang="en-US" dirty="0" err="1"/>
+              <a:t>moze</a:t>
+            </a:r>
+            <a:r>
+              <a:rPr lang="en-US" dirty="0"/>
+              <a:t> se </a:t>
+            </a:r>
+            <a:r>
+              <a:rPr lang="en-US" dirty="0" err="1"/>
+              <a:t>dodati</a:t>
+            </a:r>
+            <a:r>
+              <a:rPr lang="en-US" dirty="0"/>
+              <a:t> </a:t>
+            </a:r>
+            <a:r>
+              <a:rPr lang="en-US" dirty="0" err="1"/>
+              <a:t>kao</a:t>
+            </a:r>
+            <a:r>
+              <a:rPr lang="en-US" dirty="0"/>
+              <a:t> </a:t>
+            </a:r>
+            <a:r>
+              <a:rPr lang="en-US" b="1" dirty="0" err="1"/>
+              <a:t>templateUrl</a:t>
+            </a:r>
+            <a:r>
+              <a:rPr lang="en-US" dirty="0"/>
+              <a:t>, a</a:t>
+            </a:r>
+            <a:r>
+              <a:rPr lang="sr-Latn-RS" dirty="0"/>
+              <a:t> templateUrl-u</a:t>
+            </a:r>
+            <a:r>
+              <a:rPr lang="en-US" dirty="0"/>
+              <a:t> </a:t>
+            </a:r>
+            <a:r>
+              <a:rPr lang="en-US" dirty="0" err="1"/>
+              <a:t>mo</a:t>
+            </a:r>
+            <a:r>
+              <a:rPr lang="sr-Latn-RS" dirty="0"/>
+              <a:t>že da se prosledi i funkcija koja prima dva parametra element na kom je pozvana direktiva i atribut koji je povezan sa elementom.</a:t>
+            </a:r>
+            <a:r>
+              <a:rPr lang="en-US" dirty="0"/>
+              <a:t> </a:t>
+            </a:r>
+            <a:endParaRPr lang="en-GB" dirty="0"/>
+          </a:p>
+        </p:txBody>
+      </p:sp>
+      <p:pic>
+        <p:nvPicPr>
+          <p:cNvPr id="9" name="Picture 8">
+            <a:extLst>
+              <a:ext uri="{FF2B5EF4-FFF2-40B4-BE49-F238E27FC236}">
+                <a16:creationId xmlns:a16="http://schemas.microsoft.com/office/drawing/2014/main" id="{42B2688D-9D2B-417A-9B51-72B554F130AB}"/>
+              </a:ext>
+            </a:extLst>
+          </p:cNvPr>
+          <p:cNvPicPr>
+            <a:picLocks noChangeAspect="1"/>
+          </p:cNvPicPr>
+          <p:nvPr/>
+        </p:nvPicPr>
+        <p:blipFill>
+          <a:blip r:embed="rId4">
+            <a:extLst>
+              <a:ext uri="{28A0092B-C50C-407E-A947-70E740481C1C}">
+                <a14:useLocalDpi xmlns:a14="http://schemas.microsoft.com/office/drawing/2010/main" val="0"/>
+              </a:ext>
+            </a:extLst>
+          </a:blip>
+          <a:stretch>
+            <a:fillRect/>
+          </a:stretch>
+        </p:blipFill>
+        <p:spPr>
+          <a:xfrm>
+            <a:off x="6777973" y="4164013"/>
+            <a:ext cx="2989611" cy="2315483"/>
+          </a:xfrm>
+          <a:prstGeom prst="rect">
+            <a:avLst/>
+          </a:prstGeom>
+        </p:spPr>
+      </p:pic>
+      <p:pic>
+        <p:nvPicPr>
+          <p:cNvPr id="11" name="Picture 10">
+            <a:extLst>
+              <a:ext uri="{FF2B5EF4-FFF2-40B4-BE49-F238E27FC236}">
+                <a16:creationId xmlns:a16="http://schemas.microsoft.com/office/drawing/2014/main" id="{29391451-7B41-4FF1-9281-6816A2F54053}"/>
+              </a:ext>
+            </a:extLst>
+          </p:cNvPr>
+          <p:cNvPicPr>
+            <a:picLocks noChangeAspect="1"/>
+          </p:cNvPicPr>
+          <p:nvPr/>
+        </p:nvPicPr>
+        <p:blipFill>
+          <a:blip r:embed="rId5">
+            <a:extLst>
+              <a:ext uri="{28A0092B-C50C-407E-A947-70E740481C1C}">
+                <a14:useLocalDpi xmlns:a14="http://schemas.microsoft.com/office/drawing/2010/main" val="0"/>
+              </a:ext>
+            </a:extLst>
+          </a:blip>
+          <a:stretch>
+            <a:fillRect/>
+          </a:stretch>
+        </p:blipFill>
+        <p:spPr>
+          <a:xfrm>
+            <a:off x="2470802" y="5190715"/>
+            <a:ext cx="3181350" cy="1238250"/>
+          </a:xfrm>
+          <a:prstGeom prst="rect">
+            <a:avLst/>
+          </a:prstGeom>
+        </p:spPr>
+      </p:pic>
+    </p:spTree>
+    <p:extLst>
+      <p:ext uri="{BB962C8B-B14F-4D97-AF65-F5344CB8AC3E}">
+        <p14:creationId xmlns:p14="http://schemas.microsoft.com/office/powerpoint/2010/main" val="1981772056"/>
+      </p:ext>
+    </p:extLst>
+  </p:cSld>
+  <p:clrMapOvr>
+    <a:masterClrMapping/>
+  </p:clrMapOvr>
+</p:sld>
+</file>
+
+<file path=ppt/slides/slide25.xml><?xml version="1.0" encoding="utf-8"?>
+<p:sld xmlns:a="http://schemas.openxmlformats.org/drawingml/2006/main" xmlns:r="http://schemas.openxmlformats.org/officeDocument/2006/relationships" xmlns:p="http://schemas.openxmlformats.org/presentationml/2006/main">
+  <p:cSld>
+    <p:bg>
+      <p:bgPr>
+        <a:solidFill>
+          <a:schemeClr val="bg1"/>
+        </a:solidFill>
+        <a:effectLst/>
+      </p:bgPr>
+    </p:bg>
+    <p:spTree>
+      <p:nvGrpSpPr>
+        <p:cNvPr id="1" name=""/>
+        <p:cNvGrpSpPr/>
+        <p:nvPr/>
+      </p:nvGrpSpPr>
+      <p:grpSpPr>
+        <a:xfrm>
+          <a:off x="0" y="0"/>
+          <a:ext cx="0" cy="0"/>
+          <a:chOff x="0" y="0"/>
+          <a:chExt cx="0" cy="0"/>
+        </a:xfrm>
+      </p:grpSpPr>
+      <p:sp>
+        <p:nvSpPr>
+          <p:cNvPr id="27" name="Rectangle 12">
+            <a:extLst>
+              <a:ext uri="{FF2B5EF4-FFF2-40B4-BE49-F238E27FC236}">
+                <a16:creationId xmlns:a16="http://schemas.microsoft.com/office/drawing/2014/main" id="{E02F3C71-C981-4614-98EA-D6C494F8091E}"/>
+              </a:ext>
+              <a:ext uri="{C183D7F6-B498-43B3-948B-1728B52AA6E4}">
+                <adec:decorative xmlns:adec="http://schemas.microsoft.com/office/drawing/2017/decorative" val="1"/>
+              </a:ext>
+            </a:extLst>
+          </p:cNvPr>
+          <p:cNvSpPr>
+            <a:spLocks noGrp="1" noRot="1" noChangeAspect="1" noMove="1" noResize="1" noEditPoints="1" noAdjustHandles="1" noChangeArrowheads="1" noChangeShapeType="1" noTextEdit="1"/>
+          </p:cNvSpPr>
+          <p:nvPr>
+            <p:extLst>
+              <p:ext uri="{386F3935-93C4-4BCD-93E2-E3B085C9AB24}">
+                <p16:designElem xmlns:p16="http://schemas.microsoft.com/office/powerpoint/2015/main" val="1"/>
+              </p:ext>
+            </p:extLst>
+          </p:nvPr>
+        </p:nvSpPr>
+        <p:spPr bwMode="ltGray">
+          <a:xfrm>
+            <a:off x="336883" y="321176"/>
+            <a:ext cx="7174247" cy="5896743"/>
+          </a:xfrm>
+          <a:prstGeom prst="rect">
+            <a:avLst/>
+          </a:prstGeom>
+          <a:solidFill>
+            <a:schemeClr val="tx1">
+              <a:alpha val="15000"/>
+            </a:schemeClr>
+          </a:solidFill>
+          <a:ln w="127000" cap="sq" cmpd="thinThick">
+            <a:solidFill>
+              <a:schemeClr val="tx1">
+                <a:alpha val="10000"/>
+              </a:schemeClr>
+            </a:solidFill>
+          </a:ln>
+        </p:spPr>
+        <p:style>
+          <a:lnRef idx="2">
+            <a:schemeClr val="accent1">
+              <a:shade val="50000"/>
+            </a:schemeClr>
+          </a:lnRef>
+          <a:fillRef idx="1">
+            <a:schemeClr val="accent1"/>
+          </a:fillRef>
+          <a:effectRef idx="0">
+            <a:schemeClr val="accent1"/>
+          </a:effectRef>
+          <a:fontRef idx="minor">
+            <a:schemeClr val="lt1"/>
+          </a:fontRef>
+        </p:style>
+        <p:txBody>
+          <a:bodyPr rtlCol="0" anchor="ctr"/>
+          <a:lstStyle/>
+          <a:p>
+            <a:pPr algn="ctr"/>
+            <a:endParaRPr lang="en-US"/>
+          </a:p>
+        </p:txBody>
+      </p:sp>
+      <p:sp>
+        <p:nvSpPr>
+          <p:cNvPr id="3" name="Content Placeholder 2">
+            <a:extLst>
+              <a:ext uri="{FF2B5EF4-FFF2-40B4-BE49-F238E27FC236}">
+                <a16:creationId xmlns:a16="http://schemas.microsoft.com/office/drawing/2014/main" id="{9E328396-9939-48C3-AD79-A7C04B362919}"/>
+              </a:ext>
+            </a:extLst>
+          </p:cNvPr>
+          <p:cNvSpPr>
+            <a:spLocks noGrp="1"/>
+          </p:cNvSpPr>
+          <p:nvPr>
+            <p:ph idx="1"/>
+          </p:nvPr>
+        </p:nvSpPr>
+        <p:spPr>
+          <a:xfrm>
+            <a:off x="821515" y="780176"/>
+            <a:ext cx="6204984" cy="4968503"/>
+          </a:xfrm>
+        </p:spPr>
+        <p:txBody>
+          <a:bodyPr>
+            <a:normAutofit/>
+          </a:bodyPr>
+          <a:lstStyle/>
+          <a:p>
+            <a:r>
+              <a:rPr lang="en-US" sz="2400" dirty="0" err="1"/>
+              <a:t>Pisati</a:t>
+            </a:r>
+            <a:r>
+              <a:rPr lang="en-US" sz="2400" dirty="0"/>
+              <a:t> </a:t>
+            </a:r>
+            <a:r>
+              <a:rPr lang="sr-Latn-RS" sz="2400" dirty="0"/>
+              <a:t>i</a:t>
+            </a:r>
+            <a:r>
+              <a:rPr lang="en-US" sz="2400" dirty="0"/>
+              <a:t> </a:t>
+            </a:r>
+            <a:r>
+              <a:rPr lang="en-US" sz="2400" dirty="0" err="1"/>
+              <a:t>koristiti</a:t>
+            </a:r>
+            <a:r>
+              <a:rPr lang="en-US" sz="2400" dirty="0"/>
+              <a:t> dire</a:t>
+            </a:r>
+            <a:r>
+              <a:rPr lang="sr-Latn-RS" sz="2400" dirty="0"/>
+              <a:t>k</a:t>
+            </a:r>
+            <a:r>
+              <a:rPr lang="en-US" sz="2400" dirty="0" err="1"/>
+              <a:t>tive</a:t>
+            </a:r>
+            <a:r>
+              <a:rPr lang="en-US" sz="2400" dirty="0"/>
+              <a:t> </a:t>
+            </a:r>
+            <a:r>
+              <a:rPr lang="en-US" sz="2400" dirty="0" err="1"/>
+              <a:t>na</a:t>
+            </a:r>
+            <a:r>
+              <a:rPr lang="en-US" sz="2400" dirty="0"/>
+              <a:t> </a:t>
+            </a:r>
+            <a:r>
+              <a:rPr lang="en-US" sz="2400" dirty="0" err="1"/>
+              <a:t>na</a:t>
+            </a:r>
+            <a:r>
+              <a:rPr lang="sr-Latn-RS" sz="2400" dirty="0"/>
+              <a:t>čin</a:t>
+            </a:r>
+            <a:r>
+              <a:rPr lang="en-US" sz="2400" dirty="0"/>
+              <a:t> </a:t>
+            </a:r>
+            <a:r>
+              <a:rPr lang="en-US" sz="2400" dirty="0" err="1"/>
+              <a:t>na</a:t>
+            </a:r>
+            <a:r>
+              <a:rPr lang="sr-Latn-RS" sz="2400" dirty="0"/>
+              <a:t> koji smo videli do sada ima jednu manu, a to je </a:t>
+            </a:r>
+            <a:r>
+              <a:rPr lang="sr-Latn-RS" sz="2400" b="1" dirty="0"/>
+              <a:t>scope</a:t>
+            </a:r>
+            <a:r>
+              <a:rPr lang="en-US" sz="2400" dirty="0"/>
+              <a:t>.</a:t>
+            </a:r>
+          </a:p>
+          <a:p>
+            <a:r>
+              <a:rPr lang="en-US" sz="2400" dirty="0"/>
+              <a:t>Da bi </a:t>
+            </a:r>
+            <a:r>
+              <a:rPr lang="en-US" sz="2400" dirty="0" err="1"/>
+              <a:t>koristili</a:t>
+            </a:r>
+            <a:r>
+              <a:rPr lang="en-US" sz="2400" dirty="0"/>
+              <a:t> </a:t>
+            </a:r>
+            <a:r>
+              <a:rPr lang="en-US" sz="2400" dirty="0" err="1"/>
+              <a:t>direktivu</a:t>
+            </a:r>
+            <a:r>
+              <a:rPr lang="en-US" sz="2400" dirty="0"/>
+              <a:t> </a:t>
+            </a:r>
+            <a:r>
+              <a:rPr lang="en-US" sz="2400" dirty="0" err="1"/>
+              <a:t>sa</a:t>
+            </a:r>
+            <a:r>
+              <a:rPr lang="en-US" sz="2400" dirty="0"/>
+              <a:t> </a:t>
+            </a:r>
+            <a:r>
+              <a:rPr lang="en-US" sz="2400" dirty="0" err="1"/>
+              <a:t>drugim</a:t>
+            </a:r>
+            <a:r>
+              <a:rPr lang="en-US" sz="2400" dirty="0"/>
+              <a:t> </a:t>
+            </a:r>
+            <a:r>
+              <a:rPr lang="en-US" sz="2400" dirty="0" err="1"/>
+              <a:t>vrednostima</a:t>
+            </a:r>
+            <a:r>
+              <a:rPr lang="en-US" sz="2400" dirty="0"/>
+              <a:t> </a:t>
+            </a:r>
+            <a:r>
+              <a:rPr lang="en-US" sz="2400" dirty="0" err="1"/>
+              <a:t>moramo</a:t>
+            </a:r>
+            <a:r>
+              <a:rPr lang="en-US" sz="2400" dirty="0"/>
+              <a:t> da </a:t>
+            </a:r>
+            <a:r>
+              <a:rPr lang="en-US" sz="2400" dirty="0" err="1"/>
+              <a:t>kreiramo</a:t>
+            </a:r>
+            <a:r>
+              <a:rPr lang="en-US" sz="2400" dirty="0"/>
+              <a:t> </a:t>
+            </a:r>
+            <a:r>
+              <a:rPr lang="en-US" sz="2400" dirty="0" err="1"/>
+              <a:t>novi</a:t>
+            </a:r>
+            <a:r>
+              <a:rPr lang="en-US" sz="2400" dirty="0"/>
+              <a:t> </a:t>
+            </a:r>
+            <a:r>
+              <a:rPr lang="en-US" sz="2400" dirty="0" err="1"/>
+              <a:t>kontroler</a:t>
+            </a:r>
+            <a:r>
+              <a:rPr lang="en-US" sz="2400" dirty="0"/>
+              <a:t> </a:t>
+            </a:r>
+            <a:r>
+              <a:rPr lang="en-US" sz="2400" dirty="0" err="1"/>
+              <a:t>odnosno</a:t>
+            </a:r>
+            <a:r>
+              <a:rPr lang="en-US" sz="2400" dirty="0"/>
+              <a:t> </a:t>
+            </a:r>
+            <a:r>
+              <a:rPr lang="en-US" sz="2400" dirty="0" err="1"/>
+              <a:t>novi</a:t>
+            </a:r>
+            <a:r>
+              <a:rPr lang="en-US" sz="2400" dirty="0"/>
+              <a:t> </a:t>
+            </a:r>
+            <a:r>
+              <a:rPr lang="en-US" sz="2400" b="1" dirty="0"/>
+              <a:t>scope</a:t>
+            </a:r>
+            <a:r>
+              <a:rPr lang="en-US" sz="2400" dirty="0"/>
+              <a:t>.</a:t>
+            </a:r>
+          </a:p>
+          <a:p>
+            <a:r>
+              <a:rPr lang="sr-Latn-RS" sz="2400" dirty="0"/>
+              <a:t>Da bi direktive bile generičke odnos</a:t>
+            </a:r>
+            <a:r>
+              <a:rPr lang="en-US" sz="2400" dirty="0"/>
+              <a:t>n</a:t>
+            </a:r>
+            <a:r>
+              <a:rPr lang="sr-Latn-RS" sz="2400" dirty="0"/>
+              <a:t>o da možemo da je koristimo u više scenari</a:t>
+            </a:r>
+            <a:r>
+              <a:rPr lang="en-US" sz="2400" dirty="0"/>
+              <a:t>j</a:t>
+            </a:r>
+            <a:r>
+              <a:rPr lang="sr-Latn-RS" sz="2400" dirty="0"/>
+              <a:t>a, treba da se odvoji </a:t>
+            </a:r>
+            <a:r>
+              <a:rPr lang="sr-Latn-RS" sz="2400" b="1" dirty="0"/>
+              <a:t>scope</a:t>
+            </a:r>
+            <a:r>
+              <a:rPr lang="sr-Latn-RS" sz="2400" dirty="0"/>
+              <a:t> unutar direktive od spoljašnjeg </a:t>
+            </a:r>
+            <a:r>
+              <a:rPr lang="en-US" sz="2400" dirty="0"/>
+              <a:t>scope-a</a:t>
+            </a:r>
+            <a:r>
+              <a:rPr lang="sr-Latn-RS" sz="2400" dirty="0"/>
+              <a:t>.</a:t>
+            </a:r>
+          </a:p>
+          <a:p>
+            <a:r>
+              <a:rPr lang="sr-Latn-RS" sz="2400" dirty="0"/>
+              <a:t>Ovo možemo da postignemo</a:t>
+            </a:r>
+            <a:r>
+              <a:rPr lang="en-US" sz="2400" dirty="0"/>
+              <a:t>,</a:t>
+            </a:r>
+            <a:r>
+              <a:rPr lang="sr-Latn-RS" sz="2400" dirty="0"/>
+              <a:t> tako što kreiramo izolovani </a:t>
+            </a:r>
+            <a:r>
+              <a:rPr lang="sr-Latn-RS" sz="2400" b="1" dirty="0"/>
+              <a:t>scope</a:t>
+            </a:r>
+            <a:r>
+              <a:rPr lang="en-US" sz="2400" b="1" dirty="0"/>
+              <a:t>, </a:t>
+            </a:r>
+            <a:r>
+              <a:rPr lang="en-US" sz="2400" dirty="0" err="1"/>
+              <a:t>pomo</a:t>
+            </a:r>
+            <a:r>
+              <a:rPr lang="sr-Latn-RS" sz="2400" dirty="0"/>
+              <a:t>ću</a:t>
+            </a:r>
+            <a:r>
+              <a:rPr lang="en-US" sz="2400" dirty="0"/>
+              <a:t> </a:t>
+            </a:r>
+            <a:r>
+              <a:rPr lang="en-US" sz="2400" dirty="0" err="1"/>
+              <a:t>objekt</a:t>
+            </a:r>
+            <a:r>
+              <a:rPr lang="sr-Latn-RS" sz="2400" dirty="0"/>
+              <a:t>a</a:t>
+            </a:r>
+            <a:r>
+              <a:rPr lang="en-US" sz="2400" dirty="0"/>
+              <a:t>    </a:t>
+            </a:r>
+            <a:r>
+              <a:rPr lang="en-US" sz="2400" b="1" dirty="0"/>
+              <a:t>scope: {}</a:t>
+            </a:r>
+            <a:r>
+              <a:rPr lang="en-US" sz="2400" dirty="0"/>
+              <a:t> </a:t>
+            </a:r>
+            <a:r>
+              <a:rPr lang="en-US" sz="2400" dirty="0" err="1"/>
+              <a:t>koji</a:t>
+            </a:r>
+            <a:r>
+              <a:rPr lang="en-US" sz="2400" dirty="0"/>
+              <a:t> se </a:t>
+            </a:r>
+            <a:r>
+              <a:rPr lang="en-US" sz="2400" dirty="0" err="1"/>
+              <a:t>doda</a:t>
+            </a:r>
+            <a:r>
+              <a:rPr lang="en-US" sz="2400" dirty="0"/>
+              <a:t> </a:t>
+            </a:r>
+            <a:r>
+              <a:rPr lang="en-US" sz="2400" dirty="0" err="1"/>
+              <a:t>direktivi</a:t>
+            </a:r>
+            <a:r>
+              <a:rPr lang="sr-Latn-RS" sz="2400" b="1" dirty="0"/>
+              <a:t>.</a:t>
+            </a:r>
+            <a:endParaRPr lang="en-US" sz="2400" b="1" dirty="0"/>
+          </a:p>
+        </p:txBody>
+      </p:sp>
+      <p:pic>
+        <p:nvPicPr>
+          <p:cNvPr id="6" name="Picture 5">
+            <a:extLst>
+              <a:ext uri="{FF2B5EF4-FFF2-40B4-BE49-F238E27FC236}">
+                <a16:creationId xmlns:a16="http://schemas.microsoft.com/office/drawing/2014/main" id="{03637738-31E5-4DCF-A2EF-1671F563A40C}"/>
+              </a:ext>
+            </a:extLst>
+          </p:cNvPr>
+          <p:cNvPicPr>
+            <a:picLocks noChangeAspect="1"/>
+          </p:cNvPicPr>
+          <p:nvPr/>
+        </p:nvPicPr>
+        <p:blipFill>
+          <a:blip r:embed="rId2">
+            <a:extLst>
+              <a:ext uri="{28A0092B-C50C-407E-A947-70E740481C1C}">
+                <a14:useLocalDpi xmlns:a14="http://schemas.microsoft.com/office/drawing/2010/main" val="0"/>
+              </a:ext>
+            </a:extLst>
+          </a:blip>
+          <a:stretch>
+            <a:fillRect/>
+          </a:stretch>
+        </p:blipFill>
+        <p:spPr>
+          <a:xfrm>
+            <a:off x="7836659" y="306909"/>
+            <a:ext cx="4028193" cy="2286000"/>
+          </a:xfrm>
+          <a:prstGeom prst="rect">
+            <a:avLst/>
+          </a:prstGeom>
+        </p:spPr>
+      </p:pic>
+      <p:pic>
+        <p:nvPicPr>
+          <p:cNvPr id="8" name="Picture 7">
+            <a:extLst>
+              <a:ext uri="{FF2B5EF4-FFF2-40B4-BE49-F238E27FC236}">
+                <a16:creationId xmlns:a16="http://schemas.microsoft.com/office/drawing/2014/main" id="{9565E2E9-E090-4627-8864-73AEBF42FCF1}"/>
+              </a:ext>
+            </a:extLst>
+          </p:cNvPr>
+          <p:cNvPicPr>
+            <a:picLocks noChangeAspect="1"/>
+          </p:cNvPicPr>
+          <p:nvPr/>
+        </p:nvPicPr>
+        <p:blipFill>
+          <a:blip r:embed="rId3">
+            <a:extLst>
+              <a:ext uri="{28A0092B-C50C-407E-A947-70E740481C1C}">
+                <a14:useLocalDpi xmlns:a14="http://schemas.microsoft.com/office/drawing/2010/main" val="0"/>
+              </a:ext>
+            </a:extLst>
+          </a:blip>
+          <a:stretch>
+            <a:fillRect/>
+          </a:stretch>
+        </p:blipFill>
+        <p:spPr>
+          <a:xfrm>
+            <a:off x="8478213" y="2828925"/>
+            <a:ext cx="2745085" cy="3388994"/>
+          </a:xfrm>
+          <a:prstGeom prst="rect">
+            <a:avLst/>
+          </a:prstGeom>
+        </p:spPr>
+      </p:pic>
+    </p:spTree>
+    <p:extLst>
+      <p:ext uri="{BB962C8B-B14F-4D97-AF65-F5344CB8AC3E}">
+        <p14:creationId xmlns:p14="http://schemas.microsoft.com/office/powerpoint/2010/main" val="1577047834"/>
+      </p:ext>
+    </p:extLst>
+  </p:cSld>
+  <p:clrMapOvr>
+    <a:masterClrMapping/>
+  </p:clrMapOvr>
+</p:sld>
+</file>
+
+<file path=ppt/slides/slide26.xml><?xml version="1.0" encoding="utf-8"?>
+<p:sld xmlns:a="http://schemas.openxmlformats.org/drawingml/2006/main" xmlns:r="http://schemas.openxmlformats.org/officeDocument/2006/relationships" xmlns:p="http://schemas.openxmlformats.org/presentationml/2006/main">
+  <p:cSld>
+    <p:bg>
+      <p:bgPr>
+        <a:solidFill>
+          <a:schemeClr val="bg1"/>
+        </a:solidFill>
+        <a:effectLst/>
+      </p:bgPr>
+    </p:bg>
+    <p:spTree>
+      <p:nvGrpSpPr>
+        <p:cNvPr id="1" name=""/>
+        <p:cNvGrpSpPr/>
+        <p:nvPr/>
+      </p:nvGrpSpPr>
+      <p:grpSpPr>
+        <a:xfrm>
+          <a:off x="0" y="0"/>
+          <a:ext cx="0" cy="0"/>
+          <a:chOff x="0" y="0"/>
+          <a:chExt cx="0" cy="0"/>
+        </a:xfrm>
+      </p:grpSpPr>
+      <p:sp>
+        <p:nvSpPr>
+          <p:cNvPr id="32" name="Rectangle 31">
+            <a:extLst>
+              <a:ext uri="{FF2B5EF4-FFF2-40B4-BE49-F238E27FC236}">
+                <a16:creationId xmlns:a16="http://schemas.microsoft.com/office/drawing/2014/main" id="{E02F3C71-C981-4614-98EA-D6C494F8091E}"/>
+              </a:ext>
+              <a:ext uri="{C183D7F6-B498-43B3-948B-1728B52AA6E4}">
+                <adec:decorative xmlns:adec="http://schemas.microsoft.com/office/drawing/2017/decorative" val="1"/>
+              </a:ext>
+            </a:extLst>
+          </p:cNvPr>
+          <p:cNvSpPr>
+            <a:spLocks noGrp="1" noRot="1" noChangeAspect="1" noMove="1" noResize="1" noEditPoints="1" noAdjustHandles="1" noChangeArrowheads="1" noChangeShapeType="1" noTextEdit="1"/>
+          </p:cNvSpPr>
+          <p:nvPr>
+            <p:extLst>
+              <p:ext uri="{386F3935-93C4-4BCD-93E2-E3B085C9AB24}">
+                <p16:designElem xmlns:p16="http://schemas.microsoft.com/office/powerpoint/2015/main" val="1"/>
+              </p:ext>
+            </p:extLst>
+          </p:nvPr>
+        </p:nvSpPr>
+        <p:spPr bwMode="ltGray">
+          <a:xfrm>
+            <a:off x="336883" y="321176"/>
+            <a:ext cx="7174247" cy="5896743"/>
+          </a:xfrm>
+          <a:prstGeom prst="rect">
+            <a:avLst/>
+          </a:prstGeom>
+          <a:solidFill>
+            <a:schemeClr val="tx1">
+              <a:alpha val="15000"/>
+            </a:schemeClr>
+          </a:solidFill>
+          <a:ln w="127000" cap="sq" cmpd="thinThick">
+            <a:solidFill>
+              <a:schemeClr val="tx1">
+                <a:alpha val="10000"/>
+              </a:schemeClr>
+            </a:solidFill>
+          </a:ln>
+        </p:spPr>
+        <p:style>
+          <a:lnRef idx="2">
+            <a:schemeClr val="accent1">
+              <a:shade val="50000"/>
+            </a:schemeClr>
+          </a:lnRef>
+          <a:fillRef idx="1">
+            <a:schemeClr val="accent1"/>
+          </a:fillRef>
+          <a:effectRef idx="0">
+            <a:schemeClr val="accent1"/>
+          </a:effectRef>
+          <a:fontRef idx="minor">
+            <a:schemeClr val="lt1"/>
+          </a:fontRef>
+        </p:style>
+        <p:txBody>
+          <a:bodyPr rtlCol="0" anchor="ctr"/>
+          <a:lstStyle/>
+          <a:p>
+            <a:pPr algn="ctr"/>
+            <a:endParaRPr lang="en-US"/>
+          </a:p>
+        </p:txBody>
+      </p:sp>
+      <p:sp>
+        <p:nvSpPr>
+          <p:cNvPr id="3" name="Content Placeholder 2">
+            <a:extLst>
+              <a:ext uri="{FF2B5EF4-FFF2-40B4-BE49-F238E27FC236}">
+                <a16:creationId xmlns:a16="http://schemas.microsoft.com/office/drawing/2014/main" id="{9E328396-9939-48C3-AD79-A7C04B362919}"/>
+              </a:ext>
+            </a:extLst>
+          </p:cNvPr>
+          <p:cNvSpPr>
+            <a:spLocks noGrp="1"/>
+          </p:cNvSpPr>
+          <p:nvPr>
+            <p:ph idx="1"/>
+          </p:nvPr>
+        </p:nvSpPr>
+        <p:spPr>
+          <a:xfrm>
+            <a:off x="821515" y="640081"/>
+            <a:ext cx="6204984" cy="5232213"/>
+          </a:xfrm>
+        </p:spPr>
+        <p:txBody>
+          <a:bodyPr>
+            <a:normAutofit fontScale="77500" lnSpcReduction="20000"/>
+          </a:bodyPr>
+          <a:lstStyle/>
+          <a:p>
+            <a:pPr marL="285750" indent="-285750"/>
+            <a:r>
+              <a:rPr lang="en-US" sz="2000" dirty="0"/>
+              <a:t>Na </a:t>
+            </a:r>
+            <a:r>
+              <a:rPr lang="en-US" sz="2000" dirty="0" err="1"/>
+              <a:t>ovom</a:t>
+            </a:r>
+            <a:r>
+              <a:rPr lang="en-US" sz="2000" dirty="0"/>
+              <a:t> </a:t>
+            </a:r>
+            <a:r>
+              <a:rPr lang="en-US" sz="2000" dirty="0" err="1"/>
+              <a:t>primeru</a:t>
+            </a:r>
+            <a:r>
+              <a:rPr lang="en-US" sz="2000" dirty="0"/>
+              <a:t> </a:t>
+            </a:r>
+            <a:r>
+              <a:rPr lang="en-US" sz="2000" dirty="0" err="1"/>
+              <a:t>mozemo</a:t>
+            </a:r>
+            <a:r>
+              <a:rPr lang="en-US" sz="2000" dirty="0"/>
+              <a:t> da </a:t>
+            </a:r>
+            <a:r>
+              <a:rPr lang="en-US" sz="2000" dirty="0" err="1"/>
+              <a:t>vidimo</a:t>
+            </a:r>
+            <a:r>
+              <a:rPr lang="en-US" sz="2000" dirty="0"/>
+              <a:t> </a:t>
+            </a:r>
+            <a:r>
+              <a:rPr lang="en-US" sz="2000" dirty="0" err="1"/>
+              <a:t>kreiranje</a:t>
+            </a:r>
+            <a:r>
+              <a:rPr lang="en-US" sz="2000" dirty="0"/>
+              <a:t> </a:t>
+            </a:r>
+            <a:r>
+              <a:rPr lang="en-US" sz="2000" dirty="0" err="1"/>
+              <a:t>izolovanog</a:t>
+            </a:r>
+            <a:r>
+              <a:rPr lang="en-US" sz="2000" dirty="0"/>
+              <a:t> </a:t>
+            </a:r>
+            <a:r>
+              <a:rPr lang="en-US" sz="2000" b="1" dirty="0"/>
+              <a:t>scope</a:t>
+            </a:r>
+            <a:r>
+              <a:rPr lang="en-US" sz="2000" dirty="0"/>
+              <a:t>-a</a:t>
+            </a:r>
+            <a:r>
+              <a:rPr lang="sr-Latn-RS" sz="2000" dirty="0"/>
+              <a:t>.</a:t>
+            </a:r>
+          </a:p>
+          <a:p>
+            <a:pPr marL="285750" indent="-285750"/>
+            <a:r>
+              <a:rPr lang="sr-Latn-RS" sz="2000" dirty="0"/>
+              <a:t>Vidimo jedan kotroler i dve direktive.</a:t>
+            </a:r>
+          </a:p>
+          <a:p>
+            <a:pPr marL="285750" indent="-285750"/>
+            <a:r>
+              <a:rPr lang="sr-Latn-RS" sz="2000" dirty="0"/>
+              <a:t>U zavisnosti od atributa </a:t>
+            </a:r>
+            <a:r>
+              <a:rPr lang="sr-Latn-RS" sz="2000" b="1" dirty="0"/>
+              <a:t>info </a:t>
+            </a:r>
+            <a:r>
+              <a:rPr lang="en-US" sz="2000" dirty="0" err="1"/>
+              <a:t>koji</a:t>
+            </a:r>
+            <a:r>
+              <a:rPr lang="en-US" sz="2000" dirty="0"/>
+              <a:t> je </a:t>
+            </a:r>
+            <a:r>
+              <a:rPr lang="en-US" sz="2000" dirty="0" err="1"/>
+              <a:t>dodat</a:t>
+            </a:r>
+            <a:r>
+              <a:rPr lang="en-US" sz="2000" dirty="0"/>
+              <a:t> </a:t>
+            </a:r>
+            <a:r>
+              <a:rPr lang="en-US" sz="2000" dirty="0" err="1"/>
+              <a:t>direktivi</a:t>
+            </a:r>
+            <a:r>
+              <a:rPr lang="en-US" sz="2000" dirty="0"/>
+              <a:t>, </a:t>
+            </a:r>
+            <a:r>
+              <a:rPr lang="en-US" sz="2000" dirty="0" err="1"/>
+              <a:t>kontroler</a:t>
+            </a:r>
+            <a:r>
+              <a:rPr lang="sr-Latn-RS" sz="2000" dirty="0"/>
+              <a:t> prosleđuje odgovarajuće vrednosti</a:t>
+            </a:r>
+            <a:r>
+              <a:rPr lang="en-US" sz="2000" dirty="0"/>
+              <a:t>.</a:t>
+            </a:r>
+          </a:p>
+          <a:p>
+            <a:pPr marL="285750" indent="-285750"/>
+            <a:r>
+              <a:rPr lang="en-US" sz="2000" dirty="0" err="1"/>
+              <a:t>Atribut</a:t>
+            </a:r>
+            <a:r>
+              <a:rPr lang="en-US" sz="2000" dirty="0"/>
+              <a:t> </a:t>
+            </a:r>
+            <a:r>
+              <a:rPr lang="en-US" sz="2000" b="1" dirty="0"/>
+              <a:t>info </a:t>
+            </a:r>
+            <a:r>
+              <a:rPr lang="en-US" sz="2000" dirty="0"/>
+              <a:t>u HTML-u </a:t>
+            </a:r>
+            <a:r>
+              <a:rPr lang="sr-Latn-RS" sz="2000" dirty="0"/>
+              <a:t>i</a:t>
+            </a:r>
+            <a:r>
+              <a:rPr lang="en-US" sz="2000" dirty="0"/>
+              <a:t> </a:t>
+            </a:r>
+            <a:r>
+              <a:rPr lang="en-US" sz="2000" b="1" dirty="0"/>
+              <a:t>value</a:t>
+            </a:r>
+            <a:r>
+              <a:rPr lang="en-US" sz="2000" dirty="0"/>
+              <a:t> </a:t>
+            </a:r>
+            <a:r>
+              <a:rPr lang="sr-Latn-RS" sz="2000" dirty="0"/>
+              <a:t>u scope objektu </a:t>
+            </a:r>
+            <a:r>
+              <a:rPr lang="en-US" sz="2000" b="1" dirty="0"/>
+              <a:t>‘=info’</a:t>
+            </a:r>
+            <a:r>
+              <a:rPr lang="en-US" sz="2000" dirty="0"/>
+              <a:t> </a:t>
+            </a:r>
+            <a:r>
+              <a:rPr lang="en-US" sz="2000" dirty="0" err="1"/>
+              <a:t>moraju</a:t>
+            </a:r>
+            <a:r>
+              <a:rPr lang="en-US" sz="2000" dirty="0"/>
+              <a:t> da se </a:t>
+            </a:r>
+            <a:r>
+              <a:rPr lang="en-US" sz="2000" dirty="0" err="1"/>
+              <a:t>sla</a:t>
+            </a:r>
+            <a:r>
+              <a:rPr lang="sr-Latn-RS" sz="2000" dirty="0"/>
+              <a:t>žu</a:t>
+            </a:r>
+            <a:r>
+              <a:rPr lang="en-US" sz="2000" dirty="0"/>
+              <a:t> (ne mora se </a:t>
+            </a:r>
+            <a:r>
+              <a:rPr lang="en-US" sz="2000" dirty="0" err="1"/>
+              <a:t>zvati</a:t>
+            </a:r>
+            <a:r>
+              <a:rPr lang="en-US" sz="2000" dirty="0"/>
+              <a:t> </a:t>
+            </a:r>
+            <a:r>
+              <a:rPr lang="en-US" sz="2000" b="1" dirty="0"/>
+              <a:t>info</a:t>
+            </a:r>
+            <a:r>
+              <a:rPr lang="en-US" sz="2000" dirty="0"/>
+              <a:t>)</a:t>
+            </a:r>
+            <a:r>
+              <a:rPr lang="sr-Latn-RS" sz="2000" dirty="0"/>
+              <a:t>.</a:t>
+            </a:r>
+            <a:endParaRPr lang="en-US" sz="2000" dirty="0"/>
+          </a:p>
+          <a:p>
+            <a:pPr marL="285750" indent="-285750"/>
+            <a:r>
+              <a:rPr lang="en-GB" sz="2000" dirty="0">
+                <a:solidFill>
+                  <a:srgbClr val="EBDBB2"/>
+                </a:solidFill>
+                <a:highlight>
+                  <a:srgbClr val="008080"/>
+                </a:highlight>
+                <a:latin typeface="Consolas" panose="020B0609020204030204" pitchFamily="49" charset="0"/>
+              </a:rPr>
+              <a:t>&lt;</a:t>
+            </a:r>
+            <a:r>
+              <a:rPr lang="en-GB" sz="2000" dirty="0" err="1">
+                <a:solidFill>
+                  <a:srgbClr val="FABD2F"/>
+                </a:solidFill>
+                <a:highlight>
+                  <a:srgbClr val="008080"/>
+                </a:highlight>
+                <a:latin typeface="Consolas" panose="020B0609020204030204" pitchFamily="49" charset="0"/>
+              </a:rPr>
+              <a:t>kurs-dir</a:t>
+            </a:r>
+            <a:r>
+              <a:rPr lang="en-GB" sz="2000" dirty="0">
+                <a:solidFill>
+                  <a:srgbClr val="F2E5BC"/>
+                </a:solidFill>
+                <a:highlight>
+                  <a:srgbClr val="008080"/>
+                </a:highlight>
+                <a:latin typeface="Consolas" panose="020B0609020204030204" pitchFamily="49" charset="0"/>
+              </a:rPr>
+              <a:t> </a:t>
+            </a:r>
+            <a:r>
+              <a:rPr lang="en-GB" sz="2000" dirty="0">
+                <a:solidFill>
+                  <a:srgbClr val="7EC16E"/>
+                </a:solidFill>
+                <a:highlight>
+                  <a:srgbClr val="008080"/>
+                </a:highlight>
+                <a:latin typeface="Consolas" panose="020B0609020204030204" pitchFamily="49" charset="0"/>
+              </a:rPr>
+              <a:t>info</a:t>
+            </a:r>
+            <a:r>
+              <a:rPr lang="en-GB" sz="2000" dirty="0">
+                <a:solidFill>
+                  <a:srgbClr val="EBDBB2"/>
+                </a:solidFill>
+                <a:highlight>
+                  <a:srgbClr val="008080"/>
+                </a:highlight>
+                <a:latin typeface="Consolas" panose="020B0609020204030204" pitchFamily="49" charset="0"/>
+              </a:rPr>
+              <a:t>="</a:t>
+            </a:r>
+            <a:r>
+              <a:rPr lang="en-GB" sz="2000" dirty="0" err="1">
+                <a:solidFill>
+                  <a:srgbClr val="B8BB26"/>
+                </a:solidFill>
+                <a:highlight>
+                  <a:srgbClr val="008080"/>
+                </a:highlight>
+                <a:latin typeface="Consolas" panose="020B0609020204030204" pitchFamily="49" charset="0"/>
+              </a:rPr>
+              <a:t>danilo</a:t>
+            </a:r>
+            <a:r>
+              <a:rPr lang="en-GB" sz="2000" dirty="0">
+                <a:solidFill>
+                  <a:srgbClr val="EBDBB2"/>
+                </a:solidFill>
+                <a:highlight>
+                  <a:srgbClr val="008080"/>
+                </a:highlight>
+                <a:latin typeface="Consolas" panose="020B0609020204030204" pitchFamily="49" charset="0"/>
+              </a:rPr>
+              <a:t>"&gt;&lt;/</a:t>
+            </a:r>
+            <a:r>
+              <a:rPr lang="en-GB" sz="2000" dirty="0" err="1">
+                <a:solidFill>
+                  <a:srgbClr val="FABD2F"/>
+                </a:solidFill>
+                <a:highlight>
+                  <a:srgbClr val="008080"/>
+                </a:highlight>
+                <a:latin typeface="Consolas" panose="020B0609020204030204" pitchFamily="49" charset="0"/>
+              </a:rPr>
+              <a:t>kurs-dir</a:t>
+            </a:r>
+            <a:r>
+              <a:rPr lang="en-GB" sz="2000" dirty="0">
+                <a:solidFill>
+                  <a:srgbClr val="EBDBB2"/>
+                </a:solidFill>
+                <a:highlight>
+                  <a:srgbClr val="008080"/>
+                </a:highlight>
+                <a:latin typeface="Consolas" panose="020B0609020204030204" pitchFamily="49" charset="0"/>
+              </a:rPr>
+              <a:t>&gt;</a:t>
+            </a:r>
+            <a:endParaRPr lang="en-GB" sz="2000" dirty="0">
+              <a:solidFill>
+                <a:srgbClr val="F2E5BC"/>
+              </a:solidFill>
+              <a:highlight>
+                <a:srgbClr val="008080"/>
+              </a:highlight>
+              <a:latin typeface="Consolas" panose="020B0609020204030204" pitchFamily="49" charset="0"/>
+            </a:endParaRPr>
+          </a:p>
+          <a:p>
+            <a:r>
+              <a:rPr lang="en-GB" sz="2000" dirty="0">
+                <a:solidFill>
+                  <a:srgbClr val="F2E5BC"/>
+                </a:solidFill>
+                <a:highlight>
+                  <a:srgbClr val="008080"/>
+                </a:highlight>
+                <a:latin typeface="Consolas" panose="020B0609020204030204" pitchFamily="49" charset="0"/>
+              </a:rPr>
+              <a:t>scope</a:t>
+            </a:r>
+            <a:r>
+              <a:rPr lang="en-GB" sz="2000" dirty="0">
+                <a:solidFill>
+                  <a:srgbClr val="EBDBB2"/>
+                </a:solidFill>
+                <a:highlight>
+                  <a:srgbClr val="008080"/>
+                </a:highlight>
+                <a:latin typeface="Consolas" panose="020B0609020204030204" pitchFamily="49" charset="0"/>
+              </a:rPr>
+              <a:t>:</a:t>
+            </a:r>
+            <a:r>
+              <a:rPr lang="en-GB" sz="2000" dirty="0">
+                <a:solidFill>
+                  <a:srgbClr val="F2E5BC"/>
+                </a:solidFill>
+                <a:highlight>
+                  <a:srgbClr val="008080"/>
+                </a:highlight>
+                <a:latin typeface="Consolas" panose="020B0609020204030204" pitchFamily="49" charset="0"/>
+              </a:rPr>
+              <a:t> </a:t>
+            </a:r>
+            <a:r>
+              <a:rPr lang="en-GB" sz="2000" dirty="0">
+                <a:solidFill>
+                  <a:srgbClr val="EBDBB2"/>
+                </a:solidFill>
+                <a:highlight>
+                  <a:srgbClr val="008080"/>
+                </a:highlight>
+                <a:latin typeface="Consolas" panose="020B0609020204030204" pitchFamily="49" charset="0"/>
+              </a:rPr>
+              <a:t>{</a:t>
+            </a:r>
+            <a:endParaRPr lang="en-GB" sz="2000" dirty="0">
+              <a:solidFill>
+                <a:srgbClr val="F2E5BC"/>
+              </a:solidFill>
+              <a:highlight>
+                <a:srgbClr val="008080"/>
+              </a:highlight>
+              <a:latin typeface="Consolas" panose="020B0609020204030204" pitchFamily="49" charset="0"/>
+            </a:endParaRPr>
+          </a:p>
+          <a:p>
+            <a:pPr marL="0" indent="0">
+              <a:buNone/>
+            </a:pPr>
+            <a:r>
+              <a:rPr lang="en-GB" sz="2000" dirty="0">
+                <a:solidFill>
+                  <a:srgbClr val="F2E5BC"/>
+                </a:solidFill>
+                <a:latin typeface="Consolas" panose="020B0609020204030204" pitchFamily="49" charset="0"/>
+              </a:rPr>
+              <a:t>	</a:t>
+            </a:r>
+            <a:r>
+              <a:rPr lang="en-GB" sz="2000" dirty="0" err="1">
+                <a:solidFill>
+                  <a:srgbClr val="F2E5BC"/>
+                </a:solidFill>
+                <a:highlight>
+                  <a:srgbClr val="008080"/>
+                </a:highlight>
+                <a:latin typeface="Consolas" panose="020B0609020204030204" pitchFamily="49" charset="0"/>
+              </a:rPr>
+              <a:t>informacije</a:t>
+            </a:r>
+            <a:r>
+              <a:rPr lang="en-GB" sz="2000" dirty="0">
+                <a:solidFill>
+                  <a:srgbClr val="EBDBB2"/>
+                </a:solidFill>
+                <a:highlight>
+                  <a:srgbClr val="008080"/>
+                </a:highlight>
+                <a:latin typeface="Consolas" panose="020B0609020204030204" pitchFamily="49" charset="0"/>
+              </a:rPr>
+              <a:t>:</a:t>
+            </a:r>
+            <a:r>
+              <a:rPr lang="en-GB" sz="2000" dirty="0">
+                <a:solidFill>
+                  <a:srgbClr val="F2E5BC"/>
+                </a:solidFill>
+                <a:highlight>
+                  <a:srgbClr val="008080"/>
+                </a:highlight>
+                <a:latin typeface="Consolas" panose="020B0609020204030204" pitchFamily="49" charset="0"/>
+              </a:rPr>
+              <a:t> </a:t>
+            </a:r>
+            <a:r>
+              <a:rPr lang="en-GB" sz="2000" dirty="0">
+                <a:solidFill>
+                  <a:srgbClr val="EBDBB2"/>
+                </a:solidFill>
+                <a:highlight>
+                  <a:srgbClr val="008080"/>
+                </a:highlight>
+                <a:latin typeface="Consolas" panose="020B0609020204030204" pitchFamily="49" charset="0"/>
+              </a:rPr>
+              <a:t>'</a:t>
+            </a:r>
+            <a:r>
+              <a:rPr lang="en-GB" sz="2000" dirty="0">
+                <a:solidFill>
+                  <a:srgbClr val="B8BB26"/>
+                </a:solidFill>
+                <a:highlight>
+                  <a:srgbClr val="008080"/>
+                </a:highlight>
+                <a:latin typeface="Consolas" panose="020B0609020204030204" pitchFamily="49" charset="0"/>
+              </a:rPr>
+              <a:t>=info</a:t>
+            </a:r>
+            <a:r>
+              <a:rPr lang="en-GB" sz="2000" dirty="0">
+                <a:solidFill>
+                  <a:srgbClr val="EBDBB2"/>
+                </a:solidFill>
+                <a:highlight>
+                  <a:srgbClr val="008080"/>
+                </a:highlight>
+                <a:latin typeface="Consolas" panose="020B0609020204030204" pitchFamily="49" charset="0"/>
+              </a:rPr>
+              <a:t>'</a:t>
+            </a:r>
+            <a:endParaRPr lang="en-GB" sz="2000" dirty="0">
+              <a:solidFill>
+                <a:srgbClr val="F2E5BC"/>
+              </a:solidFill>
+              <a:highlight>
+                <a:srgbClr val="008080"/>
+              </a:highlight>
+              <a:latin typeface="Consolas" panose="020B0609020204030204" pitchFamily="49" charset="0"/>
+            </a:endParaRPr>
+          </a:p>
+          <a:p>
+            <a:pPr marL="285750" indent="-285750"/>
+            <a:r>
+              <a:rPr lang="en-GB" sz="2000" dirty="0">
+                <a:solidFill>
+                  <a:srgbClr val="EBDBB2"/>
+                </a:solidFill>
+                <a:highlight>
+                  <a:srgbClr val="008080"/>
+                </a:highlight>
+                <a:latin typeface="Consolas" panose="020B0609020204030204" pitchFamily="49" charset="0"/>
+              </a:rPr>
+              <a:t>}</a:t>
+            </a:r>
+            <a:endParaRPr lang="sr-Latn-RS" sz="2000" dirty="0">
+              <a:highlight>
+                <a:srgbClr val="008080"/>
+              </a:highlight>
+            </a:endParaRPr>
+          </a:p>
+          <a:p>
+            <a:r>
+              <a:rPr lang="en-GB" sz="2000" dirty="0">
+                <a:solidFill>
+                  <a:srgbClr val="F2E5BC"/>
+                </a:solidFill>
+                <a:highlight>
+                  <a:srgbClr val="008080"/>
+                </a:highlight>
+                <a:latin typeface="Consolas" panose="020B0609020204030204" pitchFamily="49" charset="0"/>
+              </a:rPr>
+              <a:t>Name: {{informacije.name}}</a:t>
+            </a:r>
+          </a:p>
+          <a:p>
+            <a:r>
+              <a:rPr lang="en-US" sz="2000" dirty="0" err="1"/>
+              <a:t>Isto</a:t>
+            </a:r>
+            <a:r>
+              <a:rPr lang="en-US" sz="2000" dirty="0"/>
+              <a:t> </a:t>
+            </a:r>
+            <a:r>
+              <a:rPr lang="en-US" sz="2000" dirty="0" err="1"/>
+              <a:t>tako</a:t>
+            </a:r>
+            <a:r>
+              <a:rPr lang="en-US" sz="2000" dirty="0"/>
+              <a:t> </a:t>
+            </a:r>
+            <a:r>
+              <a:rPr lang="en-US" sz="2000" b="1" dirty="0" err="1"/>
+              <a:t>informacije</a:t>
+            </a:r>
+            <a:r>
+              <a:rPr lang="en-US" sz="2000" b="1" dirty="0"/>
+              <a:t> </a:t>
+            </a:r>
+            <a:r>
+              <a:rPr lang="en-US" sz="2000" dirty="0"/>
+              <a:t>u HTML-u </a:t>
+            </a:r>
+            <a:r>
+              <a:rPr lang="en-US" sz="2000" dirty="0" err="1"/>
+              <a:t>i</a:t>
+            </a:r>
+            <a:r>
+              <a:rPr lang="en-US" sz="2000" dirty="0"/>
+              <a:t> </a:t>
+            </a:r>
+            <a:r>
+              <a:rPr lang="en-US" sz="2000" b="1" dirty="0"/>
+              <a:t>key </a:t>
+            </a:r>
+            <a:r>
+              <a:rPr lang="en-US" sz="2000" dirty="0"/>
+              <a:t>u scope </a:t>
+            </a:r>
+            <a:r>
+              <a:rPr lang="en-US" sz="2000" dirty="0" err="1"/>
+              <a:t>objektu</a:t>
+            </a:r>
+            <a:r>
+              <a:rPr lang="en-US" sz="2000" dirty="0"/>
+              <a:t> </a:t>
+            </a:r>
+            <a:r>
+              <a:rPr lang="en-US" sz="2000" dirty="0" err="1"/>
+              <a:t>moraju</a:t>
+            </a:r>
+            <a:r>
+              <a:rPr lang="en-US" sz="2000" dirty="0"/>
+              <a:t> da se </a:t>
+            </a:r>
+            <a:r>
+              <a:rPr lang="en-US" sz="2000" dirty="0" err="1"/>
+              <a:t>sla</a:t>
+            </a:r>
+            <a:r>
+              <a:rPr lang="sr-Latn-RS" sz="2000" dirty="0"/>
+              <a:t>žu.</a:t>
+            </a:r>
+            <a:endParaRPr lang="en-GB" sz="2000" b="1" dirty="0"/>
+          </a:p>
+          <a:p>
+            <a:pPr marL="285750" indent="-285750"/>
+            <a:r>
+              <a:rPr lang="sr-Latn-RS" sz="2000" dirty="0"/>
+              <a:t>U koliko su </a:t>
+            </a:r>
+            <a:r>
+              <a:rPr lang="sr-Latn-RS" sz="2000" b="1" dirty="0"/>
+              <a:t>key</a:t>
+            </a:r>
+            <a:r>
+              <a:rPr lang="sr-Latn-RS" sz="2000" dirty="0"/>
+              <a:t> i </a:t>
+            </a:r>
+            <a:r>
+              <a:rPr lang="sr-Latn-RS" sz="2000" b="1" dirty="0"/>
+              <a:t>value </a:t>
+            </a:r>
+            <a:r>
+              <a:rPr lang="sr-Latn-RS" sz="2000" dirty="0"/>
+              <a:t>u </a:t>
+            </a:r>
+            <a:r>
+              <a:rPr lang="sr-Latn-RS" sz="2000" b="1" dirty="0"/>
+              <a:t>scope</a:t>
+            </a:r>
+            <a:r>
+              <a:rPr lang="sr-Latn-RS" sz="2000" dirty="0"/>
+              <a:t> objektu isti može da se piše skraćeno.</a:t>
+            </a:r>
+            <a:endParaRPr lang="en-GB" sz="2000" dirty="0">
+              <a:solidFill>
+                <a:srgbClr val="F2E5BC"/>
+              </a:solidFill>
+              <a:highlight>
+                <a:srgbClr val="008080"/>
+              </a:highlight>
+              <a:latin typeface="Consolas" panose="020B0609020204030204" pitchFamily="49" charset="0"/>
+            </a:endParaRPr>
+          </a:p>
+          <a:p>
+            <a:r>
+              <a:rPr lang="en-GB" sz="2000" dirty="0">
+                <a:solidFill>
+                  <a:srgbClr val="F2E5BC"/>
+                </a:solidFill>
+                <a:highlight>
+                  <a:srgbClr val="008080"/>
+                </a:highlight>
+                <a:latin typeface="Consolas" panose="020B0609020204030204" pitchFamily="49" charset="0"/>
+              </a:rPr>
+              <a:t>scope</a:t>
+            </a:r>
+            <a:r>
+              <a:rPr lang="en-GB" sz="2000" dirty="0">
+                <a:solidFill>
+                  <a:srgbClr val="EBDBB2"/>
+                </a:solidFill>
+                <a:highlight>
+                  <a:srgbClr val="008080"/>
+                </a:highlight>
+                <a:latin typeface="Consolas" panose="020B0609020204030204" pitchFamily="49" charset="0"/>
+              </a:rPr>
+              <a:t>:</a:t>
+            </a:r>
+            <a:r>
+              <a:rPr lang="en-GB" sz="2000" dirty="0">
+                <a:solidFill>
+                  <a:srgbClr val="F2E5BC"/>
+                </a:solidFill>
+                <a:highlight>
+                  <a:srgbClr val="008080"/>
+                </a:highlight>
+                <a:latin typeface="Consolas" panose="020B0609020204030204" pitchFamily="49" charset="0"/>
+              </a:rPr>
+              <a:t> </a:t>
+            </a:r>
+            <a:r>
+              <a:rPr lang="en-GB" sz="2000" dirty="0">
+                <a:solidFill>
+                  <a:srgbClr val="EBDBB2"/>
+                </a:solidFill>
+                <a:highlight>
+                  <a:srgbClr val="008080"/>
+                </a:highlight>
+                <a:latin typeface="Consolas" panose="020B0609020204030204" pitchFamily="49" charset="0"/>
+              </a:rPr>
+              <a:t>{</a:t>
+            </a:r>
+            <a:endParaRPr lang="en-GB" sz="1200" dirty="0">
+              <a:solidFill>
+                <a:srgbClr val="F2E5BC"/>
+              </a:solidFill>
+              <a:highlight>
+                <a:srgbClr val="008080"/>
+              </a:highlight>
+              <a:latin typeface="Consolas" panose="020B0609020204030204" pitchFamily="49" charset="0"/>
+            </a:endParaRPr>
+          </a:p>
+          <a:p>
+            <a:pPr marL="0" indent="0">
+              <a:buNone/>
+            </a:pPr>
+            <a:r>
+              <a:rPr lang="en-GB" sz="2000" dirty="0">
+                <a:solidFill>
+                  <a:srgbClr val="F2E5BC"/>
+                </a:solidFill>
+                <a:latin typeface="Consolas" panose="020B0609020204030204" pitchFamily="49" charset="0"/>
+              </a:rPr>
+              <a:t>      </a:t>
+            </a:r>
+            <a:r>
+              <a:rPr lang="en-GB" sz="2000" dirty="0" err="1">
+                <a:solidFill>
+                  <a:srgbClr val="F2E5BC"/>
+                </a:solidFill>
+                <a:highlight>
+                  <a:srgbClr val="008080"/>
+                </a:highlight>
+                <a:latin typeface="Consolas" panose="020B0609020204030204" pitchFamily="49" charset="0"/>
+              </a:rPr>
+              <a:t>informacije</a:t>
+            </a:r>
+            <a:r>
+              <a:rPr lang="en-GB" sz="2000" dirty="0">
+                <a:solidFill>
+                  <a:srgbClr val="EBDBB2"/>
+                </a:solidFill>
+                <a:highlight>
+                  <a:srgbClr val="008080"/>
+                </a:highlight>
+                <a:latin typeface="Consolas" panose="020B0609020204030204" pitchFamily="49" charset="0"/>
+              </a:rPr>
+              <a:t>:</a:t>
+            </a:r>
+            <a:r>
+              <a:rPr lang="en-GB" sz="2000" dirty="0">
+                <a:solidFill>
+                  <a:srgbClr val="F2E5BC"/>
+                </a:solidFill>
+                <a:highlight>
+                  <a:srgbClr val="008080"/>
+                </a:highlight>
+                <a:latin typeface="Consolas" panose="020B0609020204030204" pitchFamily="49" charset="0"/>
+              </a:rPr>
+              <a:t> </a:t>
+            </a:r>
+            <a:r>
+              <a:rPr lang="en-GB" sz="2000" dirty="0">
+                <a:solidFill>
+                  <a:srgbClr val="EBDBB2"/>
+                </a:solidFill>
+                <a:highlight>
+                  <a:srgbClr val="008080"/>
+                </a:highlight>
+                <a:latin typeface="Consolas" panose="020B0609020204030204" pitchFamily="49" charset="0"/>
+              </a:rPr>
+              <a:t>‘</a:t>
+            </a:r>
+            <a:r>
+              <a:rPr lang="en-GB" sz="2000" dirty="0">
+                <a:solidFill>
+                  <a:srgbClr val="B8BB26"/>
+                </a:solidFill>
+                <a:highlight>
+                  <a:srgbClr val="008080"/>
+                </a:highlight>
+                <a:latin typeface="Consolas" panose="020B0609020204030204" pitchFamily="49" charset="0"/>
+              </a:rPr>
+              <a:t>=</a:t>
+            </a:r>
+            <a:r>
+              <a:rPr lang="en-GB" sz="2000" dirty="0">
+                <a:solidFill>
+                  <a:srgbClr val="EBDBB2"/>
+                </a:solidFill>
+                <a:highlight>
+                  <a:srgbClr val="008080"/>
+                </a:highlight>
+                <a:latin typeface="Consolas" panose="020B0609020204030204" pitchFamily="49" charset="0"/>
+              </a:rPr>
+              <a:t>‘ -&gt; </a:t>
+            </a:r>
+            <a:r>
+              <a:rPr lang="en-GB" sz="2000" dirty="0" err="1">
+                <a:solidFill>
+                  <a:srgbClr val="EBDBB2"/>
+                </a:solidFill>
+                <a:highlight>
+                  <a:srgbClr val="008080"/>
+                </a:highlight>
+                <a:latin typeface="Consolas" panose="020B0609020204030204" pitchFamily="49" charset="0"/>
+              </a:rPr>
+              <a:t>informacije</a:t>
+            </a:r>
+            <a:r>
+              <a:rPr lang="en-GB" sz="2000" dirty="0">
+                <a:solidFill>
+                  <a:srgbClr val="EBDBB2"/>
+                </a:solidFill>
+                <a:highlight>
+                  <a:srgbClr val="008080"/>
+                </a:highlight>
+                <a:latin typeface="Consolas" panose="020B0609020204030204" pitchFamily="49" charset="0"/>
+              </a:rPr>
+              <a:t>: ‘=</a:t>
+            </a:r>
+            <a:r>
+              <a:rPr lang="en-GB" sz="2000" dirty="0" err="1">
+                <a:solidFill>
+                  <a:srgbClr val="EBDBB2"/>
+                </a:solidFill>
+                <a:highlight>
+                  <a:srgbClr val="008080"/>
+                </a:highlight>
+                <a:latin typeface="Consolas" panose="020B0609020204030204" pitchFamily="49" charset="0"/>
+              </a:rPr>
+              <a:t>informacije</a:t>
+            </a:r>
+            <a:r>
+              <a:rPr lang="en-GB" sz="2000" dirty="0">
+                <a:solidFill>
+                  <a:srgbClr val="EBDBB2"/>
+                </a:solidFill>
+                <a:highlight>
+                  <a:srgbClr val="008080"/>
+                </a:highlight>
+                <a:latin typeface="Consolas" panose="020B0609020204030204" pitchFamily="49" charset="0"/>
+              </a:rPr>
+              <a:t>’</a:t>
+            </a:r>
+            <a:endParaRPr lang="en-GB" sz="2000" dirty="0">
+              <a:solidFill>
+                <a:srgbClr val="F2E5BC"/>
+              </a:solidFill>
+              <a:highlight>
+                <a:srgbClr val="008080"/>
+              </a:highlight>
+              <a:latin typeface="Consolas" panose="020B0609020204030204" pitchFamily="49" charset="0"/>
+            </a:endParaRPr>
+          </a:p>
+          <a:p>
+            <a:pPr marL="285750" indent="-285750"/>
+            <a:r>
+              <a:rPr lang="en-GB" sz="2000" dirty="0">
+                <a:solidFill>
+                  <a:srgbClr val="EBDBB2"/>
+                </a:solidFill>
+                <a:highlight>
+                  <a:srgbClr val="008080"/>
+                </a:highlight>
+                <a:latin typeface="Consolas" panose="020B0609020204030204" pitchFamily="49" charset="0"/>
+              </a:rPr>
+              <a:t>}</a:t>
+            </a:r>
+          </a:p>
+          <a:p>
+            <a:pPr marL="285750" indent="-285750"/>
+            <a:r>
+              <a:rPr lang="en-US" sz="2000" dirty="0"/>
+              <a:t>S</a:t>
+            </a:r>
+            <a:r>
+              <a:rPr lang="en-GB" sz="2000" dirty="0"/>
+              <a:t>cope se </a:t>
+            </a:r>
+            <a:r>
+              <a:rPr lang="sr-Latn-RS" sz="2000" dirty="0"/>
+              <a:t>ko</a:t>
+            </a:r>
+            <a:r>
+              <a:rPr lang="en-GB" sz="2000" dirty="0" err="1"/>
+              <a:t>risti</a:t>
+            </a:r>
+            <a:r>
+              <a:rPr lang="en-GB" sz="2000" dirty="0"/>
+              <a:t> </a:t>
+            </a:r>
+            <a:r>
+              <a:rPr lang="en-GB" sz="2000" dirty="0" err="1"/>
+              <a:t>kada</a:t>
+            </a:r>
+            <a:r>
+              <a:rPr lang="en-GB" sz="2000" dirty="0"/>
+              <a:t> ho</a:t>
+            </a:r>
+            <a:r>
+              <a:rPr lang="sr-Latn-RS" sz="2000" dirty="0"/>
+              <a:t>ćemo da napravimo direktive koje možemo da koristimo u celoj aplikaciji.</a:t>
+            </a:r>
+          </a:p>
+        </p:txBody>
+      </p:sp>
+      <p:pic>
+        <p:nvPicPr>
+          <p:cNvPr id="7" name="Picture 6">
+            <a:extLst>
+              <a:ext uri="{FF2B5EF4-FFF2-40B4-BE49-F238E27FC236}">
+                <a16:creationId xmlns:a16="http://schemas.microsoft.com/office/drawing/2014/main" id="{FCAA210E-7603-4D15-893A-80EEF7B8E900}"/>
+              </a:ext>
+            </a:extLst>
+          </p:cNvPr>
+          <p:cNvPicPr>
+            <a:picLocks noChangeAspect="1"/>
+          </p:cNvPicPr>
+          <p:nvPr/>
+        </p:nvPicPr>
+        <p:blipFill>
+          <a:blip r:embed="rId2">
+            <a:extLst>
+              <a:ext uri="{28A0092B-C50C-407E-A947-70E740481C1C}">
+                <a14:useLocalDpi xmlns:a14="http://schemas.microsoft.com/office/drawing/2010/main" val="0"/>
+              </a:ext>
+            </a:extLst>
+          </a:blip>
+          <a:stretch>
+            <a:fillRect/>
+          </a:stretch>
+        </p:blipFill>
+        <p:spPr>
+          <a:xfrm>
+            <a:off x="7812708" y="321176"/>
+            <a:ext cx="4042409" cy="1566433"/>
+          </a:xfrm>
+          <a:prstGeom prst="rect">
+            <a:avLst/>
+          </a:prstGeom>
+        </p:spPr>
+      </p:pic>
+      <p:pic>
+        <p:nvPicPr>
+          <p:cNvPr id="9" name="Picture 8">
+            <a:extLst>
+              <a:ext uri="{FF2B5EF4-FFF2-40B4-BE49-F238E27FC236}">
+                <a16:creationId xmlns:a16="http://schemas.microsoft.com/office/drawing/2014/main" id="{73080202-47CD-4E0C-9DF4-5E2C5E4CF0A8}"/>
+              </a:ext>
+            </a:extLst>
+          </p:cNvPr>
+          <p:cNvPicPr>
+            <a:picLocks noChangeAspect="1"/>
+          </p:cNvPicPr>
+          <p:nvPr/>
+        </p:nvPicPr>
+        <p:blipFill>
+          <a:blip r:embed="rId3">
+            <a:extLst>
+              <a:ext uri="{28A0092B-C50C-407E-A947-70E740481C1C}">
+                <a14:useLocalDpi xmlns:a14="http://schemas.microsoft.com/office/drawing/2010/main" val="0"/>
+              </a:ext>
+            </a:extLst>
+          </a:blip>
+          <a:stretch>
+            <a:fillRect/>
+          </a:stretch>
+        </p:blipFill>
+        <p:spPr>
+          <a:xfrm>
+            <a:off x="7812708" y="2006804"/>
+            <a:ext cx="3117874" cy="3388994"/>
+          </a:xfrm>
+          <a:prstGeom prst="rect">
+            <a:avLst/>
+          </a:prstGeom>
+        </p:spPr>
+      </p:pic>
+      <p:pic>
+        <p:nvPicPr>
+          <p:cNvPr id="4" name="Picture 3">
+            <a:extLst>
+              <a:ext uri="{FF2B5EF4-FFF2-40B4-BE49-F238E27FC236}">
+                <a16:creationId xmlns:a16="http://schemas.microsoft.com/office/drawing/2014/main" id="{F362F1D6-7361-45ED-A0DD-493DB8E7B56B}"/>
+              </a:ext>
+            </a:extLst>
+          </p:cNvPr>
+          <p:cNvPicPr>
+            <a:picLocks noChangeAspect="1"/>
+          </p:cNvPicPr>
+          <p:nvPr/>
+        </p:nvPicPr>
+        <p:blipFill>
+          <a:blip r:embed="rId4">
+            <a:extLst>
+              <a:ext uri="{28A0092B-C50C-407E-A947-70E740481C1C}">
+                <a14:useLocalDpi xmlns:a14="http://schemas.microsoft.com/office/drawing/2010/main" val="0"/>
+              </a:ext>
+            </a:extLst>
+          </a:blip>
+          <a:stretch>
+            <a:fillRect/>
+          </a:stretch>
+        </p:blipFill>
+        <p:spPr>
+          <a:xfrm>
+            <a:off x="7812708" y="5514993"/>
+            <a:ext cx="2914650" cy="923925"/>
+          </a:xfrm>
+          <a:prstGeom prst="rect">
+            <a:avLst/>
+          </a:prstGeom>
+        </p:spPr>
+      </p:pic>
+    </p:spTree>
+    <p:extLst>
+      <p:ext uri="{BB962C8B-B14F-4D97-AF65-F5344CB8AC3E}">
+        <p14:creationId xmlns:p14="http://schemas.microsoft.com/office/powerpoint/2010/main" val="1748941956"/>
+      </p:ext>
+    </p:extLst>
+  </p:cSld>
+  <p:clrMapOvr>
+    <a:masterClrMapping/>
+  </p:clrMapOvr>
+</p:sld>
+</file>
+
+<file path=ppt/slides/slide27.xml><?xml version="1.0" encoding="utf-8"?>
+<p:sld xmlns:a="http://schemas.openxmlformats.org/drawingml/2006/main" xmlns:r="http://schemas.openxmlformats.org/officeDocument/2006/relationships" xmlns:p="http://schemas.openxmlformats.org/presentationml/2006/main">
+  <p:cSld>
+    <p:spTree>
+      <p:nvGrpSpPr>
+        <p:cNvPr id="1" name=""/>
+        <p:cNvGrpSpPr/>
+        <p:nvPr/>
+      </p:nvGrpSpPr>
+      <p:grpSpPr>
+        <a:xfrm>
+          <a:off x="0" y="0"/>
+          <a:ext cx="0" cy="0"/>
+          <a:chOff x="0" y="0"/>
+          <a:chExt cx="0" cy="0"/>
+        </a:xfrm>
+      </p:grpSpPr>
+      <p:sp>
+        <p:nvSpPr>
+          <p:cNvPr id="3" name="Content Placeholder 2">
+            <a:extLst>
+              <a:ext uri="{FF2B5EF4-FFF2-40B4-BE49-F238E27FC236}">
+                <a16:creationId xmlns:a16="http://schemas.microsoft.com/office/drawing/2014/main" id="{93028AF7-F999-4461-AED6-F7C7F016C838}"/>
+              </a:ext>
+            </a:extLst>
+          </p:cNvPr>
+          <p:cNvSpPr>
+            <a:spLocks noGrp="1"/>
+          </p:cNvSpPr>
+          <p:nvPr>
+            <p:ph idx="1"/>
+          </p:nvPr>
+        </p:nvSpPr>
+        <p:spPr>
+          <a:xfrm>
+            <a:off x="838200" y="427838"/>
+            <a:ext cx="10515600" cy="5956183"/>
+          </a:xfrm>
+        </p:spPr>
+        <p:txBody>
+          <a:bodyPr/>
+          <a:lstStyle/>
+          <a:p>
+            <a:r>
+              <a:rPr lang="sr-Latn-RS" dirty="0"/>
+              <a:t>Da bi direktiva mogla da manipuliše sa DOM-om moramo da dodamo novu opciju </a:t>
+            </a:r>
+            <a:r>
+              <a:rPr lang="sr-Latn-RS" b="1" dirty="0"/>
+              <a:t>link</a:t>
+            </a:r>
+            <a:r>
+              <a:rPr lang="en-US" dirty="0"/>
+              <a:t>, </a:t>
+            </a:r>
+            <a:r>
+              <a:rPr lang="en-US" dirty="0" err="1"/>
+              <a:t>oblika</a:t>
+            </a:r>
+            <a:r>
+              <a:rPr lang="en-US" dirty="0"/>
+              <a:t>,</a:t>
+            </a:r>
+            <a:r>
+              <a:rPr lang="en-US" b="1" dirty="0"/>
+              <a:t> link: function() {}</a:t>
+            </a:r>
+            <a:r>
+              <a:rPr lang="sr-Latn-RS" b="1" dirty="0"/>
+              <a:t>.</a:t>
+            </a:r>
+          </a:p>
+          <a:p>
+            <a:r>
+              <a:rPr lang="sr-Latn-RS" dirty="0"/>
+              <a:t>Link je funkcija koja prima sledece paramet</a:t>
+            </a:r>
+            <a:r>
+              <a:rPr lang="en-US" dirty="0"/>
+              <a:t>re:</a:t>
+            </a:r>
+          </a:p>
+          <a:p>
+            <a:pPr lvl="1"/>
+            <a:r>
+              <a:rPr lang="en-US" dirty="0"/>
+              <a:t>Scope – AngularJS scope </a:t>
+            </a:r>
+            <a:r>
+              <a:rPr lang="en-US" dirty="0" err="1"/>
+              <a:t>objekat</a:t>
+            </a:r>
+            <a:endParaRPr lang="en-US" dirty="0"/>
+          </a:p>
+          <a:p>
+            <a:pPr lvl="1"/>
+            <a:r>
+              <a:rPr lang="en-US" dirty="0"/>
+              <a:t>Element – html element </a:t>
+            </a:r>
+          </a:p>
+          <a:p>
+            <a:pPr lvl="1"/>
+            <a:r>
+              <a:rPr lang="en-US" dirty="0" err="1"/>
+              <a:t>Attrs</a:t>
+            </a:r>
+            <a:r>
+              <a:rPr lang="en-US" dirty="0"/>
+              <a:t> – </a:t>
+            </a:r>
+            <a:r>
+              <a:rPr lang="en-US" dirty="0" err="1"/>
+              <a:t>atribut</a:t>
+            </a:r>
+            <a:r>
+              <a:rPr lang="en-US" dirty="0"/>
+              <a:t> </a:t>
+            </a:r>
+            <a:r>
+              <a:rPr lang="en-US" dirty="0" err="1"/>
+              <a:t>koji</a:t>
+            </a:r>
+            <a:r>
+              <a:rPr lang="en-US" dirty="0"/>
+              <a:t> je </a:t>
+            </a:r>
+            <a:r>
+              <a:rPr lang="en-US" dirty="0" err="1"/>
+              <a:t>dodat</a:t>
+            </a:r>
+            <a:r>
+              <a:rPr lang="en-US" dirty="0"/>
+              <a:t> </a:t>
+            </a:r>
+            <a:r>
+              <a:rPr lang="en-US" dirty="0" err="1"/>
+              <a:t>na</a:t>
+            </a:r>
+            <a:r>
+              <a:rPr lang="en-US" dirty="0"/>
+              <a:t> </a:t>
+            </a:r>
+            <a:r>
+              <a:rPr lang="en-US" dirty="0" err="1"/>
+              <a:t>direktivu</a:t>
+            </a:r>
+            <a:r>
+              <a:rPr lang="en-US" dirty="0"/>
+              <a:t> u </a:t>
+            </a:r>
+            <a:r>
+              <a:rPr lang="en-US" dirty="0" err="1"/>
+              <a:t>obliku</a:t>
+            </a:r>
+            <a:r>
+              <a:rPr lang="en-US" dirty="0"/>
+              <a:t> </a:t>
+            </a:r>
+            <a:r>
+              <a:rPr lang="en-US" b="1" dirty="0"/>
+              <a:t>key – value.</a:t>
+            </a:r>
+            <a:endParaRPr lang="en-US" dirty="0"/>
+          </a:p>
+          <a:p>
+            <a:pPr lvl="1"/>
+            <a:r>
+              <a:rPr lang="en-US" dirty="0"/>
+              <a:t>Controller – </a:t>
+            </a:r>
+            <a:r>
+              <a:rPr lang="en-US" dirty="0" err="1"/>
+              <a:t>koji</a:t>
+            </a:r>
+            <a:r>
+              <a:rPr lang="en-US" dirty="0"/>
+              <a:t> </a:t>
+            </a:r>
+            <a:r>
+              <a:rPr lang="en-US" dirty="0" err="1"/>
+              <a:t>kontroler</a:t>
+            </a:r>
+            <a:r>
+              <a:rPr lang="en-US" dirty="0"/>
+              <a:t> se </a:t>
+            </a:r>
+            <a:r>
+              <a:rPr lang="en-US" dirty="0" err="1"/>
+              <a:t>koristi</a:t>
+            </a:r>
+            <a:endParaRPr lang="en-US" dirty="0"/>
+          </a:p>
+          <a:p>
+            <a:pPr lvl="1"/>
+            <a:r>
+              <a:rPr lang="en-US" dirty="0" err="1"/>
+              <a:t>transcludeFN</a:t>
+            </a:r>
+            <a:r>
+              <a:rPr lang="en-US" dirty="0"/>
+              <a:t> – da li se </a:t>
+            </a:r>
+            <a:r>
+              <a:rPr lang="en-US" dirty="0" err="1"/>
+              <a:t>koristi</a:t>
+            </a:r>
+            <a:r>
+              <a:rPr lang="en-US" dirty="0"/>
+              <a:t> </a:t>
+            </a:r>
+            <a:r>
+              <a:rPr lang="en-US" b="1" dirty="0" err="1"/>
+              <a:t>transclude</a:t>
+            </a:r>
+            <a:r>
+              <a:rPr lang="en-US" b="1" dirty="0"/>
+              <a:t>.</a:t>
+            </a:r>
+          </a:p>
+          <a:p>
+            <a:r>
+              <a:rPr lang="en-US" dirty="0" err="1"/>
+              <a:t>Transclude</a:t>
+            </a:r>
+            <a:r>
+              <a:rPr lang="en-US" dirty="0"/>
+              <a:t> se </a:t>
+            </a:r>
+            <a:r>
+              <a:rPr lang="en-US" dirty="0" err="1"/>
+              <a:t>koristi</a:t>
+            </a:r>
+            <a:r>
+              <a:rPr lang="en-US" dirty="0"/>
+              <a:t> </a:t>
+            </a:r>
+            <a:r>
+              <a:rPr lang="en-US" dirty="0" err="1"/>
+              <a:t>kada</a:t>
+            </a:r>
+            <a:r>
+              <a:rPr lang="en-US" dirty="0"/>
+              <a:t> se </a:t>
+            </a:r>
+            <a:r>
+              <a:rPr lang="en-US" dirty="0" err="1"/>
+              <a:t>sa</a:t>
+            </a:r>
+            <a:r>
+              <a:rPr lang="en-US" dirty="0"/>
+              <a:t> </a:t>
+            </a:r>
+            <a:r>
+              <a:rPr lang="en-US" dirty="0" err="1"/>
+              <a:t>direktivom</a:t>
+            </a:r>
+            <a:r>
+              <a:rPr lang="en-US" dirty="0"/>
+              <a:t> </a:t>
+            </a:r>
+            <a:r>
+              <a:rPr lang="en-US" b="1" dirty="0"/>
+              <a:t>wrap</a:t>
+            </a:r>
+            <a:r>
+              <a:rPr lang="en-US" dirty="0"/>
+              <a:t>-</a:t>
+            </a:r>
+            <a:r>
+              <a:rPr lang="en-US" dirty="0" err="1"/>
+              <a:t>uje</a:t>
+            </a:r>
+            <a:r>
+              <a:rPr lang="en-US" dirty="0"/>
+              <a:t> </a:t>
+            </a:r>
+            <a:r>
+              <a:rPr lang="en-US" dirty="0" err="1"/>
+              <a:t>neki</a:t>
+            </a:r>
+            <a:r>
+              <a:rPr lang="en-US" dirty="0"/>
+              <a:t> deo html-a.</a:t>
+            </a:r>
+          </a:p>
+          <a:p>
+            <a:r>
+              <a:rPr lang="en-US" dirty="0"/>
+              <a:t>Na </a:t>
+            </a:r>
+            <a:r>
+              <a:rPr lang="en-US" dirty="0" err="1"/>
+              <a:t>slede</a:t>
+            </a:r>
+            <a:r>
+              <a:rPr lang="sr-Latn-RS" dirty="0"/>
+              <a:t>ćem primeru ćemo videti kako se direktivama prosleđuju funkcije i korišćenje transclud-a</a:t>
+            </a:r>
+            <a:r>
+              <a:rPr lang="en-US" dirty="0"/>
+              <a:t> za </a:t>
+            </a:r>
+            <a:r>
+              <a:rPr lang="en-US" dirty="0" err="1"/>
+              <a:t>prikazivanje</a:t>
+            </a:r>
+            <a:r>
+              <a:rPr lang="en-US" dirty="0"/>
+              <a:t> html-a</a:t>
+            </a:r>
+            <a:endParaRPr lang="en-GB" dirty="0"/>
+          </a:p>
+        </p:txBody>
+      </p:sp>
+    </p:spTree>
+    <p:extLst>
+      <p:ext uri="{BB962C8B-B14F-4D97-AF65-F5344CB8AC3E}">
+        <p14:creationId xmlns:p14="http://schemas.microsoft.com/office/powerpoint/2010/main" val="2290262103"/>
+      </p:ext>
+    </p:extLst>
+  </p:cSld>
+  <p:clrMapOvr>
+    <a:masterClrMapping/>
+  </p:clrMapOvr>
+</p:sld>
+</file>
+
+<file path=ppt/slides/slide28.xml><?xml version="1.0" encoding="utf-8"?>
+<p:sld xmlns:a="http://schemas.openxmlformats.org/drawingml/2006/main" xmlns:r="http://schemas.openxmlformats.org/officeDocument/2006/relationships" xmlns:p="http://schemas.openxmlformats.org/presentationml/2006/main">
+  <p:cSld>
+    <p:bg>
+      <p:bgPr>
+        <a:solidFill>
+          <a:schemeClr val="bg1"/>
+        </a:solidFill>
+        <a:effectLst/>
+      </p:bgPr>
+    </p:bg>
+    <p:spTree>
+      <p:nvGrpSpPr>
+        <p:cNvPr id="1" name=""/>
+        <p:cNvGrpSpPr/>
+        <p:nvPr/>
+      </p:nvGrpSpPr>
+      <p:grpSpPr>
+        <a:xfrm>
+          <a:off x="0" y="0"/>
+          <a:ext cx="0" cy="0"/>
+          <a:chOff x="0" y="0"/>
+          <a:chExt cx="0" cy="0"/>
+        </a:xfrm>
+      </p:grpSpPr>
+      <p:sp>
+        <p:nvSpPr>
+          <p:cNvPr id="32" name="Rectangle 31">
+            <a:extLst>
+              <a:ext uri="{FF2B5EF4-FFF2-40B4-BE49-F238E27FC236}">
+                <a16:creationId xmlns:a16="http://schemas.microsoft.com/office/drawing/2014/main" id="{E02F3C71-C981-4614-98EA-D6C494F8091E}"/>
+              </a:ext>
+              <a:ext uri="{C183D7F6-B498-43B3-948B-1728B52AA6E4}">
+                <adec:decorative xmlns:adec="http://schemas.microsoft.com/office/drawing/2017/decorative" val="1"/>
+              </a:ext>
+            </a:extLst>
+          </p:cNvPr>
+          <p:cNvSpPr>
+            <a:spLocks noGrp="1" noRot="1" noChangeAspect="1" noMove="1" noResize="1" noEditPoints="1" noAdjustHandles="1" noChangeArrowheads="1" noChangeShapeType="1" noTextEdit="1"/>
+          </p:cNvSpPr>
+          <p:nvPr>
+            <p:extLst>
+              <p:ext uri="{386F3935-93C4-4BCD-93E2-E3B085C9AB24}">
+                <p16:designElem xmlns:p16="http://schemas.microsoft.com/office/powerpoint/2015/main" val="1"/>
+              </p:ext>
+            </p:extLst>
+          </p:nvPr>
+        </p:nvSpPr>
+        <p:spPr bwMode="ltGray">
+          <a:xfrm>
+            <a:off x="336883" y="321176"/>
+            <a:ext cx="7174247" cy="5896743"/>
+          </a:xfrm>
+          <a:prstGeom prst="rect">
+            <a:avLst/>
+          </a:prstGeom>
+          <a:solidFill>
+            <a:schemeClr val="tx1">
+              <a:alpha val="15000"/>
+            </a:schemeClr>
+          </a:solidFill>
+          <a:ln w="127000" cap="sq" cmpd="thinThick">
+            <a:solidFill>
+              <a:schemeClr val="tx1">
+                <a:alpha val="10000"/>
+              </a:schemeClr>
+            </a:solidFill>
+          </a:ln>
+        </p:spPr>
+        <p:style>
+          <a:lnRef idx="2">
+            <a:schemeClr val="accent1">
+              <a:shade val="50000"/>
+            </a:schemeClr>
+          </a:lnRef>
+          <a:fillRef idx="1">
+            <a:schemeClr val="accent1"/>
+          </a:fillRef>
+          <a:effectRef idx="0">
+            <a:schemeClr val="accent1"/>
+          </a:effectRef>
+          <a:fontRef idx="minor">
+            <a:schemeClr val="lt1"/>
+          </a:fontRef>
+        </p:style>
+        <p:txBody>
+          <a:bodyPr rtlCol="0" anchor="ctr"/>
+          <a:lstStyle/>
+          <a:p>
+            <a:pPr algn="ctr"/>
+            <a:endParaRPr lang="en-US"/>
+          </a:p>
+        </p:txBody>
+      </p:sp>
+      <p:sp>
+        <p:nvSpPr>
+          <p:cNvPr id="3" name="Content Placeholder 2">
+            <a:extLst>
+              <a:ext uri="{FF2B5EF4-FFF2-40B4-BE49-F238E27FC236}">
+                <a16:creationId xmlns:a16="http://schemas.microsoft.com/office/drawing/2014/main" id="{9E328396-9939-48C3-AD79-A7C04B362919}"/>
+              </a:ext>
+            </a:extLst>
+          </p:cNvPr>
+          <p:cNvSpPr>
+            <a:spLocks noGrp="1"/>
+          </p:cNvSpPr>
+          <p:nvPr>
+            <p:ph idx="1"/>
+          </p:nvPr>
+        </p:nvSpPr>
+        <p:spPr>
+          <a:xfrm>
+            <a:off x="821515" y="640081"/>
+            <a:ext cx="6204984" cy="5232213"/>
+          </a:xfrm>
+        </p:spPr>
+        <p:txBody>
+          <a:bodyPr>
+            <a:normAutofit/>
+          </a:bodyPr>
+          <a:lstStyle/>
+          <a:p>
+            <a:pPr marL="285750" indent="-285750"/>
+            <a:r>
+              <a:rPr lang="en-US" sz="2000" dirty="0"/>
+              <a:t>Na </a:t>
+            </a:r>
+            <a:r>
+              <a:rPr lang="en-US" sz="2000" dirty="0" err="1"/>
+              <a:t>ovom</a:t>
+            </a:r>
+            <a:r>
+              <a:rPr lang="en-US" sz="2000" dirty="0"/>
+              <a:t> </a:t>
+            </a:r>
+            <a:r>
+              <a:rPr lang="en-US" sz="2000" dirty="0" err="1"/>
+              <a:t>primeru</a:t>
+            </a:r>
+            <a:r>
+              <a:rPr lang="en-US" sz="2000" dirty="0"/>
+              <a:t> </a:t>
+            </a:r>
+            <a:r>
+              <a:rPr lang="en-US" sz="2000" dirty="0" err="1"/>
+              <a:t>mozemo</a:t>
+            </a:r>
+            <a:r>
+              <a:rPr lang="en-US" sz="2000" dirty="0"/>
+              <a:t> da </a:t>
+            </a:r>
+            <a:r>
+              <a:rPr lang="en-US" sz="2000" dirty="0" err="1"/>
+              <a:t>vidimo</a:t>
+            </a:r>
+            <a:r>
+              <a:rPr lang="en-US" sz="2000" dirty="0"/>
+              <a:t> </a:t>
+            </a:r>
+            <a:r>
+              <a:rPr lang="en-US" sz="2000" dirty="0" err="1"/>
+              <a:t>kreiranje</a:t>
+            </a:r>
+            <a:r>
+              <a:rPr lang="en-US" sz="2000" dirty="0"/>
+              <a:t> </a:t>
+            </a:r>
+            <a:r>
+              <a:rPr lang="en-US" sz="2000" dirty="0" err="1"/>
+              <a:t>funkcije</a:t>
+            </a:r>
+            <a:r>
+              <a:rPr lang="sr-Latn-RS" sz="2000" dirty="0"/>
+              <a:t> </a:t>
+            </a:r>
+            <a:r>
+              <a:rPr lang="sr-Latn-RS" sz="2000" b="1" dirty="0"/>
+              <a:t>send()</a:t>
+            </a:r>
+            <a:r>
+              <a:rPr lang="en-US" sz="2000" b="1" dirty="0"/>
+              <a:t> </a:t>
+            </a:r>
+            <a:r>
+              <a:rPr lang="en-US" sz="2000" dirty="0"/>
+              <a:t>u </a:t>
+            </a:r>
+            <a:r>
+              <a:rPr lang="en-US" sz="2000" dirty="0" err="1"/>
+              <a:t>kontroleru</a:t>
+            </a:r>
+            <a:r>
+              <a:rPr lang="en-US" sz="2000" dirty="0"/>
+              <a:t> </a:t>
+            </a:r>
+            <a:r>
+              <a:rPr lang="en-US" sz="2000" dirty="0" err="1"/>
+              <a:t>i</a:t>
+            </a:r>
+            <a:r>
+              <a:rPr lang="sr-Latn-RS" sz="2000" dirty="0"/>
+              <a:t> pozivanje iste iz direktive. </a:t>
+            </a:r>
+          </a:p>
+          <a:p>
+            <a:pPr marL="285750" indent="-285750"/>
+            <a:r>
+              <a:rPr lang="sr-Latn-RS" sz="2000" dirty="0"/>
+              <a:t>Dodali smo u </a:t>
+            </a:r>
+            <a:r>
+              <a:rPr lang="sr-Latn-RS" sz="2000" b="1" dirty="0"/>
+              <a:t>scope </a:t>
+            </a:r>
+            <a:r>
+              <a:rPr lang="sr-Latn-RS" sz="2000" dirty="0"/>
+              <a:t>objekat u direktivi poziv funkcije i prosledili sa znakom </a:t>
+            </a:r>
+            <a:r>
+              <a:rPr lang="en-US" sz="2000" b="1" dirty="0"/>
+              <a:t>&amp;</a:t>
+            </a:r>
+            <a:r>
+              <a:rPr lang="sr-Latn-RS" sz="2000" b="1" dirty="0"/>
+              <a:t>onSend </a:t>
+            </a:r>
+            <a:r>
+              <a:rPr lang="en-US" sz="2000" dirty="0" err="1"/>
+              <a:t>sli</a:t>
+            </a:r>
+            <a:r>
+              <a:rPr lang="sr-Latn-RS" sz="2000" dirty="0"/>
+              <a:t>čno kao što ste radili u komponentama.</a:t>
+            </a:r>
+          </a:p>
+          <a:p>
+            <a:pPr marL="285750" indent="-285750"/>
+            <a:r>
+              <a:rPr lang="sr-Latn-RS" sz="2000" dirty="0"/>
+              <a:t>Dodali smo </a:t>
+            </a:r>
+            <a:r>
+              <a:rPr lang="sr-Latn-RS" sz="2000" b="1" dirty="0"/>
+              <a:t>transclude</a:t>
+            </a:r>
+            <a:r>
+              <a:rPr lang="en-US" sz="2000" b="1" dirty="0"/>
+              <a:t>: </a:t>
+            </a:r>
+            <a:r>
+              <a:rPr lang="sr-Latn-RS" sz="2000" b="1" dirty="0"/>
+              <a:t>true</a:t>
+            </a:r>
+          </a:p>
+          <a:p>
+            <a:pPr marL="285750" indent="-285750"/>
+            <a:r>
+              <a:rPr lang="sr-Latn-RS" sz="2000" dirty="0"/>
+              <a:t>U template-u od direktive je kreirano dugme koje poziva funkciju iz kontrolera i prosleđuje vrednost kao parametar funkcije.</a:t>
+            </a:r>
+          </a:p>
+          <a:p>
+            <a:pPr marL="285750" indent="-285750"/>
+            <a:r>
+              <a:rPr lang="sr-Latn-RS" sz="2000" dirty="0"/>
+              <a:t>Dodat je div sa direktivom ngTransclude koji će da </a:t>
+            </a:r>
+            <a:r>
+              <a:rPr lang="sr-Latn-RS" sz="2000" b="1" dirty="0"/>
+              <a:t>wrapu</a:t>
+            </a:r>
+            <a:r>
+              <a:rPr lang="sr-Latn-RS" sz="2000" dirty="0"/>
+              <a:t>-uje tekst iz HTML-a (Koristim funkciju iz kontrolera, </a:t>
+            </a:r>
+            <a:r>
+              <a:rPr lang="en-US" sz="2000" dirty="0"/>
+              <a:t>{{</a:t>
+            </a:r>
+            <a:r>
+              <a:rPr lang="en-US" sz="2000" dirty="0" err="1"/>
+              <a:t>contro</a:t>
+            </a:r>
+            <a:r>
+              <a:rPr lang="en-US" sz="2000" dirty="0"/>
+              <a:t>}}!</a:t>
+            </a:r>
+            <a:r>
+              <a:rPr lang="sr-Latn-RS" sz="2000" dirty="0"/>
+              <a:t>). </a:t>
+            </a:r>
+          </a:p>
+          <a:p>
+            <a:pPr marL="285750" indent="-285750"/>
+            <a:endParaRPr lang="sr-Latn-RS" sz="2000" b="1" dirty="0"/>
+          </a:p>
+        </p:txBody>
+      </p:sp>
+      <p:pic>
+        <p:nvPicPr>
+          <p:cNvPr id="8" name="Picture 7">
+            <a:extLst>
+              <a:ext uri="{FF2B5EF4-FFF2-40B4-BE49-F238E27FC236}">
+                <a16:creationId xmlns:a16="http://schemas.microsoft.com/office/drawing/2014/main" id="{BA45792D-A565-4363-A901-80486E56A51E}"/>
+              </a:ext>
+            </a:extLst>
+          </p:cNvPr>
+          <p:cNvPicPr>
+            <a:picLocks noChangeAspect="1"/>
+          </p:cNvPicPr>
+          <p:nvPr/>
+        </p:nvPicPr>
+        <p:blipFill>
+          <a:blip r:embed="rId2">
+            <a:extLst>
+              <a:ext uri="{28A0092B-C50C-407E-A947-70E740481C1C}">
+                <a14:useLocalDpi xmlns:a14="http://schemas.microsoft.com/office/drawing/2010/main" val="0"/>
+              </a:ext>
+            </a:extLst>
+          </a:blip>
+          <a:stretch>
+            <a:fillRect/>
+          </a:stretch>
+        </p:blipFill>
+        <p:spPr>
+          <a:xfrm>
+            <a:off x="7677250" y="1778885"/>
+            <a:ext cx="4248150" cy="3486150"/>
+          </a:xfrm>
+          <a:prstGeom prst="rect">
+            <a:avLst/>
+          </a:prstGeom>
+        </p:spPr>
+      </p:pic>
+      <p:pic>
+        <p:nvPicPr>
+          <p:cNvPr id="10" name="Picture 9">
+            <a:extLst>
+              <a:ext uri="{FF2B5EF4-FFF2-40B4-BE49-F238E27FC236}">
+                <a16:creationId xmlns:a16="http://schemas.microsoft.com/office/drawing/2014/main" id="{434AC7A1-0B0F-4346-93F9-516FD6AD498A}"/>
+              </a:ext>
+            </a:extLst>
+          </p:cNvPr>
+          <p:cNvPicPr>
+            <a:picLocks noChangeAspect="1"/>
+          </p:cNvPicPr>
+          <p:nvPr/>
+        </p:nvPicPr>
+        <p:blipFill>
+          <a:blip r:embed="rId3">
+            <a:extLst>
+              <a:ext uri="{28A0092B-C50C-407E-A947-70E740481C1C}">
+                <a14:useLocalDpi xmlns:a14="http://schemas.microsoft.com/office/drawing/2010/main" val="0"/>
+              </a:ext>
+            </a:extLst>
+          </a:blip>
+          <a:stretch>
+            <a:fillRect/>
+          </a:stretch>
+        </p:blipFill>
+        <p:spPr>
+          <a:xfrm>
+            <a:off x="7677250" y="321176"/>
+            <a:ext cx="3848100" cy="1095375"/>
+          </a:xfrm>
+          <a:prstGeom prst="rect">
+            <a:avLst/>
+          </a:prstGeom>
+        </p:spPr>
+      </p:pic>
+      <p:pic>
+        <p:nvPicPr>
+          <p:cNvPr id="11" name="Picture 10">
+            <a:extLst>
+              <a:ext uri="{FF2B5EF4-FFF2-40B4-BE49-F238E27FC236}">
+                <a16:creationId xmlns:a16="http://schemas.microsoft.com/office/drawing/2014/main" id="{7E6ACE4C-14D8-4817-8128-86808B86AD8D}"/>
+              </a:ext>
+            </a:extLst>
+          </p:cNvPr>
+          <p:cNvPicPr>
+            <a:picLocks noChangeAspect="1"/>
+          </p:cNvPicPr>
+          <p:nvPr/>
+        </p:nvPicPr>
+        <p:blipFill>
+          <a:blip r:embed="rId4">
+            <a:extLst>
+              <a:ext uri="{28A0092B-C50C-407E-A947-70E740481C1C}">
+                <a14:useLocalDpi xmlns:a14="http://schemas.microsoft.com/office/drawing/2010/main" val="0"/>
+              </a:ext>
+            </a:extLst>
+          </a:blip>
+          <a:stretch>
+            <a:fillRect/>
+          </a:stretch>
+        </p:blipFill>
+        <p:spPr>
+          <a:xfrm>
+            <a:off x="7677250" y="5627369"/>
+            <a:ext cx="4248150" cy="590550"/>
+          </a:xfrm>
+          <a:prstGeom prst="rect">
+            <a:avLst/>
+          </a:prstGeom>
+        </p:spPr>
+      </p:pic>
+    </p:spTree>
+    <p:extLst>
+      <p:ext uri="{BB962C8B-B14F-4D97-AF65-F5344CB8AC3E}">
+        <p14:creationId xmlns:p14="http://schemas.microsoft.com/office/powerpoint/2010/main" val="4089648471"/>
+      </p:ext>
+    </p:extLst>
+  </p:cSld>
+  <p:clrMapOvr>
+    <a:masterClrMapping/>
+  </p:clrMapOvr>
+</p:sld>
+</file>
+
+<file path=ppt/slides/slide29.xml><?xml version="1.0" encoding="utf-8"?>
+<p:sld xmlns:a="http://schemas.openxmlformats.org/drawingml/2006/main" xmlns:r="http://schemas.openxmlformats.org/officeDocument/2006/relationships" xmlns:p="http://schemas.openxmlformats.org/presentationml/2006/main">
+  <p:cSld>
+    <p:bg>
+      <p:bgPr>
+        <a:solidFill>
+          <a:schemeClr val="bg1"/>
+        </a:solidFill>
+        <a:effectLst/>
+      </p:bgPr>
+    </p:bg>
+    <p:spTree>
+      <p:nvGrpSpPr>
+        <p:cNvPr id="1" name=""/>
+        <p:cNvGrpSpPr/>
+        <p:nvPr/>
+      </p:nvGrpSpPr>
+      <p:grpSpPr>
+        <a:xfrm>
+          <a:off x="0" y="0"/>
+          <a:ext cx="0" cy="0"/>
+          <a:chOff x="0" y="0"/>
+          <a:chExt cx="0" cy="0"/>
+        </a:xfrm>
+      </p:grpSpPr>
+      <p:sp>
+        <p:nvSpPr>
+          <p:cNvPr id="32" name="Rectangle 31">
+            <a:extLst>
+              <a:ext uri="{FF2B5EF4-FFF2-40B4-BE49-F238E27FC236}">
+                <a16:creationId xmlns:a16="http://schemas.microsoft.com/office/drawing/2014/main" id="{E02F3C71-C981-4614-98EA-D6C494F8091E}"/>
+              </a:ext>
+              <a:ext uri="{C183D7F6-B498-43B3-948B-1728B52AA6E4}">
+                <adec:decorative xmlns:adec="http://schemas.microsoft.com/office/drawing/2017/decorative" val="1"/>
+              </a:ext>
+            </a:extLst>
+          </p:cNvPr>
+          <p:cNvSpPr>
+            <a:spLocks noGrp="1" noRot="1" noChangeAspect="1" noMove="1" noResize="1" noEditPoints="1" noAdjustHandles="1" noChangeArrowheads="1" noChangeShapeType="1" noTextEdit="1"/>
+          </p:cNvSpPr>
+          <p:nvPr>
+            <p:extLst>
+              <p:ext uri="{386F3935-93C4-4BCD-93E2-E3B085C9AB24}">
+                <p16:designElem xmlns:p16="http://schemas.microsoft.com/office/powerpoint/2015/main" val="1"/>
+              </p:ext>
+            </p:extLst>
+          </p:nvPr>
+        </p:nvSpPr>
+        <p:spPr bwMode="ltGray">
+          <a:xfrm>
+            <a:off x="336883" y="321176"/>
+            <a:ext cx="7174247" cy="5896743"/>
+          </a:xfrm>
+          <a:prstGeom prst="rect">
+            <a:avLst/>
+          </a:prstGeom>
+          <a:solidFill>
+            <a:schemeClr val="tx1">
+              <a:alpha val="15000"/>
+            </a:schemeClr>
+          </a:solidFill>
+          <a:ln w="127000" cap="sq" cmpd="thinThick">
+            <a:solidFill>
+              <a:schemeClr val="tx1">
+                <a:alpha val="10000"/>
+              </a:schemeClr>
+            </a:solidFill>
+          </a:ln>
+        </p:spPr>
+        <p:style>
+          <a:lnRef idx="2">
+            <a:schemeClr val="accent1">
+              <a:shade val="50000"/>
+            </a:schemeClr>
+          </a:lnRef>
+          <a:fillRef idx="1">
+            <a:schemeClr val="accent1"/>
+          </a:fillRef>
+          <a:effectRef idx="0">
+            <a:schemeClr val="accent1"/>
+          </a:effectRef>
+          <a:fontRef idx="minor">
+            <a:schemeClr val="lt1"/>
+          </a:fontRef>
+        </p:style>
+        <p:txBody>
+          <a:bodyPr rtlCol="0" anchor="ctr"/>
+          <a:lstStyle/>
+          <a:p>
+            <a:pPr algn="ctr"/>
+            <a:endParaRPr lang="en-US"/>
+          </a:p>
+        </p:txBody>
+      </p:sp>
+      <p:sp>
+        <p:nvSpPr>
+          <p:cNvPr id="3" name="Content Placeholder 2">
+            <a:extLst>
+              <a:ext uri="{FF2B5EF4-FFF2-40B4-BE49-F238E27FC236}">
+                <a16:creationId xmlns:a16="http://schemas.microsoft.com/office/drawing/2014/main" id="{9E328396-9939-48C3-AD79-A7C04B362919}"/>
+              </a:ext>
+            </a:extLst>
+          </p:cNvPr>
+          <p:cNvSpPr>
+            <a:spLocks noGrp="1"/>
+          </p:cNvSpPr>
+          <p:nvPr>
+            <p:ph idx="1"/>
+          </p:nvPr>
+        </p:nvSpPr>
+        <p:spPr>
+          <a:xfrm>
+            <a:off x="821515" y="640081"/>
+            <a:ext cx="6204984" cy="5232213"/>
+          </a:xfrm>
+        </p:spPr>
+        <p:txBody>
+          <a:bodyPr>
+            <a:normAutofit lnSpcReduction="10000"/>
+          </a:bodyPr>
+          <a:lstStyle/>
+          <a:p>
+            <a:pPr marL="285750" indent="-285750"/>
+            <a:r>
+              <a:rPr lang="en-US" sz="2000" dirty="0"/>
+              <a:t>Na </a:t>
+            </a:r>
+            <a:r>
+              <a:rPr lang="en-US" sz="2000" dirty="0" err="1"/>
+              <a:t>ovom</a:t>
+            </a:r>
+            <a:r>
+              <a:rPr lang="en-US" sz="2000" dirty="0"/>
+              <a:t> </a:t>
+            </a:r>
+            <a:r>
+              <a:rPr lang="en-US" sz="2000" dirty="0" err="1"/>
+              <a:t>primeru</a:t>
+            </a:r>
+            <a:r>
+              <a:rPr lang="en-US" sz="2000" dirty="0"/>
+              <a:t> </a:t>
+            </a:r>
+            <a:r>
+              <a:rPr lang="en-US" sz="2000" dirty="0" err="1"/>
+              <a:t>mozemo</a:t>
+            </a:r>
+            <a:r>
+              <a:rPr lang="en-US" sz="2000" dirty="0"/>
+              <a:t> da </a:t>
+            </a:r>
+            <a:r>
+              <a:rPr lang="en-US" sz="2000" dirty="0" err="1"/>
+              <a:t>vidimo</a:t>
+            </a:r>
+            <a:r>
+              <a:rPr lang="en-US" sz="2000" dirty="0"/>
+              <a:t> </a:t>
+            </a:r>
+            <a:r>
+              <a:rPr lang="en-US" sz="2000" dirty="0" err="1"/>
+              <a:t>dve</a:t>
+            </a:r>
+            <a:r>
+              <a:rPr lang="en-US" sz="2000" dirty="0"/>
+              <a:t> </a:t>
+            </a:r>
+            <a:r>
+              <a:rPr lang="en-US" sz="2000" dirty="0" err="1"/>
+              <a:t>direktive</a:t>
+            </a:r>
+            <a:r>
+              <a:rPr lang="en-US" sz="2000" dirty="0"/>
+              <a:t> </a:t>
+            </a:r>
+            <a:r>
+              <a:rPr lang="en-US" sz="2000" b="1" dirty="0"/>
+              <a:t>parent – child </a:t>
+            </a:r>
+            <a:r>
+              <a:rPr lang="en-US" sz="2000" dirty="0" err="1"/>
+              <a:t>strukture</a:t>
+            </a:r>
+            <a:r>
+              <a:rPr lang="en-US" sz="2000" dirty="0"/>
+              <a:t>.</a:t>
+            </a:r>
+            <a:endParaRPr lang="sr-Latn-RS" sz="2000" dirty="0"/>
+          </a:p>
+          <a:p>
+            <a:r>
+              <a:rPr lang="en-US" sz="2000" dirty="0" err="1"/>
+              <a:t>Isto</a:t>
+            </a:r>
+            <a:r>
+              <a:rPr lang="en-US" sz="2000" dirty="0"/>
+              <a:t> </a:t>
+            </a:r>
+            <a:r>
+              <a:rPr lang="en-US" sz="2000" dirty="0" err="1"/>
+              <a:t>kao</a:t>
+            </a:r>
+            <a:r>
+              <a:rPr lang="en-US" sz="2000" dirty="0"/>
+              <a:t> </a:t>
+            </a:r>
+            <a:r>
+              <a:rPr lang="en-US" sz="2000" dirty="0" err="1"/>
+              <a:t>i</a:t>
+            </a:r>
+            <a:r>
+              <a:rPr lang="en-US" sz="2000" dirty="0"/>
+              <a:t> </a:t>
+            </a:r>
+            <a:r>
+              <a:rPr lang="en-US" sz="2000" dirty="0" err="1"/>
+              <a:t>kod</a:t>
+            </a:r>
+            <a:r>
+              <a:rPr lang="en-US" sz="2000" dirty="0"/>
+              <a:t> </a:t>
+            </a:r>
+            <a:r>
+              <a:rPr lang="en-US" sz="2000" dirty="0" err="1"/>
+              <a:t>komponenti</a:t>
+            </a:r>
+            <a:r>
+              <a:rPr lang="en-US" sz="2000" dirty="0"/>
+              <a:t> </a:t>
+            </a:r>
+            <a:r>
+              <a:rPr lang="en-US" sz="2000" dirty="0" err="1"/>
+              <a:t>koristi</a:t>
+            </a:r>
+            <a:r>
+              <a:rPr lang="en-US" sz="2000" dirty="0"/>
+              <a:t> se </a:t>
+            </a:r>
+            <a:r>
+              <a:rPr lang="en-US" sz="2000" b="1" dirty="0"/>
+              <a:t>require: ‘’ </a:t>
+            </a:r>
+            <a:r>
+              <a:rPr lang="en-US" sz="2000" dirty="0"/>
+              <a:t>da bi se </a:t>
+            </a:r>
+            <a:r>
+              <a:rPr lang="en-US" sz="2000" dirty="0" err="1"/>
+              <a:t>naveo</a:t>
+            </a:r>
+            <a:r>
+              <a:rPr lang="sr-Latn-RS" sz="2000" dirty="0"/>
+              <a:t> kontroler iz </a:t>
+            </a:r>
+            <a:r>
+              <a:rPr lang="sr-Latn-RS" sz="2000" b="1" dirty="0"/>
+              <a:t>parent</a:t>
+            </a:r>
+            <a:r>
+              <a:rPr lang="sr-Latn-RS" sz="2000" dirty="0"/>
+              <a:t> direktive.</a:t>
+            </a:r>
+            <a:r>
+              <a:rPr lang="en-US" sz="2000" dirty="0"/>
+              <a:t>                    </a:t>
+            </a:r>
+            <a:r>
+              <a:rPr lang="en-GB" sz="2000" dirty="0">
+                <a:solidFill>
+                  <a:srgbClr val="F2E5BC"/>
+                </a:solidFill>
+                <a:highlight>
+                  <a:srgbClr val="008080"/>
+                </a:highlight>
+                <a:latin typeface="Consolas" panose="020B0609020204030204" pitchFamily="49" charset="0"/>
+              </a:rPr>
+              <a:t>require</a:t>
+            </a:r>
+            <a:r>
+              <a:rPr lang="en-GB" sz="2000" dirty="0">
+                <a:solidFill>
+                  <a:srgbClr val="EBDBB2"/>
+                </a:solidFill>
+                <a:highlight>
+                  <a:srgbClr val="008080"/>
+                </a:highlight>
+                <a:latin typeface="Consolas" panose="020B0609020204030204" pitchFamily="49" charset="0"/>
+              </a:rPr>
+              <a:t>:</a:t>
+            </a:r>
+            <a:r>
+              <a:rPr lang="en-GB" sz="2000" dirty="0">
+                <a:solidFill>
+                  <a:srgbClr val="F2E5BC"/>
+                </a:solidFill>
+                <a:highlight>
+                  <a:srgbClr val="008080"/>
+                </a:highlight>
+                <a:latin typeface="Consolas" panose="020B0609020204030204" pitchFamily="49" charset="0"/>
+              </a:rPr>
+              <a:t> </a:t>
+            </a:r>
+            <a:r>
+              <a:rPr lang="en-GB" sz="2000" dirty="0">
+                <a:solidFill>
+                  <a:srgbClr val="EBDBB2"/>
+                </a:solidFill>
+                <a:highlight>
+                  <a:srgbClr val="008080"/>
+                </a:highlight>
+                <a:latin typeface="Consolas" panose="020B0609020204030204" pitchFamily="49" charset="0"/>
+              </a:rPr>
+              <a:t>'</a:t>
+            </a:r>
+            <a:r>
+              <a:rPr lang="en-GB" sz="2000" dirty="0">
+                <a:solidFill>
+                  <a:srgbClr val="B8BB26"/>
+                </a:solidFill>
+                <a:highlight>
+                  <a:srgbClr val="008080"/>
+                </a:highlight>
+                <a:latin typeface="Consolas" panose="020B0609020204030204" pitchFamily="49" charset="0"/>
+              </a:rPr>
+              <a:t>^^</a:t>
+            </a:r>
+            <a:r>
+              <a:rPr lang="en-GB" sz="2000" dirty="0" err="1">
+                <a:solidFill>
+                  <a:srgbClr val="B8BB26"/>
+                </a:solidFill>
+                <a:highlight>
+                  <a:srgbClr val="008080"/>
+                </a:highlight>
+                <a:latin typeface="Consolas" panose="020B0609020204030204" pitchFamily="49" charset="0"/>
+              </a:rPr>
+              <a:t>myTabs</a:t>
+            </a:r>
+            <a:r>
+              <a:rPr lang="en-GB" sz="2000" dirty="0">
+                <a:solidFill>
+                  <a:srgbClr val="EBDBB2"/>
+                </a:solidFill>
+                <a:highlight>
+                  <a:srgbClr val="008080"/>
+                </a:highlight>
+                <a:latin typeface="Consolas" panose="020B0609020204030204" pitchFamily="49" charset="0"/>
+              </a:rPr>
+              <a:t>’,</a:t>
+            </a:r>
+            <a:endParaRPr lang="sr-Latn-RS" sz="2000" b="1" dirty="0">
+              <a:highlight>
+                <a:srgbClr val="008080"/>
+              </a:highlight>
+            </a:endParaRPr>
+          </a:p>
+          <a:p>
+            <a:r>
+              <a:rPr lang="en-US" sz="2000" dirty="0" err="1"/>
+              <a:t>Transclude</a:t>
+            </a:r>
+            <a:r>
+              <a:rPr lang="en-US" sz="2000" dirty="0"/>
+              <a:t> </a:t>
+            </a:r>
+            <a:r>
+              <a:rPr lang="en-US" sz="2000" dirty="0" err="1"/>
+              <a:t>koristimo</a:t>
+            </a:r>
+            <a:r>
+              <a:rPr lang="en-US" sz="2000" dirty="0"/>
+              <a:t> u </a:t>
+            </a:r>
+            <a:r>
+              <a:rPr lang="en-US" sz="2000" dirty="0" err="1"/>
+              <a:t>obe</a:t>
+            </a:r>
+            <a:r>
+              <a:rPr lang="en-US" sz="2000" dirty="0"/>
+              <a:t> </a:t>
+            </a:r>
+            <a:r>
+              <a:rPr lang="en-US" sz="2000" dirty="0" err="1"/>
+              <a:t>direktive</a:t>
+            </a:r>
+            <a:r>
+              <a:rPr lang="en-US" sz="2000" dirty="0"/>
+              <a:t> </a:t>
+            </a:r>
+            <a:r>
+              <a:rPr lang="en-US" sz="2000" dirty="0" err="1"/>
+              <a:t>kako</a:t>
+            </a:r>
+            <a:r>
+              <a:rPr lang="en-US" sz="2000" dirty="0"/>
+              <a:t> bi </a:t>
+            </a:r>
+            <a:r>
+              <a:rPr lang="en-US" sz="2000" b="1" dirty="0"/>
+              <a:t>wrap</a:t>
+            </a:r>
+            <a:r>
+              <a:rPr lang="en-US" sz="2000" dirty="0"/>
+              <a:t>-</a:t>
+            </a:r>
+            <a:r>
+              <a:rPr lang="en-US" sz="2000" dirty="0" err="1"/>
+              <a:t>ovali</a:t>
+            </a:r>
+            <a:r>
+              <a:rPr lang="en-US" sz="2000" dirty="0"/>
+              <a:t> HTML </a:t>
+            </a:r>
+            <a:r>
+              <a:rPr lang="en-US" sz="2000" b="1" dirty="0"/>
+              <a:t>content</a:t>
+            </a:r>
+            <a:r>
+              <a:rPr lang="en-US" sz="2000" dirty="0"/>
+              <a:t>. </a:t>
+            </a:r>
+            <a:r>
+              <a:rPr lang="en-GB" sz="2000" dirty="0" err="1">
+                <a:solidFill>
+                  <a:srgbClr val="F2E5BC"/>
+                </a:solidFill>
+                <a:highlight>
+                  <a:srgbClr val="008080"/>
+                </a:highlight>
+                <a:latin typeface="Consolas" panose="020B0609020204030204" pitchFamily="49" charset="0"/>
+              </a:rPr>
+              <a:t>transclude</a:t>
+            </a:r>
+            <a:r>
+              <a:rPr lang="en-GB" sz="2000" dirty="0">
+                <a:solidFill>
+                  <a:srgbClr val="EBDBB2"/>
+                </a:solidFill>
+                <a:highlight>
+                  <a:srgbClr val="008080"/>
+                </a:highlight>
+                <a:latin typeface="Consolas" panose="020B0609020204030204" pitchFamily="49" charset="0"/>
+              </a:rPr>
+              <a:t>:</a:t>
+            </a:r>
+            <a:r>
+              <a:rPr lang="en-GB" sz="2000" dirty="0">
+                <a:solidFill>
+                  <a:srgbClr val="F2E5BC"/>
+                </a:solidFill>
+                <a:highlight>
+                  <a:srgbClr val="008080"/>
+                </a:highlight>
+                <a:latin typeface="Consolas" panose="020B0609020204030204" pitchFamily="49" charset="0"/>
+              </a:rPr>
+              <a:t> </a:t>
+            </a:r>
+            <a:r>
+              <a:rPr lang="en-GB" sz="2000" dirty="0">
+                <a:solidFill>
+                  <a:srgbClr val="D3869B"/>
+                </a:solidFill>
+                <a:highlight>
+                  <a:srgbClr val="008080"/>
+                </a:highlight>
+                <a:latin typeface="Consolas" panose="020B0609020204030204" pitchFamily="49" charset="0"/>
+              </a:rPr>
+              <a:t>true</a:t>
+            </a:r>
+            <a:endParaRPr lang="sr-Latn-RS" sz="2000" dirty="0">
+              <a:highlight>
+                <a:srgbClr val="008080"/>
+              </a:highlight>
+            </a:endParaRPr>
+          </a:p>
+          <a:p>
+            <a:pPr marL="285750" indent="-285750"/>
+            <a:r>
+              <a:rPr lang="en-US" sz="2000" dirty="0"/>
+              <a:t>U </a:t>
+            </a:r>
+            <a:r>
+              <a:rPr lang="en-US" sz="2000" dirty="0" err="1"/>
+              <a:t>direktivi</a:t>
+            </a:r>
+            <a:r>
+              <a:rPr lang="en-US" sz="2000" dirty="0"/>
+              <a:t> </a:t>
+            </a:r>
+            <a:r>
+              <a:rPr lang="en-US" sz="2000" dirty="0" err="1"/>
+              <a:t>myPane</a:t>
+            </a:r>
+            <a:r>
+              <a:rPr lang="en-US" sz="2000" dirty="0"/>
+              <a:t> </a:t>
+            </a:r>
+            <a:r>
+              <a:rPr lang="en-US" sz="2000" dirty="0" err="1"/>
+              <a:t>koristimo</a:t>
+            </a:r>
+            <a:r>
+              <a:rPr lang="en-US" sz="2000" dirty="0"/>
+              <a:t> </a:t>
+            </a:r>
+            <a:r>
+              <a:rPr lang="en-US" sz="2000" dirty="0" err="1"/>
+              <a:t>opciju</a:t>
+            </a:r>
+            <a:r>
+              <a:rPr lang="en-US" sz="2000" dirty="0"/>
+              <a:t> </a:t>
+            </a:r>
+            <a:r>
+              <a:rPr lang="en-US" sz="2000" b="1" dirty="0"/>
+              <a:t>link: function() {} </a:t>
+            </a:r>
+            <a:r>
+              <a:rPr lang="en-US" sz="2000" dirty="0" err="1"/>
+              <a:t>kako</a:t>
+            </a:r>
+            <a:r>
+              <a:rPr lang="en-US" sz="2000" dirty="0"/>
+              <a:t> bi </a:t>
+            </a:r>
+            <a:r>
+              <a:rPr lang="en-US" sz="2000" dirty="0" err="1"/>
+              <a:t>mogli</a:t>
+            </a:r>
+            <a:r>
+              <a:rPr lang="en-US" sz="2000" dirty="0"/>
+              <a:t> da </a:t>
+            </a:r>
+            <a:r>
+              <a:rPr lang="en-US" sz="2000" dirty="0" err="1"/>
+              <a:t>koristimo</a:t>
+            </a:r>
+            <a:r>
+              <a:rPr lang="en-US" sz="2000" dirty="0"/>
+              <a:t> </a:t>
+            </a:r>
+            <a:r>
+              <a:rPr lang="en-US" sz="2000" dirty="0" err="1"/>
+              <a:t>funkciju</a:t>
+            </a:r>
+            <a:r>
+              <a:rPr lang="en-US" sz="2000" dirty="0"/>
+              <a:t> </a:t>
+            </a:r>
+            <a:r>
+              <a:rPr lang="en-US" sz="2000" dirty="0" err="1"/>
+              <a:t>iz</a:t>
+            </a:r>
+            <a:r>
+              <a:rPr lang="en-US" sz="2000" dirty="0"/>
+              <a:t> parent </a:t>
+            </a:r>
+            <a:r>
+              <a:rPr lang="en-US" sz="2000" dirty="0" err="1"/>
+              <a:t>direktive</a:t>
+            </a:r>
+            <a:r>
+              <a:rPr lang="en-US" sz="2000" dirty="0"/>
+              <a:t>.</a:t>
+            </a:r>
+          </a:p>
+          <a:p>
+            <a:r>
+              <a:rPr lang="en-GB" sz="2000" dirty="0">
+                <a:solidFill>
+                  <a:srgbClr val="FABD2F"/>
+                </a:solidFill>
+                <a:highlight>
+                  <a:srgbClr val="008080"/>
+                </a:highlight>
+                <a:latin typeface="Consolas" panose="020B0609020204030204" pitchFamily="49" charset="0"/>
+              </a:rPr>
+              <a:t>link</a:t>
+            </a:r>
+            <a:r>
+              <a:rPr lang="en-GB" sz="2000" dirty="0">
+                <a:solidFill>
+                  <a:srgbClr val="EBDBB2"/>
+                </a:solidFill>
+                <a:highlight>
+                  <a:srgbClr val="008080"/>
+                </a:highlight>
+                <a:latin typeface="Consolas" panose="020B0609020204030204" pitchFamily="49" charset="0"/>
+              </a:rPr>
+              <a:t>:</a:t>
+            </a:r>
+            <a:r>
+              <a:rPr lang="en-GB" sz="2000" dirty="0">
+                <a:solidFill>
+                  <a:srgbClr val="F2E5BC"/>
+                </a:solidFill>
+                <a:highlight>
+                  <a:srgbClr val="008080"/>
+                </a:highlight>
+                <a:latin typeface="Consolas" panose="020B0609020204030204" pitchFamily="49" charset="0"/>
+              </a:rPr>
+              <a:t> </a:t>
+            </a:r>
+            <a:r>
+              <a:rPr lang="en-GB" sz="2000" dirty="0">
+                <a:solidFill>
+                  <a:srgbClr val="7EC16E"/>
+                </a:solidFill>
+                <a:highlight>
+                  <a:srgbClr val="008080"/>
+                </a:highlight>
+                <a:latin typeface="Consolas" panose="020B0609020204030204" pitchFamily="49" charset="0"/>
+              </a:rPr>
+              <a:t>function</a:t>
+            </a:r>
+            <a:r>
+              <a:rPr lang="en-GB" sz="2000" dirty="0">
+                <a:solidFill>
+                  <a:srgbClr val="F2E5BC"/>
+                </a:solidFill>
+                <a:highlight>
+                  <a:srgbClr val="008080"/>
+                </a:highlight>
+                <a:latin typeface="Consolas" panose="020B0609020204030204" pitchFamily="49" charset="0"/>
+              </a:rPr>
+              <a:t> </a:t>
+            </a:r>
+            <a:r>
+              <a:rPr lang="en-GB" sz="2000" dirty="0">
+                <a:solidFill>
+                  <a:srgbClr val="EBDBB2"/>
+                </a:solidFill>
+                <a:highlight>
+                  <a:srgbClr val="008080"/>
+                </a:highlight>
+                <a:latin typeface="Consolas" panose="020B0609020204030204" pitchFamily="49" charset="0"/>
+              </a:rPr>
+              <a:t>(</a:t>
+            </a:r>
+            <a:r>
+              <a:rPr lang="en-GB" sz="2000" dirty="0">
+                <a:solidFill>
+                  <a:srgbClr val="99C6CA"/>
+                </a:solidFill>
+                <a:highlight>
+                  <a:srgbClr val="008080"/>
+                </a:highlight>
+                <a:latin typeface="Consolas" panose="020B0609020204030204" pitchFamily="49" charset="0"/>
+              </a:rPr>
+              <a:t>scope</a:t>
+            </a:r>
+            <a:r>
+              <a:rPr lang="en-GB" sz="2000" dirty="0">
+                <a:solidFill>
+                  <a:srgbClr val="EBDBB2"/>
+                </a:solidFill>
+                <a:highlight>
+                  <a:srgbClr val="008080"/>
+                </a:highlight>
+                <a:latin typeface="Consolas" panose="020B0609020204030204" pitchFamily="49" charset="0"/>
+              </a:rPr>
+              <a:t>,</a:t>
+            </a:r>
+            <a:r>
+              <a:rPr lang="en-GB" sz="2000" dirty="0">
+                <a:solidFill>
+                  <a:srgbClr val="F2E5BC"/>
+                </a:solidFill>
+                <a:highlight>
+                  <a:srgbClr val="008080"/>
+                </a:highlight>
+                <a:latin typeface="Consolas" panose="020B0609020204030204" pitchFamily="49" charset="0"/>
+              </a:rPr>
+              <a:t> </a:t>
+            </a:r>
+            <a:r>
+              <a:rPr lang="en-GB" sz="2000" dirty="0">
+                <a:solidFill>
+                  <a:srgbClr val="99C6CA"/>
+                </a:solidFill>
+                <a:highlight>
+                  <a:srgbClr val="008080"/>
+                </a:highlight>
+                <a:latin typeface="Consolas" panose="020B0609020204030204" pitchFamily="49" charset="0"/>
+              </a:rPr>
+              <a:t>element</a:t>
+            </a:r>
+            <a:r>
+              <a:rPr lang="en-GB" sz="2000" dirty="0">
+                <a:solidFill>
+                  <a:srgbClr val="EBDBB2"/>
+                </a:solidFill>
+                <a:highlight>
+                  <a:srgbClr val="008080"/>
+                </a:highlight>
+                <a:latin typeface="Consolas" panose="020B0609020204030204" pitchFamily="49" charset="0"/>
+              </a:rPr>
+              <a:t>,</a:t>
+            </a:r>
+            <a:r>
+              <a:rPr lang="en-GB" sz="2000" dirty="0">
+                <a:solidFill>
+                  <a:srgbClr val="F2E5BC"/>
+                </a:solidFill>
+                <a:highlight>
+                  <a:srgbClr val="008080"/>
+                </a:highlight>
+                <a:latin typeface="Consolas" panose="020B0609020204030204" pitchFamily="49" charset="0"/>
+              </a:rPr>
+              <a:t> </a:t>
+            </a:r>
+            <a:r>
+              <a:rPr lang="en-GB" sz="2000" dirty="0" err="1">
+                <a:solidFill>
+                  <a:srgbClr val="99C6CA"/>
+                </a:solidFill>
+                <a:highlight>
+                  <a:srgbClr val="008080"/>
+                </a:highlight>
+                <a:latin typeface="Consolas" panose="020B0609020204030204" pitchFamily="49" charset="0"/>
+              </a:rPr>
+              <a:t>attrs</a:t>
+            </a:r>
+            <a:r>
+              <a:rPr lang="en-GB" sz="2000" dirty="0">
+                <a:solidFill>
+                  <a:srgbClr val="EBDBB2"/>
+                </a:solidFill>
+                <a:highlight>
+                  <a:srgbClr val="008080"/>
+                </a:highlight>
+                <a:latin typeface="Consolas" panose="020B0609020204030204" pitchFamily="49" charset="0"/>
+              </a:rPr>
+              <a:t>,</a:t>
+            </a:r>
+            <a:r>
+              <a:rPr lang="en-GB" sz="2000" dirty="0">
+                <a:solidFill>
+                  <a:srgbClr val="F2E5BC"/>
+                </a:solidFill>
+                <a:highlight>
+                  <a:srgbClr val="008080"/>
+                </a:highlight>
+                <a:latin typeface="Consolas" panose="020B0609020204030204" pitchFamily="49" charset="0"/>
+              </a:rPr>
+              <a:t> </a:t>
+            </a:r>
+            <a:r>
+              <a:rPr lang="en-GB" sz="2000" dirty="0" err="1">
+                <a:solidFill>
+                  <a:srgbClr val="99C6CA"/>
+                </a:solidFill>
+                <a:highlight>
+                  <a:srgbClr val="008080"/>
+                </a:highlight>
+                <a:latin typeface="Consolas" panose="020B0609020204030204" pitchFamily="49" charset="0"/>
+              </a:rPr>
+              <a:t>tabsCtrl</a:t>
+            </a:r>
+            <a:r>
+              <a:rPr lang="en-GB" sz="2000" dirty="0">
+                <a:solidFill>
+                  <a:srgbClr val="EBDBB2"/>
+                </a:solidFill>
+                <a:highlight>
+                  <a:srgbClr val="008080"/>
+                </a:highlight>
+                <a:latin typeface="Consolas" panose="020B0609020204030204" pitchFamily="49" charset="0"/>
+              </a:rPr>
+              <a:t>)</a:t>
+            </a:r>
+            <a:r>
+              <a:rPr lang="en-GB" sz="2000" dirty="0">
+                <a:solidFill>
+                  <a:srgbClr val="F2E5BC"/>
+                </a:solidFill>
+                <a:highlight>
+                  <a:srgbClr val="008080"/>
+                </a:highlight>
+                <a:latin typeface="Consolas" panose="020B0609020204030204" pitchFamily="49" charset="0"/>
+              </a:rPr>
+              <a:t> </a:t>
+            </a:r>
+            <a:r>
+              <a:rPr lang="en-GB" sz="2000" dirty="0">
+                <a:solidFill>
+                  <a:srgbClr val="EBDBB2"/>
+                </a:solidFill>
+                <a:highlight>
+                  <a:srgbClr val="008080"/>
+                </a:highlight>
+                <a:latin typeface="Consolas" panose="020B0609020204030204" pitchFamily="49" charset="0"/>
+              </a:rPr>
+              <a:t>{</a:t>
+            </a:r>
+            <a:endParaRPr lang="en-GB" sz="2000" dirty="0">
+              <a:solidFill>
+                <a:srgbClr val="F2E5BC"/>
+              </a:solidFill>
+              <a:highlight>
+                <a:srgbClr val="008080"/>
+              </a:highlight>
+              <a:latin typeface="Consolas" panose="020B0609020204030204" pitchFamily="49" charset="0"/>
+            </a:endParaRPr>
+          </a:p>
+          <a:p>
+            <a:pPr marL="0" indent="0">
+              <a:buNone/>
+            </a:pPr>
+            <a:r>
+              <a:rPr lang="en-GB" sz="2000" dirty="0">
+                <a:solidFill>
+                  <a:srgbClr val="99C6CA"/>
+                </a:solidFill>
+                <a:latin typeface="Consolas" panose="020B0609020204030204" pitchFamily="49" charset="0"/>
+              </a:rPr>
+              <a:t>       </a:t>
+            </a:r>
+            <a:r>
+              <a:rPr lang="en-GB" sz="2000" dirty="0" err="1">
+                <a:solidFill>
+                  <a:srgbClr val="99C6CA"/>
+                </a:solidFill>
+                <a:highlight>
+                  <a:srgbClr val="008080"/>
+                </a:highlight>
+                <a:latin typeface="Consolas" panose="020B0609020204030204" pitchFamily="49" charset="0"/>
+              </a:rPr>
+              <a:t>tabsCtrl</a:t>
+            </a:r>
+            <a:r>
+              <a:rPr lang="en-GB" sz="2000" dirty="0" err="1">
+                <a:solidFill>
+                  <a:srgbClr val="EBDBB2"/>
+                </a:solidFill>
+                <a:highlight>
+                  <a:srgbClr val="008080"/>
+                </a:highlight>
+                <a:latin typeface="Consolas" panose="020B0609020204030204" pitchFamily="49" charset="0"/>
+              </a:rPr>
+              <a:t>.</a:t>
+            </a:r>
+            <a:r>
+              <a:rPr lang="en-GB" sz="2000" dirty="0" err="1">
+                <a:solidFill>
+                  <a:srgbClr val="FABD2F"/>
+                </a:solidFill>
+                <a:highlight>
+                  <a:srgbClr val="008080"/>
+                </a:highlight>
+                <a:latin typeface="Consolas" panose="020B0609020204030204" pitchFamily="49" charset="0"/>
+              </a:rPr>
+              <a:t>addPane</a:t>
+            </a:r>
+            <a:r>
+              <a:rPr lang="en-GB" sz="2000" dirty="0">
+                <a:solidFill>
+                  <a:srgbClr val="F2E5BC"/>
+                </a:solidFill>
+                <a:highlight>
+                  <a:srgbClr val="008080"/>
+                </a:highlight>
+                <a:latin typeface="Consolas" panose="020B0609020204030204" pitchFamily="49" charset="0"/>
+              </a:rPr>
+              <a:t>(</a:t>
+            </a:r>
+            <a:r>
+              <a:rPr lang="en-GB" sz="2000" dirty="0">
+                <a:solidFill>
+                  <a:srgbClr val="99C6CA"/>
+                </a:solidFill>
+                <a:highlight>
+                  <a:srgbClr val="008080"/>
+                </a:highlight>
+                <a:latin typeface="Consolas" panose="020B0609020204030204" pitchFamily="49" charset="0"/>
+              </a:rPr>
+              <a:t>scope</a:t>
+            </a:r>
+            <a:r>
+              <a:rPr lang="en-GB" sz="2000" dirty="0">
+                <a:solidFill>
+                  <a:srgbClr val="F2E5BC"/>
+                </a:solidFill>
+                <a:highlight>
+                  <a:srgbClr val="008080"/>
+                </a:highlight>
+                <a:latin typeface="Consolas" panose="020B0609020204030204" pitchFamily="49" charset="0"/>
+              </a:rPr>
+              <a:t>)</a:t>
+            </a:r>
+            <a:r>
+              <a:rPr lang="en-GB" sz="2000" dirty="0">
+                <a:solidFill>
+                  <a:srgbClr val="EBDBB2"/>
+                </a:solidFill>
+                <a:highlight>
+                  <a:srgbClr val="008080"/>
+                </a:highlight>
+                <a:latin typeface="Consolas" panose="020B0609020204030204" pitchFamily="49" charset="0"/>
+              </a:rPr>
+              <a:t>;</a:t>
+            </a:r>
+            <a:endParaRPr lang="en-GB" sz="2000" dirty="0">
+              <a:solidFill>
+                <a:srgbClr val="F2E5BC"/>
+              </a:solidFill>
+              <a:highlight>
+                <a:srgbClr val="008080"/>
+              </a:highlight>
+              <a:latin typeface="Consolas" panose="020B0609020204030204" pitchFamily="49" charset="0"/>
+            </a:endParaRPr>
+          </a:p>
+          <a:p>
+            <a:r>
+              <a:rPr lang="en-GB" sz="2000" dirty="0">
+                <a:solidFill>
+                  <a:srgbClr val="EBDBB2"/>
+                </a:solidFill>
+                <a:highlight>
+                  <a:srgbClr val="008080"/>
+                </a:highlight>
+                <a:latin typeface="Consolas" panose="020B0609020204030204" pitchFamily="49" charset="0"/>
+              </a:rPr>
+              <a:t>}</a:t>
+            </a:r>
+          </a:p>
+          <a:p>
+            <a:r>
+              <a:rPr lang="en-US" sz="2000" dirty="0"/>
+              <a:t>K</a:t>
+            </a:r>
+            <a:r>
+              <a:rPr lang="en-GB" sz="2000" dirty="0" err="1"/>
+              <a:t>oristimo</a:t>
+            </a:r>
+            <a:r>
+              <a:rPr lang="en-GB" sz="2000" dirty="0"/>
+              <a:t> </a:t>
+            </a:r>
+            <a:r>
+              <a:rPr lang="en-GB" sz="2000" dirty="0" err="1"/>
+              <a:t>kontroler</a:t>
+            </a:r>
+            <a:r>
+              <a:rPr lang="en-GB" sz="2000" dirty="0"/>
+              <a:t> </a:t>
+            </a:r>
+            <a:r>
+              <a:rPr lang="en-GB" sz="2000" dirty="0" err="1"/>
+              <a:t>kada</a:t>
+            </a:r>
+            <a:r>
+              <a:rPr lang="en-GB" sz="2000" dirty="0"/>
+              <a:t> ho</a:t>
+            </a:r>
+            <a:r>
+              <a:rPr lang="sr-Latn-RS" sz="2000" dirty="0"/>
+              <a:t>ćemo da napravimo API kako bi ostale direktive mogle da ga koriste, a </a:t>
+            </a:r>
+            <a:r>
+              <a:rPr lang="sr-Latn-RS" sz="2000" b="1" dirty="0"/>
+              <a:t>link </a:t>
+            </a:r>
+            <a:r>
+              <a:rPr lang="sr-Latn-RS" sz="2000" dirty="0"/>
+              <a:t>funkciju u svim ostalim slučajevima komunikacije </a:t>
+            </a:r>
+            <a:r>
+              <a:rPr lang="sr-Latn-RS" sz="2000"/>
+              <a:t>između direktiva.</a:t>
+            </a:r>
+            <a:endParaRPr lang="en-GB" sz="2000" dirty="0"/>
+          </a:p>
+        </p:txBody>
+      </p:sp>
+      <p:pic>
+        <p:nvPicPr>
+          <p:cNvPr id="4" name="Picture 3">
+            <a:extLst>
+              <a:ext uri="{FF2B5EF4-FFF2-40B4-BE49-F238E27FC236}">
+                <a16:creationId xmlns:a16="http://schemas.microsoft.com/office/drawing/2014/main" id="{70FEFB56-B2C6-4A35-A64E-6A53E4952A76}"/>
+              </a:ext>
+            </a:extLst>
+          </p:cNvPr>
+          <p:cNvPicPr>
+            <a:picLocks noChangeAspect="1"/>
+          </p:cNvPicPr>
+          <p:nvPr/>
+        </p:nvPicPr>
+        <p:blipFill>
+          <a:blip r:embed="rId2">
+            <a:extLst>
+              <a:ext uri="{28A0092B-C50C-407E-A947-70E740481C1C}">
+                <a14:useLocalDpi xmlns:a14="http://schemas.microsoft.com/office/drawing/2010/main" val="0"/>
+              </a:ext>
+            </a:extLst>
+          </a:blip>
+          <a:stretch>
+            <a:fillRect/>
+          </a:stretch>
+        </p:blipFill>
+        <p:spPr>
+          <a:xfrm>
+            <a:off x="7732541" y="321176"/>
+            <a:ext cx="3427859" cy="1336165"/>
+          </a:xfrm>
+          <a:prstGeom prst="rect">
+            <a:avLst/>
+          </a:prstGeom>
+        </p:spPr>
+      </p:pic>
+      <p:pic>
+        <p:nvPicPr>
+          <p:cNvPr id="6" name="Picture 5">
+            <a:extLst>
+              <a:ext uri="{FF2B5EF4-FFF2-40B4-BE49-F238E27FC236}">
+                <a16:creationId xmlns:a16="http://schemas.microsoft.com/office/drawing/2014/main" id="{A53FC8B2-21B1-4339-94CF-63F1B4C4D875}"/>
+              </a:ext>
+            </a:extLst>
+          </p:cNvPr>
+          <p:cNvPicPr>
+            <a:picLocks noChangeAspect="1"/>
+          </p:cNvPicPr>
+          <p:nvPr/>
+        </p:nvPicPr>
+        <p:blipFill>
+          <a:blip r:embed="rId3">
+            <a:extLst>
+              <a:ext uri="{28A0092B-C50C-407E-A947-70E740481C1C}">
+                <a14:useLocalDpi xmlns:a14="http://schemas.microsoft.com/office/drawing/2010/main" val="0"/>
+              </a:ext>
+            </a:extLst>
+          </a:blip>
+          <a:stretch>
+            <a:fillRect/>
+          </a:stretch>
+        </p:blipFill>
+        <p:spPr>
+          <a:xfrm>
+            <a:off x="7732541" y="1770223"/>
+            <a:ext cx="2851483" cy="3998557"/>
+          </a:xfrm>
+          <a:prstGeom prst="rect">
+            <a:avLst/>
+          </a:prstGeom>
+        </p:spPr>
+      </p:pic>
+      <p:pic>
+        <p:nvPicPr>
+          <p:cNvPr id="9" name="Picture 8">
+            <a:extLst>
+              <a:ext uri="{FF2B5EF4-FFF2-40B4-BE49-F238E27FC236}">
+                <a16:creationId xmlns:a16="http://schemas.microsoft.com/office/drawing/2014/main" id="{93F420BA-8DA2-4EDC-8ADB-E516DB741C2B}"/>
+              </a:ext>
+            </a:extLst>
+          </p:cNvPr>
+          <p:cNvPicPr>
+            <a:picLocks noChangeAspect="1"/>
+          </p:cNvPicPr>
+          <p:nvPr/>
+        </p:nvPicPr>
+        <p:blipFill>
+          <a:blip r:embed="rId4">
+            <a:extLst>
+              <a:ext uri="{28A0092B-C50C-407E-A947-70E740481C1C}">
+                <a14:useLocalDpi xmlns:a14="http://schemas.microsoft.com/office/drawing/2010/main" val="0"/>
+              </a:ext>
+            </a:extLst>
+          </a:blip>
+          <a:stretch>
+            <a:fillRect/>
+          </a:stretch>
+        </p:blipFill>
+        <p:spPr>
+          <a:xfrm>
+            <a:off x="7748103" y="5881663"/>
+            <a:ext cx="3412298" cy="871804"/>
+          </a:xfrm>
+          <a:prstGeom prst="rect">
+            <a:avLst/>
+          </a:prstGeom>
+        </p:spPr>
+      </p:pic>
+      <p:pic>
+        <p:nvPicPr>
+          <p:cNvPr id="13" name="Picture 12">
+            <a:extLst>
+              <a:ext uri="{FF2B5EF4-FFF2-40B4-BE49-F238E27FC236}">
+                <a16:creationId xmlns:a16="http://schemas.microsoft.com/office/drawing/2014/main" id="{6AC845A2-206C-40AE-97E7-CCD4B9FF13CA}"/>
+              </a:ext>
+            </a:extLst>
+          </p:cNvPr>
+          <p:cNvPicPr>
+            <a:picLocks noChangeAspect="1"/>
+          </p:cNvPicPr>
+          <p:nvPr/>
+        </p:nvPicPr>
+        <p:blipFill>
+          <a:blip r:embed="rId5">
+            <a:extLst>
+              <a:ext uri="{28A0092B-C50C-407E-A947-70E740481C1C}">
+                <a14:useLocalDpi xmlns:a14="http://schemas.microsoft.com/office/drawing/2010/main" val="0"/>
+              </a:ext>
+            </a:extLst>
+          </a:blip>
+          <a:stretch>
+            <a:fillRect/>
+          </a:stretch>
+        </p:blipFill>
+        <p:spPr>
+          <a:xfrm>
+            <a:off x="10328914" y="5286221"/>
+            <a:ext cx="1662971" cy="482559"/>
+          </a:xfrm>
+          <a:prstGeom prst="rect">
+            <a:avLst/>
+          </a:prstGeom>
+        </p:spPr>
+      </p:pic>
+    </p:spTree>
+    <p:extLst>
+      <p:ext uri="{BB962C8B-B14F-4D97-AF65-F5344CB8AC3E}">
+        <p14:creationId xmlns:p14="http://schemas.microsoft.com/office/powerpoint/2010/main" val="2732901615"/>
       </p:ext>
     </p:extLst>
   </p:cSld>
@@ -19132,6 +23434,2092 @@
 </p:sld>
 </file>
 
+<file path=ppt/slides/slide30.xml><?xml version="1.0" encoding="utf-8"?>
+<p:sld xmlns:a="http://schemas.openxmlformats.org/drawingml/2006/main" xmlns:r="http://schemas.openxmlformats.org/officeDocument/2006/relationships" xmlns:p="http://schemas.openxmlformats.org/presentationml/2006/main">
+  <p:cSld>
+    <p:bg>
+      <p:bgPr>
+        <a:solidFill>
+          <a:schemeClr val="bg1"/>
+        </a:solidFill>
+        <a:effectLst/>
+      </p:bgPr>
+    </p:bg>
+    <p:spTree>
+      <p:nvGrpSpPr>
+        <p:cNvPr id="1" name=""/>
+        <p:cNvGrpSpPr/>
+        <p:nvPr/>
+      </p:nvGrpSpPr>
+      <p:grpSpPr>
+        <a:xfrm>
+          <a:off x="0" y="0"/>
+          <a:ext cx="0" cy="0"/>
+          <a:chOff x="0" y="0"/>
+          <a:chExt cx="0" cy="0"/>
+        </a:xfrm>
+      </p:grpSpPr>
+      <p:sp useBgFill="1">
+        <p:nvSpPr>
+          <p:cNvPr id="8" name="Rectangle 7">
+            <a:extLst>
+              <a:ext uri="{FF2B5EF4-FFF2-40B4-BE49-F238E27FC236}">
+                <a16:creationId xmlns:a16="http://schemas.microsoft.com/office/drawing/2014/main" id="{15911E3A-C35B-4EF7-A355-B84E9A14AF4D}"/>
+              </a:ext>
+              <a:ext uri="{C183D7F6-B498-43B3-948B-1728B52AA6E4}">
+                <adec:decorative xmlns:adec="http://schemas.microsoft.com/office/drawing/2017/decorative" val="1"/>
+              </a:ext>
+            </a:extLst>
+          </p:cNvPr>
+          <p:cNvSpPr>
+            <a:spLocks noGrp="1" noRot="1" noChangeAspect="1" noMove="1" noResize="1" noEditPoints="1" noAdjustHandles="1" noChangeArrowheads="1" noChangeShapeType="1" noTextEdit="1"/>
+          </p:cNvSpPr>
+          <p:nvPr>
+            <p:extLst>
+              <p:ext uri="{386F3935-93C4-4BCD-93E2-E3B085C9AB24}">
+                <p16:designElem xmlns:p16="http://schemas.microsoft.com/office/powerpoint/2015/main" val="1"/>
+              </p:ext>
+            </p:extLst>
+          </p:nvPr>
+        </p:nvSpPr>
+        <p:spPr>
+          <a:xfrm>
+            <a:off x="0" y="-1"/>
+            <a:ext cx="12192000" cy="6858001"/>
+          </a:xfrm>
+          <a:prstGeom prst="rect">
+            <a:avLst/>
+          </a:prstGeom>
+          <a:ln>
+            <a:noFill/>
+          </a:ln>
+        </p:spPr>
+        <p:style>
+          <a:lnRef idx="2">
+            <a:schemeClr val="accent1">
+              <a:shade val="50000"/>
+            </a:schemeClr>
+          </a:lnRef>
+          <a:fillRef idx="1">
+            <a:schemeClr val="accent1"/>
+          </a:fillRef>
+          <a:effectRef idx="0">
+            <a:schemeClr val="accent1"/>
+          </a:effectRef>
+          <a:fontRef idx="minor">
+            <a:schemeClr val="lt1"/>
+          </a:fontRef>
+        </p:style>
+        <p:txBody>
+          <a:bodyPr rtlCol="0" anchor="ctr"/>
+          <a:lstStyle/>
+          <a:p>
+            <a:pPr marL="0" marR="0" lvl="0" indent="0" algn="ctr" defTabSz="914400" rtl="0" eaLnBrk="1" fontAlgn="auto" latinLnBrk="0" hangingPunct="1">
+              <a:lnSpc>
+                <a:spcPct val="100000"/>
+              </a:lnSpc>
+              <a:spcBef>
+                <a:spcPts val="0"/>
+              </a:spcBef>
+              <a:spcAft>
+                <a:spcPts val="0"/>
+              </a:spcAft>
+              <a:buClrTx/>
+              <a:buSzTx/>
+              <a:buFontTx/>
+              <a:buNone/>
+              <a:tabLst/>
+              <a:defRPr/>
+            </a:pPr>
+            <a:endParaRPr kumimoji="0" lang="en-US" sz="1800" b="0" i="0" u="none" strike="noStrike" kern="1200" cap="none" spc="0" normalizeH="0" baseline="0" noProof="0">
+              <a:ln>
+                <a:noFill/>
+              </a:ln>
+              <a:solidFill>
+                <a:prstClr val="white"/>
+              </a:solidFill>
+              <a:effectLst/>
+              <a:uLnTx/>
+              <a:uFillTx/>
+              <a:latin typeface="Calibri" panose="020F0502020204030204"/>
+              <a:ea typeface="+mn-ea"/>
+              <a:cs typeface="+mn-cs"/>
+            </a:endParaRPr>
+          </a:p>
+        </p:txBody>
+      </p:sp>
+      <p:grpSp>
+        <p:nvGrpSpPr>
+          <p:cNvPr id="10" name="Group 9">
+            <a:extLst>
+              <a:ext uri="{FF2B5EF4-FFF2-40B4-BE49-F238E27FC236}">
+                <a16:creationId xmlns:a16="http://schemas.microsoft.com/office/drawing/2014/main" id="{E21ADB3D-AD65-44B4-847D-5E90E90A5D16}"/>
+              </a:ext>
+              <a:ext uri="{C183D7F6-B498-43B3-948B-1728B52AA6E4}">
+                <adec:decorative xmlns:adec="http://schemas.microsoft.com/office/drawing/2017/decorative" val="1"/>
+              </a:ext>
+            </a:extLst>
+          </p:cNvPr>
+          <p:cNvGrpSpPr>
+            <a:grpSpLocks noGrp="1" noUngrp="1" noRot="1" noChangeAspect="1" noMove="1" noResize="1"/>
+          </p:cNvGrpSpPr>
+          <p:nvPr>
+            <p:extLst>
+              <p:ext uri="{386F3935-93C4-4BCD-93E2-E3B085C9AB24}">
+                <p16:designElem xmlns:p16="http://schemas.microsoft.com/office/powerpoint/2015/main" val="1"/>
+              </p:ext>
+            </p:extLst>
+          </p:nvPr>
+        </p:nvGrpSpPr>
+        <p:grpSpPr>
+          <a:xfrm>
+            <a:off x="-417513" y="0"/>
+            <a:ext cx="12584114" cy="6853238"/>
+            <a:chOff x="-417513" y="0"/>
+            <a:chExt cx="12584114" cy="6853238"/>
+          </a:xfrm>
+        </p:grpSpPr>
+        <p:sp>
+          <p:nvSpPr>
+            <p:cNvPr id="11" name="Freeform 5">
+              <a:extLst>
+                <a:ext uri="{FF2B5EF4-FFF2-40B4-BE49-F238E27FC236}">
+                  <a16:creationId xmlns:a16="http://schemas.microsoft.com/office/drawing/2014/main" id="{CF580C70-814C-4845-B645-919BFFBD16BA}"/>
+                </a:ext>
+                <a:ext uri="{C183D7F6-B498-43B3-948B-1728B52AA6E4}">
+                  <adec:decorative xmlns:adec="http://schemas.microsoft.com/office/drawing/2017/decorative" val="1"/>
+                </a:ext>
+              </a:extLst>
+            </p:cNvPr>
+            <p:cNvSpPr/>
+            <p:nvPr>
+              <p:extLst>
+                <p:ext uri="{386F3935-93C4-4BCD-93E2-E3B085C9AB24}">
+                  <p16:designElem xmlns:p16="http://schemas.microsoft.com/office/powerpoint/2015/main" val="1"/>
+                </p:ext>
+              </p:extLst>
+            </p:nvPr>
+          </p:nvSpPr>
+          <p:spPr bwMode="auto">
+            <a:xfrm>
+              <a:off x="1306513" y="0"/>
+              <a:ext cx="3862388" cy="6843713"/>
+            </a:xfrm>
+            <a:custGeom>
+              <a:avLst/>
+              <a:gdLst/>
+              <a:ahLst/>
+              <a:cxnLst/>
+              <a:rect l="0" t="0" r="r" b="b"/>
+              <a:pathLst>
+                <a:path w="813" h="1440">
+                  <a:moveTo>
+                    <a:pt x="813" y="0"/>
+                  </a:moveTo>
+                  <a:cubicBezTo>
+                    <a:pt x="331" y="221"/>
+                    <a:pt x="0" y="1039"/>
+                    <a:pt x="435" y="1440"/>
+                  </a:cubicBezTo>
+                </a:path>
+              </a:pathLst>
+            </a:custGeom>
+            <a:noFill/>
+            <a:ln w="9525" cap="flat">
+              <a:solidFill>
+                <a:schemeClr val="tx1">
+                  <a:alpha val="20000"/>
+                </a:schemeClr>
+              </a:solidFill>
+              <a:prstDash val="solid"/>
+              <a:miter lim="800000"/>
+              <a:headEnd/>
+              <a:tailEnd/>
+            </a:ln>
+            <a:extLst>
+              <a:ext uri="{909E8E84-426E-40DD-AFC4-6F175D3DCCD1}">
+                <a14:hiddenFill xmlns:a14="http://schemas.microsoft.com/office/drawing/2010/main">
+                  <a:solidFill>
+                    <a:srgbClr val="FFFFFF"/>
+                  </a:solidFill>
+                </a14:hiddenFill>
+              </a:ext>
+            </a:extLst>
+          </p:spPr>
+        </p:sp>
+        <p:sp>
+          <p:nvSpPr>
+            <p:cNvPr id="12" name="Freeform 6">
+              <a:extLst>
+                <a:ext uri="{FF2B5EF4-FFF2-40B4-BE49-F238E27FC236}">
+                  <a16:creationId xmlns:a16="http://schemas.microsoft.com/office/drawing/2014/main" id="{34D7BF57-4CAA-45B2-9EF0-0AA1FCF70B16}"/>
+                </a:ext>
+                <a:ext uri="{C183D7F6-B498-43B3-948B-1728B52AA6E4}">
+                  <adec:decorative xmlns:adec="http://schemas.microsoft.com/office/drawing/2017/decorative" val="1"/>
+                </a:ext>
+              </a:extLst>
+            </p:cNvPr>
+            <p:cNvSpPr/>
+            <p:nvPr>
+              <p:extLst>
+                <p:ext uri="{386F3935-93C4-4BCD-93E2-E3B085C9AB24}">
+                  <p16:designElem xmlns:p16="http://schemas.microsoft.com/office/powerpoint/2015/main" val="1"/>
+                </p:ext>
+              </p:extLst>
+            </p:nvPr>
+          </p:nvSpPr>
+          <p:spPr bwMode="auto">
+            <a:xfrm>
+              <a:off x="10626725" y="9525"/>
+              <a:ext cx="1539875" cy="555625"/>
+            </a:xfrm>
+            <a:custGeom>
+              <a:avLst/>
+              <a:gdLst/>
+              <a:ahLst/>
+              <a:cxnLst/>
+              <a:rect l="0" t="0" r="r" b="b"/>
+              <a:pathLst>
+                <a:path w="324" h="117">
+                  <a:moveTo>
+                    <a:pt x="324" y="117"/>
+                  </a:moveTo>
+                  <a:cubicBezTo>
+                    <a:pt x="223" y="64"/>
+                    <a:pt x="107" y="28"/>
+                    <a:pt x="0" y="0"/>
+                  </a:cubicBezTo>
+                </a:path>
+              </a:pathLst>
+            </a:custGeom>
+            <a:noFill/>
+            <a:ln w="9525" cap="flat">
+              <a:solidFill>
+                <a:schemeClr val="tx1">
+                  <a:alpha val="20000"/>
+                </a:schemeClr>
+              </a:solidFill>
+              <a:prstDash val="solid"/>
+              <a:miter lim="800000"/>
+              <a:headEnd/>
+              <a:tailEnd/>
+            </a:ln>
+            <a:extLst>
+              <a:ext uri="{909E8E84-426E-40DD-AFC4-6F175D3DCCD1}">
+                <a14:hiddenFill xmlns:a14="http://schemas.microsoft.com/office/drawing/2010/main">
+                  <a:solidFill>
+                    <a:srgbClr val="FFFFFF"/>
+                  </a:solidFill>
+                </a14:hiddenFill>
+              </a:ext>
+            </a:extLst>
+          </p:spPr>
+        </p:sp>
+        <p:sp>
+          <p:nvSpPr>
+            <p:cNvPr id="13" name="Freeform 7">
+              <a:extLst>
+                <a:ext uri="{FF2B5EF4-FFF2-40B4-BE49-F238E27FC236}">
+                  <a16:creationId xmlns:a16="http://schemas.microsoft.com/office/drawing/2014/main" id="{7886F306-C03A-40C6-8FD5-DCE3D4595D6D}"/>
+                </a:ext>
+                <a:ext uri="{C183D7F6-B498-43B3-948B-1728B52AA6E4}">
+                  <adec:decorative xmlns:adec="http://schemas.microsoft.com/office/drawing/2017/decorative" val="1"/>
+                </a:ext>
+              </a:extLst>
+            </p:cNvPr>
+            <p:cNvSpPr/>
+            <p:nvPr>
+              <p:extLst>
+                <p:ext uri="{386F3935-93C4-4BCD-93E2-E3B085C9AB24}">
+                  <p16:designElem xmlns:p16="http://schemas.microsoft.com/office/powerpoint/2015/main" val="1"/>
+                </p:ext>
+              </p:extLst>
+            </p:nvPr>
+          </p:nvSpPr>
+          <p:spPr bwMode="auto">
+            <a:xfrm>
+              <a:off x="10247313" y="5013325"/>
+              <a:ext cx="1919288" cy="1830388"/>
+            </a:xfrm>
+            <a:custGeom>
+              <a:avLst/>
+              <a:gdLst/>
+              <a:ahLst/>
+              <a:cxnLst/>
+              <a:rect l="0" t="0" r="r" b="b"/>
+              <a:pathLst>
+                <a:path w="404" h="385">
+                  <a:moveTo>
+                    <a:pt x="0" y="385"/>
+                  </a:moveTo>
+                  <a:cubicBezTo>
+                    <a:pt x="146" y="272"/>
+                    <a:pt x="285" y="142"/>
+                    <a:pt x="404" y="0"/>
+                  </a:cubicBezTo>
+                </a:path>
+              </a:pathLst>
+            </a:custGeom>
+            <a:noFill/>
+            <a:ln w="9525" cap="flat">
+              <a:solidFill>
+                <a:schemeClr val="tx1">
+                  <a:alpha val="20000"/>
+                </a:schemeClr>
+              </a:solidFill>
+              <a:prstDash val="solid"/>
+              <a:miter lim="800000"/>
+              <a:headEnd/>
+              <a:tailEnd/>
+            </a:ln>
+            <a:extLst>
+              <a:ext uri="{909E8E84-426E-40DD-AFC4-6F175D3DCCD1}">
+                <a14:hiddenFill xmlns:a14="http://schemas.microsoft.com/office/drawing/2010/main">
+                  <a:solidFill>
+                    <a:srgbClr val="FFFFFF"/>
+                  </a:solidFill>
+                </a14:hiddenFill>
+              </a:ext>
+            </a:extLst>
+          </p:spPr>
+        </p:sp>
+        <p:sp>
+          <p:nvSpPr>
+            <p:cNvPr id="14" name="Freeform 8">
+              <a:extLst>
+                <a:ext uri="{FF2B5EF4-FFF2-40B4-BE49-F238E27FC236}">
+                  <a16:creationId xmlns:a16="http://schemas.microsoft.com/office/drawing/2014/main" id="{2FDC9A36-C7C3-47D7-A64E-ED25C47EC704}"/>
+                </a:ext>
+                <a:ext uri="{C183D7F6-B498-43B3-948B-1728B52AA6E4}">
+                  <adec:decorative xmlns:adec="http://schemas.microsoft.com/office/drawing/2017/decorative" val="1"/>
+                </a:ext>
+              </a:extLst>
+            </p:cNvPr>
+            <p:cNvSpPr/>
+            <p:nvPr>
+              <p:extLst>
+                <p:ext uri="{386F3935-93C4-4BCD-93E2-E3B085C9AB24}">
+                  <p16:designElem xmlns:p16="http://schemas.microsoft.com/office/powerpoint/2015/main" val="1"/>
+                </p:ext>
+              </p:extLst>
+            </p:nvPr>
+          </p:nvSpPr>
+          <p:spPr bwMode="auto">
+            <a:xfrm>
+              <a:off x="1120775" y="0"/>
+              <a:ext cx="3676650" cy="6843713"/>
+            </a:xfrm>
+            <a:custGeom>
+              <a:avLst/>
+              <a:gdLst/>
+              <a:ahLst/>
+              <a:cxnLst/>
+              <a:rect l="0" t="0" r="r" b="b"/>
+              <a:pathLst>
+                <a:path w="774" h="1440">
+                  <a:moveTo>
+                    <a:pt x="774" y="0"/>
+                  </a:moveTo>
+                  <a:cubicBezTo>
+                    <a:pt x="312" y="240"/>
+                    <a:pt x="0" y="1034"/>
+                    <a:pt x="411" y="1440"/>
+                  </a:cubicBezTo>
+                </a:path>
+              </a:pathLst>
+            </a:custGeom>
+            <a:noFill/>
+            <a:ln w="9525" cap="flat">
+              <a:solidFill>
+                <a:schemeClr val="tx1">
+                  <a:alpha val="20000"/>
+                </a:schemeClr>
+              </a:solidFill>
+              <a:prstDash val="dash"/>
+              <a:miter lim="800000"/>
+              <a:headEnd/>
+              <a:tailEnd/>
+            </a:ln>
+            <a:extLst>
+              <a:ext uri="{909E8E84-426E-40DD-AFC4-6F175D3DCCD1}">
+                <a14:hiddenFill xmlns:a14="http://schemas.microsoft.com/office/drawing/2010/main">
+                  <a:solidFill>
+                    <a:srgbClr val="FFFFFF"/>
+                  </a:solidFill>
+                </a14:hiddenFill>
+              </a:ext>
+            </a:extLst>
+          </p:spPr>
+        </p:sp>
+        <p:sp>
+          <p:nvSpPr>
+            <p:cNvPr id="15" name="Freeform 9">
+              <a:extLst>
+                <a:ext uri="{FF2B5EF4-FFF2-40B4-BE49-F238E27FC236}">
+                  <a16:creationId xmlns:a16="http://schemas.microsoft.com/office/drawing/2014/main" id="{BB19BC37-158A-43DC-9A9E-E45CC71954DC}"/>
+                </a:ext>
+                <a:ext uri="{C183D7F6-B498-43B3-948B-1728B52AA6E4}">
+                  <adec:decorative xmlns:adec="http://schemas.microsoft.com/office/drawing/2017/decorative" val="1"/>
+                </a:ext>
+              </a:extLst>
+            </p:cNvPr>
+            <p:cNvSpPr/>
+            <p:nvPr>
+              <p:extLst>
+                <p:ext uri="{386F3935-93C4-4BCD-93E2-E3B085C9AB24}">
+                  <p16:designElem xmlns:p16="http://schemas.microsoft.com/office/powerpoint/2015/main" val="1"/>
+                </p:ext>
+              </p:extLst>
+            </p:nvPr>
+          </p:nvSpPr>
+          <p:spPr bwMode="auto">
+            <a:xfrm>
+              <a:off x="11202988" y="9525"/>
+              <a:ext cx="963613" cy="366713"/>
+            </a:xfrm>
+            <a:custGeom>
+              <a:avLst/>
+              <a:gdLst/>
+              <a:ahLst/>
+              <a:cxnLst/>
+              <a:rect l="0" t="0" r="r" b="b"/>
+              <a:pathLst>
+                <a:path w="203" h="77">
+                  <a:moveTo>
+                    <a:pt x="203" y="77"/>
+                  </a:moveTo>
+                  <a:cubicBezTo>
+                    <a:pt x="138" y="46"/>
+                    <a:pt x="68" y="21"/>
+                    <a:pt x="0" y="0"/>
+                  </a:cubicBezTo>
+                </a:path>
+              </a:pathLst>
+            </a:custGeom>
+            <a:noFill/>
+            <a:ln w="9525" cap="flat">
+              <a:solidFill>
+                <a:schemeClr val="tx1">
+                  <a:alpha val="20000"/>
+                </a:schemeClr>
+              </a:solidFill>
+              <a:prstDash val="dash"/>
+              <a:miter lim="800000"/>
+              <a:headEnd/>
+              <a:tailEnd/>
+            </a:ln>
+            <a:extLst>
+              <a:ext uri="{909E8E84-426E-40DD-AFC4-6F175D3DCCD1}">
+                <a14:hiddenFill xmlns:a14="http://schemas.microsoft.com/office/drawing/2010/main">
+                  <a:solidFill>
+                    <a:srgbClr val="FFFFFF"/>
+                  </a:solidFill>
+                </a14:hiddenFill>
+              </a:ext>
+            </a:extLst>
+          </p:spPr>
+        </p:sp>
+        <p:sp>
+          <p:nvSpPr>
+            <p:cNvPr id="16" name="Freeform 10">
+              <a:extLst>
+                <a:ext uri="{FF2B5EF4-FFF2-40B4-BE49-F238E27FC236}">
+                  <a16:creationId xmlns:a16="http://schemas.microsoft.com/office/drawing/2014/main" id="{077654CC-108F-48D5-B5E9-437F164F52A5}"/>
+                </a:ext>
+                <a:ext uri="{C183D7F6-B498-43B3-948B-1728B52AA6E4}">
+                  <adec:decorative xmlns:adec="http://schemas.microsoft.com/office/drawing/2017/decorative" val="1"/>
+                </a:ext>
+              </a:extLst>
+            </p:cNvPr>
+            <p:cNvSpPr/>
+            <p:nvPr>
+              <p:extLst>
+                <p:ext uri="{386F3935-93C4-4BCD-93E2-E3B085C9AB24}">
+                  <p16:designElem xmlns:p16="http://schemas.microsoft.com/office/powerpoint/2015/main" val="1"/>
+                </p:ext>
+              </p:extLst>
+            </p:nvPr>
+          </p:nvSpPr>
+          <p:spPr bwMode="auto">
+            <a:xfrm>
+              <a:off x="10494963" y="5275263"/>
+              <a:ext cx="1666875" cy="1577975"/>
+            </a:xfrm>
+            <a:custGeom>
+              <a:avLst/>
+              <a:gdLst/>
+              <a:ahLst/>
+              <a:cxnLst/>
+              <a:rect l="0" t="0" r="r" b="b"/>
+              <a:pathLst>
+                <a:path w="351" h="332">
+                  <a:moveTo>
+                    <a:pt x="0" y="332"/>
+                  </a:moveTo>
+                  <a:cubicBezTo>
+                    <a:pt x="125" y="232"/>
+                    <a:pt x="245" y="121"/>
+                    <a:pt x="351" y="0"/>
+                  </a:cubicBezTo>
+                </a:path>
+              </a:pathLst>
+            </a:custGeom>
+            <a:noFill/>
+            <a:ln w="9525" cap="flat">
+              <a:solidFill>
+                <a:schemeClr val="tx1">
+                  <a:alpha val="20000"/>
+                </a:schemeClr>
+              </a:solidFill>
+              <a:prstDash val="dash"/>
+              <a:miter lim="800000"/>
+              <a:headEnd/>
+              <a:tailEnd/>
+            </a:ln>
+            <a:extLst>
+              <a:ext uri="{909E8E84-426E-40DD-AFC4-6F175D3DCCD1}">
+                <a14:hiddenFill xmlns:a14="http://schemas.microsoft.com/office/drawing/2010/main">
+                  <a:solidFill>
+                    <a:srgbClr val="FFFFFF"/>
+                  </a:solidFill>
+                </a14:hiddenFill>
+              </a:ext>
+            </a:extLst>
+          </p:spPr>
+        </p:sp>
+        <p:sp>
+          <p:nvSpPr>
+            <p:cNvPr id="17" name="Freeform 11">
+              <a:extLst>
+                <a:ext uri="{FF2B5EF4-FFF2-40B4-BE49-F238E27FC236}">
+                  <a16:creationId xmlns:a16="http://schemas.microsoft.com/office/drawing/2014/main" id="{A3CF3A63-1C1E-4E85-A78A-FDC16431E3A0}"/>
+                </a:ext>
+                <a:ext uri="{C183D7F6-B498-43B3-948B-1728B52AA6E4}">
+                  <adec:decorative xmlns:adec="http://schemas.microsoft.com/office/drawing/2017/decorative" val="1"/>
+                </a:ext>
+              </a:extLst>
+            </p:cNvPr>
+            <p:cNvSpPr/>
+            <p:nvPr>
+              <p:extLst>
+                <p:ext uri="{386F3935-93C4-4BCD-93E2-E3B085C9AB24}">
+                  <p16:designElem xmlns:p16="http://schemas.microsoft.com/office/powerpoint/2015/main" val="1"/>
+                </p:ext>
+              </p:extLst>
+            </p:nvPr>
+          </p:nvSpPr>
+          <p:spPr bwMode="auto">
+            <a:xfrm>
+              <a:off x="1001713" y="0"/>
+              <a:ext cx="3621088" cy="6843713"/>
+            </a:xfrm>
+            <a:custGeom>
+              <a:avLst/>
+              <a:gdLst/>
+              <a:ahLst/>
+              <a:cxnLst/>
+              <a:rect l="0" t="0" r="r" b="b"/>
+              <a:pathLst>
+                <a:path w="762" h="1440">
+                  <a:moveTo>
+                    <a:pt x="762" y="0"/>
+                  </a:moveTo>
+                  <a:cubicBezTo>
+                    <a:pt x="308" y="245"/>
+                    <a:pt x="0" y="1033"/>
+                    <a:pt x="403" y="1440"/>
+                  </a:cubicBezTo>
+                </a:path>
+              </a:pathLst>
+            </a:custGeom>
+            <a:noFill/>
+            <a:ln w="9525" cap="flat">
+              <a:solidFill>
+                <a:schemeClr val="tx1">
+                  <a:alpha val="20000"/>
+                </a:schemeClr>
+              </a:solidFill>
+              <a:prstDash val="solid"/>
+              <a:miter lim="800000"/>
+              <a:headEnd/>
+              <a:tailEnd/>
+            </a:ln>
+            <a:extLst>
+              <a:ext uri="{909E8E84-426E-40DD-AFC4-6F175D3DCCD1}">
+                <a14:hiddenFill xmlns:a14="http://schemas.microsoft.com/office/drawing/2010/main">
+                  <a:solidFill>
+                    <a:srgbClr val="FFFFFF"/>
+                  </a:solidFill>
+                </a14:hiddenFill>
+              </a:ext>
+            </a:extLst>
+          </p:spPr>
+        </p:sp>
+        <p:sp>
+          <p:nvSpPr>
+            <p:cNvPr id="18" name="Freeform 12">
+              <a:extLst>
+                <a:ext uri="{FF2B5EF4-FFF2-40B4-BE49-F238E27FC236}">
+                  <a16:creationId xmlns:a16="http://schemas.microsoft.com/office/drawing/2014/main" id="{8740FC9A-72DD-4D9B-BA25-1CCED1352408}"/>
+                </a:ext>
+                <a:ext uri="{C183D7F6-B498-43B3-948B-1728B52AA6E4}">
+                  <adec:decorative xmlns:adec="http://schemas.microsoft.com/office/drawing/2017/decorative" val="1"/>
+                </a:ext>
+              </a:extLst>
+            </p:cNvPr>
+            <p:cNvSpPr/>
+            <p:nvPr>
+              <p:extLst>
+                <p:ext uri="{386F3935-93C4-4BCD-93E2-E3B085C9AB24}">
+                  <p16:designElem xmlns:p16="http://schemas.microsoft.com/office/powerpoint/2015/main" val="1"/>
+                </p:ext>
+              </p:extLst>
+            </p:nvPr>
+          </p:nvSpPr>
+          <p:spPr bwMode="auto">
+            <a:xfrm>
+              <a:off x="11501438" y="9525"/>
+              <a:ext cx="665163" cy="257175"/>
+            </a:xfrm>
+            <a:custGeom>
+              <a:avLst/>
+              <a:gdLst/>
+              <a:ahLst/>
+              <a:cxnLst/>
+              <a:rect l="0" t="0" r="r" b="b"/>
+              <a:pathLst>
+                <a:path w="140" h="54">
+                  <a:moveTo>
+                    <a:pt x="140" y="54"/>
+                  </a:moveTo>
+                  <a:cubicBezTo>
+                    <a:pt x="95" y="34"/>
+                    <a:pt x="48" y="16"/>
+                    <a:pt x="0" y="0"/>
+                  </a:cubicBezTo>
+                </a:path>
+              </a:pathLst>
+            </a:custGeom>
+            <a:noFill/>
+            <a:ln w="9525" cap="flat">
+              <a:solidFill>
+                <a:schemeClr val="tx1">
+                  <a:alpha val="20000"/>
+                </a:schemeClr>
+              </a:solidFill>
+              <a:prstDash val="solid"/>
+              <a:miter lim="800000"/>
+              <a:headEnd/>
+              <a:tailEnd/>
+            </a:ln>
+            <a:extLst>
+              <a:ext uri="{909E8E84-426E-40DD-AFC4-6F175D3DCCD1}">
+                <a14:hiddenFill xmlns:a14="http://schemas.microsoft.com/office/drawing/2010/main">
+                  <a:solidFill>
+                    <a:srgbClr val="FFFFFF"/>
+                  </a:solidFill>
+                </a14:hiddenFill>
+              </a:ext>
+            </a:extLst>
+          </p:spPr>
+        </p:sp>
+        <p:sp>
+          <p:nvSpPr>
+            <p:cNvPr id="19" name="Freeform 13">
+              <a:extLst>
+                <a:ext uri="{FF2B5EF4-FFF2-40B4-BE49-F238E27FC236}">
+                  <a16:creationId xmlns:a16="http://schemas.microsoft.com/office/drawing/2014/main" id="{7FBF5743-F2AE-4D0D-BCD1-01F7686D012A}"/>
+                </a:ext>
+                <a:ext uri="{C183D7F6-B498-43B3-948B-1728B52AA6E4}">
+                  <adec:decorative xmlns:adec="http://schemas.microsoft.com/office/drawing/2017/decorative" val="1"/>
+                </a:ext>
+              </a:extLst>
+            </p:cNvPr>
+            <p:cNvSpPr/>
+            <p:nvPr>
+              <p:extLst>
+                <p:ext uri="{386F3935-93C4-4BCD-93E2-E3B085C9AB24}">
+                  <p16:designElem xmlns:p16="http://schemas.microsoft.com/office/powerpoint/2015/main" val="1"/>
+                </p:ext>
+              </p:extLst>
+            </p:nvPr>
+          </p:nvSpPr>
+          <p:spPr bwMode="auto">
+            <a:xfrm>
+              <a:off x="10641013" y="5408613"/>
+              <a:ext cx="1525588" cy="1435100"/>
+            </a:xfrm>
+            <a:custGeom>
+              <a:avLst/>
+              <a:gdLst/>
+              <a:ahLst/>
+              <a:cxnLst/>
+              <a:rect l="0" t="0" r="r" b="b"/>
+              <a:pathLst>
+                <a:path w="321" h="302">
+                  <a:moveTo>
+                    <a:pt x="0" y="302"/>
+                  </a:moveTo>
+                  <a:cubicBezTo>
+                    <a:pt x="114" y="210"/>
+                    <a:pt x="223" y="109"/>
+                    <a:pt x="321" y="0"/>
+                  </a:cubicBezTo>
+                </a:path>
+              </a:pathLst>
+            </a:custGeom>
+            <a:noFill/>
+            <a:ln w="9525" cap="flat">
+              <a:solidFill>
+                <a:schemeClr val="tx1">
+                  <a:alpha val="20000"/>
+                </a:schemeClr>
+              </a:solidFill>
+              <a:prstDash val="solid"/>
+              <a:miter lim="800000"/>
+              <a:headEnd/>
+              <a:tailEnd/>
+            </a:ln>
+            <a:extLst>
+              <a:ext uri="{909E8E84-426E-40DD-AFC4-6F175D3DCCD1}">
+                <a14:hiddenFill xmlns:a14="http://schemas.microsoft.com/office/drawing/2010/main">
+                  <a:solidFill>
+                    <a:srgbClr val="FFFFFF"/>
+                  </a:solidFill>
+                </a14:hiddenFill>
+              </a:ext>
+            </a:extLst>
+          </p:spPr>
+        </p:sp>
+        <p:sp>
+          <p:nvSpPr>
+            <p:cNvPr id="20" name="Freeform 14">
+              <a:extLst>
+                <a:ext uri="{FF2B5EF4-FFF2-40B4-BE49-F238E27FC236}">
+                  <a16:creationId xmlns:a16="http://schemas.microsoft.com/office/drawing/2014/main" id="{CED32316-D4F7-4795-BBE0-DEBB60E27CE3}"/>
+                </a:ext>
+                <a:ext uri="{C183D7F6-B498-43B3-948B-1728B52AA6E4}">
+                  <adec:decorative xmlns:adec="http://schemas.microsoft.com/office/drawing/2017/decorative" val="1"/>
+                </a:ext>
+              </a:extLst>
+            </p:cNvPr>
+            <p:cNvSpPr/>
+            <p:nvPr>
+              <p:extLst>
+                <p:ext uri="{386F3935-93C4-4BCD-93E2-E3B085C9AB24}">
+                  <p16:designElem xmlns:p16="http://schemas.microsoft.com/office/powerpoint/2015/main" val="1"/>
+                </p:ext>
+              </p:extLst>
+            </p:nvPr>
+          </p:nvSpPr>
+          <p:spPr bwMode="auto">
+            <a:xfrm>
+              <a:off x="1001713" y="0"/>
+              <a:ext cx="3244850" cy="6843713"/>
+            </a:xfrm>
+            <a:custGeom>
+              <a:avLst/>
+              <a:gdLst/>
+              <a:ahLst/>
+              <a:cxnLst/>
+              <a:rect l="0" t="0" r="r" b="b"/>
+              <a:pathLst>
+                <a:path w="683" h="1440">
+                  <a:moveTo>
+                    <a:pt x="683" y="0"/>
+                  </a:moveTo>
+                  <a:cubicBezTo>
+                    <a:pt x="258" y="256"/>
+                    <a:pt x="0" y="1041"/>
+                    <a:pt x="355" y="1440"/>
+                  </a:cubicBezTo>
+                </a:path>
+              </a:pathLst>
+            </a:custGeom>
+            <a:noFill/>
+            <a:ln w="9525" cap="flat">
+              <a:solidFill>
+                <a:schemeClr val="tx1">
+                  <a:alpha val="20000"/>
+                </a:schemeClr>
+              </a:solidFill>
+              <a:prstDash val="solid"/>
+              <a:miter lim="800000"/>
+              <a:headEnd/>
+              <a:tailEnd/>
+            </a:ln>
+            <a:extLst>
+              <a:ext uri="{909E8E84-426E-40DD-AFC4-6F175D3DCCD1}">
+                <a14:hiddenFill xmlns:a14="http://schemas.microsoft.com/office/drawing/2010/main">
+                  <a:solidFill>
+                    <a:srgbClr val="FFFFFF"/>
+                  </a:solidFill>
+                </a14:hiddenFill>
+              </a:ext>
+            </a:extLst>
+          </p:spPr>
+        </p:sp>
+        <p:sp>
+          <p:nvSpPr>
+            <p:cNvPr id="21" name="Freeform 15">
+              <a:extLst>
+                <a:ext uri="{FF2B5EF4-FFF2-40B4-BE49-F238E27FC236}">
+                  <a16:creationId xmlns:a16="http://schemas.microsoft.com/office/drawing/2014/main" id="{583B23C9-B9B7-4E93-9538-CBE316F83FDD}"/>
+                </a:ext>
+                <a:ext uri="{C183D7F6-B498-43B3-948B-1728B52AA6E4}">
+                  <adec:decorative xmlns:adec="http://schemas.microsoft.com/office/drawing/2017/decorative" val="1"/>
+                </a:ext>
+              </a:extLst>
+            </p:cNvPr>
+            <p:cNvSpPr/>
+            <p:nvPr>
+              <p:extLst>
+                <p:ext uri="{386F3935-93C4-4BCD-93E2-E3B085C9AB24}">
+                  <p16:designElem xmlns:p16="http://schemas.microsoft.com/office/powerpoint/2015/main" val="1"/>
+                </p:ext>
+              </p:extLst>
+            </p:nvPr>
+          </p:nvSpPr>
+          <p:spPr bwMode="auto">
+            <a:xfrm>
+              <a:off x="10802938" y="5518150"/>
+              <a:ext cx="1363663" cy="1325563"/>
+            </a:xfrm>
+            <a:custGeom>
+              <a:avLst/>
+              <a:gdLst/>
+              <a:ahLst/>
+              <a:cxnLst/>
+              <a:rect l="0" t="0" r="r" b="b"/>
+              <a:pathLst>
+                <a:path w="287" h="279">
+                  <a:moveTo>
+                    <a:pt x="0" y="279"/>
+                  </a:moveTo>
+                  <a:cubicBezTo>
+                    <a:pt x="101" y="193"/>
+                    <a:pt x="198" y="100"/>
+                    <a:pt x="287" y="0"/>
+                  </a:cubicBezTo>
+                </a:path>
+              </a:pathLst>
+            </a:custGeom>
+            <a:noFill/>
+            <a:ln w="9525" cap="flat">
+              <a:solidFill>
+                <a:schemeClr val="tx1">
+                  <a:alpha val="20000"/>
+                </a:schemeClr>
+              </a:solidFill>
+              <a:prstDash val="solid"/>
+              <a:miter lim="800000"/>
+              <a:headEnd/>
+              <a:tailEnd/>
+            </a:ln>
+            <a:extLst>
+              <a:ext uri="{909E8E84-426E-40DD-AFC4-6F175D3DCCD1}">
+                <a14:hiddenFill xmlns:a14="http://schemas.microsoft.com/office/drawing/2010/main">
+                  <a:solidFill>
+                    <a:srgbClr val="FFFFFF"/>
+                  </a:solidFill>
+                </a14:hiddenFill>
+              </a:ext>
+            </a:extLst>
+          </p:spPr>
+        </p:sp>
+        <p:sp>
+          <p:nvSpPr>
+            <p:cNvPr id="22" name="Freeform 16">
+              <a:extLst>
+                <a:ext uri="{FF2B5EF4-FFF2-40B4-BE49-F238E27FC236}">
+                  <a16:creationId xmlns:a16="http://schemas.microsoft.com/office/drawing/2014/main" id="{5B144260-9F2C-4ADB-A37C-1CFB4B428B1B}"/>
+                </a:ext>
+                <a:ext uri="{C183D7F6-B498-43B3-948B-1728B52AA6E4}">
+                  <adec:decorative xmlns:adec="http://schemas.microsoft.com/office/drawing/2017/decorative" val="1"/>
+                </a:ext>
+              </a:extLst>
+            </p:cNvPr>
+            <p:cNvSpPr/>
+            <p:nvPr>
+              <p:extLst>
+                <p:ext uri="{386F3935-93C4-4BCD-93E2-E3B085C9AB24}">
+                  <p16:designElem xmlns:p16="http://schemas.microsoft.com/office/powerpoint/2015/main" val="1"/>
+                </p:ext>
+              </p:extLst>
+            </p:nvPr>
+          </p:nvSpPr>
+          <p:spPr bwMode="auto">
+            <a:xfrm>
+              <a:off x="889000" y="0"/>
+              <a:ext cx="3230563" cy="6843713"/>
+            </a:xfrm>
+            <a:custGeom>
+              <a:avLst/>
+              <a:gdLst/>
+              <a:ahLst/>
+              <a:cxnLst/>
+              <a:rect l="0" t="0" r="r" b="b"/>
+              <a:pathLst>
+                <a:path w="680" h="1440">
+                  <a:moveTo>
+                    <a:pt x="680" y="0"/>
+                  </a:moveTo>
+                  <a:cubicBezTo>
+                    <a:pt x="257" y="265"/>
+                    <a:pt x="0" y="1026"/>
+                    <a:pt x="337" y="1440"/>
+                  </a:cubicBezTo>
+                </a:path>
+              </a:pathLst>
+            </a:custGeom>
+            <a:noFill/>
+            <a:ln w="9525" cap="flat">
+              <a:solidFill>
+                <a:schemeClr val="tx1">
+                  <a:alpha val="20000"/>
+                </a:schemeClr>
+              </a:solidFill>
+              <a:prstDash val="solid"/>
+              <a:miter lim="800000"/>
+              <a:headEnd/>
+              <a:tailEnd/>
+            </a:ln>
+            <a:extLst>
+              <a:ext uri="{909E8E84-426E-40DD-AFC4-6F175D3DCCD1}">
+                <a14:hiddenFill xmlns:a14="http://schemas.microsoft.com/office/drawing/2010/main">
+                  <a:solidFill>
+                    <a:srgbClr val="FFFFFF"/>
+                  </a:solidFill>
+                </a14:hiddenFill>
+              </a:ext>
+            </a:extLst>
+          </p:spPr>
+        </p:sp>
+        <p:sp>
+          <p:nvSpPr>
+            <p:cNvPr id="23" name="Freeform 17">
+              <a:extLst>
+                <a:ext uri="{FF2B5EF4-FFF2-40B4-BE49-F238E27FC236}">
+                  <a16:creationId xmlns:a16="http://schemas.microsoft.com/office/drawing/2014/main" id="{53FF918D-79D3-4F55-A68C-0DD5880DABDF}"/>
+                </a:ext>
+                <a:ext uri="{C183D7F6-B498-43B3-948B-1728B52AA6E4}">
+                  <adec:decorative xmlns:adec="http://schemas.microsoft.com/office/drawing/2017/decorative" val="1"/>
+                </a:ext>
+              </a:extLst>
+            </p:cNvPr>
+            <p:cNvSpPr/>
+            <p:nvPr>
+              <p:extLst>
+                <p:ext uri="{386F3935-93C4-4BCD-93E2-E3B085C9AB24}">
+                  <p16:designElem xmlns:p16="http://schemas.microsoft.com/office/powerpoint/2015/main" val="1"/>
+                </p:ext>
+              </p:extLst>
+            </p:nvPr>
+          </p:nvSpPr>
+          <p:spPr bwMode="auto">
+            <a:xfrm>
+              <a:off x="10979150" y="5694363"/>
+              <a:ext cx="1187450" cy="1149350"/>
+            </a:xfrm>
+            <a:custGeom>
+              <a:avLst/>
+              <a:gdLst/>
+              <a:ahLst/>
+              <a:cxnLst/>
+              <a:rect l="0" t="0" r="r" b="b"/>
+              <a:pathLst>
+                <a:path w="250" h="242">
+                  <a:moveTo>
+                    <a:pt x="0" y="242"/>
+                  </a:moveTo>
+                  <a:cubicBezTo>
+                    <a:pt x="88" y="166"/>
+                    <a:pt x="172" y="85"/>
+                    <a:pt x="250" y="0"/>
+                  </a:cubicBezTo>
+                </a:path>
+              </a:pathLst>
+            </a:custGeom>
+            <a:noFill/>
+            <a:ln w="9525" cap="flat">
+              <a:solidFill>
+                <a:schemeClr val="tx1">
+                  <a:alpha val="20000"/>
+                </a:schemeClr>
+              </a:solidFill>
+              <a:prstDash val="solid"/>
+              <a:miter lim="800000"/>
+              <a:headEnd/>
+              <a:tailEnd/>
+            </a:ln>
+            <a:extLst>
+              <a:ext uri="{909E8E84-426E-40DD-AFC4-6F175D3DCCD1}">
+                <a14:hiddenFill xmlns:a14="http://schemas.microsoft.com/office/drawing/2010/main">
+                  <a:solidFill>
+                    <a:srgbClr val="FFFFFF"/>
+                  </a:solidFill>
+                </a14:hiddenFill>
+              </a:ext>
+            </a:extLst>
+          </p:spPr>
+        </p:sp>
+        <p:sp>
+          <p:nvSpPr>
+            <p:cNvPr id="24" name="Freeform 18">
+              <a:extLst>
+                <a:ext uri="{FF2B5EF4-FFF2-40B4-BE49-F238E27FC236}">
+                  <a16:creationId xmlns:a16="http://schemas.microsoft.com/office/drawing/2014/main" id="{B9FC1440-933F-44FE-8D77-4827DD0F99A5}"/>
+                </a:ext>
+                <a:ext uri="{C183D7F6-B498-43B3-948B-1728B52AA6E4}">
+                  <adec:decorative xmlns:adec="http://schemas.microsoft.com/office/drawing/2017/decorative" val="1"/>
+                </a:ext>
+              </a:extLst>
+            </p:cNvPr>
+            <p:cNvSpPr/>
+            <p:nvPr>
+              <p:extLst>
+                <p:ext uri="{386F3935-93C4-4BCD-93E2-E3B085C9AB24}">
+                  <p16:designElem xmlns:p16="http://schemas.microsoft.com/office/powerpoint/2015/main" val="1"/>
+                </p:ext>
+              </p:extLst>
+            </p:nvPr>
+          </p:nvSpPr>
+          <p:spPr bwMode="auto">
+            <a:xfrm>
+              <a:off x="484188" y="0"/>
+              <a:ext cx="3421063" cy="6843713"/>
+            </a:xfrm>
+            <a:custGeom>
+              <a:avLst/>
+              <a:gdLst/>
+              <a:ahLst/>
+              <a:cxnLst/>
+              <a:rect l="0" t="0" r="r" b="b"/>
+              <a:pathLst>
+                <a:path w="720" h="1440">
+                  <a:moveTo>
+                    <a:pt x="720" y="0"/>
+                  </a:moveTo>
+                  <a:cubicBezTo>
+                    <a:pt x="316" y="282"/>
+                    <a:pt x="0" y="1018"/>
+                    <a:pt x="362" y="1440"/>
+                  </a:cubicBezTo>
+                </a:path>
+              </a:pathLst>
+            </a:custGeom>
+            <a:noFill/>
+            <a:ln w="9525" cap="flat">
+              <a:solidFill>
+                <a:schemeClr val="tx1">
+                  <a:alpha val="20000"/>
+                </a:schemeClr>
+              </a:solidFill>
+              <a:prstDash val="solid"/>
+              <a:miter lim="800000"/>
+              <a:headEnd/>
+              <a:tailEnd/>
+            </a:ln>
+            <a:extLst>
+              <a:ext uri="{909E8E84-426E-40DD-AFC4-6F175D3DCCD1}">
+                <a14:hiddenFill xmlns:a14="http://schemas.microsoft.com/office/drawing/2010/main">
+                  <a:solidFill>
+                    <a:srgbClr val="FFFFFF"/>
+                  </a:solidFill>
+                </a14:hiddenFill>
+              </a:ext>
+            </a:extLst>
+          </p:spPr>
+        </p:sp>
+        <p:sp>
+          <p:nvSpPr>
+            <p:cNvPr id="25" name="Freeform 19">
+              <a:extLst>
+                <a:ext uri="{FF2B5EF4-FFF2-40B4-BE49-F238E27FC236}">
+                  <a16:creationId xmlns:a16="http://schemas.microsoft.com/office/drawing/2014/main" id="{0F67F308-A67C-4D2E-B081-59BB31D8EC50}"/>
+                </a:ext>
+                <a:ext uri="{C183D7F6-B498-43B3-948B-1728B52AA6E4}">
+                  <adec:decorative xmlns:adec="http://schemas.microsoft.com/office/drawing/2017/decorative" val="1"/>
+                </a:ext>
+              </a:extLst>
+            </p:cNvPr>
+            <p:cNvSpPr/>
+            <p:nvPr>
+              <p:extLst>
+                <p:ext uri="{386F3935-93C4-4BCD-93E2-E3B085C9AB24}">
+                  <p16:designElem xmlns:p16="http://schemas.microsoft.com/office/powerpoint/2015/main" val="1"/>
+                </p:ext>
+              </p:extLst>
+            </p:nvPr>
+          </p:nvSpPr>
+          <p:spPr bwMode="auto">
+            <a:xfrm>
+              <a:off x="11287125" y="6049963"/>
+              <a:ext cx="879475" cy="793750"/>
+            </a:xfrm>
+            <a:custGeom>
+              <a:avLst/>
+              <a:gdLst/>
+              <a:ahLst/>
+              <a:cxnLst/>
+              <a:rect l="0" t="0" r="r" b="b"/>
+              <a:pathLst>
+                <a:path w="185" h="167">
+                  <a:moveTo>
+                    <a:pt x="0" y="167"/>
+                  </a:moveTo>
+                  <a:cubicBezTo>
+                    <a:pt x="63" y="114"/>
+                    <a:pt x="125" y="58"/>
+                    <a:pt x="185" y="0"/>
+                  </a:cubicBezTo>
+                </a:path>
+              </a:pathLst>
+            </a:custGeom>
+            <a:noFill/>
+            <a:ln w="9525" cap="flat">
+              <a:solidFill>
+                <a:schemeClr val="tx1">
+                  <a:alpha val="20000"/>
+                </a:schemeClr>
+              </a:solidFill>
+              <a:prstDash val="solid"/>
+              <a:miter lim="800000"/>
+              <a:headEnd/>
+              <a:tailEnd/>
+            </a:ln>
+            <a:extLst>
+              <a:ext uri="{909E8E84-426E-40DD-AFC4-6F175D3DCCD1}">
+                <a14:hiddenFill xmlns:a14="http://schemas.microsoft.com/office/drawing/2010/main">
+                  <a:solidFill>
+                    <a:srgbClr val="FFFFFF"/>
+                  </a:solidFill>
+                </a14:hiddenFill>
+              </a:ext>
+            </a:extLst>
+          </p:spPr>
+        </p:sp>
+        <p:sp>
+          <p:nvSpPr>
+            <p:cNvPr id="26" name="Freeform 20">
+              <a:extLst>
+                <a:ext uri="{FF2B5EF4-FFF2-40B4-BE49-F238E27FC236}">
+                  <a16:creationId xmlns:a16="http://schemas.microsoft.com/office/drawing/2014/main" id="{80112F01-90EB-4AEC-A39C-5C6875FFB99B}"/>
+                </a:ext>
+                <a:ext uri="{C183D7F6-B498-43B3-948B-1728B52AA6E4}">
+                  <adec:decorative xmlns:adec="http://schemas.microsoft.com/office/drawing/2017/decorative" val="1"/>
+                </a:ext>
+              </a:extLst>
+            </p:cNvPr>
+            <p:cNvSpPr/>
+            <p:nvPr>
+              <p:extLst>
+                <p:ext uri="{386F3935-93C4-4BCD-93E2-E3B085C9AB24}">
+                  <p16:designElem xmlns:p16="http://schemas.microsoft.com/office/powerpoint/2015/main" val="1"/>
+                </p:ext>
+              </p:extLst>
+            </p:nvPr>
+          </p:nvSpPr>
+          <p:spPr bwMode="auto">
+            <a:xfrm>
+              <a:off x="598488" y="0"/>
+              <a:ext cx="2717800" cy="6843713"/>
+            </a:xfrm>
+            <a:custGeom>
+              <a:avLst/>
+              <a:gdLst/>
+              <a:ahLst/>
+              <a:cxnLst/>
+              <a:rect l="0" t="0" r="r" b="b"/>
+              <a:pathLst>
+                <a:path w="572" h="1440">
+                  <a:moveTo>
+                    <a:pt x="572" y="0"/>
+                  </a:moveTo>
+                  <a:cubicBezTo>
+                    <a:pt x="213" y="320"/>
+                    <a:pt x="0" y="979"/>
+                    <a:pt x="164" y="1440"/>
+                  </a:cubicBezTo>
+                </a:path>
+              </a:pathLst>
+            </a:custGeom>
+            <a:noFill/>
+            <a:ln w="12700" cap="flat">
+              <a:solidFill>
+                <a:schemeClr val="tx1">
+                  <a:alpha val="20000"/>
+                </a:schemeClr>
+              </a:solidFill>
+              <a:prstDash val="dashDot"/>
+              <a:miter lim="800000"/>
+              <a:headEnd/>
+              <a:tailEnd/>
+            </a:ln>
+            <a:extLst>
+              <a:ext uri="{909E8E84-426E-40DD-AFC4-6F175D3DCCD1}">
+                <a14:hiddenFill xmlns:a14="http://schemas.microsoft.com/office/drawing/2010/main">
+                  <a:solidFill>
+                    <a:srgbClr val="FFFFFF"/>
+                  </a:solidFill>
+                </a14:hiddenFill>
+              </a:ext>
+            </a:extLst>
+          </p:spPr>
+        </p:sp>
+        <p:sp>
+          <p:nvSpPr>
+            <p:cNvPr id="27" name="Freeform 21">
+              <a:extLst>
+                <a:ext uri="{FF2B5EF4-FFF2-40B4-BE49-F238E27FC236}">
+                  <a16:creationId xmlns:a16="http://schemas.microsoft.com/office/drawing/2014/main" id="{893F6B05-90EB-4C75-A0F0-C7247553BD81}"/>
+                </a:ext>
+                <a:ext uri="{C183D7F6-B498-43B3-948B-1728B52AA6E4}">
+                  <adec:decorative xmlns:adec="http://schemas.microsoft.com/office/drawing/2017/decorative" val="1"/>
+                </a:ext>
+              </a:extLst>
+            </p:cNvPr>
+            <p:cNvSpPr/>
+            <p:nvPr>
+              <p:extLst>
+                <p:ext uri="{386F3935-93C4-4BCD-93E2-E3B085C9AB24}">
+                  <p16:designElem xmlns:p16="http://schemas.microsoft.com/office/powerpoint/2015/main" val="1"/>
+                </p:ext>
+              </p:extLst>
+            </p:nvPr>
+          </p:nvSpPr>
+          <p:spPr bwMode="auto">
+            <a:xfrm>
+              <a:off x="261938" y="0"/>
+              <a:ext cx="2944813" cy="6843713"/>
+            </a:xfrm>
+            <a:custGeom>
+              <a:avLst/>
+              <a:gdLst/>
+              <a:ahLst/>
+              <a:cxnLst/>
+              <a:rect l="0" t="0" r="r" b="b"/>
+              <a:pathLst>
+                <a:path w="620" h="1440">
+                  <a:moveTo>
+                    <a:pt x="620" y="0"/>
+                  </a:moveTo>
+                  <a:cubicBezTo>
+                    <a:pt x="248" y="325"/>
+                    <a:pt x="0" y="960"/>
+                    <a:pt x="186" y="1440"/>
+                  </a:cubicBezTo>
+                </a:path>
+              </a:pathLst>
+            </a:custGeom>
+            <a:noFill/>
+            <a:ln w="9525" cap="flat">
+              <a:solidFill>
+                <a:schemeClr val="tx1">
+                  <a:alpha val="20000"/>
+                </a:schemeClr>
+              </a:solidFill>
+              <a:prstDash val="lgDash"/>
+              <a:miter lim="800000"/>
+              <a:headEnd/>
+              <a:tailEnd/>
+            </a:ln>
+            <a:extLst>
+              <a:ext uri="{909E8E84-426E-40DD-AFC4-6F175D3DCCD1}">
+                <a14:hiddenFill xmlns:a14="http://schemas.microsoft.com/office/drawing/2010/main">
+                  <a:solidFill>
+                    <a:srgbClr val="FFFFFF"/>
+                  </a:solidFill>
+                </a14:hiddenFill>
+              </a:ext>
+            </a:extLst>
+          </p:spPr>
+        </p:sp>
+        <p:sp>
+          <p:nvSpPr>
+            <p:cNvPr id="28" name="Freeform 22">
+              <a:extLst>
+                <a:ext uri="{FF2B5EF4-FFF2-40B4-BE49-F238E27FC236}">
+                  <a16:creationId xmlns:a16="http://schemas.microsoft.com/office/drawing/2014/main" id="{227B563B-E0C0-4D81-966D-B5E2DBAAE8B5}"/>
+                </a:ext>
+                <a:ext uri="{C183D7F6-B498-43B3-948B-1728B52AA6E4}">
+                  <adec:decorative xmlns:adec="http://schemas.microsoft.com/office/drawing/2017/decorative" val="1"/>
+                </a:ext>
+              </a:extLst>
+            </p:cNvPr>
+            <p:cNvSpPr/>
+            <p:nvPr>
+              <p:extLst>
+                <p:ext uri="{386F3935-93C4-4BCD-93E2-E3B085C9AB24}">
+                  <p16:designElem xmlns:p16="http://schemas.microsoft.com/office/powerpoint/2015/main" val="1"/>
+                </p:ext>
+              </p:extLst>
+            </p:nvPr>
+          </p:nvSpPr>
+          <p:spPr bwMode="auto">
+            <a:xfrm>
+              <a:off x="-417513" y="0"/>
+              <a:ext cx="2403475" cy="6843713"/>
+            </a:xfrm>
+            <a:custGeom>
+              <a:avLst/>
+              <a:gdLst/>
+              <a:ahLst/>
+              <a:cxnLst/>
+              <a:rect l="0" t="0" r="r" b="b"/>
+              <a:pathLst>
+                <a:path w="506" h="1440">
+                  <a:moveTo>
+                    <a:pt x="506" y="0"/>
+                  </a:moveTo>
+                  <a:cubicBezTo>
+                    <a:pt x="109" y="356"/>
+                    <a:pt x="0" y="943"/>
+                    <a:pt x="171" y="1440"/>
+                  </a:cubicBezTo>
+                </a:path>
+              </a:pathLst>
+            </a:custGeom>
+            <a:noFill/>
+            <a:ln w="9525" cap="flat">
+              <a:solidFill>
+                <a:schemeClr val="tx1">
+                  <a:alpha val="20000"/>
+                </a:schemeClr>
+              </a:solidFill>
+              <a:prstDash val="solid"/>
+              <a:miter lim="800000"/>
+              <a:headEnd/>
+              <a:tailEnd/>
+            </a:ln>
+            <a:extLst>
+              <a:ext uri="{909E8E84-426E-40DD-AFC4-6F175D3DCCD1}">
+                <a14:hiddenFill xmlns:a14="http://schemas.microsoft.com/office/drawing/2010/main">
+                  <a:solidFill>
+                    <a:srgbClr val="FFFFFF"/>
+                  </a:solidFill>
+                </a14:hiddenFill>
+              </a:ext>
+            </a:extLst>
+          </p:spPr>
+        </p:sp>
+        <p:sp>
+          <p:nvSpPr>
+            <p:cNvPr id="29" name="Freeform 23">
+              <a:extLst>
+                <a:ext uri="{FF2B5EF4-FFF2-40B4-BE49-F238E27FC236}">
+                  <a16:creationId xmlns:a16="http://schemas.microsoft.com/office/drawing/2014/main" id="{130DF93D-D1FF-477A-BDCE-C8B01C3B476C}"/>
+                </a:ext>
+                <a:ext uri="{C183D7F6-B498-43B3-948B-1728B52AA6E4}">
+                  <adec:decorative xmlns:adec="http://schemas.microsoft.com/office/drawing/2017/decorative" val="1"/>
+                </a:ext>
+              </a:extLst>
+            </p:cNvPr>
+            <p:cNvSpPr/>
+            <p:nvPr>
+              <p:extLst>
+                <p:ext uri="{386F3935-93C4-4BCD-93E2-E3B085C9AB24}">
+                  <p16:designElem xmlns:p16="http://schemas.microsoft.com/office/powerpoint/2015/main" val="1"/>
+                </p:ext>
+              </p:extLst>
+            </p:nvPr>
+          </p:nvSpPr>
+          <p:spPr bwMode="auto">
+            <a:xfrm>
+              <a:off x="14288" y="9525"/>
+              <a:ext cx="1771650" cy="3198813"/>
+            </a:xfrm>
+            <a:custGeom>
+              <a:avLst/>
+              <a:gdLst/>
+              <a:ahLst/>
+              <a:cxnLst/>
+              <a:rect l="0" t="0" r="r" b="b"/>
+              <a:pathLst>
+                <a:path w="373" h="673">
+                  <a:moveTo>
+                    <a:pt x="373" y="0"/>
+                  </a:moveTo>
+                  <a:cubicBezTo>
+                    <a:pt x="175" y="183"/>
+                    <a:pt x="51" y="409"/>
+                    <a:pt x="0" y="673"/>
+                  </a:cubicBezTo>
+                </a:path>
+              </a:pathLst>
+            </a:custGeom>
+            <a:noFill/>
+            <a:ln w="9525" cap="flat">
+              <a:solidFill>
+                <a:schemeClr val="tx1">
+                  <a:alpha val="20000"/>
+                </a:schemeClr>
+              </a:solidFill>
+              <a:prstDash val="solid"/>
+              <a:miter lim="800000"/>
+              <a:headEnd/>
+              <a:tailEnd/>
+            </a:ln>
+            <a:extLst>
+              <a:ext uri="{909E8E84-426E-40DD-AFC4-6F175D3DCCD1}">
+                <a14:hiddenFill xmlns:a14="http://schemas.microsoft.com/office/drawing/2010/main">
+                  <a:solidFill>
+                    <a:srgbClr val="FFFFFF"/>
+                  </a:solidFill>
+                </a14:hiddenFill>
+              </a:ext>
+            </a:extLst>
+          </p:spPr>
+        </p:sp>
+        <p:sp>
+          <p:nvSpPr>
+            <p:cNvPr id="30" name="Freeform 24">
+              <a:extLst>
+                <a:ext uri="{FF2B5EF4-FFF2-40B4-BE49-F238E27FC236}">
+                  <a16:creationId xmlns:a16="http://schemas.microsoft.com/office/drawing/2014/main" id="{44ED67A1-C6FE-4AC8-8473-11DAC03DCD33}"/>
+                </a:ext>
+                <a:ext uri="{C183D7F6-B498-43B3-948B-1728B52AA6E4}">
+                  <adec:decorative xmlns:adec="http://schemas.microsoft.com/office/drawing/2017/decorative" val="1"/>
+                </a:ext>
+              </a:extLst>
+            </p:cNvPr>
+            <p:cNvSpPr/>
+            <p:nvPr>
+              <p:extLst>
+                <p:ext uri="{386F3935-93C4-4BCD-93E2-E3B085C9AB24}">
+                  <p16:designElem xmlns:p16="http://schemas.microsoft.com/office/powerpoint/2015/main" val="1"/>
+                </p:ext>
+              </p:extLst>
+            </p:nvPr>
+          </p:nvSpPr>
+          <p:spPr bwMode="auto">
+            <a:xfrm>
+              <a:off x="4763" y="6016625"/>
+              <a:ext cx="214313" cy="827088"/>
+            </a:xfrm>
+            <a:custGeom>
+              <a:avLst/>
+              <a:gdLst/>
+              <a:ahLst/>
+              <a:cxnLst/>
+              <a:rect l="0" t="0" r="r" b="b"/>
+              <a:pathLst>
+                <a:path w="45" h="174">
+                  <a:moveTo>
+                    <a:pt x="0" y="0"/>
+                  </a:moveTo>
+                  <a:cubicBezTo>
+                    <a:pt x="11" y="59"/>
+                    <a:pt x="26" y="118"/>
+                    <a:pt x="45" y="174"/>
+                  </a:cubicBezTo>
+                </a:path>
+              </a:pathLst>
+            </a:custGeom>
+            <a:noFill/>
+            <a:ln w="9525" cap="flat">
+              <a:solidFill>
+                <a:schemeClr val="tx1">
+                  <a:alpha val="20000"/>
+                </a:schemeClr>
+              </a:solidFill>
+              <a:prstDash val="solid"/>
+              <a:miter lim="800000"/>
+              <a:headEnd/>
+              <a:tailEnd/>
+            </a:ln>
+            <a:extLst>
+              <a:ext uri="{909E8E84-426E-40DD-AFC4-6F175D3DCCD1}">
+                <a14:hiddenFill xmlns:a14="http://schemas.microsoft.com/office/drawing/2010/main">
+                  <a:solidFill>
+                    <a:srgbClr val="FFFFFF"/>
+                  </a:solidFill>
+                </a14:hiddenFill>
+              </a:ext>
+            </a:extLst>
+          </p:spPr>
+        </p:sp>
+        <p:sp>
+          <p:nvSpPr>
+            <p:cNvPr id="31" name="Freeform 25">
+              <a:extLst>
+                <a:ext uri="{FF2B5EF4-FFF2-40B4-BE49-F238E27FC236}">
+                  <a16:creationId xmlns:a16="http://schemas.microsoft.com/office/drawing/2014/main" id="{213A54F3-15FA-4C8F-8ABF-CE77E7219658}"/>
+                </a:ext>
+                <a:ext uri="{C183D7F6-B498-43B3-948B-1728B52AA6E4}">
+                  <adec:decorative xmlns:adec="http://schemas.microsoft.com/office/drawing/2017/decorative" val="1"/>
+                </a:ext>
+              </a:extLst>
+            </p:cNvPr>
+            <p:cNvSpPr/>
+            <p:nvPr>
+              <p:extLst>
+                <p:ext uri="{386F3935-93C4-4BCD-93E2-E3B085C9AB24}">
+                  <p16:designElem xmlns:p16="http://schemas.microsoft.com/office/powerpoint/2015/main" val="1"/>
+                </p:ext>
+              </p:extLst>
+            </p:nvPr>
+          </p:nvSpPr>
+          <p:spPr bwMode="auto">
+            <a:xfrm>
+              <a:off x="14288" y="0"/>
+              <a:ext cx="1562100" cy="2228850"/>
+            </a:xfrm>
+            <a:custGeom>
+              <a:avLst/>
+              <a:gdLst/>
+              <a:ahLst/>
+              <a:cxnLst/>
+              <a:rect l="0" t="0" r="r" b="b"/>
+              <a:pathLst>
+                <a:path w="329" h="469">
+                  <a:moveTo>
+                    <a:pt x="329" y="0"/>
+                  </a:moveTo>
+                  <a:cubicBezTo>
+                    <a:pt x="189" y="133"/>
+                    <a:pt x="69" y="288"/>
+                    <a:pt x="0" y="469"/>
+                  </a:cubicBezTo>
+                </a:path>
+              </a:pathLst>
+            </a:custGeom>
+            <a:noFill/>
+            <a:ln w="9525" cap="flat">
+              <a:solidFill>
+                <a:schemeClr val="tx1">
+                  <a:alpha val="20000"/>
+                </a:schemeClr>
+              </a:solidFill>
+              <a:prstDash val="solid"/>
+              <a:miter lim="800000"/>
+              <a:headEnd/>
+              <a:tailEnd/>
+            </a:ln>
+            <a:extLst>
+              <a:ext uri="{909E8E84-426E-40DD-AFC4-6F175D3DCCD1}">
+                <a14:hiddenFill xmlns:a14="http://schemas.microsoft.com/office/drawing/2010/main">
+                  <a:solidFill>
+                    <a:srgbClr val="FFFFFF"/>
+                  </a:solidFill>
+                </a14:hiddenFill>
+              </a:ext>
+            </a:extLst>
+          </p:spPr>
+        </p:sp>
+      </p:grpSp>
+      <p:grpSp>
+        <p:nvGrpSpPr>
+          <p:cNvPr id="33" name="Group 32">
+            <a:extLst>
+              <a:ext uri="{FF2B5EF4-FFF2-40B4-BE49-F238E27FC236}">
+                <a16:creationId xmlns:a16="http://schemas.microsoft.com/office/drawing/2014/main" id="{5F8A7F7F-DD1A-4F41-98AC-B9CE2A620CDC}"/>
+              </a:ext>
+              <a:ext uri="{C183D7F6-B498-43B3-948B-1728B52AA6E4}">
+                <adec:decorative xmlns:adec="http://schemas.microsoft.com/office/drawing/2017/decorative" val="1"/>
+              </a:ext>
+            </a:extLst>
+          </p:cNvPr>
+          <p:cNvGrpSpPr>
+            <a:grpSpLocks noGrp="1" noUngrp="1" noRot="1" noChangeAspect="1" noMove="1" noResize="1"/>
+          </p:cNvGrpSpPr>
+          <p:nvPr>
+            <p:extLst>
+              <p:ext uri="{386F3935-93C4-4BCD-93E2-E3B085C9AB24}">
+                <p16:designElem xmlns:p16="http://schemas.microsoft.com/office/powerpoint/2015/main" val="1"/>
+              </p:ext>
+            </p:extLst>
+          </p:nvPr>
+        </p:nvGrpSpPr>
+        <p:grpSpPr>
+          <a:xfrm>
+            <a:off x="800144" y="1699589"/>
+            <a:ext cx="3674476" cy="3470421"/>
+            <a:chOff x="697883" y="1816768"/>
+            <a:chExt cx="3674476" cy="3470421"/>
+          </a:xfrm>
+        </p:grpSpPr>
+        <p:sp>
+          <p:nvSpPr>
+            <p:cNvPr id="34" name="Rectangle 33">
+              <a:extLst>
+                <a:ext uri="{FF2B5EF4-FFF2-40B4-BE49-F238E27FC236}">
+                  <a16:creationId xmlns:a16="http://schemas.microsoft.com/office/drawing/2014/main" id="{CEF47228-EB7C-4EBA-BE01-DA6CB2410289}"/>
+                </a:ext>
+                <a:ext uri="{C183D7F6-B498-43B3-948B-1728B52AA6E4}">
+                  <adec:decorative xmlns:adec="http://schemas.microsoft.com/office/drawing/2017/decorative" val="1"/>
+                </a:ext>
+              </a:extLst>
+            </p:cNvPr>
+            <p:cNvSpPr/>
+            <p:nvPr>
+              <p:extLst>
+                <p:ext uri="{386F3935-93C4-4BCD-93E2-E3B085C9AB24}">
+                  <p16:designElem xmlns:p16="http://schemas.microsoft.com/office/powerpoint/2015/main" val="1"/>
+                </p:ext>
+              </p:extLst>
+            </p:nvPr>
+          </p:nvSpPr>
+          <p:spPr>
+            <a:xfrm>
+              <a:off x="697883" y="1816768"/>
+              <a:ext cx="3674476" cy="502920"/>
+            </a:xfrm>
+            <a:prstGeom prst="rect">
+              <a:avLst/>
+            </a:prstGeom>
+            <a:solidFill>
+              <a:schemeClr val="accent1"/>
+            </a:solidFill>
+            <a:ln>
+              <a:noFill/>
+            </a:ln>
+          </p:spPr>
+          <p:style>
+            <a:lnRef idx="2">
+              <a:schemeClr val="accent1">
+                <a:shade val="50000"/>
+              </a:schemeClr>
+            </a:lnRef>
+            <a:fillRef idx="1">
+              <a:schemeClr val="accent1"/>
+            </a:fillRef>
+            <a:effectRef idx="0">
+              <a:schemeClr val="accent1"/>
+            </a:effectRef>
+            <a:fontRef idx="minor">
+              <a:schemeClr val="lt1"/>
+            </a:fontRef>
+          </p:style>
+        </p:sp>
+        <p:sp>
+          <p:nvSpPr>
+            <p:cNvPr id="35" name="Isosceles Triangle 22">
+              <a:extLst>
+                <a:ext uri="{FF2B5EF4-FFF2-40B4-BE49-F238E27FC236}">
+                  <a16:creationId xmlns:a16="http://schemas.microsoft.com/office/drawing/2014/main" id="{3D2FD25A-EFFD-4F5C-9258-981F5907DE21}"/>
+                </a:ext>
+                <a:ext uri="{C183D7F6-B498-43B3-948B-1728B52AA6E4}">
+                  <adec:decorative xmlns:adec="http://schemas.microsoft.com/office/drawing/2017/decorative" val="1"/>
+                </a:ext>
+              </a:extLst>
+            </p:cNvPr>
+            <p:cNvSpPr/>
+            <p:nvPr>
+              <p:extLst>
+                <p:ext uri="{386F3935-93C4-4BCD-93E2-E3B085C9AB24}">
+                  <p16:designElem xmlns:p16="http://schemas.microsoft.com/office/powerpoint/2015/main" val="1"/>
+                </p:ext>
+              </p:extLst>
+            </p:nvPr>
+          </p:nvSpPr>
+          <p:spPr>
+            <a:xfrm rot="10800000">
+              <a:off x="2380224" y="5014786"/>
+              <a:ext cx="315988" cy="272403"/>
+            </a:xfrm>
+            <a:prstGeom prst="triangle">
+              <a:avLst/>
+            </a:prstGeom>
+            <a:solidFill>
+              <a:schemeClr val="accent1"/>
+            </a:solidFill>
+            <a:ln>
+              <a:noFill/>
+            </a:ln>
+          </p:spPr>
+          <p:style>
+            <a:lnRef idx="2">
+              <a:schemeClr val="accent1">
+                <a:shade val="50000"/>
+              </a:schemeClr>
+            </a:lnRef>
+            <a:fillRef idx="1">
+              <a:schemeClr val="accent1"/>
+            </a:fillRef>
+            <a:effectRef idx="0">
+              <a:schemeClr val="accent1"/>
+            </a:effectRef>
+            <a:fontRef idx="minor">
+              <a:schemeClr val="lt1"/>
+            </a:fontRef>
+          </p:style>
+        </p:sp>
+        <p:sp>
+          <p:nvSpPr>
+            <p:cNvPr id="36" name="Rectangle 35">
+              <a:extLst>
+                <a:ext uri="{FF2B5EF4-FFF2-40B4-BE49-F238E27FC236}">
+                  <a16:creationId xmlns:a16="http://schemas.microsoft.com/office/drawing/2014/main" id="{DCF573BC-A06F-4036-A3A8-9D07DDE62253}"/>
+                </a:ext>
+                <a:ext uri="{C183D7F6-B498-43B3-948B-1728B52AA6E4}">
+                  <adec:decorative xmlns:adec="http://schemas.microsoft.com/office/drawing/2017/decorative" val="1"/>
+                </a:ext>
+              </a:extLst>
+            </p:cNvPr>
+            <p:cNvSpPr/>
+            <p:nvPr>
+              <p:extLst>
+                <p:ext uri="{386F3935-93C4-4BCD-93E2-E3B085C9AB24}">
+                  <p16:designElem xmlns:p16="http://schemas.microsoft.com/office/powerpoint/2015/main" val="1"/>
+                </p:ext>
+              </p:extLst>
+            </p:nvPr>
+          </p:nvSpPr>
+          <p:spPr>
+            <a:xfrm>
+              <a:off x="704075" y="2392840"/>
+              <a:ext cx="3668284" cy="2624327"/>
+            </a:xfrm>
+            <a:prstGeom prst="rect">
+              <a:avLst/>
+            </a:prstGeom>
+            <a:solidFill>
+              <a:schemeClr val="accent1"/>
+            </a:solidFill>
+            <a:ln>
+              <a:noFill/>
+            </a:ln>
+          </p:spPr>
+          <p:style>
+            <a:lnRef idx="2">
+              <a:schemeClr val="accent1">
+                <a:shade val="50000"/>
+              </a:schemeClr>
+            </a:lnRef>
+            <a:fillRef idx="1">
+              <a:schemeClr val="accent1"/>
+            </a:fillRef>
+            <a:effectRef idx="0">
+              <a:schemeClr val="accent1"/>
+            </a:effectRef>
+            <a:fontRef idx="minor">
+              <a:schemeClr val="lt1"/>
+            </a:fontRef>
+          </p:style>
+        </p:sp>
+      </p:grpSp>
+      <p:sp>
+        <p:nvSpPr>
+          <p:cNvPr id="2" name="Title 1">
+            <a:extLst>
+              <a:ext uri="{FF2B5EF4-FFF2-40B4-BE49-F238E27FC236}">
+                <a16:creationId xmlns:a16="http://schemas.microsoft.com/office/drawing/2014/main" id="{6F63A5C2-7055-4693-A830-0AD639AC44B5}"/>
+              </a:ext>
+            </a:extLst>
+          </p:cNvPr>
+          <p:cNvSpPr>
+            <a:spLocks noGrp="1"/>
+          </p:cNvSpPr>
+          <p:nvPr>
+            <p:ph type="title"/>
+          </p:nvPr>
+        </p:nvSpPr>
+        <p:spPr>
+          <a:xfrm>
+            <a:off x="904877" y="2415322"/>
+            <a:ext cx="3451730" cy="2399869"/>
+          </a:xfrm>
+        </p:spPr>
+        <p:txBody>
+          <a:bodyPr>
+            <a:normAutofit/>
+          </a:bodyPr>
+          <a:lstStyle/>
+          <a:p>
+            <a:pPr algn="ctr"/>
+            <a:r>
+              <a:rPr lang="en-US" sz="4000">
+                <a:solidFill>
+                  <a:srgbClr val="FFFFFF"/>
+                </a:solidFill>
+              </a:rPr>
+              <a:t>Zadatak</a:t>
+            </a:r>
+            <a:endParaRPr lang="en-GB" sz="4000">
+              <a:solidFill>
+                <a:srgbClr val="FFFFFF"/>
+              </a:solidFill>
+            </a:endParaRPr>
+          </a:p>
+        </p:txBody>
+      </p:sp>
+      <p:sp>
+        <p:nvSpPr>
+          <p:cNvPr id="3" name="Content Placeholder 2">
+            <a:extLst>
+              <a:ext uri="{FF2B5EF4-FFF2-40B4-BE49-F238E27FC236}">
+                <a16:creationId xmlns:a16="http://schemas.microsoft.com/office/drawing/2014/main" id="{EFF698BE-5048-40A4-89BD-A8A6678EB4C4}"/>
+              </a:ext>
+            </a:extLst>
+          </p:cNvPr>
+          <p:cNvSpPr>
+            <a:spLocks noGrp="1"/>
+          </p:cNvSpPr>
+          <p:nvPr>
+            <p:ph idx="1"/>
+          </p:nvPr>
+        </p:nvSpPr>
+        <p:spPr>
+          <a:xfrm>
+            <a:off x="5120640" y="804672"/>
+            <a:ext cx="6281928" cy="5248656"/>
+          </a:xfrm>
+        </p:spPr>
+        <p:txBody>
+          <a:bodyPr anchor="ctr">
+            <a:normAutofit/>
+          </a:bodyPr>
+          <a:lstStyle/>
+          <a:p>
+            <a:pPr marL="457200"/>
+            <a:r>
+              <a:rPr lang="en-US" sz="1400" dirty="0" err="1"/>
+              <a:t>Prepraviti</a:t>
+            </a:r>
+            <a:r>
+              <a:rPr lang="en-US" sz="1400" dirty="0"/>
+              <a:t> </a:t>
+            </a:r>
+            <a:r>
+              <a:rPr lang="en-US" sz="1400" dirty="0" err="1"/>
+              <a:t>zadatak</a:t>
+            </a:r>
+            <a:r>
+              <a:rPr lang="en-US" sz="1400" dirty="0"/>
+              <a:t> </a:t>
+            </a:r>
+            <a:r>
+              <a:rPr lang="en-US" sz="1400" dirty="0" err="1"/>
+              <a:t>sa</a:t>
+            </a:r>
+            <a:r>
+              <a:rPr lang="en-US" sz="1400" dirty="0"/>
+              <a:t> </a:t>
+            </a:r>
+            <a:r>
+              <a:rPr lang="en-US" sz="1400" dirty="0" err="1"/>
+              <a:t>dve</a:t>
+            </a:r>
+            <a:r>
+              <a:rPr lang="en-US" sz="1400" dirty="0"/>
+              <a:t> </a:t>
+            </a:r>
+            <a:r>
+              <a:rPr lang="en-US" sz="1400" dirty="0" err="1"/>
+              <a:t>komponente</a:t>
+            </a:r>
+            <a:r>
+              <a:rPr lang="en-US" sz="1400" dirty="0"/>
+              <a:t>.</a:t>
+            </a:r>
+          </a:p>
+          <a:p>
+            <a:pPr marL="457200"/>
+            <a:r>
+              <a:rPr lang="en-US" sz="1400" dirty="0" err="1"/>
+              <a:t>Koristite</a:t>
+            </a:r>
+            <a:r>
+              <a:rPr lang="en-US" sz="1400" dirty="0"/>
+              <a:t> </a:t>
+            </a:r>
+            <a:r>
+              <a:rPr lang="sr-Latn-RS" sz="1400" dirty="0"/>
+              <a:t>direktive</a:t>
+            </a:r>
+            <a:r>
+              <a:rPr lang="en-US" sz="1400" dirty="0"/>
+              <a:t> </a:t>
+            </a:r>
+            <a:r>
+              <a:rPr lang="en-US" sz="1400" dirty="0" err="1"/>
+              <a:t>umesto</a:t>
+            </a:r>
+            <a:r>
+              <a:rPr lang="en-US" sz="1400" dirty="0"/>
+              <a:t> </a:t>
+            </a:r>
+            <a:r>
+              <a:rPr lang="sr-Latn-RS" sz="1400" dirty="0"/>
+              <a:t>komponenti.</a:t>
+            </a:r>
+            <a:endParaRPr lang="en-US" sz="1400" dirty="0"/>
+          </a:p>
+          <a:p>
+            <a:pPr marL="457200"/>
+            <a:r>
+              <a:rPr lang="en-US" sz="1400" dirty="0" err="1"/>
+              <a:t>Prosledite</a:t>
+            </a:r>
+            <a:r>
+              <a:rPr lang="en-US" sz="1400" dirty="0"/>
+              <a:t> </a:t>
+            </a:r>
+            <a:r>
+              <a:rPr lang="en-US" sz="1400" dirty="0" err="1"/>
+              <a:t>promenljive</a:t>
+            </a:r>
+            <a:r>
+              <a:rPr lang="en-US" sz="1400" dirty="0"/>
+              <a:t> </a:t>
+            </a:r>
+            <a:r>
+              <a:rPr lang="sr-Latn-RS" sz="1400" dirty="0"/>
+              <a:t>i</a:t>
+            </a:r>
+            <a:r>
+              <a:rPr lang="en-US" sz="1400" dirty="0"/>
+              <a:t> </a:t>
+            </a:r>
+            <a:r>
+              <a:rPr lang="en-US" sz="1400" dirty="0" err="1"/>
+              <a:t>metode</a:t>
+            </a:r>
+            <a:r>
+              <a:rPr lang="en-US" sz="1400" dirty="0"/>
+              <a:t> </a:t>
+            </a:r>
+            <a:r>
+              <a:rPr lang="en-US" sz="1400" dirty="0" err="1"/>
+              <a:t>direktivama</a:t>
+            </a:r>
+            <a:r>
+              <a:rPr lang="en-US" sz="1400" dirty="0"/>
+              <a:t>.</a:t>
+            </a:r>
+          </a:p>
+          <a:p>
+            <a:pPr marL="457200"/>
+            <a:r>
+              <a:rPr lang="en-US" sz="1400" dirty="0"/>
+              <a:t>Prva </a:t>
+            </a:r>
+            <a:r>
+              <a:rPr lang="en-US" sz="1400" dirty="0" err="1"/>
+              <a:t>direktiva</a:t>
+            </a:r>
+            <a:r>
+              <a:rPr lang="en-US" sz="1400" dirty="0"/>
+              <a:t> </a:t>
+            </a:r>
+            <a:r>
+              <a:rPr lang="en-US" sz="1400" dirty="0" err="1"/>
+              <a:t>treba</a:t>
+            </a:r>
+            <a:r>
+              <a:rPr lang="en-US" sz="1400" dirty="0"/>
+              <a:t> da </a:t>
+            </a:r>
+            <a:r>
+              <a:rPr lang="en-US" sz="1400" dirty="0" err="1"/>
+              <a:t>poziva</a:t>
+            </a:r>
+            <a:r>
+              <a:rPr lang="en-US" sz="1400" dirty="0"/>
+              <a:t> </a:t>
+            </a:r>
+            <a:r>
+              <a:rPr lang="en-US" sz="1400" dirty="0" err="1"/>
+              <a:t>metodu</a:t>
+            </a:r>
+            <a:r>
+              <a:rPr lang="en-US" sz="1400" dirty="0"/>
+              <a:t> za </a:t>
+            </a:r>
+            <a:r>
+              <a:rPr lang="en-US" sz="1400" dirty="0" err="1"/>
+              <a:t>ispisivanje</a:t>
+            </a:r>
+            <a:r>
+              <a:rPr lang="en-US" sz="1400" dirty="0"/>
+              <a:t> </a:t>
+            </a:r>
+            <a:r>
+              <a:rPr lang="en-US" sz="1400" dirty="0" err="1"/>
+              <a:t>forme</a:t>
+            </a:r>
+            <a:r>
+              <a:rPr lang="en-US" sz="1400" dirty="0"/>
+              <a:t> u </a:t>
+            </a:r>
+            <a:r>
+              <a:rPr lang="en-US" sz="1400" dirty="0" err="1"/>
+              <a:t>konzoli</a:t>
+            </a:r>
+            <a:endParaRPr lang="en-US" sz="1400" dirty="0"/>
+          </a:p>
+          <a:p>
+            <a:pPr marL="457200"/>
+            <a:r>
+              <a:rPr lang="en-US" sz="1400" dirty="0"/>
+              <a:t>Druga </a:t>
+            </a:r>
+            <a:r>
+              <a:rPr lang="en-US" sz="1400" dirty="0" err="1"/>
+              <a:t>direktiva</a:t>
+            </a:r>
+            <a:r>
+              <a:rPr lang="en-US" sz="1400" dirty="0"/>
+              <a:t> </a:t>
+            </a:r>
+            <a:r>
+              <a:rPr lang="en-US" sz="1400" dirty="0" err="1"/>
+              <a:t>treba</a:t>
+            </a:r>
+            <a:r>
+              <a:rPr lang="en-US" sz="1400" dirty="0"/>
+              <a:t> da </a:t>
+            </a:r>
+            <a:r>
+              <a:rPr lang="en-US" sz="1400" dirty="0" err="1"/>
+              <a:t>poziva</a:t>
+            </a:r>
+            <a:r>
+              <a:rPr lang="en-US" sz="1400" dirty="0"/>
+              <a:t> </a:t>
+            </a:r>
+            <a:r>
+              <a:rPr lang="en-US" sz="1400" dirty="0" err="1"/>
+              <a:t>metodu</a:t>
+            </a:r>
+            <a:r>
+              <a:rPr lang="en-US" sz="1400" dirty="0"/>
+              <a:t> za </a:t>
+            </a:r>
+            <a:r>
+              <a:rPr lang="en-US" sz="1400" dirty="0" err="1"/>
+              <a:t>sabiranje</a:t>
+            </a:r>
+            <a:r>
+              <a:rPr lang="en-US" sz="1400" dirty="0"/>
+              <a:t> </a:t>
+            </a:r>
+            <a:r>
+              <a:rPr lang="en-US" sz="1400" dirty="0" err="1"/>
+              <a:t>brojeva</a:t>
+            </a:r>
+            <a:r>
+              <a:rPr lang="en-US" sz="1400" dirty="0"/>
+              <a:t>.</a:t>
+            </a:r>
+            <a:endParaRPr lang="en-GB" sz="1400" dirty="0"/>
+          </a:p>
+        </p:txBody>
+      </p:sp>
+    </p:spTree>
+    <p:extLst>
+      <p:ext uri="{BB962C8B-B14F-4D97-AF65-F5344CB8AC3E}">
+        <p14:creationId xmlns:p14="http://schemas.microsoft.com/office/powerpoint/2010/main" val="4157574928"/>
+      </p:ext>
+    </p:extLst>
+  </p:cSld>
+  <p:clrMapOvr>
+    <a:masterClrMapping/>
+  </p:clrMapOvr>
+</p:sld>
+</file>
+
 <file path=ppt/slides/slide4.xml><?xml version="1.0" encoding="utf-8"?>
 <p:sld xmlns:a="http://schemas.openxmlformats.org/drawingml/2006/main" xmlns:r="http://schemas.openxmlformats.org/officeDocument/2006/relationships" xmlns:p="http://schemas.openxmlformats.org/presentationml/2006/main">
   <p:cSld>

--- a/AngularJS.pptx
+++ b/AngularJS.pptx
@@ -144,8 +144,8 @@
 <file path=ppt/revisionInfo.xml><?xml version="1.0" encoding="utf-8"?>
 <p1510:revInfo xmlns:a="http://schemas.openxmlformats.org/drawingml/2006/main" xmlns:r="http://schemas.openxmlformats.org/officeDocument/2006/relationships" xmlns:p1510="http://schemas.microsoft.com/office/powerpoint/2015/10/main">
   <p1510:revLst>
+    <p1510:client id="{1320082C-A7C4-4F39-B207-5B44D2E8DB51}" v="45" dt="2019-01-21T15:48:04.955"/>
     <p1510:client id="{84984AE3-2FB9-472B-BE8B-CCC860EA6735}" v="656" dt="2019-01-20T21:09:15.280"/>
-    <p1510:client id="{1320082C-A7C4-4F39-B207-5B44D2E8DB51}" v="45" dt="2019-01-21T15:48:04.955"/>
   </p1510:revLst>
 </p1510:revInfo>
 </file>

--- a/AngularJS.pptx
+++ b/AngularJS.pptx
@@ -35,6 +35,13 @@
     <p:sldId id="289" r:id="rId29"/>
     <p:sldId id="290" r:id="rId30"/>
     <p:sldId id="283" r:id="rId31"/>
+    <p:sldId id="291" r:id="rId32"/>
+    <p:sldId id="292" r:id="rId33"/>
+    <p:sldId id="295" r:id="rId34"/>
+    <p:sldId id="294" r:id="rId35"/>
+    <p:sldId id="296" r:id="rId36"/>
+    <p:sldId id="297" r:id="rId37"/>
+    <p:sldId id="298" r:id="rId38"/>
   </p:sldIdLst>
   <p:sldSz cx="12192000" cy="6858000"/>
   <p:notesSz cx="6858000" cy="9144000"/>
@@ -1678,7 +1685,7 @@
           <a:p>
             <a:fld id="{6A752055-4DA1-4D46-98DA-CEE3E0EB5BBD}" type="datetimeFigureOut">
               <a:rPr lang="en-GB" smtClean="0"/>
-              <a:t>01/02/2019</a:t>
+              <a:t>08/02/2019</a:t>
             </a:fld>
             <a:endParaRPr lang="en-GB"/>
           </a:p>
@@ -1878,7 +1885,7 @@
           <a:p>
             <a:fld id="{6A752055-4DA1-4D46-98DA-CEE3E0EB5BBD}" type="datetimeFigureOut">
               <a:rPr lang="en-GB" smtClean="0"/>
-              <a:t>01/02/2019</a:t>
+              <a:t>08/02/2019</a:t>
             </a:fld>
             <a:endParaRPr lang="en-GB"/>
           </a:p>
@@ -2088,7 +2095,7 @@
           <a:p>
             <a:fld id="{6A752055-4DA1-4D46-98DA-CEE3E0EB5BBD}" type="datetimeFigureOut">
               <a:rPr lang="en-GB" smtClean="0"/>
-              <a:t>01/02/2019</a:t>
+              <a:t>08/02/2019</a:t>
             </a:fld>
             <a:endParaRPr lang="en-GB"/>
           </a:p>
@@ -2288,7 +2295,7 @@
           <a:p>
             <a:fld id="{6A752055-4DA1-4D46-98DA-CEE3E0EB5BBD}" type="datetimeFigureOut">
               <a:rPr lang="en-GB" smtClean="0"/>
-              <a:t>01/02/2019</a:t>
+              <a:t>08/02/2019</a:t>
             </a:fld>
             <a:endParaRPr lang="en-GB"/>
           </a:p>
@@ -2564,7 +2571,7 @@
           <a:p>
             <a:fld id="{6A752055-4DA1-4D46-98DA-CEE3E0EB5BBD}" type="datetimeFigureOut">
               <a:rPr lang="en-GB" smtClean="0"/>
-              <a:t>01/02/2019</a:t>
+              <a:t>08/02/2019</a:t>
             </a:fld>
             <a:endParaRPr lang="en-GB"/>
           </a:p>
@@ -2832,7 +2839,7 @@
           <a:p>
             <a:fld id="{6A752055-4DA1-4D46-98DA-CEE3E0EB5BBD}" type="datetimeFigureOut">
               <a:rPr lang="en-GB" smtClean="0"/>
-              <a:t>01/02/2019</a:t>
+              <a:t>08/02/2019</a:t>
             </a:fld>
             <a:endParaRPr lang="en-GB"/>
           </a:p>
@@ -3247,7 +3254,7 @@
           <a:p>
             <a:fld id="{6A752055-4DA1-4D46-98DA-CEE3E0EB5BBD}" type="datetimeFigureOut">
               <a:rPr lang="en-GB" smtClean="0"/>
-              <a:t>01/02/2019</a:t>
+              <a:t>08/02/2019</a:t>
             </a:fld>
             <a:endParaRPr lang="en-GB"/>
           </a:p>
@@ -3389,7 +3396,7 @@
           <a:p>
             <a:fld id="{6A752055-4DA1-4D46-98DA-CEE3E0EB5BBD}" type="datetimeFigureOut">
               <a:rPr lang="en-GB" smtClean="0"/>
-              <a:t>01/02/2019</a:t>
+              <a:t>08/02/2019</a:t>
             </a:fld>
             <a:endParaRPr lang="en-GB"/>
           </a:p>
@@ -3502,7 +3509,7 @@
           <a:p>
             <a:fld id="{6A752055-4DA1-4D46-98DA-CEE3E0EB5BBD}" type="datetimeFigureOut">
               <a:rPr lang="en-GB" smtClean="0"/>
-              <a:t>01/02/2019</a:t>
+              <a:t>08/02/2019</a:t>
             </a:fld>
             <a:endParaRPr lang="en-GB"/>
           </a:p>
@@ -3815,7 +3822,7 @@
           <a:p>
             <a:fld id="{6A752055-4DA1-4D46-98DA-CEE3E0EB5BBD}" type="datetimeFigureOut">
               <a:rPr lang="en-GB" smtClean="0"/>
-              <a:t>01/02/2019</a:t>
+              <a:t>08/02/2019</a:t>
             </a:fld>
             <a:endParaRPr lang="en-GB"/>
           </a:p>
@@ -4104,7 +4111,7 @@
           <a:p>
             <a:fld id="{6A752055-4DA1-4D46-98DA-CEE3E0EB5BBD}" type="datetimeFigureOut">
               <a:rPr lang="en-GB" smtClean="0"/>
-              <a:t>01/02/2019</a:t>
+              <a:t>08/02/2019</a:t>
             </a:fld>
             <a:endParaRPr lang="en-GB"/>
           </a:p>
@@ -4347,7 +4354,7 @@
           <a:p>
             <a:fld id="{6A752055-4DA1-4D46-98DA-CEE3E0EB5BBD}" type="datetimeFigureOut">
               <a:rPr lang="en-GB" smtClean="0"/>
-              <a:t>01/02/2019</a:t>
+              <a:t>08/02/2019</a:t>
             </a:fld>
             <a:endParaRPr lang="en-GB"/>
           </a:p>
@@ -25520,6 +25527,5916 @@
 </p:sld>
 </file>
 
+<file path=ppt/slides/slide31.xml><?xml version="1.0" encoding="utf-8"?>
+<p:sld xmlns:a="http://schemas.openxmlformats.org/drawingml/2006/main" xmlns:r="http://schemas.openxmlformats.org/officeDocument/2006/relationships" xmlns:p="http://schemas.openxmlformats.org/presentationml/2006/main">
+  <p:cSld>
+    <p:spTree>
+      <p:nvGrpSpPr>
+        <p:cNvPr id="1" name=""/>
+        <p:cNvGrpSpPr/>
+        <p:nvPr/>
+      </p:nvGrpSpPr>
+      <p:grpSpPr>
+        <a:xfrm>
+          <a:off x="0" y="0"/>
+          <a:ext cx="0" cy="0"/>
+          <a:chOff x="0" y="0"/>
+          <a:chExt cx="0" cy="0"/>
+        </a:xfrm>
+      </p:grpSpPr>
+      <p:sp>
+        <p:nvSpPr>
+          <p:cNvPr id="2" name="Title 1">
+            <a:extLst>
+              <a:ext uri="{FF2B5EF4-FFF2-40B4-BE49-F238E27FC236}">
+                <a16:creationId xmlns:a16="http://schemas.microsoft.com/office/drawing/2014/main" id="{1E7DC0CC-72A1-434D-BB70-24F70595C941}"/>
+              </a:ext>
+            </a:extLst>
+          </p:cNvPr>
+          <p:cNvSpPr>
+            <a:spLocks noGrp="1"/>
+          </p:cNvSpPr>
+          <p:nvPr>
+            <p:ph type="title"/>
+          </p:nvPr>
+        </p:nvSpPr>
+        <p:spPr>
+          <a:xfrm>
+            <a:off x="838200" y="365125"/>
+            <a:ext cx="10515600" cy="626277"/>
+          </a:xfrm>
+        </p:spPr>
+        <p:txBody>
+          <a:bodyPr>
+            <a:normAutofit fontScale="90000"/>
+          </a:bodyPr>
+          <a:lstStyle/>
+          <a:p>
+            <a:pPr algn="ctr"/>
+            <a:r>
+              <a:rPr lang="en-US" dirty="0" err="1"/>
+              <a:t>Servis</a:t>
+            </a:r>
+            <a:endParaRPr lang="en-GB" dirty="0"/>
+          </a:p>
+        </p:txBody>
+      </p:sp>
+      <p:sp>
+        <p:nvSpPr>
+          <p:cNvPr id="3" name="Content Placeholder 2">
+            <a:extLst>
+              <a:ext uri="{FF2B5EF4-FFF2-40B4-BE49-F238E27FC236}">
+                <a16:creationId xmlns:a16="http://schemas.microsoft.com/office/drawing/2014/main" id="{6BAB5408-F6CE-42AF-9708-2D386FFECE52}"/>
+              </a:ext>
+            </a:extLst>
+          </p:cNvPr>
+          <p:cNvSpPr>
+            <a:spLocks noGrp="1"/>
+          </p:cNvSpPr>
+          <p:nvPr>
+            <p:ph idx="1"/>
+          </p:nvPr>
+        </p:nvSpPr>
+        <p:spPr>
+          <a:xfrm>
+            <a:off x="838200" y="1097280"/>
+            <a:ext cx="10515600" cy="5079683"/>
+          </a:xfrm>
+        </p:spPr>
+        <p:txBody>
+          <a:bodyPr>
+            <a:normAutofit lnSpcReduction="10000"/>
+          </a:bodyPr>
+          <a:lstStyle/>
+          <a:p>
+            <a:r>
+              <a:rPr lang="en-US" dirty="0"/>
+              <a:t>AngularJS </a:t>
+            </a:r>
+            <a:r>
+              <a:rPr lang="en-US" dirty="0" err="1"/>
+              <a:t>servis</a:t>
+            </a:r>
+            <a:r>
+              <a:rPr lang="en-US" dirty="0"/>
+              <a:t> je </a:t>
+            </a:r>
+            <a:r>
+              <a:rPr lang="en-US" dirty="0" err="1"/>
+              <a:t>deljeni</a:t>
+            </a:r>
+            <a:r>
+              <a:rPr lang="en-US" dirty="0"/>
+              <a:t> </a:t>
+            </a:r>
+            <a:r>
+              <a:rPr lang="en-US" dirty="0" err="1"/>
+              <a:t>resurs</a:t>
+            </a:r>
+            <a:r>
+              <a:rPr lang="en-US" dirty="0"/>
+              <a:t> u </a:t>
+            </a:r>
+            <a:r>
+              <a:rPr lang="en-US" dirty="0" err="1"/>
+              <a:t>aplikacijama</a:t>
+            </a:r>
+            <a:r>
+              <a:rPr lang="en-US" dirty="0"/>
+              <a:t>.</a:t>
+            </a:r>
+          </a:p>
+          <a:p>
+            <a:r>
+              <a:rPr lang="en-US" dirty="0" err="1"/>
+              <a:t>Servisi</a:t>
+            </a:r>
+            <a:r>
+              <a:rPr lang="en-US" dirty="0"/>
+              <a:t> se </a:t>
+            </a:r>
+            <a:r>
+              <a:rPr lang="en-US" dirty="0" err="1"/>
+              <a:t>dodaju</a:t>
+            </a:r>
+            <a:r>
+              <a:rPr lang="en-US" dirty="0"/>
+              <a:t> </a:t>
+            </a:r>
+            <a:r>
+              <a:rPr lang="en-US" dirty="0" err="1"/>
+              <a:t>drugim</a:t>
+            </a:r>
+            <a:r>
+              <a:rPr lang="en-US" dirty="0"/>
+              <a:t> </a:t>
+            </a:r>
+            <a:r>
+              <a:rPr lang="en-US" dirty="0" err="1"/>
+              <a:t>komponentama</a:t>
+            </a:r>
+            <a:r>
+              <a:rPr lang="en-US" dirty="0"/>
+              <a:t> </a:t>
+            </a:r>
+            <a:r>
+              <a:rPr lang="en-US" dirty="0" err="1"/>
+              <a:t>kroz</a:t>
+            </a:r>
+            <a:r>
+              <a:rPr lang="en-US" dirty="0"/>
+              <a:t> </a:t>
+            </a:r>
+            <a:r>
+              <a:rPr lang="en-US" b="1" dirty="0"/>
+              <a:t>dependency injection (DI)</a:t>
+            </a:r>
+          </a:p>
+          <a:p>
+            <a:r>
+              <a:rPr lang="en-US" dirty="0" err="1"/>
+              <a:t>Servisi</a:t>
+            </a:r>
+            <a:r>
+              <a:rPr lang="en-US" dirty="0"/>
+              <a:t> u </a:t>
+            </a:r>
+            <a:r>
+              <a:rPr lang="en-US" dirty="0" err="1"/>
+              <a:t>angularu</a:t>
+            </a:r>
+            <a:r>
+              <a:rPr lang="en-US" dirty="0"/>
+              <a:t> se:</a:t>
+            </a:r>
+          </a:p>
+          <a:p>
+            <a:pPr lvl="1"/>
+            <a:r>
+              <a:rPr lang="en-US" b="1" dirty="0"/>
+              <a:t>Lazy </a:t>
+            </a:r>
+            <a:r>
+              <a:rPr lang="en-US" dirty="0" err="1"/>
+              <a:t>instanciraju</a:t>
+            </a:r>
+            <a:r>
+              <a:rPr lang="en-US" dirty="0"/>
+              <a:t> – AngularJS </a:t>
+            </a:r>
+            <a:r>
+              <a:rPr lang="en-US" dirty="0" err="1"/>
+              <a:t>instancira</a:t>
+            </a:r>
+            <a:r>
+              <a:rPr lang="en-US" dirty="0"/>
+              <a:t> </a:t>
+            </a:r>
+            <a:r>
+              <a:rPr lang="en-US" dirty="0" err="1"/>
+              <a:t>servis</a:t>
+            </a:r>
+            <a:r>
+              <a:rPr lang="en-US" dirty="0"/>
+              <a:t> </a:t>
+            </a:r>
+            <a:r>
+              <a:rPr lang="en-US" dirty="0" err="1"/>
+              <a:t>samo</a:t>
+            </a:r>
+            <a:r>
+              <a:rPr lang="en-US" dirty="0"/>
+              <a:t> </a:t>
+            </a:r>
+            <a:r>
+              <a:rPr lang="en-US" dirty="0" err="1"/>
+              <a:t>onda</a:t>
+            </a:r>
+            <a:r>
+              <a:rPr lang="en-US" dirty="0"/>
+              <a:t> </a:t>
+            </a:r>
+            <a:r>
+              <a:rPr lang="en-US" dirty="0" err="1"/>
+              <a:t>kada</a:t>
+            </a:r>
+            <a:r>
+              <a:rPr lang="en-US" dirty="0"/>
+              <a:t> </a:t>
+            </a:r>
+            <a:r>
+              <a:rPr lang="en-US" dirty="0" err="1"/>
+              <a:t>ga</a:t>
+            </a:r>
+            <a:r>
+              <a:rPr lang="en-US" dirty="0"/>
+              <a:t> </a:t>
+            </a:r>
+            <a:r>
+              <a:rPr lang="en-US" dirty="0" err="1"/>
+              <a:t>komponenta</a:t>
+            </a:r>
+            <a:r>
+              <a:rPr lang="en-US" dirty="0"/>
+              <a:t> </a:t>
+            </a:r>
+            <a:r>
+              <a:rPr lang="en-US" dirty="0" err="1"/>
+              <a:t>zahteva</a:t>
+            </a:r>
+            <a:r>
+              <a:rPr lang="en-US" dirty="0"/>
+              <a:t>.</a:t>
+            </a:r>
+          </a:p>
+          <a:p>
+            <a:pPr lvl="1"/>
+            <a:r>
+              <a:rPr lang="en-US" b="1" dirty="0" err="1"/>
+              <a:t>Singlton</a:t>
+            </a:r>
+            <a:r>
+              <a:rPr lang="en-US" b="1" dirty="0"/>
+              <a:t> </a:t>
+            </a:r>
+            <a:r>
+              <a:rPr lang="en-US" dirty="0"/>
+              <a:t>– </a:t>
+            </a:r>
+            <a:r>
+              <a:rPr lang="en-US" dirty="0" err="1"/>
+              <a:t>svaka</a:t>
+            </a:r>
+            <a:r>
+              <a:rPr lang="en-US" dirty="0"/>
+              <a:t> </a:t>
+            </a:r>
+            <a:r>
+              <a:rPr lang="en-US" dirty="0" err="1"/>
+              <a:t>komponenta</a:t>
+            </a:r>
+            <a:r>
+              <a:rPr lang="en-US" dirty="0"/>
+              <a:t> </a:t>
+            </a:r>
+            <a:r>
+              <a:rPr lang="en-US" dirty="0" err="1"/>
+              <a:t>dobije</a:t>
+            </a:r>
+            <a:r>
+              <a:rPr lang="en-US" dirty="0"/>
+              <a:t> </a:t>
+            </a:r>
+            <a:r>
+              <a:rPr lang="en-US" dirty="0" err="1"/>
+              <a:t>referencu</a:t>
+            </a:r>
+            <a:r>
+              <a:rPr lang="en-US" dirty="0"/>
+              <a:t> </a:t>
+            </a:r>
+            <a:r>
+              <a:rPr lang="en-US" dirty="0" err="1"/>
+              <a:t>na</a:t>
+            </a:r>
+            <a:r>
+              <a:rPr lang="en-US" dirty="0"/>
+              <a:t> </a:t>
+            </a:r>
+            <a:r>
+              <a:rPr lang="en-US" dirty="0" err="1"/>
+              <a:t>jedan</a:t>
+            </a:r>
+            <a:r>
+              <a:rPr lang="en-US" dirty="0"/>
+              <a:t> </a:t>
+            </a:r>
+            <a:r>
+              <a:rPr lang="en-US" dirty="0" err="1"/>
+              <a:t>isti</a:t>
+            </a:r>
+            <a:r>
+              <a:rPr lang="en-US" dirty="0"/>
+              <a:t> </a:t>
+            </a:r>
+            <a:r>
+              <a:rPr lang="en-US" dirty="0" err="1"/>
+              <a:t>servis</a:t>
+            </a:r>
+            <a:r>
+              <a:rPr lang="en-US" dirty="0"/>
+              <a:t>.</a:t>
+            </a:r>
+          </a:p>
+          <a:p>
+            <a:r>
+              <a:rPr lang="en-US" dirty="0"/>
+              <a:t>Da bi se </a:t>
+            </a:r>
+            <a:r>
+              <a:rPr lang="en-US" dirty="0" err="1"/>
+              <a:t>servis</a:t>
+            </a:r>
+            <a:r>
+              <a:rPr lang="en-US" dirty="0"/>
+              <a:t> </a:t>
+            </a:r>
+            <a:r>
+              <a:rPr lang="en-US" dirty="0" err="1"/>
+              <a:t>koristio</a:t>
+            </a:r>
+            <a:r>
+              <a:rPr lang="en-US" dirty="0"/>
+              <a:t> u </a:t>
+            </a:r>
+            <a:r>
+              <a:rPr lang="en-US" dirty="0" err="1"/>
+              <a:t>komponenti</a:t>
+            </a:r>
+            <a:r>
+              <a:rPr lang="en-US" dirty="0"/>
+              <a:t> (</a:t>
+            </a:r>
+            <a:r>
+              <a:rPr lang="en-US" dirty="0" err="1"/>
+              <a:t>kontroler</a:t>
+            </a:r>
+            <a:r>
+              <a:rPr lang="en-US" dirty="0"/>
+              <a:t>, </a:t>
+            </a:r>
+            <a:r>
+              <a:rPr lang="en-US" dirty="0" err="1"/>
+              <a:t>servis</a:t>
+            </a:r>
+            <a:r>
+              <a:rPr lang="en-US" dirty="0"/>
+              <a:t>, filter, </a:t>
+            </a:r>
+            <a:r>
+              <a:rPr lang="en-US" dirty="0" err="1"/>
+              <a:t>direktiva</a:t>
+            </a:r>
+            <a:r>
+              <a:rPr lang="en-US" dirty="0"/>
+              <a:t>) mora da se </a:t>
+            </a:r>
+            <a:r>
+              <a:rPr lang="en-US" dirty="0" err="1"/>
+              <a:t>doda</a:t>
+            </a:r>
+            <a:r>
+              <a:rPr lang="en-US" dirty="0"/>
+              <a:t> </a:t>
+            </a:r>
+            <a:r>
+              <a:rPr lang="en-US" dirty="0" err="1"/>
+              <a:t>kao</a:t>
+            </a:r>
+            <a:r>
+              <a:rPr lang="en-US" dirty="0"/>
+              <a:t> </a:t>
+            </a:r>
+            <a:r>
+              <a:rPr lang="en-US" b="1" dirty="0"/>
+              <a:t>dependency</a:t>
+            </a:r>
+            <a:r>
+              <a:rPr lang="en-US" dirty="0"/>
+              <a:t>.</a:t>
+            </a:r>
+          </a:p>
+          <a:p>
+            <a:r>
+              <a:rPr lang="en-US" dirty="0"/>
+              <a:t>Kao </a:t>
+            </a:r>
+            <a:r>
+              <a:rPr lang="sr-Latn-RS" dirty="0"/>
+              <a:t>sa direktivama i filterima </a:t>
+            </a:r>
+            <a:r>
+              <a:rPr lang="en-US" dirty="0"/>
+              <a:t>angular </a:t>
+            </a:r>
+            <a:r>
+              <a:rPr lang="en-US" dirty="0" err="1"/>
+              <a:t>ima</a:t>
+            </a:r>
+            <a:r>
+              <a:rPr lang="en-US" dirty="0"/>
+              <a:t> </a:t>
+            </a:r>
+            <a:r>
+              <a:rPr lang="en-US" dirty="0" err="1"/>
+              <a:t>neke</a:t>
+            </a:r>
+            <a:r>
+              <a:rPr lang="en-US" dirty="0"/>
+              <a:t> </a:t>
+            </a:r>
+            <a:r>
+              <a:rPr lang="en-US" dirty="0" err="1"/>
+              <a:t>ve</a:t>
+            </a:r>
+            <a:r>
+              <a:rPr lang="sr-Latn-RS" dirty="0"/>
+              <a:t>ć ugrađene servise, a mogu da se pišu i </a:t>
+            </a:r>
+            <a:r>
+              <a:rPr lang="sr-Latn-RS" b="1" dirty="0"/>
+              <a:t>custom</a:t>
+            </a:r>
+            <a:r>
+              <a:rPr lang="sr-Latn-RS" dirty="0"/>
+              <a:t> servisi.</a:t>
+            </a:r>
+          </a:p>
+          <a:p>
+            <a:r>
+              <a:rPr lang="sr-Latn-RS" dirty="0"/>
+              <a:t>Servisi u angularu počinju sa znakom $</a:t>
+            </a:r>
+            <a:endParaRPr lang="en-GB" dirty="0"/>
+          </a:p>
+        </p:txBody>
+      </p:sp>
+    </p:spTree>
+    <p:extLst>
+      <p:ext uri="{BB962C8B-B14F-4D97-AF65-F5344CB8AC3E}">
+        <p14:creationId xmlns:p14="http://schemas.microsoft.com/office/powerpoint/2010/main" val="1829497932"/>
+      </p:ext>
+    </p:extLst>
+  </p:cSld>
+  <p:clrMapOvr>
+    <a:masterClrMapping/>
+  </p:clrMapOvr>
+</p:sld>
+</file>
+
+<file path=ppt/slides/slide32.xml><?xml version="1.0" encoding="utf-8"?>
+<p:sld xmlns:a="http://schemas.openxmlformats.org/drawingml/2006/main" xmlns:r="http://schemas.openxmlformats.org/officeDocument/2006/relationships" xmlns:p="http://schemas.openxmlformats.org/presentationml/2006/main">
+  <p:cSld>
+    <p:spTree>
+      <p:nvGrpSpPr>
+        <p:cNvPr id="1" name=""/>
+        <p:cNvGrpSpPr/>
+        <p:nvPr/>
+      </p:nvGrpSpPr>
+      <p:grpSpPr>
+        <a:xfrm>
+          <a:off x="0" y="0"/>
+          <a:ext cx="0" cy="0"/>
+          <a:chOff x="0" y="0"/>
+          <a:chExt cx="0" cy="0"/>
+        </a:xfrm>
+      </p:grpSpPr>
+      <p:sp>
+        <p:nvSpPr>
+          <p:cNvPr id="3" name="Content Placeholder 2">
+            <a:extLst>
+              <a:ext uri="{FF2B5EF4-FFF2-40B4-BE49-F238E27FC236}">
+                <a16:creationId xmlns:a16="http://schemas.microsoft.com/office/drawing/2014/main" id="{044E249F-DE12-4CC0-9094-F90C4E372219}"/>
+              </a:ext>
+            </a:extLst>
+          </p:cNvPr>
+          <p:cNvSpPr>
+            <a:spLocks noGrp="1"/>
+          </p:cNvSpPr>
+          <p:nvPr>
+            <p:ph idx="1"/>
+          </p:nvPr>
+        </p:nvSpPr>
+        <p:spPr>
+          <a:xfrm>
+            <a:off x="838200" y="1170039"/>
+            <a:ext cx="10515600" cy="5006924"/>
+          </a:xfrm>
+        </p:spPr>
+        <p:txBody>
+          <a:bodyPr/>
+          <a:lstStyle/>
+          <a:p>
+            <a:r>
+              <a:rPr lang="sr-Latn-RS" dirty="0"/>
+              <a:t>Neki od ugrađenih servisa:</a:t>
+            </a:r>
+          </a:p>
+          <a:p>
+            <a:pPr lvl="1"/>
+            <a:r>
+              <a:rPr lang="sr-Latn-RS" dirty="0"/>
+              <a:t>$animate – dodaje razne metode koje omogućavaju rad sa </a:t>
+            </a:r>
+            <a:r>
+              <a:rPr lang="sr-Latn-RS" b="1" dirty="0"/>
+              <a:t>hooks</a:t>
+            </a:r>
+            <a:r>
+              <a:rPr lang="sr-Latn-RS" dirty="0"/>
+              <a:t>-ovima za animacije</a:t>
+            </a:r>
+          </a:p>
+          <a:p>
+            <a:pPr lvl="1"/>
+            <a:r>
+              <a:rPr lang="sr-Latn-RS" dirty="0"/>
+              <a:t>$http – http komunikacija sa serverom</a:t>
+            </a:r>
+          </a:p>
+          <a:p>
+            <a:pPr lvl="1"/>
+            <a:r>
+              <a:rPr lang="sr-Latn-RS" dirty="0"/>
+              <a:t>$timeout – angularJS </a:t>
+            </a:r>
+            <a:r>
+              <a:rPr lang="sr-Latn-RS" b="1" dirty="0"/>
+              <a:t>wrapper </a:t>
+            </a:r>
+            <a:r>
+              <a:rPr lang="sr-Latn-RS" dirty="0"/>
+              <a:t>za window.setTimeout</a:t>
+            </a:r>
+          </a:p>
+          <a:p>
+            <a:pPr lvl="1"/>
+            <a:r>
+              <a:rPr lang="sr-Latn-RS" dirty="0"/>
+              <a:t>$interval – angularJS wrapper za windiw.setInterval</a:t>
+            </a:r>
+          </a:p>
+          <a:p>
+            <a:pPr lvl="1"/>
+            <a:r>
+              <a:rPr lang="sr-Latn-RS" dirty="0"/>
+              <a:t>$log – servis za logovanje</a:t>
+            </a:r>
+          </a:p>
+          <a:p>
+            <a:pPr lvl="1"/>
+            <a:r>
+              <a:rPr lang="sr-Latn-RS" dirty="0"/>
+              <a:t>$anchorScroll – skroluje do označenog elementa</a:t>
+            </a:r>
+          </a:p>
+          <a:p>
+            <a:pPr lvl="1"/>
+            <a:r>
+              <a:rPr lang="sr-Latn-RS" dirty="0"/>
+              <a:t>$location – obezbeđuje metode koje sadrže informacije o lokaciji web stranice</a:t>
+            </a:r>
+          </a:p>
+        </p:txBody>
+      </p:sp>
+    </p:spTree>
+    <p:extLst>
+      <p:ext uri="{BB962C8B-B14F-4D97-AF65-F5344CB8AC3E}">
+        <p14:creationId xmlns:p14="http://schemas.microsoft.com/office/powerpoint/2010/main" val="3045823028"/>
+      </p:ext>
+    </p:extLst>
+  </p:cSld>
+  <p:clrMapOvr>
+    <a:masterClrMapping/>
+  </p:clrMapOvr>
+</p:sld>
+</file>
+
+<file path=ppt/slides/slide33.xml><?xml version="1.0" encoding="utf-8"?>
+<p:sld xmlns:a="http://schemas.openxmlformats.org/drawingml/2006/main" xmlns:r="http://schemas.openxmlformats.org/officeDocument/2006/relationships" xmlns:p="http://schemas.openxmlformats.org/presentationml/2006/main">
+  <p:cSld>
+    <p:bg>
+      <p:bgPr>
+        <a:solidFill>
+          <a:schemeClr val="bg1"/>
+        </a:solidFill>
+        <a:effectLst/>
+      </p:bgPr>
+    </p:bg>
+    <p:spTree>
+      <p:nvGrpSpPr>
+        <p:cNvPr id="1" name=""/>
+        <p:cNvGrpSpPr/>
+        <p:nvPr/>
+      </p:nvGrpSpPr>
+      <p:grpSpPr>
+        <a:xfrm>
+          <a:off x="0" y="0"/>
+          <a:ext cx="0" cy="0"/>
+          <a:chOff x="0" y="0"/>
+          <a:chExt cx="0" cy="0"/>
+        </a:xfrm>
+      </p:grpSpPr>
+      <p:pic>
+        <p:nvPicPr>
+          <p:cNvPr id="5" name="Picture 4">
+            <a:extLst>
+              <a:ext uri="{FF2B5EF4-FFF2-40B4-BE49-F238E27FC236}">
+                <a16:creationId xmlns:a16="http://schemas.microsoft.com/office/drawing/2014/main" id="{628E06BA-A574-49DA-8FAC-8F07F998E71D}"/>
+              </a:ext>
+            </a:extLst>
+          </p:cNvPr>
+          <p:cNvPicPr>
+            <a:picLocks noChangeAspect="1"/>
+          </p:cNvPicPr>
+          <p:nvPr/>
+        </p:nvPicPr>
+        <p:blipFill>
+          <a:blip r:embed="rId2">
+            <a:extLst>
+              <a:ext uri="{28A0092B-C50C-407E-A947-70E740481C1C}">
+                <a14:useLocalDpi xmlns:a14="http://schemas.microsoft.com/office/drawing/2010/main" val="0"/>
+              </a:ext>
+            </a:extLst>
+          </a:blip>
+          <a:stretch>
+            <a:fillRect/>
+          </a:stretch>
+        </p:blipFill>
+        <p:spPr>
+          <a:xfrm>
+            <a:off x="643467" y="2139156"/>
+            <a:ext cx="5291666" cy="2579687"/>
+          </a:xfrm>
+          <a:prstGeom prst="rect">
+            <a:avLst/>
+          </a:prstGeom>
+        </p:spPr>
+      </p:pic>
+      <p:pic>
+        <p:nvPicPr>
+          <p:cNvPr id="3" name="Picture 2">
+            <a:extLst>
+              <a:ext uri="{FF2B5EF4-FFF2-40B4-BE49-F238E27FC236}">
+                <a16:creationId xmlns:a16="http://schemas.microsoft.com/office/drawing/2014/main" id="{5F86E142-79C8-4D8F-83BB-9DDD7DFA657D}"/>
+              </a:ext>
+            </a:extLst>
+          </p:cNvPr>
+          <p:cNvPicPr>
+            <a:picLocks noChangeAspect="1"/>
+          </p:cNvPicPr>
+          <p:nvPr/>
+        </p:nvPicPr>
+        <p:blipFill>
+          <a:blip r:embed="rId3">
+            <a:extLst>
+              <a:ext uri="{28A0092B-C50C-407E-A947-70E740481C1C}">
+                <a14:useLocalDpi xmlns:a14="http://schemas.microsoft.com/office/drawing/2010/main" val="0"/>
+              </a:ext>
+            </a:extLst>
+          </a:blip>
+          <a:stretch>
+            <a:fillRect/>
+          </a:stretch>
+        </p:blipFill>
+        <p:spPr>
+          <a:xfrm>
+            <a:off x="6256865" y="2178844"/>
+            <a:ext cx="5291667" cy="2500312"/>
+          </a:xfrm>
+          <a:prstGeom prst="rect">
+            <a:avLst/>
+          </a:prstGeom>
+        </p:spPr>
+      </p:pic>
+    </p:spTree>
+    <p:extLst>
+      <p:ext uri="{BB962C8B-B14F-4D97-AF65-F5344CB8AC3E}">
+        <p14:creationId xmlns:p14="http://schemas.microsoft.com/office/powerpoint/2010/main" val="3387803697"/>
+      </p:ext>
+    </p:extLst>
+  </p:cSld>
+  <p:clrMapOvr>
+    <a:masterClrMapping/>
+  </p:clrMapOvr>
+</p:sld>
+</file>
+
+<file path=ppt/slides/slide34.xml><?xml version="1.0" encoding="utf-8"?>
+<p:sld xmlns:a="http://schemas.openxmlformats.org/drawingml/2006/main" xmlns:r="http://schemas.openxmlformats.org/officeDocument/2006/relationships" xmlns:p="http://schemas.openxmlformats.org/presentationml/2006/main">
+  <p:cSld>
+    <p:spTree>
+      <p:nvGrpSpPr>
+        <p:cNvPr id="1" name=""/>
+        <p:cNvGrpSpPr/>
+        <p:nvPr/>
+      </p:nvGrpSpPr>
+      <p:grpSpPr>
+        <a:xfrm>
+          <a:off x="0" y="0"/>
+          <a:ext cx="0" cy="0"/>
+          <a:chOff x="0" y="0"/>
+          <a:chExt cx="0" cy="0"/>
+        </a:xfrm>
+      </p:grpSpPr>
+      <p:sp>
+        <p:nvSpPr>
+          <p:cNvPr id="2" name="Title 1">
+            <a:extLst>
+              <a:ext uri="{FF2B5EF4-FFF2-40B4-BE49-F238E27FC236}">
+                <a16:creationId xmlns:a16="http://schemas.microsoft.com/office/drawing/2014/main" id="{8CBB9676-AA04-4FF4-AA0D-3FD3DB0EEF0D}"/>
+              </a:ext>
+            </a:extLst>
+          </p:cNvPr>
+          <p:cNvSpPr>
+            <a:spLocks noGrp="1"/>
+          </p:cNvSpPr>
+          <p:nvPr>
+            <p:ph type="title"/>
+          </p:nvPr>
+        </p:nvSpPr>
+        <p:spPr>
+          <a:xfrm>
+            <a:off x="838200" y="365126"/>
+            <a:ext cx="10515600" cy="657430"/>
+          </a:xfrm>
+        </p:spPr>
+        <p:txBody>
+          <a:bodyPr>
+            <a:normAutofit fontScale="90000"/>
+          </a:bodyPr>
+          <a:lstStyle/>
+          <a:p>
+            <a:pPr algn="ctr"/>
+            <a:r>
+              <a:rPr lang="en-US" dirty="0" err="1"/>
+              <a:t>Servisi</a:t>
+            </a:r>
+            <a:endParaRPr lang="en-GB" dirty="0"/>
+          </a:p>
+        </p:txBody>
+      </p:sp>
+      <p:sp>
+        <p:nvSpPr>
+          <p:cNvPr id="3" name="Content Placeholder 2">
+            <a:extLst>
+              <a:ext uri="{FF2B5EF4-FFF2-40B4-BE49-F238E27FC236}">
+                <a16:creationId xmlns:a16="http://schemas.microsoft.com/office/drawing/2014/main" id="{90754089-7EEE-4449-9E55-E66C6AA020FD}"/>
+              </a:ext>
+            </a:extLst>
+          </p:cNvPr>
+          <p:cNvSpPr>
+            <a:spLocks noGrp="1"/>
+          </p:cNvSpPr>
+          <p:nvPr>
+            <p:ph idx="1"/>
+          </p:nvPr>
+        </p:nvSpPr>
+        <p:spPr>
+          <a:xfrm>
+            <a:off x="838200" y="1278194"/>
+            <a:ext cx="10515600" cy="4898769"/>
+          </a:xfrm>
+        </p:spPr>
+        <p:txBody>
+          <a:bodyPr>
+            <a:normAutofit fontScale="70000" lnSpcReduction="20000"/>
+          </a:bodyPr>
+          <a:lstStyle/>
+          <a:p>
+            <a:r>
+              <a:rPr lang="en-US" dirty="0" err="1"/>
+              <a:t>Servisi</a:t>
+            </a:r>
+            <a:r>
+              <a:rPr lang="en-US" dirty="0"/>
+              <a:t> </a:t>
+            </a:r>
+            <a:r>
+              <a:rPr lang="en-US" dirty="0" err="1"/>
+              <a:t>mogu</a:t>
+            </a:r>
+            <a:r>
+              <a:rPr lang="en-US" dirty="0"/>
+              <a:t> da se </a:t>
+            </a:r>
+            <a:r>
+              <a:rPr lang="en-US" dirty="0" err="1"/>
+              <a:t>naprave</a:t>
+            </a:r>
+            <a:r>
+              <a:rPr lang="en-US" dirty="0"/>
+              <a:t> </a:t>
+            </a:r>
+            <a:r>
+              <a:rPr lang="en-US" dirty="0" err="1"/>
+              <a:t>odnosno</a:t>
+            </a:r>
+            <a:r>
+              <a:rPr lang="en-US" dirty="0"/>
+              <a:t> </a:t>
+            </a:r>
+            <a:r>
+              <a:rPr lang="en-US" dirty="0" err="1"/>
+              <a:t>registruju</a:t>
+            </a:r>
+            <a:r>
+              <a:rPr lang="en-US" dirty="0"/>
+              <a:t> </a:t>
+            </a:r>
+            <a:r>
+              <a:rPr lang="en-US" dirty="0" err="1"/>
+              <a:t>na</a:t>
+            </a:r>
+            <a:r>
+              <a:rPr lang="en-US" dirty="0"/>
+              <a:t> </a:t>
+            </a:r>
+            <a:r>
+              <a:rPr lang="en-US" dirty="0" err="1"/>
+              <a:t>nekoliko</a:t>
+            </a:r>
+            <a:r>
+              <a:rPr lang="en-US" dirty="0"/>
+              <a:t> </a:t>
+            </a:r>
+            <a:r>
+              <a:rPr lang="en-US" dirty="0" err="1"/>
+              <a:t>na</a:t>
+            </a:r>
+            <a:r>
+              <a:rPr lang="sr-Latn-RS" dirty="0"/>
+              <a:t>čina</a:t>
+            </a:r>
+            <a:r>
+              <a:rPr lang="en-US" dirty="0"/>
+              <a:t> ($service, $factory, $provider, $value, $constant)</a:t>
+            </a:r>
+            <a:r>
+              <a:rPr lang="sr-Latn-RS" dirty="0"/>
+              <a:t>, ali mi ćemo koristi dva najčešće korišćena </a:t>
+            </a:r>
+            <a:r>
+              <a:rPr lang="sr-Latn-RS" b="1" dirty="0"/>
+              <a:t>service()</a:t>
+            </a:r>
+            <a:r>
+              <a:rPr lang="sr-Latn-RS" dirty="0"/>
+              <a:t> i </a:t>
+            </a:r>
+            <a:r>
+              <a:rPr lang="sr-Latn-RS" b="1" dirty="0"/>
+              <a:t>factory()</a:t>
+            </a:r>
+          </a:p>
+          <a:p>
+            <a:r>
+              <a:rPr lang="sr-Latn-RS" b="1" dirty="0"/>
+              <a:t>Service() </a:t>
+            </a:r>
+            <a:r>
+              <a:rPr lang="sr-Latn-RS" dirty="0"/>
+              <a:t>– je metoda koja ima ime servisa i funkciju kao argument. Jednom se definiše i može da se </a:t>
+            </a:r>
+            <a:r>
+              <a:rPr lang="en-US" dirty="0" err="1"/>
+              <a:t>koristi</a:t>
+            </a:r>
+            <a:r>
+              <a:rPr lang="sr-Latn-RS" dirty="0"/>
+              <a:t> u bilo koj</a:t>
+            </a:r>
+            <a:r>
+              <a:rPr lang="en-US" dirty="0" err="1"/>
+              <a:t>oj</a:t>
+            </a:r>
+            <a:r>
+              <a:rPr lang="sr-Latn-RS" dirty="0"/>
+              <a:t> komponent</a:t>
+            </a:r>
+            <a:r>
+              <a:rPr lang="en-US" dirty="0" err="1"/>
+              <a:t>i</a:t>
+            </a:r>
+            <a:r>
+              <a:rPr lang="en-US" dirty="0"/>
+              <a:t> </a:t>
+            </a:r>
+            <a:r>
+              <a:rPr lang="en-US" dirty="0" err="1"/>
+              <a:t>kroz</a:t>
+            </a:r>
+            <a:r>
+              <a:rPr lang="en-US" dirty="0"/>
+              <a:t> </a:t>
+            </a:r>
+            <a:r>
+              <a:rPr lang="en-US" b="1" dirty="0"/>
+              <a:t>dependency injection</a:t>
+            </a:r>
+            <a:r>
+              <a:rPr lang="sr-Latn-RS" dirty="0"/>
+              <a:t>.</a:t>
+            </a:r>
+            <a:endParaRPr lang="sr-Latn-RS" b="1" dirty="0"/>
+          </a:p>
+          <a:p>
+            <a:r>
+              <a:rPr lang="sr-Latn-RS" dirty="0"/>
+              <a:t>module.service(</a:t>
+            </a:r>
+            <a:r>
+              <a:rPr lang="en-US" dirty="0"/>
+              <a:t>‘</a:t>
+            </a:r>
+            <a:r>
+              <a:rPr lang="en-US" dirty="0" err="1"/>
+              <a:t>service_name</a:t>
+            </a:r>
+            <a:r>
+              <a:rPr lang="en-US" dirty="0"/>
+              <a:t>’, function() {</a:t>
+            </a:r>
+          </a:p>
+          <a:p>
+            <a:pPr marL="0" indent="0">
+              <a:buNone/>
+            </a:pPr>
+            <a:r>
+              <a:rPr lang="en-US" dirty="0"/>
+              <a:t>         this.method1 = function() {}</a:t>
+            </a:r>
+          </a:p>
+          <a:p>
+            <a:pPr marL="0" indent="0">
+              <a:buNone/>
+            </a:pPr>
+            <a:r>
+              <a:rPr lang="en-US" dirty="0"/>
+              <a:t>         this.method2 = function() {}</a:t>
+            </a:r>
+          </a:p>
+          <a:p>
+            <a:pPr marL="0" indent="0">
+              <a:buNone/>
+            </a:pPr>
+            <a:r>
+              <a:rPr lang="en-US" dirty="0"/>
+              <a:t>    }</a:t>
+            </a:r>
+            <a:r>
+              <a:rPr lang="sr-Latn-RS" dirty="0"/>
+              <a:t>)</a:t>
+            </a:r>
+            <a:endParaRPr lang="en-US" dirty="0"/>
+          </a:p>
+          <a:p>
+            <a:r>
+              <a:rPr lang="en-US" b="1" dirty="0"/>
+              <a:t>Factory() </a:t>
+            </a:r>
+            <a:r>
+              <a:rPr lang="en-US" dirty="0"/>
+              <a:t>– je </a:t>
+            </a:r>
+            <a:r>
+              <a:rPr lang="en-US" dirty="0" err="1"/>
+              <a:t>metoda</a:t>
+            </a:r>
+            <a:r>
+              <a:rPr lang="en-US" dirty="0"/>
+              <a:t> </a:t>
+            </a:r>
+            <a:r>
+              <a:rPr lang="en-US" dirty="0" err="1"/>
+              <a:t>koja</a:t>
+            </a:r>
+            <a:r>
+              <a:rPr lang="en-US" dirty="0"/>
+              <a:t> </a:t>
+            </a:r>
+            <a:r>
+              <a:rPr lang="en-US" dirty="0" err="1"/>
+              <a:t>ima</a:t>
+            </a:r>
+            <a:r>
+              <a:rPr lang="en-US" dirty="0"/>
+              <a:t> </a:t>
+            </a:r>
+            <a:r>
+              <a:rPr lang="en-US" dirty="0" err="1"/>
+              <a:t>ime</a:t>
+            </a:r>
+            <a:r>
+              <a:rPr lang="en-US" dirty="0"/>
+              <a:t> </a:t>
+            </a:r>
+            <a:r>
+              <a:rPr lang="en-US" dirty="0" err="1"/>
+              <a:t>metode</a:t>
+            </a:r>
+            <a:r>
+              <a:rPr lang="en-US" dirty="0"/>
+              <a:t> </a:t>
+            </a:r>
+            <a:r>
+              <a:rPr lang="en-US" dirty="0" err="1"/>
+              <a:t>i</a:t>
+            </a:r>
+            <a:r>
+              <a:rPr lang="en-US" dirty="0"/>
+              <a:t> </a:t>
+            </a:r>
+            <a:r>
+              <a:rPr lang="en-US" dirty="0" err="1"/>
+              <a:t>funkciju</a:t>
+            </a:r>
+            <a:r>
+              <a:rPr lang="en-US" dirty="0"/>
+              <a:t> </a:t>
+            </a:r>
+            <a:r>
+              <a:rPr lang="en-US" dirty="0" err="1"/>
+              <a:t>kao</a:t>
+            </a:r>
+            <a:r>
+              <a:rPr lang="en-US" dirty="0"/>
+              <a:t> argument, a </a:t>
+            </a:r>
+            <a:r>
+              <a:rPr lang="en-US" dirty="0" err="1"/>
+              <a:t>razlika</a:t>
+            </a:r>
+            <a:r>
+              <a:rPr lang="en-US" dirty="0"/>
+              <a:t> je u tome </a:t>
+            </a:r>
+            <a:r>
+              <a:rPr lang="sr-Latn-RS" dirty="0"/>
+              <a:t>što factory vraća vrednost funckije.</a:t>
+            </a:r>
+          </a:p>
+          <a:p>
+            <a:r>
+              <a:rPr lang="en-US" dirty="0"/>
+              <a:t>m</a:t>
+            </a:r>
+            <a:r>
+              <a:rPr lang="sr-Latn-RS" dirty="0"/>
+              <a:t>odule.factory(</a:t>
+            </a:r>
+            <a:r>
+              <a:rPr lang="en-US" dirty="0"/>
+              <a:t>‘</a:t>
+            </a:r>
+            <a:r>
+              <a:rPr lang="en-US" dirty="0" err="1"/>
+              <a:t>factory_name</a:t>
+            </a:r>
+            <a:r>
+              <a:rPr lang="en-US" dirty="0"/>
+              <a:t>’, function() {</a:t>
+            </a:r>
+          </a:p>
+          <a:p>
+            <a:pPr marL="0" indent="0">
+              <a:buNone/>
+            </a:pPr>
+            <a:r>
+              <a:rPr lang="en-US" dirty="0"/>
+              <a:t>         var factory = {};</a:t>
+            </a:r>
+          </a:p>
+          <a:p>
+            <a:pPr marL="0" indent="0">
+              <a:buNone/>
+            </a:pPr>
+            <a:r>
+              <a:rPr lang="en-US" dirty="0"/>
+              <a:t>         </a:t>
+            </a:r>
+            <a:r>
+              <a:rPr lang="en-US" dirty="0" err="1"/>
+              <a:t>factory.method</a:t>
+            </a:r>
+            <a:r>
+              <a:rPr lang="en-US" dirty="0"/>
+              <a:t> = function() {}</a:t>
+            </a:r>
+          </a:p>
+          <a:p>
+            <a:pPr marL="0" indent="0">
+              <a:buNone/>
+            </a:pPr>
+            <a:r>
+              <a:rPr lang="en-US" dirty="0"/>
+              <a:t>         return factory;</a:t>
+            </a:r>
+          </a:p>
+          <a:p>
+            <a:pPr marL="0" indent="0">
+              <a:buNone/>
+            </a:pPr>
+            <a:r>
+              <a:rPr lang="en-US" dirty="0"/>
+              <a:t>    }</a:t>
+            </a:r>
+            <a:r>
+              <a:rPr lang="sr-Latn-RS" dirty="0"/>
+              <a:t>)</a:t>
+            </a:r>
+            <a:endParaRPr lang="en-US" dirty="0"/>
+          </a:p>
+          <a:p>
+            <a:pPr marL="0" indent="0">
+              <a:buNone/>
+            </a:pPr>
+            <a:endParaRPr lang="sr-Latn-RS" dirty="0"/>
+          </a:p>
+        </p:txBody>
+      </p:sp>
+    </p:spTree>
+    <p:extLst>
+      <p:ext uri="{BB962C8B-B14F-4D97-AF65-F5344CB8AC3E}">
+        <p14:creationId xmlns:p14="http://schemas.microsoft.com/office/powerpoint/2010/main" val="2782423384"/>
+      </p:ext>
+    </p:extLst>
+  </p:cSld>
+  <p:clrMapOvr>
+    <a:masterClrMapping/>
+  </p:clrMapOvr>
+</p:sld>
+</file>
+
+<file path=ppt/slides/slide35.xml><?xml version="1.0" encoding="utf-8"?>
+<p:sld xmlns:a="http://schemas.openxmlformats.org/drawingml/2006/main" xmlns:r="http://schemas.openxmlformats.org/officeDocument/2006/relationships" xmlns:p="http://schemas.openxmlformats.org/presentationml/2006/main">
+  <p:cSld>
+    <p:spTree>
+      <p:nvGrpSpPr>
+        <p:cNvPr id="1" name=""/>
+        <p:cNvGrpSpPr/>
+        <p:nvPr/>
+      </p:nvGrpSpPr>
+      <p:grpSpPr>
+        <a:xfrm>
+          <a:off x="0" y="0"/>
+          <a:ext cx="0" cy="0"/>
+          <a:chOff x="0" y="0"/>
+          <a:chExt cx="0" cy="0"/>
+        </a:xfrm>
+      </p:grpSpPr>
+      <p:pic>
+        <p:nvPicPr>
+          <p:cNvPr id="3" name="Picture 2">
+            <a:extLst>
+              <a:ext uri="{FF2B5EF4-FFF2-40B4-BE49-F238E27FC236}">
+                <a16:creationId xmlns:a16="http://schemas.microsoft.com/office/drawing/2014/main" id="{AFF62BF8-80A2-469B-B9DC-7FBA84CA2781}"/>
+              </a:ext>
+            </a:extLst>
+          </p:cNvPr>
+          <p:cNvPicPr>
+            <a:picLocks noChangeAspect="1"/>
+          </p:cNvPicPr>
+          <p:nvPr/>
+        </p:nvPicPr>
+        <p:blipFill>
+          <a:blip r:embed="rId2">
+            <a:extLst>
+              <a:ext uri="{28A0092B-C50C-407E-A947-70E740481C1C}">
+                <a14:useLocalDpi xmlns:a14="http://schemas.microsoft.com/office/drawing/2010/main" val="0"/>
+              </a:ext>
+            </a:extLst>
+          </a:blip>
+          <a:stretch>
+            <a:fillRect/>
+          </a:stretch>
+        </p:blipFill>
+        <p:spPr>
+          <a:xfrm>
+            <a:off x="6658517" y="176212"/>
+            <a:ext cx="3990975" cy="790575"/>
+          </a:xfrm>
+          <a:prstGeom prst="rect">
+            <a:avLst/>
+          </a:prstGeom>
+        </p:spPr>
+      </p:pic>
+      <p:pic>
+        <p:nvPicPr>
+          <p:cNvPr id="5" name="Picture 4">
+            <a:extLst>
+              <a:ext uri="{FF2B5EF4-FFF2-40B4-BE49-F238E27FC236}">
+                <a16:creationId xmlns:a16="http://schemas.microsoft.com/office/drawing/2014/main" id="{5FEF6470-F6C3-47DF-AFF9-05C66E5158B1}"/>
+              </a:ext>
+            </a:extLst>
+          </p:cNvPr>
+          <p:cNvPicPr>
+            <a:picLocks noChangeAspect="1"/>
+          </p:cNvPicPr>
+          <p:nvPr/>
+        </p:nvPicPr>
+        <p:blipFill>
+          <a:blip r:embed="rId3">
+            <a:extLst>
+              <a:ext uri="{28A0092B-C50C-407E-A947-70E740481C1C}">
+                <a14:useLocalDpi xmlns:a14="http://schemas.microsoft.com/office/drawing/2010/main" val="0"/>
+              </a:ext>
+            </a:extLst>
+          </a:blip>
+          <a:stretch>
+            <a:fillRect/>
+          </a:stretch>
+        </p:blipFill>
+        <p:spPr>
+          <a:xfrm>
+            <a:off x="251327" y="176212"/>
+            <a:ext cx="6048375" cy="6505575"/>
+          </a:xfrm>
+          <a:prstGeom prst="rect">
+            <a:avLst/>
+          </a:prstGeom>
+        </p:spPr>
+      </p:pic>
+      <p:sp>
+        <p:nvSpPr>
+          <p:cNvPr id="6" name="TextBox 5">
+            <a:extLst>
+              <a:ext uri="{FF2B5EF4-FFF2-40B4-BE49-F238E27FC236}">
+                <a16:creationId xmlns:a16="http://schemas.microsoft.com/office/drawing/2014/main" id="{41BE97A7-09DE-46D4-9CBB-0F7648A94509}"/>
+              </a:ext>
+            </a:extLst>
+          </p:cNvPr>
+          <p:cNvSpPr txBox="1"/>
+          <p:nvPr/>
+        </p:nvSpPr>
+        <p:spPr>
+          <a:xfrm>
+            <a:off x="6658517" y="1261641"/>
+            <a:ext cx="5282156" cy="4524315"/>
+          </a:xfrm>
+          <a:prstGeom prst="rect">
+            <a:avLst/>
+          </a:prstGeom>
+          <a:noFill/>
+        </p:spPr>
+        <p:txBody>
+          <a:bodyPr wrap="square" rtlCol="0">
+            <a:spAutoFit/>
+          </a:bodyPr>
+          <a:lstStyle/>
+          <a:p>
+            <a:pPr marL="285750" indent="-285750">
+              <a:buFont typeface="Arial" panose="020B0604020202020204" pitchFamily="34" charset="0"/>
+              <a:buChar char="•"/>
+            </a:pPr>
+            <a:r>
+              <a:rPr lang="en-US" dirty="0"/>
+              <a:t>U </a:t>
+            </a:r>
+            <a:r>
+              <a:rPr lang="en-US" dirty="0" err="1"/>
+              <a:t>ovom</a:t>
+            </a:r>
+            <a:r>
+              <a:rPr lang="en-US" dirty="0"/>
+              <a:t> </a:t>
+            </a:r>
+            <a:r>
+              <a:rPr lang="en-US" dirty="0" err="1"/>
+              <a:t>primeru</a:t>
+            </a:r>
+            <a:r>
+              <a:rPr lang="en-US" dirty="0"/>
+              <a:t> </a:t>
+            </a:r>
+            <a:r>
+              <a:rPr lang="en-US" dirty="0" err="1"/>
+              <a:t>vidimo</a:t>
+            </a:r>
+            <a:r>
+              <a:rPr lang="en-US" dirty="0"/>
+              <a:t> </a:t>
+            </a:r>
+            <a:r>
+              <a:rPr lang="en-US" dirty="0" err="1"/>
+              <a:t>kreiranje</a:t>
+            </a:r>
+            <a:r>
+              <a:rPr lang="en-US" dirty="0"/>
+              <a:t> </a:t>
+            </a:r>
+            <a:r>
+              <a:rPr lang="en-US" dirty="0" err="1"/>
+              <a:t>servisa</a:t>
+            </a:r>
+            <a:r>
+              <a:rPr lang="en-US" dirty="0"/>
+              <a:t> </a:t>
+            </a:r>
+            <a:r>
+              <a:rPr lang="en-US" dirty="0" err="1"/>
+              <a:t>na</a:t>
+            </a:r>
+            <a:r>
+              <a:rPr lang="en-US" dirty="0"/>
+              <a:t> vi</a:t>
+            </a:r>
+            <a:r>
+              <a:rPr lang="sr-Latn-RS" dirty="0"/>
+              <a:t>še načina.</a:t>
+            </a:r>
+          </a:p>
+          <a:p>
+            <a:pPr marL="285750" indent="-285750">
+              <a:buFont typeface="Arial" panose="020B0604020202020204" pitchFamily="34" charset="0"/>
+              <a:buChar char="•"/>
+            </a:pPr>
+            <a:r>
+              <a:rPr lang="sr-Latn-RS" dirty="0"/>
+              <a:t>Kao i do sada prvo se kreira angular module.</a:t>
+            </a:r>
+          </a:p>
+          <a:p>
+            <a:pPr marL="285750" indent="-285750">
+              <a:buFont typeface="Arial" panose="020B0604020202020204" pitchFamily="34" charset="0"/>
+              <a:buChar char="•"/>
+            </a:pPr>
+            <a:r>
+              <a:rPr lang="sr-Latn-RS" dirty="0"/>
+              <a:t>Na modul se dodaju servisi koje aplikacija može da koristi.</a:t>
+            </a:r>
+          </a:p>
+          <a:p>
+            <a:pPr marL="285750" indent="-285750">
+              <a:buFont typeface="Arial" panose="020B0604020202020204" pitchFamily="34" charset="0"/>
+              <a:buChar char="•"/>
+            </a:pPr>
+            <a:r>
+              <a:rPr lang="sr-Latn-RS" dirty="0"/>
+              <a:t>Prvi servis je registrovan kroz funkciju </a:t>
+            </a:r>
+            <a:r>
+              <a:rPr lang="sr-Latn-RS" b="1" dirty="0"/>
+              <a:t>service() </a:t>
+            </a:r>
+            <a:r>
+              <a:rPr lang="sr-Latn-RS" dirty="0"/>
+              <a:t>i poziva se u kontroleru kao metoda iz servisa.</a:t>
+            </a:r>
+          </a:p>
+          <a:p>
+            <a:pPr marL="285750" indent="-285750">
+              <a:buFont typeface="Arial" panose="020B0604020202020204" pitchFamily="34" charset="0"/>
+              <a:buChar char="•"/>
+            </a:pPr>
+            <a:r>
+              <a:rPr lang="sr-Latn-RS" dirty="0"/>
+              <a:t>Drugi servis je registrovan kroz funkciju </a:t>
+            </a:r>
+            <a:r>
+              <a:rPr lang="sr-Latn-RS" b="1" dirty="0"/>
+              <a:t>factory()</a:t>
+            </a:r>
+            <a:r>
+              <a:rPr lang="en-US" dirty="0"/>
+              <a:t> </a:t>
+            </a:r>
+            <a:r>
+              <a:rPr lang="en-US" dirty="0" err="1"/>
+              <a:t>i</a:t>
+            </a:r>
+            <a:r>
+              <a:rPr lang="en-US" dirty="0"/>
+              <a:t> </a:t>
+            </a:r>
+            <a:r>
+              <a:rPr lang="en-US" dirty="0" err="1"/>
+              <a:t>kao</a:t>
+            </a:r>
+            <a:r>
+              <a:rPr lang="en-US" dirty="0"/>
+              <a:t> </a:t>
+            </a:r>
+            <a:r>
+              <a:rPr lang="en-US" dirty="0" err="1"/>
+              <a:t>takav</a:t>
+            </a:r>
+            <a:r>
+              <a:rPr lang="en-US" dirty="0"/>
+              <a:t> </a:t>
+            </a:r>
+            <a:r>
+              <a:rPr lang="en-US" dirty="0" err="1"/>
+              <a:t>prvo</a:t>
+            </a:r>
+            <a:r>
+              <a:rPr lang="en-US" dirty="0"/>
+              <a:t> mora da se </a:t>
+            </a:r>
+            <a:r>
+              <a:rPr lang="en-US" dirty="0" err="1"/>
+              <a:t>pozove</a:t>
+            </a:r>
+            <a:r>
+              <a:rPr lang="en-US" dirty="0"/>
+              <a:t> </a:t>
+            </a:r>
+            <a:r>
+              <a:rPr lang="en-US" dirty="0" err="1"/>
+              <a:t>funckija</a:t>
+            </a:r>
+            <a:r>
+              <a:rPr lang="en-US" dirty="0"/>
+              <a:t>, da se </a:t>
+            </a:r>
+            <a:r>
+              <a:rPr lang="en-US" dirty="0" err="1"/>
+              <a:t>setuje</a:t>
+            </a:r>
+            <a:r>
+              <a:rPr lang="en-US" dirty="0"/>
+              <a:t> </a:t>
+            </a:r>
+            <a:r>
+              <a:rPr lang="en-US" dirty="0" err="1"/>
+              <a:t>vrednost</a:t>
+            </a:r>
+            <a:r>
+              <a:rPr lang="en-US" dirty="0"/>
+              <a:t> </a:t>
+            </a:r>
+            <a:r>
+              <a:rPr lang="en-US" dirty="0" err="1"/>
+              <a:t>i</a:t>
+            </a:r>
+            <a:r>
+              <a:rPr lang="en-US" dirty="0"/>
+              <a:t> </a:t>
+            </a:r>
+            <a:r>
+              <a:rPr lang="en-US" dirty="0" err="1"/>
+              <a:t>onda</a:t>
+            </a:r>
+            <a:r>
+              <a:rPr lang="en-US" dirty="0"/>
+              <a:t> </a:t>
+            </a:r>
+            <a:r>
+              <a:rPr lang="en-US" dirty="0" err="1"/>
+              <a:t>pristupamo</a:t>
+            </a:r>
+            <a:r>
+              <a:rPr lang="en-US" dirty="0"/>
+              <a:t> </a:t>
+            </a:r>
+            <a:r>
+              <a:rPr lang="en-US" dirty="0" err="1"/>
+              <a:t>varijabli</a:t>
+            </a:r>
+            <a:r>
+              <a:rPr lang="en-US" dirty="0"/>
+              <a:t> </a:t>
+            </a:r>
+            <a:r>
+              <a:rPr lang="en-US" dirty="0" err="1"/>
+              <a:t>koja</a:t>
+            </a:r>
+            <a:r>
+              <a:rPr lang="en-US" dirty="0"/>
+              <a:t> </a:t>
+            </a:r>
+            <a:r>
+              <a:rPr lang="en-US" dirty="0" err="1"/>
+              <a:t>sadr</a:t>
+            </a:r>
+            <a:r>
+              <a:rPr lang="sr-Latn-RS" dirty="0"/>
+              <a:t>ži rezultat.</a:t>
+            </a:r>
+            <a:endParaRPr lang="en-US" dirty="0"/>
+          </a:p>
+          <a:p>
+            <a:pPr marL="285750" indent="-285750">
+              <a:buFont typeface="Arial" panose="020B0604020202020204" pitchFamily="34" charset="0"/>
+              <a:buChar char="•"/>
+            </a:pPr>
+            <a:r>
+              <a:rPr lang="en-US" dirty="0"/>
+              <a:t> </a:t>
+            </a:r>
+            <a:r>
+              <a:rPr lang="sr-Latn-RS" dirty="0"/>
+              <a:t>Treći i poslednji servis je registrovan kao </a:t>
+            </a:r>
+            <a:r>
+              <a:rPr lang="sr-Latn-RS" b="1" dirty="0"/>
+              <a:t>provider(). </a:t>
+            </a:r>
+            <a:r>
+              <a:rPr lang="sr-Latn-RS" dirty="0"/>
+              <a:t>Provider</a:t>
+            </a:r>
+            <a:r>
+              <a:rPr lang="en-US" dirty="0"/>
+              <a:t>-</a:t>
+            </a:r>
+            <a:r>
+              <a:rPr lang="sr-Latn-RS" dirty="0"/>
+              <a:t>u treba još jedan servis, a to je </a:t>
+            </a:r>
+            <a:r>
+              <a:rPr lang="sr-Latn-RS" b="1" dirty="0"/>
+              <a:t>config()</a:t>
+            </a:r>
+            <a:r>
+              <a:rPr lang="sr-Latn-RS" dirty="0"/>
+              <a:t> koji setuje poruku kroz funkciju </a:t>
+            </a:r>
+            <a:r>
+              <a:rPr lang="sr-Latn-RS" b="1" dirty="0"/>
+              <a:t>$get</a:t>
+            </a:r>
+            <a:r>
+              <a:rPr lang="sr-Latn-RS" dirty="0"/>
+              <a:t> od </a:t>
+            </a:r>
+            <a:r>
+              <a:rPr lang="sr-Latn-RS" b="1" dirty="0"/>
+              <a:t>provider</a:t>
+            </a:r>
+            <a:r>
+              <a:rPr lang="sr-Latn-RS" dirty="0"/>
+              <a:t>-a.</a:t>
+            </a:r>
+            <a:r>
+              <a:rPr lang="en-US" dirty="0"/>
+              <a:t> </a:t>
+            </a:r>
+            <a:r>
+              <a:rPr lang="en-US" dirty="0" err="1"/>
+              <a:t>Ime</a:t>
+            </a:r>
+            <a:r>
+              <a:rPr lang="en-US" dirty="0"/>
+              <a:t> </a:t>
+            </a:r>
+            <a:r>
+              <a:rPr lang="en-US" dirty="0" err="1"/>
+              <a:t>servisa</a:t>
+            </a:r>
+            <a:r>
+              <a:rPr lang="en-US" dirty="0"/>
+              <a:t> </a:t>
+            </a:r>
+            <a:r>
+              <a:rPr lang="en-US" dirty="0" err="1"/>
+              <a:t>i</a:t>
+            </a:r>
+            <a:r>
+              <a:rPr lang="en-US" dirty="0"/>
+              <a:t> </a:t>
+            </a:r>
+            <a:r>
+              <a:rPr lang="en-US" dirty="0" err="1"/>
+              <a:t>parametar</a:t>
+            </a:r>
+            <a:r>
+              <a:rPr lang="en-US" dirty="0"/>
+              <a:t> u </a:t>
+            </a:r>
+            <a:r>
+              <a:rPr lang="en-US" dirty="0" err="1"/>
+              <a:t>funkciji</a:t>
+            </a:r>
+            <a:r>
+              <a:rPr lang="en-US" dirty="0"/>
+              <a:t> od </a:t>
+            </a:r>
+            <a:r>
+              <a:rPr lang="en-US" b="1" dirty="0"/>
+              <a:t>config</a:t>
+            </a:r>
+            <a:r>
+              <a:rPr lang="en-US" dirty="0"/>
+              <a:t>-a </a:t>
+            </a:r>
+            <a:r>
+              <a:rPr lang="en-US" dirty="0" err="1"/>
+              <a:t>moraju</a:t>
+            </a:r>
+            <a:r>
+              <a:rPr lang="en-US" dirty="0"/>
+              <a:t> da se </a:t>
+            </a:r>
+            <a:r>
+              <a:rPr lang="en-US" dirty="0" err="1"/>
+              <a:t>sla</a:t>
+            </a:r>
+            <a:r>
+              <a:rPr lang="sr-Latn-RS" dirty="0"/>
+              <a:t>žu.</a:t>
+            </a:r>
+            <a:endParaRPr lang="sr-Latn-RS" b="1" dirty="0"/>
+          </a:p>
+        </p:txBody>
+      </p:sp>
+    </p:spTree>
+    <p:extLst>
+      <p:ext uri="{BB962C8B-B14F-4D97-AF65-F5344CB8AC3E}">
+        <p14:creationId xmlns:p14="http://schemas.microsoft.com/office/powerpoint/2010/main" val="812100461"/>
+      </p:ext>
+    </p:extLst>
+  </p:cSld>
+  <p:clrMapOvr>
+    <a:masterClrMapping/>
+  </p:clrMapOvr>
+</p:sld>
+</file>
+
+<file path=ppt/slides/slide36.xml><?xml version="1.0" encoding="utf-8"?>
+<p:sld xmlns:a="http://schemas.openxmlformats.org/drawingml/2006/main" xmlns:r="http://schemas.openxmlformats.org/officeDocument/2006/relationships" xmlns:p="http://schemas.openxmlformats.org/presentationml/2006/main">
+  <p:cSld>
+    <p:bg>
+      <p:bgPr>
+        <a:solidFill>
+          <a:schemeClr val="bg1"/>
+        </a:solidFill>
+        <a:effectLst/>
+      </p:bgPr>
+    </p:bg>
+    <p:spTree>
+      <p:nvGrpSpPr>
+        <p:cNvPr id="1" name=""/>
+        <p:cNvGrpSpPr/>
+        <p:nvPr/>
+      </p:nvGrpSpPr>
+      <p:grpSpPr>
+        <a:xfrm>
+          <a:off x="0" y="0"/>
+          <a:ext cx="0" cy="0"/>
+          <a:chOff x="0" y="0"/>
+          <a:chExt cx="0" cy="0"/>
+        </a:xfrm>
+      </p:grpSpPr>
+      <p:sp useBgFill="1">
+        <p:nvSpPr>
+          <p:cNvPr id="8" name="Rectangle 7">
+            <a:extLst>
+              <a:ext uri="{FF2B5EF4-FFF2-40B4-BE49-F238E27FC236}">
+                <a16:creationId xmlns:a16="http://schemas.microsoft.com/office/drawing/2014/main" id="{15911E3A-C35B-4EF7-A355-B84E9A14AF4D}"/>
+              </a:ext>
+              <a:ext uri="{C183D7F6-B498-43B3-948B-1728B52AA6E4}">
+                <adec:decorative xmlns:adec="http://schemas.microsoft.com/office/drawing/2017/decorative" val="1"/>
+              </a:ext>
+            </a:extLst>
+          </p:cNvPr>
+          <p:cNvSpPr>
+            <a:spLocks noGrp="1" noRot="1" noChangeAspect="1" noMove="1" noResize="1" noEditPoints="1" noAdjustHandles="1" noChangeArrowheads="1" noChangeShapeType="1" noTextEdit="1"/>
+          </p:cNvSpPr>
+          <p:nvPr>
+            <p:extLst>
+              <p:ext uri="{386F3935-93C4-4BCD-93E2-E3B085C9AB24}">
+                <p16:designElem xmlns:p16="http://schemas.microsoft.com/office/powerpoint/2015/main" val="1"/>
+              </p:ext>
+            </p:extLst>
+          </p:nvPr>
+        </p:nvSpPr>
+        <p:spPr>
+          <a:xfrm>
+            <a:off x="0" y="-1"/>
+            <a:ext cx="12192000" cy="6858001"/>
+          </a:xfrm>
+          <a:prstGeom prst="rect">
+            <a:avLst/>
+          </a:prstGeom>
+          <a:ln>
+            <a:noFill/>
+          </a:ln>
+        </p:spPr>
+        <p:style>
+          <a:lnRef idx="2">
+            <a:schemeClr val="accent1">
+              <a:shade val="50000"/>
+            </a:schemeClr>
+          </a:lnRef>
+          <a:fillRef idx="1">
+            <a:schemeClr val="accent1"/>
+          </a:fillRef>
+          <a:effectRef idx="0">
+            <a:schemeClr val="accent1"/>
+          </a:effectRef>
+          <a:fontRef idx="minor">
+            <a:schemeClr val="lt1"/>
+          </a:fontRef>
+        </p:style>
+        <p:txBody>
+          <a:bodyPr rtlCol="0" anchor="ctr"/>
+          <a:lstStyle/>
+          <a:p>
+            <a:pPr marL="0" marR="0" lvl="0" indent="0" algn="ctr" defTabSz="914400" rtl="0" eaLnBrk="1" fontAlgn="auto" latinLnBrk="0" hangingPunct="1">
+              <a:lnSpc>
+                <a:spcPct val="100000"/>
+              </a:lnSpc>
+              <a:spcBef>
+                <a:spcPts val="0"/>
+              </a:spcBef>
+              <a:spcAft>
+                <a:spcPts val="0"/>
+              </a:spcAft>
+              <a:buClrTx/>
+              <a:buSzTx/>
+              <a:buFontTx/>
+              <a:buNone/>
+              <a:tabLst/>
+              <a:defRPr/>
+            </a:pPr>
+            <a:endParaRPr kumimoji="0" lang="en-US" sz="1800" b="0" i="0" u="none" strike="noStrike" kern="1200" cap="none" spc="0" normalizeH="0" baseline="0" noProof="0">
+              <a:ln>
+                <a:noFill/>
+              </a:ln>
+              <a:solidFill>
+                <a:prstClr val="white"/>
+              </a:solidFill>
+              <a:effectLst/>
+              <a:uLnTx/>
+              <a:uFillTx/>
+              <a:latin typeface="Calibri" panose="020F0502020204030204"/>
+              <a:ea typeface="+mn-ea"/>
+              <a:cs typeface="+mn-cs"/>
+            </a:endParaRPr>
+          </a:p>
+        </p:txBody>
+      </p:sp>
+      <p:grpSp>
+        <p:nvGrpSpPr>
+          <p:cNvPr id="10" name="Group 9">
+            <a:extLst>
+              <a:ext uri="{FF2B5EF4-FFF2-40B4-BE49-F238E27FC236}">
+                <a16:creationId xmlns:a16="http://schemas.microsoft.com/office/drawing/2014/main" id="{E21ADB3D-AD65-44B4-847D-5E90E90A5D16}"/>
+              </a:ext>
+              <a:ext uri="{C183D7F6-B498-43B3-948B-1728B52AA6E4}">
+                <adec:decorative xmlns:adec="http://schemas.microsoft.com/office/drawing/2017/decorative" val="1"/>
+              </a:ext>
+            </a:extLst>
+          </p:cNvPr>
+          <p:cNvGrpSpPr>
+            <a:grpSpLocks noGrp="1" noUngrp="1" noRot="1" noChangeAspect="1" noMove="1" noResize="1"/>
+          </p:cNvGrpSpPr>
+          <p:nvPr>
+            <p:extLst>
+              <p:ext uri="{386F3935-93C4-4BCD-93E2-E3B085C9AB24}">
+                <p16:designElem xmlns:p16="http://schemas.microsoft.com/office/powerpoint/2015/main" val="1"/>
+              </p:ext>
+            </p:extLst>
+          </p:nvPr>
+        </p:nvGrpSpPr>
+        <p:grpSpPr>
+          <a:xfrm>
+            <a:off x="-417513" y="0"/>
+            <a:ext cx="12584114" cy="6853238"/>
+            <a:chOff x="-417513" y="0"/>
+            <a:chExt cx="12584114" cy="6853238"/>
+          </a:xfrm>
+        </p:grpSpPr>
+        <p:sp>
+          <p:nvSpPr>
+            <p:cNvPr id="11" name="Freeform 5">
+              <a:extLst>
+                <a:ext uri="{FF2B5EF4-FFF2-40B4-BE49-F238E27FC236}">
+                  <a16:creationId xmlns:a16="http://schemas.microsoft.com/office/drawing/2014/main" id="{CF580C70-814C-4845-B645-919BFFBD16BA}"/>
+                </a:ext>
+                <a:ext uri="{C183D7F6-B498-43B3-948B-1728B52AA6E4}">
+                  <adec:decorative xmlns:adec="http://schemas.microsoft.com/office/drawing/2017/decorative" val="1"/>
+                </a:ext>
+              </a:extLst>
+            </p:cNvPr>
+            <p:cNvSpPr/>
+            <p:nvPr>
+              <p:extLst>
+                <p:ext uri="{386F3935-93C4-4BCD-93E2-E3B085C9AB24}">
+                  <p16:designElem xmlns:p16="http://schemas.microsoft.com/office/powerpoint/2015/main" val="1"/>
+                </p:ext>
+              </p:extLst>
+            </p:nvPr>
+          </p:nvSpPr>
+          <p:spPr bwMode="auto">
+            <a:xfrm>
+              <a:off x="1306513" y="0"/>
+              <a:ext cx="3862388" cy="6843713"/>
+            </a:xfrm>
+            <a:custGeom>
+              <a:avLst/>
+              <a:gdLst/>
+              <a:ahLst/>
+              <a:cxnLst/>
+              <a:rect l="0" t="0" r="r" b="b"/>
+              <a:pathLst>
+                <a:path w="813" h="1440">
+                  <a:moveTo>
+                    <a:pt x="813" y="0"/>
+                  </a:moveTo>
+                  <a:cubicBezTo>
+                    <a:pt x="331" y="221"/>
+                    <a:pt x="0" y="1039"/>
+                    <a:pt x="435" y="1440"/>
+                  </a:cubicBezTo>
+                </a:path>
+              </a:pathLst>
+            </a:custGeom>
+            <a:noFill/>
+            <a:ln w="9525" cap="flat">
+              <a:solidFill>
+                <a:schemeClr val="tx1">
+                  <a:alpha val="20000"/>
+                </a:schemeClr>
+              </a:solidFill>
+              <a:prstDash val="solid"/>
+              <a:miter lim="800000"/>
+              <a:headEnd/>
+              <a:tailEnd/>
+            </a:ln>
+            <a:extLst>
+              <a:ext uri="{909E8E84-426E-40DD-AFC4-6F175D3DCCD1}">
+                <a14:hiddenFill xmlns:a14="http://schemas.microsoft.com/office/drawing/2010/main">
+                  <a:solidFill>
+                    <a:srgbClr val="FFFFFF"/>
+                  </a:solidFill>
+                </a14:hiddenFill>
+              </a:ext>
+            </a:extLst>
+          </p:spPr>
+        </p:sp>
+        <p:sp>
+          <p:nvSpPr>
+            <p:cNvPr id="12" name="Freeform 6">
+              <a:extLst>
+                <a:ext uri="{FF2B5EF4-FFF2-40B4-BE49-F238E27FC236}">
+                  <a16:creationId xmlns:a16="http://schemas.microsoft.com/office/drawing/2014/main" id="{34D7BF57-4CAA-45B2-9EF0-0AA1FCF70B16}"/>
+                </a:ext>
+                <a:ext uri="{C183D7F6-B498-43B3-948B-1728B52AA6E4}">
+                  <adec:decorative xmlns:adec="http://schemas.microsoft.com/office/drawing/2017/decorative" val="1"/>
+                </a:ext>
+              </a:extLst>
+            </p:cNvPr>
+            <p:cNvSpPr/>
+            <p:nvPr>
+              <p:extLst>
+                <p:ext uri="{386F3935-93C4-4BCD-93E2-E3B085C9AB24}">
+                  <p16:designElem xmlns:p16="http://schemas.microsoft.com/office/powerpoint/2015/main" val="1"/>
+                </p:ext>
+              </p:extLst>
+            </p:nvPr>
+          </p:nvSpPr>
+          <p:spPr bwMode="auto">
+            <a:xfrm>
+              <a:off x="10626725" y="9525"/>
+              <a:ext cx="1539875" cy="555625"/>
+            </a:xfrm>
+            <a:custGeom>
+              <a:avLst/>
+              <a:gdLst/>
+              <a:ahLst/>
+              <a:cxnLst/>
+              <a:rect l="0" t="0" r="r" b="b"/>
+              <a:pathLst>
+                <a:path w="324" h="117">
+                  <a:moveTo>
+                    <a:pt x="324" y="117"/>
+                  </a:moveTo>
+                  <a:cubicBezTo>
+                    <a:pt x="223" y="64"/>
+                    <a:pt x="107" y="28"/>
+                    <a:pt x="0" y="0"/>
+                  </a:cubicBezTo>
+                </a:path>
+              </a:pathLst>
+            </a:custGeom>
+            <a:noFill/>
+            <a:ln w="9525" cap="flat">
+              <a:solidFill>
+                <a:schemeClr val="tx1">
+                  <a:alpha val="20000"/>
+                </a:schemeClr>
+              </a:solidFill>
+              <a:prstDash val="solid"/>
+              <a:miter lim="800000"/>
+              <a:headEnd/>
+              <a:tailEnd/>
+            </a:ln>
+            <a:extLst>
+              <a:ext uri="{909E8E84-426E-40DD-AFC4-6F175D3DCCD1}">
+                <a14:hiddenFill xmlns:a14="http://schemas.microsoft.com/office/drawing/2010/main">
+                  <a:solidFill>
+                    <a:srgbClr val="FFFFFF"/>
+                  </a:solidFill>
+                </a14:hiddenFill>
+              </a:ext>
+            </a:extLst>
+          </p:spPr>
+        </p:sp>
+        <p:sp>
+          <p:nvSpPr>
+            <p:cNvPr id="13" name="Freeform 7">
+              <a:extLst>
+                <a:ext uri="{FF2B5EF4-FFF2-40B4-BE49-F238E27FC236}">
+                  <a16:creationId xmlns:a16="http://schemas.microsoft.com/office/drawing/2014/main" id="{7886F306-C03A-40C6-8FD5-DCE3D4595D6D}"/>
+                </a:ext>
+                <a:ext uri="{C183D7F6-B498-43B3-948B-1728B52AA6E4}">
+                  <adec:decorative xmlns:adec="http://schemas.microsoft.com/office/drawing/2017/decorative" val="1"/>
+                </a:ext>
+              </a:extLst>
+            </p:cNvPr>
+            <p:cNvSpPr/>
+            <p:nvPr>
+              <p:extLst>
+                <p:ext uri="{386F3935-93C4-4BCD-93E2-E3B085C9AB24}">
+                  <p16:designElem xmlns:p16="http://schemas.microsoft.com/office/powerpoint/2015/main" val="1"/>
+                </p:ext>
+              </p:extLst>
+            </p:nvPr>
+          </p:nvSpPr>
+          <p:spPr bwMode="auto">
+            <a:xfrm>
+              <a:off x="10247313" y="5013325"/>
+              <a:ext cx="1919288" cy="1830388"/>
+            </a:xfrm>
+            <a:custGeom>
+              <a:avLst/>
+              <a:gdLst/>
+              <a:ahLst/>
+              <a:cxnLst/>
+              <a:rect l="0" t="0" r="r" b="b"/>
+              <a:pathLst>
+                <a:path w="404" h="385">
+                  <a:moveTo>
+                    <a:pt x="0" y="385"/>
+                  </a:moveTo>
+                  <a:cubicBezTo>
+                    <a:pt x="146" y="272"/>
+                    <a:pt x="285" y="142"/>
+                    <a:pt x="404" y="0"/>
+                  </a:cubicBezTo>
+                </a:path>
+              </a:pathLst>
+            </a:custGeom>
+            <a:noFill/>
+            <a:ln w="9525" cap="flat">
+              <a:solidFill>
+                <a:schemeClr val="tx1">
+                  <a:alpha val="20000"/>
+                </a:schemeClr>
+              </a:solidFill>
+              <a:prstDash val="solid"/>
+              <a:miter lim="800000"/>
+              <a:headEnd/>
+              <a:tailEnd/>
+            </a:ln>
+            <a:extLst>
+              <a:ext uri="{909E8E84-426E-40DD-AFC4-6F175D3DCCD1}">
+                <a14:hiddenFill xmlns:a14="http://schemas.microsoft.com/office/drawing/2010/main">
+                  <a:solidFill>
+                    <a:srgbClr val="FFFFFF"/>
+                  </a:solidFill>
+                </a14:hiddenFill>
+              </a:ext>
+            </a:extLst>
+          </p:spPr>
+        </p:sp>
+        <p:sp>
+          <p:nvSpPr>
+            <p:cNvPr id="14" name="Freeform 8">
+              <a:extLst>
+                <a:ext uri="{FF2B5EF4-FFF2-40B4-BE49-F238E27FC236}">
+                  <a16:creationId xmlns:a16="http://schemas.microsoft.com/office/drawing/2014/main" id="{2FDC9A36-C7C3-47D7-A64E-ED25C47EC704}"/>
+                </a:ext>
+                <a:ext uri="{C183D7F6-B498-43B3-948B-1728B52AA6E4}">
+                  <adec:decorative xmlns:adec="http://schemas.microsoft.com/office/drawing/2017/decorative" val="1"/>
+                </a:ext>
+              </a:extLst>
+            </p:cNvPr>
+            <p:cNvSpPr/>
+            <p:nvPr>
+              <p:extLst>
+                <p:ext uri="{386F3935-93C4-4BCD-93E2-E3B085C9AB24}">
+                  <p16:designElem xmlns:p16="http://schemas.microsoft.com/office/powerpoint/2015/main" val="1"/>
+                </p:ext>
+              </p:extLst>
+            </p:nvPr>
+          </p:nvSpPr>
+          <p:spPr bwMode="auto">
+            <a:xfrm>
+              <a:off x="1120775" y="0"/>
+              <a:ext cx="3676650" cy="6843713"/>
+            </a:xfrm>
+            <a:custGeom>
+              <a:avLst/>
+              <a:gdLst/>
+              <a:ahLst/>
+              <a:cxnLst/>
+              <a:rect l="0" t="0" r="r" b="b"/>
+              <a:pathLst>
+                <a:path w="774" h="1440">
+                  <a:moveTo>
+                    <a:pt x="774" y="0"/>
+                  </a:moveTo>
+                  <a:cubicBezTo>
+                    <a:pt x="312" y="240"/>
+                    <a:pt x="0" y="1034"/>
+                    <a:pt x="411" y="1440"/>
+                  </a:cubicBezTo>
+                </a:path>
+              </a:pathLst>
+            </a:custGeom>
+            <a:noFill/>
+            <a:ln w="9525" cap="flat">
+              <a:solidFill>
+                <a:schemeClr val="tx1">
+                  <a:alpha val="20000"/>
+                </a:schemeClr>
+              </a:solidFill>
+              <a:prstDash val="dash"/>
+              <a:miter lim="800000"/>
+              <a:headEnd/>
+              <a:tailEnd/>
+            </a:ln>
+            <a:extLst>
+              <a:ext uri="{909E8E84-426E-40DD-AFC4-6F175D3DCCD1}">
+                <a14:hiddenFill xmlns:a14="http://schemas.microsoft.com/office/drawing/2010/main">
+                  <a:solidFill>
+                    <a:srgbClr val="FFFFFF"/>
+                  </a:solidFill>
+                </a14:hiddenFill>
+              </a:ext>
+            </a:extLst>
+          </p:spPr>
+        </p:sp>
+        <p:sp>
+          <p:nvSpPr>
+            <p:cNvPr id="15" name="Freeform 9">
+              <a:extLst>
+                <a:ext uri="{FF2B5EF4-FFF2-40B4-BE49-F238E27FC236}">
+                  <a16:creationId xmlns:a16="http://schemas.microsoft.com/office/drawing/2014/main" id="{BB19BC37-158A-43DC-9A9E-E45CC71954DC}"/>
+                </a:ext>
+                <a:ext uri="{C183D7F6-B498-43B3-948B-1728B52AA6E4}">
+                  <adec:decorative xmlns:adec="http://schemas.microsoft.com/office/drawing/2017/decorative" val="1"/>
+                </a:ext>
+              </a:extLst>
+            </p:cNvPr>
+            <p:cNvSpPr/>
+            <p:nvPr>
+              <p:extLst>
+                <p:ext uri="{386F3935-93C4-4BCD-93E2-E3B085C9AB24}">
+                  <p16:designElem xmlns:p16="http://schemas.microsoft.com/office/powerpoint/2015/main" val="1"/>
+                </p:ext>
+              </p:extLst>
+            </p:nvPr>
+          </p:nvSpPr>
+          <p:spPr bwMode="auto">
+            <a:xfrm>
+              <a:off x="11202988" y="9525"/>
+              <a:ext cx="963613" cy="366713"/>
+            </a:xfrm>
+            <a:custGeom>
+              <a:avLst/>
+              <a:gdLst/>
+              <a:ahLst/>
+              <a:cxnLst/>
+              <a:rect l="0" t="0" r="r" b="b"/>
+              <a:pathLst>
+                <a:path w="203" h="77">
+                  <a:moveTo>
+                    <a:pt x="203" y="77"/>
+                  </a:moveTo>
+                  <a:cubicBezTo>
+                    <a:pt x="138" y="46"/>
+                    <a:pt x="68" y="21"/>
+                    <a:pt x="0" y="0"/>
+                  </a:cubicBezTo>
+                </a:path>
+              </a:pathLst>
+            </a:custGeom>
+            <a:noFill/>
+            <a:ln w="9525" cap="flat">
+              <a:solidFill>
+                <a:schemeClr val="tx1">
+                  <a:alpha val="20000"/>
+                </a:schemeClr>
+              </a:solidFill>
+              <a:prstDash val="dash"/>
+              <a:miter lim="800000"/>
+              <a:headEnd/>
+              <a:tailEnd/>
+            </a:ln>
+            <a:extLst>
+              <a:ext uri="{909E8E84-426E-40DD-AFC4-6F175D3DCCD1}">
+                <a14:hiddenFill xmlns:a14="http://schemas.microsoft.com/office/drawing/2010/main">
+                  <a:solidFill>
+                    <a:srgbClr val="FFFFFF"/>
+                  </a:solidFill>
+                </a14:hiddenFill>
+              </a:ext>
+            </a:extLst>
+          </p:spPr>
+        </p:sp>
+        <p:sp>
+          <p:nvSpPr>
+            <p:cNvPr id="16" name="Freeform 10">
+              <a:extLst>
+                <a:ext uri="{FF2B5EF4-FFF2-40B4-BE49-F238E27FC236}">
+                  <a16:creationId xmlns:a16="http://schemas.microsoft.com/office/drawing/2014/main" id="{077654CC-108F-48D5-B5E9-437F164F52A5}"/>
+                </a:ext>
+                <a:ext uri="{C183D7F6-B498-43B3-948B-1728B52AA6E4}">
+                  <adec:decorative xmlns:adec="http://schemas.microsoft.com/office/drawing/2017/decorative" val="1"/>
+                </a:ext>
+              </a:extLst>
+            </p:cNvPr>
+            <p:cNvSpPr/>
+            <p:nvPr>
+              <p:extLst>
+                <p:ext uri="{386F3935-93C4-4BCD-93E2-E3B085C9AB24}">
+                  <p16:designElem xmlns:p16="http://schemas.microsoft.com/office/powerpoint/2015/main" val="1"/>
+                </p:ext>
+              </p:extLst>
+            </p:nvPr>
+          </p:nvSpPr>
+          <p:spPr bwMode="auto">
+            <a:xfrm>
+              <a:off x="10494963" y="5275263"/>
+              <a:ext cx="1666875" cy="1577975"/>
+            </a:xfrm>
+            <a:custGeom>
+              <a:avLst/>
+              <a:gdLst/>
+              <a:ahLst/>
+              <a:cxnLst/>
+              <a:rect l="0" t="0" r="r" b="b"/>
+              <a:pathLst>
+                <a:path w="351" h="332">
+                  <a:moveTo>
+                    <a:pt x="0" y="332"/>
+                  </a:moveTo>
+                  <a:cubicBezTo>
+                    <a:pt x="125" y="232"/>
+                    <a:pt x="245" y="121"/>
+                    <a:pt x="351" y="0"/>
+                  </a:cubicBezTo>
+                </a:path>
+              </a:pathLst>
+            </a:custGeom>
+            <a:noFill/>
+            <a:ln w="9525" cap="flat">
+              <a:solidFill>
+                <a:schemeClr val="tx1">
+                  <a:alpha val="20000"/>
+                </a:schemeClr>
+              </a:solidFill>
+              <a:prstDash val="dash"/>
+              <a:miter lim="800000"/>
+              <a:headEnd/>
+              <a:tailEnd/>
+            </a:ln>
+            <a:extLst>
+              <a:ext uri="{909E8E84-426E-40DD-AFC4-6F175D3DCCD1}">
+                <a14:hiddenFill xmlns:a14="http://schemas.microsoft.com/office/drawing/2010/main">
+                  <a:solidFill>
+                    <a:srgbClr val="FFFFFF"/>
+                  </a:solidFill>
+                </a14:hiddenFill>
+              </a:ext>
+            </a:extLst>
+          </p:spPr>
+        </p:sp>
+        <p:sp>
+          <p:nvSpPr>
+            <p:cNvPr id="17" name="Freeform 11">
+              <a:extLst>
+                <a:ext uri="{FF2B5EF4-FFF2-40B4-BE49-F238E27FC236}">
+                  <a16:creationId xmlns:a16="http://schemas.microsoft.com/office/drawing/2014/main" id="{A3CF3A63-1C1E-4E85-A78A-FDC16431E3A0}"/>
+                </a:ext>
+                <a:ext uri="{C183D7F6-B498-43B3-948B-1728B52AA6E4}">
+                  <adec:decorative xmlns:adec="http://schemas.microsoft.com/office/drawing/2017/decorative" val="1"/>
+                </a:ext>
+              </a:extLst>
+            </p:cNvPr>
+            <p:cNvSpPr/>
+            <p:nvPr>
+              <p:extLst>
+                <p:ext uri="{386F3935-93C4-4BCD-93E2-E3B085C9AB24}">
+                  <p16:designElem xmlns:p16="http://schemas.microsoft.com/office/powerpoint/2015/main" val="1"/>
+                </p:ext>
+              </p:extLst>
+            </p:nvPr>
+          </p:nvSpPr>
+          <p:spPr bwMode="auto">
+            <a:xfrm>
+              <a:off x="1001713" y="0"/>
+              <a:ext cx="3621088" cy="6843713"/>
+            </a:xfrm>
+            <a:custGeom>
+              <a:avLst/>
+              <a:gdLst/>
+              <a:ahLst/>
+              <a:cxnLst/>
+              <a:rect l="0" t="0" r="r" b="b"/>
+              <a:pathLst>
+                <a:path w="762" h="1440">
+                  <a:moveTo>
+                    <a:pt x="762" y="0"/>
+                  </a:moveTo>
+                  <a:cubicBezTo>
+                    <a:pt x="308" y="245"/>
+                    <a:pt x="0" y="1033"/>
+                    <a:pt x="403" y="1440"/>
+                  </a:cubicBezTo>
+                </a:path>
+              </a:pathLst>
+            </a:custGeom>
+            <a:noFill/>
+            <a:ln w="9525" cap="flat">
+              <a:solidFill>
+                <a:schemeClr val="tx1">
+                  <a:alpha val="20000"/>
+                </a:schemeClr>
+              </a:solidFill>
+              <a:prstDash val="solid"/>
+              <a:miter lim="800000"/>
+              <a:headEnd/>
+              <a:tailEnd/>
+            </a:ln>
+            <a:extLst>
+              <a:ext uri="{909E8E84-426E-40DD-AFC4-6F175D3DCCD1}">
+                <a14:hiddenFill xmlns:a14="http://schemas.microsoft.com/office/drawing/2010/main">
+                  <a:solidFill>
+                    <a:srgbClr val="FFFFFF"/>
+                  </a:solidFill>
+                </a14:hiddenFill>
+              </a:ext>
+            </a:extLst>
+          </p:spPr>
+        </p:sp>
+        <p:sp>
+          <p:nvSpPr>
+            <p:cNvPr id="18" name="Freeform 12">
+              <a:extLst>
+                <a:ext uri="{FF2B5EF4-FFF2-40B4-BE49-F238E27FC236}">
+                  <a16:creationId xmlns:a16="http://schemas.microsoft.com/office/drawing/2014/main" id="{8740FC9A-72DD-4D9B-BA25-1CCED1352408}"/>
+                </a:ext>
+                <a:ext uri="{C183D7F6-B498-43B3-948B-1728B52AA6E4}">
+                  <adec:decorative xmlns:adec="http://schemas.microsoft.com/office/drawing/2017/decorative" val="1"/>
+                </a:ext>
+              </a:extLst>
+            </p:cNvPr>
+            <p:cNvSpPr/>
+            <p:nvPr>
+              <p:extLst>
+                <p:ext uri="{386F3935-93C4-4BCD-93E2-E3B085C9AB24}">
+                  <p16:designElem xmlns:p16="http://schemas.microsoft.com/office/powerpoint/2015/main" val="1"/>
+                </p:ext>
+              </p:extLst>
+            </p:nvPr>
+          </p:nvSpPr>
+          <p:spPr bwMode="auto">
+            <a:xfrm>
+              <a:off x="11501438" y="9525"/>
+              <a:ext cx="665163" cy="257175"/>
+            </a:xfrm>
+            <a:custGeom>
+              <a:avLst/>
+              <a:gdLst/>
+              <a:ahLst/>
+              <a:cxnLst/>
+              <a:rect l="0" t="0" r="r" b="b"/>
+              <a:pathLst>
+                <a:path w="140" h="54">
+                  <a:moveTo>
+                    <a:pt x="140" y="54"/>
+                  </a:moveTo>
+                  <a:cubicBezTo>
+                    <a:pt x="95" y="34"/>
+                    <a:pt x="48" y="16"/>
+                    <a:pt x="0" y="0"/>
+                  </a:cubicBezTo>
+                </a:path>
+              </a:pathLst>
+            </a:custGeom>
+            <a:noFill/>
+            <a:ln w="9525" cap="flat">
+              <a:solidFill>
+                <a:schemeClr val="tx1">
+                  <a:alpha val="20000"/>
+                </a:schemeClr>
+              </a:solidFill>
+              <a:prstDash val="solid"/>
+              <a:miter lim="800000"/>
+              <a:headEnd/>
+              <a:tailEnd/>
+            </a:ln>
+            <a:extLst>
+              <a:ext uri="{909E8E84-426E-40DD-AFC4-6F175D3DCCD1}">
+                <a14:hiddenFill xmlns:a14="http://schemas.microsoft.com/office/drawing/2010/main">
+                  <a:solidFill>
+                    <a:srgbClr val="FFFFFF"/>
+                  </a:solidFill>
+                </a14:hiddenFill>
+              </a:ext>
+            </a:extLst>
+          </p:spPr>
+        </p:sp>
+        <p:sp>
+          <p:nvSpPr>
+            <p:cNvPr id="19" name="Freeform 13">
+              <a:extLst>
+                <a:ext uri="{FF2B5EF4-FFF2-40B4-BE49-F238E27FC236}">
+                  <a16:creationId xmlns:a16="http://schemas.microsoft.com/office/drawing/2014/main" id="{7FBF5743-F2AE-4D0D-BCD1-01F7686D012A}"/>
+                </a:ext>
+                <a:ext uri="{C183D7F6-B498-43B3-948B-1728B52AA6E4}">
+                  <adec:decorative xmlns:adec="http://schemas.microsoft.com/office/drawing/2017/decorative" val="1"/>
+                </a:ext>
+              </a:extLst>
+            </p:cNvPr>
+            <p:cNvSpPr/>
+            <p:nvPr>
+              <p:extLst>
+                <p:ext uri="{386F3935-93C4-4BCD-93E2-E3B085C9AB24}">
+                  <p16:designElem xmlns:p16="http://schemas.microsoft.com/office/powerpoint/2015/main" val="1"/>
+                </p:ext>
+              </p:extLst>
+            </p:nvPr>
+          </p:nvSpPr>
+          <p:spPr bwMode="auto">
+            <a:xfrm>
+              <a:off x="10641013" y="5408613"/>
+              <a:ext cx="1525588" cy="1435100"/>
+            </a:xfrm>
+            <a:custGeom>
+              <a:avLst/>
+              <a:gdLst/>
+              <a:ahLst/>
+              <a:cxnLst/>
+              <a:rect l="0" t="0" r="r" b="b"/>
+              <a:pathLst>
+                <a:path w="321" h="302">
+                  <a:moveTo>
+                    <a:pt x="0" y="302"/>
+                  </a:moveTo>
+                  <a:cubicBezTo>
+                    <a:pt x="114" y="210"/>
+                    <a:pt x="223" y="109"/>
+                    <a:pt x="321" y="0"/>
+                  </a:cubicBezTo>
+                </a:path>
+              </a:pathLst>
+            </a:custGeom>
+            <a:noFill/>
+            <a:ln w="9525" cap="flat">
+              <a:solidFill>
+                <a:schemeClr val="tx1">
+                  <a:alpha val="20000"/>
+                </a:schemeClr>
+              </a:solidFill>
+              <a:prstDash val="solid"/>
+              <a:miter lim="800000"/>
+              <a:headEnd/>
+              <a:tailEnd/>
+            </a:ln>
+            <a:extLst>
+              <a:ext uri="{909E8E84-426E-40DD-AFC4-6F175D3DCCD1}">
+                <a14:hiddenFill xmlns:a14="http://schemas.microsoft.com/office/drawing/2010/main">
+                  <a:solidFill>
+                    <a:srgbClr val="FFFFFF"/>
+                  </a:solidFill>
+                </a14:hiddenFill>
+              </a:ext>
+            </a:extLst>
+          </p:spPr>
+        </p:sp>
+        <p:sp>
+          <p:nvSpPr>
+            <p:cNvPr id="20" name="Freeform 14">
+              <a:extLst>
+                <a:ext uri="{FF2B5EF4-FFF2-40B4-BE49-F238E27FC236}">
+                  <a16:creationId xmlns:a16="http://schemas.microsoft.com/office/drawing/2014/main" id="{CED32316-D4F7-4795-BBE0-DEBB60E27CE3}"/>
+                </a:ext>
+                <a:ext uri="{C183D7F6-B498-43B3-948B-1728B52AA6E4}">
+                  <adec:decorative xmlns:adec="http://schemas.microsoft.com/office/drawing/2017/decorative" val="1"/>
+                </a:ext>
+              </a:extLst>
+            </p:cNvPr>
+            <p:cNvSpPr/>
+            <p:nvPr>
+              <p:extLst>
+                <p:ext uri="{386F3935-93C4-4BCD-93E2-E3B085C9AB24}">
+                  <p16:designElem xmlns:p16="http://schemas.microsoft.com/office/powerpoint/2015/main" val="1"/>
+                </p:ext>
+              </p:extLst>
+            </p:nvPr>
+          </p:nvSpPr>
+          <p:spPr bwMode="auto">
+            <a:xfrm>
+              <a:off x="1001713" y="0"/>
+              <a:ext cx="3244850" cy="6843713"/>
+            </a:xfrm>
+            <a:custGeom>
+              <a:avLst/>
+              <a:gdLst/>
+              <a:ahLst/>
+              <a:cxnLst/>
+              <a:rect l="0" t="0" r="r" b="b"/>
+              <a:pathLst>
+                <a:path w="683" h="1440">
+                  <a:moveTo>
+                    <a:pt x="683" y="0"/>
+                  </a:moveTo>
+                  <a:cubicBezTo>
+                    <a:pt x="258" y="256"/>
+                    <a:pt x="0" y="1041"/>
+                    <a:pt x="355" y="1440"/>
+                  </a:cubicBezTo>
+                </a:path>
+              </a:pathLst>
+            </a:custGeom>
+            <a:noFill/>
+            <a:ln w="9525" cap="flat">
+              <a:solidFill>
+                <a:schemeClr val="tx1">
+                  <a:alpha val="20000"/>
+                </a:schemeClr>
+              </a:solidFill>
+              <a:prstDash val="solid"/>
+              <a:miter lim="800000"/>
+              <a:headEnd/>
+              <a:tailEnd/>
+            </a:ln>
+            <a:extLst>
+              <a:ext uri="{909E8E84-426E-40DD-AFC4-6F175D3DCCD1}">
+                <a14:hiddenFill xmlns:a14="http://schemas.microsoft.com/office/drawing/2010/main">
+                  <a:solidFill>
+                    <a:srgbClr val="FFFFFF"/>
+                  </a:solidFill>
+                </a14:hiddenFill>
+              </a:ext>
+            </a:extLst>
+          </p:spPr>
+        </p:sp>
+        <p:sp>
+          <p:nvSpPr>
+            <p:cNvPr id="21" name="Freeform 15">
+              <a:extLst>
+                <a:ext uri="{FF2B5EF4-FFF2-40B4-BE49-F238E27FC236}">
+                  <a16:creationId xmlns:a16="http://schemas.microsoft.com/office/drawing/2014/main" id="{583B23C9-B9B7-4E93-9538-CBE316F83FDD}"/>
+                </a:ext>
+                <a:ext uri="{C183D7F6-B498-43B3-948B-1728B52AA6E4}">
+                  <adec:decorative xmlns:adec="http://schemas.microsoft.com/office/drawing/2017/decorative" val="1"/>
+                </a:ext>
+              </a:extLst>
+            </p:cNvPr>
+            <p:cNvSpPr/>
+            <p:nvPr>
+              <p:extLst>
+                <p:ext uri="{386F3935-93C4-4BCD-93E2-E3B085C9AB24}">
+                  <p16:designElem xmlns:p16="http://schemas.microsoft.com/office/powerpoint/2015/main" val="1"/>
+                </p:ext>
+              </p:extLst>
+            </p:nvPr>
+          </p:nvSpPr>
+          <p:spPr bwMode="auto">
+            <a:xfrm>
+              <a:off x="10802938" y="5518150"/>
+              <a:ext cx="1363663" cy="1325563"/>
+            </a:xfrm>
+            <a:custGeom>
+              <a:avLst/>
+              <a:gdLst/>
+              <a:ahLst/>
+              <a:cxnLst/>
+              <a:rect l="0" t="0" r="r" b="b"/>
+              <a:pathLst>
+                <a:path w="287" h="279">
+                  <a:moveTo>
+                    <a:pt x="0" y="279"/>
+                  </a:moveTo>
+                  <a:cubicBezTo>
+                    <a:pt x="101" y="193"/>
+                    <a:pt x="198" y="100"/>
+                    <a:pt x="287" y="0"/>
+                  </a:cubicBezTo>
+                </a:path>
+              </a:pathLst>
+            </a:custGeom>
+            <a:noFill/>
+            <a:ln w="9525" cap="flat">
+              <a:solidFill>
+                <a:schemeClr val="tx1">
+                  <a:alpha val="20000"/>
+                </a:schemeClr>
+              </a:solidFill>
+              <a:prstDash val="solid"/>
+              <a:miter lim="800000"/>
+              <a:headEnd/>
+              <a:tailEnd/>
+            </a:ln>
+            <a:extLst>
+              <a:ext uri="{909E8E84-426E-40DD-AFC4-6F175D3DCCD1}">
+                <a14:hiddenFill xmlns:a14="http://schemas.microsoft.com/office/drawing/2010/main">
+                  <a:solidFill>
+                    <a:srgbClr val="FFFFFF"/>
+                  </a:solidFill>
+                </a14:hiddenFill>
+              </a:ext>
+            </a:extLst>
+          </p:spPr>
+        </p:sp>
+        <p:sp>
+          <p:nvSpPr>
+            <p:cNvPr id="22" name="Freeform 16">
+              <a:extLst>
+                <a:ext uri="{FF2B5EF4-FFF2-40B4-BE49-F238E27FC236}">
+                  <a16:creationId xmlns:a16="http://schemas.microsoft.com/office/drawing/2014/main" id="{5B144260-9F2C-4ADB-A37C-1CFB4B428B1B}"/>
+                </a:ext>
+                <a:ext uri="{C183D7F6-B498-43B3-948B-1728B52AA6E4}">
+                  <adec:decorative xmlns:adec="http://schemas.microsoft.com/office/drawing/2017/decorative" val="1"/>
+                </a:ext>
+              </a:extLst>
+            </p:cNvPr>
+            <p:cNvSpPr/>
+            <p:nvPr>
+              <p:extLst>
+                <p:ext uri="{386F3935-93C4-4BCD-93E2-E3B085C9AB24}">
+                  <p16:designElem xmlns:p16="http://schemas.microsoft.com/office/powerpoint/2015/main" val="1"/>
+                </p:ext>
+              </p:extLst>
+            </p:nvPr>
+          </p:nvSpPr>
+          <p:spPr bwMode="auto">
+            <a:xfrm>
+              <a:off x="889000" y="0"/>
+              <a:ext cx="3230563" cy="6843713"/>
+            </a:xfrm>
+            <a:custGeom>
+              <a:avLst/>
+              <a:gdLst/>
+              <a:ahLst/>
+              <a:cxnLst/>
+              <a:rect l="0" t="0" r="r" b="b"/>
+              <a:pathLst>
+                <a:path w="680" h="1440">
+                  <a:moveTo>
+                    <a:pt x="680" y="0"/>
+                  </a:moveTo>
+                  <a:cubicBezTo>
+                    <a:pt x="257" y="265"/>
+                    <a:pt x="0" y="1026"/>
+                    <a:pt x="337" y="1440"/>
+                  </a:cubicBezTo>
+                </a:path>
+              </a:pathLst>
+            </a:custGeom>
+            <a:noFill/>
+            <a:ln w="9525" cap="flat">
+              <a:solidFill>
+                <a:schemeClr val="tx1">
+                  <a:alpha val="20000"/>
+                </a:schemeClr>
+              </a:solidFill>
+              <a:prstDash val="solid"/>
+              <a:miter lim="800000"/>
+              <a:headEnd/>
+              <a:tailEnd/>
+            </a:ln>
+            <a:extLst>
+              <a:ext uri="{909E8E84-426E-40DD-AFC4-6F175D3DCCD1}">
+                <a14:hiddenFill xmlns:a14="http://schemas.microsoft.com/office/drawing/2010/main">
+                  <a:solidFill>
+                    <a:srgbClr val="FFFFFF"/>
+                  </a:solidFill>
+                </a14:hiddenFill>
+              </a:ext>
+            </a:extLst>
+          </p:spPr>
+        </p:sp>
+        <p:sp>
+          <p:nvSpPr>
+            <p:cNvPr id="23" name="Freeform 17">
+              <a:extLst>
+                <a:ext uri="{FF2B5EF4-FFF2-40B4-BE49-F238E27FC236}">
+                  <a16:creationId xmlns:a16="http://schemas.microsoft.com/office/drawing/2014/main" id="{53FF918D-79D3-4F55-A68C-0DD5880DABDF}"/>
+                </a:ext>
+                <a:ext uri="{C183D7F6-B498-43B3-948B-1728B52AA6E4}">
+                  <adec:decorative xmlns:adec="http://schemas.microsoft.com/office/drawing/2017/decorative" val="1"/>
+                </a:ext>
+              </a:extLst>
+            </p:cNvPr>
+            <p:cNvSpPr/>
+            <p:nvPr>
+              <p:extLst>
+                <p:ext uri="{386F3935-93C4-4BCD-93E2-E3B085C9AB24}">
+                  <p16:designElem xmlns:p16="http://schemas.microsoft.com/office/powerpoint/2015/main" val="1"/>
+                </p:ext>
+              </p:extLst>
+            </p:nvPr>
+          </p:nvSpPr>
+          <p:spPr bwMode="auto">
+            <a:xfrm>
+              <a:off x="10979150" y="5694363"/>
+              <a:ext cx="1187450" cy="1149350"/>
+            </a:xfrm>
+            <a:custGeom>
+              <a:avLst/>
+              <a:gdLst/>
+              <a:ahLst/>
+              <a:cxnLst/>
+              <a:rect l="0" t="0" r="r" b="b"/>
+              <a:pathLst>
+                <a:path w="250" h="242">
+                  <a:moveTo>
+                    <a:pt x="0" y="242"/>
+                  </a:moveTo>
+                  <a:cubicBezTo>
+                    <a:pt x="88" y="166"/>
+                    <a:pt x="172" y="85"/>
+                    <a:pt x="250" y="0"/>
+                  </a:cubicBezTo>
+                </a:path>
+              </a:pathLst>
+            </a:custGeom>
+            <a:noFill/>
+            <a:ln w="9525" cap="flat">
+              <a:solidFill>
+                <a:schemeClr val="tx1">
+                  <a:alpha val="20000"/>
+                </a:schemeClr>
+              </a:solidFill>
+              <a:prstDash val="solid"/>
+              <a:miter lim="800000"/>
+              <a:headEnd/>
+              <a:tailEnd/>
+            </a:ln>
+            <a:extLst>
+              <a:ext uri="{909E8E84-426E-40DD-AFC4-6F175D3DCCD1}">
+                <a14:hiddenFill xmlns:a14="http://schemas.microsoft.com/office/drawing/2010/main">
+                  <a:solidFill>
+                    <a:srgbClr val="FFFFFF"/>
+                  </a:solidFill>
+                </a14:hiddenFill>
+              </a:ext>
+            </a:extLst>
+          </p:spPr>
+        </p:sp>
+        <p:sp>
+          <p:nvSpPr>
+            <p:cNvPr id="24" name="Freeform 18">
+              <a:extLst>
+                <a:ext uri="{FF2B5EF4-FFF2-40B4-BE49-F238E27FC236}">
+                  <a16:creationId xmlns:a16="http://schemas.microsoft.com/office/drawing/2014/main" id="{B9FC1440-933F-44FE-8D77-4827DD0F99A5}"/>
+                </a:ext>
+                <a:ext uri="{C183D7F6-B498-43B3-948B-1728B52AA6E4}">
+                  <adec:decorative xmlns:adec="http://schemas.microsoft.com/office/drawing/2017/decorative" val="1"/>
+                </a:ext>
+              </a:extLst>
+            </p:cNvPr>
+            <p:cNvSpPr/>
+            <p:nvPr>
+              <p:extLst>
+                <p:ext uri="{386F3935-93C4-4BCD-93E2-E3B085C9AB24}">
+                  <p16:designElem xmlns:p16="http://schemas.microsoft.com/office/powerpoint/2015/main" val="1"/>
+                </p:ext>
+              </p:extLst>
+            </p:nvPr>
+          </p:nvSpPr>
+          <p:spPr bwMode="auto">
+            <a:xfrm>
+              <a:off x="484188" y="0"/>
+              <a:ext cx="3421063" cy="6843713"/>
+            </a:xfrm>
+            <a:custGeom>
+              <a:avLst/>
+              <a:gdLst/>
+              <a:ahLst/>
+              <a:cxnLst/>
+              <a:rect l="0" t="0" r="r" b="b"/>
+              <a:pathLst>
+                <a:path w="720" h="1440">
+                  <a:moveTo>
+                    <a:pt x="720" y="0"/>
+                  </a:moveTo>
+                  <a:cubicBezTo>
+                    <a:pt x="316" y="282"/>
+                    <a:pt x="0" y="1018"/>
+                    <a:pt x="362" y="1440"/>
+                  </a:cubicBezTo>
+                </a:path>
+              </a:pathLst>
+            </a:custGeom>
+            <a:noFill/>
+            <a:ln w="9525" cap="flat">
+              <a:solidFill>
+                <a:schemeClr val="tx1">
+                  <a:alpha val="20000"/>
+                </a:schemeClr>
+              </a:solidFill>
+              <a:prstDash val="solid"/>
+              <a:miter lim="800000"/>
+              <a:headEnd/>
+              <a:tailEnd/>
+            </a:ln>
+            <a:extLst>
+              <a:ext uri="{909E8E84-426E-40DD-AFC4-6F175D3DCCD1}">
+                <a14:hiddenFill xmlns:a14="http://schemas.microsoft.com/office/drawing/2010/main">
+                  <a:solidFill>
+                    <a:srgbClr val="FFFFFF"/>
+                  </a:solidFill>
+                </a14:hiddenFill>
+              </a:ext>
+            </a:extLst>
+          </p:spPr>
+        </p:sp>
+        <p:sp>
+          <p:nvSpPr>
+            <p:cNvPr id="25" name="Freeform 19">
+              <a:extLst>
+                <a:ext uri="{FF2B5EF4-FFF2-40B4-BE49-F238E27FC236}">
+                  <a16:creationId xmlns:a16="http://schemas.microsoft.com/office/drawing/2014/main" id="{0F67F308-A67C-4D2E-B081-59BB31D8EC50}"/>
+                </a:ext>
+                <a:ext uri="{C183D7F6-B498-43B3-948B-1728B52AA6E4}">
+                  <adec:decorative xmlns:adec="http://schemas.microsoft.com/office/drawing/2017/decorative" val="1"/>
+                </a:ext>
+              </a:extLst>
+            </p:cNvPr>
+            <p:cNvSpPr/>
+            <p:nvPr>
+              <p:extLst>
+                <p:ext uri="{386F3935-93C4-4BCD-93E2-E3B085C9AB24}">
+                  <p16:designElem xmlns:p16="http://schemas.microsoft.com/office/powerpoint/2015/main" val="1"/>
+                </p:ext>
+              </p:extLst>
+            </p:nvPr>
+          </p:nvSpPr>
+          <p:spPr bwMode="auto">
+            <a:xfrm>
+              <a:off x="11287125" y="6049963"/>
+              <a:ext cx="879475" cy="793750"/>
+            </a:xfrm>
+            <a:custGeom>
+              <a:avLst/>
+              <a:gdLst/>
+              <a:ahLst/>
+              <a:cxnLst/>
+              <a:rect l="0" t="0" r="r" b="b"/>
+              <a:pathLst>
+                <a:path w="185" h="167">
+                  <a:moveTo>
+                    <a:pt x="0" y="167"/>
+                  </a:moveTo>
+                  <a:cubicBezTo>
+                    <a:pt x="63" y="114"/>
+                    <a:pt x="125" y="58"/>
+                    <a:pt x="185" y="0"/>
+                  </a:cubicBezTo>
+                </a:path>
+              </a:pathLst>
+            </a:custGeom>
+            <a:noFill/>
+            <a:ln w="9525" cap="flat">
+              <a:solidFill>
+                <a:schemeClr val="tx1">
+                  <a:alpha val="20000"/>
+                </a:schemeClr>
+              </a:solidFill>
+              <a:prstDash val="solid"/>
+              <a:miter lim="800000"/>
+              <a:headEnd/>
+              <a:tailEnd/>
+            </a:ln>
+            <a:extLst>
+              <a:ext uri="{909E8E84-426E-40DD-AFC4-6F175D3DCCD1}">
+                <a14:hiddenFill xmlns:a14="http://schemas.microsoft.com/office/drawing/2010/main">
+                  <a:solidFill>
+                    <a:srgbClr val="FFFFFF"/>
+                  </a:solidFill>
+                </a14:hiddenFill>
+              </a:ext>
+            </a:extLst>
+          </p:spPr>
+        </p:sp>
+        <p:sp>
+          <p:nvSpPr>
+            <p:cNvPr id="26" name="Freeform 20">
+              <a:extLst>
+                <a:ext uri="{FF2B5EF4-FFF2-40B4-BE49-F238E27FC236}">
+                  <a16:creationId xmlns:a16="http://schemas.microsoft.com/office/drawing/2014/main" id="{80112F01-90EB-4AEC-A39C-5C6875FFB99B}"/>
+                </a:ext>
+                <a:ext uri="{C183D7F6-B498-43B3-948B-1728B52AA6E4}">
+                  <adec:decorative xmlns:adec="http://schemas.microsoft.com/office/drawing/2017/decorative" val="1"/>
+                </a:ext>
+              </a:extLst>
+            </p:cNvPr>
+            <p:cNvSpPr/>
+            <p:nvPr>
+              <p:extLst>
+                <p:ext uri="{386F3935-93C4-4BCD-93E2-E3B085C9AB24}">
+                  <p16:designElem xmlns:p16="http://schemas.microsoft.com/office/powerpoint/2015/main" val="1"/>
+                </p:ext>
+              </p:extLst>
+            </p:nvPr>
+          </p:nvSpPr>
+          <p:spPr bwMode="auto">
+            <a:xfrm>
+              <a:off x="598488" y="0"/>
+              <a:ext cx="2717800" cy="6843713"/>
+            </a:xfrm>
+            <a:custGeom>
+              <a:avLst/>
+              <a:gdLst/>
+              <a:ahLst/>
+              <a:cxnLst/>
+              <a:rect l="0" t="0" r="r" b="b"/>
+              <a:pathLst>
+                <a:path w="572" h="1440">
+                  <a:moveTo>
+                    <a:pt x="572" y="0"/>
+                  </a:moveTo>
+                  <a:cubicBezTo>
+                    <a:pt x="213" y="320"/>
+                    <a:pt x="0" y="979"/>
+                    <a:pt x="164" y="1440"/>
+                  </a:cubicBezTo>
+                </a:path>
+              </a:pathLst>
+            </a:custGeom>
+            <a:noFill/>
+            <a:ln w="12700" cap="flat">
+              <a:solidFill>
+                <a:schemeClr val="tx1">
+                  <a:alpha val="20000"/>
+                </a:schemeClr>
+              </a:solidFill>
+              <a:prstDash val="dashDot"/>
+              <a:miter lim="800000"/>
+              <a:headEnd/>
+              <a:tailEnd/>
+            </a:ln>
+            <a:extLst>
+              <a:ext uri="{909E8E84-426E-40DD-AFC4-6F175D3DCCD1}">
+                <a14:hiddenFill xmlns:a14="http://schemas.microsoft.com/office/drawing/2010/main">
+                  <a:solidFill>
+                    <a:srgbClr val="FFFFFF"/>
+                  </a:solidFill>
+                </a14:hiddenFill>
+              </a:ext>
+            </a:extLst>
+          </p:spPr>
+        </p:sp>
+        <p:sp>
+          <p:nvSpPr>
+            <p:cNvPr id="27" name="Freeform 21">
+              <a:extLst>
+                <a:ext uri="{FF2B5EF4-FFF2-40B4-BE49-F238E27FC236}">
+                  <a16:creationId xmlns:a16="http://schemas.microsoft.com/office/drawing/2014/main" id="{893F6B05-90EB-4C75-A0F0-C7247553BD81}"/>
+                </a:ext>
+                <a:ext uri="{C183D7F6-B498-43B3-948B-1728B52AA6E4}">
+                  <adec:decorative xmlns:adec="http://schemas.microsoft.com/office/drawing/2017/decorative" val="1"/>
+                </a:ext>
+              </a:extLst>
+            </p:cNvPr>
+            <p:cNvSpPr/>
+            <p:nvPr>
+              <p:extLst>
+                <p:ext uri="{386F3935-93C4-4BCD-93E2-E3B085C9AB24}">
+                  <p16:designElem xmlns:p16="http://schemas.microsoft.com/office/powerpoint/2015/main" val="1"/>
+                </p:ext>
+              </p:extLst>
+            </p:nvPr>
+          </p:nvSpPr>
+          <p:spPr bwMode="auto">
+            <a:xfrm>
+              <a:off x="261938" y="0"/>
+              <a:ext cx="2944813" cy="6843713"/>
+            </a:xfrm>
+            <a:custGeom>
+              <a:avLst/>
+              <a:gdLst/>
+              <a:ahLst/>
+              <a:cxnLst/>
+              <a:rect l="0" t="0" r="r" b="b"/>
+              <a:pathLst>
+                <a:path w="620" h="1440">
+                  <a:moveTo>
+                    <a:pt x="620" y="0"/>
+                  </a:moveTo>
+                  <a:cubicBezTo>
+                    <a:pt x="248" y="325"/>
+                    <a:pt x="0" y="960"/>
+                    <a:pt x="186" y="1440"/>
+                  </a:cubicBezTo>
+                </a:path>
+              </a:pathLst>
+            </a:custGeom>
+            <a:noFill/>
+            <a:ln w="9525" cap="flat">
+              <a:solidFill>
+                <a:schemeClr val="tx1">
+                  <a:alpha val="20000"/>
+                </a:schemeClr>
+              </a:solidFill>
+              <a:prstDash val="lgDash"/>
+              <a:miter lim="800000"/>
+              <a:headEnd/>
+              <a:tailEnd/>
+            </a:ln>
+            <a:extLst>
+              <a:ext uri="{909E8E84-426E-40DD-AFC4-6F175D3DCCD1}">
+                <a14:hiddenFill xmlns:a14="http://schemas.microsoft.com/office/drawing/2010/main">
+                  <a:solidFill>
+                    <a:srgbClr val="FFFFFF"/>
+                  </a:solidFill>
+                </a14:hiddenFill>
+              </a:ext>
+            </a:extLst>
+          </p:spPr>
+        </p:sp>
+        <p:sp>
+          <p:nvSpPr>
+            <p:cNvPr id="28" name="Freeform 22">
+              <a:extLst>
+                <a:ext uri="{FF2B5EF4-FFF2-40B4-BE49-F238E27FC236}">
+                  <a16:creationId xmlns:a16="http://schemas.microsoft.com/office/drawing/2014/main" id="{227B563B-E0C0-4D81-966D-B5E2DBAAE8B5}"/>
+                </a:ext>
+                <a:ext uri="{C183D7F6-B498-43B3-948B-1728B52AA6E4}">
+                  <adec:decorative xmlns:adec="http://schemas.microsoft.com/office/drawing/2017/decorative" val="1"/>
+                </a:ext>
+              </a:extLst>
+            </p:cNvPr>
+            <p:cNvSpPr/>
+            <p:nvPr>
+              <p:extLst>
+                <p:ext uri="{386F3935-93C4-4BCD-93E2-E3B085C9AB24}">
+                  <p16:designElem xmlns:p16="http://schemas.microsoft.com/office/powerpoint/2015/main" val="1"/>
+                </p:ext>
+              </p:extLst>
+            </p:nvPr>
+          </p:nvSpPr>
+          <p:spPr bwMode="auto">
+            <a:xfrm>
+              <a:off x="-417513" y="0"/>
+              <a:ext cx="2403475" cy="6843713"/>
+            </a:xfrm>
+            <a:custGeom>
+              <a:avLst/>
+              <a:gdLst/>
+              <a:ahLst/>
+              <a:cxnLst/>
+              <a:rect l="0" t="0" r="r" b="b"/>
+              <a:pathLst>
+                <a:path w="506" h="1440">
+                  <a:moveTo>
+                    <a:pt x="506" y="0"/>
+                  </a:moveTo>
+                  <a:cubicBezTo>
+                    <a:pt x="109" y="356"/>
+                    <a:pt x="0" y="943"/>
+                    <a:pt x="171" y="1440"/>
+                  </a:cubicBezTo>
+                </a:path>
+              </a:pathLst>
+            </a:custGeom>
+            <a:noFill/>
+            <a:ln w="9525" cap="flat">
+              <a:solidFill>
+                <a:schemeClr val="tx1">
+                  <a:alpha val="20000"/>
+                </a:schemeClr>
+              </a:solidFill>
+              <a:prstDash val="solid"/>
+              <a:miter lim="800000"/>
+              <a:headEnd/>
+              <a:tailEnd/>
+            </a:ln>
+            <a:extLst>
+              <a:ext uri="{909E8E84-426E-40DD-AFC4-6F175D3DCCD1}">
+                <a14:hiddenFill xmlns:a14="http://schemas.microsoft.com/office/drawing/2010/main">
+                  <a:solidFill>
+                    <a:srgbClr val="FFFFFF"/>
+                  </a:solidFill>
+                </a14:hiddenFill>
+              </a:ext>
+            </a:extLst>
+          </p:spPr>
+        </p:sp>
+        <p:sp>
+          <p:nvSpPr>
+            <p:cNvPr id="29" name="Freeform 23">
+              <a:extLst>
+                <a:ext uri="{FF2B5EF4-FFF2-40B4-BE49-F238E27FC236}">
+                  <a16:creationId xmlns:a16="http://schemas.microsoft.com/office/drawing/2014/main" id="{130DF93D-D1FF-477A-BDCE-C8B01C3B476C}"/>
+                </a:ext>
+                <a:ext uri="{C183D7F6-B498-43B3-948B-1728B52AA6E4}">
+                  <adec:decorative xmlns:adec="http://schemas.microsoft.com/office/drawing/2017/decorative" val="1"/>
+                </a:ext>
+              </a:extLst>
+            </p:cNvPr>
+            <p:cNvSpPr/>
+            <p:nvPr>
+              <p:extLst>
+                <p:ext uri="{386F3935-93C4-4BCD-93E2-E3B085C9AB24}">
+                  <p16:designElem xmlns:p16="http://schemas.microsoft.com/office/powerpoint/2015/main" val="1"/>
+                </p:ext>
+              </p:extLst>
+            </p:nvPr>
+          </p:nvSpPr>
+          <p:spPr bwMode="auto">
+            <a:xfrm>
+              <a:off x="14288" y="9525"/>
+              <a:ext cx="1771650" cy="3198813"/>
+            </a:xfrm>
+            <a:custGeom>
+              <a:avLst/>
+              <a:gdLst/>
+              <a:ahLst/>
+              <a:cxnLst/>
+              <a:rect l="0" t="0" r="r" b="b"/>
+              <a:pathLst>
+                <a:path w="373" h="673">
+                  <a:moveTo>
+                    <a:pt x="373" y="0"/>
+                  </a:moveTo>
+                  <a:cubicBezTo>
+                    <a:pt x="175" y="183"/>
+                    <a:pt x="51" y="409"/>
+                    <a:pt x="0" y="673"/>
+                  </a:cubicBezTo>
+                </a:path>
+              </a:pathLst>
+            </a:custGeom>
+            <a:noFill/>
+            <a:ln w="9525" cap="flat">
+              <a:solidFill>
+                <a:schemeClr val="tx1">
+                  <a:alpha val="20000"/>
+                </a:schemeClr>
+              </a:solidFill>
+              <a:prstDash val="solid"/>
+              <a:miter lim="800000"/>
+              <a:headEnd/>
+              <a:tailEnd/>
+            </a:ln>
+            <a:extLst>
+              <a:ext uri="{909E8E84-426E-40DD-AFC4-6F175D3DCCD1}">
+                <a14:hiddenFill xmlns:a14="http://schemas.microsoft.com/office/drawing/2010/main">
+                  <a:solidFill>
+                    <a:srgbClr val="FFFFFF"/>
+                  </a:solidFill>
+                </a14:hiddenFill>
+              </a:ext>
+            </a:extLst>
+          </p:spPr>
+        </p:sp>
+        <p:sp>
+          <p:nvSpPr>
+            <p:cNvPr id="30" name="Freeform 24">
+              <a:extLst>
+                <a:ext uri="{FF2B5EF4-FFF2-40B4-BE49-F238E27FC236}">
+                  <a16:creationId xmlns:a16="http://schemas.microsoft.com/office/drawing/2014/main" id="{44ED67A1-C6FE-4AC8-8473-11DAC03DCD33}"/>
+                </a:ext>
+                <a:ext uri="{C183D7F6-B498-43B3-948B-1728B52AA6E4}">
+                  <adec:decorative xmlns:adec="http://schemas.microsoft.com/office/drawing/2017/decorative" val="1"/>
+                </a:ext>
+              </a:extLst>
+            </p:cNvPr>
+            <p:cNvSpPr/>
+            <p:nvPr>
+              <p:extLst>
+                <p:ext uri="{386F3935-93C4-4BCD-93E2-E3B085C9AB24}">
+                  <p16:designElem xmlns:p16="http://schemas.microsoft.com/office/powerpoint/2015/main" val="1"/>
+                </p:ext>
+              </p:extLst>
+            </p:nvPr>
+          </p:nvSpPr>
+          <p:spPr bwMode="auto">
+            <a:xfrm>
+              <a:off x="4763" y="6016625"/>
+              <a:ext cx="214313" cy="827088"/>
+            </a:xfrm>
+            <a:custGeom>
+              <a:avLst/>
+              <a:gdLst/>
+              <a:ahLst/>
+              <a:cxnLst/>
+              <a:rect l="0" t="0" r="r" b="b"/>
+              <a:pathLst>
+                <a:path w="45" h="174">
+                  <a:moveTo>
+                    <a:pt x="0" y="0"/>
+                  </a:moveTo>
+                  <a:cubicBezTo>
+                    <a:pt x="11" y="59"/>
+                    <a:pt x="26" y="118"/>
+                    <a:pt x="45" y="174"/>
+                  </a:cubicBezTo>
+                </a:path>
+              </a:pathLst>
+            </a:custGeom>
+            <a:noFill/>
+            <a:ln w="9525" cap="flat">
+              <a:solidFill>
+                <a:schemeClr val="tx1">
+                  <a:alpha val="20000"/>
+                </a:schemeClr>
+              </a:solidFill>
+              <a:prstDash val="solid"/>
+              <a:miter lim="800000"/>
+              <a:headEnd/>
+              <a:tailEnd/>
+            </a:ln>
+            <a:extLst>
+              <a:ext uri="{909E8E84-426E-40DD-AFC4-6F175D3DCCD1}">
+                <a14:hiddenFill xmlns:a14="http://schemas.microsoft.com/office/drawing/2010/main">
+                  <a:solidFill>
+                    <a:srgbClr val="FFFFFF"/>
+                  </a:solidFill>
+                </a14:hiddenFill>
+              </a:ext>
+            </a:extLst>
+          </p:spPr>
+        </p:sp>
+        <p:sp>
+          <p:nvSpPr>
+            <p:cNvPr id="31" name="Freeform 25">
+              <a:extLst>
+                <a:ext uri="{FF2B5EF4-FFF2-40B4-BE49-F238E27FC236}">
+                  <a16:creationId xmlns:a16="http://schemas.microsoft.com/office/drawing/2014/main" id="{213A54F3-15FA-4C8F-8ABF-CE77E7219658}"/>
+                </a:ext>
+                <a:ext uri="{C183D7F6-B498-43B3-948B-1728B52AA6E4}">
+                  <adec:decorative xmlns:adec="http://schemas.microsoft.com/office/drawing/2017/decorative" val="1"/>
+                </a:ext>
+              </a:extLst>
+            </p:cNvPr>
+            <p:cNvSpPr/>
+            <p:nvPr>
+              <p:extLst>
+                <p:ext uri="{386F3935-93C4-4BCD-93E2-E3B085C9AB24}">
+                  <p16:designElem xmlns:p16="http://schemas.microsoft.com/office/powerpoint/2015/main" val="1"/>
+                </p:ext>
+              </p:extLst>
+            </p:nvPr>
+          </p:nvSpPr>
+          <p:spPr bwMode="auto">
+            <a:xfrm>
+              <a:off x="14288" y="0"/>
+              <a:ext cx="1562100" cy="2228850"/>
+            </a:xfrm>
+            <a:custGeom>
+              <a:avLst/>
+              <a:gdLst/>
+              <a:ahLst/>
+              <a:cxnLst/>
+              <a:rect l="0" t="0" r="r" b="b"/>
+              <a:pathLst>
+                <a:path w="329" h="469">
+                  <a:moveTo>
+                    <a:pt x="329" y="0"/>
+                  </a:moveTo>
+                  <a:cubicBezTo>
+                    <a:pt x="189" y="133"/>
+                    <a:pt x="69" y="288"/>
+                    <a:pt x="0" y="469"/>
+                  </a:cubicBezTo>
+                </a:path>
+              </a:pathLst>
+            </a:custGeom>
+            <a:noFill/>
+            <a:ln w="9525" cap="flat">
+              <a:solidFill>
+                <a:schemeClr val="tx1">
+                  <a:alpha val="20000"/>
+                </a:schemeClr>
+              </a:solidFill>
+              <a:prstDash val="solid"/>
+              <a:miter lim="800000"/>
+              <a:headEnd/>
+              <a:tailEnd/>
+            </a:ln>
+            <a:extLst>
+              <a:ext uri="{909E8E84-426E-40DD-AFC4-6F175D3DCCD1}">
+                <a14:hiddenFill xmlns:a14="http://schemas.microsoft.com/office/drawing/2010/main">
+                  <a:solidFill>
+                    <a:srgbClr val="FFFFFF"/>
+                  </a:solidFill>
+                </a14:hiddenFill>
+              </a:ext>
+            </a:extLst>
+          </p:spPr>
+        </p:sp>
+      </p:grpSp>
+      <p:grpSp>
+        <p:nvGrpSpPr>
+          <p:cNvPr id="33" name="Group 32">
+            <a:extLst>
+              <a:ext uri="{FF2B5EF4-FFF2-40B4-BE49-F238E27FC236}">
+                <a16:creationId xmlns:a16="http://schemas.microsoft.com/office/drawing/2014/main" id="{5F8A7F7F-DD1A-4F41-98AC-B9CE2A620CDC}"/>
+              </a:ext>
+              <a:ext uri="{C183D7F6-B498-43B3-948B-1728B52AA6E4}">
+                <adec:decorative xmlns:adec="http://schemas.microsoft.com/office/drawing/2017/decorative" val="1"/>
+              </a:ext>
+            </a:extLst>
+          </p:cNvPr>
+          <p:cNvGrpSpPr>
+            <a:grpSpLocks noGrp="1" noUngrp="1" noRot="1" noChangeAspect="1" noMove="1" noResize="1"/>
+          </p:cNvGrpSpPr>
+          <p:nvPr>
+            <p:extLst>
+              <p:ext uri="{386F3935-93C4-4BCD-93E2-E3B085C9AB24}">
+                <p16:designElem xmlns:p16="http://schemas.microsoft.com/office/powerpoint/2015/main" val="1"/>
+              </p:ext>
+            </p:extLst>
+          </p:nvPr>
+        </p:nvGrpSpPr>
+        <p:grpSpPr>
+          <a:xfrm>
+            <a:off x="800144" y="1699589"/>
+            <a:ext cx="3674476" cy="3470421"/>
+            <a:chOff x="697883" y="1816768"/>
+            <a:chExt cx="3674476" cy="3470421"/>
+          </a:xfrm>
+        </p:grpSpPr>
+        <p:sp>
+          <p:nvSpPr>
+            <p:cNvPr id="34" name="Rectangle 33">
+              <a:extLst>
+                <a:ext uri="{FF2B5EF4-FFF2-40B4-BE49-F238E27FC236}">
+                  <a16:creationId xmlns:a16="http://schemas.microsoft.com/office/drawing/2014/main" id="{CEF47228-EB7C-4EBA-BE01-DA6CB2410289}"/>
+                </a:ext>
+                <a:ext uri="{C183D7F6-B498-43B3-948B-1728B52AA6E4}">
+                  <adec:decorative xmlns:adec="http://schemas.microsoft.com/office/drawing/2017/decorative" val="1"/>
+                </a:ext>
+              </a:extLst>
+            </p:cNvPr>
+            <p:cNvSpPr/>
+            <p:nvPr>
+              <p:extLst>
+                <p:ext uri="{386F3935-93C4-4BCD-93E2-E3B085C9AB24}">
+                  <p16:designElem xmlns:p16="http://schemas.microsoft.com/office/powerpoint/2015/main" val="1"/>
+                </p:ext>
+              </p:extLst>
+            </p:nvPr>
+          </p:nvSpPr>
+          <p:spPr>
+            <a:xfrm>
+              <a:off x="697883" y="1816768"/>
+              <a:ext cx="3674476" cy="502920"/>
+            </a:xfrm>
+            <a:prstGeom prst="rect">
+              <a:avLst/>
+            </a:prstGeom>
+            <a:solidFill>
+              <a:schemeClr val="accent1"/>
+            </a:solidFill>
+            <a:ln>
+              <a:noFill/>
+            </a:ln>
+          </p:spPr>
+          <p:style>
+            <a:lnRef idx="2">
+              <a:schemeClr val="accent1">
+                <a:shade val="50000"/>
+              </a:schemeClr>
+            </a:lnRef>
+            <a:fillRef idx="1">
+              <a:schemeClr val="accent1"/>
+            </a:fillRef>
+            <a:effectRef idx="0">
+              <a:schemeClr val="accent1"/>
+            </a:effectRef>
+            <a:fontRef idx="minor">
+              <a:schemeClr val="lt1"/>
+            </a:fontRef>
+          </p:style>
+        </p:sp>
+        <p:sp>
+          <p:nvSpPr>
+            <p:cNvPr id="35" name="Isosceles Triangle 22">
+              <a:extLst>
+                <a:ext uri="{FF2B5EF4-FFF2-40B4-BE49-F238E27FC236}">
+                  <a16:creationId xmlns:a16="http://schemas.microsoft.com/office/drawing/2014/main" id="{3D2FD25A-EFFD-4F5C-9258-981F5907DE21}"/>
+                </a:ext>
+                <a:ext uri="{C183D7F6-B498-43B3-948B-1728B52AA6E4}">
+                  <adec:decorative xmlns:adec="http://schemas.microsoft.com/office/drawing/2017/decorative" val="1"/>
+                </a:ext>
+              </a:extLst>
+            </p:cNvPr>
+            <p:cNvSpPr/>
+            <p:nvPr>
+              <p:extLst>
+                <p:ext uri="{386F3935-93C4-4BCD-93E2-E3B085C9AB24}">
+                  <p16:designElem xmlns:p16="http://schemas.microsoft.com/office/powerpoint/2015/main" val="1"/>
+                </p:ext>
+              </p:extLst>
+            </p:nvPr>
+          </p:nvSpPr>
+          <p:spPr>
+            <a:xfrm rot="10800000">
+              <a:off x="2380224" y="5014786"/>
+              <a:ext cx="315988" cy="272403"/>
+            </a:xfrm>
+            <a:prstGeom prst="triangle">
+              <a:avLst/>
+            </a:prstGeom>
+            <a:solidFill>
+              <a:schemeClr val="accent1"/>
+            </a:solidFill>
+            <a:ln>
+              <a:noFill/>
+            </a:ln>
+          </p:spPr>
+          <p:style>
+            <a:lnRef idx="2">
+              <a:schemeClr val="accent1">
+                <a:shade val="50000"/>
+              </a:schemeClr>
+            </a:lnRef>
+            <a:fillRef idx="1">
+              <a:schemeClr val="accent1"/>
+            </a:fillRef>
+            <a:effectRef idx="0">
+              <a:schemeClr val="accent1"/>
+            </a:effectRef>
+            <a:fontRef idx="minor">
+              <a:schemeClr val="lt1"/>
+            </a:fontRef>
+          </p:style>
+        </p:sp>
+        <p:sp>
+          <p:nvSpPr>
+            <p:cNvPr id="36" name="Rectangle 35">
+              <a:extLst>
+                <a:ext uri="{FF2B5EF4-FFF2-40B4-BE49-F238E27FC236}">
+                  <a16:creationId xmlns:a16="http://schemas.microsoft.com/office/drawing/2014/main" id="{DCF573BC-A06F-4036-A3A8-9D07DDE62253}"/>
+                </a:ext>
+                <a:ext uri="{C183D7F6-B498-43B3-948B-1728B52AA6E4}">
+                  <adec:decorative xmlns:adec="http://schemas.microsoft.com/office/drawing/2017/decorative" val="1"/>
+                </a:ext>
+              </a:extLst>
+            </p:cNvPr>
+            <p:cNvSpPr/>
+            <p:nvPr>
+              <p:extLst>
+                <p:ext uri="{386F3935-93C4-4BCD-93E2-E3B085C9AB24}">
+                  <p16:designElem xmlns:p16="http://schemas.microsoft.com/office/powerpoint/2015/main" val="1"/>
+                </p:ext>
+              </p:extLst>
+            </p:nvPr>
+          </p:nvSpPr>
+          <p:spPr>
+            <a:xfrm>
+              <a:off x="704075" y="2392840"/>
+              <a:ext cx="3668284" cy="2624327"/>
+            </a:xfrm>
+            <a:prstGeom prst="rect">
+              <a:avLst/>
+            </a:prstGeom>
+            <a:solidFill>
+              <a:schemeClr val="accent1"/>
+            </a:solidFill>
+            <a:ln>
+              <a:noFill/>
+            </a:ln>
+          </p:spPr>
+          <p:style>
+            <a:lnRef idx="2">
+              <a:schemeClr val="accent1">
+                <a:shade val="50000"/>
+              </a:schemeClr>
+            </a:lnRef>
+            <a:fillRef idx="1">
+              <a:schemeClr val="accent1"/>
+            </a:fillRef>
+            <a:effectRef idx="0">
+              <a:schemeClr val="accent1"/>
+            </a:effectRef>
+            <a:fontRef idx="minor">
+              <a:schemeClr val="lt1"/>
+            </a:fontRef>
+          </p:style>
+        </p:sp>
+      </p:grpSp>
+      <p:sp>
+        <p:nvSpPr>
+          <p:cNvPr id="2" name="Title 1">
+            <a:extLst>
+              <a:ext uri="{FF2B5EF4-FFF2-40B4-BE49-F238E27FC236}">
+                <a16:creationId xmlns:a16="http://schemas.microsoft.com/office/drawing/2014/main" id="{6F63A5C2-7055-4693-A830-0AD639AC44B5}"/>
+              </a:ext>
+            </a:extLst>
+          </p:cNvPr>
+          <p:cNvSpPr>
+            <a:spLocks noGrp="1"/>
+          </p:cNvSpPr>
+          <p:nvPr>
+            <p:ph type="title"/>
+          </p:nvPr>
+        </p:nvSpPr>
+        <p:spPr>
+          <a:xfrm>
+            <a:off x="904877" y="2415322"/>
+            <a:ext cx="3451730" cy="2399869"/>
+          </a:xfrm>
+        </p:spPr>
+        <p:txBody>
+          <a:bodyPr>
+            <a:normAutofit/>
+          </a:bodyPr>
+          <a:lstStyle/>
+          <a:p>
+            <a:pPr algn="ctr"/>
+            <a:r>
+              <a:rPr lang="en-US" sz="4000">
+                <a:solidFill>
+                  <a:srgbClr val="FFFFFF"/>
+                </a:solidFill>
+              </a:rPr>
+              <a:t>Zadatak</a:t>
+            </a:r>
+            <a:endParaRPr lang="en-GB" sz="4000">
+              <a:solidFill>
+                <a:srgbClr val="FFFFFF"/>
+              </a:solidFill>
+            </a:endParaRPr>
+          </a:p>
+        </p:txBody>
+      </p:sp>
+      <p:sp>
+        <p:nvSpPr>
+          <p:cNvPr id="3" name="Content Placeholder 2">
+            <a:extLst>
+              <a:ext uri="{FF2B5EF4-FFF2-40B4-BE49-F238E27FC236}">
+                <a16:creationId xmlns:a16="http://schemas.microsoft.com/office/drawing/2014/main" id="{EFF698BE-5048-40A4-89BD-A8A6678EB4C4}"/>
+              </a:ext>
+            </a:extLst>
+          </p:cNvPr>
+          <p:cNvSpPr>
+            <a:spLocks noGrp="1"/>
+          </p:cNvSpPr>
+          <p:nvPr>
+            <p:ph idx="1"/>
+          </p:nvPr>
+        </p:nvSpPr>
+        <p:spPr>
+          <a:xfrm>
+            <a:off x="5120640" y="804672"/>
+            <a:ext cx="6281928" cy="5248656"/>
+          </a:xfrm>
+        </p:spPr>
+        <p:txBody>
+          <a:bodyPr anchor="ctr">
+            <a:normAutofit/>
+          </a:bodyPr>
+          <a:lstStyle/>
+          <a:p>
+            <a:pPr marL="457200"/>
+            <a:r>
+              <a:rPr lang="en-US" sz="1400" dirty="0" err="1"/>
+              <a:t>Otvoriti</a:t>
+            </a:r>
+            <a:r>
+              <a:rPr lang="en-US" sz="1400" dirty="0"/>
+              <a:t> </a:t>
+            </a:r>
+            <a:r>
+              <a:rPr lang="en-US" sz="1400" dirty="0" err="1"/>
+              <a:t>zadatak</a:t>
+            </a:r>
+            <a:r>
+              <a:rPr lang="en-US" sz="1400" dirty="0"/>
+              <a:t> </a:t>
+            </a:r>
+            <a:r>
+              <a:rPr lang="en-US" sz="1400" dirty="0" err="1"/>
+              <a:t>gde</a:t>
+            </a:r>
+            <a:r>
+              <a:rPr lang="en-US" sz="1400" dirty="0"/>
+              <a:t> </a:t>
+            </a:r>
+            <a:r>
+              <a:rPr lang="en-US" sz="1400" dirty="0" err="1"/>
+              <a:t>ste</a:t>
+            </a:r>
+            <a:r>
+              <a:rPr lang="en-US" sz="1400" dirty="0"/>
+              <a:t> </a:t>
+            </a:r>
+            <a:r>
+              <a:rPr lang="en-US" sz="1400" dirty="0" err="1"/>
+              <a:t>pravili</a:t>
+            </a:r>
+            <a:r>
+              <a:rPr lang="en-US" sz="1400" dirty="0"/>
+              <a:t> </a:t>
+            </a:r>
+            <a:r>
+              <a:rPr lang="en-US" sz="1400" dirty="0" err="1"/>
+              <a:t>kontrolerer</a:t>
+            </a:r>
+            <a:r>
+              <a:rPr lang="en-US" sz="1400" dirty="0"/>
+              <a:t> I </a:t>
+            </a:r>
+            <a:r>
+              <a:rPr lang="en-US" sz="1400" dirty="0" err="1"/>
+              <a:t>dodati</a:t>
+            </a:r>
+            <a:r>
+              <a:rPr lang="en-US" sz="1400" dirty="0"/>
+              <a:t>.</a:t>
+            </a:r>
+          </a:p>
+          <a:p>
+            <a:pPr marL="457200"/>
+            <a:r>
+              <a:rPr lang="en-US" sz="1400" dirty="0" err="1"/>
+              <a:t>Servis</a:t>
+            </a:r>
+            <a:r>
+              <a:rPr lang="en-US" sz="1400" dirty="0"/>
+              <a:t> za </a:t>
+            </a:r>
+            <a:r>
+              <a:rPr lang="en-US" sz="1400" dirty="0" err="1"/>
+              <a:t>sabiranje</a:t>
+            </a:r>
+            <a:r>
+              <a:rPr lang="en-US" sz="1400" dirty="0"/>
+              <a:t> </a:t>
+            </a:r>
+            <a:r>
+              <a:rPr lang="en-US" sz="1400" dirty="0" err="1"/>
+              <a:t>brojeva</a:t>
+            </a:r>
+            <a:endParaRPr lang="en-US" sz="1400" dirty="0"/>
+          </a:p>
+          <a:p>
+            <a:pPr marL="457200"/>
+            <a:r>
+              <a:rPr lang="en-US" sz="1400" dirty="0" err="1"/>
+              <a:t>Servis</a:t>
+            </a:r>
+            <a:r>
+              <a:rPr lang="en-US" sz="1400" dirty="0"/>
+              <a:t> za </a:t>
+            </a:r>
+            <a:r>
+              <a:rPr lang="en-US" sz="1400" dirty="0" err="1"/>
+              <a:t>oduzimanje</a:t>
+            </a:r>
+            <a:r>
+              <a:rPr lang="en-US" sz="1400" dirty="0"/>
+              <a:t> </a:t>
+            </a:r>
+            <a:r>
+              <a:rPr lang="en-US" sz="1400" dirty="0" err="1"/>
+              <a:t>brojeva</a:t>
+            </a:r>
+            <a:endParaRPr lang="en-US" sz="1400" dirty="0"/>
+          </a:p>
+          <a:p>
+            <a:pPr marL="457200"/>
+            <a:r>
+              <a:rPr lang="en-US" sz="1400" dirty="0" err="1"/>
+              <a:t>Dodati</a:t>
+            </a:r>
+            <a:r>
+              <a:rPr lang="en-US" sz="1400" dirty="0"/>
+              <a:t> service </a:t>
+            </a:r>
+            <a:r>
+              <a:rPr lang="en-US" sz="1400" dirty="0" err="1"/>
+              <a:t>kontrolerima</a:t>
+            </a:r>
+            <a:endParaRPr lang="en-US" sz="1400" dirty="0"/>
+          </a:p>
+          <a:p>
+            <a:pPr marL="457200"/>
+            <a:r>
+              <a:rPr lang="en-US" sz="1400" dirty="0" err="1"/>
+              <a:t>Objekat</a:t>
+            </a:r>
+            <a:r>
+              <a:rPr lang="en-US" sz="1400" dirty="0"/>
+              <a:t> za </a:t>
+            </a:r>
+            <a:r>
+              <a:rPr lang="en-US" sz="1400" dirty="0" err="1"/>
+              <a:t>galeriju</a:t>
+            </a:r>
+            <a:r>
+              <a:rPr lang="en-US" sz="1400" dirty="0"/>
+              <a:t> </a:t>
+            </a:r>
+            <a:r>
+              <a:rPr lang="en-US" sz="1400" dirty="0" err="1"/>
+              <a:t>dohvatiti</a:t>
+            </a:r>
+            <a:r>
+              <a:rPr lang="en-US" sz="1400" dirty="0"/>
+              <a:t> </a:t>
+            </a:r>
+            <a:r>
+              <a:rPr lang="en-US" sz="1400" dirty="0" err="1"/>
+              <a:t>sa</a:t>
+            </a:r>
+            <a:r>
+              <a:rPr lang="en-US" sz="1400" dirty="0"/>
+              <a:t> $http </a:t>
+            </a:r>
+            <a:r>
+              <a:rPr lang="en-US" sz="1400" dirty="0" err="1"/>
+              <a:t>servisom</a:t>
+            </a:r>
+            <a:r>
+              <a:rPr lang="en-US" sz="1400" dirty="0"/>
+              <a:t>.</a:t>
+            </a:r>
+            <a:endParaRPr lang="en-GB" sz="1400" dirty="0"/>
+          </a:p>
+        </p:txBody>
+      </p:sp>
+    </p:spTree>
+    <p:extLst>
+      <p:ext uri="{BB962C8B-B14F-4D97-AF65-F5344CB8AC3E}">
+        <p14:creationId xmlns:p14="http://schemas.microsoft.com/office/powerpoint/2010/main" val="2223331148"/>
+      </p:ext>
+    </p:extLst>
+  </p:cSld>
+  <p:clrMapOvr>
+    <a:masterClrMapping/>
+  </p:clrMapOvr>
+</p:sld>
+</file>
+
+<file path=ppt/slides/slide37.xml><?xml version="1.0" encoding="utf-8"?>
+<p:sld xmlns:a="http://schemas.openxmlformats.org/drawingml/2006/main" xmlns:r="http://schemas.openxmlformats.org/officeDocument/2006/relationships" xmlns:p="http://schemas.openxmlformats.org/presentationml/2006/main">
+  <p:cSld>
+    <p:bg>
+      <p:bgPr>
+        <a:solidFill>
+          <a:schemeClr val="bg1"/>
+        </a:solidFill>
+        <a:effectLst/>
+      </p:bgPr>
+    </p:bg>
+    <p:spTree>
+      <p:nvGrpSpPr>
+        <p:cNvPr id="1" name=""/>
+        <p:cNvGrpSpPr/>
+        <p:nvPr/>
+      </p:nvGrpSpPr>
+      <p:grpSpPr>
+        <a:xfrm>
+          <a:off x="0" y="0"/>
+          <a:ext cx="0" cy="0"/>
+          <a:chOff x="0" y="0"/>
+          <a:chExt cx="0" cy="0"/>
+        </a:xfrm>
+      </p:grpSpPr>
+      <p:sp useBgFill="1">
+        <p:nvSpPr>
+          <p:cNvPr id="8" name="Rectangle 7">
+            <a:extLst>
+              <a:ext uri="{FF2B5EF4-FFF2-40B4-BE49-F238E27FC236}">
+                <a16:creationId xmlns:a16="http://schemas.microsoft.com/office/drawing/2014/main" id="{15911E3A-C35B-4EF7-A355-B84E9A14AF4D}"/>
+              </a:ext>
+              <a:ext uri="{C183D7F6-B498-43B3-948B-1728B52AA6E4}">
+                <adec:decorative xmlns:adec="http://schemas.microsoft.com/office/drawing/2017/decorative" val="1"/>
+              </a:ext>
+            </a:extLst>
+          </p:cNvPr>
+          <p:cNvSpPr>
+            <a:spLocks noGrp="1" noRot="1" noChangeAspect="1" noMove="1" noResize="1" noEditPoints="1" noAdjustHandles="1" noChangeArrowheads="1" noChangeShapeType="1" noTextEdit="1"/>
+          </p:cNvSpPr>
+          <p:nvPr>
+            <p:extLst>
+              <p:ext uri="{386F3935-93C4-4BCD-93E2-E3B085C9AB24}">
+                <p16:designElem xmlns:p16="http://schemas.microsoft.com/office/powerpoint/2015/main" val="1"/>
+              </p:ext>
+            </p:extLst>
+          </p:nvPr>
+        </p:nvSpPr>
+        <p:spPr>
+          <a:xfrm>
+            <a:off x="0" y="-1"/>
+            <a:ext cx="12192000" cy="6858001"/>
+          </a:xfrm>
+          <a:prstGeom prst="rect">
+            <a:avLst/>
+          </a:prstGeom>
+          <a:ln>
+            <a:noFill/>
+          </a:ln>
+        </p:spPr>
+        <p:style>
+          <a:lnRef idx="2">
+            <a:schemeClr val="accent1">
+              <a:shade val="50000"/>
+            </a:schemeClr>
+          </a:lnRef>
+          <a:fillRef idx="1">
+            <a:schemeClr val="accent1"/>
+          </a:fillRef>
+          <a:effectRef idx="0">
+            <a:schemeClr val="accent1"/>
+          </a:effectRef>
+          <a:fontRef idx="minor">
+            <a:schemeClr val="lt1"/>
+          </a:fontRef>
+        </p:style>
+        <p:txBody>
+          <a:bodyPr rtlCol="0" anchor="ctr"/>
+          <a:lstStyle/>
+          <a:p>
+            <a:pPr marL="0" marR="0" lvl="0" indent="0" algn="ctr" defTabSz="914400" rtl="0" eaLnBrk="1" fontAlgn="auto" latinLnBrk="0" hangingPunct="1">
+              <a:lnSpc>
+                <a:spcPct val="100000"/>
+              </a:lnSpc>
+              <a:spcBef>
+                <a:spcPts val="0"/>
+              </a:spcBef>
+              <a:spcAft>
+                <a:spcPts val="0"/>
+              </a:spcAft>
+              <a:buClrTx/>
+              <a:buSzTx/>
+              <a:buFontTx/>
+              <a:buNone/>
+              <a:tabLst/>
+              <a:defRPr/>
+            </a:pPr>
+            <a:endParaRPr kumimoji="0" lang="en-US" sz="1800" b="0" i="0" u="none" strike="noStrike" kern="1200" cap="none" spc="0" normalizeH="0" baseline="0" noProof="0">
+              <a:ln>
+                <a:noFill/>
+              </a:ln>
+              <a:solidFill>
+                <a:prstClr val="white"/>
+              </a:solidFill>
+              <a:effectLst/>
+              <a:uLnTx/>
+              <a:uFillTx/>
+              <a:latin typeface="Calibri" panose="020F0502020204030204"/>
+              <a:ea typeface="+mn-ea"/>
+              <a:cs typeface="+mn-cs"/>
+            </a:endParaRPr>
+          </a:p>
+        </p:txBody>
+      </p:sp>
+      <p:grpSp>
+        <p:nvGrpSpPr>
+          <p:cNvPr id="10" name="Group 9">
+            <a:extLst>
+              <a:ext uri="{FF2B5EF4-FFF2-40B4-BE49-F238E27FC236}">
+                <a16:creationId xmlns:a16="http://schemas.microsoft.com/office/drawing/2014/main" id="{E21ADB3D-AD65-44B4-847D-5E90E90A5D16}"/>
+              </a:ext>
+              <a:ext uri="{C183D7F6-B498-43B3-948B-1728B52AA6E4}">
+                <adec:decorative xmlns:adec="http://schemas.microsoft.com/office/drawing/2017/decorative" val="1"/>
+              </a:ext>
+            </a:extLst>
+          </p:cNvPr>
+          <p:cNvGrpSpPr>
+            <a:grpSpLocks noGrp="1" noUngrp="1" noRot="1" noChangeAspect="1" noMove="1" noResize="1"/>
+          </p:cNvGrpSpPr>
+          <p:nvPr>
+            <p:extLst>
+              <p:ext uri="{386F3935-93C4-4BCD-93E2-E3B085C9AB24}">
+                <p16:designElem xmlns:p16="http://schemas.microsoft.com/office/powerpoint/2015/main" val="1"/>
+              </p:ext>
+            </p:extLst>
+          </p:nvPr>
+        </p:nvGrpSpPr>
+        <p:grpSpPr>
+          <a:xfrm>
+            <a:off x="-417513" y="0"/>
+            <a:ext cx="12584114" cy="6853238"/>
+            <a:chOff x="-417513" y="0"/>
+            <a:chExt cx="12584114" cy="6853238"/>
+          </a:xfrm>
+        </p:grpSpPr>
+        <p:sp>
+          <p:nvSpPr>
+            <p:cNvPr id="11" name="Freeform 5">
+              <a:extLst>
+                <a:ext uri="{FF2B5EF4-FFF2-40B4-BE49-F238E27FC236}">
+                  <a16:creationId xmlns:a16="http://schemas.microsoft.com/office/drawing/2014/main" id="{CF580C70-814C-4845-B645-919BFFBD16BA}"/>
+                </a:ext>
+                <a:ext uri="{C183D7F6-B498-43B3-948B-1728B52AA6E4}">
+                  <adec:decorative xmlns:adec="http://schemas.microsoft.com/office/drawing/2017/decorative" val="1"/>
+                </a:ext>
+              </a:extLst>
+            </p:cNvPr>
+            <p:cNvSpPr/>
+            <p:nvPr>
+              <p:extLst>
+                <p:ext uri="{386F3935-93C4-4BCD-93E2-E3B085C9AB24}">
+                  <p16:designElem xmlns:p16="http://schemas.microsoft.com/office/powerpoint/2015/main" val="1"/>
+                </p:ext>
+              </p:extLst>
+            </p:nvPr>
+          </p:nvSpPr>
+          <p:spPr bwMode="auto">
+            <a:xfrm>
+              <a:off x="1306513" y="0"/>
+              <a:ext cx="3862388" cy="6843713"/>
+            </a:xfrm>
+            <a:custGeom>
+              <a:avLst/>
+              <a:gdLst/>
+              <a:ahLst/>
+              <a:cxnLst/>
+              <a:rect l="0" t="0" r="r" b="b"/>
+              <a:pathLst>
+                <a:path w="813" h="1440">
+                  <a:moveTo>
+                    <a:pt x="813" y="0"/>
+                  </a:moveTo>
+                  <a:cubicBezTo>
+                    <a:pt x="331" y="221"/>
+                    <a:pt x="0" y="1039"/>
+                    <a:pt x="435" y="1440"/>
+                  </a:cubicBezTo>
+                </a:path>
+              </a:pathLst>
+            </a:custGeom>
+            <a:noFill/>
+            <a:ln w="9525" cap="flat">
+              <a:solidFill>
+                <a:schemeClr val="tx1">
+                  <a:alpha val="20000"/>
+                </a:schemeClr>
+              </a:solidFill>
+              <a:prstDash val="solid"/>
+              <a:miter lim="800000"/>
+              <a:headEnd/>
+              <a:tailEnd/>
+            </a:ln>
+            <a:extLst>
+              <a:ext uri="{909E8E84-426E-40DD-AFC4-6F175D3DCCD1}">
+                <a14:hiddenFill xmlns:a14="http://schemas.microsoft.com/office/drawing/2010/main">
+                  <a:solidFill>
+                    <a:srgbClr val="FFFFFF"/>
+                  </a:solidFill>
+                </a14:hiddenFill>
+              </a:ext>
+            </a:extLst>
+          </p:spPr>
+        </p:sp>
+        <p:sp>
+          <p:nvSpPr>
+            <p:cNvPr id="12" name="Freeform 6">
+              <a:extLst>
+                <a:ext uri="{FF2B5EF4-FFF2-40B4-BE49-F238E27FC236}">
+                  <a16:creationId xmlns:a16="http://schemas.microsoft.com/office/drawing/2014/main" id="{34D7BF57-4CAA-45B2-9EF0-0AA1FCF70B16}"/>
+                </a:ext>
+                <a:ext uri="{C183D7F6-B498-43B3-948B-1728B52AA6E4}">
+                  <adec:decorative xmlns:adec="http://schemas.microsoft.com/office/drawing/2017/decorative" val="1"/>
+                </a:ext>
+              </a:extLst>
+            </p:cNvPr>
+            <p:cNvSpPr/>
+            <p:nvPr>
+              <p:extLst>
+                <p:ext uri="{386F3935-93C4-4BCD-93E2-E3B085C9AB24}">
+                  <p16:designElem xmlns:p16="http://schemas.microsoft.com/office/powerpoint/2015/main" val="1"/>
+                </p:ext>
+              </p:extLst>
+            </p:nvPr>
+          </p:nvSpPr>
+          <p:spPr bwMode="auto">
+            <a:xfrm>
+              <a:off x="10626725" y="9525"/>
+              <a:ext cx="1539875" cy="555625"/>
+            </a:xfrm>
+            <a:custGeom>
+              <a:avLst/>
+              <a:gdLst/>
+              <a:ahLst/>
+              <a:cxnLst/>
+              <a:rect l="0" t="0" r="r" b="b"/>
+              <a:pathLst>
+                <a:path w="324" h="117">
+                  <a:moveTo>
+                    <a:pt x="324" y="117"/>
+                  </a:moveTo>
+                  <a:cubicBezTo>
+                    <a:pt x="223" y="64"/>
+                    <a:pt x="107" y="28"/>
+                    <a:pt x="0" y="0"/>
+                  </a:cubicBezTo>
+                </a:path>
+              </a:pathLst>
+            </a:custGeom>
+            <a:noFill/>
+            <a:ln w="9525" cap="flat">
+              <a:solidFill>
+                <a:schemeClr val="tx1">
+                  <a:alpha val="20000"/>
+                </a:schemeClr>
+              </a:solidFill>
+              <a:prstDash val="solid"/>
+              <a:miter lim="800000"/>
+              <a:headEnd/>
+              <a:tailEnd/>
+            </a:ln>
+            <a:extLst>
+              <a:ext uri="{909E8E84-426E-40DD-AFC4-6F175D3DCCD1}">
+                <a14:hiddenFill xmlns:a14="http://schemas.microsoft.com/office/drawing/2010/main">
+                  <a:solidFill>
+                    <a:srgbClr val="FFFFFF"/>
+                  </a:solidFill>
+                </a14:hiddenFill>
+              </a:ext>
+            </a:extLst>
+          </p:spPr>
+        </p:sp>
+        <p:sp>
+          <p:nvSpPr>
+            <p:cNvPr id="13" name="Freeform 7">
+              <a:extLst>
+                <a:ext uri="{FF2B5EF4-FFF2-40B4-BE49-F238E27FC236}">
+                  <a16:creationId xmlns:a16="http://schemas.microsoft.com/office/drawing/2014/main" id="{7886F306-C03A-40C6-8FD5-DCE3D4595D6D}"/>
+                </a:ext>
+                <a:ext uri="{C183D7F6-B498-43B3-948B-1728B52AA6E4}">
+                  <adec:decorative xmlns:adec="http://schemas.microsoft.com/office/drawing/2017/decorative" val="1"/>
+                </a:ext>
+              </a:extLst>
+            </p:cNvPr>
+            <p:cNvSpPr/>
+            <p:nvPr>
+              <p:extLst>
+                <p:ext uri="{386F3935-93C4-4BCD-93E2-E3B085C9AB24}">
+                  <p16:designElem xmlns:p16="http://schemas.microsoft.com/office/powerpoint/2015/main" val="1"/>
+                </p:ext>
+              </p:extLst>
+            </p:nvPr>
+          </p:nvSpPr>
+          <p:spPr bwMode="auto">
+            <a:xfrm>
+              <a:off x="10247313" y="5013325"/>
+              <a:ext cx="1919288" cy="1830388"/>
+            </a:xfrm>
+            <a:custGeom>
+              <a:avLst/>
+              <a:gdLst/>
+              <a:ahLst/>
+              <a:cxnLst/>
+              <a:rect l="0" t="0" r="r" b="b"/>
+              <a:pathLst>
+                <a:path w="404" h="385">
+                  <a:moveTo>
+                    <a:pt x="0" y="385"/>
+                  </a:moveTo>
+                  <a:cubicBezTo>
+                    <a:pt x="146" y="272"/>
+                    <a:pt x="285" y="142"/>
+                    <a:pt x="404" y="0"/>
+                  </a:cubicBezTo>
+                </a:path>
+              </a:pathLst>
+            </a:custGeom>
+            <a:noFill/>
+            <a:ln w="9525" cap="flat">
+              <a:solidFill>
+                <a:schemeClr val="tx1">
+                  <a:alpha val="20000"/>
+                </a:schemeClr>
+              </a:solidFill>
+              <a:prstDash val="solid"/>
+              <a:miter lim="800000"/>
+              <a:headEnd/>
+              <a:tailEnd/>
+            </a:ln>
+            <a:extLst>
+              <a:ext uri="{909E8E84-426E-40DD-AFC4-6F175D3DCCD1}">
+                <a14:hiddenFill xmlns:a14="http://schemas.microsoft.com/office/drawing/2010/main">
+                  <a:solidFill>
+                    <a:srgbClr val="FFFFFF"/>
+                  </a:solidFill>
+                </a14:hiddenFill>
+              </a:ext>
+            </a:extLst>
+          </p:spPr>
+        </p:sp>
+        <p:sp>
+          <p:nvSpPr>
+            <p:cNvPr id="14" name="Freeform 8">
+              <a:extLst>
+                <a:ext uri="{FF2B5EF4-FFF2-40B4-BE49-F238E27FC236}">
+                  <a16:creationId xmlns:a16="http://schemas.microsoft.com/office/drawing/2014/main" id="{2FDC9A36-C7C3-47D7-A64E-ED25C47EC704}"/>
+                </a:ext>
+                <a:ext uri="{C183D7F6-B498-43B3-948B-1728B52AA6E4}">
+                  <adec:decorative xmlns:adec="http://schemas.microsoft.com/office/drawing/2017/decorative" val="1"/>
+                </a:ext>
+              </a:extLst>
+            </p:cNvPr>
+            <p:cNvSpPr/>
+            <p:nvPr>
+              <p:extLst>
+                <p:ext uri="{386F3935-93C4-4BCD-93E2-E3B085C9AB24}">
+                  <p16:designElem xmlns:p16="http://schemas.microsoft.com/office/powerpoint/2015/main" val="1"/>
+                </p:ext>
+              </p:extLst>
+            </p:nvPr>
+          </p:nvSpPr>
+          <p:spPr bwMode="auto">
+            <a:xfrm>
+              <a:off x="1120775" y="0"/>
+              <a:ext cx="3676650" cy="6843713"/>
+            </a:xfrm>
+            <a:custGeom>
+              <a:avLst/>
+              <a:gdLst/>
+              <a:ahLst/>
+              <a:cxnLst/>
+              <a:rect l="0" t="0" r="r" b="b"/>
+              <a:pathLst>
+                <a:path w="774" h="1440">
+                  <a:moveTo>
+                    <a:pt x="774" y="0"/>
+                  </a:moveTo>
+                  <a:cubicBezTo>
+                    <a:pt x="312" y="240"/>
+                    <a:pt x="0" y="1034"/>
+                    <a:pt x="411" y="1440"/>
+                  </a:cubicBezTo>
+                </a:path>
+              </a:pathLst>
+            </a:custGeom>
+            <a:noFill/>
+            <a:ln w="9525" cap="flat">
+              <a:solidFill>
+                <a:schemeClr val="tx1">
+                  <a:alpha val="20000"/>
+                </a:schemeClr>
+              </a:solidFill>
+              <a:prstDash val="dash"/>
+              <a:miter lim="800000"/>
+              <a:headEnd/>
+              <a:tailEnd/>
+            </a:ln>
+            <a:extLst>
+              <a:ext uri="{909E8E84-426E-40DD-AFC4-6F175D3DCCD1}">
+                <a14:hiddenFill xmlns:a14="http://schemas.microsoft.com/office/drawing/2010/main">
+                  <a:solidFill>
+                    <a:srgbClr val="FFFFFF"/>
+                  </a:solidFill>
+                </a14:hiddenFill>
+              </a:ext>
+            </a:extLst>
+          </p:spPr>
+        </p:sp>
+        <p:sp>
+          <p:nvSpPr>
+            <p:cNvPr id="15" name="Freeform 9">
+              <a:extLst>
+                <a:ext uri="{FF2B5EF4-FFF2-40B4-BE49-F238E27FC236}">
+                  <a16:creationId xmlns:a16="http://schemas.microsoft.com/office/drawing/2014/main" id="{BB19BC37-158A-43DC-9A9E-E45CC71954DC}"/>
+                </a:ext>
+                <a:ext uri="{C183D7F6-B498-43B3-948B-1728B52AA6E4}">
+                  <adec:decorative xmlns:adec="http://schemas.microsoft.com/office/drawing/2017/decorative" val="1"/>
+                </a:ext>
+              </a:extLst>
+            </p:cNvPr>
+            <p:cNvSpPr/>
+            <p:nvPr>
+              <p:extLst>
+                <p:ext uri="{386F3935-93C4-4BCD-93E2-E3B085C9AB24}">
+                  <p16:designElem xmlns:p16="http://schemas.microsoft.com/office/powerpoint/2015/main" val="1"/>
+                </p:ext>
+              </p:extLst>
+            </p:nvPr>
+          </p:nvSpPr>
+          <p:spPr bwMode="auto">
+            <a:xfrm>
+              <a:off x="11202988" y="9525"/>
+              <a:ext cx="963613" cy="366713"/>
+            </a:xfrm>
+            <a:custGeom>
+              <a:avLst/>
+              <a:gdLst/>
+              <a:ahLst/>
+              <a:cxnLst/>
+              <a:rect l="0" t="0" r="r" b="b"/>
+              <a:pathLst>
+                <a:path w="203" h="77">
+                  <a:moveTo>
+                    <a:pt x="203" y="77"/>
+                  </a:moveTo>
+                  <a:cubicBezTo>
+                    <a:pt x="138" y="46"/>
+                    <a:pt x="68" y="21"/>
+                    <a:pt x="0" y="0"/>
+                  </a:cubicBezTo>
+                </a:path>
+              </a:pathLst>
+            </a:custGeom>
+            <a:noFill/>
+            <a:ln w="9525" cap="flat">
+              <a:solidFill>
+                <a:schemeClr val="tx1">
+                  <a:alpha val="20000"/>
+                </a:schemeClr>
+              </a:solidFill>
+              <a:prstDash val="dash"/>
+              <a:miter lim="800000"/>
+              <a:headEnd/>
+              <a:tailEnd/>
+            </a:ln>
+            <a:extLst>
+              <a:ext uri="{909E8E84-426E-40DD-AFC4-6F175D3DCCD1}">
+                <a14:hiddenFill xmlns:a14="http://schemas.microsoft.com/office/drawing/2010/main">
+                  <a:solidFill>
+                    <a:srgbClr val="FFFFFF"/>
+                  </a:solidFill>
+                </a14:hiddenFill>
+              </a:ext>
+            </a:extLst>
+          </p:spPr>
+        </p:sp>
+        <p:sp>
+          <p:nvSpPr>
+            <p:cNvPr id="16" name="Freeform 10">
+              <a:extLst>
+                <a:ext uri="{FF2B5EF4-FFF2-40B4-BE49-F238E27FC236}">
+                  <a16:creationId xmlns:a16="http://schemas.microsoft.com/office/drawing/2014/main" id="{077654CC-108F-48D5-B5E9-437F164F52A5}"/>
+                </a:ext>
+                <a:ext uri="{C183D7F6-B498-43B3-948B-1728B52AA6E4}">
+                  <adec:decorative xmlns:adec="http://schemas.microsoft.com/office/drawing/2017/decorative" val="1"/>
+                </a:ext>
+              </a:extLst>
+            </p:cNvPr>
+            <p:cNvSpPr/>
+            <p:nvPr>
+              <p:extLst>
+                <p:ext uri="{386F3935-93C4-4BCD-93E2-E3B085C9AB24}">
+                  <p16:designElem xmlns:p16="http://schemas.microsoft.com/office/powerpoint/2015/main" val="1"/>
+                </p:ext>
+              </p:extLst>
+            </p:nvPr>
+          </p:nvSpPr>
+          <p:spPr bwMode="auto">
+            <a:xfrm>
+              <a:off x="10494963" y="5275263"/>
+              <a:ext cx="1666875" cy="1577975"/>
+            </a:xfrm>
+            <a:custGeom>
+              <a:avLst/>
+              <a:gdLst/>
+              <a:ahLst/>
+              <a:cxnLst/>
+              <a:rect l="0" t="0" r="r" b="b"/>
+              <a:pathLst>
+                <a:path w="351" h="332">
+                  <a:moveTo>
+                    <a:pt x="0" y="332"/>
+                  </a:moveTo>
+                  <a:cubicBezTo>
+                    <a:pt x="125" y="232"/>
+                    <a:pt x="245" y="121"/>
+                    <a:pt x="351" y="0"/>
+                  </a:cubicBezTo>
+                </a:path>
+              </a:pathLst>
+            </a:custGeom>
+            <a:noFill/>
+            <a:ln w="9525" cap="flat">
+              <a:solidFill>
+                <a:schemeClr val="tx1">
+                  <a:alpha val="20000"/>
+                </a:schemeClr>
+              </a:solidFill>
+              <a:prstDash val="dash"/>
+              <a:miter lim="800000"/>
+              <a:headEnd/>
+              <a:tailEnd/>
+            </a:ln>
+            <a:extLst>
+              <a:ext uri="{909E8E84-426E-40DD-AFC4-6F175D3DCCD1}">
+                <a14:hiddenFill xmlns:a14="http://schemas.microsoft.com/office/drawing/2010/main">
+                  <a:solidFill>
+                    <a:srgbClr val="FFFFFF"/>
+                  </a:solidFill>
+                </a14:hiddenFill>
+              </a:ext>
+            </a:extLst>
+          </p:spPr>
+        </p:sp>
+        <p:sp>
+          <p:nvSpPr>
+            <p:cNvPr id="17" name="Freeform 11">
+              <a:extLst>
+                <a:ext uri="{FF2B5EF4-FFF2-40B4-BE49-F238E27FC236}">
+                  <a16:creationId xmlns:a16="http://schemas.microsoft.com/office/drawing/2014/main" id="{A3CF3A63-1C1E-4E85-A78A-FDC16431E3A0}"/>
+                </a:ext>
+                <a:ext uri="{C183D7F6-B498-43B3-948B-1728B52AA6E4}">
+                  <adec:decorative xmlns:adec="http://schemas.microsoft.com/office/drawing/2017/decorative" val="1"/>
+                </a:ext>
+              </a:extLst>
+            </p:cNvPr>
+            <p:cNvSpPr/>
+            <p:nvPr>
+              <p:extLst>
+                <p:ext uri="{386F3935-93C4-4BCD-93E2-E3B085C9AB24}">
+                  <p16:designElem xmlns:p16="http://schemas.microsoft.com/office/powerpoint/2015/main" val="1"/>
+                </p:ext>
+              </p:extLst>
+            </p:nvPr>
+          </p:nvSpPr>
+          <p:spPr bwMode="auto">
+            <a:xfrm>
+              <a:off x="1001713" y="0"/>
+              <a:ext cx="3621088" cy="6843713"/>
+            </a:xfrm>
+            <a:custGeom>
+              <a:avLst/>
+              <a:gdLst/>
+              <a:ahLst/>
+              <a:cxnLst/>
+              <a:rect l="0" t="0" r="r" b="b"/>
+              <a:pathLst>
+                <a:path w="762" h="1440">
+                  <a:moveTo>
+                    <a:pt x="762" y="0"/>
+                  </a:moveTo>
+                  <a:cubicBezTo>
+                    <a:pt x="308" y="245"/>
+                    <a:pt x="0" y="1033"/>
+                    <a:pt x="403" y="1440"/>
+                  </a:cubicBezTo>
+                </a:path>
+              </a:pathLst>
+            </a:custGeom>
+            <a:noFill/>
+            <a:ln w="9525" cap="flat">
+              <a:solidFill>
+                <a:schemeClr val="tx1">
+                  <a:alpha val="20000"/>
+                </a:schemeClr>
+              </a:solidFill>
+              <a:prstDash val="solid"/>
+              <a:miter lim="800000"/>
+              <a:headEnd/>
+              <a:tailEnd/>
+            </a:ln>
+            <a:extLst>
+              <a:ext uri="{909E8E84-426E-40DD-AFC4-6F175D3DCCD1}">
+                <a14:hiddenFill xmlns:a14="http://schemas.microsoft.com/office/drawing/2010/main">
+                  <a:solidFill>
+                    <a:srgbClr val="FFFFFF"/>
+                  </a:solidFill>
+                </a14:hiddenFill>
+              </a:ext>
+            </a:extLst>
+          </p:spPr>
+        </p:sp>
+        <p:sp>
+          <p:nvSpPr>
+            <p:cNvPr id="18" name="Freeform 12">
+              <a:extLst>
+                <a:ext uri="{FF2B5EF4-FFF2-40B4-BE49-F238E27FC236}">
+                  <a16:creationId xmlns:a16="http://schemas.microsoft.com/office/drawing/2014/main" id="{8740FC9A-72DD-4D9B-BA25-1CCED1352408}"/>
+                </a:ext>
+                <a:ext uri="{C183D7F6-B498-43B3-948B-1728B52AA6E4}">
+                  <adec:decorative xmlns:adec="http://schemas.microsoft.com/office/drawing/2017/decorative" val="1"/>
+                </a:ext>
+              </a:extLst>
+            </p:cNvPr>
+            <p:cNvSpPr/>
+            <p:nvPr>
+              <p:extLst>
+                <p:ext uri="{386F3935-93C4-4BCD-93E2-E3B085C9AB24}">
+                  <p16:designElem xmlns:p16="http://schemas.microsoft.com/office/powerpoint/2015/main" val="1"/>
+                </p:ext>
+              </p:extLst>
+            </p:nvPr>
+          </p:nvSpPr>
+          <p:spPr bwMode="auto">
+            <a:xfrm>
+              <a:off x="11501438" y="9525"/>
+              <a:ext cx="665163" cy="257175"/>
+            </a:xfrm>
+            <a:custGeom>
+              <a:avLst/>
+              <a:gdLst/>
+              <a:ahLst/>
+              <a:cxnLst/>
+              <a:rect l="0" t="0" r="r" b="b"/>
+              <a:pathLst>
+                <a:path w="140" h="54">
+                  <a:moveTo>
+                    <a:pt x="140" y="54"/>
+                  </a:moveTo>
+                  <a:cubicBezTo>
+                    <a:pt x="95" y="34"/>
+                    <a:pt x="48" y="16"/>
+                    <a:pt x="0" y="0"/>
+                  </a:cubicBezTo>
+                </a:path>
+              </a:pathLst>
+            </a:custGeom>
+            <a:noFill/>
+            <a:ln w="9525" cap="flat">
+              <a:solidFill>
+                <a:schemeClr val="tx1">
+                  <a:alpha val="20000"/>
+                </a:schemeClr>
+              </a:solidFill>
+              <a:prstDash val="solid"/>
+              <a:miter lim="800000"/>
+              <a:headEnd/>
+              <a:tailEnd/>
+            </a:ln>
+            <a:extLst>
+              <a:ext uri="{909E8E84-426E-40DD-AFC4-6F175D3DCCD1}">
+                <a14:hiddenFill xmlns:a14="http://schemas.microsoft.com/office/drawing/2010/main">
+                  <a:solidFill>
+                    <a:srgbClr val="FFFFFF"/>
+                  </a:solidFill>
+                </a14:hiddenFill>
+              </a:ext>
+            </a:extLst>
+          </p:spPr>
+        </p:sp>
+        <p:sp>
+          <p:nvSpPr>
+            <p:cNvPr id="19" name="Freeform 13">
+              <a:extLst>
+                <a:ext uri="{FF2B5EF4-FFF2-40B4-BE49-F238E27FC236}">
+                  <a16:creationId xmlns:a16="http://schemas.microsoft.com/office/drawing/2014/main" id="{7FBF5743-F2AE-4D0D-BCD1-01F7686D012A}"/>
+                </a:ext>
+                <a:ext uri="{C183D7F6-B498-43B3-948B-1728B52AA6E4}">
+                  <adec:decorative xmlns:adec="http://schemas.microsoft.com/office/drawing/2017/decorative" val="1"/>
+                </a:ext>
+              </a:extLst>
+            </p:cNvPr>
+            <p:cNvSpPr/>
+            <p:nvPr>
+              <p:extLst>
+                <p:ext uri="{386F3935-93C4-4BCD-93E2-E3B085C9AB24}">
+                  <p16:designElem xmlns:p16="http://schemas.microsoft.com/office/powerpoint/2015/main" val="1"/>
+                </p:ext>
+              </p:extLst>
+            </p:nvPr>
+          </p:nvSpPr>
+          <p:spPr bwMode="auto">
+            <a:xfrm>
+              <a:off x="10641013" y="5408613"/>
+              <a:ext cx="1525588" cy="1435100"/>
+            </a:xfrm>
+            <a:custGeom>
+              <a:avLst/>
+              <a:gdLst/>
+              <a:ahLst/>
+              <a:cxnLst/>
+              <a:rect l="0" t="0" r="r" b="b"/>
+              <a:pathLst>
+                <a:path w="321" h="302">
+                  <a:moveTo>
+                    <a:pt x="0" y="302"/>
+                  </a:moveTo>
+                  <a:cubicBezTo>
+                    <a:pt x="114" y="210"/>
+                    <a:pt x="223" y="109"/>
+                    <a:pt x="321" y="0"/>
+                  </a:cubicBezTo>
+                </a:path>
+              </a:pathLst>
+            </a:custGeom>
+            <a:noFill/>
+            <a:ln w="9525" cap="flat">
+              <a:solidFill>
+                <a:schemeClr val="tx1">
+                  <a:alpha val="20000"/>
+                </a:schemeClr>
+              </a:solidFill>
+              <a:prstDash val="solid"/>
+              <a:miter lim="800000"/>
+              <a:headEnd/>
+              <a:tailEnd/>
+            </a:ln>
+            <a:extLst>
+              <a:ext uri="{909E8E84-426E-40DD-AFC4-6F175D3DCCD1}">
+                <a14:hiddenFill xmlns:a14="http://schemas.microsoft.com/office/drawing/2010/main">
+                  <a:solidFill>
+                    <a:srgbClr val="FFFFFF"/>
+                  </a:solidFill>
+                </a14:hiddenFill>
+              </a:ext>
+            </a:extLst>
+          </p:spPr>
+        </p:sp>
+        <p:sp>
+          <p:nvSpPr>
+            <p:cNvPr id="20" name="Freeform 14">
+              <a:extLst>
+                <a:ext uri="{FF2B5EF4-FFF2-40B4-BE49-F238E27FC236}">
+                  <a16:creationId xmlns:a16="http://schemas.microsoft.com/office/drawing/2014/main" id="{CED32316-D4F7-4795-BBE0-DEBB60E27CE3}"/>
+                </a:ext>
+                <a:ext uri="{C183D7F6-B498-43B3-948B-1728B52AA6E4}">
+                  <adec:decorative xmlns:adec="http://schemas.microsoft.com/office/drawing/2017/decorative" val="1"/>
+                </a:ext>
+              </a:extLst>
+            </p:cNvPr>
+            <p:cNvSpPr/>
+            <p:nvPr>
+              <p:extLst>
+                <p:ext uri="{386F3935-93C4-4BCD-93E2-E3B085C9AB24}">
+                  <p16:designElem xmlns:p16="http://schemas.microsoft.com/office/powerpoint/2015/main" val="1"/>
+                </p:ext>
+              </p:extLst>
+            </p:nvPr>
+          </p:nvSpPr>
+          <p:spPr bwMode="auto">
+            <a:xfrm>
+              <a:off x="1001713" y="0"/>
+              <a:ext cx="3244850" cy="6843713"/>
+            </a:xfrm>
+            <a:custGeom>
+              <a:avLst/>
+              <a:gdLst/>
+              <a:ahLst/>
+              <a:cxnLst/>
+              <a:rect l="0" t="0" r="r" b="b"/>
+              <a:pathLst>
+                <a:path w="683" h="1440">
+                  <a:moveTo>
+                    <a:pt x="683" y="0"/>
+                  </a:moveTo>
+                  <a:cubicBezTo>
+                    <a:pt x="258" y="256"/>
+                    <a:pt x="0" y="1041"/>
+                    <a:pt x="355" y="1440"/>
+                  </a:cubicBezTo>
+                </a:path>
+              </a:pathLst>
+            </a:custGeom>
+            <a:noFill/>
+            <a:ln w="9525" cap="flat">
+              <a:solidFill>
+                <a:schemeClr val="tx1">
+                  <a:alpha val="20000"/>
+                </a:schemeClr>
+              </a:solidFill>
+              <a:prstDash val="solid"/>
+              <a:miter lim="800000"/>
+              <a:headEnd/>
+              <a:tailEnd/>
+            </a:ln>
+            <a:extLst>
+              <a:ext uri="{909E8E84-426E-40DD-AFC4-6F175D3DCCD1}">
+                <a14:hiddenFill xmlns:a14="http://schemas.microsoft.com/office/drawing/2010/main">
+                  <a:solidFill>
+                    <a:srgbClr val="FFFFFF"/>
+                  </a:solidFill>
+                </a14:hiddenFill>
+              </a:ext>
+            </a:extLst>
+          </p:spPr>
+        </p:sp>
+        <p:sp>
+          <p:nvSpPr>
+            <p:cNvPr id="21" name="Freeform 15">
+              <a:extLst>
+                <a:ext uri="{FF2B5EF4-FFF2-40B4-BE49-F238E27FC236}">
+                  <a16:creationId xmlns:a16="http://schemas.microsoft.com/office/drawing/2014/main" id="{583B23C9-B9B7-4E93-9538-CBE316F83FDD}"/>
+                </a:ext>
+                <a:ext uri="{C183D7F6-B498-43B3-948B-1728B52AA6E4}">
+                  <adec:decorative xmlns:adec="http://schemas.microsoft.com/office/drawing/2017/decorative" val="1"/>
+                </a:ext>
+              </a:extLst>
+            </p:cNvPr>
+            <p:cNvSpPr/>
+            <p:nvPr>
+              <p:extLst>
+                <p:ext uri="{386F3935-93C4-4BCD-93E2-E3B085C9AB24}">
+                  <p16:designElem xmlns:p16="http://schemas.microsoft.com/office/powerpoint/2015/main" val="1"/>
+                </p:ext>
+              </p:extLst>
+            </p:nvPr>
+          </p:nvSpPr>
+          <p:spPr bwMode="auto">
+            <a:xfrm>
+              <a:off x="10802938" y="5518150"/>
+              <a:ext cx="1363663" cy="1325563"/>
+            </a:xfrm>
+            <a:custGeom>
+              <a:avLst/>
+              <a:gdLst/>
+              <a:ahLst/>
+              <a:cxnLst/>
+              <a:rect l="0" t="0" r="r" b="b"/>
+              <a:pathLst>
+                <a:path w="287" h="279">
+                  <a:moveTo>
+                    <a:pt x="0" y="279"/>
+                  </a:moveTo>
+                  <a:cubicBezTo>
+                    <a:pt x="101" y="193"/>
+                    <a:pt x="198" y="100"/>
+                    <a:pt x="287" y="0"/>
+                  </a:cubicBezTo>
+                </a:path>
+              </a:pathLst>
+            </a:custGeom>
+            <a:noFill/>
+            <a:ln w="9525" cap="flat">
+              <a:solidFill>
+                <a:schemeClr val="tx1">
+                  <a:alpha val="20000"/>
+                </a:schemeClr>
+              </a:solidFill>
+              <a:prstDash val="solid"/>
+              <a:miter lim="800000"/>
+              <a:headEnd/>
+              <a:tailEnd/>
+            </a:ln>
+            <a:extLst>
+              <a:ext uri="{909E8E84-426E-40DD-AFC4-6F175D3DCCD1}">
+                <a14:hiddenFill xmlns:a14="http://schemas.microsoft.com/office/drawing/2010/main">
+                  <a:solidFill>
+                    <a:srgbClr val="FFFFFF"/>
+                  </a:solidFill>
+                </a14:hiddenFill>
+              </a:ext>
+            </a:extLst>
+          </p:spPr>
+        </p:sp>
+        <p:sp>
+          <p:nvSpPr>
+            <p:cNvPr id="22" name="Freeform 16">
+              <a:extLst>
+                <a:ext uri="{FF2B5EF4-FFF2-40B4-BE49-F238E27FC236}">
+                  <a16:creationId xmlns:a16="http://schemas.microsoft.com/office/drawing/2014/main" id="{5B144260-9F2C-4ADB-A37C-1CFB4B428B1B}"/>
+                </a:ext>
+                <a:ext uri="{C183D7F6-B498-43B3-948B-1728B52AA6E4}">
+                  <adec:decorative xmlns:adec="http://schemas.microsoft.com/office/drawing/2017/decorative" val="1"/>
+                </a:ext>
+              </a:extLst>
+            </p:cNvPr>
+            <p:cNvSpPr/>
+            <p:nvPr>
+              <p:extLst>
+                <p:ext uri="{386F3935-93C4-4BCD-93E2-E3B085C9AB24}">
+                  <p16:designElem xmlns:p16="http://schemas.microsoft.com/office/powerpoint/2015/main" val="1"/>
+                </p:ext>
+              </p:extLst>
+            </p:nvPr>
+          </p:nvSpPr>
+          <p:spPr bwMode="auto">
+            <a:xfrm>
+              <a:off x="889000" y="0"/>
+              <a:ext cx="3230563" cy="6843713"/>
+            </a:xfrm>
+            <a:custGeom>
+              <a:avLst/>
+              <a:gdLst/>
+              <a:ahLst/>
+              <a:cxnLst/>
+              <a:rect l="0" t="0" r="r" b="b"/>
+              <a:pathLst>
+                <a:path w="680" h="1440">
+                  <a:moveTo>
+                    <a:pt x="680" y="0"/>
+                  </a:moveTo>
+                  <a:cubicBezTo>
+                    <a:pt x="257" y="265"/>
+                    <a:pt x="0" y="1026"/>
+                    <a:pt x="337" y="1440"/>
+                  </a:cubicBezTo>
+                </a:path>
+              </a:pathLst>
+            </a:custGeom>
+            <a:noFill/>
+            <a:ln w="9525" cap="flat">
+              <a:solidFill>
+                <a:schemeClr val="tx1">
+                  <a:alpha val="20000"/>
+                </a:schemeClr>
+              </a:solidFill>
+              <a:prstDash val="solid"/>
+              <a:miter lim="800000"/>
+              <a:headEnd/>
+              <a:tailEnd/>
+            </a:ln>
+            <a:extLst>
+              <a:ext uri="{909E8E84-426E-40DD-AFC4-6F175D3DCCD1}">
+                <a14:hiddenFill xmlns:a14="http://schemas.microsoft.com/office/drawing/2010/main">
+                  <a:solidFill>
+                    <a:srgbClr val="FFFFFF"/>
+                  </a:solidFill>
+                </a14:hiddenFill>
+              </a:ext>
+            </a:extLst>
+          </p:spPr>
+        </p:sp>
+        <p:sp>
+          <p:nvSpPr>
+            <p:cNvPr id="23" name="Freeform 17">
+              <a:extLst>
+                <a:ext uri="{FF2B5EF4-FFF2-40B4-BE49-F238E27FC236}">
+                  <a16:creationId xmlns:a16="http://schemas.microsoft.com/office/drawing/2014/main" id="{53FF918D-79D3-4F55-A68C-0DD5880DABDF}"/>
+                </a:ext>
+                <a:ext uri="{C183D7F6-B498-43B3-948B-1728B52AA6E4}">
+                  <adec:decorative xmlns:adec="http://schemas.microsoft.com/office/drawing/2017/decorative" val="1"/>
+                </a:ext>
+              </a:extLst>
+            </p:cNvPr>
+            <p:cNvSpPr/>
+            <p:nvPr>
+              <p:extLst>
+                <p:ext uri="{386F3935-93C4-4BCD-93E2-E3B085C9AB24}">
+                  <p16:designElem xmlns:p16="http://schemas.microsoft.com/office/powerpoint/2015/main" val="1"/>
+                </p:ext>
+              </p:extLst>
+            </p:nvPr>
+          </p:nvSpPr>
+          <p:spPr bwMode="auto">
+            <a:xfrm>
+              <a:off x="10979150" y="5694363"/>
+              <a:ext cx="1187450" cy="1149350"/>
+            </a:xfrm>
+            <a:custGeom>
+              <a:avLst/>
+              <a:gdLst/>
+              <a:ahLst/>
+              <a:cxnLst/>
+              <a:rect l="0" t="0" r="r" b="b"/>
+              <a:pathLst>
+                <a:path w="250" h="242">
+                  <a:moveTo>
+                    <a:pt x="0" y="242"/>
+                  </a:moveTo>
+                  <a:cubicBezTo>
+                    <a:pt x="88" y="166"/>
+                    <a:pt x="172" y="85"/>
+                    <a:pt x="250" y="0"/>
+                  </a:cubicBezTo>
+                </a:path>
+              </a:pathLst>
+            </a:custGeom>
+            <a:noFill/>
+            <a:ln w="9525" cap="flat">
+              <a:solidFill>
+                <a:schemeClr val="tx1">
+                  <a:alpha val="20000"/>
+                </a:schemeClr>
+              </a:solidFill>
+              <a:prstDash val="solid"/>
+              <a:miter lim="800000"/>
+              <a:headEnd/>
+              <a:tailEnd/>
+            </a:ln>
+            <a:extLst>
+              <a:ext uri="{909E8E84-426E-40DD-AFC4-6F175D3DCCD1}">
+                <a14:hiddenFill xmlns:a14="http://schemas.microsoft.com/office/drawing/2010/main">
+                  <a:solidFill>
+                    <a:srgbClr val="FFFFFF"/>
+                  </a:solidFill>
+                </a14:hiddenFill>
+              </a:ext>
+            </a:extLst>
+          </p:spPr>
+        </p:sp>
+        <p:sp>
+          <p:nvSpPr>
+            <p:cNvPr id="24" name="Freeform 18">
+              <a:extLst>
+                <a:ext uri="{FF2B5EF4-FFF2-40B4-BE49-F238E27FC236}">
+                  <a16:creationId xmlns:a16="http://schemas.microsoft.com/office/drawing/2014/main" id="{B9FC1440-933F-44FE-8D77-4827DD0F99A5}"/>
+                </a:ext>
+                <a:ext uri="{C183D7F6-B498-43B3-948B-1728B52AA6E4}">
+                  <adec:decorative xmlns:adec="http://schemas.microsoft.com/office/drawing/2017/decorative" val="1"/>
+                </a:ext>
+              </a:extLst>
+            </p:cNvPr>
+            <p:cNvSpPr/>
+            <p:nvPr>
+              <p:extLst>
+                <p:ext uri="{386F3935-93C4-4BCD-93E2-E3B085C9AB24}">
+                  <p16:designElem xmlns:p16="http://schemas.microsoft.com/office/powerpoint/2015/main" val="1"/>
+                </p:ext>
+              </p:extLst>
+            </p:nvPr>
+          </p:nvSpPr>
+          <p:spPr bwMode="auto">
+            <a:xfrm>
+              <a:off x="484188" y="0"/>
+              <a:ext cx="3421063" cy="6843713"/>
+            </a:xfrm>
+            <a:custGeom>
+              <a:avLst/>
+              <a:gdLst/>
+              <a:ahLst/>
+              <a:cxnLst/>
+              <a:rect l="0" t="0" r="r" b="b"/>
+              <a:pathLst>
+                <a:path w="720" h="1440">
+                  <a:moveTo>
+                    <a:pt x="720" y="0"/>
+                  </a:moveTo>
+                  <a:cubicBezTo>
+                    <a:pt x="316" y="282"/>
+                    <a:pt x="0" y="1018"/>
+                    <a:pt x="362" y="1440"/>
+                  </a:cubicBezTo>
+                </a:path>
+              </a:pathLst>
+            </a:custGeom>
+            <a:noFill/>
+            <a:ln w="9525" cap="flat">
+              <a:solidFill>
+                <a:schemeClr val="tx1">
+                  <a:alpha val="20000"/>
+                </a:schemeClr>
+              </a:solidFill>
+              <a:prstDash val="solid"/>
+              <a:miter lim="800000"/>
+              <a:headEnd/>
+              <a:tailEnd/>
+            </a:ln>
+            <a:extLst>
+              <a:ext uri="{909E8E84-426E-40DD-AFC4-6F175D3DCCD1}">
+                <a14:hiddenFill xmlns:a14="http://schemas.microsoft.com/office/drawing/2010/main">
+                  <a:solidFill>
+                    <a:srgbClr val="FFFFFF"/>
+                  </a:solidFill>
+                </a14:hiddenFill>
+              </a:ext>
+            </a:extLst>
+          </p:spPr>
+        </p:sp>
+        <p:sp>
+          <p:nvSpPr>
+            <p:cNvPr id="25" name="Freeform 19">
+              <a:extLst>
+                <a:ext uri="{FF2B5EF4-FFF2-40B4-BE49-F238E27FC236}">
+                  <a16:creationId xmlns:a16="http://schemas.microsoft.com/office/drawing/2014/main" id="{0F67F308-A67C-4D2E-B081-59BB31D8EC50}"/>
+                </a:ext>
+                <a:ext uri="{C183D7F6-B498-43B3-948B-1728B52AA6E4}">
+                  <adec:decorative xmlns:adec="http://schemas.microsoft.com/office/drawing/2017/decorative" val="1"/>
+                </a:ext>
+              </a:extLst>
+            </p:cNvPr>
+            <p:cNvSpPr/>
+            <p:nvPr>
+              <p:extLst>
+                <p:ext uri="{386F3935-93C4-4BCD-93E2-E3B085C9AB24}">
+                  <p16:designElem xmlns:p16="http://schemas.microsoft.com/office/powerpoint/2015/main" val="1"/>
+                </p:ext>
+              </p:extLst>
+            </p:nvPr>
+          </p:nvSpPr>
+          <p:spPr bwMode="auto">
+            <a:xfrm>
+              <a:off x="11287125" y="6049963"/>
+              <a:ext cx="879475" cy="793750"/>
+            </a:xfrm>
+            <a:custGeom>
+              <a:avLst/>
+              <a:gdLst/>
+              <a:ahLst/>
+              <a:cxnLst/>
+              <a:rect l="0" t="0" r="r" b="b"/>
+              <a:pathLst>
+                <a:path w="185" h="167">
+                  <a:moveTo>
+                    <a:pt x="0" y="167"/>
+                  </a:moveTo>
+                  <a:cubicBezTo>
+                    <a:pt x="63" y="114"/>
+                    <a:pt x="125" y="58"/>
+                    <a:pt x="185" y="0"/>
+                  </a:cubicBezTo>
+                </a:path>
+              </a:pathLst>
+            </a:custGeom>
+            <a:noFill/>
+            <a:ln w="9525" cap="flat">
+              <a:solidFill>
+                <a:schemeClr val="tx1">
+                  <a:alpha val="20000"/>
+                </a:schemeClr>
+              </a:solidFill>
+              <a:prstDash val="solid"/>
+              <a:miter lim="800000"/>
+              <a:headEnd/>
+              <a:tailEnd/>
+            </a:ln>
+            <a:extLst>
+              <a:ext uri="{909E8E84-426E-40DD-AFC4-6F175D3DCCD1}">
+                <a14:hiddenFill xmlns:a14="http://schemas.microsoft.com/office/drawing/2010/main">
+                  <a:solidFill>
+                    <a:srgbClr val="FFFFFF"/>
+                  </a:solidFill>
+                </a14:hiddenFill>
+              </a:ext>
+            </a:extLst>
+          </p:spPr>
+        </p:sp>
+        <p:sp>
+          <p:nvSpPr>
+            <p:cNvPr id="26" name="Freeform 20">
+              <a:extLst>
+                <a:ext uri="{FF2B5EF4-FFF2-40B4-BE49-F238E27FC236}">
+                  <a16:creationId xmlns:a16="http://schemas.microsoft.com/office/drawing/2014/main" id="{80112F01-90EB-4AEC-A39C-5C6875FFB99B}"/>
+                </a:ext>
+                <a:ext uri="{C183D7F6-B498-43B3-948B-1728B52AA6E4}">
+                  <adec:decorative xmlns:adec="http://schemas.microsoft.com/office/drawing/2017/decorative" val="1"/>
+                </a:ext>
+              </a:extLst>
+            </p:cNvPr>
+            <p:cNvSpPr/>
+            <p:nvPr>
+              <p:extLst>
+                <p:ext uri="{386F3935-93C4-4BCD-93E2-E3B085C9AB24}">
+                  <p16:designElem xmlns:p16="http://schemas.microsoft.com/office/powerpoint/2015/main" val="1"/>
+                </p:ext>
+              </p:extLst>
+            </p:nvPr>
+          </p:nvSpPr>
+          <p:spPr bwMode="auto">
+            <a:xfrm>
+              <a:off x="598488" y="0"/>
+              <a:ext cx="2717800" cy="6843713"/>
+            </a:xfrm>
+            <a:custGeom>
+              <a:avLst/>
+              <a:gdLst/>
+              <a:ahLst/>
+              <a:cxnLst/>
+              <a:rect l="0" t="0" r="r" b="b"/>
+              <a:pathLst>
+                <a:path w="572" h="1440">
+                  <a:moveTo>
+                    <a:pt x="572" y="0"/>
+                  </a:moveTo>
+                  <a:cubicBezTo>
+                    <a:pt x="213" y="320"/>
+                    <a:pt x="0" y="979"/>
+                    <a:pt x="164" y="1440"/>
+                  </a:cubicBezTo>
+                </a:path>
+              </a:pathLst>
+            </a:custGeom>
+            <a:noFill/>
+            <a:ln w="12700" cap="flat">
+              <a:solidFill>
+                <a:schemeClr val="tx1">
+                  <a:alpha val="20000"/>
+                </a:schemeClr>
+              </a:solidFill>
+              <a:prstDash val="dashDot"/>
+              <a:miter lim="800000"/>
+              <a:headEnd/>
+              <a:tailEnd/>
+            </a:ln>
+            <a:extLst>
+              <a:ext uri="{909E8E84-426E-40DD-AFC4-6F175D3DCCD1}">
+                <a14:hiddenFill xmlns:a14="http://schemas.microsoft.com/office/drawing/2010/main">
+                  <a:solidFill>
+                    <a:srgbClr val="FFFFFF"/>
+                  </a:solidFill>
+                </a14:hiddenFill>
+              </a:ext>
+            </a:extLst>
+          </p:spPr>
+        </p:sp>
+        <p:sp>
+          <p:nvSpPr>
+            <p:cNvPr id="27" name="Freeform 21">
+              <a:extLst>
+                <a:ext uri="{FF2B5EF4-FFF2-40B4-BE49-F238E27FC236}">
+                  <a16:creationId xmlns:a16="http://schemas.microsoft.com/office/drawing/2014/main" id="{893F6B05-90EB-4C75-A0F0-C7247553BD81}"/>
+                </a:ext>
+                <a:ext uri="{C183D7F6-B498-43B3-948B-1728B52AA6E4}">
+                  <adec:decorative xmlns:adec="http://schemas.microsoft.com/office/drawing/2017/decorative" val="1"/>
+                </a:ext>
+              </a:extLst>
+            </p:cNvPr>
+            <p:cNvSpPr/>
+            <p:nvPr>
+              <p:extLst>
+                <p:ext uri="{386F3935-93C4-4BCD-93E2-E3B085C9AB24}">
+                  <p16:designElem xmlns:p16="http://schemas.microsoft.com/office/powerpoint/2015/main" val="1"/>
+                </p:ext>
+              </p:extLst>
+            </p:nvPr>
+          </p:nvSpPr>
+          <p:spPr bwMode="auto">
+            <a:xfrm>
+              <a:off x="261938" y="0"/>
+              <a:ext cx="2944813" cy="6843713"/>
+            </a:xfrm>
+            <a:custGeom>
+              <a:avLst/>
+              <a:gdLst/>
+              <a:ahLst/>
+              <a:cxnLst/>
+              <a:rect l="0" t="0" r="r" b="b"/>
+              <a:pathLst>
+                <a:path w="620" h="1440">
+                  <a:moveTo>
+                    <a:pt x="620" y="0"/>
+                  </a:moveTo>
+                  <a:cubicBezTo>
+                    <a:pt x="248" y="325"/>
+                    <a:pt x="0" y="960"/>
+                    <a:pt x="186" y="1440"/>
+                  </a:cubicBezTo>
+                </a:path>
+              </a:pathLst>
+            </a:custGeom>
+            <a:noFill/>
+            <a:ln w="9525" cap="flat">
+              <a:solidFill>
+                <a:schemeClr val="tx1">
+                  <a:alpha val="20000"/>
+                </a:schemeClr>
+              </a:solidFill>
+              <a:prstDash val="lgDash"/>
+              <a:miter lim="800000"/>
+              <a:headEnd/>
+              <a:tailEnd/>
+            </a:ln>
+            <a:extLst>
+              <a:ext uri="{909E8E84-426E-40DD-AFC4-6F175D3DCCD1}">
+                <a14:hiddenFill xmlns:a14="http://schemas.microsoft.com/office/drawing/2010/main">
+                  <a:solidFill>
+                    <a:srgbClr val="FFFFFF"/>
+                  </a:solidFill>
+                </a14:hiddenFill>
+              </a:ext>
+            </a:extLst>
+          </p:spPr>
+        </p:sp>
+        <p:sp>
+          <p:nvSpPr>
+            <p:cNvPr id="28" name="Freeform 22">
+              <a:extLst>
+                <a:ext uri="{FF2B5EF4-FFF2-40B4-BE49-F238E27FC236}">
+                  <a16:creationId xmlns:a16="http://schemas.microsoft.com/office/drawing/2014/main" id="{227B563B-E0C0-4D81-966D-B5E2DBAAE8B5}"/>
+                </a:ext>
+                <a:ext uri="{C183D7F6-B498-43B3-948B-1728B52AA6E4}">
+                  <adec:decorative xmlns:adec="http://schemas.microsoft.com/office/drawing/2017/decorative" val="1"/>
+                </a:ext>
+              </a:extLst>
+            </p:cNvPr>
+            <p:cNvSpPr/>
+            <p:nvPr>
+              <p:extLst>
+                <p:ext uri="{386F3935-93C4-4BCD-93E2-E3B085C9AB24}">
+                  <p16:designElem xmlns:p16="http://schemas.microsoft.com/office/powerpoint/2015/main" val="1"/>
+                </p:ext>
+              </p:extLst>
+            </p:nvPr>
+          </p:nvSpPr>
+          <p:spPr bwMode="auto">
+            <a:xfrm>
+              <a:off x="-417513" y="0"/>
+              <a:ext cx="2403475" cy="6843713"/>
+            </a:xfrm>
+            <a:custGeom>
+              <a:avLst/>
+              <a:gdLst/>
+              <a:ahLst/>
+              <a:cxnLst/>
+              <a:rect l="0" t="0" r="r" b="b"/>
+              <a:pathLst>
+                <a:path w="506" h="1440">
+                  <a:moveTo>
+                    <a:pt x="506" y="0"/>
+                  </a:moveTo>
+                  <a:cubicBezTo>
+                    <a:pt x="109" y="356"/>
+                    <a:pt x="0" y="943"/>
+                    <a:pt x="171" y="1440"/>
+                  </a:cubicBezTo>
+                </a:path>
+              </a:pathLst>
+            </a:custGeom>
+            <a:noFill/>
+            <a:ln w="9525" cap="flat">
+              <a:solidFill>
+                <a:schemeClr val="tx1">
+                  <a:alpha val="20000"/>
+                </a:schemeClr>
+              </a:solidFill>
+              <a:prstDash val="solid"/>
+              <a:miter lim="800000"/>
+              <a:headEnd/>
+              <a:tailEnd/>
+            </a:ln>
+            <a:extLst>
+              <a:ext uri="{909E8E84-426E-40DD-AFC4-6F175D3DCCD1}">
+                <a14:hiddenFill xmlns:a14="http://schemas.microsoft.com/office/drawing/2010/main">
+                  <a:solidFill>
+                    <a:srgbClr val="FFFFFF"/>
+                  </a:solidFill>
+                </a14:hiddenFill>
+              </a:ext>
+            </a:extLst>
+          </p:spPr>
+        </p:sp>
+        <p:sp>
+          <p:nvSpPr>
+            <p:cNvPr id="29" name="Freeform 23">
+              <a:extLst>
+                <a:ext uri="{FF2B5EF4-FFF2-40B4-BE49-F238E27FC236}">
+                  <a16:creationId xmlns:a16="http://schemas.microsoft.com/office/drawing/2014/main" id="{130DF93D-D1FF-477A-BDCE-C8B01C3B476C}"/>
+                </a:ext>
+                <a:ext uri="{C183D7F6-B498-43B3-948B-1728B52AA6E4}">
+                  <adec:decorative xmlns:adec="http://schemas.microsoft.com/office/drawing/2017/decorative" val="1"/>
+                </a:ext>
+              </a:extLst>
+            </p:cNvPr>
+            <p:cNvSpPr/>
+            <p:nvPr>
+              <p:extLst>
+                <p:ext uri="{386F3935-93C4-4BCD-93E2-E3B085C9AB24}">
+                  <p16:designElem xmlns:p16="http://schemas.microsoft.com/office/powerpoint/2015/main" val="1"/>
+                </p:ext>
+              </p:extLst>
+            </p:nvPr>
+          </p:nvSpPr>
+          <p:spPr bwMode="auto">
+            <a:xfrm>
+              <a:off x="14288" y="9525"/>
+              <a:ext cx="1771650" cy="3198813"/>
+            </a:xfrm>
+            <a:custGeom>
+              <a:avLst/>
+              <a:gdLst/>
+              <a:ahLst/>
+              <a:cxnLst/>
+              <a:rect l="0" t="0" r="r" b="b"/>
+              <a:pathLst>
+                <a:path w="373" h="673">
+                  <a:moveTo>
+                    <a:pt x="373" y="0"/>
+                  </a:moveTo>
+                  <a:cubicBezTo>
+                    <a:pt x="175" y="183"/>
+                    <a:pt x="51" y="409"/>
+                    <a:pt x="0" y="673"/>
+                  </a:cubicBezTo>
+                </a:path>
+              </a:pathLst>
+            </a:custGeom>
+            <a:noFill/>
+            <a:ln w="9525" cap="flat">
+              <a:solidFill>
+                <a:schemeClr val="tx1">
+                  <a:alpha val="20000"/>
+                </a:schemeClr>
+              </a:solidFill>
+              <a:prstDash val="solid"/>
+              <a:miter lim="800000"/>
+              <a:headEnd/>
+              <a:tailEnd/>
+            </a:ln>
+            <a:extLst>
+              <a:ext uri="{909E8E84-426E-40DD-AFC4-6F175D3DCCD1}">
+                <a14:hiddenFill xmlns:a14="http://schemas.microsoft.com/office/drawing/2010/main">
+                  <a:solidFill>
+                    <a:srgbClr val="FFFFFF"/>
+                  </a:solidFill>
+                </a14:hiddenFill>
+              </a:ext>
+            </a:extLst>
+          </p:spPr>
+        </p:sp>
+        <p:sp>
+          <p:nvSpPr>
+            <p:cNvPr id="30" name="Freeform 24">
+              <a:extLst>
+                <a:ext uri="{FF2B5EF4-FFF2-40B4-BE49-F238E27FC236}">
+                  <a16:creationId xmlns:a16="http://schemas.microsoft.com/office/drawing/2014/main" id="{44ED67A1-C6FE-4AC8-8473-11DAC03DCD33}"/>
+                </a:ext>
+                <a:ext uri="{C183D7F6-B498-43B3-948B-1728B52AA6E4}">
+                  <adec:decorative xmlns:adec="http://schemas.microsoft.com/office/drawing/2017/decorative" val="1"/>
+                </a:ext>
+              </a:extLst>
+            </p:cNvPr>
+            <p:cNvSpPr/>
+            <p:nvPr>
+              <p:extLst>
+                <p:ext uri="{386F3935-93C4-4BCD-93E2-E3B085C9AB24}">
+                  <p16:designElem xmlns:p16="http://schemas.microsoft.com/office/powerpoint/2015/main" val="1"/>
+                </p:ext>
+              </p:extLst>
+            </p:nvPr>
+          </p:nvSpPr>
+          <p:spPr bwMode="auto">
+            <a:xfrm>
+              <a:off x="4763" y="6016625"/>
+              <a:ext cx="214313" cy="827088"/>
+            </a:xfrm>
+            <a:custGeom>
+              <a:avLst/>
+              <a:gdLst/>
+              <a:ahLst/>
+              <a:cxnLst/>
+              <a:rect l="0" t="0" r="r" b="b"/>
+              <a:pathLst>
+                <a:path w="45" h="174">
+                  <a:moveTo>
+                    <a:pt x="0" y="0"/>
+                  </a:moveTo>
+                  <a:cubicBezTo>
+                    <a:pt x="11" y="59"/>
+                    <a:pt x="26" y="118"/>
+                    <a:pt x="45" y="174"/>
+                  </a:cubicBezTo>
+                </a:path>
+              </a:pathLst>
+            </a:custGeom>
+            <a:noFill/>
+            <a:ln w="9525" cap="flat">
+              <a:solidFill>
+                <a:schemeClr val="tx1">
+                  <a:alpha val="20000"/>
+                </a:schemeClr>
+              </a:solidFill>
+              <a:prstDash val="solid"/>
+              <a:miter lim="800000"/>
+              <a:headEnd/>
+              <a:tailEnd/>
+            </a:ln>
+            <a:extLst>
+              <a:ext uri="{909E8E84-426E-40DD-AFC4-6F175D3DCCD1}">
+                <a14:hiddenFill xmlns:a14="http://schemas.microsoft.com/office/drawing/2010/main">
+                  <a:solidFill>
+                    <a:srgbClr val="FFFFFF"/>
+                  </a:solidFill>
+                </a14:hiddenFill>
+              </a:ext>
+            </a:extLst>
+          </p:spPr>
+        </p:sp>
+        <p:sp>
+          <p:nvSpPr>
+            <p:cNvPr id="31" name="Freeform 25">
+              <a:extLst>
+                <a:ext uri="{FF2B5EF4-FFF2-40B4-BE49-F238E27FC236}">
+                  <a16:creationId xmlns:a16="http://schemas.microsoft.com/office/drawing/2014/main" id="{213A54F3-15FA-4C8F-8ABF-CE77E7219658}"/>
+                </a:ext>
+                <a:ext uri="{C183D7F6-B498-43B3-948B-1728B52AA6E4}">
+                  <adec:decorative xmlns:adec="http://schemas.microsoft.com/office/drawing/2017/decorative" val="1"/>
+                </a:ext>
+              </a:extLst>
+            </p:cNvPr>
+            <p:cNvSpPr/>
+            <p:nvPr>
+              <p:extLst>
+                <p:ext uri="{386F3935-93C4-4BCD-93E2-E3B085C9AB24}">
+                  <p16:designElem xmlns:p16="http://schemas.microsoft.com/office/powerpoint/2015/main" val="1"/>
+                </p:ext>
+              </p:extLst>
+            </p:nvPr>
+          </p:nvSpPr>
+          <p:spPr bwMode="auto">
+            <a:xfrm>
+              <a:off x="14288" y="0"/>
+              <a:ext cx="1562100" cy="2228850"/>
+            </a:xfrm>
+            <a:custGeom>
+              <a:avLst/>
+              <a:gdLst/>
+              <a:ahLst/>
+              <a:cxnLst/>
+              <a:rect l="0" t="0" r="r" b="b"/>
+              <a:pathLst>
+                <a:path w="329" h="469">
+                  <a:moveTo>
+                    <a:pt x="329" y="0"/>
+                  </a:moveTo>
+                  <a:cubicBezTo>
+                    <a:pt x="189" y="133"/>
+                    <a:pt x="69" y="288"/>
+                    <a:pt x="0" y="469"/>
+                  </a:cubicBezTo>
+                </a:path>
+              </a:pathLst>
+            </a:custGeom>
+            <a:noFill/>
+            <a:ln w="9525" cap="flat">
+              <a:solidFill>
+                <a:schemeClr val="tx1">
+                  <a:alpha val="20000"/>
+                </a:schemeClr>
+              </a:solidFill>
+              <a:prstDash val="solid"/>
+              <a:miter lim="800000"/>
+              <a:headEnd/>
+              <a:tailEnd/>
+            </a:ln>
+            <a:extLst>
+              <a:ext uri="{909E8E84-426E-40DD-AFC4-6F175D3DCCD1}">
+                <a14:hiddenFill xmlns:a14="http://schemas.microsoft.com/office/drawing/2010/main">
+                  <a:solidFill>
+                    <a:srgbClr val="FFFFFF"/>
+                  </a:solidFill>
+                </a14:hiddenFill>
+              </a:ext>
+            </a:extLst>
+          </p:spPr>
+        </p:sp>
+      </p:grpSp>
+      <p:grpSp>
+        <p:nvGrpSpPr>
+          <p:cNvPr id="33" name="Group 32">
+            <a:extLst>
+              <a:ext uri="{FF2B5EF4-FFF2-40B4-BE49-F238E27FC236}">
+                <a16:creationId xmlns:a16="http://schemas.microsoft.com/office/drawing/2014/main" id="{5F8A7F7F-DD1A-4F41-98AC-B9CE2A620CDC}"/>
+              </a:ext>
+              <a:ext uri="{C183D7F6-B498-43B3-948B-1728B52AA6E4}">
+                <adec:decorative xmlns:adec="http://schemas.microsoft.com/office/drawing/2017/decorative" val="1"/>
+              </a:ext>
+            </a:extLst>
+          </p:cNvPr>
+          <p:cNvGrpSpPr>
+            <a:grpSpLocks noGrp="1" noUngrp="1" noRot="1" noChangeAspect="1" noMove="1" noResize="1"/>
+          </p:cNvGrpSpPr>
+          <p:nvPr>
+            <p:extLst>
+              <p:ext uri="{386F3935-93C4-4BCD-93E2-E3B085C9AB24}">
+                <p16:designElem xmlns:p16="http://schemas.microsoft.com/office/powerpoint/2015/main" val="1"/>
+              </p:ext>
+            </p:extLst>
+          </p:nvPr>
+        </p:nvGrpSpPr>
+        <p:grpSpPr>
+          <a:xfrm>
+            <a:off x="800144" y="1699589"/>
+            <a:ext cx="3674476" cy="3470421"/>
+            <a:chOff x="697883" y="1816768"/>
+            <a:chExt cx="3674476" cy="3470421"/>
+          </a:xfrm>
+        </p:grpSpPr>
+        <p:sp>
+          <p:nvSpPr>
+            <p:cNvPr id="34" name="Rectangle 33">
+              <a:extLst>
+                <a:ext uri="{FF2B5EF4-FFF2-40B4-BE49-F238E27FC236}">
+                  <a16:creationId xmlns:a16="http://schemas.microsoft.com/office/drawing/2014/main" id="{CEF47228-EB7C-4EBA-BE01-DA6CB2410289}"/>
+                </a:ext>
+                <a:ext uri="{C183D7F6-B498-43B3-948B-1728B52AA6E4}">
+                  <adec:decorative xmlns:adec="http://schemas.microsoft.com/office/drawing/2017/decorative" val="1"/>
+                </a:ext>
+              </a:extLst>
+            </p:cNvPr>
+            <p:cNvSpPr/>
+            <p:nvPr>
+              <p:extLst>
+                <p:ext uri="{386F3935-93C4-4BCD-93E2-E3B085C9AB24}">
+                  <p16:designElem xmlns:p16="http://schemas.microsoft.com/office/powerpoint/2015/main" val="1"/>
+                </p:ext>
+              </p:extLst>
+            </p:nvPr>
+          </p:nvSpPr>
+          <p:spPr>
+            <a:xfrm>
+              <a:off x="697883" y="1816768"/>
+              <a:ext cx="3674476" cy="502920"/>
+            </a:xfrm>
+            <a:prstGeom prst="rect">
+              <a:avLst/>
+            </a:prstGeom>
+            <a:solidFill>
+              <a:schemeClr val="accent1"/>
+            </a:solidFill>
+            <a:ln>
+              <a:noFill/>
+            </a:ln>
+          </p:spPr>
+          <p:style>
+            <a:lnRef idx="2">
+              <a:schemeClr val="accent1">
+                <a:shade val="50000"/>
+              </a:schemeClr>
+            </a:lnRef>
+            <a:fillRef idx="1">
+              <a:schemeClr val="accent1"/>
+            </a:fillRef>
+            <a:effectRef idx="0">
+              <a:schemeClr val="accent1"/>
+            </a:effectRef>
+            <a:fontRef idx="minor">
+              <a:schemeClr val="lt1"/>
+            </a:fontRef>
+          </p:style>
+        </p:sp>
+        <p:sp>
+          <p:nvSpPr>
+            <p:cNvPr id="35" name="Isosceles Triangle 22">
+              <a:extLst>
+                <a:ext uri="{FF2B5EF4-FFF2-40B4-BE49-F238E27FC236}">
+                  <a16:creationId xmlns:a16="http://schemas.microsoft.com/office/drawing/2014/main" id="{3D2FD25A-EFFD-4F5C-9258-981F5907DE21}"/>
+                </a:ext>
+                <a:ext uri="{C183D7F6-B498-43B3-948B-1728B52AA6E4}">
+                  <adec:decorative xmlns:adec="http://schemas.microsoft.com/office/drawing/2017/decorative" val="1"/>
+                </a:ext>
+              </a:extLst>
+            </p:cNvPr>
+            <p:cNvSpPr/>
+            <p:nvPr>
+              <p:extLst>
+                <p:ext uri="{386F3935-93C4-4BCD-93E2-E3B085C9AB24}">
+                  <p16:designElem xmlns:p16="http://schemas.microsoft.com/office/powerpoint/2015/main" val="1"/>
+                </p:ext>
+              </p:extLst>
+            </p:nvPr>
+          </p:nvSpPr>
+          <p:spPr>
+            <a:xfrm rot="10800000">
+              <a:off x="2380224" y="5014786"/>
+              <a:ext cx="315988" cy="272403"/>
+            </a:xfrm>
+            <a:prstGeom prst="triangle">
+              <a:avLst/>
+            </a:prstGeom>
+            <a:solidFill>
+              <a:schemeClr val="accent1"/>
+            </a:solidFill>
+            <a:ln>
+              <a:noFill/>
+            </a:ln>
+          </p:spPr>
+          <p:style>
+            <a:lnRef idx="2">
+              <a:schemeClr val="accent1">
+                <a:shade val="50000"/>
+              </a:schemeClr>
+            </a:lnRef>
+            <a:fillRef idx="1">
+              <a:schemeClr val="accent1"/>
+            </a:fillRef>
+            <a:effectRef idx="0">
+              <a:schemeClr val="accent1"/>
+            </a:effectRef>
+            <a:fontRef idx="minor">
+              <a:schemeClr val="lt1"/>
+            </a:fontRef>
+          </p:style>
+        </p:sp>
+        <p:sp>
+          <p:nvSpPr>
+            <p:cNvPr id="36" name="Rectangle 35">
+              <a:extLst>
+                <a:ext uri="{FF2B5EF4-FFF2-40B4-BE49-F238E27FC236}">
+                  <a16:creationId xmlns:a16="http://schemas.microsoft.com/office/drawing/2014/main" id="{DCF573BC-A06F-4036-A3A8-9D07DDE62253}"/>
+                </a:ext>
+                <a:ext uri="{C183D7F6-B498-43B3-948B-1728B52AA6E4}">
+                  <adec:decorative xmlns:adec="http://schemas.microsoft.com/office/drawing/2017/decorative" val="1"/>
+                </a:ext>
+              </a:extLst>
+            </p:cNvPr>
+            <p:cNvSpPr/>
+            <p:nvPr>
+              <p:extLst>
+                <p:ext uri="{386F3935-93C4-4BCD-93E2-E3B085C9AB24}">
+                  <p16:designElem xmlns:p16="http://schemas.microsoft.com/office/powerpoint/2015/main" val="1"/>
+                </p:ext>
+              </p:extLst>
+            </p:nvPr>
+          </p:nvSpPr>
+          <p:spPr>
+            <a:xfrm>
+              <a:off x="704075" y="2392840"/>
+              <a:ext cx="3668284" cy="2624327"/>
+            </a:xfrm>
+            <a:prstGeom prst="rect">
+              <a:avLst/>
+            </a:prstGeom>
+            <a:solidFill>
+              <a:schemeClr val="accent1"/>
+            </a:solidFill>
+            <a:ln>
+              <a:noFill/>
+            </a:ln>
+          </p:spPr>
+          <p:style>
+            <a:lnRef idx="2">
+              <a:schemeClr val="accent1">
+                <a:shade val="50000"/>
+              </a:schemeClr>
+            </a:lnRef>
+            <a:fillRef idx="1">
+              <a:schemeClr val="accent1"/>
+            </a:fillRef>
+            <a:effectRef idx="0">
+              <a:schemeClr val="accent1"/>
+            </a:effectRef>
+            <a:fontRef idx="minor">
+              <a:schemeClr val="lt1"/>
+            </a:fontRef>
+          </p:style>
+        </p:sp>
+      </p:grpSp>
+      <p:sp>
+        <p:nvSpPr>
+          <p:cNvPr id="2" name="Title 1">
+            <a:extLst>
+              <a:ext uri="{FF2B5EF4-FFF2-40B4-BE49-F238E27FC236}">
+                <a16:creationId xmlns:a16="http://schemas.microsoft.com/office/drawing/2014/main" id="{6F63A5C2-7055-4693-A830-0AD639AC44B5}"/>
+              </a:ext>
+            </a:extLst>
+          </p:cNvPr>
+          <p:cNvSpPr>
+            <a:spLocks noGrp="1"/>
+          </p:cNvSpPr>
+          <p:nvPr>
+            <p:ph type="title"/>
+          </p:nvPr>
+        </p:nvSpPr>
+        <p:spPr>
+          <a:xfrm>
+            <a:off x="904877" y="2415322"/>
+            <a:ext cx="3451730" cy="2399869"/>
+          </a:xfrm>
+        </p:spPr>
+        <p:txBody>
+          <a:bodyPr>
+            <a:normAutofit/>
+          </a:bodyPr>
+          <a:lstStyle/>
+          <a:p>
+            <a:pPr algn="ctr"/>
+            <a:r>
+              <a:rPr lang="en-US" sz="4000">
+                <a:solidFill>
+                  <a:srgbClr val="FFFFFF"/>
+                </a:solidFill>
+              </a:rPr>
+              <a:t>Zadatak</a:t>
+            </a:r>
+            <a:endParaRPr lang="en-GB" sz="4000">
+              <a:solidFill>
+                <a:srgbClr val="FFFFFF"/>
+              </a:solidFill>
+            </a:endParaRPr>
+          </a:p>
+        </p:txBody>
+      </p:sp>
+      <p:sp>
+        <p:nvSpPr>
+          <p:cNvPr id="3" name="Content Placeholder 2">
+            <a:extLst>
+              <a:ext uri="{FF2B5EF4-FFF2-40B4-BE49-F238E27FC236}">
+                <a16:creationId xmlns:a16="http://schemas.microsoft.com/office/drawing/2014/main" id="{EFF698BE-5048-40A4-89BD-A8A6678EB4C4}"/>
+              </a:ext>
+            </a:extLst>
+          </p:cNvPr>
+          <p:cNvSpPr>
+            <a:spLocks noGrp="1"/>
+          </p:cNvSpPr>
+          <p:nvPr>
+            <p:ph idx="1"/>
+          </p:nvPr>
+        </p:nvSpPr>
+        <p:spPr>
+          <a:xfrm>
+            <a:off x="5120640" y="804672"/>
+            <a:ext cx="6281928" cy="5248656"/>
+          </a:xfrm>
+        </p:spPr>
+        <p:txBody>
+          <a:bodyPr anchor="ctr">
+            <a:normAutofit/>
+          </a:bodyPr>
+          <a:lstStyle/>
+          <a:p>
+            <a:pPr marL="457200"/>
+            <a:r>
+              <a:rPr lang="en-US" sz="1400" dirty="0" err="1"/>
+              <a:t>Kreirati</a:t>
+            </a:r>
+            <a:r>
+              <a:rPr lang="en-US" sz="1400" dirty="0"/>
+              <a:t> git </a:t>
+            </a:r>
+            <a:r>
+              <a:rPr lang="en-US" sz="1400" dirty="0" err="1"/>
+              <a:t>repozitorijum</a:t>
+            </a:r>
+            <a:r>
+              <a:rPr lang="en-US" sz="1400" dirty="0"/>
+              <a:t> za </a:t>
+            </a:r>
+            <a:r>
+              <a:rPr lang="en-US" sz="1400" dirty="0" err="1"/>
+              <a:t>novi</a:t>
+            </a:r>
+            <a:r>
+              <a:rPr lang="en-US" sz="1400" dirty="0"/>
+              <a:t> </a:t>
+            </a:r>
+            <a:r>
+              <a:rPr lang="en-US" sz="1400" dirty="0" err="1"/>
+              <a:t>projekat</a:t>
+            </a:r>
+            <a:r>
+              <a:rPr lang="sr-Latn-RS" sz="1400" dirty="0"/>
+              <a:t>.</a:t>
+            </a:r>
+            <a:endParaRPr lang="en-US" sz="1400" dirty="0"/>
+          </a:p>
+          <a:p>
+            <a:pPr marL="457200"/>
+            <a:r>
+              <a:rPr lang="en-US" sz="1400" dirty="0" err="1"/>
+              <a:t>Kreirati</a:t>
+            </a:r>
+            <a:r>
+              <a:rPr lang="en-US" sz="1400" dirty="0"/>
+              <a:t> </a:t>
+            </a:r>
+            <a:r>
+              <a:rPr lang="en-US" sz="1400" dirty="0" err="1"/>
+              <a:t>dve</a:t>
+            </a:r>
+            <a:r>
+              <a:rPr lang="en-US" sz="1400" dirty="0"/>
+              <a:t> </a:t>
+            </a:r>
+            <a:r>
+              <a:rPr lang="en-US" sz="1400" dirty="0" err="1"/>
+              <a:t>komponente</a:t>
+            </a:r>
+            <a:r>
+              <a:rPr lang="en-US" sz="1400" dirty="0"/>
+              <a:t>: </a:t>
+            </a:r>
+          </a:p>
+          <a:p>
+            <a:pPr marL="914400" lvl="1"/>
+            <a:r>
+              <a:rPr lang="en-US" sz="1000" dirty="0" err="1"/>
+              <a:t>Komponenta</a:t>
+            </a:r>
+            <a:r>
+              <a:rPr lang="en-US" sz="1000" dirty="0"/>
+              <a:t> za home page (</a:t>
+            </a:r>
+            <a:r>
+              <a:rPr lang="en-US" sz="1000" dirty="0" err="1"/>
+              <a:t>podaci</a:t>
+            </a:r>
+            <a:r>
+              <a:rPr lang="en-US" sz="1000" dirty="0"/>
+              <a:t> o </a:t>
+            </a:r>
+            <a:r>
+              <a:rPr lang="en-US" sz="1000" dirty="0" err="1"/>
+              <a:t>korisniku</a:t>
+            </a:r>
+            <a:r>
+              <a:rPr lang="en-US" sz="1000" dirty="0"/>
+              <a:t> I forma za </a:t>
+            </a:r>
+            <a:r>
+              <a:rPr lang="en-US" sz="1000" dirty="0" err="1"/>
+              <a:t>slanje</a:t>
+            </a:r>
+            <a:r>
+              <a:rPr lang="en-US" sz="1000" dirty="0"/>
+              <a:t> email-a)</a:t>
+            </a:r>
+          </a:p>
+          <a:p>
+            <a:pPr marL="914400" lvl="1"/>
+            <a:r>
+              <a:rPr lang="en-US" sz="1000" dirty="0" err="1"/>
+              <a:t>Slanje</a:t>
+            </a:r>
+            <a:r>
+              <a:rPr lang="en-US" sz="1000" dirty="0"/>
+              <a:t> email-a (log u developer </a:t>
+            </a:r>
+            <a:r>
+              <a:rPr lang="en-US" sz="1000" dirty="0" err="1"/>
+              <a:t>konzoli</a:t>
+            </a:r>
+            <a:r>
+              <a:rPr lang="en-US" sz="1000" dirty="0"/>
+              <a:t>) </a:t>
+            </a:r>
+            <a:r>
+              <a:rPr lang="en-US" sz="1000" dirty="0" err="1"/>
+              <a:t>uraditi</a:t>
+            </a:r>
+            <a:r>
+              <a:rPr lang="en-US" sz="1000" dirty="0"/>
+              <a:t> </a:t>
+            </a:r>
+            <a:r>
+              <a:rPr lang="en-US" sz="1000" dirty="0" err="1"/>
+              <a:t>preko</a:t>
+            </a:r>
+            <a:r>
+              <a:rPr lang="en-US" sz="1000" dirty="0"/>
+              <a:t> </a:t>
+            </a:r>
+            <a:r>
+              <a:rPr lang="en-US" sz="1000" dirty="0" err="1"/>
+              <a:t>servisa</a:t>
+            </a:r>
+            <a:endParaRPr lang="en-US" sz="1000" dirty="0"/>
+          </a:p>
+          <a:p>
+            <a:pPr marL="914400" lvl="1"/>
+            <a:r>
+              <a:rPr lang="en-US" sz="1000" dirty="0" err="1"/>
+              <a:t>Komponenta</a:t>
+            </a:r>
+            <a:r>
+              <a:rPr lang="en-US" sz="1000" dirty="0"/>
+              <a:t> za </a:t>
+            </a:r>
+            <a:r>
+              <a:rPr lang="en-US" sz="1000" dirty="0" err="1"/>
+              <a:t>stranicu</a:t>
+            </a:r>
+            <a:r>
+              <a:rPr lang="en-US" sz="1000" dirty="0"/>
+              <a:t> </a:t>
+            </a:r>
+            <a:r>
+              <a:rPr lang="en-US" sz="1000" dirty="0" err="1"/>
+              <a:t>sa</a:t>
+            </a:r>
+            <a:r>
+              <a:rPr lang="en-US" sz="1000" dirty="0"/>
+              <a:t> </a:t>
+            </a:r>
+            <a:r>
+              <a:rPr lang="en-US" sz="1000" dirty="0" err="1"/>
+              <a:t>galerijom</a:t>
+            </a:r>
+            <a:endParaRPr lang="en-US" sz="1000" dirty="0"/>
+          </a:p>
+          <a:p>
+            <a:pPr marL="914400" lvl="1"/>
+            <a:r>
+              <a:rPr lang="en-US" sz="1000" dirty="0" err="1"/>
+              <a:t>Galeriju</a:t>
+            </a:r>
+            <a:r>
+              <a:rPr lang="en-US" sz="1000" dirty="0"/>
+              <a:t> </a:t>
+            </a:r>
+            <a:r>
+              <a:rPr lang="en-US" sz="1000" dirty="0" err="1"/>
+              <a:t>sortirati</a:t>
+            </a:r>
+            <a:r>
+              <a:rPr lang="en-US" sz="1000" dirty="0"/>
+              <a:t> po </a:t>
+            </a:r>
+            <a:r>
+              <a:rPr lang="en-US" sz="1000" dirty="0" err="1"/>
+              <a:t>nazivu</a:t>
+            </a:r>
+            <a:endParaRPr lang="en-US" sz="1000" dirty="0"/>
+          </a:p>
+          <a:p>
+            <a:pPr marL="457200"/>
+            <a:r>
+              <a:rPr lang="en-US" sz="1400" dirty="0" err="1"/>
+              <a:t>Kreirati</a:t>
+            </a:r>
+            <a:r>
+              <a:rPr lang="en-US" sz="1400" dirty="0"/>
+              <a:t> </a:t>
+            </a:r>
+            <a:r>
+              <a:rPr lang="en-US" sz="1400" dirty="0" err="1"/>
+              <a:t>kontroler</a:t>
+            </a:r>
+            <a:r>
+              <a:rPr lang="en-US" sz="1400" dirty="0"/>
+              <a:t> u </a:t>
+            </a:r>
+            <a:r>
+              <a:rPr lang="en-US" sz="1400" dirty="0" err="1"/>
+              <a:t>kojem</a:t>
+            </a:r>
+            <a:r>
+              <a:rPr lang="en-US" sz="1400" dirty="0"/>
+              <a:t> </a:t>
+            </a:r>
+            <a:r>
+              <a:rPr lang="sr-Latn-RS" sz="1400" dirty="0"/>
+              <a:t>treba instancirati promenljive.</a:t>
+            </a:r>
+          </a:p>
+          <a:p>
+            <a:pPr marL="457200"/>
+            <a:r>
+              <a:rPr lang="sr-Latn-RS" sz="1400" dirty="0"/>
+              <a:t>Kreirati servis za digitron i proslediti kontroleru.</a:t>
+            </a:r>
+          </a:p>
+          <a:p>
+            <a:pPr marL="457200"/>
+            <a:r>
+              <a:rPr lang="sr-Latn-RS" sz="1400" dirty="0"/>
+              <a:t>U servisu za digitron kreirati funkcije za sabiranje, oduzimanje, mnozenje i deljenje.</a:t>
+            </a:r>
+          </a:p>
+          <a:p>
+            <a:pPr marL="457200"/>
+            <a:r>
+              <a:rPr lang="sr-Latn-RS" sz="1400" dirty="0"/>
+              <a:t>Kreirati direktivu za stranicu sa digitronom i proslediti funkcije iz kontrolera.</a:t>
+            </a:r>
+          </a:p>
+          <a:p>
+            <a:pPr marL="457200"/>
+            <a:r>
+              <a:rPr lang="sr-Latn-RS" sz="1400" dirty="0"/>
+              <a:t>Kreirati skriptu za rutiranje i povezati stranice tako da se kroz navigaciju od aplikacije može doći do svake stranice.</a:t>
+            </a:r>
+          </a:p>
+          <a:p>
+            <a:pPr marL="457200"/>
+            <a:r>
+              <a:rPr lang="sr-Latn-RS" sz="1400" dirty="0"/>
+              <a:t>Dodatno</a:t>
+            </a:r>
+            <a:r>
+              <a:rPr lang="en-US" sz="1400" dirty="0"/>
+              <a:t>: </a:t>
+            </a:r>
+          </a:p>
+          <a:p>
+            <a:pPr marL="914400" lvl="1"/>
+            <a:r>
+              <a:rPr lang="en-US" sz="1000" dirty="0" err="1"/>
+              <a:t>Klikom</a:t>
+            </a:r>
+            <a:r>
+              <a:rPr lang="en-US" sz="1000" dirty="0"/>
+              <a:t> </a:t>
+            </a:r>
+            <a:r>
+              <a:rPr lang="en-US" sz="1000" dirty="0" err="1"/>
+              <a:t>na</a:t>
+            </a:r>
+            <a:r>
+              <a:rPr lang="en-US" sz="1000" dirty="0"/>
+              <a:t> </a:t>
+            </a:r>
+            <a:r>
+              <a:rPr lang="en-US" sz="1000" dirty="0" err="1"/>
+              <a:t>sliku</a:t>
+            </a:r>
+            <a:r>
+              <a:rPr lang="en-US" sz="1000" dirty="0"/>
+              <a:t> </a:t>
+            </a:r>
+            <a:r>
+              <a:rPr lang="en-US" sz="1000" dirty="0" err="1"/>
+              <a:t>iz</a:t>
+            </a:r>
+            <a:r>
+              <a:rPr lang="en-US" sz="1000" dirty="0"/>
+              <a:t> </a:t>
+            </a:r>
+            <a:r>
+              <a:rPr lang="en-US" sz="1000" dirty="0" err="1"/>
+              <a:t>galerije</a:t>
+            </a:r>
+            <a:r>
+              <a:rPr lang="en-US" sz="1000" dirty="0"/>
+              <a:t> </a:t>
+            </a:r>
+            <a:r>
+              <a:rPr lang="en-US" sz="1000" dirty="0" err="1"/>
+              <a:t>treba</a:t>
+            </a:r>
+            <a:r>
+              <a:rPr lang="en-US" sz="1000" dirty="0"/>
+              <a:t> da se </a:t>
+            </a:r>
+            <a:r>
+              <a:rPr lang="en-US" sz="1000" dirty="0" err="1"/>
+              <a:t>otvori</a:t>
+            </a:r>
+            <a:r>
+              <a:rPr lang="en-US" sz="1000" dirty="0"/>
+              <a:t> nova </a:t>
+            </a:r>
+            <a:r>
+              <a:rPr lang="en-US" sz="1000" dirty="0" err="1"/>
+              <a:t>stranica</a:t>
+            </a:r>
+            <a:r>
+              <a:rPr lang="en-US" sz="1000" dirty="0"/>
+              <a:t> </a:t>
+            </a:r>
+            <a:r>
+              <a:rPr lang="en-US" sz="1000" dirty="0" err="1"/>
+              <a:t>sa</a:t>
+            </a:r>
+            <a:r>
+              <a:rPr lang="en-US" sz="1000" dirty="0"/>
+              <a:t> </a:t>
+            </a:r>
+            <a:r>
+              <a:rPr lang="en-US" sz="1000" dirty="0" err="1"/>
+              <a:t>slikom</a:t>
+            </a:r>
+            <a:r>
+              <a:rPr lang="en-US" sz="1000" dirty="0"/>
+              <a:t> </a:t>
+            </a:r>
+            <a:r>
+              <a:rPr lang="en-US" sz="1000" dirty="0" err="1"/>
+              <a:t>na</a:t>
+            </a:r>
+            <a:r>
+              <a:rPr lang="en-US" sz="1000" dirty="0"/>
+              <a:t> </a:t>
+            </a:r>
+            <a:r>
+              <a:rPr lang="en-US" sz="1000" dirty="0" err="1"/>
+              <a:t>koju</a:t>
+            </a:r>
+            <a:r>
+              <a:rPr lang="en-US" sz="1000" dirty="0"/>
+              <a:t> </a:t>
+            </a:r>
+            <a:r>
+              <a:rPr lang="en-US" sz="1000" dirty="0" err="1"/>
+              <a:t>ste</a:t>
+            </a:r>
+            <a:r>
+              <a:rPr lang="en-US" sz="1000" dirty="0"/>
+              <a:t> </a:t>
+            </a:r>
+            <a:r>
+              <a:rPr lang="en-US" sz="1000" dirty="0" err="1"/>
+              <a:t>kliknuli</a:t>
+            </a:r>
+            <a:r>
+              <a:rPr lang="en-US" sz="1000" dirty="0"/>
+              <a:t>.</a:t>
+            </a:r>
+          </a:p>
+          <a:p>
+            <a:pPr marL="457200"/>
+            <a:endParaRPr lang="en-US" sz="1400" dirty="0"/>
+          </a:p>
+        </p:txBody>
+      </p:sp>
+    </p:spTree>
+    <p:extLst>
+      <p:ext uri="{BB962C8B-B14F-4D97-AF65-F5344CB8AC3E}">
+        <p14:creationId xmlns:p14="http://schemas.microsoft.com/office/powerpoint/2010/main" val="3120141248"/>
+      </p:ext>
+    </p:extLst>
+  </p:cSld>
+  <p:clrMapOvr>
+    <a:masterClrMapping/>
+  </p:clrMapOvr>
+</p:sld>
+</file>
+
 <file path=ppt/slides/slide4.xml><?xml version="1.0" encoding="utf-8"?>
 <p:sld xmlns:a="http://schemas.openxmlformats.org/drawingml/2006/main" xmlns:r="http://schemas.openxmlformats.org/officeDocument/2006/relationships" xmlns:p="http://schemas.openxmlformats.org/presentationml/2006/main">
   <p:cSld>

--- a/AngularJS.pptx
+++ b/AngularJS.pptx
@@ -41,7 +41,10 @@
     <p:sldId id="294" r:id="rId35"/>
     <p:sldId id="296" r:id="rId36"/>
     <p:sldId id="297" r:id="rId37"/>
-    <p:sldId id="298" r:id="rId38"/>
+    <p:sldId id="299" r:id="rId38"/>
+    <p:sldId id="300" r:id="rId39"/>
+    <p:sldId id="302" r:id="rId40"/>
+    <p:sldId id="298" r:id="rId41"/>
   </p:sldIdLst>
   <p:sldSz cx="12192000" cy="6858000"/>
   <p:notesSz cx="6858000" cy="9144000"/>
@@ -151,8 +154,8 @@
 <file path=ppt/revisionInfo.xml><?xml version="1.0" encoding="utf-8"?>
 <p1510:revInfo xmlns:a="http://schemas.openxmlformats.org/drawingml/2006/main" xmlns:r="http://schemas.openxmlformats.org/officeDocument/2006/relationships" xmlns:p1510="http://schemas.microsoft.com/office/powerpoint/2015/10/main">
   <p1510:revLst>
+    <p1510:client id="{84984AE3-2FB9-472B-BE8B-CCC860EA6735}" v="656" dt="2019-01-20T21:09:15.280"/>
     <p1510:client id="{1320082C-A7C4-4F39-B207-5B44D2E8DB51}" v="45" dt="2019-01-21T15:48:04.955"/>
-    <p1510:client id="{84984AE3-2FB9-472B-BE8B-CCC860EA6735}" v="656" dt="2019-01-20T21:09:15.280"/>
   </p1510:revLst>
 </p1510:revInfo>
 </file>
@@ -1685,7 +1688,7 @@
           <a:p>
             <a:fld id="{6A752055-4DA1-4D46-98DA-CEE3E0EB5BBD}" type="datetimeFigureOut">
               <a:rPr lang="en-GB" smtClean="0"/>
-              <a:t>08/02/2019</a:t>
+              <a:t>17/02/2019</a:t>
             </a:fld>
             <a:endParaRPr lang="en-GB"/>
           </a:p>
@@ -1885,7 +1888,7 @@
           <a:p>
             <a:fld id="{6A752055-4DA1-4D46-98DA-CEE3E0EB5BBD}" type="datetimeFigureOut">
               <a:rPr lang="en-GB" smtClean="0"/>
-              <a:t>08/02/2019</a:t>
+              <a:t>17/02/2019</a:t>
             </a:fld>
             <a:endParaRPr lang="en-GB"/>
           </a:p>
@@ -2095,7 +2098,7 @@
           <a:p>
             <a:fld id="{6A752055-4DA1-4D46-98DA-CEE3E0EB5BBD}" type="datetimeFigureOut">
               <a:rPr lang="en-GB" smtClean="0"/>
-              <a:t>08/02/2019</a:t>
+              <a:t>17/02/2019</a:t>
             </a:fld>
             <a:endParaRPr lang="en-GB"/>
           </a:p>
@@ -2295,7 +2298,7 @@
           <a:p>
             <a:fld id="{6A752055-4DA1-4D46-98DA-CEE3E0EB5BBD}" type="datetimeFigureOut">
               <a:rPr lang="en-GB" smtClean="0"/>
-              <a:t>08/02/2019</a:t>
+              <a:t>17/02/2019</a:t>
             </a:fld>
             <a:endParaRPr lang="en-GB"/>
           </a:p>
@@ -2571,7 +2574,7 @@
           <a:p>
             <a:fld id="{6A752055-4DA1-4D46-98DA-CEE3E0EB5BBD}" type="datetimeFigureOut">
               <a:rPr lang="en-GB" smtClean="0"/>
-              <a:t>08/02/2019</a:t>
+              <a:t>17/02/2019</a:t>
             </a:fld>
             <a:endParaRPr lang="en-GB"/>
           </a:p>
@@ -2839,7 +2842,7 @@
           <a:p>
             <a:fld id="{6A752055-4DA1-4D46-98DA-CEE3E0EB5BBD}" type="datetimeFigureOut">
               <a:rPr lang="en-GB" smtClean="0"/>
-              <a:t>08/02/2019</a:t>
+              <a:t>17/02/2019</a:t>
             </a:fld>
             <a:endParaRPr lang="en-GB"/>
           </a:p>
@@ -3254,7 +3257,7 @@
           <a:p>
             <a:fld id="{6A752055-4DA1-4D46-98DA-CEE3E0EB5BBD}" type="datetimeFigureOut">
               <a:rPr lang="en-GB" smtClean="0"/>
-              <a:t>08/02/2019</a:t>
+              <a:t>17/02/2019</a:t>
             </a:fld>
             <a:endParaRPr lang="en-GB"/>
           </a:p>
@@ -3396,7 +3399,7 @@
           <a:p>
             <a:fld id="{6A752055-4DA1-4D46-98DA-CEE3E0EB5BBD}" type="datetimeFigureOut">
               <a:rPr lang="en-GB" smtClean="0"/>
-              <a:t>08/02/2019</a:t>
+              <a:t>17/02/2019</a:t>
             </a:fld>
             <a:endParaRPr lang="en-GB"/>
           </a:p>
@@ -3509,7 +3512,7 @@
           <a:p>
             <a:fld id="{6A752055-4DA1-4D46-98DA-CEE3E0EB5BBD}" type="datetimeFigureOut">
               <a:rPr lang="en-GB" smtClean="0"/>
-              <a:t>08/02/2019</a:t>
+              <a:t>17/02/2019</a:t>
             </a:fld>
             <a:endParaRPr lang="en-GB"/>
           </a:p>
@@ -3822,7 +3825,7 @@
           <a:p>
             <a:fld id="{6A752055-4DA1-4D46-98DA-CEE3E0EB5BBD}" type="datetimeFigureOut">
               <a:rPr lang="en-GB" smtClean="0"/>
-              <a:t>08/02/2019</a:t>
+              <a:t>17/02/2019</a:t>
             </a:fld>
             <a:endParaRPr lang="en-GB"/>
           </a:p>
@@ -4111,7 +4114,7 @@
           <a:p>
             <a:fld id="{6A752055-4DA1-4D46-98DA-CEE3E0EB5BBD}" type="datetimeFigureOut">
               <a:rPr lang="en-GB" smtClean="0"/>
-              <a:t>08/02/2019</a:t>
+              <a:t>17/02/2019</a:t>
             </a:fld>
             <a:endParaRPr lang="en-GB"/>
           </a:p>
@@ -4354,7 +4357,7 @@
           <a:p>
             <a:fld id="{6A752055-4DA1-4D46-98DA-CEE3E0EB5BBD}" type="datetimeFigureOut">
               <a:rPr lang="en-GB" smtClean="0"/>
-              <a:t>08/02/2019</a:t>
+              <a:t>17/02/2019</a:t>
             </a:fld>
             <a:endParaRPr lang="en-GB"/>
           </a:p>
@@ -29205,6 +29208,781 @@
 <file path=ppt/slides/slide37.xml><?xml version="1.0" encoding="utf-8"?>
 <p:sld xmlns:a="http://schemas.openxmlformats.org/drawingml/2006/main" xmlns:r="http://schemas.openxmlformats.org/officeDocument/2006/relationships" xmlns:p="http://schemas.openxmlformats.org/presentationml/2006/main">
   <p:cSld>
+    <p:spTree>
+      <p:nvGrpSpPr>
+        <p:cNvPr id="1" name=""/>
+        <p:cNvGrpSpPr/>
+        <p:nvPr/>
+      </p:nvGrpSpPr>
+      <p:grpSpPr>
+        <a:xfrm>
+          <a:off x="0" y="0"/>
+          <a:ext cx="0" cy="0"/>
+          <a:chOff x="0" y="0"/>
+          <a:chExt cx="0" cy="0"/>
+        </a:xfrm>
+      </p:grpSpPr>
+      <p:sp>
+        <p:nvSpPr>
+          <p:cNvPr id="2" name="Title 1">
+            <a:extLst>
+              <a:ext uri="{FF2B5EF4-FFF2-40B4-BE49-F238E27FC236}">
+                <a16:creationId xmlns:a16="http://schemas.microsoft.com/office/drawing/2014/main" id="{60312375-25C4-488C-97A3-F43AC6914AFA}"/>
+              </a:ext>
+            </a:extLst>
+          </p:cNvPr>
+          <p:cNvSpPr>
+            <a:spLocks noGrp="1"/>
+          </p:cNvSpPr>
+          <p:nvPr>
+            <p:ph type="title"/>
+          </p:nvPr>
+        </p:nvSpPr>
+        <p:spPr>
+          <a:xfrm>
+            <a:off x="838200" y="365125"/>
+            <a:ext cx="10515600" cy="700277"/>
+          </a:xfrm>
+        </p:spPr>
+        <p:txBody>
+          <a:bodyPr/>
+          <a:lstStyle/>
+          <a:p>
+            <a:pPr algn="ctr"/>
+            <a:r>
+              <a:rPr lang="en-US" dirty="0"/>
+              <a:t>Routing AngularJS</a:t>
+            </a:r>
+            <a:endParaRPr lang="en-GB" dirty="0"/>
+          </a:p>
+        </p:txBody>
+      </p:sp>
+      <p:sp>
+        <p:nvSpPr>
+          <p:cNvPr id="3" name="Content Placeholder 2">
+            <a:extLst>
+              <a:ext uri="{FF2B5EF4-FFF2-40B4-BE49-F238E27FC236}">
+                <a16:creationId xmlns:a16="http://schemas.microsoft.com/office/drawing/2014/main" id="{08A51072-5F7C-4D81-B3B9-ACA88D611350}"/>
+              </a:ext>
+            </a:extLst>
+          </p:cNvPr>
+          <p:cNvSpPr>
+            <a:spLocks noGrp="1"/>
+          </p:cNvSpPr>
+          <p:nvPr>
+            <p:ph idx="1"/>
+          </p:nvPr>
+        </p:nvSpPr>
+        <p:spPr>
+          <a:xfrm>
+            <a:off x="838200" y="1166070"/>
+            <a:ext cx="10515600" cy="5010893"/>
+          </a:xfrm>
+        </p:spPr>
+        <p:txBody>
+          <a:bodyPr>
+            <a:normAutofit fontScale="70000" lnSpcReduction="20000"/>
+          </a:bodyPr>
+          <a:lstStyle/>
+          <a:p>
+            <a:r>
+              <a:rPr lang="sr-Latn-RS" dirty="0"/>
+              <a:t>AngularJS se koristi za kreiranje SPA (single page aplication)</a:t>
+            </a:r>
+            <a:endParaRPr lang="en-US" dirty="0"/>
+          </a:p>
+          <a:p>
+            <a:r>
+              <a:rPr lang="en-US" dirty="0"/>
+              <a:t>To </a:t>
+            </a:r>
+            <a:r>
+              <a:rPr lang="en-US" dirty="0" err="1"/>
+              <a:t>zna</a:t>
+            </a:r>
+            <a:r>
+              <a:rPr lang="sr-Latn-RS" dirty="0"/>
+              <a:t>či da se sa jednim </a:t>
+            </a:r>
+            <a:r>
+              <a:rPr lang="sr-Latn-RS" b="1" dirty="0"/>
+              <a:t>load</a:t>
+            </a:r>
+            <a:r>
+              <a:rPr lang="sr-Latn-RS" dirty="0"/>
+              <a:t>-om stranice dohvata sav JS, HTML CSS za rad aplikacije.</a:t>
+            </a:r>
+          </a:p>
+          <a:p>
+            <a:r>
+              <a:rPr lang="sr-Latn-RS" dirty="0"/>
+              <a:t>Klikom na link u navigiciji se prelazi na željenu stranicu</a:t>
+            </a:r>
+            <a:r>
+              <a:rPr lang="en-US" dirty="0"/>
+              <a:t>,</a:t>
+            </a:r>
+            <a:r>
+              <a:rPr lang="sr-Latn-RS" dirty="0"/>
+              <a:t> ali bez novog </a:t>
+            </a:r>
+            <a:r>
+              <a:rPr lang="sr-Latn-RS" b="1" dirty="0"/>
+              <a:t>reload</a:t>
+            </a:r>
+            <a:r>
+              <a:rPr lang="sr-Latn-RS" dirty="0"/>
+              <a:t>-a (osvežavanja) stranice.</a:t>
+            </a:r>
+          </a:p>
+          <a:p>
+            <a:r>
+              <a:rPr lang="sr-Latn-RS" dirty="0"/>
+              <a:t>Da bi rutiranje</a:t>
+            </a:r>
+            <a:r>
+              <a:rPr lang="en-US" dirty="0"/>
+              <a:t> </a:t>
+            </a:r>
+            <a:r>
+              <a:rPr lang="en-US" dirty="0" err="1"/>
+              <a:t>moglo</a:t>
+            </a:r>
+            <a:r>
+              <a:rPr lang="en-US" dirty="0"/>
+              <a:t> da se </a:t>
+            </a:r>
+            <a:r>
+              <a:rPr lang="en-US" dirty="0" err="1"/>
+              <a:t>koristi</a:t>
+            </a:r>
+            <a:r>
+              <a:rPr lang="sr-Latn-RS" dirty="0"/>
+              <a:t> mora da se doda poseban modul angulara</a:t>
+            </a:r>
+            <a:r>
+              <a:rPr lang="en-US" dirty="0"/>
+              <a:t>,</a:t>
+            </a:r>
+            <a:r>
+              <a:rPr lang="sr-Latn-RS" dirty="0"/>
+              <a:t> </a:t>
+            </a:r>
+            <a:r>
+              <a:rPr lang="sr-Latn-RS" b="1" dirty="0"/>
+              <a:t>angular-route.js</a:t>
+            </a:r>
+            <a:r>
+              <a:rPr lang="sr-Latn-RS" dirty="0"/>
+              <a:t> u </a:t>
+            </a:r>
+            <a:r>
+              <a:rPr lang="en-US" i="1" dirty="0"/>
+              <a:t>&lt;head&gt;&lt;/head&gt; </a:t>
+            </a:r>
+            <a:r>
+              <a:rPr lang="en-US" dirty="0"/>
+              <a:t>index.html </a:t>
+            </a:r>
+            <a:r>
+              <a:rPr lang="en-US" dirty="0" err="1"/>
+              <a:t>dokumenta</a:t>
+            </a:r>
+            <a:r>
+              <a:rPr lang="en-US" dirty="0"/>
+              <a:t>.</a:t>
+            </a:r>
+          </a:p>
+          <a:p>
+            <a:r>
+              <a:rPr lang="en-GB" dirty="0">
+                <a:solidFill>
+                  <a:srgbClr val="EBDBB2"/>
+                </a:solidFill>
+                <a:latin typeface="Consolas" panose="020B0609020204030204" pitchFamily="49" charset="0"/>
+              </a:rPr>
+              <a:t>&lt;</a:t>
+            </a:r>
+            <a:r>
+              <a:rPr lang="en-GB" dirty="0">
+                <a:solidFill>
+                  <a:srgbClr val="FABD2F"/>
+                </a:solidFill>
+                <a:latin typeface="Consolas" panose="020B0609020204030204" pitchFamily="49" charset="0"/>
+              </a:rPr>
+              <a:t>script</a:t>
+            </a:r>
+            <a:r>
+              <a:rPr lang="en-GB" dirty="0">
+                <a:solidFill>
+                  <a:srgbClr val="F2E5BC"/>
+                </a:solidFill>
+                <a:latin typeface="Consolas" panose="020B0609020204030204" pitchFamily="49" charset="0"/>
+              </a:rPr>
+              <a:t> </a:t>
+            </a:r>
+            <a:r>
+              <a:rPr lang="en-GB" dirty="0" err="1">
+                <a:solidFill>
+                  <a:srgbClr val="7EC16E"/>
+                </a:solidFill>
+                <a:latin typeface="Consolas" panose="020B0609020204030204" pitchFamily="49" charset="0"/>
+              </a:rPr>
+              <a:t>src</a:t>
+            </a:r>
+            <a:r>
+              <a:rPr lang="en-GB" dirty="0">
+                <a:solidFill>
+                  <a:srgbClr val="EBDBB2"/>
+                </a:solidFill>
+                <a:latin typeface="Consolas" panose="020B0609020204030204" pitchFamily="49" charset="0"/>
+              </a:rPr>
+              <a:t>="</a:t>
+            </a:r>
+            <a:r>
+              <a:rPr lang="en-GB" dirty="0">
+                <a:solidFill>
+                  <a:srgbClr val="B8BB26"/>
+                </a:solidFill>
+                <a:latin typeface="Consolas" panose="020B0609020204030204" pitchFamily="49" charset="0"/>
+              </a:rPr>
+              <a:t>angular-route.js</a:t>
+            </a:r>
+            <a:r>
+              <a:rPr lang="en-GB" dirty="0">
+                <a:solidFill>
+                  <a:srgbClr val="EBDBB2"/>
+                </a:solidFill>
+                <a:latin typeface="Consolas" panose="020B0609020204030204" pitchFamily="49" charset="0"/>
+              </a:rPr>
+              <a:t>"&gt;&lt;/</a:t>
+            </a:r>
+            <a:r>
+              <a:rPr lang="en-GB" dirty="0">
+                <a:solidFill>
+                  <a:srgbClr val="FABD2F"/>
+                </a:solidFill>
+                <a:latin typeface="Consolas" panose="020B0609020204030204" pitchFamily="49" charset="0"/>
+              </a:rPr>
+              <a:t>script</a:t>
+            </a:r>
+            <a:r>
+              <a:rPr lang="en-GB" dirty="0">
+                <a:solidFill>
+                  <a:srgbClr val="EBDBB2"/>
+                </a:solidFill>
+                <a:latin typeface="Consolas" panose="020B0609020204030204" pitchFamily="49" charset="0"/>
+              </a:rPr>
+              <a:t>&gt;</a:t>
+            </a:r>
+            <a:endParaRPr lang="en-US" b="1" dirty="0"/>
+          </a:p>
+          <a:p>
+            <a:r>
+              <a:rPr lang="en-US" dirty="0" err="1"/>
+              <a:t>Prilikom</a:t>
+            </a:r>
+            <a:r>
+              <a:rPr lang="en-US" dirty="0"/>
+              <a:t> </a:t>
+            </a:r>
+            <a:r>
+              <a:rPr lang="en-US" dirty="0" err="1"/>
+              <a:t>instanciranja</a:t>
+            </a:r>
+            <a:r>
+              <a:rPr lang="en-US" dirty="0"/>
+              <a:t> angular </a:t>
+            </a:r>
+            <a:r>
+              <a:rPr lang="en-US" dirty="0" err="1"/>
+              <a:t>modula</a:t>
+            </a:r>
+            <a:r>
+              <a:rPr lang="en-US" dirty="0"/>
+              <a:t> mora da se </a:t>
+            </a:r>
+            <a:r>
+              <a:rPr lang="en-US" dirty="0" err="1"/>
+              <a:t>doda</a:t>
+            </a:r>
+            <a:r>
+              <a:rPr lang="en-US" dirty="0"/>
+              <a:t> </a:t>
+            </a:r>
+            <a:r>
+              <a:rPr lang="en-US" dirty="0" err="1"/>
+              <a:t>servis</a:t>
+            </a:r>
+            <a:r>
+              <a:rPr lang="en-US" dirty="0"/>
+              <a:t> </a:t>
+            </a:r>
+            <a:r>
+              <a:rPr lang="en-US" b="1" dirty="0" err="1"/>
+              <a:t>ngRoute</a:t>
+            </a:r>
+            <a:r>
+              <a:rPr lang="en-US" dirty="0"/>
+              <a:t> </a:t>
+            </a:r>
+            <a:r>
+              <a:rPr lang="en-US" dirty="0" err="1"/>
+              <a:t>kao</a:t>
+            </a:r>
+            <a:r>
+              <a:rPr lang="en-US" dirty="0"/>
+              <a:t> </a:t>
+            </a:r>
+            <a:r>
+              <a:rPr lang="sr-Latn-RS" b="1" dirty="0"/>
+              <a:t>dependency injection</a:t>
+            </a:r>
+            <a:r>
+              <a:rPr lang="en-US" b="1" dirty="0"/>
+              <a:t>.</a:t>
+            </a:r>
+          </a:p>
+          <a:p>
+            <a:r>
+              <a:rPr lang="en-GB" dirty="0" err="1">
+                <a:solidFill>
+                  <a:srgbClr val="99C6CA"/>
+                </a:solidFill>
+                <a:latin typeface="Consolas" panose="020B0609020204030204" pitchFamily="49" charset="0"/>
+              </a:rPr>
+              <a:t>angular</a:t>
+            </a:r>
+            <a:r>
+              <a:rPr lang="en-GB" dirty="0" err="1">
+                <a:solidFill>
+                  <a:srgbClr val="EBDBB2"/>
+                </a:solidFill>
+                <a:latin typeface="Consolas" panose="020B0609020204030204" pitchFamily="49" charset="0"/>
+              </a:rPr>
+              <a:t>.</a:t>
+            </a:r>
+            <a:r>
+              <a:rPr lang="en-GB" dirty="0" err="1">
+                <a:solidFill>
+                  <a:srgbClr val="FABD2F"/>
+                </a:solidFill>
+                <a:latin typeface="Consolas" panose="020B0609020204030204" pitchFamily="49" charset="0"/>
+              </a:rPr>
+              <a:t>module</a:t>
+            </a:r>
+            <a:r>
+              <a:rPr lang="en-GB" dirty="0">
+                <a:solidFill>
+                  <a:srgbClr val="F2E5BC"/>
+                </a:solidFill>
+                <a:latin typeface="Consolas" panose="020B0609020204030204" pitchFamily="49" charset="0"/>
+              </a:rPr>
+              <a:t>(</a:t>
+            </a:r>
+            <a:r>
+              <a:rPr lang="en-GB" dirty="0">
+                <a:solidFill>
+                  <a:srgbClr val="EBDBB2"/>
+                </a:solidFill>
+                <a:latin typeface="Consolas" panose="020B0609020204030204" pitchFamily="49" charset="0"/>
+              </a:rPr>
+              <a:t>'</a:t>
+            </a:r>
+            <a:r>
+              <a:rPr lang="en-GB" dirty="0" err="1">
+                <a:solidFill>
+                  <a:srgbClr val="B8BB26"/>
+                </a:solidFill>
+                <a:latin typeface="Consolas" panose="020B0609020204030204" pitchFamily="49" charset="0"/>
+              </a:rPr>
+              <a:t>angularJSKurs</a:t>
+            </a:r>
+            <a:r>
+              <a:rPr lang="en-GB" dirty="0">
+                <a:solidFill>
+                  <a:srgbClr val="EBDBB2"/>
+                </a:solidFill>
+                <a:latin typeface="Consolas" panose="020B0609020204030204" pitchFamily="49" charset="0"/>
+              </a:rPr>
+              <a:t>',</a:t>
+            </a:r>
+            <a:r>
+              <a:rPr lang="en-GB" dirty="0">
+                <a:solidFill>
+                  <a:srgbClr val="F2E5BC"/>
+                </a:solidFill>
+                <a:latin typeface="Consolas" panose="020B0609020204030204" pitchFamily="49" charset="0"/>
+              </a:rPr>
+              <a:t> [</a:t>
+            </a:r>
+            <a:r>
+              <a:rPr lang="en-GB" dirty="0">
+                <a:solidFill>
+                  <a:srgbClr val="EBDBB2"/>
+                </a:solidFill>
+                <a:latin typeface="Consolas" panose="020B0609020204030204" pitchFamily="49" charset="0"/>
+              </a:rPr>
+              <a:t>'</a:t>
+            </a:r>
+            <a:r>
+              <a:rPr lang="en-GB" dirty="0" err="1">
+                <a:solidFill>
+                  <a:srgbClr val="B8BB26"/>
+                </a:solidFill>
+                <a:latin typeface="Consolas" panose="020B0609020204030204" pitchFamily="49" charset="0"/>
+              </a:rPr>
+              <a:t>ngRoute</a:t>
+            </a:r>
+            <a:r>
+              <a:rPr lang="en-GB" dirty="0">
+                <a:solidFill>
+                  <a:srgbClr val="EBDBB2"/>
+                </a:solidFill>
+                <a:latin typeface="Consolas" panose="020B0609020204030204" pitchFamily="49" charset="0"/>
+              </a:rPr>
+              <a:t>’</a:t>
+            </a:r>
+            <a:r>
+              <a:rPr lang="en-GB" dirty="0">
+                <a:solidFill>
+                  <a:srgbClr val="F2E5BC"/>
+                </a:solidFill>
+                <a:latin typeface="Consolas" panose="020B0609020204030204" pitchFamily="49" charset="0"/>
+              </a:rPr>
+              <a:t>])</a:t>
+            </a:r>
+          </a:p>
+          <a:p>
+            <a:r>
+              <a:rPr lang="en-GB" dirty="0">
+                <a:cs typeface="Calibri Light" panose="020F0302020204030204" pitchFamily="34" charset="0"/>
+              </a:rPr>
+              <a:t>U index.html </a:t>
+            </a:r>
+            <a:r>
+              <a:rPr lang="en-GB" dirty="0" err="1">
+                <a:cs typeface="Calibri Light" panose="020F0302020204030204" pitchFamily="34" charset="0"/>
+              </a:rPr>
+              <a:t>dokumentu</a:t>
+            </a:r>
+            <a:r>
+              <a:rPr lang="en-GB" dirty="0">
+                <a:cs typeface="Calibri Light" panose="020F0302020204030204" pitchFamily="34" charset="0"/>
+              </a:rPr>
+              <a:t> u </a:t>
+            </a:r>
+            <a:r>
+              <a:rPr lang="en-GB" dirty="0" err="1">
+                <a:cs typeface="Calibri Light" panose="020F0302020204030204" pitchFamily="34" charset="0"/>
+              </a:rPr>
+              <a:t>sekciji</a:t>
+            </a:r>
+            <a:r>
+              <a:rPr lang="en-GB" dirty="0">
+                <a:cs typeface="Calibri Light" panose="020F0302020204030204" pitchFamily="34" charset="0"/>
+              </a:rPr>
+              <a:t> </a:t>
+            </a:r>
+            <a:r>
+              <a:rPr lang="en-GB" i="1" dirty="0">
+                <a:cs typeface="Calibri Light" panose="020F0302020204030204" pitchFamily="34" charset="0"/>
+              </a:rPr>
+              <a:t>&lt;body&gt;&lt;/body&gt; </a:t>
+            </a:r>
+            <a:r>
+              <a:rPr lang="en-GB" dirty="0">
+                <a:cs typeface="Calibri Light" panose="020F0302020204030204" pitchFamily="34" charset="0"/>
+              </a:rPr>
+              <a:t>mora da se </a:t>
+            </a:r>
+            <a:r>
+              <a:rPr lang="en-GB" dirty="0" err="1">
+                <a:cs typeface="Calibri Light" panose="020F0302020204030204" pitchFamily="34" charset="0"/>
+              </a:rPr>
+              <a:t>instancira</a:t>
+            </a:r>
+            <a:r>
+              <a:rPr lang="en-GB" dirty="0">
+                <a:cs typeface="Calibri Light" panose="020F0302020204030204" pitchFamily="34" charset="0"/>
+              </a:rPr>
+              <a:t> </a:t>
+            </a:r>
+            <a:r>
+              <a:rPr lang="en-GB" dirty="0" err="1">
+                <a:cs typeface="Calibri Light" panose="020F0302020204030204" pitchFamily="34" charset="0"/>
+              </a:rPr>
+              <a:t>direktiva</a:t>
+            </a:r>
+            <a:r>
+              <a:rPr lang="en-GB" dirty="0">
+                <a:cs typeface="Calibri Light" panose="020F0302020204030204" pitchFamily="34" charset="0"/>
+              </a:rPr>
+              <a:t> </a:t>
+            </a:r>
+            <a:r>
+              <a:rPr lang="en-GB" b="1" dirty="0" err="1">
+                <a:cs typeface="Calibri Light" panose="020F0302020204030204" pitchFamily="34" charset="0"/>
+              </a:rPr>
+              <a:t>ngView</a:t>
+            </a:r>
+            <a:r>
+              <a:rPr lang="en-GB" dirty="0">
+                <a:cs typeface="Calibri Light" panose="020F0302020204030204" pitchFamily="34" charset="0"/>
+              </a:rPr>
+              <a:t> u </a:t>
+            </a:r>
+            <a:r>
+              <a:rPr lang="en-GB" dirty="0" err="1">
+                <a:cs typeface="Calibri Light" panose="020F0302020204030204" pitchFamily="34" charset="0"/>
+              </a:rPr>
+              <a:t>kojoj</a:t>
+            </a:r>
+            <a:r>
+              <a:rPr lang="en-GB" dirty="0">
+                <a:cs typeface="Calibri Light" panose="020F0302020204030204" pitchFamily="34" charset="0"/>
+              </a:rPr>
+              <a:t> </a:t>
+            </a:r>
+            <a:r>
+              <a:rPr lang="sr-Latn-RS" dirty="0">
+                <a:cs typeface="Calibri Light" panose="020F0302020204030204" pitchFamily="34" charset="0"/>
+              </a:rPr>
+              <a:t>će se rutirati stranice.</a:t>
+            </a:r>
+          </a:p>
+          <a:p>
+            <a:r>
+              <a:rPr lang="sr-Latn-RS" dirty="0">
+                <a:cs typeface="Calibri Light" panose="020F0302020204030204" pitchFamily="34" charset="0"/>
+              </a:rPr>
+              <a:t>Direktiva ngView može da se instancira kao element, atribut i klasa.</a:t>
+            </a:r>
+          </a:p>
+          <a:p>
+            <a:r>
+              <a:rPr lang="en-GB" dirty="0">
+                <a:solidFill>
+                  <a:srgbClr val="EBDBB2"/>
+                </a:solidFill>
+                <a:latin typeface="Consolas" panose="020B0609020204030204" pitchFamily="49" charset="0"/>
+              </a:rPr>
+              <a:t>&lt;</a:t>
+            </a:r>
+            <a:r>
+              <a:rPr lang="en-GB" dirty="0">
+                <a:solidFill>
+                  <a:srgbClr val="FABD2F"/>
+                </a:solidFill>
+                <a:latin typeface="Consolas" panose="020B0609020204030204" pitchFamily="49" charset="0"/>
+              </a:rPr>
+              <a:t>ng-view</a:t>
+            </a:r>
+            <a:r>
+              <a:rPr lang="en-GB" dirty="0">
+                <a:solidFill>
+                  <a:srgbClr val="EBDBB2"/>
+                </a:solidFill>
+                <a:latin typeface="Consolas" panose="020B0609020204030204" pitchFamily="49" charset="0"/>
+              </a:rPr>
+              <a:t>&gt;&lt;/</a:t>
+            </a:r>
+            <a:r>
+              <a:rPr lang="en-GB" dirty="0">
+                <a:solidFill>
+                  <a:srgbClr val="FABD2F"/>
+                </a:solidFill>
+                <a:latin typeface="Consolas" panose="020B0609020204030204" pitchFamily="49" charset="0"/>
+              </a:rPr>
+              <a:t>ng-view</a:t>
+            </a:r>
+            <a:r>
+              <a:rPr lang="en-GB" dirty="0">
+                <a:solidFill>
+                  <a:srgbClr val="EBDBB2"/>
+                </a:solidFill>
+                <a:latin typeface="Consolas" panose="020B0609020204030204" pitchFamily="49" charset="0"/>
+              </a:rPr>
+              <a:t>&gt;</a:t>
+            </a:r>
+            <a:endParaRPr lang="en-GB" dirty="0">
+              <a:solidFill>
+                <a:srgbClr val="F2E5BC"/>
+              </a:solidFill>
+              <a:latin typeface="Consolas" panose="020B0609020204030204" pitchFamily="49" charset="0"/>
+            </a:endParaRPr>
+          </a:p>
+          <a:p>
+            <a:r>
+              <a:rPr lang="en-GB" dirty="0">
+                <a:solidFill>
+                  <a:srgbClr val="EBDBB2"/>
+                </a:solidFill>
+                <a:latin typeface="Consolas" panose="020B0609020204030204" pitchFamily="49" charset="0"/>
+              </a:rPr>
+              <a:t>&lt;</a:t>
+            </a:r>
+            <a:r>
+              <a:rPr lang="en-GB" dirty="0">
+                <a:solidFill>
+                  <a:srgbClr val="FABD2F"/>
+                </a:solidFill>
+                <a:latin typeface="Consolas" panose="020B0609020204030204" pitchFamily="49" charset="0"/>
+              </a:rPr>
+              <a:t>div</a:t>
+            </a:r>
+            <a:r>
+              <a:rPr lang="en-GB" dirty="0">
+                <a:solidFill>
+                  <a:srgbClr val="F2E5BC"/>
+                </a:solidFill>
+                <a:latin typeface="Consolas" panose="020B0609020204030204" pitchFamily="49" charset="0"/>
+              </a:rPr>
+              <a:t> </a:t>
+            </a:r>
+            <a:r>
+              <a:rPr lang="en-GB" dirty="0">
+                <a:solidFill>
+                  <a:srgbClr val="7EC16E"/>
+                </a:solidFill>
+                <a:latin typeface="Consolas" panose="020B0609020204030204" pitchFamily="49" charset="0"/>
+              </a:rPr>
+              <a:t>ng-view</a:t>
+            </a:r>
+            <a:r>
+              <a:rPr lang="en-GB" dirty="0">
+                <a:solidFill>
+                  <a:srgbClr val="EBDBB2"/>
+                </a:solidFill>
+                <a:latin typeface="Consolas" panose="020B0609020204030204" pitchFamily="49" charset="0"/>
+              </a:rPr>
+              <a:t>&gt;&lt;/</a:t>
+            </a:r>
+            <a:r>
+              <a:rPr lang="en-GB" dirty="0">
+                <a:solidFill>
+                  <a:srgbClr val="FABD2F"/>
+                </a:solidFill>
+                <a:latin typeface="Consolas" panose="020B0609020204030204" pitchFamily="49" charset="0"/>
+              </a:rPr>
+              <a:t>div</a:t>
+            </a:r>
+            <a:r>
+              <a:rPr lang="en-GB" dirty="0">
+                <a:solidFill>
+                  <a:srgbClr val="EBDBB2"/>
+                </a:solidFill>
+                <a:latin typeface="Consolas" panose="020B0609020204030204" pitchFamily="49" charset="0"/>
+              </a:rPr>
+              <a:t>&gt;</a:t>
+            </a:r>
+          </a:p>
+          <a:p>
+            <a:r>
+              <a:rPr lang="en-GB" dirty="0">
+                <a:solidFill>
+                  <a:srgbClr val="EBDBB2"/>
+                </a:solidFill>
+                <a:latin typeface="Consolas" panose="020B0609020204030204" pitchFamily="49" charset="0"/>
+              </a:rPr>
+              <a:t>&lt;</a:t>
+            </a:r>
+            <a:r>
+              <a:rPr lang="en-GB" dirty="0">
+                <a:solidFill>
+                  <a:srgbClr val="FABD2F"/>
+                </a:solidFill>
+                <a:latin typeface="Consolas" panose="020B0609020204030204" pitchFamily="49" charset="0"/>
+              </a:rPr>
+              <a:t>div</a:t>
+            </a:r>
+            <a:r>
+              <a:rPr lang="en-GB" dirty="0">
+                <a:solidFill>
+                  <a:srgbClr val="F2E5BC"/>
+                </a:solidFill>
+                <a:latin typeface="Consolas" panose="020B0609020204030204" pitchFamily="49" charset="0"/>
+              </a:rPr>
+              <a:t> </a:t>
+            </a:r>
+            <a:r>
+              <a:rPr lang="en-GB" dirty="0">
+                <a:solidFill>
+                  <a:srgbClr val="7EC16E"/>
+                </a:solidFill>
+                <a:latin typeface="Consolas" panose="020B0609020204030204" pitchFamily="49" charset="0"/>
+              </a:rPr>
+              <a:t>class</a:t>
+            </a:r>
+            <a:r>
+              <a:rPr lang="en-GB" dirty="0">
+                <a:solidFill>
+                  <a:srgbClr val="EBDBB2"/>
+                </a:solidFill>
+                <a:latin typeface="Consolas" panose="020B0609020204030204" pitchFamily="49" charset="0"/>
+              </a:rPr>
+              <a:t>="</a:t>
+            </a:r>
+            <a:r>
+              <a:rPr lang="en-GB" dirty="0">
+                <a:solidFill>
+                  <a:srgbClr val="B8BB26"/>
+                </a:solidFill>
+                <a:latin typeface="Consolas" panose="020B0609020204030204" pitchFamily="49" charset="0"/>
+              </a:rPr>
+              <a:t>ng-view</a:t>
+            </a:r>
+            <a:r>
+              <a:rPr lang="en-GB" dirty="0">
+                <a:solidFill>
+                  <a:srgbClr val="EBDBB2"/>
+                </a:solidFill>
+                <a:latin typeface="Consolas" panose="020B0609020204030204" pitchFamily="49" charset="0"/>
+              </a:rPr>
+              <a:t>"&gt;&lt;/</a:t>
+            </a:r>
+            <a:r>
+              <a:rPr lang="en-GB" dirty="0">
+                <a:solidFill>
+                  <a:srgbClr val="FABD2F"/>
+                </a:solidFill>
+                <a:latin typeface="Consolas" panose="020B0609020204030204" pitchFamily="49" charset="0"/>
+              </a:rPr>
+              <a:t>div</a:t>
+            </a:r>
+            <a:r>
+              <a:rPr lang="en-GB" dirty="0">
+                <a:solidFill>
+                  <a:srgbClr val="EBDBB2"/>
+                </a:solidFill>
+                <a:latin typeface="Consolas" panose="020B0609020204030204" pitchFamily="49" charset="0"/>
+              </a:rPr>
+              <a:t>&gt;</a:t>
+            </a:r>
+          </a:p>
+          <a:p>
+            <a:endParaRPr lang="sr-Latn-RS" dirty="0">
+              <a:cs typeface="Calibri Light" panose="020F0302020204030204" pitchFamily="34" charset="0"/>
+            </a:endParaRPr>
+          </a:p>
+        </p:txBody>
+      </p:sp>
+    </p:spTree>
+    <p:extLst>
+      <p:ext uri="{BB962C8B-B14F-4D97-AF65-F5344CB8AC3E}">
+        <p14:creationId xmlns:p14="http://schemas.microsoft.com/office/powerpoint/2010/main" val="2592625316"/>
+      </p:ext>
+    </p:extLst>
+  </p:cSld>
+  <p:clrMapOvr>
+    <a:masterClrMapping/>
+  </p:clrMapOvr>
+</p:sld>
+</file>
+
+<file path=ppt/slides/slide38.xml><?xml version="1.0" encoding="utf-8"?>
+<p:sld xmlns:a="http://schemas.openxmlformats.org/drawingml/2006/main" xmlns:r="http://schemas.openxmlformats.org/officeDocument/2006/relationships" xmlns:p="http://schemas.openxmlformats.org/presentationml/2006/main">
+  <p:cSld>
     <p:bg>
       <p:bgPr>
         <a:solidFill>
@@ -29227,1797 +30005,12 @@
           <a:chExt cx="0" cy="0"/>
         </a:xfrm>
       </p:grpSpPr>
-      <p:sp useBgFill="1">
-        <p:nvSpPr>
-          <p:cNvPr id="8" name="Rectangle 7">
-            <a:extLst>
-              <a:ext uri="{FF2B5EF4-FFF2-40B4-BE49-F238E27FC236}">
-                <a16:creationId xmlns:a16="http://schemas.microsoft.com/office/drawing/2014/main" id="{15911E3A-C35B-4EF7-A355-B84E9A14AF4D}"/>
-              </a:ext>
-              <a:ext uri="{C183D7F6-B498-43B3-948B-1728B52AA6E4}">
-                <adec:decorative xmlns:adec="http://schemas.microsoft.com/office/drawing/2017/decorative" val="1"/>
-              </a:ext>
-            </a:extLst>
-          </p:cNvPr>
-          <p:cNvSpPr>
-            <a:spLocks noGrp="1" noRot="1" noChangeAspect="1" noMove="1" noResize="1" noEditPoints="1" noAdjustHandles="1" noChangeArrowheads="1" noChangeShapeType="1" noTextEdit="1"/>
-          </p:cNvSpPr>
-          <p:nvPr>
-            <p:extLst>
-              <p:ext uri="{386F3935-93C4-4BCD-93E2-E3B085C9AB24}">
-                <p16:designElem xmlns:p16="http://schemas.microsoft.com/office/powerpoint/2015/main" val="1"/>
-              </p:ext>
-            </p:extLst>
-          </p:nvPr>
-        </p:nvSpPr>
-        <p:spPr>
-          <a:xfrm>
-            <a:off x="0" y="-1"/>
-            <a:ext cx="12192000" cy="6858001"/>
-          </a:xfrm>
-          <a:prstGeom prst="rect">
-            <a:avLst/>
-          </a:prstGeom>
-          <a:ln>
-            <a:noFill/>
-          </a:ln>
-        </p:spPr>
-        <p:style>
-          <a:lnRef idx="2">
-            <a:schemeClr val="accent1">
-              <a:shade val="50000"/>
-            </a:schemeClr>
-          </a:lnRef>
-          <a:fillRef idx="1">
-            <a:schemeClr val="accent1"/>
-          </a:fillRef>
-          <a:effectRef idx="0">
-            <a:schemeClr val="accent1"/>
-          </a:effectRef>
-          <a:fontRef idx="minor">
-            <a:schemeClr val="lt1"/>
-          </a:fontRef>
-        </p:style>
-        <p:txBody>
-          <a:bodyPr rtlCol="0" anchor="ctr"/>
-          <a:lstStyle/>
-          <a:p>
-            <a:pPr marL="0" marR="0" lvl="0" indent="0" algn="ctr" defTabSz="914400" rtl="0" eaLnBrk="1" fontAlgn="auto" latinLnBrk="0" hangingPunct="1">
-              <a:lnSpc>
-                <a:spcPct val="100000"/>
-              </a:lnSpc>
-              <a:spcBef>
-                <a:spcPts val="0"/>
-              </a:spcBef>
-              <a:spcAft>
-                <a:spcPts val="0"/>
-              </a:spcAft>
-              <a:buClrTx/>
-              <a:buSzTx/>
-              <a:buFontTx/>
-              <a:buNone/>
-              <a:tabLst/>
-              <a:defRPr/>
-            </a:pPr>
-            <a:endParaRPr kumimoji="0" lang="en-US" sz="1800" b="0" i="0" u="none" strike="noStrike" kern="1200" cap="none" spc="0" normalizeH="0" baseline="0" noProof="0">
-              <a:ln>
-                <a:noFill/>
-              </a:ln>
-              <a:solidFill>
-                <a:prstClr val="white"/>
-              </a:solidFill>
-              <a:effectLst/>
-              <a:uLnTx/>
-              <a:uFillTx/>
-              <a:latin typeface="Calibri" panose="020F0502020204030204"/>
-              <a:ea typeface="+mn-ea"/>
-              <a:cs typeface="+mn-cs"/>
-            </a:endParaRPr>
-          </a:p>
-        </p:txBody>
-      </p:sp>
-      <p:grpSp>
-        <p:nvGrpSpPr>
-          <p:cNvPr id="10" name="Group 9">
-            <a:extLst>
-              <a:ext uri="{FF2B5EF4-FFF2-40B4-BE49-F238E27FC236}">
-                <a16:creationId xmlns:a16="http://schemas.microsoft.com/office/drawing/2014/main" id="{E21ADB3D-AD65-44B4-847D-5E90E90A5D16}"/>
-              </a:ext>
-              <a:ext uri="{C183D7F6-B498-43B3-948B-1728B52AA6E4}">
-                <adec:decorative xmlns:adec="http://schemas.microsoft.com/office/drawing/2017/decorative" val="1"/>
-              </a:ext>
-            </a:extLst>
-          </p:cNvPr>
-          <p:cNvGrpSpPr>
-            <a:grpSpLocks noGrp="1" noUngrp="1" noRot="1" noChangeAspect="1" noMove="1" noResize="1"/>
-          </p:cNvGrpSpPr>
-          <p:nvPr>
-            <p:extLst>
-              <p:ext uri="{386F3935-93C4-4BCD-93E2-E3B085C9AB24}">
-                <p16:designElem xmlns:p16="http://schemas.microsoft.com/office/powerpoint/2015/main" val="1"/>
-              </p:ext>
-            </p:extLst>
-          </p:nvPr>
-        </p:nvGrpSpPr>
-        <p:grpSpPr>
-          <a:xfrm>
-            <a:off x="-417513" y="0"/>
-            <a:ext cx="12584114" cy="6853238"/>
-            <a:chOff x="-417513" y="0"/>
-            <a:chExt cx="12584114" cy="6853238"/>
-          </a:xfrm>
-        </p:grpSpPr>
-        <p:sp>
-          <p:nvSpPr>
-            <p:cNvPr id="11" name="Freeform 5">
-              <a:extLst>
-                <a:ext uri="{FF2B5EF4-FFF2-40B4-BE49-F238E27FC236}">
-                  <a16:creationId xmlns:a16="http://schemas.microsoft.com/office/drawing/2014/main" id="{CF580C70-814C-4845-B645-919BFFBD16BA}"/>
-                </a:ext>
-                <a:ext uri="{C183D7F6-B498-43B3-948B-1728B52AA6E4}">
-                  <adec:decorative xmlns:adec="http://schemas.microsoft.com/office/drawing/2017/decorative" val="1"/>
-                </a:ext>
-              </a:extLst>
-            </p:cNvPr>
-            <p:cNvSpPr/>
-            <p:nvPr>
-              <p:extLst>
-                <p:ext uri="{386F3935-93C4-4BCD-93E2-E3B085C9AB24}">
-                  <p16:designElem xmlns:p16="http://schemas.microsoft.com/office/powerpoint/2015/main" val="1"/>
-                </p:ext>
-              </p:extLst>
-            </p:nvPr>
-          </p:nvSpPr>
-          <p:spPr bwMode="auto">
-            <a:xfrm>
-              <a:off x="1306513" y="0"/>
-              <a:ext cx="3862388" cy="6843713"/>
-            </a:xfrm>
-            <a:custGeom>
-              <a:avLst/>
-              <a:gdLst/>
-              <a:ahLst/>
-              <a:cxnLst/>
-              <a:rect l="0" t="0" r="r" b="b"/>
-              <a:pathLst>
-                <a:path w="813" h="1440">
-                  <a:moveTo>
-                    <a:pt x="813" y="0"/>
-                  </a:moveTo>
-                  <a:cubicBezTo>
-                    <a:pt x="331" y="221"/>
-                    <a:pt x="0" y="1039"/>
-                    <a:pt x="435" y="1440"/>
-                  </a:cubicBezTo>
-                </a:path>
-              </a:pathLst>
-            </a:custGeom>
-            <a:noFill/>
-            <a:ln w="9525" cap="flat">
-              <a:solidFill>
-                <a:schemeClr val="tx1">
-                  <a:alpha val="20000"/>
-                </a:schemeClr>
-              </a:solidFill>
-              <a:prstDash val="solid"/>
-              <a:miter lim="800000"/>
-              <a:headEnd/>
-              <a:tailEnd/>
-            </a:ln>
-            <a:extLst>
-              <a:ext uri="{909E8E84-426E-40DD-AFC4-6F175D3DCCD1}">
-                <a14:hiddenFill xmlns:a14="http://schemas.microsoft.com/office/drawing/2010/main">
-                  <a:solidFill>
-                    <a:srgbClr val="FFFFFF"/>
-                  </a:solidFill>
-                </a14:hiddenFill>
-              </a:ext>
-            </a:extLst>
-          </p:spPr>
-        </p:sp>
-        <p:sp>
-          <p:nvSpPr>
-            <p:cNvPr id="12" name="Freeform 6">
-              <a:extLst>
-                <a:ext uri="{FF2B5EF4-FFF2-40B4-BE49-F238E27FC236}">
-                  <a16:creationId xmlns:a16="http://schemas.microsoft.com/office/drawing/2014/main" id="{34D7BF57-4CAA-45B2-9EF0-0AA1FCF70B16}"/>
-                </a:ext>
-                <a:ext uri="{C183D7F6-B498-43B3-948B-1728B52AA6E4}">
-                  <adec:decorative xmlns:adec="http://schemas.microsoft.com/office/drawing/2017/decorative" val="1"/>
-                </a:ext>
-              </a:extLst>
-            </p:cNvPr>
-            <p:cNvSpPr/>
-            <p:nvPr>
-              <p:extLst>
-                <p:ext uri="{386F3935-93C4-4BCD-93E2-E3B085C9AB24}">
-                  <p16:designElem xmlns:p16="http://schemas.microsoft.com/office/powerpoint/2015/main" val="1"/>
-                </p:ext>
-              </p:extLst>
-            </p:nvPr>
-          </p:nvSpPr>
-          <p:spPr bwMode="auto">
-            <a:xfrm>
-              <a:off x="10626725" y="9525"/>
-              <a:ext cx="1539875" cy="555625"/>
-            </a:xfrm>
-            <a:custGeom>
-              <a:avLst/>
-              <a:gdLst/>
-              <a:ahLst/>
-              <a:cxnLst/>
-              <a:rect l="0" t="0" r="r" b="b"/>
-              <a:pathLst>
-                <a:path w="324" h="117">
-                  <a:moveTo>
-                    <a:pt x="324" y="117"/>
-                  </a:moveTo>
-                  <a:cubicBezTo>
-                    <a:pt x="223" y="64"/>
-                    <a:pt x="107" y="28"/>
-                    <a:pt x="0" y="0"/>
-                  </a:cubicBezTo>
-                </a:path>
-              </a:pathLst>
-            </a:custGeom>
-            <a:noFill/>
-            <a:ln w="9525" cap="flat">
-              <a:solidFill>
-                <a:schemeClr val="tx1">
-                  <a:alpha val="20000"/>
-                </a:schemeClr>
-              </a:solidFill>
-              <a:prstDash val="solid"/>
-              <a:miter lim="800000"/>
-              <a:headEnd/>
-              <a:tailEnd/>
-            </a:ln>
-            <a:extLst>
-              <a:ext uri="{909E8E84-426E-40DD-AFC4-6F175D3DCCD1}">
-                <a14:hiddenFill xmlns:a14="http://schemas.microsoft.com/office/drawing/2010/main">
-                  <a:solidFill>
-                    <a:srgbClr val="FFFFFF"/>
-                  </a:solidFill>
-                </a14:hiddenFill>
-              </a:ext>
-            </a:extLst>
-          </p:spPr>
-        </p:sp>
-        <p:sp>
-          <p:nvSpPr>
-            <p:cNvPr id="13" name="Freeform 7">
-              <a:extLst>
-                <a:ext uri="{FF2B5EF4-FFF2-40B4-BE49-F238E27FC236}">
-                  <a16:creationId xmlns:a16="http://schemas.microsoft.com/office/drawing/2014/main" id="{7886F306-C03A-40C6-8FD5-DCE3D4595D6D}"/>
-                </a:ext>
-                <a:ext uri="{C183D7F6-B498-43B3-948B-1728B52AA6E4}">
-                  <adec:decorative xmlns:adec="http://schemas.microsoft.com/office/drawing/2017/decorative" val="1"/>
-                </a:ext>
-              </a:extLst>
-            </p:cNvPr>
-            <p:cNvSpPr/>
-            <p:nvPr>
-              <p:extLst>
-                <p:ext uri="{386F3935-93C4-4BCD-93E2-E3B085C9AB24}">
-                  <p16:designElem xmlns:p16="http://schemas.microsoft.com/office/powerpoint/2015/main" val="1"/>
-                </p:ext>
-              </p:extLst>
-            </p:nvPr>
-          </p:nvSpPr>
-          <p:spPr bwMode="auto">
-            <a:xfrm>
-              <a:off x="10247313" y="5013325"/>
-              <a:ext cx="1919288" cy="1830388"/>
-            </a:xfrm>
-            <a:custGeom>
-              <a:avLst/>
-              <a:gdLst/>
-              <a:ahLst/>
-              <a:cxnLst/>
-              <a:rect l="0" t="0" r="r" b="b"/>
-              <a:pathLst>
-                <a:path w="404" h="385">
-                  <a:moveTo>
-                    <a:pt x="0" y="385"/>
-                  </a:moveTo>
-                  <a:cubicBezTo>
-                    <a:pt x="146" y="272"/>
-                    <a:pt x="285" y="142"/>
-                    <a:pt x="404" y="0"/>
-                  </a:cubicBezTo>
-                </a:path>
-              </a:pathLst>
-            </a:custGeom>
-            <a:noFill/>
-            <a:ln w="9525" cap="flat">
-              <a:solidFill>
-                <a:schemeClr val="tx1">
-                  <a:alpha val="20000"/>
-                </a:schemeClr>
-              </a:solidFill>
-              <a:prstDash val="solid"/>
-              <a:miter lim="800000"/>
-              <a:headEnd/>
-              <a:tailEnd/>
-            </a:ln>
-            <a:extLst>
-              <a:ext uri="{909E8E84-426E-40DD-AFC4-6F175D3DCCD1}">
-                <a14:hiddenFill xmlns:a14="http://schemas.microsoft.com/office/drawing/2010/main">
-                  <a:solidFill>
-                    <a:srgbClr val="FFFFFF"/>
-                  </a:solidFill>
-                </a14:hiddenFill>
-              </a:ext>
-            </a:extLst>
-          </p:spPr>
-        </p:sp>
-        <p:sp>
-          <p:nvSpPr>
-            <p:cNvPr id="14" name="Freeform 8">
-              <a:extLst>
-                <a:ext uri="{FF2B5EF4-FFF2-40B4-BE49-F238E27FC236}">
-                  <a16:creationId xmlns:a16="http://schemas.microsoft.com/office/drawing/2014/main" id="{2FDC9A36-C7C3-47D7-A64E-ED25C47EC704}"/>
-                </a:ext>
-                <a:ext uri="{C183D7F6-B498-43B3-948B-1728B52AA6E4}">
-                  <adec:decorative xmlns:adec="http://schemas.microsoft.com/office/drawing/2017/decorative" val="1"/>
-                </a:ext>
-              </a:extLst>
-            </p:cNvPr>
-            <p:cNvSpPr/>
-            <p:nvPr>
-              <p:extLst>
-                <p:ext uri="{386F3935-93C4-4BCD-93E2-E3B085C9AB24}">
-                  <p16:designElem xmlns:p16="http://schemas.microsoft.com/office/powerpoint/2015/main" val="1"/>
-                </p:ext>
-              </p:extLst>
-            </p:nvPr>
-          </p:nvSpPr>
-          <p:spPr bwMode="auto">
-            <a:xfrm>
-              <a:off x="1120775" y="0"/>
-              <a:ext cx="3676650" cy="6843713"/>
-            </a:xfrm>
-            <a:custGeom>
-              <a:avLst/>
-              <a:gdLst/>
-              <a:ahLst/>
-              <a:cxnLst/>
-              <a:rect l="0" t="0" r="r" b="b"/>
-              <a:pathLst>
-                <a:path w="774" h="1440">
-                  <a:moveTo>
-                    <a:pt x="774" y="0"/>
-                  </a:moveTo>
-                  <a:cubicBezTo>
-                    <a:pt x="312" y="240"/>
-                    <a:pt x="0" y="1034"/>
-                    <a:pt x="411" y="1440"/>
-                  </a:cubicBezTo>
-                </a:path>
-              </a:pathLst>
-            </a:custGeom>
-            <a:noFill/>
-            <a:ln w="9525" cap="flat">
-              <a:solidFill>
-                <a:schemeClr val="tx1">
-                  <a:alpha val="20000"/>
-                </a:schemeClr>
-              </a:solidFill>
-              <a:prstDash val="dash"/>
-              <a:miter lim="800000"/>
-              <a:headEnd/>
-              <a:tailEnd/>
-            </a:ln>
-            <a:extLst>
-              <a:ext uri="{909E8E84-426E-40DD-AFC4-6F175D3DCCD1}">
-                <a14:hiddenFill xmlns:a14="http://schemas.microsoft.com/office/drawing/2010/main">
-                  <a:solidFill>
-                    <a:srgbClr val="FFFFFF"/>
-                  </a:solidFill>
-                </a14:hiddenFill>
-              </a:ext>
-            </a:extLst>
-          </p:spPr>
-        </p:sp>
-        <p:sp>
-          <p:nvSpPr>
-            <p:cNvPr id="15" name="Freeform 9">
-              <a:extLst>
-                <a:ext uri="{FF2B5EF4-FFF2-40B4-BE49-F238E27FC236}">
-                  <a16:creationId xmlns:a16="http://schemas.microsoft.com/office/drawing/2014/main" id="{BB19BC37-158A-43DC-9A9E-E45CC71954DC}"/>
-                </a:ext>
-                <a:ext uri="{C183D7F6-B498-43B3-948B-1728B52AA6E4}">
-                  <adec:decorative xmlns:adec="http://schemas.microsoft.com/office/drawing/2017/decorative" val="1"/>
-                </a:ext>
-              </a:extLst>
-            </p:cNvPr>
-            <p:cNvSpPr/>
-            <p:nvPr>
-              <p:extLst>
-                <p:ext uri="{386F3935-93C4-4BCD-93E2-E3B085C9AB24}">
-                  <p16:designElem xmlns:p16="http://schemas.microsoft.com/office/powerpoint/2015/main" val="1"/>
-                </p:ext>
-              </p:extLst>
-            </p:nvPr>
-          </p:nvSpPr>
-          <p:spPr bwMode="auto">
-            <a:xfrm>
-              <a:off x="11202988" y="9525"/>
-              <a:ext cx="963613" cy="366713"/>
-            </a:xfrm>
-            <a:custGeom>
-              <a:avLst/>
-              <a:gdLst/>
-              <a:ahLst/>
-              <a:cxnLst/>
-              <a:rect l="0" t="0" r="r" b="b"/>
-              <a:pathLst>
-                <a:path w="203" h="77">
-                  <a:moveTo>
-                    <a:pt x="203" y="77"/>
-                  </a:moveTo>
-                  <a:cubicBezTo>
-                    <a:pt x="138" y="46"/>
-                    <a:pt x="68" y="21"/>
-                    <a:pt x="0" y="0"/>
-                  </a:cubicBezTo>
-                </a:path>
-              </a:pathLst>
-            </a:custGeom>
-            <a:noFill/>
-            <a:ln w="9525" cap="flat">
-              <a:solidFill>
-                <a:schemeClr val="tx1">
-                  <a:alpha val="20000"/>
-                </a:schemeClr>
-              </a:solidFill>
-              <a:prstDash val="dash"/>
-              <a:miter lim="800000"/>
-              <a:headEnd/>
-              <a:tailEnd/>
-            </a:ln>
-            <a:extLst>
-              <a:ext uri="{909E8E84-426E-40DD-AFC4-6F175D3DCCD1}">
-                <a14:hiddenFill xmlns:a14="http://schemas.microsoft.com/office/drawing/2010/main">
-                  <a:solidFill>
-                    <a:srgbClr val="FFFFFF"/>
-                  </a:solidFill>
-                </a14:hiddenFill>
-              </a:ext>
-            </a:extLst>
-          </p:spPr>
-        </p:sp>
-        <p:sp>
-          <p:nvSpPr>
-            <p:cNvPr id="16" name="Freeform 10">
-              <a:extLst>
-                <a:ext uri="{FF2B5EF4-FFF2-40B4-BE49-F238E27FC236}">
-                  <a16:creationId xmlns:a16="http://schemas.microsoft.com/office/drawing/2014/main" id="{077654CC-108F-48D5-B5E9-437F164F52A5}"/>
-                </a:ext>
-                <a:ext uri="{C183D7F6-B498-43B3-948B-1728B52AA6E4}">
-                  <adec:decorative xmlns:adec="http://schemas.microsoft.com/office/drawing/2017/decorative" val="1"/>
-                </a:ext>
-              </a:extLst>
-            </p:cNvPr>
-            <p:cNvSpPr/>
-            <p:nvPr>
-              <p:extLst>
-                <p:ext uri="{386F3935-93C4-4BCD-93E2-E3B085C9AB24}">
-                  <p16:designElem xmlns:p16="http://schemas.microsoft.com/office/powerpoint/2015/main" val="1"/>
-                </p:ext>
-              </p:extLst>
-            </p:nvPr>
-          </p:nvSpPr>
-          <p:spPr bwMode="auto">
-            <a:xfrm>
-              <a:off x="10494963" y="5275263"/>
-              <a:ext cx="1666875" cy="1577975"/>
-            </a:xfrm>
-            <a:custGeom>
-              <a:avLst/>
-              <a:gdLst/>
-              <a:ahLst/>
-              <a:cxnLst/>
-              <a:rect l="0" t="0" r="r" b="b"/>
-              <a:pathLst>
-                <a:path w="351" h="332">
-                  <a:moveTo>
-                    <a:pt x="0" y="332"/>
-                  </a:moveTo>
-                  <a:cubicBezTo>
-                    <a:pt x="125" y="232"/>
-                    <a:pt x="245" y="121"/>
-                    <a:pt x="351" y="0"/>
-                  </a:cubicBezTo>
-                </a:path>
-              </a:pathLst>
-            </a:custGeom>
-            <a:noFill/>
-            <a:ln w="9525" cap="flat">
-              <a:solidFill>
-                <a:schemeClr val="tx1">
-                  <a:alpha val="20000"/>
-                </a:schemeClr>
-              </a:solidFill>
-              <a:prstDash val="dash"/>
-              <a:miter lim="800000"/>
-              <a:headEnd/>
-              <a:tailEnd/>
-            </a:ln>
-            <a:extLst>
-              <a:ext uri="{909E8E84-426E-40DD-AFC4-6F175D3DCCD1}">
-                <a14:hiddenFill xmlns:a14="http://schemas.microsoft.com/office/drawing/2010/main">
-                  <a:solidFill>
-                    <a:srgbClr val="FFFFFF"/>
-                  </a:solidFill>
-                </a14:hiddenFill>
-              </a:ext>
-            </a:extLst>
-          </p:spPr>
-        </p:sp>
-        <p:sp>
-          <p:nvSpPr>
-            <p:cNvPr id="17" name="Freeform 11">
-              <a:extLst>
-                <a:ext uri="{FF2B5EF4-FFF2-40B4-BE49-F238E27FC236}">
-                  <a16:creationId xmlns:a16="http://schemas.microsoft.com/office/drawing/2014/main" id="{A3CF3A63-1C1E-4E85-A78A-FDC16431E3A0}"/>
-                </a:ext>
-                <a:ext uri="{C183D7F6-B498-43B3-948B-1728B52AA6E4}">
-                  <adec:decorative xmlns:adec="http://schemas.microsoft.com/office/drawing/2017/decorative" val="1"/>
-                </a:ext>
-              </a:extLst>
-            </p:cNvPr>
-            <p:cNvSpPr/>
-            <p:nvPr>
-              <p:extLst>
-                <p:ext uri="{386F3935-93C4-4BCD-93E2-E3B085C9AB24}">
-                  <p16:designElem xmlns:p16="http://schemas.microsoft.com/office/powerpoint/2015/main" val="1"/>
-                </p:ext>
-              </p:extLst>
-            </p:nvPr>
-          </p:nvSpPr>
-          <p:spPr bwMode="auto">
-            <a:xfrm>
-              <a:off x="1001713" y="0"/>
-              <a:ext cx="3621088" cy="6843713"/>
-            </a:xfrm>
-            <a:custGeom>
-              <a:avLst/>
-              <a:gdLst/>
-              <a:ahLst/>
-              <a:cxnLst/>
-              <a:rect l="0" t="0" r="r" b="b"/>
-              <a:pathLst>
-                <a:path w="762" h="1440">
-                  <a:moveTo>
-                    <a:pt x="762" y="0"/>
-                  </a:moveTo>
-                  <a:cubicBezTo>
-                    <a:pt x="308" y="245"/>
-                    <a:pt x="0" y="1033"/>
-                    <a:pt x="403" y="1440"/>
-                  </a:cubicBezTo>
-                </a:path>
-              </a:pathLst>
-            </a:custGeom>
-            <a:noFill/>
-            <a:ln w="9525" cap="flat">
-              <a:solidFill>
-                <a:schemeClr val="tx1">
-                  <a:alpha val="20000"/>
-                </a:schemeClr>
-              </a:solidFill>
-              <a:prstDash val="solid"/>
-              <a:miter lim="800000"/>
-              <a:headEnd/>
-              <a:tailEnd/>
-            </a:ln>
-            <a:extLst>
-              <a:ext uri="{909E8E84-426E-40DD-AFC4-6F175D3DCCD1}">
-                <a14:hiddenFill xmlns:a14="http://schemas.microsoft.com/office/drawing/2010/main">
-                  <a:solidFill>
-                    <a:srgbClr val="FFFFFF"/>
-                  </a:solidFill>
-                </a14:hiddenFill>
-              </a:ext>
-            </a:extLst>
-          </p:spPr>
-        </p:sp>
-        <p:sp>
-          <p:nvSpPr>
-            <p:cNvPr id="18" name="Freeform 12">
-              <a:extLst>
-                <a:ext uri="{FF2B5EF4-FFF2-40B4-BE49-F238E27FC236}">
-                  <a16:creationId xmlns:a16="http://schemas.microsoft.com/office/drawing/2014/main" id="{8740FC9A-72DD-4D9B-BA25-1CCED1352408}"/>
-                </a:ext>
-                <a:ext uri="{C183D7F6-B498-43B3-948B-1728B52AA6E4}">
-                  <adec:decorative xmlns:adec="http://schemas.microsoft.com/office/drawing/2017/decorative" val="1"/>
-                </a:ext>
-              </a:extLst>
-            </p:cNvPr>
-            <p:cNvSpPr/>
-            <p:nvPr>
-              <p:extLst>
-                <p:ext uri="{386F3935-93C4-4BCD-93E2-E3B085C9AB24}">
-                  <p16:designElem xmlns:p16="http://schemas.microsoft.com/office/powerpoint/2015/main" val="1"/>
-                </p:ext>
-              </p:extLst>
-            </p:nvPr>
-          </p:nvSpPr>
-          <p:spPr bwMode="auto">
-            <a:xfrm>
-              <a:off x="11501438" y="9525"/>
-              <a:ext cx="665163" cy="257175"/>
-            </a:xfrm>
-            <a:custGeom>
-              <a:avLst/>
-              <a:gdLst/>
-              <a:ahLst/>
-              <a:cxnLst/>
-              <a:rect l="0" t="0" r="r" b="b"/>
-              <a:pathLst>
-                <a:path w="140" h="54">
-                  <a:moveTo>
-                    <a:pt x="140" y="54"/>
-                  </a:moveTo>
-                  <a:cubicBezTo>
-                    <a:pt x="95" y="34"/>
-                    <a:pt x="48" y="16"/>
-                    <a:pt x="0" y="0"/>
-                  </a:cubicBezTo>
-                </a:path>
-              </a:pathLst>
-            </a:custGeom>
-            <a:noFill/>
-            <a:ln w="9525" cap="flat">
-              <a:solidFill>
-                <a:schemeClr val="tx1">
-                  <a:alpha val="20000"/>
-                </a:schemeClr>
-              </a:solidFill>
-              <a:prstDash val="solid"/>
-              <a:miter lim="800000"/>
-              <a:headEnd/>
-              <a:tailEnd/>
-            </a:ln>
-            <a:extLst>
-              <a:ext uri="{909E8E84-426E-40DD-AFC4-6F175D3DCCD1}">
-                <a14:hiddenFill xmlns:a14="http://schemas.microsoft.com/office/drawing/2010/main">
-                  <a:solidFill>
-                    <a:srgbClr val="FFFFFF"/>
-                  </a:solidFill>
-                </a14:hiddenFill>
-              </a:ext>
-            </a:extLst>
-          </p:spPr>
-        </p:sp>
-        <p:sp>
-          <p:nvSpPr>
-            <p:cNvPr id="19" name="Freeform 13">
-              <a:extLst>
-                <a:ext uri="{FF2B5EF4-FFF2-40B4-BE49-F238E27FC236}">
-                  <a16:creationId xmlns:a16="http://schemas.microsoft.com/office/drawing/2014/main" id="{7FBF5743-F2AE-4D0D-BCD1-01F7686D012A}"/>
-                </a:ext>
-                <a:ext uri="{C183D7F6-B498-43B3-948B-1728B52AA6E4}">
-                  <adec:decorative xmlns:adec="http://schemas.microsoft.com/office/drawing/2017/decorative" val="1"/>
-                </a:ext>
-              </a:extLst>
-            </p:cNvPr>
-            <p:cNvSpPr/>
-            <p:nvPr>
-              <p:extLst>
-                <p:ext uri="{386F3935-93C4-4BCD-93E2-E3B085C9AB24}">
-                  <p16:designElem xmlns:p16="http://schemas.microsoft.com/office/powerpoint/2015/main" val="1"/>
-                </p:ext>
-              </p:extLst>
-            </p:nvPr>
-          </p:nvSpPr>
-          <p:spPr bwMode="auto">
-            <a:xfrm>
-              <a:off x="10641013" y="5408613"/>
-              <a:ext cx="1525588" cy="1435100"/>
-            </a:xfrm>
-            <a:custGeom>
-              <a:avLst/>
-              <a:gdLst/>
-              <a:ahLst/>
-              <a:cxnLst/>
-              <a:rect l="0" t="0" r="r" b="b"/>
-              <a:pathLst>
-                <a:path w="321" h="302">
-                  <a:moveTo>
-                    <a:pt x="0" y="302"/>
-                  </a:moveTo>
-                  <a:cubicBezTo>
-                    <a:pt x="114" y="210"/>
-                    <a:pt x="223" y="109"/>
-                    <a:pt x="321" y="0"/>
-                  </a:cubicBezTo>
-                </a:path>
-              </a:pathLst>
-            </a:custGeom>
-            <a:noFill/>
-            <a:ln w="9525" cap="flat">
-              <a:solidFill>
-                <a:schemeClr val="tx1">
-                  <a:alpha val="20000"/>
-                </a:schemeClr>
-              </a:solidFill>
-              <a:prstDash val="solid"/>
-              <a:miter lim="800000"/>
-              <a:headEnd/>
-              <a:tailEnd/>
-            </a:ln>
-            <a:extLst>
-              <a:ext uri="{909E8E84-426E-40DD-AFC4-6F175D3DCCD1}">
-                <a14:hiddenFill xmlns:a14="http://schemas.microsoft.com/office/drawing/2010/main">
-                  <a:solidFill>
-                    <a:srgbClr val="FFFFFF"/>
-                  </a:solidFill>
-                </a14:hiddenFill>
-              </a:ext>
-            </a:extLst>
-          </p:spPr>
-        </p:sp>
-        <p:sp>
-          <p:nvSpPr>
-            <p:cNvPr id="20" name="Freeform 14">
-              <a:extLst>
-                <a:ext uri="{FF2B5EF4-FFF2-40B4-BE49-F238E27FC236}">
-                  <a16:creationId xmlns:a16="http://schemas.microsoft.com/office/drawing/2014/main" id="{CED32316-D4F7-4795-BBE0-DEBB60E27CE3}"/>
-                </a:ext>
-                <a:ext uri="{C183D7F6-B498-43B3-948B-1728B52AA6E4}">
-                  <adec:decorative xmlns:adec="http://schemas.microsoft.com/office/drawing/2017/decorative" val="1"/>
-                </a:ext>
-              </a:extLst>
-            </p:cNvPr>
-            <p:cNvSpPr/>
-            <p:nvPr>
-              <p:extLst>
-                <p:ext uri="{386F3935-93C4-4BCD-93E2-E3B085C9AB24}">
-                  <p16:designElem xmlns:p16="http://schemas.microsoft.com/office/powerpoint/2015/main" val="1"/>
-                </p:ext>
-              </p:extLst>
-            </p:nvPr>
-          </p:nvSpPr>
-          <p:spPr bwMode="auto">
-            <a:xfrm>
-              <a:off x="1001713" y="0"/>
-              <a:ext cx="3244850" cy="6843713"/>
-            </a:xfrm>
-            <a:custGeom>
-              <a:avLst/>
-              <a:gdLst/>
-              <a:ahLst/>
-              <a:cxnLst/>
-              <a:rect l="0" t="0" r="r" b="b"/>
-              <a:pathLst>
-                <a:path w="683" h="1440">
-                  <a:moveTo>
-                    <a:pt x="683" y="0"/>
-                  </a:moveTo>
-                  <a:cubicBezTo>
-                    <a:pt x="258" y="256"/>
-                    <a:pt x="0" y="1041"/>
-                    <a:pt x="355" y="1440"/>
-                  </a:cubicBezTo>
-                </a:path>
-              </a:pathLst>
-            </a:custGeom>
-            <a:noFill/>
-            <a:ln w="9525" cap="flat">
-              <a:solidFill>
-                <a:schemeClr val="tx1">
-                  <a:alpha val="20000"/>
-                </a:schemeClr>
-              </a:solidFill>
-              <a:prstDash val="solid"/>
-              <a:miter lim="800000"/>
-              <a:headEnd/>
-              <a:tailEnd/>
-            </a:ln>
-            <a:extLst>
-              <a:ext uri="{909E8E84-426E-40DD-AFC4-6F175D3DCCD1}">
-                <a14:hiddenFill xmlns:a14="http://schemas.microsoft.com/office/drawing/2010/main">
-                  <a:solidFill>
-                    <a:srgbClr val="FFFFFF"/>
-                  </a:solidFill>
-                </a14:hiddenFill>
-              </a:ext>
-            </a:extLst>
-          </p:spPr>
-        </p:sp>
-        <p:sp>
-          <p:nvSpPr>
-            <p:cNvPr id="21" name="Freeform 15">
-              <a:extLst>
-                <a:ext uri="{FF2B5EF4-FFF2-40B4-BE49-F238E27FC236}">
-                  <a16:creationId xmlns:a16="http://schemas.microsoft.com/office/drawing/2014/main" id="{583B23C9-B9B7-4E93-9538-CBE316F83FDD}"/>
-                </a:ext>
-                <a:ext uri="{C183D7F6-B498-43B3-948B-1728B52AA6E4}">
-                  <adec:decorative xmlns:adec="http://schemas.microsoft.com/office/drawing/2017/decorative" val="1"/>
-                </a:ext>
-              </a:extLst>
-            </p:cNvPr>
-            <p:cNvSpPr/>
-            <p:nvPr>
-              <p:extLst>
-                <p:ext uri="{386F3935-93C4-4BCD-93E2-E3B085C9AB24}">
-                  <p16:designElem xmlns:p16="http://schemas.microsoft.com/office/powerpoint/2015/main" val="1"/>
-                </p:ext>
-              </p:extLst>
-            </p:nvPr>
-          </p:nvSpPr>
-          <p:spPr bwMode="auto">
-            <a:xfrm>
-              <a:off x="10802938" y="5518150"/>
-              <a:ext cx="1363663" cy="1325563"/>
-            </a:xfrm>
-            <a:custGeom>
-              <a:avLst/>
-              <a:gdLst/>
-              <a:ahLst/>
-              <a:cxnLst/>
-              <a:rect l="0" t="0" r="r" b="b"/>
-              <a:pathLst>
-                <a:path w="287" h="279">
-                  <a:moveTo>
-                    <a:pt x="0" y="279"/>
-                  </a:moveTo>
-                  <a:cubicBezTo>
-                    <a:pt x="101" y="193"/>
-                    <a:pt x="198" y="100"/>
-                    <a:pt x="287" y="0"/>
-                  </a:cubicBezTo>
-                </a:path>
-              </a:pathLst>
-            </a:custGeom>
-            <a:noFill/>
-            <a:ln w="9525" cap="flat">
-              <a:solidFill>
-                <a:schemeClr val="tx1">
-                  <a:alpha val="20000"/>
-                </a:schemeClr>
-              </a:solidFill>
-              <a:prstDash val="solid"/>
-              <a:miter lim="800000"/>
-              <a:headEnd/>
-              <a:tailEnd/>
-            </a:ln>
-            <a:extLst>
-              <a:ext uri="{909E8E84-426E-40DD-AFC4-6F175D3DCCD1}">
-                <a14:hiddenFill xmlns:a14="http://schemas.microsoft.com/office/drawing/2010/main">
-                  <a:solidFill>
-                    <a:srgbClr val="FFFFFF"/>
-                  </a:solidFill>
-                </a14:hiddenFill>
-              </a:ext>
-            </a:extLst>
-          </p:spPr>
-        </p:sp>
-        <p:sp>
-          <p:nvSpPr>
-            <p:cNvPr id="22" name="Freeform 16">
-              <a:extLst>
-                <a:ext uri="{FF2B5EF4-FFF2-40B4-BE49-F238E27FC236}">
-                  <a16:creationId xmlns:a16="http://schemas.microsoft.com/office/drawing/2014/main" id="{5B144260-9F2C-4ADB-A37C-1CFB4B428B1B}"/>
-                </a:ext>
-                <a:ext uri="{C183D7F6-B498-43B3-948B-1728B52AA6E4}">
-                  <adec:decorative xmlns:adec="http://schemas.microsoft.com/office/drawing/2017/decorative" val="1"/>
-                </a:ext>
-              </a:extLst>
-            </p:cNvPr>
-            <p:cNvSpPr/>
-            <p:nvPr>
-              <p:extLst>
-                <p:ext uri="{386F3935-93C4-4BCD-93E2-E3B085C9AB24}">
-                  <p16:designElem xmlns:p16="http://schemas.microsoft.com/office/powerpoint/2015/main" val="1"/>
-                </p:ext>
-              </p:extLst>
-            </p:nvPr>
-          </p:nvSpPr>
-          <p:spPr bwMode="auto">
-            <a:xfrm>
-              <a:off x="889000" y="0"/>
-              <a:ext cx="3230563" cy="6843713"/>
-            </a:xfrm>
-            <a:custGeom>
-              <a:avLst/>
-              <a:gdLst/>
-              <a:ahLst/>
-              <a:cxnLst/>
-              <a:rect l="0" t="0" r="r" b="b"/>
-              <a:pathLst>
-                <a:path w="680" h="1440">
-                  <a:moveTo>
-                    <a:pt x="680" y="0"/>
-                  </a:moveTo>
-                  <a:cubicBezTo>
-                    <a:pt x="257" y="265"/>
-                    <a:pt x="0" y="1026"/>
-                    <a:pt x="337" y="1440"/>
-                  </a:cubicBezTo>
-                </a:path>
-              </a:pathLst>
-            </a:custGeom>
-            <a:noFill/>
-            <a:ln w="9525" cap="flat">
-              <a:solidFill>
-                <a:schemeClr val="tx1">
-                  <a:alpha val="20000"/>
-                </a:schemeClr>
-              </a:solidFill>
-              <a:prstDash val="solid"/>
-              <a:miter lim="800000"/>
-              <a:headEnd/>
-              <a:tailEnd/>
-            </a:ln>
-            <a:extLst>
-              <a:ext uri="{909E8E84-426E-40DD-AFC4-6F175D3DCCD1}">
-                <a14:hiddenFill xmlns:a14="http://schemas.microsoft.com/office/drawing/2010/main">
-                  <a:solidFill>
-                    <a:srgbClr val="FFFFFF"/>
-                  </a:solidFill>
-                </a14:hiddenFill>
-              </a:ext>
-            </a:extLst>
-          </p:spPr>
-        </p:sp>
-        <p:sp>
-          <p:nvSpPr>
-            <p:cNvPr id="23" name="Freeform 17">
-              <a:extLst>
-                <a:ext uri="{FF2B5EF4-FFF2-40B4-BE49-F238E27FC236}">
-                  <a16:creationId xmlns:a16="http://schemas.microsoft.com/office/drawing/2014/main" id="{53FF918D-79D3-4F55-A68C-0DD5880DABDF}"/>
-                </a:ext>
-                <a:ext uri="{C183D7F6-B498-43B3-948B-1728B52AA6E4}">
-                  <adec:decorative xmlns:adec="http://schemas.microsoft.com/office/drawing/2017/decorative" val="1"/>
-                </a:ext>
-              </a:extLst>
-            </p:cNvPr>
-            <p:cNvSpPr/>
-            <p:nvPr>
-              <p:extLst>
-                <p:ext uri="{386F3935-93C4-4BCD-93E2-E3B085C9AB24}">
-                  <p16:designElem xmlns:p16="http://schemas.microsoft.com/office/powerpoint/2015/main" val="1"/>
-                </p:ext>
-              </p:extLst>
-            </p:nvPr>
-          </p:nvSpPr>
-          <p:spPr bwMode="auto">
-            <a:xfrm>
-              <a:off x="10979150" y="5694363"/>
-              <a:ext cx="1187450" cy="1149350"/>
-            </a:xfrm>
-            <a:custGeom>
-              <a:avLst/>
-              <a:gdLst/>
-              <a:ahLst/>
-              <a:cxnLst/>
-              <a:rect l="0" t="0" r="r" b="b"/>
-              <a:pathLst>
-                <a:path w="250" h="242">
-                  <a:moveTo>
-                    <a:pt x="0" y="242"/>
-                  </a:moveTo>
-                  <a:cubicBezTo>
-                    <a:pt x="88" y="166"/>
-                    <a:pt x="172" y="85"/>
-                    <a:pt x="250" y="0"/>
-                  </a:cubicBezTo>
-                </a:path>
-              </a:pathLst>
-            </a:custGeom>
-            <a:noFill/>
-            <a:ln w="9525" cap="flat">
-              <a:solidFill>
-                <a:schemeClr val="tx1">
-                  <a:alpha val="20000"/>
-                </a:schemeClr>
-              </a:solidFill>
-              <a:prstDash val="solid"/>
-              <a:miter lim="800000"/>
-              <a:headEnd/>
-              <a:tailEnd/>
-            </a:ln>
-            <a:extLst>
-              <a:ext uri="{909E8E84-426E-40DD-AFC4-6F175D3DCCD1}">
-                <a14:hiddenFill xmlns:a14="http://schemas.microsoft.com/office/drawing/2010/main">
-                  <a:solidFill>
-                    <a:srgbClr val="FFFFFF"/>
-                  </a:solidFill>
-                </a14:hiddenFill>
-              </a:ext>
-            </a:extLst>
-          </p:spPr>
-        </p:sp>
-        <p:sp>
-          <p:nvSpPr>
-            <p:cNvPr id="24" name="Freeform 18">
-              <a:extLst>
-                <a:ext uri="{FF2B5EF4-FFF2-40B4-BE49-F238E27FC236}">
-                  <a16:creationId xmlns:a16="http://schemas.microsoft.com/office/drawing/2014/main" id="{B9FC1440-933F-44FE-8D77-4827DD0F99A5}"/>
-                </a:ext>
-                <a:ext uri="{C183D7F6-B498-43B3-948B-1728B52AA6E4}">
-                  <adec:decorative xmlns:adec="http://schemas.microsoft.com/office/drawing/2017/decorative" val="1"/>
-                </a:ext>
-              </a:extLst>
-            </p:cNvPr>
-            <p:cNvSpPr/>
-            <p:nvPr>
-              <p:extLst>
-                <p:ext uri="{386F3935-93C4-4BCD-93E2-E3B085C9AB24}">
-                  <p16:designElem xmlns:p16="http://schemas.microsoft.com/office/powerpoint/2015/main" val="1"/>
-                </p:ext>
-              </p:extLst>
-            </p:nvPr>
-          </p:nvSpPr>
-          <p:spPr bwMode="auto">
-            <a:xfrm>
-              <a:off x="484188" y="0"/>
-              <a:ext cx="3421063" cy="6843713"/>
-            </a:xfrm>
-            <a:custGeom>
-              <a:avLst/>
-              <a:gdLst/>
-              <a:ahLst/>
-              <a:cxnLst/>
-              <a:rect l="0" t="0" r="r" b="b"/>
-              <a:pathLst>
-                <a:path w="720" h="1440">
-                  <a:moveTo>
-                    <a:pt x="720" y="0"/>
-                  </a:moveTo>
-                  <a:cubicBezTo>
-                    <a:pt x="316" y="282"/>
-                    <a:pt x="0" y="1018"/>
-                    <a:pt x="362" y="1440"/>
-                  </a:cubicBezTo>
-                </a:path>
-              </a:pathLst>
-            </a:custGeom>
-            <a:noFill/>
-            <a:ln w="9525" cap="flat">
-              <a:solidFill>
-                <a:schemeClr val="tx1">
-                  <a:alpha val="20000"/>
-                </a:schemeClr>
-              </a:solidFill>
-              <a:prstDash val="solid"/>
-              <a:miter lim="800000"/>
-              <a:headEnd/>
-              <a:tailEnd/>
-            </a:ln>
-            <a:extLst>
-              <a:ext uri="{909E8E84-426E-40DD-AFC4-6F175D3DCCD1}">
-                <a14:hiddenFill xmlns:a14="http://schemas.microsoft.com/office/drawing/2010/main">
-                  <a:solidFill>
-                    <a:srgbClr val="FFFFFF"/>
-                  </a:solidFill>
-                </a14:hiddenFill>
-              </a:ext>
-            </a:extLst>
-          </p:spPr>
-        </p:sp>
-        <p:sp>
-          <p:nvSpPr>
-            <p:cNvPr id="25" name="Freeform 19">
-              <a:extLst>
-                <a:ext uri="{FF2B5EF4-FFF2-40B4-BE49-F238E27FC236}">
-                  <a16:creationId xmlns:a16="http://schemas.microsoft.com/office/drawing/2014/main" id="{0F67F308-A67C-4D2E-B081-59BB31D8EC50}"/>
-                </a:ext>
-                <a:ext uri="{C183D7F6-B498-43B3-948B-1728B52AA6E4}">
-                  <adec:decorative xmlns:adec="http://schemas.microsoft.com/office/drawing/2017/decorative" val="1"/>
-                </a:ext>
-              </a:extLst>
-            </p:cNvPr>
-            <p:cNvSpPr/>
-            <p:nvPr>
-              <p:extLst>
-                <p:ext uri="{386F3935-93C4-4BCD-93E2-E3B085C9AB24}">
-                  <p16:designElem xmlns:p16="http://schemas.microsoft.com/office/powerpoint/2015/main" val="1"/>
-                </p:ext>
-              </p:extLst>
-            </p:nvPr>
-          </p:nvSpPr>
-          <p:spPr bwMode="auto">
-            <a:xfrm>
-              <a:off x="11287125" y="6049963"/>
-              <a:ext cx="879475" cy="793750"/>
-            </a:xfrm>
-            <a:custGeom>
-              <a:avLst/>
-              <a:gdLst/>
-              <a:ahLst/>
-              <a:cxnLst/>
-              <a:rect l="0" t="0" r="r" b="b"/>
-              <a:pathLst>
-                <a:path w="185" h="167">
-                  <a:moveTo>
-                    <a:pt x="0" y="167"/>
-                  </a:moveTo>
-                  <a:cubicBezTo>
-                    <a:pt x="63" y="114"/>
-                    <a:pt x="125" y="58"/>
-                    <a:pt x="185" y="0"/>
-                  </a:cubicBezTo>
-                </a:path>
-              </a:pathLst>
-            </a:custGeom>
-            <a:noFill/>
-            <a:ln w="9525" cap="flat">
-              <a:solidFill>
-                <a:schemeClr val="tx1">
-                  <a:alpha val="20000"/>
-                </a:schemeClr>
-              </a:solidFill>
-              <a:prstDash val="solid"/>
-              <a:miter lim="800000"/>
-              <a:headEnd/>
-              <a:tailEnd/>
-            </a:ln>
-            <a:extLst>
-              <a:ext uri="{909E8E84-426E-40DD-AFC4-6F175D3DCCD1}">
-                <a14:hiddenFill xmlns:a14="http://schemas.microsoft.com/office/drawing/2010/main">
-                  <a:solidFill>
-                    <a:srgbClr val="FFFFFF"/>
-                  </a:solidFill>
-                </a14:hiddenFill>
-              </a:ext>
-            </a:extLst>
-          </p:spPr>
-        </p:sp>
-        <p:sp>
-          <p:nvSpPr>
-            <p:cNvPr id="26" name="Freeform 20">
-              <a:extLst>
-                <a:ext uri="{FF2B5EF4-FFF2-40B4-BE49-F238E27FC236}">
-                  <a16:creationId xmlns:a16="http://schemas.microsoft.com/office/drawing/2014/main" id="{80112F01-90EB-4AEC-A39C-5C6875FFB99B}"/>
-                </a:ext>
-                <a:ext uri="{C183D7F6-B498-43B3-948B-1728B52AA6E4}">
-                  <adec:decorative xmlns:adec="http://schemas.microsoft.com/office/drawing/2017/decorative" val="1"/>
-                </a:ext>
-              </a:extLst>
-            </p:cNvPr>
-            <p:cNvSpPr/>
-            <p:nvPr>
-              <p:extLst>
-                <p:ext uri="{386F3935-93C4-4BCD-93E2-E3B085C9AB24}">
-                  <p16:designElem xmlns:p16="http://schemas.microsoft.com/office/powerpoint/2015/main" val="1"/>
-                </p:ext>
-              </p:extLst>
-            </p:nvPr>
-          </p:nvSpPr>
-          <p:spPr bwMode="auto">
-            <a:xfrm>
-              <a:off x="598488" y="0"/>
-              <a:ext cx="2717800" cy="6843713"/>
-            </a:xfrm>
-            <a:custGeom>
-              <a:avLst/>
-              <a:gdLst/>
-              <a:ahLst/>
-              <a:cxnLst/>
-              <a:rect l="0" t="0" r="r" b="b"/>
-              <a:pathLst>
-                <a:path w="572" h="1440">
-                  <a:moveTo>
-                    <a:pt x="572" y="0"/>
-                  </a:moveTo>
-                  <a:cubicBezTo>
-                    <a:pt x="213" y="320"/>
-                    <a:pt x="0" y="979"/>
-                    <a:pt x="164" y="1440"/>
-                  </a:cubicBezTo>
-                </a:path>
-              </a:pathLst>
-            </a:custGeom>
-            <a:noFill/>
-            <a:ln w="12700" cap="flat">
-              <a:solidFill>
-                <a:schemeClr val="tx1">
-                  <a:alpha val="20000"/>
-                </a:schemeClr>
-              </a:solidFill>
-              <a:prstDash val="dashDot"/>
-              <a:miter lim="800000"/>
-              <a:headEnd/>
-              <a:tailEnd/>
-            </a:ln>
-            <a:extLst>
-              <a:ext uri="{909E8E84-426E-40DD-AFC4-6F175D3DCCD1}">
-                <a14:hiddenFill xmlns:a14="http://schemas.microsoft.com/office/drawing/2010/main">
-                  <a:solidFill>
-                    <a:srgbClr val="FFFFFF"/>
-                  </a:solidFill>
-                </a14:hiddenFill>
-              </a:ext>
-            </a:extLst>
-          </p:spPr>
-        </p:sp>
-        <p:sp>
-          <p:nvSpPr>
-            <p:cNvPr id="27" name="Freeform 21">
-              <a:extLst>
-                <a:ext uri="{FF2B5EF4-FFF2-40B4-BE49-F238E27FC236}">
-                  <a16:creationId xmlns:a16="http://schemas.microsoft.com/office/drawing/2014/main" id="{893F6B05-90EB-4C75-A0F0-C7247553BD81}"/>
-                </a:ext>
-                <a:ext uri="{C183D7F6-B498-43B3-948B-1728B52AA6E4}">
-                  <adec:decorative xmlns:adec="http://schemas.microsoft.com/office/drawing/2017/decorative" val="1"/>
-                </a:ext>
-              </a:extLst>
-            </p:cNvPr>
-            <p:cNvSpPr/>
-            <p:nvPr>
-              <p:extLst>
-                <p:ext uri="{386F3935-93C4-4BCD-93E2-E3B085C9AB24}">
-                  <p16:designElem xmlns:p16="http://schemas.microsoft.com/office/powerpoint/2015/main" val="1"/>
-                </p:ext>
-              </p:extLst>
-            </p:nvPr>
-          </p:nvSpPr>
-          <p:spPr bwMode="auto">
-            <a:xfrm>
-              <a:off x="261938" y="0"/>
-              <a:ext cx="2944813" cy="6843713"/>
-            </a:xfrm>
-            <a:custGeom>
-              <a:avLst/>
-              <a:gdLst/>
-              <a:ahLst/>
-              <a:cxnLst/>
-              <a:rect l="0" t="0" r="r" b="b"/>
-              <a:pathLst>
-                <a:path w="620" h="1440">
-                  <a:moveTo>
-                    <a:pt x="620" y="0"/>
-                  </a:moveTo>
-                  <a:cubicBezTo>
-                    <a:pt x="248" y="325"/>
-                    <a:pt x="0" y="960"/>
-                    <a:pt x="186" y="1440"/>
-                  </a:cubicBezTo>
-                </a:path>
-              </a:pathLst>
-            </a:custGeom>
-            <a:noFill/>
-            <a:ln w="9525" cap="flat">
-              <a:solidFill>
-                <a:schemeClr val="tx1">
-                  <a:alpha val="20000"/>
-                </a:schemeClr>
-              </a:solidFill>
-              <a:prstDash val="lgDash"/>
-              <a:miter lim="800000"/>
-              <a:headEnd/>
-              <a:tailEnd/>
-            </a:ln>
-            <a:extLst>
-              <a:ext uri="{909E8E84-426E-40DD-AFC4-6F175D3DCCD1}">
-                <a14:hiddenFill xmlns:a14="http://schemas.microsoft.com/office/drawing/2010/main">
-                  <a:solidFill>
-                    <a:srgbClr val="FFFFFF"/>
-                  </a:solidFill>
-                </a14:hiddenFill>
-              </a:ext>
-            </a:extLst>
-          </p:spPr>
-        </p:sp>
-        <p:sp>
-          <p:nvSpPr>
-            <p:cNvPr id="28" name="Freeform 22">
-              <a:extLst>
-                <a:ext uri="{FF2B5EF4-FFF2-40B4-BE49-F238E27FC236}">
-                  <a16:creationId xmlns:a16="http://schemas.microsoft.com/office/drawing/2014/main" id="{227B563B-E0C0-4D81-966D-B5E2DBAAE8B5}"/>
-                </a:ext>
-                <a:ext uri="{C183D7F6-B498-43B3-948B-1728B52AA6E4}">
-                  <adec:decorative xmlns:adec="http://schemas.microsoft.com/office/drawing/2017/decorative" val="1"/>
-                </a:ext>
-              </a:extLst>
-            </p:cNvPr>
-            <p:cNvSpPr/>
-            <p:nvPr>
-              <p:extLst>
-                <p:ext uri="{386F3935-93C4-4BCD-93E2-E3B085C9AB24}">
-                  <p16:designElem xmlns:p16="http://schemas.microsoft.com/office/powerpoint/2015/main" val="1"/>
-                </p:ext>
-              </p:extLst>
-            </p:nvPr>
-          </p:nvSpPr>
-          <p:spPr bwMode="auto">
-            <a:xfrm>
-              <a:off x="-417513" y="0"/>
-              <a:ext cx="2403475" cy="6843713"/>
-            </a:xfrm>
-            <a:custGeom>
-              <a:avLst/>
-              <a:gdLst/>
-              <a:ahLst/>
-              <a:cxnLst/>
-              <a:rect l="0" t="0" r="r" b="b"/>
-              <a:pathLst>
-                <a:path w="506" h="1440">
-                  <a:moveTo>
-                    <a:pt x="506" y="0"/>
-                  </a:moveTo>
-                  <a:cubicBezTo>
-                    <a:pt x="109" y="356"/>
-                    <a:pt x="0" y="943"/>
-                    <a:pt x="171" y="1440"/>
-                  </a:cubicBezTo>
-                </a:path>
-              </a:pathLst>
-            </a:custGeom>
-            <a:noFill/>
-            <a:ln w="9525" cap="flat">
-              <a:solidFill>
-                <a:schemeClr val="tx1">
-                  <a:alpha val="20000"/>
-                </a:schemeClr>
-              </a:solidFill>
-              <a:prstDash val="solid"/>
-              <a:miter lim="800000"/>
-              <a:headEnd/>
-              <a:tailEnd/>
-            </a:ln>
-            <a:extLst>
-              <a:ext uri="{909E8E84-426E-40DD-AFC4-6F175D3DCCD1}">
-                <a14:hiddenFill xmlns:a14="http://schemas.microsoft.com/office/drawing/2010/main">
-                  <a:solidFill>
-                    <a:srgbClr val="FFFFFF"/>
-                  </a:solidFill>
-                </a14:hiddenFill>
-              </a:ext>
-            </a:extLst>
-          </p:spPr>
-        </p:sp>
-        <p:sp>
-          <p:nvSpPr>
-            <p:cNvPr id="29" name="Freeform 23">
-              <a:extLst>
-                <a:ext uri="{FF2B5EF4-FFF2-40B4-BE49-F238E27FC236}">
-                  <a16:creationId xmlns:a16="http://schemas.microsoft.com/office/drawing/2014/main" id="{130DF93D-D1FF-477A-BDCE-C8B01C3B476C}"/>
-                </a:ext>
-                <a:ext uri="{C183D7F6-B498-43B3-948B-1728B52AA6E4}">
-                  <adec:decorative xmlns:adec="http://schemas.microsoft.com/office/drawing/2017/decorative" val="1"/>
-                </a:ext>
-              </a:extLst>
-            </p:cNvPr>
-            <p:cNvSpPr/>
-            <p:nvPr>
-              <p:extLst>
-                <p:ext uri="{386F3935-93C4-4BCD-93E2-E3B085C9AB24}">
-                  <p16:designElem xmlns:p16="http://schemas.microsoft.com/office/powerpoint/2015/main" val="1"/>
-                </p:ext>
-              </p:extLst>
-            </p:nvPr>
-          </p:nvSpPr>
-          <p:spPr bwMode="auto">
-            <a:xfrm>
-              <a:off x="14288" y="9525"/>
-              <a:ext cx="1771650" cy="3198813"/>
-            </a:xfrm>
-            <a:custGeom>
-              <a:avLst/>
-              <a:gdLst/>
-              <a:ahLst/>
-              <a:cxnLst/>
-              <a:rect l="0" t="0" r="r" b="b"/>
-              <a:pathLst>
-                <a:path w="373" h="673">
-                  <a:moveTo>
-                    <a:pt x="373" y="0"/>
-                  </a:moveTo>
-                  <a:cubicBezTo>
-                    <a:pt x="175" y="183"/>
-                    <a:pt x="51" y="409"/>
-                    <a:pt x="0" y="673"/>
-                  </a:cubicBezTo>
-                </a:path>
-              </a:pathLst>
-            </a:custGeom>
-            <a:noFill/>
-            <a:ln w="9525" cap="flat">
-              <a:solidFill>
-                <a:schemeClr val="tx1">
-                  <a:alpha val="20000"/>
-                </a:schemeClr>
-              </a:solidFill>
-              <a:prstDash val="solid"/>
-              <a:miter lim="800000"/>
-              <a:headEnd/>
-              <a:tailEnd/>
-            </a:ln>
-            <a:extLst>
-              <a:ext uri="{909E8E84-426E-40DD-AFC4-6F175D3DCCD1}">
-                <a14:hiddenFill xmlns:a14="http://schemas.microsoft.com/office/drawing/2010/main">
-                  <a:solidFill>
-                    <a:srgbClr val="FFFFFF"/>
-                  </a:solidFill>
-                </a14:hiddenFill>
-              </a:ext>
-            </a:extLst>
-          </p:spPr>
-        </p:sp>
-        <p:sp>
-          <p:nvSpPr>
-            <p:cNvPr id="30" name="Freeform 24">
-              <a:extLst>
-                <a:ext uri="{FF2B5EF4-FFF2-40B4-BE49-F238E27FC236}">
-                  <a16:creationId xmlns:a16="http://schemas.microsoft.com/office/drawing/2014/main" id="{44ED67A1-C6FE-4AC8-8473-11DAC03DCD33}"/>
-                </a:ext>
-                <a:ext uri="{C183D7F6-B498-43B3-948B-1728B52AA6E4}">
-                  <adec:decorative xmlns:adec="http://schemas.microsoft.com/office/drawing/2017/decorative" val="1"/>
-                </a:ext>
-              </a:extLst>
-            </p:cNvPr>
-            <p:cNvSpPr/>
-            <p:nvPr>
-              <p:extLst>
-                <p:ext uri="{386F3935-93C4-4BCD-93E2-E3B085C9AB24}">
-                  <p16:designElem xmlns:p16="http://schemas.microsoft.com/office/powerpoint/2015/main" val="1"/>
-                </p:ext>
-              </p:extLst>
-            </p:nvPr>
-          </p:nvSpPr>
-          <p:spPr bwMode="auto">
-            <a:xfrm>
-              <a:off x="4763" y="6016625"/>
-              <a:ext cx="214313" cy="827088"/>
-            </a:xfrm>
-            <a:custGeom>
-              <a:avLst/>
-              <a:gdLst/>
-              <a:ahLst/>
-              <a:cxnLst/>
-              <a:rect l="0" t="0" r="r" b="b"/>
-              <a:pathLst>
-                <a:path w="45" h="174">
-                  <a:moveTo>
-                    <a:pt x="0" y="0"/>
-                  </a:moveTo>
-                  <a:cubicBezTo>
-                    <a:pt x="11" y="59"/>
-                    <a:pt x="26" y="118"/>
-                    <a:pt x="45" y="174"/>
-                  </a:cubicBezTo>
-                </a:path>
-              </a:pathLst>
-            </a:custGeom>
-            <a:noFill/>
-            <a:ln w="9525" cap="flat">
-              <a:solidFill>
-                <a:schemeClr val="tx1">
-                  <a:alpha val="20000"/>
-                </a:schemeClr>
-              </a:solidFill>
-              <a:prstDash val="solid"/>
-              <a:miter lim="800000"/>
-              <a:headEnd/>
-              <a:tailEnd/>
-            </a:ln>
-            <a:extLst>
-              <a:ext uri="{909E8E84-426E-40DD-AFC4-6F175D3DCCD1}">
-                <a14:hiddenFill xmlns:a14="http://schemas.microsoft.com/office/drawing/2010/main">
-                  <a:solidFill>
-                    <a:srgbClr val="FFFFFF"/>
-                  </a:solidFill>
-                </a14:hiddenFill>
-              </a:ext>
-            </a:extLst>
-          </p:spPr>
-        </p:sp>
-        <p:sp>
-          <p:nvSpPr>
-            <p:cNvPr id="31" name="Freeform 25">
-              <a:extLst>
-                <a:ext uri="{FF2B5EF4-FFF2-40B4-BE49-F238E27FC236}">
-                  <a16:creationId xmlns:a16="http://schemas.microsoft.com/office/drawing/2014/main" id="{213A54F3-15FA-4C8F-8ABF-CE77E7219658}"/>
-                </a:ext>
-                <a:ext uri="{C183D7F6-B498-43B3-948B-1728B52AA6E4}">
-                  <adec:decorative xmlns:adec="http://schemas.microsoft.com/office/drawing/2017/decorative" val="1"/>
-                </a:ext>
-              </a:extLst>
-            </p:cNvPr>
-            <p:cNvSpPr/>
-            <p:nvPr>
-              <p:extLst>
-                <p:ext uri="{386F3935-93C4-4BCD-93E2-E3B085C9AB24}">
-                  <p16:designElem xmlns:p16="http://schemas.microsoft.com/office/powerpoint/2015/main" val="1"/>
-                </p:ext>
-              </p:extLst>
-            </p:nvPr>
-          </p:nvSpPr>
-          <p:spPr bwMode="auto">
-            <a:xfrm>
-              <a:off x="14288" y="0"/>
-              <a:ext cx="1562100" cy="2228850"/>
-            </a:xfrm>
-            <a:custGeom>
-              <a:avLst/>
-              <a:gdLst/>
-              <a:ahLst/>
-              <a:cxnLst/>
-              <a:rect l="0" t="0" r="r" b="b"/>
-              <a:pathLst>
-                <a:path w="329" h="469">
-                  <a:moveTo>
-                    <a:pt x="329" y="0"/>
-                  </a:moveTo>
-                  <a:cubicBezTo>
-                    <a:pt x="189" y="133"/>
-                    <a:pt x="69" y="288"/>
-                    <a:pt x="0" y="469"/>
-                  </a:cubicBezTo>
-                </a:path>
-              </a:pathLst>
-            </a:custGeom>
-            <a:noFill/>
-            <a:ln w="9525" cap="flat">
-              <a:solidFill>
-                <a:schemeClr val="tx1">
-                  <a:alpha val="20000"/>
-                </a:schemeClr>
-              </a:solidFill>
-              <a:prstDash val="solid"/>
-              <a:miter lim="800000"/>
-              <a:headEnd/>
-              <a:tailEnd/>
-            </a:ln>
-            <a:extLst>
-              <a:ext uri="{909E8E84-426E-40DD-AFC4-6F175D3DCCD1}">
-                <a14:hiddenFill xmlns:a14="http://schemas.microsoft.com/office/drawing/2010/main">
-                  <a:solidFill>
-                    <a:srgbClr val="FFFFFF"/>
-                  </a:solidFill>
-                </a14:hiddenFill>
-              </a:ext>
-            </a:extLst>
-          </p:spPr>
-        </p:sp>
-      </p:grpSp>
-      <p:grpSp>
-        <p:nvGrpSpPr>
-          <p:cNvPr id="33" name="Group 32">
-            <a:extLst>
-              <a:ext uri="{FF2B5EF4-FFF2-40B4-BE49-F238E27FC236}">
-                <a16:creationId xmlns:a16="http://schemas.microsoft.com/office/drawing/2014/main" id="{5F8A7F7F-DD1A-4F41-98AC-B9CE2A620CDC}"/>
-              </a:ext>
-              <a:ext uri="{C183D7F6-B498-43B3-948B-1728B52AA6E4}">
-                <adec:decorative xmlns:adec="http://schemas.microsoft.com/office/drawing/2017/decorative" val="1"/>
-              </a:ext>
-            </a:extLst>
-          </p:cNvPr>
-          <p:cNvGrpSpPr>
-            <a:grpSpLocks noGrp="1" noUngrp="1" noRot="1" noChangeAspect="1" noMove="1" noResize="1"/>
-          </p:cNvGrpSpPr>
-          <p:nvPr>
-            <p:extLst>
-              <p:ext uri="{386F3935-93C4-4BCD-93E2-E3B085C9AB24}">
-                <p16:designElem xmlns:p16="http://schemas.microsoft.com/office/powerpoint/2015/main" val="1"/>
-              </p:ext>
-            </p:extLst>
-          </p:nvPr>
-        </p:nvGrpSpPr>
-        <p:grpSpPr>
-          <a:xfrm>
-            <a:off x="800144" y="1699589"/>
-            <a:ext cx="3674476" cy="3470421"/>
-            <a:chOff x="697883" y="1816768"/>
-            <a:chExt cx="3674476" cy="3470421"/>
-          </a:xfrm>
-        </p:grpSpPr>
-        <p:sp>
-          <p:nvSpPr>
-            <p:cNvPr id="34" name="Rectangle 33">
-              <a:extLst>
-                <a:ext uri="{FF2B5EF4-FFF2-40B4-BE49-F238E27FC236}">
-                  <a16:creationId xmlns:a16="http://schemas.microsoft.com/office/drawing/2014/main" id="{CEF47228-EB7C-4EBA-BE01-DA6CB2410289}"/>
-                </a:ext>
-                <a:ext uri="{C183D7F6-B498-43B3-948B-1728B52AA6E4}">
-                  <adec:decorative xmlns:adec="http://schemas.microsoft.com/office/drawing/2017/decorative" val="1"/>
-                </a:ext>
-              </a:extLst>
-            </p:cNvPr>
-            <p:cNvSpPr/>
-            <p:nvPr>
-              <p:extLst>
-                <p:ext uri="{386F3935-93C4-4BCD-93E2-E3B085C9AB24}">
-                  <p16:designElem xmlns:p16="http://schemas.microsoft.com/office/powerpoint/2015/main" val="1"/>
-                </p:ext>
-              </p:extLst>
-            </p:nvPr>
-          </p:nvSpPr>
-          <p:spPr>
-            <a:xfrm>
-              <a:off x="697883" y="1816768"/>
-              <a:ext cx="3674476" cy="502920"/>
-            </a:xfrm>
-            <a:prstGeom prst="rect">
-              <a:avLst/>
-            </a:prstGeom>
-            <a:solidFill>
-              <a:schemeClr val="accent1"/>
-            </a:solidFill>
-            <a:ln>
-              <a:noFill/>
-            </a:ln>
-          </p:spPr>
-          <p:style>
-            <a:lnRef idx="2">
-              <a:schemeClr val="accent1">
-                <a:shade val="50000"/>
-              </a:schemeClr>
-            </a:lnRef>
-            <a:fillRef idx="1">
-              <a:schemeClr val="accent1"/>
-            </a:fillRef>
-            <a:effectRef idx="0">
-              <a:schemeClr val="accent1"/>
-            </a:effectRef>
-            <a:fontRef idx="minor">
-              <a:schemeClr val="lt1"/>
-            </a:fontRef>
-          </p:style>
-        </p:sp>
-        <p:sp>
-          <p:nvSpPr>
-            <p:cNvPr id="35" name="Isosceles Triangle 22">
-              <a:extLst>
-                <a:ext uri="{FF2B5EF4-FFF2-40B4-BE49-F238E27FC236}">
-                  <a16:creationId xmlns:a16="http://schemas.microsoft.com/office/drawing/2014/main" id="{3D2FD25A-EFFD-4F5C-9258-981F5907DE21}"/>
-                </a:ext>
-                <a:ext uri="{C183D7F6-B498-43B3-948B-1728B52AA6E4}">
-                  <adec:decorative xmlns:adec="http://schemas.microsoft.com/office/drawing/2017/decorative" val="1"/>
-                </a:ext>
-              </a:extLst>
-            </p:cNvPr>
-            <p:cNvSpPr/>
-            <p:nvPr>
-              <p:extLst>
-                <p:ext uri="{386F3935-93C4-4BCD-93E2-E3B085C9AB24}">
-                  <p16:designElem xmlns:p16="http://schemas.microsoft.com/office/powerpoint/2015/main" val="1"/>
-                </p:ext>
-              </p:extLst>
-            </p:nvPr>
-          </p:nvSpPr>
-          <p:spPr>
-            <a:xfrm rot="10800000">
-              <a:off x="2380224" y="5014786"/>
-              <a:ext cx="315988" cy="272403"/>
-            </a:xfrm>
-            <a:prstGeom prst="triangle">
-              <a:avLst/>
-            </a:prstGeom>
-            <a:solidFill>
-              <a:schemeClr val="accent1"/>
-            </a:solidFill>
-            <a:ln>
-              <a:noFill/>
-            </a:ln>
-          </p:spPr>
-          <p:style>
-            <a:lnRef idx="2">
-              <a:schemeClr val="accent1">
-                <a:shade val="50000"/>
-              </a:schemeClr>
-            </a:lnRef>
-            <a:fillRef idx="1">
-              <a:schemeClr val="accent1"/>
-            </a:fillRef>
-            <a:effectRef idx="0">
-              <a:schemeClr val="accent1"/>
-            </a:effectRef>
-            <a:fontRef idx="minor">
-              <a:schemeClr val="lt1"/>
-            </a:fontRef>
-          </p:style>
-        </p:sp>
-        <p:sp>
-          <p:nvSpPr>
-            <p:cNvPr id="36" name="Rectangle 35">
-              <a:extLst>
-                <a:ext uri="{FF2B5EF4-FFF2-40B4-BE49-F238E27FC236}">
-                  <a16:creationId xmlns:a16="http://schemas.microsoft.com/office/drawing/2014/main" id="{DCF573BC-A06F-4036-A3A8-9D07DDE62253}"/>
-                </a:ext>
-                <a:ext uri="{C183D7F6-B498-43B3-948B-1728B52AA6E4}">
-                  <adec:decorative xmlns:adec="http://schemas.microsoft.com/office/drawing/2017/decorative" val="1"/>
-                </a:ext>
-              </a:extLst>
-            </p:cNvPr>
-            <p:cNvSpPr/>
-            <p:nvPr>
-              <p:extLst>
-                <p:ext uri="{386F3935-93C4-4BCD-93E2-E3B085C9AB24}">
-                  <p16:designElem xmlns:p16="http://schemas.microsoft.com/office/powerpoint/2015/main" val="1"/>
-                </p:ext>
-              </p:extLst>
-            </p:nvPr>
-          </p:nvSpPr>
-          <p:spPr>
-            <a:xfrm>
-              <a:off x="704075" y="2392840"/>
-              <a:ext cx="3668284" cy="2624327"/>
-            </a:xfrm>
-            <a:prstGeom prst="rect">
-              <a:avLst/>
-            </a:prstGeom>
-            <a:solidFill>
-              <a:schemeClr val="accent1"/>
-            </a:solidFill>
-            <a:ln>
-              <a:noFill/>
-            </a:ln>
-          </p:spPr>
-          <p:style>
-            <a:lnRef idx="2">
-              <a:schemeClr val="accent1">
-                <a:shade val="50000"/>
-              </a:schemeClr>
-            </a:lnRef>
-            <a:fillRef idx="1">
-              <a:schemeClr val="accent1"/>
-            </a:fillRef>
-            <a:effectRef idx="0">
-              <a:schemeClr val="accent1"/>
-            </a:effectRef>
-            <a:fontRef idx="minor">
-              <a:schemeClr val="lt1"/>
-            </a:fontRef>
-          </p:style>
-        </p:sp>
-      </p:grpSp>
-      <p:sp>
-        <p:nvSpPr>
-          <p:cNvPr id="2" name="Title 1">
-            <a:extLst>
-              <a:ext uri="{FF2B5EF4-FFF2-40B4-BE49-F238E27FC236}">
-                <a16:creationId xmlns:a16="http://schemas.microsoft.com/office/drawing/2014/main" id="{6F63A5C2-7055-4693-A830-0AD639AC44B5}"/>
-              </a:ext>
-            </a:extLst>
-          </p:cNvPr>
-          <p:cNvSpPr>
-            <a:spLocks noGrp="1"/>
-          </p:cNvSpPr>
-          <p:nvPr>
-            <p:ph type="title"/>
-          </p:nvPr>
-        </p:nvSpPr>
-        <p:spPr>
-          <a:xfrm>
-            <a:off x="904877" y="2415322"/>
-            <a:ext cx="3451730" cy="2399869"/>
-          </a:xfrm>
-        </p:spPr>
-        <p:txBody>
-          <a:bodyPr>
-            <a:normAutofit/>
-          </a:bodyPr>
-          <a:lstStyle/>
-          <a:p>
-            <a:pPr algn="ctr"/>
-            <a:r>
-              <a:rPr lang="en-US" sz="4000">
-                <a:solidFill>
-                  <a:srgbClr val="FFFFFF"/>
-                </a:solidFill>
-              </a:rPr>
-              <a:t>Zadatak</a:t>
-            </a:r>
-            <a:endParaRPr lang="en-GB" sz="4000">
-              <a:solidFill>
-                <a:srgbClr val="FFFFFF"/>
-              </a:solidFill>
-            </a:endParaRPr>
-          </a:p>
-        </p:txBody>
-      </p:sp>
       <p:sp>
         <p:nvSpPr>
           <p:cNvPr id="3" name="Content Placeholder 2">
             <a:extLst>
               <a:ext uri="{FF2B5EF4-FFF2-40B4-BE49-F238E27FC236}">
-                <a16:creationId xmlns:a16="http://schemas.microsoft.com/office/drawing/2014/main" id="{EFF698BE-5048-40A4-89BD-A8A6678EB4C4}"/>
+                <a16:creationId xmlns:a16="http://schemas.microsoft.com/office/drawing/2014/main" id="{2548DAAF-6853-4958-9DC8-DCAB8C3C2DD4}"/>
               </a:ext>
             </a:extLst>
           </p:cNvPr>
@@ -31030,404 +30023,1076 @@
         </p:nvSpPr>
         <p:spPr>
           <a:xfrm>
-            <a:off x="5120640" y="804672"/>
-            <a:ext cx="6281928" cy="5248656"/>
+            <a:off x="838200" y="571500"/>
+            <a:ext cx="3797807" cy="4272681"/>
           </a:xfrm>
         </p:spPr>
         <p:txBody>
-          <a:bodyPr anchor="ctr">
-            <a:normAutofit/>
+          <a:bodyPr>
+            <a:normAutofit lnSpcReduction="10000"/>
           </a:bodyPr>
           <a:lstStyle/>
           <a:p>
-            <a:pPr marL="457200"/>
-            <a:r>
-              <a:rPr lang="en-US" sz="1400" dirty="0" err="1"/>
-              <a:t>Kreirati</a:t>
-            </a:r>
-            <a:r>
-              <a:rPr lang="en-US" sz="1400" dirty="0"/>
-              <a:t> git </a:t>
-            </a:r>
-            <a:r>
-              <a:rPr lang="en-US" sz="1400" dirty="0" err="1"/>
-              <a:t>repozitorijum</a:t>
-            </a:r>
-            <a:r>
-              <a:rPr lang="en-US" sz="1400" dirty="0"/>
-              <a:t> za </a:t>
-            </a:r>
-            <a:r>
-              <a:rPr lang="en-US" sz="1400" dirty="0" err="1"/>
-              <a:t>novi</a:t>
-            </a:r>
-            <a:r>
-              <a:rPr lang="en-US" sz="1400" dirty="0"/>
-              <a:t> </a:t>
-            </a:r>
-            <a:r>
-              <a:rPr lang="en-US" sz="1400" dirty="0" err="1"/>
-              <a:t>projekat</a:t>
-            </a:r>
-            <a:r>
-              <a:rPr lang="sr-Latn-RS" sz="1400" dirty="0"/>
+            <a:r>
+              <a:rPr lang="sr-Latn-RS" sz="2000" dirty="0"/>
+              <a:t>Sam modul za rutiranje se dodaje na angular modul isto kao što se dodaje kontroler, direktiva</a:t>
+            </a:r>
+            <a:r>
+              <a:rPr lang="en-US" sz="2000" dirty="0"/>
+              <a:t>, </a:t>
+            </a:r>
+            <a:r>
+              <a:rPr lang="en-US" sz="2000" dirty="0" err="1"/>
+              <a:t>servis</a:t>
+            </a:r>
+            <a:r>
+              <a:rPr lang="sr-Latn-RS" sz="2000" dirty="0"/>
+              <a:t>...</a:t>
+            </a:r>
+          </a:p>
+          <a:p>
+            <a:r>
+              <a:rPr lang="sr-Latn-RS" sz="2000" dirty="0"/>
+              <a:t>Rezervisana reč za rutiranje je .config koji ima funkciju kao callback koja prima nekoliko parametara, ali najvažniji je </a:t>
+            </a:r>
+            <a:r>
+              <a:rPr lang="sr-Latn-RS" sz="2000" b="1" dirty="0"/>
+              <a:t>$routeProvider </a:t>
+            </a:r>
+            <a:r>
+              <a:rPr lang="sr-Latn-RS" sz="2000" dirty="0"/>
+              <a:t>koji koristimo za kreiranje ruta.</a:t>
+            </a:r>
+          </a:p>
+          <a:p>
+            <a:r>
+              <a:rPr lang="sr-Latn-RS" sz="2000" dirty="0"/>
+              <a:t>Svaka ruta ima template i kontroler koji će se koristiti za odabranu stranicu.</a:t>
+            </a:r>
+          </a:p>
+          <a:p>
+            <a:r>
+              <a:rPr lang="sr-Latn-RS" sz="2000" dirty="0"/>
+              <a:t>Kao template rute može da se koristi </a:t>
+            </a:r>
+            <a:r>
+              <a:rPr lang="en-US" sz="2000" dirty="0" err="1"/>
+              <a:t>i</a:t>
+            </a:r>
+            <a:r>
+              <a:rPr lang="sr-Latn-RS" sz="2000" dirty="0"/>
+              <a:t> komponenta.</a:t>
+            </a:r>
+          </a:p>
+          <a:p>
+            <a:endParaRPr lang="en-GB" sz="2000" dirty="0"/>
+          </a:p>
+        </p:txBody>
+      </p:sp>
+      <p:pic>
+        <p:nvPicPr>
+          <p:cNvPr id="7" name="Picture 6">
+            <a:extLst>
+              <a:ext uri="{FF2B5EF4-FFF2-40B4-BE49-F238E27FC236}">
+                <a16:creationId xmlns:a16="http://schemas.microsoft.com/office/drawing/2014/main" id="{25F4DD5A-AFF3-4D88-A4EB-671CEAE1D966}"/>
+              </a:ext>
+            </a:extLst>
+          </p:cNvPr>
+          <p:cNvPicPr>
+            <a:picLocks noChangeAspect="1"/>
+          </p:cNvPicPr>
+          <p:nvPr/>
+        </p:nvPicPr>
+        <p:blipFill rotWithShape="1">
+          <a:blip r:embed="rId2">
+            <a:extLst>
+              <a:ext uri="{28A0092B-C50C-407E-A947-70E740481C1C}">
+                <a14:useLocalDpi xmlns:a14="http://schemas.microsoft.com/office/drawing/2010/main" val="0"/>
+              </a:ext>
+            </a:extLst>
+          </a:blip>
+          <a:srcRect r="1" b="6420"/>
+          <a:stretch/>
+        </p:blipFill>
+        <p:spPr>
+          <a:xfrm>
+            <a:off x="5120640" y="571501"/>
+            <a:ext cx="5828097" cy="3995020"/>
+          </a:xfrm>
+          <a:prstGeom prst="rect">
+            <a:avLst/>
+          </a:prstGeom>
+        </p:spPr>
+      </p:pic>
+      <p:sp>
+        <p:nvSpPr>
+          <p:cNvPr id="8" name="TextBox 7">
+            <a:extLst>
+              <a:ext uri="{FF2B5EF4-FFF2-40B4-BE49-F238E27FC236}">
+                <a16:creationId xmlns:a16="http://schemas.microsoft.com/office/drawing/2014/main" id="{5F610614-7CFB-4053-8751-52A9C925DD64}"/>
+              </a:ext>
+            </a:extLst>
+          </p:cNvPr>
+          <p:cNvSpPr txBox="1"/>
+          <p:nvPr/>
+        </p:nvSpPr>
+        <p:spPr>
+          <a:xfrm>
+            <a:off x="838200" y="4658506"/>
+            <a:ext cx="10515600" cy="2523768"/>
+          </a:xfrm>
+          <a:prstGeom prst="rect">
+            <a:avLst/>
+          </a:prstGeom>
+          <a:noFill/>
+        </p:spPr>
+        <p:txBody>
+          <a:bodyPr wrap="square" rtlCol="0">
+            <a:spAutoFit/>
+          </a:bodyPr>
+          <a:lstStyle/>
+          <a:p>
+            <a:pPr marL="285750" indent="-285750">
+              <a:buFont typeface="Arial" panose="020B0604020202020204" pitchFamily="34" charset="0"/>
+              <a:buChar char="•"/>
+            </a:pPr>
+            <a:r>
+              <a:rPr lang="sr-Latn-RS" sz="2000" dirty="0"/>
+              <a:t>Ruta se kreira rezervisanom reči </a:t>
+            </a:r>
+            <a:r>
+              <a:rPr lang="en-US" sz="2000" dirty="0"/>
+              <a:t>.when</a:t>
+            </a:r>
+          </a:p>
+          <a:p>
+            <a:pPr marL="285750" indent="-285750">
+              <a:buFont typeface="Arial" panose="020B0604020202020204" pitchFamily="34" charset="0"/>
+              <a:buChar char="•"/>
+            </a:pPr>
+            <a:r>
+              <a:rPr lang="sr-Latn-RS" sz="2000" b="1" dirty="0"/>
+              <a:t>.when(</a:t>
+            </a:r>
+            <a:r>
+              <a:rPr lang="en-US" sz="2000" b="1" dirty="0"/>
+              <a:t>‘/</a:t>
+            </a:r>
+            <a:r>
+              <a:rPr lang="en-US" sz="2000" b="1" dirty="0" err="1"/>
+              <a:t>ruta</a:t>
+            </a:r>
+            <a:r>
+              <a:rPr lang="en-US" sz="2000" b="1" dirty="0"/>
+              <a:t>’, {</a:t>
+            </a:r>
+            <a:r>
+              <a:rPr lang="en-US" sz="2000" b="1" dirty="0" err="1"/>
+              <a:t>templateUrl</a:t>
+            </a:r>
+            <a:r>
+              <a:rPr lang="en-US" sz="2000" b="1" dirty="0"/>
+              <a:t>: ‘</a:t>
+            </a:r>
+            <a:r>
+              <a:rPr lang="en-US" sz="2000" b="1" dirty="0" err="1"/>
+              <a:t>Putanja</a:t>
+            </a:r>
+            <a:r>
+              <a:rPr lang="en-US" sz="2000" b="1" dirty="0"/>
+              <a:t> do template-a’, controller: ‘</a:t>
+            </a:r>
+            <a:r>
+              <a:rPr lang="en-US" sz="2000" b="1" dirty="0" err="1"/>
+              <a:t>NazivKontrolera</a:t>
+            </a:r>
+            <a:r>
+              <a:rPr lang="en-US" sz="2000" b="1" dirty="0"/>
+              <a:t>’}</a:t>
+            </a:r>
+            <a:r>
+              <a:rPr lang="sr-Latn-RS" sz="2000" b="1" dirty="0"/>
+              <a:t>)</a:t>
+            </a:r>
+            <a:endParaRPr lang="en-US" sz="2000" b="1" dirty="0"/>
+          </a:p>
+          <a:p>
+            <a:pPr marL="285750" indent="-285750">
+              <a:buFont typeface="Arial" panose="020B0604020202020204" pitchFamily="34" charset="0"/>
+              <a:buChar char="•"/>
+            </a:pPr>
+            <a:r>
+              <a:rPr lang="en-US" sz="2000" dirty="0" err="1"/>
+              <a:t>Kada</a:t>
+            </a:r>
+            <a:r>
+              <a:rPr lang="en-US" sz="2000" dirty="0"/>
+              <a:t> se </a:t>
+            </a:r>
+            <a:r>
+              <a:rPr lang="en-US" sz="2000" dirty="0" err="1"/>
+              <a:t>koristi</a:t>
+            </a:r>
+            <a:r>
+              <a:rPr lang="en-US" sz="2000" dirty="0"/>
+              <a:t> </a:t>
+            </a:r>
+            <a:r>
+              <a:rPr lang="en-US" sz="2000" dirty="0" err="1"/>
+              <a:t>komponenta</a:t>
+            </a:r>
+            <a:endParaRPr lang="en-US" sz="2000" dirty="0"/>
+          </a:p>
+          <a:p>
+            <a:pPr marL="285750" indent="-285750">
+              <a:buFont typeface="Arial" panose="020B0604020202020204" pitchFamily="34" charset="0"/>
+              <a:buChar char="•"/>
+            </a:pPr>
+            <a:r>
+              <a:rPr lang="sr-Latn-RS" sz="2000" b="1" dirty="0"/>
+              <a:t>.when(</a:t>
+            </a:r>
+            <a:r>
+              <a:rPr lang="en-US" sz="2000" b="1" dirty="0"/>
+              <a:t>‘/</a:t>
+            </a:r>
+            <a:r>
+              <a:rPr lang="en-US" sz="2000" b="1" dirty="0" err="1"/>
+              <a:t>ruta</a:t>
+            </a:r>
+            <a:r>
+              <a:rPr lang="en-US" sz="2000" b="1" dirty="0"/>
+              <a:t>’, {template: ‘&lt;</a:t>
+            </a:r>
+            <a:r>
+              <a:rPr lang="en-US" sz="2000" b="1" dirty="0" err="1"/>
+              <a:t>komponenta</a:t>
+            </a:r>
+            <a:r>
+              <a:rPr lang="en-US" sz="2000" b="1" dirty="0"/>
+              <a:t>&gt;&lt;/</a:t>
+            </a:r>
+            <a:r>
+              <a:rPr lang="en-US" sz="2000" b="1" dirty="0" err="1"/>
+              <a:t>komponenta</a:t>
+            </a:r>
+            <a:r>
+              <a:rPr lang="en-US" sz="2000" b="1" dirty="0"/>
+              <a:t>&gt;’}</a:t>
+            </a:r>
+            <a:r>
+              <a:rPr lang="sr-Latn-RS" sz="2000" b="1" dirty="0"/>
+              <a:t>)</a:t>
+            </a:r>
+            <a:endParaRPr lang="en-US" sz="2000" dirty="0"/>
+          </a:p>
+          <a:p>
+            <a:pPr marL="285750" indent="-285750">
+              <a:buFont typeface="Arial" panose="020B0604020202020204" pitchFamily="34" charset="0"/>
+              <a:buChar char="•"/>
+            </a:pPr>
+            <a:r>
+              <a:rPr lang="en-US" sz="2000" dirty="0" err="1"/>
+              <a:t>Poslednja</a:t>
+            </a:r>
+            <a:r>
+              <a:rPr lang="en-US" sz="2000" dirty="0"/>
+              <a:t> </a:t>
+            </a:r>
+            <a:r>
+              <a:rPr lang="en-US" sz="2000" dirty="0" err="1"/>
+              <a:t>ruta</a:t>
+            </a:r>
+            <a:r>
+              <a:rPr lang="en-US" sz="2000" dirty="0"/>
+              <a:t> u </a:t>
+            </a:r>
+            <a:r>
+              <a:rPr lang="en-US" sz="2000" dirty="0" err="1"/>
+              <a:t>modulu</a:t>
+            </a:r>
+            <a:r>
+              <a:rPr lang="en-US" sz="2000" dirty="0"/>
+              <a:t> se </a:t>
+            </a:r>
+            <a:r>
+              <a:rPr lang="en-US" sz="2000" dirty="0" err="1"/>
+              <a:t>kreira</a:t>
+            </a:r>
+            <a:r>
+              <a:rPr lang="en-US" sz="2000" dirty="0"/>
+              <a:t> </a:t>
+            </a:r>
+            <a:r>
+              <a:rPr lang="en-US" sz="2000" dirty="0" err="1"/>
+              <a:t>sa</a:t>
+            </a:r>
+            <a:r>
+              <a:rPr lang="en-US" sz="2000" dirty="0"/>
+              <a:t> </a:t>
+            </a:r>
+            <a:r>
+              <a:rPr lang="en-US" sz="2000" dirty="0" err="1"/>
+              <a:t>rezervisanom</a:t>
+            </a:r>
+            <a:r>
+              <a:rPr lang="en-US" sz="2000" dirty="0"/>
+              <a:t> re</a:t>
+            </a:r>
+            <a:r>
+              <a:rPr lang="sr-Latn-RS" sz="2000" dirty="0"/>
+              <a:t>či </a:t>
+            </a:r>
+            <a:r>
+              <a:rPr lang="sr-Latn-RS" sz="2000" b="1" dirty="0"/>
               <a:t>.</a:t>
             </a:r>
-            <a:endParaRPr lang="en-US" sz="1400" dirty="0"/>
-          </a:p>
-          <a:p>
-            <a:pPr marL="457200"/>
-            <a:r>
-              <a:rPr lang="en-US" sz="1400" dirty="0" err="1"/>
-              <a:t>Kreirati</a:t>
-            </a:r>
-            <a:r>
-              <a:rPr lang="en-US" sz="1400" dirty="0"/>
-              <a:t> </a:t>
-            </a:r>
-            <a:r>
-              <a:rPr lang="en-US" sz="1400" dirty="0" err="1"/>
-              <a:t>dve</a:t>
-            </a:r>
-            <a:r>
-              <a:rPr lang="en-US" sz="1400" dirty="0"/>
-              <a:t> </a:t>
-            </a:r>
-            <a:r>
-              <a:rPr lang="en-US" sz="1400" dirty="0" err="1"/>
-              <a:t>komponente</a:t>
-            </a:r>
-            <a:r>
-              <a:rPr lang="en-US" sz="1400" dirty="0"/>
-              <a:t>: </a:t>
-            </a:r>
-          </a:p>
-          <a:p>
-            <a:pPr marL="914400" lvl="1"/>
-            <a:r>
-              <a:rPr lang="en-US" sz="1000" dirty="0" err="1"/>
-              <a:t>Komponenta</a:t>
-            </a:r>
-            <a:r>
-              <a:rPr lang="en-US" sz="1000" dirty="0"/>
-              <a:t> za home page (</a:t>
-            </a:r>
-            <a:r>
-              <a:rPr lang="en-US" sz="1000" dirty="0" err="1"/>
-              <a:t>podaci</a:t>
-            </a:r>
-            <a:r>
-              <a:rPr lang="en-US" sz="1000" dirty="0"/>
-              <a:t> o </a:t>
-            </a:r>
-            <a:r>
-              <a:rPr lang="en-US" sz="1000" dirty="0" err="1"/>
-              <a:t>korisniku</a:t>
-            </a:r>
-            <a:r>
-              <a:rPr lang="en-US" sz="1000" dirty="0"/>
-              <a:t> I forma za </a:t>
-            </a:r>
-            <a:r>
-              <a:rPr lang="en-US" sz="1000" dirty="0" err="1"/>
-              <a:t>slanje</a:t>
-            </a:r>
-            <a:r>
-              <a:rPr lang="en-US" sz="1000" dirty="0"/>
-              <a:t> email-a)</a:t>
-            </a:r>
-          </a:p>
-          <a:p>
-            <a:pPr marL="914400" lvl="1"/>
-            <a:r>
-              <a:rPr lang="en-US" sz="1000" dirty="0" err="1"/>
-              <a:t>Slanje</a:t>
-            </a:r>
-            <a:r>
-              <a:rPr lang="en-US" sz="1000" dirty="0"/>
-              <a:t> email-a (log u developer </a:t>
-            </a:r>
-            <a:r>
-              <a:rPr lang="en-US" sz="1000" dirty="0" err="1"/>
-              <a:t>konzoli</a:t>
-            </a:r>
-            <a:r>
-              <a:rPr lang="en-US" sz="1000" dirty="0"/>
-              <a:t>) </a:t>
-            </a:r>
-            <a:r>
-              <a:rPr lang="en-US" sz="1000" dirty="0" err="1"/>
-              <a:t>uraditi</a:t>
-            </a:r>
-            <a:r>
-              <a:rPr lang="en-US" sz="1000" dirty="0"/>
-              <a:t> </a:t>
-            </a:r>
-            <a:r>
-              <a:rPr lang="en-US" sz="1000" dirty="0" err="1"/>
-              <a:t>preko</a:t>
-            </a:r>
-            <a:r>
-              <a:rPr lang="en-US" sz="1000" dirty="0"/>
-              <a:t> </a:t>
-            </a:r>
-            <a:r>
-              <a:rPr lang="en-US" sz="1000" dirty="0" err="1"/>
-              <a:t>servisa</a:t>
-            </a:r>
-            <a:endParaRPr lang="en-US" sz="1000" dirty="0"/>
-          </a:p>
-          <a:p>
-            <a:pPr marL="914400" lvl="1"/>
-            <a:r>
-              <a:rPr lang="en-US" sz="1000" dirty="0" err="1"/>
-              <a:t>Komponenta</a:t>
-            </a:r>
-            <a:r>
-              <a:rPr lang="en-US" sz="1000" dirty="0"/>
-              <a:t> za </a:t>
-            </a:r>
-            <a:r>
-              <a:rPr lang="en-US" sz="1000" dirty="0" err="1"/>
-              <a:t>stranicu</a:t>
-            </a:r>
-            <a:r>
-              <a:rPr lang="en-US" sz="1000" dirty="0"/>
-              <a:t> </a:t>
-            </a:r>
-            <a:r>
-              <a:rPr lang="en-US" sz="1000" dirty="0" err="1"/>
-              <a:t>sa</a:t>
-            </a:r>
-            <a:r>
-              <a:rPr lang="en-US" sz="1000" dirty="0"/>
-              <a:t> </a:t>
-            </a:r>
-            <a:r>
-              <a:rPr lang="en-US" sz="1000" dirty="0" err="1"/>
-              <a:t>galerijom</a:t>
-            </a:r>
-            <a:endParaRPr lang="en-US" sz="1000" dirty="0"/>
-          </a:p>
-          <a:p>
-            <a:pPr marL="914400" lvl="1"/>
-            <a:r>
-              <a:rPr lang="en-US" sz="1000" dirty="0" err="1"/>
-              <a:t>Galeriju</a:t>
-            </a:r>
-            <a:r>
-              <a:rPr lang="en-US" sz="1000" dirty="0"/>
-              <a:t> </a:t>
-            </a:r>
-            <a:r>
-              <a:rPr lang="en-US" sz="1000" dirty="0" err="1"/>
-              <a:t>sortirati</a:t>
-            </a:r>
-            <a:r>
-              <a:rPr lang="en-US" sz="1000" dirty="0"/>
-              <a:t> po </a:t>
-            </a:r>
-            <a:r>
-              <a:rPr lang="en-US" sz="1000" dirty="0" err="1"/>
-              <a:t>nazivu</a:t>
-            </a:r>
-            <a:endParaRPr lang="en-US" sz="1000" dirty="0"/>
-          </a:p>
-          <a:p>
-            <a:pPr marL="457200"/>
-            <a:r>
-              <a:rPr lang="en-US" sz="1400" dirty="0" err="1"/>
-              <a:t>Kreirati</a:t>
-            </a:r>
-            <a:r>
-              <a:rPr lang="en-US" sz="1400" dirty="0"/>
-              <a:t> </a:t>
-            </a:r>
-            <a:r>
-              <a:rPr lang="en-US" sz="1400" dirty="0" err="1"/>
-              <a:t>kontroler</a:t>
-            </a:r>
-            <a:r>
-              <a:rPr lang="en-US" sz="1400" dirty="0"/>
-              <a:t> u </a:t>
-            </a:r>
-            <a:r>
-              <a:rPr lang="en-US" sz="1400" dirty="0" err="1"/>
-              <a:t>kojem</a:t>
-            </a:r>
-            <a:r>
-              <a:rPr lang="en-US" sz="1400" dirty="0"/>
-              <a:t> </a:t>
-            </a:r>
-            <a:r>
-              <a:rPr lang="sr-Latn-RS" sz="1400" dirty="0"/>
-              <a:t>treba instancirati promenljive.</a:t>
-            </a:r>
-          </a:p>
-          <a:p>
-            <a:pPr marL="457200"/>
-            <a:r>
-              <a:rPr lang="sr-Latn-RS" sz="1400" dirty="0"/>
-              <a:t>Kreirati servis za digitron i proslediti kontroleru.</a:t>
-            </a:r>
-          </a:p>
-          <a:p>
-            <a:pPr marL="457200"/>
-            <a:r>
-              <a:rPr lang="sr-Latn-RS" sz="1400" dirty="0"/>
-              <a:t>U servisu za digitron kreirati funkcije za sabiranje, oduzimanje, mnozenje i deljenje.</a:t>
-            </a:r>
-          </a:p>
-          <a:p>
-            <a:pPr marL="457200"/>
-            <a:r>
-              <a:rPr lang="sr-Latn-RS" sz="1400" dirty="0"/>
-              <a:t>Kreirati direktivu za stranicu sa digitronom i proslediti funkcije iz kontrolera.</a:t>
-            </a:r>
-          </a:p>
-          <a:p>
-            <a:pPr marL="457200"/>
-            <a:r>
-              <a:rPr lang="sr-Latn-RS" sz="1400" dirty="0"/>
-              <a:t>Kreirati skriptu za rutiranje i povezati stranice tako da se kroz navigaciju od aplikacije može doći do svake stranice.</a:t>
-            </a:r>
-          </a:p>
-          <a:p>
-            <a:pPr marL="457200"/>
-            <a:r>
-              <a:rPr lang="sr-Latn-RS" sz="1400" dirty="0"/>
-              <a:t>Dodatno</a:t>
-            </a:r>
-            <a:r>
-              <a:rPr lang="en-US" sz="1400" dirty="0"/>
-              <a:t>: </a:t>
-            </a:r>
-          </a:p>
-          <a:p>
-            <a:pPr marL="914400" lvl="1"/>
-            <a:r>
-              <a:rPr lang="en-US" sz="1000" dirty="0" err="1"/>
-              <a:t>Klikom</a:t>
-            </a:r>
-            <a:r>
-              <a:rPr lang="en-US" sz="1000" dirty="0"/>
-              <a:t> </a:t>
-            </a:r>
-            <a:r>
-              <a:rPr lang="en-US" sz="1000" dirty="0" err="1"/>
-              <a:t>na</a:t>
-            </a:r>
-            <a:r>
-              <a:rPr lang="en-US" sz="1000" dirty="0"/>
-              <a:t> </a:t>
-            </a:r>
-            <a:r>
-              <a:rPr lang="en-US" sz="1000" dirty="0" err="1"/>
-              <a:t>sliku</a:t>
-            </a:r>
-            <a:r>
-              <a:rPr lang="en-US" sz="1000" dirty="0"/>
-              <a:t> </a:t>
-            </a:r>
-            <a:r>
-              <a:rPr lang="en-US" sz="1000" dirty="0" err="1"/>
-              <a:t>iz</a:t>
-            </a:r>
-            <a:r>
-              <a:rPr lang="en-US" sz="1000" dirty="0"/>
-              <a:t> </a:t>
-            </a:r>
-            <a:r>
-              <a:rPr lang="en-US" sz="1000" dirty="0" err="1"/>
-              <a:t>galerije</a:t>
-            </a:r>
-            <a:r>
-              <a:rPr lang="en-US" sz="1000" dirty="0"/>
-              <a:t> </a:t>
-            </a:r>
-            <a:r>
-              <a:rPr lang="en-US" sz="1000" dirty="0" err="1"/>
-              <a:t>treba</a:t>
-            </a:r>
-            <a:r>
-              <a:rPr lang="en-US" sz="1000" dirty="0"/>
-              <a:t> da se </a:t>
-            </a:r>
-            <a:r>
-              <a:rPr lang="en-US" sz="1000" dirty="0" err="1"/>
-              <a:t>otvori</a:t>
-            </a:r>
-            <a:r>
-              <a:rPr lang="en-US" sz="1000" dirty="0"/>
-              <a:t> nova </a:t>
-            </a:r>
-            <a:r>
-              <a:rPr lang="en-US" sz="1000" dirty="0" err="1"/>
-              <a:t>stranica</a:t>
-            </a:r>
-            <a:r>
-              <a:rPr lang="en-US" sz="1000" dirty="0"/>
-              <a:t> </a:t>
-            </a:r>
-            <a:r>
-              <a:rPr lang="en-US" sz="1000" dirty="0" err="1"/>
-              <a:t>sa</a:t>
-            </a:r>
-            <a:r>
-              <a:rPr lang="en-US" sz="1000" dirty="0"/>
-              <a:t> </a:t>
-            </a:r>
-            <a:r>
-              <a:rPr lang="en-US" sz="1000" dirty="0" err="1"/>
-              <a:t>slikom</a:t>
-            </a:r>
-            <a:r>
-              <a:rPr lang="en-US" sz="1000" dirty="0"/>
-              <a:t> </a:t>
-            </a:r>
-            <a:r>
-              <a:rPr lang="en-US" sz="1000" dirty="0" err="1"/>
-              <a:t>na</a:t>
-            </a:r>
-            <a:r>
-              <a:rPr lang="en-US" sz="1000" dirty="0"/>
-              <a:t> </a:t>
-            </a:r>
-            <a:r>
-              <a:rPr lang="en-US" sz="1000" dirty="0" err="1"/>
-              <a:t>koju</a:t>
-            </a:r>
-            <a:r>
-              <a:rPr lang="en-US" sz="1000" dirty="0"/>
-              <a:t> </a:t>
-            </a:r>
-            <a:r>
-              <a:rPr lang="en-US" sz="1000" dirty="0" err="1"/>
-              <a:t>ste</a:t>
-            </a:r>
-            <a:r>
-              <a:rPr lang="en-US" sz="1000" dirty="0"/>
-              <a:t> </a:t>
-            </a:r>
-            <a:r>
-              <a:rPr lang="en-US" sz="1000" dirty="0" err="1"/>
-              <a:t>kliknuli</a:t>
-            </a:r>
-            <a:r>
-              <a:rPr lang="en-US" sz="1000" dirty="0"/>
-              <a:t>.</a:t>
-            </a:r>
-          </a:p>
-          <a:p>
-            <a:pPr marL="457200"/>
-            <a:endParaRPr lang="en-US" sz="1400" dirty="0"/>
+            <a:r>
+              <a:rPr lang="en-US" sz="2000" b="1" dirty="0"/>
+              <a:t>otherwise</a:t>
+            </a:r>
+            <a:r>
+              <a:rPr lang="sr-Latn-RS" sz="2000" b="1" dirty="0"/>
+              <a:t> </a:t>
+            </a:r>
+            <a:r>
+              <a:rPr lang="sr-Latn-RS" sz="2000" dirty="0"/>
+              <a:t>i to znači da ako se ne nađe </a:t>
+            </a:r>
+            <a:r>
+              <a:rPr lang="en-US" sz="2000" dirty="0" err="1"/>
+              <a:t>tra</a:t>
+            </a:r>
+            <a:r>
+              <a:rPr lang="sr-Latn-RS" sz="2000" dirty="0"/>
+              <a:t>žena stranica idi na ovu stranicu.</a:t>
+            </a:r>
+            <a:endParaRPr lang="en-US" sz="2000" b="1" dirty="0"/>
+          </a:p>
+          <a:p>
+            <a:pPr marL="285750" indent="-285750">
+              <a:buFont typeface="Arial" panose="020B0604020202020204" pitchFamily="34" charset="0"/>
+              <a:buChar char="•"/>
+            </a:pPr>
+            <a:r>
+              <a:rPr lang="en-US" sz="2000" b="1" dirty="0"/>
+              <a:t>.otherwise({</a:t>
+            </a:r>
+            <a:r>
+              <a:rPr lang="en-US" sz="2000" b="1" dirty="0" err="1"/>
+              <a:t>redirectTo</a:t>
+            </a:r>
+            <a:r>
+              <a:rPr lang="en-US" sz="2000" b="1" dirty="0"/>
+              <a:t>: ‘/</a:t>
+            </a:r>
+            <a:r>
+              <a:rPr lang="en-US" sz="2000" b="1" dirty="0" err="1"/>
+              <a:t>ruta</a:t>
+            </a:r>
+            <a:r>
+              <a:rPr lang="en-US" sz="2000" b="1" dirty="0"/>
+              <a:t>’})</a:t>
+            </a:r>
+          </a:p>
+          <a:p>
+            <a:endParaRPr lang="en-GB" dirty="0"/>
           </a:p>
         </p:txBody>
       </p:sp>
     </p:spTree>
     <p:extLst>
       <p:ext uri="{BB962C8B-B14F-4D97-AF65-F5344CB8AC3E}">
-        <p14:creationId xmlns:p14="http://schemas.microsoft.com/office/powerpoint/2010/main" val="3120141248"/>
+        <p14:creationId xmlns:p14="http://schemas.microsoft.com/office/powerpoint/2010/main" val="2453601061"/>
+      </p:ext>
+    </p:extLst>
+  </p:cSld>
+  <p:clrMapOvr>
+    <a:masterClrMapping/>
+  </p:clrMapOvr>
+</p:sld>
+</file>
+
+<file path=ppt/slides/slide39.xml><?xml version="1.0" encoding="utf-8"?>
+<p:sld xmlns:a="http://schemas.openxmlformats.org/drawingml/2006/main" xmlns:r="http://schemas.openxmlformats.org/officeDocument/2006/relationships" xmlns:p="http://schemas.openxmlformats.org/presentationml/2006/main">
+  <p:cSld>
+    <p:bg>
+      <p:bgPr>
+        <a:solidFill>
+          <a:schemeClr val="bg1"/>
+        </a:solidFill>
+        <a:effectLst/>
+      </p:bgPr>
+    </p:bg>
+    <p:spTree>
+      <p:nvGrpSpPr>
+        <p:cNvPr id="1" name=""/>
+        <p:cNvGrpSpPr/>
+        <p:nvPr/>
+      </p:nvGrpSpPr>
+      <p:grpSpPr>
+        <a:xfrm>
+          <a:off x="0" y="0"/>
+          <a:ext cx="0" cy="0"/>
+          <a:chOff x="0" y="0"/>
+          <a:chExt cx="0" cy="0"/>
+        </a:xfrm>
+      </p:grpSpPr>
+      <p:sp>
+        <p:nvSpPr>
+          <p:cNvPr id="3" name="Content Placeholder 2">
+            <a:extLst>
+              <a:ext uri="{FF2B5EF4-FFF2-40B4-BE49-F238E27FC236}">
+                <a16:creationId xmlns:a16="http://schemas.microsoft.com/office/drawing/2014/main" id="{2548DAAF-6853-4958-9DC8-DCAB8C3C2DD4}"/>
+              </a:ext>
+            </a:extLst>
+          </p:cNvPr>
+          <p:cNvSpPr>
+            <a:spLocks noGrp="1"/>
+          </p:cNvSpPr>
+          <p:nvPr>
+            <p:ph idx="1"/>
+          </p:nvPr>
+        </p:nvSpPr>
+        <p:spPr>
+          <a:xfrm>
+            <a:off x="838200" y="571500"/>
+            <a:ext cx="10515600" cy="2444327"/>
+          </a:xfrm>
+        </p:spPr>
+        <p:txBody>
+          <a:bodyPr>
+            <a:normAutofit/>
+          </a:bodyPr>
+          <a:lstStyle/>
+          <a:p>
+            <a:r>
+              <a:rPr lang="en-US" sz="2000" dirty="0"/>
+              <a:t>Da bi se </a:t>
+            </a:r>
+            <a:r>
+              <a:rPr lang="en-US" sz="2000" dirty="0" err="1"/>
+              <a:t>moglo</a:t>
+            </a:r>
+            <a:r>
+              <a:rPr lang="en-US" sz="2000" dirty="0"/>
+              <a:t> </a:t>
+            </a:r>
+            <a:r>
+              <a:rPr lang="en-US" sz="2000" dirty="0" err="1"/>
+              <a:t>kretati</a:t>
+            </a:r>
+            <a:r>
+              <a:rPr lang="en-US" sz="2000" dirty="0"/>
+              <a:t> </a:t>
+            </a:r>
+            <a:r>
+              <a:rPr lang="en-US" sz="2000" dirty="0" err="1"/>
+              <a:t>sa</a:t>
+            </a:r>
+            <a:r>
+              <a:rPr lang="en-US" sz="2000" dirty="0"/>
+              <a:t> </a:t>
+            </a:r>
+            <a:r>
+              <a:rPr lang="en-US" sz="2000" dirty="0" err="1"/>
+              <a:t>jedne</a:t>
+            </a:r>
+            <a:r>
+              <a:rPr lang="en-US" sz="2000" dirty="0"/>
+              <a:t> </a:t>
+            </a:r>
+            <a:r>
+              <a:rPr lang="en-US" sz="2000" dirty="0" err="1"/>
+              <a:t>stranice</a:t>
+            </a:r>
+            <a:r>
+              <a:rPr lang="en-US" sz="2000" dirty="0"/>
+              <a:t> </a:t>
+            </a:r>
+            <a:r>
+              <a:rPr lang="en-US" sz="2000" dirty="0" err="1"/>
+              <a:t>na</a:t>
+            </a:r>
+            <a:r>
+              <a:rPr lang="en-US" sz="2000" dirty="0"/>
+              <a:t> </a:t>
+            </a:r>
+            <a:r>
+              <a:rPr lang="en-US" sz="2000" dirty="0" err="1"/>
+              <a:t>drugu</a:t>
+            </a:r>
+            <a:r>
+              <a:rPr lang="en-US" sz="2000" dirty="0"/>
+              <a:t> </a:t>
+            </a:r>
+            <a:r>
+              <a:rPr lang="en-US" sz="2000" dirty="0" err="1"/>
+              <a:t>kroz</a:t>
+            </a:r>
+            <a:r>
+              <a:rPr lang="en-US" sz="2000" dirty="0"/>
+              <a:t> </a:t>
+            </a:r>
+            <a:r>
+              <a:rPr lang="en-US" sz="2000" dirty="0" err="1"/>
+              <a:t>navigaciju</a:t>
+            </a:r>
+            <a:r>
+              <a:rPr lang="en-US" sz="2000" dirty="0"/>
+              <a:t> </a:t>
+            </a:r>
+            <a:r>
+              <a:rPr lang="en-US" sz="2000" dirty="0" err="1"/>
+              <a:t>potrebno</a:t>
+            </a:r>
+            <a:r>
+              <a:rPr lang="en-US" sz="2000" dirty="0"/>
+              <a:t> je da </a:t>
+            </a:r>
+            <a:r>
+              <a:rPr lang="en-US" sz="2000" dirty="0" err="1"/>
+              <a:t>naziv</a:t>
+            </a:r>
+            <a:r>
+              <a:rPr lang="en-US" sz="2000" dirty="0"/>
+              <a:t> </a:t>
+            </a:r>
+            <a:r>
+              <a:rPr lang="en-US" sz="2000" dirty="0" err="1"/>
+              <a:t>rute</a:t>
+            </a:r>
+            <a:r>
+              <a:rPr lang="en-US" sz="2000" dirty="0"/>
+              <a:t> </a:t>
+            </a:r>
+            <a:r>
+              <a:rPr lang="en-US" sz="2000" dirty="0" err="1"/>
+              <a:t>bude</a:t>
+            </a:r>
+            <a:r>
+              <a:rPr lang="en-US" sz="2000" dirty="0"/>
+              <a:t> </a:t>
+            </a:r>
+            <a:r>
+              <a:rPr lang="en-US" sz="2000" dirty="0" err="1"/>
+              <a:t>isti</a:t>
+            </a:r>
+            <a:r>
+              <a:rPr lang="en-US" sz="2000" dirty="0"/>
+              <a:t> </a:t>
+            </a:r>
+            <a:r>
+              <a:rPr lang="en-US" sz="2000" dirty="0" err="1"/>
+              <a:t>kao</a:t>
+            </a:r>
+            <a:r>
+              <a:rPr lang="en-US" sz="2000" dirty="0"/>
+              <a:t> </a:t>
+            </a:r>
+            <a:r>
+              <a:rPr lang="en-US" sz="2000" dirty="0" err="1"/>
+              <a:t>i</a:t>
+            </a:r>
+            <a:r>
+              <a:rPr lang="en-US" sz="2000" dirty="0"/>
+              <a:t> link u </a:t>
+            </a:r>
+            <a:r>
+              <a:rPr lang="en-US" sz="2000" b="1" dirty="0"/>
+              <a:t>anchor </a:t>
+            </a:r>
+            <a:r>
+              <a:rPr lang="en-US" sz="2000" b="1" dirty="0" err="1"/>
+              <a:t>tagu</a:t>
+            </a:r>
+            <a:r>
+              <a:rPr lang="en-US" sz="2000" b="1" dirty="0"/>
+              <a:t> </a:t>
+            </a:r>
+          </a:p>
+          <a:p>
+            <a:r>
+              <a:rPr lang="en-US" sz="2000" b="1" dirty="0"/>
+              <a:t>&lt;a </a:t>
+            </a:r>
+            <a:r>
+              <a:rPr lang="en-US" sz="2000" b="1" dirty="0" err="1"/>
+              <a:t>href</a:t>
+            </a:r>
+            <a:r>
+              <a:rPr lang="en-US" sz="2000" b="1" dirty="0"/>
+              <a:t>=“#!</a:t>
+            </a:r>
+            <a:r>
+              <a:rPr lang="en-US" sz="2000" b="1" dirty="0" err="1"/>
+              <a:t>ruta</a:t>
+            </a:r>
+            <a:r>
+              <a:rPr lang="en-US" sz="2000" b="1" dirty="0"/>
+              <a:t>”&gt; -&gt; .when(‘/</a:t>
+            </a:r>
+            <a:r>
+              <a:rPr lang="en-US" sz="2000" b="1" dirty="0" err="1"/>
+              <a:t>ruta</a:t>
+            </a:r>
+            <a:r>
+              <a:rPr lang="en-US" sz="2000" b="1" dirty="0"/>
+              <a:t>’, {…})</a:t>
+            </a:r>
+          </a:p>
+          <a:p>
+            <a:r>
+              <a:rPr lang="en-US" sz="2000" dirty="0" err="1"/>
+              <a:t>Kada</a:t>
+            </a:r>
+            <a:r>
+              <a:rPr lang="en-US" sz="2000" dirty="0"/>
+              <a:t> se </a:t>
+            </a:r>
+            <a:r>
+              <a:rPr lang="en-US" sz="2000" dirty="0" err="1"/>
+              <a:t>radi</a:t>
+            </a:r>
+            <a:r>
+              <a:rPr lang="en-US" sz="2000" dirty="0"/>
+              <a:t> </a:t>
+            </a:r>
+            <a:r>
+              <a:rPr lang="en-US" sz="2000" dirty="0" err="1"/>
+              <a:t>rutiranje</a:t>
+            </a:r>
+            <a:r>
+              <a:rPr lang="en-US" sz="2000" dirty="0"/>
+              <a:t> po </a:t>
+            </a:r>
+            <a:r>
+              <a:rPr lang="en-US" sz="2000" dirty="0" err="1"/>
+              <a:t>nekom</a:t>
+            </a:r>
+            <a:r>
+              <a:rPr lang="en-US" sz="2000" dirty="0"/>
+              <a:t> </a:t>
+            </a:r>
+            <a:r>
+              <a:rPr lang="en-US" sz="2000" dirty="0" err="1"/>
+              <a:t>parametru</a:t>
+            </a:r>
+            <a:r>
+              <a:rPr lang="en-US" sz="2000" dirty="0"/>
+              <a:t> </a:t>
+            </a:r>
+            <a:r>
+              <a:rPr lang="en-US" sz="2000" dirty="0" err="1"/>
+              <a:t>ruti</a:t>
+            </a:r>
+            <a:r>
+              <a:rPr lang="en-US" sz="2000" dirty="0"/>
+              <a:t> se </a:t>
+            </a:r>
+            <a:r>
+              <a:rPr lang="en-US" sz="2000" dirty="0" err="1"/>
+              <a:t>dodaje</a:t>
+            </a:r>
+            <a:r>
+              <a:rPr lang="en-US" sz="2000" dirty="0"/>
+              <a:t> </a:t>
+            </a:r>
+            <a:r>
+              <a:rPr lang="en-US" sz="2000" dirty="0" err="1"/>
+              <a:t>promenljiva</a:t>
+            </a:r>
+            <a:endParaRPr lang="en-US" sz="2000" dirty="0"/>
+          </a:p>
+          <a:p>
+            <a:r>
+              <a:rPr lang="en-US" sz="2000" b="1" dirty="0"/>
+              <a:t>&lt;a </a:t>
+            </a:r>
+            <a:r>
+              <a:rPr lang="en-US" sz="2000" b="1" dirty="0" err="1"/>
+              <a:t>href</a:t>
+            </a:r>
+            <a:r>
+              <a:rPr lang="en-US" sz="2000" b="1" dirty="0"/>
+              <a:t>=“#!</a:t>
+            </a:r>
+            <a:r>
+              <a:rPr lang="en-US" sz="2000" b="1" dirty="0" err="1"/>
+              <a:t>ruta</a:t>
+            </a:r>
+            <a:r>
+              <a:rPr lang="en-US" sz="2000" b="1" dirty="0"/>
+              <a:t>/{{</a:t>
+            </a:r>
+            <a:r>
+              <a:rPr lang="en-US" sz="2000" b="1" dirty="0" err="1"/>
+              <a:t>nazivPromenljive</a:t>
+            </a:r>
+            <a:r>
+              <a:rPr lang="en-US" sz="2000" b="1" dirty="0"/>
+              <a:t>}}”&gt; -&gt; .when(‘/</a:t>
+            </a:r>
+            <a:r>
+              <a:rPr lang="en-US" sz="2000" b="1" dirty="0" err="1"/>
+              <a:t>ruta</a:t>
+            </a:r>
+            <a:r>
+              <a:rPr lang="en-US" sz="2000" b="1" dirty="0"/>
+              <a:t>/:</a:t>
+            </a:r>
+            <a:r>
+              <a:rPr lang="en-US" sz="2000" b="1" dirty="0" err="1"/>
+              <a:t>nazivPromenljive</a:t>
+            </a:r>
+            <a:r>
+              <a:rPr lang="en-US" sz="2000" b="1" dirty="0"/>
+              <a:t>’, {…})</a:t>
+            </a:r>
+            <a:endParaRPr lang="en-GB" sz="2000" b="1" dirty="0"/>
+          </a:p>
+        </p:txBody>
+      </p:sp>
+      <p:pic>
+        <p:nvPicPr>
+          <p:cNvPr id="5" name="Picture 4">
+            <a:extLst>
+              <a:ext uri="{FF2B5EF4-FFF2-40B4-BE49-F238E27FC236}">
+                <a16:creationId xmlns:a16="http://schemas.microsoft.com/office/drawing/2014/main" id="{9336A1E8-CB86-4D31-986C-03B251B2CE18}"/>
+              </a:ext>
+            </a:extLst>
+          </p:cNvPr>
+          <p:cNvPicPr>
+            <a:picLocks noChangeAspect="1"/>
+          </p:cNvPicPr>
+          <p:nvPr/>
+        </p:nvPicPr>
+        <p:blipFill>
+          <a:blip r:embed="rId2">
+            <a:extLst>
+              <a:ext uri="{28A0092B-C50C-407E-A947-70E740481C1C}">
+                <a14:useLocalDpi xmlns:a14="http://schemas.microsoft.com/office/drawing/2010/main" val="0"/>
+              </a:ext>
+            </a:extLst>
+          </a:blip>
+          <a:stretch>
+            <a:fillRect/>
+          </a:stretch>
+        </p:blipFill>
+        <p:spPr>
+          <a:xfrm>
+            <a:off x="6106027" y="3252656"/>
+            <a:ext cx="4143375" cy="1657350"/>
+          </a:xfrm>
+          <a:prstGeom prst="rect">
+            <a:avLst/>
+          </a:prstGeom>
+        </p:spPr>
+      </p:pic>
+      <p:pic>
+        <p:nvPicPr>
+          <p:cNvPr id="4" name="Picture 3">
+            <a:extLst>
+              <a:ext uri="{FF2B5EF4-FFF2-40B4-BE49-F238E27FC236}">
+                <a16:creationId xmlns:a16="http://schemas.microsoft.com/office/drawing/2014/main" id="{C9DA82DE-BEE5-4DD2-8C24-C16543784AA9}"/>
+              </a:ext>
+            </a:extLst>
+          </p:cNvPr>
+          <p:cNvPicPr>
+            <a:picLocks noChangeAspect="1"/>
+          </p:cNvPicPr>
+          <p:nvPr/>
+        </p:nvPicPr>
+        <p:blipFill>
+          <a:blip r:embed="rId3">
+            <a:extLst>
+              <a:ext uri="{28A0092B-C50C-407E-A947-70E740481C1C}">
+                <a14:useLocalDpi xmlns:a14="http://schemas.microsoft.com/office/drawing/2010/main" val="0"/>
+              </a:ext>
+            </a:extLst>
+          </a:blip>
+          <a:stretch>
+            <a:fillRect/>
+          </a:stretch>
+        </p:blipFill>
+        <p:spPr>
+          <a:xfrm>
+            <a:off x="6096000" y="5024306"/>
+            <a:ext cx="5000625" cy="1676400"/>
+          </a:xfrm>
+          <a:prstGeom prst="rect">
+            <a:avLst/>
+          </a:prstGeom>
+        </p:spPr>
+      </p:pic>
+      <p:cxnSp>
+        <p:nvCxnSpPr>
+          <p:cNvPr id="16" name="Straight Connector 15">
+            <a:extLst>
+              <a:ext uri="{FF2B5EF4-FFF2-40B4-BE49-F238E27FC236}">
+                <a16:creationId xmlns:a16="http://schemas.microsoft.com/office/drawing/2014/main" id="{459F8069-0B1B-4C46-862F-B200AF4026E7}"/>
+              </a:ext>
+            </a:extLst>
+          </p:cNvPr>
+          <p:cNvCxnSpPr>
+            <a:cxnSpLocks/>
+          </p:cNvCxnSpPr>
+          <p:nvPr/>
+        </p:nvCxnSpPr>
+        <p:spPr>
+          <a:xfrm>
+            <a:off x="7888752" y="3962916"/>
+            <a:ext cx="964734" cy="0"/>
+          </a:xfrm>
+          <a:prstGeom prst="line">
+            <a:avLst/>
+          </a:prstGeom>
+        </p:spPr>
+        <p:style>
+          <a:lnRef idx="1">
+            <a:schemeClr val="accent1"/>
+          </a:lnRef>
+          <a:fillRef idx="0">
+            <a:schemeClr val="accent1"/>
+          </a:fillRef>
+          <a:effectRef idx="0">
+            <a:schemeClr val="accent1"/>
+          </a:effectRef>
+          <a:fontRef idx="minor">
+            <a:schemeClr val="tx1"/>
+          </a:fontRef>
+        </p:style>
+      </p:cxnSp>
+      <p:cxnSp>
+        <p:nvCxnSpPr>
+          <p:cNvPr id="23" name="Straight Connector 22">
+            <a:extLst>
+              <a:ext uri="{FF2B5EF4-FFF2-40B4-BE49-F238E27FC236}">
+                <a16:creationId xmlns:a16="http://schemas.microsoft.com/office/drawing/2014/main" id="{67041FFA-C7BB-43F7-BC41-83606F8D41CA}"/>
+              </a:ext>
+            </a:extLst>
+          </p:cNvPr>
+          <p:cNvCxnSpPr/>
+          <p:nvPr/>
+        </p:nvCxnSpPr>
+        <p:spPr>
+          <a:xfrm>
+            <a:off x="7547557" y="5951042"/>
+            <a:ext cx="1954635" cy="0"/>
+          </a:xfrm>
+          <a:prstGeom prst="line">
+            <a:avLst/>
+          </a:prstGeom>
+        </p:spPr>
+        <p:style>
+          <a:lnRef idx="1">
+            <a:schemeClr val="accent1"/>
+          </a:lnRef>
+          <a:fillRef idx="0">
+            <a:schemeClr val="accent1"/>
+          </a:fillRef>
+          <a:effectRef idx="0">
+            <a:schemeClr val="accent1"/>
+          </a:effectRef>
+          <a:fontRef idx="minor">
+            <a:schemeClr val="tx1"/>
+          </a:fontRef>
+        </p:style>
+      </p:cxnSp>
+      <p:pic>
+        <p:nvPicPr>
+          <p:cNvPr id="27" name="Picture 26" descr="A close up of text on a black background&#10;&#10;Description automatically generated">
+            <a:extLst>
+              <a:ext uri="{FF2B5EF4-FFF2-40B4-BE49-F238E27FC236}">
+                <a16:creationId xmlns:a16="http://schemas.microsoft.com/office/drawing/2014/main" id="{8BEBEBEB-ABEB-4BC9-92BB-3B993920C750}"/>
+              </a:ext>
+            </a:extLst>
+          </p:cNvPr>
+          <p:cNvPicPr>
+            <a:picLocks noChangeAspect="1"/>
+          </p:cNvPicPr>
+          <p:nvPr/>
+        </p:nvPicPr>
+        <p:blipFill>
+          <a:blip r:embed="rId4">
+            <a:extLst>
+              <a:ext uri="{28A0092B-C50C-407E-A947-70E740481C1C}">
+                <a14:useLocalDpi xmlns:a14="http://schemas.microsoft.com/office/drawing/2010/main" val="0"/>
+              </a:ext>
+            </a:extLst>
+          </a:blip>
+          <a:stretch>
+            <a:fillRect/>
+          </a:stretch>
+        </p:blipFill>
+        <p:spPr>
+          <a:xfrm>
+            <a:off x="838200" y="3252656"/>
+            <a:ext cx="4705350" cy="3448050"/>
+          </a:xfrm>
+          <a:prstGeom prst="rect">
+            <a:avLst/>
+          </a:prstGeom>
+        </p:spPr>
+      </p:pic>
+      <p:cxnSp>
+        <p:nvCxnSpPr>
+          <p:cNvPr id="29" name="Straight Connector 28">
+            <a:extLst>
+              <a:ext uri="{FF2B5EF4-FFF2-40B4-BE49-F238E27FC236}">
+                <a16:creationId xmlns:a16="http://schemas.microsoft.com/office/drawing/2014/main" id="{740C3C67-ACF9-4372-B0BE-EDB173DBE434}"/>
+              </a:ext>
+            </a:extLst>
+          </p:cNvPr>
+          <p:cNvCxnSpPr/>
+          <p:nvPr/>
+        </p:nvCxnSpPr>
+        <p:spPr>
+          <a:xfrm>
+            <a:off x="2490537" y="4151014"/>
+            <a:ext cx="613610" cy="0"/>
+          </a:xfrm>
+          <a:prstGeom prst="line">
+            <a:avLst/>
+          </a:prstGeom>
+        </p:spPr>
+        <p:style>
+          <a:lnRef idx="1">
+            <a:schemeClr val="accent1"/>
+          </a:lnRef>
+          <a:fillRef idx="0">
+            <a:schemeClr val="accent1"/>
+          </a:fillRef>
+          <a:effectRef idx="0">
+            <a:schemeClr val="accent1"/>
+          </a:effectRef>
+          <a:fontRef idx="minor">
+            <a:schemeClr val="tx1"/>
+          </a:fontRef>
+        </p:style>
+      </p:cxnSp>
+      <p:cxnSp>
+        <p:nvCxnSpPr>
+          <p:cNvPr id="31" name="Straight Connector 30">
+            <a:extLst>
+              <a:ext uri="{FF2B5EF4-FFF2-40B4-BE49-F238E27FC236}">
+                <a16:creationId xmlns:a16="http://schemas.microsoft.com/office/drawing/2014/main" id="{289E7B0E-7853-4C48-9C9C-6AB6717E5AC1}"/>
+              </a:ext>
+            </a:extLst>
+          </p:cNvPr>
+          <p:cNvCxnSpPr/>
+          <p:nvPr/>
+        </p:nvCxnSpPr>
+        <p:spPr>
+          <a:xfrm>
+            <a:off x="2490537" y="5606716"/>
+            <a:ext cx="1347537" cy="0"/>
+          </a:xfrm>
+          <a:prstGeom prst="line">
+            <a:avLst/>
+          </a:prstGeom>
+        </p:spPr>
+        <p:style>
+          <a:lnRef idx="1">
+            <a:schemeClr val="accent1"/>
+          </a:lnRef>
+          <a:fillRef idx="0">
+            <a:schemeClr val="accent1"/>
+          </a:fillRef>
+          <a:effectRef idx="0">
+            <a:schemeClr val="accent1"/>
+          </a:effectRef>
+          <a:fontRef idx="minor">
+            <a:schemeClr val="tx1"/>
+          </a:fontRef>
+        </p:style>
+      </p:cxnSp>
+      <p:cxnSp>
+        <p:nvCxnSpPr>
+          <p:cNvPr id="33" name="Straight Arrow Connector 32">
+            <a:extLst>
+              <a:ext uri="{FF2B5EF4-FFF2-40B4-BE49-F238E27FC236}">
+                <a16:creationId xmlns:a16="http://schemas.microsoft.com/office/drawing/2014/main" id="{D1665FF8-7295-4BB6-B943-D39DF2D35B22}"/>
+              </a:ext>
+            </a:extLst>
+          </p:cNvPr>
+          <p:cNvCxnSpPr>
+            <a:cxnSpLocks/>
+          </p:cNvCxnSpPr>
+          <p:nvPr/>
+        </p:nvCxnSpPr>
+        <p:spPr>
+          <a:xfrm flipV="1">
+            <a:off x="3104147" y="3962916"/>
+            <a:ext cx="4784605" cy="188098"/>
+          </a:xfrm>
+          <a:prstGeom prst="straightConnector1">
+            <a:avLst/>
+          </a:prstGeom>
+          <a:ln>
+            <a:tailEnd type="triangle"/>
+          </a:ln>
+        </p:spPr>
+        <p:style>
+          <a:lnRef idx="1">
+            <a:schemeClr val="accent1"/>
+          </a:lnRef>
+          <a:fillRef idx="0">
+            <a:schemeClr val="accent1"/>
+          </a:fillRef>
+          <a:effectRef idx="0">
+            <a:schemeClr val="accent1"/>
+          </a:effectRef>
+          <a:fontRef idx="minor">
+            <a:schemeClr val="tx1"/>
+          </a:fontRef>
+        </p:style>
+      </p:cxnSp>
+      <p:cxnSp>
+        <p:nvCxnSpPr>
+          <p:cNvPr id="35" name="Straight Arrow Connector 34">
+            <a:extLst>
+              <a:ext uri="{FF2B5EF4-FFF2-40B4-BE49-F238E27FC236}">
+                <a16:creationId xmlns:a16="http://schemas.microsoft.com/office/drawing/2014/main" id="{4E99DE33-4796-4CCF-B5A4-0D5B59D59ED2}"/>
+              </a:ext>
+            </a:extLst>
+          </p:cNvPr>
+          <p:cNvCxnSpPr>
+            <a:cxnSpLocks/>
+          </p:cNvCxnSpPr>
+          <p:nvPr/>
+        </p:nvCxnSpPr>
+        <p:spPr>
+          <a:xfrm>
+            <a:off x="3838074" y="5606716"/>
+            <a:ext cx="3709483" cy="344326"/>
+          </a:xfrm>
+          <a:prstGeom prst="straightConnector1">
+            <a:avLst/>
+          </a:prstGeom>
+          <a:ln>
+            <a:tailEnd type="triangle"/>
+          </a:ln>
+        </p:spPr>
+        <p:style>
+          <a:lnRef idx="1">
+            <a:schemeClr val="accent1"/>
+          </a:lnRef>
+          <a:fillRef idx="0">
+            <a:schemeClr val="accent1"/>
+          </a:fillRef>
+          <a:effectRef idx="0">
+            <a:schemeClr val="accent1"/>
+          </a:effectRef>
+          <a:fontRef idx="minor">
+            <a:schemeClr val="tx1"/>
+          </a:fontRef>
+        </p:style>
+      </p:cxnSp>
+    </p:spTree>
+    <p:extLst>
+      <p:ext uri="{BB962C8B-B14F-4D97-AF65-F5344CB8AC3E}">
+        <p14:creationId xmlns:p14="http://schemas.microsoft.com/office/powerpoint/2010/main" val="878047893"/>
       </p:ext>
     </p:extLst>
   </p:cSld>
@@ -32292,6 +31957,2241 @@
       <p:bldP spid="11" grpId="0"/>
     </p:bldLst>
   </p:timing>
+</p:sld>
+</file>
+
+<file path=ppt/slides/slide40.xml><?xml version="1.0" encoding="utf-8"?>
+<p:sld xmlns:a="http://schemas.openxmlformats.org/drawingml/2006/main" xmlns:r="http://schemas.openxmlformats.org/officeDocument/2006/relationships" xmlns:p="http://schemas.openxmlformats.org/presentationml/2006/main">
+  <p:cSld>
+    <p:bg>
+      <p:bgPr>
+        <a:solidFill>
+          <a:schemeClr val="bg1"/>
+        </a:solidFill>
+        <a:effectLst/>
+      </p:bgPr>
+    </p:bg>
+    <p:spTree>
+      <p:nvGrpSpPr>
+        <p:cNvPr id="1" name=""/>
+        <p:cNvGrpSpPr/>
+        <p:nvPr/>
+      </p:nvGrpSpPr>
+      <p:grpSpPr>
+        <a:xfrm>
+          <a:off x="0" y="0"/>
+          <a:ext cx="0" cy="0"/>
+          <a:chOff x="0" y="0"/>
+          <a:chExt cx="0" cy="0"/>
+        </a:xfrm>
+      </p:grpSpPr>
+      <p:sp useBgFill="1">
+        <p:nvSpPr>
+          <p:cNvPr id="8" name="Rectangle 7">
+            <a:extLst>
+              <a:ext uri="{FF2B5EF4-FFF2-40B4-BE49-F238E27FC236}">
+                <a16:creationId xmlns:a16="http://schemas.microsoft.com/office/drawing/2014/main" id="{15911E3A-C35B-4EF7-A355-B84E9A14AF4D}"/>
+              </a:ext>
+              <a:ext uri="{C183D7F6-B498-43B3-948B-1728B52AA6E4}">
+                <adec:decorative xmlns:adec="http://schemas.microsoft.com/office/drawing/2017/decorative" val="1"/>
+              </a:ext>
+            </a:extLst>
+          </p:cNvPr>
+          <p:cNvSpPr>
+            <a:spLocks noGrp="1" noRot="1" noChangeAspect="1" noMove="1" noResize="1" noEditPoints="1" noAdjustHandles="1" noChangeArrowheads="1" noChangeShapeType="1" noTextEdit="1"/>
+          </p:cNvSpPr>
+          <p:nvPr>
+            <p:extLst>
+              <p:ext uri="{386F3935-93C4-4BCD-93E2-E3B085C9AB24}">
+                <p16:designElem xmlns:p16="http://schemas.microsoft.com/office/powerpoint/2015/main" val="1"/>
+              </p:ext>
+            </p:extLst>
+          </p:nvPr>
+        </p:nvSpPr>
+        <p:spPr>
+          <a:xfrm>
+            <a:off x="0" y="-1"/>
+            <a:ext cx="12192000" cy="6858001"/>
+          </a:xfrm>
+          <a:prstGeom prst="rect">
+            <a:avLst/>
+          </a:prstGeom>
+          <a:ln>
+            <a:noFill/>
+          </a:ln>
+        </p:spPr>
+        <p:style>
+          <a:lnRef idx="2">
+            <a:schemeClr val="accent1">
+              <a:shade val="50000"/>
+            </a:schemeClr>
+          </a:lnRef>
+          <a:fillRef idx="1">
+            <a:schemeClr val="accent1"/>
+          </a:fillRef>
+          <a:effectRef idx="0">
+            <a:schemeClr val="accent1"/>
+          </a:effectRef>
+          <a:fontRef idx="minor">
+            <a:schemeClr val="lt1"/>
+          </a:fontRef>
+        </p:style>
+        <p:txBody>
+          <a:bodyPr rtlCol="0" anchor="ctr"/>
+          <a:lstStyle/>
+          <a:p>
+            <a:pPr marL="0" marR="0" lvl="0" indent="0" algn="ctr" defTabSz="914400" rtl="0" eaLnBrk="1" fontAlgn="auto" latinLnBrk="0" hangingPunct="1">
+              <a:lnSpc>
+                <a:spcPct val="100000"/>
+              </a:lnSpc>
+              <a:spcBef>
+                <a:spcPts val="0"/>
+              </a:spcBef>
+              <a:spcAft>
+                <a:spcPts val="0"/>
+              </a:spcAft>
+              <a:buClrTx/>
+              <a:buSzTx/>
+              <a:buFontTx/>
+              <a:buNone/>
+              <a:tabLst/>
+              <a:defRPr/>
+            </a:pPr>
+            <a:endParaRPr kumimoji="0" lang="en-US" sz="1800" b="0" i="0" u="none" strike="noStrike" kern="1200" cap="none" spc="0" normalizeH="0" baseline="0" noProof="0">
+              <a:ln>
+                <a:noFill/>
+              </a:ln>
+              <a:solidFill>
+                <a:prstClr val="white"/>
+              </a:solidFill>
+              <a:effectLst/>
+              <a:uLnTx/>
+              <a:uFillTx/>
+              <a:latin typeface="Calibri" panose="020F0502020204030204"/>
+              <a:ea typeface="+mn-ea"/>
+              <a:cs typeface="+mn-cs"/>
+            </a:endParaRPr>
+          </a:p>
+        </p:txBody>
+      </p:sp>
+      <p:grpSp>
+        <p:nvGrpSpPr>
+          <p:cNvPr id="10" name="Group 9">
+            <a:extLst>
+              <a:ext uri="{FF2B5EF4-FFF2-40B4-BE49-F238E27FC236}">
+                <a16:creationId xmlns:a16="http://schemas.microsoft.com/office/drawing/2014/main" id="{E21ADB3D-AD65-44B4-847D-5E90E90A5D16}"/>
+              </a:ext>
+              <a:ext uri="{C183D7F6-B498-43B3-948B-1728B52AA6E4}">
+                <adec:decorative xmlns:adec="http://schemas.microsoft.com/office/drawing/2017/decorative" val="1"/>
+              </a:ext>
+            </a:extLst>
+          </p:cNvPr>
+          <p:cNvGrpSpPr>
+            <a:grpSpLocks noGrp="1" noUngrp="1" noRot="1" noChangeAspect="1" noMove="1" noResize="1"/>
+          </p:cNvGrpSpPr>
+          <p:nvPr>
+            <p:extLst>
+              <p:ext uri="{386F3935-93C4-4BCD-93E2-E3B085C9AB24}">
+                <p16:designElem xmlns:p16="http://schemas.microsoft.com/office/powerpoint/2015/main" val="1"/>
+              </p:ext>
+            </p:extLst>
+          </p:nvPr>
+        </p:nvGrpSpPr>
+        <p:grpSpPr>
+          <a:xfrm>
+            <a:off x="-417513" y="0"/>
+            <a:ext cx="12584114" cy="6853238"/>
+            <a:chOff x="-417513" y="0"/>
+            <a:chExt cx="12584114" cy="6853238"/>
+          </a:xfrm>
+        </p:grpSpPr>
+        <p:sp>
+          <p:nvSpPr>
+            <p:cNvPr id="11" name="Freeform 5">
+              <a:extLst>
+                <a:ext uri="{FF2B5EF4-FFF2-40B4-BE49-F238E27FC236}">
+                  <a16:creationId xmlns:a16="http://schemas.microsoft.com/office/drawing/2014/main" id="{CF580C70-814C-4845-B645-919BFFBD16BA}"/>
+                </a:ext>
+                <a:ext uri="{C183D7F6-B498-43B3-948B-1728B52AA6E4}">
+                  <adec:decorative xmlns:adec="http://schemas.microsoft.com/office/drawing/2017/decorative" val="1"/>
+                </a:ext>
+              </a:extLst>
+            </p:cNvPr>
+            <p:cNvSpPr/>
+            <p:nvPr>
+              <p:extLst>
+                <p:ext uri="{386F3935-93C4-4BCD-93E2-E3B085C9AB24}">
+                  <p16:designElem xmlns:p16="http://schemas.microsoft.com/office/powerpoint/2015/main" val="1"/>
+                </p:ext>
+              </p:extLst>
+            </p:nvPr>
+          </p:nvSpPr>
+          <p:spPr bwMode="auto">
+            <a:xfrm>
+              <a:off x="1306513" y="0"/>
+              <a:ext cx="3862388" cy="6843713"/>
+            </a:xfrm>
+            <a:custGeom>
+              <a:avLst/>
+              <a:gdLst/>
+              <a:ahLst/>
+              <a:cxnLst/>
+              <a:rect l="0" t="0" r="r" b="b"/>
+              <a:pathLst>
+                <a:path w="813" h="1440">
+                  <a:moveTo>
+                    <a:pt x="813" y="0"/>
+                  </a:moveTo>
+                  <a:cubicBezTo>
+                    <a:pt x="331" y="221"/>
+                    <a:pt x="0" y="1039"/>
+                    <a:pt x="435" y="1440"/>
+                  </a:cubicBezTo>
+                </a:path>
+              </a:pathLst>
+            </a:custGeom>
+            <a:noFill/>
+            <a:ln w="9525" cap="flat">
+              <a:solidFill>
+                <a:schemeClr val="tx1">
+                  <a:alpha val="20000"/>
+                </a:schemeClr>
+              </a:solidFill>
+              <a:prstDash val="solid"/>
+              <a:miter lim="800000"/>
+              <a:headEnd/>
+              <a:tailEnd/>
+            </a:ln>
+            <a:extLst>
+              <a:ext uri="{909E8E84-426E-40DD-AFC4-6F175D3DCCD1}">
+                <a14:hiddenFill xmlns:a14="http://schemas.microsoft.com/office/drawing/2010/main">
+                  <a:solidFill>
+                    <a:srgbClr val="FFFFFF"/>
+                  </a:solidFill>
+                </a14:hiddenFill>
+              </a:ext>
+            </a:extLst>
+          </p:spPr>
+        </p:sp>
+        <p:sp>
+          <p:nvSpPr>
+            <p:cNvPr id="12" name="Freeform 6">
+              <a:extLst>
+                <a:ext uri="{FF2B5EF4-FFF2-40B4-BE49-F238E27FC236}">
+                  <a16:creationId xmlns:a16="http://schemas.microsoft.com/office/drawing/2014/main" id="{34D7BF57-4CAA-45B2-9EF0-0AA1FCF70B16}"/>
+                </a:ext>
+                <a:ext uri="{C183D7F6-B498-43B3-948B-1728B52AA6E4}">
+                  <adec:decorative xmlns:adec="http://schemas.microsoft.com/office/drawing/2017/decorative" val="1"/>
+                </a:ext>
+              </a:extLst>
+            </p:cNvPr>
+            <p:cNvSpPr/>
+            <p:nvPr>
+              <p:extLst>
+                <p:ext uri="{386F3935-93C4-4BCD-93E2-E3B085C9AB24}">
+                  <p16:designElem xmlns:p16="http://schemas.microsoft.com/office/powerpoint/2015/main" val="1"/>
+                </p:ext>
+              </p:extLst>
+            </p:nvPr>
+          </p:nvSpPr>
+          <p:spPr bwMode="auto">
+            <a:xfrm>
+              <a:off x="10626725" y="9525"/>
+              <a:ext cx="1539875" cy="555625"/>
+            </a:xfrm>
+            <a:custGeom>
+              <a:avLst/>
+              <a:gdLst/>
+              <a:ahLst/>
+              <a:cxnLst/>
+              <a:rect l="0" t="0" r="r" b="b"/>
+              <a:pathLst>
+                <a:path w="324" h="117">
+                  <a:moveTo>
+                    <a:pt x="324" y="117"/>
+                  </a:moveTo>
+                  <a:cubicBezTo>
+                    <a:pt x="223" y="64"/>
+                    <a:pt x="107" y="28"/>
+                    <a:pt x="0" y="0"/>
+                  </a:cubicBezTo>
+                </a:path>
+              </a:pathLst>
+            </a:custGeom>
+            <a:noFill/>
+            <a:ln w="9525" cap="flat">
+              <a:solidFill>
+                <a:schemeClr val="tx1">
+                  <a:alpha val="20000"/>
+                </a:schemeClr>
+              </a:solidFill>
+              <a:prstDash val="solid"/>
+              <a:miter lim="800000"/>
+              <a:headEnd/>
+              <a:tailEnd/>
+            </a:ln>
+            <a:extLst>
+              <a:ext uri="{909E8E84-426E-40DD-AFC4-6F175D3DCCD1}">
+                <a14:hiddenFill xmlns:a14="http://schemas.microsoft.com/office/drawing/2010/main">
+                  <a:solidFill>
+                    <a:srgbClr val="FFFFFF"/>
+                  </a:solidFill>
+                </a14:hiddenFill>
+              </a:ext>
+            </a:extLst>
+          </p:spPr>
+        </p:sp>
+        <p:sp>
+          <p:nvSpPr>
+            <p:cNvPr id="13" name="Freeform 7">
+              <a:extLst>
+                <a:ext uri="{FF2B5EF4-FFF2-40B4-BE49-F238E27FC236}">
+                  <a16:creationId xmlns:a16="http://schemas.microsoft.com/office/drawing/2014/main" id="{7886F306-C03A-40C6-8FD5-DCE3D4595D6D}"/>
+                </a:ext>
+                <a:ext uri="{C183D7F6-B498-43B3-948B-1728B52AA6E4}">
+                  <adec:decorative xmlns:adec="http://schemas.microsoft.com/office/drawing/2017/decorative" val="1"/>
+                </a:ext>
+              </a:extLst>
+            </p:cNvPr>
+            <p:cNvSpPr/>
+            <p:nvPr>
+              <p:extLst>
+                <p:ext uri="{386F3935-93C4-4BCD-93E2-E3B085C9AB24}">
+                  <p16:designElem xmlns:p16="http://schemas.microsoft.com/office/powerpoint/2015/main" val="1"/>
+                </p:ext>
+              </p:extLst>
+            </p:nvPr>
+          </p:nvSpPr>
+          <p:spPr bwMode="auto">
+            <a:xfrm>
+              <a:off x="10247313" y="5013325"/>
+              <a:ext cx="1919288" cy="1830388"/>
+            </a:xfrm>
+            <a:custGeom>
+              <a:avLst/>
+              <a:gdLst/>
+              <a:ahLst/>
+              <a:cxnLst/>
+              <a:rect l="0" t="0" r="r" b="b"/>
+              <a:pathLst>
+                <a:path w="404" h="385">
+                  <a:moveTo>
+                    <a:pt x="0" y="385"/>
+                  </a:moveTo>
+                  <a:cubicBezTo>
+                    <a:pt x="146" y="272"/>
+                    <a:pt x="285" y="142"/>
+                    <a:pt x="404" y="0"/>
+                  </a:cubicBezTo>
+                </a:path>
+              </a:pathLst>
+            </a:custGeom>
+            <a:noFill/>
+            <a:ln w="9525" cap="flat">
+              <a:solidFill>
+                <a:schemeClr val="tx1">
+                  <a:alpha val="20000"/>
+                </a:schemeClr>
+              </a:solidFill>
+              <a:prstDash val="solid"/>
+              <a:miter lim="800000"/>
+              <a:headEnd/>
+              <a:tailEnd/>
+            </a:ln>
+            <a:extLst>
+              <a:ext uri="{909E8E84-426E-40DD-AFC4-6F175D3DCCD1}">
+                <a14:hiddenFill xmlns:a14="http://schemas.microsoft.com/office/drawing/2010/main">
+                  <a:solidFill>
+                    <a:srgbClr val="FFFFFF"/>
+                  </a:solidFill>
+                </a14:hiddenFill>
+              </a:ext>
+            </a:extLst>
+          </p:spPr>
+        </p:sp>
+        <p:sp>
+          <p:nvSpPr>
+            <p:cNvPr id="14" name="Freeform 8">
+              <a:extLst>
+                <a:ext uri="{FF2B5EF4-FFF2-40B4-BE49-F238E27FC236}">
+                  <a16:creationId xmlns:a16="http://schemas.microsoft.com/office/drawing/2014/main" id="{2FDC9A36-C7C3-47D7-A64E-ED25C47EC704}"/>
+                </a:ext>
+                <a:ext uri="{C183D7F6-B498-43B3-948B-1728B52AA6E4}">
+                  <adec:decorative xmlns:adec="http://schemas.microsoft.com/office/drawing/2017/decorative" val="1"/>
+                </a:ext>
+              </a:extLst>
+            </p:cNvPr>
+            <p:cNvSpPr/>
+            <p:nvPr>
+              <p:extLst>
+                <p:ext uri="{386F3935-93C4-4BCD-93E2-E3B085C9AB24}">
+                  <p16:designElem xmlns:p16="http://schemas.microsoft.com/office/powerpoint/2015/main" val="1"/>
+                </p:ext>
+              </p:extLst>
+            </p:nvPr>
+          </p:nvSpPr>
+          <p:spPr bwMode="auto">
+            <a:xfrm>
+              <a:off x="1120775" y="0"/>
+              <a:ext cx="3676650" cy="6843713"/>
+            </a:xfrm>
+            <a:custGeom>
+              <a:avLst/>
+              <a:gdLst/>
+              <a:ahLst/>
+              <a:cxnLst/>
+              <a:rect l="0" t="0" r="r" b="b"/>
+              <a:pathLst>
+                <a:path w="774" h="1440">
+                  <a:moveTo>
+                    <a:pt x="774" y="0"/>
+                  </a:moveTo>
+                  <a:cubicBezTo>
+                    <a:pt x="312" y="240"/>
+                    <a:pt x="0" y="1034"/>
+                    <a:pt x="411" y="1440"/>
+                  </a:cubicBezTo>
+                </a:path>
+              </a:pathLst>
+            </a:custGeom>
+            <a:noFill/>
+            <a:ln w="9525" cap="flat">
+              <a:solidFill>
+                <a:schemeClr val="tx1">
+                  <a:alpha val="20000"/>
+                </a:schemeClr>
+              </a:solidFill>
+              <a:prstDash val="dash"/>
+              <a:miter lim="800000"/>
+              <a:headEnd/>
+              <a:tailEnd/>
+            </a:ln>
+            <a:extLst>
+              <a:ext uri="{909E8E84-426E-40DD-AFC4-6F175D3DCCD1}">
+                <a14:hiddenFill xmlns:a14="http://schemas.microsoft.com/office/drawing/2010/main">
+                  <a:solidFill>
+                    <a:srgbClr val="FFFFFF"/>
+                  </a:solidFill>
+                </a14:hiddenFill>
+              </a:ext>
+            </a:extLst>
+          </p:spPr>
+        </p:sp>
+        <p:sp>
+          <p:nvSpPr>
+            <p:cNvPr id="15" name="Freeform 9">
+              <a:extLst>
+                <a:ext uri="{FF2B5EF4-FFF2-40B4-BE49-F238E27FC236}">
+                  <a16:creationId xmlns:a16="http://schemas.microsoft.com/office/drawing/2014/main" id="{BB19BC37-158A-43DC-9A9E-E45CC71954DC}"/>
+                </a:ext>
+                <a:ext uri="{C183D7F6-B498-43B3-948B-1728B52AA6E4}">
+                  <adec:decorative xmlns:adec="http://schemas.microsoft.com/office/drawing/2017/decorative" val="1"/>
+                </a:ext>
+              </a:extLst>
+            </p:cNvPr>
+            <p:cNvSpPr/>
+            <p:nvPr>
+              <p:extLst>
+                <p:ext uri="{386F3935-93C4-4BCD-93E2-E3B085C9AB24}">
+                  <p16:designElem xmlns:p16="http://schemas.microsoft.com/office/powerpoint/2015/main" val="1"/>
+                </p:ext>
+              </p:extLst>
+            </p:nvPr>
+          </p:nvSpPr>
+          <p:spPr bwMode="auto">
+            <a:xfrm>
+              <a:off x="11202988" y="9525"/>
+              <a:ext cx="963613" cy="366713"/>
+            </a:xfrm>
+            <a:custGeom>
+              <a:avLst/>
+              <a:gdLst/>
+              <a:ahLst/>
+              <a:cxnLst/>
+              <a:rect l="0" t="0" r="r" b="b"/>
+              <a:pathLst>
+                <a:path w="203" h="77">
+                  <a:moveTo>
+                    <a:pt x="203" y="77"/>
+                  </a:moveTo>
+                  <a:cubicBezTo>
+                    <a:pt x="138" y="46"/>
+                    <a:pt x="68" y="21"/>
+                    <a:pt x="0" y="0"/>
+                  </a:cubicBezTo>
+                </a:path>
+              </a:pathLst>
+            </a:custGeom>
+            <a:noFill/>
+            <a:ln w="9525" cap="flat">
+              <a:solidFill>
+                <a:schemeClr val="tx1">
+                  <a:alpha val="20000"/>
+                </a:schemeClr>
+              </a:solidFill>
+              <a:prstDash val="dash"/>
+              <a:miter lim="800000"/>
+              <a:headEnd/>
+              <a:tailEnd/>
+            </a:ln>
+            <a:extLst>
+              <a:ext uri="{909E8E84-426E-40DD-AFC4-6F175D3DCCD1}">
+                <a14:hiddenFill xmlns:a14="http://schemas.microsoft.com/office/drawing/2010/main">
+                  <a:solidFill>
+                    <a:srgbClr val="FFFFFF"/>
+                  </a:solidFill>
+                </a14:hiddenFill>
+              </a:ext>
+            </a:extLst>
+          </p:spPr>
+        </p:sp>
+        <p:sp>
+          <p:nvSpPr>
+            <p:cNvPr id="16" name="Freeform 10">
+              <a:extLst>
+                <a:ext uri="{FF2B5EF4-FFF2-40B4-BE49-F238E27FC236}">
+                  <a16:creationId xmlns:a16="http://schemas.microsoft.com/office/drawing/2014/main" id="{077654CC-108F-48D5-B5E9-437F164F52A5}"/>
+                </a:ext>
+                <a:ext uri="{C183D7F6-B498-43B3-948B-1728B52AA6E4}">
+                  <adec:decorative xmlns:adec="http://schemas.microsoft.com/office/drawing/2017/decorative" val="1"/>
+                </a:ext>
+              </a:extLst>
+            </p:cNvPr>
+            <p:cNvSpPr/>
+            <p:nvPr>
+              <p:extLst>
+                <p:ext uri="{386F3935-93C4-4BCD-93E2-E3B085C9AB24}">
+                  <p16:designElem xmlns:p16="http://schemas.microsoft.com/office/powerpoint/2015/main" val="1"/>
+                </p:ext>
+              </p:extLst>
+            </p:nvPr>
+          </p:nvSpPr>
+          <p:spPr bwMode="auto">
+            <a:xfrm>
+              <a:off x="10494963" y="5275263"/>
+              <a:ext cx="1666875" cy="1577975"/>
+            </a:xfrm>
+            <a:custGeom>
+              <a:avLst/>
+              <a:gdLst/>
+              <a:ahLst/>
+              <a:cxnLst/>
+              <a:rect l="0" t="0" r="r" b="b"/>
+              <a:pathLst>
+                <a:path w="351" h="332">
+                  <a:moveTo>
+                    <a:pt x="0" y="332"/>
+                  </a:moveTo>
+                  <a:cubicBezTo>
+                    <a:pt x="125" y="232"/>
+                    <a:pt x="245" y="121"/>
+                    <a:pt x="351" y="0"/>
+                  </a:cubicBezTo>
+                </a:path>
+              </a:pathLst>
+            </a:custGeom>
+            <a:noFill/>
+            <a:ln w="9525" cap="flat">
+              <a:solidFill>
+                <a:schemeClr val="tx1">
+                  <a:alpha val="20000"/>
+                </a:schemeClr>
+              </a:solidFill>
+              <a:prstDash val="dash"/>
+              <a:miter lim="800000"/>
+              <a:headEnd/>
+              <a:tailEnd/>
+            </a:ln>
+            <a:extLst>
+              <a:ext uri="{909E8E84-426E-40DD-AFC4-6F175D3DCCD1}">
+                <a14:hiddenFill xmlns:a14="http://schemas.microsoft.com/office/drawing/2010/main">
+                  <a:solidFill>
+                    <a:srgbClr val="FFFFFF"/>
+                  </a:solidFill>
+                </a14:hiddenFill>
+              </a:ext>
+            </a:extLst>
+          </p:spPr>
+        </p:sp>
+        <p:sp>
+          <p:nvSpPr>
+            <p:cNvPr id="17" name="Freeform 11">
+              <a:extLst>
+                <a:ext uri="{FF2B5EF4-FFF2-40B4-BE49-F238E27FC236}">
+                  <a16:creationId xmlns:a16="http://schemas.microsoft.com/office/drawing/2014/main" id="{A3CF3A63-1C1E-4E85-A78A-FDC16431E3A0}"/>
+                </a:ext>
+                <a:ext uri="{C183D7F6-B498-43B3-948B-1728B52AA6E4}">
+                  <adec:decorative xmlns:adec="http://schemas.microsoft.com/office/drawing/2017/decorative" val="1"/>
+                </a:ext>
+              </a:extLst>
+            </p:cNvPr>
+            <p:cNvSpPr/>
+            <p:nvPr>
+              <p:extLst>
+                <p:ext uri="{386F3935-93C4-4BCD-93E2-E3B085C9AB24}">
+                  <p16:designElem xmlns:p16="http://schemas.microsoft.com/office/powerpoint/2015/main" val="1"/>
+                </p:ext>
+              </p:extLst>
+            </p:nvPr>
+          </p:nvSpPr>
+          <p:spPr bwMode="auto">
+            <a:xfrm>
+              <a:off x="1001713" y="0"/>
+              <a:ext cx="3621088" cy="6843713"/>
+            </a:xfrm>
+            <a:custGeom>
+              <a:avLst/>
+              <a:gdLst/>
+              <a:ahLst/>
+              <a:cxnLst/>
+              <a:rect l="0" t="0" r="r" b="b"/>
+              <a:pathLst>
+                <a:path w="762" h="1440">
+                  <a:moveTo>
+                    <a:pt x="762" y="0"/>
+                  </a:moveTo>
+                  <a:cubicBezTo>
+                    <a:pt x="308" y="245"/>
+                    <a:pt x="0" y="1033"/>
+                    <a:pt x="403" y="1440"/>
+                  </a:cubicBezTo>
+                </a:path>
+              </a:pathLst>
+            </a:custGeom>
+            <a:noFill/>
+            <a:ln w="9525" cap="flat">
+              <a:solidFill>
+                <a:schemeClr val="tx1">
+                  <a:alpha val="20000"/>
+                </a:schemeClr>
+              </a:solidFill>
+              <a:prstDash val="solid"/>
+              <a:miter lim="800000"/>
+              <a:headEnd/>
+              <a:tailEnd/>
+            </a:ln>
+            <a:extLst>
+              <a:ext uri="{909E8E84-426E-40DD-AFC4-6F175D3DCCD1}">
+                <a14:hiddenFill xmlns:a14="http://schemas.microsoft.com/office/drawing/2010/main">
+                  <a:solidFill>
+                    <a:srgbClr val="FFFFFF"/>
+                  </a:solidFill>
+                </a14:hiddenFill>
+              </a:ext>
+            </a:extLst>
+          </p:spPr>
+        </p:sp>
+        <p:sp>
+          <p:nvSpPr>
+            <p:cNvPr id="18" name="Freeform 12">
+              <a:extLst>
+                <a:ext uri="{FF2B5EF4-FFF2-40B4-BE49-F238E27FC236}">
+                  <a16:creationId xmlns:a16="http://schemas.microsoft.com/office/drawing/2014/main" id="{8740FC9A-72DD-4D9B-BA25-1CCED1352408}"/>
+                </a:ext>
+                <a:ext uri="{C183D7F6-B498-43B3-948B-1728B52AA6E4}">
+                  <adec:decorative xmlns:adec="http://schemas.microsoft.com/office/drawing/2017/decorative" val="1"/>
+                </a:ext>
+              </a:extLst>
+            </p:cNvPr>
+            <p:cNvSpPr/>
+            <p:nvPr>
+              <p:extLst>
+                <p:ext uri="{386F3935-93C4-4BCD-93E2-E3B085C9AB24}">
+                  <p16:designElem xmlns:p16="http://schemas.microsoft.com/office/powerpoint/2015/main" val="1"/>
+                </p:ext>
+              </p:extLst>
+            </p:nvPr>
+          </p:nvSpPr>
+          <p:spPr bwMode="auto">
+            <a:xfrm>
+              <a:off x="11501438" y="9525"/>
+              <a:ext cx="665163" cy="257175"/>
+            </a:xfrm>
+            <a:custGeom>
+              <a:avLst/>
+              <a:gdLst/>
+              <a:ahLst/>
+              <a:cxnLst/>
+              <a:rect l="0" t="0" r="r" b="b"/>
+              <a:pathLst>
+                <a:path w="140" h="54">
+                  <a:moveTo>
+                    <a:pt x="140" y="54"/>
+                  </a:moveTo>
+                  <a:cubicBezTo>
+                    <a:pt x="95" y="34"/>
+                    <a:pt x="48" y="16"/>
+                    <a:pt x="0" y="0"/>
+                  </a:cubicBezTo>
+                </a:path>
+              </a:pathLst>
+            </a:custGeom>
+            <a:noFill/>
+            <a:ln w="9525" cap="flat">
+              <a:solidFill>
+                <a:schemeClr val="tx1">
+                  <a:alpha val="20000"/>
+                </a:schemeClr>
+              </a:solidFill>
+              <a:prstDash val="solid"/>
+              <a:miter lim="800000"/>
+              <a:headEnd/>
+              <a:tailEnd/>
+            </a:ln>
+            <a:extLst>
+              <a:ext uri="{909E8E84-426E-40DD-AFC4-6F175D3DCCD1}">
+                <a14:hiddenFill xmlns:a14="http://schemas.microsoft.com/office/drawing/2010/main">
+                  <a:solidFill>
+                    <a:srgbClr val="FFFFFF"/>
+                  </a:solidFill>
+                </a14:hiddenFill>
+              </a:ext>
+            </a:extLst>
+          </p:spPr>
+        </p:sp>
+        <p:sp>
+          <p:nvSpPr>
+            <p:cNvPr id="19" name="Freeform 13">
+              <a:extLst>
+                <a:ext uri="{FF2B5EF4-FFF2-40B4-BE49-F238E27FC236}">
+                  <a16:creationId xmlns:a16="http://schemas.microsoft.com/office/drawing/2014/main" id="{7FBF5743-F2AE-4D0D-BCD1-01F7686D012A}"/>
+                </a:ext>
+                <a:ext uri="{C183D7F6-B498-43B3-948B-1728B52AA6E4}">
+                  <adec:decorative xmlns:adec="http://schemas.microsoft.com/office/drawing/2017/decorative" val="1"/>
+                </a:ext>
+              </a:extLst>
+            </p:cNvPr>
+            <p:cNvSpPr/>
+            <p:nvPr>
+              <p:extLst>
+                <p:ext uri="{386F3935-93C4-4BCD-93E2-E3B085C9AB24}">
+                  <p16:designElem xmlns:p16="http://schemas.microsoft.com/office/powerpoint/2015/main" val="1"/>
+                </p:ext>
+              </p:extLst>
+            </p:nvPr>
+          </p:nvSpPr>
+          <p:spPr bwMode="auto">
+            <a:xfrm>
+              <a:off x="10641013" y="5408613"/>
+              <a:ext cx="1525588" cy="1435100"/>
+            </a:xfrm>
+            <a:custGeom>
+              <a:avLst/>
+              <a:gdLst/>
+              <a:ahLst/>
+              <a:cxnLst/>
+              <a:rect l="0" t="0" r="r" b="b"/>
+              <a:pathLst>
+                <a:path w="321" h="302">
+                  <a:moveTo>
+                    <a:pt x="0" y="302"/>
+                  </a:moveTo>
+                  <a:cubicBezTo>
+                    <a:pt x="114" y="210"/>
+                    <a:pt x="223" y="109"/>
+                    <a:pt x="321" y="0"/>
+                  </a:cubicBezTo>
+                </a:path>
+              </a:pathLst>
+            </a:custGeom>
+            <a:noFill/>
+            <a:ln w="9525" cap="flat">
+              <a:solidFill>
+                <a:schemeClr val="tx1">
+                  <a:alpha val="20000"/>
+                </a:schemeClr>
+              </a:solidFill>
+              <a:prstDash val="solid"/>
+              <a:miter lim="800000"/>
+              <a:headEnd/>
+              <a:tailEnd/>
+            </a:ln>
+            <a:extLst>
+              <a:ext uri="{909E8E84-426E-40DD-AFC4-6F175D3DCCD1}">
+                <a14:hiddenFill xmlns:a14="http://schemas.microsoft.com/office/drawing/2010/main">
+                  <a:solidFill>
+                    <a:srgbClr val="FFFFFF"/>
+                  </a:solidFill>
+                </a14:hiddenFill>
+              </a:ext>
+            </a:extLst>
+          </p:spPr>
+        </p:sp>
+        <p:sp>
+          <p:nvSpPr>
+            <p:cNvPr id="20" name="Freeform 14">
+              <a:extLst>
+                <a:ext uri="{FF2B5EF4-FFF2-40B4-BE49-F238E27FC236}">
+                  <a16:creationId xmlns:a16="http://schemas.microsoft.com/office/drawing/2014/main" id="{CED32316-D4F7-4795-BBE0-DEBB60E27CE3}"/>
+                </a:ext>
+                <a:ext uri="{C183D7F6-B498-43B3-948B-1728B52AA6E4}">
+                  <adec:decorative xmlns:adec="http://schemas.microsoft.com/office/drawing/2017/decorative" val="1"/>
+                </a:ext>
+              </a:extLst>
+            </p:cNvPr>
+            <p:cNvSpPr/>
+            <p:nvPr>
+              <p:extLst>
+                <p:ext uri="{386F3935-93C4-4BCD-93E2-E3B085C9AB24}">
+                  <p16:designElem xmlns:p16="http://schemas.microsoft.com/office/powerpoint/2015/main" val="1"/>
+                </p:ext>
+              </p:extLst>
+            </p:nvPr>
+          </p:nvSpPr>
+          <p:spPr bwMode="auto">
+            <a:xfrm>
+              <a:off x="1001713" y="0"/>
+              <a:ext cx="3244850" cy="6843713"/>
+            </a:xfrm>
+            <a:custGeom>
+              <a:avLst/>
+              <a:gdLst/>
+              <a:ahLst/>
+              <a:cxnLst/>
+              <a:rect l="0" t="0" r="r" b="b"/>
+              <a:pathLst>
+                <a:path w="683" h="1440">
+                  <a:moveTo>
+                    <a:pt x="683" y="0"/>
+                  </a:moveTo>
+                  <a:cubicBezTo>
+                    <a:pt x="258" y="256"/>
+                    <a:pt x="0" y="1041"/>
+                    <a:pt x="355" y="1440"/>
+                  </a:cubicBezTo>
+                </a:path>
+              </a:pathLst>
+            </a:custGeom>
+            <a:noFill/>
+            <a:ln w="9525" cap="flat">
+              <a:solidFill>
+                <a:schemeClr val="tx1">
+                  <a:alpha val="20000"/>
+                </a:schemeClr>
+              </a:solidFill>
+              <a:prstDash val="solid"/>
+              <a:miter lim="800000"/>
+              <a:headEnd/>
+              <a:tailEnd/>
+            </a:ln>
+            <a:extLst>
+              <a:ext uri="{909E8E84-426E-40DD-AFC4-6F175D3DCCD1}">
+                <a14:hiddenFill xmlns:a14="http://schemas.microsoft.com/office/drawing/2010/main">
+                  <a:solidFill>
+                    <a:srgbClr val="FFFFFF"/>
+                  </a:solidFill>
+                </a14:hiddenFill>
+              </a:ext>
+            </a:extLst>
+          </p:spPr>
+        </p:sp>
+        <p:sp>
+          <p:nvSpPr>
+            <p:cNvPr id="21" name="Freeform 15">
+              <a:extLst>
+                <a:ext uri="{FF2B5EF4-FFF2-40B4-BE49-F238E27FC236}">
+                  <a16:creationId xmlns:a16="http://schemas.microsoft.com/office/drawing/2014/main" id="{583B23C9-B9B7-4E93-9538-CBE316F83FDD}"/>
+                </a:ext>
+                <a:ext uri="{C183D7F6-B498-43B3-948B-1728B52AA6E4}">
+                  <adec:decorative xmlns:adec="http://schemas.microsoft.com/office/drawing/2017/decorative" val="1"/>
+                </a:ext>
+              </a:extLst>
+            </p:cNvPr>
+            <p:cNvSpPr/>
+            <p:nvPr>
+              <p:extLst>
+                <p:ext uri="{386F3935-93C4-4BCD-93E2-E3B085C9AB24}">
+                  <p16:designElem xmlns:p16="http://schemas.microsoft.com/office/powerpoint/2015/main" val="1"/>
+                </p:ext>
+              </p:extLst>
+            </p:nvPr>
+          </p:nvSpPr>
+          <p:spPr bwMode="auto">
+            <a:xfrm>
+              <a:off x="10802938" y="5518150"/>
+              <a:ext cx="1363663" cy="1325563"/>
+            </a:xfrm>
+            <a:custGeom>
+              <a:avLst/>
+              <a:gdLst/>
+              <a:ahLst/>
+              <a:cxnLst/>
+              <a:rect l="0" t="0" r="r" b="b"/>
+              <a:pathLst>
+                <a:path w="287" h="279">
+                  <a:moveTo>
+                    <a:pt x="0" y="279"/>
+                  </a:moveTo>
+                  <a:cubicBezTo>
+                    <a:pt x="101" y="193"/>
+                    <a:pt x="198" y="100"/>
+                    <a:pt x="287" y="0"/>
+                  </a:cubicBezTo>
+                </a:path>
+              </a:pathLst>
+            </a:custGeom>
+            <a:noFill/>
+            <a:ln w="9525" cap="flat">
+              <a:solidFill>
+                <a:schemeClr val="tx1">
+                  <a:alpha val="20000"/>
+                </a:schemeClr>
+              </a:solidFill>
+              <a:prstDash val="solid"/>
+              <a:miter lim="800000"/>
+              <a:headEnd/>
+              <a:tailEnd/>
+            </a:ln>
+            <a:extLst>
+              <a:ext uri="{909E8E84-426E-40DD-AFC4-6F175D3DCCD1}">
+                <a14:hiddenFill xmlns:a14="http://schemas.microsoft.com/office/drawing/2010/main">
+                  <a:solidFill>
+                    <a:srgbClr val="FFFFFF"/>
+                  </a:solidFill>
+                </a14:hiddenFill>
+              </a:ext>
+            </a:extLst>
+          </p:spPr>
+        </p:sp>
+        <p:sp>
+          <p:nvSpPr>
+            <p:cNvPr id="22" name="Freeform 16">
+              <a:extLst>
+                <a:ext uri="{FF2B5EF4-FFF2-40B4-BE49-F238E27FC236}">
+                  <a16:creationId xmlns:a16="http://schemas.microsoft.com/office/drawing/2014/main" id="{5B144260-9F2C-4ADB-A37C-1CFB4B428B1B}"/>
+                </a:ext>
+                <a:ext uri="{C183D7F6-B498-43B3-948B-1728B52AA6E4}">
+                  <adec:decorative xmlns:adec="http://schemas.microsoft.com/office/drawing/2017/decorative" val="1"/>
+                </a:ext>
+              </a:extLst>
+            </p:cNvPr>
+            <p:cNvSpPr/>
+            <p:nvPr>
+              <p:extLst>
+                <p:ext uri="{386F3935-93C4-4BCD-93E2-E3B085C9AB24}">
+                  <p16:designElem xmlns:p16="http://schemas.microsoft.com/office/powerpoint/2015/main" val="1"/>
+                </p:ext>
+              </p:extLst>
+            </p:nvPr>
+          </p:nvSpPr>
+          <p:spPr bwMode="auto">
+            <a:xfrm>
+              <a:off x="889000" y="0"/>
+              <a:ext cx="3230563" cy="6843713"/>
+            </a:xfrm>
+            <a:custGeom>
+              <a:avLst/>
+              <a:gdLst/>
+              <a:ahLst/>
+              <a:cxnLst/>
+              <a:rect l="0" t="0" r="r" b="b"/>
+              <a:pathLst>
+                <a:path w="680" h="1440">
+                  <a:moveTo>
+                    <a:pt x="680" y="0"/>
+                  </a:moveTo>
+                  <a:cubicBezTo>
+                    <a:pt x="257" y="265"/>
+                    <a:pt x="0" y="1026"/>
+                    <a:pt x="337" y="1440"/>
+                  </a:cubicBezTo>
+                </a:path>
+              </a:pathLst>
+            </a:custGeom>
+            <a:noFill/>
+            <a:ln w="9525" cap="flat">
+              <a:solidFill>
+                <a:schemeClr val="tx1">
+                  <a:alpha val="20000"/>
+                </a:schemeClr>
+              </a:solidFill>
+              <a:prstDash val="solid"/>
+              <a:miter lim="800000"/>
+              <a:headEnd/>
+              <a:tailEnd/>
+            </a:ln>
+            <a:extLst>
+              <a:ext uri="{909E8E84-426E-40DD-AFC4-6F175D3DCCD1}">
+                <a14:hiddenFill xmlns:a14="http://schemas.microsoft.com/office/drawing/2010/main">
+                  <a:solidFill>
+                    <a:srgbClr val="FFFFFF"/>
+                  </a:solidFill>
+                </a14:hiddenFill>
+              </a:ext>
+            </a:extLst>
+          </p:spPr>
+        </p:sp>
+        <p:sp>
+          <p:nvSpPr>
+            <p:cNvPr id="23" name="Freeform 17">
+              <a:extLst>
+                <a:ext uri="{FF2B5EF4-FFF2-40B4-BE49-F238E27FC236}">
+                  <a16:creationId xmlns:a16="http://schemas.microsoft.com/office/drawing/2014/main" id="{53FF918D-79D3-4F55-A68C-0DD5880DABDF}"/>
+                </a:ext>
+                <a:ext uri="{C183D7F6-B498-43B3-948B-1728B52AA6E4}">
+                  <adec:decorative xmlns:adec="http://schemas.microsoft.com/office/drawing/2017/decorative" val="1"/>
+                </a:ext>
+              </a:extLst>
+            </p:cNvPr>
+            <p:cNvSpPr/>
+            <p:nvPr>
+              <p:extLst>
+                <p:ext uri="{386F3935-93C4-4BCD-93E2-E3B085C9AB24}">
+                  <p16:designElem xmlns:p16="http://schemas.microsoft.com/office/powerpoint/2015/main" val="1"/>
+                </p:ext>
+              </p:extLst>
+            </p:nvPr>
+          </p:nvSpPr>
+          <p:spPr bwMode="auto">
+            <a:xfrm>
+              <a:off x="10979150" y="5694363"/>
+              <a:ext cx="1187450" cy="1149350"/>
+            </a:xfrm>
+            <a:custGeom>
+              <a:avLst/>
+              <a:gdLst/>
+              <a:ahLst/>
+              <a:cxnLst/>
+              <a:rect l="0" t="0" r="r" b="b"/>
+              <a:pathLst>
+                <a:path w="250" h="242">
+                  <a:moveTo>
+                    <a:pt x="0" y="242"/>
+                  </a:moveTo>
+                  <a:cubicBezTo>
+                    <a:pt x="88" y="166"/>
+                    <a:pt x="172" y="85"/>
+                    <a:pt x="250" y="0"/>
+                  </a:cubicBezTo>
+                </a:path>
+              </a:pathLst>
+            </a:custGeom>
+            <a:noFill/>
+            <a:ln w="9525" cap="flat">
+              <a:solidFill>
+                <a:schemeClr val="tx1">
+                  <a:alpha val="20000"/>
+                </a:schemeClr>
+              </a:solidFill>
+              <a:prstDash val="solid"/>
+              <a:miter lim="800000"/>
+              <a:headEnd/>
+              <a:tailEnd/>
+            </a:ln>
+            <a:extLst>
+              <a:ext uri="{909E8E84-426E-40DD-AFC4-6F175D3DCCD1}">
+                <a14:hiddenFill xmlns:a14="http://schemas.microsoft.com/office/drawing/2010/main">
+                  <a:solidFill>
+                    <a:srgbClr val="FFFFFF"/>
+                  </a:solidFill>
+                </a14:hiddenFill>
+              </a:ext>
+            </a:extLst>
+          </p:spPr>
+        </p:sp>
+        <p:sp>
+          <p:nvSpPr>
+            <p:cNvPr id="24" name="Freeform 18">
+              <a:extLst>
+                <a:ext uri="{FF2B5EF4-FFF2-40B4-BE49-F238E27FC236}">
+                  <a16:creationId xmlns:a16="http://schemas.microsoft.com/office/drawing/2014/main" id="{B9FC1440-933F-44FE-8D77-4827DD0F99A5}"/>
+                </a:ext>
+                <a:ext uri="{C183D7F6-B498-43B3-948B-1728B52AA6E4}">
+                  <adec:decorative xmlns:adec="http://schemas.microsoft.com/office/drawing/2017/decorative" val="1"/>
+                </a:ext>
+              </a:extLst>
+            </p:cNvPr>
+            <p:cNvSpPr/>
+            <p:nvPr>
+              <p:extLst>
+                <p:ext uri="{386F3935-93C4-4BCD-93E2-E3B085C9AB24}">
+                  <p16:designElem xmlns:p16="http://schemas.microsoft.com/office/powerpoint/2015/main" val="1"/>
+                </p:ext>
+              </p:extLst>
+            </p:nvPr>
+          </p:nvSpPr>
+          <p:spPr bwMode="auto">
+            <a:xfrm>
+              <a:off x="484188" y="0"/>
+              <a:ext cx="3421063" cy="6843713"/>
+            </a:xfrm>
+            <a:custGeom>
+              <a:avLst/>
+              <a:gdLst/>
+              <a:ahLst/>
+              <a:cxnLst/>
+              <a:rect l="0" t="0" r="r" b="b"/>
+              <a:pathLst>
+                <a:path w="720" h="1440">
+                  <a:moveTo>
+                    <a:pt x="720" y="0"/>
+                  </a:moveTo>
+                  <a:cubicBezTo>
+                    <a:pt x="316" y="282"/>
+                    <a:pt x="0" y="1018"/>
+                    <a:pt x="362" y="1440"/>
+                  </a:cubicBezTo>
+                </a:path>
+              </a:pathLst>
+            </a:custGeom>
+            <a:noFill/>
+            <a:ln w="9525" cap="flat">
+              <a:solidFill>
+                <a:schemeClr val="tx1">
+                  <a:alpha val="20000"/>
+                </a:schemeClr>
+              </a:solidFill>
+              <a:prstDash val="solid"/>
+              <a:miter lim="800000"/>
+              <a:headEnd/>
+              <a:tailEnd/>
+            </a:ln>
+            <a:extLst>
+              <a:ext uri="{909E8E84-426E-40DD-AFC4-6F175D3DCCD1}">
+                <a14:hiddenFill xmlns:a14="http://schemas.microsoft.com/office/drawing/2010/main">
+                  <a:solidFill>
+                    <a:srgbClr val="FFFFFF"/>
+                  </a:solidFill>
+                </a14:hiddenFill>
+              </a:ext>
+            </a:extLst>
+          </p:spPr>
+        </p:sp>
+        <p:sp>
+          <p:nvSpPr>
+            <p:cNvPr id="25" name="Freeform 19">
+              <a:extLst>
+                <a:ext uri="{FF2B5EF4-FFF2-40B4-BE49-F238E27FC236}">
+                  <a16:creationId xmlns:a16="http://schemas.microsoft.com/office/drawing/2014/main" id="{0F67F308-A67C-4D2E-B081-59BB31D8EC50}"/>
+                </a:ext>
+                <a:ext uri="{C183D7F6-B498-43B3-948B-1728B52AA6E4}">
+                  <adec:decorative xmlns:adec="http://schemas.microsoft.com/office/drawing/2017/decorative" val="1"/>
+                </a:ext>
+              </a:extLst>
+            </p:cNvPr>
+            <p:cNvSpPr/>
+            <p:nvPr>
+              <p:extLst>
+                <p:ext uri="{386F3935-93C4-4BCD-93E2-E3B085C9AB24}">
+                  <p16:designElem xmlns:p16="http://schemas.microsoft.com/office/powerpoint/2015/main" val="1"/>
+                </p:ext>
+              </p:extLst>
+            </p:nvPr>
+          </p:nvSpPr>
+          <p:spPr bwMode="auto">
+            <a:xfrm>
+              <a:off x="11287125" y="6049963"/>
+              <a:ext cx="879475" cy="793750"/>
+            </a:xfrm>
+            <a:custGeom>
+              <a:avLst/>
+              <a:gdLst/>
+              <a:ahLst/>
+              <a:cxnLst/>
+              <a:rect l="0" t="0" r="r" b="b"/>
+              <a:pathLst>
+                <a:path w="185" h="167">
+                  <a:moveTo>
+                    <a:pt x="0" y="167"/>
+                  </a:moveTo>
+                  <a:cubicBezTo>
+                    <a:pt x="63" y="114"/>
+                    <a:pt x="125" y="58"/>
+                    <a:pt x="185" y="0"/>
+                  </a:cubicBezTo>
+                </a:path>
+              </a:pathLst>
+            </a:custGeom>
+            <a:noFill/>
+            <a:ln w="9525" cap="flat">
+              <a:solidFill>
+                <a:schemeClr val="tx1">
+                  <a:alpha val="20000"/>
+                </a:schemeClr>
+              </a:solidFill>
+              <a:prstDash val="solid"/>
+              <a:miter lim="800000"/>
+              <a:headEnd/>
+              <a:tailEnd/>
+            </a:ln>
+            <a:extLst>
+              <a:ext uri="{909E8E84-426E-40DD-AFC4-6F175D3DCCD1}">
+                <a14:hiddenFill xmlns:a14="http://schemas.microsoft.com/office/drawing/2010/main">
+                  <a:solidFill>
+                    <a:srgbClr val="FFFFFF"/>
+                  </a:solidFill>
+                </a14:hiddenFill>
+              </a:ext>
+            </a:extLst>
+          </p:spPr>
+        </p:sp>
+        <p:sp>
+          <p:nvSpPr>
+            <p:cNvPr id="26" name="Freeform 20">
+              <a:extLst>
+                <a:ext uri="{FF2B5EF4-FFF2-40B4-BE49-F238E27FC236}">
+                  <a16:creationId xmlns:a16="http://schemas.microsoft.com/office/drawing/2014/main" id="{80112F01-90EB-4AEC-A39C-5C6875FFB99B}"/>
+                </a:ext>
+                <a:ext uri="{C183D7F6-B498-43B3-948B-1728B52AA6E4}">
+                  <adec:decorative xmlns:adec="http://schemas.microsoft.com/office/drawing/2017/decorative" val="1"/>
+                </a:ext>
+              </a:extLst>
+            </p:cNvPr>
+            <p:cNvSpPr/>
+            <p:nvPr>
+              <p:extLst>
+                <p:ext uri="{386F3935-93C4-4BCD-93E2-E3B085C9AB24}">
+                  <p16:designElem xmlns:p16="http://schemas.microsoft.com/office/powerpoint/2015/main" val="1"/>
+                </p:ext>
+              </p:extLst>
+            </p:nvPr>
+          </p:nvSpPr>
+          <p:spPr bwMode="auto">
+            <a:xfrm>
+              <a:off x="598488" y="0"/>
+              <a:ext cx="2717800" cy="6843713"/>
+            </a:xfrm>
+            <a:custGeom>
+              <a:avLst/>
+              <a:gdLst/>
+              <a:ahLst/>
+              <a:cxnLst/>
+              <a:rect l="0" t="0" r="r" b="b"/>
+              <a:pathLst>
+                <a:path w="572" h="1440">
+                  <a:moveTo>
+                    <a:pt x="572" y="0"/>
+                  </a:moveTo>
+                  <a:cubicBezTo>
+                    <a:pt x="213" y="320"/>
+                    <a:pt x="0" y="979"/>
+                    <a:pt x="164" y="1440"/>
+                  </a:cubicBezTo>
+                </a:path>
+              </a:pathLst>
+            </a:custGeom>
+            <a:noFill/>
+            <a:ln w="12700" cap="flat">
+              <a:solidFill>
+                <a:schemeClr val="tx1">
+                  <a:alpha val="20000"/>
+                </a:schemeClr>
+              </a:solidFill>
+              <a:prstDash val="dashDot"/>
+              <a:miter lim="800000"/>
+              <a:headEnd/>
+              <a:tailEnd/>
+            </a:ln>
+            <a:extLst>
+              <a:ext uri="{909E8E84-426E-40DD-AFC4-6F175D3DCCD1}">
+                <a14:hiddenFill xmlns:a14="http://schemas.microsoft.com/office/drawing/2010/main">
+                  <a:solidFill>
+                    <a:srgbClr val="FFFFFF"/>
+                  </a:solidFill>
+                </a14:hiddenFill>
+              </a:ext>
+            </a:extLst>
+          </p:spPr>
+        </p:sp>
+        <p:sp>
+          <p:nvSpPr>
+            <p:cNvPr id="27" name="Freeform 21">
+              <a:extLst>
+                <a:ext uri="{FF2B5EF4-FFF2-40B4-BE49-F238E27FC236}">
+                  <a16:creationId xmlns:a16="http://schemas.microsoft.com/office/drawing/2014/main" id="{893F6B05-90EB-4C75-A0F0-C7247553BD81}"/>
+                </a:ext>
+                <a:ext uri="{C183D7F6-B498-43B3-948B-1728B52AA6E4}">
+                  <adec:decorative xmlns:adec="http://schemas.microsoft.com/office/drawing/2017/decorative" val="1"/>
+                </a:ext>
+              </a:extLst>
+            </p:cNvPr>
+            <p:cNvSpPr/>
+            <p:nvPr>
+              <p:extLst>
+                <p:ext uri="{386F3935-93C4-4BCD-93E2-E3B085C9AB24}">
+                  <p16:designElem xmlns:p16="http://schemas.microsoft.com/office/powerpoint/2015/main" val="1"/>
+                </p:ext>
+              </p:extLst>
+            </p:nvPr>
+          </p:nvSpPr>
+          <p:spPr bwMode="auto">
+            <a:xfrm>
+              <a:off x="261938" y="0"/>
+              <a:ext cx="2944813" cy="6843713"/>
+            </a:xfrm>
+            <a:custGeom>
+              <a:avLst/>
+              <a:gdLst/>
+              <a:ahLst/>
+              <a:cxnLst/>
+              <a:rect l="0" t="0" r="r" b="b"/>
+              <a:pathLst>
+                <a:path w="620" h="1440">
+                  <a:moveTo>
+                    <a:pt x="620" y="0"/>
+                  </a:moveTo>
+                  <a:cubicBezTo>
+                    <a:pt x="248" y="325"/>
+                    <a:pt x="0" y="960"/>
+                    <a:pt x="186" y="1440"/>
+                  </a:cubicBezTo>
+                </a:path>
+              </a:pathLst>
+            </a:custGeom>
+            <a:noFill/>
+            <a:ln w="9525" cap="flat">
+              <a:solidFill>
+                <a:schemeClr val="tx1">
+                  <a:alpha val="20000"/>
+                </a:schemeClr>
+              </a:solidFill>
+              <a:prstDash val="lgDash"/>
+              <a:miter lim="800000"/>
+              <a:headEnd/>
+              <a:tailEnd/>
+            </a:ln>
+            <a:extLst>
+              <a:ext uri="{909E8E84-426E-40DD-AFC4-6F175D3DCCD1}">
+                <a14:hiddenFill xmlns:a14="http://schemas.microsoft.com/office/drawing/2010/main">
+                  <a:solidFill>
+                    <a:srgbClr val="FFFFFF"/>
+                  </a:solidFill>
+                </a14:hiddenFill>
+              </a:ext>
+            </a:extLst>
+          </p:spPr>
+        </p:sp>
+        <p:sp>
+          <p:nvSpPr>
+            <p:cNvPr id="28" name="Freeform 22">
+              <a:extLst>
+                <a:ext uri="{FF2B5EF4-FFF2-40B4-BE49-F238E27FC236}">
+                  <a16:creationId xmlns:a16="http://schemas.microsoft.com/office/drawing/2014/main" id="{227B563B-E0C0-4D81-966D-B5E2DBAAE8B5}"/>
+                </a:ext>
+                <a:ext uri="{C183D7F6-B498-43B3-948B-1728B52AA6E4}">
+                  <adec:decorative xmlns:adec="http://schemas.microsoft.com/office/drawing/2017/decorative" val="1"/>
+                </a:ext>
+              </a:extLst>
+            </p:cNvPr>
+            <p:cNvSpPr/>
+            <p:nvPr>
+              <p:extLst>
+                <p:ext uri="{386F3935-93C4-4BCD-93E2-E3B085C9AB24}">
+                  <p16:designElem xmlns:p16="http://schemas.microsoft.com/office/powerpoint/2015/main" val="1"/>
+                </p:ext>
+              </p:extLst>
+            </p:nvPr>
+          </p:nvSpPr>
+          <p:spPr bwMode="auto">
+            <a:xfrm>
+              <a:off x="-417513" y="0"/>
+              <a:ext cx="2403475" cy="6843713"/>
+            </a:xfrm>
+            <a:custGeom>
+              <a:avLst/>
+              <a:gdLst/>
+              <a:ahLst/>
+              <a:cxnLst/>
+              <a:rect l="0" t="0" r="r" b="b"/>
+              <a:pathLst>
+                <a:path w="506" h="1440">
+                  <a:moveTo>
+                    <a:pt x="506" y="0"/>
+                  </a:moveTo>
+                  <a:cubicBezTo>
+                    <a:pt x="109" y="356"/>
+                    <a:pt x="0" y="943"/>
+                    <a:pt x="171" y="1440"/>
+                  </a:cubicBezTo>
+                </a:path>
+              </a:pathLst>
+            </a:custGeom>
+            <a:noFill/>
+            <a:ln w="9525" cap="flat">
+              <a:solidFill>
+                <a:schemeClr val="tx1">
+                  <a:alpha val="20000"/>
+                </a:schemeClr>
+              </a:solidFill>
+              <a:prstDash val="solid"/>
+              <a:miter lim="800000"/>
+              <a:headEnd/>
+              <a:tailEnd/>
+            </a:ln>
+            <a:extLst>
+              <a:ext uri="{909E8E84-426E-40DD-AFC4-6F175D3DCCD1}">
+                <a14:hiddenFill xmlns:a14="http://schemas.microsoft.com/office/drawing/2010/main">
+                  <a:solidFill>
+                    <a:srgbClr val="FFFFFF"/>
+                  </a:solidFill>
+                </a14:hiddenFill>
+              </a:ext>
+            </a:extLst>
+          </p:spPr>
+        </p:sp>
+        <p:sp>
+          <p:nvSpPr>
+            <p:cNvPr id="29" name="Freeform 23">
+              <a:extLst>
+                <a:ext uri="{FF2B5EF4-FFF2-40B4-BE49-F238E27FC236}">
+                  <a16:creationId xmlns:a16="http://schemas.microsoft.com/office/drawing/2014/main" id="{130DF93D-D1FF-477A-BDCE-C8B01C3B476C}"/>
+                </a:ext>
+                <a:ext uri="{C183D7F6-B498-43B3-948B-1728B52AA6E4}">
+                  <adec:decorative xmlns:adec="http://schemas.microsoft.com/office/drawing/2017/decorative" val="1"/>
+                </a:ext>
+              </a:extLst>
+            </p:cNvPr>
+            <p:cNvSpPr/>
+            <p:nvPr>
+              <p:extLst>
+                <p:ext uri="{386F3935-93C4-4BCD-93E2-E3B085C9AB24}">
+                  <p16:designElem xmlns:p16="http://schemas.microsoft.com/office/powerpoint/2015/main" val="1"/>
+                </p:ext>
+              </p:extLst>
+            </p:nvPr>
+          </p:nvSpPr>
+          <p:spPr bwMode="auto">
+            <a:xfrm>
+              <a:off x="14288" y="9525"/>
+              <a:ext cx="1771650" cy="3198813"/>
+            </a:xfrm>
+            <a:custGeom>
+              <a:avLst/>
+              <a:gdLst/>
+              <a:ahLst/>
+              <a:cxnLst/>
+              <a:rect l="0" t="0" r="r" b="b"/>
+              <a:pathLst>
+                <a:path w="373" h="673">
+                  <a:moveTo>
+                    <a:pt x="373" y="0"/>
+                  </a:moveTo>
+                  <a:cubicBezTo>
+                    <a:pt x="175" y="183"/>
+                    <a:pt x="51" y="409"/>
+                    <a:pt x="0" y="673"/>
+                  </a:cubicBezTo>
+                </a:path>
+              </a:pathLst>
+            </a:custGeom>
+            <a:noFill/>
+            <a:ln w="9525" cap="flat">
+              <a:solidFill>
+                <a:schemeClr val="tx1">
+                  <a:alpha val="20000"/>
+                </a:schemeClr>
+              </a:solidFill>
+              <a:prstDash val="solid"/>
+              <a:miter lim="800000"/>
+              <a:headEnd/>
+              <a:tailEnd/>
+            </a:ln>
+            <a:extLst>
+              <a:ext uri="{909E8E84-426E-40DD-AFC4-6F175D3DCCD1}">
+                <a14:hiddenFill xmlns:a14="http://schemas.microsoft.com/office/drawing/2010/main">
+                  <a:solidFill>
+                    <a:srgbClr val="FFFFFF"/>
+                  </a:solidFill>
+                </a14:hiddenFill>
+              </a:ext>
+            </a:extLst>
+          </p:spPr>
+        </p:sp>
+        <p:sp>
+          <p:nvSpPr>
+            <p:cNvPr id="30" name="Freeform 24">
+              <a:extLst>
+                <a:ext uri="{FF2B5EF4-FFF2-40B4-BE49-F238E27FC236}">
+                  <a16:creationId xmlns:a16="http://schemas.microsoft.com/office/drawing/2014/main" id="{44ED67A1-C6FE-4AC8-8473-11DAC03DCD33}"/>
+                </a:ext>
+                <a:ext uri="{C183D7F6-B498-43B3-948B-1728B52AA6E4}">
+                  <adec:decorative xmlns:adec="http://schemas.microsoft.com/office/drawing/2017/decorative" val="1"/>
+                </a:ext>
+              </a:extLst>
+            </p:cNvPr>
+            <p:cNvSpPr/>
+            <p:nvPr>
+              <p:extLst>
+                <p:ext uri="{386F3935-93C4-4BCD-93E2-E3B085C9AB24}">
+                  <p16:designElem xmlns:p16="http://schemas.microsoft.com/office/powerpoint/2015/main" val="1"/>
+                </p:ext>
+              </p:extLst>
+            </p:nvPr>
+          </p:nvSpPr>
+          <p:spPr bwMode="auto">
+            <a:xfrm>
+              <a:off x="4763" y="6016625"/>
+              <a:ext cx="214313" cy="827088"/>
+            </a:xfrm>
+            <a:custGeom>
+              <a:avLst/>
+              <a:gdLst/>
+              <a:ahLst/>
+              <a:cxnLst/>
+              <a:rect l="0" t="0" r="r" b="b"/>
+              <a:pathLst>
+                <a:path w="45" h="174">
+                  <a:moveTo>
+                    <a:pt x="0" y="0"/>
+                  </a:moveTo>
+                  <a:cubicBezTo>
+                    <a:pt x="11" y="59"/>
+                    <a:pt x="26" y="118"/>
+                    <a:pt x="45" y="174"/>
+                  </a:cubicBezTo>
+                </a:path>
+              </a:pathLst>
+            </a:custGeom>
+            <a:noFill/>
+            <a:ln w="9525" cap="flat">
+              <a:solidFill>
+                <a:schemeClr val="tx1">
+                  <a:alpha val="20000"/>
+                </a:schemeClr>
+              </a:solidFill>
+              <a:prstDash val="solid"/>
+              <a:miter lim="800000"/>
+              <a:headEnd/>
+              <a:tailEnd/>
+            </a:ln>
+            <a:extLst>
+              <a:ext uri="{909E8E84-426E-40DD-AFC4-6F175D3DCCD1}">
+                <a14:hiddenFill xmlns:a14="http://schemas.microsoft.com/office/drawing/2010/main">
+                  <a:solidFill>
+                    <a:srgbClr val="FFFFFF"/>
+                  </a:solidFill>
+                </a14:hiddenFill>
+              </a:ext>
+            </a:extLst>
+          </p:spPr>
+        </p:sp>
+        <p:sp>
+          <p:nvSpPr>
+            <p:cNvPr id="31" name="Freeform 25">
+              <a:extLst>
+                <a:ext uri="{FF2B5EF4-FFF2-40B4-BE49-F238E27FC236}">
+                  <a16:creationId xmlns:a16="http://schemas.microsoft.com/office/drawing/2014/main" id="{213A54F3-15FA-4C8F-8ABF-CE77E7219658}"/>
+                </a:ext>
+                <a:ext uri="{C183D7F6-B498-43B3-948B-1728B52AA6E4}">
+                  <adec:decorative xmlns:adec="http://schemas.microsoft.com/office/drawing/2017/decorative" val="1"/>
+                </a:ext>
+              </a:extLst>
+            </p:cNvPr>
+            <p:cNvSpPr/>
+            <p:nvPr>
+              <p:extLst>
+                <p:ext uri="{386F3935-93C4-4BCD-93E2-E3B085C9AB24}">
+                  <p16:designElem xmlns:p16="http://schemas.microsoft.com/office/powerpoint/2015/main" val="1"/>
+                </p:ext>
+              </p:extLst>
+            </p:nvPr>
+          </p:nvSpPr>
+          <p:spPr bwMode="auto">
+            <a:xfrm>
+              <a:off x="14288" y="0"/>
+              <a:ext cx="1562100" cy="2228850"/>
+            </a:xfrm>
+            <a:custGeom>
+              <a:avLst/>
+              <a:gdLst/>
+              <a:ahLst/>
+              <a:cxnLst/>
+              <a:rect l="0" t="0" r="r" b="b"/>
+              <a:pathLst>
+                <a:path w="329" h="469">
+                  <a:moveTo>
+                    <a:pt x="329" y="0"/>
+                  </a:moveTo>
+                  <a:cubicBezTo>
+                    <a:pt x="189" y="133"/>
+                    <a:pt x="69" y="288"/>
+                    <a:pt x="0" y="469"/>
+                  </a:cubicBezTo>
+                </a:path>
+              </a:pathLst>
+            </a:custGeom>
+            <a:noFill/>
+            <a:ln w="9525" cap="flat">
+              <a:solidFill>
+                <a:schemeClr val="tx1">
+                  <a:alpha val="20000"/>
+                </a:schemeClr>
+              </a:solidFill>
+              <a:prstDash val="solid"/>
+              <a:miter lim="800000"/>
+              <a:headEnd/>
+              <a:tailEnd/>
+            </a:ln>
+            <a:extLst>
+              <a:ext uri="{909E8E84-426E-40DD-AFC4-6F175D3DCCD1}">
+                <a14:hiddenFill xmlns:a14="http://schemas.microsoft.com/office/drawing/2010/main">
+                  <a:solidFill>
+                    <a:srgbClr val="FFFFFF"/>
+                  </a:solidFill>
+                </a14:hiddenFill>
+              </a:ext>
+            </a:extLst>
+          </p:spPr>
+        </p:sp>
+      </p:grpSp>
+      <p:grpSp>
+        <p:nvGrpSpPr>
+          <p:cNvPr id="33" name="Group 32">
+            <a:extLst>
+              <a:ext uri="{FF2B5EF4-FFF2-40B4-BE49-F238E27FC236}">
+                <a16:creationId xmlns:a16="http://schemas.microsoft.com/office/drawing/2014/main" id="{5F8A7F7F-DD1A-4F41-98AC-B9CE2A620CDC}"/>
+              </a:ext>
+              <a:ext uri="{C183D7F6-B498-43B3-948B-1728B52AA6E4}">
+                <adec:decorative xmlns:adec="http://schemas.microsoft.com/office/drawing/2017/decorative" val="1"/>
+              </a:ext>
+            </a:extLst>
+          </p:cNvPr>
+          <p:cNvGrpSpPr>
+            <a:grpSpLocks noGrp="1" noUngrp="1" noRot="1" noChangeAspect="1" noMove="1" noResize="1"/>
+          </p:cNvGrpSpPr>
+          <p:nvPr>
+            <p:extLst>
+              <p:ext uri="{386F3935-93C4-4BCD-93E2-E3B085C9AB24}">
+                <p16:designElem xmlns:p16="http://schemas.microsoft.com/office/powerpoint/2015/main" val="1"/>
+              </p:ext>
+            </p:extLst>
+          </p:nvPr>
+        </p:nvGrpSpPr>
+        <p:grpSpPr>
+          <a:xfrm>
+            <a:off x="800144" y="1699589"/>
+            <a:ext cx="3674476" cy="3470421"/>
+            <a:chOff x="697883" y="1816768"/>
+            <a:chExt cx="3674476" cy="3470421"/>
+          </a:xfrm>
+        </p:grpSpPr>
+        <p:sp>
+          <p:nvSpPr>
+            <p:cNvPr id="34" name="Rectangle 33">
+              <a:extLst>
+                <a:ext uri="{FF2B5EF4-FFF2-40B4-BE49-F238E27FC236}">
+                  <a16:creationId xmlns:a16="http://schemas.microsoft.com/office/drawing/2014/main" id="{CEF47228-EB7C-4EBA-BE01-DA6CB2410289}"/>
+                </a:ext>
+                <a:ext uri="{C183D7F6-B498-43B3-948B-1728B52AA6E4}">
+                  <adec:decorative xmlns:adec="http://schemas.microsoft.com/office/drawing/2017/decorative" val="1"/>
+                </a:ext>
+              </a:extLst>
+            </p:cNvPr>
+            <p:cNvSpPr/>
+            <p:nvPr>
+              <p:extLst>
+                <p:ext uri="{386F3935-93C4-4BCD-93E2-E3B085C9AB24}">
+                  <p16:designElem xmlns:p16="http://schemas.microsoft.com/office/powerpoint/2015/main" val="1"/>
+                </p:ext>
+              </p:extLst>
+            </p:nvPr>
+          </p:nvSpPr>
+          <p:spPr>
+            <a:xfrm>
+              <a:off x="697883" y="1816768"/>
+              <a:ext cx="3674476" cy="502920"/>
+            </a:xfrm>
+            <a:prstGeom prst="rect">
+              <a:avLst/>
+            </a:prstGeom>
+            <a:solidFill>
+              <a:schemeClr val="accent1"/>
+            </a:solidFill>
+            <a:ln>
+              <a:noFill/>
+            </a:ln>
+          </p:spPr>
+          <p:style>
+            <a:lnRef idx="2">
+              <a:schemeClr val="accent1">
+                <a:shade val="50000"/>
+              </a:schemeClr>
+            </a:lnRef>
+            <a:fillRef idx="1">
+              <a:schemeClr val="accent1"/>
+            </a:fillRef>
+            <a:effectRef idx="0">
+              <a:schemeClr val="accent1"/>
+            </a:effectRef>
+            <a:fontRef idx="minor">
+              <a:schemeClr val="lt1"/>
+            </a:fontRef>
+          </p:style>
+        </p:sp>
+        <p:sp>
+          <p:nvSpPr>
+            <p:cNvPr id="35" name="Isosceles Triangle 22">
+              <a:extLst>
+                <a:ext uri="{FF2B5EF4-FFF2-40B4-BE49-F238E27FC236}">
+                  <a16:creationId xmlns:a16="http://schemas.microsoft.com/office/drawing/2014/main" id="{3D2FD25A-EFFD-4F5C-9258-981F5907DE21}"/>
+                </a:ext>
+                <a:ext uri="{C183D7F6-B498-43B3-948B-1728B52AA6E4}">
+                  <adec:decorative xmlns:adec="http://schemas.microsoft.com/office/drawing/2017/decorative" val="1"/>
+                </a:ext>
+              </a:extLst>
+            </p:cNvPr>
+            <p:cNvSpPr/>
+            <p:nvPr>
+              <p:extLst>
+                <p:ext uri="{386F3935-93C4-4BCD-93E2-E3B085C9AB24}">
+                  <p16:designElem xmlns:p16="http://schemas.microsoft.com/office/powerpoint/2015/main" val="1"/>
+                </p:ext>
+              </p:extLst>
+            </p:nvPr>
+          </p:nvSpPr>
+          <p:spPr>
+            <a:xfrm rot="10800000">
+              <a:off x="2380224" y="5014786"/>
+              <a:ext cx="315988" cy="272403"/>
+            </a:xfrm>
+            <a:prstGeom prst="triangle">
+              <a:avLst/>
+            </a:prstGeom>
+            <a:solidFill>
+              <a:schemeClr val="accent1"/>
+            </a:solidFill>
+            <a:ln>
+              <a:noFill/>
+            </a:ln>
+          </p:spPr>
+          <p:style>
+            <a:lnRef idx="2">
+              <a:schemeClr val="accent1">
+                <a:shade val="50000"/>
+              </a:schemeClr>
+            </a:lnRef>
+            <a:fillRef idx="1">
+              <a:schemeClr val="accent1"/>
+            </a:fillRef>
+            <a:effectRef idx="0">
+              <a:schemeClr val="accent1"/>
+            </a:effectRef>
+            <a:fontRef idx="minor">
+              <a:schemeClr val="lt1"/>
+            </a:fontRef>
+          </p:style>
+        </p:sp>
+        <p:sp>
+          <p:nvSpPr>
+            <p:cNvPr id="36" name="Rectangle 35">
+              <a:extLst>
+                <a:ext uri="{FF2B5EF4-FFF2-40B4-BE49-F238E27FC236}">
+                  <a16:creationId xmlns:a16="http://schemas.microsoft.com/office/drawing/2014/main" id="{DCF573BC-A06F-4036-A3A8-9D07DDE62253}"/>
+                </a:ext>
+                <a:ext uri="{C183D7F6-B498-43B3-948B-1728B52AA6E4}">
+                  <adec:decorative xmlns:adec="http://schemas.microsoft.com/office/drawing/2017/decorative" val="1"/>
+                </a:ext>
+              </a:extLst>
+            </p:cNvPr>
+            <p:cNvSpPr/>
+            <p:nvPr>
+              <p:extLst>
+                <p:ext uri="{386F3935-93C4-4BCD-93E2-E3B085C9AB24}">
+                  <p16:designElem xmlns:p16="http://schemas.microsoft.com/office/powerpoint/2015/main" val="1"/>
+                </p:ext>
+              </p:extLst>
+            </p:nvPr>
+          </p:nvSpPr>
+          <p:spPr>
+            <a:xfrm>
+              <a:off x="704075" y="2392840"/>
+              <a:ext cx="3668284" cy="2624327"/>
+            </a:xfrm>
+            <a:prstGeom prst="rect">
+              <a:avLst/>
+            </a:prstGeom>
+            <a:solidFill>
+              <a:schemeClr val="accent1"/>
+            </a:solidFill>
+            <a:ln>
+              <a:noFill/>
+            </a:ln>
+          </p:spPr>
+          <p:style>
+            <a:lnRef idx="2">
+              <a:schemeClr val="accent1">
+                <a:shade val="50000"/>
+              </a:schemeClr>
+            </a:lnRef>
+            <a:fillRef idx="1">
+              <a:schemeClr val="accent1"/>
+            </a:fillRef>
+            <a:effectRef idx="0">
+              <a:schemeClr val="accent1"/>
+            </a:effectRef>
+            <a:fontRef idx="minor">
+              <a:schemeClr val="lt1"/>
+            </a:fontRef>
+          </p:style>
+        </p:sp>
+      </p:grpSp>
+      <p:sp>
+        <p:nvSpPr>
+          <p:cNvPr id="2" name="Title 1">
+            <a:extLst>
+              <a:ext uri="{FF2B5EF4-FFF2-40B4-BE49-F238E27FC236}">
+                <a16:creationId xmlns:a16="http://schemas.microsoft.com/office/drawing/2014/main" id="{6F63A5C2-7055-4693-A830-0AD639AC44B5}"/>
+              </a:ext>
+            </a:extLst>
+          </p:cNvPr>
+          <p:cNvSpPr>
+            <a:spLocks noGrp="1"/>
+          </p:cNvSpPr>
+          <p:nvPr>
+            <p:ph type="title"/>
+          </p:nvPr>
+        </p:nvSpPr>
+        <p:spPr>
+          <a:xfrm>
+            <a:off x="904877" y="2415322"/>
+            <a:ext cx="3451730" cy="2399869"/>
+          </a:xfrm>
+        </p:spPr>
+        <p:txBody>
+          <a:bodyPr>
+            <a:normAutofit/>
+          </a:bodyPr>
+          <a:lstStyle/>
+          <a:p>
+            <a:pPr algn="ctr"/>
+            <a:r>
+              <a:rPr lang="en-US" sz="4000">
+                <a:solidFill>
+                  <a:srgbClr val="FFFFFF"/>
+                </a:solidFill>
+              </a:rPr>
+              <a:t>Zadatak</a:t>
+            </a:r>
+            <a:endParaRPr lang="en-GB" sz="4000">
+              <a:solidFill>
+                <a:srgbClr val="FFFFFF"/>
+              </a:solidFill>
+            </a:endParaRPr>
+          </a:p>
+        </p:txBody>
+      </p:sp>
+      <p:sp>
+        <p:nvSpPr>
+          <p:cNvPr id="3" name="Content Placeholder 2">
+            <a:extLst>
+              <a:ext uri="{FF2B5EF4-FFF2-40B4-BE49-F238E27FC236}">
+                <a16:creationId xmlns:a16="http://schemas.microsoft.com/office/drawing/2014/main" id="{EFF698BE-5048-40A4-89BD-A8A6678EB4C4}"/>
+              </a:ext>
+            </a:extLst>
+          </p:cNvPr>
+          <p:cNvSpPr>
+            <a:spLocks noGrp="1"/>
+          </p:cNvSpPr>
+          <p:nvPr>
+            <p:ph idx="1"/>
+          </p:nvPr>
+        </p:nvSpPr>
+        <p:spPr>
+          <a:xfrm>
+            <a:off x="5120640" y="804672"/>
+            <a:ext cx="6281928" cy="5248656"/>
+          </a:xfrm>
+        </p:spPr>
+        <p:txBody>
+          <a:bodyPr anchor="ctr">
+            <a:normAutofit/>
+          </a:bodyPr>
+          <a:lstStyle/>
+          <a:p>
+            <a:pPr marL="457200"/>
+            <a:r>
+              <a:rPr lang="en-US" sz="1400" dirty="0" err="1"/>
+              <a:t>Kreirati</a:t>
+            </a:r>
+            <a:r>
+              <a:rPr lang="en-US" sz="1400" dirty="0"/>
+              <a:t> git </a:t>
+            </a:r>
+            <a:r>
+              <a:rPr lang="en-US" sz="1400" dirty="0" err="1"/>
+              <a:t>repozitorijum</a:t>
+            </a:r>
+            <a:r>
+              <a:rPr lang="en-US" sz="1400" dirty="0"/>
+              <a:t> za </a:t>
+            </a:r>
+            <a:r>
+              <a:rPr lang="en-US" sz="1400" dirty="0" err="1"/>
+              <a:t>novi</a:t>
+            </a:r>
+            <a:r>
+              <a:rPr lang="en-US" sz="1400" dirty="0"/>
+              <a:t> </a:t>
+            </a:r>
+            <a:r>
+              <a:rPr lang="en-US" sz="1400" dirty="0" err="1"/>
+              <a:t>projekat</a:t>
+            </a:r>
+            <a:r>
+              <a:rPr lang="sr-Latn-RS" sz="1400" dirty="0"/>
+              <a:t>.</a:t>
+            </a:r>
+            <a:endParaRPr lang="en-US" sz="1400" dirty="0"/>
+          </a:p>
+          <a:p>
+            <a:pPr marL="457200"/>
+            <a:r>
+              <a:rPr lang="en-US" sz="1400" dirty="0" err="1"/>
+              <a:t>Kreirati</a:t>
+            </a:r>
+            <a:r>
+              <a:rPr lang="en-US" sz="1400" dirty="0"/>
+              <a:t> </a:t>
+            </a:r>
+            <a:r>
+              <a:rPr lang="en-US" sz="1400" dirty="0" err="1"/>
+              <a:t>dve</a:t>
+            </a:r>
+            <a:r>
+              <a:rPr lang="en-US" sz="1400" dirty="0"/>
+              <a:t> </a:t>
+            </a:r>
+            <a:r>
+              <a:rPr lang="en-US" sz="1400" dirty="0" err="1"/>
+              <a:t>komponente</a:t>
+            </a:r>
+            <a:r>
+              <a:rPr lang="en-US" sz="1400" dirty="0"/>
+              <a:t>: </a:t>
+            </a:r>
+          </a:p>
+          <a:p>
+            <a:pPr marL="914400" lvl="1"/>
+            <a:r>
+              <a:rPr lang="en-US" sz="1000" dirty="0" err="1"/>
+              <a:t>Komponenta</a:t>
+            </a:r>
+            <a:r>
+              <a:rPr lang="en-US" sz="1000" dirty="0"/>
+              <a:t> za home page (</a:t>
+            </a:r>
+            <a:r>
+              <a:rPr lang="en-US" sz="1000" dirty="0" err="1"/>
+              <a:t>podaci</a:t>
+            </a:r>
+            <a:r>
+              <a:rPr lang="en-US" sz="1000" dirty="0"/>
+              <a:t> o </a:t>
+            </a:r>
+            <a:r>
+              <a:rPr lang="en-US" sz="1000" dirty="0" err="1"/>
+              <a:t>korisniku</a:t>
+            </a:r>
+            <a:r>
+              <a:rPr lang="en-US" sz="1000" dirty="0"/>
+              <a:t> I forma za </a:t>
+            </a:r>
+            <a:r>
+              <a:rPr lang="en-US" sz="1000" dirty="0" err="1"/>
+              <a:t>slanje</a:t>
+            </a:r>
+            <a:r>
+              <a:rPr lang="en-US" sz="1000" dirty="0"/>
+              <a:t> email-a)</a:t>
+            </a:r>
+          </a:p>
+          <a:p>
+            <a:pPr marL="914400" lvl="1"/>
+            <a:r>
+              <a:rPr lang="en-US" sz="1000" dirty="0" err="1"/>
+              <a:t>Slanje</a:t>
+            </a:r>
+            <a:r>
+              <a:rPr lang="en-US" sz="1000" dirty="0"/>
+              <a:t> email-a (log u developer </a:t>
+            </a:r>
+            <a:r>
+              <a:rPr lang="en-US" sz="1000" dirty="0" err="1"/>
+              <a:t>konzoli</a:t>
+            </a:r>
+            <a:r>
+              <a:rPr lang="en-US" sz="1000" dirty="0"/>
+              <a:t>) </a:t>
+            </a:r>
+            <a:r>
+              <a:rPr lang="en-US" sz="1000" dirty="0" err="1"/>
+              <a:t>uraditi</a:t>
+            </a:r>
+            <a:r>
+              <a:rPr lang="en-US" sz="1000" dirty="0"/>
+              <a:t> </a:t>
+            </a:r>
+            <a:r>
+              <a:rPr lang="en-US" sz="1000" dirty="0" err="1"/>
+              <a:t>preko</a:t>
+            </a:r>
+            <a:r>
+              <a:rPr lang="en-US" sz="1000" dirty="0"/>
+              <a:t> </a:t>
+            </a:r>
+            <a:r>
+              <a:rPr lang="en-US" sz="1000" dirty="0" err="1"/>
+              <a:t>servisa</a:t>
+            </a:r>
+            <a:endParaRPr lang="en-US" sz="1000" dirty="0"/>
+          </a:p>
+          <a:p>
+            <a:pPr marL="914400" lvl="1"/>
+            <a:r>
+              <a:rPr lang="en-US" sz="1000" dirty="0" err="1"/>
+              <a:t>Komponenta</a:t>
+            </a:r>
+            <a:r>
+              <a:rPr lang="en-US" sz="1000" dirty="0"/>
+              <a:t> za </a:t>
+            </a:r>
+            <a:r>
+              <a:rPr lang="en-US" sz="1000" dirty="0" err="1"/>
+              <a:t>stranicu</a:t>
+            </a:r>
+            <a:r>
+              <a:rPr lang="en-US" sz="1000" dirty="0"/>
+              <a:t> </a:t>
+            </a:r>
+            <a:r>
+              <a:rPr lang="en-US" sz="1000" dirty="0" err="1"/>
+              <a:t>sa</a:t>
+            </a:r>
+            <a:r>
+              <a:rPr lang="en-US" sz="1000" dirty="0"/>
+              <a:t> </a:t>
+            </a:r>
+            <a:r>
+              <a:rPr lang="en-US" sz="1000" dirty="0" err="1"/>
+              <a:t>galerijom</a:t>
+            </a:r>
+            <a:endParaRPr lang="en-US" sz="1000" dirty="0"/>
+          </a:p>
+          <a:p>
+            <a:pPr marL="914400" lvl="1"/>
+            <a:r>
+              <a:rPr lang="en-US" sz="1000" dirty="0" err="1"/>
+              <a:t>Galeriju</a:t>
+            </a:r>
+            <a:r>
+              <a:rPr lang="en-US" sz="1000" dirty="0"/>
+              <a:t> </a:t>
+            </a:r>
+            <a:r>
+              <a:rPr lang="en-US" sz="1000" dirty="0" err="1"/>
+              <a:t>sortirati</a:t>
+            </a:r>
+            <a:r>
+              <a:rPr lang="en-US" sz="1000" dirty="0"/>
+              <a:t> po </a:t>
+            </a:r>
+            <a:r>
+              <a:rPr lang="en-US" sz="1000" dirty="0" err="1"/>
+              <a:t>nazivu</a:t>
+            </a:r>
+            <a:endParaRPr lang="en-US" sz="1000" dirty="0"/>
+          </a:p>
+          <a:p>
+            <a:pPr marL="457200"/>
+            <a:r>
+              <a:rPr lang="en-US" sz="1400" dirty="0" err="1"/>
+              <a:t>Kreirati</a:t>
+            </a:r>
+            <a:r>
+              <a:rPr lang="en-US" sz="1400" dirty="0"/>
+              <a:t> </a:t>
+            </a:r>
+            <a:r>
+              <a:rPr lang="en-US" sz="1400" dirty="0" err="1"/>
+              <a:t>kontroler</a:t>
+            </a:r>
+            <a:r>
+              <a:rPr lang="en-US" sz="1400" dirty="0"/>
+              <a:t> u </a:t>
+            </a:r>
+            <a:r>
+              <a:rPr lang="en-US" sz="1400" dirty="0" err="1"/>
+              <a:t>kojem</a:t>
+            </a:r>
+            <a:r>
+              <a:rPr lang="en-US" sz="1400" dirty="0"/>
+              <a:t> </a:t>
+            </a:r>
+            <a:r>
+              <a:rPr lang="sr-Latn-RS" sz="1400" dirty="0"/>
+              <a:t>treba instancirati promenljive.</a:t>
+            </a:r>
+          </a:p>
+          <a:p>
+            <a:pPr marL="457200"/>
+            <a:r>
+              <a:rPr lang="sr-Latn-RS" sz="1400" dirty="0"/>
+              <a:t>Kreirati servis za digitron i proslediti kontroleru.</a:t>
+            </a:r>
+          </a:p>
+          <a:p>
+            <a:pPr marL="457200"/>
+            <a:r>
+              <a:rPr lang="sr-Latn-RS" sz="1400" dirty="0"/>
+              <a:t>U servisu za digitron kreirati funkcije za sabiranje, oduzimanje, mnozenje i deljenje.</a:t>
+            </a:r>
+          </a:p>
+          <a:p>
+            <a:pPr marL="457200"/>
+            <a:r>
+              <a:rPr lang="sr-Latn-RS" sz="1400" dirty="0"/>
+              <a:t>Kreirati direktivu za stranicu sa digitronom i proslediti funkcije iz kontrolera.</a:t>
+            </a:r>
+          </a:p>
+          <a:p>
+            <a:pPr marL="457200"/>
+            <a:r>
+              <a:rPr lang="sr-Latn-RS" sz="1400" dirty="0"/>
+              <a:t>Kreirati skriptu za rutiranje i povezati stranice tako da se kroz navigaciju od aplikacije može doći do svake stranice.</a:t>
+            </a:r>
+          </a:p>
+          <a:p>
+            <a:pPr marL="457200"/>
+            <a:r>
+              <a:rPr lang="sr-Latn-RS" sz="1400" dirty="0"/>
+              <a:t>Dodatno</a:t>
+            </a:r>
+            <a:r>
+              <a:rPr lang="en-US" sz="1400" dirty="0"/>
+              <a:t>: </a:t>
+            </a:r>
+          </a:p>
+          <a:p>
+            <a:pPr marL="914400" lvl="1"/>
+            <a:r>
+              <a:rPr lang="en-US" sz="1000" dirty="0" err="1"/>
+              <a:t>Klikom</a:t>
+            </a:r>
+            <a:r>
+              <a:rPr lang="en-US" sz="1000" dirty="0"/>
+              <a:t> </a:t>
+            </a:r>
+            <a:r>
+              <a:rPr lang="en-US" sz="1000" dirty="0" err="1"/>
+              <a:t>na</a:t>
+            </a:r>
+            <a:r>
+              <a:rPr lang="en-US" sz="1000" dirty="0"/>
+              <a:t> </a:t>
+            </a:r>
+            <a:r>
+              <a:rPr lang="en-US" sz="1000" dirty="0" err="1"/>
+              <a:t>sliku</a:t>
+            </a:r>
+            <a:r>
+              <a:rPr lang="en-US" sz="1000" dirty="0"/>
+              <a:t> </a:t>
+            </a:r>
+            <a:r>
+              <a:rPr lang="en-US" sz="1000" dirty="0" err="1"/>
+              <a:t>iz</a:t>
+            </a:r>
+            <a:r>
+              <a:rPr lang="en-US" sz="1000" dirty="0"/>
+              <a:t> </a:t>
+            </a:r>
+            <a:r>
+              <a:rPr lang="en-US" sz="1000" dirty="0" err="1"/>
+              <a:t>galerije</a:t>
+            </a:r>
+            <a:r>
+              <a:rPr lang="en-US" sz="1000" dirty="0"/>
+              <a:t> </a:t>
+            </a:r>
+            <a:r>
+              <a:rPr lang="en-US" sz="1000" dirty="0" err="1"/>
+              <a:t>treba</a:t>
+            </a:r>
+            <a:r>
+              <a:rPr lang="en-US" sz="1000" dirty="0"/>
+              <a:t> da se </a:t>
+            </a:r>
+            <a:r>
+              <a:rPr lang="en-US" sz="1000" dirty="0" err="1"/>
+              <a:t>otvori</a:t>
+            </a:r>
+            <a:r>
+              <a:rPr lang="en-US" sz="1000" dirty="0"/>
+              <a:t> nova </a:t>
+            </a:r>
+            <a:r>
+              <a:rPr lang="en-US" sz="1000" dirty="0" err="1"/>
+              <a:t>stranica</a:t>
+            </a:r>
+            <a:r>
+              <a:rPr lang="en-US" sz="1000" dirty="0"/>
+              <a:t> </a:t>
+            </a:r>
+            <a:r>
+              <a:rPr lang="en-US" sz="1000" dirty="0" err="1"/>
+              <a:t>sa</a:t>
+            </a:r>
+            <a:r>
+              <a:rPr lang="en-US" sz="1000" dirty="0"/>
+              <a:t> </a:t>
+            </a:r>
+            <a:r>
+              <a:rPr lang="en-US" sz="1000" dirty="0" err="1"/>
+              <a:t>slikom</a:t>
+            </a:r>
+            <a:r>
+              <a:rPr lang="en-US" sz="1000" dirty="0"/>
+              <a:t> </a:t>
+            </a:r>
+            <a:r>
+              <a:rPr lang="en-US" sz="1000" dirty="0" err="1"/>
+              <a:t>na</a:t>
+            </a:r>
+            <a:r>
+              <a:rPr lang="en-US" sz="1000" dirty="0"/>
+              <a:t> </a:t>
+            </a:r>
+            <a:r>
+              <a:rPr lang="en-US" sz="1000" dirty="0" err="1"/>
+              <a:t>koju</a:t>
+            </a:r>
+            <a:r>
+              <a:rPr lang="en-US" sz="1000" dirty="0"/>
+              <a:t> </a:t>
+            </a:r>
+            <a:r>
+              <a:rPr lang="en-US" sz="1000" dirty="0" err="1"/>
+              <a:t>ste</a:t>
+            </a:r>
+            <a:r>
+              <a:rPr lang="en-US" sz="1000" dirty="0"/>
+              <a:t> </a:t>
+            </a:r>
+            <a:r>
+              <a:rPr lang="en-US" sz="1000" dirty="0" err="1"/>
+              <a:t>kliknuli</a:t>
+            </a:r>
+            <a:r>
+              <a:rPr lang="en-US" sz="1000" dirty="0"/>
+              <a:t>.</a:t>
+            </a:r>
+          </a:p>
+          <a:p>
+            <a:pPr marL="457200"/>
+            <a:endParaRPr lang="en-US" sz="1400" dirty="0"/>
+          </a:p>
+        </p:txBody>
+      </p:sp>
+    </p:spTree>
+    <p:extLst>
+      <p:ext uri="{BB962C8B-B14F-4D97-AF65-F5344CB8AC3E}">
+        <p14:creationId xmlns:p14="http://schemas.microsoft.com/office/powerpoint/2010/main" val="3120141248"/>
+      </p:ext>
+    </p:extLst>
+  </p:cSld>
+  <p:clrMapOvr>
+    <a:masterClrMapping/>
+  </p:clrMapOvr>
 </p:sld>
 </file>
 
